--- a/Presentacion/Fuga de Información.pptx
+++ b/Presentacion/Fuga de Información.pptx
@@ -5,10 +5,10 @@
     <p:sldMasterId id="2147483648" r:id="rId2"/>
   </p:sldMasterIdLst>
   <p:notesMasterIdLst>
-    <p:notesMasterId r:id="rId40"/>
+    <p:notesMasterId r:id="rId39"/>
   </p:notesMasterIdLst>
   <p:handoutMasterIdLst>
-    <p:handoutMasterId r:id="rId41"/>
+    <p:handoutMasterId r:id="rId40"/>
   </p:handoutMasterIdLst>
   <p:sldIdLst>
     <p:sldId id="265" r:id="rId3"/>
@@ -32,27 +32,26 @@
     <p:sldId id="344" r:id="rId21"/>
     <p:sldId id="345" r:id="rId22"/>
     <p:sldId id="346" r:id="rId23"/>
-    <p:sldId id="328" r:id="rId24"/>
-    <p:sldId id="329" r:id="rId25"/>
-    <p:sldId id="330" r:id="rId26"/>
-    <p:sldId id="334" r:id="rId27"/>
-    <p:sldId id="335" r:id="rId28"/>
-    <p:sldId id="347" r:id="rId29"/>
-    <p:sldId id="321" r:id="rId30"/>
-    <p:sldId id="325" r:id="rId31"/>
-    <p:sldId id="326" r:id="rId32"/>
-    <p:sldId id="327" r:id="rId33"/>
-    <p:sldId id="331" r:id="rId34"/>
-    <p:sldId id="333" r:id="rId35"/>
-    <p:sldId id="351" r:id="rId36"/>
-    <p:sldId id="352" r:id="rId37"/>
-    <p:sldId id="353" r:id="rId38"/>
-    <p:sldId id="319" r:id="rId39"/>
+    <p:sldId id="330" r:id="rId24"/>
+    <p:sldId id="334" r:id="rId25"/>
+    <p:sldId id="335" r:id="rId26"/>
+    <p:sldId id="347" r:id="rId27"/>
+    <p:sldId id="321" r:id="rId28"/>
+    <p:sldId id="325" r:id="rId29"/>
+    <p:sldId id="326" r:id="rId30"/>
+    <p:sldId id="327" r:id="rId31"/>
+    <p:sldId id="331" r:id="rId32"/>
+    <p:sldId id="333" r:id="rId33"/>
+    <p:sldId id="362" r:id="rId34"/>
+    <p:sldId id="351" r:id="rId35"/>
+    <p:sldId id="352" r:id="rId36"/>
+    <p:sldId id="353" r:id="rId37"/>
+    <p:sldId id="319" r:id="rId38"/>
   </p:sldIdLst>
   <p:sldSz cx="12188825" cy="6858000"/>
   <p:notesSz cx="6858000" cy="9144000"/>
   <p:custDataLst>
-    <p:tags r:id="rId42"/>
+    <p:tags r:id="rId41"/>
   </p:custDataLst>
   <p:defaultTextStyle>
     <a:defPPr>
@@ -1094,176 +1093,6 @@
 </p:notes>
 </file>
 
-<file path=ppt/notesSlides/notesSlide10.xml><?xml version="1.0" encoding="utf-8"?>
-<p:notes xmlns:a="http://schemas.openxmlformats.org/drawingml/2006/main" xmlns:r="http://schemas.openxmlformats.org/officeDocument/2006/relationships" xmlns:p="http://schemas.openxmlformats.org/presentationml/2006/main">
-  <p:cSld>
-    <p:spTree>
-      <p:nvGrpSpPr>
-        <p:cNvPr id="1" name=""/>
-        <p:cNvGrpSpPr/>
-        <p:nvPr/>
-      </p:nvGrpSpPr>
-      <p:grpSpPr>
-        <a:xfrm>
-          <a:off x="0" y="0"/>
-          <a:ext cx="0" cy="0"/>
-          <a:chOff x="0" y="0"/>
-          <a:chExt cx="0" cy="0"/>
-        </a:xfrm>
-      </p:grpSpPr>
-      <p:sp>
-        <p:nvSpPr>
-          <p:cNvPr id="2" name="Slide Image Placeholder 1"/>
-          <p:cNvSpPr>
-            <a:spLocks noGrp="1" noRot="1" noChangeAspect="1"/>
-          </p:cNvSpPr>
-          <p:nvPr>
-            <p:ph type="sldImg"/>
-          </p:nvPr>
-        </p:nvSpPr>
-        <p:spPr/>
-      </p:sp>
-      <p:sp>
-        <p:nvSpPr>
-          <p:cNvPr id="3" name="Notes Placeholder 2"/>
-          <p:cNvSpPr>
-            <a:spLocks noGrp="1"/>
-          </p:cNvSpPr>
-          <p:nvPr>
-            <p:ph type="body" idx="1"/>
-          </p:nvPr>
-        </p:nvSpPr>
-        <p:spPr/>
-        <p:txBody>
-          <a:bodyPr/>
-          <a:lstStyle/>
-          <a:p>
-            <a:endParaRPr lang="en-US"/>
-          </a:p>
-        </p:txBody>
-      </p:sp>
-      <p:sp>
-        <p:nvSpPr>
-          <p:cNvPr id="4" name="Slide Number Placeholder 3"/>
-          <p:cNvSpPr>
-            <a:spLocks noGrp="1"/>
-          </p:cNvSpPr>
-          <p:nvPr>
-            <p:ph type="sldNum" sz="quarter" idx="10"/>
-          </p:nvPr>
-        </p:nvSpPr>
-        <p:spPr/>
-        <p:txBody>
-          <a:bodyPr/>
-          <a:lstStyle/>
-          <a:p>
-            <a:fld id="{F93199CD-3E1B-4AE6-990F-76F925F5EA9F}" type="slidenum">
-              <a:rPr lang="en-US" smtClean="0"/>
-              <a:pPr/>
-              <a:t>32</a:t>
-            </a:fld>
-            <a:endParaRPr lang="en-US"/>
-          </a:p>
-        </p:txBody>
-      </p:sp>
-    </p:spTree>
-    <p:extLst>
-      <p:ext uri="{BB962C8B-B14F-4D97-AF65-F5344CB8AC3E}">
-        <p14:creationId xmlns:p14="http://schemas.microsoft.com/office/powerpoint/2010/main" val="1014212789"/>
-      </p:ext>
-    </p:extLst>
-  </p:cSld>
-  <p:clrMapOvr>
-    <a:masterClrMapping/>
-  </p:clrMapOvr>
-</p:notes>
-</file>
-
-<file path=ppt/notesSlides/notesSlide11.xml><?xml version="1.0" encoding="utf-8"?>
-<p:notes xmlns:a="http://schemas.openxmlformats.org/drawingml/2006/main" xmlns:r="http://schemas.openxmlformats.org/officeDocument/2006/relationships" xmlns:p="http://schemas.openxmlformats.org/presentationml/2006/main">
-  <p:cSld>
-    <p:spTree>
-      <p:nvGrpSpPr>
-        <p:cNvPr id="1" name=""/>
-        <p:cNvGrpSpPr/>
-        <p:nvPr/>
-      </p:nvGrpSpPr>
-      <p:grpSpPr>
-        <a:xfrm>
-          <a:off x="0" y="0"/>
-          <a:ext cx="0" cy="0"/>
-          <a:chOff x="0" y="0"/>
-          <a:chExt cx="0" cy="0"/>
-        </a:xfrm>
-      </p:grpSpPr>
-      <p:sp>
-        <p:nvSpPr>
-          <p:cNvPr id="2" name="Slide Image Placeholder 1"/>
-          <p:cNvSpPr>
-            <a:spLocks noGrp="1" noRot="1" noChangeAspect="1"/>
-          </p:cNvSpPr>
-          <p:nvPr>
-            <p:ph type="sldImg"/>
-          </p:nvPr>
-        </p:nvSpPr>
-        <p:spPr/>
-      </p:sp>
-      <p:sp>
-        <p:nvSpPr>
-          <p:cNvPr id="3" name="Notes Placeholder 2"/>
-          <p:cNvSpPr>
-            <a:spLocks noGrp="1"/>
-          </p:cNvSpPr>
-          <p:nvPr>
-            <p:ph type="body" idx="1"/>
-          </p:nvPr>
-        </p:nvSpPr>
-        <p:spPr/>
-        <p:txBody>
-          <a:bodyPr/>
-          <a:lstStyle/>
-          <a:p>
-            <a:endParaRPr lang="en-US"/>
-          </a:p>
-        </p:txBody>
-      </p:sp>
-      <p:sp>
-        <p:nvSpPr>
-          <p:cNvPr id="4" name="Slide Number Placeholder 3"/>
-          <p:cNvSpPr>
-            <a:spLocks noGrp="1"/>
-          </p:cNvSpPr>
-          <p:nvPr>
-            <p:ph type="sldNum" sz="quarter" idx="10"/>
-          </p:nvPr>
-        </p:nvSpPr>
-        <p:spPr/>
-        <p:txBody>
-          <a:bodyPr/>
-          <a:lstStyle/>
-          <a:p>
-            <a:fld id="{F93199CD-3E1B-4AE6-990F-76F925F5EA9F}" type="slidenum">
-              <a:rPr lang="en-US" smtClean="0"/>
-              <a:pPr/>
-              <a:t>33</a:t>
-            </a:fld>
-            <a:endParaRPr lang="en-US"/>
-          </a:p>
-        </p:txBody>
-      </p:sp>
-    </p:spTree>
-    <p:extLst>
-      <p:ext uri="{BB962C8B-B14F-4D97-AF65-F5344CB8AC3E}">
-        <p14:creationId xmlns:p14="http://schemas.microsoft.com/office/powerpoint/2010/main" val="127681626"/>
-      </p:ext>
-    </p:extLst>
-  </p:cSld>
-  <p:clrMapOvr>
-    <a:masterClrMapping/>
-  </p:clrMapOvr>
-</p:notes>
-</file>
-
 <file path=ppt/notesSlides/notesSlide2.xml><?xml version="1.0" encoding="utf-8"?>
 <p:notes xmlns:a="http://schemas.openxmlformats.org/drawingml/2006/main" xmlns:r="http://schemas.openxmlformats.org/officeDocument/2006/relationships" xmlns:p="http://schemas.openxmlformats.org/presentationml/2006/main">
   <p:cSld>
@@ -1393,7 +1222,7 @@
           <a:bodyPr/>
           <a:lstStyle/>
           <a:p>
-            <a:endParaRPr lang="en-US" dirty="0"/>
+            <a:endParaRPr lang="en-US"/>
           </a:p>
         </p:txBody>
       </p:sp>
@@ -1424,7 +1253,7 @@
     </p:spTree>
     <p:extLst>
       <p:ext uri="{BB962C8B-B14F-4D97-AF65-F5344CB8AC3E}">
-        <p14:creationId xmlns:p14="http://schemas.microsoft.com/office/powerpoint/2010/main" val="24731803"/>
+        <p14:creationId xmlns:p14="http://schemas.microsoft.com/office/powerpoint/2010/main" val="1362585539"/>
       </p:ext>
     </p:extLst>
   </p:cSld>
@@ -1478,6 +1307,477 @@
           <a:bodyPr/>
           <a:lstStyle/>
           <a:p>
+            <a:pPr marL="0" marR="0" indent="0" algn="l" defTabSz="914400" rtl="0" eaLnBrk="1" fontAlgn="auto" latinLnBrk="0" hangingPunct="1">
+              <a:lnSpc>
+                <a:spcPct val="100000"/>
+              </a:lnSpc>
+              <a:spcBef>
+                <a:spcPts val="0"/>
+              </a:spcBef>
+              <a:spcAft>
+                <a:spcPts val="0"/>
+              </a:spcAft>
+              <a:buClrTx/>
+              <a:buSzTx/>
+              <a:buFontTx/>
+              <a:buNone/>
+              <a:tabLst/>
+              <a:defRPr/>
+            </a:pPr>
+            <a:r>
+              <a:rPr lang="es-AR" sz="1200" kern="1200" dirty="0" smtClean="0">
+                <a:solidFill>
+                  <a:schemeClr val="tx1"/>
+                </a:solidFill>
+                <a:effectLst/>
+                <a:latin typeface="+mn-lt"/>
+                <a:ea typeface="+mn-ea"/>
+                <a:cs typeface="+mn-cs"/>
+              </a:rPr>
+              <a:t>El siglo XXI se caracteriza por un cambio de la economía tradicional traída en la revolución industrial hacia una </a:t>
+            </a:r>
+            <a:r>
+              <a:rPr lang="es-AR" sz="1200" b="1" kern="1200" dirty="0" smtClean="0">
+                <a:solidFill>
+                  <a:schemeClr val="tx1"/>
+                </a:solidFill>
+                <a:effectLst/>
+                <a:latin typeface="+mn-lt"/>
+                <a:ea typeface="+mn-ea"/>
+                <a:cs typeface="+mn-cs"/>
+              </a:rPr>
+              <a:t>economía basada en la información.</a:t>
+            </a:r>
+            <a:r>
+              <a:rPr lang="es-AR" sz="1200" kern="1200" dirty="0" smtClean="0">
+                <a:solidFill>
+                  <a:schemeClr val="tx1"/>
+                </a:solidFill>
+                <a:effectLst/>
+                <a:latin typeface="+mn-lt"/>
+                <a:ea typeface="+mn-ea"/>
+                <a:cs typeface="+mn-cs"/>
+              </a:rPr>
+              <a:t> Durante esta era, la industria es capaz de explorar las necesidades personales de los consumidores, lo cual trae aparejado una reducción de costos tanto para los consumidores como para las empresas.</a:t>
+            </a:r>
+            <a:endParaRPr lang="en-US" sz="1200" kern="1200" dirty="0" smtClean="0">
+              <a:solidFill>
+                <a:schemeClr val="tx1"/>
+              </a:solidFill>
+              <a:effectLst/>
+              <a:latin typeface="+mn-lt"/>
+              <a:ea typeface="+mn-ea"/>
+              <a:cs typeface="+mn-cs"/>
+            </a:endParaRPr>
+          </a:p>
+          <a:p>
+            <a:r>
+              <a:rPr lang="es-AR" sz="1200" kern="1200" dirty="0" smtClean="0">
+                <a:solidFill>
+                  <a:schemeClr val="tx1"/>
+                </a:solidFill>
+                <a:effectLst/>
+                <a:latin typeface="+mn-lt"/>
+                <a:ea typeface="+mn-ea"/>
+                <a:cs typeface="+mn-cs"/>
+              </a:rPr>
+              <a:t>Durante este período, caracterizado por la miniaturización de las computadoras y la </a:t>
+            </a:r>
+            <a:r>
+              <a:rPr lang="es-AR" sz="1200" b="1" kern="1200" dirty="0" smtClean="0">
+                <a:solidFill>
+                  <a:schemeClr val="tx1"/>
+                </a:solidFill>
+                <a:effectLst/>
+                <a:latin typeface="+mn-lt"/>
+                <a:ea typeface="+mn-ea"/>
+                <a:cs typeface="+mn-cs"/>
+              </a:rPr>
+              <a:t>proliferación de internet </a:t>
+            </a:r>
+            <a:r>
+              <a:rPr lang="es-AR" sz="1200" kern="1200" dirty="0" smtClean="0">
+                <a:solidFill>
+                  <a:schemeClr val="tx1"/>
+                </a:solidFill>
+                <a:effectLst/>
+                <a:latin typeface="+mn-lt"/>
+                <a:ea typeface="+mn-ea"/>
+                <a:cs typeface="+mn-cs"/>
+              </a:rPr>
+              <a:t>desde el año 1990, la fuga de información se ve incrementada gracias a la rápida expansión de los medios de comunicación. Dado que existen más formas de comunicación que se utilizan dentro de las organizaciones, han emergido nuevas formas de fuga de información, como ser la mensajería instantánea, los correos electrónicos, la ingeniería social, etc.</a:t>
+            </a:r>
+            <a:endParaRPr lang="en-US" sz="1200" kern="1200" dirty="0" smtClean="0">
+              <a:solidFill>
+                <a:schemeClr val="tx1"/>
+              </a:solidFill>
+              <a:effectLst/>
+              <a:latin typeface="+mn-lt"/>
+              <a:ea typeface="+mn-ea"/>
+              <a:cs typeface="+mn-cs"/>
+            </a:endParaRPr>
+          </a:p>
+          <a:p>
+            <a:r>
+              <a:rPr lang="es-AR" sz="1200" kern="1200" dirty="0" smtClean="0">
+                <a:solidFill>
+                  <a:schemeClr val="tx1"/>
+                </a:solidFill>
+                <a:effectLst/>
+                <a:latin typeface="+mn-lt"/>
+                <a:ea typeface="+mn-ea"/>
+                <a:cs typeface="+mn-cs"/>
+              </a:rPr>
+              <a:t>En el campo de la </a:t>
+            </a:r>
+            <a:r>
+              <a:rPr lang="es-AR" sz="1200" b="1" kern="1200" dirty="0" smtClean="0">
+                <a:solidFill>
+                  <a:schemeClr val="tx1"/>
+                </a:solidFill>
+                <a:effectLst/>
+                <a:latin typeface="+mn-lt"/>
+                <a:ea typeface="+mn-ea"/>
+                <a:cs typeface="+mn-cs"/>
+              </a:rPr>
+              <a:t>medicina</a:t>
+            </a:r>
+            <a:r>
+              <a:rPr lang="es-AR" sz="1200" kern="1200" dirty="0" smtClean="0">
+                <a:solidFill>
+                  <a:schemeClr val="tx1"/>
+                </a:solidFill>
+                <a:effectLst/>
+                <a:latin typeface="+mn-lt"/>
+                <a:ea typeface="+mn-ea"/>
+                <a:cs typeface="+mn-cs"/>
+              </a:rPr>
+              <a:t>, la situación es crítica. La información clínica de los pacientes es almacenada electrónicamente, y esto permite que las autoridades envíen registros de enfermedades a investigadores; en muchas ocasiones esto incluye los nombres y direcciones de los pacientes, sin su consentimiento explícito.</a:t>
+            </a:r>
+            <a:endParaRPr lang="en-US" sz="1200" kern="1200" dirty="0" smtClean="0">
+              <a:solidFill>
+                <a:schemeClr val="tx1"/>
+              </a:solidFill>
+              <a:effectLst/>
+              <a:latin typeface="+mn-lt"/>
+              <a:ea typeface="+mn-ea"/>
+              <a:cs typeface="+mn-cs"/>
+            </a:endParaRPr>
+          </a:p>
+          <a:p>
+            <a:r>
+              <a:rPr lang="es-AR" sz="1200" kern="1200" dirty="0" smtClean="0">
+                <a:solidFill>
+                  <a:schemeClr val="tx1"/>
+                </a:solidFill>
+                <a:effectLst/>
+                <a:latin typeface="+mn-lt"/>
+                <a:ea typeface="+mn-ea"/>
+                <a:cs typeface="+mn-cs"/>
+              </a:rPr>
+              <a:t>El </a:t>
+            </a:r>
+            <a:r>
+              <a:rPr lang="es-AR" sz="1200" b="1" kern="1200" dirty="0" smtClean="0">
+                <a:solidFill>
+                  <a:schemeClr val="tx1"/>
+                </a:solidFill>
+                <a:effectLst/>
+                <a:latin typeface="+mn-lt"/>
+                <a:ea typeface="+mn-ea"/>
+                <a:cs typeface="+mn-cs"/>
+              </a:rPr>
+              <a:t>principal capital de las empresas tecnológicas</a:t>
+            </a:r>
+            <a:r>
+              <a:rPr lang="es-AR" sz="1200" kern="1200" dirty="0" smtClean="0">
+                <a:solidFill>
+                  <a:schemeClr val="tx1"/>
+                </a:solidFill>
+                <a:effectLst/>
+                <a:latin typeface="+mn-lt"/>
+                <a:ea typeface="+mn-ea"/>
+                <a:cs typeface="+mn-cs"/>
+              </a:rPr>
+              <a:t> lo conforman los bienes o activos intangibles: información, conocimientos, algoritmos, fórmulas, invenciones, procesos, estrategia comercial y bases de datos, entre otros. Las organizaciones del siglo XXI deben estar preparadas para los siguientes desafíos: </a:t>
+            </a:r>
+            <a:endParaRPr lang="en-US" sz="1200" kern="1200" dirty="0" smtClean="0">
+              <a:solidFill>
+                <a:schemeClr val="tx1"/>
+              </a:solidFill>
+              <a:effectLst/>
+              <a:latin typeface="+mn-lt"/>
+              <a:ea typeface="+mn-ea"/>
+              <a:cs typeface="+mn-cs"/>
+            </a:endParaRPr>
+          </a:p>
+          <a:p>
+            <a:pPr lvl="0"/>
+            <a:r>
+              <a:rPr lang="es-AR" sz="1200" u="none" strike="noStrike" kern="1200" dirty="0" smtClean="0">
+                <a:solidFill>
+                  <a:schemeClr val="tx1"/>
+                </a:solidFill>
+                <a:effectLst/>
+                <a:latin typeface="+mn-lt"/>
+                <a:ea typeface="+mn-ea"/>
+                <a:cs typeface="+mn-cs"/>
+              </a:rPr>
+              <a:t>Manejar y procesar grandes volúmenes de información diversa a alta velocidad. </a:t>
+            </a:r>
+            <a:endParaRPr lang="en-US" sz="1200" u="none" strike="noStrike" kern="1200" dirty="0" smtClean="0">
+              <a:solidFill>
+                <a:schemeClr val="tx1"/>
+              </a:solidFill>
+              <a:effectLst/>
+              <a:latin typeface="+mn-lt"/>
+              <a:ea typeface="+mn-ea"/>
+              <a:cs typeface="+mn-cs"/>
+            </a:endParaRPr>
+          </a:p>
+          <a:p>
+            <a:pPr lvl="0"/>
+            <a:r>
+              <a:rPr lang="es-AR" sz="1200" u="none" strike="noStrike" kern="1200" dirty="0" smtClean="0">
+                <a:solidFill>
+                  <a:schemeClr val="tx1"/>
+                </a:solidFill>
+                <a:effectLst/>
+                <a:latin typeface="+mn-lt"/>
+                <a:ea typeface="+mn-ea"/>
+                <a:cs typeface="+mn-cs"/>
+              </a:rPr>
+              <a:t>Analizar datos estructurados y no estructurados, tanto dentro como fuera de sus redes.</a:t>
+            </a:r>
+            <a:endParaRPr lang="en-US" sz="1200" u="none" strike="noStrike" kern="1200" dirty="0" smtClean="0">
+              <a:solidFill>
+                <a:schemeClr val="tx1"/>
+              </a:solidFill>
+              <a:effectLst/>
+              <a:latin typeface="+mn-lt"/>
+              <a:ea typeface="+mn-ea"/>
+              <a:cs typeface="+mn-cs"/>
+            </a:endParaRPr>
+          </a:p>
+          <a:p>
+            <a:pPr lvl="0"/>
+            <a:r>
+              <a:rPr lang="es-AR" sz="1200" u="none" strike="noStrike" kern="1200" dirty="0" smtClean="0">
+                <a:solidFill>
+                  <a:schemeClr val="tx1"/>
+                </a:solidFill>
+                <a:effectLst/>
+                <a:latin typeface="+mn-lt"/>
+                <a:ea typeface="+mn-ea"/>
+                <a:cs typeface="+mn-cs"/>
+              </a:rPr>
+              <a:t>Monitorear eventos en entornos de nube, móviles y virtuales.</a:t>
+            </a:r>
+            <a:endParaRPr lang="en-US" sz="1200" u="none" strike="noStrike" kern="1200" dirty="0" smtClean="0">
+              <a:solidFill>
+                <a:schemeClr val="tx1"/>
+              </a:solidFill>
+              <a:effectLst/>
+              <a:latin typeface="+mn-lt"/>
+              <a:ea typeface="+mn-ea"/>
+              <a:cs typeface="+mn-cs"/>
+            </a:endParaRPr>
+          </a:p>
+          <a:p>
+            <a:pPr lvl="0"/>
+            <a:r>
+              <a:rPr lang="es-AR" sz="1200" u="none" strike="noStrike" kern="1200" dirty="0" smtClean="0">
+                <a:solidFill>
+                  <a:schemeClr val="tx1"/>
+                </a:solidFill>
+                <a:effectLst/>
+                <a:latin typeface="+mn-lt"/>
+                <a:ea typeface="+mn-ea"/>
+                <a:cs typeface="+mn-cs"/>
+              </a:rPr>
+              <a:t>Adoptar acciones automáticamente cuando se detecta una amenaza.</a:t>
+            </a:r>
+            <a:endParaRPr lang="en-US" sz="1200" u="none" strike="noStrike" kern="1200" dirty="0" smtClean="0">
+              <a:solidFill>
+                <a:schemeClr val="tx1"/>
+              </a:solidFill>
+              <a:effectLst/>
+              <a:latin typeface="+mn-lt"/>
+              <a:ea typeface="+mn-ea"/>
+              <a:cs typeface="+mn-cs"/>
+            </a:endParaRPr>
+          </a:p>
+          <a:p>
+            <a:endParaRPr lang="en-US" dirty="0"/>
+          </a:p>
+        </p:txBody>
+      </p:sp>
+      <p:sp>
+        <p:nvSpPr>
+          <p:cNvPr id="4" name="Slide Number Placeholder 3"/>
+          <p:cNvSpPr>
+            <a:spLocks noGrp="1"/>
+          </p:cNvSpPr>
+          <p:nvPr>
+            <p:ph type="sldNum" sz="quarter" idx="10"/>
+          </p:nvPr>
+        </p:nvSpPr>
+        <p:spPr/>
+        <p:txBody>
+          <a:bodyPr/>
+          <a:lstStyle/>
+          <a:p>
+            <a:fld id="{F93199CD-3E1B-4AE6-990F-76F925F5EA9F}" type="slidenum">
+              <a:rPr lang="en-US" smtClean="0"/>
+              <a:pPr/>
+              <a:t>26</a:t>
+            </a:fld>
+            <a:endParaRPr lang="en-US"/>
+          </a:p>
+        </p:txBody>
+      </p:sp>
+    </p:spTree>
+    <p:extLst>
+      <p:ext uri="{BB962C8B-B14F-4D97-AF65-F5344CB8AC3E}">
+        <p14:creationId xmlns:p14="http://schemas.microsoft.com/office/powerpoint/2010/main" val="3805029774"/>
+      </p:ext>
+    </p:extLst>
+  </p:cSld>
+  <p:clrMapOvr>
+    <a:masterClrMapping/>
+  </p:clrMapOvr>
+</p:notes>
+</file>
+
+<file path=ppt/notesSlides/notesSlide5.xml><?xml version="1.0" encoding="utf-8"?>
+<p:notes xmlns:a="http://schemas.openxmlformats.org/drawingml/2006/main" xmlns:r="http://schemas.openxmlformats.org/officeDocument/2006/relationships" xmlns:p="http://schemas.openxmlformats.org/presentationml/2006/main">
+  <p:cSld>
+    <p:spTree>
+      <p:nvGrpSpPr>
+        <p:cNvPr id="1" name=""/>
+        <p:cNvGrpSpPr/>
+        <p:nvPr/>
+      </p:nvGrpSpPr>
+      <p:grpSpPr>
+        <a:xfrm>
+          <a:off x="0" y="0"/>
+          <a:ext cx="0" cy="0"/>
+          <a:chOff x="0" y="0"/>
+          <a:chExt cx="0" cy="0"/>
+        </a:xfrm>
+      </p:grpSpPr>
+      <p:sp>
+        <p:nvSpPr>
+          <p:cNvPr id="2" name="Slide Image Placeholder 1"/>
+          <p:cNvSpPr>
+            <a:spLocks noGrp="1" noRot="1" noChangeAspect="1"/>
+          </p:cNvSpPr>
+          <p:nvPr>
+            <p:ph type="sldImg"/>
+          </p:nvPr>
+        </p:nvSpPr>
+        <p:spPr/>
+      </p:sp>
+      <p:sp>
+        <p:nvSpPr>
+          <p:cNvPr id="3" name="Notes Placeholder 2"/>
+          <p:cNvSpPr>
+            <a:spLocks noGrp="1"/>
+          </p:cNvSpPr>
+          <p:nvPr>
+            <p:ph type="body" idx="1"/>
+          </p:nvPr>
+        </p:nvSpPr>
+        <p:spPr/>
+        <p:txBody>
+          <a:bodyPr/>
+          <a:lstStyle/>
+          <a:p>
+            <a:endParaRPr lang="en-US" dirty="0"/>
+          </a:p>
+        </p:txBody>
+      </p:sp>
+      <p:sp>
+        <p:nvSpPr>
+          <p:cNvPr id="4" name="Slide Number Placeholder 3"/>
+          <p:cNvSpPr>
+            <a:spLocks noGrp="1"/>
+          </p:cNvSpPr>
+          <p:nvPr>
+            <p:ph type="sldNum" sz="quarter" idx="10"/>
+          </p:nvPr>
+        </p:nvSpPr>
+        <p:spPr/>
+        <p:txBody>
+          <a:bodyPr/>
+          <a:lstStyle/>
+          <a:p>
+            <a:fld id="{F93199CD-3E1B-4AE6-990F-76F925F5EA9F}" type="slidenum">
+              <a:rPr lang="en-US" smtClean="0"/>
+              <a:pPr/>
+              <a:t>27</a:t>
+            </a:fld>
+            <a:endParaRPr lang="en-US"/>
+          </a:p>
+        </p:txBody>
+      </p:sp>
+    </p:spTree>
+    <p:extLst>
+      <p:ext uri="{BB962C8B-B14F-4D97-AF65-F5344CB8AC3E}">
+        <p14:creationId xmlns:p14="http://schemas.microsoft.com/office/powerpoint/2010/main" val="655676726"/>
+      </p:ext>
+    </p:extLst>
+  </p:cSld>
+  <p:clrMapOvr>
+    <a:masterClrMapping/>
+  </p:clrMapOvr>
+</p:notes>
+</file>
+
+<file path=ppt/notesSlides/notesSlide6.xml><?xml version="1.0" encoding="utf-8"?>
+<p:notes xmlns:a="http://schemas.openxmlformats.org/drawingml/2006/main" xmlns:r="http://schemas.openxmlformats.org/officeDocument/2006/relationships" xmlns:p="http://schemas.openxmlformats.org/presentationml/2006/main">
+  <p:cSld>
+    <p:spTree>
+      <p:nvGrpSpPr>
+        <p:cNvPr id="1" name=""/>
+        <p:cNvGrpSpPr/>
+        <p:nvPr/>
+      </p:nvGrpSpPr>
+      <p:grpSpPr>
+        <a:xfrm>
+          <a:off x="0" y="0"/>
+          <a:ext cx="0" cy="0"/>
+          <a:chOff x="0" y="0"/>
+          <a:chExt cx="0" cy="0"/>
+        </a:xfrm>
+      </p:grpSpPr>
+      <p:sp>
+        <p:nvSpPr>
+          <p:cNvPr id="2" name="Slide Image Placeholder 1"/>
+          <p:cNvSpPr>
+            <a:spLocks noGrp="1" noRot="1" noChangeAspect="1"/>
+          </p:cNvSpPr>
+          <p:nvPr>
+            <p:ph type="sldImg"/>
+          </p:nvPr>
+        </p:nvSpPr>
+        <p:spPr/>
+      </p:sp>
+      <p:sp>
+        <p:nvSpPr>
+          <p:cNvPr id="3" name="Notes Placeholder 2"/>
+          <p:cNvSpPr>
+            <a:spLocks noGrp="1"/>
+          </p:cNvSpPr>
+          <p:nvPr>
+            <p:ph type="body" idx="1"/>
+          </p:nvPr>
+        </p:nvSpPr>
+        <p:spPr/>
+        <p:txBody>
+          <a:bodyPr/>
+          <a:lstStyle/>
+          <a:p>
             <a:r>
               <a:rPr lang="es-AR" sz="1200" kern="1200" dirty="0" smtClean="0">
                 <a:solidFill>
@@ -1952,7 +2252,7 @@
             <a:fld id="{F93199CD-3E1B-4AE6-990F-76F925F5EA9F}" type="slidenum">
               <a:rPr lang="en-US" smtClean="0"/>
               <a:pPr/>
-              <a:t>23</a:t>
+              <a:t>28</a:t>
             </a:fld>
             <a:endParaRPr lang="en-US"/>
           </a:p>
@@ -1961,478 +2261,7 @@
     </p:spTree>
     <p:extLst>
       <p:ext uri="{BB962C8B-B14F-4D97-AF65-F5344CB8AC3E}">
-        <p14:creationId xmlns:p14="http://schemas.microsoft.com/office/powerpoint/2010/main" val="3164564061"/>
-      </p:ext>
-    </p:extLst>
-  </p:cSld>
-  <p:clrMapOvr>
-    <a:masterClrMapping/>
-  </p:clrMapOvr>
-</p:notes>
-</file>
-
-<file path=ppt/notesSlides/notesSlide5.xml><?xml version="1.0" encoding="utf-8"?>
-<p:notes xmlns:a="http://schemas.openxmlformats.org/drawingml/2006/main" xmlns:r="http://schemas.openxmlformats.org/officeDocument/2006/relationships" xmlns:p="http://schemas.openxmlformats.org/presentationml/2006/main">
-  <p:cSld>
-    <p:spTree>
-      <p:nvGrpSpPr>
-        <p:cNvPr id="1" name=""/>
-        <p:cNvGrpSpPr/>
-        <p:nvPr/>
-      </p:nvGrpSpPr>
-      <p:grpSpPr>
-        <a:xfrm>
-          <a:off x="0" y="0"/>
-          <a:ext cx="0" cy="0"/>
-          <a:chOff x="0" y="0"/>
-          <a:chExt cx="0" cy="0"/>
-        </a:xfrm>
-      </p:grpSpPr>
-      <p:sp>
-        <p:nvSpPr>
-          <p:cNvPr id="2" name="Slide Image Placeholder 1"/>
-          <p:cNvSpPr>
-            <a:spLocks noGrp="1" noRot="1" noChangeAspect="1"/>
-          </p:cNvSpPr>
-          <p:nvPr>
-            <p:ph type="sldImg"/>
-          </p:nvPr>
-        </p:nvSpPr>
-        <p:spPr/>
-      </p:sp>
-      <p:sp>
-        <p:nvSpPr>
-          <p:cNvPr id="3" name="Notes Placeholder 2"/>
-          <p:cNvSpPr>
-            <a:spLocks noGrp="1"/>
-          </p:cNvSpPr>
-          <p:nvPr>
-            <p:ph type="body" idx="1"/>
-          </p:nvPr>
-        </p:nvSpPr>
-        <p:spPr/>
-        <p:txBody>
-          <a:bodyPr/>
-          <a:lstStyle/>
-          <a:p>
-            <a:endParaRPr lang="en-US"/>
-          </a:p>
-        </p:txBody>
-      </p:sp>
-      <p:sp>
-        <p:nvSpPr>
-          <p:cNvPr id="4" name="Slide Number Placeholder 3"/>
-          <p:cNvSpPr>
-            <a:spLocks noGrp="1"/>
-          </p:cNvSpPr>
-          <p:nvPr>
-            <p:ph type="sldNum" sz="quarter" idx="10"/>
-          </p:nvPr>
-        </p:nvSpPr>
-        <p:spPr/>
-        <p:txBody>
-          <a:bodyPr/>
-          <a:lstStyle/>
-          <a:p>
-            <a:fld id="{F93199CD-3E1B-4AE6-990F-76F925F5EA9F}" type="slidenum">
-              <a:rPr lang="en-US" smtClean="0"/>
-              <a:pPr/>
-              <a:t>24</a:t>
-            </a:fld>
-            <a:endParaRPr lang="en-US"/>
-          </a:p>
-        </p:txBody>
-      </p:sp>
-    </p:spTree>
-    <p:extLst>
-      <p:ext uri="{BB962C8B-B14F-4D97-AF65-F5344CB8AC3E}">
-        <p14:creationId xmlns:p14="http://schemas.microsoft.com/office/powerpoint/2010/main" val="1362585539"/>
-      </p:ext>
-    </p:extLst>
-  </p:cSld>
-  <p:clrMapOvr>
-    <a:masterClrMapping/>
-  </p:clrMapOvr>
-</p:notes>
-</file>
-
-<file path=ppt/notesSlides/notesSlide6.xml><?xml version="1.0" encoding="utf-8"?>
-<p:notes xmlns:a="http://schemas.openxmlformats.org/drawingml/2006/main" xmlns:r="http://schemas.openxmlformats.org/officeDocument/2006/relationships" xmlns:p="http://schemas.openxmlformats.org/presentationml/2006/main">
-  <p:cSld>
-    <p:spTree>
-      <p:nvGrpSpPr>
-        <p:cNvPr id="1" name=""/>
-        <p:cNvGrpSpPr/>
-        <p:nvPr/>
-      </p:nvGrpSpPr>
-      <p:grpSpPr>
-        <a:xfrm>
-          <a:off x="0" y="0"/>
-          <a:ext cx="0" cy="0"/>
-          <a:chOff x="0" y="0"/>
-          <a:chExt cx="0" cy="0"/>
-        </a:xfrm>
-      </p:grpSpPr>
-      <p:sp>
-        <p:nvSpPr>
-          <p:cNvPr id="2" name="Slide Image Placeholder 1"/>
-          <p:cNvSpPr>
-            <a:spLocks noGrp="1" noRot="1" noChangeAspect="1"/>
-          </p:cNvSpPr>
-          <p:nvPr>
-            <p:ph type="sldImg"/>
-          </p:nvPr>
-        </p:nvSpPr>
-        <p:spPr/>
-      </p:sp>
-      <p:sp>
-        <p:nvSpPr>
-          <p:cNvPr id="3" name="Notes Placeholder 2"/>
-          <p:cNvSpPr>
-            <a:spLocks noGrp="1"/>
-          </p:cNvSpPr>
-          <p:nvPr>
-            <p:ph type="body" idx="1"/>
-          </p:nvPr>
-        </p:nvSpPr>
-        <p:spPr/>
-        <p:txBody>
-          <a:bodyPr/>
-          <a:lstStyle/>
-          <a:p>
-            <a:pPr marL="0" marR="0" indent="0" algn="l" defTabSz="914400" rtl="0" eaLnBrk="1" fontAlgn="auto" latinLnBrk="0" hangingPunct="1">
-              <a:lnSpc>
-                <a:spcPct val="100000"/>
-              </a:lnSpc>
-              <a:spcBef>
-                <a:spcPts val="0"/>
-              </a:spcBef>
-              <a:spcAft>
-                <a:spcPts val="0"/>
-              </a:spcAft>
-              <a:buClrTx/>
-              <a:buSzTx/>
-              <a:buFontTx/>
-              <a:buNone/>
-              <a:tabLst/>
-              <a:defRPr/>
-            </a:pPr>
-            <a:r>
-              <a:rPr lang="es-AR" sz="1200" kern="1200" dirty="0" smtClean="0">
-                <a:solidFill>
-                  <a:schemeClr val="tx1"/>
-                </a:solidFill>
-                <a:effectLst/>
-                <a:latin typeface="+mn-lt"/>
-                <a:ea typeface="+mn-ea"/>
-                <a:cs typeface="+mn-cs"/>
-              </a:rPr>
-              <a:t>El siglo XXI se caracteriza por un cambio de la economía tradicional traída en la revolución industrial hacia una </a:t>
-            </a:r>
-            <a:r>
-              <a:rPr lang="es-AR" sz="1200" b="1" kern="1200" dirty="0" smtClean="0">
-                <a:solidFill>
-                  <a:schemeClr val="tx1"/>
-                </a:solidFill>
-                <a:effectLst/>
-                <a:latin typeface="+mn-lt"/>
-                <a:ea typeface="+mn-ea"/>
-                <a:cs typeface="+mn-cs"/>
-              </a:rPr>
-              <a:t>economía basada en la información.</a:t>
-            </a:r>
-            <a:r>
-              <a:rPr lang="es-AR" sz="1200" kern="1200" dirty="0" smtClean="0">
-                <a:solidFill>
-                  <a:schemeClr val="tx1"/>
-                </a:solidFill>
-                <a:effectLst/>
-                <a:latin typeface="+mn-lt"/>
-                <a:ea typeface="+mn-ea"/>
-                <a:cs typeface="+mn-cs"/>
-              </a:rPr>
-              <a:t> Durante esta era, la industria es capaz de explorar las necesidades personales de los consumidores, lo cual trae aparejado una reducción de costos tanto para los consumidores como para las empresas.</a:t>
-            </a:r>
-            <a:endParaRPr lang="en-US" sz="1200" kern="1200" dirty="0" smtClean="0">
-              <a:solidFill>
-                <a:schemeClr val="tx1"/>
-              </a:solidFill>
-              <a:effectLst/>
-              <a:latin typeface="+mn-lt"/>
-              <a:ea typeface="+mn-ea"/>
-              <a:cs typeface="+mn-cs"/>
-            </a:endParaRPr>
-          </a:p>
-          <a:p>
-            <a:r>
-              <a:rPr lang="es-AR" sz="1200" kern="1200" dirty="0" smtClean="0">
-                <a:solidFill>
-                  <a:schemeClr val="tx1"/>
-                </a:solidFill>
-                <a:effectLst/>
-                <a:latin typeface="+mn-lt"/>
-                <a:ea typeface="+mn-ea"/>
-                <a:cs typeface="+mn-cs"/>
-              </a:rPr>
-              <a:t>Durante este período, caracterizado por la miniaturización de las computadoras y la </a:t>
-            </a:r>
-            <a:r>
-              <a:rPr lang="es-AR" sz="1200" b="1" kern="1200" dirty="0" smtClean="0">
-                <a:solidFill>
-                  <a:schemeClr val="tx1"/>
-                </a:solidFill>
-                <a:effectLst/>
-                <a:latin typeface="+mn-lt"/>
-                <a:ea typeface="+mn-ea"/>
-                <a:cs typeface="+mn-cs"/>
-              </a:rPr>
-              <a:t>proliferación de internet </a:t>
-            </a:r>
-            <a:r>
-              <a:rPr lang="es-AR" sz="1200" kern="1200" dirty="0" smtClean="0">
-                <a:solidFill>
-                  <a:schemeClr val="tx1"/>
-                </a:solidFill>
-                <a:effectLst/>
-                <a:latin typeface="+mn-lt"/>
-                <a:ea typeface="+mn-ea"/>
-                <a:cs typeface="+mn-cs"/>
-              </a:rPr>
-              <a:t>desde el año 1990, la fuga de información se ve incrementada gracias a la rápida expansión de los medios de comunicación. Dado que existen más formas de comunicación que se utilizan dentro de las organizaciones, han emergido nuevas formas de fuga de información, como ser la mensajería instantánea, los correos electrónicos, la ingeniería social, etc.</a:t>
-            </a:r>
-            <a:endParaRPr lang="en-US" sz="1200" kern="1200" dirty="0" smtClean="0">
-              <a:solidFill>
-                <a:schemeClr val="tx1"/>
-              </a:solidFill>
-              <a:effectLst/>
-              <a:latin typeface="+mn-lt"/>
-              <a:ea typeface="+mn-ea"/>
-              <a:cs typeface="+mn-cs"/>
-            </a:endParaRPr>
-          </a:p>
-          <a:p>
-            <a:r>
-              <a:rPr lang="es-AR" sz="1200" kern="1200" dirty="0" smtClean="0">
-                <a:solidFill>
-                  <a:schemeClr val="tx1"/>
-                </a:solidFill>
-                <a:effectLst/>
-                <a:latin typeface="+mn-lt"/>
-                <a:ea typeface="+mn-ea"/>
-                <a:cs typeface="+mn-cs"/>
-              </a:rPr>
-              <a:t>En el campo de la </a:t>
-            </a:r>
-            <a:r>
-              <a:rPr lang="es-AR" sz="1200" b="1" kern="1200" dirty="0" smtClean="0">
-                <a:solidFill>
-                  <a:schemeClr val="tx1"/>
-                </a:solidFill>
-                <a:effectLst/>
-                <a:latin typeface="+mn-lt"/>
-                <a:ea typeface="+mn-ea"/>
-                <a:cs typeface="+mn-cs"/>
-              </a:rPr>
-              <a:t>medicina</a:t>
-            </a:r>
-            <a:r>
-              <a:rPr lang="es-AR" sz="1200" kern="1200" dirty="0" smtClean="0">
-                <a:solidFill>
-                  <a:schemeClr val="tx1"/>
-                </a:solidFill>
-                <a:effectLst/>
-                <a:latin typeface="+mn-lt"/>
-                <a:ea typeface="+mn-ea"/>
-                <a:cs typeface="+mn-cs"/>
-              </a:rPr>
-              <a:t>, la situación es crítica. La información clínica de los pacientes es almacenada electrónicamente, y esto permite que las autoridades envíen registros de enfermedades a investigadores; en muchas ocasiones esto incluye los nombres y direcciones de los pacientes, sin su consentimiento explícito.</a:t>
-            </a:r>
-            <a:endParaRPr lang="en-US" sz="1200" kern="1200" dirty="0" smtClean="0">
-              <a:solidFill>
-                <a:schemeClr val="tx1"/>
-              </a:solidFill>
-              <a:effectLst/>
-              <a:latin typeface="+mn-lt"/>
-              <a:ea typeface="+mn-ea"/>
-              <a:cs typeface="+mn-cs"/>
-            </a:endParaRPr>
-          </a:p>
-          <a:p>
-            <a:r>
-              <a:rPr lang="es-AR" sz="1200" kern="1200" dirty="0" smtClean="0">
-                <a:solidFill>
-                  <a:schemeClr val="tx1"/>
-                </a:solidFill>
-                <a:effectLst/>
-                <a:latin typeface="+mn-lt"/>
-                <a:ea typeface="+mn-ea"/>
-                <a:cs typeface="+mn-cs"/>
-              </a:rPr>
-              <a:t>El </a:t>
-            </a:r>
-            <a:r>
-              <a:rPr lang="es-AR" sz="1200" b="1" kern="1200" dirty="0" smtClean="0">
-                <a:solidFill>
-                  <a:schemeClr val="tx1"/>
-                </a:solidFill>
-                <a:effectLst/>
-                <a:latin typeface="+mn-lt"/>
-                <a:ea typeface="+mn-ea"/>
-                <a:cs typeface="+mn-cs"/>
-              </a:rPr>
-              <a:t>principal capital de las empresas tecnológicas</a:t>
-            </a:r>
-            <a:r>
-              <a:rPr lang="es-AR" sz="1200" kern="1200" dirty="0" smtClean="0">
-                <a:solidFill>
-                  <a:schemeClr val="tx1"/>
-                </a:solidFill>
-                <a:effectLst/>
-                <a:latin typeface="+mn-lt"/>
-                <a:ea typeface="+mn-ea"/>
-                <a:cs typeface="+mn-cs"/>
-              </a:rPr>
-              <a:t> lo conforman los bienes o activos intangibles: información, conocimientos, algoritmos, fórmulas, invenciones, procesos, estrategia comercial y bases de datos, entre otros. Las organizaciones del siglo XXI deben estar preparadas para los siguientes desafíos: </a:t>
-            </a:r>
-            <a:endParaRPr lang="en-US" sz="1200" kern="1200" dirty="0" smtClean="0">
-              <a:solidFill>
-                <a:schemeClr val="tx1"/>
-              </a:solidFill>
-              <a:effectLst/>
-              <a:latin typeface="+mn-lt"/>
-              <a:ea typeface="+mn-ea"/>
-              <a:cs typeface="+mn-cs"/>
-            </a:endParaRPr>
-          </a:p>
-          <a:p>
-            <a:pPr lvl="0"/>
-            <a:r>
-              <a:rPr lang="es-AR" sz="1200" u="none" strike="noStrike" kern="1200" dirty="0" smtClean="0">
-                <a:solidFill>
-                  <a:schemeClr val="tx1"/>
-                </a:solidFill>
-                <a:effectLst/>
-                <a:latin typeface="+mn-lt"/>
-                <a:ea typeface="+mn-ea"/>
-                <a:cs typeface="+mn-cs"/>
-              </a:rPr>
-              <a:t>Manejar y procesar grandes volúmenes de información diversa a alta velocidad. </a:t>
-            </a:r>
-            <a:endParaRPr lang="en-US" sz="1200" u="none" strike="noStrike" kern="1200" dirty="0" smtClean="0">
-              <a:solidFill>
-                <a:schemeClr val="tx1"/>
-              </a:solidFill>
-              <a:effectLst/>
-              <a:latin typeface="+mn-lt"/>
-              <a:ea typeface="+mn-ea"/>
-              <a:cs typeface="+mn-cs"/>
-            </a:endParaRPr>
-          </a:p>
-          <a:p>
-            <a:pPr lvl="0"/>
-            <a:r>
-              <a:rPr lang="es-AR" sz="1200" u="none" strike="noStrike" kern="1200" dirty="0" smtClean="0">
-                <a:solidFill>
-                  <a:schemeClr val="tx1"/>
-                </a:solidFill>
-                <a:effectLst/>
-                <a:latin typeface="+mn-lt"/>
-                <a:ea typeface="+mn-ea"/>
-                <a:cs typeface="+mn-cs"/>
-              </a:rPr>
-              <a:t>Analizar datos estructurados y no estructurados, tanto dentro como fuera de sus redes.</a:t>
-            </a:r>
-            <a:endParaRPr lang="en-US" sz="1200" u="none" strike="noStrike" kern="1200" dirty="0" smtClean="0">
-              <a:solidFill>
-                <a:schemeClr val="tx1"/>
-              </a:solidFill>
-              <a:effectLst/>
-              <a:latin typeface="+mn-lt"/>
-              <a:ea typeface="+mn-ea"/>
-              <a:cs typeface="+mn-cs"/>
-            </a:endParaRPr>
-          </a:p>
-          <a:p>
-            <a:pPr lvl="0"/>
-            <a:r>
-              <a:rPr lang="es-AR" sz="1200" u="none" strike="noStrike" kern="1200" dirty="0" smtClean="0">
-                <a:solidFill>
-                  <a:schemeClr val="tx1"/>
-                </a:solidFill>
-                <a:effectLst/>
-                <a:latin typeface="+mn-lt"/>
-                <a:ea typeface="+mn-ea"/>
-                <a:cs typeface="+mn-cs"/>
-              </a:rPr>
-              <a:t>Monitorear eventos en entornos de nube, móviles y virtuales.</a:t>
-            </a:r>
-            <a:endParaRPr lang="en-US" sz="1200" u="none" strike="noStrike" kern="1200" dirty="0" smtClean="0">
-              <a:solidFill>
-                <a:schemeClr val="tx1"/>
-              </a:solidFill>
-              <a:effectLst/>
-              <a:latin typeface="+mn-lt"/>
-              <a:ea typeface="+mn-ea"/>
-              <a:cs typeface="+mn-cs"/>
-            </a:endParaRPr>
-          </a:p>
-          <a:p>
-            <a:pPr lvl="0"/>
-            <a:r>
-              <a:rPr lang="es-AR" sz="1200" u="none" strike="noStrike" kern="1200" dirty="0" smtClean="0">
-                <a:solidFill>
-                  <a:schemeClr val="tx1"/>
-                </a:solidFill>
-                <a:effectLst/>
-                <a:latin typeface="+mn-lt"/>
-                <a:ea typeface="+mn-ea"/>
-                <a:cs typeface="+mn-cs"/>
-              </a:rPr>
-              <a:t>Adoptar acciones automáticamente cuando se detecta una amenaza.</a:t>
-            </a:r>
-            <a:endParaRPr lang="en-US" sz="1200" u="none" strike="noStrike" kern="1200" dirty="0" smtClean="0">
-              <a:solidFill>
-                <a:schemeClr val="tx1"/>
-              </a:solidFill>
-              <a:effectLst/>
-              <a:latin typeface="+mn-lt"/>
-              <a:ea typeface="+mn-ea"/>
-              <a:cs typeface="+mn-cs"/>
-            </a:endParaRPr>
-          </a:p>
-          <a:p>
-            <a:endParaRPr lang="en-US" dirty="0"/>
-          </a:p>
-        </p:txBody>
-      </p:sp>
-      <p:sp>
-        <p:nvSpPr>
-          <p:cNvPr id="4" name="Slide Number Placeholder 3"/>
-          <p:cNvSpPr>
-            <a:spLocks noGrp="1"/>
-          </p:cNvSpPr>
-          <p:nvPr>
-            <p:ph type="sldNum" sz="quarter" idx="10"/>
-          </p:nvPr>
-        </p:nvSpPr>
-        <p:spPr/>
-        <p:txBody>
-          <a:bodyPr/>
-          <a:lstStyle/>
-          <a:p>
-            <a:fld id="{F93199CD-3E1B-4AE6-990F-76F925F5EA9F}" type="slidenum">
-              <a:rPr lang="en-US" smtClean="0"/>
-              <a:pPr/>
-              <a:t>28</a:t>
-            </a:fld>
-            <a:endParaRPr lang="en-US"/>
-          </a:p>
-        </p:txBody>
-      </p:sp>
-    </p:spTree>
-    <p:extLst>
-      <p:ext uri="{BB962C8B-B14F-4D97-AF65-F5344CB8AC3E}">
-        <p14:creationId xmlns:p14="http://schemas.microsoft.com/office/powerpoint/2010/main" val="3805029774"/>
+        <p14:creationId xmlns:p14="http://schemas.microsoft.com/office/powerpoint/2010/main" val="2488318766"/>
       </p:ext>
     </p:extLst>
   </p:cSld>
@@ -2486,7 +2315,468 @@
           <a:bodyPr/>
           <a:lstStyle/>
           <a:p>
-            <a:endParaRPr lang="en-US" dirty="0"/>
+            <a:r>
+              <a:rPr lang="es-AR" sz="1200" b="1" kern="1200" dirty="0" smtClean="0">
+                <a:solidFill>
+                  <a:schemeClr val="tx1"/>
+                </a:solidFill>
+                <a:effectLst/>
+                <a:latin typeface="+mn-lt"/>
+                <a:ea typeface="+mn-ea"/>
+                <a:cs typeface="+mn-cs"/>
+              </a:rPr>
+              <a:t>Auditorías</a:t>
+            </a:r>
+            <a:endParaRPr lang="en-US" sz="1200" b="1" kern="1200" dirty="0" smtClean="0">
+              <a:solidFill>
+                <a:schemeClr val="tx1"/>
+              </a:solidFill>
+              <a:effectLst/>
+              <a:latin typeface="+mn-lt"/>
+              <a:ea typeface="+mn-ea"/>
+              <a:cs typeface="+mn-cs"/>
+            </a:endParaRPr>
+          </a:p>
+          <a:p>
+            <a:r>
+              <a:rPr lang="es-AR" sz="1200" kern="1200" dirty="0" smtClean="0">
+                <a:solidFill>
+                  <a:schemeClr val="tx1"/>
+                </a:solidFill>
+                <a:effectLst/>
+                <a:latin typeface="+mn-lt"/>
+                <a:ea typeface="+mn-ea"/>
+                <a:cs typeface="+mn-cs"/>
+              </a:rPr>
+              <a:t> </a:t>
+            </a:r>
+            <a:endParaRPr lang="en-US" sz="1200" kern="1200" dirty="0" smtClean="0">
+              <a:solidFill>
+                <a:schemeClr val="tx1"/>
+              </a:solidFill>
+              <a:effectLst/>
+              <a:latin typeface="+mn-lt"/>
+              <a:ea typeface="+mn-ea"/>
+              <a:cs typeface="+mn-cs"/>
+            </a:endParaRPr>
+          </a:p>
+          <a:p>
+            <a:r>
+              <a:rPr lang="es-AR" sz="1200" kern="1200" dirty="0" smtClean="0">
+                <a:solidFill>
+                  <a:schemeClr val="tx1"/>
+                </a:solidFill>
+                <a:effectLst/>
+                <a:latin typeface="+mn-lt"/>
+                <a:ea typeface="+mn-ea"/>
+                <a:cs typeface="+mn-cs"/>
+              </a:rPr>
+              <a:t>En las empresas, para facilitar la trazabilidad de las acciones de los usuarios, se suelen incluir procedimientos mediante los que se garantiza que el uso de los activos de información es efectivamente auditado y que es posible generar </a:t>
+            </a:r>
+            <a:r>
+              <a:rPr lang="es-AR" sz="1200" b="1" kern="1200" dirty="0" smtClean="0">
+                <a:solidFill>
+                  <a:schemeClr val="tx1"/>
+                </a:solidFill>
+                <a:effectLst/>
+                <a:latin typeface="+mn-lt"/>
+                <a:ea typeface="+mn-ea"/>
+                <a:cs typeface="+mn-cs"/>
+              </a:rPr>
+              <a:t>registros (</a:t>
+            </a:r>
+            <a:r>
+              <a:rPr lang="es-AR" sz="1200" b="1" i="1" kern="1200" dirty="0" err="1" smtClean="0">
+                <a:solidFill>
+                  <a:schemeClr val="tx1"/>
+                </a:solidFill>
+                <a:effectLst/>
+                <a:latin typeface="+mn-lt"/>
+                <a:ea typeface="+mn-ea"/>
+                <a:cs typeface="+mn-cs"/>
+              </a:rPr>
+              <a:t>logs</a:t>
+            </a:r>
+            <a:r>
+              <a:rPr lang="es-AR" sz="1200" b="1" kern="1200" dirty="0" smtClean="0">
+                <a:solidFill>
+                  <a:schemeClr val="tx1"/>
+                </a:solidFill>
+                <a:effectLst/>
+                <a:latin typeface="+mn-lt"/>
+                <a:ea typeface="+mn-ea"/>
+                <a:cs typeface="+mn-cs"/>
+              </a:rPr>
+              <a:t>) de las acciones importantes</a:t>
+            </a:r>
+            <a:r>
+              <a:rPr lang="es-AR" sz="1200" kern="1200" dirty="0" smtClean="0">
+                <a:solidFill>
+                  <a:schemeClr val="tx1"/>
+                </a:solidFill>
+                <a:effectLst/>
+                <a:latin typeface="+mn-lt"/>
+                <a:ea typeface="+mn-ea"/>
+                <a:cs typeface="+mn-cs"/>
+              </a:rPr>
+              <a:t> que se hayan definido, que si bien es un proceso técnico, implica un conocimiento de los individuos respecto a su grado de responsabilidad en lo que realizan dentro de una empresa. El conocimiento de la vinculación entre las personas y sus accesos puede evitar en gran medida la fuga de información, ya que en caso de filtrarse hacia el exterior, se podría señalar de manera directa a todos aquellos que tuvieron acceso y se podría analizar su uso previo al incidente, obteniendo posibles conclusiones y responsables. De cualquier manera, dada la imposibilidad de monitorear a las personas más allá de la esfera laboral, es estrictamente necesario que exista un alto grado de concientización y que las políticas de seguridad estén correctamente aplicadas para garantizar que quienes manejen información confidencial tengan asumidos los riesgos relacionados con su filtración.</a:t>
+            </a:r>
+          </a:p>
+          <a:p>
+            <a:endParaRPr lang="es-AR" sz="1200" b="1" kern="1200" dirty="0" smtClean="0">
+              <a:solidFill>
+                <a:schemeClr val="tx1"/>
+              </a:solidFill>
+              <a:effectLst/>
+              <a:latin typeface="+mn-lt"/>
+              <a:ea typeface="+mn-ea"/>
+              <a:cs typeface="+mn-cs"/>
+            </a:endParaRPr>
+          </a:p>
+          <a:p>
+            <a:r>
+              <a:rPr lang="es-AR" sz="1200" b="1" kern="1200" dirty="0" smtClean="0">
+                <a:solidFill>
+                  <a:schemeClr val="tx1"/>
+                </a:solidFill>
+                <a:effectLst/>
+                <a:latin typeface="+mn-lt"/>
+                <a:ea typeface="+mn-ea"/>
+                <a:cs typeface="+mn-cs"/>
+              </a:rPr>
+              <a:t>Utilización de estándares internacionales</a:t>
+            </a:r>
+            <a:endParaRPr lang="en-US" sz="1200" b="1" kern="1200" dirty="0" smtClean="0">
+              <a:solidFill>
+                <a:schemeClr val="tx1"/>
+              </a:solidFill>
+              <a:effectLst/>
+              <a:latin typeface="+mn-lt"/>
+              <a:ea typeface="+mn-ea"/>
+              <a:cs typeface="+mn-cs"/>
+            </a:endParaRPr>
+          </a:p>
+          <a:p>
+            <a:r>
+              <a:rPr lang="es-AR" sz="1200" kern="1200" dirty="0" smtClean="0">
+                <a:solidFill>
+                  <a:schemeClr val="tx1"/>
+                </a:solidFill>
+                <a:effectLst/>
+                <a:latin typeface="+mn-lt"/>
+                <a:ea typeface="+mn-ea"/>
+                <a:cs typeface="+mn-cs"/>
+              </a:rPr>
+              <a:t> </a:t>
+            </a:r>
+            <a:endParaRPr lang="en-US" sz="1200" kern="1200" dirty="0" smtClean="0">
+              <a:solidFill>
+                <a:schemeClr val="tx1"/>
+              </a:solidFill>
+              <a:effectLst/>
+              <a:latin typeface="+mn-lt"/>
+              <a:ea typeface="+mn-ea"/>
+              <a:cs typeface="+mn-cs"/>
+            </a:endParaRPr>
+          </a:p>
+          <a:p>
+            <a:r>
+              <a:rPr lang="es-AR" sz="1200" kern="1200" dirty="0" smtClean="0">
+                <a:solidFill>
+                  <a:schemeClr val="tx1"/>
+                </a:solidFill>
+                <a:effectLst/>
+                <a:latin typeface="+mn-lt"/>
+                <a:ea typeface="+mn-ea"/>
+                <a:cs typeface="+mn-cs"/>
+              </a:rPr>
+              <a:t>Para la mayoría de las actividades es necesario basarse en estándares, normalmente de alcance internacional, y normativas vinculadas a lo que se quiera organizar. La fuga de información está contemplada dentro de la gestión de la seguridad, y como tal se describen contramedidas y técnicas en distintos estándares. Así pues, se apela con frecuencia a la serie de normas ISO 27000, que está especialmente dedicada a seguridad de la información. Dentro de esta familia se encuentran específicamente algunas normas como lo son la 27001, referida a los requisitos para implementar un sistema de gestión de seguridad, la 27002 que define las mejores prácticas, la 27004 que habla sobre las métricas, la 27005 que trata sobre la gestión de riesgos, entre otras.</a:t>
+            </a:r>
+            <a:endParaRPr lang="en-US" sz="1200" kern="1200" dirty="0" smtClean="0">
+              <a:solidFill>
+                <a:schemeClr val="tx1"/>
+              </a:solidFill>
+              <a:effectLst/>
+              <a:latin typeface="+mn-lt"/>
+              <a:ea typeface="+mn-ea"/>
+              <a:cs typeface="+mn-cs"/>
+            </a:endParaRPr>
+          </a:p>
+          <a:p>
+            <a:r>
+              <a:rPr lang="es-AR" sz="1200" kern="1200" dirty="0" smtClean="0">
+                <a:solidFill>
+                  <a:schemeClr val="tx1"/>
+                </a:solidFill>
+                <a:effectLst/>
+                <a:latin typeface="+mn-lt"/>
+                <a:ea typeface="+mn-ea"/>
+                <a:cs typeface="+mn-cs"/>
+              </a:rPr>
+              <a:t> </a:t>
+            </a:r>
+            <a:endParaRPr lang="en-US" sz="1200" kern="1200" dirty="0" smtClean="0">
+              <a:solidFill>
+                <a:schemeClr val="tx1"/>
+              </a:solidFill>
+              <a:effectLst/>
+              <a:latin typeface="+mn-lt"/>
+              <a:ea typeface="+mn-ea"/>
+              <a:cs typeface="+mn-cs"/>
+            </a:endParaRPr>
+          </a:p>
+          <a:p>
+            <a:r>
+              <a:rPr lang="es-AR" sz="1200" b="1" kern="1200" dirty="0" smtClean="0">
+                <a:solidFill>
+                  <a:schemeClr val="tx1"/>
+                </a:solidFill>
+                <a:effectLst/>
+                <a:latin typeface="+mn-lt"/>
+                <a:ea typeface="+mn-ea"/>
+                <a:cs typeface="+mn-cs"/>
+              </a:rPr>
+              <a:t>Uso de </a:t>
+            </a:r>
+            <a:r>
+              <a:rPr lang="es-AR" sz="1200" b="1" i="1" kern="1200" dirty="0" err="1" smtClean="0">
+                <a:solidFill>
+                  <a:schemeClr val="tx1"/>
+                </a:solidFill>
+                <a:effectLst/>
+                <a:latin typeface="+mn-lt"/>
+                <a:ea typeface="+mn-ea"/>
+                <a:cs typeface="+mn-cs"/>
+              </a:rPr>
+              <a:t>code</a:t>
+            </a:r>
+            <a:r>
+              <a:rPr lang="es-AR" sz="1200" b="1" i="1" kern="1200" dirty="0" smtClean="0">
+                <a:solidFill>
+                  <a:schemeClr val="tx1"/>
+                </a:solidFill>
+                <a:effectLst/>
+                <a:latin typeface="+mn-lt"/>
+                <a:ea typeface="+mn-ea"/>
+                <a:cs typeface="+mn-cs"/>
+              </a:rPr>
+              <a:t> </a:t>
+            </a:r>
+            <a:r>
+              <a:rPr lang="es-AR" sz="1200" b="1" i="1" kern="1200" dirty="0" err="1" smtClean="0">
+                <a:solidFill>
+                  <a:schemeClr val="tx1"/>
+                </a:solidFill>
+                <a:effectLst/>
+                <a:latin typeface="+mn-lt"/>
+                <a:ea typeface="+mn-ea"/>
+                <a:cs typeface="+mn-cs"/>
+              </a:rPr>
+              <a:t>names</a:t>
+            </a:r>
+            <a:r>
+              <a:rPr lang="es-AR" sz="1200" b="1" i="1" kern="1200" dirty="0" smtClean="0">
+                <a:solidFill>
+                  <a:schemeClr val="tx1"/>
+                </a:solidFill>
+                <a:effectLst/>
+                <a:latin typeface="+mn-lt"/>
+                <a:ea typeface="+mn-ea"/>
+                <a:cs typeface="+mn-cs"/>
+              </a:rPr>
+              <a:t> </a:t>
+            </a:r>
+            <a:r>
+              <a:rPr lang="es-AR" sz="1200" b="1" kern="1200" dirty="0" smtClean="0">
+                <a:solidFill>
+                  <a:schemeClr val="tx1"/>
+                </a:solidFill>
+                <a:effectLst/>
+                <a:latin typeface="+mn-lt"/>
+                <a:ea typeface="+mn-ea"/>
+                <a:cs typeface="+mn-cs"/>
+              </a:rPr>
+              <a:t>para los proyectos</a:t>
+            </a:r>
+            <a:endParaRPr lang="en-US" sz="1200" b="1" kern="1200" dirty="0" smtClean="0">
+              <a:solidFill>
+                <a:schemeClr val="tx1"/>
+              </a:solidFill>
+              <a:effectLst/>
+              <a:latin typeface="+mn-lt"/>
+              <a:ea typeface="+mn-ea"/>
+              <a:cs typeface="+mn-cs"/>
+            </a:endParaRPr>
+          </a:p>
+          <a:p>
+            <a:r>
+              <a:rPr lang="es-AR" sz="1200" kern="1200" dirty="0" smtClean="0">
+                <a:solidFill>
+                  <a:schemeClr val="tx1"/>
+                </a:solidFill>
+                <a:effectLst/>
+                <a:latin typeface="+mn-lt"/>
+                <a:ea typeface="+mn-ea"/>
+                <a:cs typeface="+mn-cs"/>
+              </a:rPr>
+              <a:t> </a:t>
+            </a:r>
+            <a:endParaRPr lang="en-US" sz="1200" kern="1200" dirty="0" smtClean="0">
+              <a:solidFill>
+                <a:schemeClr val="tx1"/>
+              </a:solidFill>
+              <a:effectLst/>
+              <a:latin typeface="+mn-lt"/>
+              <a:ea typeface="+mn-ea"/>
+              <a:cs typeface="+mn-cs"/>
+            </a:endParaRPr>
+          </a:p>
+          <a:p>
+            <a:r>
+              <a:rPr lang="es-AR" sz="1200" kern="1200" dirty="0" smtClean="0">
+                <a:solidFill>
+                  <a:schemeClr val="tx1"/>
+                </a:solidFill>
+                <a:effectLst/>
+                <a:latin typeface="+mn-lt"/>
+                <a:ea typeface="+mn-ea"/>
+                <a:cs typeface="+mn-cs"/>
+              </a:rPr>
+              <a:t>Este mecanismo de defensa solo se aplica a empresas comerciales, particularmente tecnológicas. Gigantes como Microsoft y Apple suelen utilizar nombres clave para los productos que están en fase de desarrollo y aún no se han lanzado al mercado. Como ejemplos podemos mencionar al proyecto </a:t>
+            </a:r>
+            <a:r>
+              <a:rPr lang="es-AR" sz="1200" kern="1200" dirty="0" err="1" smtClean="0">
+                <a:solidFill>
+                  <a:schemeClr val="tx1"/>
+                </a:solidFill>
+                <a:effectLst/>
+                <a:latin typeface="+mn-lt"/>
+                <a:ea typeface="+mn-ea"/>
+                <a:cs typeface="+mn-cs"/>
+              </a:rPr>
+              <a:t>Blackcomb</a:t>
+            </a:r>
+            <a:r>
+              <a:rPr lang="es-AR" sz="1200" kern="1200" dirty="0" smtClean="0">
+                <a:solidFill>
+                  <a:schemeClr val="tx1"/>
+                </a:solidFill>
+                <a:effectLst/>
+                <a:latin typeface="+mn-lt"/>
+                <a:ea typeface="+mn-ea"/>
+                <a:cs typeface="+mn-cs"/>
+              </a:rPr>
+              <a:t> (Windows 7).</a:t>
+            </a:r>
+            <a:endParaRPr lang="en-US" sz="1200" kern="1200" dirty="0" smtClean="0">
+              <a:solidFill>
+                <a:schemeClr val="tx1"/>
+              </a:solidFill>
+              <a:effectLst/>
+              <a:latin typeface="+mn-lt"/>
+              <a:ea typeface="+mn-ea"/>
+              <a:cs typeface="+mn-cs"/>
+            </a:endParaRPr>
+          </a:p>
+          <a:p>
+            <a:r>
+              <a:rPr lang="es-AR" sz="1200" kern="1200" dirty="0" smtClean="0">
+                <a:solidFill>
+                  <a:schemeClr val="tx1"/>
+                </a:solidFill>
+                <a:effectLst/>
+                <a:latin typeface="+mn-lt"/>
+                <a:ea typeface="+mn-ea"/>
+                <a:cs typeface="+mn-cs"/>
+              </a:rPr>
+              <a:t> </a:t>
+            </a:r>
+            <a:endParaRPr lang="en-US" sz="1200" kern="1200" dirty="0" smtClean="0">
+              <a:solidFill>
+                <a:schemeClr val="tx1"/>
+              </a:solidFill>
+              <a:effectLst/>
+              <a:latin typeface="+mn-lt"/>
+              <a:ea typeface="+mn-ea"/>
+              <a:cs typeface="+mn-cs"/>
+            </a:endParaRPr>
+          </a:p>
+          <a:p>
+            <a:r>
+              <a:rPr lang="es-AR" sz="1200" kern="1200" dirty="0" smtClean="0">
+                <a:solidFill>
+                  <a:schemeClr val="tx1"/>
+                </a:solidFill>
+                <a:effectLst/>
+                <a:latin typeface="+mn-lt"/>
+                <a:ea typeface="+mn-ea"/>
+                <a:cs typeface="+mn-cs"/>
+              </a:rPr>
+              <a:t>Las razones para su uso son varias:</a:t>
+            </a:r>
+            <a:endParaRPr lang="en-US" sz="1200" kern="1200" dirty="0" smtClean="0">
+              <a:solidFill>
+                <a:schemeClr val="tx1"/>
+              </a:solidFill>
+              <a:effectLst/>
+              <a:latin typeface="+mn-lt"/>
+              <a:ea typeface="+mn-ea"/>
+              <a:cs typeface="+mn-cs"/>
+            </a:endParaRPr>
+          </a:p>
+          <a:p>
+            <a:pPr lvl="0"/>
+            <a:r>
+              <a:rPr lang="es-AR" sz="1200" u="none" strike="noStrike" kern="1200" dirty="0" smtClean="0">
+                <a:solidFill>
+                  <a:schemeClr val="tx1"/>
+                </a:solidFill>
+                <a:effectLst/>
+                <a:latin typeface="+mn-lt"/>
+                <a:ea typeface="+mn-ea"/>
+                <a:cs typeface="+mn-cs"/>
+              </a:rPr>
+              <a:t>Permiten a los trabajadores de dichos productos hablar sobre los mismos sin revelar de qué se trata a terceros. Al utilizar nombres neutrales, se obliga a enfocarse en el producto y prevenir la generación de asociaciones basándose en el nombre.</a:t>
+            </a:r>
+            <a:endParaRPr lang="en-US" u="none" strike="noStrike" dirty="0" smtClean="0">
+              <a:effectLst/>
+            </a:endParaRPr>
+          </a:p>
+          <a:p>
+            <a:pPr lvl="0"/>
+            <a:r>
+              <a:rPr lang="es-AR" sz="1200" u="none" strike="noStrike" kern="1200" dirty="0" smtClean="0">
+                <a:solidFill>
+                  <a:schemeClr val="tx1"/>
+                </a:solidFill>
+                <a:effectLst/>
+                <a:latin typeface="+mn-lt"/>
+                <a:ea typeface="+mn-ea"/>
+                <a:cs typeface="+mn-cs"/>
+              </a:rPr>
+              <a:t>Permiten crear un impacto positivo en los potenciales consumidores, al utilizar nombres que atraen al mercado.</a:t>
+            </a:r>
+            <a:r>
+              <a:rPr lang="es-AR" sz="1200" i="1" u="sng" strike="noStrike" kern="1200" dirty="0" smtClean="0">
+                <a:solidFill>
+                  <a:schemeClr val="tx1"/>
+                </a:solidFill>
+                <a:effectLst/>
+                <a:latin typeface="+mn-lt"/>
+                <a:ea typeface="+mn-ea"/>
+                <a:cs typeface="+mn-cs"/>
+              </a:rPr>
+              <a:t> </a:t>
+            </a:r>
+            <a:endParaRPr lang="en-US" sz="1200" kern="1200" dirty="0">
+              <a:solidFill>
+                <a:schemeClr val="tx1"/>
+              </a:solidFill>
+              <a:effectLst/>
+              <a:latin typeface="+mn-lt"/>
+              <a:ea typeface="+mn-ea"/>
+              <a:cs typeface="+mn-cs"/>
+            </a:endParaRPr>
           </a:p>
         </p:txBody>
       </p:sp>
@@ -2517,7 +2807,7 @@
     </p:spTree>
     <p:extLst>
       <p:ext uri="{BB962C8B-B14F-4D97-AF65-F5344CB8AC3E}">
-        <p14:creationId xmlns:p14="http://schemas.microsoft.com/office/powerpoint/2010/main" val="655676726"/>
+        <p14:creationId xmlns:p14="http://schemas.microsoft.com/office/powerpoint/2010/main" val="707643668"/>
       </p:ext>
     </p:extLst>
   </p:cSld>
@@ -2571,459 +2861,7 @@
           <a:bodyPr/>
           <a:lstStyle/>
           <a:p>
-            <a:r>
-              <a:rPr lang="es-AR" sz="1200" kern="1200" dirty="0" smtClean="0">
-                <a:solidFill>
-                  <a:schemeClr val="tx1"/>
-                </a:solidFill>
-                <a:effectLst/>
-                <a:latin typeface="+mn-lt"/>
-                <a:ea typeface="+mn-ea"/>
-                <a:cs typeface="+mn-cs"/>
-              </a:rPr>
-              <a:t>Una </a:t>
-            </a:r>
-            <a:r>
-              <a:rPr lang="es-AR" sz="1200" b="1" kern="1200" dirty="0" smtClean="0">
-                <a:solidFill>
-                  <a:schemeClr val="tx1"/>
-                </a:solidFill>
-                <a:effectLst/>
-                <a:latin typeface="+mn-lt"/>
-                <a:ea typeface="+mn-ea"/>
-                <a:cs typeface="+mn-cs"/>
-              </a:rPr>
-              <a:t>patente</a:t>
-            </a:r>
-            <a:r>
-              <a:rPr lang="es-AR" sz="1200" kern="1200" dirty="0" smtClean="0">
-                <a:solidFill>
-                  <a:schemeClr val="tx1"/>
-                </a:solidFill>
-                <a:effectLst/>
-                <a:latin typeface="+mn-lt"/>
-                <a:ea typeface="+mn-ea"/>
-                <a:cs typeface="+mn-cs"/>
-              </a:rPr>
-              <a:t> es un conjunto de derechos que se le otorgan a un inventor por un período limitado de tiempo (20 años), a cambio de la divulgación de los detalles del mismo. Las patentes son una forma de propiedad intelectual, y le proporcionan dueño la garantía de que otras empresas no podrán producir, utilizar o vender el producto patentado sin permiso.</a:t>
-            </a:r>
-            <a:endParaRPr lang="en-US" sz="1200" kern="1200" dirty="0" smtClean="0">
-              <a:solidFill>
-                <a:schemeClr val="tx1"/>
-              </a:solidFill>
-              <a:effectLst/>
-              <a:latin typeface="+mn-lt"/>
-              <a:ea typeface="+mn-ea"/>
-              <a:cs typeface="+mn-cs"/>
-            </a:endParaRPr>
-          </a:p>
-          <a:p>
-            <a:pPr marL="0" marR="0" indent="0" algn="l" defTabSz="914400" rtl="0" eaLnBrk="1" fontAlgn="auto" latinLnBrk="0" hangingPunct="1">
-              <a:lnSpc>
-                <a:spcPct val="100000"/>
-              </a:lnSpc>
-              <a:spcBef>
-                <a:spcPts val="0"/>
-              </a:spcBef>
-              <a:spcAft>
-                <a:spcPts val="0"/>
-              </a:spcAft>
-              <a:buClrTx/>
-              <a:buSzTx/>
-              <a:buFontTx/>
-              <a:buNone/>
-              <a:tabLst/>
-              <a:defRPr/>
-            </a:pPr>
-            <a:r>
-              <a:rPr lang="es-AR" sz="1200" kern="1200" dirty="0" smtClean="0">
-                <a:solidFill>
-                  <a:schemeClr val="tx1"/>
-                </a:solidFill>
-                <a:effectLst/>
-                <a:latin typeface="+mn-lt"/>
-                <a:ea typeface="+mn-ea"/>
-                <a:cs typeface="+mn-cs"/>
-              </a:rPr>
-              <a:t>El sistema de </a:t>
-            </a:r>
-            <a:r>
-              <a:rPr lang="es-AR" sz="1200" kern="1200" dirty="0" err="1" smtClean="0">
-                <a:solidFill>
-                  <a:schemeClr val="tx1"/>
-                </a:solidFill>
-                <a:effectLst/>
-                <a:latin typeface="+mn-lt"/>
-                <a:ea typeface="+mn-ea"/>
-                <a:cs typeface="+mn-cs"/>
-              </a:rPr>
-              <a:t>patentamiento</a:t>
-            </a:r>
-            <a:r>
-              <a:rPr lang="es-AR" sz="1200" kern="1200" dirty="0" smtClean="0">
-                <a:solidFill>
-                  <a:schemeClr val="tx1"/>
-                </a:solidFill>
-                <a:effectLst/>
-                <a:latin typeface="+mn-lt"/>
-                <a:ea typeface="+mn-ea"/>
-                <a:cs typeface="+mn-cs"/>
-              </a:rPr>
-              <a:t> fue creado en 1450, pero fue durante la revolución francesa que se creó el sistema moderno. En general, las patentes sólo pueden materializarse durante litigios, y puede ser dueños de ellas tanto empresas como personas, aunque en ciertos casos los empleadores pueden exigirles a sus empleados que las patentes le sean adjudicadas a ellos. Entre las críticas a este sistema, se encuentran los altos costos asociados al mantenimiento de patentes (por ejemplo, en Estados Unidos el mismo puede alcanzar los 30 mil dólares por patente), y el hecho de que no promueven la innovación, al limitar el uso de las nuevas tecnologías. </a:t>
-            </a:r>
-          </a:p>
-          <a:p>
-            <a:pPr marL="0" marR="0" indent="0" algn="l" defTabSz="914400" rtl="0" eaLnBrk="1" fontAlgn="auto" latinLnBrk="0" hangingPunct="1">
-              <a:lnSpc>
-                <a:spcPct val="100000"/>
-              </a:lnSpc>
-              <a:spcBef>
-                <a:spcPts val="0"/>
-              </a:spcBef>
-              <a:spcAft>
-                <a:spcPts val="0"/>
-              </a:spcAft>
-              <a:buClrTx/>
-              <a:buSzTx/>
-              <a:buFontTx/>
-              <a:buNone/>
-              <a:tabLst/>
-              <a:defRPr/>
-            </a:pPr>
-            <a:endParaRPr lang="es-AR" sz="1200" kern="1200" dirty="0" smtClean="0">
-              <a:solidFill>
-                <a:schemeClr val="tx1"/>
-              </a:solidFill>
-              <a:effectLst/>
-              <a:latin typeface="+mn-lt"/>
-              <a:ea typeface="+mn-ea"/>
-              <a:cs typeface="+mn-cs"/>
-            </a:endParaRPr>
-          </a:p>
-          <a:p>
-            <a:r>
-              <a:rPr lang="es-AR" sz="1200" kern="1200" dirty="0" smtClean="0">
-                <a:solidFill>
-                  <a:schemeClr val="tx1"/>
-                </a:solidFill>
-                <a:effectLst/>
-                <a:latin typeface="+mn-lt"/>
-                <a:ea typeface="+mn-ea"/>
-                <a:cs typeface="+mn-cs"/>
-              </a:rPr>
-              <a:t>Existen varios mecanismos que permiten sustentar </a:t>
-            </a:r>
-            <a:r>
-              <a:rPr lang="es-AR" sz="1200" b="1" kern="1200" dirty="0" smtClean="0">
-                <a:solidFill>
-                  <a:schemeClr val="tx1"/>
-                </a:solidFill>
-                <a:effectLst/>
-                <a:latin typeface="+mn-lt"/>
-                <a:ea typeface="+mn-ea"/>
-                <a:cs typeface="+mn-cs"/>
-              </a:rPr>
-              <a:t>la seguridad informática</a:t>
-            </a:r>
-            <a:r>
-              <a:rPr lang="es-AR" sz="1200" kern="1200" dirty="0" smtClean="0">
-                <a:solidFill>
-                  <a:schemeClr val="tx1"/>
-                </a:solidFill>
-                <a:effectLst/>
-                <a:latin typeface="+mn-lt"/>
-                <a:ea typeface="+mn-ea"/>
-                <a:cs typeface="+mn-cs"/>
-              </a:rPr>
-              <a:t>, donde uno sólo de ellos no es suficiente para garantizar el éxito, ya que es necesario complementarlos para obtener un buen resultado. Entre ellos se destacan:</a:t>
-            </a:r>
-            <a:endParaRPr lang="en-US" sz="1200" kern="1200" dirty="0" smtClean="0">
-              <a:solidFill>
-                <a:schemeClr val="tx1"/>
-              </a:solidFill>
-              <a:effectLst/>
-              <a:latin typeface="+mn-lt"/>
-              <a:ea typeface="+mn-ea"/>
-              <a:cs typeface="+mn-cs"/>
-            </a:endParaRPr>
-          </a:p>
-          <a:p>
-            <a:r>
-              <a:rPr lang="es-AR" sz="1200" kern="1200" dirty="0" smtClean="0">
-                <a:solidFill>
-                  <a:schemeClr val="tx1"/>
-                </a:solidFill>
-                <a:effectLst/>
-                <a:latin typeface="+mn-lt"/>
-                <a:ea typeface="+mn-ea"/>
-                <a:cs typeface="+mn-cs"/>
-              </a:rPr>
-              <a:t> </a:t>
-            </a:r>
-            <a:endParaRPr lang="en-US" sz="1200" kern="1200" dirty="0" smtClean="0">
-              <a:solidFill>
-                <a:schemeClr val="tx1"/>
-              </a:solidFill>
-              <a:effectLst/>
-              <a:latin typeface="+mn-lt"/>
-              <a:ea typeface="+mn-ea"/>
-              <a:cs typeface="+mn-cs"/>
-            </a:endParaRPr>
-          </a:p>
-          <a:p>
-            <a:pPr lvl="0"/>
-            <a:r>
-              <a:rPr lang="es-AR" sz="1200" u="none" strike="noStrike" kern="1200" dirty="0" smtClean="0">
-                <a:solidFill>
-                  <a:schemeClr val="tx1"/>
-                </a:solidFill>
-                <a:effectLst/>
-                <a:latin typeface="+mn-lt"/>
-                <a:ea typeface="+mn-ea"/>
-                <a:cs typeface="+mn-cs"/>
-              </a:rPr>
-              <a:t>Restricciones de acceso físico</a:t>
-            </a:r>
-            <a:endParaRPr lang="en-US" u="none" strike="noStrike" dirty="0" smtClean="0">
-              <a:effectLst/>
-            </a:endParaRPr>
-          </a:p>
-          <a:p>
-            <a:pPr lvl="0"/>
-            <a:r>
-              <a:rPr lang="es-AR" sz="1200" u="none" strike="noStrike" kern="1200" dirty="0" smtClean="0">
-                <a:solidFill>
-                  <a:schemeClr val="tx1"/>
-                </a:solidFill>
-                <a:effectLst/>
-                <a:latin typeface="+mn-lt"/>
-                <a:ea typeface="+mn-ea"/>
-                <a:cs typeface="+mn-cs"/>
-              </a:rPr>
-              <a:t>Utilización de contraseñas seguras</a:t>
-            </a:r>
-            <a:endParaRPr lang="en-US" u="none" strike="noStrike" dirty="0" smtClean="0">
-              <a:effectLst/>
-            </a:endParaRPr>
-          </a:p>
-          <a:p>
-            <a:pPr lvl="0"/>
-            <a:r>
-              <a:rPr lang="es-AR" sz="1200" u="none" strike="noStrike" kern="1200" dirty="0" smtClean="0">
-                <a:solidFill>
-                  <a:schemeClr val="tx1"/>
-                </a:solidFill>
-                <a:effectLst/>
-                <a:latin typeface="+mn-lt"/>
-                <a:ea typeface="+mn-ea"/>
-                <a:cs typeface="+mn-cs"/>
-              </a:rPr>
-              <a:t>Uso de firewalls y software antivirus</a:t>
-            </a:r>
-            <a:endParaRPr lang="en-US" u="none" strike="noStrike" dirty="0" smtClean="0">
-              <a:effectLst/>
-            </a:endParaRPr>
-          </a:p>
-          <a:p>
-            <a:pPr lvl="0"/>
-            <a:r>
-              <a:rPr lang="es-AR" sz="1200" u="none" strike="noStrike" kern="1200" dirty="0" smtClean="0">
-                <a:solidFill>
-                  <a:schemeClr val="tx1"/>
-                </a:solidFill>
-                <a:effectLst/>
-                <a:latin typeface="+mn-lt"/>
-                <a:ea typeface="+mn-ea"/>
-                <a:cs typeface="+mn-cs"/>
-              </a:rPr>
-              <a:t>Encriptación de las comunicaciones confidenciales</a:t>
-            </a:r>
-            <a:endParaRPr lang="en-US" u="none" strike="noStrike" dirty="0" smtClean="0">
-              <a:effectLst/>
-            </a:endParaRPr>
-          </a:p>
-          <a:p>
-            <a:pPr lvl="0"/>
-            <a:r>
-              <a:rPr lang="es-AR" sz="1200" u="none" strike="noStrike" kern="1200" dirty="0" smtClean="0">
-                <a:solidFill>
-                  <a:schemeClr val="tx1"/>
-                </a:solidFill>
-                <a:effectLst/>
-                <a:latin typeface="+mn-lt"/>
-                <a:ea typeface="+mn-ea"/>
-                <a:cs typeface="+mn-cs"/>
-              </a:rPr>
-              <a:t>Copias de seguridad de la información</a:t>
-            </a:r>
-            <a:endParaRPr lang="en-US" u="none" strike="noStrike" dirty="0" smtClean="0">
-              <a:effectLst/>
-            </a:endParaRPr>
-          </a:p>
-          <a:p>
-            <a:pPr lvl="0"/>
-            <a:r>
-              <a:rPr lang="es-AR" sz="1200" u="none" strike="noStrike" kern="1200" dirty="0" smtClean="0">
-                <a:solidFill>
-                  <a:schemeClr val="tx1"/>
-                </a:solidFill>
-                <a:effectLst/>
-                <a:latin typeface="+mn-lt"/>
-                <a:ea typeface="+mn-ea"/>
-                <a:cs typeface="+mn-cs"/>
-              </a:rPr>
-              <a:t>Encriptado de las copias de seguridad</a:t>
-            </a:r>
-            <a:endParaRPr lang="en-US" u="none" strike="noStrike" dirty="0" smtClean="0">
-              <a:effectLst/>
-            </a:endParaRPr>
-          </a:p>
-          <a:p>
-            <a:pPr lvl="0"/>
-            <a:r>
-              <a:rPr lang="es-AR" sz="1200" u="none" strike="noStrike" kern="1200" dirty="0" smtClean="0">
-                <a:solidFill>
-                  <a:schemeClr val="tx1"/>
-                </a:solidFill>
-                <a:effectLst/>
-                <a:latin typeface="+mn-lt"/>
-                <a:ea typeface="+mn-ea"/>
-                <a:cs typeface="+mn-cs"/>
-              </a:rPr>
-              <a:t>Distinción de niveles de acceso según autorización formal en perfiles de usuarios</a:t>
-            </a:r>
-            <a:endParaRPr lang="en-US" u="none" strike="noStrike" dirty="0" smtClean="0">
-              <a:effectLst/>
-            </a:endParaRPr>
-          </a:p>
-          <a:p>
-            <a:pPr lvl="0"/>
-            <a:r>
-              <a:rPr lang="es-AR" sz="1200" u="none" strike="noStrike" kern="1200" dirty="0" smtClean="0">
-                <a:solidFill>
-                  <a:schemeClr val="tx1"/>
-                </a:solidFill>
-                <a:effectLst/>
-                <a:latin typeface="+mn-lt"/>
-                <a:ea typeface="+mn-ea"/>
-                <a:cs typeface="+mn-cs"/>
-              </a:rPr>
-              <a:t>Registro de operaciones en bitácoras automatizadas</a:t>
-            </a:r>
-            <a:endParaRPr lang="en-US" u="none" strike="noStrike" dirty="0" smtClean="0">
-              <a:effectLst/>
-            </a:endParaRPr>
-          </a:p>
-          <a:p>
-            <a:pPr lvl="0"/>
-            <a:r>
-              <a:rPr lang="es-AR" sz="1200" u="none" strike="noStrike" kern="1200" dirty="0" smtClean="0">
-                <a:solidFill>
-                  <a:schemeClr val="tx1"/>
-                </a:solidFill>
-                <a:effectLst/>
-                <a:latin typeface="+mn-lt"/>
-                <a:ea typeface="+mn-ea"/>
-                <a:cs typeface="+mn-cs"/>
-              </a:rPr>
-              <a:t>Registro de accesos en bitácoras automatizadas</a:t>
-            </a:r>
-            <a:endParaRPr lang="en-US" u="none" strike="noStrike" dirty="0" smtClean="0">
-              <a:effectLst/>
-            </a:endParaRPr>
-          </a:p>
-          <a:p>
-            <a:pPr lvl="0"/>
-            <a:r>
-              <a:rPr lang="es-AR" sz="1200" u="none" strike="noStrike" kern="1200" dirty="0" smtClean="0">
-                <a:solidFill>
-                  <a:schemeClr val="tx1"/>
-                </a:solidFill>
-                <a:effectLst/>
-                <a:latin typeface="+mn-lt"/>
-                <a:ea typeface="+mn-ea"/>
-                <a:cs typeface="+mn-cs"/>
-              </a:rPr>
-              <a:t>Redundancia de datos</a:t>
-            </a:r>
-            <a:endParaRPr lang="en-US" u="none" strike="noStrike" dirty="0" smtClean="0">
-              <a:effectLst/>
-            </a:endParaRPr>
-          </a:p>
-          <a:p>
-            <a:pPr lvl="0"/>
-            <a:r>
-              <a:rPr lang="es-AR" sz="1200" u="none" strike="noStrike" kern="1200" dirty="0" smtClean="0">
-                <a:solidFill>
-                  <a:schemeClr val="tx1"/>
-                </a:solidFill>
-                <a:effectLst/>
-                <a:latin typeface="+mn-lt"/>
-                <a:ea typeface="+mn-ea"/>
-                <a:cs typeface="+mn-cs"/>
-              </a:rPr>
-              <a:t>Localización múltiple y distante de estructuras de datos redundantes</a:t>
-            </a:r>
-            <a:endParaRPr lang="en-US" u="none" strike="noStrike" dirty="0" smtClean="0">
-              <a:effectLst/>
-            </a:endParaRPr>
-          </a:p>
-          <a:p>
-            <a:pPr lvl="0"/>
-            <a:r>
-              <a:rPr lang="es-AR" sz="1200" u="none" strike="noStrike" kern="1200" dirty="0" smtClean="0">
-                <a:solidFill>
-                  <a:schemeClr val="tx1"/>
-                </a:solidFill>
-                <a:effectLst/>
-                <a:latin typeface="+mn-lt"/>
-                <a:ea typeface="+mn-ea"/>
-                <a:cs typeface="+mn-cs"/>
-              </a:rPr>
-              <a:t>Políticas de recuperación ante catástrofes</a:t>
-            </a:r>
-            <a:endParaRPr lang="en-US" u="none" strike="noStrike" dirty="0" smtClean="0">
-              <a:effectLst/>
-            </a:endParaRPr>
-          </a:p>
-          <a:p>
-            <a:pPr marL="0" marR="0" indent="0" algn="l" defTabSz="914400" rtl="0" eaLnBrk="1" fontAlgn="auto" latinLnBrk="0" hangingPunct="1">
-              <a:lnSpc>
-                <a:spcPct val="100000"/>
-              </a:lnSpc>
-              <a:spcBef>
-                <a:spcPts val="0"/>
-              </a:spcBef>
-              <a:spcAft>
-                <a:spcPts val="0"/>
-              </a:spcAft>
-              <a:buClrTx/>
-              <a:buSzTx/>
-              <a:buFontTx/>
-              <a:buNone/>
-              <a:tabLst/>
-              <a:defRPr/>
-            </a:pPr>
-            <a:endParaRPr lang="en-US" sz="1200" kern="1200" dirty="0" smtClean="0">
-              <a:solidFill>
-                <a:schemeClr val="tx1"/>
-              </a:solidFill>
-              <a:effectLst/>
-              <a:latin typeface="+mn-lt"/>
-              <a:ea typeface="+mn-ea"/>
-              <a:cs typeface="+mn-cs"/>
-            </a:endParaRPr>
-          </a:p>
-          <a:p>
-            <a:endParaRPr lang="en-US" sz="1200" kern="1200" dirty="0">
-              <a:solidFill>
-                <a:schemeClr val="tx1"/>
-              </a:solidFill>
-              <a:effectLst/>
-              <a:latin typeface="+mn-lt"/>
-              <a:ea typeface="+mn-ea"/>
-              <a:cs typeface="+mn-cs"/>
-            </a:endParaRPr>
+            <a:endParaRPr lang="en-US"/>
           </a:p>
         </p:txBody>
       </p:sp>
@@ -3054,7 +2892,7 @@
     </p:spTree>
     <p:extLst>
       <p:ext uri="{BB962C8B-B14F-4D97-AF65-F5344CB8AC3E}">
-        <p14:creationId xmlns:p14="http://schemas.microsoft.com/office/powerpoint/2010/main" val="2488318766"/>
+        <p14:creationId xmlns:p14="http://schemas.microsoft.com/office/powerpoint/2010/main" val="1014212789"/>
       </p:ext>
     </p:extLst>
   </p:cSld>
@@ -3108,468 +2946,7 @@
           <a:bodyPr/>
           <a:lstStyle/>
           <a:p>
-            <a:r>
-              <a:rPr lang="es-AR" sz="1200" b="1" kern="1200" dirty="0" smtClean="0">
-                <a:solidFill>
-                  <a:schemeClr val="tx1"/>
-                </a:solidFill>
-                <a:effectLst/>
-                <a:latin typeface="+mn-lt"/>
-                <a:ea typeface="+mn-ea"/>
-                <a:cs typeface="+mn-cs"/>
-              </a:rPr>
-              <a:t>Auditorías</a:t>
-            </a:r>
-            <a:endParaRPr lang="en-US" sz="1200" b="1" kern="1200" dirty="0" smtClean="0">
-              <a:solidFill>
-                <a:schemeClr val="tx1"/>
-              </a:solidFill>
-              <a:effectLst/>
-              <a:latin typeface="+mn-lt"/>
-              <a:ea typeface="+mn-ea"/>
-              <a:cs typeface="+mn-cs"/>
-            </a:endParaRPr>
-          </a:p>
-          <a:p>
-            <a:r>
-              <a:rPr lang="es-AR" sz="1200" kern="1200" dirty="0" smtClean="0">
-                <a:solidFill>
-                  <a:schemeClr val="tx1"/>
-                </a:solidFill>
-                <a:effectLst/>
-                <a:latin typeface="+mn-lt"/>
-                <a:ea typeface="+mn-ea"/>
-                <a:cs typeface="+mn-cs"/>
-              </a:rPr>
-              <a:t> </a:t>
-            </a:r>
-            <a:endParaRPr lang="en-US" sz="1200" kern="1200" dirty="0" smtClean="0">
-              <a:solidFill>
-                <a:schemeClr val="tx1"/>
-              </a:solidFill>
-              <a:effectLst/>
-              <a:latin typeface="+mn-lt"/>
-              <a:ea typeface="+mn-ea"/>
-              <a:cs typeface="+mn-cs"/>
-            </a:endParaRPr>
-          </a:p>
-          <a:p>
-            <a:r>
-              <a:rPr lang="es-AR" sz="1200" kern="1200" dirty="0" smtClean="0">
-                <a:solidFill>
-                  <a:schemeClr val="tx1"/>
-                </a:solidFill>
-                <a:effectLst/>
-                <a:latin typeface="+mn-lt"/>
-                <a:ea typeface="+mn-ea"/>
-                <a:cs typeface="+mn-cs"/>
-              </a:rPr>
-              <a:t>En las empresas, para facilitar la trazabilidad de las acciones de los usuarios, se suelen incluir procedimientos mediante los que se garantiza que el uso de los activos de información es efectivamente auditado y que es posible generar </a:t>
-            </a:r>
-            <a:r>
-              <a:rPr lang="es-AR" sz="1200" b="1" kern="1200" dirty="0" smtClean="0">
-                <a:solidFill>
-                  <a:schemeClr val="tx1"/>
-                </a:solidFill>
-                <a:effectLst/>
-                <a:latin typeface="+mn-lt"/>
-                <a:ea typeface="+mn-ea"/>
-                <a:cs typeface="+mn-cs"/>
-              </a:rPr>
-              <a:t>registros (</a:t>
-            </a:r>
-            <a:r>
-              <a:rPr lang="es-AR" sz="1200" b="1" i="1" kern="1200" dirty="0" err="1" smtClean="0">
-                <a:solidFill>
-                  <a:schemeClr val="tx1"/>
-                </a:solidFill>
-                <a:effectLst/>
-                <a:latin typeface="+mn-lt"/>
-                <a:ea typeface="+mn-ea"/>
-                <a:cs typeface="+mn-cs"/>
-              </a:rPr>
-              <a:t>logs</a:t>
-            </a:r>
-            <a:r>
-              <a:rPr lang="es-AR" sz="1200" b="1" kern="1200" dirty="0" smtClean="0">
-                <a:solidFill>
-                  <a:schemeClr val="tx1"/>
-                </a:solidFill>
-                <a:effectLst/>
-                <a:latin typeface="+mn-lt"/>
-                <a:ea typeface="+mn-ea"/>
-                <a:cs typeface="+mn-cs"/>
-              </a:rPr>
-              <a:t>) de las acciones importantes</a:t>
-            </a:r>
-            <a:r>
-              <a:rPr lang="es-AR" sz="1200" kern="1200" dirty="0" smtClean="0">
-                <a:solidFill>
-                  <a:schemeClr val="tx1"/>
-                </a:solidFill>
-                <a:effectLst/>
-                <a:latin typeface="+mn-lt"/>
-                <a:ea typeface="+mn-ea"/>
-                <a:cs typeface="+mn-cs"/>
-              </a:rPr>
-              <a:t> que se hayan definido, que si bien es un proceso técnico, implica un conocimiento de los individuos respecto a su grado de responsabilidad en lo que realizan dentro de una empresa. El conocimiento de la vinculación entre las personas y sus accesos puede evitar en gran medida la fuga de información, ya que en caso de filtrarse hacia el exterior, se podría señalar de manera directa a todos aquellos que tuvieron acceso y se podría analizar su uso previo al incidente, obteniendo posibles conclusiones y responsables. De cualquier manera, dada la imposibilidad de monitorear a las personas más allá de la esfera laboral, es estrictamente necesario que exista un alto grado de concientización y que las políticas de seguridad estén correctamente aplicadas para garantizar que quienes manejen información confidencial tengan asumidos los riesgos relacionados con su filtración.</a:t>
-            </a:r>
-          </a:p>
-          <a:p>
-            <a:endParaRPr lang="es-AR" sz="1200" b="1" kern="1200" dirty="0" smtClean="0">
-              <a:solidFill>
-                <a:schemeClr val="tx1"/>
-              </a:solidFill>
-              <a:effectLst/>
-              <a:latin typeface="+mn-lt"/>
-              <a:ea typeface="+mn-ea"/>
-              <a:cs typeface="+mn-cs"/>
-            </a:endParaRPr>
-          </a:p>
-          <a:p>
-            <a:r>
-              <a:rPr lang="es-AR" sz="1200" b="1" kern="1200" dirty="0" smtClean="0">
-                <a:solidFill>
-                  <a:schemeClr val="tx1"/>
-                </a:solidFill>
-                <a:effectLst/>
-                <a:latin typeface="+mn-lt"/>
-                <a:ea typeface="+mn-ea"/>
-                <a:cs typeface="+mn-cs"/>
-              </a:rPr>
-              <a:t>Utilización de estándares internacionales</a:t>
-            </a:r>
-            <a:endParaRPr lang="en-US" sz="1200" b="1" kern="1200" dirty="0" smtClean="0">
-              <a:solidFill>
-                <a:schemeClr val="tx1"/>
-              </a:solidFill>
-              <a:effectLst/>
-              <a:latin typeface="+mn-lt"/>
-              <a:ea typeface="+mn-ea"/>
-              <a:cs typeface="+mn-cs"/>
-            </a:endParaRPr>
-          </a:p>
-          <a:p>
-            <a:r>
-              <a:rPr lang="es-AR" sz="1200" kern="1200" dirty="0" smtClean="0">
-                <a:solidFill>
-                  <a:schemeClr val="tx1"/>
-                </a:solidFill>
-                <a:effectLst/>
-                <a:latin typeface="+mn-lt"/>
-                <a:ea typeface="+mn-ea"/>
-                <a:cs typeface="+mn-cs"/>
-              </a:rPr>
-              <a:t> </a:t>
-            </a:r>
-            <a:endParaRPr lang="en-US" sz="1200" kern="1200" dirty="0" smtClean="0">
-              <a:solidFill>
-                <a:schemeClr val="tx1"/>
-              </a:solidFill>
-              <a:effectLst/>
-              <a:latin typeface="+mn-lt"/>
-              <a:ea typeface="+mn-ea"/>
-              <a:cs typeface="+mn-cs"/>
-            </a:endParaRPr>
-          </a:p>
-          <a:p>
-            <a:r>
-              <a:rPr lang="es-AR" sz="1200" kern="1200" dirty="0" smtClean="0">
-                <a:solidFill>
-                  <a:schemeClr val="tx1"/>
-                </a:solidFill>
-                <a:effectLst/>
-                <a:latin typeface="+mn-lt"/>
-                <a:ea typeface="+mn-ea"/>
-                <a:cs typeface="+mn-cs"/>
-              </a:rPr>
-              <a:t>Para la mayoría de las actividades es necesario basarse en estándares, normalmente de alcance internacional, y normativas vinculadas a lo que se quiera organizar. La fuga de información está contemplada dentro de la gestión de la seguridad, y como tal se describen contramedidas y técnicas en distintos estándares. Así pues, se apela con frecuencia a la serie de normas ISO 27000, que está especialmente dedicada a seguridad de la información. Dentro de esta familia se encuentran específicamente algunas normas como lo son la 27001, referida a los requisitos para implementar un sistema de gestión de seguridad, la 27002 que define las mejores prácticas, la 27004 que habla sobre las métricas, la 27005 que trata sobre la gestión de riesgos, entre otras.</a:t>
-            </a:r>
-            <a:endParaRPr lang="en-US" sz="1200" kern="1200" dirty="0" smtClean="0">
-              <a:solidFill>
-                <a:schemeClr val="tx1"/>
-              </a:solidFill>
-              <a:effectLst/>
-              <a:latin typeface="+mn-lt"/>
-              <a:ea typeface="+mn-ea"/>
-              <a:cs typeface="+mn-cs"/>
-            </a:endParaRPr>
-          </a:p>
-          <a:p>
-            <a:r>
-              <a:rPr lang="es-AR" sz="1200" kern="1200" dirty="0" smtClean="0">
-                <a:solidFill>
-                  <a:schemeClr val="tx1"/>
-                </a:solidFill>
-                <a:effectLst/>
-                <a:latin typeface="+mn-lt"/>
-                <a:ea typeface="+mn-ea"/>
-                <a:cs typeface="+mn-cs"/>
-              </a:rPr>
-              <a:t> </a:t>
-            </a:r>
-            <a:endParaRPr lang="en-US" sz="1200" kern="1200" dirty="0" smtClean="0">
-              <a:solidFill>
-                <a:schemeClr val="tx1"/>
-              </a:solidFill>
-              <a:effectLst/>
-              <a:latin typeface="+mn-lt"/>
-              <a:ea typeface="+mn-ea"/>
-              <a:cs typeface="+mn-cs"/>
-            </a:endParaRPr>
-          </a:p>
-          <a:p>
-            <a:r>
-              <a:rPr lang="es-AR" sz="1200" b="1" kern="1200" dirty="0" smtClean="0">
-                <a:solidFill>
-                  <a:schemeClr val="tx1"/>
-                </a:solidFill>
-                <a:effectLst/>
-                <a:latin typeface="+mn-lt"/>
-                <a:ea typeface="+mn-ea"/>
-                <a:cs typeface="+mn-cs"/>
-              </a:rPr>
-              <a:t>Uso de </a:t>
-            </a:r>
-            <a:r>
-              <a:rPr lang="es-AR" sz="1200" b="1" i="1" kern="1200" dirty="0" err="1" smtClean="0">
-                <a:solidFill>
-                  <a:schemeClr val="tx1"/>
-                </a:solidFill>
-                <a:effectLst/>
-                <a:latin typeface="+mn-lt"/>
-                <a:ea typeface="+mn-ea"/>
-                <a:cs typeface="+mn-cs"/>
-              </a:rPr>
-              <a:t>code</a:t>
-            </a:r>
-            <a:r>
-              <a:rPr lang="es-AR" sz="1200" b="1" i="1" kern="1200" dirty="0" smtClean="0">
-                <a:solidFill>
-                  <a:schemeClr val="tx1"/>
-                </a:solidFill>
-                <a:effectLst/>
-                <a:latin typeface="+mn-lt"/>
-                <a:ea typeface="+mn-ea"/>
-                <a:cs typeface="+mn-cs"/>
-              </a:rPr>
-              <a:t> </a:t>
-            </a:r>
-            <a:r>
-              <a:rPr lang="es-AR" sz="1200" b="1" i="1" kern="1200" dirty="0" err="1" smtClean="0">
-                <a:solidFill>
-                  <a:schemeClr val="tx1"/>
-                </a:solidFill>
-                <a:effectLst/>
-                <a:latin typeface="+mn-lt"/>
-                <a:ea typeface="+mn-ea"/>
-                <a:cs typeface="+mn-cs"/>
-              </a:rPr>
-              <a:t>names</a:t>
-            </a:r>
-            <a:r>
-              <a:rPr lang="es-AR" sz="1200" b="1" i="1" kern="1200" dirty="0" smtClean="0">
-                <a:solidFill>
-                  <a:schemeClr val="tx1"/>
-                </a:solidFill>
-                <a:effectLst/>
-                <a:latin typeface="+mn-lt"/>
-                <a:ea typeface="+mn-ea"/>
-                <a:cs typeface="+mn-cs"/>
-              </a:rPr>
-              <a:t> </a:t>
-            </a:r>
-            <a:r>
-              <a:rPr lang="es-AR" sz="1200" b="1" kern="1200" dirty="0" smtClean="0">
-                <a:solidFill>
-                  <a:schemeClr val="tx1"/>
-                </a:solidFill>
-                <a:effectLst/>
-                <a:latin typeface="+mn-lt"/>
-                <a:ea typeface="+mn-ea"/>
-                <a:cs typeface="+mn-cs"/>
-              </a:rPr>
-              <a:t>para los proyectos</a:t>
-            </a:r>
-            <a:endParaRPr lang="en-US" sz="1200" b="1" kern="1200" dirty="0" smtClean="0">
-              <a:solidFill>
-                <a:schemeClr val="tx1"/>
-              </a:solidFill>
-              <a:effectLst/>
-              <a:latin typeface="+mn-lt"/>
-              <a:ea typeface="+mn-ea"/>
-              <a:cs typeface="+mn-cs"/>
-            </a:endParaRPr>
-          </a:p>
-          <a:p>
-            <a:r>
-              <a:rPr lang="es-AR" sz="1200" kern="1200" dirty="0" smtClean="0">
-                <a:solidFill>
-                  <a:schemeClr val="tx1"/>
-                </a:solidFill>
-                <a:effectLst/>
-                <a:latin typeface="+mn-lt"/>
-                <a:ea typeface="+mn-ea"/>
-                <a:cs typeface="+mn-cs"/>
-              </a:rPr>
-              <a:t> </a:t>
-            </a:r>
-            <a:endParaRPr lang="en-US" sz="1200" kern="1200" dirty="0" smtClean="0">
-              <a:solidFill>
-                <a:schemeClr val="tx1"/>
-              </a:solidFill>
-              <a:effectLst/>
-              <a:latin typeface="+mn-lt"/>
-              <a:ea typeface="+mn-ea"/>
-              <a:cs typeface="+mn-cs"/>
-            </a:endParaRPr>
-          </a:p>
-          <a:p>
-            <a:r>
-              <a:rPr lang="es-AR" sz="1200" kern="1200" dirty="0" smtClean="0">
-                <a:solidFill>
-                  <a:schemeClr val="tx1"/>
-                </a:solidFill>
-                <a:effectLst/>
-                <a:latin typeface="+mn-lt"/>
-                <a:ea typeface="+mn-ea"/>
-                <a:cs typeface="+mn-cs"/>
-              </a:rPr>
-              <a:t>Este mecanismo de defensa solo se aplica a empresas comerciales, particularmente tecnológicas. Gigantes como Microsoft y Apple suelen utilizar nombres clave para los productos que están en fase de desarrollo y aún no se han lanzado al mercado. Como ejemplos podemos mencionar al proyecto </a:t>
-            </a:r>
-            <a:r>
-              <a:rPr lang="es-AR" sz="1200" kern="1200" dirty="0" err="1" smtClean="0">
-                <a:solidFill>
-                  <a:schemeClr val="tx1"/>
-                </a:solidFill>
-                <a:effectLst/>
-                <a:latin typeface="+mn-lt"/>
-                <a:ea typeface="+mn-ea"/>
-                <a:cs typeface="+mn-cs"/>
-              </a:rPr>
-              <a:t>Blackcomb</a:t>
-            </a:r>
-            <a:r>
-              <a:rPr lang="es-AR" sz="1200" kern="1200" dirty="0" smtClean="0">
-                <a:solidFill>
-                  <a:schemeClr val="tx1"/>
-                </a:solidFill>
-                <a:effectLst/>
-                <a:latin typeface="+mn-lt"/>
-                <a:ea typeface="+mn-ea"/>
-                <a:cs typeface="+mn-cs"/>
-              </a:rPr>
-              <a:t> (Windows 7).</a:t>
-            </a:r>
-            <a:endParaRPr lang="en-US" sz="1200" kern="1200" dirty="0" smtClean="0">
-              <a:solidFill>
-                <a:schemeClr val="tx1"/>
-              </a:solidFill>
-              <a:effectLst/>
-              <a:latin typeface="+mn-lt"/>
-              <a:ea typeface="+mn-ea"/>
-              <a:cs typeface="+mn-cs"/>
-            </a:endParaRPr>
-          </a:p>
-          <a:p>
-            <a:r>
-              <a:rPr lang="es-AR" sz="1200" kern="1200" dirty="0" smtClean="0">
-                <a:solidFill>
-                  <a:schemeClr val="tx1"/>
-                </a:solidFill>
-                <a:effectLst/>
-                <a:latin typeface="+mn-lt"/>
-                <a:ea typeface="+mn-ea"/>
-                <a:cs typeface="+mn-cs"/>
-              </a:rPr>
-              <a:t> </a:t>
-            </a:r>
-            <a:endParaRPr lang="en-US" sz="1200" kern="1200" dirty="0" smtClean="0">
-              <a:solidFill>
-                <a:schemeClr val="tx1"/>
-              </a:solidFill>
-              <a:effectLst/>
-              <a:latin typeface="+mn-lt"/>
-              <a:ea typeface="+mn-ea"/>
-              <a:cs typeface="+mn-cs"/>
-            </a:endParaRPr>
-          </a:p>
-          <a:p>
-            <a:r>
-              <a:rPr lang="es-AR" sz="1200" kern="1200" dirty="0" smtClean="0">
-                <a:solidFill>
-                  <a:schemeClr val="tx1"/>
-                </a:solidFill>
-                <a:effectLst/>
-                <a:latin typeface="+mn-lt"/>
-                <a:ea typeface="+mn-ea"/>
-                <a:cs typeface="+mn-cs"/>
-              </a:rPr>
-              <a:t>Las razones para su uso son varias:</a:t>
-            </a:r>
-            <a:endParaRPr lang="en-US" sz="1200" kern="1200" dirty="0" smtClean="0">
-              <a:solidFill>
-                <a:schemeClr val="tx1"/>
-              </a:solidFill>
-              <a:effectLst/>
-              <a:latin typeface="+mn-lt"/>
-              <a:ea typeface="+mn-ea"/>
-              <a:cs typeface="+mn-cs"/>
-            </a:endParaRPr>
-          </a:p>
-          <a:p>
-            <a:pPr lvl="0"/>
-            <a:r>
-              <a:rPr lang="es-AR" sz="1200" u="none" strike="noStrike" kern="1200" dirty="0" smtClean="0">
-                <a:solidFill>
-                  <a:schemeClr val="tx1"/>
-                </a:solidFill>
-                <a:effectLst/>
-                <a:latin typeface="+mn-lt"/>
-                <a:ea typeface="+mn-ea"/>
-                <a:cs typeface="+mn-cs"/>
-              </a:rPr>
-              <a:t>Permiten a los trabajadores de dichos productos hablar sobre los mismos sin revelar de qué se trata a terceros. Al utilizar nombres neutrales, se obliga a enfocarse en el producto y prevenir la generación de asociaciones basándose en el nombre.</a:t>
-            </a:r>
-            <a:endParaRPr lang="en-US" u="none" strike="noStrike" dirty="0" smtClean="0">
-              <a:effectLst/>
-            </a:endParaRPr>
-          </a:p>
-          <a:p>
-            <a:pPr lvl="0"/>
-            <a:r>
-              <a:rPr lang="es-AR" sz="1200" u="none" strike="noStrike" kern="1200" dirty="0" smtClean="0">
-                <a:solidFill>
-                  <a:schemeClr val="tx1"/>
-                </a:solidFill>
-                <a:effectLst/>
-                <a:latin typeface="+mn-lt"/>
-                <a:ea typeface="+mn-ea"/>
-                <a:cs typeface="+mn-cs"/>
-              </a:rPr>
-              <a:t>Permiten crear un impacto positivo en los potenciales consumidores, al utilizar nombres que atraen al mercado.</a:t>
-            </a:r>
-            <a:r>
-              <a:rPr lang="es-AR" sz="1200" i="1" u="sng" strike="noStrike" kern="1200" dirty="0" smtClean="0">
-                <a:solidFill>
-                  <a:schemeClr val="tx1"/>
-                </a:solidFill>
-                <a:effectLst/>
-                <a:latin typeface="+mn-lt"/>
-                <a:ea typeface="+mn-ea"/>
-                <a:cs typeface="+mn-cs"/>
-              </a:rPr>
-              <a:t> </a:t>
-            </a:r>
-            <a:endParaRPr lang="en-US" sz="1200" kern="1200" dirty="0">
-              <a:solidFill>
-                <a:schemeClr val="tx1"/>
-              </a:solidFill>
-              <a:effectLst/>
-              <a:latin typeface="+mn-lt"/>
-              <a:ea typeface="+mn-ea"/>
-              <a:cs typeface="+mn-cs"/>
-            </a:endParaRPr>
+            <a:endParaRPr lang="en-US"/>
           </a:p>
         </p:txBody>
       </p:sp>
@@ -3600,7 +2977,7 @@
     </p:spTree>
     <p:extLst>
       <p:ext uri="{BB962C8B-B14F-4D97-AF65-F5344CB8AC3E}">
-        <p14:creationId xmlns:p14="http://schemas.microsoft.com/office/powerpoint/2010/main" val="707643668"/>
+        <p14:creationId xmlns:p14="http://schemas.microsoft.com/office/powerpoint/2010/main" val="127681626"/>
       </p:ext>
     </p:extLst>
   </p:cSld>
@@ -7515,13 +6892,13 @@
   <p:clrMapOvr>
     <a:masterClrMapping/>
   </p:clrMapOvr>
-  <mc:AlternateContent xmlns:mc="http://schemas.openxmlformats.org/markup-compatibility/2006">
-    <mc:Choice xmlns:p14="http://schemas.microsoft.com/office/powerpoint/2010/main" Requires="p14">
+  <mc:AlternateContent xmlns:mc="http://schemas.openxmlformats.org/markup-compatibility/2006" xmlns:p14="http://schemas.microsoft.com/office/powerpoint/2010/main">
+    <mc:Choice Requires="p14">
       <p:transition spd="med" p14:dur="700">
         <p:fade/>
       </p:transition>
     </mc:Choice>
-    <mc:Fallback>
+    <mc:Fallback xmlns="">
       <p:transition spd="med">
         <p:fade/>
       </p:transition>
@@ -7639,19 +7016,8 @@
                 <a:latin typeface="Segoe UI" panose="020B0502040204020203" pitchFamily="34" charset="0"/>
                 <a:cs typeface="Segoe UI" panose="020B0502040204020203" pitchFamily="34" charset="0"/>
               </a:rPr>
-              <a:t>Innovación productiva, relevancia del </a:t>
-            </a:r>
-            <a:r>
-              <a:rPr lang="es-AR" dirty="0" smtClean="0">
-                <a:latin typeface="Segoe UI" panose="020B0502040204020203" pitchFamily="34" charset="0"/>
-                <a:cs typeface="Segoe UI" panose="020B0502040204020203" pitchFamily="34" charset="0"/>
-              </a:rPr>
-              <a:t>inventor</a:t>
-            </a:r>
-            <a:endParaRPr lang="es-AR" dirty="0" smtClean="0">
-              <a:latin typeface="Segoe UI" panose="020B0502040204020203" pitchFamily="34" charset="0"/>
-              <a:cs typeface="Segoe UI" panose="020B0502040204020203" pitchFamily="34" charset="0"/>
-            </a:endParaRPr>
+              <a:t>Innovación productiva, relevancia del inventor</a:t>
+            </a:r>
           </a:p>
           <a:p>
             <a:r>
@@ -7747,13 +7113,13 @@
   <p:clrMapOvr>
     <a:masterClrMapping/>
   </p:clrMapOvr>
-  <mc:AlternateContent xmlns:mc="http://schemas.openxmlformats.org/markup-compatibility/2006">
-    <mc:Choice xmlns:p14="http://schemas.microsoft.com/office/powerpoint/2010/main" Requires="p14">
+  <mc:AlternateContent xmlns:mc="http://schemas.openxmlformats.org/markup-compatibility/2006" xmlns:p14="http://schemas.microsoft.com/office/powerpoint/2010/main">
+    <mc:Choice Requires="p14">
       <p:transition spd="med" p14:dur="700">
         <p:fade/>
       </p:transition>
     </mc:Choice>
-    <mc:Fallback>
+    <mc:Fallback xmlns="">
       <p:transition spd="med">
         <p:fade/>
       </p:transition>
@@ -7930,13 +7296,13 @@
   <p:clrMapOvr>
     <a:masterClrMapping/>
   </p:clrMapOvr>
-  <mc:AlternateContent xmlns:mc="http://schemas.openxmlformats.org/markup-compatibility/2006">
-    <mc:Choice xmlns:p14="http://schemas.microsoft.com/office/powerpoint/2010/main" Requires="p14">
+  <mc:AlternateContent xmlns:mc="http://schemas.openxmlformats.org/markup-compatibility/2006" xmlns:p14="http://schemas.microsoft.com/office/powerpoint/2010/main">
+    <mc:Choice Requires="p14">
       <p:transition spd="med" p14:dur="700">
         <p:fade/>
       </p:transition>
     </mc:Choice>
-    <mc:Fallback>
+    <mc:Fallback xmlns="">
       <p:transition spd="med">
         <p:fade/>
       </p:transition>
@@ -7985,17 +7351,29 @@
           <a:lstStyle/>
           <a:p>
             <a:r>
-              <a:rPr lang="es-AR" dirty="0" smtClean="0"/>
+              <a:rPr lang="es-AR" dirty="0" smtClean="0">
+                <a:latin typeface="Segoe UI" panose="020B0502040204020203" pitchFamily="34" charset="0"/>
+                <a:cs typeface="Segoe UI" panose="020B0502040204020203" pitchFamily="34" charset="0"/>
+              </a:rPr>
               <a:t>Innovación productiva:</a:t>
             </a:r>
             <a:br>
-              <a:rPr lang="es-AR" dirty="0" smtClean="0"/>
+              <a:rPr lang="es-AR" dirty="0" smtClean="0">
+                <a:latin typeface="Segoe UI" panose="020B0502040204020203" pitchFamily="34" charset="0"/>
+                <a:cs typeface="Segoe UI" panose="020B0502040204020203" pitchFamily="34" charset="0"/>
+              </a:rPr>
             </a:br>
             <a:r>
-              <a:rPr lang="es-AR" dirty="0" smtClean="0"/>
+              <a:rPr lang="es-AR" dirty="0" smtClean="0">
+                <a:latin typeface="Segoe UI" panose="020B0502040204020203" pitchFamily="34" charset="0"/>
+                <a:cs typeface="Segoe UI" panose="020B0502040204020203" pitchFamily="34" charset="0"/>
+              </a:rPr>
               <a:t>El Inventor</a:t>
             </a:r>
-            <a:endParaRPr lang="es-AR" dirty="0"/>
+            <a:endParaRPr lang="es-AR" dirty="0">
+              <a:latin typeface="Segoe UI" panose="020B0502040204020203" pitchFamily="34" charset="0"/>
+              <a:cs typeface="Segoe UI" panose="020B0502040204020203" pitchFamily="34" charset="0"/>
+            </a:endParaRPr>
           </a:p>
         </p:txBody>
       </p:sp>
@@ -8015,34 +7393,52 @@
           <a:lstStyle/>
           <a:p>
             <a:r>
-              <a:rPr lang="es-AR" dirty="0" smtClean="0"/>
+              <a:rPr lang="es-AR" dirty="0" smtClean="0">
+                <a:latin typeface="Segoe UI" panose="020B0502040204020203" pitchFamily="34" charset="0"/>
+                <a:cs typeface="Segoe UI" panose="020B0502040204020203" pitchFamily="34" charset="0"/>
+              </a:rPr>
               <a:t>Búsqueda de mayor productividad en la producción de bienes industriales</a:t>
             </a:r>
           </a:p>
           <a:p>
             <a:r>
-              <a:rPr lang="es-AR" dirty="0" smtClean="0"/>
+              <a:rPr lang="es-AR" dirty="0" smtClean="0">
+                <a:latin typeface="Segoe UI" panose="020B0502040204020203" pitchFamily="34" charset="0"/>
+                <a:cs typeface="Segoe UI" panose="020B0502040204020203" pitchFamily="34" charset="0"/>
+              </a:rPr>
               <a:t>Revalorización del conocimiento técnico</a:t>
             </a:r>
           </a:p>
           <a:p>
             <a:r>
-              <a:rPr lang="es-AR" dirty="0" smtClean="0"/>
+              <a:rPr lang="es-AR" dirty="0" smtClean="0">
+                <a:latin typeface="Segoe UI" panose="020B0502040204020203" pitchFamily="34" charset="0"/>
+                <a:cs typeface="Segoe UI" panose="020B0502040204020203" pitchFamily="34" charset="0"/>
+              </a:rPr>
               <a:t>Creciente demanda por un mayor incentivo a la actividad de la invención</a:t>
             </a:r>
           </a:p>
           <a:p>
             <a:r>
-              <a:rPr lang="es-AR" dirty="0" smtClean="0"/>
+              <a:rPr lang="es-AR" dirty="0" smtClean="0">
+                <a:latin typeface="Segoe UI" panose="020B0502040204020203" pitchFamily="34" charset="0"/>
+                <a:cs typeface="Segoe UI" panose="020B0502040204020203" pitchFamily="34" charset="0"/>
+              </a:rPr>
               <a:t>Sofisticación y formalización del conocimiento técnico</a:t>
             </a:r>
           </a:p>
           <a:p>
             <a:r>
-              <a:rPr lang="es-AR" dirty="0" smtClean="0"/>
+              <a:rPr lang="es-AR" dirty="0" smtClean="0">
+                <a:latin typeface="Segoe UI" panose="020B0502040204020203" pitchFamily="34" charset="0"/>
+                <a:cs typeface="Segoe UI" panose="020B0502040204020203" pitchFamily="34" charset="0"/>
+              </a:rPr>
               <a:t>Rédito del inventor</a:t>
             </a:r>
-            <a:endParaRPr lang="es-AR" dirty="0"/>
+            <a:endParaRPr lang="es-AR" dirty="0">
+              <a:latin typeface="Segoe UI" panose="020B0502040204020203" pitchFamily="34" charset="0"/>
+              <a:cs typeface="Segoe UI" panose="020B0502040204020203" pitchFamily="34" charset="0"/>
+            </a:endParaRPr>
           </a:p>
         </p:txBody>
       </p:sp>
@@ -8062,10 +7458,16 @@
           <a:lstStyle/>
           <a:p>
             <a:r>
-              <a:rPr lang="es-AR" dirty="0" smtClean="0"/>
+              <a:rPr lang="es-AR" dirty="0" smtClean="0">
+                <a:latin typeface="Segoe UI" panose="020B0502040204020203" pitchFamily="34" charset="0"/>
+                <a:cs typeface="Segoe UI" panose="020B0502040204020203" pitchFamily="34" charset="0"/>
+              </a:rPr>
               <a:t>De la sabiduría a la invención</a:t>
             </a:r>
-            <a:endParaRPr lang="es-AR" dirty="0"/>
+            <a:endParaRPr lang="es-AR" dirty="0">
+              <a:latin typeface="Segoe UI" panose="020B0502040204020203" pitchFamily="34" charset="0"/>
+              <a:cs typeface="Segoe UI" panose="020B0502040204020203" pitchFamily="34" charset="0"/>
+            </a:endParaRPr>
           </a:p>
         </p:txBody>
       </p:sp>
@@ -8079,13 +7481,13 @@
   <p:clrMapOvr>
     <a:masterClrMapping/>
   </p:clrMapOvr>
-  <mc:AlternateContent xmlns:mc="http://schemas.openxmlformats.org/markup-compatibility/2006">
-    <mc:Choice xmlns:p14="http://schemas.microsoft.com/office/powerpoint/2010/main" Requires="p14">
+  <mc:AlternateContent xmlns:mc="http://schemas.openxmlformats.org/markup-compatibility/2006" xmlns:p14="http://schemas.microsoft.com/office/powerpoint/2010/main">
+    <mc:Choice Requires="p14">
       <p:transition spd="med" p14:dur="700">
         <p:fade/>
       </p:transition>
     </mc:Choice>
-    <mc:Fallback>
+    <mc:Fallback xmlns="">
       <p:transition spd="med">
         <p:fade/>
       </p:transition>
@@ -8265,13 +7667,13 @@
   <p:clrMapOvr>
     <a:masterClrMapping/>
   </p:clrMapOvr>
-  <mc:AlternateContent xmlns:mc="http://schemas.openxmlformats.org/markup-compatibility/2006">
-    <mc:Choice xmlns:p14="http://schemas.microsoft.com/office/powerpoint/2010/main" Requires="p14">
+  <mc:AlternateContent xmlns:mc="http://schemas.openxmlformats.org/markup-compatibility/2006" xmlns:p14="http://schemas.microsoft.com/office/powerpoint/2010/main">
+    <mc:Choice Requires="p14">
       <p:transition spd="med" p14:dur="700">
         <p:fade/>
       </p:transition>
     </mc:Choice>
-    <mc:Fallback>
+    <mc:Fallback xmlns="">
       <p:transition spd="med">
         <p:fade/>
       </p:transition>
@@ -8430,13 +7832,13 @@
   <p:clrMapOvr>
     <a:masterClrMapping/>
   </p:clrMapOvr>
-  <mc:AlternateContent xmlns:mc="http://schemas.openxmlformats.org/markup-compatibility/2006">
-    <mc:Choice xmlns:p14="http://schemas.microsoft.com/office/powerpoint/2010/main" Requires="p14">
+  <mc:AlternateContent xmlns:mc="http://schemas.openxmlformats.org/markup-compatibility/2006" xmlns:p14="http://schemas.microsoft.com/office/powerpoint/2010/main">
+    <mc:Choice Requires="p14">
       <p:transition spd="med" p14:dur="700">
         <p:fade/>
       </p:transition>
     </mc:Choice>
-    <mc:Fallback>
+    <mc:Fallback xmlns="">
       <p:transition spd="med">
         <p:fade/>
       </p:transition>
@@ -8541,28 +7943,35 @@
                 <a:latin typeface="Segoe UI" panose="020B0502040204020203" pitchFamily="34" charset="0"/>
                 <a:cs typeface="Segoe UI" panose="020B0502040204020203" pitchFamily="34" charset="0"/>
               </a:rPr>
-              <a:t>Patentes de Invención</a:t>
-            </a:r>
-          </a:p>
-          <a:p>
+              <a:t>Patentes de </a:t>
+            </a:r>
             <a:r>
               <a:rPr lang="es-AR" dirty="0" smtClean="0">
                 <a:latin typeface="Segoe UI" panose="020B0502040204020203" pitchFamily="34" charset="0"/>
                 <a:cs typeface="Segoe UI" panose="020B0502040204020203" pitchFamily="34" charset="0"/>
               </a:rPr>
-              <a:t>Caja de </a:t>
-            </a:r>
-            <a:r>
-              <a:rPr lang="es-AR" dirty="0" smtClean="0">
-                <a:latin typeface="Segoe UI" panose="020B0502040204020203" pitchFamily="34" charset="0"/>
-                <a:cs typeface="Segoe UI" panose="020B0502040204020203" pitchFamily="34" charset="0"/>
-              </a:rPr>
-              <a:t>seguridad</a:t>
+              <a:t>invención</a:t>
             </a:r>
             <a:endParaRPr lang="es-AR" dirty="0" smtClean="0">
               <a:latin typeface="Segoe UI" panose="020B0502040204020203" pitchFamily="34" charset="0"/>
               <a:cs typeface="Segoe UI" panose="020B0502040204020203" pitchFamily="34" charset="0"/>
             </a:endParaRPr>
+          </a:p>
+          <a:p>
+            <a:r>
+              <a:rPr lang="es-AR" dirty="0" smtClean="0">
+                <a:latin typeface="Segoe UI" panose="020B0502040204020203" pitchFamily="34" charset="0"/>
+                <a:cs typeface="Segoe UI" panose="020B0502040204020203" pitchFamily="34" charset="0"/>
+              </a:rPr>
+              <a:t>Cajas </a:t>
+            </a:r>
+            <a:r>
+              <a:rPr lang="es-AR" dirty="0" smtClean="0">
+                <a:latin typeface="Segoe UI" panose="020B0502040204020203" pitchFamily="34" charset="0"/>
+                <a:cs typeface="Segoe UI" panose="020B0502040204020203" pitchFamily="34" charset="0"/>
+              </a:rPr>
+              <a:t>de seguridad</a:t>
+            </a:r>
           </a:p>
           <a:p>
             <a:pPr marL="0" indent="0">
@@ -8585,13 +7994,13 @@
   <p:clrMapOvr>
     <a:masterClrMapping/>
   </p:clrMapOvr>
-  <mc:AlternateContent xmlns:mc="http://schemas.openxmlformats.org/markup-compatibility/2006">
-    <mc:Choice xmlns:p14="http://schemas.microsoft.com/office/powerpoint/2010/main" Requires="p14">
+  <mc:AlternateContent xmlns:mc="http://schemas.openxmlformats.org/markup-compatibility/2006" xmlns:p14="http://schemas.microsoft.com/office/powerpoint/2010/main">
+    <mc:Choice Requires="p14">
       <p:transition spd="med" p14:dur="700">
         <p:fade/>
       </p:transition>
     </mc:Choice>
-    <mc:Fallback>
+    <mc:Fallback xmlns="">
       <p:transition spd="med">
         <p:fade/>
       </p:transition>
@@ -8798,13 +8207,13 @@
   <p:clrMapOvr>
     <a:masterClrMapping/>
   </p:clrMapOvr>
-  <mc:AlternateContent xmlns:mc="http://schemas.openxmlformats.org/markup-compatibility/2006">
-    <mc:Choice xmlns:p14="http://schemas.microsoft.com/office/powerpoint/2010/main" Requires="p14">
+  <mc:AlternateContent xmlns:mc="http://schemas.openxmlformats.org/markup-compatibility/2006" xmlns:p14="http://schemas.microsoft.com/office/powerpoint/2010/main">
+    <mc:Choice Requires="p14">
       <p:transition spd="med" p14:dur="700">
         <p:fade/>
       </p:transition>
     </mc:Choice>
-    <mc:Fallback>
+    <mc:Fallback xmlns="">
       <p:transition spd="med">
         <p:fade/>
       </p:transition>
@@ -9028,10 +8437,6 @@
               </a:rPr>
               <a:t>, 1890, variante de la máquina de Thomas Jefferson</a:t>
             </a:r>
-            <a:endParaRPr lang="es-AR" dirty="0" smtClean="0">
-              <a:latin typeface="Segoe UI" panose="020B0502040204020203" pitchFamily="34" charset="0"/>
-              <a:cs typeface="Segoe UI" panose="020B0502040204020203" pitchFamily="34" charset="0"/>
-            </a:endParaRPr>
           </a:p>
         </p:txBody>
       </p:sp>
@@ -9074,13 +8479,13 @@
   <p:clrMapOvr>
     <a:masterClrMapping/>
   </p:clrMapOvr>
-  <mc:AlternateContent xmlns:mc="http://schemas.openxmlformats.org/markup-compatibility/2006">
-    <mc:Choice xmlns:p14="http://schemas.microsoft.com/office/powerpoint/2010/main" Requires="p14">
+  <mc:AlternateContent xmlns:mc="http://schemas.openxmlformats.org/markup-compatibility/2006" xmlns:p14="http://schemas.microsoft.com/office/powerpoint/2010/main">
+    <mc:Choice Requires="p14">
       <p:transition spd="med" p14:dur="700">
         <p:fade/>
       </p:transition>
     </mc:Choice>
-    <mc:Fallback>
+    <mc:Fallback xmlns="">
       <p:transition spd="med">
         <p:fade/>
       </p:transition>
@@ -9438,10 +8843,6 @@
               </a:rPr>
               <a:t>Convenio de Berna 1886 (Derechos de Autor)</a:t>
             </a:r>
-            <a:endParaRPr lang="es-AR" dirty="0" smtClean="0">
-              <a:latin typeface="Segoe UI" panose="020B0502040204020203" pitchFamily="34" charset="0"/>
-              <a:cs typeface="Segoe UI" panose="020B0502040204020203" pitchFamily="34" charset="0"/>
-            </a:endParaRPr>
           </a:p>
         </p:txBody>
       </p:sp>
@@ -9484,13 +8885,13 @@
   <p:clrMapOvr>
     <a:masterClrMapping/>
   </p:clrMapOvr>
-  <mc:AlternateContent xmlns:mc="http://schemas.openxmlformats.org/markup-compatibility/2006">
-    <mc:Choice xmlns:p14="http://schemas.microsoft.com/office/powerpoint/2010/main" Requires="p14">
+  <mc:AlternateContent xmlns:mc="http://schemas.openxmlformats.org/markup-compatibility/2006" xmlns:p14="http://schemas.microsoft.com/office/powerpoint/2010/main">
+    <mc:Choice Requires="p14">
       <p:transition spd="med" p14:dur="700">
         <p:fade/>
       </p:transition>
     </mc:Choice>
-    <mc:Fallback>
+    <mc:Fallback xmlns="">
       <p:transition spd="med">
         <p:fade/>
       </p:transition>
@@ -9641,10 +9042,6 @@
               </a:rPr>
               <a:t>Servicios tercerizados de guarda de bienes. Explosión del negocio a partir de la segunda mitad del siglo XIX</a:t>
             </a:r>
-            <a:endParaRPr lang="es-AR" dirty="0" smtClean="0">
-              <a:latin typeface="Segoe UI" panose="020B0502040204020203" pitchFamily="34" charset="0"/>
-              <a:cs typeface="Segoe UI" panose="020B0502040204020203" pitchFamily="34" charset="0"/>
-            </a:endParaRPr>
           </a:p>
         </p:txBody>
       </p:sp>
@@ -9687,13 +9084,13 @@
   <p:clrMapOvr>
     <a:masterClrMapping/>
   </p:clrMapOvr>
-  <mc:AlternateContent xmlns:mc="http://schemas.openxmlformats.org/markup-compatibility/2006">
-    <mc:Choice xmlns:p14="http://schemas.microsoft.com/office/powerpoint/2010/main" Requires="p14">
+  <mc:AlternateContent xmlns:mc="http://schemas.openxmlformats.org/markup-compatibility/2006" xmlns:p14="http://schemas.microsoft.com/office/powerpoint/2010/main">
+    <mc:Choice Requires="p14">
       <p:transition spd="med" p14:dur="700">
         <p:fade/>
       </p:transition>
     </mc:Choice>
-    <mc:Fallback>
+    <mc:Fallback xmlns="">
       <p:transition spd="med">
         <p:fade/>
       </p:transition>
@@ -9742,7 +9139,7 @@
           <a:lstStyle/>
           <a:p>
             <a:r>
-              <a:rPr lang="en-US" spc="0" dirty="0" err="1" smtClean="0">
+              <a:rPr lang="en-US" spc="0" dirty="0" err="1">
                 <a:ln w="0"/>
                 <a:solidFill>
                   <a:schemeClr val="accent1"/>
@@ -9757,7 +9154,43 @@
                 <a:latin typeface="Segoe UI" panose="020B0502040204020203" pitchFamily="34" charset="0"/>
                 <a:cs typeface="Segoe UI" panose="020B0502040204020203" pitchFamily="34" charset="0"/>
               </a:rPr>
-              <a:t>Eventos</a:t>
+              <a:t>Siglo</a:t>
+            </a:r>
+            <a:r>
+              <a:rPr lang="en-US" spc="0" dirty="0">
+                <a:ln w="0"/>
+                <a:solidFill>
+                  <a:schemeClr val="accent1"/>
+                </a:solidFill>
+                <a:effectLst>
+                  <a:outerShdw blurRad="38100" dist="25400" dir="5400000" algn="ctr" rotWithShape="0">
+                    <a:srgbClr val="6E747A">
+                      <a:alpha val="43000"/>
+                    </a:srgbClr>
+                  </a:outerShdw>
+                </a:effectLst>
+                <a:latin typeface="Segoe UI" panose="020B0502040204020203" pitchFamily="34" charset="0"/>
+                <a:cs typeface="Segoe UI" panose="020B0502040204020203" pitchFamily="34" charset="0"/>
+              </a:rPr>
+              <a:t> XIX – </a:t>
+            </a:r>
+            <a:r>
+              <a:rPr lang="en-US" spc="0" dirty="0" err="1" smtClean="0">
+                <a:ln w="0"/>
+                <a:solidFill>
+                  <a:schemeClr val="accent1"/>
+                </a:solidFill>
+                <a:effectLst>
+                  <a:outerShdw blurRad="38100" dist="25400" dir="5400000" algn="ctr" rotWithShape="0">
+                    <a:srgbClr val="6E747A">
+                      <a:alpha val="43000"/>
+                    </a:srgbClr>
+                  </a:outerShdw>
+                </a:effectLst>
+                <a:latin typeface="Segoe UI" panose="020B0502040204020203" pitchFamily="34" charset="0"/>
+                <a:cs typeface="Segoe UI" panose="020B0502040204020203" pitchFamily="34" charset="0"/>
+              </a:rPr>
+              <a:t>Riesgos</a:t>
             </a:r>
             <a:endParaRPr lang="en-US" spc="0" dirty="0">
               <a:ln w="0"/>
@@ -9789,318 +9222,85 @@
         </p:nvSpPr>
         <p:spPr/>
         <p:txBody>
-          <a:bodyPr>
-            <a:noAutofit/>
-          </a:bodyPr>
+          <a:bodyPr/>
           <a:lstStyle/>
           <a:p>
-            <a:pPr>
-              <a:lnSpc>
-                <a:spcPct val="150000"/>
-              </a:lnSpc>
-              <a:spcBef>
-                <a:spcPts val="0"/>
-              </a:spcBef>
-            </a:pPr>
-            <a:r>
-              <a:rPr lang="es-AR" sz="1800" dirty="0" smtClean="0">
-                <a:latin typeface="Segoe UI" panose="020B0502040204020203" pitchFamily="34" charset="0"/>
-                <a:cs typeface="Segoe UI" panose="020B0502040204020203" pitchFamily="34" charset="0"/>
-              </a:rPr>
-              <a:t>1804: Locomotora</a:t>
-            </a:r>
-          </a:p>
-          <a:p>
-            <a:pPr>
-              <a:lnSpc>
-                <a:spcPct val="150000"/>
-              </a:lnSpc>
-              <a:spcBef>
-                <a:spcPts val="0"/>
-              </a:spcBef>
-            </a:pPr>
-            <a:r>
-              <a:rPr lang="es-AR" sz="1800" dirty="0" smtClean="0">
-                <a:latin typeface="Segoe UI" panose="020B0502040204020203" pitchFamily="34" charset="0"/>
-                <a:cs typeface="Segoe UI" panose="020B0502040204020203" pitchFamily="34" charset="0"/>
-              </a:rPr>
-              <a:t>1826</a:t>
-            </a:r>
-            <a:r>
-              <a:rPr lang="es-AR" sz="1800" dirty="0">
-                <a:latin typeface="Segoe UI" panose="020B0502040204020203" pitchFamily="34" charset="0"/>
-                <a:cs typeface="Segoe UI" panose="020B0502040204020203" pitchFamily="34" charset="0"/>
-              </a:rPr>
-              <a:t>: </a:t>
-            </a:r>
-            <a:r>
-              <a:rPr lang="es-AR" sz="1800" dirty="0" smtClean="0">
-                <a:latin typeface="Segoe UI" panose="020B0502040204020203" pitchFamily="34" charset="0"/>
-                <a:cs typeface="Segoe UI" panose="020B0502040204020203" pitchFamily="34" charset="0"/>
-              </a:rPr>
-              <a:t>Fotografía</a:t>
-            </a:r>
-          </a:p>
-          <a:p>
-            <a:pPr lvl="0">
-              <a:lnSpc>
-                <a:spcPct val="150000"/>
-              </a:lnSpc>
-              <a:spcBef>
-                <a:spcPts val="0"/>
-              </a:spcBef>
-            </a:pPr>
-            <a:r>
-              <a:rPr lang="es-AR" sz="1800" dirty="0">
-                <a:latin typeface="Segoe UI" panose="020B0502040204020203" pitchFamily="34" charset="0"/>
-                <a:cs typeface="Segoe UI" panose="020B0502040204020203" pitchFamily="34" charset="0"/>
-              </a:rPr>
-              <a:t>1846: Anestesia</a:t>
-            </a:r>
-          </a:p>
-          <a:p>
-            <a:pPr lvl="0">
-              <a:lnSpc>
-                <a:spcPct val="150000"/>
-              </a:lnSpc>
-              <a:spcBef>
-                <a:spcPts val="0"/>
-              </a:spcBef>
-            </a:pPr>
-            <a:r>
-              <a:rPr lang="es-AR" sz="1800" dirty="0" smtClean="0">
-                <a:latin typeface="Segoe UI" panose="020B0502040204020203" pitchFamily="34" charset="0"/>
-                <a:cs typeface="Segoe UI" panose="020B0502040204020203" pitchFamily="34" charset="0"/>
-              </a:rPr>
-              <a:t>1854</a:t>
-            </a:r>
-            <a:r>
-              <a:rPr lang="es-AR" sz="1800" dirty="0">
-                <a:latin typeface="Segoe UI" panose="020B0502040204020203" pitchFamily="34" charset="0"/>
-                <a:cs typeface="Segoe UI" panose="020B0502040204020203" pitchFamily="34" charset="0"/>
-              </a:rPr>
-              <a:t>: Lámpara </a:t>
-            </a:r>
-            <a:r>
-              <a:rPr lang="es-AR" sz="1800" dirty="0" smtClean="0">
-                <a:latin typeface="Segoe UI" panose="020B0502040204020203" pitchFamily="34" charset="0"/>
-                <a:cs typeface="Segoe UI" panose="020B0502040204020203" pitchFamily="34" charset="0"/>
-              </a:rPr>
-              <a:t>Incandescente (patentada por Thomas Edison en 1883)</a:t>
-            </a:r>
-          </a:p>
-          <a:p>
-            <a:pPr lvl="1">
-              <a:lnSpc>
-                <a:spcPct val="150000"/>
-              </a:lnSpc>
-              <a:spcBef>
-                <a:spcPts val="0"/>
-              </a:spcBef>
-            </a:pPr>
-            <a:r>
-              <a:rPr lang="es-AR" sz="1400" dirty="0" smtClean="0">
-                <a:latin typeface="Segoe UI" panose="020B0502040204020203" pitchFamily="34" charset="0"/>
-                <a:cs typeface="Segoe UI" panose="020B0502040204020203" pitchFamily="34" charset="0"/>
-              </a:rPr>
-              <a:t>Teléfono (patentada por Alexander Graham Bell)</a:t>
-            </a:r>
-          </a:p>
-          <a:p>
-            <a:pPr lvl="0">
-              <a:lnSpc>
-                <a:spcPct val="150000"/>
-              </a:lnSpc>
-              <a:spcBef>
-                <a:spcPts val="0"/>
-              </a:spcBef>
-            </a:pPr>
-            <a:r>
-              <a:rPr lang="es-AR" sz="1800" dirty="0" smtClean="0">
-                <a:latin typeface="Segoe UI" panose="020B0502040204020203" pitchFamily="34" charset="0"/>
-                <a:cs typeface="Segoe UI" panose="020B0502040204020203" pitchFamily="34" charset="0"/>
-              </a:rPr>
-              <a:t>1863</a:t>
-            </a:r>
-            <a:r>
-              <a:rPr lang="es-AR" sz="1800" dirty="0">
-                <a:latin typeface="Segoe UI" panose="020B0502040204020203" pitchFamily="34" charset="0"/>
-                <a:cs typeface="Segoe UI" panose="020B0502040204020203" pitchFamily="34" charset="0"/>
-              </a:rPr>
-              <a:t>: </a:t>
-            </a:r>
-            <a:r>
-              <a:rPr lang="es-AR" sz="1800" dirty="0" smtClean="0">
-                <a:latin typeface="Segoe UI" panose="020B0502040204020203" pitchFamily="34" charset="0"/>
-                <a:cs typeface="Segoe UI" panose="020B0502040204020203" pitchFamily="34" charset="0"/>
-              </a:rPr>
-              <a:t>Dirigible</a:t>
-            </a:r>
-          </a:p>
-          <a:p>
-            <a:pPr lvl="0">
-              <a:lnSpc>
-                <a:spcPct val="150000"/>
-              </a:lnSpc>
-              <a:spcBef>
-                <a:spcPts val="0"/>
-              </a:spcBef>
-            </a:pPr>
-            <a:r>
-              <a:rPr lang="es-AR" sz="1800" dirty="0" smtClean="0">
-                <a:latin typeface="Segoe UI" panose="020B0502040204020203" pitchFamily="34" charset="0"/>
-                <a:cs typeface="Segoe UI" panose="020B0502040204020203" pitchFamily="34" charset="0"/>
-              </a:rPr>
-              <a:t>1864: Método de la pasteurización</a:t>
-            </a:r>
-          </a:p>
-          <a:p>
-            <a:pPr lvl="0">
-              <a:lnSpc>
-                <a:spcPct val="150000"/>
-              </a:lnSpc>
-              <a:spcBef>
-                <a:spcPts val="0"/>
-              </a:spcBef>
-            </a:pPr>
-            <a:r>
-              <a:rPr lang="es-AR" sz="1800" dirty="0" smtClean="0">
-                <a:latin typeface="Segoe UI" panose="020B0502040204020203" pitchFamily="34" charset="0"/>
-                <a:cs typeface="Segoe UI" panose="020B0502040204020203" pitchFamily="34" charset="0"/>
-              </a:rPr>
-              <a:t>1886</a:t>
-            </a:r>
-            <a:r>
-              <a:rPr lang="es-AR" sz="1800" dirty="0">
-                <a:latin typeface="Segoe UI" panose="020B0502040204020203" pitchFamily="34" charset="0"/>
-                <a:cs typeface="Segoe UI" panose="020B0502040204020203" pitchFamily="34" charset="0"/>
-              </a:rPr>
-              <a:t>: </a:t>
-            </a:r>
-            <a:r>
-              <a:rPr lang="es-AR" sz="1800" dirty="0" smtClean="0">
-                <a:latin typeface="Segoe UI" panose="020B0502040204020203" pitchFamily="34" charset="0"/>
-                <a:cs typeface="Segoe UI" panose="020B0502040204020203" pitchFamily="34" charset="0"/>
-              </a:rPr>
-              <a:t>Coca-Cola</a:t>
-            </a:r>
-          </a:p>
-          <a:p>
-            <a:pPr>
-              <a:lnSpc>
-                <a:spcPct val="150000"/>
-              </a:lnSpc>
-              <a:spcBef>
-                <a:spcPts val="0"/>
-              </a:spcBef>
-            </a:pPr>
-            <a:r>
-              <a:rPr lang="es-AR" sz="1800" dirty="0">
-                <a:latin typeface="Segoe UI" panose="020B0502040204020203" pitchFamily="34" charset="0"/>
-                <a:cs typeface="Segoe UI" panose="020B0502040204020203" pitchFamily="34" charset="0"/>
-              </a:rPr>
-              <a:t>1890: Avión</a:t>
-            </a:r>
-          </a:p>
-          <a:p>
-            <a:pPr>
-              <a:lnSpc>
-                <a:spcPct val="150000"/>
-              </a:lnSpc>
-              <a:spcBef>
-                <a:spcPts val="0"/>
-              </a:spcBef>
-            </a:pPr>
-            <a:r>
-              <a:rPr lang="es-AR" sz="1800" dirty="0">
-                <a:latin typeface="Segoe UI" panose="020B0502040204020203" pitchFamily="34" charset="0"/>
-                <a:cs typeface="Segoe UI" panose="020B0502040204020203" pitchFamily="34" charset="0"/>
-              </a:rPr>
-              <a:t>1894: Cinematógrafo</a:t>
-            </a:r>
-          </a:p>
-          <a:p>
-            <a:pPr lvl="0">
-              <a:lnSpc>
-                <a:spcPct val="150000"/>
-              </a:lnSpc>
-              <a:spcBef>
-                <a:spcPts val="0"/>
-              </a:spcBef>
-            </a:pPr>
-            <a:r>
-              <a:rPr lang="es-AR" sz="1800" dirty="0" smtClean="0">
-                <a:latin typeface="Segoe UI" panose="020B0502040204020203" pitchFamily="34" charset="0"/>
-                <a:cs typeface="Segoe UI" panose="020B0502040204020203" pitchFamily="34" charset="0"/>
-              </a:rPr>
-              <a:t>1899</a:t>
-            </a:r>
-            <a:r>
-              <a:rPr lang="es-AR" sz="1800" dirty="0">
-                <a:latin typeface="Segoe UI" panose="020B0502040204020203" pitchFamily="34" charset="0"/>
-                <a:cs typeface="Segoe UI" panose="020B0502040204020203" pitchFamily="34" charset="0"/>
-              </a:rPr>
-              <a:t>: Aspirina</a:t>
-            </a:r>
-            <a:endParaRPr lang="en-US" sz="1800" u="none" strike="noStrike" dirty="0">
-              <a:effectLst/>
-              <a:latin typeface="Segoe UI" panose="020B0502040204020203" pitchFamily="34" charset="0"/>
-              <a:cs typeface="Segoe UI" panose="020B0502040204020203" pitchFamily="34" charset="0"/>
-            </a:endParaRPr>
-          </a:p>
-        </p:txBody>
-      </p:sp>
-      <p:cxnSp>
-        <p:nvCxnSpPr>
-          <p:cNvPr id="4" name="Straight Arrow Connector 3"/>
-          <p:cNvCxnSpPr/>
-          <p:nvPr/>
-        </p:nvCxnSpPr>
-        <p:spPr>
-          <a:xfrm>
-            <a:off x="1341884" y="2060848"/>
-            <a:ext cx="0" cy="4404321"/>
-          </a:xfrm>
-          <a:prstGeom prst="straightConnector1">
-            <a:avLst/>
-          </a:prstGeom>
-          <a:ln w="76200">
-            <a:tailEnd type="triangle"/>
-          </a:ln>
-          <a:effectLst>
-            <a:outerShdw blurRad="50800" dist="38100" dir="5400000" algn="t" rotWithShape="0">
-              <a:prstClr val="black">
-                <a:alpha val="40000"/>
-              </a:prstClr>
-            </a:outerShdw>
-          </a:effectLst>
-          <a:scene3d>
-            <a:camera prst="orthographicFront"/>
-            <a:lightRig rig="threePt" dir="t"/>
-          </a:scene3d>
-          <a:sp3d>
-            <a:bevelT prst="convex"/>
-          </a:sp3d>
-        </p:spPr>
-        <p:style>
-          <a:lnRef idx="3">
-            <a:schemeClr val="accent1"/>
-          </a:lnRef>
-          <a:fillRef idx="0">
-            <a:schemeClr val="accent1"/>
-          </a:fillRef>
-          <a:effectRef idx="2">
-            <a:schemeClr val="accent1"/>
-          </a:effectRef>
-          <a:fontRef idx="minor">
-            <a:schemeClr val="tx1"/>
-          </a:fontRef>
-        </p:style>
-      </p:cxnSp>
+            <a:r>
+              <a:rPr lang="es-AR" dirty="0" smtClean="0">
+                <a:latin typeface="Segoe UI" pitchFamily="34" charset="0"/>
+                <a:ea typeface="Segoe UI" pitchFamily="34" charset="0"/>
+                <a:cs typeface="Segoe UI" pitchFamily="34" charset="0"/>
+              </a:rPr>
+              <a:t>Riesgo a que otro patente el activo propio</a:t>
+            </a:r>
+          </a:p>
+          <a:p>
+            <a:r>
+              <a:rPr lang="es-AR" dirty="0" smtClean="0">
+                <a:latin typeface="Segoe UI" pitchFamily="34" charset="0"/>
+                <a:ea typeface="Segoe UI" pitchFamily="34" charset="0"/>
+                <a:cs typeface="Segoe UI" pitchFamily="34" charset="0"/>
+              </a:rPr>
+              <a:t>Comercialización de activo propio por parte de otras organizaciones</a:t>
+            </a:r>
+          </a:p>
+          <a:p>
+            <a:r>
+              <a:rPr lang="es-AR" dirty="0" smtClean="0">
+                <a:latin typeface="Segoe UI" pitchFamily="34" charset="0"/>
+                <a:ea typeface="Segoe UI" pitchFamily="34" charset="0"/>
+                <a:cs typeface="Segoe UI" pitchFamily="34" charset="0"/>
+              </a:rPr>
+              <a:t>Copia de patentes en el extranjero</a:t>
+            </a:r>
+          </a:p>
+          <a:p>
+            <a:r>
+              <a:rPr lang="es-AR" dirty="0" smtClean="0">
+                <a:latin typeface="Segoe UI" pitchFamily="34" charset="0"/>
+                <a:ea typeface="Segoe UI" pitchFamily="34" charset="0"/>
+                <a:cs typeface="Segoe UI" pitchFamily="34" charset="0"/>
+              </a:rPr>
+              <a:t>Robo de documentación</a:t>
+            </a:r>
+          </a:p>
+          <a:p>
+            <a:r>
+              <a:rPr lang="es-AR" dirty="0" smtClean="0">
+                <a:latin typeface="Segoe UI" pitchFamily="34" charset="0"/>
+                <a:ea typeface="Segoe UI" pitchFamily="34" charset="0"/>
+                <a:cs typeface="Segoe UI" pitchFamily="34" charset="0"/>
+              </a:rPr>
+              <a:t>Información clave en manos del enemigo</a:t>
+            </a:r>
+          </a:p>
+          <a:p>
+            <a:r>
+              <a:rPr lang="es-AR" dirty="0" smtClean="0">
+                <a:latin typeface="Segoe UI" pitchFamily="34" charset="0"/>
+                <a:ea typeface="Segoe UI" pitchFamily="34" charset="0"/>
+                <a:cs typeface="Segoe UI" pitchFamily="34" charset="0"/>
+              </a:rPr>
+              <a:t>Pérdida de información</a:t>
+            </a:r>
+          </a:p>
+          <a:p>
+            <a:pPr lvl="1"/>
+            <a:r>
+              <a:rPr lang="es-AR" dirty="0" smtClean="0">
+                <a:latin typeface="Segoe UI" pitchFamily="34" charset="0"/>
+                <a:ea typeface="Segoe UI" pitchFamily="34" charset="0"/>
+                <a:cs typeface="Segoe UI" pitchFamily="34" charset="0"/>
+              </a:rPr>
+              <a:t>Siniestros</a:t>
+            </a:r>
+          </a:p>
+        </p:txBody>
+      </p:sp>
     </p:spTree>
     <p:extLst>
       <p:ext uri="{BB962C8B-B14F-4D97-AF65-F5344CB8AC3E}">
-        <p14:creationId xmlns:p14="http://schemas.microsoft.com/office/powerpoint/2010/main" val="4013840088"/>
+        <p14:creationId xmlns:p14="http://schemas.microsoft.com/office/powerpoint/2010/main" val="1679218424"/>
       </p:ext>
     </p:extLst>
   </p:cSld>
@@ -10148,7 +9348,7 @@
       </p:grpSpPr>
       <p:sp>
         <p:nvSpPr>
-          <p:cNvPr id="13" name="Title 12"/>
+          <p:cNvPr id="2" name="1 Título"/>
           <p:cNvSpPr>
             <a:spLocks noGrp="1"/>
           </p:cNvSpPr>
@@ -10213,7 +9413,7 @@
                 <a:latin typeface="Segoe UI" panose="020B0502040204020203" pitchFamily="34" charset="0"/>
                 <a:cs typeface="Segoe UI" panose="020B0502040204020203" pitchFamily="34" charset="0"/>
               </a:rPr>
-              <a:t>Mecanismos</a:t>
+              <a:t>Casos</a:t>
             </a:r>
             <a:r>
               <a:rPr lang="en-US" spc="0" dirty="0" smtClean="0">
@@ -10231,7 +9431,7 @@
                 <a:latin typeface="Segoe UI" panose="020B0502040204020203" pitchFamily="34" charset="0"/>
                 <a:cs typeface="Segoe UI" panose="020B0502040204020203" pitchFamily="34" charset="0"/>
               </a:rPr>
-              <a:t> de </a:t>
+              <a:t> </a:t>
             </a:r>
             <a:r>
               <a:rPr lang="en-US" spc="0" dirty="0" err="1" smtClean="0">
@@ -10249,29 +9449,15 @@
                 <a:latin typeface="Segoe UI" panose="020B0502040204020203" pitchFamily="34" charset="0"/>
                 <a:cs typeface="Segoe UI" panose="020B0502040204020203" pitchFamily="34" charset="0"/>
               </a:rPr>
-              <a:t>defensa</a:t>
-            </a:r>
-            <a:endParaRPr lang="en-US" spc="0" dirty="0">
-              <a:ln w="0"/>
-              <a:solidFill>
-                <a:schemeClr val="accent1"/>
-              </a:solidFill>
-              <a:effectLst>
-                <a:outerShdw blurRad="38100" dist="25400" dir="5400000" algn="ctr" rotWithShape="0">
-                  <a:srgbClr val="6E747A">
-                    <a:alpha val="43000"/>
-                  </a:srgbClr>
-                </a:outerShdw>
-              </a:effectLst>
-              <a:latin typeface="Segoe UI" panose="020B0502040204020203" pitchFamily="34" charset="0"/>
-              <a:cs typeface="Segoe UI" panose="020B0502040204020203" pitchFamily="34" charset="0"/>
-            </a:endParaRPr>
-          </a:p>
-        </p:txBody>
-      </p:sp>
-      <p:sp>
-        <p:nvSpPr>
-          <p:cNvPr id="2" name="Content Placeholder 1"/>
+              <a:t>reales</a:t>
+            </a:r>
+            <a:endParaRPr lang="es-AR" dirty="0"/>
+          </a:p>
+        </p:txBody>
+      </p:sp>
+      <p:sp>
+        <p:nvSpPr>
+          <p:cNvPr id="3" name="2 Marcador de contenido"/>
           <p:cNvSpPr>
             <a:spLocks noGrp="1"/>
           </p:cNvSpPr>
@@ -10281,96 +9467,86 @@
         </p:nvSpPr>
         <p:spPr/>
         <p:txBody>
-          <a:bodyPr>
-            <a:noAutofit/>
-          </a:bodyPr>
+          <a:bodyPr/>
           <a:lstStyle/>
           <a:p>
             <a:r>
               <a:rPr lang="es-AR" dirty="0" smtClean="0">
-                <a:latin typeface="Segoe UI" panose="020B0502040204020203" pitchFamily="34" charset="0"/>
-                <a:cs typeface="Segoe UI" panose="020B0502040204020203" pitchFamily="34" charset="0"/>
-              </a:rPr>
-              <a:t>Esteganografía</a:t>
+                <a:latin typeface="Segoe UI" pitchFamily="34" charset="0"/>
+                <a:ea typeface="Segoe UI" pitchFamily="34" charset="0"/>
+                <a:cs typeface="Segoe UI" pitchFamily="34" charset="0"/>
+              </a:rPr>
+              <a:t>Guerra Civil Americana</a:t>
             </a:r>
           </a:p>
           <a:p>
             <a:pPr lvl="1"/>
             <a:r>
               <a:rPr lang="es-AR" dirty="0" smtClean="0">
-                <a:latin typeface="Segoe UI" panose="020B0502040204020203" pitchFamily="34" charset="0"/>
-                <a:cs typeface="Segoe UI" panose="020B0502040204020203" pitchFamily="34" charset="0"/>
-              </a:rPr>
-              <a:t>Ocultar mensajes dentro de otros mensajes</a:t>
-            </a:r>
-          </a:p>
-          <a:p>
+                <a:latin typeface="Segoe UI" pitchFamily="34" charset="0"/>
+                <a:ea typeface="Segoe UI" pitchFamily="34" charset="0"/>
+                <a:cs typeface="Segoe UI" pitchFamily="34" charset="0"/>
+              </a:rPr>
+              <a:t>Unión – Sustitución + Transposición</a:t>
+            </a:r>
+          </a:p>
+          <a:p>
+            <a:pPr lvl="1"/>
             <a:r>
               <a:rPr lang="es-AR" dirty="0" smtClean="0">
-                <a:latin typeface="Segoe UI" panose="020B0502040204020203" pitchFamily="34" charset="0"/>
-                <a:cs typeface="Segoe UI" panose="020B0502040204020203" pitchFamily="34" charset="0"/>
-              </a:rPr>
-              <a:t>Criptografía</a:t>
-            </a:r>
-          </a:p>
-          <a:p>
-            <a:pPr lvl="1"/>
+                <a:latin typeface="Segoe UI" pitchFamily="34" charset="0"/>
+                <a:ea typeface="Segoe UI" pitchFamily="34" charset="0"/>
+                <a:cs typeface="Segoe UI" pitchFamily="34" charset="0"/>
+              </a:rPr>
+              <a:t>Confederados - Vigenère </a:t>
+            </a:r>
+          </a:p>
+          <a:p>
             <a:r>
               <a:rPr lang="es-AR" dirty="0" smtClean="0">
-                <a:latin typeface="Segoe UI" panose="020B0502040204020203" pitchFamily="34" charset="0"/>
-                <a:cs typeface="Segoe UI" panose="020B0502040204020203" pitchFamily="34" charset="0"/>
-              </a:rPr>
-              <a:t>Método </a:t>
-            </a:r>
-            <a:r>
-              <a:rPr lang="es-AR" dirty="0" err="1" smtClean="0">
-                <a:latin typeface="Segoe UI" panose="020B0502040204020203" pitchFamily="34" charset="0"/>
-                <a:cs typeface="Segoe UI" panose="020B0502040204020203" pitchFamily="34" charset="0"/>
-              </a:rPr>
-              <a:t>Playfair</a:t>
-            </a:r>
+                <a:latin typeface="Segoe UI" pitchFamily="34" charset="0"/>
+                <a:ea typeface="Segoe UI" pitchFamily="34" charset="0"/>
+                <a:cs typeface="Segoe UI" pitchFamily="34" charset="0"/>
+              </a:rPr>
+              <a:t>Telegrama Zimmermann</a:t>
+            </a:r>
+          </a:p>
+          <a:p>
             <a:r>
               <a:rPr lang="es-AR" dirty="0" smtClean="0">
-                <a:latin typeface="Segoe UI" panose="020B0502040204020203" pitchFamily="34" charset="0"/>
-                <a:cs typeface="Segoe UI" panose="020B0502040204020203" pitchFamily="34" charset="0"/>
-              </a:rPr>
-              <a:t> (1854)</a:t>
-            </a:r>
-            <a:endParaRPr lang="es-AR" dirty="0">
-              <a:latin typeface="Segoe UI" panose="020B0502040204020203" pitchFamily="34" charset="0"/>
-              <a:cs typeface="Segoe UI" panose="020B0502040204020203" pitchFamily="34" charset="0"/>
-            </a:endParaRPr>
+                <a:latin typeface="Segoe UI" pitchFamily="34" charset="0"/>
+                <a:ea typeface="Segoe UI" pitchFamily="34" charset="0"/>
+                <a:cs typeface="Segoe UI" pitchFamily="34" charset="0"/>
+              </a:rPr>
+              <a:t>Máquina de Colossus</a:t>
+            </a:r>
           </a:p>
           <a:p>
             <a:r>
               <a:rPr lang="es-AR" dirty="0" smtClean="0">
-                <a:latin typeface="Segoe UI" panose="020B0502040204020203" pitchFamily="34" charset="0"/>
-                <a:cs typeface="Segoe UI" panose="020B0502040204020203" pitchFamily="34" charset="0"/>
-              </a:rPr>
-              <a:t>Patentes de invención</a:t>
+                <a:latin typeface="Segoe UI" pitchFamily="34" charset="0"/>
+                <a:ea typeface="Segoe UI" pitchFamily="34" charset="0"/>
+                <a:cs typeface="Segoe UI" pitchFamily="34" charset="0"/>
+              </a:rPr>
+              <a:t>Coca Cola - 1886</a:t>
             </a:r>
           </a:p>
           <a:p>
             <a:r>
               <a:rPr lang="es-AR" dirty="0" smtClean="0">
-                <a:latin typeface="Segoe UI" panose="020B0502040204020203" pitchFamily="34" charset="0"/>
-                <a:cs typeface="Segoe UI" panose="020B0502040204020203" pitchFamily="34" charset="0"/>
-              </a:rPr>
-              <a:t>Cajas de seguridad</a:t>
-            </a:r>
-            <a:endParaRPr lang="en-US" dirty="0">
-              <a:latin typeface="Segoe UI" panose="020B0502040204020203" pitchFamily="34" charset="0"/>
-              <a:cs typeface="Segoe UI" panose="020B0502040204020203" pitchFamily="34" charset="0"/>
-            </a:endParaRPr>
+                <a:latin typeface="Segoe UI" pitchFamily="34" charset="0"/>
+                <a:ea typeface="Segoe UI" pitchFamily="34" charset="0"/>
+                <a:cs typeface="Segoe UI" pitchFamily="34" charset="0"/>
+              </a:rPr>
+              <a:t>Automóvil</a:t>
+            </a:r>
+          </a:p>
+          <a:p>
+            <a:endParaRPr lang="es-AR" dirty="0"/>
           </a:p>
         </p:txBody>
       </p:sp>
     </p:spTree>
-    <p:extLst>
-      <p:ext uri="{BB962C8B-B14F-4D97-AF65-F5344CB8AC3E}">
-        <p14:creationId xmlns:p14="http://schemas.microsoft.com/office/powerpoint/2010/main" val="3258954794"/>
-      </p:ext>
-    </p:extLst>
   </p:cSld>
   <p:clrMapOvr>
     <a:masterClrMapping/>
@@ -10416,7 +9592,7 @@
       </p:grpSpPr>
       <p:sp>
         <p:nvSpPr>
-          <p:cNvPr id="13" name="Title 12"/>
+          <p:cNvPr id="2" name="1 Título"/>
           <p:cNvSpPr>
             <a:spLocks noGrp="1"/>
           </p:cNvSpPr>
@@ -10430,7 +9606,7 @@
           <a:lstStyle/>
           <a:p>
             <a:r>
-              <a:rPr lang="en-US" spc="0" dirty="0" err="1">
+              <a:rPr lang="en-US" spc="0" dirty="0" err="1" smtClean="0">
                 <a:ln w="0"/>
                 <a:solidFill>
                   <a:schemeClr val="accent1"/>
@@ -10448,7 +9624,7 @@
               <a:t>Siglo</a:t>
             </a:r>
             <a:r>
-              <a:rPr lang="en-US" spc="0" dirty="0">
+              <a:rPr lang="en-US" spc="0" dirty="0" smtClean="0">
                 <a:ln w="0"/>
                 <a:solidFill>
                   <a:schemeClr val="accent1"/>
@@ -10481,29 +9657,69 @@
                 <a:latin typeface="Segoe UI" panose="020B0502040204020203" pitchFamily="34" charset="0"/>
                 <a:cs typeface="Segoe UI" panose="020B0502040204020203" pitchFamily="34" charset="0"/>
               </a:rPr>
-              <a:t>Riesgos</a:t>
-            </a:r>
-            <a:endParaRPr lang="en-US" spc="0" dirty="0">
-              <a:ln w="0"/>
-              <a:solidFill>
-                <a:schemeClr val="accent1"/>
-              </a:solidFill>
-              <a:effectLst>
-                <a:outerShdw blurRad="38100" dist="25400" dir="5400000" algn="ctr" rotWithShape="0">
-                  <a:srgbClr val="6E747A">
-                    <a:alpha val="43000"/>
-                  </a:srgbClr>
-                </a:outerShdw>
-              </a:effectLst>
-              <a:latin typeface="Segoe UI" panose="020B0502040204020203" pitchFamily="34" charset="0"/>
-              <a:cs typeface="Segoe UI" panose="020B0502040204020203" pitchFamily="34" charset="0"/>
-            </a:endParaRPr>
-          </a:p>
-        </p:txBody>
-      </p:sp>
-      <p:sp>
-        <p:nvSpPr>
-          <p:cNvPr id="2" name="Content Placeholder 1"/>
+              <a:t>Casos</a:t>
+            </a:r>
+            <a:r>
+              <a:rPr lang="en-US" spc="0" dirty="0" smtClean="0">
+                <a:ln w="0"/>
+                <a:solidFill>
+                  <a:schemeClr val="accent1"/>
+                </a:solidFill>
+                <a:effectLst>
+                  <a:outerShdw blurRad="38100" dist="25400" dir="5400000" algn="ctr" rotWithShape="0">
+                    <a:srgbClr val="6E747A">
+                      <a:alpha val="43000"/>
+                    </a:srgbClr>
+                  </a:outerShdw>
+                </a:effectLst>
+                <a:latin typeface="Segoe UI" panose="020B0502040204020203" pitchFamily="34" charset="0"/>
+                <a:cs typeface="Segoe UI" panose="020B0502040204020203" pitchFamily="34" charset="0"/>
+              </a:rPr>
+              <a:t> </a:t>
+            </a:r>
+            <a:r>
+              <a:rPr lang="en-US" spc="0" dirty="0" err="1" smtClean="0">
+                <a:ln w="0"/>
+                <a:solidFill>
+                  <a:schemeClr val="accent1"/>
+                </a:solidFill>
+                <a:effectLst>
+                  <a:outerShdw blurRad="38100" dist="25400" dir="5400000" algn="ctr" rotWithShape="0">
+                    <a:srgbClr val="6E747A">
+                      <a:alpha val="43000"/>
+                    </a:srgbClr>
+                  </a:outerShdw>
+                </a:effectLst>
+                <a:latin typeface="Segoe UI" panose="020B0502040204020203" pitchFamily="34" charset="0"/>
+                <a:cs typeface="Segoe UI" panose="020B0502040204020203" pitchFamily="34" charset="0"/>
+              </a:rPr>
+              <a:t>reales</a:t>
+            </a:r>
+            <a:r>
+              <a:rPr lang="en-US" spc="0" dirty="0" smtClean="0">
+                <a:ln w="0"/>
+                <a:solidFill>
+                  <a:schemeClr val="accent1"/>
+                </a:solidFill>
+                <a:effectLst>
+                  <a:outerShdw blurRad="38100" dist="25400" dir="5400000" algn="ctr" rotWithShape="0">
+                    <a:srgbClr val="6E747A">
+                      <a:alpha val="43000"/>
+                    </a:srgbClr>
+                  </a:outerShdw>
+                </a:effectLst>
+                <a:latin typeface="Segoe UI" panose="020B0502040204020203" pitchFamily="34" charset="0"/>
+                <a:cs typeface="Segoe UI" panose="020B0502040204020203" pitchFamily="34" charset="0"/>
+              </a:rPr>
+              <a:t> (cont.)</a:t>
+            </a:r>
+            <a:endParaRPr lang="es-AR" dirty="0"/>
+          </a:p>
+        </p:txBody>
+      </p:sp>
+      <p:sp>
+        <p:nvSpPr>
+          <p:cNvPr id="3" name="2 Marcador de contenido"/>
           <p:cNvSpPr>
             <a:spLocks noGrp="1"/>
           </p:cNvSpPr>
@@ -10522,7 +9738,7 @@
                 <a:ea typeface="Segoe UI" pitchFamily="34" charset="0"/>
                 <a:cs typeface="Segoe UI" pitchFamily="34" charset="0"/>
               </a:rPr>
-              <a:t>Riesgo a que otro patente el activo propio</a:t>
+              <a:t>Radiografía</a:t>
             </a:r>
           </a:p>
           <a:p>
@@ -10532,7 +9748,7 @@
                 <a:ea typeface="Segoe UI" pitchFamily="34" charset="0"/>
                 <a:cs typeface="Segoe UI" pitchFamily="34" charset="0"/>
               </a:rPr>
-              <a:t>Comercialización de activo propio por parte de otras organizaciones</a:t>
+              <a:t>Filmaciones o Imágenes en Movimiento</a:t>
             </a:r>
           </a:p>
           <a:p>
@@ -10542,7 +9758,7 @@
                 <a:ea typeface="Segoe UI" pitchFamily="34" charset="0"/>
                 <a:cs typeface="Segoe UI" pitchFamily="34" charset="0"/>
               </a:rPr>
-              <a:t>Copia de patentes en el extranjero</a:t>
+              <a:t>Teléfono</a:t>
             </a:r>
           </a:p>
           <a:p>
@@ -10552,48 +9768,15 @@
                 <a:ea typeface="Segoe UI" pitchFamily="34" charset="0"/>
                 <a:cs typeface="Segoe UI" pitchFamily="34" charset="0"/>
               </a:rPr>
-              <a:t>Robo de documentación</a:t>
-            </a:r>
-          </a:p>
-          <a:p>
-            <a:r>
-              <a:rPr lang="es-AR" dirty="0" smtClean="0">
-                <a:latin typeface="Segoe UI" pitchFamily="34" charset="0"/>
-                <a:ea typeface="Segoe UI" pitchFamily="34" charset="0"/>
-                <a:cs typeface="Segoe UI" pitchFamily="34" charset="0"/>
-              </a:rPr>
-              <a:t>Información clave en manos del enemigo</a:t>
-            </a:r>
-          </a:p>
-          <a:p>
-            <a:r>
-              <a:rPr lang="es-AR" dirty="0" smtClean="0">
-                <a:latin typeface="Segoe UI" pitchFamily="34" charset="0"/>
-                <a:ea typeface="Segoe UI" pitchFamily="34" charset="0"/>
-                <a:cs typeface="Segoe UI" pitchFamily="34" charset="0"/>
-              </a:rPr>
-              <a:t>Pérdida de información</a:t>
-            </a:r>
-          </a:p>
-          <a:p>
-            <a:pPr lvl="1"/>
-            <a:r>
-              <a:rPr lang="es-AR" dirty="0" smtClean="0">
-                <a:latin typeface="Segoe UI" pitchFamily="34" charset="0"/>
-                <a:ea typeface="Segoe UI" pitchFamily="34" charset="0"/>
-                <a:cs typeface="Segoe UI" pitchFamily="34" charset="0"/>
-              </a:rPr>
-              <a:t>Siniestros</a:t>
-            </a:r>
+              <a:t>Bombilla Eléctrica</a:t>
+            </a:r>
+          </a:p>
+          <a:p>
+            <a:endParaRPr lang="es-AR" dirty="0"/>
           </a:p>
         </p:txBody>
       </p:sp>
     </p:spTree>
-    <p:extLst>
-      <p:ext uri="{BB962C8B-B14F-4D97-AF65-F5344CB8AC3E}">
-        <p14:creationId xmlns:p14="http://schemas.microsoft.com/office/powerpoint/2010/main" val="1679218424"/>
-      </p:ext>
-    </p:extLst>
   </p:cSld>
   <p:clrMapOvr>
     <a:masterClrMapping/>
@@ -10639,7 +9822,7 @@
       </p:grpSpPr>
       <p:sp>
         <p:nvSpPr>
-          <p:cNvPr id="2" name="1 Título"/>
+          <p:cNvPr id="2" name="Title 1"/>
           <p:cNvSpPr>
             <a:spLocks noGrp="1"/>
           </p:cNvSpPr>
@@ -10653,107 +9836,27 @@
           <a:lstStyle/>
           <a:p>
             <a:r>
-              <a:rPr lang="en-US" spc="0" dirty="0" err="1" smtClean="0">
-                <a:ln w="0"/>
-                <a:solidFill>
-                  <a:schemeClr val="accent1"/>
-                </a:solidFill>
-                <a:effectLst>
-                  <a:outerShdw blurRad="38100" dist="25400" dir="5400000" algn="ctr" rotWithShape="0">
-                    <a:srgbClr val="6E747A">
-                      <a:alpha val="43000"/>
-                    </a:srgbClr>
-                  </a:outerShdw>
-                </a:effectLst>
-                <a:latin typeface="Segoe UI" panose="020B0502040204020203" pitchFamily="34" charset="0"/>
-                <a:cs typeface="Segoe UI" panose="020B0502040204020203" pitchFamily="34" charset="0"/>
-              </a:rPr>
-              <a:t>Siglo</a:t>
-            </a:r>
-            <a:r>
-              <a:rPr lang="en-US" spc="0" dirty="0" smtClean="0">
-                <a:ln w="0"/>
-                <a:solidFill>
-                  <a:schemeClr val="accent1"/>
-                </a:solidFill>
-                <a:effectLst>
-                  <a:outerShdw blurRad="38100" dist="25400" dir="5400000" algn="ctr" rotWithShape="0">
-                    <a:srgbClr val="6E747A">
-                      <a:alpha val="43000"/>
-                    </a:srgbClr>
-                  </a:outerShdw>
-                </a:effectLst>
-                <a:latin typeface="Segoe UI" panose="020B0502040204020203" pitchFamily="34" charset="0"/>
-                <a:cs typeface="Segoe UI" panose="020B0502040204020203" pitchFamily="34" charset="0"/>
-              </a:rPr>
-              <a:t> XIX – </a:t>
-            </a:r>
-            <a:r>
-              <a:rPr lang="en-US" spc="0" dirty="0" err="1" smtClean="0">
-                <a:ln w="0"/>
-                <a:solidFill>
-                  <a:schemeClr val="accent1"/>
-                </a:solidFill>
-                <a:effectLst>
-                  <a:outerShdw blurRad="38100" dist="25400" dir="5400000" algn="ctr" rotWithShape="0">
-                    <a:srgbClr val="6E747A">
-                      <a:alpha val="43000"/>
-                    </a:srgbClr>
-                  </a:outerShdw>
-                </a:effectLst>
-                <a:latin typeface="Segoe UI" panose="020B0502040204020203" pitchFamily="34" charset="0"/>
-                <a:cs typeface="Segoe UI" panose="020B0502040204020203" pitchFamily="34" charset="0"/>
-              </a:rPr>
-              <a:t>Casos</a:t>
-            </a:r>
-            <a:r>
-              <a:rPr lang="en-US" spc="0" dirty="0" smtClean="0">
-                <a:ln w="0"/>
-                <a:solidFill>
-                  <a:schemeClr val="accent1"/>
-                </a:solidFill>
-                <a:effectLst>
-                  <a:outerShdw blurRad="38100" dist="25400" dir="5400000" algn="ctr" rotWithShape="0">
-                    <a:srgbClr val="6E747A">
-                      <a:alpha val="43000"/>
-                    </a:srgbClr>
-                  </a:outerShdw>
-                </a:effectLst>
-                <a:latin typeface="Segoe UI" panose="020B0502040204020203" pitchFamily="34" charset="0"/>
-                <a:cs typeface="Segoe UI" panose="020B0502040204020203" pitchFamily="34" charset="0"/>
-              </a:rPr>
-              <a:t> </a:t>
-            </a:r>
-            <a:r>
-              <a:rPr lang="en-US" spc="0" dirty="0" err="1" smtClean="0">
-                <a:ln w="0"/>
-                <a:solidFill>
-                  <a:schemeClr val="accent1"/>
-                </a:solidFill>
-                <a:effectLst>
-                  <a:outerShdw blurRad="38100" dist="25400" dir="5400000" algn="ctr" rotWithShape="0">
-                    <a:srgbClr val="6E747A">
-                      <a:alpha val="43000"/>
-                    </a:srgbClr>
-                  </a:outerShdw>
-                </a:effectLst>
-                <a:latin typeface="Segoe UI" panose="020B0502040204020203" pitchFamily="34" charset="0"/>
-                <a:cs typeface="Segoe UI" panose="020B0502040204020203" pitchFamily="34" charset="0"/>
-              </a:rPr>
-              <a:t>reales</a:t>
-            </a:r>
-            <a:endParaRPr lang="es-AR" dirty="0"/>
-          </a:p>
-        </p:txBody>
-      </p:sp>
-      <p:sp>
-        <p:nvSpPr>
-          <p:cNvPr id="3" name="2 Marcador de contenido"/>
-          <p:cNvSpPr>
-            <a:spLocks noGrp="1"/>
-          </p:cNvSpPr>
-          <p:nvPr>
-            <p:ph idx="1"/>
+              <a:rPr lang="es-AR" dirty="0" smtClean="0">
+                <a:latin typeface="Segoe UI" panose="020B0502040204020203" pitchFamily="34" charset="0"/>
+                <a:cs typeface="Segoe UI" panose="020B0502040204020203" pitchFamily="34" charset="0"/>
+              </a:rPr>
+              <a:t>Siglo XXI</a:t>
+            </a:r>
+            <a:endParaRPr lang="es-AR" dirty="0">
+              <a:latin typeface="Segoe UI" panose="020B0502040204020203" pitchFamily="34" charset="0"/>
+              <a:cs typeface="Segoe UI" panose="020B0502040204020203" pitchFamily="34" charset="0"/>
+            </a:endParaRPr>
+          </a:p>
+        </p:txBody>
+      </p:sp>
+      <p:sp>
+        <p:nvSpPr>
+          <p:cNvPr id="3" name="Text Placeholder 2"/>
+          <p:cNvSpPr>
+            <a:spLocks noGrp="1"/>
+          </p:cNvSpPr>
+          <p:nvPr>
+            <p:ph type="body" idx="1"/>
           </p:nvPr>
         </p:nvSpPr>
         <p:spPr/>
@@ -10763,81 +9866,24 @@
           <a:p>
             <a:r>
               <a:rPr lang="es-AR" dirty="0" smtClean="0">
-                <a:latin typeface="Segoe UI" pitchFamily="34" charset="0"/>
-                <a:ea typeface="Segoe UI" pitchFamily="34" charset="0"/>
-                <a:cs typeface="Segoe UI" pitchFamily="34" charset="0"/>
-              </a:rPr>
-              <a:t>Guerra Civil Americana</a:t>
-            </a:r>
-          </a:p>
-          <a:p>
-            <a:pPr lvl="1"/>
-            <a:r>
-              <a:rPr lang="es-AR" dirty="0" smtClean="0">
-                <a:latin typeface="Segoe UI" pitchFamily="34" charset="0"/>
-                <a:ea typeface="Segoe UI" pitchFamily="34" charset="0"/>
-                <a:cs typeface="Segoe UI" pitchFamily="34" charset="0"/>
-              </a:rPr>
-              <a:t>Unión – Sustitución + Transposición</a:t>
-            </a:r>
-          </a:p>
-          <a:p>
-            <a:pPr lvl="1"/>
-            <a:r>
-              <a:rPr lang="es-AR" dirty="0" smtClean="0">
-                <a:latin typeface="Segoe UI" pitchFamily="34" charset="0"/>
-                <a:ea typeface="Segoe UI" pitchFamily="34" charset="0"/>
-                <a:cs typeface="Segoe UI" pitchFamily="34" charset="0"/>
-              </a:rPr>
-              <a:t>Confederados - Vigenère </a:t>
-            </a:r>
-          </a:p>
-          <a:p>
-            <a:r>
-              <a:rPr lang="es-AR" dirty="0" smtClean="0">
-                <a:latin typeface="Segoe UI" pitchFamily="34" charset="0"/>
-                <a:ea typeface="Segoe UI" pitchFamily="34" charset="0"/>
-                <a:cs typeface="Segoe UI" pitchFamily="34" charset="0"/>
-              </a:rPr>
-              <a:t>Telegrama Zimmermann</a:t>
-            </a:r>
-          </a:p>
-          <a:p>
-            <a:r>
-              <a:rPr lang="es-AR" dirty="0" smtClean="0">
-                <a:latin typeface="Segoe UI" pitchFamily="34" charset="0"/>
-                <a:ea typeface="Segoe UI" pitchFamily="34" charset="0"/>
-                <a:cs typeface="Segoe UI" pitchFamily="34" charset="0"/>
-              </a:rPr>
-              <a:t>Máquina de Colossus</a:t>
-            </a:r>
-          </a:p>
-          <a:p>
-            <a:r>
-              <a:rPr lang="es-AR" dirty="0" smtClean="0">
-                <a:latin typeface="Segoe UI" pitchFamily="34" charset="0"/>
-                <a:ea typeface="Segoe UI" pitchFamily="34" charset="0"/>
-                <a:cs typeface="Segoe UI" pitchFamily="34" charset="0"/>
-              </a:rPr>
-              <a:t>Coca Cola - 1886</a:t>
-            </a:r>
-          </a:p>
-          <a:p>
-            <a:r>
-              <a:rPr lang="es-AR" dirty="0" smtClean="0">
-                <a:latin typeface="Segoe UI" pitchFamily="34" charset="0"/>
-                <a:ea typeface="Segoe UI" pitchFamily="34" charset="0"/>
-                <a:cs typeface="Segoe UI" pitchFamily="34" charset="0"/>
-              </a:rPr>
-              <a:t>Automóvil</a:t>
-            </a:r>
-          </a:p>
-          <a:p>
-            <a:endParaRPr lang="es-AR" dirty="0"/>
+                <a:latin typeface="Segoe UI" panose="020B0502040204020203" pitchFamily="34" charset="0"/>
+                <a:cs typeface="Segoe UI" panose="020B0502040204020203" pitchFamily="34" charset="0"/>
+              </a:rPr>
+              <a:t>La información como activo primordial</a:t>
+            </a:r>
+            <a:endParaRPr lang="es-AR" dirty="0">
+              <a:latin typeface="Segoe UI" panose="020B0502040204020203" pitchFamily="34" charset="0"/>
+              <a:cs typeface="Segoe UI" panose="020B0502040204020203" pitchFamily="34" charset="0"/>
+            </a:endParaRPr>
           </a:p>
         </p:txBody>
       </p:sp>
     </p:spTree>
+    <p:extLst>
+      <p:ext uri="{BB962C8B-B14F-4D97-AF65-F5344CB8AC3E}">
+        <p14:creationId xmlns:p14="http://schemas.microsoft.com/office/powerpoint/2010/main" val="3439397754"/>
+      </p:ext>
+    </p:extLst>
   </p:cSld>
   <p:clrMapOvr>
     <a:masterClrMapping/>
@@ -10883,7 +9929,7 @@
       </p:grpSpPr>
       <p:sp>
         <p:nvSpPr>
-          <p:cNvPr id="2" name="1 Título"/>
+          <p:cNvPr id="13" name="Title 12"/>
           <p:cNvSpPr>
             <a:spLocks noGrp="1"/>
           </p:cNvSpPr>
@@ -10912,105 +9958,29 @@
                 <a:latin typeface="Segoe UI" panose="020B0502040204020203" pitchFamily="34" charset="0"/>
                 <a:cs typeface="Segoe UI" panose="020B0502040204020203" pitchFamily="34" charset="0"/>
               </a:rPr>
-              <a:t>Siglo</a:t>
-            </a:r>
-            <a:r>
-              <a:rPr lang="en-US" spc="0" dirty="0" smtClean="0">
-                <a:ln w="0"/>
-                <a:solidFill>
-                  <a:schemeClr val="accent1"/>
-                </a:solidFill>
-                <a:effectLst>
-                  <a:outerShdw blurRad="38100" dist="25400" dir="5400000" algn="ctr" rotWithShape="0">
-                    <a:srgbClr val="6E747A">
-                      <a:alpha val="43000"/>
-                    </a:srgbClr>
-                  </a:outerShdw>
-                </a:effectLst>
-                <a:latin typeface="Segoe UI" panose="020B0502040204020203" pitchFamily="34" charset="0"/>
-                <a:cs typeface="Segoe UI" panose="020B0502040204020203" pitchFamily="34" charset="0"/>
-              </a:rPr>
-              <a:t> XIX – </a:t>
-            </a:r>
-            <a:r>
-              <a:rPr lang="en-US" spc="0" dirty="0" err="1" smtClean="0">
-                <a:ln w="0"/>
-                <a:solidFill>
-                  <a:schemeClr val="accent1"/>
-                </a:solidFill>
-                <a:effectLst>
-                  <a:outerShdw blurRad="38100" dist="25400" dir="5400000" algn="ctr" rotWithShape="0">
-                    <a:srgbClr val="6E747A">
-                      <a:alpha val="43000"/>
-                    </a:srgbClr>
-                  </a:outerShdw>
-                </a:effectLst>
-                <a:latin typeface="Segoe UI" panose="020B0502040204020203" pitchFamily="34" charset="0"/>
-                <a:cs typeface="Segoe UI" panose="020B0502040204020203" pitchFamily="34" charset="0"/>
-              </a:rPr>
-              <a:t>Casos</a:t>
-            </a:r>
-            <a:r>
-              <a:rPr lang="en-US" spc="0" dirty="0" smtClean="0">
-                <a:ln w="0"/>
-                <a:solidFill>
-                  <a:schemeClr val="accent1"/>
-                </a:solidFill>
-                <a:effectLst>
-                  <a:outerShdw blurRad="38100" dist="25400" dir="5400000" algn="ctr" rotWithShape="0">
-                    <a:srgbClr val="6E747A">
-                      <a:alpha val="43000"/>
-                    </a:srgbClr>
-                  </a:outerShdw>
-                </a:effectLst>
-                <a:latin typeface="Segoe UI" panose="020B0502040204020203" pitchFamily="34" charset="0"/>
-                <a:cs typeface="Segoe UI" panose="020B0502040204020203" pitchFamily="34" charset="0"/>
-              </a:rPr>
-              <a:t> </a:t>
-            </a:r>
-            <a:r>
-              <a:rPr lang="en-US" spc="0" dirty="0" err="1" smtClean="0">
-                <a:ln w="0"/>
-                <a:solidFill>
-                  <a:schemeClr val="accent1"/>
-                </a:solidFill>
-                <a:effectLst>
-                  <a:outerShdw blurRad="38100" dist="25400" dir="5400000" algn="ctr" rotWithShape="0">
-                    <a:srgbClr val="6E747A">
-                      <a:alpha val="43000"/>
-                    </a:srgbClr>
-                  </a:outerShdw>
-                </a:effectLst>
-                <a:latin typeface="Segoe UI" panose="020B0502040204020203" pitchFamily="34" charset="0"/>
-                <a:cs typeface="Segoe UI" panose="020B0502040204020203" pitchFamily="34" charset="0"/>
-              </a:rPr>
-              <a:t>reales</a:t>
-            </a:r>
-            <a:r>
-              <a:rPr lang="en-US" spc="0" dirty="0" smtClean="0">
-                <a:ln w="0"/>
-                <a:solidFill>
-                  <a:schemeClr val="accent1"/>
-                </a:solidFill>
-                <a:effectLst>
-                  <a:outerShdw blurRad="38100" dist="25400" dir="5400000" algn="ctr" rotWithShape="0">
-                    <a:srgbClr val="6E747A">
-                      <a:alpha val="43000"/>
-                    </a:srgbClr>
-                  </a:outerShdw>
-                </a:effectLst>
-                <a:latin typeface="Segoe UI" panose="020B0502040204020203" pitchFamily="34" charset="0"/>
-                <a:cs typeface="Segoe UI" panose="020B0502040204020203" pitchFamily="34" charset="0"/>
-              </a:rPr>
-              <a:t> (cont.)</a:t>
-            </a:r>
-            <a:endParaRPr lang="es-AR" dirty="0"/>
-          </a:p>
-        </p:txBody>
-      </p:sp>
-      <p:sp>
-        <p:nvSpPr>
-          <p:cNvPr id="3" name="2 Marcador de contenido"/>
+              <a:t>Introducción</a:t>
+            </a:r>
+            <a:endParaRPr lang="en-US" spc="0" dirty="0">
+              <a:ln w="0"/>
+              <a:solidFill>
+                <a:schemeClr val="accent1"/>
+              </a:solidFill>
+              <a:effectLst>
+                <a:outerShdw blurRad="38100" dist="25400" dir="5400000" algn="ctr" rotWithShape="0">
+                  <a:srgbClr val="6E747A">
+                    <a:alpha val="43000"/>
+                  </a:srgbClr>
+                </a:outerShdw>
+              </a:effectLst>
+              <a:latin typeface="Segoe UI" panose="020B0502040204020203" pitchFamily="34" charset="0"/>
+              <a:cs typeface="Segoe UI" panose="020B0502040204020203" pitchFamily="34" charset="0"/>
+            </a:endParaRPr>
+          </a:p>
+        </p:txBody>
+      </p:sp>
+      <p:sp>
+        <p:nvSpPr>
+          <p:cNvPr id="2" name="Content Placeholder 1"/>
           <p:cNvSpPr>
             <a:spLocks noGrp="1"/>
           </p:cNvSpPr>
@@ -11020,54 +9990,82 @@
         </p:nvSpPr>
         <p:spPr/>
         <p:txBody>
-          <a:bodyPr/>
+          <a:bodyPr>
+            <a:noAutofit/>
+          </a:bodyPr>
           <a:lstStyle/>
           <a:p>
+            <a:pPr lvl="0"/>
             <a:r>
               <a:rPr lang="es-AR" dirty="0" smtClean="0">
-                <a:latin typeface="Segoe UI" pitchFamily="34" charset="0"/>
-                <a:ea typeface="Segoe UI" pitchFamily="34" charset="0"/>
-                <a:cs typeface="Segoe UI" pitchFamily="34" charset="0"/>
-              </a:rPr>
-              <a:t>Radiografía</a:t>
-            </a:r>
-          </a:p>
-          <a:p>
+                <a:latin typeface="Segoe UI" panose="020B0502040204020203" pitchFamily="34" charset="0"/>
+                <a:cs typeface="Segoe UI" panose="020B0502040204020203" pitchFamily="34" charset="0"/>
+              </a:rPr>
+              <a:t>Economía basada en la información</a:t>
+            </a:r>
+          </a:p>
+          <a:p>
+            <a:pPr lvl="1"/>
             <a:r>
               <a:rPr lang="es-AR" dirty="0" smtClean="0">
-                <a:latin typeface="Segoe UI" pitchFamily="34" charset="0"/>
-                <a:ea typeface="Segoe UI" pitchFamily="34" charset="0"/>
-                <a:cs typeface="Segoe UI" pitchFamily="34" charset="0"/>
-              </a:rPr>
-              <a:t>Filmaciones o Imágenes en Movimiento</a:t>
-            </a:r>
-          </a:p>
-          <a:p>
+                <a:latin typeface="Segoe UI" panose="020B0502040204020203" pitchFamily="34" charset="0"/>
+                <a:cs typeface="Segoe UI" panose="020B0502040204020203" pitchFamily="34" charset="0"/>
+              </a:rPr>
+              <a:t>Nuevos desafíos: </a:t>
+            </a:r>
+            <a:r>
+              <a:rPr lang="es-AR" dirty="0">
+                <a:latin typeface="Segoe UI" panose="020B0502040204020203" pitchFamily="34" charset="0"/>
+                <a:cs typeface="Segoe UI" panose="020B0502040204020203" pitchFamily="34" charset="0"/>
+              </a:rPr>
+              <a:t>m</a:t>
+            </a:r>
             <a:r>
               <a:rPr lang="es-AR" dirty="0" smtClean="0">
-                <a:latin typeface="Segoe UI" pitchFamily="34" charset="0"/>
-                <a:ea typeface="Segoe UI" pitchFamily="34" charset="0"/>
-                <a:cs typeface="Segoe UI" pitchFamily="34" charset="0"/>
-              </a:rPr>
-              <a:t>Teléfono</a:t>
-            </a:r>
-          </a:p>
-          <a:p>
+                <a:latin typeface="Segoe UI" panose="020B0502040204020203" pitchFamily="34" charset="0"/>
+                <a:cs typeface="Segoe UI" panose="020B0502040204020203" pitchFamily="34" charset="0"/>
+              </a:rPr>
+              <a:t>anejar y procesar información de diversa índole, en grandes cantidades, a alta velocidad</a:t>
+            </a:r>
+          </a:p>
+          <a:p>
+            <a:pPr lvl="0"/>
             <a:r>
               <a:rPr lang="es-AR" dirty="0" smtClean="0">
-                <a:latin typeface="Segoe UI" pitchFamily="34" charset="0"/>
-                <a:ea typeface="Segoe UI" pitchFamily="34" charset="0"/>
-                <a:cs typeface="Segoe UI" pitchFamily="34" charset="0"/>
-              </a:rPr>
-              <a:t>Bombilla Eléctrica</a:t>
-            </a:r>
-          </a:p>
-          <a:p>
-            <a:endParaRPr lang="es-AR" dirty="0"/>
+                <a:latin typeface="Segoe UI" panose="020B0502040204020203" pitchFamily="34" charset="0"/>
+                <a:cs typeface="Segoe UI" panose="020B0502040204020203" pitchFamily="34" charset="0"/>
+              </a:rPr>
+              <a:t>Información disponible de forma electrónica </a:t>
+            </a:r>
+          </a:p>
+          <a:p>
+            <a:pPr lvl="1"/>
+            <a:r>
+              <a:rPr lang="es-AR" dirty="0" smtClean="0">
+                <a:latin typeface="Segoe UI" panose="020B0502040204020203" pitchFamily="34" charset="0"/>
+                <a:cs typeface="Segoe UI" panose="020B0502040204020203" pitchFamily="34" charset="0"/>
+              </a:rPr>
+              <a:t>Información personal, datos médicos, datos financieros</a:t>
+            </a:r>
+          </a:p>
+          <a:p>
+            <a:pPr lvl="1"/>
+            <a:r>
+              <a:rPr lang="es-AR" dirty="0" smtClean="0">
+                <a:latin typeface="Segoe UI" panose="020B0502040204020203" pitchFamily="34" charset="0"/>
+                <a:cs typeface="Segoe UI" panose="020B0502040204020203" pitchFamily="34" charset="0"/>
+              </a:rPr>
+              <a:t>Espionaje informático</a:t>
+            </a:r>
           </a:p>
         </p:txBody>
       </p:sp>
     </p:spTree>
+    <p:extLst>
+      <p:ext uri="{BB962C8B-B14F-4D97-AF65-F5344CB8AC3E}">
+        <p14:creationId xmlns:p14="http://schemas.microsoft.com/office/powerpoint/2010/main" val="2675216716"/>
+      </p:ext>
+    </p:extLst>
   </p:cSld>
   <p:clrMapOvr>
     <a:masterClrMapping/>
@@ -11113,7 +10111,7 @@
       </p:grpSpPr>
       <p:sp>
         <p:nvSpPr>
-          <p:cNvPr id="2" name="Title 1"/>
+          <p:cNvPr id="13" name="Title 12"/>
           <p:cNvSpPr>
             <a:spLocks noGrp="1"/>
           </p:cNvSpPr>
@@ -11126,385 +10124,6 @@
           <a:bodyPr/>
           <a:lstStyle/>
           <a:p>
-            <a:r>
-              <a:rPr lang="es-AR" dirty="0" smtClean="0">
-                <a:latin typeface="Segoe UI" panose="020B0502040204020203" pitchFamily="34" charset="0"/>
-                <a:cs typeface="Segoe UI" panose="020B0502040204020203" pitchFamily="34" charset="0"/>
-              </a:rPr>
-              <a:t>Siglo XXI</a:t>
-            </a:r>
-            <a:endParaRPr lang="es-AR" dirty="0">
-              <a:latin typeface="Segoe UI" panose="020B0502040204020203" pitchFamily="34" charset="0"/>
-              <a:cs typeface="Segoe UI" panose="020B0502040204020203" pitchFamily="34" charset="0"/>
-            </a:endParaRPr>
-          </a:p>
-        </p:txBody>
-      </p:sp>
-      <p:sp>
-        <p:nvSpPr>
-          <p:cNvPr id="3" name="Text Placeholder 2"/>
-          <p:cNvSpPr>
-            <a:spLocks noGrp="1"/>
-          </p:cNvSpPr>
-          <p:nvPr>
-            <p:ph type="body" idx="1"/>
-          </p:nvPr>
-        </p:nvSpPr>
-        <p:spPr/>
-        <p:txBody>
-          <a:bodyPr/>
-          <a:lstStyle/>
-          <a:p>
-            <a:r>
-              <a:rPr lang="es-AR" dirty="0" smtClean="0">
-                <a:latin typeface="Segoe UI" panose="020B0502040204020203" pitchFamily="34" charset="0"/>
-                <a:cs typeface="Segoe UI" panose="020B0502040204020203" pitchFamily="34" charset="0"/>
-              </a:rPr>
-              <a:t>La información como activo primordial</a:t>
-            </a:r>
-            <a:endParaRPr lang="es-AR" dirty="0">
-              <a:latin typeface="Segoe UI" panose="020B0502040204020203" pitchFamily="34" charset="0"/>
-              <a:cs typeface="Segoe UI" panose="020B0502040204020203" pitchFamily="34" charset="0"/>
-            </a:endParaRPr>
-          </a:p>
-        </p:txBody>
-      </p:sp>
-    </p:spTree>
-    <p:extLst>
-      <p:ext uri="{BB962C8B-B14F-4D97-AF65-F5344CB8AC3E}">
-        <p14:creationId xmlns:p14="http://schemas.microsoft.com/office/powerpoint/2010/main" val="3439397754"/>
-      </p:ext>
-    </p:extLst>
-  </p:cSld>
-  <p:clrMapOvr>
-    <a:masterClrMapping/>
-  </p:clrMapOvr>
-  <mc:AlternateContent xmlns:mc="http://schemas.openxmlformats.org/markup-compatibility/2006" xmlns:p14="http://schemas.microsoft.com/office/powerpoint/2010/main">
-    <mc:Choice Requires="p14">
-      <p:transition spd="med" p14:dur="700">
-        <p:fade/>
-      </p:transition>
-    </mc:Choice>
-    <mc:Fallback xmlns="">
-      <p:transition spd="med">
-        <p:fade/>
-      </p:transition>
-    </mc:Fallback>
-  </mc:AlternateContent>
-  <p:timing>
-    <p:tnLst>
-      <p:par>
-        <p:cTn id="1" dur="indefinite" restart="never" nodeType="tmRoot"/>
-      </p:par>
-    </p:tnLst>
-  </p:timing>
-</p:sld>
-</file>
-
-<file path=ppt/slides/slide28.xml><?xml version="1.0" encoding="utf-8"?>
-<p:sld xmlns:a="http://schemas.openxmlformats.org/drawingml/2006/main" xmlns:r="http://schemas.openxmlformats.org/officeDocument/2006/relationships" xmlns:p="http://schemas.openxmlformats.org/presentationml/2006/main">
-  <p:cSld>
-    <p:spTree>
-      <p:nvGrpSpPr>
-        <p:cNvPr id="1" name=""/>
-        <p:cNvGrpSpPr/>
-        <p:nvPr/>
-      </p:nvGrpSpPr>
-      <p:grpSpPr>
-        <a:xfrm>
-          <a:off x="0" y="0"/>
-          <a:ext cx="0" cy="0"/>
-          <a:chOff x="0" y="0"/>
-          <a:chExt cx="0" cy="0"/>
-        </a:xfrm>
-      </p:grpSpPr>
-      <p:sp>
-        <p:nvSpPr>
-          <p:cNvPr id="13" name="Title 12"/>
-          <p:cNvSpPr>
-            <a:spLocks noGrp="1"/>
-          </p:cNvSpPr>
-          <p:nvPr>
-            <p:ph type="title"/>
-          </p:nvPr>
-        </p:nvSpPr>
-        <p:spPr/>
-        <p:txBody>
-          <a:bodyPr/>
-          <a:lstStyle/>
-          <a:p>
-            <a:r>
-              <a:rPr lang="en-US" spc="0" dirty="0" err="1" smtClean="0">
-                <a:ln w="0"/>
-                <a:solidFill>
-                  <a:schemeClr val="accent1"/>
-                </a:solidFill>
-                <a:effectLst>
-                  <a:outerShdw blurRad="38100" dist="25400" dir="5400000" algn="ctr" rotWithShape="0">
-                    <a:srgbClr val="6E747A">
-                      <a:alpha val="43000"/>
-                    </a:srgbClr>
-                  </a:outerShdw>
-                </a:effectLst>
-                <a:latin typeface="Segoe UI" panose="020B0502040204020203" pitchFamily="34" charset="0"/>
-                <a:cs typeface="Segoe UI" panose="020B0502040204020203" pitchFamily="34" charset="0"/>
-              </a:rPr>
-              <a:t>Siglo</a:t>
-            </a:r>
-            <a:r>
-              <a:rPr lang="en-US" spc="0" dirty="0" smtClean="0">
-                <a:ln w="0"/>
-                <a:solidFill>
-                  <a:schemeClr val="accent1"/>
-                </a:solidFill>
-                <a:effectLst>
-                  <a:outerShdw blurRad="38100" dist="25400" dir="5400000" algn="ctr" rotWithShape="0">
-                    <a:srgbClr val="6E747A">
-                      <a:alpha val="43000"/>
-                    </a:srgbClr>
-                  </a:outerShdw>
-                </a:effectLst>
-                <a:latin typeface="Segoe UI" panose="020B0502040204020203" pitchFamily="34" charset="0"/>
-                <a:cs typeface="Segoe UI" panose="020B0502040204020203" pitchFamily="34" charset="0"/>
-              </a:rPr>
-              <a:t> </a:t>
-            </a:r>
-            <a:r>
-              <a:rPr lang="en-US" spc="0" dirty="0">
-                <a:ln w="0"/>
-                <a:solidFill>
-                  <a:schemeClr val="accent1"/>
-                </a:solidFill>
-                <a:effectLst>
-                  <a:outerShdw blurRad="38100" dist="25400" dir="5400000" algn="ctr" rotWithShape="0">
-                    <a:srgbClr val="6E747A">
-                      <a:alpha val="43000"/>
-                    </a:srgbClr>
-                  </a:outerShdw>
-                </a:effectLst>
-                <a:latin typeface="Segoe UI" panose="020B0502040204020203" pitchFamily="34" charset="0"/>
-                <a:cs typeface="Segoe UI" panose="020B0502040204020203" pitchFamily="34" charset="0"/>
-              </a:rPr>
-              <a:t>XXI – </a:t>
-            </a:r>
-            <a:r>
-              <a:rPr lang="en-US" spc="0" dirty="0" err="1" smtClean="0">
-                <a:ln w="0"/>
-                <a:solidFill>
-                  <a:schemeClr val="accent1"/>
-                </a:solidFill>
-                <a:effectLst>
-                  <a:outerShdw blurRad="38100" dist="25400" dir="5400000" algn="ctr" rotWithShape="0">
-                    <a:srgbClr val="6E747A">
-                      <a:alpha val="43000"/>
-                    </a:srgbClr>
-                  </a:outerShdw>
-                </a:effectLst>
-                <a:latin typeface="Segoe UI" panose="020B0502040204020203" pitchFamily="34" charset="0"/>
-                <a:cs typeface="Segoe UI" panose="020B0502040204020203" pitchFamily="34" charset="0"/>
-              </a:rPr>
-              <a:t>Introducción</a:t>
-            </a:r>
-            <a:endParaRPr lang="en-US" spc="0" dirty="0">
-              <a:ln w="0"/>
-              <a:solidFill>
-                <a:schemeClr val="accent1"/>
-              </a:solidFill>
-              <a:effectLst>
-                <a:outerShdw blurRad="38100" dist="25400" dir="5400000" algn="ctr" rotWithShape="0">
-                  <a:srgbClr val="6E747A">
-                    <a:alpha val="43000"/>
-                  </a:srgbClr>
-                </a:outerShdw>
-              </a:effectLst>
-              <a:latin typeface="Segoe UI" panose="020B0502040204020203" pitchFamily="34" charset="0"/>
-              <a:cs typeface="Segoe UI" panose="020B0502040204020203" pitchFamily="34" charset="0"/>
-            </a:endParaRPr>
-          </a:p>
-        </p:txBody>
-      </p:sp>
-      <p:sp>
-        <p:nvSpPr>
-          <p:cNvPr id="2" name="Content Placeholder 1"/>
-          <p:cNvSpPr>
-            <a:spLocks noGrp="1"/>
-          </p:cNvSpPr>
-          <p:nvPr>
-            <p:ph idx="1"/>
-          </p:nvPr>
-        </p:nvSpPr>
-        <p:spPr/>
-        <p:txBody>
-          <a:bodyPr>
-            <a:noAutofit/>
-          </a:bodyPr>
-          <a:lstStyle/>
-          <a:p>
-            <a:pPr lvl="0"/>
-            <a:r>
-              <a:rPr lang="es-AR" dirty="0" smtClean="0">
-                <a:latin typeface="Segoe UI" panose="020B0502040204020203" pitchFamily="34" charset="0"/>
-                <a:cs typeface="Segoe UI" panose="020B0502040204020203" pitchFamily="34" charset="0"/>
-              </a:rPr>
-              <a:t>Economía basada en la información</a:t>
-            </a:r>
-          </a:p>
-          <a:p>
-            <a:pPr lvl="1"/>
-            <a:r>
-              <a:rPr lang="es-AR" dirty="0" smtClean="0">
-                <a:latin typeface="Segoe UI" panose="020B0502040204020203" pitchFamily="34" charset="0"/>
-                <a:cs typeface="Segoe UI" panose="020B0502040204020203" pitchFamily="34" charset="0"/>
-              </a:rPr>
-              <a:t>Nuevos desafíos: </a:t>
-            </a:r>
-            <a:r>
-              <a:rPr lang="es-AR" dirty="0">
-                <a:latin typeface="Segoe UI" panose="020B0502040204020203" pitchFamily="34" charset="0"/>
-                <a:cs typeface="Segoe UI" panose="020B0502040204020203" pitchFamily="34" charset="0"/>
-              </a:rPr>
-              <a:t>m</a:t>
-            </a:r>
-            <a:r>
-              <a:rPr lang="es-AR" dirty="0" smtClean="0">
-                <a:latin typeface="Segoe UI" panose="020B0502040204020203" pitchFamily="34" charset="0"/>
-                <a:cs typeface="Segoe UI" panose="020B0502040204020203" pitchFamily="34" charset="0"/>
-              </a:rPr>
-              <a:t>anejar y procesar información de diversa índole, en grandes cantidades, a alta velocidad</a:t>
-            </a:r>
-          </a:p>
-          <a:p>
-            <a:pPr lvl="0"/>
-            <a:r>
-              <a:rPr lang="es-AR" dirty="0" smtClean="0">
-                <a:latin typeface="Segoe UI" panose="020B0502040204020203" pitchFamily="34" charset="0"/>
-                <a:cs typeface="Segoe UI" panose="020B0502040204020203" pitchFamily="34" charset="0"/>
-              </a:rPr>
-              <a:t>Información disponible de forma electrónica </a:t>
-            </a:r>
-          </a:p>
-          <a:p>
-            <a:pPr lvl="1"/>
-            <a:r>
-              <a:rPr lang="es-AR" dirty="0" smtClean="0">
-                <a:latin typeface="Segoe UI" panose="020B0502040204020203" pitchFamily="34" charset="0"/>
-                <a:cs typeface="Segoe UI" panose="020B0502040204020203" pitchFamily="34" charset="0"/>
-              </a:rPr>
-              <a:t>Información personal, datos médicos, datos financieros</a:t>
-            </a:r>
-          </a:p>
-          <a:p>
-            <a:pPr lvl="1"/>
-            <a:r>
-              <a:rPr lang="es-AR" dirty="0" smtClean="0">
-                <a:latin typeface="Segoe UI" panose="020B0502040204020203" pitchFamily="34" charset="0"/>
-                <a:cs typeface="Segoe UI" panose="020B0502040204020203" pitchFamily="34" charset="0"/>
-              </a:rPr>
-              <a:t>Espionaje informático</a:t>
-            </a:r>
-          </a:p>
-        </p:txBody>
-      </p:sp>
-    </p:spTree>
-    <p:extLst>
-      <p:ext uri="{BB962C8B-B14F-4D97-AF65-F5344CB8AC3E}">
-        <p14:creationId xmlns:p14="http://schemas.microsoft.com/office/powerpoint/2010/main" val="2675216716"/>
-      </p:ext>
-    </p:extLst>
-  </p:cSld>
-  <p:clrMapOvr>
-    <a:masterClrMapping/>
-  </p:clrMapOvr>
-  <mc:AlternateContent xmlns:mc="http://schemas.openxmlformats.org/markup-compatibility/2006" xmlns:p14="http://schemas.microsoft.com/office/powerpoint/2010/main">
-    <mc:Choice Requires="p14">
-      <p:transition spd="med" p14:dur="700">
-        <p:fade/>
-      </p:transition>
-    </mc:Choice>
-    <mc:Fallback xmlns="">
-      <p:transition spd="med">
-        <p:fade/>
-      </p:transition>
-    </mc:Fallback>
-  </mc:AlternateContent>
-  <p:timing>
-    <p:tnLst>
-      <p:par>
-        <p:cTn id="1" dur="indefinite" restart="never" nodeType="tmRoot"/>
-      </p:par>
-    </p:tnLst>
-  </p:timing>
-</p:sld>
-</file>
-
-<file path=ppt/slides/slide29.xml><?xml version="1.0" encoding="utf-8"?>
-<p:sld xmlns:a="http://schemas.openxmlformats.org/drawingml/2006/main" xmlns:r="http://schemas.openxmlformats.org/officeDocument/2006/relationships" xmlns:p="http://schemas.openxmlformats.org/presentationml/2006/main">
-  <p:cSld>
-    <p:spTree>
-      <p:nvGrpSpPr>
-        <p:cNvPr id="1" name=""/>
-        <p:cNvGrpSpPr/>
-        <p:nvPr/>
-      </p:nvGrpSpPr>
-      <p:grpSpPr>
-        <a:xfrm>
-          <a:off x="0" y="0"/>
-          <a:ext cx="0" cy="0"/>
-          <a:chOff x="0" y="0"/>
-          <a:chExt cx="0" cy="0"/>
-        </a:xfrm>
-      </p:grpSpPr>
-      <p:sp>
-        <p:nvSpPr>
-          <p:cNvPr id="13" name="Title 12"/>
-          <p:cNvSpPr>
-            <a:spLocks noGrp="1"/>
-          </p:cNvSpPr>
-          <p:nvPr>
-            <p:ph type="title"/>
-          </p:nvPr>
-        </p:nvSpPr>
-        <p:spPr/>
-        <p:txBody>
-          <a:bodyPr/>
-          <a:lstStyle/>
-          <a:p>
-            <a:r>
-              <a:rPr lang="en-US" spc="0" dirty="0" err="1" smtClean="0">
-                <a:ln w="0"/>
-                <a:solidFill>
-                  <a:schemeClr val="accent1"/>
-                </a:solidFill>
-                <a:effectLst>
-                  <a:outerShdw blurRad="38100" dist="25400" dir="5400000" algn="ctr" rotWithShape="0">
-                    <a:srgbClr val="6E747A">
-                      <a:alpha val="43000"/>
-                    </a:srgbClr>
-                  </a:outerShdw>
-                </a:effectLst>
-                <a:latin typeface="Segoe UI" panose="020B0502040204020203" pitchFamily="34" charset="0"/>
-                <a:cs typeface="Segoe UI" panose="020B0502040204020203" pitchFamily="34" charset="0"/>
-              </a:rPr>
-              <a:t>Siglo</a:t>
-            </a:r>
-            <a:r>
-              <a:rPr lang="en-US" spc="0" dirty="0" smtClean="0">
-                <a:ln w="0"/>
-                <a:solidFill>
-                  <a:schemeClr val="accent1"/>
-                </a:solidFill>
-                <a:effectLst>
-                  <a:outerShdw blurRad="38100" dist="25400" dir="5400000" algn="ctr" rotWithShape="0">
-                    <a:srgbClr val="6E747A">
-                      <a:alpha val="43000"/>
-                    </a:srgbClr>
-                  </a:outerShdw>
-                </a:effectLst>
-                <a:latin typeface="Segoe UI" panose="020B0502040204020203" pitchFamily="34" charset="0"/>
-                <a:cs typeface="Segoe UI" panose="020B0502040204020203" pitchFamily="34" charset="0"/>
-              </a:rPr>
-              <a:t> XXI – </a:t>
-            </a:r>
             <a:r>
               <a:rPr lang="en-US" spc="0" dirty="0" err="1" smtClean="0">
                 <a:ln w="0"/>
@@ -12139,6 +10758,618 @@
 </p:sld>
 </file>
 
+<file path=ppt/slides/slide28.xml><?xml version="1.0" encoding="utf-8"?>
+<p:sld xmlns:a="http://schemas.openxmlformats.org/drawingml/2006/main" xmlns:r="http://schemas.openxmlformats.org/officeDocument/2006/relationships" xmlns:p="http://schemas.openxmlformats.org/presentationml/2006/main">
+  <p:cSld>
+    <p:spTree>
+      <p:nvGrpSpPr>
+        <p:cNvPr id="1" name=""/>
+        <p:cNvGrpSpPr/>
+        <p:nvPr/>
+      </p:nvGrpSpPr>
+      <p:grpSpPr>
+        <a:xfrm>
+          <a:off x="0" y="0"/>
+          <a:ext cx="0" cy="0"/>
+          <a:chOff x="0" y="0"/>
+          <a:chExt cx="0" cy="0"/>
+        </a:xfrm>
+      </p:grpSpPr>
+      <p:sp>
+        <p:nvSpPr>
+          <p:cNvPr id="13" name="Title 12"/>
+          <p:cNvSpPr>
+            <a:spLocks noGrp="1"/>
+          </p:cNvSpPr>
+          <p:nvPr>
+            <p:ph type="title"/>
+          </p:nvPr>
+        </p:nvSpPr>
+        <p:spPr/>
+        <p:txBody>
+          <a:bodyPr/>
+          <a:lstStyle/>
+          <a:p>
+            <a:r>
+              <a:rPr lang="en-US" spc="0" dirty="0" err="1" smtClean="0">
+                <a:ln w="0"/>
+                <a:solidFill>
+                  <a:schemeClr val="accent1"/>
+                </a:solidFill>
+                <a:effectLst>
+                  <a:outerShdw blurRad="38100" dist="25400" dir="5400000" algn="ctr" rotWithShape="0">
+                    <a:srgbClr val="6E747A">
+                      <a:alpha val="43000"/>
+                    </a:srgbClr>
+                  </a:outerShdw>
+                </a:effectLst>
+                <a:latin typeface="Segoe UI" panose="020B0502040204020203" pitchFamily="34" charset="0"/>
+                <a:cs typeface="Segoe UI" panose="020B0502040204020203" pitchFamily="34" charset="0"/>
+              </a:rPr>
+              <a:t>Mecanismos</a:t>
+            </a:r>
+            <a:r>
+              <a:rPr lang="en-US" spc="0" dirty="0" smtClean="0">
+                <a:ln w="0"/>
+                <a:solidFill>
+                  <a:schemeClr val="accent1"/>
+                </a:solidFill>
+                <a:effectLst>
+                  <a:outerShdw blurRad="38100" dist="25400" dir="5400000" algn="ctr" rotWithShape="0">
+                    <a:srgbClr val="6E747A">
+                      <a:alpha val="43000"/>
+                    </a:srgbClr>
+                  </a:outerShdw>
+                </a:effectLst>
+                <a:latin typeface="Segoe UI" panose="020B0502040204020203" pitchFamily="34" charset="0"/>
+                <a:cs typeface="Segoe UI" panose="020B0502040204020203" pitchFamily="34" charset="0"/>
+              </a:rPr>
+              <a:t> </a:t>
+            </a:r>
+            <a:r>
+              <a:rPr lang="en-US" spc="0" dirty="0" smtClean="0">
+                <a:ln w="0"/>
+                <a:solidFill>
+                  <a:schemeClr val="accent1"/>
+                </a:solidFill>
+                <a:effectLst>
+                  <a:outerShdw blurRad="38100" dist="25400" dir="5400000" algn="ctr" rotWithShape="0">
+                    <a:srgbClr val="6E747A">
+                      <a:alpha val="43000"/>
+                    </a:srgbClr>
+                  </a:outerShdw>
+                </a:effectLst>
+                <a:latin typeface="Segoe UI" panose="020B0502040204020203" pitchFamily="34" charset="0"/>
+                <a:cs typeface="Segoe UI" panose="020B0502040204020203" pitchFamily="34" charset="0"/>
+              </a:rPr>
+              <a:t>de </a:t>
+            </a:r>
+            <a:r>
+              <a:rPr lang="en-US" spc="0" dirty="0" err="1" smtClean="0">
+                <a:ln w="0"/>
+                <a:solidFill>
+                  <a:schemeClr val="accent1"/>
+                </a:solidFill>
+                <a:effectLst>
+                  <a:outerShdw blurRad="38100" dist="25400" dir="5400000" algn="ctr" rotWithShape="0">
+                    <a:srgbClr val="6E747A">
+                      <a:alpha val="43000"/>
+                    </a:srgbClr>
+                  </a:outerShdw>
+                </a:effectLst>
+                <a:latin typeface="Segoe UI" panose="020B0502040204020203" pitchFamily="34" charset="0"/>
+                <a:cs typeface="Segoe UI" panose="020B0502040204020203" pitchFamily="34" charset="0"/>
+              </a:rPr>
+              <a:t>defensa</a:t>
+            </a:r>
+            <a:endParaRPr lang="en-US" spc="0" dirty="0">
+              <a:ln w="0"/>
+              <a:solidFill>
+                <a:schemeClr val="accent1"/>
+              </a:solidFill>
+              <a:effectLst>
+                <a:outerShdw blurRad="38100" dist="25400" dir="5400000" algn="ctr" rotWithShape="0">
+                  <a:srgbClr val="6E747A">
+                    <a:alpha val="43000"/>
+                  </a:srgbClr>
+                </a:outerShdw>
+              </a:effectLst>
+              <a:latin typeface="Segoe UI" panose="020B0502040204020203" pitchFamily="34" charset="0"/>
+              <a:cs typeface="Segoe UI" panose="020B0502040204020203" pitchFamily="34" charset="0"/>
+            </a:endParaRPr>
+          </a:p>
+        </p:txBody>
+      </p:sp>
+      <p:sp>
+        <p:nvSpPr>
+          <p:cNvPr id="2" name="Content Placeholder 1"/>
+          <p:cNvSpPr>
+            <a:spLocks noGrp="1"/>
+          </p:cNvSpPr>
+          <p:nvPr>
+            <p:ph idx="1"/>
+          </p:nvPr>
+        </p:nvSpPr>
+        <p:spPr/>
+        <p:txBody>
+          <a:bodyPr>
+            <a:noAutofit/>
+          </a:bodyPr>
+          <a:lstStyle/>
+          <a:p>
+            <a:r>
+              <a:rPr lang="es-AR" dirty="0" smtClean="0">
+                <a:latin typeface="Segoe UI" panose="020B0502040204020203" pitchFamily="34" charset="0"/>
+                <a:cs typeface="Segoe UI" panose="020B0502040204020203" pitchFamily="34" charset="0"/>
+              </a:rPr>
+              <a:t>Registro de patentes</a:t>
+            </a:r>
+          </a:p>
+          <a:p>
+            <a:endParaRPr lang="es-AR" dirty="0" smtClean="0">
+              <a:latin typeface="Segoe UI" panose="020B0502040204020203" pitchFamily="34" charset="0"/>
+              <a:cs typeface="Segoe UI" panose="020B0502040204020203" pitchFamily="34" charset="0"/>
+            </a:endParaRPr>
+          </a:p>
+          <a:p>
+            <a:endParaRPr lang="es-AR" dirty="0" smtClean="0">
+              <a:latin typeface="Segoe UI" panose="020B0502040204020203" pitchFamily="34" charset="0"/>
+              <a:cs typeface="Segoe UI" panose="020B0502040204020203" pitchFamily="34" charset="0"/>
+            </a:endParaRPr>
+          </a:p>
+          <a:p>
+            <a:r>
+              <a:rPr lang="es-AR" dirty="0" smtClean="0">
+                <a:latin typeface="Segoe UI" panose="020B0502040204020203" pitchFamily="34" charset="0"/>
+                <a:cs typeface="Segoe UI" panose="020B0502040204020203" pitchFamily="34" charset="0"/>
+              </a:rPr>
+              <a:t>Controles informáticos</a:t>
+            </a:r>
+          </a:p>
+          <a:p>
+            <a:pPr lvl="1"/>
+            <a:r>
+              <a:rPr lang="es-AR" sz="1800" dirty="0" smtClean="0">
+                <a:latin typeface="Segoe UI" panose="020B0502040204020203" pitchFamily="34" charset="0"/>
+                <a:cs typeface="Segoe UI" panose="020B0502040204020203" pitchFamily="34" charset="0"/>
+              </a:rPr>
+              <a:t>Software desarrollado siguiendo estándares de seguridad (criptografía)</a:t>
+            </a:r>
+          </a:p>
+          <a:p>
+            <a:pPr lvl="1"/>
+            <a:r>
+              <a:rPr lang="es-AR" sz="1800" dirty="0" smtClean="0">
+                <a:latin typeface="Segoe UI" panose="020B0502040204020203" pitchFamily="34" charset="0"/>
+                <a:cs typeface="Segoe UI" panose="020B0502040204020203" pitchFamily="34" charset="0"/>
+              </a:rPr>
+              <a:t>Controles físicos sobre el hardware</a:t>
+            </a:r>
+          </a:p>
+          <a:p>
+            <a:pPr lvl="1"/>
+            <a:r>
+              <a:rPr lang="es-AR" sz="1800" dirty="0" smtClean="0">
+                <a:latin typeface="Segoe UI" panose="020B0502040204020203" pitchFamily="34" charset="0"/>
+                <a:cs typeface="Segoe UI" panose="020B0502040204020203" pitchFamily="34" charset="0"/>
+              </a:rPr>
+              <a:t>Políticas de contraseñas y perfiles de usuario</a:t>
+            </a:r>
+          </a:p>
+          <a:p>
+            <a:pPr lvl="1"/>
+            <a:r>
+              <a:rPr lang="es-AR" sz="1800" dirty="0" smtClean="0">
+                <a:latin typeface="Segoe UI" panose="020B0502040204020203" pitchFamily="34" charset="0"/>
+                <a:cs typeface="Segoe UI" panose="020B0502040204020203" pitchFamily="34" charset="0"/>
+              </a:rPr>
+              <a:t>Monitoreo de tráfico en las redes</a:t>
+            </a:r>
+          </a:p>
+          <a:p>
+            <a:pPr lvl="1"/>
+            <a:r>
+              <a:rPr lang="es-AR" sz="1800" dirty="0" smtClean="0">
+                <a:latin typeface="Segoe UI" panose="020B0502040204020203" pitchFamily="34" charset="0"/>
+                <a:cs typeface="Segoe UI" panose="020B0502040204020203" pitchFamily="34" charset="0"/>
+              </a:rPr>
+              <a:t>Uso de software de protección</a:t>
+            </a:r>
+          </a:p>
+          <a:p>
+            <a:pPr lvl="1"/>
+            <a:r>
+              <a:rPr lang="es-AR" sz="1800" dirty="0" smtClean="0">
+                <a:latin typeface="Segoe UI" panose="020B0502040204020203" pitchFamily="34" charset="0"/>
+                <a:cs typeface="Segoe UI" panose="020B0502040204020203" pitchFamily="34" charset="0"/>
+              </a:rPr>
+              <a:t>Creación de </a:t>
+            </a:r>
+            <a:r>
+              <a:rPr lang="es-AR" sz="1800" i="1" dirty="0" err="1" smtClean="0">
+                <a:latin typeface="Segoe UI" panose="020B0502040204020203" pitchFamily="34" charset="0"/>
+                <a:cs typeface="Segoe UI" panose="020B0502040204020203" pitchFamily="34" charset="0"/>
+              </a:rPr>
+              <a:t>backups</a:t>
+            </a:r>
+            <a:r>
+              <a:rPr lang="es-AR" sz="1800" dirty="0" smtClean="0">
+                <a:latin typeface="Segoe UI" panose="020B0502040204020203" pitchFamily="34" charset="0"/>
+                <a:cs typeface="Segoe UI" panose="020B0502040204020203" pitchFamily="34" charset="0"/>
+              </a:rPr>
+              <a:t> periódicos</a:t>
+            </a:r>
+            <a:endParaRPr lang="en-US" sz="1800" dirty="0">
+              <a:latin typeface="Segoe UI" panose="020B0502040204020203" pitchFamily="34" charset="0"/>
+              <a:cs typeface="Segoe UI" panose="020B0502040204020203" pitchFamily="34" charset="0"/>
+            </a:endParaRPr>
+          </a:p>
+        </p:txBody>
+      </p:sp>
+      <p:pic>
+        <p:nvPicPr>
+          <p:cNvPr id="4" name="Picture 2" descr="C:\Users\MIPARN~1\AppData\Local\Temp\SNAGHTML5cb90bb7.PNG"/>
+          <p:cNvPicPr>
+            <a:picLocks noChangeAspect="1" noChangeArrowheads="1"/>
+          </p:cNvPicPr>
+          <p:nvPr/>
+        </p:nvPicPr>
+        <p:blipFill>
+          <a:blip r:embed="rId3" cstate="print">
+            <a:extLst>
+              <a:ext uri="{28A0092B-C50C-407E-A947-70E740481C1C}">
+                <a14:useLocalDpi xmlns:a14="http://schemas.microsoft.com/office/drawing/2010/main" val="0"/>
+              </a:ext>
+            </a:extLst>
+          </a:blip>
+          <a:srcRect/>
+          <a:stretch>
+            <a:fillRect/>
+          </a:stretch>
+        </p:blipFill>
+        <p:spPr bwMode="auto">
+          <a:xfrm>
+            <a:off x="5014292" y="1988840"/>
+            <a:ext cx="2376264" cy="1477007"/>
+          </a:xfrm>
+          <a:prstGeom prst="rect">
+            <a:avLst/>
+          </a:prstGeom>
+          <a:noFill/>
+          <a:extLst>
+            <a:ext uri="{909E8E84-426E-40DD-AFC4-6F175D3DCCD1}">
+              <a14:hiddenFill xmlns:a14="http://schemas.microsoft.com/office/drawing/2010/main">
+                <a:solidFill>
+                  <a:srgbClr val="FFFFFF"/>
+                </a:solidFill>
+              </a14:hiddenFill>
+            </a:ext>
+          </a:extLst>
+        </p:spPr>
+      </p:pic>
+    </p:spTree>
+    <p:extLst>
+      <p:ext uri="{BB962C8B-B14F-4D97-AF65-F5344CB8AC3E}">
+        <p14:creationId xmlns:p14="http://schemas.microsoft.com/office/powerpoint/2010/main" val="3356351472"/>
+      </p:ext>
+    </p:extLst>
+  </p:cSld>
+  <p:clrMapOvr>
+    <a:masterClrMapping/>
+  </p:clrMapOvr>
+  <mc:AlternateContent xmlns:mc="http://schemas.openxmlformats.org/markup-compatibility/2006" xmlns:p14="http://schemas.microsoft.com/office/powerpoint/2010/main">
+    <mc:Choice Requires="p14">
+      <p:transition spd="med" p14:dur="700">
+        <p:fade/>
+      </p:transition>
+    </mc:Choice>
+    <mc:Fallback xmlns="">
+      <p:transition spd="med">
+        <p:fade/>
+      </p:transition>
+    </mc:Fallback>
+  </mc:AlternateContent>
+  <p:timing>
+    <p:tnLst>
+      <p:par>
+        <p:cTn id="1" dur="indefinite" restart="never" nodeType="tmRoot"/>
+      </p:par>
+    </p:tnLst>
+  </p:timing>
+</p:sld>
+</file>
+
+<file path=ppt/slides/slide29.xml><?xml version="1.0" encoding="utf-8"?>
+<p:sld xmlns:a="http://schemas.openxmlformats.org/drawingml/2006/main" xmlns:r="http://schemas.openxmlformats.org/officeDocument/2006/relationships" xmlns:p="http://schemas.openxmlformats.org/presentationml/2006/main">
+  <p:cSld>
+    <p:spTree>
+      <p:nvGrpSpPr>
+        <p:cNvPr id="1" name=""/>
+        <p:cNvGrpSpPr/>
+        <p:nvPr/>
+      </p:nvGrpSpPr>
+      <p:grpSpPr>
+        <a:xfrm>
+          <a:off x="0" y="0"/>
+          <a:ext cx="0" cy="0"/>
+          <a:chOff x="0" y="0"/>
+          <a:chExt cx="0" cy="0"/>
+        </a:xfrm>
+      </p:grpSpPr>
+      <p:sp>
+        <p:nvSpPr>
+          <p:cNvPr id="13" name="Title 12"/>
+          <p:cNvSpPr>
+            <a:spLocks noGrp="1"/>
+          </p:cNvSpPr>
+          <p:nvPr>
+            <p:ph type="title"/>
+          </p:nvPr>
+        </p:nvSpPr>
+        <p:spPr/>
+        <p:txBody>
+          <a:bodyPr>
+            <a:normAutofit/>
+          </a:bodyPr>
+          <a:lstStyle/>
+          <a:p>
+            <a:r>
+              <a:rPr lang="en-US" spc="0" dirty="0" err="1" smtClean="0">
+                <a:ln w="0"/>
+                <a:solidFill>
+                  <a:schemeClr val="accent1"/>
+                </a:solidFill>
+                <a:effectLst>
+                  <a:outerShdw blurRad="38100" dist="25400" dir="5400000" algn="ctr" rotWithShape="0">
+                    <a:srgbClr val="6E747A">
+                      <a:alpha val="43000"/>
+                    </a:srgbClr>
+                  </a:outerShdw>
+                </a:effectLst>
+                <a:latin typeface="Segoe UI" panose="020B0502040204020203" pitchFamily="34" charset="0"/>
+                <a:cs typeface="Segoe UI" panose="020B0502040204020203" pitchFamily="34" charset="0"/>
+              </a:rPr>
+              <a:t>Mecanismos</a:t>
+            </a:r>
+            <a:r>
+              <a:rPr lang="en-US" spc="0" dirty="0" smtClean="0">
+                <a:ln w="0"/>
+                <a:solidFill>
+                  <a:schemeClr val="accent1"/>
+                </a:solidFill>
+                <a:effectLst>
+                  <a:outerShdw blurRad="38100" dist="25400" dir="5400000" algn="ctr" rotWithShape="0">
+                    <a:srgbClr val="6E747A">
+                      <a:alpha val="43000"/>
+                    </a:srgbClr>
+                  </a:outerShdw>
+                </a:effectLst>
+                <a:latin typeface="Segoe UI" panose="020B0502040204020203" pitchFamily="34" charset="0"/>
+                <a:cs typeface="Segoe UI" panose="020B0502040204020203" pitchFamily="34" charset="0"/>
+              </a:rPr>
+              <a:t> </a:t>
+            </a:r>
+            <a:r>
+              <a:rPr lang="en-US" spc="0" dirty="0" smtClean="0">
+                <a:ln w="0"/>
+                <a:solidFill>
+                  <a:schemeClr val="accent1"/>
+                </a:solidFill>
+                <a:effectLst>
+                  <a:outerShdw blurRad="38100" dist="25400" dir="5400000" algn="ctr" rotWithShape="0">
+                    <a:srgbClr val="6E747A">
+                      <a:alpha val="43000"/>
+                    </a:srgbClr>
+                  </a:outerShdw>
+                </a:effectLst>
+                <a:latin typeface="Segoe UI" panose="020B0502040204020203" pitchFamily="34" charset="0"/>
+                <a:cs typeface="Segoe UI" panose="020B0502040204020203" pitchFamily="34" charset="0"/>
+              </a:rPr>
+              <a:t>de </a:t>
+            </a:r>
+            <a:r>
+              <a:rPr lang="en-US" spc="0" dirty="0" err="1" smtClean="0">
+                <a:ln w="0"/>
+                <a:solidFill>
+                  <a:schemeClr val="accent1"/>
+                </a:solidFill>
+                <a:effectLst>
+                  <a:outerShdw blurRad="38100" dist="25400" dir="5400000" algn="ctr" rotWithShape="0">
+                    <a:srgbClr val="6E747A">
+                      <a:alpha val="43000"/>
+                    </a:srgbClr>
+                  </a:outerShdw>
+                </a:effectLst>
+                <a:latin typeface="Segoe UI" panose="020B0502040204020203" pitchFamily="34" charset="0"/>
+                <a:cs typeface="Segoe UI" panose="020B0502040204020203" pitchFamily="34" charset="0"/>
+              </a:rPr>
+              <a:t>defensa</a:t>
+            </a:r>
+            <a:r>
+              <a:rPr lang="en-US" spc="0" dirty="0" smtClean="0">
+                <a:ln w="0"/>
+                <a:solidFill>
+                  <a:schemeClr val="accent1"/>
+                </a:solidFill>
+                <a:effectLst>
+                  <a:outerShdw blurRad="38100" dist="25400" dir="5400000" algn="ctr" rotWithShape="0">
+                    <a:srgbClr val="6E747A">
+                      <a:alpha val="43000"/>
+                    </a:srgbClr>
+                  </a:outerShdw>
+                </a:effectLst>
+                <a:latin typeface="Segoe UI" panose="020B0502040204020203" pitchFamily="34" charset="0"/>
+                <a:cs typeface="Segoe UI" panose="020B0502040204020203" pitchFamily="34" charset="0"/>
+              </a:rPr>
+              <a:t> (cont.)</a:t>
+            </a:r>
+            <a:endParaRPr lang="en-US" spc="0" dirty="0">
+              <a:ln w="0"/>
+              <a:solidFill>
+                <a:schemeClr val="accent1"/>
+              </a:solidFill>
+              <a:effectLst>
+                <a:outerShdw blurRad="38100" dist="25400" dir="5400000" algn="ctr" rotWithShape="0">
+                  <a:srgbClr val="6E747A">
+                    <a:alpha val="43000"/>
+                  </a:srgbClr>
+                </a:outerShdw>
+              </a:effectLst>
+              <a:latin typeface="Segoe UI" panose="020B0502040204020203" pitchFamily="34" charset="0"/>
+              <a:cs typeface="Segoe UI" panose="020B0502040204020203" pitchFamily="34" charset="0"/>
+            </a:endParaRPr>
+          </a:p>
+        </p:txBody>
+      </p:sp>
+      <p:sp>
+        <p:nvSpPr>
+          <p:cNvPr id="2" name="Content Placeholder 1"/>
+          <p:cNvSpPr>
+            <a:spLocks noGrp="1"/>
+          </p:cNvSpPr>
+          <p:nvPr>
+            <p:ph idx="1"/>
+          </p:nvPr>
+        </p:nvSpPr>
+        <p:spPr/>
+        <p:txBody>
+          <a:bodyPr>
+            <a:noAutofit/>
+          </a:bodyPr>
+          <a:lstStyle/>
+          <a:p>
+            <a:r>
+              <a:rPr lang="es-AR" dirty="0">
+                <a:latin typeface="Segoe UI" panose="020B0502040204020203" pitchFamily="34" charset="0"/>
+                <a:cs typeface="Segoe UI" panose="020B0502040204020203" pitchFamily="34" charset="0"/>
+              </a:rPr>
+              <a:t>Auditoría de </a:t>
+            </a:r>
+            <a:r>
+              <a:rPr lang="es-AR" dirty="0" smtClean="0">
+                <a:latin typeface="Segoe UI" panose="020B0502040204020203" pitchFamily="34" charset="0"/>
+                <a:cs typeface="Segoe UI" panose="020B0502040204020203" pitchFamily="34" charset="0"/>
+              </a:rPr>
+              <a:t>operaciones</a:t>
+            </a:r>
+          </a:p>
+          <a:p>
+            <a:r>
+              <a:rPr lang="es-AR" dirty="0" smtClean="0">
+                <a:latin typeface="Segoe UI" panose="020B0502040204020203" pitchFamily="34" charset="0"/>
+                <a:cs typeface="Segoe UI" panose="020B0502040204020203" pitchFamily="34" charset="0"/>
+              </a:rPr>
+              <a:t>Normas de control</a:t>
+            </a:r>
+          </a:p>
+          <a:p>
+            <a:pPr lvl="1"/>
+            <a:r>
+              <a:rPr lang="es-AR" sz="1800" dirty="0" smtClean="0">
+                <a:latin typeface="Segoe UI" panose="020B0502040204020203" pitchFamily="34" charset="0"/>
+                <a:cs typeface="Segoe UI" panose="020B0502040204020203" pitchFamily="34" charset="0"/>
+              </a:rPr>
+              <a:t>Normas ISO 2700, especialmente </a:t>
+            </a:r>
+            <a:r>
+              <a:rPr lang="es-AR" sz="1800" dirty="0">
+                <a:latin typeface="Segoe UI" panose="020B0502040204020203" pitchFamily="34" charset="0"/>
+                <a:cs typeface="Segoe UI" panose="020B0502040204020203" pitchFamily="34" charset="0"/>
+              </a:rPr>
+              <a:t>dedicada a seguridad de la </a:t>
+            </a:r>
+            <a:r>
+              <a:rPr lang="es-AR" sz="1800" dirty="0" smtClean="0">
+                <a:latin typeface="Segoe UI" panose="020B0502040204020203" pitchFamily="34" charset="0"/>
+                <a:cs typeface="Segoe UI" panose="020B0502040204020203" pitchFamily="34" charset="0"/>
+              </a:rPr>
+              <a:t>información</a:t>
+            </a:r>
+          </a:p>
+          <a:p>
+            <a:r>
+              <a:rPr lang="es-AR" sz="2200" dirty="0" smtClean="0">
+                <a:latin typeface="Segoe UI" panose="020B0502040204020203" pitchFamily="34" charset="0"/>
+                <a:cs typeface="Segoe UI" panose="020B0502040204020203" pitchFamily="34" charset="0"/>
+              </a:rPr>
+              <a:t>Uso de nombres en clave para los proyectos tecnológicos</a:t>
+            </a:r>
+          </a:p>
+        </p:txBody>
+      </p:sp>
+      <p:pic>
+        <p:nvPicPr>
+          <p:cNvPr id="3074" name="Picture 2" descr="http://www.whoa.com/wp-content/uploads/2014/05/ISO27001.png"/>
+          <p:cNvPicPr>
+            <a:picLocks noChangeAspect="1" noChangeArrowheads="1"/>
+          </p:cNvPicPr>
+          <p:nvPr/>
+        </p:nvPicPr>
+        <p:blipFill>
+          <a:blip r:embed="rId3" cstate="print">
+            <a:extLst>
+              <a:ext uri="{28A0092B-C50C-407E-A947-70E740481C1C}">
+                <a14:useLocalDpi xmlns:a14="http://schemas.microsoft.com/office/drawing/2010/main" val="0"/>
+              </a:ext>
+            </a:extLst>
+          </a:blip>
+          <a:srcRect/>
+          <a:stretch>
+            <a:fillRect/>
+          </a:stretch>
+        </p:blipFill>
+        <p:spPr bwMode="auto">
+          <a:xfrm>
+            <a:off x="2422004" y="3983194"/>
+            <a:ext cx="2204196" cy="2204196"/>
+          </a:xfrm>
+          <a:prstGeom prst="rect">
+            <a:avLst/>
+          </a:prstGeom>
+          <a:noFill/>
+          <a:extLst>
+            <a:ext uri="{909E8E84-426E-40DD-AFC4-6F175D3DCCD1}">
+              <a14:hiddenFill xmlns:a14="http://schemas.microsoft.com/office/drawing/2010/main">
+                <a:solidFill>
+                  <a:srgbClr val="FFFFFF"/>
+                </a:solidFill>
+              </a14:hiddenFill>
+            </a:ext>
+          </a:extLst>
+        </p:spPr>
+      </p:pic>
+    </p:spTree>
+    <p:extLst>
+      <p:ext uri="{BB962C8B-B14F-4D97-AF65-F5344CB8AC3E}">
+        <p14:creationId xmlns:p14="http://schemas.microsoft.com/office/powerpoint/2010/main" val="3374507202"/>
+      </p:ext>
+    </p:extLst>
+  </p:cSld>
+  <p:clrMapOvr>
+    <a:masterClrMapping/>
+  </p:clrMapOvr>
+  <mc:AlternateContent xmlns:mc="http://schemas.openxmlformats.org/markup-compatibility/2006" xmlns:p14="http://schemas.microsoft.com/office/powerpoint/2010/main">
+    <mc:Choice Requires="p14">
+      <p:transition spd="med" p14:dur="700">
+        <p:fade/>
+      </p:transition>
+    </mc:Choice>
+    <mc:Fallback xmlns="">
+      <p:transition spd="med">
+        <p:fade/>
+      </p:transition>
+    </mc:Fallback>
+  </mc:AlternateContent>
+  <p:timing>
+    <p:tnLst>
+      <p:par>
+        <p:cTn id="1" dur="indefinite" restart="never" nodeType="tmRoot"/>
+      </p:par>
+    </p:tnLst>
+  </p:timing>
+</p:sld>
+</file>
+
 <file path=ppt/slides/slide3.xml><?xml version="1.0" encoding="utf-8"?>
 <p:sld xmlns:a="http://schemas.openxmlformats.org/drawingml/2006/main" xmlns:r="http://schemas.openxmlformats.org/officeDocument/2006/relationships" xmlns:p="http://schemas.openxmlformats.org/presentationml/2006/main">
   <p:cSld>
@@ -12236,23 +11467,25 @@
                 <a:latin typeface="Segoe UI" panose="020B0502040204020203" pitchFamily="34" charset="0"/>
                 <a:cs typeface="Segoe UI" panose="020B0502040204020203" pitchFamily="34" charset="0"/>
               </a:rPr>
-              <a:t>Fuga de </a:t>
-            </a:r>
+              <a:t>Fuga de información</a:t>
+            </a:r>
+          </a:p>
+          <a:p>
+            <a:r>
+              <a:rPr lang="es-AR" dirty="0">
+                <a:latin typeface="Segoe UI" panose="020B0502040204020203" pitchFamily="34" charset="0"/>
+                <a:cs typeface="Segoe UI" panose="020B0502040204020203" pitchFamily="34" charset="0"/>
+              </a:rPr>
+              <a:t>Cómo deshacerse de forma segura de información</a:t>
+            </a:r>
+          </a:p>
+          <a:p>
             <a:r>
               <a:rPr lang="es-AR" dirty="0" smtClean="0">
                 <a:latin typeface="Segoe UI" panose="020B0502040204020203" pitchFamily="34" charset="0"/>
                 <a:cs typeface="Segoe UI" panose="020B0502040204020203" pitchFamily="34" charset="0"/>
               </a:rPr>
-              <a:t>información</a:t>
-            </a:r>
-          </a:p>
-          <a:p>
-            <a:r>
-              <a:rPr lang="es-AR" dirty="0">
-                <a:latin typeface="Segoe UI" panose="020B0502040204020203" pitchFamily="34" charset="0"/>
-                <a:cs typeface="Segoe UI" panose="020B0502040204020203" pitchFamily="34" charset="0"/>
-              </a:rPr>
-              <a:t>Cómo deshacerse de forma segura de información</a:t>
+              <a:t>Riesgos existentes</a:t>
             </a:r>
           </a:p>
           <a:p>
@@ -12261,30 +11494,7 @@
                 <a:latin typeface="Segoe UI" panose="020B0502040204020203" pitchFamily="34" charset="0"/>
                 <a:cs typeface="Segoe UI" panose="020B0502040204020203" pitchFamily="34" charset="0"/>
               </a:rPr>
-              <a:t>Riesgos </a:t>
-            </a:r>
-            <a:r>
-              <a:rPr lang="es-AR" dirty="0" smtClean="0">
-                <a:latin typeface="Segoe UI" panose="020B0502040204020203" pitchFamily="34" charset="0"/>
-                <a:cs typeface="Segoe UI" panose="020B0502040204020203" pitchFamily="34" charset="0"/>
-              </a:rPr>
-              <a:t>existentes</a:t>
-            </a:r>
-          </a:p>
-          <a:p>
-            <a:r>
-              <a:rPr lang="es-AR" dirty="0" smtClean="0">
-                <a:latin typeface="Segoe UI" panose="020B0502040204020203" pitchFamily="34" charset="0"/>
-                <a:cs typeface="Segoe UI" panose="020B0502040204020203" pitchFamily="34" charset="0"/>
-              </a:rPr>
-              <a:t>Tipos de </a:t>
-            </a:r>
-            <a:r>
-              <a:rPr lang="es-AR" dirty="0" smtClean="0">
-                <a:latin typeface="Segoe UI" panose="020B0502040204020203" pitchFamily="34" charset="0"/>
-                <a:cs typeface="Segoe UI" panose="020B0502040204020203" pitchFamily="34" charset="0"/>
-              </a:rPr>
-              <a:t>controles</a:t>
+              <a:t>Tipos de controles</a:t>
             </a:r>
             <a:endParaRPr lang="en-US" dirty="0">
               <a:latin typeface="Segoe UI" panose="020B0502040204020203" pitchFamily="34" charset="0"/>
@@ -12373,79 +11583,7 @@
                 <a:latin typeface="Segoe UI" panose="020B0502040204020203" pitchFamily="34" charset="0"/>
                 <a:cs typeface="Segoe UI" panose="020B0502040204020203" pitchFamily="34" charset="0"/>
               </a:rPr>
-              <a:t>Siglo</a:t>
-            </a:r>
-            <a:r>
-              <a:rPr lang="en-US" spc="0" dirty="0" smtClean="0">
-                <a:ln w="0"/>
-                <a:solidFill>
-                  <a:schemeClr val="accent1"/>
-                </a:solidFill>
-                <a:effectLst>
-                  <a:outerShdw blurRad="38100" dist="25400" dir="5400000" algn="ctr" rotWithShape="0">
-                    <a:srgbClr val="6E747A">
-                      <a:alpha val="43000"/>
-                    </a:srgbClr>
-                  </a:outerShdw>
-                </a:effectLst>
-                <a:latin typeface="Segoe UI" panose="020B0502040204020203" pitchFamily="34" charset="0"/>
-                <a:cs typeface="Segoe UI" panose="020B0502040204020203" pitchFamily="34" charset="0"/>
-              </a:rPr>
-              <a:t> XXI – </a:t>
-            </a:r>
-            <a:r>
-              <a:rPr lang="en-US" spc="0" dirty="0" err="1" smtClean="0">
-                <a:ln w="0"/>
-                <a:solidFill>
-                  <a:schemeClr val="accent1"/>
-                </a:solidFill>
-                <a:effectLst>
-                  <a:outerShdw blurRad="38100" dist="25400" dir="5400000" algn="ctr" rotWithShape="0">
-                    <a:srgbClr val="6E747A">
-                      <a:alpha val="43000"/>
-                    </a:srgbClr>
-                  </a:outerShdw>
-                </a:effectLst>
-                <a:latin typeface="Segoe UI" panose="020B0502040204020203" pitchFamily="34" charset="0"/>
-                <a:cs typeface="Segoe UI" panose="020B0502040204020203" pitchFamily="34" charset="0"/>
-              </a:rPr>
-              <a:t>Mecanismos</a:t>
-            </a:r>
-            <a:r>
-              <a:rPr lang="en-US" spc="0" dirty="0" smtClean="0">
-                <a:ln w="0"/>
-                <a:solidFill>
-                  <a:schemeClr val="accent1"/>
-                </a:solidFill>
-                <a:effectLst>
-                  <a:outerShdw blurRad="38100" dist="25400" dir="5400000" algn="ctr" rotWithShape="0">
-                    <a:srgbClr val="6E747A">
-                      <a:alpha val="43000"/>
-                    </a:srgbClr>
-                  </a:outerShdw>
-                </a:effectLst>
-                <a:latin typeface="Segoe UI" panose="020B0502040204020203" pitchFamily="34" charset="0"/>
-                <a:cs typeface="Segoe UI" panose="020B0502040204020203" pitchFamily="34" charset="0"/>
-              </a:rPr>
-              <a:t> de </a:t>
-            </a:r>
-            <a:r>
-              <a:rPr lang="en-US" spc="0" dirty="0" err="1" smtClean="0">
-                <a:ln w="0"/>
-                <a:solidFill>
-                  <a:schemeClr val="accent1"/>
-                </a:solidFill>
-                <a:effectLst>
-                  <a:outerShdw blurRad="38100" dist="25400" dir="5400000" algn="ctr" rotWithShape="0">
-                    <a:srgbClr val="6E747A">
-                      <a:alpha val="43000"/>
-                    </a:srgbClr>
-                  </a:outerShdw>
-                </a:effectLst>
-                <a:latin typeface="Segoe UI" panose="020B0502040204020203" pitchFamily="34" charset="0"/>
-                <a:cs typeface="Segoe UI" panose="020B0502040204020203" pitchFamily="34" charset="0"/>
-              </a:rPr>
-              <a:t>defensa</a:t>
+              <a:t>Riesgos</a:t>
             </a:r>
             <a:endParaRPr lang="en-US" spc="0" dirty="0">
               <a:ln w="0"/>
@@ -12477,9 +11615,7 @@
         </p:nvSpPr>
         <p:spPr/>
         <p:txBody>
-          <a:bodyPr>
-            <a:noAutofit/>
-          </a:bodyPr>
+          <a:bodyPr/>
           <a:lstStyle/>
           <a:p>
             <a:r>
@@ -12487,155 +11623,19 @@
                 <a:latin typeface="Segoe UI" panose="020B0502040204020203" pitchFamily="34" charset="0"/>
                 <a:cs typeface="Segoe UI" panose="020B0502040204020203" pitchFamily="34" charset="0"/>
               </a:rPr>
-              <a:t>Registro de patentes</a:t>
-            </a:r>
-          </a:p>
-          <a:p>
-            <a:endParaRPr lang="es-AR" dirty="0" smtClean="0">
+              <a:t>(COMPLETAR)</a:t>
+            </a:r>
+            <a:endParaRPr lang="en-US" dirty="0">
               <a:latin typeface="Segoe UI" panose="020B0502040204020203" pitchFamily="34" charset="0"/>
               <a:cs typeface="Segoe UI" panose="020B0502040204020203" pitchFamily="34" charset="0"/>
             </a:endParaRPr>
           </a:p>
-          <a:p>
-            <a:endParaRPr lang="es-AR" dirty="0" smtClean="0">
-              <a:latin typeface="Segoe UI" panose="020B0502040204020203" pitchFamily="34" charset="0"/>
-              <a:cs typeface="Segoe UI" panose="020B0502040204020203" pitchFamily="34" charset="0"/>
-            </a:endParaRPr>
-          </a:p>
-          <a:p>
-            <a:r>
-              <a:rPr lang="es-AR" dirty="0" smtClean="0">
-                <a:latin typeface="Segoe UI" panose="020B0502040204020203" pitchFamily="34" charset="0"/>
-                <a:cs typeface="Segoe UI" panose="020B0502040204020203" pitchFamily="34" charset="0"/>
-              </a:rPr>
-              <a:t>Controles informáticos</a:t>
-            </a:r>
-          </a:p>
-          <a:p>
-            <a:pPr lvl="1"/>
-            <a:r>
-              <a:rPr lang="es-AR" sz="1800" dirty="0" smtClean="0">
-                <a:latin typeface="Segoe UI" panose="020B0502040204020203" pitchFamily="34" charset="0"/>
-                <a:cs typeface="Segoe UI" panose="020B0502040204020203" pitchFamily="34" charset="0"/>
-              </a:rPr>
-              <a:t>Software desarrollado siguiendo estándares de seguridad (criptografía)</a:t>
-            </a:r>
-          </a:p>
-          <a:p>
-            <a:pPr lvl="1"/>
-            <a:r>
-              <a:rPr lang="es-AR" sz="1800" dirty="0" smtClean="0">
-                <a:latin typeface="Segoe UI" panose="020B0502040204020203" pitchFamily="34" charset="0"/>
-                <a:cs typeface="Segoe UI" panose="020B0502040204020203" pitchFamily="34" charset="0"/>
-              </a:rPr>
-              <a:t>Controles físicos sobre el hardware</a:t>
-            </a:r>
-          </a:p>
-          <a:p>
-            <a:pPr lvl="1"/>
-            <a:r>
-              <a:rPr lang="es-AR" sz="1800" dirty="0" smtClean="0">
-                <a:latin typeface="Segoe UI" panose="020B0502040204020203" pitchFamily="34" charset="0"/>
-                <a:cs typeface="Segoe UI" panose="020B0502040204020203" pitchFamily="34" charset="0"/>
-              </a:rPr>
-              <a:t>Políticas de contraseñas y perfiles de usuario</a:t>
-            </a:r>
-          </a:p>
-          <a:p>
-            <a:pPr lvl="1"/>
-            <a:r>
-              <a:rPr lang="es-AR" sz="1800" dirty="0" smtClean="0">
-                <a:latin typeface="Segoe UI" panose="020B0502040204020203" pitchFamily="34" charset="0"/>
-                <a:cs typeface="Segoe UI" panose="020B0502040204020203" pitchFamily="34" charset="0"/>
-              </a:rPr>
-              <a:t>Monitoreo de tráfico en las redes</a:t>
-            </a:r>
-          </a:p>
-          <a:p>
-            <a:pPr lvl="1"/>
-            <a:r>
-              <a:rPr lang="es-AR" sz="1800" dirty="0" smtClean="0">
-                <a:latin typeface="Segoe UI" panose="020B0502040204020203" pitchFamily="34" charset="0"/>
-                <a:cs typeface="Segoe UI" panose="020B0502040204020203" pitchFamily="34" charset="0"/>
-              </a:rPr>
-              <a:t>Uso de software de protección</a:t>
-            </a:r>
-          </a:p>
-          <a:p>
-            <a:pPr lvl="1"/>
-            <a:r>
-              <a:rPr lang="es-AR" sz="1800" dirty="0" smtClean="0">
-                <a:latin typeface="Segoe UI" panose="020B0502040204020203" pitchFamily="34" charset="0"/>
-                <a:cs typeface="Segoe UI" panose="020B0502040204020203" pitchFamily="34" charset="0"/>
-              </a:rPr>
-              <a:t>Creación de </a:t>
-            </a:r>
-            <a:r>
-              <a:rPr lang="es-AR" sz="1800" dirty="0" err="1" smtClean="0">
-                <a:latin typeface="Segoe UI" panose="020B0502040204020203" pitchFamily="34" charset="0"/>
-                <a:cs typeface="Segoe UI" panose="020B0502040204020203" pitchFamily="34" charset="0"/>
-              </a:rPr>
-              <a:t>backups</a:t>
-            </a:r>
-            <a:r>
-              <a:rPr lang="es-AR" sz="1800" dirty="0" smtClean="0">
-                <a:latin typeface="Segoe UI" panose="020B0502040204020203" pitchFamily="34" charset="0"/>
-                <a:cs typeface="Segoe UI" panose="020B0502040204020203" pitchFamily="34" charset="0"/>
-              </a:rPr>
-              <a:t> periódicos</a:t>
-            </a:r>
-            <a:endParaRPr lang="en-US" sz="1800" dirty="0">
-              <a:latin typeface="Segoe UI" panose="020B0502040204020203" pitchFamily="34" charset="0"/>
-              <a:cs typeface="Segoe UI" panose="020B0502040204020203" pitchFamily="34" charset="0"/>
-            </a:endParaRPr>
-          </a:p>
-        </p:txBody>
-      </p:sp>
-      <p:pic>
-        <p:nvPicPr>
-          <p:cNvPr id="4" name="Picture 2" descr="C:\Users\MIPARN~1\AppData\Local\Temp\SNAGHTML5cb90bb7.PNG"/>
-          <p:cNvPicPr>
-            <a:picLocks noChangeAspect="1" noChangeArrowheads="1"/>
-          </p:cNvPicPr>
-          <p:nvPr/>
-        </p:nvPicPr>
-        <p:blipFill>
-          <a:blip r:embed="rId3" cstate="print">
-            <a:extLst>
-              <a:ext uri="{28A0092B-C50C-407E-A947-70E740481C1C}">
-                <a14:useLocalDpi xmlns:a14="http://schemas.microsoft.com/office/drawing/2010/main" val="0"/>
-              </a:ext>
-            </a:extLst>
-          </a:blip>
-          <a:srcRect/>
-          <a:stretch>
-            <a:fillRect/>
-          </a:stretch>
-        </p:blipFill>
-        <p:spPr bwMode="auto">
-          <a:xfrm>
-            <a:off x="5014292" y="1988840"/>
-            <a:ext cx="2376264" cy="1477007"/>
-          </a:xfrm>
-          <a:prstGeom prst="rect">
-            <a:avLst/>
-          </a:prstGeom>
-          <a:noFill/>
-          <a:extLst>
-            <a:ext uri="{909E8E84-426E-40DD-AFC4-6F175D3DCCD1}">
-              <a14:hiddenFill xmlns:a14="http://schemas.microsoft.com/office/drawing/2010/main">
-                <a:solidFill>
-                  <a:srgbClr val="FFFFFF"/>
-                </a:solidFill>
-              </a14:hiddenFill>
-            </a:ext>
-          </a:extLst>
-        </p:spPr>
-      </p:pic>
+        </p:txBody>
+      </p:sp>
     </p:spTree>
     <p:extLst>
       <p:ext uri="{BB962C8B-B14F-4D97-AF65-F5344CB8AC3E}">
-        <p14:creationId xmlns:p14="http://schemas.microsoft.com/office/powerpoint/2010/main" val="3356351472"/>
+        <p14:creationId xmlns:p14="http://schemas.microsoft.com/office/powerpoint/2010/main" val="2283345473"/>
       </p:ext>
     </p:extLst>
   </p:cSld>
@@ -12693,9 +11693,7 @@
         </p:nvSpPr>
         <p:spPr/>
         <p:txBody>
-          <a:bodyPr>
-            <a:normAutofit/>
-          </a:bodyPr>
+          <a:bodyPr/>
           <a:lstStyle/>
           <a:p>
             <a:r>
@@ -12714,7 +11712,7 @@
                 <a:latin typeface="Segoe UI" panose="020B0502040204020203" pitchFamily="34" charset="0"/>
                 <a:cs typeface="Segoe UI" panose="020B0502040204020203" pitchFamily="34" charset="0"/>
               </a:rPr>
-              <a:t>Siglo</a:t>
+              <a:t>Casos</a:t>
             </a:r>
             <a:r>
               <a:rPr lang="en-US" spc="0" dirty="0" smtClean="0">
@@ -12732,7 +11730,7 @@
                 <a:latin typeface="Segoe UI" panose="020B0502040204020203" pitchFamily="34" charset="0"/>
                 <a:cs typeface="Segoe UI" panose="020B0502040204020203" pitchFamily="34" charset="0"/>
               </a:rPr>
-              <a:t> XXI – </a:t>
+              <a:t> </a:t>
             </a:r>
             <a:r>
               <a:rPr lang="en-US" spc="0" dirty="0" err="1" smtClean="0">
@@ -12750,61 +11748,7 @@
                 <a:latin typeface="Segoe UI" panose="020B0502040204020203" pitchFamily="34" charset="0"/>
                 <a:cs typeface="Segoe UI" panose="020B0502040204020203" pitchFamily="34" charset="0"/>
               </a:rPr>
-              <a:t>Mecanismos</a:t>
-            </a:r>
-            <a:r>
-              <a:rPr lang="en-US" spc="0" dirty="0" smtClean="0">
-                <a:ln w="0"/>
-                <a:solidFill>
-                  <a:schemeClr val="accent1"/>
-                </a:solidFill>
-                <a:effectLst>
-                  <a:outerShdw blurRad="38100" dist="25400" dir="5400000" algn="ctr" rotWithShape="0">
-                    <a:srgbClr val="6E747A">
-                      <a:alpha val="43000"/>
-                    </a:srgbClr>
-                  </a:outerShdw>
-                </a:effectLst>
-                <a:latin typeface="Segoe UI" panose="020B0502040204020203" pitchFamily="34" charset="0"/>
-                <a:cs typeface="Segoe UI" panose="020B0502040204020203" pitchFamily="34" charset="0"/>
-              </a:rPr>
-              <a:t> de </a:t>
-            </a:r>
-            <a:r>
-              <a:rPr lang="en-US" spc="0" dirty="0" err="1" smtClean="0">
-                <a:ln w="0"/>
-                <a:solidFill>
-                  <a:schemeClr val="accent1"/>
-                </a:solidFill>
-                <a:effectLst>
-                  <a:outerShdw blurRad="38100" dist="25400" dir="5400000" algn="ctr" rotWithShape="0">
-                    <a:srgbClr val="6E747A">
-                      <a:alpha val="43000"/>
-                    </a:srgbClr>
-                  </a:outerShdw>
-                </a:effectLst>
-                <a:latin typeface="Segoe UI" panose="020B0502040204020203" pitchFamily="34" charset="0"/>
-                <a:cs typeface="Segoe UI" panose="020B0502040204020203" pitchFamily="34" charset="0"/>
-              </a:rPr>
-              <a:t>defensa</a:t>
-            </a:r>
-            <a:r>
-              <a:rPr lang="en-US" spc="0" dirty="0" smtClean="0">
-                <a:ln w="0"/>
-                <a:solidFill>
-                  <a:schemeClr val="accent1"/>
-                </a:solidFill>
-                <a:effectLst>
-                  <a:outerShdw blurRad="38100" dist="25400" dir="5400000" algn="ctr" rotWithShape="0">
-                    <a:srgbClr val="6E747A">
-                      <a:alpha val="43000"/>
-                    </a:srgbClr>
-                  </a:outerShdw>
-                </a:effectLst>
-                <a:latin typeface="Segoe UI" panose="020B0502040204020203" pitchFamily="34" charset="0"/>
-                <a:cs typeface="Segoe UI" panose="020B0502040204020203" pitchFamily="34" charset="0"/>
-              </a:rPr>
-              <a:t> (cont.)</a:t>
+              <a:t>reales</a:t>
             </a:r>
             <a:endParaRPr lang="en-US" spc="0" dirty="0">
               <a:ln w="0"/>
@@ -12842,109 +11786,199 @@
           <a:lstStyle/>
           <a:p>
             <a:r>
-              <a:rPr lang="es-AR" dirty="0">
-                <a:latin typeface="Segoe UI" panose="020B0502040204020203" pitchFamily="34" charset="0"/>
-                <a:cs typeface="Segoe UI" panose="020B0502040204020203" pitchFamily="34" charset="0"/>
-              </a:rPr>
-              <a:t>Auditoría de </a:t>
-            </a:r>
-            <a:r>
-              <a:rPr lang="es-AR" dirty="0" smtClean="0">
-                <a:latin typeface="Segoe UI" panose="020B0502040204020203" pitchFamily="34" charset="0"/>
-                <a:cs typeface="Segoe UI" panose="020B0502040204020203" pitchFamily="34" charset="0"/>
-              </a:rPr>
-              <a:t>operaciones</a:t>
-            </a:r>
-          </a:p>
-          <a:p>
-            <a:r>
-              <a:rPr lang="es-AR" dirty="0" smtClean="0">
-                <a:latin typeface="Segoe UI" panose="020B0502040204020203" pitchFamily="34" charset="0"/>
-                <a:cs typeface="Segoe UI" panose="020B0502040204020203" pitchFamily="34" charset="0"/>
-              </a:rPr>
-              <a:t>Normas de control</a:t>
-            </a:r>
-          </a:p>
-          <a:p>
-            <a:pPr lvl="1"/>
-            <a:r>
-              <a:rPr lang="es-AR" sz="1800" dirty="0" smtClean="0">
-                <a:latin typeface="Segoe UI" panose="020B0502040204020203" pitchFamily="34" charset="0"/>
-                <a:cs typeface="Segoe UI" panose="020B0502040204020203" pitchFamily="34" charset="0"/>
-              </a:rPr>
-              <a:t>Normas ISO 2700, especialmente </a:t>
-            </a:r>
-            <a:r>
-              <a:rPr lang="es-AR" sz="1800" dirty="0">
-                <a:latin typeface="Segoe UI" panose="020B0502040204020203" pitchFamily="34" charset="0"/>
-                <a:cs typeface="Segoe UI" panose="020B0502040204020203" pitchFamily="34" charset="0"/>
-              </a:rPr>
-              <a:t>dedicada a seguridad de la </a:t>
-            </a:r>
-            <a:r>
-              <a:rPr lang="es-AR" sz="1800" dirty="0" smtClean="0">
-                <a:latin typeface="Segoe UI" panose="020B0502040204020203" pitchFamily="34" charset="0"/>
-                <a:cs typeface="Segoe UI" panose="020B0502040204020203" pitchFamily="34" charset="0"/>
-              </a:rPr>
-              <a:t>información</a:t>
-            </a:r>
-          </a:p>
-          <a:p>
-            <a:r>
-              <a:rPr lang="es-AR" sz="2200" dirty="0" smtClean="0">
-                <a:latin typeface="Segoe UI" panose="020B0502040204020203" pitchFamily="34" charset="0"/>
-                <a:cs typeface="Segoe UI" panose="020B0502040204020203" pitchFamily="34" charset="0"/>
-              </a:rPr>
-              <a:t>Uso de nombres en clave para los proyectos tecnológicos</a:t>
-            </a:r>
-          </a:p>
-        </p:txBody>
-      </p:sp>
-      <p:pic>
-        <p:nvPicPr>
-          <p:cNvPr id="3074" name="Picture 2" descr="http://www.whoa.com/wp-content/uploads/2014/05/ISO27001.png"/>
-          <p:cNvPicPr>
-            <a:picLocks noChangeAspect="1" noChangeArrowheads="1"/>
-          </p:cNvPicPr>
-          <p:nvPr/>
-        </p:nvPicPr>
-        <p:blipFill>
-          <a:blip r:embed="rId3" cstate="print">
-            <a:extLst>
-              <a:ext uri="{28A0092B-C50C-407E-A947-70E740481C1C}">
-                <a14:useLocalDpi xmlns:a14="http://schemas.microsoft.com/office/drawing/2010/main" val="0"/>
-              </a:ext>
-            </a:extLst>
-          </a:blip>
-          <a:srcRect/>
-          <a:stretch>
-            <a:fillRect/>
-          </a:stretch>
-        </p:blipFill>
-        <p:spPr bwMode="auto">
-          <a:xfrm>
-            <a:off x="2422004" y="3983194"/>
-            <a:ext cx="2204196" cy="2204196"/>
-          </a:xfrm>
-          <a:prstGeom prst="rect">
-            <a:avLst/>
-          </a:prstGeom>
-          <a:noFill/>
-          <a:extLst>
-            <a:ext uri="{909E8E84-426E-40DD-AFC4-6F175D3DCCD1}">
-              <a14:hiddenFill xmlns:a14="http://schemas.microsoft.com/office/drawing/2010/main">
-                <a:solidFill>
-                  <a:srgbClr val="FFFFFF"/>
-                </a:solidFill>
-              </a14:hiddenFill>
-            </a:ext>
-          </a:extLst>
-        </p:spPr>
-      </p:pic>
+              <a:rPr lang="es-ES" sz="2000" dirty="0" smtClean="0">
+                <a:latin typeface="Segoe UI" panose="020B0502040204020203" pitchFamily="34" charset="0"/>
+                <a:cs typeface="Segoe UI" panose="020B0502040204020203" pitchFamily="34" charset="0"/>
+              </a:rPr>
+              <a:t>1996: </a:t>
+            </a:r>
+            <a:r>
+              <a:rPr lang="es-ES" sz="2000" dirty="0">
+                <a:latin typeface="Segoe UI" panose="020B0502040204020203" pitchFamily="34" charset="0"/>
+                <a:cs typeface="Segoe UI" panose="020B0502040204020203" pitchFamily="34" charset="0"/>
+              </a:rPr>
+              <a:t>se promulgó en Estados Unidos la ley HIPAA (</a:t>
+            </a:r>
+            <a:r>
+              <a:rPr lang="es-ES" sz="2000" dirty="0" err="1">
+                <a:latin typeface="Segoe UI" panose="020B0502040204020203" pitchFamily="34" charset="0"/>
+                <a:cs typeface="Segoe UI" panose="020B0502040204020203" pitchFamily="34" charset="0"/>
+              </a:rPr>
+              <a:t>Health</a:t>
+            </a:r>
+            <a:r>
+              <a:rPr lang="es-ES" sz="2000" dirty="0">
+                <a:latin typeface="Segoe UI" panose="020B0502040204020203" pitchFamily="34" charset="0"/>
+                <a:cs typeface="Segoe UI" panose="020B0502040204020203" pitchFamily="34" charset="0"/>
+              </a:rPr>
+              <a:t> </a:t>
+            </a:r>
+            <a:r>
+              <a:rPr lang="es-ES" sz="2000" dirty="0" err="1">
+                <a:latin typeface="Segoe UI" panose="020B0502040204020203" pitchFamily="34" charset="0"/>
+                <a:cs typeface="Segoe UI" panose="020B0502040204020203" pitchFamily="34" charset="0"/>
+              </a:rPr>
+              <a:t>Insurance</a:t>
+            </a:r>
+            <a:r>
+              <a:rPr lang="es-ES" sz="2000" dirty="0">
+                <a:latin typeface="Segoe UI" panose="020B0502040204020203" pitchFamily="34" charset="0"/>
+                <a:cs typeface="Segoe UI" panose="020B0502040204020203" pitchFamily="34" charset="0"/>
+              </a:rPr>
+              <a:t> </a:t>
+            </a:r>
+            <a:r>
+              <a:rPr lang="es-ES" sz="2000" dirty="0" err="1" smtClean="0">
+                <a:latin typeface="Segoe UI" panose="020B0502040204020203" pitchFamily="34" charset="0"/>
+                <a:cs typeface="Segoe UI" panose="020B0502040204020203" pitchFamily="34" charset="0"/>
+              </a:rPr>
+              <a:t>Portability</a:t>
+            </a:r>
+            <a:r>
+              <a:rPr lang="es-ES" sz="2000" dirty="0" smtClean="0">
+                <a:latin typeface="Segoe UI" panose="020B0502040204020203" pitchFamily="34" charset="0"/>
+                <a:cs typeface="Segoe UI" panose="020B0502040204020203" pitchFamily="34" charset="0"/>
+              </a:rPr>
+              <a:t> </a:t>
+            </a:r>
+            <a:r>
+              <a:rPr lang="es-ES" sz="2000" dirty="0">
+                <a:latin typeface="Segoe UI" panose="020B0502040204020203" pitchFamily="34" charset="0"/>
+                <a:cs typeface="Segoe UI" panose="020B0502040204020203" pitchFamily="34" charset="0"/>
+              </a:rPr>
+              <a:t>and </a:t>
+            </a:r>
+            <a:r>
+              <a:rPr lang="es-ES" sz="2000" dirty="0" err="1">
+                <a:latin typeface="Segoe UI" panose="020B0502040204020203" pitchFamily="34" charset="0"/>
+                <a:cs typeface="Segoe UI" panose="020B0502040204020203" pitchFamily="34" charset="0"/>
+              </a:rPr>
+              <a:t>Accountability</a:t>
+            </a:r>
+            <a:r>
+              <a:rPr lang="es-ES" sz="2000" dirty="0">
+                <a:latin typeface="Segoe UI" panose="020B0502040204020203" pitchFamily="34" charset="0"/>
+                <a:cs typeface="Segoe UI" panose="020B0502040204020203" pitchFamily="34" charset="0"/>
+              </a:rPr>
+              <a:t> </a:t>
+            </a:r>
+            <a:r>
+              <a:rPr lang="es-ES" sz="2000" dirty="0" err="1">
+                <a:latin typeface="Segoe UI" panose="020B0502040204020203" pitchFamily="34" charset="0"/>
+                <a:cs typeface="Segoe UI" panose="020B0502040204020203" pitchFamily="34" charset="0"/>
+              </a:rPr>
+              <a:t>Act</a:t>
+            </a:r>
+            <a:r>
+              <a:rPr lang="es-ES" sz="2000" dirty="0">
+                <a:latin typeface="Segoe UI" panose="020B0502040204020203" pitchFamily="34" charset="0"/>
+                <a:cs typeface="Segoe UI" panose="020B0502040204020203" pitchFamily="34" charset="0"/>
+              </a:rPr>
+              <a:t>), cuyo objetivo es asegurar la privacidad de los pacientes y la seguridad de la información relacionada a </a:t>
+            </a:r>
+            <a:r>
+              <a:rPr lang="es-ES" sz="2000" dirty="0" smtClean="0">
+                <a:latin typeface="Segoe UI" panose="020B0502040204020203" pitchFamily="34" charset="0"/>
+                <a:cs typeface="Segoe UI" panose="020B0502040204020203" pitchFamily="34" charset="0"/>
+              </a:rPr>
+              <a:t>ellos. </a:t>
+            </a:r>
+            <a:r>
+              <a:rPr lang="es-ES" sz="2000" dirty="0">
+                <a:latin typeface="Segoe UI" panose="020B0502040204020203" pitchFamily="34" charset="0"/>
+                <a:cs typeface="Segoe UI" panose="020B0502040204020203" pitchFamily="34" charset="0"/>
+              </a:rPr>
+              <a:t>En el año 2004 se produjo el primer caso de violación a esta ley, cuando un empleado de una asociación de enfermos de cáncer utilizó información de pacientes para obtener tarjetas de crédito.</a:t>
+            </a:r>
+            <a:endParaRPr lang="es-ES" sz="2000" dirty="0" smtClean="0">
+              <a:latin typeface="Segoe UI" panose="020B0502040204020203" pitchFamily="34" charset="0"/>
+              <a:cs typeface="Segoe UI" panose="020B0502040204020203" pitchFamily="34" charset="0"/>
+            </a:endParaRPr>
+          </a:p>
+          <a:p>
+            <a:r>
+              <a:rPr lang="es-ES" sz="2000" dirty="0" smtClean="0">
+                <a:latin typeface="Segoe UI" panose="020B0502040204020203" pitchFamily="34" charset="0"/>
+                <a:cs typeface="Segoe UI" panose="020B0502040204020203" pitchFamily="34" charset="0"/>
+              </a:rPr>
+              <a:t>2010:  </a:t>
+            </a:r>
+            <a:r>
+              <a:rPr lang="es-ES" sz="2000" dirty="0">
+                <a:latin typeface="Segoe UI" panose="020B0502040204020203" pitchFamily="34" charset="0"/>
+                <a:cs typeface="Segoe UI" panose="020B0502040204020203" pitchFamily="34" charset="0"/>
+              </a:rPr>
+              <a:t>Google detectó que había sido víctima de un ataque desde China, que robó información de su propiedad intelectual. El ataque logró entrar a correos de un grupo de activistas chinos, así como también empresas financieras, tecnológicas, tecnológicas, y medios y químicos.</a:t>
+            </a:r>
+          </a:p>
+          <a:p>
+            <a:r>
+              <a:rPr lang="es-ES" sz="2000" dirty="0" smtClean="0">
+                <a:latin typeface="Segoe UI" panose="020B0502040204020203" pitchFamily="34" charset="0"/>
+                <a:cs typeface="Segoe UI" panose="020B0502040204020203" pitchFamily="34" charset="0"/>
+              </a:rPr>
+              <a:t>2014: </a:t>
+            </a:r>
+            <a:r>
+              <a:rPr lang="es-AR" sz="2000" dirty="0" smtClean="0">
+                <a:latin typeface="Segoe UI" panose="020B0502040204020203" pitchFamily="34" charset="0"/>
+                <a:cs typeface="Segoe UI" panose="020B0502040204020203" pitchFamily="34" charset="0"/>
+              </a:rPr>
+              <a:t>Edward </a:t>
+            </a:r>
+            <a:r>
+              <a:rPr lang="es-AR" sz="2000" dirty="0" err="1" smtClean="0">
+                <a:latin typeface="Segoe UI" panose="020B0502040204020203" pitchFamily="34" charset="0"/>
+                <a:cs typeface="Segoe UI" panose="020B0502040204020203" pitchFamily="34" charset="0"/>
+              </a:rPr>
+              <a:t>Snowden</a:t>
+            </a:r>
+            <a:r>
+              <a:rPr lang="es-AR" sz="2000" dirty="0" smtClean="0">
+                <a:latin typeface="Segoe UI" panose="020B0502040204020203" pitchFamily="34" charset="0"/>
+                <a:cs typeface="Segoe UI" panose="020B0502040204020203" pitchFamily="34" charset="0"/>
+              </a:rPr>
+              <a:t> revela cómo la Casa Blanca y sus organismos espían las comunicaciones en Internet. </a:t>
+            </a:r>
+            <a:r>
+              <a:rPr lang="es-AR" sz="2000" dirty="0" err="1" smtClean="0">
+                <a:latin typeface="Segoe UI" panose="020B0502040204020203" pitchFamily="34" charset="0"/>
+                <a:cs typeface="Segoe UI" panose="020B0502040204020203" pitchFamily="34" charset="0"/>
+              </a:rPr>
+              <a:t>Snowden</a:t>
+            </a:r>
+            <a:r>
+              <a:rPr lang="es-AR" sz="2000" dirty="0">
+                <a:latin typeface="Segoe UI" panose="020B0502040204020203" pitchFamily="34" charset="0"/>
+                <a:cs typeface="Segoe UI" panose="020B0502040204020203" pitchFamily="34" charset="0"/>
+              </a:rPr>
+              <a:t>, asilado político en Rusia, filtró documentos sobre las prácticas de espionaje del Gobierno empleando unidades de memoria USB (“</a:t>
+            </a:r>
+            <a:r>
+              <a:rPr lang="es-AR" sz="2000" dirty="0" err="1">
+                <a:latin typeface="Segoe UI" panose="020B0502040204020203" pitchFamily="34" charset="0"/>
+                <a:cs typeface="Segoe UI" panose="020B0502040204020203" pitchFamily="34" charset="0"/>
+              </a:rPr>
+              <a:t>pendrives</a:t>
+            </a:r>
+            <a:r>
+              <a:rPr lang="es-AR" sz="2000" dirty="0" smtClean="0">
+                <a:latin typeface="Segoe UI" panose="020B0502040204020203" pitchFamily="34" charset="0"/>
+                <a:cs typeface="Segoe UI" panose="020B0502040204020203" pitchFamily="34" charset="0"/>
+              </a:rPr>
+              <a:t>”).</a:t>
+            </a:r>
+            <a:endParaRPr lang="en-US" sz="2000" dirty="0">
+              <a:latin typeface="Segoe UI" panose="020B0502040204020203" pitchFamily="34" charset="0"/>
+              <a:cs typeface="Segoe UI" panose="020B0502040204020203" pitchFamily="34" charset="0"/>
+            </a:endParaRPr>
+          </a:p>
+        </p:txBody>
+      </p:sp>
     </p:spTree>
     <p:extLst>
       <p:ext uri="{BB962C8B-B14F-4D97-AF65-F5344CB8AC3E}">
-        <p14:creationId xmlns:p14="http://schemas.microsoft.com/office/powerpoint/2010/main" val="3374507202"/>
+        <p14:creationId xmlns:p14="http://schemas.microsoft.com/office/powerpoint/2010/main" val="659291744"/>
       </p:ext>
     </p:extLst>
   </p:cSld>
@@ -12992,7 +12026,7 @@
       </p:grpSpPr>
       <p:sp>
         <p:nvSpPr>
-          <p:cNvPr id="13" name="Title 12"/>
+          <p:cNvPr id="2" name="Title 1"/>
           <p:cNvSpPr>
             <a:spLocks noGrp="1"/>
           </p:cNvSpPr>
@@ -13006,110 +12040,23 @@
           <a:lstStyle/>
           <a:p>
             <a:r>
-              <a:rPr lang="en-US" spc="0" dirty="0" err="1">
-                <a:ln w="0"/>
-                <a:solidFill>
-                  <a:schemeClr val="accent1"/>
-                </a:solidFill>
-                <a:effectLst>
-                  <a:outerShdw blurRad="38100" dist="25400" dir="5400000" algn="ctr" rotWithShape="0">
-                    <a:srgbClr val="6E747A">
-                      <a:alpha val="43000"/>
-                    </a:srgbClr>
-                  </a:outerShdw>
-                </a:effectLst>
-                <a:latin typeface="Segoe UI" panose="020B0502040204020203" pitchFamily="34" charset="0"/>
-                <a:cs typeface="Segoe UI" panose="020B0502040204020203" pitchFamily="34" charset="0"/>
-              </a:rPr>
-              <a:t>Siglo</a:t>
-            </a:r>
-            <a:r>
-              <a:rPr lang="en-US" spc="0" dirty="0">
-                <a:ln w="0"/>
-                <a:solidFill>
-                  <a:schemeClr val="accent1"/>
-                </a:solidFill>
-                <a:effectLst>
-                  <a:outerShdw blurRad="38100" dist="25400" dir="5400000" algn="ctr" rotWithShape="0">
-                    <a:srgbClr val="6E747A">
-                      <a:alpha val="43000"/>
-                    </a:srgbClr>
-                  </a:outerShdw>
-                </a:effectLst>
-                <a:latin typeface="Segoe UI" panose="020B0502040204020203" pitchFamily="34" charset="0"/>
-                <a:cs typeface="Segoe UI" panose="020B0502040204020203" pitchFamily="34" charset="0"/>
-              </a:rPr>
-              <a:t> XXI – </a:t>
-            </a:r>
-            <a:r>
-              <a:rPr lang="en-US" spc="0" dirty="0" err="1" smtClean="0">
-                <a:ln w="0"/>
-                <a:solidFill>
-                  <a:schemeClr val="accent1"/>
-                </a:solidFill>
-                <a:effectLst>
-                  <a:outerShdw blurRad="38100" dist="25400" dir="5400000" algn="ctr" rotWithShape="0">
-                    <a:srgbClr val="6E747A">
-                      <a:alpha val="43000"/>
-                    </a:srgbClr>
-                  </a:outerShdw>
-                </a:effectLst>
-                <a:latin typeface="Segoe UI" panose="020B0502040204020203" pitchFamily="34" charset="0"/>
-                <a:cs typeface="Segoe UI" panose="020B0502040204020203" pitchFamily="34" charset="0"/>
-              </a:rPr>
-              <a:t>Riesgos</a:t>
-            </a:r>
-            <a:endParaRPr lang="en-US" spc="0" dirty="0">
-              <a:ln w="0"/>
-              <a:solidFill>
-                <a:schemeClr val="accent1"/>
-              </a:solidFill>
-              <a:effectLst>
-                <a:outerShdw blurRad="38100" dist="25400" dir="5400000" algn="ctr" rotWithShape="0">
-                  <a:srgbClr val="6E747A">
-                    <a:alpha val="43000"/>
-                  </a:srgbClr>
-                </a:outerShdw>
-              </a:effectLst>
+              <a:rPr lang="es-AR" dirty="0" smtClean="0">
+                <a:latin typeface="Segoe UI" panose="020B0502040204020203" pitchFamily="34" charset="0"/>
+                <a:cs typeface="Segoe UI" panose="020B0502040204020203" pitchFamily="34" charset="0"/>
+              </a:rPr>
+              <a:t>Conclusiones</a:t>
+            </a:r>
+            <a:endParaRPr lang="es-AR" dirty="0">
               <a:latin typeface="Segoe UI" panose="020B0502040204020203" pitchFamily="34" charset="0"/>
               <a:cs typeface="Segoe UI" panose="020B0502040204020203" pitchFamily="34" charset="0"/>
             </a:endParaRPr>
           </a:p>
         </p:txBody>
       </p:sp>
-      <p:sp>
-        <p:nvSpPr>
-          <p:cNvPr id="2" name="Content Placeholder 1"/>
-          <p:cNvSpPr>
-            <a:spLocks noGrp="1"/>
-          </p:cNvSpPr>
-          <p:nvPr>
-            <p:ph idx="1"/>
-          </p:nvPr>
-        </p:nvSpPr>
-        <p:spPr/>
-        <p:txBody>
-          <a:bodyPr/>
-          <a:lstStyle/>
-          <a:p>
-            <a:r>
-              <a:rPr lang="es-AR" dirty="0" smtClean="0">
-                <a:latin typeface="Segoe UI" panose="020B0502040204020203" pitchFamily="34" charset="0"/>
-                <a:cs typeface="Segoe UI" panose="020B0502040204020203" pitchFamily="34" charset="0"/>
-              </a:rPr>
-              <a:t>(COMPLETAR)</a:t>
-            </a:r>
-            <a:endParaRPr lang="en-US" dirty="0">
-              <a:latin typeface="Segoe UI" panose="020B0502040204020203" pitchFamily="34" charset="0"/>
-              <a:cs typeface="Segoe UI" panose="020B0502040204020203" pitchFamily="34" charset="0"/>
-            </a:endParaRPr>
-          </a:p>
-        </p:txBody>
-      </p:sp>
     </p:spTree>
     <p:extLst>
       <p:ext uri="{BB962C8B-B14F-4D97-AF65-F5344CB8AC3E}">
-        <p14:creationId xmlns:p14="http://schemas.microsoft.com/office/powerpoint/2010/main" val="2283345473"/>
+        <p14:creationId xmlns:p14="http://schemas.microsoft.com/office/powerpoint/2010/main" val="1539601608"/>
       </p:ext>
     </p:extLst>
   </p:cSld>
@@ -13157,7 +12104,7 @@
       </p:grpSpPr>
       <p:sp>
         <p:nvSpPr>
-          <p:cNvPr id="13" name="Title 12"/>
+          <p:cNvPr id="2" name="Title 1"/>
           <p:cNvSpPr>
             <a:spLocks noGrp="1"/>
           </p:cNvSpPr>
@@ -13171,123 +12118,37 @@
           <a:lstStyle/>
           <a:p>
             <a:r>
-              <a:rPr lang="en-US" spc="0" dirty="0" err="1">
-                <a:ln w="0"/>
-                <a:solidFill>
-                  <a:schemeClr val="accent1"/>
-                </a:solidFill>
+              <a:rPr lang="es-AR" b="1" spc="0" dirty="0" smtClean="0">
+                <a:ln w="9525">
+                  <a:solidFill>
+                    <a:schemeClr val="bg1"/>
+                  </a:solidFill>
+                  <a:prstDash val="solid"/>
+                </a:ln>
                 <a:effectLst>
-                  <a:outerShdw blurRad="38100" dist="25400" dir="5400000" algn="ctr" rotWithShape="0">
-                    <a:srgbClr val="6E747A">
-                      <a:alpha val="43000"/>
-                    </a:srgbClr>
+                  <a:outerShdw blurRad="12700" dist="38100" dir="2700000" algn="tl" rotWithShape="0">
+                    <a:schemeClr val="bg1">
+                      <a:lumMod val="50000"/>
+                    </a:schemeClr>
                   </a:outerShdw>
                 </a:effectLst>
                 <a:latin typeface="Segoe UI" panose="020B0502040204020203" pitchFamily="34" charset="0"/>
                 <a:cs typeface="Segoe UI" panose="020B0502040204020203" pitchFamily="34" charset="0"/>
               </a:rPr>
-              <a:t>Siglo</a:t>
-            </a:r>
-            <a:r>
-              <a:rPr lang="en-US" spc="0" dirty="0">
-                <a:ln w="0"/>
-                <a:solidFill>
-                  <a:schemeClr val="accent1"/>
-                </a:solidFill>
-                <a:effectLst>
-                  <a:outerShdw blurRad="38100" dist="25400" dir="5400000" algn="ctr" rotWithShape="0">
-                    <a:srgbClr val="6E747A">
-                      <a:alpha val="43000"/>
-                    </a:srgbClr>
-                  </a:outerShdw>
-                </a:effectLst>
-                <a:latin typeface="Segoe UI" panose="020B0502040204020203" pitchFamily="34" charset="0"/>
-                <a:cs typeface="Segoe UI" panose="020B0502040204020203" pitchFamily="34" charset="0"/>
-              </a:rPr>
-              <a:t> </a:t>
-            </a:r>
-            <a:r>
-              <a:rPr lang="en-US" spc="0" dirty="0" smtClean="0">
-                <a:ln w="0"/>
-                <a:solidFill>
-                  <a:schemeClr val="accent1"/>
-                </a:solidFill>
-                <a:effectLst>
-                  <a:outerShdw blurRad="38100" dist="25400" dir="5400000" algn="ctr" rotWithShape="0">
-                    <a:srgbClr val="6E747A">
-                      <a:alpha val="43000"/>
-                    </a:srgbClr>
-                  </a:outerShdw>
-                </a:effectLst>
-                <a:latin typeface="Segoe UI" panose="020B0502040204020203" pitchFamily="34" charset="0"/>
-                <a:cs typeface="Segoe UI" panose="020B0502040204020203" pitchFamily="34" charset="0"/>
-              </a:rPr>
-              <a:t>XXI – </a:t>
-            </a:r>
-            <a:r>
-              <a:rPr lang="en-US" spc="0" dirty="0" err="1" smtClean="0">
-                <a:ln w="0"/>
-                <a:solidFill>
-                  <a:schemeClr val="accent1"/>
-                </a:solidFill>
-                <a:effectLst>
-                  <a:outerShdw blurRad="38100" dist="25400" dir="5400000" algn="ctr" rotWithShape="0">
-                    <a:srgbClr val="6E747A">
-                      <a:alpha val="43000"/>
-                    </a:srgbClr>
-                  </a:outerShdw>
-                </a:effectLst>
-                <a:latin typeface="Segoe UI" panose="020B0502040204020203" pitchFamily="34" charset="0"/>
-                <a:cs typeface="Segoe UI" panose="020B0502040204020203" pitchFamily="34" charset="0"/>
-              </a:rPr>
-              <a:t>Casos</a:t>
-            </a:r>
-            <a:r>
-              <a:rPr lang="en-US" spc="0" dirty="0" smtClean="0">
-                <a:ln w="0"/>
-                <a:solidFill>
-                  <a:schemeClr val="accent1"/>
-                </a:solidFill>
-                <a:effectLst>
-                  <a:outerShdw blurRad="38100" dist="25400" dir="5400000" algn="ctr" rotWithShape="0">
-                    <a:srgbClr val="6E747A">
-                      <a:alpha val="43000"/>
-                    </a:srgbClr>
-                  </a:outerShdw>
-                </a:effectLst>
-                <a:latin typeface="Segoe UI" panose="020B0502040204020203" pitchFamily="34" charset="0"/>
-                <a:cs typeface="Segoe UI" panose="020B0502040204020203" pitchFamily="34" charset="0"/>
-              </a:rPr>
-              <a:t> </a:t>
-            </a:r>
-            <a:r>
-              <a:rPr lang="en-US" spc="0" dirty="0" err="1" smtClean="0">
-                <a:ln w="0"/>
-                <a:solidFill>
-                  <a:schemeClr val="accent1"/>
-                </a:solidFill>
-                <a:effectLst>
-                  <a:outerShdw blurRad="38100" dist="25400" dir="5400000" algn="ctr" rotWithShape="0">
-                    <a:srgbClr val="6E747A">
-                      <a:alpha val="43000"/>
-                    </a:srgbClr>
-                  </a:outerShdw>
-                </a:effectLst>
-                <a:latin typeface="Segoe UI" panose="020B0502040204020203" pitchFamily="34" charset="0"/>
-                <a:cs typeface="Segoe UI" panose="020B0502040204020203" pitchFamily="34" charset="0"/>
-              </a:rPr>
-              <a:t>reales</a:t>
-            </a:r>
-            <a:endParaRPr lang="en-US" spc="0" dirty="0">
-              <a:ln w="0"/>
-              <a:solidFill>
-                <a:schemeClr val="accent1"/>
-              </a:solidFill>
+              <a:t>Conclusiones</a:t>
+            </a:r>
+            <a:endParaRPr lang="es-AR" b="1" spc="0" dirty="0">
+              <a:ln w="9525">
+                <a:solidFill>
+                  <a:schemeClr val="bg1"/>
+                </a:solidFill>
+                <a:prstDash val="solid"/>
+              </a:ln>
               <a:effectLst>
-                <a:outerShdw blurRad="38100" dist="25400" dir="5400000" algn="ctr" rotWithShape="0">
-                  <a:srgbClr val="6E747A">
-                    <a:alpha val="43000"/>
-                  </a:srgbClr>
+                <a:outerShdw blurRad="12700" dist="38100" dir="2700000" algn="tl" rotWithShape="0">
+                  <a:schemeClr val="bg1">
+                    <a:lumMod val="50000"/>
+                  </a:schemeClr>
                 </a:outerShdw>
               </a:effectLst>
               <a:latin typeface="Segoe UI" panose="020B0502040204020203" pitchFamily="34" charset="0"/>
@@ -13298,7 +12159,7 @@
       </p:sp>
       <p:sp>
         <p:nvSpPr>
-          <p:cNvPr id="2" name="Content Placeholder 1"/>
+          <p:cNvPr id="3" name="Content Placeholder 2"/>
           <p:cNvSpPr>
             <a:spLocks noGrp="1"/>
           </p:cNvSpPr>
@@ -13309,194 +12170,50 @@
         <p:spPr/>
         <p:txBody>
           <a:bodyPr>
-            <a:noAutofit/>
+            <a:normAutofit lnSpcReduction="10000"/>
           </a:bodyPr>
           <a:lstStyle/>
           <a:p>
-            <a:r>
-              <a:rPr lang="es-ES" sz="2000" dirty="0" smtClean="0">
-                <a:latin typeface="Segoe UI" panose="020B0502040204020203" pitchFamily="34" charset="0"/>
-                <a:cs typeface="Segoe UI" panose="020B0502040204020203" pitchFamily="34" charset="0"/>
-              </a:rPr>
-              <a:t>1996: </a:t>
-            </a:r>
-            <a:r>
-              <a:rPr lang="es-ES" sz="2000" dirty="0">
-                <a:latin typeface="Segoe UI" panose="020B0502040204020203" pitchFamily="34" charset="0"/>
-                <a:cs typeface="Segoe UI" panose="020B0502040204020203" pitchFamily="34" charset="0"/>
-              </a:rPr>
-              <a:t>se promulgó en Estados Unidos la ley HIPAA (</a:t>
-            </a:r>
-            <a:r>
-              <a:rPr lang="es-ES" sz="2000" dirty="0" err="1">
-                <a:latin typeface="Segoe UI" panose="020B0502040204020203" pitchFamily="34" charset="0"/>
-                <a:cs typeface="Segoe UI" panose="020B0502040204020203" pitchFamily="34" charset="0"/>
-              </a:rPr>
-              <a:t>Health</a:t>
-            </a:r>
-            <a:r>
-              <a:rPr lang="es-ES" sz="2000" dirty="0">
-                <a:latin typeface="Segoe UI" panose="020B0502040204020203" pitchFamily="34" charset="0"/>
-                <a:cs typeface="Segoe UI" panose="020B0502040204020203" pitchFamily="34" charset="0"/>
-              </a:rPr>
-              <a:t> </a:t>
-            </a:r>
-            <a:r>
-              <a:rPr lang="es-ES" sz="2000" dirty="0" err="1">
-                <a:latin typeface="Segoe UI" panose="020B0502040204020203" pitchFamily="34" charset="0"/>
-                <a:cs typeface="Segoe UI" panose="020B0502040204020203" pitchFamily="34" charset="0"/>
-              </a:rPr>
-              <a:t>Insurance</a:t>
-            </a:r>
-            <a:r>
-              <a:rPr lang="es-ES" sz="2000" dirty="0">
-                <a:latin typeface="Segoe UI" panose="020B0502040204020203" pitchFamily="34" charset="0"/>
-                <a:cs typeface="Segoe UI" panose="020B0502040204020203" pitchFamily="34" charset="0"/>
-              </a:rPr>
-              <a:t> </a:t>
-            </a:r>
-            <a:r>
-              <a:rPr lang="es-ES" sz="2000" dirty="0" err="1" smtClean="0">
-                <a:latin typeface="Segoe UI" panose="020B0502040204020203" pitchFamily="34" charset="0"/>
-                <a:cs typeface="Segoe UI" panose="020B0502040204020203" pitchFamily="34" charset="0"/>
-              </a:rPr>
-              <a:t>Portability</a:t>
-            </a:r>
-            <a:r>
-              <a:rPr lang="es-ES" sz="2000" dirty="0" smtClean="0">
-                <a:latin typeface="Segoe UI" panose="020B0502040204020203" pitchFamily="34" charset="0"/>
-                <a:cs typeface="Segoe UI" panose="020B0502040204020203" pitchFamily="34" charset="0"/>
-              </a:rPr>
-              <a:t> </a:t>
-            </a:r>
-            <a:r>
-              <a:rPr lang="es-ES" sz="2000" dirty="0">
-                <a:latin typeface="Segoe UI" panose="020B0502040204020203" pitchFamily="34" charset="0"/>
-                <a:cs typeface="Segoe UI" panose="020B0502040204020203" pitchFamily="34" charset="0"/>
-              </a:rPr>
-              <a:t>and </a:t>
-            </a:r>
-            <a:r>
-              <a:rPr lang="es-ES" sz="2000" dirty="0" err="1">
-                <a:latin typeface="Segoe UI" panose="020B0502040204020203" pitchFamily="34" charset="0"/>
-                <a:cs typeface="Segoe UI" panose="020B0502040204020203" pitchFamily="34" charset="0"/>
-              </a:rPr>
-              <a:t>Accountability</a:t>
-            </a:r>
-            <a:r>
-              <a:rPr lang="es-ES" sz="2000" dirty="0">
-                <a:latin typeface="Segoe UI" panose="020B0502040204020203" pitchFamily="34" charset="0"/>
-                <a:cs typeface="Segoe UI" panose="020B0502040204020203" pitchFamily="34" charset="0"/>
-              </a:rPr>
-              <a:t> </a:t>
-            </a:r>
-            <a:r>
-              <a:rPr lang="es-ES" sz="2000" dirty="0" err="1">
-                <a:latin typeface="Segoe UI" panose="020B0502040204020203" pitchFamily="34" charset="0"/>
-                <a:cs typeface="Segoe UI" panose="020B0502040204020203" pitchFamily="34" charset="0"/>
-              </a:rPr>
-              <a:t>Act</a:t>
-            </a:r>
-            <a:r>
-              <a:rPr lang="es-ES" sz="2000" dirty="0">
-                <a:latin typeface="Segoe UI" panose="020B0502040204020203" pitchFamily="34" charset="0"/>
-                <a:cs typeface="Segoe UI" panose="020B0502040204020203" pitchFamily="34" charset="0"/>
-              </a:rPr>
-              <a:t>), cuyo objetivo es asegurar la privacidad de los pacientes y la seguridad de la información relacionada a </a:t>
-            </a:r>
-            <a:r>
-              <a:rPr lang="es-ES" sz="2000" dirty="0" smtClean="0">
-                <a:latin typeface="Segoe UI" panose="020B0502040204020203" pitchFamily="34" charset="0"/>
-                <a:cs typeface="Segoe UI" panose="020B0502040204020203" pitchFamily="34" charset="0"/>
-              </a:rPr>
-              <a:t>ellos. </a:t>
-            </a:r>
-            <a:r>
-              <a:rPr lang="es-ES" sz="2000" dirty="0">
-                <a:latin typeface="Segoe UI" panose="020B0502040204020203" pitchFamily="34" charset="0"/>
-                <a:cs typeface="Segoe UI" panose="020B0502040204020203" pitchFamily="34" charset="0"/>
-              </a:rPr>
-              <a:t>En el año 2004 se produjo el primer caso de violación a esta ley, cuando un empleado de una asociación de enfermos de cáncer utilizó información de pacientes para obtener tarjetas de crédito.</a:t>
-            </a:r>
-            <a:endParaRPr lang="es-ES" sz="2000" dirty="0" smtClean="0">
+            <a:pPr marL="342900" indent="-342900">
+              <a:lnSpc>
+                <a:spcPct val="150000"/>
+              </a:lnSpc>
+            </a:pPr>
+            <a:r>
+              <a:rPr lang="es-AR" dirty="0" smtClean="0">
+                <a:latin typeface="Segoe UI" panose="020B0502040204020203" pitchFamily="34" charset="0"/>
+                <a:cs typeface="Segoe UI" panose="020B0502040204020203" pitchFamily="34" charset="0"/>
+              </a:rPr>
+              <a:t>La amenaza más grande para las organizaciones probablemente no sean los ataques de terceros, ni los empleados maliciosos, sino los empleados descuidados que de forma inintencionada divulgan información sensible</a:t>
+            </a:r>
+          </a:p>
+          <a:p>
+            <a:pPr marL="342900" indent="-342900">
+              <a:lnSpc>
+                <a:spcPct val="150000"/>
+              </a:lnSpc>
+            </a:pPr>
+            <a:r>
+              <a:rPr lang="es-AR" dirty="0" smtClean="0">
+                <a:latin typeface="Segoe UI" panose="020B0502040204020203" pitchFamily="34" charset="0"/>
+                <a:cs typeface="Segoe UI" panose="020B0502040204020203" pitchFamily="34" charset="0"/>
+              </a:rPr>
+              <a:t>Una combinación de protección tecnológica, políticas y procedimientos actualizados, y educación de los usuarios deberían contribuir a paliar los efectos que causan estas fugas</a:t>
+            </a:r>
+          </a:p>
+          <a:p>
+            <a:pPr>
+              <a:lnSpc>
+                <a:spcPct val="150000"/>
+              </a:lnSpc>
+            </a:pPr>
+            <a:endParaRPr lang="es-AR" dirty="0" smtClean="0">
               <a:latin typeface="Segoe UI" panose="020B0502040204020203" pitchFamily="34" charset="0"/>
               <a:cs typeface="Segoe UI" panose="020B0502040204020203" pitchFamily="34" charset="0"/>
             </a:endParaRPr>
           </a:p>
           <a:p>
-            <a:r>
-              <a:rPr lang="es-ES" sz="2000" dirty="0" smtClean="0">
-                <a:latin typeface="Segoe UI" panose="020B0502040204020203" pitchFamily="34" charset="0"/>
-                <a:cs typeface="Segoe UI" panose="020B0502040204020203" pitchFamily="34" charset="0"/>
-              </a:rPr>
-              <a:t>2010:  </a:t>
-            </a:r>
-            <a:r>
-              <a:rPr lang="es-ES" sz="2000" dirty="0">
-                <a:latin typeface="Segoe UI" panose="020B0502040204020203" pitchFamily="34" charset="0"/>
-                <a:cs typeface="Segoe UI" panose="020B0502040204020203" pitchFamily="34" charset="0"/>
-              </a:rPr>
-              <a:t>Google detectó que había sido víctima de un ataque desde China, que robó información de su propiedad intelectual. El ataque logró entrar a correos de un grupo de activistas chinos, así como también empresas financieras, tecnológicas, tecnológicas, y medios y químicos.</a:t>
-            </a:r>
-          </a:p>
-          <a:p>
-            <a:r>
-              <a:rPr lang="es-ES" sz="2000" dirty="0" smtClean="0">
-                <a:latin typeface="Segoe UI" panose="020B0502040204020203" pitchFamily="34" charset="0"/>
-                <a:cs typeface="Segoe UI" panose="020B0502040204020203" pitchFamily="34" charset="0"/>
-              </a:rPr>
-              <a:t>2014: </a:t>
-            </a:r>
-            <a:r>
-              <a:rPr lang="es-AR" sz="2000" dirty="0" smtClean="0">
-                <a:latin typeface="Segoe UI" panose="020B0502040204020203" pitchFamily="34" charset="0"/>
-                <a:cs typeface="Segoe UI" panose="020B0502040204020203" pitchFamily="34" charset="0"/>
-              </a:rPr>
-              <a:t>Edward </a:t>
-            </a:r>
-            <a:r>
-              <a:rPr lang="es-AR" sz="2000" dirty="0" err="1" smtClean="0">
-                <a:latin typeface="Segoe UI" panose="020B0502040204020203" pitchFamily="34" charset="0"/>
-                <a:cs typeface="Segoe UI" panose="020B0502040204020203" pitchFamily="34" charset="0"/>
-              </a:rPr>
-              <a:t>Snowden</a:t>
-            </a:r>
-            <a:r>
-              <a:rPr lang="es-AR" sz="2000" dirty="0" smtClean="0">
-                <a:latin typeface="Segoe UI" panose="020B0502040204020203" pitchFamily="34" charset="0"/>
-                <a:cs typeface="Segoe UI" panose="020B0502040204020203" pitchFamily="34" charset="0"/>
-              </a:rPr>
-              <a:t> revela cómo la Casa Blanca y sus organismos espían las comunicaciones en Internet. </a:t>
-            </a:r>
-            <a:r>
-              <a:rPr lang="es-AR" sz="2000" dirty="0" err="1" smtClean="0">
-                <a:latin typeface="Segoe UI" panose="020B0502040204020203" pitchFamily="34" charset="0"/>
-                <a:cs typeface="Segoe UI" panose="020B0502040204020203" pitchFamily="34" charset="0"/>
-              </a:rPr>
-              <a:t>Snowden</a:t>
-            </a:r>
-            <a:r>
-              <a:rPr lang="es-AR" sz="2000" dirty="0">
-                <a:latin typeface="Segoe UI" panose="020B0502040204020203" pitchFamily="34" charset="0"/>
-                <a:cs typeface="Segoe UI" panose="020B0502040204020203" pitchFamily="34" charset="0"/>
-              </a:rPr>
-              <a:t>, asilado político en Rusia, filtró documentos sobre las prácticas de espionaje del Gobierno empleando unidades de memoria USB (“</a:t>
-            </a:r>
-            <a:r>
-              <a:rPr lang="es-AR" sz="2000" dirty="0" err="1">
-                <a:latin typeface="Segoe UI" panose="020B0502040204020203" pitchFamily="34" charset="0"/>
-                <a:cs typeface="Segoe UI" panose="020B0502040204020203" pitchFamily="34" charset="0"/>
-              </a:rPr>
-              <a:t>pendrives</a:t>
-            </a:r>
-            <a:r>
-              <a:rPr lang="es-AR" sz="2000" dirty="0" smtClean="0">
-                <a:latin typeface="Segoe UI" panose="020B0502040204020203" pitchFamily="34" charset="0"/>
-                <a:cs typeface="Segoe UI" panose="020B0502040204020203" pitchFamily="34" charset="0"/>
-              </a:rPr>
-              <a:t>”).</a:t>
-            </a:r>
-            <a:endParaRPr lang="en-US" sz="2000" dirty="0">
+            <a:endParaRPr lang="es-AR" dirty="0">
               <a:latin typeface="Segoe UI" panose="020B0502040204020203" pitchFamily="34" charset="0"/>
               <a:cs typeface="Segoe UI" panose="020B0502040204020203" pitchFamily="34" charset="0"/>
             </a:endParaRPr>
@@ -13506,7 +12223,7 @@
     </p:spTree>
     <p:extLst>
       <p:ext uri="{BB962C8B-B14F-4D97-AF65-F5344CB8AC3E}">
-        <p14:creationId xmlns:p14="http://schemas.microsoft.com/office/powerpoint/2010/main" val="659291744"/>
+        <p14:creationId xmlns:p14="http://schemas.microsoft.com/office/powerpoint/2010/main" val="3280227416"/>
       </p:ext>
     </p:extLst>
   </p:cSld>
@@ -13585,7 +12302,7 @@
                 <a:latin typeface="Segoe UI" panose="020B0502040204020203" pitchFamily="34" charset="0"/>
                 <a:cs typeface="Segoe UI" panose="020B0502040204020203" pitchFamily="34" charset="0"/>
               </a:rPr>
-              <a:t>Conclusiones</a:t>
+              <a:t>Conclusiones (cont.)</a:t>
             </a:r>
             <a:endParaRPr lang="es-AR" b="1" spc="0" dirty="0">
               <a:ln w="9525">
@@ -13620,7 +12337,7 @@
         <p:spPr/>
         <p:txBody>
           <a:bodyPr>
-            <a:normAutofit lnSpcReduction="10000"/>
+            <a:normAutofit fontScale="77500" lnSpcReduction="20000"/>
           </a:bodyPr>
           <a:lstStyle/>
           <a:p>
@@ -13630,11 +12347,91 @@
               </a:lnSpc>
             </a:pPr>
             <a:r>
-              <a:rPr lang="es-AR" dirty="0" smtClean="0">
-                <a:latin typeface="Segoe UI" panose="020B0502040204020203" pitchFamily="34" charset="0"/>
-                <a:cs typeface="Segoe UI" panose="020B0502040204020203" pitchFamily="34" charset="0"/>
-              </a:rPr>
-              <a:t>La amenaza más grande para las organizaciones probablemente no sean los ataques de terceros, ni los empleados maliciosos, sino los empleados descuidados que de forma inintencionada divulgan información sensible</a:t>
+              <a:rPr lang="es-AR" dirty="0">
+                <a:latin typeface="Segoe UI" panose="020B0502040204020203" pitchFamily="34" charset="0"/>
+                <a:cs typeface="Segoe UI" panose="020B0502040204020203" pitchFamily="34" charset="0"/>
+              </a:rPr>
+              <a:t>Procedimiento básico para desarrollar una estrategia de protección: </a:t>
+            </a:r>
+          </a:p>
+          <a:p>
+            <a:pPr marL="800100" lvl="1" indent="-342900">
+              <a:lnSpc>
+                <a:spcPct val="150000"/>
+              </a:lnSpc>
+              <a:buFont typeface="Wingdings" panose="05000000000000000000" pitchFamily="2" charset="2"/>
+              <a:buChar char="ü"/>
+            </a:pPr>
+            <a:r>
+              <a:rPr lang="es-AR" sz="2400" dirty="0">
+                <a:latin typeface="Segoe UI" panose="020B0502040204020203" pitchFamily="34" charset="0"/>
+                <a:cs typeface="Segoe UI" panose="020B0502040204020203" pitchFamily="34" charset="0"/>
+              </a:rPr>
+              <a:t>Clasificar la información a proteger</a:t>
+            </a:r>
+          </a:p>
+          <a:p>
+            <a:pPr marL="800100" lvl="1" indent="-342900">
+              <a:lnSpc>
+                <a:spcPct val="150000"/>
+              </a:lnSpc>
+              <a:buFont typeface="Wingdings" panose="05000000000000000000" pitchFamily="2" charset="2"/>
+              <a:buChar char="ü"/>
+            </a:pPr>
+            <a:r>
+              <a:rPr lang="es-AR" sz="2400" dirty="0">
+                <a:latin typeface="Segoe UI" panose="020B0502040204020203" pitchFamily="34" charset="0"/>
+                <a:cs typeface="Segoe UI" panose="020B0502040204020203" pitchFamily="34" charset="0"/>
+              </a:rPr>
+              <a:t>Entender los datos que se manejan </a:t>
+            </a:r>
+          </a:p>
+          <a:p>
+            <a:pPr marL="800100" lvl="1" indent="-342900">
+              <a:lnSpc>
+                <a:spcPct val="150000"/>
+              </a:lnSpc>
+              <a:buFont typeface="Wingdings" panose="05000000000000000000" pitchFamily="2" charset="2"/>
+              <a:buChar char="ü"/>
+            </a:pPr>
+            <a:r>
+              <a:rPr lang="es-AR" sz="2400" dirty="0">
+                <a:latin typeface="Segoe UI" panose="020B0502040204020203" pitchFamily="34" charset="0"/>
+                <a:cs typeface="Segoe UI" panose="020B0502040204020203" pitchFamily="34" charset="0"/>
+              </a:rPr>
+              <a:t>Establecer políticas sobre el manejo de la información</a:t>
+            </a:r>
+          </a:p>
+          <a:p>
+            <a:pPr marL="800100" lvl="1" indent="-342900">
+              <a:lnSpc>
+                <a:spcPct val="150000"/>
+              </a:lnSpc>
+              <a:buFont typeface="Wingdings" panose="05000000000000000000" pitchFamily="2" charset="2"/>
+              <a:buChar char="ü"/>
+            </a:pPr>
+            <a:r>
+              <a:rPr lang="es-AR" sz="2400" dirty="0">
+                <a:latin typeface="Segoe UI" panose="020B0502040204020203" pitchFamily="34" charset="0"/>
+                <a:cs typeface="Segoe UI" panose="020B0502040204020203" pitchFamily="34" charset="0"/>
+              </a:rPr>
+              <a:t>Capacitar al personal en las herramientas </a:t>
+            </a:r>
+          </a:p>
+          <a:p>
+            <a:pPr marL="800100" lvl="1" indent="-342900">
+              <a:lnSpc>
+                <a:spcPct val="150000"/>
+              </a:lnSpc>
+              <a:buFont typeface="Wingdings" panose="05000000000000000000" pitchFamily="2" charset="2"/>
+              <a:buChar char="ü"/>
+            </a:pPr>
+            <a:r>
+              <a:rPr lang="es-AR" sz="2400" dirty="0">
+                <a:latin typeface="Segoe UI" panose="020B0502040204020203" pitchFamily="34" charset="0"/>
+                <a:cs typeface="Segoe UI" panose="020B0502040204020203" pitchFamily="34" charset="0"/>
+              </a:rPr>
+              <a:t>Implementar seguridad a nivel físico</a:t>
             </a:r>
           </a:p>
           <a:p>
@@ -13644,25 +12441,19 @@
               </a:lnSpc>
             </a:pPr>
             <a:r>
+              <a:rPr lang="es-AR" dirty="0">
+                <a:latin typeface="Segoe UI" panose="020B0502040204020203" pitchFamily="34" charset="0"/>
+                <a:cs typeface="Segoe UI" panose="020B0502040204020203" pitchFamily="34" charset="0"/>
+              </a:rPr>
+              <a:t>No debe olvidarse de ejecutar revisiones periódicas, para mantener las políticas actualizadas y en conformidad con los requisitos y las tendencias </a:t>
+            </a:r>
+            <a:r>
               <a:rPr lang="es-AR" dirty="0" smtClean="0">
                 <a:latin typeface="Segoe UI" panose="020B0502040204020203" pitchFamily="34" charset="0"/>
                 <a:cs typeface="Segoe UI" panose="020B0502040204020203" pitchFamily="34" charset="0"/>
               </a:rPr>
-              <a:t>Una combinación de protección tecnológica, políticas y procedimientos actualizados, y educación de los usuarios deberían contribuir a paliar los efectos que causan estas fugas</a:t>
-            </a:r>
-          </a:p>
-          <a:p>
-            <a:pPr>
-              <a:lnSpc>
-                <a:spcPct val="150000"/>
-              </a:lnSpc>
-            </a:pPr>
-            <a:endParaRPr lang="es-AR" dirty="0" smtClean="0">
-              <a:latin typeface="Segoe UI" panose="020B0502040204020203" pitchFamily="34" charset="0"/>
-              <a:cs typeface="Segoe UI" panose="020B0502040204020203" pitchFamily="34" charset="0"/>
-            </a:endParaRPr>
-          </a:p>
-          <a:p>
+              <a:t>tecnológicas </a:t>
+            </a:r>
             <a:endParaRPr lang="es-AR" dirty="0">
               <a:latin typeface="Segoe UI" panose="020B0502040204020203" pitchFamily="34" charset="0"/>
               <a:cs typeface="Segoe UI" panose="020B0502040204020203" pitchFamily="34" charset="0"/>
@@ -13673,20 +12464,20 @@
     </p:spTree>
     <p:extLst>
       <p:ext uri="{BB962C8B-B14F-4D97-AF65-F5344CB8AC3E}">
-        <p14:creationId xmlns:p14="http://schemas.microsoft.com/office/powerpoint/2010/main" val="3280227416"/>
+        <p14:creationId xmlns:p14="http://schemas.microsoft.com/office/powerpoint/2010/main" val="3816537714"/>
       </p:ext>
     </p:extLst>
   </p:cSld>
   <p:clrMapOvr>
     <a:masterClrMapping/>
   </p:clrMapOvr>
-  <mc:AlternateContent xmlns:mc="http://schemas.openxmlformats.org/markup-compatibility/2006">
-    <mc:Choice xmlns:p14="http://schemas.microsoft.com/office/powerpoint/2010/main" Requires="p14">
+  <mc:AlternateContent xmlns:mc="http://schemas.openxmlformats.org/markup-compatibility/2006" xmlns:p14="http://schemas.microsoft.com/office/powerpoint/2010/main">
+    <mc:Choice Requires="p14">
       <p:transition spd="med" p14:dur="700">
         <p:fade/>
       </p:transition>
     </mc:Choice>
-    <mc:Fallback>
+    <mc:Fallback xmlns="">
       <p:transition spd="med">
         <p:fade/>
       </p:transition>
@@ -13787,247 +12578,6 @@
         <p:spPr/>
         <p:txBody>
           <a:bodyPr>
-            <a:normAutofit fontScale="77500" lnSpcReduction="20000"/>
-          </a:bodyPr>
-          <a:lstStyle/>
-          <a:p>
-            <a:pPr marL="342900" indent="-342900">
-              <a:lnSpc>
-                <a:spcPct val="150000"/>
-              </a:lnSpc>
-            </a:pPr>
-            <a:r>
-              <a:rPr lang="es-AR" dirty="0">
-                <a:latin typeface="Segoe UI" panose="020B0502040204020203" pitchFamily="34" charset="0"/>
-                <a:cs typeface="Segoe UI" panose="020B0502040204020203" pitchFamily="34" charset="0"/>
-              </a:rPr>
-              <a:t>Procedimiento básico para desarrollar una estrategia de protección: </a:t>
-            </a:r>
-          </a:p>
-          <a:p>
-            <a:pPr marL="800100" lvl="1" indent="-342900">
-              <a:lnSpc>
-                <a:spcPct val="150000"/>
-              </a:lnSpc>
-              <a:buFont typeface="Wingdings" panose="05000000000000000000" pitchFamily="2" charset="2"/>
-              <a:buChar char="ü"/>
-            </a:pPr>
-            <a:r>
-              <a:rPr lang="es-AR" sz="2400" dirty="0">
-                <a:latin typeface="Segoe UI" panose="020B0502040204020203" pitchFamily="34" charset="0"/>
-                <a:cs typeface="Segoe UI" panose="020B0502040204020203" pitchFamily="34" charset="0"/>
-              </a:rPr>
-              <a:t>Clasificar la información a proteger</a:t>
-            </a:r>
-          </a:p>
-          <a:p>
-            <a:pPr marL="800100" lvl="1" indent="-342900">
-              <a:lnSpc>
-                <a:spcPct val="150000"/>
-              </a:lnSpc>
-              <a:buFont typeface="Wingdings" panose="05000000000000000000" pitchFamily="2" charset="2"/>
-              <a:buChar char="ü"/>
-            </a:pPr>
-            <a:r>
-              <a:rPr lang="es-AR" sz="2400" dirty="0">
-                <a:latin typeface="Segoe UI" panose="020B0502040204020203" pitchFamily="34" charset="0"/>
-                <a:cs typeface="Segoe UI" panose="020B0502040204020203" pitchFamily="34" charset="0"/>
-              </a:rPr>
-              <a:t>Entender los datos que se manejan </a:t>
-            </a:r>
-          </a:p>
-          <a:p>
-            <a:pPr marL="800100" lvl="1" indent="-342900">
-              <a:lnSpc>
-                <a:spcPct val="150000"/>
-              </a:lnSpc>
-              <a:buFont typeface="Wingdings" panose="05000000000000000000" pitchFamily="2" charset="2"/>
-              <a:buChar char="ü"/>
-            </a:pPr>
-            <a:r>
-              <a:rPr lang="es-AR" sz="2400" dirty="0">
-                <a:latin typeface="Segoe UI" panose="020B0502040204020203" pitchFamily="34" charset="0"/>
-                <a:cs typeface="Segoe UI" panose="020B0502040204020203" pitchFamily="34" charset="0"/>
-              </a:rPr>
-              <a:t>Establecer políticas sobre el manejo de la información</a:t>
-            </a:r>
-          </a:p>
-          <a:p>
-            <a:pPr marL="800100" lvl="1" indent="-342900">
-              <a:lnSpc>
-                <a:spcPct val="150000"/>
-              </a:lnSpc>
-              <a:buFont typeface="Wingdings" panose="05000000000000000000" pitchFamily="2" charset="2"/>
-              <a:buChar char="ü"/>
-            </a:pPr>
-            <a:r>
-              <a:rPr lang="es-AR" sz="2400" dirty="0">
-                <a:latin typeface="Segoe UI" panose="020B0502040204020203" pitchFamily="34" charset="0"/>
-                <a:cs typeface="Segoe UI" panose="020B0502040204020203" pitchFamily="34" charset="0"/>
-              </a:rPr>
-              <a:t>Capacitar al personal en las herramientas </a:t>
-            </a:r>
-          </a:p>
-          <a:p>
-            <a:pPr marL="800100" lvl="1" indent="-342900">
-              <a:lnSpc>
-                <a:spcPct val="150000"/>
-              </a:lnSpc>
-              <a:buFont typeface="Wingdings" panose="05000000000000000000" pitchFamily="2" charset="2"/>
-              <a:buChar char="ü"/>
-            </a:pPr>
-            <a:r>
-              <a:rPr lang="es-AR" sz="2400" dirty="0">
-                <a:latin typeface="Segoe UI" panose="020B0502040204020203" pitchFamily="34" charset="0"/>
-                <a:cs typeface="Segoe UI" panose="020B0502040204020203" pitchFamily="34" charset="0"/>
-              </a:rPr>
-              <a:t>Implementar seguridad a nivel físico</a:t>
-            </a:r>
-          </a:p>
-          <a:p>
-            <a:pPr marL="342900" indent="-342900">
-              <a:lnSpc>
-                <a:spcPct val="150000"/>
-              </a:lnSpc>
-            </a:pPr>
-            <a:r>
-              <a:rPr lang="es-AR" dirty="0">
-                <a:latin typeface="Segoe UI" panose="020B0502040204020203" pitchFamily="34" charset="0"/>
-                <a:cs typeface="Segoe UI" panose="020B0502040204020203" pitchFamily="34" charset="0"/>
-              </a:rPr>
-              <a:t>No debe olvidarse de ejecutar revisiones periódicas, para mantener las políticas actualizadas y en conformidad con los requisitos y las tendencias </a:t>
-            </a:r>
-            <a:r>
-              <a:rPr lang="es-AR" dirty="0" smtClean="0">
-                <a:latin typeface="Segoe UI" panose="020B0502040204020203" pitchFamily="34" charset="0"/>
-                <a:cs typeface="Segoe UI" panose="020B0502040204020203" pitchFamily="34" charset="0"/>
-              </a:rPr>
-              <a:t>tecnológicas </a:t>
-            </a:r>
-            <a:endParaRPr lang="es-AR" dirty="0">
-              <a:latin typeface="Segoe UI" panose="020B0502040204020203" pitchFamily="34" charset="0"/>
-              <a:cs typeface="Segoe UI" panose="020B0502040204020203" pitchFamily="34" charset="0"/>
-            </a:endParaRPr>
-          </a:p>
-        </p:txBody>
-      </p:sp>
-    </p:spTree>
-    <p:extLst>
-      <p:ext uri="{BB962C8B-B14F-4D97-AF65-F5344CB8AC3E}">
-        <p14:creationId xmlns:p14="http://schemas.microsoft.com/office/powerpoint/2010/main" val="3816537714"/>
-      </p:ext>
-    </p:extLst>
-  </p:cSld>
-  <p:clrMapOvr>
-    <a:masterClrMapping/>
-  </p:clrMapOvr>
-  <mc:AlternateContent xmlns:mc="http://schemas.openxmlformats.org/markup-compatibility/2006" xmlns:p14="http://schemas.microsoft.com/office/powerpoint/2010/main">
-    <mc:Choice Requires="p14">
-      <p:transition spd="med" p14:dur="700">
-        <p:fade/>
-      </p:transition>
-    </mc:Choice>
-    <mc:Fallback xmlns="">
-      <p:transition spd="med">
-        <p:fade/>
-      </p:transition>
-    </mc:Fallback>
-  </mc:AlternateContent>
-  <p:timing>
-    <p:tnLst>
-      <p:par>
-        <p:cTn id="1" dur="indefinite" restart="never" nodeType="tmRoot"/>
-      </p:par>
-    </p:tnLst>
-  </p:timing>
-</p:sld>
-</file>
-
-<file path=ppt/slides/slide36.xml><?xml version="1.0" encoding="utf-8"?>
-<p:sld xmlns:a="http://schemas.openxmlformats.org/drawingml/2006/main" xmlns:r="http://schemas.openxmlformats.org/officeDocument/2006/relationships" xmlns:p="http://schemas.openxmlformats.org/presentationml/2006/main">
-  <p:cSld>
-    <p:spTree>
-      <p:nvGrpSpPr>
-        <p:cNvPr id="1" name=""/>
-        <p:cNvGrpSpPr/>
-        <p:nvPr/>
-      </p:nvGrpSpPr>
-      <p:grpSpPr>
-        <a:xfrm>
-          <a:off x="0" y="0"/>
-          <a:ext cx="0" cy="0"/>
-          <a:chOff x="0" y="0"/>
-          <a:chExt cx="0" cy="0"/>
-        </a:xfrm>
-      </p:grpSpPr>
-      <p:sp>
-        <p:nvSpPr>
-          <p:cNvPr id="2" name="Title 1"/>
-          <p:cNvSpPr>
-            <a:spLocks noGrp="1"/>
-          </p:cNvSpPr>
-          <p:nvPr>
-            <p:ph type="title"/>
-          </p:nvPr>
-        </p:nvSpPr>
-        <p:spPr/>
-        <p:txBody>
-          <a:bodyPr/>
-          <a:lstStyle/>
-          <a:p>
-            <a:r>
-              <a:rPr lang="es-AR" b="1" spc="0" dirty="0" smtClean="0">
-                <a:ln w="9525">
-                  <a:solidFill>
-                    <a:schemeClr val="bg1"/>
-                  </a:solidFill>
-                  <a:prstDash val="solid"/>
-                </a:ln>
-                <a:effectLst>
-                  <a:outerShdw blurRad="12700" dist="38100" dir="2700000" algn="tl" rotWithShape="0">
-                    <a:schemeClr val="bg1">
-                      <a:lumMod val="50000"/>
-                    </a:schemeClr>
-                  </a:outerShdw>
-                </a:effectLst>
-                <a:latin typeface="Segoe UI" panose="020B0502040204020203" pitchFamily="34" charset="0"/>
-                <a:cs typeface="Segoe UI" panose="020B0502040204020203" pitchFamily="34" charset="0"/>
-              </a:rPr>
-              <a:t>Conclusiones (cont.)</a:t>
-            </a:r>
-            <a:endParaRPr lang="es-AR" b="1" spc="0" dirty="0">
-              <a:ln w="9525">
-                <a:solidFill>
-                  <a:schemeClr val="bg1"/>
-                </a:solidFill>
-                <a:prstDash val="solid"/>
-              </a:ln>
-              <a:effectLst>
-                <a:outerShdw blurRad="12700" dist="38100" dir="2700000" algn="tl" rotWithShape="0">
-                  <a:schemeClr val="bg1">
-                    <a:lumMod val="50000"/>
-                  </a:schemeClr>
-                </a:outerShdw>
-              </a:effectLst>
-              <a:latin typeface="Segoe UI" panose="020B0502040204020203" pitchFamily="34" charset="0"/>
-              <a:cs typeface="Segoe UI" panose="020B0502040204020203" pitchFamily="34" charset="0"/>
-            </a:endParaRPr>
-          </a:p>
-        </p:txBody>
-      </p:sp>
-      <p:sp>
-        <p:nvSpPr>
-          <p:cNvPr id="3" name="Content Placeholder 2"/>
-          <p:cNvSpPr>
-            <a:spLocks noGrp="1"/>
-          </p:cNvSpPr>
-          <p:nvPr>
-            <p:ph idx="1"/>
-          </p:nvPr>
-        </p:nvSpPr>
-        <p:spPr/>
-        <p:txBody>
-          <a:bodyPr>
             <a:normAutofit/>
           </a:bodyPr>
           <a:lstStyle/>
@@ -14142,7 +12692,7 @@
 </p:sld>
 </file>
 
-<file path=ppt/slides/slide37.xml><?xml version="1.0" encoding="utf-8"?>
+<file path=ppt/slides/slide36.xml><?xml version="1.0" encoding="utf-8"?>
 <p:sld xmlns:a="http://schemas.openxmlformats.org/drawingml/2006/main" xmlns:r="http://schemas.openxmlformats.org/officeDocument/2006/relationships" xmlns:p="http://schemas.openxmlformats.org/presentationml/2006/main">
   <p:cSld>
     <p:spTree>
@@ -14401,14 +12951,7 @@
                 <a:latin typeface="Segoe UI" panose="020B0502040204020203" pitchFamily="34" charset="0"/>
                 <a:cs typeface="Segoe UI" panose="020B0502040204020203" pitchFamily="34" charset="0"/>
               </a:rPr>
-              <a:t> se ha convertido en el activo más importante que posee cualquier organización </a:t>
-            </a:r>
-            <a:r>
-              <a:rPr lang="es-AR" sz="2400" dirty="0">
-                <a:latin typeface="Segoe UI" panose="020B0502040204020203" pitchFamily="34" charset="0"/>
-                <a:cs typeface="Segoe UI" panose="020B0502040204020203" pitchFamily="34" charset="0"/>
-              </a:rPr>
-              <a:t>→ </a:t>
+              <a:t> se ha convertido en el activo más importante que posee cualquier organización → </a:t>
             </a:r>
             <a:r>
               <a:rPr lang="es-AR" sz="2400" b="1" dirty="0">
@@ -14503,14 +13046,7 @@
                 <a:latin typeface="Segoe UI" panose="020B0502040204020203" pitchFamily="34" charset="0"/>
                 <a:cs typeface="Segoe UI" panose="020B0502040204020203" pitchFamily="34" charset="0"/>
               </a:rPr>
-              <a:t>→ </a:t>
-            </a:r>
-            <a:r>
-              <a:rPr lang="es-AR" sz="2400" dirty="0">
-                <a:latin typeface="Segoe UI" panose="020B0502040204020203" pitchFamily="34" charset="0"/>
-                <a:cs typeface="Segoe UI" panose="020B0502040204020203" pitchFamily="34" charset="0"/>
-              </a:rPr>
-              <a:t>garantía</a:t>
+              <a:t>→ garantía</a:t>
             </a:r>
           </a:p>
           <a:p>
@@ -14634,7 +13170,7 @@
         <p:spPr>
           <a:xfrm>
             <a:off x="882600" y="1412776"/>
-            <a:ext cx="7732092" cy="4801314"/>
+            <a:ext cx="7732092" cy="4062651"/>
           </a:xfrm>
           <a:prstGeom prst="rect">
             <a:avLst/>
@@ -14741,49 +13277,14 @@
                 <a:latin typeface="Segoe UI" panose="020B0502040204020203" pitchFamily="34" charset="0"/>
                 <a:cs typeface="Segoe UI" panose="020B0502040204020203" pitchFamily="34" charset="0"/>
               </a:rPr>
-              <a:t>Desconocimiento </a:t>
-            </a:r>
-            <a:r>
-              <a:rPr lang="es-AR" sz="2400" dirty="0">
-                <a:latin typeface="Segoe UI" panose="020B0502040204020203" pitchFamily="34" charset="0"/>
-                <a:cs typeface="Segoe UI" panose="020B0502040204020203" pitchFamily="34" charset="0"/>
-              </a:rPr>
-              <a:t>y </a:t>
+              <a:t>Negligencia </a:t>
             </a:r>
             <a:r>
               <a:rPr lang="es-AR" sz="2400" dirty="0" smtClean="0">
                 <a:latin typeface="Segoe UI" panose="020B0502040204020203" pitchFamily="34" charset="0"/>
                 <a:cs typeface="Segoe UI" panose="020B0502040204020203" pitchFamily="34" charset="0"/>
               </a:rPr>
-              <a:t>negligencia </a:t>
-            </a:r>
-            <a:r>
-              <a:rPr lang="es-AR" sz="2400" dirty="0" smtClean="0">
-                <a:latin typeface="Segoe UI" panose="020B0502040204020203" pitchFamily="34" charset="0"/>
-                <a:cs typeface="Segoe UI" panose="020B0502040204020203" pitchFamily="34" charset="0"/>
-              </a:rPr>
-              <a:t>de los </a:t>
-            </a:r>
-            <a:r>
-              <a:rPr lang="es-AR" sz="2400" dirty="0">
-                <a:latin typeface="Segoe UI" panose="020B0502040204020203" pitchFamily="34" charset="0"/>
-                <a:cs typeface="Segoe UI" panose="020B0502040204020203" pitchFamily="34" charset="0"/>
-              </a:rPr>
-              <a:t>propios directivos y </a:t>
-            </a:r>
-            <a:r>
-              <a:rPr lang="es-AR" sz="2400" dirty="0" smtClean="0">
-                <a:latin typeface="Segoe UI" panose="020B0502040204020203" pitchFamily="34" charset="0"/>
-                <a:cs typeface="Segoe UI" panose="020B0502040204020203" pitchFamily="34" charset="0"/>
-              </a:rPr>
-              <a:t>dependientes</a:t>
-            </a:r>
-            <a:r>
-              <a:rPr lang="es-AR" sz="2400" dirty="0">
-                <a:latin typeface="Segoe UI" panose="020B0502040204020203" pitchFamily="34" charset="0"/>
-                <a:cs typeface="Segoe UI" panose="020B0502040204020203" pitchFamily="34" charset="0"/>
-              </a:rPr>
-              <a:t>.</a:t>
+              <a:t>o desconocimiento</a:t>
             </a:r>
           </a:p>
           <a:p>
@@ -14796,26 +13297,8 @@
                 <a:latin typeface="Segoe UI" panose="020B0502040204020203" pitchFamily="34" charset="0"/>
                 <a:cs typeface="Segoe UI" panose="020B0502040204020203" pitchFamily="34" charset="0"/>
               </a:rPr>
-              <a:t>Negligencia </a:t>
-            </a:r>
-            <a:r>
-              <a:rPr lang="es-AR" sz="2400" dirty="0" smtClean="0">
-                <a:latin typeface="Segoe UI" panose="020B0502040204020203" pitchFamily="34" charset="0"/>
-                <a:cs typeface="Segoe UI" panose="020B0502040204020203" pitchFamily="34" charset="0"/>
-              </a:rPr>
-              <a:t>o </a:t>
-            </a:r>
-            <a:r>
-              <a:rPr lang="es-AR" sz="2400" dirty="0" smtClean="0">
-                <a:latin typeface="Segoe UI" panose="020B0502040204020203" pitchFamily="34" charset="0"/>
-                <a:cs typeface="Segoe UI" panose="020B0502040204020203" pitchFamily="34" charset="0"/>
-              </a:rPr>
-              <a:t>desconocimiento</a:t>
-            </a:r>
-            <a:endParaRPr lang="es-AR" sz="2400" dirty="0" smtClean="0">
-              <a:latin typeface="Segoe UI" panose="020B0502040204020203" pitchFamily="34" charset="0"/>
-              <a:cs typeface="Segoe UI" panose="020B0502040204020203" pitchFamily="34" charset="0"/>
-            </a:endParaRPr>
+              <a:t>Ataques internos </a:t>
+            </a:r>
           </a:p>
           <a:p>
             <a:pPr marL="1257300" lvl="2" indent="-342900">
@@ -14827,35 +13310,19 @@
                 <a:latin typeface="Segoe UI" panose="020B0502040204020203" pitchFamily="34" charset="0"/>
                 <a:cs typeface="Segoe UI" panose="020B0502040204020203" pitchFamily="34" charset="0"/>
               </a:rPr>
-              <a:t>Ataques </a:t>
+              <a:t>Delincuentes </a:t>
             </a:r>
             <a:r>
               <a:rPr lang="es-AR" sz="2400" dirty="0" smtClean="0">
                 <a:latin typeface="Segoe UI" panose="020B0502040204020203" pitchFamily="34" charset="0"/>
                 <a:cs typeface="Segoe UI" panose="020B0502040204020203" pitchFamily="34" charset="0"/>
               </a:rPr>
-              <a:t>internos </a:t>
-            </a:r>
-          </a:p>
-          <a:p>
-            <a:pPr marL="1257300" lvl="2" indent="-342900">
-              <a:buFont typeface="Wingdings" panose="05000000000000000000" pitchFamily="2" charset="2"/>
-              <a:buChar char="q"/>
-            </a:pPr>
-            <a:r>
-              <a:rPr lang="es-AR" sz="2400" dirty="0" smtClean="0">
-                <a:latin typeface="Segoe UI" panose="020B0502040204020203" pitchFamily="34" charset="0"/>
-                <a:cs typeface="Segoe UI" panose="020B0502040204020203" pitchFamily="34" charset="0"/>
-              </a:rPr>
-              <a:t>Delincuentes </a:t>
-            </a:r>
-            <a:r>
-              <a:rPr lang="es-AR" sz="2400" dirty="0">
-                <a:latin typeface="Segoe UI" panose="020B0502040204020203" pitchFamily="34" charset="0"/>
-                <a:cs typeface="Segoe UI" panose="020B0502040204020203" pitchFamily="34" charset="0"/>
-              </a:rPr>
-              <a:t>informáticos.</a:t>
-            </a:r>
+              <a:t>informáticos</a:t>
+            </a:r>
+            <a:endParaRPr lang="es-AR" sz="2400" dirty="0">
+              <a:latin typeface="Segoe UI" panose="020B0502040204020203" pitchFamily="34" charset="0"/>
+              <a:cs typeface="Segoe UI" panose="020B0502040204020203" pitchFamily="34" charset="0"/>
+            </a:endParaRPr>
           </a:p>
           <a:p>
             <a:pPr marL="285750" indent="-285750">
@@ -14889,7 +13356,7 @@
         </p:blipFill>
         <p:spPr bwMode="auto">
           <a:xfrm>
-            <a:off x="8038628" y="3861048"/>
+            <a:off x="8038628" y="3789040"/>
             <a:ext cx="3036527" cy="2217147"/>
           </a:xfrm>
           <a:prstGeom prst="rect">
@@ -15116,14 +13583,7 @@
                 <a:latin typeface="Segoe UI" panose="020B0502040204020203" pitchFamily="34" charset="0"/>
                 <a:cs typeface="Segoe UI" panose="020B0502040204020203" pitchFamily="34" charset="0"/>
               </a:rPr>
-              <a:t>Dispositivos </a:t>
-            </a:r>
-            <a:r>
-              <a:rPr lang="es-AR" sz="2400" dirty="0" smtClean="0">
-                <a:latin typeface="Segoe UI" panose="020B0502040204020203" pitchFamily="34" charset="0"/>
-                <a:cs typeface="Segoe UI" panose="020B0502040204020203" pitchFamily="34" charset="0"/>
-              </a:rPr>
-              <a:t>físicos</a:t>
+              <a:t>Dispositivos físicos</a:t>
             </a:r>
           </a:p>
           <a:p>
@@ -15136,14 +13596,7 @@
                 <a:latin typeface="Segoe UI" panose="020B0502040204020203" pitchFamily="34" charset="0"/>
                 <a:cs typeface="Segoe UI" panose="020B0502040204020203" pitchFamily="34" charset="0"/>
               </a:rPr>
-              <a:t>Dispositivos </a:t>
-            </a:r>
-            <a:r>
-              <a:rPr lang="es-AR" sz="2400" dirty="0" smtClean="0">
-                <a:latin typeface="Segoe UI" panose="020B0502040204020203" pitchFamily="34" charset="0"/>
-                <a:cs typeface="Segoe UI" panose="020B0502040204020203" pitchFamily="34" charset="0"/>
-              </a:rPr>
-              <a:t>electrónicos</a:t>
+              <a:t>Dispositivos electrónicos</a:t>
             </a:r>
           </a:p>
           <a:p>

--- a/Presentacion/Fuga de Información.pptx
+++ b/Presentacion/Fuga de Información.pptx
@@ -5,10 +5,10 @@
     <p:sldMasterId id="2147483648" r:id="rId2"/>
   </p:sldMasterIdLst>
   <p:notesMasterIdLst>
-    <p:notesMasterId r:id="rId39"/>
+    <p:notesMasterId r:id="rId43"/>
   </p:notesMasterIdLst>
   <p:handoutMasterIdLst>
-    <p:handoutMasterId r:id="rId40"/>
+    <p:handoutMasterId r:id="rId44"/>
   </p:handoutMasterIdLst>
   <p:sldIdLst>
     <p:sldId id="265" r:id="rId3"/>
@@ -40,18 +40,22 @@
     <p:sldId id="325" r:id="rId29"/>
     <p:sldId id="326" r:id="rId30"/>
     <p:sldId id="327" r:id="rId31"/>
-    <p:sldId id="331" r:id="rId32"/>
-    <p:sldId id="333" r:id="rId33"/>
-    <p:sldId id="362" r:id="rId34"/>
-    <p:sldId id="351" r:id="rId35"/>
-    <p:sldId id="352" r:id="rId36"/>
-    <p:sldId id="353" r:id="rId37"/>
-    <p:sldId id="319" r:id="rId38"/>
+    <p:sldId id="363" r:id="rId32"/>
+    <p:sldId id="364" r:id="rId33"/>
+    <p:sldId id="365" r:id="rId34"/>
+    <p:sldId id="366" r:id="rId35"/>
+    <p:sldId id="367" r:id="rId36"/>
+    <p:sldId id="368" r:id="rId37"/>
+    <p:sldId id="362" r:id="rId38"/>
+    <p:sldId id="351" r:id="rId39"/>
+    <p:sldId id="352" r:id="rId40"/>
+    <p:sldId id="353" r:id="rId41"/>
+    <p:sldId id="319" r:id="rId42"/>
   </p:sldIdLst>
   <p:sldSz cx="12188825" cy="6858000"/>
   <p:notesSz cx="6858000" cy="9144000"/>
   <p:custDataLst>
-    <p:tags r:id="rId41"/>
+    <p:tags r:id="rId45"/>
   </p:custDataLst>
   <p:defaultTextStyle>
     <a:defPPr>
@@ -150,7 +154,7 @@
   </p:defaultTextStyle>
   <p:extLst>
     <p:ext uri="{EFAFB233-063F-42B5-8137-9DF3F51BA10A}">
-      <p15:sldGuideLst xmlns:p15="http://schemas.microsoft.com/office/powerpoint/2012/main">
+      <p15:sldGuideLst xmlns:p15="http://schemas.microsoft.com/office/powerpoint/2012/main" xmlns="">
         <p15:guide id="1" pos="3839" userDrawn="1">
           <p15:clr>
             <a:srgbClr val="A4A3A4"/>
@@ -164,7 +168,7 @@
       </p15:sldGuideLst>
     </p:ext>
     <p:ext uri="{2D200454-40CA-4A62-9FC3-DE9A4176ACB9}">
-      <p15:notesGuideLst xmlns:p15="http://schemas.microsoft.com/office/powerpoint/2012/main"/>
+      <p15:notesGuideLst xmlns:p15="http://schemas.microsoft.com/office/powerpoint/2012/main" xmlns=""/>
     </p:ext>
   </p:extLst>
 </p:presentation>
@@ -329,7 +333,7 @@
     </p:spTree>
     <p:extLst>
       <p:ext uri="{BB962C8B-B14F-4D97-AF65-F5344CB8AC3E}">
-        <p14:creationId xmlns:p14="http://schemas.microsoft.com/office/powerpoint/2010/main" val="3932065745"/>
+        <p14:creationId xmlns:p14="http://schemas.microsoft.com/office/powerpoint/2010/main" xmlns="" val="3932065745"/>
       </p:ext>
     </p:extLst>
   </p:cSld>
@@ -588,7 +592,7 @@
     </p:spTree>
     <p:extLst>
       <p:ext uri="{BB962C8B-B14F-4D97-AF65-F5344CB8AC3E}">
-        <p14:creationId xmlns:p14="http://schemas.microsoft.com/office/powerpoint/2010/main" val="4276579820"/>
+        <p14:creationId xmlns:p14="http://schemas.microsoft.com/office/powerpoint/2010/main" xmlns="" val="4276579820"/>
       </p:ext>
     </p:extLst>
   </p:cSld>
@@ -1083,7 +1087,347 @@
     </p:spTree>
     <p:extLst>
       <p:ext uri="{BB962C8B-B14F-4D97-AF65-F5344CB8AC3E}">
-        <p14:creationId xmlns:p14="http://schemas.microsoft.com/office/powerpoint/2010/main" val="246766428"/>
+        <p14:creationId xmlns:p14="http://schemas.microsoft.com/office/powerpoint/2010/main" xmlns="" val="246766428"/>
+      </p:ext>
+    </p:extLst>
+  </p:cSld>
+  <p:clrMapOvr>
+    <a:masterClrMapping/>
+  </p:clrMapOvr>
+</p:notes>
+</file>
+
+<file path=ppt/notesSlides/notesSlide10.xml><?xml version="1.0" encoding="utf-8"?>
+<p:notes xmlns:a="http://schemas.openxmlformats.org/drawingml/2006/main" xmlns:r="http://schemas.openxmlformats.org/officeDocument/2006/relationships" xmlns:p="http://schemas.openxmlformats.org/presentationml/2006/main">
+  <p:cSld>
+    <p:spTree>
+      <p:nvGrpSpPr>
+        <p:cNvPr id="1" name=""/>
+        <p:cNvGrpSpPr/>
+        <p:nvPr/>
+      </p:nvGrpSpPr>
+      <p:grpSpPr>
+        <a:xfrm>
+          <a:off x="0" y="0"/>
+          <a:ext cx="0" cy="0"/>
+          <a:chOff x="0" y="0"/>
+          <a:chExt cx="0" cy="0"/>
+        </a:xfrm>
+      </p:grpSpPr>
+      <p:sp>
+        <p:nvSpPr>
+          <p:cNvPr id="2" name="Slide Image Placeholder 1"/>
+          <p:cNvSpPr>
+            <a:spLocks noGrp="1" noRot="1" noChangeAspect="1"/>
+          </p:cNvSpPr>
+          <p:nvPr>
+            <p:ph type="sldImg"/>
+          </p:nvPr>
+        </p:nvSpPr>
+        <p:spPr/>
+      </p:sp>
+      <p:sp>
+        <p:nvSpPr>
+          <p:cNvPr id="3" name="Notes Placeholder 2"/>
+          <p:cNvSpPr>
+            <a:spLocks noGrp="1"/>
+          </p:cNvSpPr>
+          <p:nvPr>
+            <p:ph type="body" idx="1"/>
+          </p:nvPr>
+        </p:nvSpPr>
+        <p:spPr/>
+        <p:txBody>
+          <a:bodyPr/>
+          <a:lstStyle/>
+          <a:p>
+            <a:endParaRPr lang="en-US"/>
+          </a:p>
+        </p:txBody>
+      </p:sp>
+      <p:sp>
+        <p:nvSpPr>
+          <p:cNvPr id="4" name="Slide Number Placeholder 3"/>
+          <p:cNvSpPr>
+            <a:spLocks noGrp="1"/>
+          </p:cNvSpPr>
+          <p:nvPr>
+            <p:ph type="sldNum" sz="quarter" idx="10"/>
+          </p:nvPr>
+        </p:nvSpPr>
+        <p:spPr/>
+        <p:txBody>
+          <a:bodyPr/>
+          <a:lstStyle/>
+          <a:p>
+            <a:fld id="{F93199CD-3E1B-4AE6-990F-76F925F5EA9F}" type="slidenum">
+              <a:rPr lang="en-US" smtClean="0"/>
+              <a:pPr/>
+              <a:t>32</a:t>
+            </a:fld>
+            <a:endParaRPr lang="en-US"/>
+          </a:p>
+        </p:txBody>
+      </p:sp>
+    </p:spTree>
+    <p:extLst>
+      <p:ext uri="{BB962C8B-B14F-4D97-AF65-F5344CB8AC3E}">
+        <p14:creationId xmlns:p14="http://schemas.microsoft.com/office/powerpoint/2010/main" xmlns="" val="127681626"/>
+      </p:ext>
+    </p:extLst>
+  </p:cSld>
+  <p:clrMapOvr>
+    <a:masterClrMapping/>
+  </p:clrMapOvr>
+</p:notes>
+</file>
+
+<file path=ppt/notesSlides/notesSlide11.xml><?xml version="1.0" encoding="utf-8"?>
+<p:notes xmlns:a="http://schemas.openxmlformats.org/drawingml/2006/main" xmlns:r="http://schemas.openxmlformats.org/officeDocument/2006/relationships" xmlns:p="http://schemas.openxmlformats.org/presentationml/2006/main">
+  <p:cSld>
+    <p:spTree>
+      <p:nvGrpSpPr>
+        <p:cNvPr id="1" name=""/>
+        <p:cNvGrpSpPr/>
+        <p:nvPr/>
+      </p:nvGrpSpPr>
+      <p:grpSpPr>
+        <a:xfrm>
+          <a:off x="0" y="0"/>
+          <a:ext cx="0" cy="0"/>
+          <a:chOff x="0" y="0"/>
+          <a:chExt cx="0" cy="0"/>
+        </a:xfrm>
+      </p:grpSpPr>
+      <p:sp>
+        <p:nvSpPr>
+          <p:cNvPr id="2" name="Slide Image Placeholder 1"/>
+          <p:cNvSpPr>
+            <a:spLocks noGrp="1" noRot="1" noChangeAspect="1"/>
+          </p:cNvSpPr>
+          <p:nvPr>
+            <p:ph type="sldImg"/>
+          </p:nvPr>
+        </p:nvSpPr>
+        <p:spPr/>
+      </p:sp>
+      <p:sp>
+        <p:nvSpPr>
+          <p:cNvPr id="3" name="Notes Placeholder 2"/>
+          <p:cNvSpPr>
+            <a:spLocks noGrp="1"/>
+          </p:cNvSpPr>
+          <p:nvPr>
+            <p:ph type="body" idx="1"/>
+          </p:nvPr>
+        </p:nvSpPr>
+        <p:spPr/>
+        <p:txBody>
+          <a:bodyPr/>
+          <a:lstStyle/>
+          <a:p>
+            <a:endParaRPr lang="en-US"/>
+          </a:p>
+        </p:txBody>
+      </p:sp>
+      <p:sp>
+        <p:nvSpPr>
+          <p:cNvPr id="4" name="Slide Number Placeholder 3"/>
+          <p:cNvSpPr>
+            <a:spLocks noGrp="1"/>
+          </p:cNvSpPr>
+          <p:nvPr>
+            <p:ph type="sldNum" sz="quarter" idx="10"/>
+          </p:nvPr>
+        </p:nvSpPr>
+        <p:spPr/>
+        <p:txBody>
+          <a:bodyPr/>
+          <a:lstStyle/>
+          <a:p>
+            <a:fld id="{F93199CD-3E1B-4AE6-990F-76F925F5EA9F}" type="slidenum">
+              <a:rPr lang="en-US" smtClean="0"/>
+              <a:pPr/>
+              <a:t>33</a:t>
+            </a:fld>
+            <a:endParaRPr lang="en-US"/>
+          </a:p>
+        </p:txBody>
+      </p:sp>
+    </p:spTree>
+    <p:extLst>
+      <p:ext uri="{BB962C8B-B14F-4D97-AF65-F5344CB8AC3E}">
+        <p14:creationId xmlns:p14="http://schemas.microsoft.com/office/powerpoint/2010/main" xmlns="" val="127681626"/>
+      </p:ext>
+    </p:extLst>
+  </p:cSld>
+  <p:clrMapOvr>
+    <a:masterClrMapping/>
+  </p:clrMapOvr>
+</p:notes>
+</file>
+
+<file path=ppt/notesSlides/notesSlide12.xml><?xml version="1.0" encoding="utf-8"?>
+<p:notes xmlns:a="http://schemas.openxmlformats.org/drawingml/2006/main" xmlns:r="http://schemas.openxmlformats.org/officeDocument/2006/relationships" xmlns:p="http://schemas.openxmlformats.org/presentationml/2006/main">
+  <p:cSld>
+    <p:spTree>
+      <p:nvGrpSpPr>
+        <p:cNvPr id="1" name=""/>
+        <p:cNvGrpSpPr/>
+        <p:nvPr/>
+      </p:nvGrpSpPr>
+      <p:grpSpPr>
+        <a:xfrm>
+          <a:off x="0" y="0"/>
+          <a:ext cx="0" cy="0"/>
+          <a:chOff x="0" y="0"/>
+          <a:chExt cx="0" cy="0"/>
+        </a:xfrm>
+      </p:grpSpPr>
+      <p:sp>
+        <p:nvSpPr>
+          <p:cNvPr id="2" name="Slide Image Placeholder 1"/>
+          <p:cNvSpPr>
+            <a:spLocks noGrp="1" noRot="1" noChangeAspect="1"/>
+          </p:cNvSpPr>
+          <p:nvPr>
+            <p:ph type="sldImg"/>
+          </p:nvPr>
+        </p:nvSpPr>
+        <p:spPr/>
+      </p:sp>
+      <p:sp>
+        <p:nvSpPr>
+          <p:cNvPr id="3" name="Notes Placeholder 2"/>
+          <p:cNvSpPr>
+            <a:spLocks noGrp="1"/>
+          </p:cNvSpPr>
+          <p:nvPr>
+            <p:ph type="body" idx="1"/>
+          </p:nvPr>
+        </p:nvSpPr>
+        <p:spPr/>
+        <p:txBody>
+          <a:bodyPr/>
+          <a:lstStyle/>
+          <a:p>
+            <a:endParaRPr lang="en-US"/>
+          </a:p>
+        </p:txBody>
+      </p:sp>
+      <p:sp>
+        <p:nvSpPr>
+          <p:cNvPr id="4" name="Slide Number Placeholder 3"/>
+          <p:cNvSpPr>
+            <a:spLocks noGrp="1"/>
+          </p:cNvSpPr>
+          <p:nvPr>
+            <p:ph type="sldNum" sz="quarter" idx="10"/>
+          </p:nvPr>
+        </p:nvSpPr>
+        <p:spPr/>
+        <p:txBody>
+          <a:bodyPr/>
+          <a:lstStyle/>
+          <a:p>
+            <a:fld id="{F93199CD-3E1B-4AE6-990F-76F925F5EA9F}" type="slidenum">
+              <a:rPr lang="en-US" smtClean="0"/>
+              <a:pPr/>
+              <a:t>34</a:t>
+            </a:fld>
+            <a:endParaRPr lang="en-US"/>
+          </a:p>
+        </p:txBody>
+      </p:sp>
+    </p:spTree>
+    <p:extLst>
+      <p:ext uri="{BB962C8B-B14F-4D97-AF65-F5344CB8AC3E}">
+        <p14:creationId xmlns:p14="http://schemas.microsoft.com/office/powerpoint/2010/main" xmlns="" val="127681626"/>
+      </p:ext>
+    </p:extLst>
+  </p:cSld>
+  <p:clrMapOvr>
+    <a:masterClrMapping/>
+  </p:clrMapOvr>
+</p:notes>
+</file>
+
+<file path=ppt/notesSlides/notesSlide13.xml><?xml version="1.0" encoding="utf-8"?>
+<p:notes xmlns:a="http://schemas.openxmlformats.org/drawingml/2006/main" xmlns:r="http://schemas.openxmlformats.org/officeDocument/2006/relationships" xmlns:p="http://schemas.openxmlformats.org/presentationml/2006/main">
+  <p:cSld>
+    <p:spTree>
+      <p:nvGrpSpPr>
+        <p:cNvPr id="1" name=""/>
+        <p:cNvGrpSpPr/>
+        <p:nvPr/>
+      </p:nvGrpSpPr>
+      <p:grpSpPr>
+        <a:xfrm>
+          <a:off x="0" y="0"/>
+          <a:ext cx="0" cy="0"/>
+          <a:chOff x="0" y="0"/>
+          <a:chExt cx="0" cy="0"/>
+        </a:xfrm>
+      </p:grpSpPr>
+      <p:sp>
+        <p:nvSpPr>
+          <p:cNvPr id="2" name="Slide Image Placeholder 1"/>
+          <p:cNvSpPr>
+            <a:spLocks noGrp="1" noRot="1" noChangeAspect="1"/>
+          </p:cNvSpPr>
+          <p:nvPr>
+            <p:ph type="sldImg"/>
+          </p:nvPr>
+        </p:nvSpPr>
+        <p:spPr/>
+      </p:sp>
+      <p:sp>
+        <p:nvSpPr>
+          <p:cNvPr id="3" name="Notes Placeholder 2"/>
+          <p:cNvSpPr>
+            <a:spLocks noGrp="1"/>
+          </p:cNvSpPr>
+          <p:nvPr>
+            <p:ph type="body" idx="1"/>
+          </p:nvPr>
+        </p:nvSpPr>
+        <p:spPr/>
+        <p:txBody>
+          <a:bodyPr/>
+          <a:lstStyle/>
+          <a:p>
+            <a:endParaRPr lang="en-US"/>
+          </a:p>
+        </p:txBody>
+      </p:sp>
+      <p:sp>
+        <p:nvSpPr>
+          <p:cNvPr id="4" name="Slide Number Placeholder 3"/>
+          <p:cNvSpPr>
+            <a:spLocks noGrp="1"/>
+          </p:cNvSpPr>
+          <p:nvPr>
+            <p:ph type="sldNum" sz="quarter" idx="10"/>
+          </p:nvPr>
+        </p:nvSpPr>
+        <p:spPr/>
+        <p:txBody>
+          <a:bodyPr/>
+          <a:lstStyle/>
+          <a:p>
+            <a:fld id="{F93199CD-3E1B-4AE6-990F-76F925F5EA9F}" type="slidenum">
+              <a:rPr lang="en-US" smtClean="0"/>
+              <a:pPr/>
+              <a:t>35</a:t>
+            </a:fld>
+            <a:endParaRPr lang="en-US"/>
+          </a:p>
+        </p:txBody>
+      </p:sp>
+    </p:spTree>
+    <p:extLst>
+      <p:ext uri="{BB962C8B-B14F-4D97-AF65-F5344CB8AC3E}">
+        <p14:creationId xmlns:p14="http://schemas.microsoft.com/office/powerpoint/2010/main" xmlns="" val="127681626"/>
       </p:ext>
     </p:extLst>
   </p:cSld>
@@ -1168,7 +1512,7 @@
     </p:spTree>
     <p:extLst>
       <p:ext uri="{BB962C8B-B14F-4D97-AF65-F5344CB8AC3E}">
-        <p14:creationId xmlns:p14="http://schemas.microsoft.com/office/powerpoint/2010/main" val="2586394931"/>
+        <p14:creationId xmlns:p14="http://schemas.microsoft.com/office/powerpoint/2010/main" xmlns="" val="2586394931"/>
       </p:ext>
     </p:extLst>
   </p:cSld>
@@ -1253,7 +1597,7 @@
     </p:spTree>
     <p:extLst>
       <p:ext uri="{BB962C8B-B14F-4D97-AF65-F5344CB8AC3E}">
-        <p14:creationId xmlns:p14="http://schemas.microsoft.com/office/powerpoint/2010/main" val="1362585539"/>
+        <p14:creationId xmlns:p14="http://schemas.microsoft.com/office/powerpoint/2010/main" xmlns="" val="1362585539"/>
       </p:ext>
     </p:extLst>
   </p:cSld>
@@ -1639,7 +1983,7 @@
     </p:spTree>
     <p:extLst>
       <p:ext uri="{BB962C8B-B14F-4D97-AF65-F5344CB8AC3E}">
-        <p14:creationId xmlns:p14="http://schemas.microsoft.com/office/powerpoint/2010/main" val="3805029774"/>
+        <p14:creationId xmlns:p14="http://schemas.microsoft.com/office/powerpoint/2010/main" xmlns="" val="3805029774"/>
       </p:ext>
     </p:extLst>
   </p:cSld>
@@ -1724,7 +2068,7 @@
     </p:spTree>
     <p:extLst>
       <p:ext uri="{BB962C8B-B14F-4D97-AF65-F5344CB8AC3E}">
-        <p14:creationId xmlns:p14="http://schemas.microsoft.com/office/powerpoint/2010/main" val="655676726"/>
+        <p14:creationId xmlns:p14="http://schemas.microsoft.com/office/powerpoint/2010/main" xmlns="" val="655676726"/>
       </p:ext>
     </p:extLst>
   </p:cSld>
@@ -2261,7 +2605,7 @@
     </p:spTree>
     <p:extLst>
       <p:ext uri="{BB962C8B-B14F-4D97-AF65-F5344CB8AC3E}">
-        <p14:creationId xmlns:p14="http://schemas.microsoft.com/office/powerpoint/2010/main" val="2488318766"/>
+        <p14:creationId xmlns:p14="http://schemas.microsoft.com/office/powerpoint/2010/main" xmlns="" val="2488318766"/>
       </p:ext>
     </p:extLst>
   </p:cSld>
@@ -2807,7 +3151,7 @@
     </p:spTree>
     <p:extLst>
       <p:ext uri="{BB962C8B-B14F-4D97-AF65-F5344CB8AC3E}">
-        <p14:creationId xmlns:p14="http://schemas.microsoft.com/office/powerpoint/2010/main" val="707643668"/>
+        <p14:creationId xmlns:p14="http://schemas.microsoft.com/office/powerpoint/2010/main" xmlns="" val="707643668"/>
       </p:ext>
     </p:extLst>
   </p:cSld>
@@ -2892,7 +3236,7 @@
     </p:spTree>
     <p:extLst>
       <p:ext uri="{BB962C8B-B14F-4D97-AF65-F5344CB8AC3E}">
-        <p14:creationId xmlns:p14="http://schemas.microsoft.com/office/powerpoint/2010/main" val="1014212789"/>
+        <p14:creationId xmlns:p14="http://schemas.microsoft.com/office/powerpoint/2010/main" xmlns="" val="1014212789"/>
       </p:ext>
     </p:extLst>
   </p:cSld>
@@ -2977,7 +3321,7 @@
     </p:spTree>
     <p:extLst>
       <p:ext uri="{BB962C8B-B14F-4D97-AF65-F5344CB8AC3E}">
-        <p14:creationId xmlns:p14="http://schemas.microsoft.com/office/powerpoint/2010/main" val="127681626"/>
+        <p14:creationId xmlns:p14="http://schemas.microsoft.com/office/powerpoint/2010/main" xmlns="" val="1014212789"/>
       </p:ext>
     </p:extLst>
   </p:cSld>
@@ -3184,20 +3528,20 @@
     </p:spTree>
     <p:extLst>
       <p:ext uri="{BB962C8B-B14F-4D97-AF65-F5344CB8AC3E}">
-        <p14:creationId xmlns:p14="http://schemas.microsoft.com/office/powerpoint/2010/main" val="94999051"/>
+        <p14:creationId xmlns:p14="http://schemas.microsoft.com/office/powerpoint/2010/main" xmlns="" val="94999051"/>
       </p:ext>
     </p:extLst>
   </p:cSld>
   <p:clrMapOvr>
     <a:masterClrMapping/>
   </p:clrMapOvr>
-  <mc:AlternateContent xmlns:mc="http://schemas.openxmlformats.org/markup-compatibility/2006" xmlns:p14="http://schemas.microsoft.com/office/powerpoint/2010/main">
-    <mc:Choice Requires="p14">
+  <mc:AlternateContent xmlns:mc="http://schemas.openxmlformats.org/markup-compatibility/2006">
+    <mc:Choice xmlns:p14="http://schemas.microsoft.com/office/powerpoint/2010/main" xmlns="" Requires="p14">
       <p:transition spd="med" p14:dur="700">
         <p:fade/>
       </p:transition>
     </mc:Choice>
-    <mc:Fallback xmlns="">
+    <mc:Fallback>
       <p:transition spd="med">
         <p:fade/>
       </p:transition>
@@ -3375,20 +3719,20 @@
     </p:spTree>
     <p:extLst>
       <p:ext uri="{BB962C8B-B14F-4D97-AF65-F5344CB8AC3E}">
-        <p14:creationId xmlns:p14="http://schemas.microsoft.com/office/powerpoint/2010/main" val="460095310"/>
+        <p14:creationId xmlns:p14="http://schemas.microsoft.com/office/powerpoint/2010/main" xmlns="" val="460095310"/>
       </p:ext>
     </p:extLst>
   </p:cSld>
   <p:clrMapOvr>
     <a:masterClrMapping/>
   </p:clrMapOvr>
-  <mc:AlternateContent xmlns:mc="http://schemas.openxmlformats.org/markup-compatibility/2006" xmlns:p14="http://schemas.microsoft.com/office/powerpoint/2010/main">
-    <mc:Choice Requires="p14">
+  <mc:AlternateContent xmlns:mc="http://schemas.openxmlformats.org/markup-compatibility/2006">
+    <mc:Choice xmlns:p14="http://schemas.microsoft.com/office/powerpoint/2010/main" xmlns="" Requires="p14">
       <p:transition spd="med" p14:dur="700">
         <p:fade/>
       </p:transition>
     </mc:Choice>
-    <mc:Fallback xmlns="">
+    <mc:Fallback>
       <p:transition spd="med">
         <p:fade/>
       </p:transition>
@@ -3576,20 +3920,20 @@
     </p:spTree>
     <p:extLst>
       <p:ext uri="{BB962C8B-B14F-4D97-AF65-F5344CB8AC3E}">
-        <p14:creationId xmlns:p14="http://schemas.microsoft.com/office/powerpoint/2010/main" val="4079035419"/>
+        <p14:creationId xmlns:p14="http://schemas.microsoft.com/office/powerpoint/2010/main" xmlns="" val="4079035419"/>
       </p:ext>
     </p:extLst>
   </p:cSld>
   <p:clrMapOvr>
     <a:masterClrMapping/>
   </p:clrMapOvr>
-  <mc:AlternateContent xmlns:mc="http://schemas.openxmlformats.org/markup-compatibility/2006" xmlns:p14="http://schemas.microsoft.com/office/powerpoint/2010/main">
-    <mc:Choice Requires="p14">
+  <mc:AlternateContent xmlns:mc="http://schemas.openxmlformats.org/markup-compatibility/2006">
+    <mc:Choice xmlns:p14="http://schemas.microsoft.com/office/powerpoint/2010/main" xmlns="" Requires="p14">
       <p:transition spd="med" p14:dur="700">
         <p:fade/>
       </p:transition>
     </mc:Choice>
-    <mc:Fallback xmlns="">
+    <mc:Fallback>
       <p:transition spd="med">
         <p:fade/>
       </p:transition>
@@ -3774,20 +4118,20 @@
     </p:spTree>
     <p:extLst>
       <p:ext uri="{BB962C8B-B14F-4D97-AF65-F5344CB8AC3E}">
-        <p14:creationId xmlns:p14="http://schemas.microsoft.com/office/powerpoint/2010/main" val="2738254095"/>
+        <p14:creationId xmlns:p14="http://schemas.microsoft.com/office/powerpoint/2010/main" xmlns="" val="2738254095"/>
       </p:ext>
     </p:extLst>
   </p:cSld>
   <p:clrMapOvr>
     <a:masterClrMapping/>
   </p:clrMapOvr>
-  <mc:AlternateContent xmlns:mc="http://schemas.openxmlformats.org/markup-compatibility/2006" xmlns:p14="http://schemas.microsoft.com/office/powerpoint/2010/main">
-    <mc:Choice Requires="p14">
+  <mc:AlternateContent xmlns:mc="http://schemas.openxmlformats.org/markup-compatibility/2006">
+    <mc:Choice xmlns:p14="http://schemas.microsoft.com/office/powerpoint/2010/main" xmlns="" Requires="p14">
       <p:transition spd="med" p14:dur="700">
         <p:fade/>
       </p:transition>
     </mc:Choice>
-    <mc:Fallback xmlns="">
+    <mc:Fallback>
       <p:transition spd="med">
         <p:fade/>
       </p:transition>
@@ -4063,20 +4407,20 @@
     </p:spTree>
     <p:extLst>
       <p:ext uri="{BB962C8B-B14F-4D97-AF65-F5344CB8AC3E}">
-        <p14:creationId xmlns:p14="http://schemas.microsoft.com/office/powerpoint/2010/main" val="1761813311"/>
+        <p14:creationId xmlns:p14="http://schemas.microsoft.com/office/powerpoint/2010/main" xmlns="" val="1761813311"/>
       </p:ext>
     </p:extLst>
   </p:cSld>
   <p:clrMapOvr>
     <a:masterClrMapping/>
   </p:clrMapOvr>
-  <mc:AlternateContent xmlns:mc="http://schemas.openxmlformats.org/markup-compatibility/2006" xmlns:p14="http://schemas.microsoft.com/office/powerpoint/2010/main">
-    <mc:Choice Requires="p14">
+  <mc:AlternateContent xmlns:mc="http://schemas.openxmlformats.org/markup-compatibility/2006">
+    <mc:Choice xmlns:p14="http://schemas.microsoft.com/office/powerpoint/2010/main" xmlns="" Requires="p14">
       <p:transition spd="med" p14:dur="700">
         <p:fade/>
       </p:transition>
     </mc:Choice>
-    <mc:Fallback xmlns="">
+    <mc:Fallback>
       <p:transition spd="med">
         <p:fade/>
       </p:transition>
@@ -4376,20 +4720,20 @@
     </p:spTree>
     <p:extLst>
       <p:ext uri="{BB962C8B-B14F-4D97-AF65-F5344CB8AC3E}">
-        <p14:creationId xmlns:p14="http://schemas.microsoft.com/office/powerpoint/2010/main" val="2825340762"/>
+        <p14:creationId xmlns:p14="http://schemas.microsoft.com/office/powerpoint/2010/main" xmlns="" val="2825340762"/>
       </p:ext>
     </p:extLst>
   </p:cSld>
   <p:clrMapOvr>
     <a:masterClrMapping/>
   </p:clrMapOvr>
-  <mc:AlternateContent xmlns:mc="http://schemas.openxmlformats.org/markup-compatibility/2006" xmlns:p14="http://schemas.microsoft.com/office/powerpoint/2010/main">
-    <mc:Choice Requires="p14">
+  <mc:AlternateContent xmlns:mc="http://schemas.openxmlformats.org/markup-compatibility/2006">
+    <mc:Choice xmlns:p14="http://schemas.microsoft.com/office/powerpoint/2010/main" xmlns="" Requires="p14">
       <p:transition spd="med" p14:dur="700">
         <p:fade/>
       </p:transition>
     </mc:Choice>
-    <mc:Fallback xmlns="">
+    <mc:Fallback>
       <p:transition spd="med">
         <p:fade/>
       </p:transition>
@@ -4841,20 +5185,20 @@
     </p:spTree>
     <p:extLst>
       <p:ext uri="{BB962C8B-B14F-4D97-AF65-F5344CB8AC3E}">
-        <p14:creationId xmlns:p14="http://schemas.microsoft.com/office/powerpoint/2010/main" val="4208419506"/>
+        <p14:creationId xmlns:p14="http://schemas.microsoft.com/office/powerpoint/2010/main" xmlns="" val="4208419506"/>
       </p:ext>
     </p:extLst>
   </p:cSld>
   <p:clrMapOvr>
     <a:masterClrMapping/>
   </p:clrMapOvr>
-  <mc:AlternateContent xmlns:mc="http://schemas.openxmlformats.org/markup-compatibility/2006" xmlns:p14="http://schemas.microsoft.com/office/powerpoint/2010/main">
-    <mc:Choice Requires="p14">
+  <mc:AlternateContent xmlns:mc="http://schemas.openxmlformats.org/markup-compatibility/2006">
+    <mc:Choice xmlns:p14="http://schemas.microsoft.com/office/powerpoint/2010/main" xmlns="" Requires="p14">
       <p:transition spd="med" p14:dur="700">
         <p:fade/>
       </p:transition>
     </mc:Choice>
-    <mc:Fallback xmlns="">
+    <mc:Fallback>
       <p:transition spd="med">
         <p:fade/>
       </p:transition>
@@ -4980,20 +5324,20 @@
     </p:spTree>
     <p:extLst>
       <p:ext uri="{BB962C8B-B14F-4D97-AF65-F5344CB8AC3E}">
-        <p14:creationId xmlns:p14="http://schemas.microsoft.com/office/powerpoint/2010/main" val="1626631400"/>
+        <p14:creationId xmlns:p14="http://schemas.microsoft.com/office/powerpoint/2010/main" xmlns="" val="1626631400"/>
       </p:ext>
     </p:extLst>
   </p:cSld>
   <p:clrMapOvr>
     <a:masterClrMapping/>
   </p:clrMapOvr>
-  <mc:AlternateContent xmlns:mc="http://schemas.openxmlformats.org/markup-compatibility/2006" xmlns:p14="http://schemas.microsoft.com/office/powerpoint/2010/main">
-    <mc:Choice Requires="p14">
+  <mc:AlternateContent xmlns:mc="http://schemas.openxmlformats.org/markup-compatibility/2006">
+    <mc:Choice xmlns:p14="http://schemas.microsoft.com/office/powerpoint/2010/main" xmlns="" Requires="p14">
       <p:transition spd="med" p14:dur="700">
         <p:fade/>
       </p:transition>
     </mc:Choice>
-    <mc:Fallback xmlns="">
+    <mc:Fallback>
       <p:transition spd="med">
         <p:fade/>
       </p:transition>
@@ -5104,20 +5448,20 @@
     </p:spTree>
     <p:extLst>
       <p:ext uri="{BB962C8B-B14F-4D97-AF65-F5344CB8AC3E}">
-        <p14:creationId xmlns:p14="http://schemas.microsoft.com/office/powerpoint/2010/main" val="3607540120"/>
+        <p14:creationId xmlns:p14="http://schemas.microsoft.com/office/powerpoint/2010/main" xmlns="" val="3607540120"/>
       </p:ext>
     </p:extLst>
   </p:cSld>
   <p:clrMapOvr>
     <a:masterClrMapping/>
   </p:clrMapOvr>
-  <mc:AlternateContent xmlns:mc="http://schemas.openxmlformats.org/markup-compatibility/2006" xmlns:p14="http://schemas.microsoft.com/office/powerpoint/2010/main">
-    <mc:Choice Requires="p14">
+  <mc:AlternateContent xmlns:mc="http://schemas.openxmlformats.org/markup-compatibility/2006">
+    <mc:Choice xmlns:p14="http://schemas.microsoft.com/office/powerpoint/2010/main" xmlns="" Requires="p14">
       <p:transition spd="med" p14:dur="700">
         <p:fade/>
       </p:transition>
     </mc:Choice>
-    <mc:Fallback xmlns="">
+    <mc:Fallback>
       <p:transition spd="med">
         <p:fade/>
       </p:transition>
@@ -5435,20 +5779,20 @@
     </p:spTree>
     <p:extLst>
       <p:ext uri="{BB962C8B-B14F-4D97-AF65-F5344CB8AC3E}">
-        <p14:creationId xmlns:p14="http://schemas.microsoft.com/office/powerpoint/2010/main" val="2544981540"/>
+        <p14:creationId xmlns:p14="http://schemas.microsoft.com/office/powerpoint/2010/main" xmlns="" val="2544981540"/>
       </p:ext>
     </p:extLst>
   </p:cSld>
   <p:clrMapOvr>
     <a:masterClrMapping/>
   </p:clrMapOvr>
-  <mc:AlternateContent xmlns:mc="http://schemas.openxmlformats.org/markup-compatibility/2006" xmlns:p14="http://schemas.microsoft.com/office/powerpoint/2010/main">
-    <mc:Choice Requires="p14">
+  <mc:AlternateContent xmlns:mc="http://schemas.openxmlformats.org/markup-compatibility/2006">
+    <mc:Choice xmlns:p14="http://schemas.microsoft.com/office/powerpoint/2010/main" xmlns="" Requires="p14">
       <p:transition spd="med" p14:dur="700">
         <p:fade/>
       </p:transition>
     </mc:Choice>
-    <mc:Fallback xmlns="">
+    <mc:Fallback>
       <p:transition spd="med">
         <p:fade/>
       </p:transition>
@@ -5755,20 +6099,20 @@
     </p:spTree>
     <p:extLst>
       <p:ext uri="{BB962C8B-B14F-4D97-AF65-F5344CB8AC3E}">
-        <p14:creationId xmlns:p14="http://schemas.microsoft.com/office/powerpoint/2010/main" val="2249172152"/>
+        <p14:creationId xmlns:p14="http://schemas.microsoft.com/office/powerpoint/2010/main" xmlns="" val="2249172152"/>
       </p:ext>
     </p:extLst>
   </p:cSld>
   <p:clrMapOvr>
     <a:masterClrMapping/>
   </p:clrMapOvr>
-  <mc:AlternateContent xmlns:mc="http://schemas.openxmlformats.org/markup-compatibility/2006" xmlns:p14="http://schemas.microsoft.com/office/powerpoint/2010/main">
-    <mc:Choice Requires="p14">
+  <mc:AlternateContent xmlns:mc="http://schemas.openxmlformats.org/markup-compatibility/2006">
+    <mc:Choice xmlns:p14="http://schemas.microsoft.com/office/powerpoint/2010/main" xmlns="" Requires="p14">
       <p:transition spd="med" p14:dur="700">
         <p:fade/>
       </p:transition>
     </mc:Choice>
-    <mc:Fallback xmlns="">
+    <mc:Fallback>
       <p:transition spd="med">
         <p:fade/>
       </p:transition>
@@ -6034,7 +6378,7 @@
     </p:spTree>
     <p:extLst>
       <p:ext uri="{BB962C8B-B14F-4D97-AF65-F5344CB8AC3E}">
-        <p14:creationId xmlns:p14="http://schemas.microsoft.com/office/powerpoint/2010/main" val="1403059996"/>
+        <p14:creationId xmlns:p14="http://schemas.microsoft.com/office/powerpoint/2010/main" xmlns="" val="1403059996"/>
       </p:ext>
     </p:extLst>
   </p:cSld>
@@ -6052,13 +6396,13 @@
     <p:sldLayoutId id="2147483658" r:id="rId10"/>
     <p:sldLayoutId id="2147483659" r:id="rId11"/>
   </p:sldLayoutIdLst>
-  <mc:AlternateContent xmlns:mc="http://schemas.openxmlformats.org/markup-compatibility/2006" xmlns:p14="http://schemas.microsoft.com/office/powerpoint/2010/main">
-    <mc:Choice Requires="p14">
+  <mc:AlternateContent xmlns:mc="http://schemas.openxmlformats.org/markup-compatibility/2006">
+    <mc:Choice xmlns:p14="http://schemas.microsoft.com/office/powerpoint/2010/main" xmlns="" Requires="p14">
       <p:transition spd="med" p14:dur="700">
         <p:fade/>
       </p:transition>
     </mc:Choice>
-    <mc:Fallback xmlns="">
+    <mc:Fallback>
       <p:transition spd="med">
         <p:fade/>
       </p:transition>
@@ -6373,7 +6717,7 @@
   </p:txStyles>
   <p:extLst mod="1">
     <p:ext uri="{27BBF7A9-308A-43DC-89C8-2F10F3537804}">
-      <p15:sldGuideLst xmlns:p15="http://schemas.microsoft.com/office/powerpoint/2012/main">
+      <p15:sldGuideLst xmlns:p15="http://schemas.microsoft.com/office/powerpoint/2012/main" xmlns="">
         <p15:guide id="1" pos="3839" userDrawn="1">
           <p15:clr>
             <a:srgbClr val="F26B43"/>
@@ -6425,13 +6769,13 @@
           <a:lstStyle/>
           <a:p>
             <a:r>
-              <a:rPr lang="es-AR" sz="6000" dirty="0" smtClean="0">
+              <a:rPr lang="es-AR" sz="6000" smtClean="0">
                 <a:latin typeface="Segoe UI" panose="020B0502040204020203" pitchFamily="34" charset="0"/>
                 <a:cs typeface="Segoe UI" panose="020B0502040204020203" pitchFamily="34" charset="0"/>
               </a:rPr>
               <a:t>Fuga de Información en los Siglos XIX y XXI</a:t>
             </a:r>
-            <a:endParaRPr lang="es-AR" sz="6000" dirty="0">
+            <a:endParaRPr lang="es-AR" sz="6000">
               <a:latin typeface="Segoe UI" panose="020B0502040204020203" pitchFamily="34" charset="0"/>
               <a:cs typeface="Segoe UI" panose="020B0502040204020203" pitchFamily="34" charset="0"/>
             </a:endParaRPr>
@@ -6454,29 +6798,22 @@
           <a:lstStyle/>
           <a:p>
             <a:r>
-              <a:rPr lang="es-AR" dirty="0" err="1" smtClean="0">
-                <a:latin typeface="Segoe UI" panose="020B0502040204020203" pitchFamily="34" charset="0"/>
-                <a:cs typeface="Segoe UI" panose="020B0502040204020203" pitchFamily="34" charset="0"/>
-              </a:rPr>
-              <a:t>Fiuba</a:t>
-            </a:r>
-            <a:r>
-              <a:rPr lang="es-AR" dirty="0" smtClean="0">
-                <a:latin typeface="Segoe UI" panose="020B0502040204020203" pitchFamily="34" charset="0"/>
-                <a:cs typeface="Segoe UI" panose="020B0502040204020203" pitchFamily="34" charset="0"/>
-              </a:rPr>
-              <a:t> – implantación de sistemas</a:t>
-            </a:r>
-          </a:p>
-          <a:p>
-            <a:r>
-              <a:rPr lang="es-AR" dirty="0" smtClean="0">
+              <a:rPr lang="es-AR" smtClean="0">
+                <a:latin typeface="Segoe UI" panose="020B0502040204020203" pitchFamily="34" charset="0"/>
+                <a:cs typeface="Segoe UI" panose="020B0502040204020203" pitchFamily="34" charset="0"/>
+              </a:rPr>
+              <a:t>Fiuba – implantación de sistemas</a:t>
+            </a:r>
+          </a:p>
+          <a:p>
+            <a:r>
+              <a:rPr lang="es-AR" smtClean="0">
                 <a:latin typeface="Segoe UI" panose="020B0502040204020203" pitchFamily="34" charset="0"/>
                 <a:cs typeface="Segoe UI" panose="020B0502040204020203" pitchFamily="34" charset="0"/>
               </a:rPr>
               <a:t>Noviembre de 2014</a:t>
             </a:r>
-            <a:endParaRPr lang="es-AR" dirty="0">
+            <a:endParaRPr lang="es-AR">
               <a:latin typeface="Segoe UI" panose="020B0502040204020203" pitchFamily="34" charset="0"/>
               <a:cs typeface="Segoe UI" panose="020B0502040204020203" pitchFamily="34" charset="0"/>
             </a:endParaRPr>
@@ -6495,7 +6832,7 @@
           <a:blip r:embed="rId2" cstate="print">
             <a:extLst>
               <a:ext uri="{28A0092B-C50C-407E-A947-70E740481C1C}">
-                <a14:useLocalDpi xmlns:a14="http://schemas.microsoft.com/office/drawing/2010/main" val="0"/>
+                <a14:useLocalDpi xmlns:a14="http://schemas.microsoft.com/office/drawing/2010/main" xmlns="" val="0"/>
               </a:ext>
             </a:extLst>
           </a:blip>
@@ -6515,7 +6852,7 @@
           <a:noFill/>
           <a:extLst>
             <a:ext uri="{909E8E84-426E-40DD-AFC4-6F175D3DCCD1}">
-              <a14:hiddenFill xmlns:a14="http://schemas.microsoft.com/office/drawing/2010/main">
+              <a14:hiddenFill xmlns:a14="http://schemas.microsoft.com/office/drawing/2010/main" xmlns="">
                 <a:solidFill>
                   <a:srgbClr val="FFFFFF"/>
                 </a:solidFill>
@@ -6527,20 +6864,20 @@
     </p:spTree>
     <p:extLst>
       <p:ext uri="{BB962C8B-B14F-4D97-AF65-F5344CB8AC3E}">
-        <p14:creationId xmlns:p14="http://schemas.microsoft.com/office/powerpoint/2010/main" val="2808920126"/>
+        <p14:creationId xmlns:p14="http://schemas.microsoft.com/office/powerpoint/2010/main" xmlns="" val="2808920126"/>
       </p:ext>
     </p:extLst>
   </p:cSld>
   <p:clrMapOvr>
     <a:masterClrMapping/>
   </p:clrMapOvr>
-  <mc:AlternateContent xmlns:mc="http://schemas.openxmlformats.org/markup-compatibility/2006" xmlns:p14="http://schemas.microsoft.com/office/powerpoint/2010/main">
-    <mc:Choice Requires="p14">
+  <mc:AlternateContent xmlns:mc="http://schemas.openxmlformats.org/markup-compatibility/2006">
+    <mc:Choice xmlns:p14="http://schemas.microsoft.com/office/powerpoint/2010/main" xmlns="" Requires="p14">
       <p:transition spd="med" p14:dur="700">
         <p:fade/>
       </p:transition>
     </mc:Choice>
-    <mc:Fallback xmlns="">
+    <mc:Fallback>
       <p:transition spd="med">
         <p:fade/>
       </p:transition>
@@ -6778,20 +7115,20 @@
     </p:spTree>
     <p:extLst>
       <p:ext uri="{BB962C8B-B14F-4D97-AF65-F5344CB8AC3E}">
-        <p14:creationId xmlns:p14="http://schemas.microsoft.com/office/powerpoint/2010/main" val="4207303638"/>
+        <p14:creationId xmlns:p14="http://schemas.microsoft.com/office/powerpoint/2010/main" xmlns="" val="4207303638"/>
       </p:ext>
     </p:extLst>
   </p:cSld>
   <p:clrMapOvr>
     <a:masterClrMapping/>
   </p:clrMapOvr>
-  <mc:AlternateContent xmlns:mc="http://schemas.openxmlformats.org/markup-compatibility/2006" xmlns:p14="http://schemas.microsoft.com/office/powerpoint/2010/main">
-    <mc:Choice Requires="p14">
+  <mc:AlternateContent xmlns:mc="http://schemas.openxmlformats.org/markup-compatibility/2006">
+    <mc:Choice xmlns:p14="http://schemas.microsoft.com/office/powerpoint/2010/main" xmlns="" Requires="p14">
       <p:transition spd="med" p14:dur="700">
         <p:fade/>
       </p:transition>
     </mc:Choice>
-    <mc:Fallback xmlns="">
+    <mc:Fallback>
       <p:transition spd="med">
         <p:fade/>
       </p:transition>
@@ -6885,20 +7222,20 @@
     </p:spTree>
     <p:extLst>
       <p:ext uri="{BB962C8B-B14F-4D97-AF65-F5344CB8AC3E}">
-        <p14:creationId xmlns:p14="http://schemas.microsoft.com/office/powerpoint/2010/main" val="3772183175"/>
+        <p14:creationId xmlns:p14="http://schemas.microsoft.com/office/powerpoint/2010/main" xmlns="" val="3772183175"/>
       </p:ext>
     </p:extLst>
   </p:cSld>
   <p:clrMapOvr>
     <a:masterClrMapping/>
   </p:clrMapOvr>
-  <mc:AlternateContent xmlns:mc="http://schemas.openxmlformats.org/markup-compatibility/2006" xmlns:p14="http://schemas.microsoft.com/office/powerpoint/2010/main">
-    <mc:Choice Requires="p14">
+  <mc:AlternateContent xmlns:mc="http://schemas.openxmlformats.org/markup-compatibility/2006">
+    <mc:Choice xmlns:p14="http://schemas.microsoft.com/office/powerpoint/2010/main" xmlns="" Requires="p14">
       <p:transition spd="med" p14:dur="700">
         <p:fade/>
       </p:transition>
     </mc:Choice>
-    <mc:Fallback xmlns="">
+    <mc:Fallback>
       <p:transition spd="med">
         <p:fade/>
       </p:transition>
@@ -7106,20 +7443,20 @@
     </p:spTree>
     <p:extLst>
       <p:ext uri="{BB962C8B-B14F-4D97-AF65-F5344CB8AC3E}">
-        <p14:creationId xmlns:p14="http://schemas.microsoft.com/office/powerpoint/2010/main" val="911844652"/>
+        <p14:creationId xmlns:p14="http://schemas.microsoft.com/office/powerpoint/2010/main" xmlns="" val="911844652"/>
       </p:ext>
     </p:extLst>
   </p:cSld>
   <p:clrMapOvr>
     <a:masterClrMapping/>
   </p:clrMapOvr>
-  <mc:AlternateContent xmlns:mc="http://schemas.openxmlformats.org/markup-compatibility/2006" xmlns:p14="http://schemas.microsoft.com/office/powerpoint/2010/main">
-    <mc:Choice Requires="p14">
+  <mc:AlternateContent xmlns:mc="http://schemas.openxmlformats.org/markup-compatibility/2006">
+    <mc:Choice xmlns:p14="http://schemas.microsoft.com/office/powerpoint/2010/main" xmlns="" Requires="p14">
       <p:transition spd="med" p14:dur="700">
         <p:fade/>
       </p:transition>
     </mc:Choice>
-    <mc:Fallback xmlns="">
+    <mc:Fallback>
       <p:transition spd="med">
         <p:fade/>
       </p:transition>
@@ -7289,20 +7626,20 @@
     </p:spTree>
     <p:extLst>
       <p:ext uri="{BB962C8B-B14F-4D97-AF65-F5344CB8AC3E}">
-        <p14:creationId xmlns:p14="http://schemas.microsoft.com/office/powerpoint/2010/main" val="3751154171"/>
+        <p14:creationId xmlns:p14="http://schemas.microsoft.com/office/powerpoint/2010/main" xmlns="" val="3751154171"/>
       </p:ext>
     </p:extLst>
   </p:cSld>
   <p:clrMapOvr>
     <a:masterClrMapping/>
   </p:clrMapOvr>
-  <mc:AlternateContent xmlns:mc="http://schemas.openxmlformats.org/markup-compatibility/2006" xmlns:p14="http://schemas.microsoft.com/office/powerpoint/2010/main">
-    <mc:Choice Requires="p14">
+  <mc:AlternateContent xmlns:mc="http://schemas.openxmlformats.org/markup-compatibility/2006">
+    <mc:Choice xmlns:p14="http://schemas.microsoft.com/office/powerpoint/2010/main" xmlns="" Requires="p14">
       <p:transition spd="med" p14:dur="700">
         <p:fade/>
       </p:transition>
     </mc:Choice>
-    <mc:Fallback xmlns="">
+    <mc:Fallback>
       <p:transition spd="med">
         <p:fade/>
       </p:transition>
@@ -7474,20 +7811,20 @@
     </p:spTree>
     <p:extLst>
       <p:ext uri="{BB962C8B-B14F-4D97-AF65-F5344CB8AC3E}">
-        <p14:creationId xmlns:p14="http://schemas.microsoft.com/office/powerpoint/2010/main" val="2714171304"/>
+        <p14:creationId xmlns:p14="http://schemas.microsoft.com/office/powerpoint/2010/main" xmlns="" val="2714171304"/>
       </p:ext>
     </p:extLst>
   </p:cSld>
   <p:clrMapOvr>
     <a:masterClrMapping/>
   </p:clrMapOvr>
-  <mc:AlternateContent xmlns:mc="http://schemas.openxmlformats.org/markup-compatibility/2006" xmlns:p14="http://schemas.microsoft.com/office/powerpoint/2010/main">
-    <mc:Choice Requires="p14">
+  <mc:AlternateContent xmlns:mc="http://schemas.openxmlformats.org/markup-compatibility/2006">
+    <mc:Choice xmlns:p14="http://schemas.microsoft.com/office/powerpoint/2010/main" xmlns="" Requires="p14">
       <p:transition spd="med" p14:dur="700">
         <p:fade/>
       </p:transition>
     </mc:Choice>
-    <mc:Fallback xmlns="">
+    <mc:Fallback>
       <p:transition spd="med">
         <p:fade/>
       </p:transition>
@@ -7660,20 +7997,20 @@
     </p:spTree>
     <p:extLst>
       <p:ext uri="{BB962C8B-B14F-4D97-AF65-F5344CB8AC3E}">
-        <p14:creationId xmlns:p14="http://schemas.microsoft.com/office/powerpoint/2010/main" val="2246987516"/>
+        <p14:creationId xmlns:p14="http://schemas.microsoft.com/office/powerpoint/2010/main" xmlns="" val="2246987516"/>
       </p:ext>
     </p:extLst>
   </p:cSld>
   <p:clrMapOvr>
     <a:masterClrMapping/>
   </p:clrMapOvr>
-  <mc:AlternateContent xmlns:mc="http://schemas.openxmlformats.org/markup-compatibility/2006" xmlns:p14="http://schemas.microsoft.com/office/powerpoint/2010/main">
-    <mc:Choice Requires="p14">
+  <mc:AlternateContent xmlns:mc="http://schemas.openxmlformats.org/markup-compatibility/2006">
+    <mc:Choice xmlns:p14="http://schemas.microsoft.com/office/powerpoint/2010/main" xmlns="" Requires="p14">
       <p:transition spd="med" p14:dur="700">
         <p:fade/>
       </p:transition>
     </mc:Choice>
-    <mc:Fallback xmlns="">
+    <mc:Fallback>
       <p:transition spd="med">
         <p:fade/>
       </p:transition>
@@ -7825,20 +8162,20 @@
     </p:spTree>
     <p:extLst>
       <p:ext uri="{BB962C8B-B14F-4D97-AF65-F5344CB8AC3E}">
-        <p14:creationId xmlns:p14="http://schemas.microsoft.com/office/powerpoint/2010/main" val="3025649002"/>
+        <p14:creationId xmlns:p14="http://schemas.microsoft.com/office/powerpoint/2010/main" xmlns="" val="3025649002"/>
       </p:ext>
     </p:extLst>
   </p:cSld>
   <p:clrMapOvr>
     <a:masterClrMapping/>
   </p:clrMapOvr>
-  <mc:AlternateContent xmlns:mc="http://schemas.openxmlformats.org/markup-compatibility/2006" xmlns:p14="http://schemas.microsoft.com/office/powerpoint/2010/main">
-    <mc:Choice Requires="p14">
+  <mc:AlternateContent xmlns:mc="http://schemas.openxmlformats.org/markup-compatibility/2006">
+    <mc:Choice xmlns:p14="http://schemas.microsoft.com/office/powerpoint/2010/main" xmlns="" Requires="p14">
       <p:transition spd="med" p14:dur="700">
         <p:fade/>
       </p:transition>
     </mc:Choice>
-    <mc:Fallback xmlns="">
+    <mc:Fallback>
       <p:transition spd="med">
         <p:fade/>
       </p:transition>
@@ -7943,34 +8280,16 @@
                 <a:latin typeface="Segoe UI" panose="020B0502040204020203" pitchFamily="34" charset="0"/>
                 <a:cs typeface="Segoe UI" panose="020B0502040204020203" pitchFamily="34" charset="0"/>
               </a:rPr>
-              <a:t>Patentes de </a:t>
-            </a:r>
+              <a:t>Patentes de invención</a:t>
+            </a:r>
+          </a:p>
+          <a:p>
             <a:r>
               <a:rPr lang="es-AR" dirty="0" smtClean="0">
                 <a:latin typeface="Segoe UI" panose="020B0502040204020203" pitchFamily="34" charset="0"/>
                 <a:cs typeface="Segoe UI" panose="020B0502040204020203" pitchFamily="34" charset="0"/>
               </a:rPr>
-              <a:t>invención</a:t>
-            </a:r>
-            <a:endParaRPr lang="es-AR" dirty="0" smtClean="0">
-              <a:latin typeface="Segoe UI" panose="020B0502040204020203" pitchFamily="34" charset="0"/>
-              <a:cs typeface="Segoe UI" panose="020B0502040204020203" pitchFamily="34" charset="0"/>
-            </a:endParaRPr>
-          </a:p>
-          <a:p>
-            <a:r>
-              <a:rPr lang="es-AR" dirty="0" smtClean="0">
-                <a:latin typeface="Segoe UI" panose="020B0502040204020203" pitchFamily="34" charset="0"/>
-                <a:cs typeface="Segoe UI" panose="020B0502040204020203" pitchFamily="34" charset="0"/>
-              </a:rPr>
-              <a:t>Cajas </a:t>
-            </a:r>
-            <a:r>
-              <a:rPr lang="es-AR" dirty="0" smtClean="0">
-                <a:latin typeface="Segoe UI" panose="020B0502040204020203" pitchFamily="34" charset="0"/>
-                <a:cs typeface="Segoe UI" panose="020B0502040204020203" pitchFamily="34" charset="0"/>
-              </a:rPr>
-              <a:t>de seguridad</a:t>
+              <a:t>Cajas de seguridad</a:t>
             </a:r>
           </a:p>
           <a:p>
@@ -7987,20 +8306,20 @@
     </p:spTree>
     <p:extLst>
       <p:ext uri="{BB962C8B-B14F-4D97-AF65-F5344CB8AC3E}">
-        <p14:creationId xmlns:p14="http://schemas.microsoft.com/office/powerpoint/2010/main" val="3410413250"/>
+        <p14:creationId xmlns:p14="http://schemas.microsoft.com/office/powerpoint/2010/main" xmlns="" val="3410413250"/>
       </p:ext>
     </p:extLst>
   </p:cSld>
   <p:clrMapOvr>
     <a:masterClrMapping/>
   </p:clrMapOvr>
-  <mc:AlternateContent xmlns:mc="http://schemas.openxmlformats.org/markup-compatibility/2006" xmlns:p14="http://schemas.microsoft.com/office/powerpoint/2010/main">
-    <mc:Choice Requires="p14">
+  <mc:AlternateContent xmlns:mc="http://schemas.openxmlformats.org/markup-compatibility/2006">
+    <mc:Choice xmlns:p14="http://schemas.microsoft.com/office/powerpoint/2010/main" xmlns="" Requires="p14">
       <p:transition spd="med" p14:dur="700">
         <p:fade/>
       </p:transition>
     </mc:Choice>
-    <mc:Fallback xmlns="">
+    <mc:Fallback>
       <p:transition spd="med">
         <p:fade/>
       </p:transition>
@@ -8200,20 +8519,20 @@
     </p:spTree>
     <p:extLst>
       <p:ext uri="{BB962C8B-B14F-4D97-AF65-F5344CB8AC3E}">
-        <p14:creationId xmlns:p14="http://schemas.microsoft.com/office/powerpoint/2010/main" val="23673588"/>
+        <p14:creationId xmlns:p14="http://schemas.microsoft.com/office/powerpoint/2010/main" xmlns="" val="23673588"/>
       </p:ext>
     </p:extLst>
   </p:cSld>
   <p:clrMapOvr>
     <a:masterClrMapping/>
   </p:clrMapOvr>
-  <mc:AlternateContent xmlns:mc="http://schemas.openxmlformats.org/markup-compatibility/2006" xmlns:p14="http://schemas.microsoft.com/office/powerpoint/2010/main">
-    <mc:Choice Requires="p14">
+  <mc:AlternateContent xmlns:mc="http://schemas.openxmlformats.org/markup-compatibility/2006">
+    <mc:Choice xmlns:p14="http://schemas.microsoft.com/office/powerpoint/2010/main" xmlns="" Requires="p14">
       <p:transition spd="med" p14:dur="700">
         <p:fade/>
       </p:transition>
     </mc:Choice>
-    <mc:Fallback xmlns="">
+    <mc:Fallback>
       <p:transition spd="med">
         <p:fade/>
       </p:transition>
@@ -8472,20 +8791,20 @@
     </p:spTree>
     <p:extLst>
       <p:ext uri="{BB962C8B-B14F-4D97-AF65-F5344CB8AC3E}">
-        <p14:creationId xmlns:p14="http://schemas.microsoft.com/office/powerpoint/2010/main" val="3632379430"/>
+        <p14:creationId xmlns:p14="http://schemas.microsoft.com/office/powerpoint/2010/main" xmlns="" val="3632379430"/>
       </p:ext>
     </p:extLst>
   </p:cSld>
   <p:clrMapOvr>
     <a:masterClrMapping/>
   </p:clrMapOvr>
-  <mc:AlternateContent xmlns:mc="http://schemas.openxmlformats.org/markup-compatibility/2006" xmlns:p14="http://schemas.microsoft.com/office/powerpoint/2010/main">
-    <mc:Choice Requires="p14">
+  <mc:AlternateContent xmlns:mc="http://schemas.openxmlformats.org/markup-compatibility/2006">
+    <mc:Choice xmlns:p14="http://schemas.microsoft.com/office/powerpoint/2010/main" xmlns="" Requires="p14">
       <p:transition spd="med" p14:dur="700">
         <p:fade/>
       </p:transition>
     </mc:Choice>
-    <mc:Fallback xmlns="">
+    <mc:Fallback>
       <p:transition spd="med">
         <p:fade/>
       </p:transition>
@@ -8534,7 +8853,7 @@
           <a:lstStyle/>
           <a:p>
             <a:r>
-              <a:rPr lang="en-US" spc="0" dirty="0" err="1" smtClean="0">
+              <a:rPr lang="es-AR" spc="0" smtClean="0">
                 <a:ln w="0"/>
                 <a:solidFill>
                   <a:schemeClr val="accent1"/>
@@ -8551,7 +8870,7 @@
               </a:rPr>
               <a:t>Integrantes</a:t>
             </a:r>
-            <a:endParaRPr lang="en-US" spc="0" dirty="0">
+            <a:endParaRPr lang="es-AR" spc="0">
               <a:ln w="0"/>
               <a:solidFill>
                 <a:schemeClr val="accent1"/>
@@ -8585,7 +8904,7 @@
           <a:lstStyle/>
           <a:p>
             <a:r>
-              <a:rPr lang="en-US" dirty="0" smtClean="0">
+              <a:rPr lang="es-AR" smtClean="0">
                 <a:latin typeface="Segoe UI" panose="020B0502040204020203" pitchFamily="34" charset="0"/>
                 <a:cs typeface="Segoe UI" panose="020B0502040204020203" pitchFamily="34" charset="0"/>
               </a:rPr>
@@ -8594,63 +8913,106 @@
           </a:p>
           <a:p>
             <a:r>
-              <a:rPr lang="en-US" dirty="0" smtClean="0">
-                <a:latin typeface="Segoe UI" panose="020B0502040204020203" pitchFamily="34" charset="0"/>
-                <a:cs typeface="Segoe UI" panose="020B0502040204020203" pitchFamily="34" charset="0"/>
-              </a:rPr>
-              <a:t>Santiago Maraggi</a:t>
-            </a:r>
-          </a:p>
-          <a:p>
-            <a:r>
-              <a:rPr lang="en-US" dirty="0" smtClean="0">
-                <a:latin typeface="Segoe UI" panose="020B0502040204020203" pitchFamily="34" charset="0"/>
-                <a:cs typeface="Segoe UI" panose="020B0502040204020203" pitchFamily="34" charset="0"/>
-              </a:rPr>
-              <a:t>Yi Cheng Zhang</a:t>
-            </a:r>
-          </a:p>
-          <a:p>
-            <a:r>
-              <a:rPr lang="es-AR" dirty="0" smtClean="0">
-                <a:latin typeface="Segoe UI" panose="020B0502040204020203" pitchFamily="34" charset="0"/>
-                <a:cs typeface="Segoe UI" panose="020B0502040204020203" pitchFamily="34" charset="0"/>
-              </a:rPr>
-              <a:t>Miguel Angel Schmidt</a:t>
-            </a:r>
-          </a:p>
-          <a:p>
-            <a:r>
-              <a:rPr lang="es-AR" dirty="0" smtClean="0">
-                <a:latin typeface="Segoe UI" panose="020B0502040204020203" pitchFamily="34" charset="0"/>
-                <a:cs typeface="Segoe UI" panose="020B0502040204020203" pitchFamily="34" charset="0"/>
-              </a:rPr>
-              <a:t>María Inés Parnisari</a:t>
-            </a:r>
-            <a:endParaRPr lang="en-US" dirty="0" smtClean="0">
+              <a:rPr lang="es-AR" smtClean="0">
+                <a:latin typeface="Segoe UI" panose="020B0502040204020203" pitchFamily="34" charset="0"/>
+                <a:cs typeface="Segoe UI" panose="020B0502040204020203" pitchFamily="34" charset="0"/>
+              </a:rPr>
+              <a:t>Santiago </a:t>
+            </a:r>
+            <a:r>
+              <a:rPr lang="es-AR" smtClean="0">
+                <a:latin typeface="Segoe UI" panose="020B0502040204020203" pitchFamily="34" charset="0"/>
+                <a:cs typeface="Segoe UI" panose="020B0502040204020203" pitchFamily="34" charset="0"/>
+              </a:rPr>
+              <a:t>Maraggi</a:t>
+            </a:r>
+            <a:endParaRPr lang="es-AR" smtClean="0">
               <a:latin typeface="Segoe UI" panose="020B0502040204020203" pitchFamily="34" charset="0"/>
               <a:cs typeface="Segoe UI" panose="020B0502040204020203" pitchFamily="34" charset="0"/>
             </a:endParaRPr>
           </a:p>
+          <a:p>
+            <a:r>
+              <a:rPr lang="es-AR" smtClean="0">
+                <a:latin typeface="Segoe UI" panose="020B0502040204020203" pitchFamily="34" charset="0"/>
+                <a:cs typeface="Segoe UI" panose="020B0502040204020203" pitchFamily="34" charset="0"/>
+              </a:rPr>
+              <a:t>Yi Cheng </a:t>
+            </a:r>
+            <a:r>
+              <a:rPr lang="es-AR" smtClean="0">
+                <a:latin typeface="Segoe UI" panose="020B0502040204020203" pitchFamily="34" charset="0"/>
+                <a:cs typeface="Segoe UI" panose="020B0502040204020203" pitchFamily="34" charset="0"/>
+              </a:rPr>
+              <a:t>Zhang</a:t>
+            </a:r>
+            <a:endParaRPr lang="es-AR" smtClean="0">
+              <a:latin typeface="Segoe UI" panose="020B0502040204020203" pitchFamily="34" charset="0"/>
+              <a:cs typeface="Segoe UI" panose="020B0502040204020203" pitchFamily="34" charset="0"/>
+            </a:endParaRPr>
+          </a:p>
+          <a:p>
+            <a:r>
+              <a:rPr lang="es-AR" smtClean="0">
+                <a:latin typeface="Segoe UI" panose="020B0502040204020203" pitchFamily="34" charset="0"/>
+                <a:cs typeface="Segoe UI" panose="020B0502040204020203" pitchFamily="34" charset="0"/>
+              </a:rPr>
+              <a:t>Miguel </a:t>
+            </a:r>
+            <a:r>
+              <a:rPr lang="es-AR" smtClean="0">
+                <a:latin typeface="Segoe UI" panose="020B0502040204020203" pitchFamily="34" charset="0"/>
+                <a:cs typeface="Segoe UI" panose="020B0502040204020203" pitchFamily="34" charset="0"/>
+              </a:rPr>
+              <a:t>Angel Schmidt</a:t>
+            </a:r>
+          </a:p>
+          <a:p>
+            <a:r>
+              <a:rPr lang="es-AR" smtClean="0">
+                <a:latin typeface="Segoe UI" panose="020B0502040204020203" pitchFamily="34" charset="0"/>
+                <a:cs typeface="Segoe UI" panose="020B0502040204020203" pitchFamily="34" charset="0"/>
+              </a:rPr>
+              <a:t>María </a:t>
+            </a:r>
+            <a:r>
+              <a:rPr lang="es-AR" smtClean="0">
+                <a:latin typeface="Segoe UI" panose="020B0502040204020203" pitchFamily="34" charset="0"/>
+                <a:cs typeface="Segoe UI" panose="020B0502040204020203" pitchFamily="34" charset="0"/>
+              </a:rPr>
+              <a:t>Inés </a:t>
+            </a:r>
+            <a:r>
+              <a:rPr lang="es-AR" smtClean="0">
+                <a:latin typeface="Segoe UI" panose="020B0502040204020203" pitchFamily="34" charset="0"/>
+                <a:cs typeface="Segoe UI" panose="020B0502040204020203" pitchFamily="34" charset="0"/>
+              </a:rPr>
+              <a:t>Parnisari</a:t>
+            </a:r>
+            <a:endParaRPr lang="es-AR" smtClean="0">
+              <a:latin typeface="Segoe UI" panose="020B0502040204020203" pitchFamily="34" charset="0"/>
+              <a:cs typeface="Segoe UI" panose="020B0502040204020203" pitchFamily="34" charset="0"/>
+            </a:endParaRPr>
+          </a:p>
         </p:txBody>
       </p:sp>
     </p:spTree>
     <p:extLst>
       <p:ext uri="{BB962C8B-B14F-4D97-AF65-F5344CB8AC3E}">
-        <p14:creationId xmlns:p14="http://schemas.microsoft.com/office/powerpoint/2010/main" val="2139132589"/>
+        <p14:creationId xmlns:p14="http://schemas.microsoft.com/office/powerpoint/2010/main" xmlns="" val="2139132589"/>
       </p:ext>
     </p:extLst>
   </p:cSld>
   <p:clrMapOvr>
     <a:masterClrMapping/>
   </p:clrMapOvr>
-  <mc:AlternateContent xmlns:mc="http://schemas.openxmlformats.org/markup-compatibility/2006" xmlns:p14="http://schemas.microsoft.com/office/powerpoint/2010/main">
-    <mc:Choice Requires="p14">
+  <mc:AlternateContent xmlns:mc="http://schemas.openxmlformats.org/markup-compatibility/2006">
+    <mc:Choice xmlns:p14="http://schemas.microsoft.com/office/powerpoint/2010/main" xmlns="" Requires="p14">
       <p:transition spd="med" p14:dur="700">
         <p:fade/>
       </p:transition>
     </mc:Choice>
-    <mc:Fallback xmlns="">
+    <mc:Fallback>
       <p:transition spd="med">
         <p:fade/>
       </p:transition>
@@ -8878,20 +9240,20 @@
     </p:spTree>
     <p:extLst>
       <p:ext uri="{BB962C8B-B14F-4D97-AF65-F5344CB8AC3E}">
-        <p14:creationId xmlns:p14="http://schemas.microsoft.com/office/powerpoint/2010/main" val="3204325395"/>
+        <p14:creationId xmlns:p14="http://schemas.microsoft.com/office/powerpoint/2010/main" xmlns="" val="3204325395"/>
       </p:ext>
     </p:extLst>
   </p:cSld>
   <p:clrMapOvr>
     <a:masterClrMapping/>
   </p:clrMapOvr>
-  <mc:AlternateContent xmlns:mc="http://schemas.openxmlformats.org/markup-compatibility/2006" xmlns:p14="http://schemas.microsoft.com/office/powerpoint/2010/main">
-    <mc:Choice Requires="p14">
+  <mc:AlternateContent xmlns:mc="http://schemas.openxmlformats.org/markup-compatibility/2006">
+    <mc:Choice xmlns:p14="http://schemas.microsoft.com/office/powerpoint/2010/main" xmlns="" Requires="p14">
       <p:transition spd="med" p14:dur="700">
         <p:fade/>
       </p:transition>
     </mc:Choice>
-    <mc:Fallback xmlns="">
+    <mc:Fallback>
       <p:transition spd="med">
         <p:fade/>
       </p:transition>
@@ -9077,20 +9439,20 @@
     </p:spTree>
     <p:extLst>
       <p:ext uri="{BB962C8B-B14F-4D97-AF65-F5344CB8AC3E}">
-        <p14:creationId xmlns:p14="http://schemas.microsoft.com/office/powerpoint/2010/main" val="1496383053"/>
+        <p14:creationId xmlns:p14="http://schemas.microsoft.com/office/powerpoint/2010/main" xmlns="" val="1496383053"/>
       </p:ext>
     </p:extLst>
   </p:cSld>
   <p:clrMapOvr>
     <a:masterClrMapping/>
   </p:clrMapOvr>
-  <mc:AlternateContent xmlns:mc="http://schemas.openxmlformats.org/markup-compatibility/2006" xmlns:p14="http://schemas.microsoft.com/office/powerpoint/2010/main">
-    <mc:Choice Requires="p14">
+  <mc:AlternateContent xmlns:mc="http://schemas.openxmlformats.org/markup-compatibility/2006">
+    <mc:Choice xmlns:p14="http://schemas.microsoft.com/office/powerpoint/2010/main" xmlns="" Requires="p14">
       <p:transition spd="med" p14:dur="700">
         <p:fade/>
       </p:transition>
     </mc:Choice>
-    <mc:Fallback xmlns="">
+    <mc:Fallback>
       <p:transition spd="med">
         <p:fade/>
       </p:transition>
@@ -9139,7 +9501,7 @@
           <a:lstStyle/>
           <a:p>
             <a:r>
-              <a:rPr lang="en-US" spc="0" dirty="0" err="1">
+              <a:rPr lang="es-AR" spc="0" smtClean="0">
                 <a:ln w="0"/>
                 <a:solidFill>
                   <a:schemeClr val="accent1"/>
@@ -9157,7 +9519,7 @@
               <a:t>Siglo</a:t>
             </a:r>
             <a:r>
-              <a:rPr lang="en-US" spc="0" dirty="0">
+              <a:rPr lang="es-AR" spc="0" smtClean="0">
                 <a:ln w="0"/>
                 <a:solidFill>
                   <a:schemeClr val="accent1"/>
@@ -9175,7 +9537,7 @@
               <a:t> XIX – </a:t>
             </a:r>
             <a:r>
-              <a:rPr lang="en-US" spc="0" dirty="0" err="1" smtClean="0">
+              <a:rPr lang="es-AR" spc="0" smtClean="0">
                 <a:ln w="0"/>
                 <a:solidFill>
                   <a:schemeClr val="accent1"/>
@@ -9192,7 +9554,7 @@
               </a:rPr>
               <a:t>Riesgos</a:t>
             </a:r>
-            <a:endParaRPr lang="en-US" spc="0" dirty="0">
+            <a:endParaRPr lang="es-AR" spc="0">
               <a:ln w="0"/>
               <a:solidFill>
                 <a:schemeClr val="accent1"/>
@@ -9226,7 +9588,7 @@
           <a:lstStyle/>
           <a:p>
             <a:r>
-              <a:rPr lang="es-AR" dirty="0" smtClean="0">
+              <a:rPr lang="es-AR" smtClean="0">
                 <a:latin typeface="Segoe UI" pitchFamily="34" charset="0"/>
                 <a:ea typeface="Segoe UI" pitchFamily="34" charset="0"/>
                 <a:cs typeface="Segoe UI" pitchFamily="34" charset="0"/>
@@ -9236,7 +9598,7 @@
           </a:p>
           <a:p>
             <a:r>
-              <a:rPr lang="es-AR" dirty="0" smtClean="0">
+              <a:rPr lang="es-AR" smtClean="0">
                 <a:latin typeface="Segoe UI" pitchFamily="34" charset="0"/>
                 <a:ea typeface="Segoe UI" pitchFamily="34" charset="0"/>
                 <a:cs typeface="Segoe UI" pitchFamily="34" charset="0"/>
@@ -9246,7 +9608,7 @@
           </a:p>
           <a:p>
             <a:r>
-              <a:rPr lang="es-AR" dirty="0" smtClean="0">
+              <a:rPr lang="es-AR" smtClean="0">
                 <a:latin typeface="Segoe UI" pitchFamily="34" charset="0"/>
                 <a:ea typeface="Segoe UI" pitchFamily="34" charset="0"/>
                 <a:cs typeface="Segoe UI" pitchFamily="34" charset="0"/>
@@ -9256,7 +9618,7 @@
           </a:p>
           <a:p>
             <a:r>
-              <a:rPr lang="es-AR" dirty="0" smtClean="0">
+              <a:rPr lang="es-AR" smtClean="0">
                 <a:latin typeface="Segoe UI" pitchFamily="34" charset="0"/>
                 <a:ea typeface="Segoe UI" pitchFamily="34" charset="0"/>
                 <a:cs typeface="Segoe UI" pitchFamily="34" charset="0"/>
@@ -9266,7 +9628,7 @@
           </a:p>
           <a:p>
             <a:r>
-              <a:rPr lang="es-AR" dirty="0" smtClean="0">
+              <a:rPr lang="es-AR" smtClean="0">
                 <a:latin typeface="Segoe UI" pitchFamily="34" charset="0"/>
                 <a:ea typeface="Segoe UI" pitchFamily="34" charset="0"/>
                 <a:cs typeface="Segoe UI" pitchFamily="34" charset="0"/>
@@ -9276,7 +9638,7 @@
           </a:p>
           <a:p>
             <a:r>
-              <a:rPr lang="es-AR" dirty="0" smtClean="0">
+              <a:rPr lang="es-AR" smtClean="0">
                 <a:latin typeface="Segoe UI" pitchFamily="34" charset="0"/>
                 <a:ea typeface="Segoe UI" pitchFamily="34" charset="0"/>
                 <a:cs typeface="Segoe UI" pitchFamily="34" charset="0"/>
@@ -9287,7 +9649,7 @@
           <a:p>
             <a:pPr lvl="1"/>
             <a:r>
-              <a:rPr lang="es-AR" dirty="0" smtClean="0">
+              <a:rPr lang="es-AR" smtClean="0">
                 <a:latin typeface="Segoe UI" pitchFamily="34" charset="0"/>
                 <a:ea typeface="Segoe UI" pitchFamily="34" charset="0"/>
                 <a:cs typeface="Segoe UI" pitchFamily="34" charset="0"/>
@@ -9300,20 +9662,20 @@
     </p:spTree>
     <p:extLst>
       <p:ext uri="{BB962C8B-B14F-4D97-AF65-F5344CB8AC3E}">
-        <p14:creationId xmlns:p14="http://schemas.microsoft.com/office/powerpoint/2010/main" val="1679218424"/>
+        <p14:creationId xmlns:p14="http://schemas.microsoft.com/office/powerpoint/2010/main" xmlns="" val="1679218424"/>
       </p:ext>
     </p:extLst>
   </p:cSld>
   <p:clrMapOvr>
     <a:masterClrMapping/>
   </p:clrMapOvr>
-  <mc:AlternateContent xmlns:mc="http://schemas.openxmlformats.org/markup-compatibility/2006" xmlns:p14="http://schemas.microsoft.com/office/powerpoint/2010/main">
-    <mc:Choice Requires="p14">
+  <mc:AlternateContent xmlns:mc="http://schemas.openxmlformats.org/markup-compatibility/2006">
+    <mc:Choice xmlns:p14="http://schemas.microsoft.com/office/powerpoint/2010/main" xmlns="" Requires="p14">
       <p:transition spd="med" p14:dur="700">
         <p:fade/>
       </p:transition>
     </mc:Choice>
-    <mc:Fallback xmlns="">
+    <mc:Fallback>
       <p:transition spd="med">
         <p:fade/>
       </p:transition>
@@ -9551,13 +9913,13 @@
   <p:clrMapOvr>
     <a:masterClrMapping/>
   </p:clrMapOvr>
-  <mc:AlternateContent xmlns:mc="http://schemas.openxmlformats.org/markup-compatibility/2006" xmlns:p14="http://schemas.microsoft.com/office/powerpoint/2010/main">
-    <mc:Choice Requires="p14">
+  <mc:AlternateContent xmlns:mc="http://schemas.openxmlformats.org/markup-compatibility/2006">
+    <mc:Choice xmlns:p14="http://schemas.microsoft.com/office/powerpoint/2010/main" xmlns="" Requires="p14">
       <p:transition spd="med" p14:dur="700">
         <p:fade/>
       </p:transition>
     </mc:Choice>
-    <mc:Fallback xmlns="">
+    <mc:Fallback>
       <p:transition spd="med">
         <p:fade/>
       </p:transition>
@@ -9781,13 +10143,13 @@
   <p:clrMapOvr>
     <a:masterClrMapping/>
   </p:clrMapOvr>
-  <mc:AlternateContent xmlns:mc="http://schemas.openxmlformats.org/markup-compatibility/2006" xmlns:p14="http://schemas.microsoft.com/office/powerpoint/2010/main">
-    <mc:Choice Requires="p14">
+  <mc:AlternateContent xmlns:mc="http://schemas.openxmlformats.org/markup-compatibility/2006">
+    <mc:Choice xmlns:p14="http://schemas.microsoft.com/office/powerpoint/2010/main" xmlns="" Requires="p14">
       <p:transition spd="med" p14:dur="700">
         <p:fade/>
       </p:transition>
     </mc:Choice>
-    <mc:Fallback xmlns="">
+    <mc:Fallback>
       <p:transition spd="med">
         <p:fade/>
       </p:transition>
@@ -9881,20 +10243,20 @@
     </p:spTree>
     <p:extLst>
       <p:ext uri="{BB962C8B-B14F-4D97-AF65-F5344CB8AC3E}">
-        <p14:creationId xmlns:p14="http://schemas.microsoft.com/office/powerpoint/2010/main" val="3439397754"/>
+        <p14:creationId xmlns:p14="http://schemas.microsoft.com/office/powerpoint/2010/main" xmlns="" val="3439397754"/>
       </p:ext>
     </p:extLst>
   </p:cSld>
   <p:clrMapOvr>
     <a:masterClrMapping/>
   </p:clrMapOvr>
-  <mc:AlternateContent xmlns:mc="http://schemas.openxmlformats.org/markup-compatibility/2006" xmlns:p14="http://schemas.microsoft.com/office/powerpoint/2010/main">
-    <mc:Choice Requires="p14">
+  <mc:AlternateContent xmlns:mc="http://schemas.openxmlformats.org/markup-compatibility/2006">
+    <mc:Choice xmlns:p14="http://schemas.microsoft.com/office/powerpoint/2010/main" xmlns="" Requires="p14">
       <p:transition spd="med" p14:dur="700">
         <p:fade/>
       </p:transition>
     </mc:Choice>
-    <mc:Fallback xmlns="">
+    <mc:Fallback>
       <p:transition spd="med">
         <p:fade/>
       </p:transition>
@@ -10063,20 +10425,20 @@
     </p:spTree>
     <p:extLst>
       <p:ext uri="{BB962C8B-B14F-4D97-AF65-F5344CB8AC3E}">
-        <p14:creationId xmlns:p14="http://schemas.microsoft.com/office/powerpoint/2010/main" val="2675216716"/>
+        <p14:creationId xmlns:p14="http://schemas.microsoft.com/office/powerpoint/2010/main" xmlns="" val="2675216716"/>
       </p:ext>
     </p:extLst>
   </p:cSld>
   <p:clrMapOvr>
     <a:masterClrMapping/>
   </p:clrMapOvr>
-  <mc:AlternateContent xmlns:mc="http://schemas.openxmlformats.org/markup-compatibility/2006" xmlns:p14="http://schemas.microsoft.com/office/powerpoint/2010/main">
-    <mc:Choice Requires="p14">
+  <mc:AlternateContent xmlns:mc="http://schemas.openxmlformats.org/markup-compatibility/2006">
+    <mc:Choice xmlns:p14="http://schemas.microsoft.com/office/powerpoint/2010/main" xmlns="" Requires="p14">
       <p:transition spd="med" p14:dur="700">
         <p:fade/>
       </p:transition>
     </mc:Choice>
-    <mc:Fallback xmlns="">
+    <mc:Fallback>
       <p:transition spd="med">
         <p:fade/>
       </p:transition>
@@ -10574,7 +10936,7 @@
           <a:blip r:embed="rId3" cstate="print">
             <a:extLst>
               <a:ext uri="{28A0092B-C50C-407E-A947-70E740481C1C}">
-                <a14:useLocalDpi xmlns:a14="http://schemas.microsoft.com/office/drawing/2010/main" val="0"/>
+                <a14:useLocalDpi xmlns:a14="http://schemas.microsoft.com/office/drawing/2010/main" xmlns="" val="0"/>
               </a:ext>
             </a:extLst>
           </a:blip>
@@ -10594,7 +10956,7 @@
           <a:noFill/>
           <a:extLst>
             <a:ext uri="{909E8E84-426E-40DD-AFC4-6F175D3DCCD1}">
-              <a14:hiddenFill xmlns:a14="http://schemas.microsoft.com/office/drawing/2010/main">
+              <a14:hiddenFill xmlns:a14="http://schemas.microsoft.com/office/drawing/2010/main" xmlns="">
                 <a:solidFill>
                   <a:srgbClr val="FFFFFF"/>
                 </a:solidFill>
@@ -10615,7 +10977,7 @@
           <a:blip r:embed="rId4" cstate="print">
             <a:extLst>
               <a:ext uri="{28A0092B-C50C-407E-A947-70E740481C1C}">
-                <a14:useLocalDpi xmlns:a14="http://schemas.microsoft.com/office/drawing/2010/main" val="0"/>
+                <a14:useLocalDpi xmlns:a14="http://schemas.microsoft.com/office/drawing/2010/main" xmlns="" val="0"/>
               </a:ext>
             </a:extLst>
           </a:blip>
@@ -10635,7 +10997,7 @@
           <a:noFill/>
           <a:extLst>
             <a:ext uri="{909E8E84-426E-40DD-AFC4-6F175D3DCCD1}">
-              <a14:hiddenFill xmlns:a14="http://schemas.microsoft.com/office/drawing/2010/main">
+              <a14:hiddenFill xmlns:a14="http://schemas.microsoft.com/office/drawing/2010/main" xmlns="">
                 <a:solidFill>
                   <a:srgbClr val="FFFFFF"/>
                 </a:solidFill>
@@ -10656,7 +11018,7 @@
           <a:blip r:embed="rId5" cstate="print">
             <a:extLst>
               <a:ext uri="{28A0092B-C50C-407E-A947-70E740481C1C}">
-                <a14:useLocalDpi xmlns:a14="http://schemas.microsoft.com/office/drawing/2010/main" val="0"/>
+                <a14:useLocalDpi xmlns:a14="http://schemas.microsoft.com/office/drawing/2010/main" xmlns="" val="0"/>
               </a:ext>
             </a:extLst>
           </a:blip>
@@ -10676,7 +11038,7 @@
           <a:noFill/>
           <a:extLst>
             <a:ext uri="{909E8E84-426E-40DD-AFC4-6F175D3DCCD1}">
-              <a14:hiddenFill xmlns:a14="http://schemas.microsoft.com/office/drawing/2010/main">
+              <a14:hiddenFill xmlns:a14="http://schemas.microsoft.com/office/drawing/2010/main" xmlns="">
                 <a:solidFill>
                   <a:srgbClr val="FFFFFF"/>
                 </a:solidFill>
@@ -10697,7 +11059,7 @@
           <a:blip r:embed="rId6" cstate="print">
             <a:extLst>
               <a:ext uri="{28A0092B-C50C-407E-A947-70E740481C1C}">
-                <a14:useLocalDpi xmlns:a14="http://schemas.microsoft.com/office/drawing/2010/main" val="0"/>
+                <a14:useLocalDpi xmlns:a14="http://schemas.microsoft.com/office/drawing/2010/main" xmlns="" val="0"/>
               </a:ext>
             </a:extLst>
           </a:blip>
@@ -10717,7 +11079,7 @@
           <a:noFill/>
           <a:extLst>
             <a:ext uri="{909E8E84-426E-40DD-AFC4-6F175D3DCCD1}">
-              <a14:hiddenFill xmlns:a14="http://schemas.microsoft.com/office/drawing/2010/main">
+              <a14:hiddenFill xmlns:a14="http://schemas.microsoft.com/office/drawing/2010/main" xmlns="">
                 <a:solidFill>
                   <a:srgbClr val="FFFFFF"/>
                 </a:solidFill>
@@ -10729,20 +11091,20 @@
     </p:spTree>
     <p:extLst>
       <p:ext uri="{BB962C8B-B14F-4D97-AF65-F5344CB8AC3E}">
-        <p14:creationId xmlns:p14="http://schemas.microsoft.com/office/powerpoint/2010/main" val="2564182459"/>
+        <p14:creationId xmlns:p14="http://schemas.microsoft.com/office/powerpoint/2010/main" xmlns="" val="2564182459"/>
       </p:ext>
     </p:extLst>
   </p:cSld>
   <p:clrMapOvr>
     <a:masterClrMapping/>
   </p:clrMapOvr>
-  <mc:AlternateContent xmlns:mc="http://schemas.openxmlformats.org/markup-compatibility/2006" xmlns:p14="http://schemas.microsoft.com/office/powerpoint/2010/main">
-    <mc:Choice Requires="p14">
+  <mc:AlternateContent xmlns:mc="http://schemas.openxmlformats.org/markup-compatibility/2006">
+    <mc:Choice xmlns:p14="http://schemas.microsoft.com/office/powerpoint/2010/main" xmlns="" Requires="p14">
       <p:transition spd="med" p14:dur="700">
         <p:fade/>
       </p:transition>
     </mc:Choice>
-    <mc:Fallback xmlns="">
+    <mc:Fallback>
       <p:transition spd="med">
         <p:fade/>
       </p:transition>
@@ -10824,25 +11186,7 @@
                 <a:latin typeface="Segoe UI" panose="020B0502040204020203" pitchFamily="34" charset="0"/>
                 <a:cs typeface="Segoe UI" panose="020B0502040204020203" pitchFamily="34" charset="0"/>
               </a:rPr>
-              <a:t> </a:t>
-            </a:r>
-            <a:r>
-              <a:rPr lang="en-US" spc="0" dirty="0" smtClean="0">
-                <a:ln w="0"/>
-                <a:solidFill>
-                  <a:schemeClr val="accent1"/>
-                </a:solidFill>
-                <a:effectLst>
-                  <a:outerShdw blurRad="38100" dist="25400" dir="5400000" algn="ctr" rotWithShape="0">
-                    <a:srgbClr val="6E747A">
-                      <a:alpha val="43000"/>
-                    </a:srgbClr>
-                  </a:outerShdw>
-                </a:effectLst>
-                <a:latin typeface="Segoe UI" panose="020B0502040204020203" pitchFamily="34" charset="0"/>
-                <a:cs typeface="Segoe UI" panose="020B0502040204020203" pitchFamily="34" charset="0"/>
-              </a:rPr>
-              <a:t>de </a:t>
+              <a:t> de </a:t>
             </a:r>
             <a:r>
               <a:rPr lang="en-US" spc="0" dirty="0" err="1" smtClean="0">
@@ -11018,7 +11362,7 @@
           <a:blip r:embed="rId3" cstate="print">
             <a:extLst>
               <a:ext uri="{28A0092B-C50C-407E-A947-70E740481C1C}">
-                <a14:useLocalDpi xmlns:a14="http://schemas.microsoft.com/office/drawing/2010/main" val="0"/>
+                <a14:useLocalDpi xmlns:a14="http://schemas.microsoft.com/office/drawing/2010/main" xmlns="" val="0"/>
               </a:ext>
             </a:extLst>
           </a:blip>
@@ -11038,7 +11382,7 @@
           <a:noFill/>
           <a:extLst>
             <a:ext uri="{909E8E84-426E-40DD-AFC4-6F175D3DCCD1}">
-              <a14:hiddenFill xmlns:a14="http://schemas.microsoft.com/office/drawing/2010/main">
+              <a14:hiddenFill xmlns:a14="http://schemas.microsoft.com/office/drawing/2010/main" xmlns="">
                 <a:solidFill>
                   <a:srgbClr val="FFFFFF"/>
                 </a:solidFill>
@@ -11050,20 +11394,20 @@
     </p:spTree>
     <p:extLst>
       <p:ext uri="{BB962C8B-B14F-4D97-AF65-F5344CB8AC3E}">
-        <p14:creationId xmlns:p14="http://schemas.microsoft.com/office/powerpoint/2010/main" val="3356351472"/>
+        <p14:creationId xmlns:p14="http://schemas.microsoft.com/office/powerpoint/2010/main" xmlns="" val="3356351472"/>
       </p:ext>
     </p:extLst>
   </p:cSld>
   <p:clrMapOvr>
     <a:masterClrMapping/>
   </p:clrMapOvr>
-  <mc:AlternateContent xmlns:mc="http://schemas.openxmlformats.org/markup-compatibility/2006" xmlns:p14="http://schemas.microsoft.com/office/powerpoint/2010/main">
-    <mc:Choice Requires="p14">
+  <mc:AlternateContent xmlns:mc="http://schemas.openxmlformats.org/markup-compatibility/2006">
+    <mc:Choice xmlns:p14="http://schemas.microsoft.com/office/powerpoint/2010/main" xmlns="" Requires="p14">
       <p:transition spd="med" p14:dur="700">
         <p:fade/>
       </p:transition>
     </mc:Choice>
-    <mc:Fallback xmlns="">
+    <mc:Fallback>
       <p:transition spd="med">
         <p:fade/>
       </p:transition>
@@ -11147,25 +11491,7 @@
                 <a:latin typeface="Segoe UI" panose="020B0502040204020203" pitchFamily="34" charset="0"/>
                 <a:cs typeface="Segoe UI" panose="020B0502040204020203" pitchFamily="34" charset="0"/>
               </a:rPr>
-              <a:t> </a:t>
-            </a:r>
-            <a:r>
-              <a:rPr lang="en-US" spc="0" dirty="0" smtClean="0">
-                <a:ln w="0"/>
-                <a:solidFill>
-                  <a:schemeClr val="accent1"/>
-                </a:solidFill>
-                <a:effectLst>
-                  <a:outerShdw blurRad="38100" dist="25400" dir="5400000" algn="ctr" rotWithShape="0">
-                    <a:srgbClr val="6E747A">
-                      <a:alpha val="43000"/>
-                    </a:srgbClr>
-                  </a:outerShdw>
-                </a:effectLst>
-                <a:latin typeface="Segoe UI" panose="020B0502040204020203" pitchFamily="34" charset="0"/>
-                <a:cs typeface="Segoe UI" panose="020B0502040204020203" pitchFamily="34" charset="0"/>
-              </a:rPr>
-              <a:t>de </a:t>
+              <a:t> de </a:t>
             </a:r>
             <a:r>
               <a:rPr lang="en-US" spc="0" dirty="0" err="1" smtClean="0">
@@ -11309,7 +11635,7 @@
           <a:blip r:embed="rId3" cstate="print">
             <a:extLst>
               <a:ext uri="{28A0092B-C50C-407E-A947-70E740481C1C}">
-                <a14:useLocalDpi xmlns:a14="http://schemas.microsoft.com/office/drawing/2010/main" val="0"/>
+                <a14:useLocalDpi xmlns:a14="http://schemas.microsoft.com/office/drawing/2010/main" xmlns="" val="0"/>
               </a:ext>
             </a:extLst>
           </a:blip>
@@ -11329,7 +11655,7 @@
           <a:noFill/>
           <a:extLst>
             <a:ext uri="{909E8E84-426E-40DD-AFC4-6F175D3DCCD1}">
-              <a14:hiddenFill xmlns:a14="http://schemas.microsoft.com/office/drawing/2010/main">
+              <a14:hiddenFill xmlns:a14="http://schemas.microsoft.com/office/drawing/2010/main" xmlns="">
                 <a:solidFill>
                   <a:srgbClr val="FFFFFF"/>
                 </a:solidFill>
@@ -11341,20 +11667,20 @@
     </p:spTree>
     <p:extLst>
       <p:ext uri="{BB962C8B-B14F-4D97-AF65-F5344CB8AC3E}">
-        <p14:creationId xmlns:p14="http://schemas.microsoft.com/office/powerpoint/2010/main" val="3374507202"/>
+        <p14:creationId xmlns:p14="http://schemas.microsoft.com/office/powerpoint/2010/main" xmlns="" val="3374507202"/>
       </p:ext>
     </p:extLst>
   </p:cSld>
   <p:clrMapOvr>
     <a:masterClrMapping/>
   </p:clrMapOvr>
-  <mc:AlternateContent xmlns:mc="http://schemas.openxmlformats.org/markup-compatibility/2006" xmlns:p14="http://schemas.microsoft.com/office/powerpoint/2010/main">
-    <mc:Choice Requires="p14">
+  <mc:AlternateContent xmlns:mc="http://schemas.openxmlformats.org/markup-compatibility/2006">
+    <mc:Choice xmlns:p14="http://schemas.microsoft.com/office/powerpoint/2010/main" xmlns="" Requires="p14">
       <p:transition spd="med" p14:dur="700">
         <p:fade/>
       </p:transition>
     </mc:Choice>
-    <mc:Fallback xmlns="">
+    <mc:Fallback>
       <p:transition spd="med">
         <p:fade/>
       </p:transition>
@@ -11403,7 +11729,7 @@
           <a:lstStyle/>
           <a:p>
             <a:r>
-              <a:rPr lang="en-US" spc="0" dirty="0" err="1" smtClean="0">
+              <a:rPr lang="es-AR" spc="0" smtClean="0">
                 <a:ln w="0"/>
                 <a:solidFill>
                   <a:schemeClr val="accent1"/>
@@ -11420,7 +11746,7 @@
               </a:rPr>
               <a:t>Introducción</a:t>
             </a:r>
-            <a:endParaRPr lang="en-US" spc="0" dirty="0">
+            <a:endParaRPr lang="es-AR" spc="0">
               <a:ln w="0"/>
               <a:solidFill>
                 <a:schemeClr val="accent1"/>
@@ -11454,7 +11780,7 @@
           <a:lstStyle/>
           <a:p>
             <a:r>
-              <a:rPr lang="es-AR" dirty="0" smtClean="0">
+              <a:rPr lang="es-AR" smtClean="0">
                 <a:latin typeface="Segoe UI" panose="020B0502040204020203" pitchFamily="34" charset="0"/>
                 <a:cs typeface="Segoe UI" panose="020B0502040204020203" pitchFamily="34" charset="0"/>
               </a:rPr>
@@ -11463,7 +11789,7 @@
           </a:p>
           <a:p>
             <a:r>
-              <a:rPr lang="es-AR" dirty="0" smtClean="0">
+              <a:rPr lang="es-AR" smtClean="0">
                 <a:latin typeface="Segoe UI" panose="020B0502040204020203" pitchFamily="34" charset="0"/>
                 <a:cs typeface="Segoe UI" panose="020B0502040204020203" pitchFamily="34" charset="0"/>
               </a:rPr>
@@ -11472,7 +11798,7 @@
           </a:p>
           <a:p>
             <a:r>
-              <a:rPr lang="es-AR" dirty="0">
+              <a:rPr lang="es-AR">
                 <a:latin typeface="Segoe UI" panose="020B0502040204020203" pitchFamily="34" charset="0"/>
                 <a:cs typeface="Segoe UI" panose="020B0502040204020203" pitchFamily="34" charset="0"/>
               </a:rPr>
@@ -11481,7 +11807,7 @@
           </a:p>
           <a:p>
             <a:r>
-              <a:rPr lang="es-AR" dirty="0" smtClean="0">
+              <a:rPr lang="es-AR" smtClean="0">
                 <a:latin typeface="Segoe UI" panose="020B0502040204020203" pitchFamily="34" charset="0"/>
                 <a:cs typeface="Segoe UI" panose="020B0502040204020203" pitchFamily="34" charset="0"/>
               </a:rPr>
@@ -11490,13 +11816,27 @@
           </a:p>
           <a:p>
             <a:r>
-              <a:rPr lang="es-AR" dirty="0" smtClean="0">
-                <a:latin typeface="Segoe UI" panose="020B0502040204020203" pitchFamily="34" charset="0"/>
-                <a:cs typeface="Segoe UI" panose="020B0502040204020203" pitchFamily="34" charset="0"/>
-              </a:rPr>
-              <a:t>Tipos de controles</a:t>
-            </a:r>
-            <a:endParaRPr lang="en-US" dirty="0">
+              <a:rPr lang="es-AR" smtClean="0">
+                <a:latin typeface="Segoe UI" panose="020B0502040204020203" pitchFamily="34" charset="0"/>
+                <a:cs typeface="Segoe UI" panose="020B0502040204020203" pitchFamily="34" charset="0"/>
+              </a:rPr>
+              <a:t>Tipos </a:t>
+            </a:r>
+            <a:r>
+              <a:rPr lang="es-AR" smtClean="0">
+                <a:latin typeface="Segoe UI" panose="020B0502040204020203" pitchFamily="34" charset="0"/>
+                <a:cs typeface="Segoe UI" panose="020B0502040204020203" pitchFamily="34" charset="0"/>
+              </a:rPr>
+              <a:t>de </a:t>
+            </a:r>
+            <a:r>
+              <a:rPr lang="es-AR" smtClean="0">
+                <a:latin typeface="Segoe UI" panose="020B0502040204020203" pitchFamily="34" charset="0"/>
+                <a:cs typeface="Segoe UI" panose="020B0502040204020203" pitchFamily="34" charset="0"/>
+              </a:rPr>
+              <a:t>controles</a:t>
+            </a:r>
+            <a:endParaRPr lang="es-AR">
               <a:latin typeface="Segoe UI" panose="020B0502040204020203" pitchFamily="34" charset="0"/>
               <a:cs typeface="Segoe UI" panose="020B0502040204020203" pitchFamily="34" charset="0"/>
             </a:endParaRPr>
@@ -11506,20 +11846,20 @@
     </p:spTree>
     <p:extLst>
       <p:ext uri="{BB962C8B-B14F-4D97-AF65-F5344CB8AC3E}">
-        <p14:creationId xmlns:p14="http://schemas.microsoft.com/office/powerpoint/2010/main" val="3106206852"/>
+        <p14:creationId xmlns:p14="http://schemas.microsoft.com/office/powerpoint/2010/main" xmlns="" val="3106206852"/>
       </p:ext>
     </p:extLst>
   </p:cSld>
   <p:clrMapOvr>
     <a:masterClrMapping/>
   </p:clrMapOvr>
-  <mc:AlternateContent xmlns:mc="http://schemas.openxmlformats.org/markup-compatibility/2006" xmlns:p14="http://schemas.microsoft.com/office/powerpoint/2010/main">
-    <mc:Choice Requires="p14">
+  <mc:AlternateContent xmlns:mc="http://schemas.openxmlformats.org/markup-compatibility/2006">
+    <mc:Choice xmlns:p14="http://schemas.microsoft.com/office/powerpoint/2010/main" xmlns="" Requires="p14">
       <p:transition spd="med" p14:dur="700">
         <p:fade/>
       </p:transition>
     </mc:Choice>
-    <mc:Fallback xmlns="">
+    <mc:Fallback>
       <p:transition spd="med">
         <p:fade/>
       </p:transition>
@@ -11568,7 +11908,7 @@
           <a:lstStyle/>
           <a:p>
             <a:r>
-              <a:rPr lang="en-US" spc="0" dirty="0" err="1" smtClean="0">
+              <a:rPr lang="es-AR" spc="0" dirty="0" smtClean="0">
                 <a:ln w="0"/>
                 <a:solidFill>
                   <a:schemeClr val="accent1"/>
@@ -11583,9 +11923,9 @@
                 <a:latin typeface="Segoe UI" panose="020B0502040204020203" pitchFamily="34" charset="0"/>
                 <a:cs typeface="Segoe UI" panose="020B0502040204020203" pitchFamily="34" charset="0"/>
               </a:rPr>
-              <a:t>Riesgos</a:t>
-            </a:r>
-            <a:endParaRPr lang="en-US" spc="0" dirty="0">
+              <a:t>Siglo XXI – Riesgos  (I)</a:t>
+            </a:r>
+            <a:endParaRPr lang="es-AR" spc="0" dirty="0">
               <a:ln w="0"/>
               <a:solidFill>
                 <a:schemeClr val="accent1"/>
@@ -11613,42 +11953,106 @@
             <p:ph idx="1"/>
           </p:nvPr>
         </p:nvSpPr>
-        <p:spPr/>
-        <p:txBody>
-          <a:bodyPr/>
+        <p:spPr>
+          <a:xfrm>
+            <a:off x="1522413" y="2276872"/>
+            <a:ext cx="9756575" cy="3742928"/>
+          </a:xfrm>
+        </p:spPr>
+        <p:txBody>
+          <a:bodyPr>
+            <a:normAutofit lnSpcReduction="10000"/>
+          </a:bodyPr>
           <a:lstStyle/>
           <a:p>
+            <a:pPr>
+              <a:lnSpc>
+                <a:spcPct val="150000"/>
+              </a:lnSpc>
+            </a:pPr>
             <a:r>
               <a:rPr lang="es-AR" dirty="0" smtClean="0">
                 <a:latin typeface="Segoe UI" panose="020B0502040204020203" pitchFamily="34" charset="0"/>
                 <a:cs typeface="Segoe UI" panose="020B0502040204020203" pitchFamily="34" charset="0"/>
               </a:rPr>
-              <a:t>(COMPLETAR)</a:t>
-            </a:r>
-            <a:endParaRPr lang="en-US" dirty="0">
-              <a:latin typeface="Segoe UI" panose="020B0502040204020203" pitchFamily="34" charset="0"/>
-              <a:cs typeface="Segoe UI" panose="020B0502040204020203" pitchFamily="34" charset="0"/>
-            </a:endParaRPr>
+              <a:t>Personal deshonesto</a:t>
+            </a:r>
+          </a:p>
+          <a:p>
+            <a:pPr>
+              <a:lnSpc>
+                <a:spcPct val="150000"/>
+              </a:lnSpc>
+            </a:pPr>
+            <a:r>
+              <a:rPr lang="es-AR" dirty="0" smtClean="0">
+                <a:latin typeface="Segoe UI" panose="020B0502040204020203" pitchFamily="34" charset="0"/>
+                <a:cs typeface="Segoe UI" panose="020B0502040204020203" pitchFamily="34" charset="0"/>
+              </a:rPr>
+              <a:t>Robo, alteración y/o pérdida de información (políticas inapropiadas)</a:t>
+            </a:r>
+          </a:p>
+          <a:p>
+            <a:pPr>
+              <a:lnSpc>
+                <a:spcPct val="150000"/>
+              </a:lnSpc>
+            </a:pPr>
+            <a:r>
+              <a:rPr lang="es-AR" dirty="0" smtClean="0">
+                <a:latin typeface="Segoe UI" panose="020B0502040204020203" pitchFamily="34" charset="0"/>
+                <a:cs typeface="Segoe UI" panose="020B0502040204020203" pitchFamily="34" charset="0"/>
+              </a:rPr>
+              <a:t>Espionaje industrial</a:t>
+            </a:r>
+          </a:p>
+          <a:p>
+            <a:pPr>
+              <a:lnSpc>
+                <a:spcPct val="150000"/>
+              </a:lnSpc>
+            </a:pPr>
+            <a:r>
+              <a:rPr lang="es-AR" dirty="0" smtClean="0">
+                <a:latin typeface="Segoe UI" panose="020B0502040204020203" pitchFamily="34" charset="0"/>
+                <a:cs typeface="Segoe UI" panose="020B0502040204020203" pitchFamily="34" charset="0"/>
+              </a:rPr>
+              <a:t>Dependencia de los sistemas informáticos</a:t>
+            </a:r>
+          </a:p>
+          <a:p>
+            <a:pPr>
+              <a:lnSpc>
+                <a:spcPct val="150000"/>
+              </a:lnSpc>
+            </a:pPr>
+            <a:r>
+              <a:rPr lang="es-AR" dirty="0" smtClean="0">
+                <a:latin typeface="Segoe UI" panose="020B0502040204020203" pitchFamily="34" charset="0"/>
+                <a:cs typeface="Segoe UI" panose="020B0502040204020203" pitchFamily="34" charset="0"/>
+              </a:rPr>
+              <a:t>Necesidad de capacitación de operarios</a:t>
+            </a:r>
           </a:p>
         </p:txBody>
       </p:sp>
     </p:spTree>
     <p:extLst>
       <p:ext uri="{BB962C8B-B14F-4D97-AF65-F5344CB8AC3E}">
-        <p14:creationId xmlns:p14="http://schemas.microsoft.com/office/powerpoint/2010/main" val="2283345473"/>
+        <p14:creationId xmlns:p14="http://schemas.microsoft.com/office/powerpoint/2010/main" xmlns="" val="2283345473"/>
       </p:ext>
     </p:extLst>
   </p:cSld>
   <p:clrMapOvr>
     <a:masterClrMapping/>
   </p:clrMapOvr>
-  <mc:AlternateContent xmlns:mc="http://schemas.openxmlformats.org/markup-compatibility/2006" xmlns:p14="http://schemas.microsoft.com/office/powerpoint/2010/main">
-    <mc:Choice Requires="p14">
+  <mc:AlternateContent xmlns:mc="http://schemas.openxmlformats.org/markup-compatibility/2006">
+    <mc:Choice xmlns:p14="http://schemas.microsoft.com/office/powerpoint/2010/main" xmlns="" Requires="p14">
       <p:transition spd="med" p14:dur="700">
         <p:fade/>
       </p:transition>
     </mc:Choice>
-    <mc:Fallback xmlns="">
+    <mc:Fallback>
       <p:transition spd="med">
         <p:fade/>
       </p:transition>
@@ -11697,7 +12101,7 @@
           <a:lstStyle/>
           <a:p>
             <a:r>
-              <a:rPr lang="en-US" spc="0" dirty="0" err="1" smtClean="0">
+              <a:rPr lang="es-AR" spc="0" dirty="0" smtClean="0">
                 <a:ln w="0"/>
                 <a:solidFill>
                   <a:schemeClr val="accent1"/>
@@ -11712,45 +12116,9 @@
                 <a:latin typeface="Segoe UI" panose="020B0502040204020203" pitchFamily="34" charset="0"/>
                 <a:cs typeface="Segoe UI" panose="020B0502040204020203" pitchFamily="34" charset="0"/>
               </a:rPr>
-              <a:t>Casos</a:t>
-            </a:r>
-            <a:r>
-              <a:rPr lang="en-US" spc="0" dirty="0" smtClean="0">
-                <a:ln w="0"/>
-                <a:solidFill>
-                  <a:schemeClr val="accent1"/>
-                </a:solidFill>
-                <a:effectLst>
-                  <a:outerShdw blurRad="38100" dist="25400" dir="5400000" algn="ctr" rotWithShape="0">
-                    <a:srgbClr val="6E747A">
-                      <a:alpha val="43000"/>
-                    </a:srgbClr>
-                  </a:outerShdw>
-                </a:effectLst>
-                <a:latin typeface="Segoe UI" panose="020B0502040204020203" pitchFamily="34" charset="0"/>
-                <a:cs typeface="Segoe UI" panose="020B0502040204020203" pitchFamily="34" charset="0"/>
-              </a:rPr>
-              <a:t> </a:t>
-            </a:r>
-            <a:r>
-              <a:rPr lang="en-US" spc="0" dirty="0" err="1" smtClean="0">
-                <a:ln w="0"/>
-                <a:solidFill>
-                  <a:schemeClr val="accent1"/>
-                </a:solidFill>
-                <a:effectLst>
-                  <a:outerShdw blurRad="38100" dist="25400" dir="5400000" algn="ctr" rotWithShape="0">
-                    <a:srgbClr val="6E747A">
-                      <a:alpha val="43000"/>
-                    </a:srgbClr>
-                  </a:outerShdw>
-                </a:effectLst>
-                <a:latin typeface="Segoe UI" panose="020B0502040204020203" pitchFamily="34" charset="0"/>
-                <a:cs typeface="Segoe UI" panose="020B0502040204020203" pitchFamily="34" charset="0"/>
-              </a:rPr>
-              <a:t>reales</a:t>
-            </a:r>
-            <a:endParaRPr lang="en-US" spc="0" dirty="0">
+              <a:t>Siglo XXI – Riesgos  (II)</a:t>
+            </a:r>
+            <a:endParaRPr lang="es-AR" spc="0" dirty="0">
               <a:ln w="0"/>
               <a:solidFill>
                 <a:schemeClr val="accent1"/>
@@ -11778,220 +12146,110 @@
             <p:ph idx="1"/>
           </p:nvPr>
         </p:nvSpPr>
-        <p:spPr/>
+        <p:spPr>
+          <a:xfrm>
+            <a:off x="1522413" y="2204864"/>
+            <a:ext cx="9134391" cy="3814936"/>
+          </a:xfrm>
+        </p:spPr>
         <p:txBody>
           <a:bodyPr>
-            <a:noAutofit/>
+            <a:normAutofit/>
           </a:bodyPr>
           <a:lstStyle/>
           <a:p>
-            <a:r>
-              <a:rPr lang="es-ES" sz="2000" dirty="0" smtClean="0">
-                <a:latin typeface="Segoe UI" panose="020B0502040204020203" pitchFamily="34" charset="0"/>
-                <a:cs typeface="Segoe UI" panose="020B0502040204020203" pitchFamily="34" charset="0"/>
-              </a:rPr>
-              <a:t>1996: </a:t>
-            </a:r>
-            <a:r>
-              <a:rPr lang="es-ES" sz="2000" dirty="0">
-                <a:latin typeface="Segoe UI" panose="020B0502040204020203" pitchFamily="34" charset="0"/>
-                <a:cs typeface="Segoe UI" panose="020B0502040204020203" pitchFamily="34" charset="0"/>
-              </a:rPr>
-              <a:t>se promulgó en Estados Unidos la ley HIPAA (</a:t>
-            </a:r>
-            <a:r>
-              <a:rPr lang="es-ES" sz="2000" dirty="0" err="1">
-                <a:latin typeface="Segoe UI" panose="020B0502040204020203" pitchFamily="34" charset="0"/>
-                <a:cs typeface="Segoe UI" panose="020B0502040204020203" pitchFamily="34" charset="0"/>
-              </a:rPr>
-              <a:t>Health</a:t>
-            </a:r>
-            <a:r>
-              <a:rPr lang="es-ES" sz="2000" dirty="0">
-                <a:latin typeface="Segoe UI" panose="020B0502040204020203" pitchFamily="34" charset="0"/>
-                <a:cs typeface="Segoe UI" panose="020B0502040204020203" pitchFamily="34" charset="0"/>
-              </a:rPr>
-              <a:t> </a:t>
-            </a:r>
-            <a:r>
-              <a:rPr lang="es-ES" sz="2000" dirty="0" err="1">
-                <a:latin typeface="Segoe UI" panose="020B0502040204020203" pitchFamily="34" charset="0"/>
-                <a:cs typeface="Segoe UI" panose="020B0502040204020203" pitchFamily="34" charset="0"/>
-              </a:rPr>
-              <a:t>Insurance</a:t>
-            </a:r>
-            <a:r>
-              <a:rPr lang="es-ES" sz="2000" dirty="0">
-                <a:latin typeface="Segoe UI" panose="020B0502040204020203" pitchFamily="34" charset="0"/>
-                <a:cs typeface="Segoe UI" panose="020B0502040204020203" pitchFamily="34" charset="0"/>
-              </a:rPr>
-              <a:t> </a:t>
-            </a:r>
-            <a:r>
-              <a:rPr lang="es-ES" sz="2000" dirty="0" err="1" smtClean="0">
-                <a:latin typeface="Segoe UI" panose="020B0502040204020203" pitchFamily="34" charset="0"/>
-                <a:cs typeface="Segoe UI" panose="020B0502040204020203" pitchFamily="34" charset="0"/>
-              </a:rPr>
-              <a:t>Portability</a:t>
-            </a:r>
-            <a:r>
-              <a:rPr lang="es-ES" sz="2000" dirty="0" smtClean="0">
-                <a:latin typeface="Segoe UI" panose="020B0502040204020203" pitchFamily="34" charset="0"/>
-                <a:cs typeface="Segoe UI" panose="020B0502040204020203" pitchFamily="34" charset="0"/>
-              </a:rPr>
-              <a:t> </a:t>
-            </a:r>
-            <a:r>
-              <a:rPr lang="es-ES" sz="2000" dirty="0">
-                <a:latin typeface="Segoe UI" panose="020B0502040204020203" pitchFamily="34" charset="0"/>
-                <a:cs typeface="Segoe UI" panose="020B0502040204020203" pitchFamily="34" charset="0"/>
-              </a:rPr>
-              <a:t>and </a:t>
-            </a:r>
-            <a:r>
-              <a:rPr lang="es-ES" sz="2000" dirty="0" err="1">
-                <a:latin typeface="Segoe UI" panose="020B0502040204020203" pitchFamily="34" charset="0"/>
-                <a:cs typeface="Segoe UI" panose="020B0502040204020203" pitchFamily="34" charset="0"/>
-              </a:rPr>
-              <a:t>Accountability</a:t>
-            </a:r>
-            <a:r>
-              <a:rPr lang="es-ES" sz="2000" dirty="0">
-                <a:latin typeface="Segoe UI" panose="020B0502040204020203" pitchFamily="34" charset="0"/>
-                <a:cs typeface="Segoe UI" panose="020B0502040204020203" pitchFamily="34" charset="0"/>
-              </a:rPr>
-              <a:t> </a:t>
-            </a:r>
-            <a:r>
-              <a:rPr lang="es-ES" sz="2000" dirty="0" err="1">
-                <a:latin typeface="Segoe UI" panose="020B0502040204020203" pitchFamily="34" charset="0"/>
-                <a:cs typeface="Segoe UI" panose="020B0502040204020203" pitchFamily="34" charset="0"/>
-              </a:rPr>
-              <a:t>Act</a:t>
-            </a:r>
-            <a:r>
-              <a:rPr lang="es-ES" sz="2000" dirty="0">
-                <a:latin typeface="Segoe UI" panose="020B0502040204020203" pitchFamily="34" charset="0"/>
-                <a:cs typeface="Segoe UI" panose="020B0502040204020203" pitchFamily="34" charset="0"/>
-              </a:rPr>
-              <a:t>), cuyo objetivo es asegurar la privacidad de los pacientes y la seguridad de la información relacionada a </a:t>
-            </a:r>
-            <a:r>
-              <a:rPr lang="es-ES" sz="2000" dirty="0" smtClean="0">
-                <a:latin typeface="Segoe UI" panose="020B0502040204020203" pitchFamily="34" charset="0"/>
-                <a:cs typeface="Segoe UI" panose="020B0502040204020203" pitchFamily="34" charset="0"/>
-              </a:rPr>
-              <a:t>ellos. </a:t>
-            </a:r>
-            <a:r>
-              <a:rPr lang="es-ES" sz="2000" dirty="0">
-                <a:latin typeface="Segoe UI" panose="020B0502040204020203" pitchFamily="34" charset="0"/>
-                <a:cs typeface="Segoe UI" panose="020B0502040204020203" pitchFamily="34" charset="0"/>
-              </a:rPr>
-              <a:t>En el año 2004 se produjo el primer caso de violación a esta ley, cuando un empleado de una asociación de enfermos de cáncer utilizó información de pacientes para obtener tarjetas de crédito.</a:t>
-            </a:r>
-            <a:endParaRPr lang="es-ES" sz="2000" dirty="0" smtClean="0">
+            <a:pPr>
+              <a:lnSpc>
+                <a:spcPct val="150000"/>
+              </a:lnSpc>
+            </a:pPr>
+            <a:r>
+              <a:rPr lang="es-AR" dirty="0" smtClean="0">
+                <a:latin typeface="Segoe UI" panose="020B0502040204020203" pitchFamily="34" charset="0"/>
+                <a:cs typeface="Segoe UI" panose="020B0502040204020203" pitchFamily="34" charset="0"/>
+              </a:rPr>
+              <a:t>Mal administración de perfiles de usuarios y/o contraseñas</a:t>
+            </a:r>
+          </a:p>
+          <a:p>
+            <a:pPr>
+              <a:lnSpc>
+                <a:spcPct val="150000"/>
+              </a:lnSpc>
+            </a:pPr>
+            <a:r>
+              <a:rPr lang="es-AR" dirty="0" smtClean="0">
+                <a:latin typeface="Segoe UI" panose="020B0502040204020203" pitchFamily="34" charset="0"/>
+                <a:cs typeface="Segoe UI" panose="020B0502040204020203" pitchFamily="34" charset="0"/>
+              </a:rPr>
+              <a:t>Dependencia de empleados claves</a:t>
+            </a:r>
+          </a:p>
+          <a:p>
+            <a:pPr>
+              <a:lnSpc>
+                <a:spcPct val="150000"/>
+              </a:lnSpc>
+            </a:pPr>
+            <a:r>
+              <a:rPr lang="es-AR" dirty="0" smtClean="0">
+                <a:latin typeface="Segoe UI" panose="020B0502040204020203" pitchFamily="34" charset="0"/>
+                <a:cs typeface="Segoe UI" panose="020B0502040204020203" pitchFamily="34" charset="0"/>
+              </a:rPr>
+              <a:t>Comodidad y confianza excesiva de sistemas</a:t>
+            </a:r>
+          </a:p>
+          <a:p>
+            <a:pPr>
+              <a:lnSpc>
+                <a:spcPct val="150000"/>
+              </a:lnSpc>
+            </a:pPr>
+            <a:r>
+              <a:rPr lang="es-AR" dirty="0" smtClean="0">
+                <a:latin typeface="Segoe UI" panose="020B0502040204020203" pitchFamily="34" charset="0"/>
+                <a:cs typeface="Segoe UI" panose="020B0502040204020203" pitchFamily="34" charset="0"/>
+              </a:rPr>
+              <a:t>Generación de información residual</a:t>
+            </a:r>
+          </a:p>
+          <a:p>
+            <a:pPr>
+              <a:lnSpc>
+                <a:spcPct val="150000"/>
+              </a:lnSpc>
+            </a:pPr>
+            <a:r>
+              <a:rPr lang="es-AR" dirty="0" smtClean="0">
+                <a:latin typeface="Segoe UI" panose="020B0502040204020203" pitchFamily="34" charset="0"/>
+                <a:cs typeface="Segoe UI" panose="020B0502040204020203" pitchFamily="34" charset="0"/>
+              </a:rPr>
+              <a:t>Siniestro del soporte físico de la información</a:t>
+            </a:r>
+            <a:endParaRPr lang="es-AR" dirty="0">
               <a:latin typeface="Segoe UI" panose="020B0502040204020203" pitchFamily="34" charset="0"/>
               <a:cs typeface="Segoe UI" panose="020B0502040204020203" pitchFamily="34" charset="0"/>
             </a:endParaRPr>
           </a:p>
-          <a:p>
-            <a:r>
-              <a:rPr lang="es-ES" sz="2000" dirty="0" smtClean="0">
-                <a:latin typeface="Segoe UI" panose="020B0502040204020203" pitchFamily="34" charset="0"/>
-                <a:cs typeface="Segoe UI" panose="020B0502040204020203" pitchFamily="34" charset="0"/>
-              </a:rPr>
-              <a:t>2010:  </a:t>
-            </a:r>
-            <a:r>
-              <a:rPr lang="es-ES" sz="2000" dirty="0">
-                <a:latin typeface="Segoe UI" panose="020B0502040204020203" pitchFamily="34" charset="0"/>
-                <a:cs typeface="Segoe UI" panose="020B0502040204020203" pitchFamily="34" charset="0"/>
-              </a:rPr>
-              <a:t>Google detectó que había sido víctima de un ataque desde China, que robó información de su propiedad intelectual. El ataque logró entrar a correos de un grupo de activistas chinos, así como también empresas financieras, tecnológicas, tecnológicas, y medios y químicos.</a:t>
-            </a:r>
-          </a:p>
-          <a:p>
-            <a:r>
-              <a:rPr lang="es-ES" sz="2000" dirty="0" smtClean="0">
-                <a:latin typeface="Segoe UI" panose="020B0502040204020203" pitchFamily="34" charset="0"/>
-                <a:cs typeface="Segoe UI" panose="020B0502040204020203" pitchFamily="34" charset="0"/>
-              </a:rPr>
-              <a:t>2014: </a:t>
-            </a:r>
-            <a:r>
-              <a:rPr lang="es-AR" sz="2000" dirty="0" smtClean="0">
-                <a:latin typeface="Segoe UI" panose="020B0502040204020203" pitchFamily="34" charset="0"/>
-                <a:cs typeface="Segoe UI" panose="020B0502040204020203" pitchFamily="34" charset="0"/>
-              </a:rPr>
-              <a:t>Edward </a:t>
-            </a:r>
-            <a:r>
-              <a:rPr lang="es-AR" sz="2000" dirty="0" err="1" smtClean="0">
-                <a:latin typeface="Segoe UI" panose="020B0502040204020203" pitchFamily="34" charset="0"/>
-                <a:cs typeface="Segoe UI" panose="020B0502040204020203" pitchFamily="34" charset="0"/>
-              </a:rPr>
-              <a:t>Snowden</a:t>
-            </a:r>
-            <a:r>
-              <a:rPr lang="es-AR" sz="2000" dirty="0" smtClean="0">
-                <a:latin typeface="Segoe UI" panose="020B0502040204020203" pitchFamily="34" charset="0"/>
-                <a:cs typeface="Segoe UI" panose="020B0502040204020203" pitchFamily="34" charset="0"/>
-              </a:rPr>
-              <a:t> revela cómo la Casa Blanca y sus organismos espían las comunicaciones en Internet. </a:t>
-            </a:r>
-            <a:r>
-              <a:rPr lang="es-AR" sz="2000" dirty="0" err="1" smtClean="0">
-                <a:latin typeface="Segoe UI" panose="020B0502040204020203" pitchFamily="34" charset="0"/>
-                <a:cs typeface="Segoe UI" panose="020B0502040204020203" pitchFamily="34" charset="0"/>
-              </a:rPr>
-              <a:t>Snowden</a:t>
-            </a:r>
-            <a:r>
-              <a:rPr lang="es-AR" sz="2000" dirty="0">
-                <a:latin typeface="Segoe UI" panose="020B0502040204020203" pitchFamily="34" charset="0"/>
-                <a:cs typeface="Segoe UI" panose="020B0502040204020203" pitchFamily="34" charset="0"/>
-              </a:rPr>
-              <a:t>, asilado político en Rusia, filtró documentos sobre las prácticas de espionaje del Gobierno empleando unidades de memoria USB (“</a:t>
-            </a:r>
-            <a:r>
-              <a:rPr lang="es-AR" sz="2000" dirty="0" err="1">
-                <a:latin typeface="Segoe UI" panose="020B0502040204020203" pitchFamily="34" charset="0"/>
-                <a:cs typeface="Segoe UI" panose="020B0502040204020203" pitchFamily="34" charset="0"/>
-              </a:rPr>
-              <a:t>pendrives</a:t>
-            </a:r>
-            <a:r>
-              <a:rPr lang="es-AR" sz="2000" dirty="0" smtClean="0">
-                <a:latin typeface="Segoe UI" panose="020B0502040204020203" pitchFamily="34" charset="0"/>
-                <a:cs typeface="Segoe UI" panose="020B0502040204020203" pitchFamily="34" charset="0"/>
-              </a:rPr>
-              <a:t>”).</a:t>
-            </a:r>
-            <a:endParaRPr lang="en-US" sz="2000" dirty="0">
-              <a:latin typeface="Segoe UI" panose="020B0502040204020203" pitchFamily="34" charset="0"/>
-              <a:cs typeface="Segoe UI" panose="020B0502040204020203" pitchFamily="34" charset="0"/>
-            </a:endParaRPr>
-          </a:p>
         </p:txBody>
       </p:sp>
     </p:spTree>
     <p:extLst>
       <p:ext uri="{BB962C8B-B14F-4D97-AF65-F5344CB8AC3E}">
-        <p14:creationId xmlns:p14="http://schemas.microsoft.com/office/powerpoint/2010/main" val="659291744"/>
+        <p14:creationId xmlns:p14="http://schemas.microsoft.com/office/powerpoint/2010/main" xmlns="" val="2283345473"/>
       </p:ext>
     </p:extLst>
   </p:cSld>
   <p:clrMapOvr>
     <a:masterClrMapping/>
   </p:clrMapOvr>
-  <mc:AlternateContent xmlns:mc="http://schemas.openxmlformats.org/markup-compatibility/2006" xmlns:p14="http://schemas.microsoft.com/office/powerpoint/2010/main">
-    <mc:Choice Requires="p14">
+  <mc:AlternateContent xmlns:mc="http://schemas.openxmlformats.org/markup-compatibility/2006">
+    <mc:Choice xmlns:p14="http://schemas.microsoft.com/office/powerpoint/2010/main" xmlns="" Requires="p14">
       <p:transition spd="med" p14:dur="700">
         <p:fade/>
       </p:transition>
     </mc:Choice>
-    <mc:Fallback xmlns="">
+    <mc:Fallback>
       <p:transition spd="med">
         <p:fade/>
       </p:transition>
@@ -12026,7 +12284,7 @@
       </p:grpSpPr>
       <p:sp>
         <p:nvSpPr>
-          <p:cNvPr id="2" name="Title 1"/>
+          <p:cNvPr id="13" name="Title 12"/>
           <p:cNvSpPr>
             <a:spLocks noGrp="1"/>
           </p:cNvSpPr>
@@ -12040,36 +12298,105 @@
           <a:lstStyle/>
           <a:p>
             <a:r>
-              <a:rPr lang="es-AR" dirty="0" smtClean="0">
-                <a:latin typeface="Segoe UI" panose="020B0502040204020203" pitchFamily="34" charset="0"/>
-                <a:cs typeface="Segoe UI" panose="020B0502040204020203" pitchFamily="34" charset="0"/>
-              </a:rPr>
-              <a:t>Conclusiones</a:t>
-            </a:r>
-            <a:endParaRPr lang="es-AR" dirty="0">
+              <a:rPr lang="es-AR" spc="0" dirty="0" smtClean="0">
+                <a:ln w="0"/>
+                <a:solidFill>
+                  <a:schemeClr val="accent1"/>
+                </a:solidFill>
+                <a:effectLst>
+                  <a:outerShdw blurRad="38100" dist="25400" dir="5400000" algn="ctr" rotWithShape="0">
+                    <a:srgbClr val="6E747A">
+                      <a:alpha val="43000"/>
+                    </a:srgbClr>
+                  </a:outerShdw>
+                </a:effectLst>
+                <a:latin typeface="Segoe UI" panose="020B0502040204020203" pitchFamily="34" charset="0"/>
+                <a:cs typeface="Segoe UI" panose="020B0502040204020203" pitchFamily="34" charset="0"/>
+              </a:rPr>
+              <a:t>Siglo XXI – Casos reales  (I)</a:t>
+            </a:r>
+            <a:endParaRPr lang="es-AR" spc="0" dirty="0">
+              <a:ln w="0"/>
+              <a:solidFill>
+                <a:schemeClr val="accent1"/>
+              </a:solidFill>
+              <a:effectLst>
+                <a:outerShdw blurRad="38100" dist="25400" dir="5400000" algn="ctr" rotWithShape="0">
+                  <a:srgbClr val="6E747A">
+                    <a:alpha val="43000"/>
+                  </a:srgbClr>
+                </a:outerShdw>
+              </a:effectLst>
               <a:latin typeface="Segoe UI" panose="020B0502040204020203" pitchFamily="34" charset="0"/>
               <a:cs typeface="Segoe UI" panose="020B0502040204020203" pitchFamily="34" charset="0"/>
             </a:endParaRPr>
           </a:p>
         </p:txBody>
       </p:sp>
+      <p:sp>
+        <p:nvSpPr>
+          <p:cNvPr id="2" name="Content Placeholder 1"/>
+          <p:cNvSpPr>
+            <a:spLocks noGrp="1"/>
+          </p:cNvSpPr>
+          <p:nvPr>
+            <p:ph idx="1"/>
+          </p:nvPr>
+        </p:nvSpPr>
+        <p:spPr>
+          <a:xfrm>
+            <a:off x="1522413" y="2276872"/>
+            <a:ext cx="9134391" cy="3742928"/>
+          </a:xfrm>
+        </p:spPr>
+        <p:txBody>
+          <a:bodyPr>
+            <a:noAutofit/>
+          </a:bodyPr>
+          <a:lstStyle/>
+          <a:p>
+            <a:r>
+              <a:rPr lang="es-ES" dirty="0" smtClean="0">
+                <a:latin typeface="Segoe UI" panose="020B0502040204020203" pitchFamily="34" charset="0"/>
+                <a:cs typeface="Segoe UI" panose="020B0502040204020203" pitchFamily="34" charset="0"/>
+              </a:rPr>
+              <a:t>2001: espionaje industrial de la década: implicó a dos empresas rivales en bienes de consumo, “Unilever” y “Procter &amp; Gamble”.</a:t>
+            </a:r>
+          </a:p>
+          <a:p>
+            <a:endParaRPr lang="es-ES" dirty="0" smtClean="0">
+              <a:latin typeface="Segoe UI" panose="020B0502040204020203" pitchFamily="34" charset="0"/>
+              <a:cs typeface="Segoe UI" panose="020B0502040204020203" pitchFamily="34" charset="0"/>
+            </a:endParaRPr>
+          </a:p>
+          <a:p>
+            <a:r>
+              <a:rPr lang="es-AR" dirty="0" smtClean="0">
+                <a:latin typeface="Segoe UI" panose="020B0502040204020203" pitchFamily="34" charset="0"/>
+                <a:cs typeface="Segoe UI" panose="020B0502040204020203" pitchFamily="34" charset="0"/>
+              </a:rPr>
+              <a:t>2002: Este caso muestra como el espionaje industrial puede convertirse en un problema de seguridad nacional. La compañía sueca Ericsson se vio envuelta por sorpresa en un incidente diplomático.</a:t>
+            </a:r>
+          </a:p>
+        </p:txBody>
+      </p:sp>
     </p:spTree>
     <p:extLst>
       <p:ext uri="{BB962C8B-B14F-4D97-AF65-F5344CB8AC3E}">
-        <p14:creationId xmlns:p14="http://schemas.microsoft.com/office/powerpoint/2010/main" val="1539601608"/>
+        <p14:creationId xmlns:p14="http://schemas.microsoft.com/office/powerpoint/2010/main" xmlns="" val="659291744"/>
       </p:ext>
     </p:extLst>
   </p:cSld>
   <p:clrMapOvr>
     <a:masterClrMapping/>
   </p:clrMapOvr>
-  <mc:AlternateContent xmlns:mc="http://schemas.openxmlformats.org/markup-compatibility/2006" xmlns:p14="http://schemas.microsoft.com/office/powerpoint/2010/main">
-    <mc:Choice Requires="p14">
+  <mc:AlternateContent xmlns:mc="http://schemas.openxmlformats.org/markup-compatibility/2006">
+    <mc:Choice xmlns:p14="http://schemas.microsoft.com/office/powerpoint/2010/main" xmlns="" Requires="p14">
       <p:transition spd="med" p14:dur="700">
         <p:fade/>
       </p:transition>
     </mc:Choice>
-    <mc:Fallback xmlns="">
+    <mc:Fallback>
       <p:transition spd="med">
         <p:fade/>
       </p:transition>
@@ -12104,7 +12431,7 @@
       </p:grpSpPr>
       <p:sp>
         <p:nvSpPr>
-          <p:cNvPr id="2" name="Title 1"/>
+          <p:cNvPr id="13" name="Title 12"/>
           <p:cNvSpPr>
             <a:spLocks noGrp="1"/>
           </p:cNvSpPr>
@@ -12118,37 +12445,33 @@
           <a:lstStyle/>
           <a:p>
             <a:r>
-              <a:rPr lang="es-AR" b="1" spc="0" dirty="0" smtClean="0">
-                <a:ln w="9525">
-                  <a:solidFill>
-                    <a:schemeClr val="bg1"/>
-                  </a:solidFill>
-                  <a:prstDash val="solid"/>
-                </a:ln>
+              <a:rPr lang="es-AR" spc="0" dirty="0" smtClean="0">
+                <a:ln w="0"/>
+                <a:solidFill>
+                  <a:schemeClr val="accent1"/>
+                </a:solidFill>
                 <a:effectLst>
-                  <a:outerShdw blurRad="12700" dist="38100" dir="2700000" algn="tl" rotWithShape="0">
-                    <a:schemeClr val="bg1">
-                      <a:lumMod val="50000"/>
-                    </a:schemeClr>
+                  <a:outerShdw blurRad="38100" dist="25400" dir="5400000" algn="ctr" rotWithShape="0">
+                    <a:srgbClr val="6E747A">
+                      <a:alpha val="43000"/>
+                    </a:srgbClr>
                   </a:outerShdw>
                 </a:effectLst>
                 <a:latin typeface="Segoe UI" panose="020B0502040204020203" pitchFamily="34" charset="0"/>
                 <a:cs typeface="Segoe UI" panose="020B0502040204020203" pitchFamily="34" charset="0"/>
               </a:rPr>
-              <a:t>Conclusiones</a:t>
-            </a:r>
-            <a:endParaRPr lang="es-AR" b="1" spc="0" dirty="0">
-              <a:ln w="9525">
-                <a:solidFill>
-                  <a:schemeClr val="bg1"/>
-                </a:solidFill>
-                <a:prstDash val="solid"/>
-              </a:ln>
+              <a:t>Siglo XXI – Casos reales  (II)</a:t>
+            </a:r>
+            <a:endParaRPr lang="es-AR" spc="0" dirty="0">
+              <a:ln w="0"/>
+              <a:solidFill>
+                <a:schemeClr val="accent1"/>
+              </a:solidFill>
               <a:effectLst>
-                <a:outerShdw blurRad="12700" dist="38100" dir="2700000" algn="tl" rotWithShape="0">
-                  <a:schemeClr val="bg1">
-                    <a:lumMod val="50000"/>
-                  </a:schemeClr>
+                <a:outerShdw blurRad="38100" dist="25400" dir="5400000" algn="ctr" rotWithShape="0">
+                  <a:srgbClr val="6E747A">
+                    <a:alpha val="43000"/>
+                  </a:srgbClr>
                 </a:outerShdw>
               </a:effectLst>
               <a:latin typeface="Segoe UI" panose="020B0502040204020203" pitchFamily="34" charset="0"/>
@@ -12159,7 +12482,7 @@
       </p:sp>
       <p:sp>
         <p:nvSpPr>
-          <p:cNvPr id="3" name="Content Placeholder 2"/>
+          <p:cNvPr id="2" name="Content Placeholder 1"/>
           <p:cNvSpPr>
             <a:spLocks noGrp="1"/>
           </p:cNvSpPr>
@@ -12167,76 +12490,158 @@
             <p:ph idx="1"/>
           </p:nvPr>
         </p:nvSpPr>
-        <p:spPr/>
+        <p:spPr>
+          <a:xfrm>
+            <a:off x="1522413" y="2276872"/>
+            <a:ext cx="9134391" cy="3742928"/>
+          </a:xfrm>
+        </p:spPr>
         <p:txBody>
           <a:bodyPr>
-            <a:normAutofit lnSpcReduction="10000"/>
+            <a:noAutofit/>
           </a:bodyPr>
           <a:lstStyle/>
           <a:p>
-            <a:pPr marL="342900" indent="-342900">
-              <a:lnSpc>
-                <a:spcPct val="150000"/>
-              </a:lnSpc>
-            </a:pPr>
             <a:r>
               <a:rPr lang="es-AR" dirty="0" smtClean="0">
                 <a:latin typeface="Segoe UI" panose="020B0502040204020203" pitchFamily="34" charset="0"/>
                 <a:cs typeface="Segoe UI" panose="020B0502040204020203" pitchFamily="34" charset="0"/>
               </a:rPr>
-              <a:t>La amenaza más grande para las organizaciones probablemente no sean los ataques de terceros, ni los empleados maliciosos, sino los empleados descuidados que de forma inintencionada divulgan información sensible</a:t>
-            </a:r>
-          </a:p>
-          <a:p>
-            <a:pPr marL="342900" indent="-342900">
-              <a:lnSpc>
-                <a:spcPct val="150000"/>
-              </a:lnSpc>
-            </a:pPr>
+              <a:t>2004: se descubrió el primer caso de violación a la ley HIPAA (</a:t>
+            </a:r>
+            <a:r>
+              <a:rPr lang="es-AR" dirty="0" err="1" smtClean="0">
+                <a:latin typeface="Segoe UI" panose="020B0502040204020203" pitchFamily="34" charset="0"/>
+                <a:cs typeface="Segoe UI" panose="020B0502040204020203" pitchFamily="34" charset="0"/>
+              </a:rPr>
+              <a:t>Health</a:t>
+            </a:r>
             <a:r>
               <a:rPr lang="es-AR" dirty="0" smtClean="0">
                 <a:latin typeface="Segoe UI" panose="020B0502040204020203" pitchFamily="34" charset="0"/>
                 <a:cs typeface="Segoe UI" panose="020B0502040204020203" pitchFamily="34" charset="0"/>
               </a:rPr>
-              <a:t>Una combinación de protección tecnológica, políticas y procedimientos actualizados, y educación de los usuarios deberían contribuir a paliar los efectos que causan estas fugas</a:t>
-            </a:r>
-          </a:p>
-          <a:p>
-            <a:pPr>
-              <a:lnSpc>
-                <a:spcPct val="150000"/>
-              </a:lnSpc>
-            </a:pPr>
+              <a:t> </a:t>
+            </a:r>
+            <a:r>
+              <a:rPr lang="es-AR" dirty="0" err="1" smtClean="0">
+                <a:latin typeface="Segoe UI" panose="020B0502040204020203" pitchFamily="34" charset="0"/>
+                <a:cs typeface="Segoe UI" panose="020B0502040204020203" pitchFamily="34" charset="0"/>
+              </a:rPr>
+              <a:t>Insurance</a:t>
+            </a:r>
+            <a:r>
+              <a:rPr lang="es-AR" dirty="0" smtClean="0">
+                <a:latin typeface="Segoe UI" panose="020B0502040204020203" pitchFamily="34" charset="0"/>
+                <a:cs typeface="Segoe UI" panose="020B0502040204020203" pitchFamily="34" charset="0"/>
+              </a:rPr>
+              <a:t> </a:t>
+            </a:r>
+            <a:r>
+              <a:rPr lang="es-AR" dirty="0" err="1" smtClean="0">
+                <a:latin typeface="Segoe UI" panose="020B0502040204020203" pitchFamily="34" charset="0"/>
+                <a:cs typeface="Segoe UI" panose="020B0502040204020203" pitchFamily="34" charset="0"/>
+              </a:rPr>
+              <a:t>Portability</a:t>
+            </a:r>
+            <a:r>
+              <a:rPr lang="es-AR" dirty="0" smtClean="0">
+                <a:latin typeface="Segoe UI" panose="020B0502040204020203" pitchFamily="34" charset="0"/>
+                <a:cs typeface="Segoe UI" panose="020B0502040204020203" pitchFamily="34" charset="0"/>
+              </a:rPr>
+              <a:t> and </a:t>
+            </a:r>
+            <a:r>
+              <a:rPr lang="es-AR" dirty="0" err="1" smtClean="0">
+                <a:latin typeface="Segoe UI" panose="020B0502040204020203" pitchFamily="34" charset="0"/>
+                <a:cs typeface="Segoe UI" panose="020B0502040204020203" pitchFamily="34" charset="0"/>
+              </a:rPr>
+              <a:t>Accountability</a:t>
+            </a:r>
+            <a:r>
+              <a:rPr lang="es-AR" dirty="0" smtClean="0">
+                <a:latin typeface="Segoe UI" panose="020B0502040204020203" pitchFamily="34" charset="0"/>
+                <a:cs typeface="Segoe UI" panose="020B0502040204020203" pitchFamily="34" charset="0"/>
+              </a:rPr>
+              <a:t> </a:t>
+            </a:r>
+            <a:r>
+              <a:rPr lang="es-AR" dirty="0" err="1" smtClean="0">
+                <a:latin typeface="Segoe UI" panose="020B0502040204020203" pitchFamily="34" charset="0"/>
+                <a:cs typeface="Segoe UI" panose="020B0502040204020203" pitchFamily="34" charset="0"/>
+              </a:rPr>
+              <a:t>Act</a:t>
+            </a:r>
+            <a:r>
+              <a:rPr lang="es-AR" dirty="0" smtClean="0">
+                <a:latin typeface="Segoe UI" panose="020B0502040204020203" pitchFamily="34" charset="0"/>
+                <a:cs typeface="Segoe UI" panose="020B0502040204020203" pitchFamily="34" charset="0"/>
+              </a:rPr>
+              <a:t>), cuando un empleado de una asociación de enfermos de cáncer utilizó información de pacientes para obtener tarjetas de crédito.</a:t>
+            </a:r>
+          </a:p>
+          <a:p>
             <a:endParaRPr lang="es-AR" dirty="0" smtClean="0">
               <a:latin typeface="Segoe UI" panose="020B0502040204020203" pitchFamily="34" charset="0"/>
               <a:cs typeface="Segoe UI" panose="020B0502040204020203" pitchFamily="34" charset="0"/>
             </a:endParaRPr>
           </a:p>
           <a:p>
-            <a:endParaRPr lang="es-AR" dirty="0">
-              <a:latin typeface="Segoe UI" panose="020B0502040204020203" pitchFamily="34" charset="0"/>
-              <a:cs typeface="Segoe UI" panose="020B0502040204020203" pitchFamily="34" charset="0"/>
-            </a:endParaRPr>
+            <a:r>
+              <a:rPr lang="es-AR" dirty="0" smtClean="0">
+                <a:latin typeface="Segoe UI" panose="020B0502040204020203" pitchFamily="34" charset="0"/>
+                <a:cs typeface="Segoe UI" panose="020B0502040204020203" pitchFamily="34" charset="0"/>
+              </a:rPr>
+              <a:t>2005: empleados de un hospital fueron descubiertos mientras obtenían información de la internación por maternidad de la cantante pop </a:t>
+            </a:r>
+            <a:r>
+              <a:rPr lang="es-AR" dirty="0" err="1" smtClean="0">
+                <a:latin typeface="Segoe UI" panose="020B0502040204020203" pitchFamily="34" charset="0"/>
+                <a:cs typeface="Segoe UI" panose="020B0502040204020203" pitchFamily="34" charset="0"/>
+              </a:rPr>
+              <a:t>Britney</a:t>
+            </a:r>
+            <a:r>
+              <a:rPr lang="es-AR" dirty="0" smtClean="0">
+                <a:latin typeface="Segoe UI" panose="020B0502040204020203" pitchFamily="34" charset="0"/>
+                <a:cs typeface="Segoe UI" panose="020B0502040204020203" pitchFamily="34" charset="0"/>
+              </a:rPr>
+              <a:t> </a:t>
+            </a:r>
+            <a:r>
+              <a:rPr lang="es-AR" dirty="0" err="1" smtClean="0">
+                <a:latin typeface="Segoe UI" panose="020B0502040204020203" pitchFamily="34" charset="0"/>
+                <a:cs typeface="Segoe UI" panose="020B0502040204020203" pitchFamily="34" charset="0"/>
+              </a:rPr>
+              <a:t>Spears</a:t>
+            </a:r>
+            <a:r>
+              <a:rPr lang="es-AR" dirty="0" smtClean="0">
+                <a:latin typeface="Segoe UI" panose="020B0502040204020203" pitchFamily="34" charset="0"/>
+                <a:cs typeface="Segoe UI" panose="020B0502040204020203" pitchFamily="34" charset="0"/>
+              </a:rPr>
+              <a:t>.</a:t>
+            </a:r>
           </a:p>
         </p:txBody>
       </p:sp>
     </p:spTree>
     <p:extLst>
       <p:ext uri="{BB962C8B-B14F-4D97-AF65-F5344CB8AC3E}">
-        <p14:creationId xmlns:p14="http://schemas.microsoft.com/office/powerpoint/2010/main" val="3280227416"/>
+        <p14:creationId xmlns:p14="http://schemas.microsoft.com/office/powerpoint/2010/main" xmlns="" val="659291744"/>
       </p:ext>
     </p:extLst>
   </p:cSld>
   <p:clrMapOvr>
     <a:masterClrMapping/>
   </p:clrMapOvr>
-  <mc:AlternateContent xmlns:mc="http://schemas.openxmlformats.org/markup-compatibility/2006" xmlns:p14="http://schemas.microsoft.com/office/powerpoint/2010/main">
-    <mc:Choice Requires="p14">
+  <mc:AlternateContent xmlns:mc="http://schemas.openxmlformats.org/markup-compatibility/2006">
+    <mc:Choice xmlns:p14="http://schemas.microsoft.com/office/powerpoint/2010/main" xmlns="" Requires="p14">
       <p:transition spd="med" p14:dur="700">
         <p:fade/>
       </p:transition>
     </mc:Choice>
-    <mc:Fallback xmlns="">
+    <mc:Fallback>
       <p:transition spd="med">
         <p:fade/>
       </p:transition>
@@ -12271,7 +12676,7 @@
       </p:grpSpPr>
       <p:sp>
         <p:nvSpPr>
-          <p:cNvPr id="2" name="Title 1"/>
+          <p:cNvPr id="13" name="Title 12"/>
           <p:cNvSpPr>
             <a:spLocks noGrp="1"/>
           </p:cNvSpPr>
@@ -12285,37 +12690,33 @@
           <a:lstStyle/>
           <a:p>
             <a:r>
-              <a:rPr lang="es-AR" b="1" spc="0" dirty="0" smtClean="0">
-                <a:ln w="9525">
-                  <a:solidFill>
-                    <a:schemeClr val="bg1"/>
-                  </a:solidFill>
-                  <a:prstDash val="solid"/>
-                </a:ln>
+              <a:rPr lang="es-AR" spc="0" dirty="0" smtClean="0">
+                <a:ln w="0"/>
+                <a:solidFill>
+                  <a:schemeClr val="accent1"/>
+                </a:solidFill>
                 <a:effectLst>
-                  <a:outerShdw blurRad="12700" dist="38100" dir="2700000" algn="tl" rotWithShape="0">
-                    <a:schemeClr val="bg1">
-                      <a:lumMod val="50000"/>
-                    </a:schemeClr>
+                  <a:outerShdw blurRad="38100" dist="25400" dir="5400000" algn="ctr" rotWithShape="0">
+                    <a:srgbClr val="6E747A">
+                      <a:alpha val="43000"/>
+                    </a:srgbClr>
                   </a:outerShdw>
                 </a:effectLst>
                 <a:latin typeface="Segoe UI" panose="020B0502040204020203" pitchFamily="34" charset="0"/>
                 <a:cs typeface="Segoe UI" panose="020B0502040204020203" pitchFamily="34" charset="0"/>
               </a:rPr>
-              <a:t>Conclusiones (cont.)</a:t>
-            </a:r>
-            <a:endParaRPr lang="es-AR" b="1" spc="0" dirty="0">
-              <a:ln w="9525">
-                <a:solidFill>
-                  <a:schemeClr val="bg1"/>
-                </a:solidFill>
-                <a:prstDash val="solid"/>
-              </a:ln>
+              <a:t>Siglo XXI – Casos reales  (III)</a:t>
+            </a:r>
+            <a:endParaRPr lang="es-AR" spc="0" dirty="0">
+              <a:ln w="0"/>
+              <a:solidFill>
+                <a:schemeClr val="accent1"/>
+              </a:solidFill>
               <a:effectLst>
-                <a:outerShdw blurRad="12700" dist="38100" dir="2700000" algn="tl" rotWithShape="0">
-                  <a:schemeClr val="bg1">
-                    <a:lumMod val="50000"/>
-                  </a:schemeClr>
+                <a:outerShdw blurRad="38100" dist="25400" dir="5400000" algn="ctr" rotWithShape="0">
+                  <a:srgbClr val="6E747A">
+                    <a:alpha val="43000"/>
+                  </a:srgbClr>
                 </a:outerShdw>
               </a:effectLst>
               <a:latin typeface="Segoe UI" panose="020B0502040204020203" pitchFamily="34" charset="0"/>
@@ -12326,7 +12727,7 @@
       </p:sp>
       <p:sp>
         <p:nvSpPr>
-          <p:cNvPr id="3" name="Content Placeholder 2"/>
+          <p:cNvPr id="2" name="Content Placeholder 1"/>
           <p:cNvSpPr>
             <a:spLocks noGrp="1"/>
           </p:cNvSpPr>
@@ -12334,150 +12735,80 @@
             <p:ph idx="1"/>
           </p:nvPr>
         </p:nvSpPr>
-        <p:spPr/>
+        <p:spPr>
+          <a:xfrm>
+            <a:off x="1522413" y="2276872"/>
+            <a:ext cx="9134391" cy="3742928"/>
+          </a:xfrm>
+        </p:spPr>
         <p:txBody>
           <a:bodyPr>
-            <a:normAutofit fontScale="77500" lnSpcReduction="20000"/>
+            <a:noAutofit/>
           </a:bodyPr>
           <a:lstStyle/>
           <a:p>
-            <a:pPr marL="342900" indent="-342900">
-              <a:lnSpc>
-                <a:spcPct val="150000"/>
-              </a:lnSpc>
-            </a:pPr>
-            <a:r>
-              <a:rPr lang="es-AR" dirty="0">
-                <a:latin typeface="Segoe UI" panose="020B0502040204020203" pitchFamily="34" charset="0"/>
-                <a:cs typeface="Segoe UI" panose="020B0502040204020203" pitchFamily="34" charset="0"/>
-              </a:rPr>
-              <a:t>Procedimiento básico para desarrollar una estrategia de protección: </a:t>
-            </a:r>
-          </a:p>
-          <a:p>
-            <a:pPr marL="800100" lvl="1" indent="-342900">
-              <a:lnSpc>
-                <a:spcPct val="150000"/>
-              </a:lnSpc>
-              <a:buFont typeface="Wingdings" panose="05000000000000000000" pitchFamily="2" charset="2"/>
-              <a:buChar char="ü"/>
-            </a:pPr>
-            <a:r>
-              <a:rPr lang="es-AR" sz="2400" dirty="0">
-                <a:latin typeface="Segoe UI" panose="020B0502040204020203" pitchFamily="34" charset="0"/>
-                <a:cs typeface="Segoe UI" panose="020B0502040204020203" pitchFamily="34" charset="0"/>
-              </a:rPr>
-              <a:t>Clasificar la información a proteger</a:t>
-            </a:r>
-          </a:p>
-          <a:p>
-            <a:pPr marL="800100" lvl="1" indent="-342900">
-              <a:lnSpc>
-                <a:spcPct val="150000"/>
-              </a:lnSpc>
-              <a:buFont typeface="Wingdings" panose="05000000000000000000" pitchFamily="2" charset="2"/>
-              <a:buChar char="ü"/>
-            </a:pPr>
-            <a:r>
-              <a:rPr lang="es-AR" sz="2400" dirty="0">
-                <a:latin typeface="Segoe UI" panose="020B0502040204020203" pitchFamily="34" charset="0"/>
-                <a:cs typeface="Segoe UI" panose="020B0502040204020203" pitchFamily="34" charset="0"/>
-              </a:rPr>
-              <a:t>Entender los datos que se manejan </a:t>
-            </a:r>
-          </a:p>
-          <a:p>
-            <a:pPr marL="800100" lvl="1" indent="-342900">
-              <a:lnSpc>
-                <a:spcPct val="150000"/>
-              </a:lnSpc>
-              <a:buFont typeface="Wingdings" panose="05000000000000000000" pitchFamily="2" charset="2"/>
-              <a:buChar char="ü"/>
-            </a:pPr>
-            <a:r>
-              <a:rPr lang="es-AR" sz="2400" dirty="0">
-                <a:latin typeface="Segoe UI" panose="020B0502040204020203" pitchFamily="34" charset="0"/>
-                <a:cs typeface="Segoe UI" panose="020B0502040204020203" pitchFamily="34" charset="0"/>
-              </a:rPr>
-              <a:t>Establecer políticas sobre el manejo de la información</a:t>
-            </a:r>
-          </a:p>
-          <a:p>
-            <a:pPr marL="800100" lvl="1" indent="-342900">
-              <a:lnSpc>
-                <a:spcPct val="150000"/>
-              </a:lnSpc>
-              <a:buFont typeface="Wingdings" panose="05000000000000000000" pitchFamily="2" charset="2"/>
-              <a:buChar char="ü"/>
-            </a:pPr>
-            <a:r>
-              <a:rPr lang="es-AR" sz="2400" dirty="0">
-                <a:latin typeface="Segoe UI" panose="020B0502040204020203" pitchFamily="34" charset="0"/>
-                <a:cs typeface="Segoe UI" panose="020B0502040204020203" pitchFamily="34" charset="0"/>
-              </a:rPr>
-              <a:t>Capacitar al personal en las herramientas </a:t>
-            </a:r>
-          </a:p>
-          <a:p>
-            <a:pPr marL="800100" lvl="1" indent="-342900">
-              <a:lnSpc>
-                <a:spcPct val="150000"/>
-              </a:lnSpc>
-              <a:buFont typeface="Wingdings" panose="05000000000000000000" pitchFamily="2" charset="2"/>
-              <a:buChar char="ü"/>
-            </a:pPr>
-            <a:r>
-              <a:rPr lang="es-AR" sz="2400" dirty="0">
-                <a:latin typeface="Segoe UI" panose="020B0502040204020203" pitchFamily="34" charset="0"/>
-                <a:cs typeface="Segoe UI" panose="020B0502040204020203" pitchFamily="34" charset="0"/>
-              </a:rPr>
-              <a:t>Implementar seguridad a nivel físico</a:t>
-            </a:r>
-          </a:p>
-          <a:p>
-            <a:pPr marL="342900" indent="-342900">
-              <a:lnSpc>
-                <a:spcPct val="150000"/>
-              </a:lnSpc>
-            </a:pPr>
-            <a:r>
-              <a:rPr lang="es-AR" dirty="0">
-                <a:latin typeface="Segoe UI" panose="020B0502040204020203" pitchFamily="34" charset="0"/>
-                <a:cs typeface="Segoe UI" panose="020B0502040204020203" pitchFamily="34" charset="0"/>
-              </a:rPr>
-              <a:t>No debe olvidarse de ejecutar revisiones periódicas, para mantener las políticas actualizadas y en conformidad con los requisitos y las tendencias </a:t>
-            </a:r>
-            <a:r>
-              <a:rPr lang="es-AR" dirty="0" smtClean="0">
-                <a:latin typeface="Segoe UI" panose="020B0502040204020203" pitchFamily="34" charset="0"/>
-                <a:cs typeface="Segoe UI" panose="020B0502040204020203" pitchFamily="34" charset="0"/>
-              </a:rPr>
-              <a:t>tecnológicas </a:t>
-            </a:r>
-            <a:endParaRPr lang="es-AR" dirty="0">
+            <a:r>
+              <a:rPr lang="es-ES" dirty="0" smtClean="0">
+                <a:latin typeface="Segoe UI" panose="020B0502040204020203" pitchFamily="34" charset="0"/>
+                <a:cs typeface="Segoe UI" panose="020B0502040204020203" pitchFamily="34" charset="0"/>
+              </a:rPr>
+              <a:t>2005: se produjo la fuga de información confidencial sobre centrales nucleares en Japón, a través de Internet desde un ordenador infectado por un virus.</a:t>
+            </a:r>
+          </a:p>
+          <a:p>
+            <a:endParaRPr lang="es-AR" dirty="0" smtClean="0">
               <a:latin typeface="Segoe UI" panose="020B0502040204020203" pitchFamily="34" charset="0"/>
               <a:cs typeface="Segoe UI" panose="020B0502040204020203" pitchFamily="34" charset="0"/>
             </a:endParaRPr>
           </a:p>
+          <a:p>
+            <a:r>
+              <a:rPr lang="es-AR" dirty="0" smtClean="0">
+                <a:latin typeface="Segoe UI" panose="020B0502040204020203" pitchFamily="34" charset="0"/>
+                <a:cs typeface="Segoe UI" panose="020B0502040204020203" pitchFamily="34" charset="0"/>
+              </a:rPr>
+              <a:t>2007: el sitio global de búsquedas laborales </a:t>
+            </a:r>
+            <a:r>
+              <a:rPr lang="es-AR" dirty="0" err="1" smtClean="0">
+                <a:latin typeface="Segoe UI" panose="020B0502040204020203" pitchFamily="34" charset="0"/>
+                <a:cs typeface="Segoe UI" panose="020B0502040204020203" pitchFamily="34" charset="0"/>
+              </a:rPr>
+              <a:t>Monster</a:t>
+            </a:r>
+            <a:r>
+              <a:rPr lang="es-AR" dirty="0" smtClean="0">
+                <a:latin typeface="Segoe UI" panose="020B0502040204020203" pitchFamily="34" charset="0"/>
+                <a:cs typeface="Segoe UI" panose="020B0502040204020203" pitchFamily="34" charset="0"/>
+              </a:rPr>
+              <a:t> sufrió el robo de 1,6 millones de datos con información personal de los usuarios registrados. Los atacantes ingresaron a las bases de datos con contraseñas que habían sido obtenidas previamente mediante un troyano.</a:t>
+            </a:r>
+          </a:p>
+          <a:p>
+            <a:endParaRPr lang="es-ES" dirty="0" smtClean="0">
+              <a:latin typeface="Segoe UI" panose="020B0502040204020203" pitchFamily="34" charset="0"/>
+              <a:cs typeface="Segoe UI" panose="020B0502040204020203" pitchFamily="34" charset="0"/>
+            </a:endParaRPr>
+          </a:p>
         </p:txBody>
       </p:sp>
     </p:spTree>
     <p:extLst>
       <p:ext uri="{BB962C8B-B14F-4D97-AF65-F5344CB8AC3E}">
-        <p14:creationId xmlns:p14="http://schemas.microsoft.com/office/powerpoint/2010/main" val="3816537714"/>
+        <p14:creationId xmlns:p14="http://schemas.microsoft.com/office/powerpoint/2010/main" xmlns="" val="659291744"/>
       </p:ext>
     </p:extLst>
   </p:cSld>
   <p:clrMapOvr>
     <a:masterClrMapping/>
   </p:clrMapOvr>
-  <mc:AlternateContent xmlns:mc="http://schemas.openxmlformats.org/markup-compatibility/2006" xmlns:p14="http://schemas.microsoft.com/office/powerpoint/2010/main">
-    <mc:Choice Requires="p14">
+  <mc:AlternateContent xmlns:mc="http://schemas.openxmlformats.org/markup-compatibility/2006">
+    <mc:Choice xmlns:p14="http://schemas.microsoft.com/office/powerpoint/2010/main" xmlns="" Requires="p14">
       <p:transition spd="med" p14:dur="700">
         <p:fade/>
       </p:transition>
     </mc:Choice>
-    <mc:Fallback xmlns="">
+    <mc:Fallback>
       <p:transition spd="med">
         <p:fade/>
       </p:transition>
@@ -12512,7 +12843,7 @@
       </p:grpSpPr>
       <p:sp>
         <p:nvSpPr>
-          <p:cNvPr id="2" name="Title 1"/>
+          <p:cNvPr id="13" name="Title 12"/>
           <p:cNvSpPr>
             <a:spLocks noGrp="1"/>
           </p:cNvSpPr>
@@ -12526,37 +12857,33 @@
           <a:lstStyle/>
           <a:p>
             <a:r>
-              <a:rPr lang="es-AR" b="1" spc="0" dirty="0" smtClean="0">
-                <a:ln w="9525">
-                  <a:solidFill>
-                    <a:schemeClr val="bg1"/>
-                  </a:solidFill>
-                  <a:prstDash val="solid"/>
-                </a:ln>
+              <a:rPr lang="es-AR" spc="0" dirty="0" smtClean="0">
+                <a:ln w="0"/>
+                <a:solidFill>
+                  <a:schemeClr val="accent1"/>
+                </a:solidFill>
                 <a:effectLst>
-                  <a:outerShdw blurRad="12700" dist="38100" dir="2700000" algn="tl" rotWithShape="0">
-                    <a:schemeClr val="bg1">
-                      <a:lumMod val="50000"/>
-                    </a:schemeClr>
+                  <a:outerShdw blurRad="38100" dist="25400" dir="5400000" algn="ctr" rotWithShape="0">
+                    <a:srgbClr val="6E747A">
+                      <a:alpha val="43000"/>
+                    </a:srgbClr>
                   </a:outerShdw>
                 </a:effectLst>
                 <a:latin typeface="Segoe UI" panose="020B0502040204020203" pitchFamily="34" charset="0"/>
                 <a:cs typeface="Segoe UI" panose="020B0502040204020203" pitchFamily="34" charset="0"/>
               </a:rPr>
-              <a:t>Conclusiones (cont.)</a:t>
-            </a:r>
-            <a:endParaRPr lang="es-AR" b="1" spc="0" dirty="0">
-              <a:ln w="9525">
-                <a:solidFill>
-                  <a:schemeClr val="bg1"/>
-                </a:solidFill>
-                <a:prstDash val="solid"/>
-              </a:ln>
+              <a:t>Siglo XXI – Casos reales  (IV)</a:t>
+            </a:r>
+            <a:endParaRPr lang="es-AR" spc="0" dirty="0">
+              <a:ln w="0"/>
+              <a:solidFill>
+                <a:schemeClr val="accent1"/>
+              </a:solidFill>
               <a:effectLst>
-                <a:outerShdw blurRad="12700" dist="38100" dir="2700000" algn="tl" rotWithShape="0">
-                  <a:schemeClr val="bg1">
-                    <a:lumMod val="50000"/>
-                  </a:schemeClr>
+                <a:outerShdw blurRad="38100" dist="25400" dir="5400000" algn="ctr" rotWithShape="0">
+                  <a:srgbClr val="6E747A">
+                    <a:alpha val="43000"/>
+                  </a:srgbClr>
                 </a:outerShdw>
               </a:effectLst>
               <a:latin typeface="Segoe UI" panose="020B0502040204020203" pitchFamily="34" charset="0"/>
@@ -12567,7 +12894,7 @@
       </p:sp>
       <p:sp>
         <p:nvSpPr>
-          <p:cNvPr id="3" name="Content Placeholder 2"/>
+          <p:cNvPr id="2" name="Content Placeholder 1"/>
           <p:cNvSpPr>
             <a:spLocks noGrp="1"/>
           </p:cNvSpPr>
@@ -12575,108 +12902,107 @@
             <p:ph idx="1"/>
           </p:nvPr>
         </p:nvSpPr>
-        <p:spPr/>
+        <p:spPr>
+          <a:xfrm>
+            <a:off x="1522413" y="2276872"/>
+            <a:ext cx="9134391" cy="3742928"/>
+          </a:xfrm>
+        </p:spPr>
         <p:txBody>
           <a:bodyPr>
-            <a:normAutofit/>
+            <a:noAutofit/>
           </a:bodyPr>
           <a:lstStyle/>
           <a:p>
-            <a:pPr marL="342900" indent="-342900"/>
-            <a:r>
-              <a:rPr lang="es-AR" dirty="0">
-                <a:latin typeface="Segoe UI" panose="020B0502040204020203" pitchFamily="34" charset="0"/>
-                <a:cs typeface="Segoe UI" panose="020B0502040204020203" pitchFamily="34" charset="0"/>
-              </a:rPr>
-              <a:t>A pesar de que los ataques maliciosos son una minoría, no deberían ser </a:t>
-            </a:r>
             <a:r>
               <a:rPr lang="es-AR" dirty="0" smtClean="0">
                 <a:latin typeface="Segoe UI" panose="020B0502040204020203" pitchFamily="34" charset="0"/>
                 <a:cs typeface="Segoe UI" panose="020B0502040204020203" pitchFamily="34" charset="0"/>
               </a:rPr>
-              <a:t>ignorados</a:t>
+              <a:t>2009: la red social </a:t>
+            </a:r>
+            <a:r>
+              <a:rPr lang="es-AR" dirty="0" err="1" smtClean="0">
+                <a:latin typeface="Segoe UI" panose="020B0502040204020203" pitchFamily="34" charset="0"/>
+                <a:cs typeface="Segoe UI" panose="020B0502040204020203" pitchFamily="34" charset="0"/>
+              </a:rPr>
+              <a:t>Tuenti</a:t>
+            </a:r>
+            <a:r>
+              <a:rPr lang="es-AR" dirty="0" smtClean="0">
+                <a:latin typeface="Segoe UI" panose="020B0502040204020203" pitchFamily="34" charset="0"/>
+                <a:cs typeface="Segoe UI" panose="020B0502040204020203" pitchFamily="34" charset="0"/>
+              </a:rPr>
+              <a:t> fue afectada por el robo de 4.000 cuentas de usuario y sus contraseñas, por parte de un atacante enojado con la empresa.</a:t>
+            </a:r>
+          </a:p>
+          <a:p>
+            <a:endParaRPr lang="es-AR" dirty="0" smtClean="0">
+              <a:latin typeface="Segoe UI" panose="020B0502040204020203" pitchFamily="34" charset="0"/>
+              <a:cs typeface="Segoe UI" panose="020B0502040204020203" pitchFamily="34" charset="0"/>
+            </a:endParaRPr>
+          </a:p>
+          <a:p>
+            <a:r>
+              <a:rPr lang="es-AR" dirty="0" smtClean="0">
+                <a:latin typeface="Segoe UI" panose="020B0502040204020203" pitchFamily="34" charset="0"/>
+                <a:cs typeface="Segoe UI" panose="020B0502040204020203" pitchFamily="34" charset="0"/>
+              </a:rPr>
+              <a:t>2010:  Google detectó que había sido víctima de un ataque desde China, que robó información de su propiedad intelectual.</a:t>
+            </a:r>
+          </a:p>
+          <a:p>
+            <a:endParaRPr lang="es-AR" dirty="0" smtClean="0">
+              <a:latin typeface="Segoe UI" panose="020B0502040204020203" pitchFamily="34" charset="0"/>
+              <a:cs typeface="Segoe UI" panose="020B0502040204020203" pitchFamily="34" charset="0"/>
+            </a:endParaRPr>
+          </a:p>
+          <a:p>
+            <a:r>
+              <a:rPr lang="es-AR" dirty="0" smtClean="0">
+                <a:latin typeface="Segoe UI" panose="020B0502040204020203" pitchFamily="34" charset="0"/>
+                <a:cs typeface="Segoe UI" panose="020B0502040204020203" pitchFamily="34" charset="0"/>
+              </a:rPr>
+              <a:t>2014: Edward </a:t>
+            </a:r>
+            <a:r>
+              <a:rPr lang="es-AR" dirty="0" err="1" smtClean="0">
+                <a:latin typeface="Segoe UI" panose="020B0502040204020203" pitchFamily="34" charset="0"/>
+                <a:cs typeface="Segoe UI" panose="020B0502040204020203" pitchFamily="34" charset="0"/>
+              </a:rPr>
+              <a:t>Snowden</a:t>
+            </a:r>
+            <a:r>
+              <a:rPr lang="es-AR" dirty="0" smtClean="0">
+                <a:latin typeface="Segoe UI" panose="020B0502040204020203" pitchFamily="34" charset="0"/>
+                <a:cs typeface="Segoe UI" panose="020B0502040204020203" pitchFamily="34" charset="0"/>
+              </a:rPr>
+              <a:t> revela cómo la Casa Blanca y sus organismos espían las comunicaciones en Internet.</a:t>
             </a:r>
             <a:endParaRPr lang="es-AR" dirty="0">
               <a:latin typeface="Segoe UI" panose="020B0502040204020203" pitchFamily="34" charset="0"/>
               <a:cs typeface="Segoe UI" panose="020B0502040204020203" pitchFamily="34" charset="0"/>
             </a:endParaRPr>
           </a:p>
-          <a:p>
-            <a:pPr marL="342900" indent="-342900"/>
-            <a:r>
-              <a:rPr lang="es-AR" dirty="0" smtClean="0">
-                <a:latin typeface="Segoe UI" panose="020B0502040204020203" pitchFamily="34" charset="0"/>
-                <a:cs typeface="Segoe UI" panose="020B0502040204020203" pitchFamily="34" charset="0"/>
-              </a:rPr>
-              <a:t>Existen </a:t>
-            </a:r>
-            <a:r>
-              <a:rPr lang="es-AR" dirty="0">
-                <a:latin typeface="Segoe UI" panose="020B0502040204020203" pitchFamily="34" charset="0"/>
-                <a:cs typeface="Segoe UI" panose="020B0502040204020203" pitchFamily="34" charset="0"/>
-              </a:rPr>
-              <a:t>múltiples vías de escape de información que deben ser </a:t>
-            </a:r>
-            <a:r>
-              <a:rPr lang="es-AR" dirty="0" smtClean="0">
-                <a:latin typeface="Segoe UI" panose="020B0502040204020203" pitchFamily="34" charset="0"/>
-                <a:cs typeface="Segoe UI" panose="020B0502040204020203" pitchFamily="34" charset="0"/>
-              </a:rPr>
-              <a:t>monitoreadas</a:t>
-            </a:r>
-            <a:endParaRPr lang="es-AR" dirty="0">
-              <a:latin typeface="Segoe UI" panose="020B0502040204020203" pitchFamily="34" charset="0"/>
-              <a:cs typeface="Segoe UI" panose="020B0502040204020203" pitchFamily="34" charset="0"/>
-            </a:endParaRPr>
-          </a:p>
-          <a:p>
-            <a:pPr marL="342900" indent="-342900"/>
-            <a:r>
-              <a:rPr lang="es-AR" dirty="0" smtClean="0">
-                <a:latin typeface="Segoe UI" panose="020B0502040204020203" pitchFamily="34" charset="0"/>
-                <a:cs typeface="Segoe UI" panose="020B0502040204020203" pitchFamily="34" charset="0"/>
-              </a:rPr>
-              <a:t>No </a:t>
-            </a:r>
-            <a:r>
-              <a:rPr lang="es-AR" dirty="0">
-                <a:latin typeface="Segoe UI" panose="020B0502040204020203" pitchFamily="34" charset="0"/>
-                <a:cs typeface="Segoe UI" panose="020B0502040204020203" pitchFamily="34" charset="0"/>
-              </a:rPr>
-              <a:t>existen soluciones que protejan los activos intangibles de forma 100% segura, se puede minimizar la probabilidad de que ocurran pérdidas mediante la aplicación de varios métodos </a:t>
-            </a:r>
-            <a:r>
-              <a:rPr lang="es-AR" dirty="0" smtClean="0">
-                <a:latin typeface="Segoe UI" panose="020B0502040204020203" pitchFamily="34" charset="0"/>
-                <a:cs typeface="Segoe UI" panose="020B0502040204020203" pitchFamily="34" charset="0"/>
-              </a:rPr>
-              <a:t>complementarios</a:t>
-            </a:r>
-            <a:endParaRPr lang="es-AR" dirty="0">
-              <a:latin typeface="Segoe UI" panose="020B0502040204020203" pitchFamily="34" charset="0"/>
-              <a:cs typeface="Segoe UI" panose="020B0502040204020203" pitchFamily="34" charset="0"/>
-            </a:endParaRPr>
-          </a:p>
         </p:txBody>
       </p:sp>
     </p:spTree>
     <p:extLst>
       <p:ext uri="{BB962C8B-B14F-4D97-AF65-F5344CB8AC3E}">
-        <p14:creationId xmlns:p14="http://schemas.microsoft.com/office/powerpoint/2010/main" val="2896967631"/>
+        <p14:creationId xmlns:p14="http://schemas.microsoft.com/office/powerpoint/2010/main" xmlns="" val="659291744"/>
       </p:ext>
     </p:extLst>
   </p:cSld>
   <p:clrMapOvr>
     <a:masterClrMapping/>
   </p:clrMapOvr>
-  <mc:AlternateContent xmlns:mc="http://schemas.openxmlformats.org/markup-compatibility/2006" xmlns:p14="http://schemas.microsoft.com/office/powerpoint/2010/main">
-    <mc:Choice Requires="p14">
+  <mc:AlternateContent xmlns:mc="http://schemas.openxmlformats.org/markup-compatibility/2006">
+    <mc:Choice xmlns:p14="http://schemas.microsoft.com/office/powerpoint/2010/main" xmlns="" Requires="p14">
       <p:transition spd="med" p14:dur="700">
         <p:fade/>
       </p:transition>
     </mc:Choice>
-    <mc:Fallback xmlns="">
+    <mc:Fallback>
       <p:transition spd="med">
         <p:fade/>
       </p:transition>
@@ -12711,7 +13037,7 @@
       </p:grpSpPr>
       <p:sp>
         <p:nvSpPr>
-          <p:cNvPr id="3" name="Title 2"/>
+          <p:cNvPr id="2" name="Title 1"/>
           <p:cNvSpPr>
             <a:spLocks noGrp="1"/>
           </p:cNvSpPr>
@@ -12721,73 +13047,647 @@
         </p:nvSpPr>
         <p:spPr/>
         <p:txBody>
-          <a:bodyPr>
-            <a:normAutofit/>
-          </a:bodyPr>
+          <a:bodyPr/>
           <a:lstStyle/>
           <a:p>
             <a:r>
-              <a:rPr lang="es-AR" sz="6600" dirty="0" smtClean="0">
-                <a:latin typeface="Segoe UI" panose="020B0502040204020203" pitchFamily="34" charset="0"/>
-                <a:cs typeface="Segoe UI" panose="020B0502040204020203" pitchFamily="34" charset="0"/>
-              </a:rPr>
-              <a:t>Fin</a:t>
-            </a:r>
-            <a:endParaRPr lang="en-US" sz="6600" dirty="0">
+              <a:rPr lang="es-AR" dirty="0" smtClean="0">
+                <a:latin typeface="Segoe UI" panose="020B0502040204020203" pitchFamily="34" charset="0"/>
+                <a:cs typeface="Segoe UI" panose="020B0502040204020203" pitchFamily="34" charset="0"/>
+              </a:rPr>
+              <a:t>Conclusiones</a:t>
+            </a:r>
+            <a:endParaRPr lang="es-AR" dirty="0">
               <a:latin typeface="Segoe UI" panose="020B0502040204020203" pitchFamily="34" charset="0"/>
               <a:cs typeface="Segoe UI" panose="020B0502040204020203" pitchFamily="34" charset="0"/>
             </a:endParaRPr>
           </a:p>
         </p:txBody>
       </p:sp>
-      <p:sp>
-        <p:nvSpPr>
-          <p:cNvPr id="4" name="Text Placeholder 3"/>
-          <p:cNvSpPr>
-            <a:spLocks noGrp="1"/>
-          </p:cNvSpPr>
-          <p:nvPr>
-            <p:ph type="body" sz="half" idx="2"/>
-          </p:nvPr>
-        </p:nvSpPr>
-        <p:spPr/>
-        <p:txBody>
-          <a:bodyPr>
-            <a:normAutofit/>
-          </a:bodyPr>
-          <a:lstStyle/>
-          <a:p>
-            <a:r>
-              <a:rPr lang="es-AR" sz="3600" dirty="0" smtClean="0">
-                <a:latin typeface="Segoe UI" panose="020B0502040204020203" pitchFamily="34" charset="0"/>
-                <a:cs typeface="Segoe UI" panose="020B0502040204020203" pitchFamily="34" charset="0"/>
-              </a:rPr>
-              <a:t>¿Preguntas?</a:t>
-            </a:r>
-            <a:endParaRPr lang="en-US" sz="3600" dirty="0">
-              <a:latin typeface="Segoe UI" panose="020B0502040204020203" pitchFamily="34" charset="0"/>
-              <a:cs typeface="Segoe UI" panose="020B0502040204020203" pitchFamily="34" charset="0"/>
-            </a:endParaRPr>
-          </a:p>
-        </p:txBody>
-      </p:sp>
     </p:spTree>
     <p:extLst>
       <p:ext uri="{BB962C8B-B14F-4D97-AF65-F5344CB8AC3E}">
-        <p14:creationId xmlns:p14="http://schemas.microsoft.com/office/powerpoint/2010/main" val="1108506989"/>
+        <p14:creationId xmlns:p14="http://schemas.microsoft.com/office/powerpoint/2010/main" xmlns="" val="1539601608"/>
       </p:ext>
     </p:extLst>
   </p:cSld>
   <p:clrMapOvr>
     <a:masterClrMapping/>
   </p:clrMapOvr>
-  <mc:AlternateContent xmlns:mc="http://schemas.openxmlformats.org/markup-compatibility/2006" xmlns:p14="http://schemas.microsoft.com/office/powerpoint/2010/main">
-    <mc:Choice Requires="p14">
+  <mc:AlternateContent xmlns:mc="http://schemas.openxmlformats.org/markup-compatibility/2006">
+    <mc:Choice xmlns:p14="http://schemas.microsoft.com/office/powerpoint/2010/main" xmlns="" Requires="p14">
       <p:transition spd="med" p14:dur="700">
         <p:fade/>
       </p:transition>
     </mc:Choice>
-    <mc:Fallback xmlns="">
+    <mc:Fallback>
+      <p:transition spd="med">
+        <p:fade/>
+      </p:transition>
+    </mc:Fallback>
+  </mc:AlternateContent>
+  <p:timing>
+    <p:tnLst>
+      <p:par>
+        <p:cTn id="1" dur="indefinite" restart="never" nodeType="tmRoot"/>
+      </p:par>
+    </p:tnLst>
+  </p:timing>
+</p:sld>
+</file>
+
+<file path=ppt/slides/slide37.xml><?xml version="1.0" encoding="utf-8"?>
+<p:sld xmlns:a="http://schemas.openxmlformats.org/drawingml/2006/main" xmlns:r="http://schemas.openxmlformats.org/officeDocument/2006/relationships" xmlns:p="http://schemas.openxmlformats.org/presentationml/2006/main">
+  <p:cSld>
+    <p:spTree>
+      <p:nvGrpSpPr>
+        <p:cNvPr id="1" name=""/>
+        <p:cNvGrpSpPr/>
+        <p:nvPr/>
+      </p:nvGrpSpPr>
+      <p:grpSpPr>
+        <a:xfrm>
+          <a:off x="0" y="0"/>
+          <a:ext cx="0" cy="0"/>
+          <a:chOff x="0" y="0"/>
+          <a:chExt cx="0" cy="0"/>
+        </a:xfrm>
+      </p:grpSpPr>
+      <p:sp>
+        <p:nvSpPr>
+          <p:cNvPr id="2" name="Title 1"/>
+          <p:cNvSpPr>
+            <a:spLocks noGrp="1"/>
+          </p:cNvSpPr>
+          <p:nvPr>
+            <p:ph type="title"/>
+          </p:nvPr>
+        </p:nvSpPr>
+        <p:spPr/>
+        <p:txBody>
+          <a:bodyPr/>
+          <a:lstStyle/>
+          <a:p>
+            <a:r>
+              <a:rPr lang="es-AR" b="1" spc="0" dirty="0" smtClean="0">
+                <a:ln w="9525">
+                  <a:solidFill>
+                    <a:schemeClr val="bg1"/>
+                  </a:solidFill>
+                  <a:prstDash val="solid"/>
+                </a:ln>
+                <a:effectLst>
+                  <a:outerShdw blurRad="12700" dist="38100" dir="2700000" algn="tl" rotWithShape="0">
+                    <a:schemeClr val="bg1">
+                      <a:lumMod val="50000"/>
+                    </a:schemeClr>
+                  </a:outerShdw>
+                </a:effectLst>
+                <a:latin typeface="Segoe UI" panose="020B0502040204020203" pitchFamily="34" charset="0"/>
+                <a:cs typeface="Segoe UI" panose="020B0502040204020203" pitchFamily="34" charset="0"/>
+              </a:rPr>
+              <a:t>Conclusiones</a:t>
+            </a:r>
+            <a:endParaRPr lang="es-AR" b="1" spc="0" dirty="0">
+              <a:ln w="9525">
+                <a:solidFill>
+                  <a:schemeClr val="bg1"/>
+                </a:solidFill>
+                <a:prstDash val="solid"/>
+              </a:ln>
+              <a:effectLst>
+                <a:outerShdw blurRad="12700" dist="38100" dir="2700000" algn="tl" rotWithShape="0">
+                  <a:schemeClr val="bg1">
+                    <a:lumMod val="50000"/>
+                  </a:schemeClr>
+                </a:outerShdw>
+              </a:effectLst>
+              <a:latin typeface="Segoe UI" panose="020B0502040204020203" pitchFamily="34" charset="0"/>
+              <a:cs typeface="Segoe UI" panose="020B0502040204020203" pitchFamily="34" charset="0"/>
+            </a:endParaRPr>
+          </a:p>
+        </p:txBody>
+      </p:sp>
+      <p:sp>
+        <p:nvSpPr>
+          <p:cNvPr id="3" name="Content Placeholder 2"/>
+          <p:cNvSpPr>
+            <a:spLocks noGrp="1"/>
+          </p:cNvSpPr>
+          <p:nvPr>
+            <p:ph idx="1"/>
+          </p:nvPr>
+        </p:nvSpPr>
+        <p:spPr/>
+        <p:txBody>
+          <a:bodyPr>
+            <a:normAutofit lnSpcReduction="10000"/>
+          </a:bodyPr>
+          <a:lstStyle/>
+          <a:p>
+            <a:pPr marL="342900" indent="-342900">
+              <a:lnSpc>
+                <a:spcPct val="150000"/>
+              </a:lnSpc>
+            </a:pPr>
+            <a:r>
+              <a:rPr lang="es-AR" dirty="0" smtClean="0">
+                <a:latin typeface="Segoe UI" panose="020B0502040204020203" pitchFamily="34" charset="0"/>
+                <a:cs typeface="Segoe UI" panose="020B0502040204020203" pitchFamily="34" charset="0"/>
+              </a:rPr>
+              <a:t>La amenaza más grande para las organizaciones probablemente no sean los ataques de terceros, ni los empleados maliciosos, sino los empleados descuidados que de forma inintencionada divulgan información sensible</a:t>
+            </a:r>
+          </a:p>
+          <a:p>
+            <a:pPr marL="342900" indent="-342900">
+              <a:lnSpc>
+                <a:spcPct val="150000"/>
+              </a:lnSpc>
+            </a:pPr>
+            <a:r>
+              <a:rPr lang="es-AR" dirty="0" smtClean="0">
+                <a:latin typeface="Segoe UI" panose="020B0502040204020203" pitchFamily="34" charset="0"/>
+                <a:cs typeface="Segoe UI" panose="020B0502040204020203" pitchFamily="34" charset="0"/>
+              </a:rPr>
+              <a:t>Una combinación de protección tecnológica, políticas y procedimientos actualizados, y educación de los usuarios deberían contribuir a paliar los efectos que causan estas fugas</a:t>
+            </a:r>
+          </a:p>
+          <a:p>
+            <a:pPr>
+              <a:lnSpc>
+                <a:spcPct val="150000"/>
+              </a:lnSpc>
+            </a:pPr>
+            <a:endParaRPr lang="es-AR" dirty="0" smtClean="0">
+              <a:latin typeface="Segoe UI" panose="020B0502040204020203" pitchFamily="34" charset="0"/>
+              <a:cs typeface="Segoe UI" panose="020B0502040204020203" pitchFamily="34" charset="0"/>
+            </a:endParaRPr>
+          </a:p>
+          <a:p>
+            <a:endParaRPr lang="es-AR" dirty="0">
+              <a:latin typeface="Segoe UI" panose="020B0502040204020203" pitchFamily="34" charset="0"/>
+              <a:cs typeface="Segoe UI" panose="020B0502040204020203" pitchFamily="34" charset="0"/>
+            </a:endParaRPr>
+          </a:p>
+        </p:txBody>
+      </p:sp>
+    </p:spTree>
+    <p:extLst>
+      <p:ext uri="{BB962C8B-B14F-4D97-AF65-F5344CB8AC3E}">
+        <p14:creationId xmlns:p14="http://schemas.microsoft.com/office/powerpoint/2010/main" xmlns="" val="3280227416"/>
+      </p:ext>
+    </p:extLst>
+  </p:cSld>
+  <p:clrMapOvr>
+    <a:masterClrMapping/>
+  </p:clrMapOvr>
+  <mc:AlternateContent xmlns:mc="http://schemas.openxmlformats.org/markup-compatibility/2006">
+    <mc:Choice xmlns:p14="http://schemas.microsoft.com/office/powerpoint/2010/main" xmlns="" Requires="p14">
+      <p:transition spd="med" p14:dur="700">
+        <p:fade/>
+      </p:transition>
+    </mc:Choice>
+    <mc:Fallback>
+      <p:transition spd="med">
+        <p:fade/>
+      </p:transition>
+    </mc:Fallback>
+  </mc:AlternateContent>
+  <p:timing>
+    <p:tnLst>
+      <p:par>
+        <p:cTn id="1" dur="indefinite" restart="never" nodeType="tmRoot"/>
+      </p:par>
+    </p:tnLst>
+  </p:timing>
+</p:sld>
+</file>
+
+<file path=ppt/slides/slide38.xml><?xml version="1.0" encoding="utf-8"?>
+<p:sld xmlns:a="http://schemas.openxmlformats.org/drawingml/2006/main" xmlns:r="http://schemas.openxmlformats.org/officeDocument/2006/relationships" xmlns:p="http://schemas.openxmlformats.org/presentationml/2006/main">
+  <p:cSld>
+    <p:spTree>
+      <p:nvGrpSpPr>
+        <p:cNvPr id="1" name=""/>
+        <p:cNvGrpSpPr/>
+        <p:nvPr/>
+      </p:nvGrpSpPr>
+      <p:grpSpPr>
+        <a:xfrm>
+          <a:off x="0" y="0"/>
+          <a:ext cx="0" cy="0"/>
+          <a:chOff x="0" y="0"/>
+          <a:chExt cx="0" cy="0"/>
+        </a:xfrm>
+      </p:grpSpPr>
+      <p:sp>
+        <p:nvSpPr>
+          <p:cNvPr id="2" name="Title 1"/>
+          <p:cNvSpPr>
+            <a:spLocks noGrp="1"/>
+          </p:cNvSpPr>
+          <p:nvPr>
+            <p:ph type="title"/>
+          </p:nvPr>
+        </p:nvSpPr>
+        <p:spPr/>
+        <p:txBody>
+          <a:bodyPr/>
+          <a:lstStyle/>
+          <a:p>
+            <a:r>
+              <a:rPr lang="es-AR" b="1" spc="0" dirty="0" smtClean="0">
+                <a:ln w="9525">
+                  <a:solidFill>
+                    <a:schemeClr val="bg1"/>
+                  </a:solidFill>
+                  <a:prstDash val="solid"/>
+                </a:ln>
+                <a:effectLst>
+                  <a:outerShdw blurRad="12700" dist="38100" dir="2700000" algn="tl" rotWithShape="0">
+                    <a:schemeClr val="bg1">
+                      <a:lumMod val="50000"/>
+                    </a:schemeClr>
+                  </a:outerShdw>
+                </a:effectLst>
+                <a:latin typeface="Segoe UI" panose="020B0502040204020203" pitchFamily="34" charset="0"/>
+                <a:cs typeface="Segoe UI" panose="020B0502040204020203" pitchFamily="34" charset="0"/>
+              </a:rPr>
+              <a:t>Conclusiones (cont.)</a:t>
+            </a:r>
+            <a:endParaRPr lang="es-AR" b="1" spc="0" dirty="0">
+              <a:ln w="9525">
+                <a:solidFill>
+                  <a:schemeClr val="bg1"/>
+                </a:solidFill>
+                <a:prstDash val="solid"/>
+              </a:ln>
+              <a:effectLst>
+                <a:outerShdw blurRad="12700" dist="38100" dir="2700000" algn="tl" rotWithShape="0">
+                  <a:schemeClr val="bg1">
+                    <a:lumMod val="50000"/>
+                  </a:schemeClr>
+                </a:outerShdw>
+              </a:effectLst>
+              <a:latin typeface="Segoe UI" panose="020B0502040204020203" pitchFamily="34" charset="0"/>
+              <a:cs typeface="Segoe UI" panose="020B0502040204020203" pitchFamily="34" charset="0"/>
+            </a:endParaRPr>
+          </a:p>
+        </p:txBody>
+      </p:sp>
+      <p:sp>
+        <p:nvSpPr>
+          <p:cNvPr id="3" name="Content Placeholder 2"/>
+          <p:cNvSpPr>
+            <a:spLocks noGrp="1"/>
+          </p:cNvSpPr>
+          <p:nvPr>
+            <p:ph idx="1"/>
+          </p:nvPr>
+        </p:nvSpPr>
+        <p:spPr/>
+        <p:txBody>
+          <a:bodyPr>
+            <a:normAutofit fontScale="77500" lnSpcReduction="20000"/>
+          </a:bodyPr>
+          <a:lstStyle/>
+          <a:p>
+            <a:pPr marL="342900" indent="-342900">
+              <a:lnSpc>
+                <a:spcPct val="150000"/>
+              </a:lnSpc>
+            </a:pPr>
+            <a:r>
+              <a:rPr lang="es-AR" dirty="0">
+                <a:latin typeface="Segoe UI" panose="020B0502040204020203" pitchFamily="34" charset="0"/>
+                <a:cs typeface="Segoe UI" panose="020B0502040204020203" pitchFamily="34" charset="0"/>
+              </a:rPr>
+              <a:t>Procedimiento básico para desarrollar una estrategia de protección: </a:t>
+            </a:r>
+          </a:p>
+          <a:p>
+            <a:pPr marL="800100" lvl="1" indent="-342900">
+              <a:lnSpc>
+                <a:spcPct val="150000"/>
+              </a:lnSpc>
+              <a:buFont typeface="Wingdings" panose="05000000000000000000" pitchFamily="2" charset="2"/>
+              <a:buChar char="ü"/>
+            </a:pPr>
+            <a:r>
+              <a:rPr lang="es-AR" sz="2400" dirty="0">
+                <a:latin typeface="Segoe UI" panose="020B0502040204020203" pitchFamily="34" charset="0"/>
+                <a:cs typeface="Segoe UI" panose="020B0502040204020203" pitchFamily="34" charset="0"/>
+              </a:rPr>
+              <a:t>Clasificar la información a proteger</a:t>
+            </a:r>
+          </a:p>
+          <a:p>
+            <a:pPr marL="800100" lvl="1" indent="-342900">
+              <a:lnSpc>
+                <a:spcPct val="150000"/>
+              </a:lnSpc>
+              <a:buFont typeface="Wingdings" panose="05000000000000000000" pitchFamily="2" charset="2"/>
+              <a:buChar char="ü"/>
+            </a:pPr>
+            <a:r>
+              <a:rPr lang="es-AR" sz="2400" dirty="0">
+                <a:latin typeface="Segoe UI" panose="020B0502040204020203" pitchFamily="34" charset="0"/>
+                <a:cs typeface="Segoe UI" panose="020B0502040204020203" pitchFamily="34" charset="0"/>
+              </a:rPr>
+              <a:t>Entender los datos que se manejan </a:t>
+            </a:r>
+          </a:p>
+          <a:p>
+            <a:pPr marL="800100" lvl="1" indent="-342900">
+              <a:lnSpc>
+                <a:spcPct val="150000"/>
+              </a:lnSpc>
+              <a:buFont typeface="Wingdings" panose="05000000000000000000" pitchFamily="2" charset="2"/>
+              <a:buChar char="ü"/>
+            </a:pPr>
+            <a:r>
+              <a:rPr lang="es-AR" sz="2400" dirty="0">
+                <a:latin typeface="Segoe UI" panose="020B0502040204020203" pitchFamily="34" charset="0"/>
+                <a:cs typeface="Segoe UI" panose="020B0502040204020203" pitchFamily="34" charset="0"/>
+              </a:rPr>
+              <a:t>Establecer políticas sobre el manejo de la información</a:t>
+            </a:r>
+          </a:p>
+          <a:p>
+            <a:pPr marL="800100" lvl="1" indent="-342900">
+              <a:lnSpc>
+                <a:spcPct val="150000"/>
+              </a:lnSpc>
+              <a:buFont typeface="Wingdings" panose="05000000000000000000" pitchFamily="2" charset="2"/>
+              <a:buChar char="ü"/>
+            </a:pPr>
+            <a:r>
+              <a:rPr lang="es-AR" sz="2400" dirty="0">
+                <a:latin typeface="Segoe UI" panose="020B0502040204020203" pitchFamily="34" charset="0"/>
+                <a:cs typeface="Segoe UI" panose="020B0502040204020203" pitchFamily="34" charset="0"/>
+              </a:rPr>
+              <a:t>Capacitar al personal en las herramientas </a:t>
+            </a:r>
+          </a:p>
+          <a:p>
+            <a:pPr marL="800100" lvl="1" indent="-342900">
+              <a:lnSpc>
+                <a:spcPct val="150000"/>
+              </a:lnSpc>
+              <a:buFont typeface="Wingdings" panose="05000000000000000000" pitchFamily="2" charset="2"/>
+              <a:buChar char="ü"/>
+            </a:pPr>
+            <a:r>
+              <a:rPr lang="es-AR" sz="2400" dirty="0">
+                <a:latin typeface="Segoe UI" panose="020B0502040204020203" pitchFamily="34" charset="0"/>
+                <a:cs typeface="Segoe UI" panose="020B0502040204020203" pitchFamily="34" charset="0"/>
+              </a:rPr>
+              <a:t>Implementar seguridad a nivel físico</a:t>
+            </a:r>
+          </a:p>
+          <a:p>
+            <a:pPr marL="342900" indent="-342900">
+              <a:lnSpc>
+                <a:spcPct val="150000"/>
+              </a:lnSpc>
+            </a:pPr>
+            <a:r>
+              <a:rPr lang="es-AR" dirty="0">
+                <a:latin typeface="Segoe UI" panose="020B0502040204020203" pitchFamily="34" charset="0"/>
+                <a:cs typeface="Segoe UI" panose="020B0502040204020203" pitchFamily="34" charset="0"/>
+              </a:rPr>
+              <a:t>No debe olvidarse de ejecutar revisiones periódicas, para mantener las políticas actualizadas y en conformidad con los requisitos y las tendencias </a:t>
+            </a:r>
+            <a:r>
+              <a:rPr lang="es-AR" dirty="0" smtClean="0">
+                <a:latin typeface="Segoe UI" panose="020B0502040204020203" pitchFamily="34" charset="0"/>
+                <a:cs typeface="Segoe UI" panose="020B0502040204020203" pitchFamily="34" charset="0"/>
+              </a:rPr>
+              <a:t>tecnológicas </a:t>
+            </a:r>
+            <a:endParaRPr lang="es-AR" dirty="0">
+              <a:latin typeface="Segoe UI" panose="020B0502040204020203" pitchFamily="34" charset="0"/>
+              <a:cs typeface="Segoe UI" panose="020B0502040204020203" pitchFamily="34" charset="0"/>
+            </a:endParaRPr>
+          </a:p>
+        </p:txBody>
+      </p:sp>
+    </p:spTree>
+    <p:extLst>
+      <p:ext uri="{BB962C8B-B14F-4D97-AF65-F5344CB8AC3E}">
+        <p14:creationId xmlns:p14="http://schemas.microsoft.com/office/powerpoint/2010/main" xmlns="" val="3816537714"/>
+      </p:ext>
+    </p:extLst>
+  </p:cSld>
+  <p:clrMapOvr>
+    <a:masterClrMapping/>
+  </p:clrMapOvr>
+  <mc:AlternateContent xmlns:mc="http://schemas.openxmlformats.org/markup-compatibility/2006">
+    <mc:Choice xmlns:p14="http://schemas.microsoft.com/office/powerpoint/2010/main" xmlns="" Requires="p14">
+      <p:transition spd="med" p14:dur="700">
+        <p:fade/>
+      </p:transition>
+    </mc:Choice>
+    <mc:Fallback>
+      <p:transition spd="med">
+        <p:fade/>
+      </p:transition>
+    </mc:Fallback>
+  </mc:AlternateContent>
+  <p:timing>
+    <p:tnLst>
+      <p:par>
+        <p:cTn id="1" dur="indefinite" restart="never" nodeType="tmRoot"/>
+      </p:par>
+    </p:tnLst>
+  </p:timing>
+</p:sld>
+</file>
+
+<file path=ppt/slides/slide39.xml><?xml version="1.0" encoding="utf-8"?>
+<p:sld xmlns:a="http://schemas.openxmlformats.org/drawingml/2006/main" xmlns:r="http://schemas.openxmlformats.org/officeDocument/2006/relationships" xmlns:p="http://schemas.openxmlformats.org/presentationml/2006/main">
+  <p:cSld>
+    <p:spTree>
+      <p:nvGrpSpPr>
+        <p:cNvPr id="1" name=""/>
+        <p:cNvGrpSpPr/>
+        <p:nvPr/>
+      </p:nvGrpSpPr>
+      <p:grpSpPr>
+        <a:xfrm>
+          <a:off x="0" y="0"/>
+          <a:ext cx="0" cy="0"/>
+          <a:chOff x="0" y="0"/>
+          <a:chExt cx="0" cy="0"/>
+        </a:xfrm>
+      </p:grpSpPr>
+      <p:sp>
+        <p:nvSpPr>
+          <p:cNvPr id="2" name="Title 1"/>
+          <p:cNvSpPr>
+            <a:spLocks noGrp="1"/>
+          </p:cNvSpPr>
+          <p:nvPr>
+            <p:ph type="title"/>
+          </p:nvPr>
+        </p:nvSpPr>
+        <p:spPr/>
+        <p:txBody>
+          <a:bodyPr/>
+          <a:lstStyle/>
+          <a:p>
+            <a:r>
+              <a:rPr lang="es-AR" b="1" spc="0" dirty="0" smtClean="0">
+                <a:ln w="9525">
+                  <a:solidFill>
+                    <a:schemeClr val="bg1"/>
+                  </a:solidFill>
+                  <a:prstDash val="solid"/>
+                </a:ln>
+                <a:effectLst>
+                  <a:outerShdw blurRad="12700" dist="38100" dir="2700000" algn="tl" rotWithShape="0">
+                    <a:schemeClr val="bg1">
+                      <a:lumMod val="50000"/>
+                    </a:schemeClr>
+                  </a:outerShdw>
+                </a:effectLst>
+                <a:latin typeface="Segoe UI" panose="020B0502040204020203" pitchFamily="34" charset="0"/>
+                <a:cs typeface="Segoe UI" panose="020B0502040204020203" pitchFamily="34" charset="0"/>
+              </a:rPr>
+              <a:t>Conclusiones (cont.)</a:t>
+            </a:r>
+            <a:endParaRPr lang="es-AR" b="1" spc="0" dirty="0">
+              <a:ln w="9525">
+                <a:solidFill>
+                  <a:schemeClr val="bg1"/>
+                </a:solidFill>
+                <a:prstDash val="solid"/>
+              </a:ln>
+              <a:effectLst>
+                <a:outerShdw blurRad="12700" dist="38100" dir="2700000" algn="tl" rotWithShape="0">
+                  <a:schemeClr val="bg1">
+                    <a:lumMod val="50000"/>
+                  </a:schemeClr>
+                </a:outerShdw>
+              </a:effectLst>
+              <a:latin typeface="Segoe UI" panose="020B0502040204020203" pitchFamily="34" charset="0"/>
+              <a:cs typeface="Segoe UI" panose="020B0502040204020203" pitchFamily="34" charset="0"/>
+            </a:endParaRPr>
+          </a:p>
+        </p:txBody>
+      </p:sp>
+      <p:sp>
+        <p:nvSpPr>
+          <p:cNvPr id="3" name="Content Placeholder 2"/>
+          <p:cNvSpPr>
+            <a:spLocks noGrp="1"/>
+          </p:cNvSpPr>
+          <p:nvPr>
+            <p:ph idx="1"/>
+          </p:nvPr>
+        </p:nvSpPr>
+        <p:spPr/>
+        <p:txBody>
+          <a:bodyPr>
+            <a:normAutofit/>
+          </a:bodyPr>
+          <a:lstStyle/>
+          <a:p>
+            <a:pPr marL="342900" indent="-342900"/>
+            <a:r>
+              <a:rPr lang="es-AR" dirty="0">
+                <a:latin typeface="Segoe UI" panose="020B0502040204020203" pitchFamily="34" charset="0"/>
+                <a:cs typeface="Segoe UI" panose="020B0502040204020203" pitchFamily="34" charset="0"/>
+              </a:rPr>
+              <a:t>A pesar de que los ataques maliciosos son una minoría, no deberían ser </a:t>
+            </a:r>
+            <a:r>
+              <a:rPr lang="es-AR" dirty="0" smtClean="0">
+                <a:latin typeface="Segoe UI" panose="020B0502040204020203" pitchFamily="34" charset="0"/>
+                <a:cs typeface="Segoe UI" panose="020B0502040204020203" pitchFamily="34" charset="0"/>
+              </a:rPr>
+              <a:t>ignorados</a:t>
+            </a:r>
+            <a:endParaRPr lang="es-AR" dirty="0">
+              <a:latin typeface="Segoe UI" panose="020B0502040204020203" pitchFamily="34" charset="0"/>
+              <a:cs typeface="Segoe UI" panose="020B0502040204020203" pitchFamily="34" charset="0"/>
+            </a:endParaRPr>
+          </a:p>
+          <a:p>
+            <a:pPr marL="342900" indent="-342900"/>
+            <a:r>
+              <a:rPr lang="es-AR" dirty="0" smtClean="0">
+                <a:latin typeface="Segoe UI" panose="020B0502040204020203" pitchFamily="34" charset="0"/>
+                <a:cs typeface="Segoe UI" panose="020B0502040204020203" pitchFamily="34" charset="0"/>
+              </a:rPr>
+              <a:t>Existen </a:t>
+            </a:r>
+            <a:r>
+              <a:rPr lang="es-AR" dirty="0">
+                <a:latin typeface="Segoe UI" panose="020B0502040204020203" pitchFamily="34" charset="0"/>
+                <a:cs typeface="Segoe UI" panose="020B0502040204020203" pitchFamily="34" charset="0"/>
+              </a:rPr>
+              <a:t>múltiples vías de escape de información que deben ser </a:t>
+            </a:r>
+            <a:r>
+              <a:rPr lang="es-AR" dirty="0" smtClean="0">
+                <a:latin typeface="Segoe UI" panose="020B0502040204020203" pitchFamily="34" charset="0"/>
+                <a:cs typeface="Segoe UI" panose="020B0502040204020203" pitchFamily="34" charset="0"/>
+              </a:rPr>
+              <a:t>monitoreadas</a:t>
+            </a:r>
+            <a:endParaRPr lang="es-AR" dirty="0">
+              <a:latin typeface="Segoe UI" panose="020B0502040204020203" pitchFamily="34" charset="0"/>
+              <a:cs typeface="Segoe UI" panose="020B0502040204020203" pitchFamily="34" charset="0"/>
+            </a:endParaRPr>
+          </a:p>
+          <a:p>
+            <a:pPr marL="342900" indent="-342900"/>
+            <a:r>
+              <a:rPr lang="es-AR" dirty="0" smtClean="0">
+                <a:latin typeface="Segoe UI" panose="020B0502040204020203" pitchFamily="34" charset="0"/>
+                <a:cs typeface="Segoe UI" panose="020B0502040204020203" pitchFamily="34" charset="0"/>
+              </a:rPr>
+              <a:t>No </a:t>
+            </a:r>
+            <a:r>
+              <a:rPr lang="es-AR" dirty="0">
+                <a:latin typeface="Segoe UI" panose="020B0502040204020203" pitchFamily="34" charset="0"/>
+                <a:cs typeface="Segoe UI" panose="020B0502040204020203" pitchFamily="34" charset="0"/>
+              </a:rPr>
+              <a:t>existen soluciones que protejan los activos intangibles de forma 100% segura, se puede minimizar la probabilidad de que ocurran pérdidas mediante la aplicación de varios métodos </a:t>
+            </a:r>
+            <a:r>
+              <a:rPr lang="es-AR" dirty="0" smtClean="0">
+                <a:latin typeface="Segoe UI" panose="020B0502040204020203" pitchFamily="34" charset="0"/>
+                <a:cs typeface="Segoe UI" panose="020B0502040204020203" pitchFamily="34" charset="0"/>
+              </a:rPr>
+              <a:t>complementarios</a:t>
+            </a:r>
+            <a:endParaRPr lang="es-AR" dirty="0">
+              <a:latin typeface="Segoe UI" panose="020B0502040204020203" pitchFamily="34" charset="0"/>
+              <a:cs typeface="Segoe UI" panose="020B0502040204020203" pitchFamily="34" charset="0"/>
+            </a:endParaRPr>
+          </a:p>
+        </p:txBody>
+      </p:sp>
+    </p:spTree>
+    <p:extLst>
+      <p:ext uri="{BB962C8B-B14F-4D97-AF65-F5344CB8AC3E}">
+        <p14:creationId xmlns:p14="http://schemas.microsoft.com/office/powerpoint/2010/main" xmlns="" val="2896967631"/>
+      </p:ext>
+    </p:extLst>
+  </p:cSld>
+  <p:clrMapOvr>
+    <a:masterClrMapping/>
+  </p:clrMapOvr>
+  <mc:AlternateContent xmlns:mc="http://schemas.openxmlformats.org/markup-compatibility/2006">
+    <mc:Choice xmlns:p14="http://schemas.microsoft.com/office/powerpoint/2010/main" xmlns="" Requires="p14">
+      <p:transition spd="med" p14:dur="700">
+        <p:fade/>
+      </p:transition>
+    </mc:Choice>
+    <mc:Fallback>
       <p:transition spd="med">
         <p:fade/>
       </p:transition>
@@ -13064,20 +13964,131 @@
     </p:spTree>
     <p:extLst>
       <p:ext uri="{BB962C8B-B14F-4D97-AF65-F5344CB8AC3E}">
-        <p14:creationId xmlns:p14="http://schemas.microsoft.com/office/powerpoint/2010/main" val="3323359930"/>
+        <p14:creationId xmlns:p14="http://schemas.microsoft.com/office/powerpoint/2010/main" xmlns="" val="3323359930"/>
       </p:ext>
     </p:extLst>
   </p:cSld>
   <p:clrMapOvr>
     <a:masterClrMapping/>
   </p:clrMapOvr>
-  <mc:AlternateContent xmlns:mc="http://schemas.openxmlformats.org/markup-compatibility/2006" xmlns:p14="http://schemas.microsoft.com/office/powerpoint/2010/main">
-    <mc:Choice Requires="p14">
+  <mc:AlternateContent xmlns:mc="http://schemas.openxmlformats.org/markup-compatibility/2006">
+    <mc:Choice xmlns:p14="http://schemas.microsoft.com/office/powerpoint/2010/main" xmlns="" Requires="p14">
       <p:transition spd="med" p14:dur="700">
         <p:fade/>
       </p:transition>
     </mc:Choice>
-    <mc:Fallback xmlns="">
+    <mc:Fallback>
+      <p:transition spd="med">
+        <p:fade/>
+      </p:transition>
+    </mc:Fallback>
+  </mc:AlternateContent>
+  <p:timing>
+    <p:tnLst>
+      <p:par>
+        <p:cTn id="1" dur="indefinite" restart="never" nodeType="tmRoot"/>
+      </p:par>
+    </p:tnLst>
+  </p:timing>
+</p:sld>
+</file>
+
+<file path=ppt/slides/slide40.xml><?xml version="1.0" encoding="utf-8"?>
+<p:sld xmlns:a="http://schemas.openxmlformats.org/drawingml/2006/main" xmlns:r="http://schemas.openxmlformats.org/officeDocument/2006/relationships" xmlns:p="http://schemas.openxmlformats.org/presentationml/2006/main">
+  <p:cSld>
+    <p:spTree>
+      <p:nvGrpSpPr>
+        <p:cNvPr id="1" name=""/>
+        <p:cNvGrpSpPr/>
+        <p:nvPr/>
+      </p:nvGrpSpPr>
+      <p:grpSpPr>
+        <a:xfrm>
+          <a:off x="0" y="0"/>
+          <a:ext cx="0" cy="0"/>
+          <a:chOff x="0" y="0"/>
+          <a:chExt cx="0" cy="0"/>
+        </a:xfrm>
+      </p:grpSpPr>
+      <p:sp>
+        <p:nvSpPr>
+          <p:cNvPr id="3" name="Title 2"/>
+          <p:cNvSpPr>
+            <a:spLocks noGrp="1"/>
+          </p:cNvSpPr>
+          <p:nvPr>
+            <p:ph type="title"/>
+          </p:nvPr>
+        </p:nvSpPr>
+        <p:spPr/>
+        <p:txBody>
+          <a:bodyPr>
+            <a:normAutofit/>
+          </a:bodyPr>
+          <a:lstStyle/>
+          <a:p>
+            <a:r>
+              <a:rPr lang="es-AR" sz="6600" dirty="0" smtClean="0">
+                <a:latin typeface="Segoe UI" panose="020B0502040204020203" pitchFamily="34" charset="0"/>
+                <a:cs typeface="Segoe UI" panose="020B0502040204020203" pitchFamily="34" charset="0"/>
+              </a:rPr>
+              <a:t>Fin</a:t>
+            </a:r>
+            <a:endParaRPr lang="en-US" sz="6600" dirty="0">
+              <a:latin typeface="Segoe UI" panose="020B0502040204020203" pitchFamily="34" charset="0"/>
+              <a:cs typeface="Segoe UI" panose="020B0502040204020203" pitchFamily="34" charset="0"/>
+            </a:endParaRPr>
+          </a:p>
+        </p:txBody>
+      </p:sp>
+      <p:sp>
+        <p:nvSpPr>
+          <p:cNvPr id="4" name="Text Placeholder 3"/>
+          <p:cNvSpPr>
+            <a:spLocks noGrp="1"/>
+          </p:cNvSpPr>
+          <p:nvPr>
+            <p:ph type="body" sz="half" idx="2"/>
+          </p:nvPr>
+        </p:nvSpPr>
+        <p:spPr/>
+        <p:txBody>
+          <a:bodyPr>
+            <a:normAutofit/>
+          </a:bodyPr>
+          <a:lstStyle/>
+          <a:p>
+            <a:r>
+              <a:rPr lang="es-AR" sz="3600" dirty="0" smtClean="0">
+                <a:latin typeface="Segoe UI" panose="020B0502040204020203" pitchFamily="34" charset="0"/>
+                <a:cs typeface="Segoe UI" panose="020B0502040204020203" pitchFamily="34" charset="0"/>
+              </a:rPr>
+              <a:t>¿Preguntas?</a:t>
+            </a:r>
+            <a:endParaRPr lang="en-US" sz="3600" dirty="0">
+              <a:latin typeface="Segoe UI" panose="020B0502040204020203" pitchFamily="34" charset="0"/>
+              <a:cs typeface="Segoe UI" panose="020B0502040204020203" pitchFamily="34" charset="0"/>
+            </a:endParaRPr>
+          </a:p>
+        </p:txBody>
+      </p:sp>
+    </p:spTree>
+    <p:extLst>
+      <p:ext uri="{BB962C8B-B14F-4D97-AF65-F5344CB8AC3E}">
+        <p14:creationId xmlns:p14="http://schemas.microsoft.com/office/powerpoint/2010/main" xmlns="" val="1108506989"/>
+      </p:ext>
+    </p:extLst>
+  </p:cSld>
+  <p:clrMapOvr>
+    <a:masterClrMapping/>
+  </p:clrMapOvr>
+  <mc:AlternateContent xmlns:mc="http://schemas.openxmlformats.org/markup-compatibility/2006">
+    <mc:Choice xmlns:p14="http://schemas.microsoft.com/office/powerpoint/2010/main" xmlns="" Requires="p14">
+      <p:transition spd="med" p14:dur="700">
+        <p:fade/>
+      </p:transition>
+    </mc:Choice>
+    <mc:Fallback>
       <p:transition spd="med">
         <p:fade/>
       </p:transition>
@@ -13277,14 +14288,7 @@
                 <a:latin typeface="Segoe UI" panose="020B0502040204020203" pitchFamily="34" charset="0"/>
                 <a:cs typeface="Segoe UI" panose="020B0502040204020203" pitchFamily="34" charset="0"/>
               </a:rPr>
-              <a:t>Negligencia </a:t>
-            </a:r>
-            <a:r>
-              <a:rPr lang="es-AR" sz="2400" dirty="0" smtClean="0">
-                <a:latin typeface="Segoe UI" panose="020B0502040204020203" pitchFamily="34" charset="0"/>
-                <a:cs typeface="Segoe UI" panose="020B0502040204020203" pitchFamily="34" charset="0"/>
-              </a:rPr>
-              <a:t>o desconocimiento</a:t>
+              <a:t>Negligencia o desconocimiento</a:t>
             </a:r>
           </a:p>
           <a:p>
@@ -13310,14 +14314,7 @@
                 <a:latin typeface="Segoe UI" panose="020B0502040204020203" pitchFamily="34" charset="0"/>
                 <a:cs typeface="Segoe UI" panose="020B0502040204020203" pitchFamily="34" charset="0"/>
               </a:rPr>
-              <a:t>Delincuentes </a:t>
-            </a:r>
-            <a:r>
-              <a:rPr lang="es-AR" sz="2400" dirty="0" smtClean="0">
-                <a:latin typeface="Segoe UI" panose="020B0502040204020203" pitchFamily="34" charset="0"/>
-                <a:cs typeface="Segoe UI" panose="020B0502040204020203" pitchFamily="34" charset="0"/>
-              </a:rPr>
-              <a:t>informáticos</a:t>
+              <a:t>Delincuentes informáticos</a:t>
             </a:r>
             <a:endParaRPr lang="es-AR" sz="2400" dirty="0">
               <a:latin typeface="Segoe UI" panose="020B0502040204020203" pitchFamily="34" charset="0"/>
@@ -13342,10 +14339,10 @@
           <p:nvPr/>
         </p:nvPicPr>
         <p:blipFill>
-          <a:blip r:embed="rId2">
+          <a:blip r:embed="rId2" cstate="print">
             <a:extLst>
               <a:ext uri="{28A0092B-C50C-407E-A947-70E740481C1C}">
-                <a14:useLocalDpi xmlns:a14="http://schemas.microsoft.com/office/drawing/2010/main" val="0"/>
+                <a14:useLocalDpi xmlns:a14="http://schemas.microsoft.com/office/drawing/2010/main" xmlns="" val="0"/>
               </a:ext>
             </a:extLst>
           </a:blip>
@@ -13365,7 +14362,7 @@
           <a:noFill/>
           <a:extLst>
             <a:ext uri="{909E8E84-426E-40DD-AFC4-6F175D3DCCD1}">
-              <a14:hiddenFill xmlns:a14="http://schemas.microsoft.com/office/drawing/2010/main">
+              <a14:hiddenFill xmlns:a14="http://schemas.microsoft.com/office/drawing/2010/main" xmlns="">
                 <a:solidFill>
                   <a:srgbClr val="FFFFFF"/>
                 </a:solidFill>
@@ -13377,20 +14374,20 @@
     </p:spTree>
     <p:extLst>
       <p:ext uri="{BB962C8B-B14F-4D97-AF65-F5344CB8AC3E}">
-        <p14:creationId xmlns:p14="http://schemas.microsoft.com/office/powerpoint/2010/main" val="1350001534"/>
+        <p14:creationId xmlns:p14="http://schemas.microsoft.com/office/powerpoint/2010/main" xmlns="" val="1350001534"/>
       </p:ext>
     </p:extLst>
   </p:cSld>
   <p:clrMapOvr>
     <a:masterClrMapping/>
   </p:clrMapOvr>
-  <mc:AlternateContent xmlns:mc="http://schemas.openxmlformats.org/markup-compatibility/2006" xmlns:p14="http://schemas.microsoft.com/office/powerpoint/2010/main">
-    <mc:Choice Requires="p14">
+  <mc:AlternateContent xmlns:mc="http://schemas.openxmlformats.org/markup-compatibility/2006">
+    <mc:Choice xmlns:p14="http://schemas.microsoft.com/office/powerpoint/2010/main" xmlns="" Requires="p14">
       <p:transition spd="med" p14:dur="700">
         <p:fade/>
       </p:transition>
     </mc:Choice>
-    <mc:Fallback xmlns="">
+    <mc:Fallback>
       <p:transition spd="med">
         <p:fade/>
       </p:transition>
@@ -13758,20 +14755,20 @@
     </p:spTree>
     <p:extLst>
       <p:ext uri="{BB962C8B-B14F-4D97-AF65-F5344CB8AC3E}">
-        <p14:creationId xmlns:p14="http://schemas.microsoft.com/office/powerpoint/2010/main" val="3438441757"/>
+        <p14:creationId xmlns:p14="http://schemas.microsoft.com/office/powerpoint/2010/main" xmlns="" val="3438441757"/>
       </p:ext>
     </p:extLst>
   </p:cSld>
   <p:clrMapOvr>
     <a:masterClrMapping/>
   </p:clrMapOvr>
-  <mc:AlternateContent xmlns:mc="http://schemas.openxmlformats.org/markup-compatibility/2006" xmlns:p14="http://schemas.microsoft.com/office/powerpoint/2010/main">
-    <mc:Choice Requires="p14">
+  <mc:AlternateContent xmlns:mc="http://schemas.openxmlformats.org/markup-compatibility/2006">
+    <mc:Choice xmlns:p14="http://schemas.microsoft.com/office/powerpoint/2010/main" xmlns="" Requires="p14">
       <p:transition spd="med" p14:dur="700">
         <p:fade/>
       </p:transition>
     </mc:Choice>
-    <mc:Fallback xmlns="">
+    <mc:Fallback>
       <p:transition spd="med">
         <p:fade/>
       </p:transition>
@@ -14018,20 +15015,20 @@
     </p:spTree>
     <p:extLst>
       <p:ext uri="{BB962C8B-B14F-4D97-AF65-F5344CB8AC3E}">
-        <p14:creationId xmlns:p14="http://schemas.microsoft.com/office/powerpoint/2010/main" val="3833366108"/>
+        <p14:creationId xmlns:p14="http://schemas.microsoft.com/office/powerpoint/2010/main" xmlns="" val="3833366108"/>
       </p:ext>
     </p:extLst>
   </p:cSld>
   <p:clrMapOvr>
     <a:masterClrMapping/>
   </p:clrMapOvr>
-  <mc:AlternateContent xmlns:mc="http://schemas.openxmlformats.org/markup-compatibility/2006" xmlns:p14="http://schemas.microsoft.com/office/powerpoint/2010/main">
-    <mc:Choice Requires="p14">
+  <mc:AlternateContent xmlns:mc="http://schemas.openxmlformats.org/markup-compatibility/2006">
+    <mc:Choice xmlns:p14="http://schemas.microsoft.com/office/powerpoint/2010/main" xmlns="" Requires="p14">
       <p:transition spd="med" p14:dur="700">
         <p:fade/>
       </p:transition>
     </mc:Choice>
-    <mc:Fallback xmlns="">
+    <mc:Fallback>
       <p:transition spd="med">
         <p:fade/>
       </p:transition>
@@ -14113,10 +15110,10 @@
           <p:nvPr/>
         </p:nvPicPr>
         <p:blipFill>
-          <a:blip r:embed="rId2">
+          <a:blip r:embed="rId2" cstate="print">
             <a:extLst>
               <a:ext uri="{28A0092B-C50C-407E-A947-70E740481C1C}">
-                <a14:useLocalDpi xmlns:a14="http://schemas.microsoft.com/office/drawing/2010/main" val="0"/>
+                <a14:useLocalDpi xmlns:a14="http://schemas.microsoft.com/office/drawing/2010/main" xmlns="" val="0"/>
               </a:ext>
             </a:extLst>
           </a:blip>
@@ -14139,14 +15136,14 @@
           </a:ln>
           <a:extLst>
             <a:ext uri="{909E8E84-426E-40DD-AFC4-6F175D3DCCD1}">
-              <a14:hiddenFill xmlns:a14="http://schemas.microsoft.com/office/drawing/2010/main">
+              <a14:hiddenFill xmlns:a14="http://schemas.microsoft.com/office/drawing/2010/main" xmlns="">
                 <a:solidFill>
                   <a:schemeClr val="accent1"/>
                 </a:solidFill>
               </a14:hiddenFill>
             </a:ext>
             <a:ext uri="{91240B29-F687-4F45-9708-019B960494DF}">
-              <a14:hiddenLine xmlns:a14="http://schemas.microsoft.com/office/drawing/2010/main" w="9525">
+              <a14:hiddenLine xmlns:a14="http://schemas.microsoft.com/office/drawing/2010/main" xmlns="" w="9525">
                 <a:solidFill>
                   <a:schemeClr val="tx1"/>
                 </a:solidFill>
@@ -14161,20 +15158,20 @@
     </p:spTree>
     <p:extLst>
       <p:ext uri="{BB962C8B-B14F-4D97-AF65-F5344CB8AC3E}">
-        <p14:creationId xmlns:p14="http://schemas.microsoft.com/office/powerpoint/2010/main" val="2112418618"/>
+        <p14:creationId xmlns:p14="http://schemas.microsoft.com/office/powerpoint/2010/main" xmlns="" val="2112418618"/>
       </p:ext>
     </p:extLst>
   </p:cSld>
   <p:clrMapOvr>
     <a:masterClrMapping/>
   </p:clrMapOvr>
-  <mc:AlternateContent xmlns:mc="http://schemas.openxmlformats.org/markup-compatibility/2006" xmlns:p14="http://schemas.microsoft.com/office/powerpoint/2010/main">
-    <mc:Choice Requires="p14">
+  <mc:AlternateContent xmlns:mc="http://schemas.openxmlformats.org/markup-compatibility/2006">
+    <mc:Choice xmlns:p14="http://schemas.microsoft.com/office/powerpoint/2010/main" xmlns="" Requires="p14">
       <p:transition spd="med" p14:dur="700">
         <p:fade/>
       </p:transition>
     </mc:Choice>
-    <mc:Fallback xmlns="">
+    <mc:Fallback>
       <p:transition spd="med">
         <p:fade/>
       </p:transition>
@@ -14447,10 +15444,10 @@
           <p:nvPr/>
         </p:nvPicPr>
         <p:blipFill>
-          <a:blip r:embed="rId2">
+          <a:blip r:embed="rId2" cstate="print">
             <a:extLst>
               <a:ext uri="{28A0092B-C50C-407E-A947-70E740481C1C}">
-                <a14:useLocalDpi xmlns:a14="http://schemas.microsoft.com/office/drawing/2010/main" val="0"/>
+                <a14:useLocalDpi xmlns:a14="http://schemas.microsoft.com/office/drawing/2010/main" xmlns="" val="0"/>
               </a:ext>
             </a:extLst>
           </a:blip>
@@ -14473,14 +15470,14 @@
           </a:ln>
           <a:extLst>
             <a:ext uri="{909E8E84-426E-40DD-AFC4-6F175D3DCCD1}">
-              <a14:hiddenFill xmlns:a14="http://schemas.microsoft.com/office/drawing/2010/main">
+              <a14:hiddenFill xmlns:a14="http://schemas.microsoft.com/office/drawing/2010/main" xmlns="">
                 <a:solidFill>
                   <a:schemeClr val="accent1"/>
                 </a:solidFill>
               </a14:hiddenFill>
             </a:ext>
             <a:ext uri="{91240B29-F687-4F45-9708-019B960494DF}">
-              <a14:hiddenLine xmlns:a14="http://schemas.microsoft.com/office/drawing/2010/main" w="9525">
+              <a14:hiddenLine xmlns:a14="http://schemas.microsoft.com/office/drawing/2010/main" xmlns="" w="9525">
                 <a:solidFill>
                   <a:schemeClr val="tx1"/>
                 </a:solidFill>
@@ -14495,20 +15492,20 @@
     </p:spTree>
     <p:extLst>
       <p:ext uri="{BB962C8B-B14F-4D97-AF65-F5344CB8AC3E}">
-        <p14:creationId xmlns:p14="http://schemas.microsoft.com/office/powerpoint/2010/main" val="1393713661"/>
+        <p14:creationId xmlns:p14="http://schemas.microsoft.com/office/powerpoint/2010/main" xmlns="" val="1393713661"/>
       </p:ext>
     </p:extLst>
   </p:cSld>
   <p:clrMapOvr>
     <a:masterClrMapping/>
   </p:clrMapOvr>
-  <mc:AlternateContent xmlns:mc="http://schemas.openxmlformats.org/markup-compatibility/2006" xmlns:p14="http://schemas.microsoft.com/office/powerpoint/2010/main">
-    <mc:Choice Requires="p14">
+  <mc:AlternateContent xmlns:mc="http://schemas.openxmlformats.org/markup-compatibility/2006">
+    <mc:Choice xmlns:p14="http://schemas.microsoft.com/office/powerpoint/2010/main" xmlns="" Requires="p14">
       <p:transition spd="med" p14:dur="700">
         <p:fade/>
       </p:transition>
     </mc:Choice>
-    <mc:Fallback xmlns="">
+    <mc:Fallback>
       <p:transition spd="med">
         <p:fade/>
       </p:transition>

--- a/Presentacion/Fuga de Información.pptx
+++ b/Presentacion/Fuga de Información.pptx
@@ -1358,7 +1358,57 @@
                 <a:ea typeface="+mn-ea"/>
                 <a:cs typeface="+mn-cs"/>
               </a:rPr>
-              <a:t> Durante esta era, la industria es capaz de explorar las necesidades personales de los consumidores, lo cual trae aparejado una reducción de costos tanto para los consumidores como para las empresas.</a:t>
+              <a:t> Durante esta era, la industria es capaz de explorar las necesidades personales de los consumidores, lo cual trae aparejado una reducción de costos tanto para los consumidores como para las empresas</a:t>
+            </a:r>
+            <a:r>
+              <a:rPr lang="es-AR" sz="1200" kern="1200" dirty="0" smtClean="0">
+                <a:solidFill>
+                  <a:schemeClr val="tx1"/>
+                </a:solidFill>
+                <a:effectLst/>
+                <a:latin typeface="+mn-lt"/>
+                <a:ea typeface="+mn-ea"/>
+                <a:cs typeface="+mn-cs"/>
+              </a:rPr>
+              <a:t>.</a:t>
+            </a:r>
+          </a:p>
+          <a:p>
+            <a:r>
+              <a:rPr lang="es-AR" sz="1200" kern="1200" dirty="0" smtClean="0">
+                <a:solidFill>
+                  <a:schemeClr val="tx1"/>
+                </a:solidFill>
+                <a:effectLst/>
+                <a:latin typeface="+mn-lt"/>
+                <a:ea typeface="+mn-ea"/>
+                <a:cs typeface="+mn-cs"/>
+              </a:rPr>
+              <a:t>El </a:t>
+            </a:r>
+            <a:r>
+              <a:rPr lang="es-AR" sz="1200" b="1" kern="1200" dirty="0" smtClean="0">
+                <a:solidFill>
+                  <a:schemeClr val="tx1"/>
+                </a:solidFill>
+                <a:effectLst/>
+                <a:latin typeface="+mn-lt"/>
+                <a:ea typeface="+mn-ea"/>
+                <a:cs typeface="+mn-cs"/>
+              </a:rPr>
+              <a:t>principal capital de las empresas tecnológicas</a:t>
+            </a:r>
+            <a:r>
+              <a:rPr lang="es-AR" sz="1200" kern="1200" dirty="0" smtClean="0">
+                <a:solidFill>
+                  <a:schemeClr val="tx1"/>
+                </a:solidFill>
+                <a:effectLst/>
+                <a:latin typeface="+mn-lt"/>
+                <a:ea typeface="+mn-ea"/>
+                <a:cs typeface="+mn-cs"/>
+              </a:rPr>
+              <a:t> lo conforman los bienes o activos intangibles: información, conocimientos, algoritmos, fórmulas, invenciones, procesos, estrategia comercial y bases de datos, entre otros. Las organizaciones del siglo XXI deben estar preparadas para los siguientes desafíos: </a:t>
             </a:r>
             <a:endParaRPr lang="en-US" sz="1200" kern="1200" dirty="0" smtClean="0">
               <a:solidFill>
@@ -1371,8 +1421,9 @@
             </a:endParaRPr>
           </a:p>
           <a:p>
-            <a:r>
-              <a:rPr lang="es-AR" sz="1200" kern="1200" dirty="0" smtClean="0">
+            <a:pPr lvl="0"/>
+            <a:r>
+              <a:rPr lang="es-AR" sz="1200" u="none" strike="noStrike" kern="1200" dirty="0" smtClean="0">
                 <a:solidFill>
                   <a:schemeClr val="tx1"/>
                 </a:solidFill>
@@ -1381,7 +1432,114 @@
                 <a:ea typeface="+mn-ea"/>
                 <a:cs typeface="+mn-cs"/>
               </a:rPr>
-              <a:t>Durante este período, caracterizado por la miniaturización de las computadoras y la </a:t>
+              <a:t>Manejar y procesar grandes volúmenes de información diversa a alta velocidad. </a:t>
+            </a:r>
+            <a:endParaRPr lang="en-US" sz="1200" u="none" strike="noStrike" kern="1200" dirty="0" smtClean="0">
+              <a:solidFill>
+                <a:schemeClr val="tx1"/>
+              </a:solidFill>
+              <a:effectLst/>
+              <a:latin typeface="+mn-lt"/>
+              <a:ea typeface="+mn-ea"/>
+              <a:cs typeface="+mn-cs"/>
+            </a:endParaRPr>
+          </a:p>
+          <a:p>
+            <a:pPr lvl="0"/>
+            <a:r>
+              <a:rPr lang="es-AR" sz="1200" u="none" strike="noStrike" kern="1200" dirty="0" smtClean="0">
+                <a:solidFill>
+                  <a:schemeClr val="tx1"/>
+                </a:solidFill>
+                <a:effectLst/>
+                <a:latin typeface="+mn-lt"/>
+                <a:ea typeface="+mn-ea"/>
+                <a:cs typeface="+mn-cs"/>
+              </a:rPr>
+              <a:t>Analizar datos estructurados y no estructurados, tanto dentro como fuera de sus redes.</a:t>
+            </a:r>
+            <a:endParaRPr lang="en-US" sz="1200" u="none" strike="noStrike" kern="1200" dirty="0" smtClean="0">
+              <a:solidFill>
+                <a:schemeClr val="tx1"/>
+              </a:solidFill>
+              <a:effectLst/>
+              <a:latin typeface="+mn-lt"/>
+              <a:ea typeface="+mn-ea"/>
+              <a:cs typeface="+mn-cs"/>
+            </a:endParaRPr>
+          </a:p>
+          <a:p>
+            <a:pPr lvl="0"/>
+            <a:r>
+              <a:rPr lang="es-AR" sz="1200" u="none" strike="noStrike" kern="1200" dirty="0" smtClean="0">
+                <a:solidFill>
+                  <a:schemeClr val="tx1"/>
+                </a:solidFill>
+                <a:effectLst/>
+                <a:latin typeface="+mn-lt"/>
+                <a:ea typeface="+mn-ea"/>
+                <a:cs typeface="+mn-cs"/>
+              </a:rPr>
+              <a:t>Monitorear eventos en entornos de nube, móviles y virtuales.</a:t>
+            </a:r>
+            <a:endParaRPr lang="en-US" sz="1200" u="none" strike="noStrike" kern="1200" dirty="0" smtClean="0">
+              <a:solidFill>
+                <a:schemeClr val="tx1"/>
+              </a:solidFill>
+              <a:effectLst/>
+              <a:latin typeface="+mn-lt"/>
+              <a:ea typeface="+mn-ea"/>
+              <a:cs typeface="+mn-cs"/>
+            </a:endParaRPr>
+          </a:p>
+          <a:p>
+            <a:pPr lvl="0"/>
+            <a:r>
+              <a:rPr lang="es-AR" sz="1200" u="none" strike="noStrike" kern="1200" dirty="0" smtClean="0">
+                <a:solidFill>
+                  <a:schemeClr val="tx1"/>
+                </a:solidFill>
+                <a:effectLst/>
+                <a:latin typeface="+mn-lt"/>
+                <a:ea typeface="+mn-ea"/>
+                <a:cs typeface="+mn-cs"/>
+              </a:rPr>
+              <a:t>Adoptar acciones automáticamente cuando se detecta una amenaza.</a:t>
+            </a:r>
+            <a:endParaRPr lang="en-US" sz="1200" u="none" strike="noStrike" kern="1200" dirty="0" smtClean="0">
+              <a:solidFill>
+                <a:schemeClr val="tx1"/>
+              </a:solidFill>
+              <a:effectLst/>
+              <a:latin typeface="+mn-lt"/>
+              <a:ea typeface="+mn-ea"/>
+              <a:cs typeface="+mn-cs"/>
+            </a:endParaRPr>
+          </a:p>
+          <a:p>
+            <a:r>
+              <a:rPr lang="es-AR" sz="1200" kern="1200" dirty="0" smtClean="0">
+                <a:solidFill>
+                  <a:schemeClr val="tx1"/>
+                </a:solidFill>
+                <a:effectLst/>
+                <a:latin typeface="+mn-lt"/>
+                <a:ea typeface="+mn-ea"/>
+                <a:cs typeface="+mn-cs"/>
+              </a:rPr>
+              <a:t>Durante </a:t>
+            </a:r>
+            <a:r>
+              <a:rPr lang="es-AR" sz="1200" kern="1200" dirty="0" smtClean="0">
+                <a:solidFill>
+                  <a:schemeClr val="tx1"/>
+                </a:solidFill>
+                <a:effectLst/>
+                <a:latin typeface="+mn-lt"/>
+                <a:ea typeface="+mn-ea"/>
+                <a:cs typeface="+mn-cs"/>
+              </a:rPr>
+              <a:t>este período, caracterizado por la miniaturización de las computadoras y la </a:t>
             </a:r>
             <a:r>
               <a:rPr lang="es-AR" sz="1200" b="1" kern="1200" dirty="0" smtClean="0">
@@ -1455,149 +1613,6 @@
               <a:t>, la situación es crítica. La información clínica de los pacientes es almacenada electrónicamente, y esto permite que las autoridades envíen registros de enfermedades a investigadores; en muchas ocasiones esto incluye los nombres y direcciones de los pacientes, sin su consentimiento explícito.</a:t>
             </a:r>
             <a:endParaRPr lang="en-US" sz="1200" kern="1200" dirty="0" smtClean="0">
-              <a:solidFill>
-                <a:schemeClr val="tx1"/>
-              </a:solidFill>
-              <a:effectLst/>
-              <a:latin typeface="+mn-lt"/>
-              <a:ea typeface="+mn-ea"/>
-              <a:cs typeface="+mn-cs"/>
-            </a:endParaRPr>
-          </a:p>
-          <a:p>
-            <a:r>
-              <a:rPr lang="es-AR" sz="1200" kern="1200" dirty="0" smtClean="0">
-                <a:solidFill>
-                  <a:schemeClr val="tx1"/>
-                </a:solidFill>
-                <a:effectLst/>
-                <a:latin typeface="+mn-lt"/>
-                <a:ea typeface="+mn-ea"/>
-                <a:cs typeface="+mn-cs"/>
-              </a:rPr>
-              <a:t>El </a:t>
-            </a:r>
-            <a:r>
-              <a:rPr lang="es-AR" sz="1200" b="1" kern="1200" dirty="0" smtClean="0">
-                <a:solidFill>
-                  <a:schemeClr val="tx1"/>
-                </a:solidFill>
-                <a:effectLst/>
-                <a:latin typeface="+mn-lt"/>
-                <a:ea typeface="+mn-ea"/>
-                <a:cs typeface="+mn-cs"/>
-              </a:rPr>
-              <a:t>principal capital de las empresas tecnológicas</a:t>
-            </a:r>
-            <a:r>
-              <a:rPr lang="es-AR" sz="1200" kern="1200" dirty="0" smtClean="0">
-                <a:solidFill>
-                  <a:schemeClr val="tx1"/>
-                </a:solidFill>
-                <a:effectLst/>
-                <a:latin typeface="+mn-lt"/>
-                <a:ea typeface="+mn-ea"/>
-                <a:cs typeface="+mn-cs"/>
-              </a:rPr>
-              <a:t> lo conforman los bienes o activos intangibles: información, conocimientos, algoritmos, fórmulas, invenciones, procesos, estrategia comercial y bases de datos, entre otros. Las organizaciones del siglo XXI deben estar preparadas para los siguientes desafíos: </a:t>
-            </a:r>
-            <a:endParaRPr lang="en-US" sz="1200" kern="1200" dirty="0" smtClean="0">
-              <a:solidFill>
-                <a:schemeClr val="tx1"/>
-              </a:solidFill>
-              <a:effectLst/>
-              <a:latin typeface="+mn-lt"/>
-              <a:ea typeface="+mn-ea"/>
-              <a:cs typeface="+mn-cs"/>
-            </a:endParaRPr>
-          </a:p>
-          <a:p>
-            <a:pPr lvl="0"/>
-            <a:r>
-              <a:rPr lang="es-AR" sz="1200" u="none" strike="noStrike" kern="1200" dirty="0" smtClean="0">
-                <a:solidFill>
-                  <a:schemeClr val="tx1"/>
-                </a:solidFill>
-                <a:effectLst/>
-                <a:latin typeface="+mn-lt"/>
-                <a:ea typeface="+mn-ea"/>
-                <a:cs typeface="+mn-cs"/>
-              </a:rPr>
-              <a:t>Manejar y procesar grandes volúmenes de información diversa a alta velocidad. </a:t>
-            </a:r>
-            <a:endParaRPr lang="en-US" sz="1200" u="none" strike="noStrike" kern="1200" dirty="0" smtClean="0">
-              <a:solidFill>
-                <a:schemeClr val="tx1"/>
-              </a:solidFill>
-              <a:effectLst/>
-              <a:latin typeface="+mn-lt"/>
-              <a:ea typeface="+mn-ea"/>
-              <a:cs typeface="+mn-cs"/>
-            </a:endParaRPr>
-          </a:p>
-          <a:p>
-            <a:pPr lvl="0"/>
-            <a:r>
-              <a:rPr lang="es-AR" sz="1200" u="none" strike="noStrike" kern="1200" dirty="0" smtClean="0">
-                <a:solidFill>
-                  <a:schemeClr val="tx1"/>
-                </a:solidFill>
-                <a:effectLst/>
-                <a:latin typeface="+mn-lt"/>
-                <a:ea typeface="+mn-ea"/>
-                <a:cs typeface="+mn-cs"/>
-              </a:rPr>
-              <a:t>Analizar datos estructurados y no estructurados, tanto dentro como fuera de sus redes.</a:t>
-            </a:r>
-            <a:endParaRPr lang="en-US" sz="1200" u="none" strike="noStrike" kern="1200" dirty="0" smtClean="0">
-              <a:solidFill>
-                <a:schemeClr val="tx1"/>
-              </a:solidFill>
-              <a:effectLst/>
-              <a:latin typeface="+mn-lt"/>
-              <a:ea typeface="+mn-ea"/>
-              <a:cs typeface="+mn-cs"/>
-            </a:endParaRPr>
-          </a:p>
-          <a:p>
-            <a:pPr lvl="0"/>
-            <a:r>
-              <a:rPr lang="es-AR" sz="1200" u="none" strike="noStrike" kern="1200" dirty="0" smtClean="0">
-                <a:solidFill>
-                  <a:schemeClr val="tx1"/>
-                </a:solidFill>
-                <a:effectLst/>
-                <a:latin typeface="+mn-lt"/>
-                <a:ea typeface="+mn-ea"/>
-                <a:cs typeface="+mn-cs"/>
-              </a:rPr>
-              <a:t>Monitorear eventos en entornos de nube, móviles y virtuales.</a:t>
-            </a:r>
-            <a:endParaRPr lang="en-US" sz="1200" u="none" strike="noStrike" kern="1200" dirty="0" smtClean="0">
-              <a:solidFill>
-                <a:schemeClr val="tx1"/>
-              </a:solidFill>
-              <a:effectLst/>
-              <a:latin typeface="+mn-lt"/>
-              <a:ea typeface="+mn-ea"/>
-              <a:cs typeface="+mn-cs"/>
-            </a:endParaRPr>
-          </a:p>
-          <a:p>
-            <a:pPr lvl="0"/>
-            <a:r>
-              <a:rPr lang="es-AR" sz="1200" u="none" strike="noStrike" kern="1200" dirty="0" smtClean="0">
-                <a:solidFill>
-                  <a:schemeClr val="tx1"/>
-                </a:solidFill>
-                <a:effectLst/>
-                <a:latin typeface="+mn-lt"/>
-                <a:ea typeface="+mn-ea"/>
-                <a:cs typeface="+mn-cs"/>
-              </a:rPr>
-              <a:t>Adoptar acciones automáticamente cuando se detecta una amenaza.</a:t>
-            </a:r>
-            <a:endParaRPr lang="en-US" sz="1200" u="none" strike="noStrike" kern="1200" dirty="0" smtClean="0">
               <a:solidFill>
                 <a:schemeClr val="tx1"/>
               </a:solidFill>
@@ -1693,6 +1708,697 @@
           <a:bodyPr/>
           <a:lstStyle/>
           <a:p>
+            <a:r>
+              <a:rPr lang="es-AR" dirty="0" err="1" smtClean="0"/>
+              <a:t>Wikileaks</a:t>
+            </a:r>
+            <a:endParaRPr lang="es-AR" dirty="0" smtClean="0"/>
+          </a:p>
+          <a:p>
+            <a:r>
+              <a:rPr lang="en-US" sz="1200" b="0" i="0" kern="1200" dirty="0" smtClean="0">
+                <a:solidFill>
+                  <a:schemeClr val="tx1"/>
+                </a:solidFill>
+                <a:effectLst/>
+                <a:latin typeface="+mn-lt"/>
+                <a:ea typeface="+mn-ea"/>
+                <a:cs typeface="+mn-cs"/>
+              </a:rPr>
+              <a:t> the site exists to "ensure the legally and technically protected retrieval of information from anonymous sources and to make available this information for the general public." It provides a secure online submission system for whistleblowers to upload documents, which WikiLeaks then makes available globally over the Web. </a:t>
+            </a:r>
+          </a:p>
+          <a:p>
+            <a:r>
+              <a:rPr lang="en-US" sz="1200" b="0" i="0" kern="1200" dirty="0" smtClean="0">
+                <a:solidFill>
+                  <a:schemeClr val="tx1"/>
+                </a:solidFill>
+                <a:effectLst/>
+                <a:latin typeface="+mn-lt"/>
+                <a:ea typeface="+mn-ea"/>
+                <a:cs typeface="+mn-cs"/>
+              </a:rPr>
+              <a:t>In June 2013, the first of Snowden's documents were published simultaneously </a:t>
+            </a:r>
+            <a:r>
+              <a:rPr lang="en-US" sz="1200" b="0" i="0" kern="1200" dirty="0" err="1" smtClean="0">
+                <a:solidFill>
+                  <a:schemeClr val="tx1"/>
+                </a:solidFill>
+                <a:effectLst/>
+                <a:latin typeface="+mn-lt"/>
+                <a:ea typeface="+mn-ea"/>
+                <a:cs typeface="+mn-cs"/>
+              </a:rPr>
+              <a:t>by</a:t>
+            </a:r>
+            <a:r>
+              <a:rPr lang="en-US" sz="1200" b="0" i="1" u="none" strike="noStrike" kern="1200" dirty="0" err="1" smtClean="0">
+                <a:solidFill>
+                  <a:schemeClr val="tx1"/>
+                </a:solidFill>
+                <a:effectLst/>
+                <a:latin typeface="+mn-lt"/>
+                <a:ea typeface="+mn-ea"/>
+                <a:cs typeface="+mn-cs"/>
+                <a:hlinkClick r:id="rId3" tooltip="The Washington Post"/>
+              </a:rPr>
+              <a:t>The</a:t>
+            </a:r>
+            <a:r>
+              <a:rPr lang="en-US" sz="1200" b="0" i="1" u="none" strike="noStrike" kern="1200" dirty="0" smtClean="0">
+                <a:solidFill>
+                  <a:schemeClr val="tx1"/>
+                </a:solidFill>
+                <a:effectLst/>
+                <a:latin typeface="+mn-lt"/>
+                <a:ea typeface="+mn-ea"/>
+                <a:cs typeface="+mn-cs"/>
+                <a:hlinkClick r:id="rId3" tooltip="The Washington Post"/>
+              </a:rPr>
+              <a:t> Washington Post</a:t>
+            </a:r>
+            <a:r>
+              <a:rPr lang="en-US" sz="1200" b="0" i="0" kern="1200" dirty="0" smtClean="0">
+                <a:solidFill>
+                  <a:schemeClr val="tx1"/>
+                </a:solidFill>
+                <a:effectLst/>
+                <a:latin typeface="+mn-lt"/>
+                <a:ea typeface="+mn-ea"/>
+                <a:cs typeface="+mn-cs"/>
+              </a:rPr>
+              <a:t> and </a:t>
+            </a:r>
+            <a:r>
+              <a:rPr lang="en-US" sz="1200" b="0" i="1" u="none" strike="noStrike" kern="1200" dirty="0" smtClean="0">
+                <a:solidFill>
+                  <a:schemeClr val="tx1"/>
+                </a:solidFill>
+                <a:effectLst/>
+                <a:latin typeface="+mn-lt"/>
+                <a:ea typeface="+mn-ea"/>
+                <a:cs typeface="+mn-cs"/>
+                <a:hlinkClick r:id="rId4" tooltip="The Guardian"/>
+              </a:rPr>
+              <a:t>The Guardian</a:t>
+            </a:r>
+            <a:r>
+              <a:rPr lang="en-US" sz="1200" b="0" i="0" kern="1200" dirty="0" smtClean="0">
+                <a:solidFill>
+                  <a:schemeClr val="tx1"/>
+                </a:solidFill>
+                <a:effectLst/>
+                <a:latin typeface="+mn-lt"/>
+                <a:ea typeface="+mn-ea"/>
+                <a:cs typeface="+mn-cs"/>
+              </a:rPr>
+              <a:t>, attracting considerable public attention.</a:t>
+            </a:r>
+            <a:r>
+              <a:rPr lang="en-US" sz="1200" b="0" i="0" u="none" strike="noStrike" kern="1200" baseline="30000" dirty="0" smtClean="0">
+                <a:solidFill>
+                  <a:schemeClr val="tx1"/>
+                </a:solidFill>
+                <a:effectLst/>
+                <a:latin typeface="+mn-lt"/>
+                <a:ea typeface="+mn-ea"/>
+                <a:cs typeface="+mn-cs"/>
+                <a:hlinkClick r:id="rId5"/>
+              </a:rPr>
+              <a:t>[3]</a:t>
+            </a:r>
+            <a:r>
+              <a:rPr lang="en-US" sz="1200" b="0" i="0" kern="1200" dirty="0" smtClean="0">
+                <a:solidFill>
+                  <a:schemeClr val="tx1"/>
+                </a:solidFill>
+                <a:effectLst/>
+                <a:latin typeface="+mn-lt"/>
+                <a:ea typeface="+mn-ea"/>
+                <a:cs typeface="+mn-cs"/>
+              </a:rPr>
+              <a:t> The disclosure continued throughout the entire year of 2013, and a significant portion of the full cache of the estimated 1.7 million documents</a:t>
+            </a:r>
+            <a:r>
+              <a:rPr lang="en-US" sz="1200" b="0" i="0" u="none" strike="noStrike" kern="1200" baseline="30000" dirty="0" smtClean="0">
+                <a:solidFill>
+                  <a:schemeClr val="tx1"/>
+                </a:solidFill>
+                <a:effectLst/>
+                <a:latin typeface="+mn-lt"/>
+                <a:ea typeface="+mn-ea"/>
+                <a:cs typeface="+mn-cs"/>
+                <a:hlinkClick r:id="rId6"/>
+              </a:rPr>
+              <a:t>[4]</a:t>
+            </a:r>
+            <a:r>
+              <a:rPr lang="en-US" sz="1200" b="0" i="0" kern="1200" dirty="0" smtClean="0">
+                <a:solidFill>
+                  <a:schemeClr val="tx1"/>
+                </a:solidFill>
+                <a:effectLst/>
+                <a:latin typeface="+mn-lt"/>
+                <a:ea typeface="+mn-ea"/>
+                <a:cs typeface="+mn-cs"/>
+              </a:rPr>
+              <a:t> was later obtained and published by many other media outlets worldwide,</a:t>
+            </a:r>
+          </a:p>
+          <a:p>
+            <a:r>
+              <a:rPr lang="en-US" sz="1200" b="0" i="0" kern="1200" dirty="0" smtClean="0">
+                <a:solidFill>
+                  <a:schemeClr val="tx1"/>
+                </a:solidFill>
+                <a:effectLst/>
+                <a:latin typeface="+mn-lt"/>
+                <a:ea typeface="+mn-ea"/>
+                <a:cs typeface="+mn-cs"/>
+              </a:rPr>
+              <a:t>On June 14, 2013, United States </a:t>
+            </a:r>
+            <a:r>
+              <a:rPr lang="en-US" sz="1200" b="0" i="0" u="none" strike="noStrike" kern="1200" dirty="0" smtClean="0">
+                <a:solidFill>
+                  <a:schemeClr val="tx1"/>
+                </a:solidFill>
+                <a:effectLst/>
+                <a:latin typeface="+mn-lt"/>
+                <a:ea typeface="+mn-ea"/>
+                <a:cs typeface="+mn-cs"/>
+                <a:hlinkClick r:id="rId7" tooltip="Prosecutor"/>
+              </a:rPr>
+              <a:t>prosecutors</a:t>
+            </a:r>
+            <a:r>
+              <a:rPr lang="en-US" sz="1200" b="0" i="0" kern="1200" dirty="0" smtClean="0">
+                <a:solidFill>
+                  <a:schemeClr val="tx1"/>
+                </a:solidFill>
+                <a:effectLst/>
+                <a:latin typeface="+mn-lt"/>
+                <a:ea typeface="+mn-ea"/>
+                <a:cs typeface="+mn-cs"/>
+              </a:rPr>
+              <a:t> </a:t>
+            </a:r>
+            <a:r>
+              <a:rPr lang="en-US" sz="1200" b="0" i="0" u="none" strike="noStrike" kern="1200" dirty="0" smtClean="0">
+                <a:solidFill>
+                  <a:schemeClr val="tx1"/>
+                </a:solidFill>
+                <a:effectLst/>
+                <a:latin typeface="+mn-lt"/>
+                <a:ea typeface="+mn-ea"/>
+                <a:cs typeface="+mn-cs"/>
+                <a:hlinkClick r:id="rId8" tooltip="Criminal charge"/>
+              </a:rPr>
+              <a:t>charged</a:t>
+            </a:r>
+            <a:r>
+              <a:rPr lang="en-US" sz="1200" b="0" i="0" kern="1200" dirty="0" smtClean="0">
+                <a:solidFill>
+                  <a:schemeClr val="tx1"/>
+                </a:solidFill>
+                <a:effectLst/>
+                <a:latin typeface="+mn-lt"/>
+                <a:ea typeface="+mn-ea"/>
+                <a:cs typeface="+mn-cs"/>
+              </a:rPr>
+              <a:t> Edward Snowden with </a:t>
+            </a:r>
+            <a:r>
+              <a:rPr lang="en-US" sz="1200" b="0" i="0" u="none" strike="noStrike" kern="1200" dirty="0" smtClean="0">
+                <a:solidFill>
+                  <a:schemeClr val="tx1"/>
+                </a:solidFill>
+                <a:effectLst/>
+                <a:latin typeface="+mn-lt"/>
+                <a:ea typeface="+mn-ea"/>
+                <a:cs typeface="+mn-cs"/>
+                <a:hlinkClick r:id="rId9" tooltip="Espionage Act of 1917"/>
+              </a:rPr>
+              <a:t>espionage</a:t>
+            </a:r>
+            <a:r>
+              <a:rPr lang="en-US" sz="1200" b="0" i="0" kern="1200" dirty="0" smtClean="0">
+                <a:solidFill>
+                  <a:schemeClr val="tx1"/>
+                </a:solidFill>
+                <a:effectLst/>
+                <a:latin typeface="+mn-lt"/>
+                <a:ea typeface="+mn-ea"/>
+                <a:cs typeface="+mn-cs"/>
+              </a:rPr>
+              <a:t> and </a:t>
+            </a:r>
+            <a:r>
+              <a:rPr lang="en-US" sz="1200" b="0" i="0" u="none" strike="noStrike" kern="1200" dirty="0" smtClean="0">
+                <a:solidFill>
+                  <a:schemeClr val="tx1"/>
+                </a:solidFill>
+                <a:effectLst/>
+                <a:latin typeface="+mn-lt"/>
+                <a:ea typeface="+mn-ea"/>
+                <a:cs typeface="+mn-cs"/>
+                <a:hlinkClick r:id="rId10" tooltip="Theft of property"/>
+              </a:rPr>
+              <a:t>theft of government property</a:t>
+            </a:r>
+            <a:r>
+              <a:rPr lang="en-US" sz="1200" b="0" i="0" kern="1200" dirty="0" smtClean="0">
+                <a:solidFill>
+                  <a:schemeClr val="tx1"/>
+                </a:solidFill>
+                <a:effectLst/>
+                <a:latin typeface="+mn-lt"/>
+                <a:ea typeface="+mn-ea"/>
+                <a:cs typeface="+mn-cs"/>
+              </a:rPr>
+              <a:t>.</a:t>
+            </a:r>
+            <a:r>
+              <a:rPr lang="en-US" sz="1200" b="0" i="0" u="none" strike="noStrike" kern="1200" baseline="30000" dirty="0" smtClean="0">
+                <a:solidFill>
+                  <a:schemeClr val="tx1"/>
+                </a:solidFill>
+                <a:effectLst/>
+                <a:latin typeface="+mn-lt"/>
+                <a:ea typeface="+mn-ea"/>
+                <a:cs typeface="+mn-cs"/>
+                <a:hlinkClick r:id="rId11"/>
+              </a:rPr>
+              <a:t>[16]</a:t>
+            </a:r>
+            <a:r>
+              <a:rPr lang="en-US" sz="1200" b="0" i="0" kern="1200" dirty="0" smtClean="0">
+                <a:solidFill>
+                  <a:schemeClr val="tx1"/>
+                </a:solidFill>
+                <a:effectLst/>
+                <a:latin typeface="+mn-lt"/>
+                <a:ea typeface="+mn-ea"/>
+                <a:cs typeface="+mn-cs"/>
+              </a:rPr>
+              <a:t> In late July 2013, he was granted a one year temporary </a:t>
+            </a:r>
+            <a:r>
+              <a:rPr lang="en-US" sz="1200" b="0" i="0" u="none" strike="noStrike" kern="1200" dirty="0" smtClean="0">
+                <a:solidFill>
+                  <a:schemeClr val="tx1"/>
+                </a:solidFill>
+                <a:effectLst/>
+                <a:latin typeface="+mn-lt"/>
+                <a:ea typeface="+mn-ea"/>
+                <a:cs typeface="+mn-cs"/>
+                <a:hlinkClick r:id="rId12" tooltip="Right of asylum"/>
+              </a:rPr>
+              <a:t>asylum</a:t>
+            </a:r>
+            <a:r>
+              <a:rPr lang="en-US" sz="1200" b="0" i="0" kern="1200" dirty="0" smtClean="0">
+                <a:solidFill>
+                  <a:schemeClr val="tx1"/>
+                </a:solidFill>
+                <a:effectLst/>
+                <a:latin typeface="+mn-lt"/>
+                <a:ea typeface="+mn-ea"/>
+                <a:cs typeface="+mn-cs"/>
+              </a:rPr>
+              <a:t> by the Russian government,</a:t>
+            </a:r>
+            <a:r>
+              <a:rPr lang="en-US" sz="1200" b="0" i="0" u="none" strike="noStrike" kern="1200" baseline="30000" dirty="0" smtClean="0">
+                <a:solidFill>
+                  <a:schemeClr val="tx1"/>
+                </a:solidFill>
+                <a:effectLst/>
+                <a:latin typeface="+mn-lt"/>
+                <a:ea typeface="+mn-ea"/>
+                <a:cs typeface="+mn-cs"/>
+                <a:hlinkClick r:id="rId13"/>
+              </a:rPr>
+              <a:t>[17]</a:t>
+            </a:r>
+            <a:r>
+              <a:rPr lang="en-US" sz="1200" b="0" i="0" kern="1200" dirty="0" smtClean="0">
+                <a:solidFill>
+                  <a:schemeClr val="tx1"/>
+                </a:solidFill>
+                <a:effectLst/>
+                <a:latin typeface="+mn-lt"/>
+                <a:ea typeface="+mn-ea"/>
+                <a:cs typeface="+mn-cs"/>
+              </a:rPr>
+              <a:t> contributing to a deterioration of </a:t>
+            </a:r>
+            <a:r>
+              <a:rPr lang="en-US" sz="1200" b="0" i="0" u="none" strike="noStrike" kern="1200" dirty="0" smtClean="0">
+                <a:solidFill>
+                  <a:schemeClr val="tx1"/>
+                </a:solidFill>
+                <a:effectLst/>
+                <a:latin typeface="+mn-lt"/>
+                <a:ea typeface="+mn-ea"/>
+                <a:cs typeface="+mn-cs"/>
+                <a:hlinkClick r:id="rId14" tooltip="Russia–United States relations"/>
+              </a:rPr>
+              <a:t>Russia–United States relations</a:t>
+            </a:r>
+            <a:r>
+              <a:rPr lang="en-US" sz="1200" b="0" i="0" kern="1200" dirty="0" smtClean="0">
+                <a:solidFill>
+                  <a:schemeClr val="tx1"/>
+                </a:solidFill>
+                <a:effectLst/>
+                <a:latin typeface="+mn-lt"/>
+                <a:ea typeface="+mn-ea"/>
+                <a:cs typeface="+mn-cs"/>
+              </a:rPr>
+              <a:t>.</a:t>
+            </a:r>
+            <a:r>
+              <a:rPr lang="es-ES" sz="1200" b="1" i="0" kern="1200" dirty="0" smtClean="0">
+                <a:solidFill>
+                  <a:schemeClr val="tx1"/>
+                </a:solidFill>
+                <a:effectLst/>
+                <a:latin typeface="+mn-lt"/>
+                <a:ea typeface="+mn-ea"/>
+                <a:cs typeface="+mn-cs"/>
+              </a:rPr>
+              <a:t> </a:t>
+            </a:r>
+          </a:p>
+          <a:p>
+            <a:endParaRPr lang="es-ES" sz="1200" b="1" i="0" kern="1200" dirty="0" smtClean="0">
+              <a:solidFill>
+                <a:schemeClr val="tx1"/>
+              </a:solidFill>
+              <a:effectLst/>
+              <a:latin typeface="+mn-lt"/>
+              <a:ea typeface="+mn-ea"/>
+              <a:cs typeface="+mn-cs"/>
+            </a:endParaRPr>
+          </a:p>
+          <a:p>
+            <a:r>
+              <a:rPr lang="en-US" sz="1200" b="0" i="0" kern="1200" dirty="0" smtClean="0">
+                <a:solidFill>
+                  <a:schemeClr val="tx1"/>
+                </a:solidFill>
+                <a:effectLst/>
+                <a:latin typeface="+mn-lt"/>
+                <a:ea typeface="+mn-ea"/>
+                <a:cs typeface="+mn-cs"/>
+              </a:rPr>
+              <a:t>Apple later reported that the victims' iCloud account information was obtained using "a very targeted attack on user names, passwords and security questions", such as </a:t>
+            </a:r>
+            <a:r>
+              <a:rPr lang="en-US" sz="1200" b="0" i="0" u="none" strike="noStrike" kern="1200" dirty="0" smtClean="0">
+                <a:solidFill>
+                  <a:schemeClr val="tx1"/>
+                </a:solidFill>
+                <a:effectLst/>
+                <a:latin typeface="+mn-lt"/>
+                <a:ea typeface="+mn-ea"/>
+                <a:cs typeface="+mn-cs"/>
+                <a:hlinkClick r:id="rId15" tooltip="Phishing"/>
+              </a:rPr>
+              <a:t>phishing</a:t>
+            </a:r>
+            <a:r>
+              <a:rPr lang="en-US" sz="1200" b="0" i="0" kern="1200" dirty="0" smtClean="0">
+                <a:solidFill>
+                  <a:schemeClr val="tx1"/>
+                </a:solidFill>
+                <a:effectLst/>
+                <a:latin typeface="+mn-lt"/>
+                <a:ea typeface="+mn-ea"/>
+                <a:cs typeface="+mn-cs"/>
+              </a:rPr>
+              <a:t> and </a:t>
+            </a:r>
+            <a:r>
+              <a:rPr lang="en-US" sz="1200" b="0" i="0" u="none" strike="noStrike" kern="1200" dirty="0" smtClean="0">
+                <a:solidFill>
+                  <a:schemeClr val="tx1"/>
+                </a:solidFill>
+                <a:effectLst/>
+                <a:latin typeface="+mn-lt"/>
+                <a:ea typeface="+mn-ea"/>
+                <a:cs typeface="+mn-cs"/>
+                <a:hlinkClick r:id="rId16" tooltip="Brute force method"/>
+              </a:rPr>
+              <a:t>brute-force</a:t>
+            </a:r>
+            <a:r>
+              <a:rPr lang="en-US" sz="1200" b="0" i="0" kern="1200" dirty="0" smtClean="0">
+                <a:solidFill>
+                  <a:schemeClr val="tx1"/>
+                </a:solidFill>
+                <a:effectLst/>
+                <a:latin typeface="+mn-lt"/>
+                <a:ea typeface="+mn-ea"/>
+                <a:cs typeface="+mn-cs"/>
+              </a:rPr>
+              <a:t> guessing, rather than any specific vulnerability in the iCloud service itself.</a:t>
+            </a:r>
+            <a:r>
+              <a:rPr lang="en-US" sz="1200" b="0" i="0" u="none" strike="noStrike" kern="1200" baseline="30000" dirty="0" smtClean="0">
+                <a:solidFill>
+                  <a:schemeClr val="tx1"/>
+                </a:solidFill>
+                <a:effectLst/>
+                <a:latin typeface="+mn-lt"/>
+                <a:ea typeface="+mn-ea"/>
+                <a:cs typeface="+mn-cs"/>
+                <a:hlinkClick r:id="rId17"/>
+              </a:rPr>
+              <a:t>[</a:t>
+            </a:r>
+            <a:endParaRPr lang="es-ES" sz="1200" b="1" i="0" kern="1200" dirty="0" smtClean="0">
+              <a:solidFill>
+                <a:schemeClr val="tx1"/>
+              </a:solidFill>
+              <a:effectLst/>
+              <a:latin typeface="+mn-lt"/>
+              <a:ea typeface="+mn-ea"/>
+              <a:cs typeface="+mn-cs"/>
+            </a:endParaRPr>
+          </a:p>
+          <a:p>
+            <a:endParaRPr lang="es-ES" sz="1200" b="1" i="0" kern="1200" dirty="0" smtClean="0">
+              <a:solidFill>
+                <a:schemeClr val="tx1"/>
+              </a:solidFill>
+              <a:effectLst/>
+              <a:latin typeface="+mn-lt"/>
+              <a:ea typeface="+mn-ea"/>
+              <a:cs typeface="+mn-cs"/>
+            </a:endParaRPr>
+          </a:p>
+          <a:p>
+            <a:r>
+              <a:rPr lang="es-ES" sz="1200" b="1" i="0" kern="1200" dirty="0" err="1" smtClean="0">
+                <a:solidFill>
+                  <a:schemeClr val="tx1"/>
+                </a:solidFill>
+                <a:effectLst/>
+                <a:latin typeface="+mn-lt"/>
+                <a:ea typeface="+mn-ea"/>
+                <a:cs typeface="+mn-cs"/>
+              </a:rPr>
+              <a:t>Heartbleed</a:t>
+            </a:r>
+            <a:r>
+              <a:rPr lang="es-ES" sz="1200" b="0" i="0" kern="1200" dirty="0" smtClean="0">
+                <a:solidFill>
+                  <a:schemeClr val="tx1"/>
+                </a:solidFill>
+                <a:effectLst/>
+                <a:latin typeface="+mn-lt"/>
+                <a:ea typeface="+mn-ea"/>
+                <a:cs typeface="+mn-cs"/>
+              </a:rPr>
+              <a:t> un </a:t>
+            </a:r>
+            <a:r>
+              <a:rPr lang="es-ES" sz="1200" b="0" i="0" u="none" strike="noStrike" kern="1200" dirty="0" smtClean="0">
+                <a:solidFill>
+                  <a:schemeClr val="tx1"/>
+                </a:solidFill>
+                <a:effectLst/>
+                <a:latin typeface="+mn-lt"/>
+                <a:ea typeface="+mn-ea"/>
+                <a:cs typeface="+mn-cs"/>
+                <a:hlinkClick r:id="rId18" tooltip="Agujero de seguridad"/>
+              </a:rPr>
+              <a:t>agujero de seguridad</a:t>
+            </a:r>
+            <a:r>
+              <a:rPr lang="es-ES" sz="1200" b="0" i="0" kern="1200" dirty="0" smtClean="0">
+                <a:solidFill>
+                  <a:schemeClr val="tx1"/>
+                </a:solidFill>
+                <a:effectLst/>
+                <a:latin typeface="+mn-lt"/>
+                <a:ea typeface="+mn-ea"/>
+                <a:cs typeface="+mn-cs"/>
+              </a:rPr>
+              <a:t> (</a:t>
+            </a:r>
+            <a:r>
+              <a:rPr lang="es-ES" sz="1200" b="0" i="1" kern="1200" dirty="0" smtClean="0">
+                <a:solidFill>
+                  <a:schemeClr val="tx1"/>
+                </a:solidFill>
+                <a:effectLst/>
+                <a:latin typeface="+mn-lt"/>
+                <a:ea typeface="+mn-ea"/>
+                <a:cs typeface="+mn-cs"/>
+              </a:rPr>
+              <a:t>bug</a:t>
+            </a:r>
+            <a:r>
+              <a:rPr lang="es-ES" sz="1200" b="0" i="0" kern="1200" dirty="0" smtClean="0">
+                <a:solidFill>
+                  <a:schemeClr val="tx1"/>
+                </a:solidFill>
+                <a:effectLst/>
+                <a:latin typeface="+mn-lt"/>
+                <a:ea typeface="+mn-ea"/>
+                <a:cs typeface="+mn-cs"/>
+              </a:rPr>
+              <a:t>) de software en la </a:t>
+            </a:r>
+            <a:r>
+              <a:rPr lang="es-ES" sz="1200" b="0" i="0" u="none" strike="noStrike" kern="1200" dirty="0" smtClean="0">
+                <a:solidFill>
+                  <a:schemeClr val="tx1"/>
+                </a:solidFill>
+                <a:effectLst/>
+                <a:latin typeface="+mn-lt"/>
+                <a:ea typeface="+mn-ea"/>
+                <a:cs typeface="+mn-cs"/>
+                <a:hlinkClick r:id="rId19" tooltip="Biblioteca (programación)"/>
+              </a:rPr>
+              <a:t>biblioteca</a:t>
+            </a:r>
+            <a:r>
+              <a:rPr lang="es-ES" sz="1200" b="0" i="0" kern="1200" dirty="0" smtClean="0">
+                <a:solidFill>
+                  <a:schemeClr val="tx1"/>
+                </a:solidFill>
+                <a:effectLst/>
+                <a:latin typeface="+mn-lt"/>
+                <a:ea typeface="+mn-ea"/>
+                <a:cs typeface="+mn-cs"/>
+              </a:rPr>
+              <a:t> de código abierto </a:t>
+            </a:r>
+            <a:r>
+              <a:rPr lang="es-ES" sz="1200" b="0" i="0" u="none" strike="noStrike" kern="1200" dirty="0" err="1" smtClean="0">
+                <a:solidFill>
+                  <a:schemeClr val="tx1"/>
+                </a:solidFill>
+                <a:effectLst/>
+                <a:latin typeface="+mn-lt"/>
+                <a:ea typeface="+mn-ea"/>
+                <a:cs typeface="+mn-cs"/>
+                <a:hlinkClick r:id="rId20" tooltip="OpenSSL"/>
+              </a:rPr>
+              <a:t>OpenSSL</a:t>
+            </a:r>
+            <a:r>
+              <a:rPr lang="es-ES" sz="1200" b="0" i="0" kern="1200" dirty="0" smtClean="0">
+                <a:solidFill>
+                  <a:schemeClr val="tx1"/>
+                </a:solidFill>
+                <a:effectLst/>
+                <a:latin typeface="+mn-lt"/>
+                <a:ea typeface="+mn-ea"/>
+                <a:cs typeface="+mn-cs"/>
+              </a:rPr>
+              <a:t>, solo vulnerable en su versión 1.0.1f, que permite a un atacante leer la </a:t>
+            </a:r>
+            <a:r>
+              <a:rPr lang="es-ES" sz="1200" b="0" i="0" u="none" strike="noStrike" kern="1200" dirty="0" smtClean="0">
+                <a:solidFill>
+                  <a:schemeClr val="tx1"/>
+                </a:solidFill>
+                <a:effectLst/>
+                <a:latin typeface="+mn-lt"/>
+                <a:ea typeface="+mn-ea"/>
+                <a:cs typeface="+mn-cs"/>
+                <a:hlinkClick r:id="rId21" tooltip="Memoria (informática)"/>
+              </a:rPr>
+              <a:t>memoria</a:t>
+            </a:r>
+            <a:r>
+              <a:rPr lang="es-ES" sz="1200" b="0" i="0" kern="1200" dirty="0" smtClean="0">
+                <a:solidFill>
+                  <a:schemeClr val="tx1"/>
+                </a:solidFill>
+                <a:effectLst/>
+                <a:latin typeface="+mn-lt"/>
+                <a:ea typeface="+mn-ea"/>
+                <a:cs typeface="+mn-cs"/>
+              </a:rPr>
+              <a:t> de un servidor o un cliente, permitiéndole por ejemplo, conseguir las </a:t>
+            </a:r>
+            <a:r>
+              <a:rPr lang="es-ES" sz="1200" b="0" i="0" u="none" strike="noStrike" kern="1200" dirty="0" smtClean="0">
+                <a:solidFill>
+                  <a:schemeClr val="tx1"/>
+                </a:solidFill>
+                <a:effectLst/>
+                <a:latin typeface="+mn-lt"/>
+                <a:ea typeface="+mn-ea"/>
+                <a:cs typeface="+mn-cs"/>
+                <a:hlinkClick r:id="rId22" tooltip="Criptografía asimétrica"/>
+              </a:rPr>
+              <a:t>claves privadas</a:t>
+            </a:r>
+            <a:r>
+              <a:rPr lang="es-ES" sz="1200" b="0" i="0" kern="1200" dirty="0" smtClean="0">
+                <a:solidFill>
+                  <a:schemeClr val="tx1"/>
+                </a:solidFill>
+                <a:effectLst/>
+                <a:latin typeface="+mn-lt"/>
+                <a:ea typeface="+mn-ea"/>
+                <a:cs typeface="+mn-cs"/>
+              </a:rPr>
+              <a:t> SSL de un servidor.</a:t>
+            </a:r>
+            <a:r>
+              <a:rPr lang="es-ES" sz="1200" b="0" i="0" u="none" strike="noStrike" kern="1200" baseline="30000" dirty="0" smtClean="0">
+                <a:solidFill>
+                  <a:schemeClr val="tx1"/>
+                </a:solidFill>
+                <a:effectLst/>
+                <a:latin typeface="+mn-lt"/>
+                <a:ea typeface="+mn-ea"/>
+                <a:cs typeface="+mn-cs"/>
+              </a:rPr>
+              <a:t> </a:t>
+            </a:r>
+            <a:r>
+              <a:rPr lang="es-ES" sz="1200" b="0" i="0" kern="1200" dirty="0" smtClean="0">
+                <a:solidFill>
+                  <a:schemeClr val="tx1"/>
+                </a:solidFill>
+                <a:effectLst/>
+                <a:latin typeface="+mn-lt"/>
+                <a:ea typeface="+mn-ea"/>
+                <a:cs typeface="+mn-cs"/>
+              </a:rPr>
+              <a:t>Investigaciones de auditorías muestran que, al parecer, algunos atacantes han explotado este error desde hace al menos cinco meses antes de que fuera descubierto y publicado.</a:t>
+            </a:r>
             <a:endParaRPr lang="en-US" dirty="0"/>
           </a:p>
         </p:txBody>
@@ -7943,34 +8649,16 @@
                 <a:latin typeface="Segoe UI" panose="020B0502040204020203" pitchFamily="34" charset="0"/>
                 <a:cs typeface="Segoe UI" panose="020B0502040204020203" pitchFamily="34" charset="0"/>
               </a:rPr>
-              <a:t>Patentes de </a:t>
-            </a:r>
+              <a:t>Patentes de invención</a:t>
+            </a:r>
+          </a:p>
+          <a:p>
             <a:r>
               <a:rPr lang="es-AR" dirty="0" smtClean="0">
                 <a:latin typeface="Segoe UI" panose="020B0502040204020203" pitchFamily="34" charset="0"/>
                 <a:cs typeface="Segoe UI" panose="020B0502040204020203" pitchFamily="34" charset="0"/>
               </a:rPr>
-              <a:t>invención</a:t>
-            </a:r>
-            <a:endParaRPr lang="es-AR" dirty="0" smtClean="0">
-              <a:latin typeface="Segoe UI" panose="020B0502040204020203" pitchFamily="34" charset="0"/>
-              <a:cs typeface="Segoe UI" panose="020B0502040204020203" pitchFamily="34" charset="0"/>
-            </a:endParaRPr>
-          </a:p>
-          <a:p>
-            <a:r>
-              <a:rPr lang="es-AR" dirty="0" smtClean="0">
-                <a:latin typeface="Segoe UI" panose="020B0502040204020203" pitchFamily="34" charset="0"/>
-                <a:cs typeface="Segoe UI" panose="020B0502040204020203" pitchFamily="34" charset="0"/>
-              </a:rPr>
-              <a:t>Cajas </a:t>
-            </a:r>
-            <a:r>
-              <a:rPr lang="es-AR" dirty="0" smtClean="0">
-                <a:latin typeface="Segoe UI" panose="020B0502040204020203" pitchFamily="34" charset="0"/>
-                <a:cs typeface="Segoe UI" panose="020B0502040204020203" pitchFamily="34" charset="0"/>
-              </a:rPr>
-              <a:t>de seguridad</a:t>
+              <a:t>Cajas de seguridad</a:t>
             </a:r>
           </a:p>
           <a:p>
@@ -10726,6 +11414,47 @@
           </a:extLst>
         </p:spPr>
       </p:pic>
+      <p:pic>
+        <p:nvPicPr>
+          <p:cNvPr id="1026" name="Picture 2" descr="Heartbleed Bug"/>
+          <p:cNvPicPr>
+            <a:picLocks noChangeAspect="1" noChangeArrowheads="1"/>
+          </p:cNvPicPr>
+          <p:nvPr/>
+        </p:nvPicPr>
+        <p:blipFill>
+          <a:blip r:embed="rId7" cstate="print">
+            <a:extLst>
+              <a:ext uri="{28A0092B-C50C-407E-A947-70E740481C1C}">
+                <a14:useLocalDpi xmlns:a14="http://schemas.microsoft.com/office/drawing/2010/main" val="0"/>
+              </a:ext>
+            </a:extLst>
+          </a:blip>
+          <a:srcRect/>
+          <a:stretch>
+            <a:fillRect/>
+          </a:stretch>
+        </p:blipFill>
+        <p:spPr bwMode="auto">
+          <a:xfrm>
+            <a:off x="8607248" y="5566459"/>
+            <a:ext cx="674788" cy="817266"/>
+          </a:xfrm>
+          <a:prstGeom prst="rect">
+            <a:avLst/>
+          </a:prstGeom>
+          <a:noFill/>
+          <a:extLst>
+            <a:ext uri="{909E8E84-426E-40DD-AFC4-6F175D3DCCD1}">
+              <a14:hiddenFill xmlns:a14="http://schemas.microsoft.com/office/drawing/2010/main">
+                <a:solidFill>
+                  <a:srgbClr val="FFFFFF"/>
+                </a:solidFill>
+              </a14:hiddenFill>
+            </a:ext>
+          </a:extLst>
+        </p:spPr>
+      </p:pic>
     </p:spTree>
     <p:extLst>
       <p:ext uri="{BB962C8B-B14F-4D97-AF65-F5344CB8AC3E}">
@@ -10824,25 +11553,7 @@
                 <a:latin typeface="Segoe UI" panose="020B0502040204020203" pitchFamily="34" charset="0"/>
                 <a:cs typeface="Segoe UI" panose="020B0502040204020203" pitchFamily="34" charset="0"/>
               </a:rPr>
-              <a:t> </a:t>
-            </a:r>
-            <a:r>
-              <a:rPr lang="en-US" spc="0" dirty="0" smtClean="0">
-                <a:ln w="0"/>
-                <a:solidFill>
-                  <a:schemeClr val="accent1"/>
-                </a:solidFill>
-                <a:effectLst>
-                  <a:outerShdw blurRad="38100" dist="25400" dir="5400000" algn="ctr" rotWithShape="0">
-                    <a:srgbClr val="6E747A">
-                      <a:alpha val="43000"/>
-                    </a:srgbClr>
-                  </a:outerShdw>
-                </a:effectLst>
-                <a:latin typeface="Segoe UI" panose="020B0502040204020203" pitchFamily="34" charset="0"/>
-                <a:cs typeface="Segoe UI" panose="020B0502040204020203" pitchFamily="34" charset="0"/>
-              </a:rPr>
-              <a:t>de </a:t>
+              <a:t> de </a:t>
             </a:r>
             <a:r>
               <a:rPr lang="en-US" spc="0" dirty="0" err="1" smtClean="0">
@@ -11147,25 +11858,7 @@
                 <a:latin typeface="Segoe UI" panose="020B0502040204020203" pitchFamily="34" charset="0"/>
                 <a:cs typeface="Segoe UI" panose="020B0502040204020203" pitchFamily="34" charset="0"/>
               </a:rPr>
-              <a:t> </a:t>
-            </a:r>
-            <a:r>
-              <a:rPr lang="en-US" spc="0" dirty="0" smtClean="0">
-                <a:ln w="0"/>
-                <a:solidFill>
-                  <a:schemeClr val="accent1"/>
-                </a:solidFill>
-                <a:effectLst>
-                  <a:outerShdw blurRad="38100" dist="25400" dir="5400000" algn="ctr" rotWithShape="0">
-                    <a:srgbClr val="6E747A">
-                      <a:alpha val="43000"/>
-                    </a:srgbClr>
-                  </a:outerShdw>
-                </a:effectLst>
-                <a:latin typeface="Segoe UI" panose="020B0502040204020203" pitchFamily="34" charset="0"/>
-                <a:cs typeface="Segoe UI" panose="020B0502040204020203" pitchFamily="34" charset="0"/>
-              </a:rPr>
-              <a:t>de </a:t>
+              <a:t> de </a:t>
             </a:r>
             <a:r>
               <a:rPr lang="en-US" spc="0" dirty="0" err="1" smtClean="0">
@@ -13277,14 +13970,7 @@
                 <a:latin typeface="Segoe UI" panose="020B0502040204020203" pitchFamily="34" charset="0"/>
                 <a:cs typeface="Segoe UI" panose="020B0502040204020203" pitchFamily="34" charset="0"/>
               </a:rPr>
-              <a:t>Negligencia </a:t>
-            </a:r>
-            <a:r>
-              <a:rPr lang="es-AR" sz="2400" dirty="0" smtClean="0">
-                <a:latin typeface="Segoe UI" panose="020B0502040204020203" pitchFamily="34" charset="0"/>
-                <a:cs typeface="Segoe UI" panose="020B0502040204020203" pitchFamily="34" charset="0"/>
-              </a:rPr>
-              <a:t>o desconocimiento</a:t>
+              <a:t>Negligencia o desconocimiento</a:t>
             </a:r>
           </a:p>
           <a:p>
@@ -13310,14 +13996,7 @@
                 <a:latin typeface="Segoe UI" panose="020B0502040204020203" pitchFamily="34" charset="0"/>
                 <a:cs typeface="Segoe UI" panose="020B0502040204020203" pitchFamily="34" charset="0"/>
               </a:rPr>
-              <a:t>Delincuentes </a:t>
-            </a:r>
-            <a:r>
-              <a:rPr lang="es-AR" sz="2400" dirty="0" smtClean="0">
-                <a:latin typeface="Segoe UI" panose="020B0502040204020203" pitchFamily="34" charset="0"/>
-                <a:cs typeface="Segoe UI" panose="020B0502040204020203" pitchFamily="34" charset="0"/>
-              </a:rPr>
-              <a:t>informáticos</a:t>
+              <a:t>Delincuentes informáticos</a:t>
             </a:r>
             <a:endParaRPr lang="es-AR" sz="2400" dirty="0">
               <a:latin typeface="Segoe UI" panose="020B0502040204020203" pitchFamily="34" charset="0"/>

--- a/Presentacion/Fuga de Información.pptx
+++ b/Presentacion/Fuga de Información.pptx
@@ -5,10 +5,10 @@
     <p:sldMasterId id="2147483648" r:id="rId2"/>
   </p:sldMasterIdLst>
   <p:notesMasterIdLst>
-    <p:notesMasterId r:id="rId43"/>
+    <p:notesMasterId r:id="rId44"/>
   </p:notesMasterIdLst>
   <p:handoutMasterIdLst>
-    <p:handoutMasterId r:id="rId44"/>
+    <p:handoutMasterId r:id="rId45"/>
   </p:handoutMasterIdLst>
   <p:sldIdLst>
     <p:sldId id="265" r:id="rId3"/>
@@ -38,24 +38,25 @@
     <p:sldId id="347" r:id="rId27"/>
     <p:sldId id="321" r:id="rId28"/>
     <p:sldId id="325" r:id="rId29"/>
-    <p:sldId id="326" r:id="rId30"/>
-    <p:sldId id="327" r:id="rId31"/>
-    <p:sldId id="363" r:id="rId32"/>
-    <p:sldId id="364" r:id="rId33"/>
-    <p:sldId id="365" r:id="rId34"/>
-    <p:sldId id="366" r:id="rId35"/>
-    <p:sldId id="367" r:id="rId36"/>
-    <p:sldId id="368" r:id="rId37"/>
-    <p:sldId id="362" r:id="rId38"/>
-    <p:sldId id="351" r:id="rId39"/>
-    <p:sldId id="352" r:id="rId40"/>
-    <p:sldId id="353" r:id="rId41"/>
-    <p:sldId id="319" r:id="rId42"/>
+    <p:sldId id="369" r:id="rId30"/>
+    <p:sldId id="326" r:id="rId31"/>
+    <p:sldId id="327" r:id="rId32"/>
+    <p:sldId id="363" r:id="rId33"/>
+    <p:sldId id="364" r:id="rId34"/>
+    <p:sldId id="365" r:id="rId35"/>
+    <p:sldId id="366" r:id="rId36"/>
+    <p:sldId id="367" r:id="rId37"/>
+    <p:sldId id="368" r:id="rId38"/>
+    <p:sldId id="362" r:id="rId39"/>
+    <p:sldId id="351" r:id="rId40"/>
+    <p:sldId id="352" r:id="rId41"/>
+    <p:sldId id="353" r:id="rId42"/>
+    <p:sldId id="319" r:id="rId43"/>
   </p:sldIdLst>
   <p:sldSz cx="12188825" cy="6858000"/>
   <p:notesSz cx="6858000" cy="9144000"/>
   <p:custDataLst>
-    <p:tags r:id="rId45"/>
+    <p:tags r:id="rId46"/>
   </p:custDataLst>
   <p:defaultTextStyle>
     <a:defPPr>
@@ -1172,7 +1173,7 @@
     </p:spTree>
     <p:extLst>
       <p:ext uri="{BB962C8B-B14F-4D97-AF65-F5344CB8AC3E}">
-        <p14:creationId xmlns:p14="http://schemas.microsoft.com/office/powerpoint/2010/main" val="913013488"/>
+        <p14:creationId xmlns:p14="http://schemas.microsoft.com/office/powerpoint/2010/main" val="2425724269"/>
       </p:ext>
     </p:extLst>
   </p:cSld>
@@ -1257,7 +1258,7 @@
     </p:spTree>
     <p:extLst>
       <p:ext uri="{BB962C8B-B14F-4D97-AF65-F5344CB8AC3E}">
-        <p14:creationId xmlns:p14="http://schemas.microsoft.com/office/powerpoint/2010/main" val="3326557915"/>
+        <p14:creationId xmlns:p14="http://schemas.microsoft.com/office/powerpoint/2010/main" val="913013488"/>
       </p:ext>
     </p:extLst>
   </p:cSld>
@@ -1342,7 +1343,7 @@
     </p:spTree>
     <p:extLst>
       <p:ext uri="{BB962C8B-B14F-4D97-AF65-F5344CB8AC3E}">
-        <p14:creationId xmlns:p14="http://schemas.microsoft.com/office/powerpoint/2010/main" val="3460376957"/>
+        <p14:creationId xmlns:p14="http://schemas.microsoft.com/office/powerpoint/2010/main" val="3326557915"/>
       </p:ext>
     </p:extLst>
   </p:cSld>
@@ -1419,6 +1420,91 @@
               <a:rPr lang="en-US" smtClean="0"/>
               <a:pPr/>
               <a:t>35</a:t>
+            </a:fld>
+            <a:endParaRPr lang="en-US"/>
+          </a:p>
+        </p:txBody>
+      </p:sp>
+    </p:spTree>
+    <p:extLst>
+      <p:ext uri="{BB962C8B-B14F-4D97-AF65-F5344CB8AC3E}">
+        <p14:creationId xmlns:p14="http://schemas.microsoft.com/office/powerpoint/2010/main" val="3460376957"/>
+      </p:ext>
+    </p:extLst>
+  </p:cSld>
+  <p:clrMapOvr>
+    <a:masterClrMapping/>
+  </p:clrMapOvr>
+</p:notes>
+</file>
+
+<file path=ppt/notesSlides/notesSlide14.xml><?xml version="1.0" encoding="utf-8"?>
+<p:notes xmlns:a="http://schemas.openxmlformats.org/drawingml/2006/main" xmlns:r="http://schemas.openxmlformats.org/officeDocument/2006/relationships" xmlns:p="http://schemas.openxmlformats.org/presentationml/2006/main">
+  <p:cSld>
+    <p:spTree>
+      <p:nvGrpSpPr>
+        <p:cNvPr id="1" name=""/>
+        <p:cNvGrpSpPr/>
+        <p:nvPr/>
+      </p:nvGrpSpPr>
+      <p:grpSpPr>
+        <a:xfrm>
+          <a:off x="0" y="0"/>
+          <a:ext cx="0" cy="0"/>
+          <a:chOff x="0" y="0"/>
+          <a:chExt cx="0" cy="0"/>
+        </a:xfrm>
+      </p:grpSpPr>
+      <p:sp>
+        <p:nvSpPr>
+          <p:cNvPr id="2" name="Slide Image Placeholder 1"/>
+          <p:cNvSpPr>
+            <a:spLocks noGrp="1" noRot="1" noChangeAspect="1"/>
+          </p:cNvSpPr>
+          <p:nvPr>
+            <p:ph type="sldImg"/>
+          </p:nvPr>
+        </p:nvSpPr>
+        <p:spPr/>
+      </p:sp>
+      <p:sp>
+        <p:nvSpPr>
+          <p:cNvPr id="3" name="Notes Placeholder 2"/>
+          <p:cNvSpPr>
+            <a:spLocks noGrp="1"/>
+          </p:cNvSpPr>
+          <p:nvPr>
+            <p:ph type="body" idx="1"/>
+          </p:nvPr>
+        </p:nvSpPr>
+        <p:spPr/>
+        <p:txBody>
+          <a:bodyPr/>
+          <a:lstStyle/>
+          <a:p>
+            <a:endParaRPr lang="en-US"/>
+          </a:p>
+        </p:txBody>
+      </p:sp>
+      <p:sp>
+        <p:nvSpPr>
+          <p:cNvPr id="4" name="Slide Number Placeholder 3"/>
+          <p:cNvSpPr>
+            <a:spLocks noGrp="1"/>
+          </p:cNvSpPr>
+          <p:nvPr>
+            <p:ph type="sldNum" sz="quarter" idx="10"/>
+          </p:nvPr>
+        </p:nvSpPr>
+        <p:spPr/>
+        <p:txBody>
+          <a:bodyPr/>
+          <a:lstStyle/>
+          <a:p>
+            <a:fld id="{F93199CD-3E1B-4AE6-990F-76F925F5EA9F}" type="slidenum">
+              <a:rPr lang="en-US" smtClean="0"/>
+              <a:pPr/>
+              <a:t>36</a:t>
             </a:fld>
             <a:endParaRPr lang="en-US"/>
           </a:p>
@@ -2814,6 +2900,340 @@
                 <a:ea typeface="+mn-ea"/>
                 <a:cs typeface="+mn-cs"/>
               </a:rPr>
+              <a:t>Los riesgos que intenta mitigar la seguridad informática pueden ser tanto de origen interno como externo.</a:t>
+            </a:r>
+            <a:endParaRPr lang="en-US" sz="1200" kern="1200" dirty="0" smtClean="0">
+              <a:solidFill>
+                <a:schemeClr val="tx1"/>
+              </a:solidFill>
+              <a:effectLst/>
+              <a:latin typeface="+mn-lt"/>
+              <a:ea typeface="+mn-ea"/>
+              <a:cs typeface="+mn-cs"/>
+            </a:endParaRPr>
+          </a:p>
+          <a:p>
+            <a:pPr marL="0" marR="0" indent="0" algn="l" defTabSz="914400" rtl="0" eaLnBrk="1" fontAlgn="auto" latinLnBrk="0" hangingPunct="1">
+              <a:lnSpc>
+                <a:spcPct val="100000"/>
+              </a:lnSpc>
+              <a:spcBef>
+                <a:spcPts val="0"/>
+              </a:spcBef>
+              <a:spcAft>
+                <a:spcPts val="0"/>
+              </a:spcAft>
+              <a:buClrTx/>
+              <a:buSzTx/>
+              <a:buFontTx/>
+              <a:buNone/>
+              <a:tabLst/>
+              <a:defRPr/>
+            </a:pPr>
+            <a:r>
+              <a:rPr lang="es-AR" sz="1200" kern="1200" dirty="0" smtClean="0">
+                <a:solidFill>
+                  <a:schemeClr val="tx1"/>
+                </a:solidFill>
+                <a:effectLst/>
+                <a:latin typeface="+mn-lt"/>
+                <a:ea typeface="+mn-ea"/>
+                <a:cs typeface="+mn-cs"/>
+              </a:rPr>
+              <a:t>Las amenazas principales que la seguridad informática trata de cubrir son:</a:t>
+            </a:r>
+            <a:endParaRPr lang="en-US" sz="1200" kern="1200" dirty="0" smtClean="0">
+              <a:solidFill>
+                <a:schemeClr val="tx1"/>
+              </a:solidFill>
+              <a:effectLst/>
+              <a:latin typeface="+mn-lt"/>
+              <a:ea typeface="+mn-ea"/>
+              <a:cs typeface="+mn-cs"/>
+            </a:endParaRPr>
+          </a:p>
+          <a:p>
+            <a:pPr marL="171450" lvl="0" indent="-171450">
+              <a:buFont typeface="Arial" panose="020B0604020202020204" pitchFamily="34" charset="0"/>
+              <a:buChar char="•"/>
+            </a:pPr>
+            <a:r>
+              <a:rPr lang="es-AR" u="none" strike="noStrike" dirty="0" smtClean="0">
+                <a:effectLst/>
+              </a:rPr>
+              <a:t>Usuarios: los usuarios pueden ser intencional o </a:t>
+            </a:r>
+            <a:r>
+              <a:rPr lang="es-AR" u="none" strike="noStrike" dirty="0" err="1" smtClean="0">
+                <a:effectLst/>
+              </a:rPr>
+              <a:t>inintencionalmente</a:t>
+            </a:r>
+            <a:r>
+              <a:rPr lang="es-AR" u="none" strike="noStrike" dirty="0" smtClean="0">
+                <a:effectLst/>
+              </a:rPr>
+              <a:t> responsables de fugas de información. Esto puede ser por ejemplo porque no se definieron bien sus perfiles de acceso.</a:t>
+            </a:r>
+            <a:endParaRPr lang="en-US" u="none" strike="noStrike" dirty="0" smtClean="0">
+              <a:effectLst/>
+            </a:endParaRPr>
+          </a:p>
+          <a:p>
+            <a:pPr marL="171450" lvl="0" indent="-171450">
+              <a:buFont typeface="Arial" panose="020B0604020202020204" pitchFamily="34" charset="0"/>
+              <a:buChar char="•"/>
+            </a:pPr>
+            <a:r>
+              <a:rPr lang="es-AR" u="none" strike="noStrike" dirty="0" smtClean="0">
+                <a:effectLst/>
+              </a:rPr>
+              <a:t>Programas maliciosos: son instalados intencionalmente o por error. Pueden dañar los datos existentes, abrir la puerta a intrusos, impedir accesos a programas, enviar información a un tercero, etc.</a:t>
+            </a:r>
+            <a:endParaRPr lang="en-US" u="none" strike="noStrike" dirty="0" smtClean="0">
+              <a:effectLst/>
+            </a:endParaRPr>
+          </a:p>
+          <a:p>
+            <a:pPr marL="171450" lvl="0" indent="-171450">
+              <a:buFont typeface="Arial" panose="020B0604020202020204" pitchFamily="34" charset="0"/>
+              <a:buChar char="•"/>
+            </a:pPr>
+            <a:r>
+              <a:rPr lang="es-AR" u="none" strike="noStrike" dirty="0" smtClean="0">
+                <a:effectLst/>
+              </a:rPr>
+              <a:t>Errores de programación: errores o fallas en programación que pueden dar libre acceso a crackers. Un ejemplo es la reciente vulnerabilidad encontrada en </a:t>
+            </a:r>
+            <a:r>
+              <a:rPr lang="es-AR" u="none" strike="noStrike" dirty="0" err="1" smtClean="0">
+                <a:effectLst/>
+              </a:rPr>
+              <a:t>OpenSSL</a:t>
+            </a:r>
+            <a:r>
+              <a:rPr lang="es-AR" u="none" strike="noStrike" dirty="0" smtClean="0">
+                <a:effectLst/>
+              </a:rPr>
+              <a:t> o el problema en los cajeros automáticos que permitía sacar dinero libremente.</a:t>
+            </a:r>
+            <a:endParaRPr lang="en-US" u="none" strike="noStrike" dirty="0" smtClean="0">
+              <a:effectLst/>
+            </a:endParaRPr>
+          </a:p>
+          <a:p>
+            <a:pPr marL="171450" lvl="0" indent="-171450">
+              <a:buFont typeface="Arial" panose="020B0604020202020204" pitchFamily="34" charset="0"/>
+              <a:buChar char="•"/>
+            </a:pPr>
+            <a:r>
+              <a:rPr lang="es-AR" u="none" strike="noStrike" dirty="0" smtClean="0">
+                <a:effectLst/>
+              </a:rPr>
+              <a:t>Accesos no autorizados/intrusos: un tercero no autorizado que accede a la información dentro de una computadora. Comúnmente se los conoce como hackers.</a:t>
+            </a:r>
+            <a:endParaRPr lang="en-US" u="none" strike="noStrike" dirty="0" smtClean="0">
+              <a:effectLst/>
+            </a:endParaRPr>
+          </a:p>
+          <a:p>
+            <a:pPr marL="171450" lvl="0" indent="-171450">
+              <a:buFont typeface="Arial" panose="020B0604020202020204" pitchFamily="34" charset="0"/>
+              <a:buChar char="•"/>
+            </a:pPr>
+            <a:r>
+              <a:rPr lang="es-AR" u="none" strike="noStrike" dirty="0" smtClean="0">
+                <a:effectLst/>
+              </a:rPr>
+              <a:t>Robos de componentes de hardware (discos o memoria) que contienen información</a:t>
+            </a:r>
+            <a:endParaRPr lang="en-US" u="none" strike="noStrike" dirty="0" smtClean="0">
+              <a:effectLst/>
+            </a:endParaRPr>
+          </a:p>
+          <a:p>
+            <a:pPr marL="171450" lvl="0" indent="-171450">
+              <a:buFont typeface="Arial" panose="020B0604020202020204" pitchFamily="34" charset="0"/>
+              <a:buChar char="•"/>
+            </a:pPr>
+            <a:r>
+              <a:rPr lang="es-AR" u="none" strike="noStrike" dirty="0" smtClean="0">
+                <a:effectLst/>
+              </a:rPr>
+              <a:t>Desastres no previstos como inundaciones, incendios, relámpagos, </a:t>
+            </a:r>
+            <a:r>
+              <a:rPr lang="es-AR" u="none" strike="noStrike" dirty="0" err="1" smtClean="0">
+                <a:effectLst/>
+              </a:rPr>
+              <a:t>etc</a:t>
+            </a:r>
+            <a:r>
+              <a:rPr lang="es-AR" u="none" strike="noStrike" dirty="0" smtClean="0">
+                <a:effectLst/>
+              </a:rPr>
+              <a:t>, que produzcan pérdida de información irrecuperable.</a:t>
+            </a:r>
+            <a:endParaRPr lang="en-US" u="none" strike="noStrike" dirty="0" smtClean="0">
+              <a:effectLst/>
+            </a:endParaRPr>
+          </a:p>
+          <a:p>
+            <a:pPr marL="171450" lvl="0" indent="-171450">
+              <a:buFont typeface="Arial" panose="020B0604020202020204" pitchFamily="34" charset="0"/>
+              <a:buChar char="•"/>
+            </a:pPr>
+            <a:r>
+              <a:rPr lang="es-AR" u="none" strike="noStrike" dirty="0" smtClean="0">
+                <a:effectLst/>
+              </a:rPr>
+              <a:t>Personal interno de la empresa que, por extorsión, enfado hacia la empresa o fin de obtener dinero, roben información para venderla a la competencia.</a:t>
+            </a:r>
+            <a:endParaRPr lang="en-US" u="none" strike="noStrike" dirty="0" smtClean="0">
+              <a:effectLst/>
+            </a:endParaRPr>
+          </a:p>
+          <a:p>
+            <a:pPr marL="171450" lvl="0" indent="-171450">
+              <a:buFont typeface="Arial" panose="020B0604020202020204" pitchFamily="34" charset="0"/>
+              <a:buChar char="•"/>
+            </a:pPr>
+            <a:r>
+              <a:rPr lang="es-AR" u="none" strike="noStrike" dirty="0" smtClean="0">
+                <a:effectLst/>
+              </a:rPr>
+              <a:t>Fallos de hardware	</a:t>
+            </a:r>
+            <a:endParaRPr lang="en-US" u="none" strike="noStrike" dirty="0" smtClean="0">
+              <a:effectLst/>
+            </a:endParaRPr>
+          </a:p>
+          <a:p>
+            <a:pPr marL="171450" lvl="0" indent="-171450">
+              <a:buFont typeface="Arial" panose="020B0604020202020204" pitchFamily="34" charset="0"/>
+              <a:buChar char="•"/>
+            </a:pPr>
+            <a:r>
+              <a:rPr lang="es-AR" u="none" strike="noStrike" dirty="0" smtClean="0">
+                <a:effectLst/>
+              </a:rPr>
+              <a:t>Catástrofes naturales</a:t>
+            </a:r>
+            <a:endParaRPr lang="en-US" u="none" strike="noStrike" dirty="0" smtClean="0">
+              <a:effectLst/>
+            </a:endParaRPr>
+          </a:p>
+          <a:p>
+            <a:pPr marL="171450" lvl="0" indent="-171450">
+              <a:buFont typeface="Arial" panose="020B0604020202020204" pitchFamily="34" charset="0"/>
+              <a:buChar char="•"/>
+            </a:pPr>
+            <a:r>
+              <a:rPr lang="es-AR" u="none" strike="noStrike" dirty="0" err="1" smtClean="0">
+                <a:effectLst/>
+              </a:rPr>
+              <a:t>Phishing</a:t>
+            </a:r>
+            <a:endParaRPr lang="en-US" u="none" strike="noStrike" dirty="0" smtClean="0">
+              <a:effectLst/>
+            </a:endParaRPr>
+          </a:p>
+          <a:p>
+            <a:endParaRPr lang="en-US" dirty="0"/>
+          </a:p>
+        </p:txBody>
+      </p:sp>
+      <p:sp>
+        <p:nvSpPr>
+          <p:cNvPr id="4" name="Slide Number Placeholder 3"/>
+          <p:cNvSpPr>
+            <a:spLocks noGrp="1"/>
+          </p:cNvSpPr>
+          <p:nvPr>
+            <p:ph type="sldNum" sz="quarter" idx="10"/>
+          </p:nvPr>
+        </p:nvSpPr>
+        <p:spPr/>
+        <p:txBody>
+          <a:bodyPr/>
+          <a:lstStyle/>
+          <a:p>
+            <a:fld id="{F93199CD-3E1B-4AE6-990F-76F925F5EA9F}" type="slidenum">
+              <a:rPr lang="en-US" smtClean="0"/>
+              <a:pPr/>
+              <a:t>28</a:t>
+            </a:fld>
+            <a:endParaRPr lang="en-US"/>
+          </a:p>
+        </p:txBody>
+      </p:sp>
+    </p:spTree>
+    <p:extLst>
+      <p:ext uri="{BB962C8B-B14F-4D97-AF65-F5344CB8AC3E}">
+        <p14:creationId xmlns:p14="http://schemas.microsoft.com/office/powerpoint/2010/main" val="1629614161"/>
+      </p:ext>
+    </p:extLst>
+  </p:cSld>
+  <p:clrMapOvr>
+    <a:masterClrMapping/>
+  </p:clrMapOvr>
+</p:notes>
+</file>
+
+<file path=ppt/notesSlides/notesSlide7.xml><?xml version="1.0" encoding="utf-8"?>
+<p:notes xmlns:a="http://schemas.openxmlformats.org/drawingml/2006/main" xmlns:r="http://schemas.openxmlformats.org/officeDocument/2006/relationships" xmlns:p="http://schemas.openxmlformats.org/presentationml/2006/main">
+  <p:cSld>
+    <p:spTree>
+      <p:nvGrpSpPr>
+        <p:cNvPr id="1" name=""/>
+        <p:cNvGrpSpPr/>
+        <p:nvPr/>
+      </p:nvGrpSpPr>
+      <p:grpSpPr>
+        <a:xfrm>
+          <a:off x="0" y="0"/>
+          <a:ext cx="0" cy="0"/>
+          <a:chOff x="0" y="0"/>
+          <a:chExt cx="0" cy="0"/>
+        </a:xfrm>
+      </p:grpSpPr>
+      <p:sp>
+        <p:nvSpPr>
+          <p:cNvPr id="2" name="Slide Image Placeholder 1"/>
+          <p:cNvSpPr>
+            <a:spLocks noGrp="1" noRot="1" noChangeAspect="1"/>
+          </p:cNvSpPr>
+          <p:nvPr>
+            <p:ph type="sldImg"/>
+          </p:nvPr>
+        </p:nvSpPr>
+        <p:spPr/>
+      </p:sp>
+      <p:sp>
+        <p:nvSpPr>
+          <p:cNvPr id="3" name="Notes Placeholder 2"/>
+          <p:cNvSpPr>
+            <a:spLocks noGrp="1"/>
+          </p:cNvSpPr>
+          <p:nvPr>
+            <p:ph type="body" idx="1"/>
+          </p:nvPr>
+        </p:nvSpPr>
+        <p:spPr/>
+        <p:txBody>
+          <a:bodyPr/>
+          <a:lstStyle/>
+          <a:p>
+            <a:r>
+              <a:rPr lang="es-AR" sz="1200" kern="1200" dirty="0" smtClean="0">
+                <a:solidFill>
+                  <a:schemeClr val="tx1"/>
+                </a:solidFill>
+                <a:effectLst/>
+                <a:latin typeface="+mn-lt"/>
+                <a:ea typeface="+mn-ea"/>
+                <a:cs typeface="+mn-cs"/>
+              </a:rPr>
               <a:t>Una </a:t>
             </a:r>
             <a:r>
@@ -3004,7 +3424,10 @@
             </a:endParaRPr>
           </a:p>
           <a:p>
-            <a:pPr lvl="0"/>
+            <a:pPr marL="171450" lvl="0" indent="-171450">
+              <a:buFont typeface="Arial" panose="020B0604020202020204" pitchFamily="34" charset="0"/>
+              <a:buChar char="•"/>
+            </a:pPr>
             <a:r>
               <a:rPr lang="es-AR" sz="1200" u="none" strike="noStrike" kern="1200" dirty="0" smtClean="0">
                 <a:solidFill>
@@ -3022,7 +3445,10 @@
             </a:endParaRPr>
           </a:p>
           <a:p>
-            <a:pPr lvl="0"/>
+            <a:pPr marL="171450" lvl="0" indent="-171450">
+              <a:buFont typeface="Arial" panose="020B0604020202020204" pitchFamily="34" charset="0"/>
+              <a:buChar char="•"/>
+            </a:pPr>
             <a:r>
               <a:rPr lang="es-AR" sz="1200" u="none" strike="noStrike" kern="1200" dirty="0" smtClean="0">
                 <a:solidFill>
@@ -3040,7 +3466,10 @@
             </a:endParaRPr>
           </a:p>
           <a:p>
-            <a:pPr lvl="0"/>
+            <a:pPr marL="171450" lvl="0" indent="-171450">
+              <a:buFont typeface="Arial" panose="020B0604020202020204" pitchFamily="34" charset="0"/>
+              <a:buChar char="•"/>
+            </a:pPr>
             <a:r>
               <a:rPr lang="es-AR" sz="1200" u="none" strike="noStrike" kern="1200" dirty="0" smtClean="0">
                 <a:solidFill>
@@ -3058,7 +3487,10 @@
             </a:endParaRPr>
           </a:p>
           <a:p>
-            <a:pPr lvl="0"/>
+            <a:pPr marL="171450" lvl="0" indent="-171450">
+              <a:buFont typeface="Arial" panose="020B0604020202020204" pitchFamily="34" charset="0"/>
+              <a:buChar char="•"/>
+            </a:pPr>
             <a:r>
               <a:rPr lang="es-AR" sz="1200" u="none" strike="noStrike" kern="1200" dirty="0" smtClean="0">
                 <a:solidFill>
@@ -3076,7 +3508,10 @@
             </a:endParaRPr>
           </a:p>
           <a:p>
-            <a:pPr lvl="0"/>
+            <a:pPr marL="171450" lvl="0" indent="-171450">
+              <a:buFont typeface="Arial" panose="020B0604020202020204" pitchFamily="34" charset="0"/>
+              <a:buChar char="•"/>
+            </a:pPr>
             <a:r>
               <a:rPr lang="es-AR" sz="1200" u="none" strike="noStrike" kern="1200" dirty="0" smtClean="0">
                 <a:solidFill>
@@ -3094,7 +3529,10 @@
             </a:endParaRPr>
           </a:p>
           <a:p>
-            <a:pPr lvl="0"/>
+            <a:pPr marL="171450" lvl="0" indent="-171450">
+              <a:buFont typeface="Arial" panose="020B0604020202020204" pitchFamily="34" charset="0"/>
+              <a:buChar char="•"/>
+            </a:pPr>
             <a:r>
               <a:rPr lang="es-AR" sz="1200" u="none" strike="noStrike" kern="1200" dirty="0" smtClean="0">
                 <a:solidFill>
@@ -3112,7 +3550,10 @@
             </a:endParaRPr>
           </a:p>
           <a:p>
-            <a:pPr lvl="0"/>
+            <a:pPr marL="171450" lvl="0" indent="-171450">
+              <a:buFont typeface="Arial" panose="020B0604020202020204" pitchFamily="34" charset="0"/>
+              <a:buChar char="•"/>
+            </a:pPr>
             <a:r>
               <a:rPr lang="es-AR" sz="1200" u="none" strike="noStrike" kern="1200" dirty="0" smtClean="0">
                 <a:solidFill>
@@ -3130,7 +3571,10 @@
             </a:endParaRPr>
           </a:p>
           <a:p>
-            <a:pPr lvl="0"/>
+            <a:pPr marL="171450" lvl="0" indent="-171450">
+              <a:buFont typeface="Arial" panose="020B0604020202020204" pitchFamily="34" charset="0"/>
+              <a:buChar char="•"/>
+            </a:pPr>
             <a:r>
               <a:rPr lang="es-AR" sz="1200" u="none" strike="noStrike" kern="1200" dirty="0" smtClean="0">
                 <a:solidFill>
@@ -3148,7 +3592,10 @@
             </a:endParaRPr>
           </a:p>
           <a:p>
-            <a:pPr lvl="0"/>
+            <a:pPr marL="171450" lvl="0" indent="-171450">
+              <a:buFont typeface="Arial" panose="020B0604020202020204" pitchFamily="34" charset="0"/>
+              <a:buChar char="•"/>
+            </a:pPr>
             <a:r>
               <a:rPr lang="es-AR" sz="1200" u="none" strike="noStrike" kern="1200" dirty="0" smtClean="0">
                 <a:solidFill>
@@ -3166,7 +3613,10 @@
             </a:endParaRPr>
           </a:p>
           <a:p>
-            <a:pPr lvl="0"/>
+            <a:pPr marL="171450" lvl="0" indent="-171450">
+              <a:buFont typeface="Arial" panose="020B0604020202020204" pitchFamily="34" charset="0"/>
+              <a:buChar char="•"/>
+            </a:pPr>
             <a:r>
               <a:rPr lang="es-AR" sz="1200" u="none" strike="noStrike" kern="1200" dirty="0" smtClean="0">
                 <a:solidFill>
@@ -3184,7 +3634,10 @@
             </a:endParaRPr>
           </a:p>
           <a:p>
-            <a:pPr lvl="0"/>
+            <a:pPr marL="171450" lvl="0" indent="-171450">
+              <a:buFont typeface="Arial" panose="020B0604020202020204" pitchFamily="34" charset="0"/>
+              <a:buChar char="•"/>
+            </a:pPr>
             <a:r>
               <a:rPr lang="es-AR" sz="1200" u="none" strike="noStrike" kern="1200" dirty="0" smtClean="0">
                 <a:solidFill>
@@ -3202,7 +3655,10 @@
             </a:endParaRPr>
           </a:p>
           <a:p>
-            <a:pPr lvl="0"/>
+            <a:pPr marL="171450" lvl="0" indent="-171450">
+              <a:buFont typeface="Arial" panose="020B0604020202020204" pitchFamily="34" charset="0"/>
+              <a:buChar char="•"/>
+            </a:pPr>
             <a:r>
               <a:rPr lang="es-AR" sz="1200" u="none" strike="noStrike" kern="1200" dirty="0" smtClean="0">
                 <a:solidFill>
@@ -3213,136 +3669,10 @@
                 <a:ea typeface="+mn-ea"/>
                 <a:cs typeface="+mn-cs"/>
               </a:rPr>
-              <a:t>Políticas de recuperación ante catástrofes</a:t>
-            </a:r>
-            <a:endParaRPr lang="en-US" u="none" strike="noStrike" dirty="0" smtClean="0">
-              <a:effectLst/>
-            </a:endParaRPr>
-          </a:p>
-          <a:p>
-            <a:pPr marL="0" marR="0" indent="0" algn="l" defTabSz="914400" rtl="0" eaLnBrk="1" fontAlgn="auto" latinLnBrk="0" hangingPunct="1">
-              <a:lnSpc>
-                <a:spcPct val="100000"/>
-              </a:lnSpc>
-              <a:spcBef>
-                <a:spcPts val="0"/>
-              </a:spcBef>
-              <a:spcAft>
-                <a:spcPts val="0"/>
-              </a:spcAft>
-              <a:buClrTx/>
-              <a:buSzTx/>
-              <a:buFontTx/>
-              <a:buNone/>
-              <a:tabLst/>
-              <a:defRPr/>
-            </a:pPr>
-            <a:endParaRPr lang="en-US" sz="1200" kern="1200" dirty="0" smtClean="0">
-              <a:solidFill>
-                <a:schemeClr val="tx1"/>
-              </a:solidFill>
-              <a:effectLst/>
-              <a:latin typeface="+mn-lt"/>
-              <a:ea typeface="+mn-ea"/>
-              <a:cs typeface="+mn-cs"/>
-            </a:endParaRPr>
-          </a:p>
-          <a:p>
-            <a:endParaRPr lang="en-US" sz="1200" kern="1200" dirty="0">
-              <a:solidFill>
-                <a:schemeClr val="tx1"/>
-              </a:solidFill>
-              <a:effectLst/>
-              <a:latin typeface="+mn-lt"/>
-              <a:ea typeface="+mn-ea"/>
-              <a:cs typeface="+mn-cs"/>
-            </a:endParaRPr>
-          </a:p>
-        </p:txBody>
-      </p:sp>
-      <p:sp>
-        <p:nvSpPr>
-          <p:cNvPr id="4" name="Slide Number Placeholder 3"/>
-          <p:cNvSpPr>
-            <a:spLocks noGrp="1"/>
-          </p:cNvSpPr>
-          <p:nvPr>
-            <p:ph type="sldNum" sz="quarter" idx="10"/>
-          </p:nvPr>
-        </p:nvSpPr>
-        <p:spPr/>
-        <p:txBody>
-          <a:bodyPr/>
-          <a:lstStyle/>
-          <a:p>
-            <a:fld id="{F93199CD-3E1B-4AE6-990F-76F925F5EA9F}" type="slidenum">
-              <a:rPr lang="en-US" smtClean="0"/>
-              <a:pPr/>
-              <a:t>28</a:t>
-            </a:fld>
-            <a:endParaRPr lang="en-US"/>
-          </a:p>
-        </p:txBody>
-      </p:sp>
-    </p:spTree>
-    <p:extLst>
-      <p:ext uri="{BB962C8B-B14F-4D97-AF65-F5344CB8AC3E}">
-        <p14:creationId xmlns:p14="http://schemas.microsoft.com/office/powerpoint/2010/main" val="2488318766"/>
-      </p:ext>
-    </p:extLst>
-  </p:cSld>
-  <p:clrMapOvr>
-    <a:masterClrMapping/>
-  </p:clrMapOvr>
-</p:notes>
-</file>
-
-<file path=ppt/notesSlides/notesSlide7.xml><?xml version="1.0" encoding="utf-8"?>
-<p:notes xmlns:a="http://schemas.openxmlformats.org/drawingml/2006/main" xmlns:r="http://schemas.openxmlformats.org/officeDocument/2006/relationships" xmlns:p="http://schemas.openxmlformats.org/presentationml/2006/main">
-  <p:cSld>
-    <p:spTree>
-      <p:nvGrpSpPr>
-        <p:cNvPr id="1" name=""/>
-        <p:cNvGrpSpPr/>
-        <p:nvPr/>
-      </p:nvGrpSpPr>
-      <p:grpSpPr>
-        <a:xfrm>
-          <a:off x="0" y="0"/>
-          <a:ext cx="0" cy="0"/>
-          <a:chOff x="0" y="0"/>
-          <a:chExt cx="0" cy="0"/>
-        </a:xfrm>
-      </p:grpSpPr>
-      <p:sp>
-        <p:nvSpPr>
-          <p:cNvPr id="2" name="Slide Image Placeholder 1"/>
-          <p:cNvSpPr>
-            <a:spLocks noGrp="1" noRot="1" noChangeAspect="1"/>
-          </p:cNvSpPr>
-          <p:nvPr>
-            <p:ph type="sldImg"/>
-          </p:nvPr>
-        </p:nvSpPr>
-        <p:spPr/>
-      </p:sp>
-      <p:sp>
-        <p:nvSpPr>
-          <p:cNvPr id="3" name="Notes Placeholder 2"/>
-          <p:cNvSpPr>
-            <a:spLocks noGrp="1"/>
-          </p:cNvSpPr>
-          <p:nvPr>
-            <p:ph type="body" idx="1"/>
-          </p:nvPr>
-        </p:nvSpPr>
-        <p:spPr/>
-        <p:txBody>
-          <a:bodyPr/>
-          <a:lstStyle/>
-          <a:p>
-            <a:r>
-              <a:rPr lang="es-AR" sz="1200" b="1" kern="1200" dirty="0" smtClean="0">
+              <a:t>Políticas de recuperación ante </a:t>
+            </a:r>
+            <a:r>
+              <a:rPr lang="es-AR" sz="1200" u="none" strike="noStrike" kern="1200" dirty="0" smtClean="0">
                 <a:solidFill>
                   <a:schemeClr val="tx1"/>
                 </a:solidFill>
@@ -3351,457 +3681,10 @@
                 <a:ea typeface="+mn-ea"/>
                 <a:cs typeface="+mn-cs"/>
               </a:rPr>
-              <a:t>Auditorías</a:t>
-            </a:r>
-            <a:endParaRPr lang="en-US" sz="1200" b="1" kern="1200" dirty="0" smtClean="0">
-              <a:solidFill>
-                <a:schemeClr val="tx1"/>
-              </a:solidFill>
-              <a:effectLst/>
-              <a:latin typeface="+mn-lt"/>
-              <a:ea typeface="+mn-ea"/>
-              <a:cs typeface="+mn-cs"/>
-            </a:endParaRPr>
-          </a:p>
-          <a:p>
-            <a:r>
-              <a:rPr lang="es-AR" sz="1200" kern="1200" dirty="0" smtClean="0">
-                <a:solidFill>
-                  <a:schemeClr val="tx1"/>
-                </a:solidFill>
-                <a:effectLst/>
-                <a:latin typeface="+mn-lt"/>
-                <a:ea typeface="+mn-ea"/>
-                <a:cs typeface="+mn-cs"/>
-              </a:rPr>
-              <a:t> </a:t>
-            </a:r>
-            <a:endParaRPr lang="en-US" sz="1200" kern="1200" dirty="0" smtClean="0">
-              <a:solidFill>
-                <a:schemeClr val="tx1"/>
-              </a:solidFill>
-              <a:effectLst/>
-              <a:latin typeface="+mn-lt"/>
-              <a:ea typeface="+mn-ea"/>
-              <a:cs typeface="+mn-cs"/>
-            </a:endParaRPr>
-          </a:p>
-          <a:p>
-            <a:r>
-              <a:rPr lang="es-AR" sz="1200" kern="1200" dirty="0" smtClean="0">
-                <a:solidFill>
-                  <a:schemeClr val="tx1"/>
-                </a:solidFill>
-                <a:effectLst/>
-                <a:latin typeface="+mn-lt"/>
-                <a:ea typeface="+mn-ea"/>
-                <a:cs typeface="+mn-cs"/>
-              </a:rPr>
-              <a:t>En las empresas, para facilitar la trazabilidad de las acciones de los usuarios, se suelen incluir procedimientos mediante los que se garantiza que el uso de los activos de información es efectivamente auditado y que es posible generar </a:t>
-            </a:r>
-            <a:r>
-              <a:rPr lang="es-AR" sz="1200" b="1" kern="1200" dirty="0" smtClean="0">
-                <a:solidFill>
-                  <a:schemeClr val="tx1"/>
-                </a:solidFill>
-                <a:effectLst/>
-                <a:latin typeface="+mn-lt"/>
-                <a:ea typeface="+mn-ea"/>
-                <a:cs typeface="+mn-cs"/>
-              </a:rPr>
-              <a:t>registros (</a:t>
-            </a:r>
-            <a:r>
-              <a:rPr lang="es-AR" sz="1200" b="1" i="1" kern="1200" dirty="0" err="1" smtClean="0">
-                <a:solidFill>
-                  <a:schemeClr val="tx1"/>
-                </a:solidFill>
-                <a:effectLst/>
-                <a:latin typeface="+mn-lt"/>
-                <a:ea typeface="+mn-ea"/>
-                <a:cs typeface="+mn-cs"/>
-              </a:rPr>
-              <a:t>logs</a:t>
-            </a:r>
-            <a:r>
-              <a:rPr lang="es-AR" sz="1200" b="1" kern="1200" dirty="0" smtClean="0">
-                <a:solidFill>
-                  <a:schemeClr val="tx1"/>
-                </a:solidFill>
-                <a:effectLst/>
-                <a:latin typeface="+mn-lt"/>
-                <a:ea typeface="+mn-ea"/>
-                <a:cs typeface="+mn-cs"/>
-              </a:rPr>
-              <a:t>) de las acciones importantes</a:t>
-            </a:r>
-            <a:r>
-              <a:rPr lang="es-AR" sz="1200" kern="1200" dirty="0" smtClean="0">
-                <a:solidFill>
-                  <a:schemeClr val="tx1"/>
-                </a:solidFill>
-                <a:effectLst/>
-                <a:latin typeface="+mn-lt"/>
-                <a:ea typeface="+mn-ea"/>
-                <a:cs typeface="+mn-cs"/>
-              </a:rPr>
-              <a:t> que se hayan definido, que si bien es un proceso técnico, implica un conocimiento de los individuos respecto a su grado de responsabilidad en lo que realizan dentro de una empresa. El conocimiento de la vinculación entre las personas y sus accesos puede evitar en gran medida la fuga de información, ya que en caso de filtrarse hacia el exterior, se podría señalar de manera directa a todos aquellos que tuvieron acceso y se podría analizar su uso previo al incidente, obteniendo posibles conclusiones y responsables. De cualquier manera, dada la imposibilidad de monitorear a las personas más allá de la esfera laboral, es estrictamente necesario que exista un alto grado de concientización y que las políticas de seguridad estén correctamente aplicadas para garantizar que quienes manejen información confidencial tengan asumidos los riesgos relacionados con su filtración.</a:t>
-            </a:r>
-          </a:p>
-          <a:p>
-            <a:endParaRPr lang="es-AR" sz="1200" b="1" kern="1200" dirty="0" smtClean="0">
-              <a:solidFill>
-                <a:schemeClr val="tx1"/>
-              </a:solidFill>
-              <a:effectLst/>
-              <a:latin typeface="+mn-lt"/>
-              <a:ea typeface="+mn-ea"/>
-              <a:cs typeface="+mn-cs"/>
-            </a:endParaRPr>
-          </a:p>
-          <a:p>
-            <a:r>
-              <a:rPr lang="es-AR" sz="1200" b="1" kern="1200" dirty="0" smtClean="0">
-                <a:solidFill>
-                  <a:schemeClr val="tx1"/>
-                </a:solidFill>
-                <a:effectLst/>
-                <a:latin typeface="+mn-lt"/>
-                <a:ea typeface="+mn-ea"/>
-                <a:cs typeface="+mn-cs"/>
-              </a:rPr>
-              <a:t>Utilización de estándares internacionales</a:t>
-            </a:r>
-            <a:endParaRPr lang="en-US" sz="1200" b="1" kern="1200" dirty="0" smtClean="0">
-              <a:solidFill>
-                <a:schemeClr val="tx1"/>
-              </a:solidFill>
-              <a:effectLst/>
-              <a:latin typeface="+mn-lt"/>
-              <a:ea typeface="+mn-ea"/>
-              <a:cs typeface="+mn-cs"/>
-            </a:endParaRPr>
-          </a:p>
-          <a:p>
-            <a:r>
-              <a:rPr lang="es-AR" sz="1200" kern="1200" dirty="0" smtClean="0">
-                <a:solidFill>
-                  <a:schemeClr val="tx1"/>
-                </a:solidFill>
-                <a:effectLst/>
-                <a:latin typeface="+mn-lt"/>
-                <a:ea typeface="+mn-ea"/>
-                <a:cs typeface="+mn-cs"/>
-              </a:rPr>
-              <a:t> </a:t>
-            </a:r>
-            <a:endParaRPr lang="en-US" sz="1200" kern="1200" dirty="0" smtClean="0">
-              <a:solidFill>
-                <a:schemeClr val="tx1"/>
-              </a:solidFill>
-              <a:effectLst/>
-              <a:latin typeface="+mn-lt"/>
-              <a:ea typeface="+mn-ea"/>
-              <a:cs typeface="+mn-cs"/>
-            </a:endParaRPr>
-          </a:p>
-          <a:p>
-            <a:r>
-              <a:rPr lang="es-AR" sz="1200" kern="1200" dirty="0" smtClean="0">
-                <a:solidFill>
-                  <a:schemeClr val="tx1"/>
-                </a:solidFill>
-                <a:effectLst/>
-                <a:latin typeface="+mn-lt"/>
-                <a:ea typeface="+mn-ea"/>
-                <a:cs typeface="+mn-cs"/>
-              </a:rPr>
-              <a:t>Para la mayoría de las actividades es necesario basarse en estándares, normalmente de alcance internacional, y normativas vinculadas a lo que se quiera organizar. La fuga de información está contemplada dentro de la gestión de la seguridad, y como tal se describen contramedidas y técnicas en distintos estándares. Así pues, se apela con frecuencia a la serie de normas ISO 27000, que está especialmente dedicada a seguridad de la información. Dentro de esta familia se encuentran específicamente algunas normas como lo son la 27001, referida a los requisitos para implementar un sistema de gestión de seguridad, la 27002 que define las mejores prácticas, la 27004 que habla sobre las métricas, la 27005 que trata sobre la gestión de riesgos, entre otras.</a:t>
-            </a:r>
-            <a:endParaRPr lang="en-US" sz="1200" kern="1200" dirty="0" smtClean="0">
-              <a:solidFill>
-                <a:schemeClr val="tx1"/>
-              </a:solidFill>
-              <a:effectLst/>
-              <a:latin typeface="+mn-lt"/>
-              <a:ea typeface="+mn-ea"/>
-              <a:cs typeface="+mn-cs"/>
-            </a:endParaRPr>
-          </a:p>
-          <a:p>
-            <a:r>
-              <a:rPr lang="es-AR" sz="1200" kern="1200" dirty="0" smtClean="0">
-                <a:solidFill>
-                  <a:schemeClr val="tx1"/>
-                </a:solidFill>
-                <a:effectLst/>
-                <a:latin typeface="+mn-lt"/>
-                <a:ea typeface="+mn-ea"/>
-                <a:cs typeface="+mn-cs"/>
-              </a:rPr>
-              <a:t> </a:t>
-            </a:r>
-            <a:endParaRPr lang="en-US" sz="1200" kern="1200" dirty="0" smtClean="0">
-              <a:solidFill>
-                <a:schemeClr val="tx1"/>
-              </a:solidFill>
-              <a:effectLst/>
-              <a:latin typeface="+mn-lt"/>
-              <a:ea typeface="+mn-ea"/>
-              <a:cs typeface="+mn-cs"/>
-            </a:endParaRPr>
-          </a:p>
-          <a:p>
-            <a:r>
-              <a:rPr lang="es-AR" sz="1200" b="1" kern="1200" dirty="0" smtClean="0">
-                <a:solidFill>
-                  <a:schemeClr val="tx1"/>
-                </a:solidFill>
-                <a:effectLst/>
-                <a:latin typeface="+mn-lt"/>
-                <a:ea typeface="+mn-ea"/>
-                <a:cs typeface="+mn-cs"/>
-              </a:rPr>
-              <a:t>Uso de </a:t>
-            </a:r>
-            <a:r>
-              <a:rPr lang="es-AR" sz="1200" b="1" i="1" kern="1200" dirty="0" err="1" smtClean="0">
-                <a:solidFill>
-                  <a:schemeClr val="tx1"/>
-                </a:solidFill>
-                <a:effectLst/>
-                <a:latin typeface="+mn-lt"/>
-                <a:ea typeface="+mn-ea"/>
-                <a:cs typeface="+mn-cs"/>
-              </a:rPr>
-              <a:t>code</a:t>
-            </a:r>
-            <a:r>
-              <a:rPr lang="es-AR" sz="1200" b="1" i="1" kern="1200" dirty="0" smtClean="0">
-                <a:solidFill>
-                  <a:schemeClr val="tx1"/>
-                </a:solidFill>
-                <a:effectLst/>
-                <a:latin typeface="+mn-lt"/>
-                <a:ea typeface="+mn-ea"/>
-                <a:cs typeface="+mn-cs"/>
-              </a:rPr>
-              <a:t> </a:t>
-            </a:r>
-            <a:r>
-              <a:rPr lang="es-AR" sz="1200" b="1" i="1" kern="1200" dirty="0" err="1" smtClean="0">
-                <a:solidFill>
-                  <a:schemeClr val="tx1"/>
-                </a:solidFill>
-                <a:effectLst/>
-                <a:latin typeface="+mn-lt"/>
-                <a:ea typeface="+mn-ea"/>
-                <a:cs typeface="+mn-cs"/>
-              </a:rPr>
-              <a:t>names</a:t>
-            </a:r>
-            <a:r>
-              <a:rPr lang="es-AR" sz="1200" b="1" i="1" kern="1200" dirty="0" smtClean="0">
-                <a:solidFill>
-                  <a:schemeClr val="tx1"/>
-                </a:solidFill>
-                <a:effectLst/>
-                <a:latin typeface="+mn-lt"/>
-                <a:ea typeface="+mn-ea"/>
-                <a:cs typeface="+mn-cs"/>
-              </a:rPr>
-              <a:t> </a:t>
-            </a:r>
-            <a:r>
-              <a:rPr lang="es-AR" sz="1200" b="1" kern="1200" dirty="0" smtClean="0">
-                <a:solidFill>
-                  <a:schemeClr val="tx1"/>
-                </a:solidFill>
-                <a:effectLst/>
-                <a:latin typeface="+mn-lt"/>
-                <a:ea typeface="+mn-ea"/>
-                <a:cs typeface="+mn-cs"/>
-              </a:rPr>
-              <a:t>para los proyectos</a:t>
-            </a:r>
-            <a:endParaRPr lang="en-US" sz="1200" b="1" kern="1200" dirty="0" smtClean="0">
-              <a:solidFill>
-                <a:schemeClr val="tx1"/>
-              </a:solidFill>
-              <a:effectLst/>
-              <a:latin typeface="+mn-lt"/>
-              <a:ea typeface="+mn-ea"/>
-              <a:cs typeface="+mn-cs"/>
-            </a:endParaRPr>
-          </a:p>
-          <a:p>
-            <a:r>
-              <a:rPr lang="es-AR" sz="1200" kern="1200" dirty="0" smtClean="0">
-                <a:solidFill>
-                  <a:schemeClr val="tx1"/>
-                </a:solidFill>
-                <a:effectLst/>
-                <a:latin typeface="+mn-lt"/>
-                <a:ea typeface="+mn-ea"/>
-                <a:cs typeface="+mn-cs"/>
-              </a:rPr>
-              <a:t> </a:t>
-            </a:r>
-            <a:endParaRPr lang="en-US" sz="1200" kern="1200" dirty="0" smtClean="0">
-              <a:solidFill>
-                <a:schemeClr val="tx1"/>
-              </a:solidFill>
-              <a:effectLst/>
-              <a:latin typeface="+mn-lt"/>
-              <a:ea typeface="+mn-ea"/>
-              <a:cs typeface="+mn-cs"/>
-            </a:endParaRPr>
-          </a:p>
-          <a:p>
-            <a:r>
-              <a:rPr lang="es-AR" sz="1200" kern="1200" dirty="0" smtClean="0">
-                <a:solidFill>
-                  <a:schemeClr val="tx1"/>
-                </a:solidFill>
-                <a:effectLst/>
-                <a:latin typeface="+mn-lt"/>
-                <a:ea typeface="+mn-ea"/>
-                <a:cs typeface="+mn-cs"/>
-              </a:rPr>
-              <a:t>Este mecanismo de defensa solo se aplica a empresas comerciales, particularmente tecnológicas. Gigantes como Microsoft y Apple suelen utilizar nombres clave para los productos que están en fase de desarrollo y aún no se han lanzado al mercado. Como ejemplos podemos mencionar al proyecto </a:t>
-            </a:r>
-            <a:r>
-              <a:rPr lang="es-AR" sz="1200" kern="1200" dirty="0" err="1" smtClean="0">
-                <a:solidFill>
-                  <a:schemeClr val="tx1"/>
-                </a:solidFill>
-                <a:effectLst/>
-                <a:latin typeface="+mn-lt"/>
-                <a:ea typeface="+mn-ea"/>
-                <a:cs typeface="+mn-cs"/>
-              </a:rPr>
-              <a:t>Blackcomb</a:t>
-            </a:r>
-            <a:r>
-              <a:rPr lang="es-AR" sz="1200" kern="1200" dirty="0" smtClean="0">
-                <a:solidFill>
-                  <a:schemeClr val="tx1"/>
-                </a:solidFill>
-                <a:effectLst/>
-                <a:latin typeface="+mn-lt"/>
-                <a:ea typeface="+mn-ea"/>
-                <a:cs typeface="+mn-cs"/>
-              </a:rPr>
-              <a:t> (Windows 7).</a:t>
-            </a:r>
-            <a:endParaRPr lang="en-US" sz="1200" kern="1200" dirty="0" smtClean="0">
-              <a:solidFill>
-                <a:schemeClr val="tx1"/>
-              </a:solidFill>
-              <a:effectLst/>
-              <a:latin typeface="+mn-lt"/>
-              <a:ea typeface="+mn-ea"/>
-              <a:cs typeface="+mn-cs"/>
-            </a:endParaRPr>
-          </a:p>
-          <a:p>
-            <a:r>
-              <a:rPr lang="es-AR" sz="1200" kern="1200" dirty="0" smtClean="0">
-                <a:solidFill>
-                  <a:schemeClr val="tx1"/>
-                </a:solidFill>
-                <a:effectLst/>
-                <a:latin typeface="+mn-lt"/>
-                <a:ea typeface="+mn-ea"/>
-                <a:cs typeface="+mn-cs"/>
-              </a:rPr>
-              <a:t> </a:t>
-            </a:r>
-            <a:endParaRPr lang="en-US" sz="1200" kern="1200" dirty="0" smtClean="0">
-              <a:solidFill>
-                <a:schemeClr val="tx1"/>
-              </a:solidFill>
-              <a:effectLst/>
-              <a:latin typeface="+mn-lt"/>
-              <a:ea typeface="+mn-ea"/>
-              <a:cs typeface="+mn-cs"/>
-            </a:endParaRPr>
-          </a:p>
-          <a:p>
-            <a:r>
-              <a:rPr lang="es-AR" sz="1200" kern="1200" dirty="0" smtClean="0">
-                <a:solidFill>
-                  <a:schemeClr val="tx1"/>
-                </a:solidFill>
-                <a:effectLst/>
-                <a:latin typeface="+mn-lt"/>
-                <a:ea typeface="+mn-ea"/>
-                <a:cs typeface="+mn-cs"/>
-              </a:rPr>
-              <a:t>Las razones para su uso son varias:</a:t>
-            </a:r>
-            <a:endParaRPr lang="en-US" sz="1200" kern="1200" dirty="0" smtClean="0">
-              <a:solidFill>
-                <a:schemeClr val="tx1"/>
-              </a:solidFill>
-              <a:effectLst/>
-              <a:latin typeface="+mn-lt"/>
-              <a:ea typeface="+mn-ea"/>
-              <a:cs typeface="+mn-cs"/>
-            </a:endParaRPr>
-          </a:p>
-          <a:p>
-            <a:pPr lvl="0"/>
-            <a:r>
-              <a:rPr lang="es-AR" sz="1200" u="none" strike="noStrike" kern="1200" dirty="0" smtClean="0">
-                <a:solidFill>
-                  <a:schemeClr val="tx1"/>
-                </a:solidFill>
-                <a:effectLst/>
-                <a:latin typeface="+mn-lt"/>
-                <a:ea typeface="+mn-ea"/>
-                <a:cs typeface="+mn-cs"/>
-              </a:rPr>
-              <a:t>Permiten a los trabajadores de dichos productos hablar sobre los mismos sin revelar de qué se trata a terceros. Al utilizar nombres neutrales, se obliga a enfocarse en el producto y prevenir la generación de asociaciones basándose en el nombre.</a:t>
+              <a:t>catástrofes</a:t>
             </a:r>
             <a:endParaRPr lang="en-US" u="none" strike="noStrike" dirty="0" smtClean="0">
               <a:effectLst/>
-            </a:endParaRPr>
-          </a:p>
-          <a:p>
-            <a:pPr lvl="0"/>
-            <a:r>
-              <a:rPr lang="es-AR" sz="1200" u="none" strike="noStrike" kern="1200" dirty="0" smtClean="0">
-                <a:solidFill>
-                  <a:schemeClr val="tx1"/>
-                </a:solidFill>
-                <a:effectLst/>
-                <a:latin typeface="+mn-lt"/>
-                <a:ea typeface="+mn-ea"/>
-                <a:cs typeface="+mn-cs"/>
-              </a:rPr>
-              <a:t>Permiten crear un impacto positivo en los potenciales consumidores, al utilizar nombres que atraen al mercado.</a:t>
-            </a:r>
-            <a:r>
-              <a:rPr lang="es-AR" sz="1200" i="1" u="sng" strike="noStrike" kern="1200" dirty="0" smtClean="0">
-                <a:solidFill>
-                  <a:schemeClr val="tx1"/>
-                </a:solidFill>
-                <a:effectLst/>
-                <a:latin typeface="+mn-lt"/>
-                <a:ea typeface="+mn-ea"/>
-                <a:cs typeface="+mn-cs"/>
-              </a:rPr>
-              <a:t> </a:t>
-            </a:r>
-            <a:endParaRPr lang="en-US" sz="1200" kern="1200" dirty="0">
-              <a:solidFill>
-                <a:schemeClr val="tx1"/>
-              </a:solidFill>
-              <a:effectLst/>
-              <a:latin typeface="+mn-lt"/>
-              <a:ea typeface="+mn-ea"/>
-              <a:cs typeface="+mn-cs"/>
             </a:endParaRPr>
           </a:p>
         </p:txBody>
@@ -3833,7 +3716,7 @@
     </p:spTree>
     <p:extLst>
       <p:ext uri="{BB962C8B-B14F-4D97-AF65-F5344CB8AC3E}">
-        <p14:creationId xmlns:p14="http://schemas.microsoft.com/office/powerpoint/2010/main" val="707643668"/>
+        <p14:creationId xmlns:p14="http://schemas.microsoft.com/office/powerpoint/2010/main" val="2488318766"/>
       </p:ext>
     </p:extLst>
   </p:cSld>
@@ -3887,7 +3770,468 @@
           <a:bodyPr/>
           <a:lstStyle/>
           <a:p>
-            <a:endParaRPr lang="en-US"/>
+            <a:r>
+              <a:rPr lang="es-AR" sz="1200" b="1" kern="1200" dirty="0" smtClean="0">
+                <a:solidFill>
+                  <a:schemeClr val="tx1"/>
+                </a:solidFill>
+                <a:effectLst/>
+                <a:latin typeface="+mn-lt"/>
+                <a:ea typeface="+mn-ea"/>
+                <a:cs typeface="+mn-cs"/>
+              </a:rPr>
+              <a:t>Auditorías</a:t>
+            </a:r>
+            <a:endParaRPr lang="en-US" sz="1200" b="1" kern="1200" dirty="0" smtClean="0">
+              <a:solidFill>
+                <a:schemeClr val="tx1"/>
+              </a:solidFill>
+              <a:effectLst/>
+              <a:latin typeface="+mn-lt"/>
+              <a:ea typeface="+mn-ea"/>
+              <a:cs typeface="+mn-cs"/>
+            </a:endParaRPr>
+          </a:p>
+          <a:p>
+            <a:r>
+              <a:rPr lang="es-AR" sz="1200" kern="1200" dirty="0" smtClean="0">
+                <a:solidFill>
+                  <a:schemeClr val="tx1"/>
+                </a:solidFill>
+                <a:effectLst/>
+                <a:latin typeface="+mn-lt"/>
+                <a:ea typeface="+mn-ea"/>
+                <a:cs typeface="+mn-cs"/>
+              </a:rPr>
+              <a:t> </a:t>
+            </a:r>
+            <a:endParaRPr lang="en-US" sz="1200" kern="1200" dirty="0" smtClean="0">
+              <a:solidFill>
+                <a:schemeClr val="tx1"/>
+              </a:solidFill>
+              <a:effectLst/>
+              <a:latin typeface="+mn-lt"/>
+              <a:ea typeface="+mn-ea"/>
+              <a:cs typeface="+mn-cs"/>
+            </a:endParaRPr>
+          </a:p>
+          <a:p>
+            <a:r>
+              <a:rPr lang="es-AR" sz="1200" kern="1200" dirty="0" smtClean="0">
+                <a:solidFill>
+                  <a:schemeClr val="tx1"/>
+                </a:solidFill>
+                <a:effectLst/>
+                <a:latin typeface="+mn-lt"/>
+                <a:ea typeface="+mn-ea"/>
+                <a:cs typeface="+mn-cs"/>
+              </a:rPr>
+              <a:t>En las empresas, para facilitar la trazabilidad de las acciones de los usuarios, se suelen incluir procedimientos mediante los que se garantiza que el uso de los activos de información es efectivamente auditado y que es posible generar </a:t>
+            </a:r>
+            <a:r>
+              <a:rPr lang="es-AR" sz="1200" b="1" kern="1200" dirty="0" smtClean="0">
+                <a:solidFill>
+                  <a:schemeClr val="tx1"/>
+                </a:solidFill>
+                <a:effectLst/>
+                <a:latin typeface="+mn-lt"/>
+                <a:ea typeface="+mn-ea"/>
+                <a:cs typeface="+mn-cs"/>
+              </a:rPr>
+              <a:t>registros (</a:t>
+            </a:r>
+            <a:r>
+              <a:rPr lang="es-AR" sz="1200" b="1" i="1" kern="1200" dirty="0" err="1" smtClean="0">
+                <a:solidFill>
+                  <a:schemeClr val="tx1"/>
+                </a:solidFill>
+                <a:effectLst/>
+                <a:latin typeface="+mn-lt"/>
+                <a:ea typeface="+mn-ea"/>
+                <a:cs typeface="+mn-cs"/>
+              </a:rPr>
+              <a:t>logs</a:t>
+            </a:r>
+            <a:r>
+              <a:rPr lang="es-AR" sz="1200" b="1" kern="1200" dirty="0" smtClean="0">
+                <a:solidFill>
+                  <a:schemeClr val="tx1"/>
+                </a:solidFill>
+                <a:effectLst/>
+                <a:latin typeface="+mn-lt"/>
+                <a:ea typeface="+mn-ea"/>
+                <a:cs typeface="+mn-cs"/>
+              </a:rPr>
+              <a:t>) de las acciones importantes</a:t>
+            </a:r>
+            <a:r>
+              <a:rPr lang="es-AR" sz="1200" kern="1200" dirty="0" smtClean="0">
+                <a:solidFill>
+                  <a:schemeClr val="tx1"/>
+                </a:solidFill>
+                <a:effectLst/>
+                <a:latin typeface="+mn-lt"/>
+                <a:ea typeface="+mn-ea"/>
+                <a:cs typeface="+mn-cs"/>
+              </a:rPr>
+              <a:t> que se hayan definido, que si bien es un proceso técnico, implica un conocimiento de los individuos respecto a su grado de responsabilidad en lo que realizan dentro de una empresa. El conocimiento de la vinculación entre las personas y sus accesos puede evitar en gran medida la fuga de información, ya que en caso de filtrarse hacia el exterior, se podría señalar de manera directa a todos aquellos que tuvieron acceso y se podría analizar su uso previo al incidente, obteniendo posibles conclusiones y responsables. De cualquier manera, dada la imposibilidad de monitorear a las personas más allá de la esfera laboral, es estrictamente necesario que exista un alto grado de concientización y que las políticas de seguridad estén correctamente aplicadas para garantizar que quienes manejen información confidencial tengan asumidos los riesgos relacionados con su filtración.</a:t>
+            </a:r>
+          </a:p>
+          <a:p>
+            <a:endParaRPr lang="es-AR" sz="1200" b="1" kern="1200" dirty="0" smtClean="0">
+              <a:solidFill>
+                <a:schemeClr val="tx1"/>
+              </a:solidFill>
+              <a:effectLst/>
+              <a:latin typeface="+mn-lt"/>
+              <a:ea typeface="+mn-ea"/>
+              <a:cs typeface="+mn-cs"/>
+            </a:endParaRPr>
+          </a:p>
+          <a:p>
+            <a:r>
+              <a:rPr lang="es-AR" sz="1200" b="1" kern="1200" dirty="0" smtClean="0">
+                <a:solidFill>
+                  <a:schemeClr val="tx1"/>
+                </a:solidFill>
+                <a:effectLst/>
+                <a:latin typeface="+mn-lt"/>
+                <a:ea typeface="+mn-ea"/>
+                <a:cs typeface="+mn-cs"/>
+              </a:rPr>
+              <a:t>Utilización de estándares internacionales</a:t>
+            </a:r>
+            <a:endParaRPr lang="en-US" sz="1200" b="1" kern="1200" dirty="0" smtClean="0">
+              <a:solidFill>
+                <a:schemeClr val="tx1"/>
+              </a:solidFill>
+              <a:effectLst/>
+              <a:latin typeface="+mn-lt"/>
+              <a:ea typeface="+mn-ea"/>
+              <a:cs typeface="+mn-cs"/>
+            </a:endParaRPr>
+          </a:p>
+          <a:p>
+            <a:r>
+              <a:rPr lang="es-AR" sz="1200" kern="1200" dirty="0" smtClean="0">
+                <a:solidFill>
+                  <a:schemeClr val="tx1"/>
+                </a:solidFill>
+                <a:effectLst/>
+                <a:latin typeface="+mn-lt"/>
+                <a:ea typeface="+mn-ea"/>
+                <a:cs typeface="+mn-cs"/>
+              </a:rPr>
+              <a:t> </a:t>
+            </a:r>
+            <a:endParaRPr lang="en-US" sz="1200" kern="1200" dirty="0" smtClean="0">
+              <a:solidFill>
+                <a:schemeClr val="tx1"/>
+              </a:solidFill>
+              <a:effectLst/>
+              <a:latin typeface="+mn-lt"/>
+              <a:ea typeface="+mn-ea"/>
+              <a:cs typeface="+mn-cs"/>
+            </a:endParaRPr>
+          </a:p>
+          <a:p>
+            <a:r>
+              <a:rPr lang="es-AR" sz="1200" kern="1200" dirty="0" smtClean="0">
+                <a:solidFill>
+                  <a:schemeClr val="tx1"/>
+                </a:solidFill>
+                <a:effectLst/>
+                <a:latin typeface="+mn-lt"/>
+                <a:ea typeface="+mn-ea"/>
+                <a:cs typeface="+mn-cs"/>
+              </a:rPr>
+              <a:t>Para la mayoría de las actividades es necesario basarse en estándares, normalmente de alcance internacional, y normativas vinculadas a lo que se quiera organizar. La fuga de información está contemplada dentro de la gestión de la seguridad, y como tal se describen contramedidas y técnicas en distintos estándares. Así pues, se apela con frecuencia a la serie de normas ISO 27000, que está especialmente dedicada a seguridad de la información. Dentro de esta familia se encuentran específicamente algunas normas como lo son la 27001, referida a los requisitos para implementar un sistema de gestión de seguridad, la 27002 que define las mejores prácticas, la 27004 que habla sobre las métricas, la 27005 que trata sobre la gestión de riesgos, entre otras.</a:t>
+            </a:r>
+            <a:endParaRPr lang="en-US" sz="1200" kern="1200" dirty="0" smtClean="0">
+              <a:solidFill>
+                <a:schemeClr val="tx1"/>
+              </a:solidFill>
+              <a:effectLst/>
+              <a:latin typeface="+mn-lt"/>
+              <a:ea typeface="+mn-ea"/>
+              <a:cs typeface="+mn-cs"/>
+            </a:endParaRPr>
+          </a:p>
+          <a:p>
+            <a:r>
+              <a:rPr lang="es-AR" sz="1200" kern="1200" dirty="0" smtClean="0">
+                <a:solidFill>
+                  <a:schemeClr val="tx1"/>
+                </a:solidFill>
+                <a:effectLst/>
+                <a:latin typeface="+mn-lt"/>
+                <a:ea typeface="+mn-ea"/>
+                <a:cs typeface="+mn-cs"/>
+              </a:rPr>
+              <a:t> </a:t>
+            </a:r>
+            <a:endParaRPr lang="en-US" sz="1200" kern="1200" dirty="0" smtClean="0">
+              <a:solidFill>
+                <a:schemeClr val="tx1"/>
+              </a:solidFill>
+              <a:effectLst/>
+              <a:latin typeface="+mn-lt"/>
+              <a:ea typeface="+mn-ea"/>
+              <a:cs typeface="+mn-cs"/>
+            </a:endParaRPr>
+          </a:p>
+          <a:p>
+            <a:r>
+              <a:rPr lang="es-AR" sz="1200" b="1" kern="1200" dirty="0" smtClean="0">
+                <a:solidFill>
+                  <a:schemeClr val="tx1"/>
+                </a:solidFill>
+                <a:effectLst/>
+                <a:latin typeface="+mn-lt"/>
+                <a:ea typeface="+mn-ea"/>
+                <a:cs typeface="+mn-cs"/>
+              </a:rPr>
+              <a:t>Uso de </a:t>
+            </a:r>
+            <a:r>
+              <a:rPr lang="es-AR" sz="1200" b="1" i="1" kern="1200" dirty="0" err="1" smtClean="0">
+                <a:solidFill>
+                  <a:schemeClr val="tx1"/>
+                </a:solidFill>
+                <a:effectLst/>
+                <a:latin typeface="+mn-lt"/>
+                <a:ea typeface="+mn-ea"/>
+                <a:cs typeface="+mn-cs"/>
+              </a:rPr>
+              <a:t>code</a:t>
+            </a:r>
+            <a:r>
+              <a:rPr lang="es-AR" sz="1200" b="1" i="1" kern="1200" dirty="0" smtClean="0">
+                <a:solidFill>
+                  <a:schemeClr val="tx1"/>
+                </a:solidFill>
+                <a:effectLst/>
+                <a:latin typeface="+mn-lt"/>
+                <a:ea typeface="+mn-ea"/>
+                <a:cs typeface="+mn-cs"/>
+              </a:rPr>
+              <a:t> </a:t>
+            </a:r>
+            <a:r>
+              <a:rPr lang="es-AR" sz="1200" b="1" i="1" kern="1200" dirty="0" err="1" smtClean="0">
+                <a:solidFill>
+                  <a:schemeClr val="tx1"/>
+                </a:solidFill>
+                <a:effectLst/>
+                <a:latin typeface="+mn-lt"/>
+                <a:ea typeface="+mn-ea"/>
+                <a:cs typeface="+mn-cs"/>
+              </a:rPr>
+              <a:t>names</a:t>
+            </a:r>
+            <a:r>
+              <a:rPr lang="es-AR" sz="1200" b="1" i="1" kern="1200" dirty="0" smtClean="0">
+                <a:solidFill>
+                  <a:schemeClr val="tx1"/>
+                </a:solidFill>
+                <a:effectLst/>
+                <a:latin typeface="+mn-lt"/>
+                <a:ea typeface="+mn-ea"/>
+                <a:cs typeface="+mn-cs"/>
+              </a:rPr>
+              <a:t> </a:t>
+            </a:r>
+            <a:r>
+              <a:rPr lang="es-AR" sz="1200" b="1" kern="1200" dirty="0" smtClean="0">
+                <a:solidFill>
+                  <a:schemeClr val="tx1"/>
+                </a:solidFill>
+                <a:effectLst/>
+                <a:latin typeface="+mn-lt"/>
+                <a:ea typeface="+mn-ea"/>
+                <a:cs typeface="+mn-cs"/>
+              </a:rPr>
+              <a:t>para los proyectos</a:t>
+            </a:r>
+            <a:endParaRPr lang="en-US" sz="1200" b="1" kern="1200" dirty="0" smtClean="0">
+              <a:solidFill>
+                <a:schemeClr val="tx1"/>
+              </a:solidFill>
+              <a:effectLst/>
+              <a:latin typeface="+mn-lt"/>
+              <a:ea typeface="+mn-ea"/>
+              <a:cs typeface="+mn-cs"/>
+            </a:endParaRPr>
+          </a:p>
+          <a:p>
+            <a:r>
+              <a:rPr lang="es-AR" sz="1200" kern="1200" dirty="0" smtClean="0">
+                <a:solidFill>
+                  <a:schemeClr val="tx1"/>
+                </a:solidFill>
+                <a:effectLst/>
+                <a:latin typeface="+mn-lt"/>
+                <a:ea typeface="+mn-ea"/>
+                <a:cs typeface="+mn-cs"/>
+              </a:rPr>
+              <a:t> </a:t>
+            </a:r>
+            <a:endParaRPr lang="en-US" sz="1200" kern="1200" dirty="0" smtClean="0">
+              <a:solidFill>
+                <a:schemeClr val="tx1"/>
+              </a:solidFill>
+              <a:effectLst/>
+              <a:latin typeface="+mn-lt"/>
+              <a:ea typeface="+mn-ea"/>
+              <a:cs typeface="+mn-cs"/>
+            </a:endParaRPr>
+          </a:p>
+          <a:p>
+            <a:r>
+              <a:rPr lang="es-AR" sz="1200" kern="1200" dirty="0" smtClean="0">
+                <a:solidFill>
+                  <a:schemeClr val="tx1"/>
+                </a:solidFill>
+                <a:effectLst/>
+                <a:latin typeface="+mn-lt"/>
+                <a:ea typeface="+mn-ea"/>
+                <a:cs typeface="+mn-cs"/>
+              </a:rPr>
+              <a:t>Este mecanismo de defensa solo se aplica a empresas comerciales, particularmente tecnológicas. Gigantes como Microsoft y Apple suelen utilizar nombres clave para los productos que están en fase de desarrollo y aún no se han lanzado al mercado. Como ejemplos podemos mencionar al proyecto </a:t>
+            </a:r>
+            <a:r>
+              <a:rPr lang="es-AR" sz="1200" kern="1200" dirty="0" err="1" smtClean="0">
+                <a:solidFill>
+                  <a:schemeClr val="tx1"/>
+                </a:solidFill>
+                <a:effectLst/>
+                <a:latin typeface="+mn-lt"/>
+                <a:ea typeface="+mn-ea"/>
+                <a:cs typeface="+mn-cs"/>
+              </a:rPr>
+              <a:t>Blackcomb</a:t>
+            </a:r>
+            <a:r>
+              <a:rPr lang="es-AR" sz="1200" kern="1200" dirty="0" smtClean="0">
+                <a:solidFill>
+                  <a:schemeClr val="tx1"/>
+                </a:solidFill>
+                <a:effectLst/>
+                <a:latin typeface="+mn-lt"/>
+                <a:ea typeface="+mn-ea"/>
+                <a:cs typeface="+mn-cs"/>
+              </a:rPr>
+              <a:t> (Windows 7).</a:t>
+            </a:r>
+            <a:endParaRPr lang="en-US" sz="1200" kern="1200" dirty="0" smtClean="0">
+              <a:solidFill>
+                <a:schemeClr val="tx1"/>
+              </a:solidFill>
+              <a:effectLst/>
+              <a:latin typeface="+mn-lt"/>
+              <a:ea typeface="+mn-ea"/>
+              <a:cs typeface="+mn-cs"/>
+            </a:endParaRPr>
+          </a:p>
+          <a:p>
+            <a:r>
+              <a:rPr lang="es-AR" sz="1200" kern="1200" dirty="0" smtClean="0">
+                <a:solidFill>
+                  <a:schemeClr val="tx1"/>
+                </a:solidFill>
+                <a:effectLst/>
+                <a:latin typeface="+mn-lt"/>
+                <a:ea typeface="+mn-ea"/>
+                <a:cs typeface="+mn-cs"/>
+              </a:rPr>
+              <a:t> </a:t>
+            </a:r>
+            <a:endParaRPr lang="en-US" sz="1200" kern="1200" dirty="0" smtClean="0">
+              <a:solidFill>
+                <a:schemeClr val="tx1"/>
+              </a:solidFill>
+              <a:effectLst/>
+              <a:latin typeface="+mn-lt"/>
+              <a:ea typeface="+mn-ea"/>
+              <a:cs typeface="+mn-cs"/>
+            </a:endParaRPr>
+          </a:p>
+          <a:p>
+            <a:r>
+              <a:rPr lang="es-AR" sz="1200" kern="1200" dirty="0" smtClean="0">
+                <a:solidFill>
+                  <a:schemeClr val="tx1"/>
+                </a:solidFill>
+                <a:effectLst/>
+                <a:latin typeface="+mn-lt"/>
+                <a:ea typeface="+mn-ea"/>
+                <a:cs typeface="+mn-cs"/>
+              </a:rPr>
+              <a:t>Las razones para su uso son varias:</a:t>
+            </a:r>
+            <a:endParaRPr lang="en-US" sz="1200" kern="1200" dirty="0" smtClean="0">
+              <a:solidFill>
+                <a:schemeClr val="tx1"/>
+              </a:solidFill>
+              <a:effectLst/>
+              <a:latin typeface="+mn-lt"/>
+              <a:ea typeface="+mn-ea"/>
+              <a:cs typeface="+mn-cs"/>
+            </a:endParaRPr>
+          </a:p>
+          <a:p>
+            <a:pPr lvl="0"/>
+            <a:r>
+              <a:rPr lang="es-AR" sz="1200" u="none" strike="noStrike" kern="1200" dirty="0" smtClean="0">
+                <a:solidFill>
+                  <a:schemeClr val="tx1"/>
+                </a:solidFill>
+                <a:effectLst/>
+                <a:latin typeface="+mn-lt"/>
+                <a:ea typeface="+mn-ea"/>
+                <a:cs typeface="+mn-cs"/>
+              </a:rPr>
+              <a:t>Permiten a los trabajadores de dichos productos hablar sobre los mismos sin revelar de qué se trata a terceros. Al utilizar nombres neutrales, se obliga a enfocarse en el producto y prevenir la generación de asociaciones basándose en el nombre.</a:t>
+            </a:r>
+            <a:endParaRPr lang="en-US" u="none" strike="noStrike" dirty="0" smtClean="0">
+              <a:effectLst/>
+            </a:endParaRPr>
+          </a:p>
+          <a:p>
+            <a:pPr lvl="0"/>
+            <a:r>
+              <a:rPr lang="es-AR" sz="1200" u="none" strike="noStrike" kern="1200" dirty="0" smtClean="0">
+                <a:solidFill>
+                  <a:schemeClr val="tx1"/>
+                </a:solidFill>
+                <a:effectLst/>
+                <a:latin typeface="+mn-lt"/>
+                <a:ea typeface="+mn-ea"/>
+                <a:cs typeface="+mn-cs"/>
+              </a:rPr>
+              <a:t>Permiten crear un impacto positivo en los potenciales consumidores, al utilizar nombres que atraen al mercado.</a:t>
+            </a:r>
+            <a:r>
+              <a:rPr lang="es-AR" sz="1200" i="1" u="sng" strike="noStrike" kern="1200" dirty="0" smtClean="0">
+                <a:solidFill>
+                  <a:schemeClr val="tx1"/>
+                </a:solidFill>
+                <a:effectLst/>
+                <a:latin typeface="+mn-lt"/>
+                <a:ea typeface="+mn-ea"/>
+                <a:cs typeface="+mn-cs"/>
+              </a:rPr>
+              <a:t> </a:t>
+            </a:r>
+            <a:endParaRPr lang="en-US" sz="1200" kern="1200" dirty="0">
+              <a:solidFill>
+                <a:schemeClr val="tx1"/>
+              </a:solidFill>
+              <a:effectLst/>
+              <a:latin typeface="+mn-lt"/>
+              <a:ea typeface="+mn-ea"/>
+              <a:cs typeface="+mn-cs"/>
+            </a:endParaRPr>
           </a:p>
         </p:txBody>
       </p:sp>
@@ -3918,7 +4262,7 @@
     </p:spTree>
     <p:extLst>
       <p:ext uri="{BB962C8B-B14F-4D97-AF65-F5344CB8AC3E}">
-        <p14:creationId xmlns:p14="http://schemas.microsoft.com/office/powerpoint/2010/main" val="1554195"/>
+        <p14:creationId xmlns:p14="http://schemas.microsoft.com/office/powerpoint/2010/main" val="707643668"/>
       </p:ext>
     </p:extLst>
   </p:cSld>
@@ -4003,7 +4347,7 @@
     </p:spTree>
     <p:extLst>
       <p:ext uri="{BB962C8B-B14F-4D97-AF65-F5344CB8AC3E}">
-        <p14:creationId xmlns:p14="http://schemas.microsoft.com/office/powerpoint/2010/main" val="2425724269"/>
+        <p14:creationId xmlns:p14="http://schemas.microsoft.com/office/powerpoint/2010/main" val="1554195"/>
       </p:ext>
     </p:extLst>
   </p:cSld>
@@ -11150,42 +11494,6 @@
               </a:rPr>
               <a:t>Eventos</a:t>
             </a:r>
-            <a:r>
-              <a:rPr lang="en-US" spc="0" dirty="0" smtClean="0">
-                <a:ln w="0"/>
-                <a:solidFill>
-                  <a:schemeClr val="accent1"/>
-                </a:solidFill>
-                <a:effectLst>
-                  <a:outerShdw blurRad="38100" dist="25400" dir="5400000" algn="ctr" rotWithShape="0">
-                    <a:srgbClr val="6E747A">
-                      <a:alpha val="43000"/>
-                    </a:srgbClr>
-                  </a:outerShdw>
-                </a:effectLst>
-                <a:latin typeface="Segoe UI" panose="020B0502040204020203" pitchFamily="34" charset="0"/>
-                <a:cs typeface="Segoe UI" panose="020B0502040204020203" pitchFamily="34" charset="0"/>
-              </a:rPr>
-              <a:t> </a:t>
-            </a:r>
-            <a:r>
-              <a:rPr lang="en-US" spc="0" dirty="0" err="1" smtClean="0">
-                <a:ln w="0"/>
-                <a:solidFill>
-                  <a:schemeClr val="accent1"/>
-                </a:solidFill>
-                <a:effectLst>
-                  <a:outerShdw blurRad="38100" dist="25400" dir="5400000" algn="ctr" rotWithShape="0">
-                    <a:srgbClr val="6E747A">
-                      <a:alpha val="43000"/>
-                    </a:srgbClr>
-                  </a:outerShdw>
-                </a:effectLst>
-                <a:latin typeface="Segoe UI" panose="020B0502040204020203" pitchFamily="34" charset="0"/>
-                <a:cs typeface="Segoe UI" panose="020B0502040204020203" pitchFamily="34" charset="0"/>
-              </a:rPr>
-              <a:t>tecnológicos</a:t>
-            </a:r>
             <a:endParaRPr lang="en-US" spc="0" dirty="0">
               <a:ln w="0"/>
               <a:solidFill>
@@ -11855,43 +12163,7 @@
                 <a:latin typeface="Segoe UI" panose="020B0502040204020203" pitchFamily="34" charset="0"/>
                 <a:cs typeface="Segoe UI" panose="020B0502040204020203" pitchFamily="34" charset="0"/>
               </a:rPr>
-              <a:t>Mecanismos</a:t>
-            </a:r>
-            <a:r>
-              <a:rPr lang="en-US" spc="0" dirty="0" smtClean="0">
-                <a:ln w="0"/>
-                <a:solidFill>
-                  <a:schemeClr val="accent1"/>
-                </a:solidFill>
-                <a:effectLst>
-                  <a:outerShdw blurRad="38100" dist="25400" dir="5400000" algn="ctr" rotWithShape="0">
-                    <a:srgbClr val="6E747A">
-                      <a:alpha val="43000"/>
-                    </a:srgbClr>
-                  </a:outerShdw>
-                </a:effectLst>
-                <a:latin typeface="Segoe UI" panose="020B0502040204020203" pitchFamily="34" charset="0"/>
-                <a:cs typeface="Segoe UI" panose="020B0502040204020203" pitchFamily="34" charset="0"/>
-              </a:rPr>
-              <a:t> de </a:t>
-            </a:r>
-            <a:r>
-              <a:rPr lang="en-US" spc="0" dirty="0" err="1" smtClean="0">
-                <a:ln w="0"/>
-                <a:solidFill>
-                  <a:schemeClr val="accent1"/>
-                </a:solidFill>
-                <a:effectLst>
-                  <a:outerShdw blurRad="38100" dist="25400" dir="5400000" algn="ctr" rotWithShape="0">
-                    <a:srgbClr val="6E747A">
-                      <a:alpha val="43000"/>
-                    </a:srgbClr>
-                  </a:outerShdw>
-                </a:effectLst>
-                <a:latin typeface="Segoe UI" panose="020B0502040204020203" pitchFamily="34" charset="0"/>
-                <a:cs typeface="Segoe UI" panose="020B0502040204020203" pitchFamily="34" charset="0"/>
-              </a:rPr>
-              <a:t>defensa</a:t>
+              <a:t>Amenazas</a:t>
             </a:r>
             <a:endParaRPr lang="en-US" spc="0" dirty="0">
               <a:ln w="0"/>
@@ -11928,160 +12200,69 @@
           </a:bodyPr>
           <a:lstStyle/>
           <a:p>
+            <a:pPr lvl="0"/>
             <a:r>
               <a:rPr lang="es-AR" dirty="0" smtClean="0">
                 <a:latin typeface="Segoe UI" panose="020B0502040204020203" pitchFamily="34" charset="0"/>
                 <a:cs typeface="Segoe UI" panose="020B0502040204020203" pitchFamily="34" charset="0"/>
               </a:rPr>
-              <a:t>Registro de patentes</a:t>
-            </a:r>
-          </a:p>
-          <a:p>
+              <a:t>Usuarios y accesos no autorizados</a:t>
+            </a:r>
+            <a:endParaRPr lang="es-AR" dirty="0">
+              <a:latin typeface="Segoe UI" panose="020B0502040204020203" pitchFamily="34" charset="0"/>
+              <a:cs typeface="Segoe UI" panose="020B0502040204020203" pitchFamily="34" charset="0"/>
+            </a:endParaRPr>
+          </a:p>
+          <a:p>
+            <a:pPr lvl="0"/>
+            <a:r>
+              <a:rPr lang="es-AR" dirty="0" smtClean="0">
+                <a:latin typeface="Segoe UI" panose="020B0502040204020203" pitchFamily="34" charset="0"/>
+                <a:cs typeface="Segoe UI" panose="020B0502040204020203" pitchFamily="34" charset="0"/>
+              </a:rPr>
+              <a:t>Programas maliciosos que roban información</a:t>
+            </a:r>
+          </a:p>
+          <a:p>
+            <a:pPr lvl="0"/>
+            <a:r>
+              <a:rPr lang="es-AR" dirty="0" smtClean="0">
+                <a:latin typeface="Segoe UI" panose="020B0502040204020203" pitchFamily="34" charset="0"/>
+                <a:cs typeface="Segoe UI" panose="020B0502040204020203" pitchFamily="34" charset="0"/>
+              </a:rPr>
+              <a:t>Errores de programación</a:t>
+            </a:r>
+          </a:p>
+          <a:p>
+            <a:pPr lvl="0"/>
+            <a:r>
+              <a:rPr lang="es-AR" dirty="0" smtClean="0">
+                <a:latin typeface="Segoe UI" panose="020B0502040204020203" pitchFamily="34" charset="0"/>
+                <a:cs typeface="Segoe UI" panose="020B0502040204020203" pitchFamily="34" charset="0"/>
+              </a:rPr>
+              <a:t>Desastres no previstos, catástrofes naturales, fallos de hardware</a:t>
+            </a:r>
+          </a:p>
+          <a:p>
+            <a:pPr lvl="0"/>
+            <a:r>
+              <a:rPr lang="es-AR" dirty="0" smtClean="0">
+                <a:latin typeface="Segoe UI" panose="020B0502040204020203" pitchFamily="34" charset="0"/>
+                <a:cs typeface="Segoe UI" panose="020B0502040204020203" pitchFamily="34" charset="0"/>
+              </a:rPr>
+              <a:t>Robo de información</a:t>
+            </a:r>
             <a:endParaRPr lang="es-AR" dirty="0" smtClean="0">
               <a:latin typeface="Segoe UI" panose="020B0502040204020203" pitchFamily="34" charset="0"/>
               <a:cs typeface="Segoe UI" panose="020B0502040204020203" pitchFamily="34" charset="0"/>
             </a:endParaRPr>
           </a:p>
-          <a:p>
-            <a:endParaRPr lang="es-AR" dirty="0" smtClean="0">
-              <a:latin typeface="Segoe UI" panose="020B0502040204020203" pitchFamily="34" charset="0"/>
-              <a:cs typeface="Segoe UI" panose="020B0502040204020203" pitchFamily="34" charset="0"/>
-            </a:endParaRPr>
-          </a:p>
-          <a:p>
-            <a:r>
-              <a:rPr lang="es-AR" dirty="0" smtClean="0">
-                <a:latin typeface="Segoe UI" panose="020B0502040204020203" pitchFamily="34" charset="0"/>
-                <a:cs typeface="Segoe UI" panose="020B0502040204020203" pitchFamily="34" charset="0"/>
-              </a:rPr>
-              <a:t>Controles informáticos</a:t>
-            </a:r>
-          </a:p>
-          <a:p>
-            <a:pPr lvl="1"/>
-            <a:r>
-              <a:rPr lang="es-AR" sz="1800" dirty="0" smtClean="0">
-                <a:latin typeface="Segoe UI" panose="020B0502040204020203" pitchFamily="34" charset="0"/>
-                <a:cs typeface="Segoe UI" panose="020B0502040204020203" pitchFamily="34" charset="0"/>
-              </a:rPr>
-              <a:t>Software desarrollado siguiendo estándares de seguridad (criptografía)</a:t>
-            </a:r>
-          </a:p>
-          <a:p>
-            <a:pPr lvl="1"/>
-            <a:r>
-              <a:rPr lang="es-AR" sz="1800" dirty="0" smtClean="0">
-                <a:latin typeface="Segoe UI" panose="020B0502040204020203" pitchFamily="34" charset="0"/>
-                <a:cs typeface="Segoe UI" panose="020B0502040204020203" pitchFamily="34" charset="0"/>
-              </a:rPr>
-              <a:t>Controles físicos sobre el hardware</a:t>
-            </a:r>
-          </a:p>
-          <a:p>
-            <a:pPr lvl="1"/>
-            <a:r>
-              <a:rPr lang="es-AR" sz="1800" dirty="0" smtClean="0">
-                <a:latin typeface="Segoe UI" panose="020B0502040204020203" pitchFamily="34" charset="0"/>
-                <a:cs typeface="Segoe UI" panose="020B0502040204020203" pitchFamily="34" charset="0"/>
-              </a:rPr>
-              <a:t>Políticas de contraseñas y perfiles de usuario</a:t>
-            </a:r>
-          </a:p>
-          <a:p>
-            <a:pPr lvl="1"/>
-            <a:r>
-              <a:rPr lang="es-AR" sz="1800" dirty="0" smtClean="0">
-                <a:latin typeface="Segoe UI" panose="020B0502040204020203" pitchFamily="34" charset="0"/>
-                <a:cs typeface="Segoe UI" panose="020B0502040204020203" pitchFamily="34" charset="0"/>
-              </a:rPr>
-              <a:t>Monitoreo de tráfico en las redes</a:t>
-            </a:r>
-          </a:p>
-          <a:p>
-            <a:pPr lvl="1"/>
-            <a:r>
-              <a:rPr lang="es-AR" sz="1800" dirty="0" smtClean="0">
-                <a:latin typeface="Segoe UI" panose="020B0502040204020203" pitchFamily="34" charset="0"/>
-                <a:cs typeface="Segoe UI" panose="020B0502040204020203" pitchFamily="34" charset="0"/>
-              </a:rPr>
-              <a:t>Uso de software de protección</a:t>
-            </a:r>
-          </a:p>
-          <a:p>
-            <a:pPr lvl="1"/>
-            <a:r>
-              <a:rPr lang="es-AR" sz="1800" dirty="0" smtClean="0">
-                <a:latin typeface="Segoe UI" panose="020B0502040204020203" pitchFamily="34" charset="0"/>
-                <a:cs typeface="Segoe UI" panose="020B0502040204020203" pitchFamily="34" charset="0"/>
-              </a:rPr>
-              <a:t>Creación de </a:t>
-            </a:r>
-            <a:r>
-              <a:rPr lang="es-AR" sz="1800" i="1" dirty="0" err="1" smtClean="0">
-                <a:latin typeface="Segoe UI" panose="020B0502040204020203" pitchFamily="34" charset="0"/>
-                <a:cs typeface="Segoe UI" panose="020B0502040204020203" pitchFamily="34" charset="0"/>
-              </a:rPr>
-              <a:t>backups</a:t>
-            </a:r>
-            <a:r>
-              <a:rPr lang="es-AR" sz="1800" dirty="0" smtClean="0">
-                <a:latin typeface="Segoe UI" panose="020B0502040204020203" pitchFamily="34" charset="0"/>
-                <a:cs typeface="Segoe UI" panose="020B0502040204020203" pitchFamily="34" charset="0"/>
-              </a:rPr>
-              <a:t> periódicos</a:t>
-            </a:r>
-            <a:endParaRPr lang="en-US" sz="1800" dirty="0">
-              <a:latin typeface="Segoe UI" panose="020B0502040204020203" pitchFamily="34" charset="0"/>
-              <a:cs typeface="Segoe UI" panose="020B0502040204020203" pitchFamily="34" charset="0"/>
-            </a:endParaRPr>
-          </a:p>
-        </p:txBody>
-      </p:sp>
-      <p:pic>
-        <p:nvPicPr>
-          <p:cNvPr id="4" name="Picture 2" descr="C:\Users\MIPARN~1\AppData\Local\Temp\SNAGHTML5cb90bb7.PNG"/>
-          <p:cNvPicPr>
-            <a:picLocks noChangeAspect="1" noChangeArrowheads="1"/>
-          </p:cNvPicPr>
-          <p:nvPr/>
-        </p:nvPicPr>
-        <p:blipFill>
-          <a:blip r:embed="rId3" cstate="print">
-            <a:extLst>
-              <a:ext uri="{28A0092B-C50C-407E-A947-70E740481C1C}">
-                <a14:useLocalDpi xmlns:a14="http://schemas.microsoft.com/office/drawing/2010/main" val="0"/>
-              </a:ext>
-            </a:extLst>
-          </a:blip>
-          <a:srcRect/>
-          <a:stretch>
-            <a:fillRect/>
-          </a:stretch>
-        </p:blipFill>
-        <p:spPr bwMode="auto">
-          <a:xfrm>
-            <a:off x="5014292" y="1988840"/>
-            <a:ext cx="2376264" cy="1477007"/>
-          </a:xfrm>
-          <a:prstGeom prst="rect">
-            <a:avLst/>
-          </a:prstGeom>
-          <a:noFill/>
-          <a:extLst>
-            <a:ext uri="{909E8E84-426E-40DD-AFC4-6F175D3DCCD1}">
-              <a14:hiddenFill xmlns:a14="http://schemas.microsoft.com/office/drawing/2010/main">
-                <a:solidFill>
-                  <a:srgbClr val="FFFFFF"/>
-                </a:solidFill>
-              </a14:hiddenFill>
-            </a:ext>
-          </a:extLst>
-        </p:spPr>
-      </p:pic>
+        </p:txBody>
+      </p:sp>
     </p:spTree>
     <p:extLst>
       <p:ext uri="{BB962C8B-B14F-4D97-AF65-F5344CB8AC3E}">
-        <p14:creationId xmlns:p14="http://schemas.microsoft.com/office/powerpoint/2010/main" val="3356351472"/>
+        <p14:creationId xmlns:p14="http://schemas.microsoft.com/office/powerpoint/2010/main" val="965594786"/>
       </p:ext>
     </p:extLst>
   </p:cSld>
@@ -12139,9 +12320,7 @@
         </p:nvSpPr>
         <p:spPr/>
         <p:txBody>
-          <a:bodyPr>
-            <a:normAutofit/>
-          </a:bodyPr>
+          <a:bodyPr/>
           <a:lstStyle/>
           <a:p>
             <a:r>
@@ -12197,24 +12376,6 @@
                 <a:cs typeface="Segoe UI" panose="020B0502040204020203" pitchFamily="34" charset="0"/>
               </a:rPr>
               <a:t>defensa</a:t>
-            </a:r>
-            <a:r>
-              <a:rPr lang="en-US" spc="0" dirty="0" smtClean="0">
-                <a:ln w="0"/>
-                <a:solidFill>
-                  <a:schemeClr val="accent1"/>
-                </a:solidFill>
-                <a:effectLst>
-                  <a:outerShdw blurRad="38100" dist="25400" dir="5400000" algn="ctr" rotWithShape="0">
-                    <a:srgbClr val="6E747A">
-                      <a:alpha val="43000"/>
-                    </a:srgbClr>
-                  </a:outerShdw>
-                </a:effectLst>
-                <a:latin typeface="Segoe UI" panose="020B0502040204020203" pitchFamily="34" charset="0"/>
-                <a:cs typeface="Segoe UI" panose="020B0502040204020203" pitchFamily="34" charset="0"/>
-              </a:rPr>
-              <a:t> (cont.)</a:t>
             </a:r>
             <a:endParaRPr lang="en-US" spc="0" dirty="0">
               <a:ln w="0"/>
@@ -12252,19 +12413,24 @@
           <a:lstStyle/>
           <a:p>
             <a:r>
-              <a:rPr lang="es-AR" dirty="0">
-                <a:latin typeface="Segoe UI" panose="020B0502040204020203" pitchFamily="34" charset="0"/>
-                <a:cs typeface="Segoe UI" panose="020B0502040204020203" pitchFamily="34" charset="0"/>
-              </a:rPr>
-              <a:t>Auditoría de </a:t>
-            </a:r>
-            <a:r>
               <a:rPr lang="es-AR" dirty="0" smtClean="0">
                 <a:latin typeface="Segoe UI" panose="020B0502040204020203" pitchFamily="34" charset="0"/>
                 <a:cs typeface="Segoe UI" panose="020B0502040204020203" pitchFamily="34" charset="0"/>
               </a:rPr>
-              <a:t>operaciones</a:t>
-            </a:r>
+              <a:t>Registro de patentes</a:t>
+            </a:r>
+          </a:p>
+          <a:p>
+            <a:endParaRPr lang="es-AR" dirty="0" smtClean="0">
+              <a:latin typeface="Segoe UI" panose="020B0502040204020203" pitchFamily="34" charset="0"/>
+              <a:cs typeface="Segoe UI" panose="020B0502040204020203" pitchFamily="34" charset="0"/>
+            </a:endParaRPr>
+          </a:p>
+          <a:p>
+            <a:endParaRPr lang="es-AR" dirty="0" smtClean="0">
+              <a:latin typeface="Segoe UI" panose="020B0502040204020203" pitchFamily="34" charset="0"/>
+              <a:cs typeface="Segoe UI" panose="020B0502040204020203" pitchFamily="34" charset="0"/>
+            </a:endParaRPr>
           </a:p>
           <a:p>
             <a:r>
@@ -12272,7 +12438,7 @@
                 <a:latin typeface="Segoe UI" panose="020B0502040204020203" pitchFamily="34" charset="0"/>
                 <a:cs typeface="Segoe UI" panose="020B0502040204020203" pitchFamily="34" charset="0"/>
               </a:rPr>
-              <a:t>Normas de control</a:t>
+              <a:t>Controles informáticos</a:t>
             </a:r>
           </a:p>
           <a:p>
@@ -12282,37 +12448,82 @@
                 <a:latin typeface="Segoe UI" panose="020B0502040204020203" pitchFamily="34" charset="0"/>
                 <a:cs typeface="Segoe UI" panose="020B0502040204020203" pitchFamily="34" charset="0"/>
               </a:rPr>
-              <a:t>Normas ISO 2700, especialmente </a:t>
-            </a:r>
-            <a:r>
-              <a:rPr lang="es-AR" sz="1800" dirty="0">
-                <a:latin typeface="Segoe UI" panose="020B0502040204020203" pitchFamily="34" charset="0"/>
-                <a:cs typeface="Segoe UI" panose="020B0502040204020203" pitchFamily="34" charset="0"/>
-              </a:rPr>
-              <a:t>dedicada a seguridad de la </a:t>
-            </a:r>
+              <a:t>Software desarrollado siguiendo estándares de seguridad (criptografía)</a:t>
+            </a:r>
+          </a:p>
+          <a:p>
+            <a:pPr lvl="1"/>
             <a:r>
               <a:rPr lang="es-AR" sz="1800" dirty="0" smtClean="0">
                 <a:latin typeface="Segoe UI" panose="020B0502040204020203" pitchFamily="34" charset="0"/>
                 <a:cs typeface="Segoe UI" panose="020B0502040204020203" pitchFamily="34" charset="0"/>
               </a:rPr>
-              <a:t>información</a:t>
-            </a:r>
-          </a:p>
-          <a:p>
-            <a:r>
-              <a:rPr lang="es-AR" sz="2200" dirty="0" smtClean="0">
-                <a:latin typeface="Segoe UI" panose="020B0502040204020203" pitchFamily="34" charset="0"/>
-                <a:cs typeface="Segoe UI" panose="020B0502040204020203" pitchFamily="34" charset="0"/>
-              </a:rPr>
-              <a:t>Uso de nombres en clave para los proyectos tecnológicos</a:t>
-            </a:r>
+              <a:t>Controles físicos sobre el hardware</a:t>
+            </a:r>
+          </a:p>
+          <a:p>
+            <a:pPr lvl="1"/>
+            <a:r>
+              <a:rPr lang="es-AR" sz="1800" dirty="0" smtClean="0">
+                <a:latin typeface="Segoe UI" panose="020B0502040204020203" pitchFamily="34" charset="0"/>
+                <a:cs typeface="Segoe UI" panose="020B0502040204020203" pitchFamily="34" charset="0"/>
+              </a:rPr>
+              <a:t>Políticas de contraseñas y perfiles de usuario</a:t>
+            </a:r>
+          </a:p>
+          <a:p>
+            <a:pPr lvl="1"/>
+            <a:r>
+              <a:rPr lang="es-AR" sz="1800" dirty="0" smtClean="0">
+                <a:latin typeface="Segoe UI" panose="020B0502040204020203" pitchFamily="34" charset="0"/>
+                <a:cs typeface="Segoe UI" panose="020B0502040204020203" pitchFamily="34" charset="0"/>
+              </a:rPr>
+              <a:t>Monitoreo de tráfico en las redes</a:t>
+            </a:r>
+          </a:p>
+          <a:p>
+            <a:pPr lvl="1"/>
+            <a:r>
+              <a:rPr lang="es-AR" sz="1800" dirty="0" smtClean="0">
+                <a:latin typeface="Segoe UI" panose="020B0502040204020203" pitchFamily="34" charset="0"/>
+                <a:cs typeface="Segoe UI" panose="020B0502040204020203" pitchFamily="34" charset="0"/>
+              </a:rPr>
+              <a:t>Uso de software de protección</a:t>
+            </a:r>
+          </a:p>
+          <a:p>
+            <a:pPr lvl="1"/>
+            <a:r>
+              <a:rPr lang="es-AR" sz="1800" dirty="0" smtClean="0">
+                <a:latin typeface="Segoe UI" panose="020B0502040204020203" pitchFamily="34" charset="0"/>
+                <a:cs typeface="Segoe UI" panose="020B0502040204020203" pitchFamily="34" charset="0"/>
+              </a:rPr>
+              <a:t>Creación de </a:t>
+            </a:r>
+            <a:r>
+              <a:rPr lang="es-AR" sz="1800" i="1" dirty="0" err="1" smtClean="0">
+                <a:latin typeface="Segoe UI" panose="020B0502040204020203" pitchFamily="34" charset="0"/>
+                <a:cs typeface="Segoe UI" panose="020B0502040204020203" pitchFamily="34" charset="0"/>
+              </a:rPr>
+              <a:t>backups</a:t>
+            </a:r>
+            <a:r>
+              <a:rPr lang="es-AR" sz="1800" dirty="0" smtClean="0">
+                <a:latin typeface="Segoe UI" panose="020B0502040204020203" pitchFamily="34" charset="0"/>
+                <a:cs typeface="Segoe UI" panose="020B0502040204020203" pitchFamily="34" charset="0"/>
+              </a:rPr>
+              <a:t> periódicos</a:t>
+            </a:r>
+            <a:endParaRPr lang="en-US" sz="1800" dirty="0">
+              <a:latin typeface="Segoe UI" panose="020B0502040204020203" pitchFamily="34" charset="0"/>
+              <a:cs typeface="Segoe UI" panose="020B0502040204020203" pitchFamily="34" charset="0"/>
+            </a:endParaRPr>
           </a:p>
         </p:txBody>
       </p:sp>
       <p:pic>
         <p:nvPicPr>
-          <p:cNvPr id="3074" name="Picture 2" descr="http://www.whoa.com/wp-content/uploads/2014/05/ISO27001.png"/>
+          <p:cNvPr id="4" name="Picture 2" descr="C:\Users\MIPARN~1\AppData\Local\Temp\SNAGHTML5cb90bb7.PNG"/>
           <p:cNvPicPr>
             <a:picLocks noChangeAspect="1" noChangeArrowheads="1"/>
           </p:cNvPicPr>
@@ -12333,8 +12544,8 @@
         </p:blipFill>
         <p:spPr bwMode="auto">
           <a:xfrm>
-            <a:off x="2422004" y="3983194"/>
-            <a:ext cx="2204196" cy="2204196"/>
+            <a:off x="5014292" y="1988840"/>
+            <a:ext cx="2376264" cy="1477007"/>
           </a:xfrm>
           <a:prstGeom prst="rect">
             <a:avLst/>
@@ -12354,7 +12565,7 @@
     </p:spTree>
     <p:extLst>
       <p:ext uri="{BB962C8B-B14F-4D97-AF65-F5344CB8AC3E}">
-        <p14:creationId xmlns:p14="http://schemas.microsoft.com/office/powerpoint/2010/main" val="3374507202"/>
+        <p14:creationId xmlns:p14="http://schemas.microsoft.com/office/powerpoint/2010/main" val="3356351472"/>
       </p:ext>
     </p:extLst>
   </p:cSld>
@@ -12577,11 +12788,13 @@
         </p:nvSpPr>
         <p:spPr/>
         <p:txBody>
-          <a:bodyPr/>
+          <a:bodyPr>
+            <a:normAutofit/>
+          </a:bodyPr>
           <a:lstStyle/>
           <a:p>
             <a:r>
-              <a:rPr lang="es-AR" spc="0" dirty="0" smtClean="0">
+              <a:rPr lang="en-US" spc="0" dirty="0" err="1" smtClean="0">
                 <a:ln w="0"/>
                 <a:solidFill>
                   <a:schemeClr val="accent1"/>
@@ -12596,9 +12809,63 @@
                 <a:latin typeface="Segoe UI" panose="020B0502040204020203" pitchFamily="34" charset="0"/>
                 <a:cs typeface="Segoe UI" panose="020B0502040204020203" pitchFamily="34" charset="0"/>
               </a:rPr>
-              <a:t>Siglo XXI – Riesgos  (I)</a:t>
-            </a:r>
-            <a:endParaRPr lang="es-AR" spc="0" dirty="0">
+              <a:t>Mecanismos</a:t>
+            </a:r>
+            <a:r>
+              <a:rPr lang="en-US" spc="0" dirty="0" smtClean="0">
+                <a:ln w="0"/>
+                <a:solidFill>
+                  <a:schemeClr val="accent1"/>
+                </a:solidFill>
+                <a:effectLst>
+                  <a:outerShdw blurRad="38100" dist="25400" dir="5400000" algn="ctr" rotWithShape="0">
+                    <a:srgbClr val="6E747A">
+                      <a:alpha val="43000"/>
+                    </a:srgbClr>
+                  </a:outerShdw>
+                </a:effectLst>
+                <a:latin typeface="Segoe UI" panose="020B0502040204020203" pitchFamily="34" charset="0"/>
+                <a:cs typeface="Segoe UI" panose="020B0502040204020203" pitchFamily="34" charset="0"/>
+              </a:rPr>
+              <a:t> de </a:t>
+            </a:r>
+            <a:r>
+              <a:rPr lang="en-US" spc="0" dirty="0" err="1" smtClean="0">
+                <a:ln w="0"/>
+                <a:solidFill>
+                  <a:schemeClr val="accent1"/>
+                </a:solidFill>
+                <a:effectLst>
+                  <a:outerShdw blurRad="38100" dist="25400" dir="5400000" algn="ctr" rotWithShape="0">
+                    <a:srgbClr val="6E747A">
+                      <a:alpha val="43000"/>
+                    </a:srgbClr>
+                  </a:outerShdw>
+                </a:effectLst>
+                <a:latin typeface="Segoe UI" panose="020B0502040204020203" pitchFamily="34" charset="0"/>
+                <a:cs typeface="Segoe UI" panose="020B0502040204020203" pitchFamily="34" charset="0"/>
+              </a:rPr>
+              <a:t>defensa</a:t>
+            </a:r>
+            <a:r>
+              <a:rPr lang="en-US" spc="0" dirty="0" smtClean="0">
+                <a:ln w="0"/>
+                <a:solidFill>
+                  <a:schemeClr val="accent1"/>
+                </a:solidFill>
+                <a:effectLst>
+                  <a:outerShdw blurRad="38100" dist="25400" dir="5400000" algn="ctr" rotWithShape="0">
+                    <a:srgbClr val="6E747A">
+                      <a:alpha val="43000"/>
+                    </a:srgbClr>
+                  </a:outerShdw>
+                </a:effectLst>
+                <a:latin typeface="Segoe UI" panose="020B0502040204020203" pitchFamily="34" charset="0"/>
+                <a:cs typeface="Segoe UI" panose="020B0502040204020203" pitchFamily="34" charset="0"/>
+              </a:rPr>
+              <a:t> (cont.)</a:t>
+            </a:r>
+            <a:endParaRPr lang="en-US" spc="0" dirty="0">
               <a:ln w="0"/>
               <a:solidFill>
                 <a:schemeClr val="accent1"/>
@@ -12626,106 +12893,141 @@
             <p:ph idx="1"/>
           </p:nvPr>
         </p:nvSpPr>
-        <p:spPr>
-          <a:xfrm>
-            <a:off x="1522413" y="2276872"/>
-            <a:ext cx="9756575" cy="3742928"/>
-          </a:xfrm>
-        </p:spPr>
+        <p:spPr/>
         <p:txBody>
           <a:bodyPr>
-            <a:normAutofit lnSpcReduction="10000"/>
+            <a:noAutofit/>
           </a:bodyPr>
           <a:lstStyle/>
           <a:p>
-            <a:pPr>
-              <a:lnSpc>
-                <a:spcPct val="150000"/>
-              </a:lnSpc>
-            </a:pPr>
+            <a:r>
+              <a:rPr lang="es-AR" dirty="0">
+                <a:latin typeface="Segoe UI" panose="020B0502040204020203" pitchFamily="34" charset="0"/>
+                <a:cs typeface="Segoe UI" panose="020B0502040204020203" pitchFamily="34" charset="0"/>
+              </a:rPr>
+              <a:t>Auditoría de </a:t>
+            </a:r>
             <a:r>
               <a:rPr lang="es-AR" dirty="0" smtClean="0">
                 <a:latin typeface="Segoe UI" panose="020B0502040204020203" pitchFamily="34" charset="0"/>
                 <a:cs typeface="Segoe UI" panose="020B0502040204020203" pitchFamily="34" charset="0"/>
               </a:rPr>
-              <a:t>Personal deshonesto</a:t>
-            </a:r>
-          </a:p>
-          <a:p>
-            <a:pPr>
-              <a:lnSpc>
-                <a:spcPct val="150000"/>
-              </a:lnSpc>
-            </a:pPr>
+              <a:t>operaciones</a:t>
+            </a:r>
+          </a:p>
+          <a:p>
             <a:r>
               <a:rPr lang="es-AR" dirty="0" smtClean="0">
                 <a:latin typeface="Segoe UI" panose="020B0502040204020203" pitchFamily="34" charset="0"/>
                 <a:cs typeface="Segoe UI" panose="020B0502040204020203" pitchFamily="34" charset="0"/>
               </a:rPr>
-              <a:t>Robo, alteración y/o pérdida de información (políticas inapropiadas)</a:t>
-            </a:r>
-          </a:p>
-          <a:p>
-            <a:pPr>
-              <a:lnSpc>
-                <a:spcPct val="150000"/>
-              </a:lnSpc>
-            </a:pPr>
-            <a:r>
-              <a:rPr lang="es-AR" dirty="0" smtClean="0">
-                <a:latin typeface="Segoe UI" panose="020B0502040204020203" pitchFamily="34" charset="0"/>
-                <a:cs typeface="Segoe UI" panose="020B0502040204020203" pitchFamily="34" charset="0"/>
-              </a:rPr>
-              <a:t>Espionaje industrial</a:t>
-            </a:r>
-          </a:p>
-          <a:p>
-            <a:pPr>
-              <a:lnSpc>
-                <a:spcPct val="150000"/>
-              </a:lnSpc>
-            </a:pPr>
-            <a:r>
-              <a:rPr lang="es-AR" dirty="0" smtClean="0">
-                <a:latin typeface="Segoe UI" panose="020B0502040204020203" pitchFamily="34" charset="0"/>
-                <a:cs typeface="Segoe UI" panose="020B0502040204020203" pitchFamily="34" charset="0"/>
-              </a:rPr>
-              <a:t>Dependencia de los sistemas informáticos</a:t>
-            </a:r>
-          </a:p>
-          <a:p>
-            <a:pPr>
-              <a:lnSpc>
-                <a:spcPct val="150000"/>
-              </a:lnSpc>
-            </a:pPr>
-            <a:r>
-              <a:rPr lang="es-AR" dirty="0" smtClean="0">
-                <a:latin typeface="Segoe UI" panose="020B0502040204020203" pitchFamily="34" charset="0"/>
-                <a:cs typeface="Segoe UI" panose="020B0502040204020203" pitchFamily="34" charset="0"/>
-              </a:rPr>
-              <a:t>Necesidad de capacitación de operarios</a:t>
-            </a:r>
-          </a:p>
-        </p:txBody>
-      </p:sp>
+              <a:t>Normas de control</a:t>
+            </a:r>
+          </a:p>
+          <a:p>
+            <a:pPr lvl="1"/>
+            <a:r>
+              <a:rPr lang="es-AR" sz="1800" dirty="0" smtClean="0">
+                <a:latin typeface="Segoe UI" panose="020B0502040204020203" pitchFamily="34" charset="0"/>
+                <a:cs typeface="Segoe UI" panose="020B0502040204020203" pitchFamily="34" charset="0"/>
+              </a:rPr>
+              <a:t>Normas ISO 2700, especialmente </a:t>
+            </a:r>
+            <a:r>
+              <a:rPr lang="es-AR" sz="1800" dirty="0">
+                <a:latin typeface="Segoe UI" panose="020B0502040204020203" pitchFamily="34" charset="0"/>
+                <a:cs typeface="Segoe UI" panose="020B0502040204020203" pitchFamily="34" charset="0"/>
+              </a:rPr>
+              <a:t>dedicada a seguridad de la </a:t>
+            </a:r>
+            <a:r>
+              <a:rPr lang="es-AR" sz="1800" dirty="0" smtClean="0">
+                <a:latin typeface="Segoe UI" panose="020B0502040204020203" pitchFamily="34" charset="0"/>
+                <a:cs typeface="Segoe UI" panose="020B0502040204020203" pitchFamily="34" charset="0"/>
+              </a:rPr>
+              <a:t>información</a:t>
+            </a:r>
+          </a:p>
+          <a:p>
+            <a:r>
+              <a:rPr lang="es-AR" sz="2200" dirty="0" smtClean="0">
+                <a:latin typeface="Segoe UI" panose="020B0502040204020203" pitchFamily="34" charset="0"/>
+                <a:cs typeface="Segoe UI" panose="020B0502040204020203" pitchFamily="34" charset="0"/>
+              </a:rPr>
+              <a:t>Uso de nombres en clave para los </a:t>
+            </a:r>
+            <a:r>
+              <a:rPr lang="es-AR" sz="2200" dirty="0" smtClean="0">
+                <a:latin typeface="Segoe UI" panose="020B0502040204020203" pitchFamily="34" charset="0"/>
+                <a:cs typeface="Segoe UI" panose="020B0502040204020203" pitchFamily="34" charset="0"/>
+              </a:rPr>
+              <a:t>proyectos</a:t>
+            </a:r>
+            <a:endParaRPr lang="es-AR" sz="2200" dirty="0" smtClean="0">
+              <a:latin typeface="Segoe UI" panose="020B0502040204020203" pitchFamily="34" charset="0"/>
+              <a:cs typeface="Segoe UI" panose="020B0502040204020203" pitchFamily="34" charset="0"/>
+            </a:endParaRPr>
+          </a:p>
+        </p:txBody>
+      </p:sp>
+      <p:pic>
+        <p:nvPicPr>
+          <p:cNvPr id="3074" name="Picture 2" descr="http://www.whoa.com/wp-content/uploads/2014/05/ISO27001.png"/>
+          <p:cNvPicPr>
+            <a:picLocks noChangeAspect="1" noChangeArrowheads="1"/>
+          </p:cNvPicPr>
+          <p:nvPr/>
+        </p:nvPicPr>
+        <p:blipFill>
+          <a:blip r:embed="rId3" cstate="print">
+            <a:extLst>
+              <a:ext uri="{28A0092B-C50C-407E-A947-70E740481C1C}">
+                <a14:useLocalDpi xmlns:a14="http://schemas.microsoft.com/office/drawing/2010/main" val="0"/>
+              </a:ext>
+            </a:extLst>
+          </a:blip>
+          <a:srcRect/>
+          <a:stretch>
+            <a:fillRect/>
+          </a:stretch>
+        </p:blipFill>
+        <p:spPr bwMode="auto">
+          <a:xfrm>
+            <a:off x="2422004" y="3983194"/>
+            <a:ext cx="2204196" cy="2204196"/>
+          </a:xfrm>
+          <a:prstGeom prst="rect">
+            <a:avLst/>
+          </a:prstGeom>
+          <a:noFill/>
+          <a:extLst>
+            <a:ext uri="{909E8E84-426E-40DD-AFC4-6F175D3DCCD1}">
+              <a14:hiddenFill xmlns:a14="http://schemas.microsoft.com/office/drawing/2010/main">
+                <a:solidFill>
+                  <a:srgbClr val="FFFFFF"/>
+                </a:solidFill>
+              </a14:hiddenFill>
+            </a:ext>
+          </a:extLst>
+        </p:spPr>
+      </p:pic>
     </p:spTree>
     <p:extLst>
       <p:ext uri="{BB962C8B-B14F-4D97-AF65-F5344CB8AC3E}">
-        <p14:creationId xmlns:p14="http://schemas.microsoft.com/office/powerpoint/2010/main" val="2238024562"/>
+        <p14:creationId xmlns:p14="http://schemas.microsoft.com/office/powerpoint/2010/main" val="3374507202"/>
       </p:ext>
     </p:extLst>
   </p:cSld>
   <p:clrMapOvr>
     <a:masterClrMapping/>
   </p:clrMapOvr>
-  <mc:AlternateContent xmlns:mc="http://schemas.openxmlformats.org/markup-compatibility/2006">
-    <mc:Choice xmlns:p14="http://schemas.microsoft.com/office/powerpoint/2010/main" Requires="p14">
+  <mc:AlternateContent xmlns:mc="http://schemas.openxmlformats.org/markup-compatibility/2006" xmlns:p14="http://schemas.microsoft.com/office/powerpoint/2010/main">
+    <mc:Choice Requires="p14">
       <p:transition spd="med" p14:dur="700">
         <p:fade/>
       </p:transition>
     </mc:Choice>
-    <mc:Fallback>
+    <mc:Fallback xmlns="">
       <p:transition spd="med">
         <p:fade/>
       </p:transition>
@@ -12789,7 +13091,7 @@
                 <a:latin typeface="Segoe UI" panose="020B0502040204020203" pitchFamily="34" charset="0"/>
                 <a:cs typeface="Segoe UI" panose="020B0502040204020203" pitchFamily="34" charset="0"/>
               </a:rPr>
-              <a:t>Siglo XXI – Riesgos  (II)</a:t>
+              <a:t>Siglo XXI – Riesgos  (I)</a:t>
             </a:r>
             <a:endParaRPr lang="es-AR" spc="0" dirty="0">
               <a:ln w="0"/>
@@ -12821,13 +13123,13 @@
         </p:nvSpPr>
         <p:spPr>
           <a:xfrm>
-            <a:off x="1522413" y="2204864"/>
-            <a:ext cx="9134391" cy="3814936"/>
+            <a:off x="1522413" y="2276872"/>
+            <a:ext cx="9756575" cy="3742928"/>
           </a:xfrm>
         </p:spPr>
         <p:txBody>
           <a:bodyPr>
-            <a:normAutofit/>
+            <a:normAutofit lnSpcReduction="10000"/>
           </a:bodyPr>
           <a:lstStyle/>
           <a:p>
@@ -12841,7 +13143,7 @@
                 <a:latin typeface="Segoe UI" panose="020B0502040204020203" pitchFamily="34" charset="0"/>
                 <a:cs typeface="Segoe UI" panose="020B0502040204020203" pitchFamily="34" charset="0"/>
               </a:rPr>
-              <a:t>Mal administración de perfiles de usuarios y/o contraseñas</a:t>
+              <a:t>Personal deshonesto</a:t>
             </a:r>
           </a:p>
           <a:p>
@@ -12855,7 +13157,7 @@
                 <a:latin typeface="Segoe UI" panose="020B0502040204020203" pitchFamily="34" charset="0"/>
                 <a:cs typeface="Segoe UI" panose="020B0502040204020203" pitchFamily="34" charset="0"/>
               </a:rPr>
-              <a:t>Dependencia de empleados claves</a:t>
+              <a:t>Robo, alteración y/o pérdida de información (políticas inapropiadas)</a:t>
             </a:r>
           </a:p>
           <a:p>
@@ -12869,7 +13171,7 @@
                 <a:latin typeface="Segoe UI" panose="020B0502040204020203" pitchFamily="34" charset="0"/>
                 <a:cs typeface="Segoe UI" panose="020B0502040204020203" pitchFamily="34" charset="0"/>
               </a:rPr>
-              <a:t>Comodidad y confianza excesiva de sistemas</a:t>
+              <a:t>Espionaje industrial</a:t>
             </a:r>
           </a:p>
           <a:p>
@@ -12883,7 +13185,7 @@
                 <a:latin typeface="Segoe UI" panose="020B0502040204020203" pitchFamily="34" charset="0"/>
                 <a:cs typeface="Segoe UI" panose="020B0502040204020203" pitchFamily="34" charset="0"/>
               </a:rPr>
-              <a:t>Generación de información residual</a:t>
+              <a:t>Dependencia de los sistemas informáticos</a:t>
             </a:r>
           </a:p>
           <a:p>
@@ -12897,32 +13199,28 @@
                 <a:latin typeface="Segoe UI" panose="020B0502040204020203" pitchFamily="34" charset="0"/>
                 <a:cs typeface="Segoe UI" panose="020B0502040204020203" pitchFamily="34" charset="0"/>
               </a:rPr>
-              <a:t>Siniestro del soporte físico de la información</a:t>
-            </a:r>
-            <a:endParaRPr lang="es-AR" dirty="0">
-              <a:latin typeface="Segoe UI" panose="020B0502040204020203" pitchFamily="34" charset="0"/>
-              <a:cs typeface="Segoe UI" panose="020B0502040204020203" pitchFamily="34" charset="0"/>
-            </a:endParaRPr>
+              <a:t>Necesidad de capacitación de operarios</a:t>
+            </a:r>
           </a:p>
         </p:txBody>
       </p:sp>
     </p:spTree>
     <p:extLst>
       <p:ext uri="{BB962C8B-B14F-4D97-AF65-F5344CB8AC3E}">
-        <p14:creationId xmlns:p14="http://schemas.microsoft.com/office/powerpoint/2010/main" val="3874537101"/>
+        <p14:creationId xmlns:p14="http://schemas.microsoft.com/office/powerpoint/2010/main" val="2238024562"/>
       </p:ext>
     </p:extLst>
   </p:cSld>
   <p:clrMapOvr>
     <a:masterClrMapping/>
   </p:clrMapOvr>
-  <mc:AlternateContent xmlns:mc="http://schemas.openxmlformats.org/markup-compatibility/2006">
-    <mc:Choice xmlns:p14="http://schemas.microsoft.com/office/powerpoint/2010/main" Requires="p14">
+  <mc:AlternateContent xmlns:mc="http://schemas.openxmlformats.org/markup-compatibility/2006" xmlns:p14="http://schemas.microsoft.com/office/powerpoint/2010/main">
+    <mc:Choice Requires="p14">
       <p:transition spd="med" p14:dur="700">
         <p:fade/>
       </p:transition>
     </mc:Choice>
-    <mc:Fallback>
+    <mc:Fallback xmlns="">
       <p:transition spd="med">
         <p:fade/>
       </p:transition>
@@ -12986,7 +13284,7 @@
                 <a:latin typeface="Segoe UI" panose="020B0502040204020203" pitchFamily="34" charset="0"/>
                 <a:cs typeface="Segoe UI" panose="020B0502040204020203" pitchFamily="34" charset="0"/>
               </a:rPr>
-              <a:t>Siglo XXI – Casos reales  (I)</a:t>
+              <a:t>Siglo XXI – Riesgos  (II)</a:t>
             </a:r>
             <a:endParaRPr lang="es-AR" spc="0" dirty="0">
               <a:ln w="0"/>
@@ -13018,58 +13316,108 @@
         </p:nvSpPr>
         <p:spPr>
           <a:xfrm>
-            <a:off x="1522413" y="2276872"/>
-            <a:ext cx="9134391" cy="3742928"/>
+            <a:off x="1522413" y="2204864"/>
+            <a:ext cx="9134391" cy="3814936"/>
           </a:xfrm>
         </p:spPr>
         <p:txBody>
           <a:bodyPr>
-            <a:noAutofit/>
+            <a:normAutofit/>
           </a:bodyPr>
           <a:lstStyle/>
           <a:p>
-            <a:r>
-              <a:rPr lang="es-ES" dirty="0" smtClean="0">
-                <a:latin typeface="Segoe UI" panose="020B0502040204020203" pitchFamily="34" charset="0"/>
-                <a:cs typeface="Segoe UI" panose="020B0502040204020203" pitchFamily="34" charset="0"/>
-              </a:rPr>
-              <a:t>2001: espionaje industrial de la década: implicó a dos empresas rivales en bienes de consumo, “Unilever” y “Procter &amp; Gamble”.</a:t>
-            </a:r>
-          </a:p>
-          <a:p>
-            <a:endParaRPr lang="es-ES" dirty="0" smtClean="0">
+            <a:pPr>
+              <a:lnSpc>
+                <a:spcPct val="150000"/>
+              </a:lnSpc>
+            </a:pPr>
+            <a:r>
+              <a:rPr lang="es-AR" dirty="0" smtClean="0">
+                <a:latin typeface="Segoe UI" panose="020B0502040204020203" pitchFamily="34" charset="0"/>
+                <a:cs typeface="Segoe UI" panose="020B0502040204020203" pitchFamily="34" charset="0"/>
+              </a:rPr>
+              <a:t>Mal administración de perfiles de usuarios y/o contraseñas</a:t>
+            </a:r>
+          </a:p>
+          <a:p>
+            <a:pPr>
+              <a:lnSpc>
+                <a:spcPct val="150000"/>
+              </a:lnSpc>
+            </a:pPr>
+            <a:r>
+              <a:rPr lang="es-AR" dirty="0" smtClean="0">
+                <a:latin typeface="Segoe UI" panose="020B0502040204020203" pitchFamily="34" charset="0"/>
+                <a:cs typeface="Segoe UI" panose="020B0502040204020203" pitchFamily="34" charset="0"/>
+              </a:rPr>
+              <a:t>Dependencia de empleados claves</a:t>
+            </a:r>
+          </a:p>
+          <a:p>
+            <a:pPr>
+              <a:lnSpc>
+                <a:spcPct val="150000"/>
+              </a:lnSpc>
+            </a:pPr>
+            <a:r>
+              <a:rPr lang="es-AR" dirty="0" smtClean="0">
+                <a:latin typeface="Segoe UI" panose="020B0502040204020203" pitchFamily="34" charset="0"/>
+                <a:cs typeface="Segoe UI" panose="020B0502040204020203" pitchFamily="34" charset="0"/>
+              </a:rPr>
+              <a:t>Comodidad y confianza excesiva de sistemas</a:t>
+            </a:r>
+          </a:p>
+          <a:p>
+            <a:pPr>
+              <a:lnSpc>
+                <a:spcPct val="150000"/>
+              </a:lnSpc>
+            </a:pPr>
+            <a:r>
+              <a:rPr lang="es-AR" dirty="0" smtClean="0">
+                <a:latin typeface="Segoe UI" panose="020B0502040204020203" pitchFamily="34" charset="0"/>
+                <a:cs typeface="Segoe UI" panose="020B0502040204020203" pitchFamily="34" charset="0"/>
+              </a:rPr>
+              <a:t>Generación de información residual</a:t>
+            </a:r>
+          </a:p>
+          <a:p>
+            <a:pPr>
+              <a:lnSpc>
+                <a:spcPct val="150000"/>
+              </a:lnSpc>
+            </a:pPr>
+            <a:r>
+              <a:rPr lang="es-AR" dirty="0" smtClean="0">
+                <a:latin typeface="Segoe UI" panose="020B0502040204020203" pitchFamily="34" charset="0"/>
+                <a:cs typeface="Segoe UI" panose="020B0502040204020203" pitchFamily="34" charset="0"/>
+              </a:rPr>
+              <a:t>Siniestro del soporte físico de la información</a:t>
+            </a:r>
+            <a:endParaRPr lang="es-AR" dirty="0">
               <a:latin typeface="Segoe UI" panose="020B0502040204020203" pitchFamily="34" charset="0"/>
               <a:cs typeface="Segoe UI" panose="020B0502040204020203" pitchFamily="34" charset="0"/>
             </a:endParaRPr>
           </a:p>
-          <a:p>
-            <a:r>
-              <a:rPr lang="es-AR" dirty="0" smtClean="0">
-                <a:latin typeface="Segoe UI" panose="020B0502040204020203" pitchFamily="34" charset="0"/>
-                <a:cs typeface="Segoe UI" panose="020B0502040204020203" pitchFamily="34" charset="0"/>
-              </a:rPr>
-              <a:t>2002: Este caso muestra como el espionaje industrial puede convertirse en un problema de seguridad nacional. La compañía sueca Ericsson se vio envuelta por sorpresa en un incidente diplomático.</a:t>
-            </a:r>
-          </a:p>
         </p:txBody>
       </p:sp>
     </p:spTree>
     <p:extLst>
       <p:ext uri="{BB962C8B-B14F-4D97-AF65-F5344CB8AC3E}">
-        <p14:creationId xmlns:p14="http://schemas.microsoft.com/office/powerpoint/2010/main" val="1202384585"/>
+        <p14:creationId xmlns:p14="http://schemas.microsoft.com/office/powerpoint/2010/main" val="3874537101"/>
       </p:ext>
     </p:extLst>
   </p:cSld>
   <p:clrMapOvr>
     <a:masterClrMapping/>
   </p:clrMapOvr>
-  <mc:AlternateContent xmlns:mc="http://schemas.openxmlformats.org/markup-compatibility/2006">
-    <mc:Choice xmlns:p14="http://schemas.microsoft.com/office/powerpoint/2010/main" Requires="p14">
+  <mc:AlternateContent xmlns:mc="http://schemas.openxmlformats.org/markup-compatibility/2006" xmlns:p14="http://schemas.microsoft.com/office/powerpoint/2010/main">
+    <mc:Choice Requires="p14">
       <p:transition spd="med" p14:dur="700">
         <p:fade/>
       </p:transition>
     </mc:Choice>
-    <mc:Fallback>
+    <mc:Fallback xmlns="">
       <p:transition spd="med">
         <p:fade/>
       </p:transition>
@@ -13133,7 +13481,7 @@
                 <a:latin typeface="Segoe UI" panose="020B0502040204020203" pitchFamily="34" charset="0"/>
                 <a:cs typeface="Segoe UI" panose="020B0502040204020203" pitchFamily="34" charset="0"/>
               </a:rPr>
-              <a:t>Siglo XXI – Casos reales  (II)</a:t>
+              <a:t>Siglo XXI – Casos reales  (I)</a:t>
             </a:r>
             <a:endParaRPr lang="es-AR" spc="0" dirty="0">
               <a:ln w="0"/>
@@ -13176,85 +13524,15 @@
           <a:lstStyle/>
           <a:p>
             <a:r>
-              <a:rPr lang="es-AR" dirty="0" smtClean="0">
-                <a:latin typeface="Segoe UI" panose="020B0502040204020203" pitchFamily="34" charset="0"/>
-                <a:cs typeface="Segoe UI" panose="020B0502040204020203" pitchFamily="34" charset="0"/>
-              </a:rPr>
-              <a:t>2004: se descubrió el primer caso de violación a la ley HIPAA (</a:t>
-            </a:r>
-            <a:r>
-              <a:rPr lang="es-AR" dirty="0" err="1" smtClean="0">
-                <a:latin typeface="Segoe UI" panose="020B0502040204020203" pitchFamily="34" charset="0"/>
-                <a:cs typeface="Segoe UI" panose="020B0502040204020203" pitchFamily="34" charset="0"/>
-              </a:rPr>
-              <a:t>Health</a:t>
-            </a:r>
-            <a:r>
-              <a:rPr lang="es-AR" dirty="0" smtClean="0">
-                <a:latin typeface="Segoe UI" panose="020B0502040204020203" pitchFamily="34" charset="0"/>
-                <a:cs typeface="Segoe UI" panose="020B0502040204020203" pitchFamily="34" charset="0"/>
-              </a:rPr>
-              <a:t> </a:t>
-            </a:r>
-            <a:r>
-              <a:rPr lang="es-AR" dirty="0" err="1" smtClean="0">
-                <a:latin typeface="Segoe UI" panose="020B0502040204020203" pitchFamily="34" charset="0"/>
-                <a:cs typeface="Segoe UI" panose="020B0502040204020203" pitchFamily="34" charset="0"/>
-              </a:rPr>
-              <a:t>Insurance</a:t>
-            </a:r>
-            <a:r>
-              <a:rPr lang="es-AR" dirty="0" smtClean="0">
-                <a:latin typeface="Segoe UI" panose="020B0502040204020203" pitchFamily="34" charset="0"/>
-                <a:cs typeface="Segoe UI" panose="020B0502040204020203" pitchFamily="34" charset="0"/>
-              </a:rPr>
-              <a:t> </a:t>
-            </a:r>
-            <a:r>
-              <a:rPr lang="es-AR" dirty="0" err="1" smtClean="0">
-                <a:latin typeface="Segoe UI" panose="020B0502040204020203" pitchFamily="34" charset="0"/>
-                <a:cs typeface="Segoe UI" panose="020B0502040204020203" pitchFamily="34" charset="0"/>
-              </a:rPr>
-              <a:t>Portability</a:t>
-            </a:r>
-            <a:r>
-              <a:rPr lang="es-AR" dirty="0" smtClean="0">
-                <a:latin typeface="Segoe UI" panose="020B0502040204020203" pitchFamily="34" charset="0"/>
-                <a:cs typeface="Segoe UI" panose="020B0502040204020203" pitchFamily="34" charset="0"/>
-              </a:rPr>
-              <a:t> and </a:t>
-            </a:r>
-            <a:r>
-              <a:rPr lang="es-AR" dirty="0" err="1" smtClean="0">
-                <a:latin typeface="Segoe UI" panose="020B0502040204020203" pitchFamily="34" charset="0"/>
-                <a:cs typeface="Segoe UI" panose="020B0502040204020203" pitchFamily="34" charset="0"/>
-              </a:rPr>
-              <a:t>Accountability</a:t>
-            </a:r>
-            <a:r>
-              <a:rPr lang="es-AR" dirty="0" smtClean="0">
-                <a:latin typeface="Segoe UI" panose="020B0502040204020203" pitchFamily="34" charset="0"/>
-                <a:cs typeface="Segoe UI" panose="020B0502040204020203" pitchFamily="34" charset="0"/>
-              </a:rPr>
-              <a:t> </a:t>
-            </a:r>
-            <a:r>
-              <a:rPr lang="es-AR" dirty="0" err="1" smtClean="0">
-                <a:latin typeface="Segoe UI" panose="020B0502040204020203" pitchFamily="34" charset="0"/>
-                <a:cs typeface="Segoe UI" panose="020B0502040204020203" pitchFamily="34" charset="0"/>
-              </a:rPr>
-              <a:t>Act</a:t>
-            </a:r>
-            <a:r>
-              <a:rPr lang="es-AR" dirty="0" smtClean="0">
-                <a:latin typeface="Segoe UI" panose="020B0502040204020203" pitchFamily="34" charset="0"/>
-                <a:cs typeface="Segoe UI" panose="020B0502040204020203" pitchFamily="34" charset="0"/>
-              </a:rPr>
-              <a:t>), cuando un empleado de una asociación de enfermos de cáncer utilizó información de pacientes para obtener tarjetas de crédito.</a:t>
-            </a:r>
-          </a:p>
-          <a:p>
-            <a:endParaRPr lang="es-AR" dirty="0" smtClean="0">
+              <a:rPr lang="es-ES" dirty="0" smtClean="0">
+                <a:latin typeface="Segoe UI" panose="020B0502040204020203" pitchFamily="34" charset="0"/>
+                <a:cs typeface="Segoe UI" panose="020B0502040204020203" pitchFamily="34" charset="0"/>
+              </a:rPr>
+              <a:t>2001: espionaje industrial de la década: implicó a dos empresas rivales en bienes de consumo, “Unilever” y “Procter &amp; Gamble”.</a:t>
+            </a:r>
+          </a:p>
+          <a:p>
+            <a:endParaRPr lang="es-ES" dirty="0" smtClean="0">
               <a:latin typeface="Segoe UI" panose="020B0502040204020203" pitchFamily="34" charset="0"/>
               <a:cs typeface="Segoe UI" panose="020B0502040204020203" pitchFamily="34" charset="0"/>
             </a:endParaRPr>
@@ -13265,35 +13543,7 @@
                 <a:latin typeface="Segoe UI" panose="020B0502040204020203" pitchFamily="34" charset="0"/>
                 <a:cs typeface="Segoe UI" panose="020B0502040204020203" pitchFamily="34" charset="0"/>
               </a:rPr>
-              <a:t>2005: empleados de un hospital fueron descubiertos mientras obtenían información de la internación por maternidad de la cantante pop </a:t>
-            </a:r>
-            <a:r>
-              <a:rPr lang="es-AR" dirty="0" err="1" smtClean="0">
-                <a:latin typeface="Segoe UI" panose="020B0502040204020203" pitchFamily="34" charset="0"/>
-                <a:cs typeface="Segoe UI" panose="020B0502040204020203" pitchFamily="34" charset="0"/>
-              </a:rPr>
-              <a:t>Britney</a:t>
-            </a:r>
-            <a:r>
-              <a:rPr lang="es-AR" dirty="0" smtClean="0">
-                <a:latin typeface="Segoe UI" panose="020B0502040204020203" pitchFamily="34" charset="0"/>
-                <a:cs typeface="Segoe UI" panose="020B0502040204020203" pitchFamily="34" charset="0"/>
-              </a:rPr>
-              <a:t> </a:t>
-            </a:r>
-            <a:r>
-              <a:rPr lang="es-AR" dirty="0" err="1" smtClean="0">
-                <a:latin typeface="Segoe UI" panose="020B0502040204020203" pitchFamily="34" charset="0"/>
-                <a:cs typeface="Segoe UI" panose="020B0502040204020203" pitchFamily="34" charset="0"/>
-              </a:rPr>
-              <a:t>Spears</a:t>
-            </a:r>
-            <a:r>
-              <a:rPr lang="es-AR" dirty="0" smtClean="0">
-                <a:latin typeface="Segoe UI" panose="020B0502040204020203" pitchFamily="34" charset="0"/>
-                <a:cs typeface="Segoe UI" panose="020B0502040204020203" pitchFamily="34" charset="0"/>
-              </a:rPr>
-              <a:t>.</a:t>
+              <a:t>2002: Este caso muestra como el espionaje industrial puede convertirse en un problema de seguridad nacional. La compañía sueca Ericsson se vio envuelta por sorpresa en un incidente diplomático.</a:t>
             </a:r>
           </a:p>
         </p:txBody>
@@ -13301,20 +13551,20 @@
     </p:spTree>
     <p:extLst>
       <p:ext uri="{BB962C8B-B14F-4D97-AF65-F5344CB8AC3E}">
-        <p14:creationId xmlns:p14="http://schemas.microsoft.com/office/powerpoint/2010/main" val="701687324"/>
+        <p14:creationId xmlns:p14="http://schemas.microsoft.com/office/powerpoint/2010/main" val="1202384585"/>
       </p:ext>
     </p:extLst>
   </p:cSld>
   <p:clrMapOvr>
     <a:masterClrMapping/>
   </p:clrMapOvr>
-  <mc:AlternateContent xmlns:mc="http://schemas.openxmlformats.org/markup-compatibility/2006">
-    <mc:Choice xmlns:p14="http://schemas.microsoft.com/office/powerpoint/2010/main" Requires="p14">
+  <mc:AlternateContent xmlns:mc="http://schemas.openxmlformats.org/markup-compatibility/2006" xmlns:p14="http://schemas.microsoft.com/office/powerpoint/2010/main">
+    <mc:Choice Requires="p14">
       <p:transition spd="med" p14:dur="700">
         <p:fade/>
       </p:transition>
     </mc:Choice>
-    <mc:Fallback>
+    <mc:Fallback xmlns="">
       <p:transition spd="med">
         <p:fade/>
       </p:transition>
@@ -13378,7 +13628,7 @@
                 <a:latin typeface="Segoe UI" panose="020B0502040204020203" pitchFamily="34" charset="0"/>
                 <a:cs typeface="Segoe UI" panose="020B0502040204020203" pitchFamily="34" charset="0"/>
               </a:rPr>
-              <a:t>Siglo XXI – Casos reales  (III)</a:t>
+              <a:t>Siglo XXI – Casos reales  (II)</a:t>
             </a:r>
             <a:endParaRPr lang="es-AR" spc="0" dirty="0">
               <a:ln w="0"/>
@@ -13421,11 +13671,81 @@
           <a:lstStyle/>
           <a:p>
             <a:r>
-              <a:rPr lang="es-ES" dirty="0" smtClean="0">
-                <a:latin typeface="Segoe UI" panose="020B0502040204020203" pitchFamily="34" charset="0"/>
-                <a:cs typeface="Segoe UI" panose="020B0502040204020203" pitchFamily="34" charset="0"/>
-              </a:rPr>
-              <a:t>2005: se produjo la fuga de información confidencial sobre centrales nucleares en Japón, a través de Internet desde un ordenador infectado por un virus.</a:t>
+              <a:rPr lang="es-AR" dirty="0" smtClean="0">
+                <a:latin typeface="Segoe UI" panose="020B0502040204020203" pitchFamily="34" charset="0"/>
+                <a:cs typeface="Segoe UI" panose="020B0502040204020203" pitchFamily="34" charset="0"/>
+              </a:rPr>
+              <a:t>2004: se descubrió el primer caso de violación a la ley HIPAA (</a:t>
+            </a:r>
+            <a:r>
+              <a:rPr lang="es-AR" dirty="0" err="1" smtClean="0">
+                <a:latin typeface="Segoe UI" panose="020B0502040204020203" pitchFamily="34" charset="0"/>
+                <a:cs typeface="Segoe UI" panose="020B0502040204020203" pitchFamily="34" charset="0"/>
+              </a:rPr>
+              <a:t>Health</a:t>
+            </a:r>
+            <a:r>
+              <a:rPr lang="es-AR" dirty="0" smtClean="0">
+                <a:latin typeface="Segoe UI" panose="020B0502040204020203" pitchFamily="34" charset="0"/>
+                <a:cs typeface="Segoe UI" panose="020B0502040204020203" pitchFamily="34" charset="0"/>
+              </a:rPr>
+              <a:t> </a:t>
+            </a:r>
+            <a:r>
+              <a:rPr lang="es-AR" dirty="0" err="1" smtClean="0">
+                <a:latin typeface="Segoe UI" panose="020B0502040204020203" pitchFamily="34" charset="0"/>
+                <a:cs typeface="Segoe UI" panose="020B0502040204020203" pitchFamily="34" charset="0"/>
+              </a:rPr>
+              <a:t>Insurance</a:t>
+            </a:r>
+            <a:r>
+              <a:rPr lang="es-AR" dirty="0" smtClean="0">
+                <a:latin typeface="Segoe UI" panose="020B0502040204020203" pitchFamily="34" charset="0"/>
+                <a:cs typeface="Segoe UI" panose="020B0502040204020203" pitchFamily="34" charset="0"/>
+              </a:rPr>
+              <a:t> </a:t>
+            </a:r>
+            <a:r>
+              <a:rPr lang="es-AR" dirty="0" err="1" smtClean="0">
+                <a:latin typeface="Segoe UI" panose="020B0502040204020203" pitchFamily="34" charset="0"/>
+                <a:cs typeface="Segoe UI" panose="020B0502040204020203" pitchFamily="34" charset="0"/>
+              </a:rPr>
+              <a:t>Portability</a:t>
+            </a:r>
+            <a:r>
+              <a:rPr lang="es-AR" dirty="0" smtClean="0">
+                <a:latin typeface="Segoe UI" panose="020B0502040204020203" pitchFamily="34" charset="0"/>
+                <a:cs typeface="Segoe UI" panose="020B0502040204020203" pitchFamily="34" charset="0"/>
+              </a:rPr>
+              <a:t> and </a:t>
+            </a:r>
+            <a:r>
+              <a:rPr lang="es-AR" dirty="0" err="1" smtClean="0">
+                <a:latin typeface="Segoe UI" panose="020B0502040204020203" pitchFamily="34" charset="0"/>
+                <a:cs typeface="Segoe UI" panose="020B0502040204020203" pitchFamily="34" charset="0"/>
+              </a:rPr>
+              <a:t>Accountability</a:t>
+            </a:r>
+            <a:r>
+              <a:rPr lang="es-AR" dirty="0" smtClean="0">
+                <a:latin typeface="Segoe UI" panose="020B0502040204020203" pitchFamily="34" charset="0"/>
+                <a:cs typeface="Segoe UI" panose="020B0502040204020203" pitchFamily="34" charset="0"/>
+              </a:rPr>
+              <a:t> </a:t>
+            </a:r>
+            <a:r>
+              <a:rPr lang="es-AR" dirty="0" err="1" smtClean="0">
+                <a:latin typeface="Segoe UI" panose="020B0502040204020203" pitchFamily="34" charset="0"/>
+                <a:cs typeface="Segoe UI" panose="020B0502040204020203" pitchFamily="34" charset="0"/>
+              </a:rPr>
+              <a:t>Act</a:t>
+            </a:r>
+            <a:r>
+              <a:rPr lang="es-AR" dirty="0" smtClean="0">
+                <a:latin typeface="Segoe UI" panose="020B0502040204020203" pitchFamily="34" charset="0"/>
+                <a:cs typeface="Segoe UI" panose="020B0502040204020203" pitchFamily="34" charset="0"/>
+              </a:rPr>
+              <a:t>), cuando un empleado de una asociación de enfermos de cáncer utilizó información de pacientes para obtener tarjetas de crédito.</a:t>
             </a:r>
           </a:p>
           <a:p>
@@ -13440,48 +13760,56 @@
                 <a:latin typeface="Segoe UI" panose="020B0502040204020203" pitchFamily="34" charset="0"/>
                 <a:cs typeface="Segoe UI" panose="020B0502040204020203" pitchFamily="34" charset="0"/>
               </a:rPr>
-              <a:t>2007: el sitio global de búsquedas laborales </a:t>
+              <a:t>2005: empleados de un hospital fueron descubiertos mientras obtenían información de la internación por maternidad de la cantante pop </a:t>
             </a:r>
             <a:r>
               <a:rPr lang="es-AR" dirty="0" err="1" smtClean="0">
                 <a:latin typeface="Segoe UI" panose="020B0502040204020203" pitchFamily="34" charset="0"/>
                 <a:cs typeface="Segoe UI" panose="020B0502040204020203" pitchFamily="34" charset="0"/>
               </a:rPr>
-              <a:t>Monster</a:t>
+              <a:t>Britney</a:t>
             </a:r>
             <a:r>
               <a:rPr lang="es-AR" dirty="0" smtClean="0">
                 <a:latin typeface="Segoe UI" panose="020B0502040204020203" pitchFamily="34" charset="0"/>
                 <a:cs typeface="Segoe UI" panose="020B0502040204020203" pitchFamily="34" charset="0"/>
               </a:rPr>
-              <a:t> sufrió el robo de 1,6 millones de datos con información personal de los usuarios registrados. Los atacantes ingresaron a las bases de datos con contraseñas que habían sido obtenidas previamente mediante un troyano.</a:t>
-            </a:r>
-          </a:p>
-          <a:p>
-            <a:endParaRPr lang="es-ES" dirty="0" smtClean="0">
-              <a:latin typeface="Segoe UI" panose="020B0502040204020203" pitchFamily="34" charset="0"/>
-              <a:cs typeface="Segoe UI" panose="020B0502040204020203" pitchFamily="34" charset="0"/>
-            </a:endParaRPr>
+              <a:t> </a:t>
+            </a:r>
+            <a:r>
+              <a:rPr lang="es-AR" dirty="0" err="1" smtClean="0">
+                <a:latin typeface="Segoe UI" panose="020B0502040204020203" pitchFamily="34" charset="0"/>
+                <a:cs typeface="Segoe UI" panose="020B0502040204020203" pitchFamily="34" charset="0"/>
+              </a:rPr>
+              <a:t>Spears</a:t>
+            </a:r>
+            <a:r>
+              <a:rPr lang="es-AR" dirty="0" smtClean="0">
+                <a:latin typeface="Segoe UI" panose="020B0502040204020203" pitchFamily="34" charset="0"/>
+                <a:cs typeface="Segoe UI" panose="020B0502040204020203" pitchFamily="34" charset="0"/>
+              </a:rPr>
+              <a:t>.</a:t>
+            </a:r>
           </a:p>
         </p:txBody>
       </p:sp>
     </p:spTree>
     <p:extLst>
       <p:ext uri="{BB962C8B-B14F-4D97-AF65-F5344CB8AC3E}">
-        <p14:creationId xmlns:p14="http://schemas.microsoft.com/office/powerpoint/2010/main" val="1445017764"/>
+        <p14:creationId xmlns:p14="http://schemas.microsoft.com/office/powerpoint/2010/main" val="701687324"/>
       </p:ext>
     </p:extLst>
   </p:cSld>
   <p:clrMapOvr>
     <a:masterClrMapping/>
   </p:clrMapOvr>
-  <mc:AlternateContent xmlns:mc="http://schemas.openxmlformats.org/markup-compatibility/2006">
-    <mc:Choice xmlns:p14="http://schemas.microsoft.com/office/powerpoint/2010/main" Requires="p14">
+  <mc:AlternateContent xmlns:mc="http://schemas.openxmlformats.org/markup-compatibility/2006" xmlns:p14="http://schemas.microsoft.com/office/powerpoint/2010/main">
+    <mc:Choice Requires="p14">
       <p:transition spd="med" p14:dur="700">
         <p:fade/>
       </p:transition>
     </mc:Choice>
-    <mc:Fallback>
+    <mc:Fallback xmlns="">
       <p:transition spd="med">
         <p:fade/>
       </p:transition>
@@ -13545,7 +13873,7 @@
                 <a:latin typeface="Segoe UI" panose="020B0502040204020203" pitchFamily="34" charset="0"/>
                 <a:cs typeface="Segoe UI" panose="020B0502040204020203" pitchFamily="34" charset="0"/>
               </a:rPr>
-              <a:t>Siglo XXI – Casos reales  (IV)</a:t>
+              <a:t>Siglo XXI – Casos reales  (III)</a:t>
             </a:r>
             <a:endParaRPr lang="es-AR" spc="0" dirty="0">
               <a:ln w="0"/>
@@ -13588,25 +13916,11 @@
           <a:lstStyle/>
           <a:p>
             <a:r>
-              <a:rPr lang="es-AR" dirty="0" smtClean="0">
-                <a:latin typeface="Segoe UI" panose="020B0502040204020203" pitchFamily="34" charset="0"/>
-                <a:cs typeface="Segoe UI" panose="020B0502040204020203" pitchFamily="34" charset="0"/>
-              </a:rPr>
-              <a:t>2009: la red social </a:t>
-            </a:r>
-            <a:r>
-              <a:rPr lang="es-AR" dirty="0" err="1" smtClean="0">
-                <a:latin typeface="Segoe UI" panose="020B0502040204020203" pitchFamily="34" charset="0"/>
-                <a:cs typeface="Segoe UI" panose="020B0502040204020203" pitchFamily="34" charset="0"/>
-              </a:rPr>
-              <a:t>Tuenti</a:t>
-            </a:r>
-            <a:r>
-              <a:rPr lang="es-AR" dirty="0" smtClean="0">
-                <a:latin typeface="Segoe UI" panose="020B0502040204020203" pitchFamily="34" charset="0"/>
-                <a:cs typeface="Segoe UI" panose="020B0502040204020203" pitchFamily="34" charset="0"/>
-              </a:rPr>
-              <a:t> fue afectada por el robo de 4.000 cuentas de usuario y sus contraseñas, por parte de un atacante enojado con la empresa.</a:t>
+              <a:rPr lang="es-ES" dirty="0" smtClean="0">
+                <a:latin typeface="Segoe UI" panose="020B0502040204020203" pitchFamily="34" charset="0"/>
+                <a:cs typeface="Segoe UI" panose="020B0502040204020203" pitchFamily="34" charset="0"/>
+              </a:rPr>
+              <a:t>2005: se produjo la fuga de información confidencial sobre centrales nucleares en Japón, a través de Internet desde un ordenador infectado por un virus.</a:t>
             </a:r>
           </a:p>
           <a:p>
@@ -13621,61 +13935,48 @@
                 <a:latin typeface="Segoe UI" panose="020B0502040204020203" pitchFamily="34" charset="0"/>
                 <a:cs typeface="Segoe UI" panose="020B0502040204020203" pitchFamily="34" charset="0"/>
               </a:rPr>
-              <a:t>2010:  Google detectó que había sido víctima de un ataque desde China, que robó información de su propiedad intelectual.</a:t>
-            </a:r>
-          </a:p>
-          <a:p>
-            <a:endParaRPr lang="es-AR" dirty="0" smtClean="0">
+              <a:t>2007: el sitio global de búsquedas laborales </a:t>
+            </a:r>
+            <a:r>
+              <a:rPr lang="es-AR" dirty="0" err="1" smtClean="0">
+                <a:latin typeface="Segoe UI" panose="020B0502040204020203" pitchFamily="34" charset="0"/>
+                <a:cs typeface="Segoe UI" panose="020B0502040204020203" pitchFamily="34" charset="0"/>
+              </a:rPr>
+              <a:t>Monster</a:t>
+            </a:r>
+            <a:r>
+              <a:rPr lang="es-AR" dirty="0" smtClean="0">
+                <a:latin typeface="Segoe UI" panose="020B0502040204020203" pitchFamily="34" charset="0"/>
+                <a:cs typeface="Segoe UI" panose="020B0502040204020203" pitchFamily="34" charset="0"/>
+              </a:rPr>
+              <a:t> sufrió el robo de 1,6 millones de datos con información personal de los usuarios registrados. Los atacantes ingresaron a las bases de datos con contraseñas que habían sido obtenidas previamente mediante un troyano.</a:t>
+            </a:r>
+          </a:p>
+          <a:p>
+            <a:endParaRPr lang="es-ES" dirty="0" smtClean="0">
               <a:latin typeface="Segoe UI" panose="020B0502040204020203" pitchFamily="34" charset="0"/>
               <a:cs typeface="Segoe UI" panose="020B0502040204020203" pitchFamily="34" charset="0"/>
             </a:endParaRPr>
           </a:p>
-          <a:p>
-            <a:r>
-              <a:rPr lang="es-AR" dirty="0" smtClean="0">
-                <a:latin typeface="Segoe UI" panose="020B0502040204020203" pitchFamily="34" charset="0"/>
-                <a:cs typeface="Segoe UI" panose="020B0502040204020203" pitchFamily="34" charset="0"/>
-              </a:rPr>
-              <a:t>2014: Edward </a:t>
-            </a:r>
-            <a:r>
-              <a:rPr lang="es-AR" dirty="0" err="1" smtClean="0">
-                <a:latin typeface="Segoe UI" panose="020B0502040204020203" pitchFamily="34" charset="0"/>
-                <a:cs typeface="Segoe UI" panose="020B0502040204020203" pitchFamily="34" charset="0"/>
-              </a:rPr>
-              <a:t>Snowden</a:t>
-            </a:r>
-            <a:r>
-              <a:rPr lang="es-AR" dirty="0" smtClean="0">
-                <a:latin typeface="Segoe UI" panose="020B0502040204020203" pitchFamily="34" charset="0"/>
-                <a:cs typeface="Segoe UI" panose="020B0502040204020203" pitchFamily="34" charset="0"/>
-              </a:rPr>
-              <a:t> revela cómo la Casa Blanca y sus organismos espían las comunicaciones en Internet.</a:t>
-            </a:r>
-            <a:endParaRPr lang="es-AR" dirty="0">
-              <a:latin typeface="Segoe UI" panose="020B0502040204020203" pitchFamily="34" charset="0"/>
-              <a:cs typeface="Segoe UI" panose="020B0502040204020203" pitchFamily="34" charset="0"/>
-            </a:endParaRPr>
-          </a:p>
         </p:txBody>
       </p:sp>
     </p:spTree>
     <p:extLst>
       <p:ext uri="{BB962C8B-B14F-4D97-AF65-F5344CB8AC3E}">
-        <p14:creationId xmlns:p14="http://schemas.microsoft.com/office/powerpoint/2010/main" val="3810472897"/>
+        <p14:creationId xmlns:p14="http://schemas.microsoft.com/office/powerpoint/2010/main" val="1445017764"/>
       </p:ext>
     </p:extLst>
   </p:cSld>
   <p:clrMapOvr>
     <a:masterClrMapping/>
   </p:clrMapOvr>
-  <mc:AlternateContent xmlns:mc="http://schemas.openxmlformats.org/markup-compatibility/2006">
-    <mc:Choice xmlns:p14="http://schemas.microsoft.com/office/powerpoint/2010/main" Requires="p14">
+  <mc:AlternateContent xmlns:mc="http://schemas.openxmlformats.org/markup-compatibility/2006" xmlns:p14="http://schemas.microsoft.com/office/powerpoint/2010/main">
+    <mc:Choice Requires="p14">
       <p:transition spd="med" p14:dur="700">
         <p:fade/>
       </p:transition>
     </mc:Choice>
-    <mc:Fallback>
+    <mc:Fallback xmlns="">
       <p:transition spd="med">
         <p:fade/>
       </p:transition>
@@ -13710,7 +14011,7 @@
       </p:grpSpPr>
       <p:sp>
         <p:nvSpPr>
-          <p:cNvPr id="2" name="Title 1"/>
+          <p:cNvPr id="13" name="Title 12"/>
           <p:cNvSpPr>
             <a:spLocks noGrp="1"/>
           </p:cNvSpPr>
@@ -13724,11 +14025,127 @@
           <a:lstStyle/>
           <a:p>
             <a:r>
+              <a:rPr lang="es-AR" spc="0" dirty="0" smtClean="0">
+                <a:ln w="0"/>
+                <a:solidFill>
+                  <a:schemeClr val="accent1"/>
+                </a:solidFill>
+                <a:effectLst>
+                  <a:outerShdw blurRad="38100" dist="25400" dir="5400000" algn="ctr" rotWithShape="0">
+                    <a:srgbClr val="6E747A">
+                      <a:alpha val="43000"/>
+                    </a:srgbClr>
+                  </a:outerShdw>
+                </a:effectLst>
+                <a:latin typeface="Segoe UI" panose="020B0502040204020203" pitchFamily="34" charset="0"/>
+                <a:cs typeface="Segoe UI" panose="020B0502040204020203" pitchFamily="34" charset="0"/>
+              </a:rPr>
+              <a:t>Siglo XXI – Casos reales  (IV)</a:t>
+            </a:r>
+            <a:endParaRPr lang="es-AR" spc="0" dirty="0">
+              <a:ln w="0"/>
+              <a:solidFill>
+                <a:schemeClr val="accent1"/>
+              </a:solidFill>
+              <a:effectLst>
+                <a:outerShdw blurRad="38100" dist="25400" dir="5400000" algn="ctr" rotWithShape="0">
+                  <a:srgbClr val="6E747A">
+                    <a:alpha val="43000"/>
+                  </a:srgbClr>
+                </a:outerShdw>
+              </a:effectLst>
+              <a:latin typeface="Segoe UI" panose="020B0502040204020203" pitchFamily="34" charset="0"/>
+              <a:cs typeface="Segoe UI" panose="020B0502040204020203" pitchFamily="34" charset="0"/>
+            </a:endParaRPr>
+          </a:p>
+        </p:txBody>
+      </p:sp>
+      <p:sp>
+        <p:nvSpPr>
+          <p:cNvPr id="2" name="Content Placeholder 1"/>
+          <p:cNvSpPr>
+            <a:spLocks noGrp="1"/>
+          </p:cNvSpPr>
+          <p:nvPr>
+            <p:ph idx="1"/>
+          </p:nvPr>
+        </p:nvSpPr>
+        <p:spPr>
+          <a:xfrm>
+            <a:off x="1522413" y="2276872"/>
+            <a:ext cx="9134391" cy="3742928"/>
+          </a:xfrm>
+        </p:spPr>
+        <p:txBody>
+          <a:bodyPr>
+            <a:noAutofit/>
+          </a:bodyPr>
+          <a:lstStyle/>
+          <a:p>
+            <a:r>
               <a:rPr lang="es-AR" dirty="0" smtClean="0">
                 <a:latin typeface="Segoe UI" panose="020B0502040204020203" pitchFamily="34" charset="0"/>
                 <a:cs typeface="Segoe UI" panose="020B0502040204020203" pitchFamily="34" charset="0"/>
               </a:rPr>
-              <a:t>Conclusiones</a:t>
+              <a:t>2009: la red social </a:t>
+            </a:r>
+            <a:r>
+              <a:rPr lang="es-AR" dirty="0" err="1" smtClean="0">
+                <a:latin typeface="Segoe UI" panose="020B0502040204020203" pitchFamily="34" charset="0"/>
+                <a:cs typeface="Segoe UI" panose="020B0502040204020203" pitchFamily="34" charset="0"/>
+              </a:rPr>
+              <a:t>Tuenti</a:t>
+            </a:r>
+            <a:r>
+              <a:rPr lang="es-AR" dirty="0" smtClean="0">
+                <a:latin typeface="Segoe UI" panose="020B0502040204020203" pitchFamily="34" charset="0"/>
+                <a:cs typeface="Segoe UI" panose="020B0502040204020203" pitchFamily="34" charset="0"/>
+              </a:rPr>
+              <a:t> fue afectada por el robo de 4.000 cuentas de usuario y sus contraseñas, por parte de un atacante enojado con la empresa.</a:t>
+            </a:r>
+          </a:p>
+          <a:p>
+            <a:endParaRPr lang="es-AR" dirty="0" smtClean="0">
+              <a:latin typeface="Segoe UI" panose="020B0502040204020203" pitchFamily="34" charset="0"/>
+              <a:cs typeface="Segoe UI" panose="020B0502040204020203" pitchFamily="34" charset="0"/>
+            </a:endParaRPr>
+          </a:p>
+          <a:p>
+            <a:r>
+              <a:rPr lang="es-AR" dirty="0" smtClean="0">
+                <a:latin typeface="Segoe UI" panose="020B0502040204020203" pitchFamily="34" charset="0"/>
+                <a:cs typeface="Segoe UI" panose="020B0502040204020203" pitchFamily="34" charset="0"/>
+              </a:rPr>
+              <a:t>2010:  Google detectó que había sido víctima de un ataque desde China, que robó información de su propiedad intelectual.</a:t>
+            </a:r>
+          </a:p>
+          <a:p>
+            <a:endParaRPr lang="es-AR" dirty="0" smtClean="0">
+              <a:latin typeface="Segoe UI" panose="020B0502040204020203" pitchFamily="34" charset="0"/>
+              <a:cs typeface="Segoe UI" panose="020B0502040204020203" pitchFamily="34" charset="0"/>
+            </a:endParaRPr>
+          </a:p>
+          <a:p>
+            <a:r>
+              <a:rPr lang="es-AR" dirty="0" smtClean="0">
+                <a:latin typeface="Segoe UI" panose="020B0502040204020203" pitchFamily="34" charset="0"/>
+                <a:cs typeface="Segoe UI" panose="020B0502040204020203" pitchFamily="34" charset="0"/>
+              </a:rPr>
+              <a:t>2014: Edward </a:t>
+            </a:r>
+            <a:r>
+              <a:rPr lang="es-AR" dirty="0" err="1" smtClean="0">
+                <a:latin typeface="Segoe UI" panose="020B0502040204020203" pitchFamily="34" charset="0"/>
+                <a:cs typeface="Segoe UI" panose="020B0502040204020203" pitchFamily="34" charset="0"/>
+              </a:rPr>
+              <a:t>Snowden</a:t>
+            </a:r>
+            <a:r>
+              <a:rPr lang="es-AR" dirty="0" smtClean="0">
+                <a:latin typeface="Segoe UI" panose="020B0502040204020203" pitchFamily="34" charset="0"/>
+                <a:cs typeface="Segoe UI" panose="020B0502040204020203" pitchFamily="34" charset="0"/>
+              </a:rPr>
+              <a:t> revela cómo la Casa Blanca y sus organismos espían las comunicaciones en Internet.</a:t>
             </a:r>
             <a:endParaRPr lang="es-AR" dirty="0">
               <a:latin typeface="Segoe UI" panose="020B0502040204020203" pitchFamily="34" charset="0"/>
@@ -13740,7 +14157,7 @@
     </p:spTree>
     <p:extLst>
       <p:ext uri="{BB962C8B-B14F-4D97-AF65-F5344CB8AC3E}">
-        <p14:creationId xmlns:p14="http://schemas.microsoft.com/office/powerpoint/2010/main" val="1539601608"/>
+        <p14:creationId xmlns:p14="http://schemas.microsoft.com/office/powerpoint/2010/main" val="3810472897"/>
       </p:ext>
     </p:extLst>
   </p:cSld>
@@ -13802,101 +14219,12 @@
           <a:lstStyle/>
           <a:p>
             <a:r>
-              <a:rPr lang="es-AR" b="1" spc="0" dirty="0" smtClean="0">
-                <a:ln w="9525">
-                  <a:solidFill>
-                    <a:schemeClr val="bg1"/>
-                  </a:solidFill>
-                  <a:prstDash val="solid"/>
-                </a:ln>
-                <a:effectLst>
-                  <a:outerShdw blurRad="12700" dist="38100" dir="2700000" algn="tl" rotWithShape="0">
-                    <a:schemeClr val="bg1">
-                      <a:lumMod val="50000"/>
-                    </a:schemeClr>
-                  </a:outerShdw>
-                </a:effectLst>
+              <a:rPr lang="es-AR" dirty="0" smtClean="0">
                 <a:latin typeface="Segoe UI" panose="020B0502040204020203" pitchFamily="34" charset="0"/>
                 <a:cs typeface="Segoe UI" panose="020B0502040204020203" pitchFamily="34" charset="0"/>
               </a:rPr>
               <a:t>Conclusiones</a:t>
             </a:r>
-            <a:endParaRPr lang="es-AR" b="1" spc="0" dirty="0">
-              <a:ln w="9525">
-                <a:solidFill>
-                  <a:schemeClr val="bg1"/>
-                </a:solidFill>
-                <a:prstDash val="solid"/>
-              </a:ln>
-              <a:effectLst>
-                <a:outerShdw blurRad="12700" dist="38100" dir="2700000" algn="tl" rotWithShape="0">
-                  <a:schemeClr val="bg1">
-                    <a:lumMod val="50000"/>
-                  </a:schemeClr>
-                </a:outerShdw>
-              </a:effectLst>
-              <a:latin typeface="Segoe UI" panose="020B0502040204020203" pitchFamily="34" charset="0"/>
-              <a:cs typeface="Segoe UI" panose="020B0502040204020203" pitchFamily="34" charset="0"/>
-            </a:endParaRPr>
-          </a:p>
-        </p:txBody>
-      </p:sp>
-      <p:sp>
-        <p:nvSpPr>
-          <p:cNvPr id="3" name="Content Placeholder 2"/>
-          <p:cNvSpPr>
-            <a:spLocks noGrp="1"/>
-          </p:cNvSpPr>
-          <p:nvPr>
-            <p:ph idx="1"/>
-          </p:nvPr>
-        </p:nvSpPr>
-        <p:spPr/>
-        <p:txBody>
-          <a:bodyPr>
-            <a:normAutofit lnSpcReduction="10000"/>
-          </a:bodyPr>
-          <a:lstStyle/>
-          <a:p>
-            <a:pPr marL="342900" indent="-342900">
-              <a:lnSpc>
-                <a:spcPct val="150000"/>
-              </a:lnSpc>
-            </a:pPr>
-            <a:r>
-              <a:rPr lang="es-AR" dirty="0" smtClean="0">
-                <a:latin typeface="Segoe UI" panose="020B0502040204020203" pitchFamily="34" charset="0"/>
-                <a:cs typeface="Segoe UI" panose="020B0502040204020203" pitchFamily="34" charset="0"/>
-              </a:rPr>
-              <a:t>La amenaza más grande para las organizaciones probablemente no sean los ataques de terceros, ni los empleados maliciosos, sino los empleados descuidados que de forma inintencionada divulgan información sensible</a:t>
-            </a:r>
-          </a:p>
-          <a:p>
-            <a:pPr marL="342900" indent="-342900">
-              <a:lnSpc>
-                <a:spcPct val="150000"/>
-              </a:lnSpc>
-            </a:pPr>
-            <a:r>
-              <a:rPr lang="es-AR" dirty="0" smtClean="0">
-                <a:latin typeface="Segoe UI" panose="020B0502040204020203" pitchFamily="34" charset="0"/>
-                <a:cs typeface="Segoe UI" panose="020B0502040204020203" pitchFamily="34" charset="0"/>
-              </a:rPr>
-              <a:t>Una combinación de protección tecnológica, políticas y procedimientos actualizados, y educación de los usuarios deberían contribuir a paliar los efectos que causan estas fugas</a:t>
-            </a:r>
-          </a:p>
-          <a:p>
-            <a:pPr>
-              <a:lnSpc>
-                <a:spcPct val="150000"/>
-              </a:lnSpc>
-            </a:pPr>
-            <a:endParaRPr lang="es-AR" dirty="0" smtClean="0">
-              <a:latin typeface="Segoe UI" panose="020B0502040204020203" pitchFamily="34" charset="0"/>
-              <a:cs typeface="Segoe UI" panose="020B0502040204020203" pitchFamily="34" charset="0"/>
-            </a:endParaRPr>
-          </a:p>
-          <a:p>
             <a:endParaRPr lang="es-AR" dirty="0">
               <a:latin typeface="Segoe UI" panose="020B0502040204020203" pitchFamily="34" charset="0"/>
               <a:cs typeface="Segoe UI" panose="020B0502040204020203" pitchFamily="34" charset="0"/>
@@ -13907,7 +14235,7 @@
     </p:spTree>
     <p:extLst>
       <p:ext uri="{BB962C8B-B14F-4D97-AF65-F5344CB8AC3E}">
-        <p14:creationId xmlns:p14="http://schemas.microsoft.com/office/powerpoint/2010/main" val="3280227416"/>
+        <p14:creationId xmlns:p14="http://schemas.microsoft.com/office/powerpoint/2010/main" val="1539601608"/>
       </p:ext>
     </p:extLst>
   </p:cSld>
@@ -13986,7 +14314,7 @@
                 <a:latin typeface="Segoe UI" panose="020B0502040204020203" pitchFamily="34" charset="0"/>
                 <a:cs typeface="Segoe UI" panose="020B0502040204020203" pitchFamily="34" charset="0"/>
               </a:rPr>
-              <a:t>Conclusiones (cont.)</a:t>
+              <a:t>Conclusiones</a:t>
             </a:r>
             <a:endParaRPr lang="es-AR" b="1" spc="0" dirty="0">
               <a:ln w="9525">
@@ -14021,7 +14349,7 @@
         <p:spPr/>
         <p:txBody>
           <a:bodyPr>
-            <a:normAutofit fontScale="77500" lnSpcReduction="20000"/>
+            <a:normAutofit lnSpcReduction="10000"/>
           </a:bodyPr>
           <a:lstStyle/>
           <a:p>
@@ -14031,91 +14359,11 @@
               </a:lnSpc>
             </a:pPr>
             <a:r>
-              <a:rPr lang="es-AR" dirty="0">
-                <a:latin typeface="Segoe UI" panose="020B0502040204020203" pitchFamily="34" charset="0"/>
-                <a:cs typeface="Segoe UI" panose="020B0502040204020203" pitchFamily="34" charset="0"/>
-              </a:rPr>
-              <a:t>Procedimiento básico para desarrollar una estrategia de protección: </a:t>
-            </a:r>
-          </a:p>
-          <a:p>
-            <a:pPr marL="800100" lvl="1" indent="-342900">
-              <a:lnSpc>
-                <a:spcPct val="150000"/>
-              </a:lnSpc>
-              <a:buFont typeface="Wingdings" panose="05000000000000000000" pitchFamily="2" charset="2"/>
-              <a:buChar char="ü"/>
-            </a:pPr>
-            <a:r>
-              <a:rPr lang="es-AR" sz="2400" dirty="0">
-                <a:latin typeface="Segoe UI" panose="020B0502040204020203" pitchFamily="34" charset="0"/>
-                <a:cs typeface="Segoe UI" panose="020B0502040204020203" pitchFamily="34" charset="0"/>
-              </a:rPr>
-              <a:t>Clasificar la información a proteger</a:t>
-            </a:r>
-          </a:p>
-          <a:p>
-            <a:pPr marL="800100" lvl="1" indent="-342900">
-              <a:lnSpc>
-                <a:spcPct val="150000"/>
-              </a:lnSpc>
-              <a:buFont typeface="Wingdings" panose="05000000000000000000" pitchFamily="2" charset="2"/>
-              <a:buChar char="ü"/>
-            </a:pPr>
-            <a:r>
-              <a:rPr lang="es-AR" sz="2400" dirty="0">
-                <a:latin typeface="Segoe UI" panose="020B0502040204020203" pitchFamily="34" charset="0"/>
-                <a:cs typeface="Segoe UI" panose="020B0502040204020203" pitchFamily="34" charset="0"/>
-              </a:rPr>
-              <a:t>Entender los datos que se manejan </a:t>
-            </a:r>
-          </a:p>
-          <a:p>
-            <a:pPr marL="800100" lvl="1" indent="-342900">
-              <a:lnSpc>
-                <a:spcPct val="150000"/>
-              </a:lnSpc>
-              <a:buFont typeface="Wingdings" panose="05000000000000000000" pitchFamily="2" charset="2"/>
-              <a:buChar char="ü"/>
-            </a:pPr>
-            <a:r>
-              <a:rPr lang="es-AR" sz="2400" dirty="0">
-                <a:latin typeface="Segoe UI" panose="020B0502040204020203" pitchFamily="34" charset="0"/>
-                <a:cs typeface="Segoe UI" panose="020B0502040204020203" pitchFamily="34" charset="0"/>
-              </a:rPr>
-              <a:t>Establecer políticas sobre el manejo de la información</a:t>
-            </a:r>
-          </a:p>
-          <a:p>
-            <a:pPr marL="800100" lvl="1" indent="-342900">
-              <a:lnSpc>
-                <a:spcPct val="150000"/>
-              </a:lnSpc>
-              <a:buFont typeface="Wingdings" panose="05000000000000000000" pitchFamily="2" charset="2"/>
-              <a:buChar char="ü"/>
-            </a:pPr>
-            <a:r>
-              <a:rPr lang="es-AR" sz="2400" dirty="0">
-                <a:latin typeface="Segoe UI" panose="020B0502040204020203" pitchFamily="34" charset="0"/>
-                <a:cs typeface="Segoe UI" panose="020B0502040204020203" pitchFamily="34" charset="0"/>
-              </a:rPr>
-              <a:t>Capacitar al personal en las herramientas </a:t>
-            </a:r>
-          </a:p>
-          <a:p>
-            <a:pPr marL="800100" lvl="1" indent="-342900">
-              <a:lnSpc>
-                <a:spcPct val="150000"/>
-              </a:lnSpc>
-              <a:buFont typeface="Wingdings" panose="05000000000000000000" pitchFamily="2" charset="2"/>
-              <a:buChar char="ü"/>
-            </a:pPr>
-            <a:r>
-              <a:rPr lang="es-AR" sz="2400" dirty="0">
-                <a:latin typeface="Segoe UI" panose="020B0502040204020203" pitchFamily="34" charset="0"/>
-                <a:cs typeface="Segoe UI" panose="020B0502040204020203" pitchFamily="34" charset="0"/>
-              </a:rPr>
-              <a:t>Implementar seguridad a nivel físico</a:t>
+              <a:rPr lang="es-AR" dirty="0" smtClean="0">
+                <a:latin typeface="Segoe UI" panose="020B0502040204020203" pitchFamily="34" charset="0"/>
+                <a:cs typeface="Segoe UI" panose="020B0502040204020203" pitchFamily="34" charset="0"/>
+              </a:rPr>
+              <a:t>La amenaza más grande para las organizaciones probablemente no sean los ataques de terceros, ni los empleados maliciosos, sino los empleados descuidados que de forma inintencionada divulgan información sensible</a:t>
             </a:r>
           </a:p>
           <a:p>
@@ -14125,19 +14373,25 @@
               </a:lnSpc>
             </a:pPr>
             <a:r>
-              <a:rPr lang="es-AR" dirty="0">
-                <a:latin typeface="Segoe UI" panose="020B0502040204020203" pitchFamily="34" charset="0"/>
-                <a:cs typeface="Segoe UI" panose="020B0502040204020203" pitchFamily="34" charset="0"/>
-              </a:rPr>
-              <a:t>No debe olvidarse de ejecutar revisiones periódicas, para mantener las políticas actualizadas y en conformidad con los requisitos y las tendencias </a:t>
-            </a:r>
-            <a:r>
               <a:rPr lang="es-AR" dirty="0" smtClean="0">
                 <a:latin typeface="Segoe UI" panose="020B0502040204020203" pitchFamily="34" charset="0"/>
                 <a:cs typeface="Segoe UI" panose="020B0502040204020203" pitchFamily="34" charset="0"/>
               </a:rPr>
-              <a:t>tecnológicas </a:t>
-            </a:r>
+              <a:t>Una combinación de protección tecnológica, políticas y procedimientos actualizados, y educación de los usuarios deberían contribuir a paliar los efectos que causan estas fugas</a:t>
+            </a:r>
+          </a:p>
+          <a:p>
+            <a:pPr>
+              <a:lnSpc>
+                <a:spcPct val="150000"/>
+              </a:lnSpc>
+            </a:pPr>
+            <a:endParaRPr lang="es-AR" dirty="0" smtClean="0">
+              <a:latin typeface="Segoe UI" panose="020B0502040204020203" pitchFamily="34" charset="0"/>
+              <a:cs typeface="Segoe UI" panose="020B0502040204020203" pitchFamily="34" charset="0"/>
+            </a:endParaRPr>
+          </a:p>
+          <a:p>
             <a:endParaRPr lang="es-AR" dirty="0">
               <a:latin typeface="Segoe UI" panose="020B0502040204020203" pitchFamily="34" charset="0"/>
               <a:cs typeface="Segoe UI" panose="020B0502040204020203" pitchFamily="34" charset="0"/>
@@ -14148,7 +14402,7 @@
     </p:spTree>
     <p:extLst>
       <p:ext uri="{BB962C8B-B14F-4D97-AF65-F5344CB8AC3E}">
-        <p14:creationId xmlns:p14="http://schemas.microsoft.com/office/powerpoint/2010/main" val="3816537714"/>
+        <p14:creationId xmlns:p14="http://schemas.microsoft.com/office/powerpoint/2010/main" val="3280227416"/>
       </p:ext>
     </p:extLst>
   </p:cSld>
@@ -14262,92 +14516,134 @@
         <p:spPr/>
         <p:txBody>
           <a:bodyPr>
-            <a:normAutofit/>
+            <a:normAutofit fontScale="77500" lnSpcReduction="20000"/>
           </a:bodyPr>
           <a:lstStyle/>
           <a:p>
-            <a:pPr marL="342900" indent="-342900"/>
+            <a:pPr marL="342900" indent="-342900">
+              <a:lnSpc>
+                <a:spcPct val="150000"/>
+              </a:lnSpc>
+            </a:pPr>
             <a:r>
               <a:rPr lang="es-AR" dirty="0">
                 <a:latin typeface="Segoe UI" panose="020B0502040204020203" pitchFamily="34" charset="0"/>
                 <a:cs typeface="Segoe UI" panose="020B0502040204020203" pitchFamily="34" charset="0"/>
               </a:rPr>
-              <a:t>A pesar de que los ataques maliciosos son una minoría, no deberían ser </a:t>
+              <a:t>Procedimiento básico para desarrollar una estrategia de protección: </a:t>
+            </a:r>
+          </a:p>
+          <a:p>
+            <a:pPr marL="800100" lvl="1" indent="-342900">
+              <a:lnSpc>
+                <a:spcPct val="150000"/>
+              </a:lnSpc>
+              <a:buFont typeface="Wingdings" panose="05000000000000000000" pitchFamily="2" charset="2"/>
+              <a:buChar char="ü"/>
+            </a:pPr>
+            <a:r>
+              <a:rPr lang="es-AR" sz="2400" dirty="0">
+                <a:latin typeface="Segoe UI" panose="020B0502040204020203" pitchFamily="34" charset="0"/>
+                <a:cs typeface="Segoe UI" panose="020B0502040204020203" pitchFamily="34" charset="0"/>
+              </a:rPr>
+              <a:t>Clasificar la información a proteger</a:t>
+            </a:r>
+          </a:p>
+          <a:p>
+            <a:pPr marL="800100" lvl="1" indent="-342900">
+              <a:lnSpc>
+                <a:spcPct val="150000"/>
+              </a:lnSpc>
+              <a:buFont typeface="Wingdings" panose="05000000000000000000" pitchFamily="2" charset="2"/>
+              <a:buChar char="ü"/>
+            </a:pPr>
+            <a:r>
+              <a:rPr lang="es-AR" sz="2400" dirty="0">
+                <a:latin typeface="Segoe UI" panose="020B0502040204020203" pitchFamily="34" charset="0"/>
+                <a:cs typeface="Segoe UI" panose="020B0502040204020203" pitchFamily="34" charset="0"/>
+              </a:rPr>
+              <a:t>Entender los datos que se manejan </a:t>
+            </a:r>
+          </a:p>
+          <a:p>
+            <a:pPr marL="800100" lvl="1" indent="-342900">
+              <a:lnSpc>
+                <a:spcPct val="150000"/>
+              </a:lnSpc>
+              <a:buFont typeface="Wingdings" panose="05000000000000000000" pitchFamily="2" charset="2"/>
+              <a:buChar char="ü"/>
+            </a:pPr>
+            <a:r>
+              <a:rPr lang="es-AR" sz="2400" dirty="0">
+                <a:latin typeface="Segoe UI" panose="020B0502040204020203" pitchFamily="34" charset="0"/>
+                <a:cs typeface="Segoe UI" panose="020B0502040204020203" pitchFamily="34" charset="0"/>
+              </a:rPr>
+              <a:t>Establecer políticas sobre el manejo de la información</a:t>
+            </a:r>
+          </a:p>
+          <a:p>
+            <a:pPr marL="800100" lvl="1" indent="-342900">
+              <a:lnSpc>
+                <a:spcPct val="150000"/>
+              </a:lnSpc>
+              <a:buFont typeface="Wingdings" panose="05000000000000000000" pitchFamily="2" charset="2"/>
+              <a:buChar char="ü"/>
+            </a:pPr>
+            <a:r>
+              <a:rPr lang="es-AR" sz="2400" dirty="0">
+                <a:latin typeface="Segoe UI" panose="020B0502040204020203" pitchFamily="34" charset="0"/>
+                <a:cs typeface="Segoe UI" panose="020B0502040204020203" pitchFamily="34" charset="0"/>
+              </a:rPr>
+              <a:t>Capacitar al personal en las herramientas </a:t>
+            </a:r>
+          </a:p>
+          <a:p>
+            <a:pPr marL="800100" lvl="1" indent="-342900">
+              <a:lnSpc>
+                <a:spcPct val="150000"/>
+              </a:lnSpc>
+              <a:buFont typeface="Wingdings" panose="05000000000000000000" pitchFamily="2" charset="2"/>
+              <a:buChar char="ü"/>
+            </a:pPr>
+            <a:r>
+              <a:rPr lang="es-AR" sz="2400" dirty="0">
+                <a:latin typeface="Segoe UI" panose="020B0502040204020203" pitchFamily="34" charset="0"/>
+                <a:cs typeface="Segoe UI" panose="020B0502040204020203" pitchFamily="34" charset="0"/>
+              </a:rPr>
+              <a:t>Implementar seguridad a nivel físico</a:t>
+            </a:r>
+          </a:p>
+          <a:p>
+            <a:pPr marL="342900" indent="-342900">
+              <a:lnSpc>
+                <a:spcPct val="150000"/>
+              </a:lnSpc>
+            </a:pPr>
+            <a:r>
+              <a:rPr lang="es-AR" dirty="0">
+                <a:latin typeface="Segoe UI" panose="020B0502040204020203" pitchFamily="34" charset="0"/>
+                <a:cs typeface="Segoe UI" panose="020B0502040204020203" pitchFamily="34" charset="0"/>
+              </a:rPr>
+              <a:t>No debe olvidarse de ejecutar revisiones periódicas, para mantener las políticas actualizadas y en conformidad con los requisitos y las tendencias </a:t>
             </a:r>
             <a:r>
               <a:rPr lang="es-AR" dirty="0" smtClean="0">
                 <a:latin typeface="Segoe UI" panose="020B0502040204020203" pitchFamily="34" charset="0"/>
                 <a:cs typeface="Segoe UI" panose="020B0502040204020203" pitchFamily="34" charset="0"/>
               </a:rPr>
-              <a:t>ignorados</a:t>
+              <a:t>tecnológicas </a:t>
             </a:r>
             <a:endParaRPr lang="es-AR" dirty="0">
               <a:latin typeface="Segoe UI" panose="020B0502040204020203" pitchFamily="34" charset="0"/>
               <a:cs typeface="Segoe UI" panose="020B0502040204020203" pitchFamily="34" charset="0"/>
             </a:endParaRPr>
           </a:p>
-          <a:p>
-            <a:pPr marL="342900" indent="-342900"/>
-            <a:r>
-              <a:rPr lang="es-AR" dirty="0" smtClean="0">
-                <a:latin typeface="Segoe UI" panose="020B0502040204020203" pitchFamily="34" charset="0"/>
-                <a:cs typeface="Segoe UI" panose="020B0502040204020203" pitchFamily="34" charset="0"/>
-              </a:rPr>
-              <a:t>Existen </a:t>
-            </a:r>
-            <a:r>
-              <a:rPr lang="es-AR" dirty="0">
-                <a:latin typeface="Segoe UI" panose="020B0502040204020203" pitchFamily="34" charset="0"/>
-                <a:cs typeface="Segoe UI" panose="020B0502040204020203" pitchFamily="34" charset="0"/>
-              </a:rPr>
-              <a:t>múltiples vías de escape de información que deben ser </a:t>
-            </a:r>
-            <a:r>
-              <a:rPr lang="es-AR" dirty="0" smtClean="0">
-                <a:latin typeface="Segoe UI" panose="020B0502040204020203" pitchFamily="34" charset="0"/>
-                <a:cs typeface="Segoe UI" panose="020B0502040204020203" pitchFamily="34" charset="0"/>
-              </a:rPr>
-              <a:t>monitoreadas</a:t>
-            </a:r>
-            <a:endParaRPr lang="es-AR" dirty="0">
-              <a:latin typeface="Segoe UI" panose="020B0502040204020203" pitchFamily="34" charset="0"/>
-              <a:cs typeface="Segoe UI" panose="020B0502040204020203" pitchFamily="34" charset="0"/>
-            </a:endParaRPr>
-          </a:p>
-          <a:p>
-            <a:pPr marL="342900" indent="-342900"/>
-            <a:r>
-              <a:rPr lang="es-AR" dirty="0" smtClean="0">
-                <a:latin typeface="Segoe UI" panose="020B0502040204020203" pitchFamily="34" charset="0"/>
-                <a:cs typeface="Segoe UI" panose="020B0502040204020203" pitchFamily="34" charset="0"/>
-              </a:rPr>
-              <a:t>No </a:t>
-            </a:r>
-            <a:r>
-              <a:rPr lang="es-AR" dirty="0">
-                <a:latin typeface="Segoe UI" panose="020B0502040204020203" pitchFamily="34" charset="0"/>
-                <a:cs typeface="Segoe UI" panose="020B0502040204020203" pitchFamily="34" charset="0"/>
-              </a:rPr>
-              <a:t>existen soluciones que protejan los activos intangibles de forma 100% segura, se puede minimizar la probabilidad de que ocurran pérdidas mediante la aplicación de varios métodos </a:t>
-            </a:r>
-            <a:r>
-              <a:rPr lang="es-AR" dirty="0" smtClean="0">
-                <a:latin typeface="Segoe UI" panose="020B0502040204020203" pitchFamily="34" charset="0"/>
-                <a:cs typeface="Segoe UI" panose="020B0502040204020203" pitchFamily="34" charset="0"/>
-              </a:rPr>
-              <a:t>complementarios</a:t>
-            </a:r>
-            <a:endParaRPr lang="es-AR" dirty="0">
-              <a:latin typeface="Segoe UI" panose="020B0502040204020203" pitchFamily="34" charset="0"/>
-              <a:cs typeface="Segoe UI" panose="020B0502040204020203" pitchFamily="34" charset="0"/>
-            </a:endParaRPr>
-          </a:p>
         </p:txBody>
       </p:sp>
     </p:spTree>
     <p:extLst>
       <p:ext uri="{BB962C8B-B14F-4D97-AF65-F5344CB8AC3E}">
-        <p14:creationId xmlns:p14="http://schemas.microsoft.com/office/powerpoint/2010/main" val="2896967631"/>
+        <p14:creationId xmlns:p14="http://schemas.microsoft.com/office/powerpoint/2010/main" val="3816537714"/>
       </p:ext>
     </p:extLst>
   </p:cSld>
@@ -14667,6 +14963,205 @@
 </file>
 
 <file path=ppt/slides/slide40.xml><?xml version="1.0" encoding="utf-8"?>
+<p:sld xmlns:a="http://schemas.openxmlformats.org/drawingml/2006/main" xmlns:r="http://schemas.openxmlformats.org/officeDocument/2006/relationships" xmlns:p="http://schemas.openxmlformats.org/presentationml/2006/main">
+  <p:cSld>
+    <p:spTree>
+      <p:nvGrpSpPr>
+        <p:cNvPr id="1" name=""/>
+        <p:cNvGrpSpPr/>
+        <p:nvPr/>
+      </p:nvGrpSpPr>
+      <p:grpSpPr>
+        <a:xfrm>
+          <a:off x="0" y="0"/>
+          <a:ext cx="0" cy="0"/>
+          <a:chOff x="0" y="0"/>
+          <a:chExt cx="0" cy="0"/>
+        </a:xfrm>
+      </p:grpSpPr>
+      <p:sp>
+        <p:nvSpPr>
+          <p:cNvPr id="2" name="Title 1"/>
+          <p:cNvSpPr>
+            <a:spLocks noGrp="1"/>
+          </p:cNvSpPr>
+          <p:nvPr>
+            <p:ph type="title"/>
+          </p:nvPr>
+        </p:nvSpPr>
+        <p:spPr/>
+        <p:txBody>
+          <a:bodyPr/>
+          <a:lstStyle/>
+          <a:p>
+            <a:r>
+              <a:rPr lang="es-AR" b="1" spc="0" dirty="0" smtClean="0">
+                <a:ln w="9525">
+                  <a:solidFill>
+                    <a:schemeClr val="bg1"/>
+                  </a:solidFill>
+                  <a:prstDash val="solid"/>
+                </a:ln>
+                <a:effectLst>
+                  <a:outerShdw blurRad="12700" dist="38100" dir="2700000" algn="tl" rotWithShape="0">
+                    <a:schemeClr val="bg1">
+                      <a:lumMod val="50000"/>
+                    </a:schemeClr>
+                  </a:outerShdw>
+                </a:effectLst>
+                <a:latin typeface="Segoe UI" panose="020B0502040204020203" pitchFamily="34" charset="0"/>
+                <a:cs typeface="Segoe UI" panose="020B0502040204020203" pitchFamily="34" charset="0"/>
+              </a:rPr>
+              <a:t>Conclusiones (cont.)</a:t>
+            </a:r>
+            <a:endParaRPr lang="es-AR" b="1" spc="0" dirty="0">
+              <a:ln w="9525">
+                <a:solidFill>
+                  <a:schemeClr val="bg1"/>
+                </a:solidFill>
+                <a:prstDash val="solid"/>
+              </a:ln>
+              <a:effectLst>
+                <a:outerShdw blurRad="12700" dist="38100" dir="2700000" algn="tl" rotWithShape="0">
+                  <a:schemeClr val="bg1">
+                    <a:lumMod val="50000"/>
+                  </a:schemeClr>
+                </a:outerShdw>
+              </a:effectLst>
+              <a:latin typeface="Segoe UI" panose="020B0502040204020203" pitchFamily="34" charset="0"/>
+              <a:cs typeface="Segoe UI" panose="020B0502040204020203" pitchFamily="34" charset="0"/>
+            </a:endParaRPr>
+          </a:p>
+        </p:txBody>
+      </p:sp>
+      <p:sp>
+        <p:nvSpPr>
+          <p:cNvPr id="3" name="Content Placeholder 2"/>
+          <p:cNvSpPr>
+            <a:spLocks noGrp="1"/>
+          </p:cNvSpPr>
+          <p:nvPr>
+            <p:ph idx="1"/>
+          </p:nvPr>
+        </p:nvSpPr>
+        <p:spPr/>
+        <p:txBody>
+          <a:bodyPr>
+            <a:normAutofit/>
+          </a:bodyPr>
+          <a:lstStyle/>
+          <a:p>
+            <a:pPr marL="342900" indent="-342900"/>
+            <a:r>
+              <a:rPr lang="es-AR" dirty="0">
+                <a:latin typeface="Segoe UI" panose="020B0502040204020203" pitchFamily="34" charset="0"/>
+                <a:cs typeface="Segoe UI" panose="020B0502040204020203" pitchFamily="34" charset="0"/>
+              </a:rPr>
+              <a:t>A pesar de que los ataques maliciosos son una minoría, no deberían ser </a:t>
+            </a:r>
+            <a:r>
+              <a:rPr lang="es-AR" dirty="0" smtClean="0">
+                <a:latin typeface="Segoe UI" panose="020B0502040204020203" pitchFamily="34" charset="0"/>
+                <a:cs typeface="Segoe UI" panose="020B0502040204020203" pitchFamily="34" charset="0"/>
+              </a:rPr>
+              <a:t>ignorados</a:t>
+            </a:r>
+            <a:endParaRPr lang="es-AR" dirty="0">
+              <a:latin typeface="Segoe UI" panose="020B0502040204020203" pitchFamily="34" charset="0"/>
+              <a:cs typeface="Segoe UI" panose="020B0502040204020203" pitchFamily="34" charset="0"/>
+            </a:endParaRPr>
+          </a:p>
+          <a:p>
+            <a:pPr marL="342900" indent="-342900"/>
+            <a:r>
+              <a:rPr lang="es-AR" dirty="0" smtClean="0">
+                <a:latin typeface="Segoe UI" panose="020B0502040204020203" pitchFamily="34" charset="0"/>
+                <a:cs typeface="Segoe UI" panose="020B0502040204020203" pitchFamily="34" charset="0"/>
+              </a:rPr>
+              <a:t>Existen </a:t>
+            </a:r>
+            <a:r>
+              <a:rPr lang="es-AR" dirty="0">
+                <a:latin typeface="Segoe UI" panose="020B0502040204020203" pitchFamily="34" charset="0"/>
+                <a:cs typeface="Segoe UI" panose="020B0502040204020203" pitchFamily="34" charset="0"/>
+              </a:rPr>
+              <a:t>múltiples vías de escape de información que deben ser </a:t>
+            </a:r>
+            <a:r>
+              <a:rPr lang="es-AR" dirty="0" smtClean="0">
+                <a:latin typeface="Segoe UI" panose="020B0502040204020203" pitchFamily="34" charset="0"/>
+                <a:cs typeface="Segoe UI" panose="020B0502040204020203" pitchFamily="34" charset="0"/>
+              </a:rPr>
+              <a:t>monitoreadas</a:t>
+            </a:r>
+            <a:endParaRPr lang="es-AR" dirty="0">
+              <a:latin typeface="Segoe UI" panose="020B0502040204020203" pitchFamily="34" charset="0"/>
+              <a:cs typeface="Segoe UI" panose="020B0502040204020203" pitchFamily="34" charset="0"/>
+            </a:endParaRPr>
+          </a:p>
+          <a:p>
+            <a:pPr marL="342900" indent="-342900"/>
+            <a:r>
+              <a:rPr lang="es-AR" dirty="0" smtClean="0">
+                <a:latin typeface="Segoe UI" panose="020B0502040204020203" pitchFamily="34" charset="0"/>
+                <a:cs typeface="Segoe UI" panose="020B0502040204020203" pitchFamily="34" charset="0"/>
+              </a:rPr>
+              <a:t>No </a:t>
+            </a:r>
+            <a:r>
+              <a:rPr lang="es-AR" dirty="0">
+                <a:latin typeface="Segoe UI" panose="020B0502040204020203" pitchFamily="34" charset="0"/>
+                <a:cs typeface="Segoe UI" panose="020B0502040204020203" pitchFamily="34" charset="0"/>
+              </a:rPr>
+              <a:t>existen soluciones que protejan los activos intangibles de forma 100% segura, se puede minimizar la probabilidad de que ocurran pérdidas mediante la aplicación de varios métodos </a:t>
+            </a:r>
+            <a:r>
+              <a:rPr lang="es-AR" dirty="0" smtClean="0">
+                <a:latin typeface="Segoe UI" panose="020B0502040204020203" pitchFamily="34" charset="0"/>
+                <a:cs typeface="Segoe UI" panose="020B0502040204020203" pitchFamily="34" charset="0"/>
+              </a:rPr>
+              <a:t>complementarios</a:t>
+            </a:r>
+            <a:endParaRPr lang="es-AR" dirty="0">
+              <a:latin typeface="Segoe UI" panose="020B0502040204020203" pitchFamily="34" charset="0"/>
+              <a:cs typeface="Segoe UI" panose="020B0502040204020203" pitchFamily="34" charset="0"/>
+            </a:endParaRPr>
+          </a:p>
+        </p:txBody>
+      </p:sp>
+    </p:spTree>
+    <p:extLst>
+      <p:ext uri="{BB962C8B-B14F-4D97-AF65-F5344CB8AC3E}">
+        <p14:creationId xmlns:p14="http://schemas.microsoft.com/office/powerpoint/2010/main" val="2896967631"/>
+      </p:ext>
+    </p:extLst>
+  </p:cSld>
+  <p:clrMapOvr>
+    <a:masterClrMapping/>
+  </p:clrMapOvr>
+  <mc:AlternateContent xmlns:mc="http://schemas.openxmlformats.org/markup-compatibility/2006" xmlns:p14="http://schemas.microsoft.com/office/powerpoint/2010/main">
+    <mc:Choice Requires="p14">
+      <p:transition spd="med" p14:dur="700">
+        <p:fade/>
+      </p:transition>
+    </mc:Choice>
+    <mc:Fallback xmlns="">
+      <p:transition spd="med">
+        <p:fade/>
+      </p:transition>
+    </mc:Fallback>
+  </mc:AlternateContent>
+  <p:timing>
+    <p:tnLst>
+      <p:par>
+        <p:cTn id="1" dur="indefinite" restart="never" nodeType="tmRoot"/>
+      </p:par>
+    </p:tnLst>
+  </p:timing>
+</p:sld>
+</file>
+
+<file path=ppt/slides/slide41.xml><?xml version="1.0" encoding="utf-8"?>
 <p:sld xmlns:a="http://schemas.openxmlformats.org/drawingml/2006/main" xmlns:r="http://schemas.openxmlformats.org/officeDocument/2006/relationships" xmlns:p="http://schemas.openxmlformats.org/presentationml/2006/main">
   <p:cSld>
     <p:spTree>

--- a/Presentacion/Fuga de Información.pptx
+++ b/Presentacion/Fuga de Información.pptx
@@ -5,10 +5,10 @@
     <p:sldMasterId id="2147483648" r:id="rId2"/>
   </p:sldMasterIdLst>
   <p:notesMasterIdLst>
-    <p:notesMasterId r:id="rId43"/>
+    <p:notesMasterId r:id="rId44"/>
   </p:notesMasterIdLst>
   <p:handoutMasterIdLst>
-    <p:handoutMasterId r:id="rId44"/>
+    <p:handoutMasterId r:id="rId45"/>
   </p:handoutMasterIdLst>
   <p:sldIdLst>
     <p:sldId id="265" r:id="rId3"/>
@@ -50,12 +50,13 @@
     <p:sldId id="351" r:id="rId39"/>
     <p:sldId id="352" r:id="rId40"/>
     <p:sldId id="353" r:id="rId41"/>
-    <p:sldId id="319" r:id="rId42"/>
+    <p:sldId id="369" r:id="rId42"/>
+    <p:sldId id="319" r:id="rId43"/>
   </p:sldIdLst>
   <p:sldSz cx="12188825" cy="6858000"/>
   <p:notesSz cx="6858000" cy="9144000"/>
   <p:custDataLst>
-    <p:tags r:id="rId45"/>
+    <p:tags r:id="rId46"/>
   </p:custDataLst>
   <p:defaultTextStyle>
     <a:defPPr>
@@ -154,7 +155,7 @@
   </p:defaultTextStyle>
   <p:extLst>
     <p:ext uri="{EFAFB233-063F-42B5-8137-9DF3F51BA10A}">
-      <p15:sldGuideLst xmlns:p15="http://schemas.microsoft.com/office/powerpoint/2012/main" xmlns="">
+      <p15:sldGuideLst xmlns="" xmlns:p15="http://schemas.microsoft.com/office/powerpoint/2012/main">
         <p15:guide id="1" pos="3839" userDrawn="1">
           <p15:clr>
             <a:srgbClr val="A4A3A4"/>
@@ -168,7 +169,7 @@
       </p15:sldGuideLst>
     </p:ext>
     <p:ext uri="{2D200454-40CA-4A62-9FC3-DE9A4176ACB9}">
-      <p15:notesGuideLst xmlns:p15="http://schemas.microsoft.com/office/powerpoint/2012/main" xmlns=""/>
+      <p15:notesGuideLst xmlns="" xmlns:p15="http://schemas.microsoft.com/office/powerpoint/2012/main"/>
     </p:ext>
   </p:extLst>
 </p:presentation>
@@ -333,7 +334,7 @@
     </p:spTree>
     <p:extLst>
       <p:ext uri="{BB962C8B-B14F-4D97-AF65-F5344CB8AC3E}">
-        <p14:creationId xmlns:p14="http://schemas.microsoft.com/office/powerpoint/2010/main" xmlns="" val="3932065745"/>
+        <p14:creationId xmlns="" xmlns:p14="http://schemas.microsoft.com/office/powerpoint/2010/main" val="3932065745"/>
       </p:ext>
     </p:extLst>
   </p:cSld>
@@ -592,7 +593,7 @@
     </p:spTree>
     <p:extLst>
       <p:ext uri="{BB962C8B-B14F-4D97-AF65-F5344CB8AC3E}">
-        <p14:creationId xmlns:p14="http://schemas.microsoft.com/office/powerpoint/2010/main" xmlns="" val="4276579820"/>
+        <p14:creationId xmlns="" xmlns:p14="http://schemas.microsoft.com/office/powerpoint/2010/main" val="4276579820"/>
       </p:ext>
     </p:extLst>
   </p:cSld>
@@ -1087,7 +1088,7 @@
     </p:spTree>
     <p:extLst>
       <p:ext uri="{BB962C8B-B14F-4D97-AF65-F5344CB8AC3E}">
-        <p14:creationId xmlns:p14="http://schemas.microsoft.com/office/powerpoint/2010/main" xmlns="" val="246766428"/>
+        <p14:creationId xmlns="" xmlns:p14="http://schemas.microsoft.com/office/powerpoint/2010/main" val="246766428"/>
       </p:ext>
     </p:extLst>
   </p:cSld>
@@ -1172,7 +1173,7 @@
     </p:spTree>
     <p:extLst>
       <p:ext uri="{BB962C8B-B14F-4D97-AF65-F5344CB8AC3E}">
-        <p14:creationId xmlns:p14="http://schemas.microsoft.com/office/powerpoint/2010/main" xmlns="" val="127681626"/>
+        <p14:creationId xmlns="" xmlns:p14="http://schemas.microsoft.com/office/powerpoint/2010/main" val="127681626"/>
       </p:ext>
     </p:extLst>
   </p:cSld>
@@ -1257,7 +1258,7 @@
     </p:spTree>
     <p:extLst>
       <p:ext uri="{BB962C8B-B14F-4D97-AF65-F5344CB8AC3E}">
-        <p14:creationId xmlns:p14="http://schemas.microsoft.com/office/powerpoint/2010/main" xmlns="" val="127681626"/>
+        <p14:creationId xmlns="" xmlns:p14="http://schemas.microsoft.com/office/powerpoint/2010/main" val="127681626"/>
       </p:ext>
     </p:extLst>
   </p:cSld>
@@ -1342,7 +1343,7 @@
     </p:spTree>
     <p:extLst>
       <p:ext uri="{BB962C8B-B14F-4D97-AF65-F5344CB8AC3E}">
-        <p14:creationId xmlns:p14="http://schemas.microsoft.com/office/powerpoint/2010/main" xmlns="" val="127681626"/>
+        <p14:creationId xmlns="" xmlns:p14="http://schemas.microsoft.com/office/powerpoint/2010/main" val="127681626"/>
       </p:ext>
     </p:extLst>
   </p:cSld>
@@ -1427,7 +1428,7 @@
     </p:spTree>
     <p:extLst>
       <p:ext uri="{BB962C8B-B14F-4D97-AF65-F5344CB8AC3E}">
-        <p14:creationId xmlns:p14="http://schemas.microsoft.com/office/powerpoint/2010/main" xmlns="" val="127681626"/>
+        <p14:creationId xmlns="" xmlns:p14="http://schemas.microsoft.com/office/powerpoint/2010/main" val="127681626"/>
       </p:ext>
     </p:extLst>
   </p:cSld>
@@ -1512,7 +1513,7 @@
     </p:spTree>
     <p:extLst>
       <p:ext uri="{BB962C8B-B14F-4D97-AF65-F5344CB8AC3E}">
-        <p14:creationId xmlns:p14="http://schemas.microsoft.com/office/powerpoint/2010/main" xmlns="" val="2586394931"/>
+        <p14:creationId xmlns="" xmlns:p14="http://schemas.microsoft.com/office/powerpoint/2010/main" val="2586394931"/>
       </p:ext>
     </p:extLst>
   </p:cSld>
@@ -1597,7 +1598,7 @@
     </p:spTree>
     <p:extLst>
       <p:ext uri="{BB962C8B-B14F-4D97-AF65-F5344CB8AC3E}">
-        <p14:creationId xmlns:p14="http://schemas.microsoft.com/office/powerpoint/2010/main" xmlns="" val="1362585539"/>
+        <p14:creationId xmlns="" xmlns:p14="http://schemas.microsoft.com/office/powerpoint/2010/main" val="1362585539"/>
       </p:ext>
     </p:extLst>
   </p:cSld>
@@ -1983,7 +1984,7 @@
     </p:spTree>
     <p:extLst>
       <p:ext uri="{BB962C8B-B14F-4D97-AF65-F5344CB8AC3E}">
-        <p14:creationId xmlns:p14="http://schemas.microsoft.com/office/powerpoint/2010/main" xmlns="" val="3805029774"/>
+        <p14:creationId xmlns="" xmlns:p14="http://schemas.microsoft.com/office/powerpoint/2010/main" val="3805029774"/>
       </p:ext>
     </p:extLst>
   </p:cSld>
@@ -2068,7 +2069,7 @@
     </p:spTree>
     <p:extLst>
       <p:ext uri="{BB962C8B-B14F-4D97-AF65-F5344CB8AC3E}">
-        <p14:creationId xmlns:p14="http://schemas.microsoft.com/office/powerpoint/2010/main" xmlns="" val="655676726"/>
+        <p14:creationId xmlns="" xmlns:p14="http://schemas.microsoft.com/office/powerpoint/2010/main" val="655676726"/>
       </p:ext>
     </p:extLst>
   </p:cSld>
@@ -2605,7 +2606,7 @@
     </p:spTree>
     <p:extLst>
       <p:ext uri="{BB962C8B-B14F-4D97-AF65-F5344CB8AC3E}">
-        <p14:creationId xmlns:p14="http://schemas.microsoft.com/office/powerpoint/2010/main" xmlns="" val="2488318766"/>
+        <p14:creationId xmlns="" xmlns:p14="http://schemas.microsoft.com/office/powerpoint/2010/main" val="2488318766"/>
       </p:ext>
     </p:extLst>
   </p:cSld>
@@ -3151,7 +3152,7 @@
     </p:spTree>
     <p:extLst>
       <p:ext uri="{BB962C8B-B14F-4D97-AF65-F5344CB8AC3E}">
-        <p14:creationId xmlns:p14="http://schemas.microsoft.com/office/powerpoint/2010/main" xmlns="" val="707643668"/>
+        <p14:creationId xmlns="" xmlns:p14="http://schemas.microsoft.com/office/powerpoint/2010/main" val="707643668"/>
       </p:ext>
     </p:extLst>
   </p:cSld>
@@ -3236,7 +3237,7 @@
     </p:spTree>
     <p:extLst>
       <p:ext uri="{BB962C8B-B14F-4D97-AF65-F5344CB8AC3E}">
-        <p14:creationId xmlns:p14="http://schemas.microsoft.com/office/powerpoint/2010/main" xmlns="" val="1014212789"/>
+        <p14:creationId xmlns="" xmlns:p14="http://schemas.microsoft.com/office/powerpoint/2010/main" val="1014212789"/>
       </p:ext>
     </p:extLst>
   </p:cSld>
@@ -3321,7 +3322,7 @@
     </p:spTree>
     <p:extLst>
       <p:ext uri="{BB962C8B-B14F-4D97-AF65-F5344CB8AC3E}">
-        <p14:creationId xmlns:p14="http://schemas.microsoft.com/office/powerpoint/2010/main" xmlns="" val="1014212789"/>
+        <p14:creationId xmlns="" xmlns:p14="http://schemas.microsoft.com/office/powerpoint/2010/main" val="1014212789"/>
       </p:ext>
     </p:extLst>
   </p:cSld>
@@ -3528,7 +3529,7 @@
     </p:spTree>
     <p:extLst>
       <p:ext uri="{BB962C8B-B14F-4D97-AF65-F5344CB8AC3E}">
-        <p14:creationId xmlns:p14="http://schemas.microsoft.com/office/powerpoint/2010/main" xmlns="" val="94999051"/>
+        <p14:creationId xmlns="" xmlns:p14="http://schemas.microsoft.com/office/powerpoint/2010/main" val="94999051"/>
       </p:ext>
     </p:extLst>
   </p:cSld>
@@ -3536,7 +3537,7 @@
     <a:masterClrMapping/>
   </p:clrMapOvr>
   <mc:AlternateContent xmlns:mc="http://schemas.openxmlformats.org/markup-compatibility/2006">
-    <mc:Choice xmlns:p14="http://schemas.microsoft.com/office/powerpoint/2010/main" xmlns="" Requires="p14">
+    <mc:Choice xmlns="" xmlns:p14="http://schemas.microsoft.com/office/powerpoint/2010/main" Requires="p14">
       <p:transition spd="med" p14:dur="700">
         <p:fade/>
       </p:transition>
@@ -3719,7 +3720,7 @@
     </p:spTree>
     <p:extLst>
       <p:ext uri="{BB962C8B-B14F-4D97-AF65-F5344CB8AC3E}">
-        <p14:creationId xmlns:p14="http://schemas.microsoft.com/office/powerpoint/2010/main" xmlns="" val="460095310"/>
+        <p14:creationId xmlns="" xmlns:p14="http://schemas.microsoft.com/office/powerpoint/2010/main" val="460095310"/>
       </p:ext>
     </p:extLst>
   </p:cSld>
@@ -3727,7 +3728,7 @@
     <a:masterClrMapping/>
   </p:clrMapOvr>
   <mc:AlternateContent xmlns:mc="http://schemas.openxmlformats.org/markup-compatibility/2006">
-    <mc:Choice xmlns:p14="http://schemas.microsoft.com/office/powerpoint/2010/main" xmlns="" Requires="p14">
+    <mc:Choice xmlns="" xmlns:p14="http://schemas.microsoft.com/office/powerpoint/2010/main" Requires="p14">
       <p:transition spd="med" p14:dur="700">
         <p:fade/>
       </p:transition>
@@ -3920,7 +3921,7 @@
     </p:spTree>
     <p:extLst>
       <p:ext uri="{BB962C8B-B14F-4D97-AF65-F5344CB8AC3E}">
-        <p14:creationId xmlns:p14="http://schemas.microsoft.com/office/powerpoint/2010/main" xmlns="" val="4079035419"/>
+        <p14:creationId xmlns="" xmlns:p14="http://schemas.microsoft.com/office/powerpoint/2010/main" val="4079035419"/>
       </p:ext>
     </p:extLst>
   </p:cSld>
@@ -3928,7 +3929,7 @@
     <a:masterClrMapping/>
   </p:clrMapOvr>
   <mc:AlternateContent xmlns:mc="http://schemas.openxmlformats.org/markup-compatibility/2006">
-    <mc:Choice xmlns:p14="http://schemas.microsoft.com/office/powerpoint/2010/main" xmlns="" Requires="p14">
+    <mc:Choice xmlns="" xmlns:p14="http://schemas.microsoft.com/office/powerpoint/2010/main" Requires="p14">
       <p:transition spd="med" p14:dur="700">
         <p:fade/>
       </p:transition>
@@ -4118,7 +4119,7 @@
     </p:spTree>
     <p:extLst>
       <p:ext uri="{BB962C8B-B14F-4D97-AF65-F5344CB8AC3E}">
-        <p14:creationId xmlns:p14="http://schemas.microsoft.com/office/powerpoint/2010/main" xmlns="" val="2738254095"/>
+        <p14:creationId xmlns="" xmlns:p14="http://schemas.microsoft.com/office/powerpoint/2010/main" val="2738254095"/>
       </p:ext>
     </p:extLst>
   </p:cSld>
@@ -4126,7 +4127,7 @@
     <a:masterClrMapping/>
   </p:clrMapOvr>
   <mc:AlternateContent xmlns:mc="http://schemas.openxmlformats.org/markup-compatibility/2006">
-    <mc:Choice xmlns:p14="http://schemas.microsoft.com/office/powerpoint/2010/main" xmlns="" Requires="p14">
+    <mc:Choice xmlns="" xmlns:p14="http://schemas.microsoft.com/office/powerpoint/2010/main" Requires="p14">
       <p:transition spd="med" p14:dur="700">
         <p:fade/>
       </p:transition>
@@ -4407,7 +4408,7 @@
     </p:spTree>
     <p:extLst>
       <p:ext uri="{BB962C8B-B14F-4D97-AF65-F5344CB8AC3E}">
-        <p14:creationId xmlns:p14="http://schemas.microsoft.com/office/powerpoint/2010/main" xmlns="" val="1761813311"/>
+        <p14:creationId xmlns="" xmlns:p14="http://schemas.microsoft.com/office/powerpoint/2010/main" val="1761813311"/>
       </p:ext>
     </p:extLst>
   </p:cSld>
@@ -4415,7 +4416,7 @@
     <a:masterClrMapping/>
   </p:clrMapOvr>
   <mc:AlternateContent xmlns:mc="http://schemas.openxmlformats.org/markup-compatibility/2006">
-    <mc:Choice xmlns:p14="http://schemas.microsoft.com/office/powerpoint/2010/main" xmlns="" Requires="p14">
+    <mc:Choice xmlns="" xmlns:p14="http://schemas.microsoft.com/office/powerpoint/2010/main" Requires="p14">
       <p:transition spd="med" p14:dur="700">
         <p:fade/>
       </p:transition>
@@ -4720,7 +4721,7 @@
     </p:spTree>
     <p:extLst>
       <p:ext uri="{BB962C8B-B14F-4D97-AF65-F5344CB8AC3E}">
-        <p14:creationId xmlns:p14="http://schemas.microsoft.com/office/powerpoint/2010/main" xmlns="" val="2825340762"/>
+        <p14:creationId xmlns="" xmlns:p14="http://schemas.microsoft.com/office/powerpoint/2010/main" val="2825340762"/>
       </p:ext>
     </p:extLst>
   </p:cSld>
@@ -4728,7 +4729,7 @@
     <a:masterClrMapping/>
   </p:clrMapOvr>
   <mc:AlternateContent xmlns:mc="http://schemas.openxmlformats.org/markup-compatibility/2006">
-    <mc:Choice xmlns:p14="http://schemas.microsoft.com/office/powerpoint/2010/main" xmlns="" Requires="p14">
+    <mc:Choice xmlns="" xmlns:p14="http://schemas.microsoft.com/office/powerpoint/2010/main" Requires="p14">
       <p:transition spd="med" p14:dur="700">
         <p:fade/>
       </p:transition>
@@ -5185,7 +5186,7 @@
     </p:spTree>
     <p:extLst>
       <p:ext uri="{BB962C8B-B14F-4D97-AF65-F5344CB8AC3E}">
-        <p14:creationId xmlns:p14="http://schemas.microsoft.com/office/powerpoint/2010/main" xmlns="" val="4208419506"/>
+        <p14:creationId xmlns="" xmlns:p14="http://schemas.microsoft.com/office/powerpoint/2010/main" val="4208419506"/>
       </p:ext>
     </p:extLst>
   </p:cSld>
@@ -5193,7 +5194,7 @@
     <a:masterClrMapping/>
   </p:clrMapOvr>
   <mc:AlternateContent xmlns:mc="http://schemas.openxmlformats.org/markup-compatibility/2006">
-    <mc:Choice xmlns:p14="http://schemas.microsoft.com/office/powerpoint/2010/main" xmlns="" Requires="p14">
+    <mc:Choice xmlns="" xmlns:p14="http://schemas.microsoft.com/office/powerpoint/2010/main" Requires="p14">
       <p:transition spd="med" p14:dur="700">
         <p:fade/>
       </p:transition>
@@ -5324,7 +5325,7 @@
     </p:spTree>
     <p:extLst>
       <p:ext uri="{BB962C8B-B14F-4D97-AF65-F5344CB8AC3E}">
-        <p14:creationId xmlns:p14="http://schemas.microsoft.com/office/powerpoint/2010/main" xmlns="" val="1626631400"/>
+        <p14:creationId xmlns="" xmlns:p14="http://schemas.microsoft.com/office/powerpoint/2010/main" val="1626631400"/>
       </p:ext>
     </p:extLst>
   </p:cSld>
@@ -5332,7 +5333,7 @@
     <a:masterClrMapping/>
   </p:clrMapOvr>
   <mc:AlternateContent xmlns:mc="http://schemas.openxmlformats.org/markup-compatibility/2006">
-    <mc:Choice xmlns:p14="http://schemas.microsoft.com/office/powerpoint/2010/main" xmlns="" Requires="p14">
+    <mc:Choice xmlns="" xmlns:p14="http://schemas.microsoft.com/office/powerpoint/2010/main" Requires="p14">
       <p:transition spd="med" p14:dur="700">
         <p:fade/>
       </p:transition>
@@ -5448,7 +5449,7 @@
     </p:spTree>
     <p:extLst>
       <p:ext uri="{BB962C8B-B14F-4D97-AF65-F5344CB8AC3E}">
-        <p14:creationId xmlns:p14="http://schemas.microsoft.com/office/powerpoint/2010/main" xmlns="" val="3607540120"/>
+        <p14:creationId xmlns="" xmlns:p14="http://schemas.microsoft.com/office/powerpoint/2010/main" val="3607540120"/>
       </p:ext>
     </p:extLst>
   </p:cSld>
@@ -5456,7 +5457,7 @@
     <a:masterClrMapping/>
   </p:clrMapOvr>
   <mc:AlternateContent xmlns:mc="http://schemas.openxmlformats.org/markup-compatibility/2006">
-    <mc:Choice xmlns:p14="http://schemas.microsoft.com/office/powerpoint/2010/main" xmlns="" Requires="p14">
+    <mc:Choice xmlns="" xmlns:p14="http://schemas.microsoft.com/office/powerpoint/2010/main" Requires="p14">
       <p:transition spd="med" p14:dur="700">
         <p:fade/>
       </p:transition>
@@ -5779,7 +5780,7 @@
     </p:spTree>
     <p:extLst>
       <p:ext uri="{BB962C8B-B14F-4D97-AF65-F5344CB8AC3E}">
-        <p14:creationId xmlns:p14="http://schemas.microsoft.com/office/powerpoint/2010/main" xmlns="" val="2544981540"/>
+        <p14:creationId xmlns="" xmlns:p14="http://schemas.microsoft.com/office/powerpoint/2010/main" val="2544981540"/>
       </p:ext>
     </p:extLst>
   </p:cSld>
@@ -5787,7 +5788,7 @@
     <a:masterClrMapping/>
   </p:clrMapOvr>
   <mc:AlternateContent xmlns:mc="http://schemas.openxmlformats.org/markup-compatibility/2006">
-    <mc:Choice xmlns:p14="http://schemas.microsoft.com/office/powerpoint/2010/main" xmlns="" Requires="p14">
+    <mc:Choice xmlns="" xmlns:p14="http://schemas.microsoft.com/office/powerpoint/2010/main" Requires="p14">
       <p:transition spd="med" p14:dur="700">
         <p:fade/>
       </p:transition>
@@ -6099,7 +6100,7 @@
     </p:spTree>
     <p:extLst>
       <p:ext uri="{BB962C8B-B14F-4D97-AF65-F5344CB8AC3E}">
-        <p14:creationId xmlns:p14="http://schemas.microsoft.com/office/powerpoint/2010/main" xmlns="" val="2249172152"/>
+        <p14:creationId xmlns="" xmlns:p14="http://schemas.microsoft.com/office/powerpoint/2010/main" val="2249172152"/>
       </p:ext>
     </p:extLst>
   </p:cSld>
@@ -6107,7 +6108,7 @@
     <a:masterClrMapping/>
   </p:clrMapOvr>
   <mc:AlternateContent xmlns:mc="http://schemas.openxmlformats.org/markup-compatibility/2006">
-    <mc:Choice xmlns:p14="http://schemas.microsoft.com/office/powerpoint/2010/main" xmlns="" Requires="p14">
+    <mc:Choice xmlns="" xmlns:p14="http://schemas.microsoft.com/office/powerpoint/2010/main" Requires="p14">
       <p:transition spd="med" p14:dur="700">
         <p:fade/>
       </p:transition>
@@ -6378,7 +6379,7 @@
     </p:spTree>
     <p:extLst>
       <p:ext uri="{BB962C8B-B14F-4D97-AF65-F5344CB8AC3E}">
-        <p14:creationId xmlns:p14="http://schemas.microsoft.com/office/powerpoint/2010/main" xmlns="" val="1403059996"/>
+        <p14:creationId xmlns="" xmlns:p14="http://schemas.microsoft.com/office/powerpoint/2010/main" val="1403059996"/>
       </p:ext>
     </p:extLst>
   </p:cSld>
@@ -6397,7 +6398,7 @@
     <p:sldLayoutId id="2147483659" r:id="rId11"/>
   </p:sldLayoutIdLst>
   <mc:AlternateContent xmlns:mc="http://schemas.openxmlformats.org/markup-compatibility/2006">
-    <mc:Choice xmlns:p14="http://schemas.microsoft.com/office/powerpoint/2010/main" xmlns="" Requires="p14">
+    <mc:Choice xmlns="" xmlns:p14="http://schemas.microsoft.com/office/powerpoint/2010/main" Requires="p14">
       <p:transition spd="med" p14:dur="700">
         <p:fade/>
       </p:transition>
@@ -6717,7 +6718,7 @@
   </p:txStyles>
   <p:extLst mod="1">
     <p:ext uri="{27BBF7A9-308A-43DC-89C8-2F10F3537804}">
-      <p15:sldGuideLst xmlns:p15="http://schemas.microsoft.com/office/powerpoint/2012/main" xmlns="">
+      <p15:sldGuideLst xmlns="" xmlns:p15="http://schemas.microsoft.com/office/powerpoint/2012/main">
         <p15:guide id="1" pos="3839" userDrawn="1">
           <p15:clr>
             <a:srgbClr val="F26B43"/>
@@ -6761,7 +6762,12 @@
             <p:ph type="ctrTitle"/>
           </p:nvPr>
         </p:nvSpPr>
-        <p:spPr/>
+        <p:spPr>
+          <a:xfrm>
+            <a:off x="1053852" y="2564904"/>
+            <a:ext cx="8229600" cy="1727448"/>
+          </a:xfrm>
+        </p:spPr>
         <p:txBody>
           <a:bodyPr>
             <a:normAutofit/>
@@ -6769,13 +6775,20 @@
           <a:lstStyle/>
           <a:p>
             <a:r>
-              <a:rPr lang="es-AR" sz="6000" smtClean="0">
-                <a:latin typeface="Segoe UI" panose="020B0502040204020203" pitchFamily="34" charset="0"/>
-                <a:cs typeface="Segoe UI" panose="020B0502040204020203" pitchFamily="34" charset="0"/>
-              </a:rPr>
-              <a:t>Fuga de Información en los Siglos XIX y XXI</a:t>
-            </a:r>
-            <a:endParaRPr lang="es-AR" sz="6000">
+              <a:rPr lang="es-AR" sz="6000" dirty="0" smtClean="0">
+                <a:latin typeface="Segoe UI" panose="020B0502040204020203" pitchFamily="34" charset="0"/>
+                <a:cs typeface="Segoe UI" panose="020B0502040204020203" pitchFamily="34" charset="0"/>
+              </a:rPr>
+              <a:t>Fuga de Información </a:t>
+            </a:r>
+            <a:r>
+              <a:rPr lang="es-AR" sz="5400" dirty="0" smtClean="0">
+                <a:latin typeface="Segoe UI" panose="020B0502040204020203" pitchFamily="34" charset="0"/>
+                <a:cs typeface="Segoe UI" panose="020B0502040204020203" pitchFamily="34" charset="0"/>
+              </a:rPr>
+              <a:t>en los Siglos XIX y XXI</a:t>
+            </a:r>
+            <a:endParaRPr lang="es-AR" sz="5400" dirty="0">
               <a:latin typeface="Segoe UI" panose="020B0502040204020203" pitchFamily="34" charset="0"/>
               <a:cs typeface="Segoe UI" panose="020B0502040204020203" pitchFamily="34" charset="0"/>
             </a:endParaRPr>
@@ -6792,28 +6805,48 @@
             <p:ph type="subTitle" idx="1"/>
           </p:nvPr>
         </p:nvSpPr>
-        <p:spPr/>
+        <p:spPr>
+          <a:xfrm>
+            <a:off x="1065212" y="4800600"/>
+            <a:ext cx="9925743" cy="1219200"/>
+          </a:xfrm>
+        </p:spPr>
         <p:txBody>
           <a:bodyPr/>
           <a:lstStyle/>
           <a:p>
             <a:r>
-              <a:rPr lang="es-AR" smtClean="0">
-                <a:latin typeface="Segoe UI" panose="020B0502040204020203" pitchFamily="34" charset="0"/>
-                <a:cs typeface="Segoe UI" panose="020B0502040204020203" pitchFamily="34" charset="0"/>
-              </a:rPr>
-              <a:t>Fiuba – implantación de sistemas</a:t>
-            </a:r>
-          </a:p>
-          <a:p>
-            <a:r>
-              <a:rPr lang="es-AR" smtClean="0">
-                <a:latin typeface="Segoe UI" panose="020B0502040204020203" pitchFamily="34" charset="0"/>
-                <a:cs typeface="Segoe UI" panose="020B0502040204020203" pitchFamily="34" charset="0"/>
-              </a:rPr>
-              <a:t>Noviembre de 2014</a:t>
-            </a:r>
-            <a:endParaRPr lang="es-AR">
+              <a:rPr lang="es-AR" b="1" dirty="0" smtClean="0">
+                <a:solidFill>
+                  <a:schemeClr val="accent1">
+                    <a:lumMod val="75000"/>
+                  </a:schemeClr>
+                </a:solidFill>
+                <a:latin typeface="Segoe UI" panose="020B0502040204020203" pitchFamily="34" charset="0"/>
+                <a:cs typeface="Segoe UI" panose="020B0502040204020203" pitchFamily="34" charset="0"/>
+              </a:rPr>
+              <a:t>75.17 - Implantación de Sistemas</a:t>
+            </a:r>
+          </a:p>
+          <a:p>
+            <a:r>
+              <a:rPr lang="es-AR" b="1" dirty="0" smtClean="0">
+                <a:solidFill>
+                  <a:schemeClr val="accent1">
+                    <a:lumMod val="75000"/>
+                  </a:schemeClr>
+                </a:solidFill>
+                <a:latin typeface="Segoe UI" panose="020B0502040204020203" pitchFamily="34" charset="0"/>
+                <a:cs typeface="Segoe UI" panose="020B0502040204020203" pitchFamily="34" charset="0"/>
+              </a:rPr>
+              <a:t>75.56 - Organización de la Implantación y el Mantenimiento</a:t>
+            </a:r>
+            <a:endParaRPr lang="es-AR" b="1" dirty="0">
+              <a:solidFill>
+                <a:schemeClr val="accent1">
+                  <a:lumMod val="75000"/>
+                </a:schemeClr>
+              </a:solidFill>
               <a:latin typeface="Segoe UI" panose="020B0502040204020203" pitchFamily="34" charset="0"/>
               <a:cs typeface="Segoe UI" panose="020B0502040204020203" pitchFamily="34" charset="0"/>
             </a:endParaRPr>
@@ -6832,7 +6865,7 @@
           <a:blip r:embed="rId2" cstate="print">
             <a:extLst>
               <a:ext uri="{28A0092B-C50C-407E-A947-70E740481C1C}">
-                <a14:useLocalDpi xmlns:a14="http://schemas.microsoft.com/office/drawing/2010/main" xmlns="" val="0"/>
+                <a14:useLocalDpi xmlns="" xmlns:a14="http://schemas.microsoft.com/office/drawing/2010/main" val="0"/>
               </a:ext>
             </a:extLst>
           </a:blip>
@@ -6852,7 +6885,7 @@
           <a:noFill/>
           <a:extLst>
             <a:ext uri="{909E8E84-426E-40DD-AFC4-6F175D3DCCD1}">
-              <a14:hiddenFill xmlns:a14="http://schemas.microsoft.com/office/drawing/2010/main" xmlns="">
+              <a14:hiddenFill xmlns="" xmlns:a14="http://schemas.microsoft.com/office/drawing/2010/main">
                 <a:solidFill>
                   <a:srgbClr val="FFFFFF"/>
                 </a:solidFill>
@@ -6864,7 +6897,7 @@
     </p:spTree>
     <p:extLst>
       <p:ext uri="{BB962C8B-B14F-4D97-AF65-F5344CB8AC3E}">
-        <p14:creationId xmlns:p14="http://schemas.microsoft.com/office/powerpoint/2010/main" xmlns="" val="2808920126"/>
+        <p14:creationId xmlns="" xmlns:p14="http://schemas.microsoft.com/office/powerpoint/2010/main" val="2808920126"/>
       </p:ext>
     </p:extLst>
   </p:cSld>
@@ -6872,7 +6905,7 @@
     <a:masterClrMapping/>
   </p:clrMapOvr>
   <mc:AlternateContent xmlns:mc="http://schemas.openxmlformats.org/markup-compatibility/2006">
-    <mc:Choice xmlns:p14="http://schemas.microsoft.com/office/powerpoint/2010/main" xmlns="" Requires="p14">
+    <mc:Choice xmlns="" xmlns:p14="http://schemas.microsoft.com/office/powerpoint/2010/main" Requires="p14">
       <p:transition spd="med" p14:dur="700">
         <p:fade/>
       </p:transition>
@@ -6934,20 +6967,30 @@
           <a:p>
             <a:pPr algn="ctr"/>
             <a:r>
-              <a:rPr lang="es-AR" dirty="0">
+              <a:rPr lang="es-AR">
+                <a:solidFill>
+                  <a:schemeClr val="accent1"/>
+                </a:solidFill>
                 <a:latin typeface="Segoe UI" panose="020B0502040204020203" pitchFamily="34" charset="0"/>
                 <a:cs typeface="Segoe UI" panose="020B0502040204020203" pitchFamily="34" charset="0"/>
               </a:rPr>
               <a:t>Tipos de controles para mitigar </a:t>
             </a:r>
             <a:r>
-              <a:rPr lang="es-AR" dirty="0" smtClean="0">
+              <a:rPr lang="es-AR" smtClean="0">
+                <a:solidFill>
+                  <a:schemeClr val="accent1"/>
+                </a:solidFill>
                 <a:latin typeface="Segoe UI" panose="020B0502040204020203" pitchFamily="34" charset="0"/>
                 <a:cs typeface="Segoe UI" panose="020B0502040204020203" pitchFamily="34" charset="0"/>
               </a:rPr>
               <a:t>riesgos</a:t>
             </a:r>
-            <a:endParaRPr lang="es-AR" b="1" dirty="0"/>
+            <a:endParaRPr lang="es-AR" b="1">
+              <a:solidFill>
+                <a:schemeClr val="accent1"/>
+              </a:solidFill>
+            </a:endParaRPr>
           </a:p>
         </p:txBody>
       </p:sp>
@@ -7115,7 +7158,7 @@
     </p:spTree>
     <p:extLst>
       <p:ext uri="{BB962C8B-B14F-4D97-AF65-F5344CB8AC3E}">
-        <p14:creationId xmlns:p14="http://schemas.microsoft.com/office/powerpoint/2010/main" xmlns="" val="4207303638"/>
+        <p14:creationId xmlns="" xmlns:p14="http://schemas.microsoft.com/office/powerpoint/2010/main" val="4207303638"/>
       </p:ext>
     </p:extLst>
   </p:cSld>
@@ -7123,7 +7166,7 @@
     <a:masterClrMapping/>
   </p:clrMapOvr>
   <mc:AlternateContent xmlns:mc="http://schemas.openxmlformats.org/markup-compatibility/2006">
-    <mc:Choice xmlns:p14="http://schemas.microsoft.com/office/powerpoint/2010/main" xmlns="" Requires="p14">
+    <mc:Choice xmlns="" xmlns:p14="http://schemas.microsoft.com/office/powerpoint/2010/main" Requires="p14">
       <p:transition spd="med" p14:dur="700">
         <p:fade/>
       </p:transition>
@@ -7177,11 +7220,40 @@
           <a:lstStyle/>
           <a:p>
             <a:r>
+              <a:rPr lang="es-AR" b="1" i="1" dirty="0" smtClean="0">
+                <a:latin typeface="Segoe UI" panose="020B0502040204020203" pitchFamily="34" charset="0"/>
+                <a:cs typeface="Segoe UI" panose="020B0502040204020203" pitchFamily="34" charset="0"/>
+              </a:rPr>
+              <a:t>Siglo XIX</a:t>
+            </a:r>
+            <a:endParaRPr lang="es-AR" b="1" i="1" dirty="0">
+              <a:latin typeface="Segoe UI" panose="020B0502040204020203" pitchFamily="34" charset="0"/>
+              <a:cs typeface="Segoe UI" panose="020B0502040204020203" pitchFamily="34" charset="0"/>
+            </a:endParaRPr>
+          </a:p>
+        </p:txBody>
+      </p:sp>
+      <p:sp>
+        <p:nvSpPr>
+          <p:cNvPr id="3" name="Text Placeholder 2"/>
+          <p:cNvSpPr>
+            <a:spLocks noGrp="1"/>
+          </p:cNvSpPr>
+          <p:nvPr>
+            <p:ph type="body" idx="1"/>
+          </p:nvPr>
+        </p:nvSpPr>
+        <p:spPr/>
+        <p:txBody>
+          <a:bodyPr/>
+          <a:lstStyle/>
+          <a:p>
+            <a:r>
               <a:rPr lang="es-AR" dirty="0" smtClean="0">
                 <a:latin typeface="Segoe UI" panose="020B0502040204020203" pitchFamily="34" charset="0"/>
                 <a:cs typeface="Segoe UI" panose="020B0502040204020203" pitchFamily="34" charset="0"/>
               </a:rPr>
-              <a:t>Siglo XIX</a:t>
+              <a:t>La información entre mosquetes y bayonetas</a:t>
             </a:r>
             <a:endParaRPr lang="es-AR" dirty="0">
               <a:latin typeface="Segoe UI" panose="020B0502040204020203" pitchFamily="34" charset="0"/>
@@ -7190,39 +7262,10 @@
           </a:p>
         </p:txBody>
       </p:sp>
-      <p:sp>
-        <p:nvSpPr>
-          <p:cNvPr id="3" name="Text Placeholder 2"/>
-          <p:cNvSpPr>
-            <a:spLocks noGrp="1"/>
-          </p:cNvSpPr>
-          <p:nvPr>
-            <p:ph type="body" idx="1"/>
-          </p:nvPr>
-        </p:nvSpPr>
-        <p:spPr/>
-        <p:txBody>
-          <a:bodyPr/>
-          <a:lstStyle/>
-          <a:p>
-            <a:r>
-              <a:rPr lang="es-AR" dirty="0" smtClean="0">
-                <a:latin typeface="Segoe UI" panose="020B0502040204020203" pitchFamily="34" charset="0"/>
-                <a:cs typeface="Segoe UI" panose="020B0502040204020203" pitchFamily="34" charset="0"/>
-              </a:rPr>
-              <a:t>La información entre mosquetes y bayonetas</a:t>
-            </a:r>
-            <a:endParaRPr lang="es-AR" dirty="0">
-              <a:latin typeface="Segoe UI" panose="020B0502040204020203" pitchFamily="34" charset="0"/>
-              <a:cs typeface="Segoe UI" panose="020B0502040204020203" pitchFamily="34" charset="0"/>
-            </a:endParaRPr>
-          </a:p>
-        </p:txBody>
-      </p:sp>
     </p:spTree>
     <p:extLst>
       <p:ext uri="{BB962C8B-B14F-4D97-AF65-F5344CB8AC3E}">
-        <p14:creationId xmlns:p14="http://schemas.microsoft.com/office/powerpoint/2010/main" xmlns="" val="3772183175"/>
+        <p14:creationId xmlns="" xmlns:p14="http://schemas.microsoft.com/office/powerpoint/2010/main" val="3772183175"/>
       </p:ext>
     </p:extLst>
   </p:cSld>
@@ -7230,7 +7273,7 @@
     <a:masterClrMapping/>
   </p:clrMapOvr>
   <mc:AlternateContent xmlns:mc="http://schemas.openxmlformats.org/markup-compatibility/2006">
-    <mc:Choice xmlns:p14="http://schemas.microsoft.com/office/powerpoint/2010/main" xmlns="" Requires="p14">
+    <mc:Choice xmlns="" xmlns:p14="http://schemas.microsoft.com/office/powerpoint/2010/main" Requires="p14">
       <p:transition spd="med" p14:dur="700">
         <p:fade/>
       </p:transition>
@@ -7443,7 +7486,7 @@
     </p:spTree>
     <p:extLst>
       <p:ext uri="{BB962C8B-B14F-4D97-AF65-F5344CB8AC3E}">
-        <p14:creationId xmlns:p14="http://schemas.microsoft.com/office/powerpoint/2010/main" xmlns="" val="911844652"/>
+        <p14:creationId xmlns="" xmlns:p14="http://schemas.microsoft.com/office/powerpoint/2010/main" val="911844652"/>
       </p:ext>
     </p:extLst>
   </p:cSld>
@@ -7451,7 +7494,7 @@
     <a:masterClrMapping/>
   </p:clrMapOvr>
   <mc:AlternateContent xmlns:mc="http://schemas.openxmlformats.org/markup-compatibility/2006">
-    <mc:Choice xmlns:p14="http://schemas.microsoft.com/office/powerpoint/2010/main" xmlns="" Requires="p14">
+    <mc:Choice xmlns="" xmlns:p14="http://schemas.microsoft.com/office/powerpoint/2010/main" Requires="p14">
       <p:transition spd="med" p14:dur="700">
         <p:fade/>
       </p:transition>
@@ -7626,7 +7669,7 @@
     </p:spTree>
     <p:extLst>
       <p:ext uri="{BB962C8B-B14F-4D97-AF65-F5344CB8AC3E}">
-        <p14:creationId xmlns:p14="http://schemas.microsoft.com/office/powerpoint/2010/main" xmlns="" val="3751154171"/>
+        <p14:creationId xmlns="" xmlns:p14="http://schemas.microsoft.com/office/powerpoint/2010/main" val="3751154171"/>
       </p:ext>
     </p:extLst>
   </p:cSld>
@@ -7634,7 +7677,7 @@
     <a:masterClrMapping/>
   </p:clrMapOvr>
   <mc:AlternateContent xmlns:mc="http://schemas.openxmlformats.org/markup-compatibility/2006">
-    <mc:Choice xmlns:p14="http://schemas.microsoft.com/office/powerpoint/2010/main" xmlns="" Requires="p14">
+    <mc:Choice xmlns="" xmlns:p14="http://schemas.microsoft.com/office/powerpoint/2010/main" Requires="p14">
       <p:transition spd="med" p14:dur="700">
         <p:fade/>
       </p:transition>
@@ -7811,7 +7854,7 @@
     </p:spTree>
     <p:extLst>
       <p:ext uri="{BB962C8B-B14F-4D97-AF65-F5344CB8AC3E}">
-        <p14:creationId xmlns:p14="http://schemas.microsoft.com/office/powerpoint/2010/main" xmlns="" val="2714171304"/>
+        <p14:creationId xmlns="" xmlns:p14="http://schemas.microsoft.com/office/powerpoint/2010/main" val="2714171304"/>
       </p:ext>
     </p:extLst>
   </p:cSld>
@@ -7819,7 +7862,7 @@
     <a:masterClrMapping/>
   </p:clrMapOvr>
   <mc:AlternateContent xmlns:mc="http://schemas.openxmlformats.org/markup-compatibility/2006">
-    <mc:Choice xmlns:p14="http://schemas.microsoft.com/office/powerpoint/2010/main" xmlns="" Requires="p14">
+    <mc:Choice xmlns="" xmlns:p14="http://schemas.microsoft.com/office/powerpoint/2010/main" Requires="p14">
       <p:transition spd="med" p14:dur="700">
         <p:fade/>
       </p:transition>
@@ -7997,7 +8040,7 @@
     </p:spTree>
     <p:extLst>
       <p:ext uri="{BB962C8B-B14F-4D97-AF65-F5344CB8AC3E}">
-        <p14:creationId xmlns:p14="http://schemas.microsoft.com/office/powerpoint/2010/main" xmlns="" val="2246987516"/>
+        <p14:creationId xmlns="" xmlns:p14="http://schemas.microsoft.com/office/powerpoint/2010/main" val="2246987516"/>
       </p:ext>
     </p:extLst>
   </p:cSld>
@@ -8005,7 +8048,7 @@
     <a:masterClrMapping/>
   </p:clrMapOvr>
   <mc:AlternateContent xmlns:mc="http://schemas.openxmlformats.org/markup-compatibility/2006">
-    <mc:Choice xmlns:p14="http://schemas.microsoft.com/office/powerpoint/2010/main" xmlns="" Requires="p14">
+    <mc:Choice xmlns="" xmlns:p14="http://schemas.microsoft.com/office/powerpoint/2010/main" Requires="p14">
       <p:transition spd="med" p14:dur="700">
         <p:fade/>
       </p:transition>
@@ -8162,7 +8205,7 @@
     </p:spTree>
     <p:extLst>
       <p:ext uri="{BB962C8B-B14F-4D97-AF65-F5344CB8AC3E}">
-        <p14:creationId xmlns:p14="http://schemas.microsoft.com/office/powerpoint/2010/main" xmlns="" val="3025649002"/>
+        <p14:creationId xmlns="" xmlns:p14="http://schemas.microsoft.com/office/powerpoint/2010/main" val="3025649002"/>
       </p:ext>
     </p:extLst>
   </p:cSld>
@@ -8170,7 +8213,7 @@
     <a:masterClrMapping/>
   </p:clrMapOvr>
   <mc:AlternateContent xmlns:mc="http://schemas.openxmlformats.org/markup-compatibility/2006">
-    <mc:Choice xmlns:p14="http://schemas.microsoft.com/office/powerpoint/2010/main" xmlns="" Requires="p14">
+    <mc:Choice xmlns="" xmlns:p14="http://schemas.microsoft.com/office/powerpoint/2010/main" Requires="p14">
       <p:transition spd="med" p14:dur="700">
         <p:fade/>
       </p:transition>
@@ -8224,13 +8267,19 @@
           <a:lstStyle/>
           <a:p>
             <a:r>
-              <a:rPr lang="es-AR" smtClean="0">
+              <a:rPr lang="es-AR" dirty="0" smtClean="0">
+                <a:solidFill>
+                  <a:schemeClr val="accent1"/>
+                </a:solidFill>
                 <a:latin typeface="Segoe UI" panose="020B0502040204020203" pitchFamily="34" charset="0"/>
                 <a:cs typeface="Segoe UI" panose="020B0502040204020203" pitchFamily="34" charset="0"/>
               </a:rPr>
               <a:t>Mecanismos de Protección</a:t>
             </a:r>
-            <a:endParaRPr lang="es-AR">
+            <a:endParaRPr lang="es-AR" dirty="0">
+              <a:solidFill>
+                <a:schemeClr val="accent1"/>
+              </a:solidFill>
               <a:latin typeface="Segoe UI" panose="020B0502040204020203" pitchFamily="34" charset="0"/>
               <a:cs typeface="Segoe UI" panose="020B0502040204020203" pitchFamily="34" charset="0"/>
             </a:endParaRPr>
@@ -8306,7 +8355,7 @@
     </p:spTree>
     <p:extLst>
       <p:ext uri="{BB962C8B-B14F-4D97-AF65-F5344CB8AC3E}">
-        <p14:creationId xmlns:p14="http://schemas.microsoft.com/office/powerpoint/2010/main" xmlns="" val="3410413250"/>
+        <p14:creationId xmlns="" xmlns:p14="http://schemas.microsoft.com/office/powerpoint/2010/main" val="3410413250"/>
       </p:ext>
     </p:extLst>
   </p:cSld>
@@ -8314,7 +8363,7 @@
     <a:masterClrMapping/>
   </p:clrMapOvr>
   <mc:AlternateContent xmlns:mc="http://schemas.openxmlformats.org/markup-compatibility/2006">
-    <mc:Choice xmlns:p14="http://schemas.microsoft.com/office/powerpoint/2010/main" xmlns="" Requires="p14">
+    <mc:Choice xmlns="" xmlns:p14="http://schemas.microsoft.com/office/powerpoint/2010/main" Requires="p14">
       <p:transition spd="med" p14:dur="700">
         <p:fade/>
       </p:transition>
@@ -8519,7 +8568,7 @@
     </p:spTree>
     <p:extLst>
       <p:ext uri="{BB962C8B-B14F-4D97-AF65-F5344CB8AC3E}">
-        <p14:creationId xmlns:p14="http://schemas.microsoft.com/office/powerpoint/2010/main" xmlns="" val="23673588"/>
+        <p14:creationId xmlns="" xmlns:p14="http://schemas.microsoft.com/office/powerpoint/2010/main" val="23673588"/>
       </p:ext>
     </p:extLst>
   </p:cSld>
@@ -8527,7 +8576,7 @@
     <a:masterClrMapping/>
   </p:clrMapOvr>
   <mc:AlternateContent xmlns:mc="http://schemas.openxmlformats.org/markup-compatibility/2006">
-    <mc:Choice xmlns:p14="http://schemas.microsoft.com/office/powerpoint/2010/main" xmlns="" Requires="p14">
+    <mc:Choice xmlns="" xmlns:p14="http://schemas.microsoft.com/office/powerpoint/2010/main" Requires="p14">
       <p:transition spd="med" p14:dur="700">
         <p:fade/>
       </p:transition>
@@ -8791,7 +8840,7 @@
     </p:spTree>
     <p:extLst>
       <p:ext uri="{BB962C8B-B14F-4D97-AF65-F5344CB8AC3E}">
-        <p14:creationId xmlns:p14="http://schemas.microsoft.com/office/powerpoint/2010/main" xmlns="" val="3632379430"/>
+        <p14:creationId xmlns="" xmlns:p14="http://schemas.microsoft.com/office/powerpoint/2010/main" val="3632379430"/>
       </p:ext>
     </p:extLst>
   </p:cSld>
@@ -8799,7 +8848,7 @@
     <a:masterClrMapping/>
   </p:clrMapOvr>
   <mc:AlternateContent xmlns:mc="http://schemas.openxmlformats.org/markup-compatibility/2006">
-    <mc:Choice xmlns:p14="http://schemas.microsoft.com/office/powerpoint/2010/main" xmlns="" Requires="p14">
+    <mc:Choice xmlns="" xmlns:p14="http://schemas.microsoft.com/office/powerpoint/2010/main" Requires="p14">
       <p:transition spd="med" p14:dur="700">
         <p:fade/>
       </p:transition>
@@ -8847,13 +8896,20 @@
             <p:ph type="title"/>
           </p:nvPr>
         </p:nvSpPr>
-        <p:spPr/>
-        <p:txBody>
-          <a:bodyPr/>
+        <p:spPr>
+          <a:xfrm>
+            <a:off x="1522413" y="381000"/>
+            <a:ext cx="9144001" cy="2111896"/>
+          </a:xfrm>
+        </p:spPr>
+        <p:txBody>
+          <a:bodyPr>
+            <a:normAutofit/>
+          </a:bodyPr>
           <a:lstStyle/>
           <a:p>
             <a:r>
-              <a:rPr lang="es-AR" spc="0" smtClean="0">
+              <a:rPr lang="es-AR" spc="0" dirty="0" smtClean="0">
                 <a:ln w="0"/>
                 <a:solidFill>
                   <a:schemeClr val="accent1"/>
@@ -8868,9 +8924,105 @@
                 <a:latin typeface="Segoe UI" panose="020B0502040204020203" pitchFamily="34" charset="0"/>
                 <a:cs typeface="Segoe UI" panose="020B0502040204020203" pitchFamily="34" charset="0"/>
               </a:rPr>
-              <a:t>Integrantes</a:t>
-            </a:r>
-            <a:endParaRPr lang="es-AR" spc="0">
+              <a:t>Grupo N°: </a:t>
+            </a:r>
+            <a:r>
+              <a:rPr lang="es-AR" spc="0" dirty="0" smtClean="0">
+                <a:ln w="0"/>
+                <a:latin typeface="Segoe UI" panose="020B0502040204020203" pitchFamily="34" charset="0"/>
+                <a:cs typeface="Segoe UI" panose="020B0502040204020203" pitchFamily="34" charset="0"/>
+              </a:rPr>
+              <a:t>2</a:t>
+            </a:r>
+            <a:r>
+              <a:rPr lang="es-AR" spc="0" dirty="0" smtClean="0">
+                <a:ln w="0"/>
+                <a:solidFill>
+                  <a:schemeClr val="accent1"/>
+                </a:solidFill>
+                <a:effectLst>
+                  <a:outerShdw blurRad="38100" dist="25400" dir="5400000" algn="ctr" rotWithShape="0">
+                    <a:srgbClr val="6E747A">
+                      <a:alpha val="43000"/>
+                    </a:srgbClr>
+                  </a:outerShdw>
+                </a:effectLst>
+                <a:latin typeface="Segoe UI" panose="020B0502040204020203" pitchFamily="34" charset="0"/>
+                <a:cs typeface="Segoe UI" panose="020B0502040204020203" pitchFamily="34" charset="0"/>
+              </a:rPr>
+              <a:t/>
+            </a:r>
+            <a:br>
+              <a:rPr lang="es-AR" spc="0" dirty="0" smtClean="0">
+                <a:ln w="0"/>
+                <a:solidFill>
+                  <a:schemeClr val="accent1"/>
+                </a:solidFill>
+                <a:effectLst>
+                  <a:outerShdw blurRad="38100" dist="25400" dir="5400000" algn="ctr" rotWithShape="0">
+                    <a:srgbClr val="6E747A">
+                      <a:alpha val="43000"/>
+                    </a:srgbClr>
+                  </a:outerShdw>
+                </a:effectLst>
+                <a:latin typeface="Segoe UI" panose="020B0502040204020203" pitchFamily="34" charset="0"/>
+                <a:cs typeface="Segoe UI" panose="020B0502040204020203" pitchFamily="34" charset="0"/>
+              </a:rPr>
+            </a:br>
+            <a:r>
+              <a:rPr lang="es-AR" spc="0" dirty="0" smtClean="0">
+                <a:ln w="0"/>
+                <a:solidFill>
+                  <a:schemeClr val="accent1"/>
+                </a:solidFill>
+                <a:effectLst>
+                  <a:outerShdw blurRad="38100" dist="25400" dir="5400000" algn="ctr" rotWithShape="0">
+                    <a:srgbClr val="6E747A">
+                      <a:alpha val="43000"/>
+                    </a:srgbClr>
+                  </a:outerShdw>
+                </a:effectLst>
+                <a:latin typeface="Segoe UI" panose="020B0502040204020203" pitchFamily="34" charset="0"/>
+                <a:cs typeface="Segoe UI" panose="020B0502040204020203" pitchFamily="34" charset="0"/>
+              </a:rPr>
+              <a:t/>
+            </a:r>
+            <a:br>
+              <a:rPr lang="es-AR" spc="0" dirty="0" smtClean="0">
+                <a:ln w="0"/>
+                <a:solidFill>
+                  <a:schemeClr val="accent1"/>
+                </a:solidFill>
+                <a:effectLst>
+                  <a:outerShdw blurRad="38100" dist="25400" dir="5400000" algn="ctr" rotWithShape="0">
+                    <a:srgbClr val="6E747A">
+                      <a:alpha val="43000"/>
+                    </a:srgbClr>
+                  </a:outerShdw>
+                </a:effectLst>
+                <a:latin typeface="Segoe UI" panose="020B0502040204020203" pitchFamily="34" charset="0"/>
+                <a:cs typeface="Segoe UI" panose="020B0502040204020203" pitchFamily="34" charset="0"/>
+              </a:rPr>
+            </a:br>
+            <a:r>
+              <a:rPr lang="es-AR" spc="0" dirty="0" smtClean="0">
+                <a:ln w="0"/>
+                <a:solidFill>
+                  <a:schemeClr val="accent1"/>
+                </a:solidFill>
+                <a:effectLst>
+                  <a:outerShdw blurRad="38100" dist="25400" dir="5400000" algn="ctr" rotWithShape="0">
+                    <a:srgbClr val="6E747A">
+                      <a:alpha val="43000"/>
+                    </a:srgbClr>
+                  </a:outerShdw>
+                </a:effectLst>
+                <a:latin typeface="Segoe UI" panose="020B0502040204020203" pitchFamily="34" charset="0"/>
+                <a:cs typeface="Segoe UI" panose="020B0502040204020203" pitchFamily="34" charset="0"/>
+              </a:rPr>
+              <a:t>Integrantes:</a:t>
+            </a:r>
+            <a:endParaRPr lang="es-AR" spc="0" dirty="0">
               <a:ln w="0"/>
               <a:solidFill>
                 <a:schemeClr val="accent1"/>
@@ -8898,108 +9050,109 @@
             <p:ph idx="1"/>
           </p:nvPr>
         </p:nvSpPr>
-        <p:spPr/>
+        <p:spPr>
+          <a:xfrm>
+            <a:off x="1522413" y="2708920"/>
+            <a:ext cx="9134391" cy="3310880"/>
+          </a:xfrm>
+        </p:spPr>
         <p:txBody>
           <a:bodyPr/>
           <a:lstStyle/>
           <a:p>
             <a:r>
-              <a:rPr lang="es-AR" smtClean="0">
-                <a:latin typeface="Segoe UI" panose="020B0502040204020203" pitchFamily="34" charset="0"/>
-                <a:cs typeface="Segoe UI" panose="020B0502040204020203" pitchFamily="34" charset="0"/>
-              </a:rPr>
-              <a:t>Stephanie Zurita</a:t>
-            </a:r>
-          </a:p>
-          <a:p>
-            <a:r>
-              <a:rPr lang="es-AR" smtClean="0">
+              <a:rPr lang="es-AR" dirty="0" err="1" smtClean="0">
+                <a:latin typeface="Segoe UI" panose="020B0502040204020203" pitchFamily="34" charset="0"/>
+                <a:cs typeface="Segoe UI" panose="020B0502040204020203" pitchFamily="34" charset="0"/>
+              </a:rPr>
+              <a:t>Stephanie</a:t>
+            </a:r>
+            <a:r>
+              <a:rPr lang="es-AR" dirty="0" smtClean="0">
+                <a:latin typeface="Segoe UI" panose="020B0502040204020203" pitchFamily="34" charset="0"/>
+                <a:cs typeface="Segoe UI" panose="020B0502040204020203" pitchFamily="34" charset="0"/>
+              </a:rPr>
+              <a:t> Zurita</a:t>
+            </a:r>
+          </a:p>
+          <a:p>
+            <a:r>
+              <a:rPr lang="es-AR" dirty="0" smtClean="0">
                 <a:latin typeface="Segoe UI" panose="020B0502040204020203" pitchFamily="34" charset="0"/>
                 <a:cs typeface="Segoe UI" panose="020B0502040204020203" pitchFamily="34" charset="0"/>
               </a:rPr>
               <a:t>Santiago </a:t>
             </a:r>
             <a:r>
-              <a:rPr lang="es-AR" smtClean="0">
+              <a:rPr lang="es-AR" dirty="0" err="1" smtClean="0">
                 <a:latin typeface="Segoe UI" panose="020B0502040204020203" pitchFamily="34" charset="0"/>
                 <a:cs typeface="Segoe UI" panose="020B0502040204020203" pitchFamily="34" charset="0"/>
               </a:rPr>
               <a:t>Maraggi</a:t>
             </a:r>
-            <a:endParaRPr lang="es-AR" smtClean="0">
+            <a:endParaRPr lang="es-AR" dirty="0" smtClean="0">
               <a:latin typeface="Segoe UI" panose="020B0502040204020203" pitchFamily="34" charset="0"/>
               <a:cs typeface="Segoe UI" panose="020B0502040204020203" pitchFamily="34" charset="0"/>
             </a:endParaRPr>
           </a:p>
           <a:p>
             <a:r>
-              <a:rPr lang="es-AR" smtClean="0">
-                <a:latin typeface="Segoe UI" panose="020B0502040204020203" pitchFamily="34" charset="0"/>
-                <a:cs typeface="Segoe UI" panose="020B0502040204020203" pitchFamily="34" charset="0"/>
-              </a:rPr>
-              <a:t>Yi Cheng </a:t>
-            </a:r>
-            <a:r>
-              <a:rPr lang="es-AR" smtClean="0">
-                <a:latin typeface="Segoe UI" panose="020B0502040204020203" pitchFamily="34" charset="0"/>
-                <a:cs typeface="Segoe UI" panose="020B0502040204020203" pitchFamily="34" charset="0"/>
-              </a:rPr>
-              <a:t>Zhang</a:t>
-            </a:r>
-            <a:endParaRPr lang="es-AR" smtClean="0">
+              <a:rPr lang="es-AR" dirty="0" smtClean="0">
+                <a:latin typeface="Segoe UI" panose="020B0502040204020203" pitchFamily="34" charset="0"/>
+                <a:cs typeface="Segoe UI" panose="020B0502040204020203" pitchFamily="34" charset="0"/>
+              </a:rPr>
+              <a:t>Yi Cheng Zhang</a:t>
+            </a:r>
+          </a:p>
+          <a:p>
+            <a:r>
+              <a:rPr lang="es-AR" dirty="0" smtClean="0">
+                <a:latin typeface="Segoe UI" panose="020B0502040204020203" pitchFamily="34" charset="0"/>
+                <a:cs typeface="Segoe UI" panose="020B0502040204020203" pitchFamily="34" charset="0"/>
+              </a:rPr>
+              <a:t>Miguel </a:t>
+            </a:r>
+            <a:r>
+              <a:rPr lang="es-AR" dirty="0" err="1" smtClean="0">
+                <a:latin typeface="Segoe UI" panose="020B0502040204020203" pitchFamily="34" charset="0"/>
+                <a:cs typeface="Segoe UI" panose="020B0502040204020203" pitchFamily="34" charset="0"/>
+              </a:rPr>
+              <a:t>Angel</a:t>
+            </a:r>
+            <a:r>
+              <a:rPr lang="es-AR" dirty="0" smtClean="0">
+                <a:latin typeface="Segoe UI" panose="020B0502040204020203" pitchFamily="34" charset="0"/>
+                <a:cs typeface="Segoe UI" panose="020B0502040204020203" pitchFamily="34" charset="0"/>
+              </a:rPr>
+              <a:t> Schmidt</a:t>
+            </a:r>
+          </a:p>
+          <a:p>
+            <a:r>
+              <a:rPr lang="es-AR" dirty="0" smtClean="0">
+                <a:latin typeface="Segoe UI" panose="020B0502040204020203" pitchFamily="34" charset="0"/>
+                <a:cs typeface="Segoe UI" panose="020B0502040204020203" pitchFamily="34" charset="0"/>
+              </a:rPr>
+              <a:t>María Inés </a:t>
+            </a:r>
+            <a:r>
+              <a:rPr lang="es-AR" dirty="0" err="1" smtClean="0">
+                <a:latin typeface="Segoe UI" panose="020B0502040204020203" pitchFamily="34" charset="0"/>
+                <a:cs typeface="Segoe UI" panose="020B0502040204020203" pitchFamily="34" charset="0"/>
+              </a:rPr>
+              <a:t>Parnisari</a:t>
+            </a:r>
+            <a:endParaRPr lang="es-AR" dirty="0" smtClean="0">
               <a:latin typeface="Segoe UI" panose="020B0502040204020203" pitchFamily="34" charset="0"/>
               <a:cs typeface="Segoe UI" panose="020B0502040204020203" pitchFamily="34" charset="0"/>
             </a:endParaRPr>
           </a:p>
-          <a:p>
-            <a:r>
-              <a:rPr lang="es-AR" smtClean="0">
-                <a:latin typeface="Segoe UI" panose="020B0502040204020203" pitchFamily="34" charset="0"/>
-                <a:cs typeface="Segoe UI" panose="020B0502040204020203" pitchFamily="34" charset="0"/>
-              </a:rPr>
-              <a:t>Miguel </a:t>
-            </a:r>
-            <a:r>
-              <a:rPr lang="es-AR" smtClean="0">
-                <a:latin typeface="Segoe UI" panose="020B0502040204020203" pitchFamily="34" charset="0"/>
-                <a:cs typeface="Segoe UI" panose="020B0502040204020203" pitchFamily="34" charset="0"/>
-              </a:rPr>
-              <a:t>Angel Schmidt</a:t>
-            </a:r>
-          </a:p>
-          <a:p>
-            <a:r>
-              <a:rPr lang="es-AR" smtClean="0">
-                <a:latin typeface="Segoe UI" panose="020B0502040204020203" pitchFamily="34" charset="0"/>
-                <a:cs typeface="Segoe UI" panose="020B0502040204020203" pitchFamily="34" charset="0"/>
-              </a:rPr>
-              <a:t>María </a:t>
-            </a:r>
-            <a:r>
-              <a:rPr lang="es-AR" smtClean="0">
-                <a:latin typeface="Segoe UI" panose="020B0502040204020203" pitchFamily="34" charset="0"/>
-                <a:cs typeface="Segoe UI" panose="020B0502040204020203" pitchFamily="34" charset="0"/>
-              </a:rPr>
-              <a:t>Inés </a:t>
-            </a:r>
-            <a:r>
-              <a:rPr lang="es-AR" smtClean="0">
-                <a:latin typeface="Segoe UI" panose="020B0502040204020203" pitchFamily="34" charset="0"/>
-                <a:cs typeface="Segoe UI" panose="020B0502040204020203" pitchFamily="34" charset="0"/>
-              </a:rPr>
-              <a:t>Parnisari</a:t>
-            </a:r>
-            <a:endParaRPr lang="es-AR" smtClean="0">
-              <a:latin typeface="Segoe UI" panose="020B0502040204020203" pitchFamily="34" charset="0"/>
-              <a:cs typeface="Segoe UI" panose="020B0502040204020203" pitchFamily="34" charset="0"/>
-            </a:endParaRPr>
-          </a:p>
         </p:txBody>
       </p:sp>
     </p:spTree>
     <p:extLst>
       <p:ext uri="{BB962C8B-B14F-4D97-AF65-F5344CB8AC3E}">
-        <p14:creationId xmlns:p14="http://schemas.microsoft.com/office/powerpoint/2010/main" xmlns="" val="2139132589"/>
+        <p14:creationId xmlns="" xmlns:p14="http://schemas.microsoft.com/office/powerpoint/2010/main" val="2139132589"/>
       </p:ext>
     </p:extLst>
   </p:cSld>
@@ -9007,7 +9160,7 @@
     <a:masterClrMapping/>
   </p:clrMapOvr>
   <mc:AlternateContent xmlns:mc="http://schemas.openxmlformats.org/markup-compatibility/2006">
-    <mc:Choice xmlns:p14="http://schemas.microsoft.com/office/powerpoint/2010/main" xmlns="" Requires="p14">
+    <mc:Choice xmlns="" xmlns:p14="http://schemas.microsoft.com/office/powerpoint/2010/main" Requires="p14">
       <p:transition spd="med" p14:dur="700">
         <p:fade/>
       </p:transition>
@@ -9240,7 +9393,7 @@
     </p:spTree>
     <p:extLst>
       <p:ext uri="{BB962C8B-B14F-4D97-AF65-F5344CB8AC3E}">
-        <p14:creationId xmlns:p14="http://schemas.microsoft.com/office/powerpoint/2010/main" xmlns="" val="3204325395"/>
+        <p14:creationId xmlns="" xmlns:p14="http://schemas.microsoft.com/office/powerpoint/2010/main" val="3204325395"/>
       </p:ext>
     </p:extLst>
   </p:cSld>
@@ -9248,7 +9401,7 @@
     <a:masterClrMapping/>
   </p:clrMapOvr>
   <mc:AlternateContent xmlns:mc="http://schemas.openxmlformats.org/markup-compatibility/2006">
-    <mc:Choice xmlns:p14="http://schemas.microsoft.com/office/powerpoint/2010/main" xmlns="" Requires="p14">
+    <mc:Choice xmlns="" xmlns:p14="http://schemas.microsoft.com/office/powerpoint/2010/main" Requires="p14">
       <p:transition spd="med" p14:dur="700">
         <p:fade/>
       </p:transition>
@@ -9439,7 +9592,7 @@
     </p:spTree>
     <p:extLst>
       <p:ext uri="{BB962C8B-B14F-4D97-AF65-F5344CB8AC3E}">
-        <p14:creationId xmlns:p14="http://schemas.microsoft.com/office/powerpoint/2010/main" xmlns="" val="1496383053"/>
+        <p14:creationId xmlns="" xmlns:p14="http://schemas.microsoft.com/office/powerpoint/2010/main" val="1496383053"/>
       </p:ext>
     </p:extLst>
   </p:cSld>
@@ -9447,7 +9600,7 @@
     <a:masterClrMapping/>
   </p:clrMapOvr>
   <mc:AlternateContent xmlns:mc="http://schemas.openxmlformats.org/markup-compatibility/2006">
-    <mc:Choice xmlns:p14="http://schemas.microsoft.com/office/powerpoint/2010/main" xmlns="" Requires="p14">
+    <mc:Choice xmlns="" xmlns:p14="http://schemas.microsoft.com/office/powerpoint/2010/main" Requires="p14">
       <p:transition spd="med" p14:dur="700">
         <p:fade/>
       </p:transition>
@@ -9516,43 +9669,7 @@
                 <a:latin typeface="Segoe UI" panose="020B0502040204020203" pitchFamily="34" charset="0"/>
                 <a:cs typeface="Segoe UI" panose="020B0502040204020203" pitchFamily="34" charset="0"/>
               </a:rPr>
-              <a:t>Siglo</a:t>
-            </a:r>
-            <a:r>
-              <a:rPr lang="es-AR" spc="0" smtClean="0">
-                <a:ln w="0"/>
-                <a:solidFill>
-                  <a:schemeClr val="accent1"/>
-                </a:solidFill>
-                <a:effectLst>
-                  <a:outerShdw blurRad="38100" dist="25400" dir="5400000" algn="ctr" rotWithShape="0">
-                    <a:srgbClr val="6E747A">
-                      <a:alpha val="43000"/>
-                    </a:srgbClr>
-                  </a:outerShdw>
-                </a:effectLst>
-                <a:latin typeface="Segoe UI" panose="020B0502040204020203" pitchFamily="34" charset="0"/>
-                <a:cs typeface="Segoe UI" panose="020B0502040204020203" pitchFamily="34" charset="0"/>
-              </a:rPr>
-              <a:t> XIX – </a:t>
-            </a:r>
-            <a:r>
-              <a:rPr lang="es-AR" spc="0" smtClean="0">
-                <a:ln w="0"/>
-                <a:solidFill>
-                  <a:schemeClr val="accent1"/>
-                </a:solidFill>
-                <a:effectLst>
-                  <a:outerShdw blurRad="38100" dist="25400" dir="5400000" algn="ctr" rotWithShape="0">
-                    <a:srgbClr val="6E747A">
-                      <a:alpha val="43000"/>
-                    </a:srgbClr>
-                  </a:outerShdw>
-                </a:effectLst>
-                <a:latin typeface="Segoe UI" panose="020B0502040204020203" pitchFamily="34" charset="0"/>
-                <a:cs typeface="Segoe UI" panose="020B0502040204020203" pitchFamily="34" charset="0"/>
-              </a:rPr>
-              <a:t>Riesgos</a:t>
+              <a:t>Siglo XIX – Riesgos</a:t>
             </a:r>
             <a:endParaRPr lang="es-AR" spc="0">
               <a:ln w="0"/>
@@ -9662,7 +9779,7 @@
     </p:spTree>
     <p:extLst>
       <p:ext uri="{BB962C8B-B14F-4D97-AF65-F5344CB8AC3E}">
-        <p14:creationId xmlns:p14="http://schemas.microsoft.com/office/powerpoint/2010/main" xmlns="" val="1679218424"/>
+        <p14:creationId xmlns="" xmlns:p14="http://schemas.microsoft.com/office/powerpoint/2010/main" val="1679218424"/>
       </p:ext>
     </p:extLst>
   </p:cSld>
@@ -9670,7 +9787,7 @@
     <a:masterClrMapping/>
   </p:clrMapOvr>
   <mc:AlternateContent xmlns:mc="http://schemas.openxmlformats.org/markup-compatibility/2006">
-    <mc:Choice xmlns:p14="http://schemas.microsoft.com/office/powerpoint/2010/main" xmlns="" Requires="p14">
+    <mc:Choice xmlns="" xmlns:p14="http://schemas.microsoft.com/office/powerpoint/2010/main" Requires="p14">
       <p:transition spd="med" p14:dur="700">
         <p:fade/>
       </p:transition>
@@ -9724,7 +9841,7 @@
           <a:lstStyle/>
           <a:p>
             <a:r>
-              <a:rPr lang="en-US" spc="0" dirty="0" err="1" smtClean="0">
+              <a:rPr lang="es-AR" spc="0" smtClean="0">
                 <a:ln w="0"/>
                 <a:solidFill>
                   <a:schemeClr val="accent1"/>
@@ -9742,7 +9859,7 @@
               <a:t>Siglo</a:t>
             </a:r>
             <a:r>
-              <a:rPr lang="en-US" spc="0" dirty="0" smtClean="0">
+              <a:rPr lang="es-AR" spc="0" smtClean="0">
                 <a:ln w="0"/>
                 <a:solidFill>
                   <a:schemeClr val="accent1"/>
@@ -9757,10 +9874,10 @@
                 <a:latin typeface="Segoe UI" panose="020B0502040204020203" pitchFamily="34" charset="0"/>
                 <a:cs typeface="Segoe UI" panose="020B0502040204020203" pitchFamily="34" charset="0"/>
               </a:rPr>
-              <a:t> XIX – </a:t>
-            </a:r>
-            <a:r>
-              <a:rPr lang="en-US" spc="0" dirty="0" err="1" smtClean="0">
+              <a:t> XIX – Casos </a:t>
+            </a:r>
+            <a:r>
+              <a:rPr lang="es-AR" spc="0" smtClean="0">
                 <a:ln w="0"/>
                 <a:solidFill>
                   <a:schemeClr val="accent1"/>
@@ -9775,45 +9892,9 @@
                 <a:latin typeface="Segoe UI" panose="020B0502040204020203" pitchFamily="34" charset="0"/>
                 <a:cs typeface="Segoe UI" panose="020B0502040204020203" pitchFamily="34" charset="0"/>
               </a:rPr>
-              <a:t>Casos</a:t>
-            </a:r>
-            <a:r>
-              <a:rPr lang="en-US" spc="0" dirty="0" smtClean="0">
-                <a:ln w="0"/>
-                <a:solidFill>
-                  <a:schemeClr val="accent1"/>
-                </a:solidFill>
-                <a:effectLst>
-                  <a:outerShdw blurRad="38100" dist="25400" dir="5400000" algn="ctr" rotWithShape="0">
-                    <a:srgbClr val="6E747A">
-                      <a:alpha val="43000"/>
-                    </a:srgbClr>
-                  </a:outerShdw>
-                </a:effectLst>
-                <a:latin typeface="Segoe UI" panose="020B0502040204020203" pitchFamily="34" charset="0"/>
-                <a:cs typeface="Segoe UI" panose="020B0502040204020203" pitchFamily="34" charset="0"/>
-              </a:rPr>
-              <a:t> </a:t>
-            </a:r>
-            <a:r>
-              <a:rPr lang="en-US" spc="0" dirty="0" err="1" smtClean="0">
-                <a:ln w="0"/>
-                <a:solidFill>
-                  <a:schemeClr val="accent1"/>
-                </a:solidFill>
-                <a:effectLst>
-                  <a:outerShdw blurRad="38100" dist="25400" dir="5400000" algn="ctr" rotWithShape="0">
-                    <a:srgbClr val="6E747A">
-                      <a:alpha val="43000"/>
-                    </a:srgbClr>
-                  </a:outerShdw>
-                </a:effectLst>
-                <a:latin typeface="Segoe UI" panose="020B0502040204020203" pitchFamily="34" charset="0"/>
-                <a:cs typeface="Segoe UI" panose="020B0502040204020203" pitchFamily="34" charset="0"/>
-              </a:rPr>
               <a:t>reales</a:t>
             </a:r>
-            <a:endParaRPr lang="es-AR" dirty="0"/>
+            <a:endParaRPr lang="es-AR"/>
           </a:p>
         </p:txBody>
       </p:sp>
@@ -9833,7 +9914,7 @@
           <a:lstStyle/>
           <a:p>
             <a:r>
-              <a:rPr lang="es-AR" dirty="0" smtClean="0">
+              <a:rPr lang="es-AR" smtClean="0">
                 <a:latin typeface="Segoe UI" pitchFamily="34" charset="0"/>
                 <a:ea typeface="Segoe UI" pitchFamily="34" charset="0"/>
                 <a:cs typeface="Segoe UI" pitchFamily="34" charset="0"/>
@@ -9844,7 +9925,7 @@
           <a:p>
             <a:pPr lvl="1"/>
             <a:r>
-              <a:rPr lang="es-AR" dirty="0" smtClean="0">
+              <a:rPr lang="es-AR" smtClean="0">
                 <a:latin typeface="Segoe UI" pitchFamily="34" charset="0"/>
                 <a:ea typeface="Segoe UI" pitchFamily="34" charset="0"/>
                 <a:cs typeface="Segoe UI" pitchFamily="34" charset="0"/>
@@ -9855,7 +9936,7 @@
           <a:p>
             <a:pPr lvl="1"/>
             <a:r>
-              <a:rPr lang="es-AR" dirty="0" smtClean="0">
+              <a:rPr lang="es-AR" smtClean="0">
                 <a:latin typeface="Segoe UI" pitchFamily="34" charset="0"/>
                 <a:ea typeface="Segoe UI" pitchFamily="34" charset="0"/>
                 <a:cs typeface="Segoe UI" pitchFamily="34" charset="0"/>
@@ -9865,7 +9946,7 @@
           </a:p>
           <a:p>
             <a:r>
-              <a:rPr lang="es-AR" dirty="0" smtClean="0">
+              <a:rPr lang="es-AR" smtClean="0">
                 <a:latin typeface="Segoe UI" pitchFamily="34" charset="0"/>
                 <a:ea typeface="Segoe UI" pitchFamily="34" charset="0"/>
                 <a:cs typeface="Segoe UI" pitchFamily="34" charset="0"/>
@@ -9875,7 +9956,7 @@
           </a:p>
           <a:p>
             <a:r>
-              <a:rPr lang="es-AR" dirty="0" smtClean="0">
+              <a:rPr lang="es-AR" smtClean="0">
                 <a:latin typeface="Segoe UI" pitchFamily="34" charset="0"/>
                 <a:ea typeface="Segoe UI" pitchFamily="34" charset="0"/>
                 <a:cs typeface="Segoe UI" pitchFamily="34" charset="0"/>
@@ -9885,7 +9966,7 @@
           </a:p>
           <a:p>
             <a:r>
-              <a:rPr lang="es-AR" dirty="0" smtClean="0">
+              <a:rPr lang="es-AR" smtClean="0">
                 <a:latin typeface="Segoe UI" pitchFamily="34" charset="0"/>
                 <a:ea typeface="Segoe UI" pitchFamily="34" charset="0"/>
                 <a:cs typeface="Segoe UI" pitchFamily="34" charset="0"/>
@@ -9895,7 +9976,7 @@
           </a:p>
           <a:p>
             <a:r>
-              <a:rPr lang="es-AR" dirty="0" smtClean="0">
+              <a:rPr lang="es-AR" smtClean="0">
                 <a:latin typeface="Segoe UI" pitchFamily="34" charset="0"/>
                 <a:ea typeface="Segoe UI" pitchFamily="34" charset="0"/>
                 <a:cs typeface="Segoe UI" pitchFamily="34" charset="0"/>
@@ -9904,7 +9985,7 @@
             </a:r>
           </a:p>
           <a:p>
-            <a:endParaRPr lang="es-AR" dirty="0"/>
+            <a:endParaRPr lang="es-AR"/>
           </a:p>
         </p:txBody>
       </p:sp>
@@ -9914,7 +9995,7 @@
     <a:masterClrMapping/>
   </p:clrMapOvr>
   <mc:AlternateContent xmlns:mc="http://schemas.openxmlformats.org/markup-compatibility/2006">
-    <mc:Choice xmlns:p14="http://schemas.microsoft.com/office/powerpoint/2010/main" xmlns="" Requires="p14">
+    <mc:Choice xmlns="" xmlns:p14="http://schemas.microsoft.com/office/powerpoint/2010/main" Requires="p14">
       <p:transition spd="med" p14:dur="700">
         <p:fade/>
       </p:transition>
@@ -10144,7 +10225,7 @@
     <a:masterClrMapping/>
   </p:clrMapOvr>
   <mc:AlternateContent xmlns:mc="http://schemas.openxmlformats.org/markup-compatibility/2006">
-    <mc:Choice xmlns:p14="http://schemas.microsoft.com/office/powerpoint/2010/main" xmlns="" Requires="p14">
+    <mc:Choice xmlns="" xmlns:p14="http://schemas.microsoft.com/office/powerpoint/2010/main" Requires="p14">
       <p:transition spd="med" p14:dur="700">
         <p:fade/>
       </p:transition>
@@ -10198,11 +10279,40 @@
           <a:lstStyle/>
           <a:p>
             <a:r>
+              <a:rPr lang="es-AR" b="1" i="1" dirty="0" smtClean="0">
+                <a:latin typeface="Segoe UI" panose="020B0502040204020203" pitchFamily="34" charset="0"/>
+                <a:cs typeface="Segoe UI" panose="020B0502040204020203" pitchFamily="34" charset="0"/>
+              </a:rPr>
+              <a:t>Siglo XXI</a:t>
+            </a:r>
+            <a:endParaRPr lang="es-AR" b="1" i="1" dirty="0">
+              <a:latin typeface="Segoe UI" panose="020B0502040204020203" pitchFamily="34" charset="0"/>
+              <a:cs typeface="Segoe UI" panose="020B0502040204020203" pitchFamily="34" charset="0"/>
+            </a:endParaRPr>
+          </a:p>
+        </p:txBody>
+      </p:sp>
+      <p:sp>
+        <p:nvSpPr>
+          <p:cNvPr id="3" name="Text Placeholder 2"/>
+          <p:cNvSpPr>
+            <a:spLocks noGrp="1"/>
+          </p:cNvSpPr>
+          <p:nvPr>
+            <p:ph type="body" idx="1"/>
+          </p:nvPr>
+        </p:nvSpPr>
+        <p:spPr/>
+        <p:txBody>
+          <a:bodyPr/>
+          <a:lstStyle/>
+          <a:p>
+            <a:r>
               <a:rPr lang="es-AR" dirty="0" smtClean="0">
                 <a:latin typeface="Segoe UI" panose="020B0502040204020203" pitchFamily="34" charset="0"/>
                 <a:cs typeface="Segoe UI" panose="020B0502040204020203" pitchFamily="34" charset="0"/>
               </a:rPr>
-              <a:t>Siglo XXI</a:t>
+              <a:t>La información como activo primordial</a:t>
             </a:r>
             <a:endParaRPr lang="es-AR" dirty="0">
               <a:latin typeface="Segoe UI" panose="020B0502040204020203" pitchFamily="34" charset="0"/>
@@ -10211,39 +10321,10 @@
           </a:p>
         </p:txBody>
       </p:sp>
-      <p:sp>
-        <p:nvSpPr>
-          <p:cNvPr id="3" name="Text Placeholder 2"/>
-          <p:cNvSpPr>
-            <a:spLocks noGrp="1"/>
-          </p:cNvSpPr>
-          <p:nvPr>
-            <p:ph type="body" idx="1"/>
-          </p:nvPr>
-        </p:nvSpPr>
-        <p:spPr/>
-        <p:txBody>
-          <a:bodyPr/>
-          <a:lstStyle/>
-          <a:p>
-            <a:r>
-              <a:rPr lang="es-AR" dirty="0" smtClean="0">
-                <a:latin typeface="Segoe UI" panose="020B0502040204020203" pitchFamily="34" charset="0"/>
-                <a:cs typeface="Segoe UI" panose="020B0502040204020203" pitchFamily="34" charset="0"/>
-              </a:rPr>
-              <a:t>La información como activo primordial</a:t>
-            </a:r>
-            <a:endParaRPr lang="es-AR" dirty="0">
-              <a:latin typeface="Segoe UI" panose="020B0502040204020203" pitchFamily="34" charset="0"/>
-              <a:cs typeface="Segoe UI" panose="020B0502040204020203" pitchFamily="34" charset="0"/>
-            </a:endParaRPr>
-          </a:p>
-        </p:txBody>
-      </p:sp>
     </p:spTree>
     <p:extLst>
       <p:ext uri="{BB962C8B-B14F-4D97-AF65-F5344CB8AC3E}">
-        <p14:creationId xmlns:p14="http://schemas.microsoft.com/office/powerpoint/2010/main" xmlns="" val="3439397754"/>
+        <p14:creationId xmlns="" xmlns:p14="http://schemas.microsoft.com/office/powerpoint/2010/main" val="3439397754"/>
       </p:ext>
     </p:extLst>
   </p:cSld>
@@ -10251,7 +10332,7 @@
     <a:masterClrMapping/>
   </p:clrMapOvr>
   <mc:AlternateContent xmlns:mc="http://schemas.openxmlformats.org/markup-compatibility/2006">
-    <mc:Choice xmlns:p14="http://schemas.microsoft.com/office/powerpoint/2010/main" xmlns="" Requires="p14">
+    <mc:Choice xmlns="" xmlns:p14="http://schemas.microsoft.com/office/powerpoint/2010/main" Requires="p14">
       <p:transition spd="med" p14:dur="700">
         <p:fade/>
       </p:transition>
@@ -10425,7 +10506,7 @@
     </p:spTree>
     <p:extLst>
       <p:ext uri="{BB962C8B-B14F-4D97-AF65-F5344CB8AC3E}">
-        <p14:creationId xmlns:p14="http://schemas.microsoft.com/office/powerpoint/2010/main" xmlns="" val="2675216716"/>
+        <p14:creationId xmlns="" xmlns:p14="http://schemas.microsoft.com/office/powerpoint/2010/main" val="2675216716"/>
       </p:ext>
     </p:extLst>
   </p:cSld>
@@ -10433,7 +10514,7 @@
     <a:masterClrMapping/>
   </p:clrMapOvr>
   <mc:AlternateContent xmlns:mc="http://schemas.openxmlformats.org/markup-compatibility/2006">
-    <mc:Choice xmlns:p14="http://schemas.microsoft.com/office/powerpoint/2010/main" xmlns="" Requires="p14">
+    <mc:Choice xmlns="" xmlns:p14="http://schemas.microsoft.com/office/powerpoint/2010/main" Requires="p14">
       <p:transition spd="med" p14:dur="700">
         <p:fade/>
       </p:transition>
@@ -10936,7 +11017,7 @@
           <a:blip r:embed="rId3" cstate="print">
             <a:extLst>
               <a:ext uri="{28A0092B-C50C-407E-A947-70E740481C1C}">
-                <a14:useLocalDpi xmlns:a14="http://schemas.microsoft.com/office/drawing/2010/main" xmlns="" val="0"/>
+                <a14:useLocalDpi xmlns="" xmlns:a14="http://schemas.microsoft.com/office/drawing/2010/main" val="0"/>
               </a:ext>
             </a:extLst>
           </a:blip>
@@ -10956,7 +11037,7 @@
           <a:noFill/>
           <a:extLst>
             <a:ext uri="{909E8E84-426E-40DD-AFC4-6F175D3DCCD1}">
-              <a14:hiddenFill xmlns:a14="http://schemas.microsoft.com/office/drawing/2010/main" xmlns="">
+              <a14:hiddenFill xmlns="" xmlns:a14="http://schemas.microsoft.com/office/drawing/2010/main">
                 <a:solidFill>
                   <a:srgbClr val="FFFFFF"/>
                 </a:solidFill>
@@ -10977,7 +11058,7 @@
           <a:blip r:embed="rId4" cstate="print">
             <a:extLst>
               <a:ext uri="{28A0092B-C50C-407E-A947-70E740481C1C}">
-                <a14:useLocalDpi xmlns:a14="http://schemas.microsoft.com/office/drawing/2010/main" xmlns="" val="0"/>
+                <a14:useLocalDpi xmlns="" xmlns:a14="http://schemas.microsoft.com/office/drawing/2010/main" val="0"/>
               </a:ext>
             </a:extLst>
           </a:blip>
@@ -10997,7 +11078,7 @@
           <a:noFill/>
           <a:extLst>
             <a:ext uri="{909E8E84-426E-40DD-AFC4-6F175D3DCCD1}">
-              <a14:hiddenFill xmlns:a14="http://schemas.microsoft.com/office/drawing/2010/main" xmlns="">
+              <a14:hiddenFill xmlns="" xmlns:a14="http://schemas.microsoft.com/office/drawing/2010/main">
                 <a:solidFill>
                   <a:srgbClr val="FFFFFF"/>
                 </a:solidFill>
@@ -11018,7 +11099,7 @@
           <a:blip r:embed="rId5" cstate="print">
             <a:extLst>
               <a:ext uri="{28A0092B-C50C-407E-A947-70E740481C1C}">
-                <a14:useLocalDpi xmlns:a14="http://schemas.microsoft.com/office/drawing/2010/main" xmlns="" val="0"/>
+                <a14:useLocalDpi xmlns="" xmlns:a14="http://schemas.microsoft.com/office/drawing/2010/main" val="0"/>
               </a:ext>
             </a:extLst>
           </a:blip>
@@ -11038,7 +11119,7 @@
           <a:noFill/>
           <a:extLst>
             <a:ext uri="{909E8E84-426E-40DD-AFC4-6F175D3DCCD1}">
-              <a14:hiddenFill xmlns:a14="http://schemas.microsoft.com/office/drawing/2010/main" xmlns="">
+              <a14:hiddenFill xmlns="" xmlns:a14="http://schemas.microsoft.com/office/drawing/2010/main">
                 <a:solidFill>
                   <a:srgbClr val="FFFFFF"/>
                 </a:solidFill>
@@ -11059,7 +11140,7 @@
           <a:blip r:embed="rId6" cstate="print">
             <a:extLst>
               <a:ext uri="{28A0092B-C50C-407E-A947-70E740481C1C}">
-                <a14:useLocalDpi xmlns:a14="http://schemas.microsoft.com/office/drawing/2010/main" xmlns="" val="0"/>
+                <a14:useLocalDpi xmlns="" xmlns:a14="http://schemas.microsoft.com/office/drawing/2010/main" val="0"/>
               </a:ext>
             </a:extLst>
           </a:blip>
@@ -11079,7 +11160,7 @@
           <a:noFill/>
           <a:extLst>
             <a:ext uri="{909E8E84-426E-40DD-AFC4-6F175D3DCCD1}">
-              <a14:hiddenFill xmlns:a14="http://schemas.microsoft.com/office/drawing/2010/main" xmlns="">
+              <a14:hiddenFill xmlns="" xmlns:a14="http://schemas.microsoft.com/office/drawing/2010/main">
                 <a:solidFill>
                   <a:srgbClr val="FFFFFF"/>
                 </a:solidFill>
@@ -11091,7 +11172,7 @@
     </p:spTree>
     <p:extLst>
       <p:ext uri="{BB962C8B-B14F-4D97-AF65-F5344CB8AC3E}">
-        <p14:creationId xmlns:p14="http://schemas.microsoft.com/office/powerpoint/2010/main" xmlns="" val="2564182459"/>
+        <p14:creationId xmlns="" xmlns:p14="http://schemas.microsoft.com/office/powerpoint/2010/main" val="2564182459"/>
       </p:ext>
     </p:extLst>
   </p:cSld>
@@ -11099,7 +11180,7 @@
     <a:masterClrMapping/>
   </p:clrMapOvr>
   <mc:AlternateContent xmlns:mc="http://schemas.openxmlformats.org/markup-compatibility/2006">
-    <mc:Choice xmlns:p14="http://schemas.microsoft.com/office/powerpoint/2010/main" xmlns="" Requires="p14">
+    <mc:Choice xmlns="" xmlns:p14="http://schemas.microsoft.com/office/powerpoint/2010/main" Requires="p14">
       <p:transition spd="med" p14:dur="700">
         <p:fade/>
       </p:transition>
@@ -11362,7 +11443,7 @@
           <a:blip r:embed="rId3" cstate="print">
             <a:extLst>
               <a:ext uri="{28A0092B-C50C-407E-A947-70E740481C1C}">
-                <a14:useLocalDpi xmlns:a14="http://schemas.microsoft.com/office/drawing/2010/main" xmlns="" val="0"/>
+                <a14:useLocalDpi xmlns="" xmlns:a14="http://schemas.microsoft.com/office/drawing/2010/main" val="0"/>
               </a:ext>
             </a:extLst>
           </a:blip>
@@ -11382,7 +11463,7 @@
           <a:noFill/>
           <a:extLst>
             <a:ext uri="{909E8E84-426E-40DD-AFC4-6F175D3DCCD1}">
-              <a14:hiddenFill xmlns:a14="http://schemas.microsoft.com/office/drawing/2010/main" xmlns="">
+              <a14:hiddenFill xmlns="" xmlns:a14="http://schemas.microsoft.com/office/drawing/2010/main">
                 <a:solidFill>
                   <a:srgbClr val="FFFFFF"/>
                 </a:solidFill>
@@ -11394,7 +11475,7 @@
     </p:spTree>
     <p:extLst>
       <p:ext uri="{BB962C8B-B14F-4D97-AF65-F5344CB8AC3E}">
-        <p14:creationId xmlns:p14="http://schemas.microsoft.com/office/powerpoint/2010/main" xmlns="" val="3356351472"/>
+        <p14:creationId xmlns="" xmlns:p14="http://schemas.microsoft.com/office/powerpoint/2010/main" val="3356351472"/>
       </p:ext>
     </p:extLst>
   </p:cSld>
@@ -11402,7 +11483,7 @@
     <a:masterClrMapping/>
   </p:clrMapOvr>
   <mc:AlternateContent xmlns:mc="http://schemas.openxmlformats.org/markup-compatibility/2006">
-    <mc:Choice xmlns:p14="http://schemas.microsoft.com/office/powerpoint/2010/main" xmlns="" Requires="p14">
+    <mc:Choice xmlns="" xmlns:p14="http://schemas.microsoft.com/office/powerpoint/2010/main" Requires="p14">
       <p:transition spd="med" p14:dur="700">
         <p:fade/>
       </p:transition>
@@ -11635,7 +11716,7 @@
           <a:blip r:embed="rId3" cstate="print">
             <a:extLst>
               <a:ext uri="{28A0092B-C50C-407E-A947-70E740481C1C}">
-                <a14:useLocalDpi xmlns:a14="http://schemas.microsoft.com/office/drawing/2010/main" xmlns="" val="0"/>
+                <a14:useLocalDpi xmlns="" xmlns:a14="http://schemas.microsoft.com/office/drawing/2010/main" val="0"/>
               </a:ext>
             </a:extLst>
           </a:blip>
@@ -11655,7 +11736,7 @@
           <a:noFill/>
           <a:extLst>
             <a:ext uri="{909E8E84-426E-40DD-AFC4-6F175D3DCCD1}">
-              <a14:hiddenFill xmlns:a14="http://schemas.microsoft.com/office/drawing/2010/main" xmlns="">
+              <a14:hiddenFill xmlns="" xmlns:a14="http://schemas.microsoft.com/office/drawing/2010/main">
                 <a:solidFill>
                   <a:srgbClr val="FFFFFF"/>
                 </a:solidFill>
@@ -11667,7 +11748,7 @@
     </p:spTree>
     <p:extLst>
       <p:ext uri="{BB962C8B-B14F-4D97-AF65-F5344CB8AC3E}">
-        <p14:creationId xmlns:p14="http://schemas.microsoft.com/office/powerpoint/2010/main" xmlns="" val="3374507202"/>
+        <p14:creationId xmlns="" xmlns:p14="http://schemas.microsoft.com/office/powerpoint/2010/main" val="3374507202"/>
       </p:ext>
     </p:extLst>
   </p:cSld>
@@ -11675,7 +11756,7 @@
     <a:masterClrMapping/>
   </p:clrMapOvr>
   <mc:AlternateContent xmlns:mc="http://schemas.openxmlformats.org/markup-compatibility/2006">
-    <mc:Choice xmlns:p14="http://schemas.microsoft.com/office/powerpoint/2010/main" xmlns="" Requires="p14">
+    <mc:Choice xmlns="" xmlns:p14="http://schemas.microsoft.com/office/powerpoint/2010/main" Requires="p14">
       <p:transition spd="med" p14:dur="700">
         <p:fade/>
       </p:transition>
@@ -11729,7 +11810,7 @@
           <a:lstStyle/>
           <a:p>
             <a:r>
-              <a:rPr lang="es-AR" spc="0" smtClean="0">
+              <a:rPr lang="es-AR" spc="0" dirty="0" smtClean="0">
                 <a:ln w="0"/>
                 <a:solidFill>
                   <a:schemeClr val="accent1"/>
@@ -11746,7 +11827,7 @@
               </a:rPr>
               <a:t>Introducción</a:t>
             </a:r>
-            <a:endParaRPr lang="es-AR" spc="0">
+            <a:endParaRPr lang="es-AR" spc="0" dirty="0">
               <a:ln w="0"/>
               <a:solidFill>
                 <a:schemeClr val="accent1"/>
@@ -11774,13 +11855,18 @@
             <p:ph idx="1"/>
           </p:nvPr>
         </p:nvSpPr>
-        <p:spPr/>
+        <p:spPr>
+          <a:xfrm>
+            <a:off x="1522413" y="2348880"/>
+            <a:ext cx="9134391" cy="3670920"/>
+          </a:xfrm>
+        </p:spPr>
         <p:txBody>
           <a:bodyPr/>
           <a:lstStyle/>
           <a:p>
             <a:r>
-              <a:rPr lang="es-AR" smtClean="0">
+              <a:rPr lang="es-AR" dirty="0" smtClean="0">
                 <a:latin typeface="Segoe UI" panose="020B0502040204020203" pitchFamily="34" charset="0"/>
                 <a:cs typeface="Segoe UI" panose="020B0502040204020203" pitchFamily="34" charset="0"/>
               </a:rPr>
@@ -11789,7 +11875,7 @@
           </a:p>
           <a:p>
             <a:r>
-              <a:rPr lang="es-AR" smtClean="0">
+              <a:rPr lang="es-AR" dirty="0" smtClean="0">
                 <a:latin typeface="Segoe UI" panose="020B0502040204020203" pitchFamily="34" charset="0"/>
                 <a:cs typeface="Segoe UI" panose="020B0502040204020203" pitchFamily="34" charset="0"/>
               </a:rPr>
@@ -11798,7 +11884,7 @@
           </a:p>
           <a:p>
             <a:r>
-              <a:rPr lang="es-AR">
+              <a:rPr lang="es-AR" dirty="0">
                 <a:latin typeface="Segoe UI" panose="020B0502040204020203" pitchFamily="34" charset="0"/>
                 <a:cs typeface="Segoe UI" panose="020B0502040204020203" pitchFamily="34" charset="0"/>
               </a:rPr>
@@ -11807,7 +11893,7 @@
           </a:p>
           <a:p>
             <a:r>
-              <a:rPr lang="es-AR" smtClean="0">
+              <a:rPr lang="es-AR" dirty="0" smtClean="0">
                 <a:latin typeface="Segoe UI" panose="020B0502040204020203" pitchFamily="34" charset="0"/>
                 <a:cs typeface="Segoe UI" panose="020B0502040204020203" pitchFamily="34" charset="0"/>
               </a:rPr>
@@ -11816,27 +11902,13 @@
           </a:p>
           <a:p>
             <a:r>
-              <a:rPr lang="es-AR" smtClean="0">
-                <a:latin typeface="Segoe UI" panose="020B0502040204020203" pitchFamily="34" charset="0"/>
-                <a:cs typeface="Segoe UI" panose="020B0502040204020203" pitchFamily="34" charset="0"/>
-              </a:rPr>
-              <a:t>Tipos </a:t>
-            </a:r>
-            <a:r>
-              <a:rPr lang="es-AR" smtClean="0">
-                <a:latin typeface="Segoe UI" panose="020B0502040204020203" pitchFamily="34" charset="0"/>
-                <a:cs typeface="Segoe UI" panose="020B0502040204020203" pitchFamily="34" charset="0"/>
-              </a:rPr>
-              <a:t>de </a:t>
-            </a:r>
-            <a:r>
-              <a:rPr lang="es-AR" smtClean="0">
-                <a:latin typeface="Segoe UI" panose="020B0502040204020203" pitchFamily="34" charset="0"/>
-                <a:cs typeface="Segoe UI" panose="020B0502040204020203" pitchFamily="34" charset="0"/>
-              </a:rPr>
-              <a:t>controles</a:t>
-            </a:r>
-            <a:endParaRPr lang="es-AR">
+              <a:rPr lang="es-AR" dirty="0" smtClean="0">
+                <a:latin typeface="Segoe UI" panose="020B0502040204020203" pitchFamily="34" charset="0"/>
+                <a:cs typeface="Segoe UI" panose="020B0502040204020203" pitchFamily="34" charset="0"/>
+              </a:rPr>
+              <a:t>Tipos de controles</a:t>
+            </a:r>
+            <a:endParaRPr lang="es-AR" dirty="0">
               <a:latin typeface="Segoe UI" panose="020B0502040204020203" pitchFamily="34" charset="0"/>
               <a:cs typeface="Segoe UI" panose="020B0502040204020203" pitchFamily="34" charset="0"/>
             </a:endParaRPr>
@@ -11846,7 +11918,7 @@
     </p:spTree>
     <p:extLst>
       <p:ext uri="{BB962C8B-B14F-4D97-AF65-F5344CB8AC3E}">
-        <p14:creationId xmlns:p14="http://schemas.microsoft.com/office/powerpoint/2010/main" xmlns="" val="3106206852"/>
+        <p14:creationId xmlns="" xmlns:p14="http://schemas.microsoft.com/office/powerpoint/2010/main" val="3106206852"/>
       </p:ext>
     </p:extLst>
   </p:cSld>
@@ -11854,7 +11926,7 @@
     <a:masterClrMapping/>
   </p:clrMapOvr>
   <mc:AlternateContent xmlns:mc="http://schemas.openxmlformats.org/markup-compatibility/2006">
-    <mc:Choice xmlns:p14="http://schemas.microsoft.com/office/powerpoint/2010/main" xmlns="" Requires="p14">
+    <mc:Choice xmlns="" xmlns:p14="http://schemas.microsoft.com/office/powerpoint/2010/main" Requires="p14">
       <p:transition spd="med" p14:dur="700">
         <p:fade/>
       </p:transition>
@@ -12039,7 +12111,7 @@
     </p:spTree>
     <p:extLst>
       <p:ext uri="{BB962C8B-B14F-4D97-AF65-F5344CB8AC3E}">
-        <p14:creationId xmlns:p14="http://schemas.microsoft.com/office/powerpoint/2010/main" xmlns="" val="2283345473"/>
+        <p14:creationId xmlns="" xmlns:p14="http://schemas.microsoft.com/office/powerpoint/2010/main" val="2283345473"/>
       </p:ext>
     </p:extLst>
   </p:cSld>
@@ -12047,7 +12119,7 @@
     <a:masterClrMapping/>
   </p:clrMapOvr>
   <mc:AlternateContent xmlns:mc="http://schemas.openxmlformats.org/markup-compatibility/2006">
-    <mc:Choice xmlns:p14="http://schemas.microsoft.com/office/powerpoint/2010/main" xmlns="" Requires="p14">
+    <mc:Choice xmlns="" xmlns:p14="http://schemas.microsoft.com/office/powerpoint/2010/main" Requires="p14">
       <p:transition spd="med" p14:dur="700">
         <p:fade/>
       </p:transition>
@@ -12236,7 +12308,7 @@
     </p:spTree>
     <p:extLst>
       <p:ext uri="{BB962C8B-B14F-4D97-AF65-F5344CB8AC3E}">
-        <p14:creationId xmlns:p14="http://schemas.microsoft.com/office/powerpoint/2010/main" xmlns="" val="2283345473"/>
+        <p14:creationId xmlns="" xmlns:p14="http://schemas.microsoft.com/office/powerpoint/2010/main" val="2283345473"/>
       </p:ext>
     </p:extLst>
   </p:cSld>
@@ -12244,7 +12316,7 @@
     <a:masterClrMapping/>
   </p:clrMapOvr>
   <mc:AlternateContent xmlns:mc="http://schemas.openxmlformats.org/markup-compatibility/2006">
-    <mc:Choice xmlns:p14="http://schemas.microsoft.com/office/powerpoint/2010/main" xmlns="" Requires="p14">
+    <mc:Choice xmlns="" xmlns:p14="http://schemas.microsoft.com/office/powerpoint/2010/main" Requires="p14">
       <p:transition spd="med" p14:dur="700">
         <p:fade/>
       </p:transition>
@@ -12383,7 +12455,7 @@
     </p:spTree>
     <p:extLst>
       <p:ext uri="{BB962C8B-B14F-4D97-AF65-F5344CB8AC3E}">
-        <p14:creationId xmlns:p14="http://schemas.microsoft.com/office/powerpoint/2010/main" xmlns="" val="659291744"/>
+        <p14:creationId xmlns="" xmlns:p14="http://schemas.microsoft.com/office/powerpoint/2010/main" val="659291744"/>
       </p:ext>
     </p:extLst>
   </p:cSld>
@@ -12391,7 +12463,7 @@
     <a:masterClrMapping/>
   </p:clrMapOvr>
   <mc:AlternateContent xmlns:mc="http://schemas.openxmlformats.org/markup-compatibility/2006">
-    <mc:Choice xmlns:p14="http://schemas.microsoft.com/office/powerpoint/2010/main" xmlns="" Requires="p14">
+    <mc:Choice xmlns="" xmlns:p14="http://schemas.microsoft.com/office/powerpoint/2010/main" Requires="p14">
       <p:transition spd="med" p14:dur="700">
         <p:fade/>
       </p:transition>
@@ -12628,7 +12700,7 @@
     </p:spTree>
     <p:extLst>
       <p:ext uri="{BB962C8B-B14F-4D97-AF65-F5344CB8AC3E}">
-        <p14:creationId xmlns:p14="http://schemas.microsoft.com/office/powerpoint/2010/main" xmlns="" val="659291744"/>
+        <p14:creationId xmlns="" xmlns:p14="http://schemas.microsoft.com/office/powerpoint/2010/main" val="659291744"/>
       </p:ext>
     </p:extLst>
   </p:cSld>
@@ -12636,7 +12708,7 @@
     <a:masterClrMapping/>
   </p:clrMapOvr>
   <mc:AlternateContent xmlns:mc="http://schemas.openxmlformats.org/markup-compatibility/2006">
-    <mc:Choice xmlns:p14="http://schemas.microsoft.com/office/powerpoint/2010/main" xmlns="" Requires="p14">
+    <mc:Choice xmlns="" xmlns:p14="http://schemas.microsoft.com/office/powerpoint/2010/main" Requires="p14">
       <p:transition spd="med" p14:dur="700">
         <p:fade/>
       </p:transition>
@@ -12795,7 +12867,7 @@
     </p:spTree>
     <p:extLst>
       <p:ext uri="{BB962C8B-B14F-4D97-AF65-F5344CB8AC3E}">
-        <p14:creationId xmlns:p14="http://schemas.microsoft.com/office/powerpoint/2010/main" xmlns="" val="659291744"/>
+        <p14:creationId xmlns="" xmlns:p14="http://schemas.microsoft.com/office/powerpoint/2010/main" val="659291744"/>
       </p:ext>
     </p:extLst>
   </p:cSld>
@@ -12803,7 +12875,7 @@
     <a:masterClrMapping/>
   </p:clrMapOvr>
   <mc:AlternateContent xmlns:mc="http://schemas.openxmlformats.org/markup-compatibility/2006">
-    <mc:Choice xmlns:p14="http://schemas.microsoft.com/office/powerpoint/2010/main" xmlns="" Requires="p14">
+    <mc:Choice xmlns="" xmlns:p14="http://schemas.microsoft.com/office/powerpoint/2010/main" Requires="p14">
       <p:transition spd="med" p14:dur="700">
         <p:fade/>
       </p:transition>
@@ -12989,7 +13061,7 @@
     </p:spTree>
     <p:extLst>
       <p:ext uri="{BB962C8B-B14F-4D97-AF65-F5344CB8AC3E}">
-        <p14:creationId xmlns:p14="http://schemas.microsoft.com/office/powerpoint/2010/main" xmlns="" val="659291744"/>
+        <p14:creationId xmlns="" xmlns:p14="http://schemas.microsoft.com/office/powerpoint/2010/main" val="659291744"/>
       </p:ext>
     </p:extLst>
   </p:cSld>
@@ -12997,7 +13069,7 @@
     <a:masterClrMapping/>
   </p:clrMapOvr>
   <mc:AlternateContent xmlns:mc="http://schemas.openxmlformats.org/markup-compatibility/2006">
-    <mc:Choice xmlns:p14="http://schemas.microsoft.com/office/powerpoint/2010/main" xmlns="" Requires="p14">
+    <mc:Choice xmlns="" xmlns:p14="http://schemas.microsoft.com/office/powerpoint/2010/main" Requires="p14">
       <p:transition spd="med" p14:dur="700">
         <p:fade/>
       </p:transition>
@@ -13067,7 +13139,7 @@
     </p:spTree>
     <p:extLst>
       <p:ext uri="{BB962C8B-B14F-4D97-AF65-F5344CB8AC3E}">
-        <p14:creationId xmlns:p14="http://schemas.microsoft.com/office/powerpoint/2010/main" xmlns="" val="1539601608"/>
+        <p14:creationId xmlns="" xmlns:p14="http://schemas.microsoft.com/office/powerpoint/2010/main" val="1539601608"/>
       </p:ext>
     </p:extLst>
   </p:cSld>
@@ -13075,7 +13147,7 @@
     <a:masterClrMapping/>
   </p:clrMapOvr>
   <mc:AlternateContent xmlns:mc="http://schemas.openxmlformats.org/markup-compatibility/2006">
-    <mc:Choice xmlns:p14="http://schemas.microsoft.com/office/powerpoint/2010/main" xmlns="" Requires="p14">
+    <mc:Choice xmlns="" xmlns:p14="http://schemas.microsoft.com/office/powerpoint/2010/main" Requires="p14">
       <p:transition spd="med" p14:dur="700">
         <p:fade/>
       </p:transition>
@@ -13136,6 +13208,9 @@
                   </a:solidFill>
                   <a:prstDash val="solid"/>
                 </a:ln>
+                <a:solidFill>
+                  <a:schemeClr val="accent1"/>
+                </a:solidFill>
                 <a:effectLst>
                   <a:outerShdw blurRad="12700" dist="38100" dir="2700000" algn="tl" rotWithShape="0">
                     <a:schemeClr val="bg1">
@@ -13155,6 +13230,9 @@
                 </a:solidFill>
                 <a:prstDash val="solid"/>
               </a:ln>
+              <a:solidFill>
+                <a:schemeClr val="accent1"/>
+              </a:solidFill>
               <a:effectLst>
                 <a:outerShdw blurRad="12700" dist="38100" dir="2700000" algn="tl" rotWithShape="0">
                   <a:schemeClr val="bg1">
@@ -13234,7 +13312,7 @@
     </p:spTree>
     <p:extLst>
       <p:ext uri="{BB962C8B-B14F-4D97-AF65-F5344CB8AC3E}">
-        <p14:creationId xmlns:p14="http://schemas.microsoft.com/office/powerpoint/2010/main" xmlns="" val="3280227416"/>
+        <p14:creationId xmlns="" xmlns:p14="http://schemas.microsoft.com/office/powerpoint/2010/main" val="3280227416"/>
       </p:ext>
     </p:extLst>
   </p:cSld>
@@ -13242,7 +13320,7 @@
     <a:masterClrMapping/>
   </p:clrMapOvr>
   <mc:AlternateContent xmlns:mc="http://schemas.openxmlformats.org/markup-compatibility/2006">
-    <mc:Choice xmlns:p14="http://schemas.microsoft.com/office/powerpoint/2010/main" xmlns="" Requires="p14">
+    <mc:Choice xmlns="" xmlns:p14="http://schemas.microsoft.com/office/powerpoint/2010/main" Requires="p14">
       <p:transition spd="med" p14:dur="700">
         <p:fade/>
       </p:transition>
@@ -13303,6 +13381,9 @@
                   </a:solidFill>
                   <a:prstDash val="solid"/>
                 </a:ln>
+                <a:solidFill>
+                  <a:schemeClr val="accent1"/>
+                </a:solidFill>
                 <a:effectLst>
                   <a:outerShdw blurRad="12700" dist="38100" dir="2700000" algn="tl" rotWithShape="0">
                     <a:schemeClr val="bg1">
@@ -13322,6 +13403,9 @@
                 </a:solidFill>
                 <a:prstDash val="solid"/>
               </a:ln>
+              <a:solidFill>
+                <a:schemeClr val="accent1"/>
+              </a:solidFill>
               <a:effectLst>
                 <a:outerShdw blurRad="12700" dist="38100" dir="2700000" algn="tl" rotWithShape="0">
                   <a:schemeClr val="bg1">
@@ -13475,7 +13559,7 @@
     </p:spTree>
     <p:extLst>
       <p:ext uri="{BB962C8B-B14F-4D97-AF65-F5344CB8AC3E}">
-        <p14:creationId xmlns:p14="http://schemas.microsoft.com/office/powerpoint/2010/main" xmlns="" val="3816537714"/>
+        <p14:creationId xmlns="" xmlns:p14="http://schemas.microsoft.com/office/powerpoint/2010/main" val="3816537714"/>
       </p:ext>
     </p:extLst>
   </p:cSld>
@@ -13483,7 +13567,7 @@
     <a:masterClrMapping/>
   </p:clrMapOvr>
   <mc:AlternateContent xmlns:mc="http://schemas.openxmlformats.org/markup-compatibility/2006">
-    <mc:Choice xmlns:p14="http://schemas.microsoft.com/office/powerpoint/2010/main" xmlns="" Requires="p14">
+    <mc:Choice xmlns="" xmlns:p14="http://schemas.microsoft.com/office/powerpoint/2010/main" Requires="p14">
       <p:transition spd="med" p14:dur="700">
         <p:fade/>
       </p:transition>
@@ -13544,6 +13628,9 @@
                   </a:solidFill>
                   <a:prstDash val="solid"/>
                 </a:ln>
+                <a:solidFill>
+                  <a:schemeClr val="accent1"/>
+                </a:solidFill>
                 <a:effectLst>
                   <a:outerShdw blurRad="12700" dist="38100" dir="2700000" algn="tl" rotWithShape="0">
                     <a:schemeClr val="bg1">
@@ -13563,6 +13650,9 @@
                 </a:solidFill>
                 <a:prstDash val="solid"/>
               </a:ln>
+              <a:solidFill>
+                <a:schemeClr val="accent1"/>
+              </a:solidFill>
               <a:effectLst>
                 <a:outerShdw blurRad="12700" dist="38100" dir="2700000" algn="tl" rotWithShape="0">
                   <a:schemeClr val="bg1">
@@ -13674,7 +13764,7 @@
     </p:spTree>
     <p:extLst>
       <p:ext uri="{BB962C8B-B14F-4D97-AF65-F5344CB8AC3E}">
-        <p14:creationId xmlns:p14="http://schemas.microsoft.com/office/powerpoint/2010/main" xmlns="" val="2896967631"/>
+        <p14:creationId xmlns="" xmlns:p14="http://schemas.microsoft.com/office/powerpoint/2010/main" val="2896967631"/>
       </p:ext>
     </p:extLst>
   </p:cSld>
@@ -13682,7 +13772,7 @@
     <a:masterClrMapping/>
   </p:clrMapOvr>
   <mc:AlternateContent xmlns:mc="http://schemas.openxmlformats.org/markup-compatibility/2006">
-    <mc:Choice xmlns:p14="http://schemas.microsoft.com/office/powerpoint/2010/main" xmlns="" Requires="p14">
+    <mc:Choice xmlns="" xmlns:p14="http://schemas.microsoft.com/office/powerpoint/2010/main" Requires="p14">
       <p:transition spd="med" p14:dur="700">
         <p:fade/>
       </p:transition>
@@ -13733,37 +13823,64 @@
         <p:spPr>
           <a:xfrm>
             <a:off x="1522413" y="381000"/>
-            <a:ext cx="9972599" cy="1371600"/>
+            <a:ext cx="9972599" cy="1175792"/>
           </a:xfrm>
         </p:spPr>
         <p:txBody>
           <a:bodyPr>
-            <a:normAutofit fontScale="90000"/>
+            <a:normAutofit/>
           </a:bodyPr>
           <a:lstStyle/>
           <a:p>
             <a:pPr algn="ctr"/>
             <a:r>
-              <a:rPr lang="es-AR" sz="4000" dirty="0">
-                <a:latin typeface="Segoe UI" panose="020B0502040204020203" pitchFamily="34" charset="0"/>
-                <a:cs typeface="Segoe UI" panose="020B0502040204020203" pitchFamily="34" charset="0"/>
-              </a:rPr>
-              <a:t>El activo más valioso de las organizaciones</a:t>
-            </a:r>
-            <a:r>
-              <a:rPr lang="es-AR" dirty="0">
-                <a:latin typeface="Segoe UI" panose="020B0502040204020203" pitchFamily="34" charset="0"/>
-                <a:cs typeface="Segoe UI" panose="020B0502040204020203" pitchFamily="34" charset="0"/>
-              </a:rPr>
-              <a:t/>
-            </a:r>
-            <a:br>
-              <a:rPr lang="es-AR" dirty="0">
-                <a:latin typeface="Segoe UI" panose="020B0502040204020203" pitchFamily="34" charset="0"/>
-                <a:cs typeface="Segoe UI" panose="020B0502040204020203" pitchFamily="34" charset="0"/>
-              </a:rPr>
-            </a:br>
-            <a:endParaRPr lang="es-AR" dirty="0">
+              <a:rPr lang="es-AR" spc="0" dirty="0">
+                <a:ln w="0"/>
+                <a:solidFill>
+                  <a:schemeClr val="accent1"/>
+                </a:solidFill>
+                <a:effectLst>
+                  <a:outerShdw blurRad="38100" dist="25400" dir="5400000" algn="ctr" rotWithShape="0">
+                    <a:srgbClr val="6E747A">
+                      <a:alpha val="43000"/>
+                    </a:srgbClr>
+                  </a:outerShdw>
+                </a:effectLst>
+                <a:latin typeface="Segoe UI" panose="020B0502040204020203" pitchFamily="34" charset="0"/>
+                <a:cs typeface="Segoe UI" panose="020B0502040204020203" pitchFamily="34" charset="0"/>
+              </a:rPr>
+              <a:t>El activo más valioso de las </a:t>
+            </a:r>
+            <a:r>
+              <a:rPr lang="es-AR" spc="0" dirty="0" smtClean="0">
+                <a:ln w="0"/>
+                <a:solidFill>
+                  <a:schemeClr val="accent1"/>
+                </a:solidFill>
+                <a:effectLst>
+                  <a:outerShdw blurRad="38100" dist="25400" dir="5400000" algn="ctr" rotWithShape="0">
+                    <a:srgbClr val="6E747A">
+                      <a:alpha val="43000"/>
+                    </a:srgbClr>
+                  </a:outerShdw>
+                </a:effectLst>
+                <a:latin typeface="Segoe UI" panose="020B0502040204020203" pitchFamily="34" charset="0"/>
+                <a:cs typeface="Segoe UI" panose="020B0502040204020203" pitchFamily="34" charset="0"/>
+              </a:rPr>
+              <a:t>organizaciones</a:t>
+            </a:r>
+            <a:endParaRPr lang="es-AR" spc="0" dirty="0">
+              <a:ln w="0"/>
+              <a:solidFill>
+                <a:schemeClr val="accent1"/>
+              </a:solidFill>
+              <a:effectLst>
+                <a:outerShdw blurRad="38100" dist="25400" dir="5400000" algn="ctr" rotWithShape="0">
+                  <a:srgbClr val="6E747A">
+                    <a:alpha val="43000"/>
+                  </a:srgbClr>
+                </a:outerShdw>
+              </a:effectLst>
               <a:latin typeface="Segoe UI" panose="020B0502040204020203" pitchFamily="34" charset="0"/>
               <a:cs typeface="Segoe UI" panose="020B0502040204020203" pitchFamily="34" charset="0"/>
             </a:endParaRPr>
@@ -13964,7 +14081,7 @@
     </p:spTree>
     <p:extLst>
       <p:ext uri="{BB962C8B-B14F-4D97-AF65-F5344CB8AC3E}">
-        <p14:creationId xmlns:p14="http://schemas.microsoft.com/office/powerpoint/2010/main" xmlns="" val="3323359930"/>
+        <p14:creationId xmlns="" xmlns:p14="http://schemas.microsoft.com/office/powerpoint/2010/main" val="3323359930"/>
       </p:ext>
     </p:extLst>
   </p:cSld>
@@ -13972,7 +14089,7 @@
     <a:masterClrMapping/>
   </p:clrMapOvr>
   <mc:AlternateContent xmlns:mc="http://schemas.openxmlformats.org/markup-compatibility/2006">
-    <mc:Choice xmlns:p14="http://schemas.microsoft.com/office/powerpoint/2010/main" xmlns="" Requires="p14">
+    <mc:Choice xmlns="" xmlns:p14="http://schemas.microsoft.com/office/powerpoint/2010/main" Requires="p14">
       <p:transition spd="med" p14:dur="700">
         <p:fade/>
       </p:transition>
@@ -14020,7 +14137,12 @@
             <p:ph type="title"/>
           </p:nvPr>
         </p:nvSpPr>
-        <p:spPr/>
+        <p:spPr>
+          <a:xfrm>
+            <a:off x="5302324" y="548680"/>
+            <a:ext cx="1582424" cy="1143000"/>
+          </a:xfrm>
+        </p:spPr>
         <p:txBody>
           <a:bodyPr>
             <a:normAutofit/>
@@ -14029,12 +14151,18 @@
           <a:p>
             <a:r>
               <a:rPr lang="es-AR" sz="6600" dirty="0" smtClean="0">
+                <a:solidFill>
+                  <a:schemeClr val="accent1"/>
+                </a:solidFill>
                 <a:latin typeface="Segoe UI" panose="020B0502040204020203" pitchFamily="34" charset="0"/>
                 <a:cs typeface="Segoe UI" panose="020B0502040204020203" pitchFamily="34" charset="0"/>
               </a:rPr>
               <a:t>Fin</a:t>
             </a:r>
             <a:endParaRPr lang="en-US" sz="6600" dirty="0">
+              <a:solidFill>
+                <a:schemeClr val="accent1"/>
+              </a:solidFill>
               <a:latin typeface="Segoe UI" panose="020B0502040204020203" pitchFamily="34" charset="0"/>
               <a:cs typeface="Segoe UI" panose="020B0502040204020203" pitchFamily="34" charset="0"/>
             </a:endParaRPr>
@@ -14051,7 +14179,12 @@
             <p:ph type="body" sz="half" idx="2"/>
           </p:nvPr>
         </p:nvSpPr>
-        <p:spPr/>
+        <p:spPr>
+          <a:xfrm>
+            <a:off x="2494012" y="2132856"/>
+            <a:ext cx="3581399" cy="1371600"/>
+          </a:xfrm>
+        </p:spPr>
         <p:txBody>
           <a:bodyPr>
             <a:normAutofit/>
@@ -14072,10 +14205,162 @@
           </a:p>
         </p:txBody>
       </p:sp>
+      <p:sp>
+        <p:nvSpPr>
+          <p:cNvPr id="5" name="Text Placeholder 3"/>
+          <p:cNvSpPr txBox="1">
+            <a:spLocks/>
+          </p:cNvSpPr>
+          <p:nvPr/>
+        </p:nvSpPr>
+        <p:spPr>
+          <a:xfrm>
+            <a:off x="7030516" y="3284984"/>
+            <a:ext cx="3581399" cy="1371600"/>
+          </a:xfrm>
+          <a:prstGeom prst="rect">
+            <a:avLst/>
+          </a:prstGeom>
+        </p:spPr>
+        <p:txBody>
+          <a:bodyPr vert="horz" lIns="91440" tIns="45720" rIns="91440" bIns="45720" rtlCol="0">
+            <a:normAutofit/>
+          </a:bodyPr>
+          <a:lstStyle/>
+          <a:p>
+            <a:pPr marL="0" marR="0" lvl="0" indent="0" algn="l" defTabSz="914400" rtl="0" eaLnBrk="1" fontAlgn="auto" latinLnBrk="0" hangingPunct="1">
+              <a:lnSpc>
+                <a:spcPct val="90000"/>
+              </a:lnSpc>
+              <a:spcBef>
+                <a:spcPts val="1200"/>
+              </a:spcBef>
+              <a:spcAft>
+                <a:spcPts val="0"/>
+              </a:spcAft>
+              <a:buClr>
+                <a:schemeClr val="accent1"/>
+              </a:buClr>
+              <a:buSzPct val="100000"/>
+              <a:buFont typeface="Arial" pitchFamily="34" charset="0"/>
+              <a:buNone/>
+              <a:tabLst/>
+              <a:defRPr/>
+            </a:pPr>
+            <a:r>
+              <a:rPr kumimoji="0" lang="es-AR" sz="3600" b="0" i="0" u="none" strike="noStrike" kern="1200" cap="none" spc="0" normalizeH="0" baseline="0" noProof="0" dirty="0" smtClean="0">
+                <a:ln>
+                  <a:noFill/>
+                </a:ln>
+                <a:solidFill>
+                  <a:schemeClr val="tx1"/>
+                </a:solidFill>
+                <a:effectLst/>
+                <a:uLnTx/>
+                <a:uFillTx/>
+                <a:latin typeface="Segoe UI" panose="020B0502040204020203" pitchFamily="34" charset="0"/>
+                <a:ea typeface="+mn-ea"/>
+                <a:cs typeface="Segoe UI" panose="020B0502040204020203" pitchFamily="34" charset="0"/>
+              </a:rPr>
+              <a:t>¿Consultas?</a:t>
+            </a:r>
+            <a:endParaRPr kumimoji="0" lang="en-US" sz="3600" b="0" i="0" u="none" strike="noStrike" kern="1200" cap="none" spc="0" normalizeH="0" baseline="0" noProof="0" dirty="0">
+              <a:ln>
+                <a:noFill/>
+              </a:ln>
+              <a:solidFill>
+                <a:schemeClr val="tx1"/>
+              </a:solidFill>
+              <a:effectLst/>
+              <a:uLnTx/>
+              <a:uFillTx/>
+              <a:latin typeface="Segoe UI" panose="020B0502040204020203" pitchFamily="34" charset="0"/>
+              <a:ea typeface="+mn-ea"/>
+              <a:cs typeface="Segoe UI" panose="020B0502040204020203" pitchFamily="34" charset="0"/>
+            </a:endParaRPr>
+          </a:p>
+        </p:txBody>
+      </p:sp>
+      <p:sp>
+        <p:nvSpPr>
+          <p:cNvPr id="6" name="Text Placeholder 3"/>
+          <p:cNvSpPr txBox="1">
+            <a:spLocks/>
+          </p:cNvSpPr>
+          <p:nvPr/>
+        </p:nvSpPr>
+        <p:spPr>
+          <a:xfrm>
+            <a:off x="2566020" y="4581128"/>
+            <a:ext cx="3581399" cy="1371600"/>
+          </a:xfrm>
+          <a:prstGeom prst="rect">
+            <a:avLst/>
+          </a:prstGeom>
+        </p:spPr>
+        <p:txBody>
+          <a:bodyPr vert="horz" lIns="91440" tIns="45720" rIns="91440" bIns="45720" rtlCol="0">
+            <a:normAutofit/>
+          </a:bodyPr>
+          <a:lstStyle/>
+          <a:p>
+            <a:pPr marL="0" marR="0" lvl="0" indent="0" algn="l" defTabSz="914400" rtl="0" eaLnBrk="1" fontAlgn="auto" latinLnBrk="0" hangingPunct="1">
+              <a:lnSpc>
+                <a:spcPct val="90000"/>
+              </a:lnSpc>
+              <a:spcBef>
+                <a:spcPts val="1200"/>
+              </a:spcBef>
+              <a:spcAft>
+                <a:spcPts val="0"/>
+              </a:spcAft>
+              <a:buClr>
+                <a:schemeClr val="accent1"/>
+              </a:buClr>
+              <a:buSzPct val="100000"/>
+              <a:buFont typeface="Arial" pitchFamily="34" charset="0"/>
+              <a:buNone/>
+              <a:tabLst/>
+              <a:defRPr/>
+            </a:pPr>
+            <a:r>
+              <a:rPr kumimoji="0" lang="es-AR" sz="3600" b="0" i="0" u="none" strike="noStrike" kern="1200" cap="none" spc="0" normalizeH="0" baseline="0" noProof="0" dirty="0" smtClean="0">
+                <a:ln>
+                  <a:noFill/>
+                </a:ln>
+                <a:solidFill>
+                  <a:schemeClr val="tx1"/>
+                </a:solidFill>
+                <a:effectLst/>
+                <a:uLnTx/>
+                <a:uFillTx/>
+                <a:latin typeface="Segoe UI" panose="020B0502040204020203" pitchFamily="34" charset="0"/>
+                <a:ea typeface="+mn-ea"/>
+                <a:cs typeface="Segoe UI" panose="020B0502040204020203" pitchFamily="34" charset="0"/>
+              </a:rPr>
+              <a:t>¿Dudas?</a:t>
+            </a:r>
+            <a:endParaRPr kumimoji="0" lang="en-US" sz="3600" b="0" i="0" u="none" strike="noStrike" kern="1200" cap="none" spc="0" normalizeH="0" baseline="0" noProof="0" dirty="0">
+              <a:ln>
+                <a:noFill/>
+              </a:ln>
+              <a:solidFill>
+                <a:schemeClr val="tx1"/>
+              </a:solidFill>
+              <a:effectLst/>
+              <a:uLnTx/>
+              <a:uFillTx/>
+              <a:latin typeface="Segoe UI" panose="020B0502040204020203" pitchFamily="34" charset="0"/>
+              <a:ea typeface="+mn-ea"/>
+              <a:cs typeface="Segoe UI" panose="020B0502040204020203" pitchFamily="34" charset="0"/>
+            </a:endParaRPr>
+          </a:p>
+        </p:txBody>
+      </p:sp>
     </p:spTree>
     <p:extLst>
       <p:ext uri="{BB962C8B-B14F-4D97-AF65-F5344CB8AC3E}">
-        <p14:creationId xmlns:p14="http://schemas.microsoft.com/office/powerpoint/2010/main" xmlns="" val="1108506989"/>
+        <p14:creationId xmlns="" xmlns:p14="http://schemas.microsoft.com/office/powerpoint/2010/main" val="1108506989"/>
       </p:ext>
     </p:extLst>
   </p:cSld>
@@ -14083,7 +14368,119 @@
     <a:masterClrMapping/>
   </p:clrMapOvr>
   <mc:AlternateContent xmlns:mc="http://schemas.openxmlformats.org/markup-compatibility/2006">
-    <mc:Choice xmlns:p14="http://schemas.microsoft.com/office/powerpoint/2010/main" xmlns="" Requires="p14">
+    <mc:Choice xmlns="" xmlns:p14="http://schemas.microsoft.com/office/powerpoint/2010/main" Requires="p14">
+      <p:transition spd="med" p14:dur="700">
+        <p:fade/>
+      </p:transition>
+    </mc:Choice>
+    <mc:Fallback>
+      <p:transition spd="med">
+        <p:fade/>
+      </p:transition>
+    </mc:Fallback>
+  </mc:AlternateContent>
+  <p:timing>
+    <p:tnLst>
+      <p:par>
+        <p:cTn id="1" dur="indefinite" restart="never" nodeType="tmRoot"/>
+      </p:par>
+    </p:tnLst>
+  </p:timing>
+</p:sld>
+</file>
+
+<file path=ppt/slides/slide41.xml><?xml version="1.0" encoding="utf-8"?>
+<p:sld xmlns:a="http://schemas.openxmlformats.org/drawingml/2006/main" xmlns:r="http://schemas.openxmlformats.org/officeDocument/2006/relationships" xmlns:p="http://schemas.openxmlformats.org/presentationml/2006/main">
+  <p:cSld>
+    <p:spTree>
+      <p:nvGrpSpPr>
+        <p:cNvPr id="1" name=""/>
+        <p:cNvGrpSpPr/>
+        <p:nvPr/>
+      </p:nvGrpSpPr>
+      <p:grpSpPr>
+        <a:xfrm>
+          <a:off x="0" y="0"/>
+          <a:ext cx="0" cy="0"/>
+          <a:chOff x="0" y="0"/>
+          <a:chExt cx="0" cy="0"/>
+        </a:xfrm>
+      </p:grpSpPr>
+      <p:sp>
+        <p:nvSpPr>
+          <p:cNvPr id="3" name="Title 2"/>
+          <p:cNvSpPr>
+            <a:spLocks noGrp="1"/>
+          </p:cNvSpPr>
+          <p:nvPr>
+            <p:ph type="title"/>
+          </p:nvPr>
+        </p:nvSpPr>
+        <p:spPr>
+          <a:xfrm>
+            <a:off x="1" y="0"/>
+            <a:ext cx="12188824" cy="6858000"/>
+          </a:xfrm>
+        </p:spPr>
+        <p:txBody>
+          <a:bodyPr anchor="ctr">
+            <a:normAutofit/>
+          </a:bodyPr>
+          <a:lstStyle/>
+          <a:p>
+            <a:pPr algn="ctr"/>
+            <a:r>
+              <a:rPr lang="es-AR" sz="8000" b="1" dirty="0" smtClean="0">
+                <a:solidFill>
+                  <a:schemeClr val="accent1">
+                    <a:lumMod val="40000"/>
+                    <a:lumOff val="60000"/>
+                  </a:schemeClr>
+                </a:solidFill>
+                <a:effectLst>
+                  <a:outerShdw blurRad="38100" dist="38100" dir="2700000" algn="tl">
+                    <a:srgbClr val="000000">
+                      <a:alpha val="43137"/>
+                    </a:srgbClr>
+                  </a:outerShdw>
+                </a:effectLst>
+                <a:latin typeface="Segoe UI" panose="020B0502040204020203" pitchFamily="34" charset="0"/>
+                <a:cs typeface="Segoe UI" panose="020B0502040204020203" pitchFamily="34" charset="0"/>
+              </a:rPr>
+              <a:t>Muchas gracias !!!</a:t>
+            </a:r>
+            <a:endParaRPr lang="en-US" sz="8000" b="1" dirty="0">
+              <a:solidFill>
+                <a:schemeClr val="accent1">
+                  <a:lumMod val="40000"/>
+                  <a:lumOff val="60000"/>
+                </a:schemeClr>
+              </a:solidFill>
+              <a:effectLst>
+                <a:outerShdw blurRad="38100" dist="38100" dir="2700000" algn="tl">
+                  <a:srgbClr val="000000">
+                    <a:alpha val="43137"/>
+                  </a:srgbClr>
+                </a:outerShdw>
+              </a:effectLst>
+              <a:latin typeface="Segoe UI" panose="020B0502040204020203" pitchFamily="34" charset="0"/>
+              <a:cs typeface="Segoe UI" panose="020B0502040204020203" pitchFamily="34" charset="0"/>
+            </a:endParaRPr>
+          </a:p>
+        </p:txBody>
+      </p:sp>
+    </p:spTree>
+    <p:extLst>
+      <p:ext uri="{BB962C8B-B14F-4D97-AF65-F5344CB8AC3E}">
+        <p14:creationId xmlns="" xmlns:p14="http://schemas.microsoft.com/office/powerpoint/2010/main" val="1108506989"/>
+      </p:ext>
+    </p:extLst>
+  </p:cSld>
+  <p:clrMapOvr>
+    <a:masterClrMapping/>
+  </p:clrMapOvr>
+  <mc:AlternateContent xmlns:mc="http://schemas.openxmlformats.org/markup-compatibility/2006">
+    <mc:Choice xmlns="" xmlns:p14="http://schemas.microsoft.com/office/powerpoint/2010/main" Requires="p14">
       <p:transition spd="med" p14:dur="700">
         <p:fade/>
       </p:transition>
@@ -14146,6 +14543,9 @@
             <a:pPr algn="ctr"/>
             <a:r>
               <a:rPr lang="es-AR" dirty="0" smtClean="0">
+                <a:solidFill>
+                  <a:schemeClr val="accent1"/>
+                </a:solidFill>
                 <a:latin typeface="Segoe UI" panose="020B0502040204020203" pitchFamily="34" charset="0"/>
                 <a:cs typeface="Segoe UI" panose="020B0502040204020203" pitchFamily="34" charset="0"/>
               </a:rPr>
@@ -14153,6 +14553,9 @@
             </a:r>
             <a:r>
               <a:rPr lang="es-AR" dirty="0">
+                <a:solidFill>
+                  <a:schemeClr val="accent1"/>
+                </a:solidFill>
                 <a:latin typeface="Segoe UI" panose="020B0502040204020203" pitchFamily="34" charset="0"/>
                 <a:cs typeface="Segoe UI" panose="020B0502040204020203" pitchFamily="34" charset="0"/>
               </a:rPr>
@@ -14160,12 +14563,28 @@
             </a:r>
             <a:r>
               <a:rPr lang="es-AR" dirty="0" smtClean="0">
-                <a:latin typeface="Segoe UI" panose="020B0502040204020203" pitchFamily="34" charset="0"/>
-                <a:cs typeface="Segoe UI" panose="020B0502040204020203" pitchFamily="34" charset="0"/>
-              </a:rPr>
-              <a:t>información I</a:t>
+                <a:solidFill>
+                  <a:schemeClr val="accent1"/>
+                </a:solidFill>
+                <a:latin typeface="Segoe UI" panose="020B0502040204020203" pitchFamily="34" charset="0"/>
+                <a:cs typeface="Segoe UI" panose="020B0502040204020203" pitchFamily="34" charset="0"/>
+              </a:rPr>
+              <a:t>información </a:t>
+            </a:r>
+            <a:r>
+              <a:rPr lang="es-AR" dirty="0" smtClean="0">
+                <a:solidFill>
+                  <a:schemeClr val="accent1"/>
+                </a:solidFill>
+                <a:latin typeface="Segoe UI" panose="020B0502040204020203" pitchFamily="34" charset="0"/>
+                <a:cs typeface="Segoe UI" panose="020B0502040204020203" pitchFamily="34" charset="0"/>
+              </a:rPr>
+              <a:t> (I)</a:t>
             </a:r>
             <a:endParaRPr lang="es-AR" dirty="0">
+              <a:solidFill>
+                <a:schemeClr val="accent1"/>
+              </a:solidFill>
               <a:latin typeface="Segoe UI" panose="020B0502040204020203" pitchFamily="34" charset="0"/>
               <a:cs typeface="Segoe UI" panose="020B0502040204020203" pitchFamily="34" charset="0"/>
             </a:endParaRPr>
@@ -14342,7 +14761,7 @@
           <a:blip r:embed="rId2" cstate="print">
             <a:extLst>
               <a:ext uri="{28A0092B-C50C-407E-A947-70E740481C1C}">
-                <a14:useLocalDpi xmlns:a14="http://schemas.microsoft.com/office/drawing/2010/main" xmlns="" val="0"/>
+                <a14:useLocalDpi xmlns="" xmlns:a14="http://schemas.microsoft.com/office/drawing/2010/main" val="0"/>
               </a:ext>
             </a:extLst>
           </a:blip>
@@ -14362,7 +14781,7 @@
           <a:noFill/>
           <a:extLst>
             <a:ext uri="{909E8E84-426E-40DD-AFC4-6F175D3DCCD1}">
-              <a14:hiddenFill xmlns:a14="http://schemas.microsoft.com/office/drawing/2010/main" xmlns="">
+              <a14:hiddenFill xmlns="" xmlns:a14="http://schemas.microsoft.com/office/drawing/2010/main">
                 <a:solidFill>
                   <a:srgbClr val="FFFFFF"/>
                 </a:solidFill>
@@ -14374,7 +14793,7 @@
     </p:spTree>
     <p:extLst>
       <p:ext uri="{BB962C8B-B14F-4D97-AF65-F5344CB8AC3E}">
-        <p14:creationId xmlns:p14="http://schemas.microsoft.com/office/powerpoint/2010/main" xmlns="" val="1350001534"/>
+        <p14:creationId xmlns="" xmlns:p14="http://schemas.microsoft.com/office/powerpoint/2010/main" val="1350001534"/>
       </p:ext>
     </p:extLst>
   </p:cSld>
@@ -14382,7 +14801,7 @@
     <a:masterClrMapping/>
   </p:clrMapOvr>
   <mc:AlternateContent xmlns:mc="http://schemas.openxmlformats.org/markup-compatibility/2006">
-    <mc:Choice xmlns:p14="http://schemas.microsoft.com/office/powerpoint/2010/main" xmlns="" Requires="p14">
+    <mc:Choice xmlns="" xmlns:p14="http://schemas.microsoft.com/office/powerpoint/2010/main" Requires="p14">
       <p:transition spd="med" p14:dur="700">
         <p:fade/>
       </p:transition>
@@ -14445,6 +14864,9 @@
             <a:pPr algn="ctr"/>
             <a:r>
               <a:rPr lang="es-AR" dirty="0" smtClean="0">
+                <a:solidFill>
+                  <a:schemeClr val="accent1"/>
+                </a:solidFill>
                 <a:latin typeface="Segoe UI" panose="020B0502040204020203" pitchFamily="34" charset="0"/>
                 <a:cs typeface="Segoe UI" panose="020B0502040204020203" pitchFamily="34" charset="0"/>
               </a:rPr>
@@ -14452,6 +14874,9 @@
             </a:r>
             <a:r>
               <a:rPr lang="es-AR" dirty="0">
+                <a:solidFill>
+                  <a:schemeClr val="accent1"/>
+                </a:solidFill>
                 <a:latin typeface="Segoe UI" panose="020B0502040204020203" pitchFamily="34" charset="0"/>
                 <a:cs typeface="Segoe UI" panose="020B0502040204020203" pitchFamily="34" charset="0"/>
               </a:rPr>
@@ -14459,12 +14884,28 @@
             </a:r>
             <a:r>
               <a:rPr lang="es-AR" dirty="0" smtClean="0">
-                <a:latin typeface="Segoe UI" panose="020B0502040204020203" pitchFamily="34" charset="0"/>
-                <a:cs typeface="Segoe UI" panose="020B0502040204020203" pitchFamily="34" charset="0"/>
-              </a:rPr>
-              <a:t>información II</a:t>
+                <a:solidFill>
+                  <a:schemeClr val="accent1"/>
+                </a:solidFill>
+                <a:latin typeface="Segoe UI" panose="020B0502040204020203" pitchFamily="34" charset="0"/>
+                <a:cs typeface="Segoe UI" panose="020B0502040204020203" pitchFamily="34" charset="0"/>
+              </a:rPr>
+              <a:t>información </a:t>
+            </a:r>
+            <a:r>
+              <a:rPr lang="es-AR" dirty="0" smtClean="0">
+                <a:solidFill>
+                  <a:schemeClr val="accent1"/>
+                </a:solidFill>
+                <a:latin typeface="Segoe UI" panose="020B0502040204020203" pitchFamily="34" charset="0"/>
+                <a:cs typeface="Segoe UI" panose="020B0502040204020203" pitchFamily="34" charset="0"/>
+              </a:rPr>
+              <a:t> (II)</a:t>
             </a:r>
             <a:endParaRPr lang="es-AR" dirty="0">
+              <a:solidFill>
+                <a:schemeClr val="accent1"/>
+              </a:solidFill>
               <a:latin typeface="Segoe UI" panose="020B0502040204020203" pitchFamily="34" charset="0"/>
               <a:cs typeface="Segoe UI" panose="020B0502040204020203" pitchFamily="34" charset="0"/>
             </a:endParaRPr>
@@ -14755,7 +15196,7 @@
     </p:spTree>
     <p:extLst>
       <p:ext uri="{BB962C8B-B14F-4D97-AF65-F5344CB8AC3E}">
-        <p14:creationId xmlns:p14="http://schemas.microsoft.com/office/powerpoint/2010/main" xmlns="" val="3438441757"/>
+        <p14:creationId xmlns="" xmlns:p14="http://schemas.microsoft.com/office/powerpoint/2010/main" val="3438441757"/>
       </p:ext>
     </p:extLst>
   </p:cSld>
@@ -14763,7 +15204,7 @@
     <a:masterClrMapping/>
   </p:clrMapOvr>
   <mc:AlternateContent xmlns:mc="http://schemas.openxmlformats.org/markup-compatibility/2006">
-    <mc:Choice xmlns:p14="http://schemas.microsoft.com/office/powerpoint/2010/main" xmlns="" Requires="p14">
+    <mc:Choice xmlns="" xmlns:p14="http://schemas.microsoft.com/office/powerpoint/2010/main" Requires="p14">
       <p:transition spd="med" p14:dur="700">
         <p:fade/>
       </p:transition>
@@ -14814,7 +15255,7 @@
         <p:spPr>
           <a:xfrm>
             <a:off x="1125860" y="332656"/>
-            <a:ext cx="10188623" cy="743744"/>
+            <a:ext cx="10513168" cy="743744"/>
           </a:xfrm>
         </p:spPr>
         <p:txBody>
@@ -14825,6 +15266,9 @@
           <a:p>
             <a:r>
               <a:rPr lang="es-AR" dirty="0">
+                <a:solidFill>
+                  <a:schemeClr val="accent1"/>
+                </a:solidFill>
                 <a:latin typeface="Segoe UI" panose="020B0502040204020203" pitchFamily="34" charset="0"/>
                 <a:cs typeface="Segoe UI" panose="020B0502040204020203" pitchFamily="34" charset="0"/>
               </a:rPr>
@@ -14832,12 +15276,19 @@
             </a:r>
             <a:r>
               <a:rPr lang="es-AR" dirty="0" smtClean="0">
-                <a:latin typeface="Segoe UI" panose="020B0502040204020203" pitchFamily="34" charset="0"/>
-                <a:cs typeface="Segoe UI" panose="020B0502040204020203" pitchFamily="34" charset="0"/>
-              </a:rPr>
-              <a:t>I</a:t>
-            </a:r>
-            <a:endParaRPr lang="es-AR" b="1" dirty="0"/>
+                <a:solidFill>
+                  <a:schemeClr val="accent1"/>
+                </a:solidFill>
+                <a:latin typeface="Segoe UI" panose="020B0502040204020203" pitchFamily="34" charset="0"/>
+                <a:cs typeface="Segoe UI" panose="020B0502040204020203" pitchFamily="34" charset="0"/>
+              </a:rPr>
+              <a:t> (I)</a:t>
+            </a:r>
+            <a:endParaRPr lang="es-AR" b="1" dirty="0">
+              <a:solidFill>
+                <a:schemeClr val="accent1"/>
+              </a:solidFill>
+            </a:endParaRPr>
           </a:p>
         </p:txBody>
       </p:sp>
@@ -15015,7 +15466,7 @@
     </p:spTree>
     <p:extLst>
       <p:ext uri="{BB962C8B-B14F-4D97-AF65-F5344CB8AC3E}">
-        <p14:creationId xmlns:p14="http://schemas.microsoft.com/office/powerpoint/2010/main" xmlns="" val="3833366108"/>
+        <p14:creationId xmlns="" xmlns:p14="http://schemas.microsoft.com/office/powerpoint/2010/main" val="3833366108"/>
       </p:ext>
     </p:extLst>
   </p:cSld>
@@ -15023,7 +15474,7 @@
     <a:masterClrMapping/>
   </p:clrMapOvr>
   <mc:AlternateContent xmlns:mc="http://schemas.openxmlformats.org/markup-compatibility/2006">
-    <mc:Choice xmlns:p14="http://schemas.microsoft.com/office/powerpoint/2010/main" xmlns="" Requires="p14">
+    <mc:Choice xmlns="" xmlns:p14="http://schemas.microsoft.com/office/powerpoint/2010/main" Requires="p14">
       <p:transition spd="med" p14:dur="700">
         <p:fade/>
       </p:transition>
@@ -15074,7 +15525,7 @@
         <p:spPr>
           <a:xfrm>
             <a:off x="981844" y="116632"/>
-            <a:ext cx="10260631" cy="743744"/>
+            <a:ext cx="10657184" cy="743744"/>
           </a:xfrm>
         </p:spPr>
         <p:txBody>
@@ -15085,6 +15536,9 @@
           <a:p>
             <a:r>
               <a:rPr lang="es-AR" dirty="0">
+                <a:solidFill>
+                  <a:schemeClr val="accent1"/>
+                </a:solidFill>
                 <a:latin typeface="Segoe UI" panose="020B0502040204020203" pitchFamily="34" charset="0"/>
                 <a:cs typeface="Segoe UI" panose="020B0502040204020203" pitchFamily="34" charset="0"/>
               </a:rPr>
@@ -15092,12 +15546,29 @@
             </a:r>
             <a:r>
               <a:rPr lang="es-AR" dirty="0" smtClean="0">
-                <a:latin typeface="Segoe UI" panose="020B0502040204020203" pitchFamily="34" charset="0"/>
-                <a:cs typeface="Segoe UI" panose="020B0502040204020203" pitchFamily="34" charset="0"/>
-              </a:rPr>
-              <a:t>información II </a:t>
-            </a:r>
-            <a:endParaRPr lang="es-AR" b="1" dirty="0"/>
+                <a:solidFill>
+                  <a:schemeClr val="accent1"/>
+                </a:solidFill>
+                <a:latin typeface="Segoe UI" panose="020B0502040204020203" pitchFamily="34" charset="0"/>
+                <a:cs typeface="Segoe UI" panose="020B0502040204020203" pitchFamily="34" charset="0"/>
+              </a:rPr>
+              <a:t>información </a:t>
+            </a:r>
+            <a:r>
+              <a:rPr lang="es-AR" dirty="0" smtClean="0">
+                <a:solidFill>
+                  <a:schemeClr val="accent1"/>
+                </a:solidFill>
+                <a:latin typeface="Segoe UI" panose="020B0502040204020203" pitchFamily="34" charset="0"/>
+                <a:cs typeface="Segoe UI" panose="020B0502040204020203" pitchFamily="34" charset="0"/>
+              </a:rPr>
+              <a:t> (II) </a:t>
+            </a:r>
+            <a:endParaRPr lang="es-AR" b="1" dirty="0">
+              <a:solidFill>
+                <a:schemeClr val="accent1"/>
+              </a:solidFill>
+            </a:endParaRPr>
           </a:p>
         </p:txBody>
       </p:sp>
@@ -15113,7 +15584,7 @@
           <a:blip r:embed="rId2" cstate="print">
             <a:extLst>
               <a:ext uri="{28A0092B-C50C-407E-A947-70E740481C1C}">
-                <a14:useLocalDpi xmlns:a14="http://schemas.microsoft.com/office/drawing/2010/main" xmlns="" val="0"/>
+                <a14:useLocalDpi xmlns="" xmlns:a14="http://schemas.microsoft.com/office/drawing/2010/main" val="0"/>
               </a:ext>
             </a:extLst>
           </a:blip>
@@ -15136,14 +15607,14 @@
           </a:ln>
           <a:extLst>
             <a:ext uri="{909E8E84-426E-40DD-AFC4-6F175D3DCCD1}">
-              <a14:hiddenFill xmlns:a14="http://schemas.microsoft.com/office/drawing/2010/main" xmlns="">
+              <a14:hiddenFill xmlns="" xmlns:a14="http://schemas.microsoft.com/office/drawing/2010/main">
                 <a:solidFill>
                   <a:schemeClr val="accent1"/>
                 </a:solidFill>
               </a14:hiddenFill>
             </a:ext>
             <a:ext uri="{91240B29-F687-4F45-9708-019B960494DF}">
-              <a14:hiddenLine xmlns:a14="http://schemas.microsoft.com/office/drawing/2010/main" xmlns="" w="9525">
+              <a14:hiddenLine xmlns="" xmlns:a14="http://schemas.microsoft.com/office/drawing/2010/main" w="9525">
                 <a:solidFill>
                   <a:schemeClr val="tx1"/>
                 </a:solidFill>
@@ -15158,7 +15629,7 @@
     </p:spTree>
     <p:extLst>
       <p:ext uri="{BB962C8B-B14F-4D97-AF65-F5344CB8AC3E}">
-        <p14:creationId xmlns:p14="http://schemas.microsoft.com/office/powerpoint/2010/main" xmlns="" val="2112418618"/>
+        <p14:creationId xmlns="" xmlns:p14="http://schemas.microsoft.com/office/powerpoint/2010/main" val="2112418618"/>
       </p:ext>
     </p:extLst>
   </p:cSld>
@@ -15166,7 +15637,7 @@
     <a:masterClrMapping/>
   </p:clrMapOvr>
   <mc:AlternateContent xmlns:mc="http://schemas.openxmlformats.org/markup-compatibility/2006">
-    <mc:Choice xmlns:p14="http://schemas.microsoft.com/office/powerpoint/2010/main" xmlns="" Requires="p14">
+    <mc:Choice xmlns="" xmlns:p14="http://schemas.microsoft.com/office/powerpoint/2010/main" Requires="p14">
       <p:transition spd="med" p14:dur="700">
         <p:fade/>
       </p:transition>
@@ -15229,6 +15700,9 @@
             <a:pPr algn="ctr"/>
             <a:r>
               <a:rPr lang="es-AR" dirty="0">
+                <a:solidFill>
+                  <a:schemeClr val="accent1"/>
+                </a:solidFill>
                 <a:latin typeface="Segoe UI" panose="020B0502040204020203" pitchFamily="34" charset="0"/>
                 <a:cs typeface="Segoe UI" panose="020B0502040204020203" pitchFamily="34" charset="0"/>
               </a:rPr>
@@ -15236,12 +15710,19 @@
             </a:r>
             <a:r>
               <a:rPr lang="es-AR" dirty="0" smtClean="0">
+                <a:solidFill>
+                  <a:schemeClr val="accent1"/>
+                </a:solidFill>
                 <a:latin typeface="Segoe UI" panose="020B0502040204020203" pitchFamily="34" charset="0"/>
                 <a:cs typeface="Segoe UI" panose="020B0502040204020203" pitchFamily="34" charset="0"/>
               </a:rPr>
               <a:t>existentes</a:t>
             </a:r>
-            <a:endParaRPr lang="es-AR" b="1" dirty="0"/>
+            <a:endParaRPr lang="es-AR" b="1" dirty="0">
+              <a:solidFill>
+                <a:schemeClr val="accent1"/>
+              </a:solidFill>
+            </a:endParaRPr>
           </a:p>
         </p:txBody>
       </p:sp>
@@ -15447,7 +15928,7 @@
           <a:blip r:embed="rId2" cstate="print">
             <a:extLst>
               <a:ext uri="{28A0092B-C50C-407E-A947-70E740481C1C}">
-                <a14:useLocalDpi xmlns:a14="http://schemas.microsoft.com/office/drawing/2010/main" xmlns="" val="0"/>
+                <a14:useLocalDpi xmlns="" xmlns:a14="http://schemas.microsoft.com/office/drawing/2010/main" val="0"/>
               </a:ext>
             </a:extLst>
           </a:blip>
@@ -15470,14 +15951,14 @@
           </a:ln>
           <a:extLst>
             <a:ext uri="{909E8E84-426E-40DD-AFC4-6F175D3DCCD1}">
-              <a14:hiddenFill xmlns:a14="http://schemas.microsoft.com/office/drawing/2010/main" xmlns="">
+              <a14:hiddenFill xmlns="" xmlns:a14="http://schemas.microsoft.com/office/drawing/2010/main">
                 <a:solidFill>
                   <a:schemeClr val="accent1"/>
                 </a:solidFill>
               </a14:hiddenFill>
             </a:ext>
             <a:ext uri="{91240B29-F687-4F45-9708-019B960494DF}">
-              <a14:hiddenLine xmlns:a14="http://schemas.microsoft.com/office/drawing/2010/main" xmlns="" w="9525">
+              <a14:hiddenLine xmlns="" xmlns:a14="http://schemas.microsoft.com/office/drawing/2010/main" w="9525">
                 <a:solidFill>
                   <a:schemeClr val="tx1"/>
                 </a:solidFill>
@@ -15492,7 +15973,7 @@
     </p:spTree>
     <p:extLst>
       <p:ext uri="{BB962C8B-B14F-4D97-AF65-F5344CB8AC3E}">
-        <p14:creationId xmlns:p14="http://schemas.microsoft.com/office/powerpoint/2010/main" xmlns="" val="1393713661"/>
+        <p14:creationId xmlns="" xmlns:p14="http://schemas.microsoft.com/office/powerpoint/2010/main" val="1393713661"/>
       </p:ext>
     </p:extLst>
   </p:cSld>
@@ -15500,7 +15981,7 @@
     <a:masterClrMapping/>
   </p:clrMapOvr>
   <mc:AlternateContent xmlns:mc="http://schemas.openxmlformats.org/markup-compatibility/2006">
-    <mc:Choice xmlns:p14="http://schemas.microsoft.com/office/powerpoint/2010/main" xmlns="" Requires="p14">
+    <mc:Choice xmlns="" xmlns:p14="http://schemas.microsoft.com/office/powerpoint/2010/main" Requires="p14">
       <p:transition spd="med" p14:dur="700">
         <p:fade/>
       </p:transition>

--- a/Presentacion/Fuga de Información.pptx
+++ b/Presentacion/Fuga de Información.pptx
@@ -5,10 +5,10 @@
     <p:sldMasterId id="2147483648" r:id="rId2"/>
   </p:sldMasterIdLst>
   <p:notesMasterIdLst>
-    <p:notesMasterId r:id="rId44"/>
+    <p:notesMasterId r:id="rId45"/>
   </p:notesMasterIdLst>
   <p:handoutMasterIdLst>
-    <p:handoutMasterId r:id="rId45"/>
+    <p:handoutMasterId r:id="rId46"/>
   </p:handoutMasterIdLst>
   <p:sldIdLst>
     <p:sldId id="265" r:id="rId3"/>
@@ -51,12 +51,13 @@
     <p:sldId id="351" r:id="rId40"/>
     <p:sldId id="352" r:id="rId41"/>
     <p:sldId id="353" r:id="rId42"/>
-    <p:sldId id="319" r:id="rId43"/>
+    <p:sldId id="370" r:id="rId43"/>
+    <p:sldId id="371" r:id="rId44"/>
   </p:sldIdLst>
   <p:sldSz cx="12188825" cy="6858000"/>
   <p:notesSz cx="6858000" cy="9144000"/>
   <p:custDataLst>
-    <p:tags r:id="rId46"/>
+    <p:tags r:id="rId47"/>
   </p:custDataLst>
   <p:defaultTextStyle>
     <a:defPPr>
@@ -155,7 +156,7 @@
   </p:defaultTextStyle>
   <p:extLst>
     <p:ext uri="{EFAFB233-063F-42B5-8137-9DF3F51BA10A}">
-      <p15:sldGuideLst xmlns:p15="http://schemas.microsoft.com/office/powerpoint/2012/main">
+      <p15:sldGuideLst xmlns:p15="http://schemas.microsoft.com/office/powerpoint/2012/main" xmlns="">
         <p15:guide id="1" pos="3839" userDrawn="1">
           <p15:clr>
             <a:srgbClr val="A4A3A4"/>
@@ -169,7 +170,7 @@
       </p15:sldGuideLst>
     </p:ext>
     <p:ext uri="{2D200454-40CA-4A62-9FC3-DE9A4176ACB9}">
-      <p15:notesGuideLst xmlns:p15="http://schemas.microsoft.com/office/powerpoint/2012/main"/>
+      <p15:notesGuideLst xmlns:p15="http://schemas.microsoft.com/office/powerpoint/2012/main" xmlns=""/>
     </p:ext>
   </p:extLst>
 </p:presentation>
@@ -334,7 +335,7 @@
     </p:spTree>
     <p:extLst>
       <p:ext uri="{BB962C8B-B14F-4D97-AF65-F5344CB8AC3E}">
-        <p14:creationId xmlns:p14="http://schemas.microsoft.com/office/powerpoint/2010/main" val="3932065745"/>
+        <p14:creationId xmlns:p14="http://schemas.microsoft.com/office/powerpoint/2010/main" xmlns="" val="3932065745"/>
       </p:ext>
     </p:extLst>
   </p:cSld>
@@ -593,7 +594,7 @@
     </p:spTree>
     <p:extLst>
       <p:ext uri="{BB962C8B-B14F-4D97-AF65-F5344CB8AC3E}">
-        <p14:creationId xmlns:p14="http://schemas.microsoft.com/office/powerpoint/2010/main" val="4276579820"/>
+        <p14:creationId xmlns:p14="http://schemas.microsoft.com/office/powerpoint/2010/main" xmlns="" val="4276579820"/>
       </p:ext>
     </p:extLst>
   </p:cSld>
@@ -1088,7 +1089,7 @@
     </p:spTree>
     <p:extLst>
       <p:ext uri="{BB962C8B-B14F-4D97-AF65-F5344CB8AC3E}">
-        <p14:creationId xmlns:p14="http://schemas.microsoft.com/office/powerpoint/2010/main" val="246766428"/>
+        <p14:creationId xmlns:p14="http://schemas.microsoft.com/office/powerpoint/2010/main" xmlns="" val="246766428"/>
       </p:ext>
     </p:extLst>
   </p:cSld>
@@ -1173,7 +1174,7 @@
     </p:spTree>
     <p:extLst>
       <p:ext uri="{BB962C8B-B14F-4D97-AF65-F5344CB8AC3E}">
-        <p14:creationId xmlns:p14="http://schemas.microsoft.com/office/powerpoint/2010/main" val="2425724269"/>
+        <p14:creationId xmlns:p14="http://schemas.microsoft.com/office/powerpoint/2010/main" xmlns="" val="2425724269"/>
       </p:ext>
     </p:extLst>
   </p:cSld>
@@ -1258,7 +1259,7 @@
     </p:spTree>
     <p:extLst>
       <p:ext uri="{BB962C8B-B14F-4D97-AF65-F5344CB8AC3E}">
-        <p14:creationId xmlns:p14="http://schemas.microsoft.com/office/powerpoint/2010/main" val="913013488"/>
+        <p14:creationId xmlns:p14="http://schemas.microsoft.com/office/powerpoint/2010/main" xmlns="" val="913013488"/>
       </p:ext>
     </p:extLst>
   </p:cSld>
@@ -1343,7 +1344,7 @@
     </p:spTree>
     <p:extLst>
       <p:ext uri="{BB962C8B-B14F-4D97-AF65-F5344CB8AC3E}">
-        <p14:creationId xmlns:p14="http://schemas.microsoft.com/office/powerpoint/2010/main" val="3326557915"/>
+        <p14:creationId xmlns:p14="http://schemas.microsoft.com/office/powerpoint/2010/main" xmlns="" val="3326557915"/>
       </p:ext>
     </p:extLst>
   </p:cSld>
@@ -1428,7 +1429,7 @@
     </p:spTree>
     <p:extLst>
       <p:ext uri="{BB962C8B-B14F-4D97-AF65-F5344CB8AC3E}">
-        <p14:creationId xmlns:p14="http://schemas.microsoft.com/office/powerpoint/2010/main" val="3460376957"/>
+        <p14:creationId xmlns:p14="http://schemas.microsoft.com/office/powerpoint/2010/main" xmlns="" val="3460376957"/>
       </p:ext>
     </p:extLst>
   </p:cSld>
@@ -1513,7 +1514,7 @@
     </p:spTree>
     <p:extLst>
       <p:ext uri="{BB962C8B-B14F-4D97-AF65-F5344CB8AC3E}">
-        <p14:creationId xmlns:p14="http://schemas.microsoft.com/office/powerpoint/2010/main" val="4202137938"/>
+        <p14:creationId xmlns:p14="http://schemas.microsoft.com/office/powerpoint/2010/main" xmlns="" val="4202137938"/>
       </p:ext>
     </p:extLst>
   </p:cSld>
@@ -1598,7 +1599,7 @@
     </p:spTree>
     <p:extLst>
       <p:ext uri="{BB962C8B-B14F-4D97-AF65-F5344CB8AC3E}">
-        <p14:creationId xmlns:p14="http://schemas.microsoft.com/office/powerpoint/2010/main" val="2586394931"/>
+        <p14:creationId xmlns:p14="http://schemas.microsoft.com/office/powerpoint/2010/main" xmlns="" val="2586394931"/>
       </p:ext>
     </p:extLst>
   </p:cSld>
@@ -1683,7 +1684,7 @@
     </p:spTree>
     <p:extLst>
       <p:ext uri="{BB962C8B-B14F-4D97-AF65-F5344CB8AC3E}">
-        <p14:creationId xmlns:p14="http://schemas.microsoft.com/office/powerpoint/2010/main" val="1362585539"/>
+        <p14:creationId xmlns:p14="http://schemas.microsoft.com/office/powerpoint/2010/main" xmlns="" val="1362585539"/>
       </p:ext>
     </p:extLst>
   </p:cSld>
@@ -2060,7 +2061,7 @@
     </p:spTree>
     <p:extLst>
       <p:ext uri="{BB962C8B-B14F-4D97-AF65-F5344CB8AC3E}">
-        <p14:creationId xmlns:p14="http://schemas.microsoft.com/office/powerpoint/2010/main" val="3805029774"/>
+        <p14:creationId xmlns:p14="http://schemas.microsoft.com/office/powerpoint/2010/main" xmlns="" val="3805029774"/>
       </p:ext>
     </p:extLst>
   </p:cSld>
@@ -2256,7 +2257,7 @@
                 <a:latin typeface="+mn-lt"/>
                 <a:ea typeface="+mn-ea"/>
                 <a:cs typeface="+mn-cs"/>
-                <a:hlinkClick r:id="rId6"/>
+                <a:hlinkClick r:id="rId5"/>
               </a:rPr>
               <a:t>[4]</a:t>
             </a:r>
@@ -2295,7 +2296,7 @@
                 <a:latin typeface="+mn-lt"/>
                 <a:ea typeface="+mn-ea"/>
                 <a:cs typeface="+mn-cs"/>
-                <a:hlinkClick r:id="rId7" tooltip="Prosecutor"/>
+                <a:hlinkClick r:id="rId6" tooltip="Prosecutor"/>
               </a:rPr>
               <a:t>prosecutors</a:t>
             </a:r>
@@ -2320,7 +2321,7 @@
                 <a:latin typeface="+mn-lt"/>
                 <a:ea typeface="+mn-ea"/>
                 <a:cs typeface="+mn-cs"/>
-                <a:hlinkClick r:id="rId8" tooltip="Criminal charge"/>
+                <a:hlinkClick r:id="rId7" tooltip="Criminal charge"/>
               </a:rPr>
               <a:t>charged</a:t>
             </a:r>
@@ -2345,7 +2346,7 @@
                 <a:latin typeface="+mn-lt"/>
                 <a:ea typeface="+mn-ea"/>
                 <a:cs typeface="+mn-cs"/>
-                <a:hlinkClick r:id="rId9" tooltip="Espionage Act of 1917"/>
+                <a:hlinkClick r:id="rId8" tooltip="Espionage Act of 1917"/>
               </a:rPr>
               <a:t>espionage</a:t>
             </a:r>
@@ -2370,7 +2371,7 @@
                 <a:latin typeface="+mn-lt"/>
                 <a:ea typeface="+mn-ea"/>
                 <a:cs typeface="+mn-cs"/>
-                <a:hlinkClick r:id="rId10" tooltip="Theft of property"/>
+                <a:hlinkClick r:id="rId9" tooltip="Theft of property"/>
               </a:rPr>
               <a:t>theft of government property</a:t>
             </a:r>
@@ -2395,7 +2396,7 @@
                 <a:latin typeface="+mn-lt"/>
                 <a:ea typeface="+mn-ea"/>
                 <a:cs typeface="+mn-cs"/>
-                <a:hlinkClick r:id="rId11"/>
+                <a:hlinkClick r:id="rId5"/>
               </a:rPr>
               <a:t>[16]</a:t>
             </a:r>
@@ -2420,7 +2421,7 @@
                 <a:latin typeface="+mn-lt"/>
                 <a:ea typeface="+mn-ea"/>
                 <a:cs typeface="+mn-cs"/>
-                <a:hlinkClick r:id="rId12" tooltip="Right of asylum"/>
+                <a:hlinkClick r:id="rId10" tooltip="Right of asylum"/>
               </a:rPr>
               <a:t>asylum</a:t>
             </a:r>
@@ -2445,7 +2446,7 @@
                 <a:latin typeface="+mn-lt"/>
                 <a:ea typeface="+mn-ea"/>
                 <a:cs typeface="+mn-cs"/>
-                <a:hlinkClick r:id="rId13"/>
+                <a:hlinkClick r:id="rId5"/>
               </a:rPr>
               <a:t>[17]</a:t>
             </a:r>
@@ -2470,7 +2471,7 @@
                 <a:latin typeface="+mn-lt"/>
                 <a:ea typeface="+mn-ea"/>
                 <a:cs typeface="+mn-cs"/>
-                <a:hlinkClick r:id="rId14" tooltip="Russia–United States relations"/>
+                <a:hlinkClick r:id="rId11" tooltip="Russia–United States relations"/>
               </a:rPr>
               <a:t>Russia–United States relations</a:t>
             </a:r>
@@ -2532,7 +2533,7 @@
                 <a:latin typeface="+mn-lt"/>
                 <a:ea typeface="+mn-ea"/>
                 <a:cs typeface="+mn-cs"/>
-                <a:hlinkClick r:id="rId15" tooltip="Phishing"/>
+                <a:hlinkClick r:id="rId12" tooltip="Phishing"/>
               </a:rPr>
               <a:t>phishing</a:t>
             </a:r>
@@ -2557,7 +2558,7 @@
                 <a:latin typeface="+mn-lt"/>
                 <a:ea typeface="+mn-ea"/>
                 <a:cs typeface="+mn-cs"/>
-                <a:hlinkClick r:id="rId16" tooltip="Brute force method"/>
+                <a:hlinkClick r:id="rId13" tooltip="Brute force method"/>
               </a:rPr>
               <a:t>brute-force</a:t>
             </a:r>
@@ -2582,7 +2583,7 @@
                 <a:latin typeface="+mn-lt"/>
                 <a:ea typeface="+mn-ea"/>
                 <a:cs typeface="+mn-cs"/>
-                <a:hlinkClick r:id="rId17"/>
+                <a:hlinkClick r:id="rId14"/>
               </a:rPr>
               <a:t>[</a:t>
             </a:r>
@@ -2641,7 +2642,7 @@
                 <a:latin typeface="+mn-lt"/>
                 <a:ea typeface="+mn-ea"/>
                 <a:cs typeface="+mn-cs"/>
-                <a:hlinkClick r:id="rId18" tooltip="Agujero de seguridad"/>
+                <a:hlinkClick r:id="rId15" tooltip="Agujero de seguridad"/>
               </a:rPr>
               <a:t>agujero de seguridad</a:t>
             </a:r>
@@ -2690,7 +2691,7 @@
                 <a:latin typeface="+mn-lt"/>
                 <a:ea typeface="+mn-ea"/>
                 <a:cs typeface="+mn-cs"/>
-                <a:hlinkClick r:id="rId19" tooltip="Biblioteca (programación)"/>
+                <a:hlinkClick r:id="rId16" tooltip="Biblioteca (programación)"/>
               </a:rPr>
               <a:t>biblioteca</a:t>
             </a:r>
@@ -2715,7 +2716,7 @@
                 <a:latin typeface="+mn-lt"/>
                 <a:ea typeface="+mn-ea"/>
                 <a:cs typeface="+mn-cs"/>
-                <a:hlinkClick r:id="rId20" tooltip="OpenSSL"/>
+                <a:hlinkClick r:id="rId17" tooltip="OpenSSL"/>
               </a:rPr>
               <a:t>OpenSSL</a:t>
             </a:r>
@@ -2740,7 +2741,7 @@
                 <a:latin typeface="+mn-lt"/>
                 <a:ea typeface="+mn-ea"/>
                 <a:cs typeface="+mn-cs"/>
-                <a:hlinkClick r:id="rId21" tooltip="Memoria (informática)"/>
+                <a:hlinkClick r:id="rId18" tooltip="Memoria (informática)"/>
               </a:rPr>
               <a:t>memoria</a:t>
             </a:r>
@@ -2765,7 +2766,7 @@
                 <a:latin typeface="+mn-lt"/>
                 <a:ea typeface="+mn-ea"/>
                 <a:cs typeface="+mn-cs"/>
-                <a:hlinkClick r:id="rId22" tooltip="Criptografía asimétrica"/>
+                <a:hlinkClick r:id="rId19" tooltip="Criptografía asimétrica"/>
               </a:rPr>
               <a:t>claves privadas</a:t>
             </a:r>
@@ -2836,7 +2837,7 @@
     </p:spTree>
     <p:extLst>
       <p:ext uri="{BB962C8B-B14F-4D97-AF65-F5344CB8AC3E}">
-        <p14:creationId xmlns:p14="http://schemas.microsoft.com/office/powerpoint/2010/main" val="655676726"/>
+        <p14:creationId xmlns:p14="http://schemas.microsoft.com/office/powerpoint/2010/main" xmlns="" val="655676726"/>
       </p:ext>
     </p:extLst>
   </p:cSld>
@@ -3170,7 +3171,7 @@
     </p:spTree>
     <p:extLst>
       <p:ext uri="{BB962C8B-B14F-4D97-AF65-F5344CB8AC3E}">
-        <p14:creationId xmlns:p14="http://schemas.microsoft.com/office/powerpoint/2010/main" val="1629614161"/>
+        <p14:creationId xmlns:p14="http://schemas.microsoft.com/office/powerpoint/2010/main" xmlns="" val="1629614161"/>
       </p:ext>
     </p:extLst>
   </p:cSld>
@@ -3669,19 +3670,7 @@
                 <a:ea typeface="+mn-ea"/>
                 <a:cs typeface="+mn-cs"/>
               </a:rPr>
-              <a:t>Políticas de recuperación ante </a:t>
-            </a:r>
-            <a:r>
-              <a:rPr lang="es-AR" sz="1200" u="none" strike="noStrike" kern="1200" dirty="0" smtClean="0">
-                <a:solidFill>
-                  <a:schemeClr val="tx1"/>
-                </a:solidFill>
-                <a:effectLst/>
-                <a:latin typeface="+mn-lt"/>
-                <a:ea typeface="+mn-ea"/>
-                <a:cs typeface="+mn-cs"/>
-              </a:rPr>
-              <a:t>catástrofes</a:t>
+              <a:t>Políticas de recuperación ante catástrofes</a:t>
             </a:r>
             <a:endParaRPr lang="en-US" u="none" strike="noStrike" dirty="0" smtClean="0">
               <a:effectLst/>
@@ -3716,7 +3705,7 @@
     </p:spTree>
     <p:extLst>
       <p:ext uri="{BB962C8B-B14F-4D97-AF65-F5344CB8AC3E}">
-        <p14:creationId xmlns:p14="http://schemas.microsoft.com/office/powerpoint/2010/main" val="2488318766"/>
+        <p14:creationId xmlns:p14="http://schemas.microsoft.com/office/powerpoint/2010/main" xmlns="" val="2488318766"/>
       </p:ext>
     </p:extLst>
   </p:cSld>
@@ -4262,7 +4251,7 @@
     </p:spTree>
     <p:extLst>
       <p:ext uri="{BB962C8B-B14F-4D97-AF65-F5344CB8AC3E}">
-        <p14:creationId xmlns:p14="http://schemas.microsoft.com/office/powerpoint/2010/main" val="707643668"/>
+        <p14:creationId xmlns:p14="http://schemas.microsoft.com/office/powerpoint/2010/main" xmlns="" val="707643668"/>
       </p:ext>
     </p:extLst>
   </p:cSld>
@@ -4347,7 +4336,7 @@
     </p:spTree>
     <p:extLst>
       <p:ext uri="{BB962C8B-B14F-4D97-AF65-F5344CB8AC3E}">
-        <p14:creationId xmlns:p14="http://schemas.microsoft.com/office/powerpoint/2010/main" val="1554195"/>
+        <p14:creationId xmlns:p14="http://schemas.microsoft.com/office/powerpoint/2010/main" xmlns="" val="1554195"/>
       </p:ext>
     </p:extLst>
   </p:cSld>
@@ -4554,20 +4543,20 @@
     </p:spTree>
     <p:extLst>
       <p:ext uri="{BB962C8B-B14F-4D97-AF65-F5344CB8AC3E}">
-        <p14:creationId xmlns:p14="http://schemas.microsoft.com/office/powerpoint/2010/main" val="94999051"/>
+        <p14:creationId xmlns:p14="http://schemas.microsoft.com/office/powerpoint/2010/main" xmlns="" val="94999051"/>
       </p:ext>
     </p:extLst>
   </p:cSld>
   <p:clrMapOvr>
     <a:masterClrMapping/>
   </p:clrMapOvr>
-  <mc:AlternateContent xmlns:mc="http://schemas.openxmlformats.org/markup-compatibility/2006" xmlns:p14="http://schemas.microsoft.com/office/powerpoint/2010/main">
-    <mc:Choice Requires="p14">
+  <mc:AlternateContent xmlns:mc="http://schemas.openxmlformats.org/markup-compatibility/2006">
+    <mc:Choice xmlns:p14="http://schemas.microsoft.com/office/powerpoint/2010/main" xmlns="" Requires="p14">
       <p:transition spd="med" p14:dur="700">
         <p:fade/>
       </p:transition>
     </mc:Choice>
-    <mc:Fallback xmlns="">
+    <mc:Fallback>
       <p:transition spd="med">
         <p:fade/>
       </p:transition>
@@ -4745,20 +4734,20 @@
     </p:spTree>
     <p:extLst>
       <p:ext uri="{BB962C8B-B14F-4D97-AF65-F5344CB8AC3E}">
-        <p14:creationId xmlns:p14="http://schemas.microsoft.com/office/powerpoint/2010/main" val="460095310"/>
+        <p14:creationId xmlns:p14="http://schemas.microsoft.com/office/powerpoint/2010/main" xmlns="" val="460095310"/>
       </p:ext>
     </p:extLst>
   </p:cSld>
   <p:clrMapOvr>
     <a:masterClrMapping/>
   </p:clrMapOvr>
-  <mc:AlternateContent xmlns:mc="http://schemas.openxmlformats.org/markup-compatibility/2006" xmlns:p14="http://schemas.microsoft.com/office/powerpoint/2010/main">
-    <mc:Choice Requires="p14">
+  <mc:AlternateContent xmlns:mc="http://schemas.openxmlformats.org/markup-compatibility/2006">
+    <mc:Choice xmlns:p14="http://schemas.microsoft.com/office/powerpoint/2010/main" xmlns="" Requires="p14">
       <p:transition spd="med" p14:dur="700">
         <p:fade/>
       </p:transition>
     </mc:Choice>
-    <mc:Fallback xmlns="">
+    <mc:Fallback>
       <p:transition spd="med">
         <p:fade/>
       </p:transition>
@@ -4946,20 +4935,20 @@
     </p:spTree>
     <p:extLst>
       <p:ext uri="{BB962C8B-B14F-4D97-AF65-F5344CB8AC3E}">
-        <p14:creationId xmlns:p14="http://schemas.microsoft.com/office/powerpoint/2010/main" val="4079035419"/>
+        <p14:creationId xmlns:p14="http://schemas.microsoft.com/office/powerpoint/2010/main" xmlns="" val="4079035419"/>
       </p:ext>
     </p:extLst>
   </p:cSld>
   <p:clrMapOvr>
     <a:masterClrMapping/>
   </p:clrMapOvr>
-  <mc:AlternateContent xmlns:mc="http://schemas.openxmlformats.org/markup-compatibility/2006" xmlns:p14="http://schemas.microsoft.com/office/powerpoint/2010/main">
-    <mc:Choice Requires="p14">
+  <mc:AlternateContent xmlns:mc="http://schemas.openxmlformats.org/markup-compatibility/2006">
+    <mc:Choice xmlns:p14="http://schemas.microsoft.com/office/powerpoint/2010/main" xmlns="" Requires="p14">
       <p:transition spd="med" p14:dur="700">
         <p:fade/>
       </p:transition>
     </mc:Choice>
-    <mc:Fallback xmlns="">
+    <mc:Fallback>
       <p:transition spd="med">
         <p:fade/>
       </p:transition>
@@ -5144,20 +5133,20 @@
     </p:spTree>
     <p:extLst>
       <p:ext uri="{BB962C8B-B14F-4D97-AF65-F5344CB8AC3E}">
-        <p14:creationId xmlns:p14="http://schemas.microsoft.com/office/powerpoint/2010/main" val="2738254095"/>
+        <p14:creationId xmlns:p14="http://schemas.microsoft.com/office/powerpoint/2010/main" xmlns="" val="2738254095"/>
       </p:ext>
     </p:extLst>
   </p:cSld>
   <p:clrMapOvr>
     <a:masterClrMapping/>
   </p:clrMapOvr>
-  <mc:AlternateContent xmlns:mc="http://schemas.openxmlformats.org/markup-compatibility/2006" xmlns:p14="http://schemas.microsoft.com/office/powerpoint/2010/main">
-    <mc:Choice Requires="p14">
+  <mc:AlternateContent xmlns:mc="http://schemas.openxmlformats.org/markup-compatibility/2006">
+    <mc:Choice xmlns:p14="http://schemas.microsoft.com/office/powerpoint/2010/main" xmlns="" Requires="p14">
       <p:transition spd="med" p14:dur="700">
         <p:fade/>
       </p:transition>
     </mc:Choice>
-    <mc:Fallback xmlns="">
+    <mc:Fallback>
       <p:transition spd="med">
         <p:fade/>
       </p:transition>
@@ -5433,20 +5422,20 @@
     </p:spTree>
     <p:extLst>
       <p:ext uri="{BB962C8B-B14F-4D97-AF65-F5344CB8AC3E}">
-        <p14:creationId xmlns:p14="http://schemas.microsoft.com/office/powerpoint/2010/main" val="1761813311"/>
+        <p14:creationId xmlns:p14="http://schemas.microsoft.com/office/powerpoint/2010/main" xmlns="" val="1761813311"/>
       </p:ext>
     </p:extLst>
   </p:cSld>
   <p:clrMapOvr>
     <a:masterClrMapping/>
   </p:clrMapOvr>
-  <mc:AlternateContent xmlns:mc="http://schemas.openxmlformats.org/markup-compatibility/2006" xmlns:p14="http://schemas.microsoft.com/office/powerpoint/2010/main">
-    <mc:Choice Requires="p14">
+  <mc:AlternateContent xmlns:mc="http://schemas.openxmlformats.org/markup-compatibility/2006">
+    <mc:Choice xmlns:p14="http://schemas.microsoft.com/office/powerpoint/2010/main" xmlns="" Requires="p14">
       <p:transition spd="med" p14:dur="700">
         <p:fade/>
       </p:transition>
     </mc:Choice>
-    <mc:Fallback xmlns="">
+    <mc:Fallback>
       <p:transition spd="med">
         <p:fade/>
       </p:transition>
@@ -5746,20 +5735,20 @@
     </p:spTree>
     <p:extLst>
       <p:ext uri="{BB962C8B-B14F-4D97-AF65-F5344CB8AC3E}">
-        <p14:creationId xmlns:p14="http://schemas.microsoft.com/office/powerpoint/2010/main" val="2825340762"/>
+        <p14:creationId xmlns:p14="http://schemas.microsoft.com/office/powerpoint/2010/main" xmlns="" val="2825340762"/>
       </p:ext>
     </p:extLst>
   </p:cSld>
   <p:clrMapOvr>
     <a:masterClrMapping/>
   </p:clrMapOvr>
-  <mc:AlternateContent xmlns:mc="http://schemas.openxmlformats.org/markup-compatibility/2006" xmlns:p14="http://schemas.microsoft.com/office/powerpoint/2010/main">
-    <mc:Choice Requires="p14">
+  <mc:AlternateContent xmlns:mc="http://schemas.openxmlformats.org/markup-compatibility/2006">
+    <mc:Choice xmlns:p14="http://schemas.microsoft.com/office/powerpoint/2010/main" xmlns="" Requires="p14">
       <p:transition spd="med" p14:dur="700">
         <p:fade/>
       </p:transition>
     </mc:Choice>
-    <mc:Fallback xmlns="">
+    <mc:Fallback>
       <p:transition spd="med">
         <p:fade/>
       </p:transition>
@@ -6211,20 +6200,20 @@
     </p:spTree>
     <p:extLst>
       <p:ext uri="{BB962C8B-B14F-4D97-AF65-F5344CB8AC3E}">
-        <p14:creationId xmlns:p14="http://schemas.microsoft.com/office/powerpoint/2010/main" val="4208419506"/>
+        <p14:creationId xmlns:p14="http://schemas.microsoft.com/office/powerpoint/2010/main" xmlns="" val="4208419506"/>
       </p:ext>
     </p:extLst>
   </p:cSld>
   <p:clrMapOvr>
     <a:masterClrMapping/>
   </p:clrMapOvr>
-  <mc:AlternateContent xmlns:mc="http://schemas.openxmlformats.org/markup-compatibility/2006" xmlns:p14="http://schemas.microsoft.com/office/powerpoint/2010/main">
-    <mc:Choice Requires="p14">
+  <mc:AlternateContent xmlns:mc="http://schemas.openxmlformats.org/markup-compatibility/2006">
+    <mc:Choice xmlns:p14="http://schemas.microsoft.com/office/powerpoint/2010/main" xmlns="" Requires="p14">
       <p:transition spd="med" p14:dur="700">
         <p:fade/>
       </p:transition>
     </mc:Choice>
-    <mc:Fallback xmlns="">
+    <mc:Fallback>
       <p:transition spd="med">
         <p:fade/>
       </p:transition>
@@ -6350,20 +6339,20 @@
     </p:spTree>
     <p:extLst>
       <p:ext uri="{BB962C8B-B14F-4D97-AF65-F5344CB8AC3E}">
-        <p14:creationId xmlns:p14="http://schemas.microsoft.com/office/powerpoint/2010/main" val="1626631400"/>
+        <p14:creationId xmlns:p14="http://schemas.microsoft.com/office/powerpoint/2010/main" xmlns="" val="1626631400"/>
       </p:ext>
     </p:extLst>
   </p:cSld>
   <p:clrMapOvr>
     <a:masterClrMapping/>
   </p:clrMapOvr>
-  <mc:AlternateContent xmlns:mc="http://schemas.openxmlformats.org/markup-compatibility/2006" xmlns:p14="http://schemas.microsoft.com/office/powerpoint/2010/main">
-    <mc:Choice Requires="p14">
+  <mc:AlternateContent xmlns:mc="http://schemas.openxmlformats.org/markup-compatibility/2006">
+    <mc:Choice xmlns:p14="http://schemas.microsoft.com/office/powerpoint/2010/main" xmlns="" Requires="p14">
       <p:transition spd="med" p14:dur="700">
         <p:fade/>
       </p:transition>
     </mc:Choice>
-    <mc:Fallback xmlns="">
+    <mc:Fallback>
       <p:transition spd="med">
         <p:fade/>
       </p:transition>
@@ -6474,20 +6463,20 @@
     </p:spTree>
     <p:extLst>
       <p:ext uri="{BB962C8B-B14F-4D97-AF65-F5344CB8AC3E}">
-        <p14:creationId xmlns:p14="http://schemas.microsoft.com/office/powerpoint/2010/main" val="3607540120"/>
+        <p14:creationId xmlns:p14="http://schemas.microsoft.com/office/powerpoint/2010/main" xmlns="" val="3607540120"/>
       </p:ext>
     </p:extLst>
   </p:cSld>
   <p:clrMapOvr>
     <a:masterClrMapping/>
   </p:clrMapOvr>
-  <mc:AlternateContent xmlns:mc="http://schemas.openxmlformats.org/markup-compatibility/2006" xmlns:p14="http://schemas.microsoft.com/office/powerpoint/2010/main">
-    <mc:Choice Requires="p14">
+  <mc:AlternateContent xmlns:mc="http://schemas.openxmlformats.org/markup-compatibility/2006">
+    <mc:Choice xmlns:p14="http://schemas.microsoft.com/office/powerpoint/2010/main" xmlns="" Requires="p14">
       <p:transition spd="med" p14:dur="700">
         <p:fade/>
       </p:transition>
     </mc:Choice>
-    <mc:Fallback xmlns="">
+    <mc:Fallback>
       <p:transition spd="med">
         <p:fade/>
       </p:transition>
@@ -6805,20 +6794,20 @@
     </p:spTree>
     <p:extLst>
       <p:ext uri="{BB962C8B-B14F-4D97-AF65-F5344CB8AC3E}">
-        <p14:creationId xmlns:p14="http://schemas.microsoft.com/office/powerpoint/2010/main" val="2544981540"/>
+        <p14:creationId xmlns:p14="http://schemas.microsoft.com/office/powerpoint/2010/main" xmlns="" val="2544981540"/>
       </p:ext>
     </p:extLst>
   </p:cSld>
   <p:clrMapOvr>
     <a:masterClrMapping/>
   </p:clrMapOvr>
-  <mc:AlternateContent xmlns:mc="http://schemas.openxmlformats.org/markup-compatibility/2006" xmlns:p14="http://schemas.microsoft.com/office/powerpoint/2010/main">
-    <mc:Choice Requires="p14">
+  <mc:AlternateContent xmlns:mc="http://schemas.openxmlformats.org/markup-compatibility/2006">
+    <mc:Choice xmlns:p14="http://schemas.microsoft.com/office/powerpoint/2010/main" xmlns="" Requires="p14">
       <p:transition spd="med" p14:dur="700">
         <p:fade/>
       </p:transition>
     </mc:Choice>
-    <mc:Fallback xmlns="">
+    <mc:Fallback>
       <p:transition spd="med">
         <p:fade/>
       </p:transition>
@@ -7125,20 +7114,20 @@
     </p:spTree>
     <p:extLst>
       <p:ext uri="{BB962C8B-B14F-4D97-AF65-F5344CB8AC3E}">
-        <p14:creationId xmlns:p14="http://schemas.microsoft.com/office/powerpoint/2010/main" val="2249172152"/>
+        <p14:creationId xmlns:p14="http://schemas.microsoft.com/office/powerpoint/2010/main" xmlns="" val="2249172152"/>
       </p:ext>
     </p:extLst>
   </p:cSld>
   <p:clrMapOvr>
     <a:masterClrMapping/>
   </p:clrMapOvr>
-  <mc:AlternateContent xmlns:mc="http://schemas.openxmlformats.org/markup-compatibility/2006" xmlns:p14="http://schemas.microsoft.com/office/powerpoint/2010/main">
-    <mc:Choice Requires="p14">
+  <mc:AlternateContent xmlns:mc="http://schemas.openxmlformats.org/markup-compatibility/2006">
+    <mc:Choice xmlns:p14="http://schemas.microsoft.com/office/powerpoint/2010/main" xmlns="" Requires="p14">
       <p:transition spd="med" p14:dur="700">
         <p:fade/>
       </p:transition>
     </mc:Choice>
-    <mc:Fallback xmlns="">
+    <mc:Fallback>
       <p:transition spd="med">
         <p:fade/>
       </p:transition>
@@ -7404,7 +7393,7 @@
     </p:spTree>
     <p:extLst>
       <p:ext uri="{BB962C8B-B14F-4D97-AF65-F5344CB8AC3E}">
-        <p14:creationId xmlns:p14="http://schemas.microsoft.com/office/powerpoint/2010/main" val="1403059996"/>
+        <p14:creationId xmlns:p14="http://schemas.microsoft.com/office/powerpoint/2010/main" xmlns="" val="1403059996"/>
       </p:ext>
     </p:extLst>
   </p:cSld>
@@ -7422,13 +7411,13 @@
     <p:sldLayoutId id="2147483658" r:id="rId10"/>
     <p:sldLayoutId id="2147483659" r:id="rId11"/>
   </p:sldLayoutIdLst>
-  <mc:AlternateContent xmlns:mc="http://schemas.openxmlformats.org/markup-compatibility/2006" xmlns:p14="http://schemas.microsoft.com/office/powerpoint/2010/main">
-    <mc:Choice Requires="p14">
+  <mc:AlternateContent xmlns:mc="http://schemas.openxmlformats.org/markup-compatibility/2006">
+    <mc:Choice xmlns:p14="http://schemas.microsoft.com/office/powerpoint/2010/main" xmlns="" Requires="p14">
       <p:transition spd="med" p14:dur="700">
         <p:fade/>
       </p:transition>
     </mc:Choice>
-    <mc:Fallback xmlns="">
+    <mc:Fallback>
       <p:transition spd="med">
         <p:fade/>
       </p:transition>
@@ -7743,7 +7732,7 @@
   </p:txStyles>
   <p:extLst mod="1">
     <p:ext uri="{27BBF7A9-308A-43DC-89C8-2F10F3537804}">
-      <p15:sldGuideLst xmlns:p15="http://schemas.microsoft.com/office/powerpoint/2012/main">
+      <p15:sldGuideLst xmlns:p15="http://schemas.microsoft.com/office/powerpoint/2012/main" xmlns="">
         <p15:guide id="1" pos="3839" userDrawn="1">
           <p15:clr>
             <a:srgbClr val="F26B43"/>
@@ -7865,7 +7854,7 @@
           <a:blip r:embed="rId2" cstate="print">
             <a:extLst>
               <a:ext uri="{28A0092B-C50C-407E-A947-70E740481C1C}">
-                <a14:useLocalDpi xmlns:a14="http://schemas.microsoft.com/office/drawing/2010/main" val="0"/>
+                <a14:useLocalDpi xmlns:a14="http://schemas.microsoft.com/office/drawing/2010/main" xmlns="" val="0"/>
               </a:ext>
             </a:extLst>
           </a:blip>
@@ -7885,7 +7874,7 @@
           <a:noFill/>
           <a:extLst>
             <a:ext uri="{909E8E84-426E-40DD-AFC4-6F175D3DCCD1}">
-              <a14:hiddenFill xmlns:a14="http://schemas.microsoft.com/office/drawing/2010/main">
+              <a14:hiddenFill xmlns:a14="http://schemas.microsoft.com/office/drawing/2010/main" xmlns="">
                 <a:solidFill>
                   <a:srgbClr val="FFFFFF"/>
                 </a:solidFill>
@@ -7897,20 +7886,20 @@
     </p:spTree>
     <p:extLst>
       <p:ext uri="{BB962C8B-B14F-4D97-AF65-F5344CB8AC3E}">
-        <p14:creationId xmlns:p14="http://schemas.microsoft.com/office/powerpoint/2010/main" val="2808920126"/>
+        <p14:creationId xmlns:p14="http://schemas.microsoft.com/office/powerpoint/2010/main" xmlns="" val="2808920126"/>
       </p:ext>
     </p:extLst>
   </p:cSld>
   <p:clrMapOvr>
     <a:masterClrMapping/>
   </p:clrMapOvr>
-  <mc:AlternateContent xmlns:mc="http://schemas.openxmlformats.org/markup-compatibility/2006" xmlns:p14="http://schemas.microsoft.com/office/powerpoint/2010/main">
-    <mc:Choice Requires="p14">
+  <mc:AlternateContent xmlns:mc="http://schemas.openxmlformats.org/markup-compatibility/2006">
+    <mc:Choice xmlns:p14="http://schemas.microsoft.com/office/powerpoint/2010/main" xmlns="" Requires="p14">
       <p:transition spd="med" p14:dur="700">
         <p:fade/>
       </p:transition>
     </mc:Choice>
-    <mc:Fallback xmlns="">
+    <mc:Fallback>
       <p:transition spd="med">
         <p:fade/>
       </p:transition>
@@ -8148,20 +8137,20 @@
     </p:spTree>
     <p:extLst>
       <p:ext uri="{BB962C8B-B14F-4D97-AF65-F5344CB8AC3E}">
-        <p14:creationId xmlns:p14="http://schemas.microsoft.com/office/powerpoint/2010/main" val="4207303638"/>
+        <p14:creationId xmlns:p14="http://schemas.microsoft.com/office/powerpoint/2010/main" xmlns="" val="4207303638"/>
       </p:ext>
     </p:extLst>
   </p:cSld>
   <p:clrMapOvr>
     <a:masterClrMapping/>
   </p:clrMapOvr>
-  <mc:AlternateContent xmlns:mc="http://schemas.openxmlformats.org/markup-compatibility/2006" xmlns:p14="http://schemas.microsoft.com/office/powerpoint/2010/main">
-    <mc:Choice Requires="p14">
+  <mc:AlternateContent xmlns:mc="http://schemas.openxmlformats.org/markup-compatibility/2006">
+    <mc:Choice xmlns:p14="http://schemas.microsoft.com/office/powerpoint/2010/main" xmlns="" Requires="p14">
       <p:transition spd="med" p14:dur="700">
         <p:fade/>
       </p:transition>
     </mc:Choice>
-    <mc:Fallback xmlns="">
+    <mc:Fallback>
       <p:transition spd="med">
         <p:fade/>
       </p:transition>
@@ -8255,20 +8244,20 @@
     </p:spTree>
     <p:extLst>
       <p:ext uri="{BB962C8B-B14F-4D97-AF65-F5344CB8AC3E}">
-        <p14:creationId xmlns:p14="http://schemas.microsoft.com/office/powerpoint/2010/main" val="3772183175"/>
+        <p14:creationId xmlns:p14="http://schemas.microsoft.com/office/powerpoint/2010/main" xmlns="" val="3772183175"/>
       </p:ext>
     </p:extLst>
   </p:cSld>
   <p:clrMapOvr>
     <a:masterClrMapping/>
   </p:clrMapOvr>
-  <mc:AlternateContent xmlns:mc="http://schemas.openxmlformats.org/markup-compatibility/2006" xmlns:p14="http://schemas.microsoft.com/office/powerpoint/2010/main">
-    <mc:Choice Requires="p14">
+  <mc:AlternateContent xmlns:mc="http://schemas.openxmlformats.org/markup-compatibility/2006">
+    <mc:Choice xmlns:p14="http://schemas.microsoft.com/office/powerpoint/2010/main" xmlns="" Requires="p14">
       <p:transition spd="med" p14:dur="700">
         <p:fade/>
       </p:transition>
     </mc:Choice>
-    <mc:Fallback xmlns="">
+    <mc:Fallback>
       <p:transition spd="med">
         <p:fade/>
       </p:transition>
@@ -8476,20 +8465,20 @@
     </p:spTree>
     <p:extLst>
       <p:ext uri="{BB962C8B-B14F-4D97-AF65-F5344CB8AC3E}">
-        <p14:creationId xmlns:p14="http://schemas.microsoft.com/office/powerpoint/2010/main" val="911844652"/>
+        <p14:creationId xmlns:p14="http://schemas.microsoft.com/office/powerpoint/2010/main" xmlns="" val="911844652"/>
       </p:ext>
     </p:extLst>
   </p:cSld>
   <p:clrMapOvr>
     <a:masterClrMapping/>
   </p:clrMapOvr>
-  <mc:AlternateContent xmlns:mc="http://schemas.openxmlformats.org/markup-compatibility/2006" xmlns:p14="http://schemas.microsoft.com/office/powerpoint/2010/main">
-    <mc:Choice Requires="p14">
+  <mc:AlternateContent xmlns:mc="http://schemas.openxmlformats.org/markup-compatibility/2006">
+    <mc:Choice xmlns:p14="http://schemas.microsoft.com/office/powerpoint/2010/main" xmlns="" Requires="p14">
       <p:transition spd="med" p14:dur="700">
         <p:fade/>
       </p:transition>
     </mc:Choice>
-    <mc:Fallback xmlns="">
+    <mc:Fallback>
       <p:transition spd="med">
         <p:fade/>
       </p:transition>
@@ -8659,20 +8648,20 @@
     </p:spTree>
     <p:extLst>
       <p:ext uri="{BB962C8B-B14F-4D97-AF65-F5344CB8AC3E}">
-        <p14:creationId xmlns:p14="http://schemas.microsoft.com/office/powerpoint/2010/main" val="3751154171"/>
+        <p14:creationId xmlns:p14="http://schemas.microsoft.com/office/powerpoint/2010/main" xmlns="" val="3751154171"/>
       </p:ext>
     </p:extLst>
   </p:cSld>
   <p:clrMapOvr>
     <a:masterClrMapping/>
   </p:clrMapOvr>
-  <mc:AlternateContent xmlns:mc="http://schemas.openxmlformats.org/markup-compatibility/2006" xmlns:p14="http://schemas.microsoft.com/office/powerpoint/2010/main">
-    <mc:Choice Requires="p14">
+  <mc:AlternateContent xmlns:mc="http://schemas.openxmlformats.org/markup-compatibility/2006">
+    <mc:Choice xmlns:p14="http://schemas.microsoft.com/office/powerpoint/2010/main" xmlns="" Requires="p14">
       <p:transition spd="med" p14:dur="700">
         <p:fade/>
       </p:transition>
     </mc:Choice>
-    <mc:Fallback xmlns="">
+    <mc:Fallback>
       <p:transition spd="med">
         <p:fade/>
       </p:transition>
@@ -8844,20 +8833,20 @@
     </p:spTree>
     <p:extLst>
       <p:ext uri="{BB962C8B-B14F-4D97-AF65-F5344CB8AC3E}">
-        <p14:creationId xmlns:p14="http://schemas.microsoft.com/office/powerpoint/2010/main" val="2714171304"/>
+        <p14:creationId xmlns:p14="http://schemas.microsoft.com/office/powerpoint/2010/main" xmlns="" val="2714171304"/>
       </p:ext>
     </p:extLst>
   </p:cSld>
   <p:clrMapOvr>
     <a:masterClrMapping/>
   </p:clrMapOvr>
-  <mc:AlternateContent xmlns:mc="http://schemas.openxmlformats.org/markup-compatibility/2006" xmlns:p14="http://schemas.microsoft.com/office/powerpoint/2010/main">
-    <mc:Choice Requires="p14">
+  <mc:AlternateContent xmlns:mc="http://schemas.openxmlformats.org/markup-compatibility/2006">
+    <mc:Choice xmlns:p14="http://schemas.microsoft.com/office/powerpoint/2010/main" xmlns="" Requires="p14">
       <p:transition spd="med" p14:dur="700">
         <p:fade/>
       </p:transition>
     </mc:Choice>
-    <mc:Fallback xmlns="">
+    <mc:Fallback>
       <p:transition spd="med">
         <p:fade/>
       </p:transition>
@@ -9030,20 +9019,20 @@
     </p:spTree>
     <p:extLst>
       <p:ext uri="{BB962C8B-B14F-4D97-AF65-F5344CB8AC3E}">
-        <p14:creationId xmlns:p14="http://schemas.microsoft.com/office/powerpoint/2010/main" val="2246987516"/>
+        <p14:creationId xmlns:p14="http://schemas.microsoft.com/office/powerpoint/2010/main" xmlns="" val="2246987516"/>
       </p:ext>
     </p:extLst>
   </p:cSld>
   <p:clrMapOvr>
     <a:masterClrMapping/>
   </p:clrMapOvr>
-  <mc:AlternateContent xmlns:mc="http://schemas.openxmlformats.org/markup-compatibility/2006" xmlns:p14="http://schemas.microsoft.com/office/powerpoint/2010/main">
-    <mc:Choice Requires="p14">
+  <mc:AlternateContent xmlns:mc="http://schemas.openxmlformats.org/markup-compatibility/2006">
+    <mc:Choice xmlns:p14="http://schemas.microsoft.com/office/powerpoint/2010/main" xmlns="" Requires="p14">
       <p:transition spd="med" p14:dur="700">
         <p:fade/>
       </p:transition>
     </mc:Choice>
-    <mc:Fallback xmlns="">
+    <mc:Fallback>
       <p:transition spd="med">
         <p:fade/>
       </p:transition>
@@ -9195,20 +9184,20 @@
     </p:spTree>
     <p:extLst>
       <p:ext uri="{BB962C8B-B14F-4D97-AF65-F5344CB8AC3E}">
-        <p14:creationId xmlns:p14="http://schemas.microsoft.com/office/powerpoint/2010/main" val="3025649002"/>
+        <p14:creationId xmlns:p14="http://schemas.microsoft.com/office/powerpoint/2010/main" xmlns="" val="3025649002"/>
       </p:ext>
     </p:extLst>
   </p:cSld>
   <p:clrMapOvr>
     <a:masterClrMapping/>
   </p:clrMapOvr>
-  <mc:AlternateContent xmlns:mc="http://schemas.openxmlformats.org/markup-compatibility/2006" xmlns:p14="http://schemas.microsoft.com/office/powerpoint/2010/main">
-    <mc:Choice Requires="p14">
+  <mc:AlternateContent xmlns:mc="http://schemas.openxmlformats.org/markup-compatibility/2006">
+    <mc:Choice xmlns:p14="http://schemas.microsoft.com/office/powerpoint/2010/main" xmlns="" Requires="p14">
       <p:transition spd="med" p14:dur="700">
         <p:fade/>
       </p:transition>
     </mc:Choice>
-    <mc:Fallback xmlns="">
+    <mc:Fallback>
       <p:transition spd="med">
         <p:fade/>
       </p:transition>
@@ -9339,20 +9328,20 @@
     </p:spTree>
     <p:extLst>
       <p:ext uri="{BB962C8B-B14F-4D97-AF65-F5344CB8AC3E}">
-        <p14:creationId xmlns:p14="http://schemas.microsoft.com/office/powerpoint/2010/main" val="3410413250"/>
+        <p14:creationId xmlns:p14="http://schemas.microsoft.com/office/powerpoint/2010/main" xmlns="" val="3410413250"/>
       </p:ext>
     </p:extLst>
   </p:cSld>
   <p:clrMapOvr>
     <a:masterClrMapping/>
   </p:clrMapOvr>
-  <mc:AlternateContent xmlns:mc="http://schemas.openxmlformats.org/markup-compatibility/2006" xmlns:p14="http://schemas.microsoft.com/office/powerpoint/2010/main">
-    <mc:Choice Requires="p14">
+  <mc:AlternateContent xmlns:mc="http://schemas.openxmlformats.org/markup-compatibility/2006">
+    <mc:Choice xmlns:p14="http://schemas.microsoft.com/office/powerpoint/2010/main" xmlns="" Requires="p14">
       <p:transition spd="med" p14:dur="700">
         <p:fade/>
       </p:transition>
     </mc:Choice>
-    <mc:Fallback xmlns="">
+    <mc:Fallback>
       <p:transition spd="med">
         <p:fade/>
       </p:transition>
@@ -9552,20 +9541,20 @@
     </p:spTree>
     <p:extLst>
       <p:ext uri="{BB962C8B-B14F-4D97-AF65-F5344CB8AC3E}">
-        <p14:creationId xmlns:p14="http://schemas.microsoft.com/office/powerpoint/2010/main" val="23673588"/>
+        <p14:creationId xmlns:p14="http://schemas.microsoft.com/office/powerpoint/2010/main" xmlns="" val="23673588"/>
       </p:ext>
     </p:extLst>
   </p:cSld>
   <p:clrMapOvr>
     <a:masterClrMapping/>
   </p:clrMapOvr>
-  <mc:AlternateContent xmlns:mc="http://schemas.openxmlformats.org/markup-compatibility/2006" xmlns:p14="http://schemas.microsoft.com/office/powerpoint/2010/main">
-    <mc:Choice Requires="p14">
+  <mc:AlternateContent xmlns:mc="http://schemas.openxmlformats.org/markup-compatibility/2006">
+    <mc:Choice xmlns:p14="http://schemas.microsoft.com/office/powerpoint/2010/main" xmlns="" Requires="p14">
       <p:transition spd="med" p14:dur="700">
         <p:fade/>
       </p:transition>
     </mc:Choice>
-    <mc:Fallback xmlns="">
+    <mc:Fallback>
       <p:transition spd="med">
         <p:fade/>
       </p:transition>
@@ -9824,20 +9813,20 @@
     </p:spTree>
     <p:extLst>
       <p:ext uri="{BB962C8B-B14F-4D97-AF65-F5344CB8AC3E}">
-        <p14:creationId xmlns:p14="http://schemas.microsoft.com/office/powerpoint/2010/main" val="3632379430"/>
+        <p14:creationId xmlns:p14="http://schemas.microsoft.com/office/powerpoint/2010/main" xmlns="" val="3632379430"/>
       </p:ext>
     </p:extLst>
   </p:cSld>
   <p:clrMapOvr>
     <a:masterClrMapping/>
   </p:clrMapOvr>
-  <mc:AlternateContent xmlns:mc="http://schemas.openxmlformats.org/markup-compatibility/2006" xmlns:p14="http://schemas.microsoft.com/office/powerpoint/2010/main">
-    <mc:Choice Requires="p14">
+  <mc:AlternateContent xmlns:mc="http://schemas.openxmlformats.org/markup-compatibility/2006">
+    <mc:Choice xmlns:p14="http://schemas.microsoft.com/office/powerpoint/2010/main" xmlns="" Requires="p14">
       <p:transition spd="med" p14:dur="700">
         <p:fade/>
       </p:transition>
     </mc:Choice>
-    <mc:Fallback xmlns="">
+    <mc:Fallback>
       <p:transition spd="med">
         <p:fade/>
       </p:transition>
@@ -9989,20 +9978,20 @@
     </p:spTree>
     <p:extLst>
       <p:ext uri="{BB962C8B-B14F-4D97-AF65-F5344CB8AC3E}">
-        <p14:creationId xmlns:p14="http://schemas.microsoft.com/office/powerpoint/2010/main" val="2139132589"/>
+        <p14:creationId xmlns:p14="http://schemas.microsoft.com/office/powerpoint/2010/main" xmlns="" val="2139132589"/>
       </p:ext>
     </p:extLst>
   </p:cSld>
   <p:clrMapOvr>
     <a:masterClrMapping/>
   </p:clrMapOvr>
-  <mc:AlternateContent xmlns:mc="http://schemas.openxmlformats.org/markup-compatibility/2006" xmlns:p14="http://schemas.microsoft.com/office/powerpoint/2010/main">
-    <mc:Choice Requires="p14">
+  <mc:AlternateContent xmlns:mc="http://schemas.openxmlformats.org/markup-compatibility/2006">
+    <mc:Choice xmlns:p14="http://schemas.microsoft.com/office/powerpoint/2010/main" xmlns="" Requires="p14">
       <p:transition spd="med" p14:dur="700">
         <p:fade/>
       </p:transition>
     </mc:Choice>
-    <mc:Fallback xmlns="">
+    <mc:Fallback>
       <p:transition spd="med">
         <p:fade/>
       </p:transition>
@@ -10230,20 +10219,20 @@
     </p:spTree>
     <p:extLst>
       <p:ext uri="{BB962C8B-B14F-4D97-AF65-F5344CB8AC3E}">
-        <p14:creationId xmlns:p14="http://schemas.microsoft.com/office/powerpoint/2010/main" val="3204325395"/>
+        <p14:creationId xmlns:p14="http://schemas.microsoft.com/office/powerpoint/2010/main" xmlns="" val="3204325395"/>
       </p:ext>
     </p:extLst>
   </p:cSld>
   <p:clrMapOvr>
     <a:masterClrMapping/>
   </p:clrMapOvr>
-  <mc:AlternateContent xmlns:mc="http://schemas.openxmlformats.org/markup-compatibility/2006" xmlns:p14="http://schemas.microsoft.com/office/powerpoint/2010/main">
-    <mc:Choice Requires="p14">
+  <mc:AlternateContent xmlns:mc="http://schemas.openxmlformats.org/markup-compatibility/2006">
+    <mc:Choice xmlns:p14="http://schemas.microsoft.com/office/powerpoint/2010/main" xmlns="" Requires="p14">
       <p:transition spd="med" p14:dur="700">
         <p:fade/>
       </p:transition>
     </mc:Choice>
-    <mc:Fallback xmlns="">
+    <mc:Fallback>
       <p:transition spd="med">
         <p:fade/>
       </p:transition>
@@ -10429,20 +10418,20 @@
     </p:spTree>
     <p:extLst>
       <p:ext uri="{BB962C8B-B14F-4D97-AF65-F5344CB8AC3E}">
-        <p14:creationId xmlns:p14="http://schemas.microsoft.com/office/powerpoint/2010/main" val="1496383053"/>
+        <p14:creationId xmlns:p14="http://schemas.microsoft.com/office/powerpoint/2010/main" xmlns="" val="1496383053"/>
       </p:ext>
     </p:extLst>
   </p:cSld>
   <p:clrMapOvr>
     <a:masterClrMapping/>
   </p:clrMapOvr>
-  <mc:AlternateContent xmlns:mc="http://schemas.openxmlformats.org/markup-compatibility/2006" xmlns:p14="http://schemas.microsoft.com/office/powerpoint/2010/main">
-    <mc:Choice Requires="p14">
+  <mc:AlternateContent xmlns:mc="http://schemas.openxmlformats.org/markup-compatibility/2006">
+    <mc:Choice xmlns:p14="http://schemas.microsoft.com/office/powerpoint/2010/main" xmlns="" Requires="p14">
       <p:transition spd="med" p14:dur="700">
         <p:fade/>
       </p:transition>
     </mc:Choice>
-    <mc:Fallback xmlns="">
+    <mc:Fallback>
       <p:transition spd="med">
         <p:fade/>
       </p:transition>
@@ -10652,20 +10641,20 @@
     </p:spTree>
     <p:extLst>
       <p:ext uri="{BB962C8B-B14F-4D97-AF65-F5344CB8AC3E}">
-        <p14:creationId xmlns:p14="http://schemas.microsoft.com/office/powerpoint/2010/main" val="1679218424"/>
+        <p14:creationId xmlns:p14="http://schemas.microsoft.com/office/powerpoint/2010/main" xmlns="" val="1679218424"/>
       </p:ext>
     </p:extLst>
   </p:cSld>
   <p:clrMapOvr>
     <a:masterClrMapping/>
   </p:clrMapOvr>
-  <mc:AlternateContent xmlns:mc="http://schemas.openxmlformats.org/markup-compatibility/2006" xmlns:p14="http://schemas.microsoft.com/office/powerpoint/2010/main">
-    <mc:Choice Requires="p14">
+  <mc:AlternateContent xmlns:mc="http://schemas.openxmlformats.org/markup-compatibility/2006">
+    <mc:Choice xmlns:p14="http://schemas.microsoft.com/office/powerpoint/2010/main" xmlns="" Requires="p14">
       <p:transition spd="med" p14:dur="700">
         <p:fade/>
       </p:transition>
     </mc:Choice>
-    <mc:Fallback xmlns="">
+    <mc:Fallback>
       <p:transition spd="med">
         <p:fade/>
       </p:transition>
@@ -10903,13 +10892,13 @@
   <p:clrMapOvr>
     <a:masterClrMapping/>
   </p:clrMapOvr>
-  <mc:AlternateContent xmlns:mc="http://schemas.openxmlformats.org/markup-compatibility/2006" xmlns:p14="http://schemas.microsoft.com/office/powerpoint/2010/main">
-    <mc:Choice Requires="p14">
+  <mc:AlternateContent xmlns:mc="http://schemas.openxmlformats.org/markup-compatibility/2006">
+    <mc:Choice xmlns:p14="http://schemas.microsoft.com/office/powerpoint/2010/main" xmlns="" Requires="p14">
       <p:transition spd="med" p14:dur="700">
         <p:fade/>
       </p:transition>
     </mc:Choice>
-    <mc:Fallback xmlns="">
+    <mc:Fallback>
       <p:transition spd="med">
         <p:fade/>
       </p:transition>
@@ -11133,13 +11122,13 @@
   <p:clrMapOvr>
     <a:masterClrMapping/>
   </p:clrMapOvr>
-  <mc:AlternateContent xmlns:mc="http://schemas.openxmlformats.org/markup-compatibility/2006" xmlns:p14="http://schemas.microsoft.com/office/powerpoint/2010/main">
-    <mc:Choice Requires="p14">
+  <mc:AlternateContent xmlns:mc="http://schemas.openxmlformats.org/markup-compatibility/2006">
+    <mc:Choice xmlns:p14="http://schemas.microsoft.com/office/powerpoint/2010/main" xmlns="" Requires="p14">
       <p:transition spd="med" p14:dur="700">
         <p:fade/>
       </p:transition>
     </mc:Choice>
-    <mc:Fallback xmlns="">
+    <mc:Fallback>
       <p:transition spd="med">
         <p:fade/>
       </p:transition>
@@ -11233,20 +11222,20 @@
     </p:spTree>
     <p:extLst>
       <p:ext uri="{BB962C8B-B14F-4D97-AF65-F5344CB8AC3E}">
-        <p14:creationId xmlns:p14="http://schemas.microsoft.com/office/powerpoint/2010/main" val="3439397754"/>
+        <p14:creationId xmlns:p14="http://schemas.microsoft.com/office/powerpoint/2010/main" xmlns="" val="3439397754"/>
       </p:ext>
     </p:extLst>
   </p:cSld>
   <p:clrMapOvr>
     <a:masterClrMapping/>
   </p:clrMapOvr>
-  <mc:AlternateContent xmlns:mc="http://schemas.openxmlformats.org/markup-compatibility/2006" xmlns:p14="http://schemas.microsoft.com/office/powerpoint/2010/main">
-    <mc:Choice Requires="p14">
+  <mc:AlternateContent xmlns:mc="http://schemas.openxmlformats.org/markup-compatibility/2006">
+    <mc:Choice xmlns:p14="http://schemas.microsoft.com/office/powerpoint/2010/main" xmlns="" Requires="p14">
       <p:transition spd="med" p14:dur="700">
         <p:fade/>
       </p:transition>
     </mc:Choice>
-    <mc:Fallback xmlns="">
+    <mc:Fallback>
       <p:transition spd="med">
         <p:fade/>
       </p:transition>
@@ -11415,20 +11404,20 @@
     </p:spTree>
     <p:extLst>
       <p:ext uri="{BB962C8B-B14F-4D97-AF65-F5344CB8AC3E}">
-        <p14:creationId xmlns:p14="http://schemas.microsoft.com/office/powerpoint/2010/main" val="2675216716"/>
+        <p14:creationId xmlns:p14="http://schemas.microsoft.com/office/powerpoint/2010/main" xmlns="" val="2675216716"/>
       </p:ext>
     </p:extLst>
   </p:cSld>
   <p:clrMapOvr>
     <a:masterClrMapping/>
   </p:clrMapOvr>
-  <mc:AlternateContent xmlns:mc="http://schemas.openxmlformats.org/markup-compatibility/2006" xmlns:p14="http://schemas.microsoft.com/office/powerpoint/2010/main">
-    <mc:Choice Requires="p14">
+  <mc:AlternateContent xmlns:mc="http://schemas.openxmlformats.org/markup-compatibility/2006">
+    <mc:Choice xmlns:p14="http://schemas.microsoft.com/office/powerpoint/2010/main" xmlns="" Requires="p14">
       <p:transition spd="med" p14:dur="700">
         <p:fade/>
       </p:transition>
     </mc:Choice>
-    <mc:Fallback xmlns="">
+    <mc:Fallback>
       <p:transition spd="med">
         <p:fade/>
       </p:transition>
@@ -11890,7 +11879,7 @@
           <a:blip r:embed="rId3" cstate="print">
             <a:extLst>
               <a:ext uri="{28A0092B-C50C-407E-A947-70E740481C1C}">
-                <a14:useLocalDpi xmlns:a14="http://schemas.microsoft.com/office/drawing/2010/main" val="0"/>
+                <a14:useLocalDpi xmlns:a14="http://schemas.microsoft.com/office/drawing/2010/main" xmlns="" val="0"/>
               </a:ext>
             </a:extLst>
           </a:blip>
@@ -11910,7 +11899,7 @@
           <a:noFill/>
           <a:extLst>
             <a:ext uri="{909E8E84-426E-40DD-AFC4-6F175D3DCCD1}">
-              <a14:hiddenFill xmlns:a14="http://schemas.microsoft.com/office/drawing/2010/main">
+              <a14:hiddenFill xmlns:a14="http://schemas.microsoft.com/office/drawing/2010/main" xmlns="">
                 <a:solidFill>
                   <a:srgbClr val="FFFFFF"/>
                 </a:solidFill>
@@ -11931,7 +11920,7 @@
           <a:blip r:embed="rId4" cstate="print">
             <a:extLst>
               <a:ext uri="{28A0092B-C50C-407E-A947-70E740481C1C}">
-                <a14:useLocalDpi xmlns:a14="http://schemas.microsoft.com/office/drawing/2010/main" val="0"/>
+                <a14:useLocalDpi xmlns:a14="http://schemas.microsoft.com/office/drawing/2010/main" xmlns="" val="0"/>
               </a:ext>
             </a:extLst>
           </a:blip>
@@ -11951,7 +11940,7 @@
           <a:noFill/>
           <a:extLst>
             <a:ext uri="{909E8E84-426E-40DD-AFC4-6F175D3DCCD1}">
-              <a14:hiddenFill xmlns:a14="http://schemas.microsoft.com/office/drawing/2010/main">
+              <a14:hiddenFill xmlns:a14="http://schemas.microsoft.com/office/drawing/2010/main" xmlns="">
                 <a:solidFill>
                   <a:srgbClr val="FFFFFF"/>
                 </a:solidFill>
@@ -11972,7 +11961,7 @@
           <a:blip r:embed="rId5" cstate="print">
             <a:extLst>
               <a:ext uri="{28A0092B-C50C-407E-A947-70E740481C1C}">
-                <a14:useLocalDpi xmlns:a14="http://schemas.microsoft.com/office/drawing/2010/main" val="0"/>
+                <a14:useLocalDpi xmlns:a14="http://schemas.microsoft.com/office/drawing/2010/main" xmlns="" val="0"/>
               </a:ext>
             </a:extLst>
           </a:blip>
@@ -11992,7 +11981,7 @@
           <a:noFill/>
           <a:extLst>
             <a:ext uri="{909E8E84-426E-40DD-AFC4-6F175D3DCCD1}">
-              <a14:hiddenFill xmlns:a14="http://schemas.microsoft.com/office/drawing/2010/main">
+              <a14:hiddenFill xmlns:a14="http://schemas.microsoft.com/office/drawing/2010/main" xmlns="">
                 <a:solidFill>
                   <a:srgbClr val="FFFFFF"/>
                 </a:solidFill>
@@ -12013,7 +12002,7 @@
           <a:blip r:embed="rId6" cstate="print">
             <a:extLst>
               <a:ext uri="{28A0092B-C50C-407E-A947-70E740481C1C}">
-                <a14:useLocalDpi xmlns:a14="http://schemas.microsoft.com/office/drawing/2010/main" val="0"/>
+                <a14:useLocalDpi xmlns:a14="http://schemas.microsoft.com/office/drawing/2010/main" xmlns="" val="0"/>
               </a:ext>
             </a:extLst>
           </a:blip>
@@ -12033,7 +12022,7 @@
           <a:noFill/>
           <a:extLst>
             <a:ext uri="{909E8E84-426E-40DD-AFC4-6F175D3DCCD1}">
-              <a14:hiddenFill xmlns:a14="http://schemas.microsoft.com/office/drawing/2010/main">
+              <a14:hiddenFill xmlns:a14="http://schemas.microsoft.com/office/drawing/2010/main" xmlns="">
                 <a:solidFill>
                   <a:srgbClr val="FFFFFF"/>
                 </a:solidFill>
@@ -12054,7 +12043,7 @@
           <a:blip r:embed="rId7" cstate="print">
             <a:extLst>
               <a:ext uri="{28A0092B-C50C-407E-A947-70E740481C1C}">
-                <a14:useLocalDpi xmlns:a14="http://schemas.microsoft.com/office/drawing/2010/main" val="0"/>
+                <a14:useLocalDpi xmlns:a14="http://schemas.microsoft.com/office/drawing/2010/main" xmlns="" val="0"/>
               </a:ext>
             </a:extLst>
           </a:blip>
@@ -12074,7 +12063,7 @@
           <a:noFill/>
           <a:extLst>
             <a:ext uri="{909E8E84-426E-40DD-AFC4-6F175D3DCCD1}">
-              <a14:hiddenFill xmlns:a14="http://schemas.microsoft.com/office/drawing/2010/main">
+              <a14:hiddenFill xmlns:a14="http://schemas.microsoft.com/office/drawing/2010/main" xmlns="">
                 <a:solidFill>
                   <a:srgbClr val="FFFFFF"/>
                 </a:solidFill>
@@ -12086,20 +12075,20 @@
     </p:spTree>
     <p:extLst>
       <p:ext uri="{BB962C8B-B14F-4D97-AF65-F5344CB8AC3E}">
-        <p14:creationId xmlns:p14="http://schemas.microsoft.com/office/powerpoint/2010/main" val="2564182459"/>
+        <p14:creationId xmlns:p14="http://schemas.microsoft.com/office/powerpoint/2010/main" xmlns="" val="2564182459"/>
       </p:ext>
     </p:extLst>
   </p:cSld>
   <p:clrMapOvr>
     <a:masterClrMapping/>
   </p:clrMapOvr>
-  <mc:AlternateContent xmlns:mc="http://schemas.openxmlformats.org/markup-compatibility/2006" xmlns:p14="http://schemas.microsoft.com/office/powerpoint/2010/main">
-    <mc:Choice Requires="p14">
+  <mc:AlternateContent xmlns:mc="http://schemas.openxmlformats.org/markup-compatibility/2006">
+    <mc:Choice xmlns:p14="http://schemas.microsoft.com/office/powerpoint/2010/main" xmlns="" Requires="p14">
       <p:transition spd="med" p14:dur="700">
         <p:fade/>
       </p:transition>
     </mc:Choice>
-    <mc:Fallback xmlns="">
+    <mc:Fallback>
       <p:transition spd="med">
         <p:fade/>
       </p:transition>
@@ -12252,30 +12241,26 @@
               </a:rPr>
               <a:t>Robo de información</a:t>
             </a:r>
-            <a:endParaRPr lang="es-AR" dirty="0" smtClean="0">
-              <a:latin typeface="Segoe UI" panose="020B0502040204020203" pitchFamily="34" charset="0"/>
-              <a:cs typeface="Segoe UI" panose="020B0502040204020203" pitchFamily="34" charset="0"/>
-            </a:endParaRPr>
           </a:p>
         </p:txBody>
       </p:sp>
     </p:spTree>
     <p:extLst>
       <p:ext uri="{BB962C8B-B14F-4D97-AF65-F5344CB8AC3E}">
-        <p14:creationId xmlns:p14="http://schemas.microsoft.com/office/powerpoint/2010/main" val="965594786"/>
+        <p14:creationId xmlns:p14="http://schemas.microsoft.com/office/powerpoint/2010/main" xmlns="" val="965594786"/>
       </p:ext>
     </p:extLst>
   </p:cSld>
   <p:clrMapOvr>
     <a:masterClrMapping/>
   </p:clrMapOvr>
-  <mc:AlternateContent xmlns:mc="http://schemas.openxmlformats.org/markup-compatibility/2006" xmlns:p14="http://schemas.microsoft.com/office/powerpoint/2010/main">
-    <mc:Choice Requires="p14">
+  <mc:AlternateContent xmlns:mc="http://schemas.openxmlformats.org/markup-compatibility/2006">
+    <mc:Choice xmlns:p14="http://schemas.microsoft.com/office/powerpoint/2010/main" xmlns="" Requires="p14">
       <p:transition spd="med" p14:dur="700">
         <p:fade/>
       </p:transition>
     </mc:Choice>
-    <mc:Fallback xmlns="">
+    <mc:Fallback>
       <p:transition spd="med">
         <p:fade/>
       </p:transition>
@@ -12533,7 +12518,7 @@
           <a:blip r:embed="rId3" cstate="print">
             <a:extLst>
               <a:ext uri="{28A0092B-C50C-407E-A947-70E740481C1C}">
-                <a14:useLocalDpi xmlns:a14="http://schemas.microsoft.com/office/drawing/2010/main" val="0"/>
+                <a14:useLocalDpi xmlns:a14="http://schemas.microsoft.com/office/drawing/2010/main" xmlns="" val="0"/>
               </a:ext>
             </a:extLst>
           </a:blip>
@@ -12553,7 +12538,7 @@
           <a:noFill/>
           <a:extLst>
             <a:ext uri="{909E8E84-426E-40DD-AFC4-6F175D3DCCD1}">
-              <a14:hiddenFill xmlns:a14="http://schemas.microsoft.com/office/drawing/2010/main">
+              <a14:hiddenFill xmlns:a14="http://schemas.microsoft.com/office/drawing/2010/main" xmlns="">
                 <a:solidFill>
                   <a:srgbClr val="FFFFFF"/>
                 </a:solidFill>
@@ -12565,20 +12550,20 @@
     </p:spTree>
     <p:extLst>
       <p:ext uri="{BB962C8B-B14F-4D97-AF65-F5344CB8AC3E}">
-        <p14:creationId xmlns:p14="http://schemas.microsoft.com/office/powerpoint/2010/main" val="3356351472"/>
+        <p14:creationId xmlns:p14="http://schemas.microsoft.com/office/powerpoint/2010/main" xmlns="" val="3356351472"/>
       </p:ext>
     </p:extLst>
   </p:cSld>
   <p:clrMapOvr>
     <a:masterClrMapping/>
   </p:clrMapOvr>
-  <mc:AlternateContent xmlns:mc="http://schemas.openxmlformats.org/markup-compatibility/2006" xmlns:p14="http://schemas.microsoft.com/office/powerpoint/2010/main">
-    <mc:Choice Requires="p14">
+  <mc:AlternateContent xmlns:mc="http://schemas.openxmlformats.org/markup-compatibility/2006">
+    <mc:Choice xmlns:p14="http://schemas.microsoft.com/office/powerpoint/2010/main" xmlns="" Requires="p14">
       <p:transition spd="med" p14:dur="700">
         <p:fade/>
       </p:transition>
     </mc:Choice>
-    <mc:Fallback xmlns="">
+    <mc:Fallback>
       <p:transition spd="med">
         <p:fade/>
       </p:transition>
@@ -12730,20 +12715,20 @@
     </p:spTree>
     <p:extLst>
       <p:ext uri="{BB962C8B-B14F-4D97-AF65-F5344CB8AC3E}">
-        <p14:creationId xmlns:p14="http://schemas.microsoft.com/office/powerpoint/2010/main" val="3106206852"/>
+        <p14:creationId xmlns:p14="http://schemas.microsoft.com/office/powerpoint/2010/main" xmlns="" val="3106206852"/>
       </p:ext>
     </p:extLst>
   </p:cSld>
   <p:clrMapOvr>
     <a:masterClrMapping/>
   </p:clrMapOvr>
-  <mc:AlternateContent xmlns:mc="http://schemas.openxmlformats.org/markup-compatibility/2006" xmlns:p14="http://schemas.microsoft.com/office/powerpoint/2010/main">
-    <mc:Choice Requires="p14">
+  <mc:AlternateContent xmlns:mc="http://schemas.openxmlformats.org/markup-compatibility/2006">
+    <mc:Choice xmlns:p14="http://schemas.microsoft.com/office/powerpoint/2010/main" xmlns="" Requires="p14">
       <p:transition spd="med" p14:dur="700">
         <p:fade/>
       </p:transition>
     </mc:Choice>
-    <mc:Fallback xmlns="">
+    <mc:Fallback>
       <p:transition spd="med">
         <p:fade/>
       </p:transition>
@@ -12954,19 +12939,8 @@
                 <a:latin typeface="Segoe UI" panose="020B0502040204020203" pitchFamily="34" charset="0"/>
                 <a:cs typeface="Segoe UI" panose="020B0502040204020203" pitchFamily="34" charset="0"/>
               </a:rPr>
-              <a:t>Uso de nombres en clave para los </a:t>
-            </a:r>
-            <a:r>
-              <a:rPr lang="es-AR" sz="2200" dirty="0" smtClean="0">
-                <a:latin typeface="Segoe UI" panose="020B0502040204020203" pitchFamily="34" charset="0"/>
-                <a:cs typeface="Segoe UI" panose="020B0502040204020203" pitchFamily="34" charset="0"/>
-              </a:rPr>
-              <a:t>proyectos</a:t>
-            </a:r>
-            <a:endParaRPr lang="es-AR" sz="2200" dirty="0" smtClean="0">
-              <a:latin typeface="Segoe UI" panose="020B0502040204020203" pitchFamily="34" charset="0"/>
-              <a:cs typeface="Segoe UI" panose="020B0502040204020203" pitchFamily="34" charset="0"/>
-            </a:endParaRPr>
+              <a:t>Uso de nombres en clave para los proyectos</a:t>
+            </a:r>
           </a:p>
         </p:txBody>
       </p:sp>
@@ -12982,7 +12956,7 @@
           <a:blip r:embed="rId3" cstate="print">
             <a:extLst>
               <a:ext uri="{28A0092B-C50C-407E-A947-70E740481C1C}">
-                <a14:useLocalDpi xmlns:a14="http://schemas.microsoft.com/office/drawing/2010/main" val="0"/>
+                <a14:useLocalDpi xmlns:a14="http://schemas.microsoft.com/office/drawing/2010/main" xmlns="" val="0"/>
               </a:ext>
             </a:extLst>
           </a:blip>
@@ -13002,7 +12976,7 @@
           <a:noFill/>
           <a:extLst>
             <a:ext uri="{909E8E84-426E-40DD-AFC4-6F175D3DCCD1}">
-              <a14:hiddenFill xmlns:a14="http://schemas.microsoft.com/office/drawing/2010/main">
+              <a14:hiddenFill xmlns:a14="http://schemas.microsoft.com/office/drawing/2010/main" xmlns="">
                 <a:solidFill>
                   <a:srgbClr val="FFFFFF"/>
                 </a:solidFill>
@@ -13014,20 +12988,20 @@
     </p:spTree>
     <p:extLst>
       <p:ext uri="{BB962C8B-B14F-4D97-AF65-F5344CB8AC3E}">
-        <p14:creationId xmlns:p14="http://schemas.microsoft.com/office/powerpoint/2010/main" val="3374507202"/>
+        <p14:creationId xmlns:p14="http://schemas.microsoft.com/office/powerpoint/2010/main" xmlns="" val="3374507202"/>
       </p:ext>
     </p:extLst>
   </p:cSld>
   <p:clrMapOvr>
     <a:masterClrMapping/>
   </p:clrMapOvr>
-  <mc:AlternateContent xmlns:mc="http://schemas.openxmlformats.org/markup-compatibility/2006" xmlns:p14="http://schemas.microsoft.com/office/powerpoint/2010/main">
-    <mc:Choice Requires="p14">
+  <mc:AlternateContent xmlns:mc="http://schemas.openxmlformats.org/markup-compatibility/2006">
+    <mc:Choice xmlns:p14="http://schemas.microsoft.com/office/powerpoint/2010/main" xmlns="" Requires="p14">
       <p:transition spd="med" p14:dur="700">
         <p:fade/>
       </p:transition>
     </mc:Choice>
-    <mc:Fallback xmlns="">
+    <mc:Fallback>
       <p:transition spd="med">
         <p:fade/>
       </p:transition>
@@ -13207,20 +13181,20 @@
     </p:spTree>
     <p:extLst>
       <p:ext uri="{BB962C8B-B14F-4D97-AF65-F5344CB8AC3E}">
-        <p14:creationId xmlns:p14="http://schemas.microsoft.com/office/powerpoint/2010/main" val="2238024562"/>
+        <p14:creationId xmlns:p14="http://schemas.microsoft.com/office/powerpoint/2010/main" xmlns="" val="2238024562"/>
       </p:ext>
     </p:extLst>
   </p:cSld>
   <p:clrMapOvr>
     <a:masterClrMapping/>
   </p:clrMapOvr>
-  <mc:AlternateContent xmlns:mc="http://schemas.openxmlformats.org/markup-compatibility/2006" xmlns:p14="http://schemas.microsoft.com/office/powerpoint/2010/main">
-    <mc:Choice Requires="p14">
+  <mc:AlternateContent xmlns:mc="http://schemas.openxmlformats.org/markup-compatibility/2006">
+    <mc:Choice xmlns:p14="http://schemas.microsoft.com/office/powerpoint/2010/main" xmlns="" Requires="p14">
       <p:transition spd="med" p14:dur="700">
         <p:fade/>
       </p:transition>
     </mc:Choice>
-    <mc:Fallback xmlns="">
+    <mc:Fallback>
       <p:transition spd="med">
         <p:fade/>
       </p:transition>
@@ -13404,20 +13378,20 @@
     </p:spTree>
     <p:extLst>
       <p:ext uri="{BB962C8B-B14F-4D97-AF65-F5344CB8AC3E}">
-        <p14:creationId xmlns:p14="http://schemas.microsoft.com/office/powerpoint/2010/main" val="3874537101"/>
+        <p14:creationId xmlns:p14="http://schemas.microsoft.com/office/powerpoint/2010/main" xmlns="" val="3874537101"/>
       </p:ext>
     </p:extLst>
   </p:cSld>
   <p:clrMapOvr>
     <a:masterClrMapping/>
   </p:clrMapOvr>
-  <mc:AlternateContent xmlns:mc="http://schemas.openxmlformats.org/markup-compatibility/2006" xmlns:p14="http://schemas.microsoft.com/office/powerpoint/2010/main">
-    <mc:Choice Requires="p14">
+  <mc:AlternateContent xmlns:mc="http://schemas.openxmlformats.org/markup-compatibility/2006">
+    <mc:Choice xmlns:p14="http://schemas.microsoft.com/office/powerpoint/2010/main" xmlns="" Requires="p14">
       <p:transition spd="med" p14:dur="700">
         <p:fade/>
       </p:transition>
     </mc:Choice>
-    <mc:Fallback xmlns="">
+    <mc:Fallback>
       <p:transition spd="med">
         <p:fade/>
       </p:transition>
@@ -13551,20 +13525,20 @@
     </p:spTree>
     <p:extLst>
       <p:ext uri="{BB962C8B-B14F-4D97-AF65-F5344CB8AC3E}">
-        <p14:creationId xmlns:p14="http://schemas.microsoft.com/office/powerpoint/2010/main" val="1202384585"/>
+        <p14:creationId xmlns:p14="http://schemas.microsoft.com/office/powerpoint/2010/main" xmlns="" val="1202384585"/>
       </p:ext>
     </p:extLst>
   </p:cSld>
   <p:clrMapOvr>
     <a:masterClrMapping/>
   </p:clrMapOvr>
-  <mc:AlternateContent xmlns:mc="http://schemas.openxmlformats.org/markup-compatibility/2006" xmlns:p14="http://schemas.microsoft.com/office/powerpoint/2010/main">
-    <mc:Choice Requires="p14">
+  <mc:AlternateContent xmlns:mc="http://schemas.openxmlformats.org/markup-compatibility/2006">
+    <mc:Choice xmlns:p14="http://schemas.microsoft.com/office/powerpoint/2010/main" xmlns="" Requires="p14">
       <p:transition spd="med" p14:dur="700">
         <p:fade/>
       </p:transition>
     </mc:Choice>
-    <mc:Fallback xmlns="">
+    <mc:Fallback>
       <p:transition spd="med">
         <p:fade/>
       </p:transition>
@@ -13796,20 +13770,20 @@
     </p:spTree>
     <p:extLst>
       <p:ext uri="{BB962C8B-B14F-4D97-AF65-F5344CB8AC3E}">
-        <p14:creationId xmlns:p14="http://schemas.microsoft.com/office/powerpoint/2010/main" val="701687324"/>
+        <p14:creationId xmlns:p14="http://schemas.microsoft.com/office/powerpoint/2010/main" xmlns="" val="701687324"/>
       </p:ext>
     </p:extLst>
   </p:cSld>
   <p:clrMapOvr>
     <a:masterClrMapping/>
   </p:clrMapOvr>
-  <mc:AlternateContent xmlns:mc="http://schemas.openxmlformats.org/markup-compatibility/2006" xmlns:p14="http://schemas.microsoft.com/office/powerpoint/2010/main">
-    <mc:Choice Requires="p14">
+  <mc:AlternateContent xmlns:mc="http://schemas.openxmlformats.org/markup-compatibility/2006">
+    <mc:Choice xmlns:p14="http://schemas.microsoft.com/office/powerpoint/2010/main" xmlns="" Requires="p14">
       <p:transition spd="med" p14:dur="700">
         <p:fade/>
       </p:transition>
     </mc:Choice>
-    <mc:Fallback xmlns="">
+    <mc:Fallback>
       <p:transition spd="med">
         <p:fade/>
       </p:transition>
@@ -13963,20 +13937,20 @@
     </p:spTree>
     <p:extLst>
       <p:ext uri="{BB962C8B-B14F-4D97-AF65-F5344CB8AC3E}">
-        <p14:creationId xmlns:p14="http://schemas.microsoft.com/office/powerpoint/2010/main" val="1445017764"/>
+        <p14:creationId xmlns:p14="http://schemas.microsoft.com/office/powerpoint/2010/main" xmlns="" val="1445017764"/>
       </p:ext>
     </p:extLst>
   </p:cSld>
   <p:clrMapOvr>
     <a:masterClrMapping/>
   </p:clrMapOvr>
-  <mc:AlternateContent xmlns:mc="http://schemas.openxmlformats.org/markup-compatibility/2006" xmlns:p14="http://schemas.microsoft.com/office/powerpoint/2010/main">
-    <mc:Choice Requires="p14">
+  <mc:AlternateContent xmlns:mc="http://schemas.openxmlformats.org/markup-compatibility/2006">
+    <mc:Choice xmlns:p14="http://schemas.microsoft.com/office/powerpoint/2010/main" xmlns="" Requires="p14">
       <p:transition spd="med" p14:dur="700">
         <p:fade/>
       </p:transition>
     </mc:Choice>
-    <mc:Fallback xmlns="">
+    <mc:Fallback>
       <p:transition spd="med">
         <p:fade/>
       </p:transition>
@@ -14157,20 +14131,20 @@
     </p:spTree>
     <p:extLst>
       <p:ext uri="{BB962C8B-B14F-4D97-AF65-F5344CB8AC3E}">
-        <p14:creationId xmlns:p14="http://schemas.microsoft.com/office/powerpoint/2010/main" val="3810472897"/>
+        <p14:creationId xmlns:p14="http://schemas.microsoft.com/office/powerpoint/2010/main" xmlns="" val="3810472897"/>
       </p:ext>
     </p:extLst>
   </p:cSld>
   <p:clrMapOvr>
     <a:masterClrMapping/>
   </p:clrMapOvr>
-  <mc:AlternateContent xmlns:mc="http://schemas.openxmlformats.org/markup-compatibility/2006" xmlns:p14="http://schemas.microsoft.com/office/powerpoint/2010/main">
-    <mc:Choice Requires="p14">
+  <mc:AlternateContent xmlns:mc="http://schemas.openxmlformats.org/markup-compatibility/2006">
+    <mc:Choice xmlns:p14="http://schemas.microsoft.com/office/powerpoint/2010/main" xmlns="" Requires="p14">
       <p:transition spd="med" p14:dur="700">
         <p:fade/>
       </p:transition>
     </mc:Choice>
-    <mc:Fallback xmlns="">
+    <mc:Fallback>
       <p:transition spd="med">
         <p:fade/>
       </p:transition>
@@ -14235,20 +14209,20 @@
     </p:spTree>
     <p:extLst>
       <p:ext uri="{BB962C8B-B14F-4D97-AF65-F5344CB8AC3E}">
-        <p14:creationId xmlns:p14="http://schemas.microsoft.com/office/powerpoint/2010/main" val="1539601608"/>
+        <p14:creationId xmlns:p14="http://schemas.microsoft.com/office/powerpoint/2010/main" xmlns="" val="1539601608"/>
       </p:ext>
     </p:extLst>
   </p:cSld>
   <p:clrMapOvr>
     <a:masterClrMapping/>
   </p:clrMapOvr>
-  <mc:AlternateContent xmlns:mc="http://schemas.openxmlformats.org/markup-compatibility/2006" xmlns:p14="http://schemas.microsoft.com/office/powerpoint/2010/main">
-    <mc:Choice Requires="p14">
+  <mc:AlternateContent xmlns:mc="http://schemas.openxmlformats.org/markup-compatibility/2006">
+    <mc:Choice xmlns:p14="http://schemas.microsoft.com/office/powerpoint/2010/main" xmlns="" Requires="p14">
       <p:transition spd="med" p14:dur="700">
         <p:fade/>
       </p:transition>
     </mc:Choice>
-    <mc:Fallback xmlns="">
+    <mc:Fallback>
       <p:transition spd="med">
         <p:fade/>
       </p:transition>
@@ -14304,13 +14278,9 @@
                   </a:solidFill>
                   <a:prstDash val="solid"/>
                 </a:ln>
-                <a:effectLst>
-                  <a:outerShdw blurRad="12700" dist="38100" dir="2700000" algn="tl" rotWithShape="0">
-                    <a:schemeClr val="bg1">
-                      <a:lumMod val="50000"/>
-                    </a:schemeClr>
-                  </a:outerShdw>
-                </a:effectLst>
+                <a:solidFill>
+                  <a:schemeClr val="accent1"/>
+                </a:solidFill>
                 <a:latin typeface="Segoe UI" panose="020B0502040204020203" pitchFamily="34" charset="0"/>
                 <a:cs typeface="Segoe UI" panose="020B0502040204020203" pitchFamily="34" charset="0"/>
               </a:rPr>
@@ -14323,13 +14293,9 @@
                 </a:solidFill>
                 <a:prstDash val="solid"/>
               </a:ln>
-              <a:effectLst>
-                <a:outerShdw blurRad="12700" dist="38100" dir="2700000" algn="tl" rotWithShape="0">
-                  <a:schemeClr val="bg1">
-                    <a:lumMod val="50000"/>
-                  </a:schemeClr>
-                </a:outerShdw>
-              </a:effectLst>
+              <a:solidFill>
+                <a:schemeClr val="accent1"/>
+              </a:solidFill>
               <a:latin typeface="Segoe UI" panose="020B0502040204020203" pitchFamily="34" charset="0"/>
               <a:cs typeface="Segoe UI" panose="020B0502040204020203" pitchFamily="34" charset="0"/>
             </a:endParaRPr>
@@ -14402,20 +14368,20 @@
     </p:spTree>
     <p:extLst>
       <p:ext uri="{BB962C8B-B14F-4D97-AF65-F5344CB8AC3E}">
-        <p14:creationId xmlns:p14="http://schemas.microsoft.com/office/powerpoint/2010/main" val="3280227416"/>
+        <p14:creationId xmlns:p14="http://schemas.microsoft.com/office/powerpoint/2010/main" xmlns="" val="3280227416"/>
       </p:ext>
     </p:extLst>
   </p:cSld>
   <p:clrMapOvr>
     <a:masterClrMapping/>
   </p:clrMapOvr>
-  <mc:AlternateContent xmlns:mc="http://schemas.openxmlformats.org/markup-compatibility/2006" xmlns:p14="http://schemas.microsoft.com/office/powerpoint/2010/main">
-    <mc:Choice Requires="p14">
+  <mc:AlternateContent xmlns:mc="http://schemas.openxmlformats.org/markup-compatibility/2006">
+    <mc:Choice xmlns:p14="http://schemas.microsoft.com/office/powerpoint/2010/main" xmlns="" Requires="p14">
       <p:transition spd="med" p14:dur="700">
         <p:fade/>
       </p:transition>
     </mc:Choice>
-    <mc:Fallback xmlns="">
+    <mc:Fallback>
       <p:transition spd="med">
         <p:fade/>
       </p:transition>
@@ -14471,13 +14437,9 @@
                   </a:solidFill>
                   <a:prstDash val="solid"/>
                 </a:ln>
-                <a:effectLst>
-                  <a:outerShdw blurRad="12700" dist="38100" dir="2700000" algn="tl" rotWithShape="0">
-                    <a:schemeClr val="bg1">
-                      <a:lumMod val="50000"/>
-                    </a:schemeClr>
-                  </a:outerShdw>
-                </a:effectLst>
+                <a:solidFill>
+                  <a:schemeClr val="accent1"/>
+                </a:solidFill>
                 <a:latin typeface="Segoe UI" panose="020B0502040204020203" pitchFamily="34" charset="0"/>
                 <a:cs typeface="Segoe UI" panose="020B0502040204020203" pitchFamily="34" charset="0"/>
               </a:rPr>
@@ -14490,13 +14452,9 @@
                 </a:solidFill>
                 <a:prstDash val="solid"/>
               </a:ln>
-              <a:effectLst>
-                <a:outerShdw blurRad="12700" dist="38100" dir="2700000" algn="tl" rotWithShape="0">
-                  <a:schemeClr val="bg1">
-                    <a:lumMod val="50000"/>
-                  </a:schemeClr>
-                </a:outerShdw>
-              </a:effectLst>
+              <a:solidFill>
+                <a:schemeClr val="accent1"/>
+              </a:solidFill>
               <a:latin typeface="Segoe UI" panose="020B0502040204020203" pitchFamily="34" charset="0"/>
               <a:cs typeface="Segoe UI" panose="020B0502040204020203" pitchFamily="34" charset="0"/>
             </a:endParaRPr>
@@ -14643,20 +14601,20 @@
     </p:spTree>
     <p:extLst>
       <p:ext uri="{BB962C8B-B14F-4D97-AF65-F5344CB8AC3E}">
-        <p14:creationId xmlns:p14="http://schemas.microsoft.com/office/powerpoint/2010/main" val="3816537714"/>
+        <p14:creationId xmlns:p14="http://schemas.microsoft.com/office/powerpoint/2010/main" xmlns="" val="3816537714"/>
       </p:ext>
     </p:extLst>
   </p:cSld>
   <p:clrMapOvr>
     <a:masterClrMapping/>
   </p:clrMapOvr>
-  <mc:AlternateContent xmlns:mc="http://schemas.openxmlformats.org/markup-compatibility/2006" xmlns:p14="http://schemas.microsoft.com/office/powerpoint/2010/main">
-    <mc:Choice Requires="p14">
+  <mc:AlternateContent xmlns:mc="http://schemas.openxmlformats.org/markup-compatibility/2006">
+    <mc:Choice xmlns:p14="http://schemas.microsoft.com/office/powerpoint/2010/main" xmlns="" Requires="p14">
       <p:transition spd="med" p14:dur="700">
         <p:fade/>
       </p:transition>
     </mc:Choice>
-    <mc:Fallback xmlns="">
+    <mc:Fallback>
       <p:transition spd="med">
         <p:fade/>
       </p:transition>
@@ -14933,20 +14891,20 @@
     </p:spTree>
     <p:extLst>
       <p:ext uri="{BB962C8B-B14F-4D97-AF65-F5344CB8AC3E}">
-        <p14:creationId xmlns:p14="http://schemas.microsoft.com/office/powerpoint/2010/main" val="3323359930"/>
+        <p14:creationId xmlns:p14="http://schemas.microsoft.com/office/powerpoint/2010/main" xmlns="" val="3323359930"/>
       </p:ext>
     </p:extLst>
   </p:cSld>
   <p:clrMapOvr>
     <a:masterClrMapping/>
   </p:clrMapOvr>
-  <mc:AlternateContent xmlns:mc="http://schemas.openxmlformats.org/markup-compatibility/2006" xmlns:p14="http://schemas.microsoft.com/office/powerpoint/2010/main">
-    <mc:Choice Requires="p14">
+  <mc:AlternateContent xmlns:mc="http://schemas.openxmlformats.org/markup-compatibility/2006">
+    <mc:Choice xmlns:p14="http://schemas.microsoft.com/office/powerpoint/2010/main" xmlns="" Requires="p14">
       <p:transition spd="med" p14:dur="700">
         <p:fade/>
       </p:transition>
     </mc:Choice>
-    <mc:Fallback xmlns="">
+    <mc:Fallback>
       <p:transition spd="med">
         <p:fade/>
       </p:transition>
@@ -15002,13 +14960,9 @@
                   </a:solidFill>
                   <a:prstDash val="solid"/>
                 </a:ln>
-                <a:effectLst>
-                  <a:outerShdw blurRad="12700" dist="38100" dir="2700000" algn="tl" rotWithShape="0">
-                    <a:schemeClr val="bg1">
-                      <a:lumMod val="50000"/>
-                    </a:schemeClr>
-                  </a:outerShdw>
-                </a:effectLst>
+                <a:solidFill>
+                  <a:schemeClr val="accent1"/>
+                </a:solidFill>
                 <a:latin typeface="Segoe UI" panose="020B0502040204020203" pitchFamily="34" charset="0"/>
                 <a:cs typeface="Segoe UI" panose="020B0502040204020203" pitchFamily="34" charset="0"/>
               </a:rPr>
@@ -15021,13 +14975,9 @@
                 </a:solidFill>
                 <a:prstDash val="solid"/>
               </a:ln>
-              <a:effectLst>
-                <a:outerShdw blurRad="12700" dist="38100" dir="2700000" algn="tl" rotWithShape="0">
-                  <a:schemeClr val="bg1">
-                    <a:lumMod val="50000"/>
-                  </a:schemeClr>
-                </a:outerShdw>
-              </a:effectLst>
+              <a:solidFill>
+                <a:schemeClr val="accent1"/>
+              </a:solidFill>
               <a:latin typeface="Segoe UI" panose="020B0502040204020203" pitchFamily="34" charset="0"/>
               <a:cs typeface="Segoe UI" panose="020B0502040204020203" pitchFamily="34" charset="0"/>
             </a:endParaRPr>
@@ -15132,20 +15082,20 @@
     </p:spTree>
     <p:extLst>
       <p:ext uri="{BB962C8B-B14F-4D97-AF65-F5344CB8AC3E}">
-        <p14:creationId xmlns:p14="http://schemas.microsoft.com/office/powerpoint/2010/main" val="2896967631"/>
+        <p14:creationId xmlns:p14="http://schemas.microsoft.com/office/powerpoint/2010/main" xmlns="" val="2896967631"/>
       </p:ext>
     </p:extLst>
   </p:cSld>
   <p:clrMapOvr>
     <a:masterClrMapping/>
   </p:clrMapOvr>
-  <mc:AlternateContent xmlns:mc="http://schemas.openxmlformats.org/markup-compatibility/2006" xmlns:p14="http://schemas.microsoft.com/office/powerpoint/2010/main">
-    <mc:Choice Requires="p14">
+  <mc:AlternateContent xmlns:mc="http://schemas.openxmlformats.org/markup-compatibility/2006">
+    <mc:Choice xmlns:p14="http://schemas.microsoft.com/office/powerpoint/2010/main" xmlns="" Requires="p14">
       <p:transition spd="med" p14:dur="700">
         <p:fade/>
       </p:transition>
     </mc:Choice>
-    <mc:Fallback xmlns="">
+    <mc:Fallback>
       <p:transition spd="med">
         <p:fade/>
       </p:transition>
@@ -15188,7 +15138,12 @@
             <p:ph type="title"/>
           </p:nvPr>
         </p:nvSpPr>
-        <p:spPr/>
+        <p:spPr>
+          <a:xfrm>
+            <a:off x="5302324" y="548680"/>
+            <a:ext cx="1582424" cy="1143000"/>
+          </a:xfrm>
+        </p:spPr>
         <p:txBody>
           <a:bodyPr>
             <a:normAutofit/>
@@ -15197,12 +15152,18 @@
           <a:p>
             <a:r>
               <a:rPr lang="es-AR" sz="6600" dirty="0" smtClean="0">
+                <a:solidFill>
+                  <a:schemeClr val="accent1"/>
+                </a:solidFill>
                 <a:latin typeface="Segoe UI" panose="020B0502040204020203" pitchFamily="34" charset="0"/>
                 <a:cs typeface="Segoe UI" panose="020B0502040204020203" pitchFamily="34" charset="0"/>
               </a:rPr>
               <a:t>Fin</a:t>
             </a:r>
             <a:endParaRPr lang="en-US" sz="6600" dirty="0">
+              <a:solidFill>
+                <a:schemeClr val="accent1"/>
+              </a:solidFill>
               <a:latin typeface="Segoe UI" panose="020B0502040204020203" pitchFamily="34" charset="0"/>
               <a:cs typeface="Segoe UI" panose="020B0502040204020203" pitchFamily="34" charset="0"/>
             </a:endParaRPr>
@@ -15219,7 +15180,12 @@
             <p:ph type="body" sz="half" idx="2"/>
           </p:nvPr>
         </p:nvSpPr>
-        <p:spPr/>
+        <p:spPr>
+          <a:xfrm>
+            <a:off x="2494012" y="2132856"/>
+            <a:ext cx="3581399" cy="1371600"/>
+          </a:xfrm>
+        </p:spPr>
         <p:txBody>
           <a:bodyPr>
             <a:normAutofit/>
@@ -15240,23 +15206,287 @@
           </a:p>
         </p:txBody>
       </p:sp>
+      <p:sp>
+        <p:nvSpPr>
+          <p:cNvPr id="5" name="Text Placeholder 3"/>
+          <p:cNvSpPr txBox="1">
+            <a:spLocks/>
+          </p:cNvSpPr>
+          <p:nvPr/>
+        </p:nvSpPr>
+        <p:spPr>
+          <a:xfrm>
+            <a:off x="7030516" y="3284984"/>
+            <a:ext cx="3581399" cy="1371600"/>
+          </a:xfrm>
+          <a:prstGeom prst="rect">
+            <a:avLst/>
+          </a:prstGeom>
+        </p:spPr>
+        <p:txBody>
+          <a:bodyPr vert="horz" lIns="91440" tIns="45720" rIns="91440" bIns="45720" rtlCol="0">
+            <a:normAutofit/>
+          </a:bodyPr>
+          <a:lstStyle/>
+          <a:p>
+            <a:pPr marL="0" marR="0" lvl="0" indent="0" algn="l" defTabSz="914400" rtl="0" eaLnBrk="1" fontAlgn="auto" latinLnBrk="0" hangingPunct="1">
+              <a:lnSpc>
+                <a:spcPct val="90000"/>
+              </a:lnSpc>
+              <a:spcBef>
+                <a:spcPts val="1200"/>
+              </a:spcBef>
+              <a:spcAft>
+                <a:spcPts val="0"/>
+              </a:spcAft>
+              <a:buClr>
+                <a:schemeClr val="accent1"/>
+              </a:buClr>
+              <a:buSzPct val="100000"/>
+              <a:buFont typeface="Arial" pitchFamily="34" charset="0"/>
+              <a:buNone/>
+              <a:tabLst/>
+              <a:defRPr/>
+            </a:pPr>
+            <a:r>
+              <a:rPr kumimoji="0" lang="es-AR" sz="3600" b="0" i="0" u="none" strike="noStrike" kern="1200" cap="none" spc="0" normalizeH="0" baseline="0" noProof="0" dirty="0" smtClean="0">
+                <a:ln>
+                  <a:noFill/>
+                </a:ln>
+                <a:solidFill>
+                  <a:schemeClr val="tx1"/>
+                </a:solidFill>
+                <a:effectLst/>
+                <a:uLnTx/>
+                <a:uFillTx/>
+                <a:latin typeface="Segoe UI" panose="020B0502040204020203" pitchFamily="34" charset="0"/>
+                <a:ea typeface="+mn-ea"/>
+                <a:cs typeface="Segoe UI" panose="020B0502040204020203" pitchFamily="34" charset="0"/>
+              </a:rPr>
+              <a:t>¿Consultas?</a:t>
+            </a:r>
+            <a:endParaRPr kumimoji="0" lang="en-US" sz="3600" b="0" i="0" u="none" strike="noStrike" kern="1200" cap="none" spc="0" normalizeH="0" baseline="0" noProof="0" dirty="0">
+              <a:ln>
+                <a:noFill/>
+              </a:ln>
+              <a:solidFill>
+                <a:schemeClr val="tx1"/>
+              </a:solidFill>
+              <a:effectLst/>
+              <a:uLnTx/>
+              <a:uFillTx/>
+              <a:latin typeface="Segoe UI" panose="020B0502040204020203" pitchFamily="34" charset="0"/>
+              <a:ea typeface="+mn-ea"/>
+              <a:cs typeface="Segoe UI" panose="020B0502040204020203" pitchFamily="34" charset="0"/>
+            </a:endParaRPr>
+          </a:p>
+        </p:txBody>
+      </p:sp>
+      <p:sp>
+        <p:nvSpPr>
+          <p:cNvPr id="6" name="Text Placeholder 3"/>
+          <p:cNvSpPr txBox="1">
+            <a:spLocks/>
+          </p:cNvSpPr>
+          <p:nvPr/>
+        </p:nvSpPr>
+        <p:spPr>
+          <a:xfrm>
+            <a:off x="2566020" y="4581128"/>
+            <a:ext cx="3581399" cy="1371600"/>
+          </a:xfrm>
+          <a:prstGeom prst="rect">
+            <a:avLst/>
+          </a:prstGeom>
+        </p:spPr>
+        <p:txBody>
+          <a:bodyPr vert="horz" lIns="91440" tIns="45720" rIns="91440" bIns="45720" rtlCol="0">
+            <a:normAutofit/>
+          </a:bodyPr>
+          <a:lstStyle/>
+          <a:p>
+            <a:pPr marL="0" marR="0" lvl="0" indent="0" algn="l" defTabSz="914400" rtl="0" eaLnBrk="1" fontAlgn="auto" latinLnBrk="0" hangingPunct="1">
+              <a:lnSpc>
+                <a:spcPct val="90000"/>
+              </a:lnSpc>
+              <a:spcBef>
+                <a:spcPts val="1200"/>
+              </a:spcBef>
+              <a:spcAft>
+                <a:spcPts val="0"/>
+              </a:spcAft>
+              <a:buClr>
+                <a:schemeClr val="accent1"/>
+              </a:buClr>
+              <a:buSzPct val="100000"/>
+              <a:buFont typeface="Arial" pitchFamily="34" charset="0"/>
+              <a:buNone/>
+              <a:tabLst/>
+              <a:defRPr/>
+            </a:pPr>
+            <a:r>
+              <a:rPr kumimoji="0" lang="es-AR" sz="3600" b="0" i="0" u="none" strike="noStrike" kern="1200" cap="none" spc="0" normalizeH="0" baseline="0" noProof="0" dirty="0" smtClean="0">
+                <a:ln>
+                  <a:noFill/>
+                </a:ln>
+                <a:solidFill>
+                  <a:schemeClr val="tx1"/>
+                </a:solidFill>
+                <a:effectLst/>
+                <a:uLnTx/>
+                <a:uFillTx/>
+                <a:latin typeface="Segoe UI" panose="020B0502040204020203" pitchFamily="34" charset="0"/>
+                <a:ea typeface="+mn-ea"/>
+                <a:cs typeface="Segoe UI" panose="020B0502040204020203" pitchFamily="34" charset="0"/>
+              </a:rPr>
+              <a:t>¿Dudas?</a:t>
+            </a:r>
+            <a:endParaRPr kumimoji="0" lang="en-US" sz="3600" b="0" i="0" u="none" strike="noStrike" kern="1200" cap="none" spc="0" normalizeH="0" baseline="0" noProof="0" dirty="0">
+              <a:ln>
+                <a:noFill/>
+              </a:ln>
+              <a:solidFill>
+                <a:schemeClr val="tx1"/>
+              </a:solidFill>
+              <a:effectLst/>
+              <a:uLnTx/>
+              <a:uFillTx/>
+              <a:latin typeface="Segoe UI" panose="020B0502040204020203" pitchFamily="34" charset="0"/>
+              <a:ea typeface="+mn-ea"/>
+              <a:cs typeface="Segoe UI" panose="020B0502040204020203" pitchFamily="34" charset="0"/>
+            </a:endParaRPr>
+          </a:p>
+        </p:txBody>
+      </p:sp>
     </p:spTree>
     <p:extLst>
       <p:ext uri="{BB962C8B-B14F-4D97-AF65-F5344CB8AC3E}">
-        <p14:creationId xmlns:p14="http://schemas.microsoft.com/office/powerpoint/2010/main" val="1108506989"/>
+        <p14:creationId xmlns:p14="http://schemas.microsoft.com/office/powerpoint/2010/main" xmlns="" val="1108506989"/>
       </p:ext>
     </p:extLst>
   </p:cSld>
   <p:clrMapOvr>
     <a:masterClrMapping/>
   </p:clrMapOvr>
-  <mc:AlternateContent xmlns:mc="http://schemas.openxmlformats.org/markup-compatibility/2006" xmlns:p14="http://schemas.microsoft.com/office/powerpoint/2010/main">
-    <mc:Choice Requires="p14">
+  <mc:AlternateContent xmlns:mc="http://schemas.openxmlformats.org/markup-compatibility/2006">
+    <mc:Choice xmlns:p14="http://schemas.microsoft.com/office/powerpoint/2010/main" xmlns="" Requires="p14">
       <p:transition spd="med" p14:dur="700">
         <p:fade/>
       </p:transition>
     </mc:Choice>
-    <mc:Fallback xmlns="">
+    <mc:Fallback>
+      <p:transition spd="med">
+        <p:fade/>
+      </p:transition>
+    </mc:Fallback>
+  </mc:AlternateContent>
+  <p:timing>
+    <p:tnLst>
+      <p:par>
+        <p:cTn id="1" dur="indefinite" restart="never" nodeType="tmRoot"/>
+      </p:par>
+    </p:tnLst>
+  </p:timing>
+</p:sld>
+</file>
+
+<file path=ppt/slides/slide42.xml><?xml version="1.0" encoding="utf-8"?>
+<p:sld xmlns:a="http://schemas.openxmlformats.org/drawingml/2006/main" xmlns:r="http://schemas.openxmlformats.org/officeDocument/2006/relationships" xmlns:p="http://schemas.openxmlformats.org/presentationml/2006/main">
+  <p:cSld>
+    <p:spTree>
+      <p:nvGrpSpPr>
+        <p:cNvPr id="1" name=""/>
+        <p:cNvGrpSpPr/>
+        <p:nvPr/>
+      </p:nvGrpSpPr>
+      <p:grpSpPr>
+        <a:xfrm>
+          <a:off x="0" y="0"/>
+          <a:ext cx="0" cy="0"/>
+          <a:chOff x="0" y="0"/>
+          <a:chExt cx="0" cy="0"/>
+        </a:xfrm>
+      </p:grpSpPr>
+      <p:sp>
+        <p:nvSpPr>
+          <p:cNvPr id="3" name="Title 2"/>
+          <p:cNvSpPr>
+            <a:spLocks noGrp="1"/>
+          </p:cNvSpPr>
+          <p:nvPr>
+            <p:ph type="title"/>
+          </p:nvPr>
+        </p:nvSpPr>
+        <p:spPr>
+          <a:xfrm>
+            <a:off x="1" y="0"/>
+            <a:ext cx="12188824" cy="6858000"/>
+          </a:xfrm>
+        </p:spPr>
+        <p:txBody>
+          <a:bodyPr anchor="ctr">
+            <a:normAutofit/>
+          </a:bodyPr>
+          <a:lstStyle/>
+          <a:p>
+            <a:pPr algn="ctr"/>
+            <a:r>
+              <a:rPr lang="es-AR" sz="8000" b="1" dirty="0" smtClean="0">
+                <a:solidFill>
+                  <a:schemeClr val="accent1">
+                    <a:lumMod val="40000"/>
+                    <a:lumOff val="60000"/>
+                  </a:schemeClr>
+                </a:solidFill>
+                <a:effectLst>
+                  <a:outerShdw blurRad="38100" dist="38100" dir="2700000" algn="tl">
+                    <a:srgbClr val="000000">
+                      <a:alpha val="43137"/>
+                    </a:srgbClr>
+                  </a:outerShdw>
+                </a:effectLst>
+                <a:latin typeface="Segoe UI" panose="020B0502040204020203" pitchFamily="34" charset="0"/>
+                <a:cs typeface="Segoe UI" panose="020B0502040204020203" pitchFamily="34" charset="0"/>
+              </a:rPr>
+              <a:t>Muchas gracias !!!</a:t>
+            </a:r>
+            <a:endParaRPr lang="en-US" sz="8000" b="1" dirty="0">
+              <a:solidFill>
+                <a:schemeClr val="accent1">
+                  <a:lumMod val="40000"/>
+                  <a:lumOff val="60000"/>
+                </a:schemeClr>
+              </a:solidFill>
+              <a:effectLst>
+                <a:outerShdw blurRad="38100" dist="38100" dir="2700000" algn="tl">
+                  <a:srgbClr val="000000">
+                    <a:alpha val="43137"/>
+                  </a:srgbClr>
+                </a:outerShdw>
+              </a:effectLst>
+              <a:latin typeface="Segoe UI" panose="020B0502040204020203" pitchFamily="34" charset="0"/>
+              <a:cs typeface="Segoe UI" panose="020B0502040204020203" pitchFamily="34" charset="0"/>
+            </a:endParaRPr>
+          </a:p>
+        </p:txBody>
+      </p:sp>
+    </p:spTree>
+    <p:extLst>
+      <p:ext uri="{BB962C8B-B14F-4D97-AF65-F5344CB8AC3E}">
+        <p14:creationId xmlns:p14="http://schemas.microsoft.com/office/powerpoint/2010/main" xmlns="" val="1108506989"/>
+      </p:ext>
+    </p:extLst>
+  </p:cSld>
+  <p:clrMapOvr>
+    <a:masterClrMapping/>
+  </p:clrMapOvr>
+  <mc:AlternateContent xmlns:mc="http://schemas.openxmlformats.org/markup-compatibility/2006">
+    <mc:Choice xmlns:p14="http://schemas.microsoft.com/office/powerpoint/2010/main" xmlns="" Requires="p14">
+      <p:transition spd="med" p14:dur="700">
+        <p:fade/>
+      </p:transition>
+    </mc:Choice>
+    <mc:Fallback>
       <p:transition spd="med">
         <p:fade/>
       </p:transition>
@@ -15507,10 +15737,10 @@
           <p:nvPr/>
         </p:nvPicPr>
         <p:blipFill>
-          <a:blip r:embed="rId2">
+          <a:blip r:embed="rId2" cstate="print">
             <a:extLst>
               <a:ext uri="{28A0092B-C50C-407E-A947-70E740481C1C}">
-                <a14:useLocalDpi xmlns:a14="http://schemas.microsoft.com/office/drawing/2010/main" val="0"/>
+                <a14:useLocalDpi xmlns:a14="http://schemas.microsoft.com/office/drawing/2010/main" xmlns="" val="0"/>
               </a:ext>
             </a:extLst>
           </a:blip>
@@ -15530,7 +15760,7 @@
           <a:noFill/>
           <a:extLst>
             <a:ext uri="{909E8E84-426E-40DD-AFC4-6F175D3DCCD1}">
-              <a14:hiddenFill xmlns:a14="http://schemas.microsoft.com/office/drawing/2010/main">
+              <a14:hiddenFill xmlns:a14="http://schemas.microsoft.com/office/drawing/2010/main" xmlns="">
                 <a:solidFill>
                   <a:srgbClr val="FFFFFF"/>
                 </a:solidFill>
@@ -15542,20 +15772,20 @@
     </p:spTree>
     <p:extLst>
       <p:ext uri="{BB962C8B-B14F-4D97-AF65-F5344CB8AC3E}">
-        <p14:creationId xmlns:p14="http://schemas.microsoft.com/office/powerpoint/2010/main" val="1350001534"/>
+        <p14:creationId xmlns:p14="http://schemas.microsoft.com/office/powerpoint/2010/main" xmlns="" val="1350001534"/>
       </p:ext>
     </p:extLst>
   </p:cSld>
   <p:clrMapOvr>
     <a:masterClrMapping/>
   </p:clrMapOvr>
-  <mc:AlternateContent xmlns:mc="http://schemas.openxmlformats.org/markup-compatibility/2006" xmlns:p14="http://schemas.microsoft.com/office/powerpoint/2010/main">
-    <mc:Choice Requires="p14">
+  <mc:AlternateContent xmlns:mc="http://schemas.openxmlformats.org/markup-compatibility/2006">
+    <mc:Choice xmlns:p14="http://schemas.microsoft.com/office/powerpoint/2010/main" xmlns="" Requires="p14">
       <p:transition spd="med" p14:dur="700">
         <p:fade/>
       </p:transition>
     </mc:Choice>
-    <mc:Fallback xmlns="">
+    <mc:Fallback>
       <p:transition spd="med">
         <p:fade/>
       </p:transition>
@@ -15923,20 +16153,20 @@
     </p:spTree>
     <p:extLst>
       <p:ext uri="{BB962C8B-B14F-4D97-AF65-F5344CB8AC3E}">
-        <p14:creationId xmlns:p14="http://schemas.microsoft.com/office/powerpoint/2010/main" val="3438441757"/>
+        <p14:creationId xmlns:p14="http://schemas.microsoft.com/office/powerpoint/2010/main" xmlns="" val="3438441757"/>
       </p:ext>
     </p:extLst>
   </p:cSld>
   <p:clrMapOvr>
     <a:masterClrMapping/>
   </p:clrMapOvr>
-  <mc:AlternateContent xmlns:mc="http://schemas.openxmlformats.org/markup-compatibility/2006" xmlns:p14="http://schemas.microsoft.com/office/powerpoint/2010/main">
-    <mc:Choice Requires="p14">
+  <mc:AlternateContent xmlns:mc="http://schemas.openxmlformats.org/markup-compatibility/2006">
+    <mc:Choice xmlns:p14="http://schemas.microsoft.com/office/powerpoint/2010/main" xmlns="" Requires="p14">
       <p:transition spd="med" p14:dur="700">
         <p:fade/>
       </p:transition>
     </mc:Choice>
-    <mc:Fallback xmlns="">
+    <mc:Fallback>
       <p:transition spd="med">
         <p:fade/>
       </p:transition>
@@ -16183,20 +16413,20 @@
     </p:spTree>
     <p:extLst>
       <p:ext uri="{BB962C8B-B14F-4D97-AF65-F5344CB8AC3E}">
-        <p14:creationId xmlns:p14="http://schemas.microsoft.com/office/powerpoint/2010/main" val="3833366108"/>
+        <p14:creationId xmlns:p14="http://schemas.microsoft.com/office/powerpoint/2010/main" xmlns="" val="3833366108"/>
       </p:ext>
     </p:extLst>
   </p:cSld>
   <p:clrMapOvr>
     <a:masterClrMapping/>
   </p:clrMapOvr>
-  <mc:AlternateContent xmlns:mc="http://schemas.openxmlformats.org/markup-compatibility/2006" xmlns:p14="http://schemas.microsoft.com/office/powerpoint/2010/main">
-    <mc:Choice Requires="p14">
+  <mc:AlternateContent xmlns:mc="http://schemas.openxmlformats.org/markup-compatibility/2006">
+    <mc:Choice xmlns:p14="http://schemas.microsoft.com/office/powerpoint/2010/main" xmlns="" Requires="p14">
       <p:transition spd="med" p14:dur="700">
         <p:fade/>
       </p:transition>
     </mc:Choice>
-    <mc:Fallback xmlns="">
+    <mc:Fallback>
       <p:transition spd="med">
         <p:fade/>
       </p:transition>
@@ -16278,10 +16508,10 @@
           <p:nvPr/>
         </p:nvPicPr>
         <p:blipFill>
-          <a:blip r:embed="rId2">
+          <a:blip r:embed="rId2" cstate="print">
             <a:extLst>
               <a:ext uri="{28A0092B-C50C-407E-A947-70E740481C1C}">
-                <a14:useLocalDpi xmlns:a14="http://schemas.microsoft.com/office/drawing/2010/main" val="0"/>
+                <a14:useLocalDpi xmlns:a14="http://schemas.microsoft.com/office/drawing/2010/main" xmlns="" val="0"/>
               </a:ext>
             </a:extLst>
           </a:blip>
@@ -16304,14 +16534,14 @@
           </a:ln>
           <a:extLst>
             <a:ext uri="{909E8E84-426E-40DD-AFC4-6F175D3DCCD1}">
-              <a14:hiddenFill xmlns:a14="http://schemas.microsoft.com/office/drawing/2010/main">
+              <a14:hiddenFill xmlns:a14="http://schemas.microsoft.com/office/drawing/2010/main" xmlns="">
                 <a:solidFill>
                   <a:schemeClr val="accent1"/>
                 </a:solidFill>
               </a14:hiddenFill>
             </a:ext>
             <a:ext uri="{91240B29-F687-4F45-9708-019B960494DF}">
-              <a14:hiddenLine xmlns:a14="http://schemas.microsoft.com/office/drawing/2010/main" w="9525">
+              <a14:hiddenLine xmlns:a14="http://schemas.microsoft.com/office/drawing/2010/main" xmlns="" w="9525">
                 <a:solidFill>
                   <a:schemeClr val="tx1"/>
                 </a:solidFill>
@@ -16326,20 +16556,20 @@
     </p:spTree>
     <p:extLst>
       <p:ext uri="{BB962C8B-B14F-4D97-AF65-F5344CB8AC3E}">
-        <p14:creationId xmlns:p14="http://schemas.microsoft.com/office/powerpoint/2010/main" val="2112418618"/>
+        <p14:creationId xmlns:p14="http://schemas.microsoft.com/office/powerpoint/2010/main" xmlns="" val="2112418618"/>
       </p:ext>
     </p:extLst>
   </p:cSld>
   <p:clrMapOvr>
     <a:masterClrMapping/>
   </p:clrMapOvr>
-  <mc:AlternateContent xmlns:mc="http://schemas.openxmlformats.org/markup-compatibility/2006" xmlns:p14="http://schemas.microsoft.com/office/powerpoint/2010/main">
-    <mc:Choice Requires="p14">
+  <mc:AlternateContent xmlns:mc="http://schemas.openxmlformats.org/markup-compatibility/2006">
+    <mc:Choice xmlns:p14="http://schemas.microsoft.com/office/powerpoint/2010/main" xmlns="" Requires="p14">
       <p:transition spd="med" p14:dur="700">
         <p:fade/>
       </p:transition>
     </mc:Choice>
-    <mc:Fallback xmlns="">
+    <mc:Fallback>
       <p:transition spd="med">
         <p:fade/>
       </p:transition>
@@ -16612,10 +16842,10 @@
           <p:nvPr/>
         </p:nvPicPr>
         <p:blipFill>
-          <a:blip r:embed="rId2">
+          <a:blip r:embed="rId2" cstate="print">
             <a:extLst>
               <a:ext uri="{28A0092B-C50C-407E-A947-70E740481C1C}">
-                <a14:useLocalDpi xmlns:a14="http://schemas.microsoft.com/office/drawing/2010/main" val="0"/>
+                <a14:useLocalDpi xmlns:a14="http://schemas.microsoft.com/office/drawing/2010/main" xmlns="" val="0"/>
               </a:ext>
             </a:extLst>
           </a:blip>
@@ -16638,14 +16868,14 @@
           </a:ln>
           <a:extLst>
             <a:ext uri="{909E8E84-426E-40DD-AFC4-6F175D3DCCD1}">
-              <a14:hiddenFill xmlns:a14="http://schemas.microsoft.com/office/drawing/2010/main">
+              <a14:hiddenFill xmlns:a14="http://schemas.microsoft.com/office/drawing/2010/main" xmlns="">
                 <a:solidFill>
                   <a:schemeClr val="accent1"/>
                 </a:solidFill>
               </a14:hiddenFill>
             </a:ext>
             <a:ext uri="{91240B29-F687-4F45-9708-019B960494DF}">
-              <a14:hiddenLine xmlns:a14="http://schemas.microsoft.com/office/drawing/2010/main" w="9525">
+              <a14:hiddenLine xmlns:a14="http://schemas.microsoft.com/office/drawing/2010/main" xmlns="" w="9525">
                 <a:solidFill>
                   <a:schemeClr val="tx1"/>
                 </a:solidFill>
@@ -16660,20 +16890,20 @@
     </p:spTree>
     <p:extLst>
       <p:ext uri="{BB962C8B-B14F-4D97-AF65-F5344CB8AC3E}">
-        <p14:creationId xmlns:p14="http://schemas.microsoft.com/office/powerpoint/2010/main" val="1393713661"/>
+        <p14:creationId xmlns:p14="http://schemas.microsoft.com/office/powerpoint/2010/main" xmlns="" val="1393713661"/>
       </p:ext>
     </p:extLst>
   </p:cSld>
   <p:clrMapOvr>
     <a:masterClrMapping/>
   </p:clrMapOvr>
-  <mc:AlternateContent xmlns:mc="http://schemas.openxmlformats.org/markup-compatibility/2006" xmlns:p14="http://schemas.microsoft.com/office/powerpoint/2010/main">
-    <mc:Choice Requires="p14">
+  <mc:AlternateContent xmlns:mc="http://schemas.openxmlformats.org/markup-compatibility/2006">
+    <mc:Choice xmlns:p14="http://schemas.microsoft.com/office/powerpoint/2010/main" xmlns="" Requires="p14">
       <p:transition spd="med" p14:dur="700">
         <p:fade/>
       </p:transition>
     </mc:Choice>
-    <mc:Fallback xmlns="">
+    <mc:Fallback>
       <p:transition spd="med">
         <p:fade/>
       </p:transition>

--- a/Presentacion/Fuga de Información.pptx
+++ b/Presentacion/Fuga de Información.pptx
@@ -11,8 +11,8 @@
     <p:handoutMasterId r:id="rId46"/>
   </p:handoutMasterIdLst>
   <p:sldIdLst>
-    <p:sldId id="265" r:id="rId3"/>
-    <p:sldId id="310" r:id="rId4"/>
+    <p:sldId id="372" r:id="rId3"/>
+    <p:sldId id="373" r:id="rId4"/>
     <p:sldId id="311" r:id="rId5"/>
     <p:sldId id="355" r:id="rId6"/>
     <p:sldId id="356" r:id="rId7"/>
@@ -156,7 +156,7 @@
   </p:defaultTextStyle>
   <p:extLst>
     <p:ext uri="{EFAFB233-063F-42B5-8137-9DF3F51BA10A}">
-      <p15:sldGuideLst xmlns:p15="http://schemas.microsoft.com/office/powerpoint/2012/main" xmlns="">
+      <p15:sldGuideLst xmlns="" xmlns:p15="http://schemas.microsoft.com/office/powerpoint/2012/main">
         <p15:guide id="1" pos="3839" userDrawn="1">
           <p15:clr>
             <a:srgbClr val="A4A3A4"/>
@@ -170,7 +170,7 @@
       </p15:sldGuideLst>
     </p:ext>
     <p:ext uri="{2D200454-40CA-4A62-9FC3-DE9A4176ACB9}">
-      <p15:notesGuideLst xmlns:p15="http://schemas.microsoft.com/office/powerpoint/2012/main" xmlns=""/>
+      <p15:notesGuideLst xmlns="" xmlns:p15="http://schemas.microsoft.com/office/powerpoint/2012/main"/>
     </p:ext>
   </p:extLst>
 </p:presentation>
@@ -335,7 +335,7 @@
     </p:spTree>
     <p:extLst>
       <p:ext uri="{BB962C8B-B14F-4D97-AF65-F5344CB8AC3E}">
-        <p14:creationId xmlns:p14="http://schemas.microsoft.com/office/powerpoint/2010/main" xmlns="" val="3932065745"/>
+        <p14:creationId xmlns="" xmlns:p14="http://schemas.microsoft.com/office/powerpoint/2010/main" val="3932065745"/>
       </p:ext>
     </p:extLst>
   </p:cSld>
@@ -594,7 +594,7 @@
     </p:spTree>
     <p:extLst>
       <p:ext uri="{BB962C8B-B14F-4D97-AF65-F5344CB8AC3E}">
-        <p14:creationId xmlns:p14="http://schemas.microsoft.com/office/powerpoint/2010/main" xmlns="" val="4276579820"/>
+        <p14:creationId xmlns="" xmlns:p14="http://schemas.microsoft.com/office/powerpoint/2010/main" val="4276579820"/>
       </p:ext>
     </p:extLst>
   </p:cSld>
@@ -1174,7 +1174,7 @@
     </p:spTree>
     <p:extLst>
       <p:ext uri="{BB962C8B-B14F-4D97-AF65-F5344CB8AC3E}">
-        <p14:creationId xmlns:p14="http://schemas.microsoft.com/office/powerpoint/2010/main" xmlns="" val="2425724269"/>
+        <p14:creationId xmlns="" xmlns:p14="http://schemas.microsoft.com/office/powerpoint/2010/main" val="2425724269"/>
       </p:ext>
     </p:extLst>
   </p:cSld>
@@ -1259,7 +1259,7 @@
     </p:spTree>
     <p:extLst>
       <p:ext uri="{BB962C8B-B14F-4D97-AF65-F5344CB8AC3E}">
-        <p14:creationId xmlns:p14="http://schemas.microsoft.com/office/powerpoint/2010/main" xmlns="" val="913013488"/>
+        <p14:creationId xmlns="" xmlns:p14="http://schemas.microsoft.com/office/powerpoint/2010/main" val="913013488"/>
       </p:ext>
     </p:extLst>
   </p:cSld>
@@ -1344,7 +1344,7 @@
     </p:spTree>
     <p:extLst>
       <p:ext uri="{BB962C8B-B14F-4D97-AF65-F5344CB8AC3E}">
-        <p14:creationId xmlns:p14="http://schemas.microsoft.com/office/powerpoint/2010/main" xmlns="" val="3326557915"/>
+        <p14:creationId xmlns="" xmlns:p14="http://schemas.microsoft.com/office/powerpoint/2010/main" val="3326557915"/>
       </p:ext>
     </p:extLst>
   </p:cSld>
@@ -1429,7 +1429,7 @@
     </p:spTree>
     <p:extLst>
       <p:ext uri="{BB962C8B-B14F-4D97-AF65-F5344CB8AC3E}">
-        <p14:creationId xmlns:p14="http://schemas.microsoft.com/office/powerpoint/2010/main" xmlns="" val="3460376957"/>
+        <p14:creationId xmlns="" xmlns:p14="http://schemas.microsoft.com/office/powerpoint/2010/main" val="3460376957"/>
       </p:ext>
     </p:extLst>
   </p:cSld>
@@ -1514,7 +1514,7 @@
     </p:spTree>
     <p:extLst>
       <p:ext uri="{BB962C8B-B14F-4D97-AF65-F5344CB8AC3E}">
-        <p14:creationId xmlns:p14="http://schemas.microsoft.com/office/powerpoint/2010/main" xmlns="" val="4202137938"/>
+        <p14:creationId xmlns="" xmlns:p14="http://schemas.microsoft.com/office/powerpoint/2010/main" val="4202137938"/>
       </p:ext>
     </p:extLst>
   </p:cSld>
@@ -1599,7 +1599,7 @@
     </p:spTree>
     <p:extLst>
       <p:ext uri="{BB962C8B-B14F-4D97-AF65-F5344CB8AC3E}">
-        <p14:creationId xmlns:p14="http://schemas.microsoft.com/office/powerpoint/2010/main" xmlns="" val="2586394931"/>
+        <p14:creationId xmlns="" xmlns:p14="http://schemas.microsoft.com/office/powerpoint/2010/main" val="2586394931"/>
       </p:ext>
     </p:extLst>
   </p:cSld>
@@ -1684,7 +1684,7 @@
     </p:spTree>
     <p:extLst>
       <p:ext uri="{BB962C8B-B14F-4D97-AF65-F5344CB8AC3E}">
-        <p14:creationId xmlns:p14="http://schemas.microsoft.com/office/powerpoint/2010/main" xmlns="" val="1362585539"/>
+        <p14:creationId xmlns="" xmlns:p14="http://schemas.microsoft.com/office/powerpoint/2010/main" val="1362585539"/>
       </p:ext>
     </p:extLst>
   </p:cSld>
@@ -2061,7 +2061,7 @@
     </p:spTree>
     <p:extLst>
       <p:ext uri="{BB962C8B-B14F-4D97-AF65-F5344CB8AC3E}">
-        <p14:creationId xmlns:p14="http://schemas.microsoft.com/office/powerpoint/2010/main" xmlns="" val="3805029774"/>
+        <p14:creationId xmlns="" xmlns:p14="http://schemas.microsoft.com/office/powerpoint/2010/main" val="3805029774"/>
       </p:ext>
     </p:extLst>
   </p:cSld>
@@ -2837,7 +2837,7 @@
     </p:spTree>
     <p:extLst>
       <p:ext uri="{BB962C8B-B14F-4D97-AF65-F5344CB8AC3E}">
-        <p14:creationId xmlns:p14="http://schemas.microsoft.com/office/powerpoint/2010/main" xmlns="" val="655676726"/>
+        <p14:creationId xmlns="" xmlns:p14="http://schemas.microsoft.com/office/powerpoint/2010/main" val="655676726"/>
       </p:ext>
     </p:extLst>
   </p:cSld>
@@ -3171,7 +3171,7 @@
     </p:spTree>
     <p:extLst>
       <p:ext uri="{BB962C8B-B14F-4D97-AF65-F5344CB8AC3E}">
-        <p14:creationId xmlns:p14="http://schemas.microsoft.com/office/powerpoint/2010/main" xmlns="" val="1629614161"/>
+        <p14:creationId xmlns="" xmlns:p14="http://schemas.microsoft.com/office/powerpoint/2010/main" val="1629614161"/>
       </p:ext>
     </p:extLst>
   </p:cSld>
@@ -3705,7 +3705,7 @@
     </p:spTree>
     <p:extLst>
       <p:ext uri="{BB962C8B-B14F-4D97-AF65-F5344CB8AC3E}">
-        <p14:creationId xmlns:p14="http://schemas.microsoft.com/office/powerpoint/2010/main" xmlns="" val="2488318766"/>
+        <p14:creationId xmlns="" xmlns:p14="http://schemas.microsoft.com/office/powerpoint/2010/main" val="2488318766"/>
       </p:ext>
     </p:extLst>
   </p:cSld>
@@ -4251,7 +4251,7 @@
     </p:spTree>
     <p:extLst>
       <p:ext uri="{BB962C8B-B14F-4D97-AF65-F5344CB8AC3E}">
-        <p14:creationId xmlns:p14="http://schemas.microsoft.com/office/powerpoint/2010/main" xmlns="" val="707643668"/>
+        <p14:creationId xmlns="" xmlns:p14="http://schemas.microsoft.com/office/powerpoint/2010/main" val="707643668"/>
       </p:ext>
     </p:extLst>
   </p:cSld>
@@ -4336,7 +4336,7 @@
     </p:spTree>
     <p:extLst>
       <p:ext uri="{BB962C8B-B14F-4D97-AF65-F5344CB8AC3E}">
-        <p14:creationId xmlns:p14="http://schemas.microsoft.com/office/powerpoint/2010/main" xmlns="" val="1554195"/>
+        <p14:creationId xmlns="" xmlns:p14="http://schemas.microsoft.com/office/powerpoint/2010/main" val="1554195"/>
       </p:ext>
     </p:extLst>
   </p:cSld>
@@ -4543,7 +4543,7 @@
     </p:spTree>
     <p:extLst>
       <p:ext uri="{BB962C8B-B14F-4D97-AF65-F5344CB8AC3E}">
-        <p14:creationId xmlns:p14="http://schemas.microsoft.com/office/powerpoint/2010/main" xmlns="" val="94999051"/>
+        <p14:creationId xmlns="" xmlns:p14="http://schemas.microsoft.com/office/powerpoint/2010/main" val="94999051"/>
       </p:ext>
     </p:extLst>
   </p:cSld>
@@ -4551,7 +4551,7 @@
     <a:masterClrMapping/>
   </p:clrMapOvr>
   <mc:AlternateContent xmlns:mc="http://schemas.openxmlformats.org/markup-compatibility/2006">
-    <mc:Choice xmlns:p14="http://schemas.microsoft.com/office/powerpoint/2010/main" xmlns="" Requires="p14">
+    <mc:Choice xmlns="" xmlns:p14="http://schemas.microsoft.com/office/powerpoint/2010/main" Requires="p14">
       <p:transition spd="med" p14:dur="700">
         <p:fade/>
       </p:transition>
@@ -4734,7 +4734,7 @@
     </p:spTree>
     <p:extLst>
       <p:ext uri="{BB962C8B-B14F-4D97-AF65-F5344CB8AC3E}">
-        <p14:creationId xmlns:p14="http://schemas.microsoft.com/office/powerpoint/2010/main" xmlns="" val="460095310"/>
+        <p14:creationId xmlns="" xmlns:p14="http://schemas.microsoft.com/office/powerpoint/2010/main" val="460095310"/>
       </p:ext>
     </p:extLst>
   </p:cSld>
@@ -4742,7 +4742,7 @@
     <a:masterClrMapping/>
   </p:clrMapOvr>
   <mc:AlternateContent xmlns:mc="http://schemas.openxmlformats.org/markup-compatibility/2006">
-    <mc:Choice xmlns:p14="http://schemas.microsoft.com/office/powerpoint/2010/main" xmlns="" Requires="p14">
+    <mc:Choice xmlns="" xmlns:p14="http://schemas.microsoft.com/office/powerpoint/2010/main" Requires="p14">
       <p:transition spd="med" p14:dur="700">
         <p:fade/>
       </p:transition>
@@ -4935,7 +4935,7 @@
     </p:spTree>
     <p:extLst>
       <p:ext uri="{BB962C8B-B14F-4D97-AF65-F5344CB8AC3E}">
-        <p14:creationId xmlns:p14="http://schemas.microsoft.com/office/powerpoint/2010/main" xmlns="" val="4079035419"/>
+        <p14:creationId xmlns="" xmlns:p14="http://schemas.microsoft.com/office/powerpoint/2010/main" val="4079035419"/>
       </p:ext>
     </p:extLst>
   </p:cSld>
@@ -4943,7 +4943,7 @@
     <a:masterClrMapping/>
   </p:clrMapOvr>
   <mc:AlternateContent xmlns:mc="http://schemas.openxmlformats.org/markup-compatibility/2006">
-    <mc:Choice xmlns:p14="http://schemas.microsoft.com/office/powerpoint/2010/main" xmlns="" Requires="p14">
+    <mc:Choice xmlns="" xmlns:p14="http://schemas.microsoft.com/office/powerpoint/2010/main" Requires="p14">
       <p:transition spd="med" p14:dur="700">
         <p:fade/>
       </p:transition>
@@ -5133,7 +5133,7 @@
     </p:spTree>
     <p:extLst>
       <p:ext uri="{BB962C8B-B14F-4D97-AF65-F5344CB8AC3E}">
-        <p14:creationId xmlns:p14="http://schemas.microsoft.com/office/powerpoint/2010/main" xmlns="" val="2738254095"/>
+        <p14:creationId xmlns="" xmlns:p14="http://schemas.microsoft.com/office/powerpoint/2010/main" val="2738254095"/>
       </p:ext>
     </p:extLst>
   </p:cSld>
@@ -5141,7 +5141,7 @@
     <a:masterClrMapping/>
   </p:clrMapOvr>
   <mc:AlternateContent xmlns:mc="http://schemas.openxmlformats.org/markup-compatibility/2006">
-    <mc:Choice xmlns:p14="http://schemas.microsoft.com/office/powerpoint/2010/main" xmlns="" Requires="p14">
+    <mc:Choice xmlns="" xmlns:p14="http://schemas.microsoft.com/office/powerpoint/2010/main" Requires="p14">
       <p:transition spd="med" p14:dur="700">
         <p:fade/>
       </p:transition>
@@ -5422,7 +5422,7 @@
     </p:spTree>
     <p:extLst>
       <p:ext uri="{BB962C8B-B14F-4D97-AF65-F5344CB8AC3E}">
-        <p14:creationId xmlns:p14="http://schemas.microsoft.com/office/powerpoint/2010/main" xmlns="" val="1761813311"/>
+        <p14:creationId xmlns="" xmlns:p14="http://schemas.microsoft.com/office/powerpoint/2010/main" val="1761813311"/>
       </p:ext>
     </p:extLst>
   </p:cSld>
@@ -5430,7 +5430,7 @@
     <a:masterClrMapping/>
   </p:clrMapOvr>
   <mc:AlternateContent xmlns:mc="http://schemas.openxmlformats.org/markup-compatibility/2006">
-    <mc:Choice xmlns:p14="http://schemas.microsoft.com/office/powerpoint/2010/main" xmlns="" Requires="p14">
+    <mc:Choice xmlns="" xmlns:p14="http://schemas.microsoft.com/office/powerpoint/2010/main" Requires="p14">
       <p:transition spd="med" p14:dur="700">
         <p:fade/>
       </p:transition>
@@ -5735,7 +5735,7 @@
     </p:spTree>
     <p:extLst>
       <p:ext uri="{BB962C8B-B14F-4D97-AF65-F5344CB8AC3E}">
-        <p14:creationId xmlns:p14="http://schemas.microsoft.com/office/powerpoint/2010/main" xmlns="" val="2825340762"/>
+        <p14:creationId xmlns="" xmlns:p14="http://schemas.microsoft.com/office/powerpoint/2010/main" val="2825340762"/>
       </p:ext>
     </p:extLst>
   </p:cSld>
@@ -5743,7 +5743,7 @@
     <a:masterClrMapping/>
   </p:clrMapOvr>
   <mc:AlternateContent xmlns:mc="http://schemas.openxmlformats.org/markup-compatibility/2006">
-    <mc:Choice xmlns:p14="http://schemas.microsoft.com/office/powerpoint/2010/main" xmlns="" Requires="p14">
+    <mc:Choice xmlns="" xmlns:p14="http://schemas.microsoft.com/office/powerpoint/2010/main" Requires="p14">
       <p:transition spd="med" p14:dur="700">
         <p:fade/>
       </p:transition>
@@ -6200,7 +6200,7 @@
     </p:spTree>
     <p:extLst>
       <p:ext uri="{BB962C8B-B14F-4D97-AF65-F5344CB8AC3E}">
-        <p14:creationId xmlns:p14="http://schemas.microsoft.com/office/powerpoint/2010/main" xmlns="" val="4208419506"/>
+        <p14:creationId xmlns="" xmlns:p14="http://schemas.microsoft.com/office/powerpoint/2010/main" val="4208419506"/>
       </p:ext>
     </p:extLst>
   </p:cSld>
@@ -6208,7 +6208,7 @@
     <a:masterClrMapping/>
   </p:clrMapOvr>
   <mc:AlternateContent xmlns:mc="http://schemas.openxmlformats.org/markup-compatibility/2006">
-    <mc:Choice xmlns:p14="http://schemas.microsoft.com/office/powerpoint/2010/main" xmlns="" Requires="p14">
+    <mc:Choice xmlns="" xmlns:p14="http://schemas.microsoft.com/office/powerpoint/2010/main" Requires="p14">
       <p:transition spd="med" p14:dur="700">
         <p:fade/>
       </p:transition>
@@ -6339,7 +6339,7 @@
     </p:spTree>
     <p:extLst>
       <p:ext uri="{BB962C8B-B14F-4D97-AF65-F5344CB8AC3E}">
-        <p14:creationId xmlns:p14="http://schemas.microsoft.com/office/powerpoint/2010/main" xmlns="" val="1626631400"/>
+        <p14:creationId xmlns="" xmlns:p14="http://schemas.microsoft.com/office/powerpoint/2010/main" val="1626631400"/>
       </p:ext>
     </p:extLst>
   </p:cSld>
@@ -6347,7 +6347,7 @@
     <a:masterClrMapping/>
   </p:clrMapOvr>
   <mc:AlternateContent xmlns:mc="http://schemas.openxmlformats.org/markup-compatibility/2006">
-    <mc:Choice xmlns:p14="http://schemas.microsoft.com/office/powerpoint/2010/main" xmlns="" Requires="p14">
+    <mc:Choice xmlns="" xmlns:p14="http://schemas.microsoft.com/office/powerpoint/2010/main" Requires="p14">
       <p:transition spd="med" p14:dur="700">
         <p:fade/>
       </p:transition>
@@ -6463,7 +6463,7 @@
     </p:spTree>
     <p:extLst>
       <p:ext uri="{BB962C8B-B14F-4D97-AF65-F5344CB8AC3E}">
-        <p14:creationId xmlns:p14="http://schemas.microsoft.com/office/powerpoint/2010/main" xmlns="" val="3607540120"/>
+        <p14:creationId xmlns="" xmlns:p14="http://schemas.microsoft.com/office/powerpoint/2010/main" val="3607540120"/>
       </p:ext>
     </p:extLst>
   </p:cSld>
@@ -6471,7 +6471,7 @@
     <a:masterClrMapping/>
   </p:clrMapOvr>
   <mc:AlternateContent xmlns:mc="http://schemas.openxmlformats.org/markup-compatibility/2006">
-    <mc:Choice xmlns:p14="http://schemas.microsoft.com/office/powerpoint/2010/main" xmlns="" Requires="p14">
+    <mc:Choice xmlns="" xmlns:p14="http://schemas.microsoft.com/office/powerpoint/2010/main" Requires="p14">
       <p:transition spd="med" p14:dur="700">
         <p:fade/>
       </p:transition>
@@ -6794,7 +6794,7 @@
     </p:spTree>
     <p:extLst>
       <p:ext uri="{BB962C8B-B14F-4D97-AF65-F5344CB8AC3E}">
-        <p14:creationId xmlns:p14="http://schemas.microsoft.com/office/powerpoint/2010/main" xmlns="" val="2544981540"/>
+        <p14:creationId xmlns="" xmlns:p14="http://schemas.microsoft.com/office/powerpoint/2010/main" val="2544981540"/>
       </p:ext>
     </p:extLst>
   </p:cSld>
@@ -6802,7 +6802,7 @@
     <a:masterClrMapping/>
   </p:clrMapOvr>
   <mc:AlternateContent xmlns:mc="http://schemas.openxmlformats.org/markup-compatibility/2006">
-    <mc:Choice xmlns:p14="http://schemas.microsoft.com/office/powerpoint/2010/main" xmlns="" Requires="p14">
+    <mc:Choice xmlns="" xmlns:p14="http://schemas.microsoft.com/office/powerpoint/2010/main" Requires="p14">
       <p:transition spd="med" p14:dur="700">
         <p:fade/>
       </p:transition>
@@ -7114,7 +7114,7 @@
     </p:spTree>
     <p:extLst>
       <p:ext uri="{BB962C8B-B14F-4D97-AF65-F5344CB8AC3E}">
-        <p14:creationId xmlns:p14="http://schemas.microsoft.com/office/powerpoint/2010/main" xmlns="" val="2249172152"/>
+        <p14:creationId xmlns="" xmlns:p14="http://schemas.microsoft.com/office/powerpoint/2010/main" val="2249172152"/>
       </p:ext>
     </p:extLst>
   </p:cSld>
@@ -7122,7 +7122,7 @@
     <a:masterClrMapping/>
   </p:clrMapOvr>
   <mc:AlternateContent xmlns:mc="http://schemas.openxmlformats.org/markup-compatibility/2006">
-    <mc:Choice xmlns:p14="http://schemas.microsoft.com/office/powerpoint/2010/main" xmlns="" Requires="p14">
+    <mc:Choice xmlns="" xmlns:p14="http://schemas.microsoft.com/office/powerpoint/2010/main" Requires="p14">
       <p:transition spd="med" p14:dur="700">
         <p:fade/>
       </p:transition>
@@ -7393,7 +7393,7 @@
     </p:spTree>
     <p:extLst>
       <p:ext uri="{BB962C8B-B14F-4D97-AF65-F5344CB8AC3E}">
-        <p14:creationId xmlns:p14="http://schemas.microsoft.com/office/powerpoint/2010/main" xmlns="" val="1403059996"/>
+        <p14:creationId xmlns="" xmlns:p14="http://schemas.microsoft.com/office/powerpoint/2010/main" val="1403059996"/>
       </p:ext>
     </p:extLst>
   </p:cSld>
@@ -7412,7 +7412,7 @@
     <p:sldLayoutId id="2147483659" r:id="rId11"/>
   </p:sldLayoutIdLst>
   <mc:AlternateContent xmlns:mc="http://schemas.openxmlformats.org/markup-compatibility/2006">
-    <mc:Choice xmlns:p14="http://schemas.microsoft.com/office/powerpoint/2010/main" xmlns="" Requires="p14">
+    <mc:Choice xmlns="" xmlns:p14="http://schemas.microsoft.com/office/powerpoint/2010/main" Requires="p14">
       <p:transition spd="med" p14:dur="700">
         <p:fade/>
       </p:transition>
@@ -7732,7 +7732,7 @@
   </p:txStyles>
   <p:extLst mod="1">
     <p:ext uri="{27BBF7A9-308A-43DC-89C8-2F10F3537804}">
-      <p15:sldGuideLst xmlns:p15="http://schemas.microsoft.com/office/powerpoint/2012/main" xmlns="">
+      <p15:sldGuideLst xmlns="" xmlns:p15="http://schemas.microsoft.com/office/powerpoint/2012/main">
         <p15:guide id="1" pos="3839" userDrawn="1">
           <p15:clr>
             <a:srgbClr val="F26B43"/>
@@ -7776,7 +7776,12 @@
             <p:ph type="ctrTitle"/>
           </p:nvPr>
         </p:nvSpPr>
-        <p:spPr/>
+        <p:spPr>
+          <a:xfrm>
+            <a:off x="1053852" y="2564904"/>
+            <a:ext cx="8229600" cy="1727448"/>
+          </a:xfrm>
+        </p:spPr>
         <p:txBody>
           <a:bodyPr>
             <a:normAutofit/>
@@ -7788,9 +7793,16 @@
                 <a:latin typeface="Segoe UI" panose="020B0502040204020203" pitchFamily="34" charset="0"/>
                 <a:cs typeface="Segoe UI" panose="020B0502040204020203" pitchFamily="34" charset="0"/>
               </a:rPr>
-              <a:t>Fuga de Información en los Siglos XIX y XXI</a:t>
-            </a:r>
-            <a:endParaRPr lang="es-AR" sz="6000" dirty="0">
+              <a:t>Fuga de Información </a:t>
+            </a:r>
+            <a:r>
+              <a:rPr lang="es-AR" sz="5400" dirty="0" smtClean="0">
+                <a:latin typeface="Segoe UI" panose="020B0502040204020203" pitchFamily="34" charset="0"/>
+                <a:cs typeface="Segoe UI" panose="020B0502040204020203" pitchFamily="34" charset="0"/>
+              </a:rPr>
+              <a:t>en los Siglos XIX y XXI</a:t>
+            </a:r>
+            <a:endParaRPr lang="es-AR" sz="5400" dirty="0">
               <a:latin typeface="Segoe UI" panose="020B0502040204020203" pitchFamily="34" charset="0"/>
               <a:cs typeface="Segoe UI" panose="020B0502040204020203" pitchFamily="34" charset="0"/>
             </a:endParaRPr>
@@ -7807,35 +7819,48 @@
             <p:ph type="subTitle" idx="1"/>
           </p:nvPr>
         </p:nvSpPr>
-        <p:spPr/>
+        <p:spPr>
+          <a:xfrm>
+            <a:off x="1065212" y="4800600"/>
+            <a:ext cx="9925743" cy="1219200"/>
+          </a:xfrm>
+        </p:spPr>
         <p:txBody>
           <a:bodyPr/>
           <a:lstStyle/>
           <a:p>
             <a:r>
-              <a:rPr lang="es-AR" dirty="0" err="1" smtClean="0">
-                <a:latin typeface="Segoe UI" panose="020B0502040204020203" pitchFamily="34" charset="0"/>
-                <a:cs typeface="Segoe UI" panose="020B0502040204020203" pitchFamily="34" charset="0"/>
-              </a:rPr>
-              <a:t>Fiuba</a:t>
-            </a:r>
-            <a:r>
-              <a:rPr lang="es-AR" dirty="0" smtClean="0">
-                <a:latin typeface="Segoe UI" panose="020B0502040204020203" pitchFamily="34" charset="0"/>
-                <a:cs typeface="Segoe UI" panose="020B0502040204020203" pitchFamily="34" charset="0"/>
-              </a:rPr>
-              <a:t> – implantación de sistemas</a:t>
-            </a:r>
-          </a:p>
-          <a:p>
-            <a:r>
-              <a:rPr lang="es-AR" dirty="0" smtClean="0">
-                <a:latin typeface="Segoe UI" panose="020B0502040204020203" pitchFamily="34" charset="0"/>
-                <a:cs typeface="Segoe UI" panose="020B0502040204020203" pitchFamily="34" charset="0"/>
-              </a:rPr>
-              <a:t>Noviembre de 2014</a:t>
-            </a:r>
-            <a:endParaRPr lang="es-AR" dirty="0">
+              <a:rPr lang="es-AR" b="1" dirty="0" smtClean="0">
+                <a:solidFill>
+                  <a:schemeClr val="accent1">
+                    <a:lumMod val="75000"/>
+                  </a:schemeClr>
+                </a:solidFill>
+                <a:latin typeface="Segoe UI" panose="020B0502040204020203" pitchFamily="34" charset="0"/>
+                <a:cs typeface="Segoe UI" panose="020B0502040204020203" pitchFamily="34" charset="0"/>
+              </a:rPr>
+              <a:t>75.17 - Implantación de Sistemas</a:t>
+            </a:r>
+          </a:p>
+          <a:p>
+            <a:r>
+              <a:rPr lang="es-AR" b="1" dirty="0" smtClean="0">
+                <a:solidFill>
+                  <a:schemeClr val="accent1">
+                    <a:lumMod val="75000"/>
+                  </a:schemeClr>
+                </a:solidFill>
+                <a:latin typeface="Segoe UI" panose="020B0502040204020203" pitchFamily="34" charset="0"/>
+                <a:cs typeface="Segoe UI" panose="020B0502040204020203" pitchFamily="34" charset="0"/>
+              </a:rPr>
+              <a:t>75.56 - Organización de la Implantación y el Mantenimiento</a:t>
+            </a:r>
+            <a:endParaRPr lang="es-AR" b="1" dirty="0">
+              <a:solidFill>
+                <a:schemeClr val="accent1">
+                  <a:lumMod val="75000"/>
+                </a:schemeClr>
+              </a:solidFill>
               <a:latin typeface="Segoe UI" panose="020B0502040204020203" pitchFamily="34" charset="0"/>
               <a:cs typeface="Segoe UI" panose="020B0502040204020203" pitchFamily="34" charset="0"/>
             </a:endParaRPr>
@@ -7957,6 +7982,9 @@
             <a:pPr algn="ctr"/>
             <a:r>
               <a:rPr lang="es-AR" dirty="0">
+                <a:solidFill>
+                  <a:schemeClr val="accent1"/>
+                </a:solidFill>
                 <a:latin typeface="Segoe UI" panose="020B0502040204020203" pitchFamily="34" charset="0"/>
                 <a:cs typeface="Segoe UI" panose="020B0502040204020203" pitchFamily="34" charset="0"/>
               </a:rPr>
@@ -7964,12 +7992,19 @@
             </a:r>
             <a:r>
               <a:rPr lang="es-AR" dirty="0" smtClean="0">
+                <a:solidFill>
+                  <a:schemeClr val="accent1"/>
+                </a:solidFill>
                 <a:latin typeface="Segoe UI" panose="020B0502040204020203" pitchFamily="34" charset="0"/>
                 <a:cs typeface="Segoe UI" panose="020B0502040204020203" pitchFamily="34" charset="0"/>
               </a:rPr>
               <a:t>riesgos</a:t>
             </a:r>
-            <a:endParaRPr lang="es-AR" b="1" dirty="0"/>
+            <a:endParaRPr lang="es-AR" b="1" dirty="0">
+              <a:solidFill>
+                <a:schemeClr val="accent1"/>
+              </a:solidFill>
+            </a:endParaRPr>
           </a:p>
         </p:txBody>
       </p:sp>
@@ -8137,7 +8172,7 @@
     </p:spTree>
     <p:extLst>
       <p:ext uri="{BB962C8B-B14F-4D97-AF65-F5344CB8AC3E}">
-        <p14:creationId xmlns:p14="http://schemas.microsoft.com/office/powerpoint/2010/main" xmlns="" val="4207303638"/>
+        <p14:creationId xmlns="" xmlns:p14="http://schemas.microsoft.com/office/powerpoint/2010/main" val="4207303638"/>
       </p:ext>
     </p:extLst>
   </p:cSld>
@@ -8145,7 +8180,7 @@
     <a:masterClrMapping/>
   </p:clrMapOvr>
   <mc:AlternateContent xmlns:mc="http://schemas.openxmlformats.org/markup-compatibility/2006">
-    <mc:Choice xmlns:p14="http://schemas.microsoft.com/office/powerpoint/2010/main" xmlns="" Requires="p14">
+    <mc:Choice xmlns="" xmlns:p14="http://schemas.microsoft.com/office/powerpoint/2010/main" Requires="p14">
       <p:transition spd="med" p14:dur="700">
         <p:fade/>
       </p:transition>
@@ -8199,11 +8234,40 @@
           <a:lstStyle/>
           <a:p>
             <a:r>
+              <a:rPr lang="es-AR" b="1" i="1" dirty="0" smtClean="0">
+                <a:latin typeface="Segoe UI" panose="020B0502040204020203" pitchFamily="34" charset="0"/>
+                <a:cs typeface="Segoe UI" panose="020B0502040204020203" pitchFamily="34" charset="0"/>
+              </a:rPr>
+              <a:t>Siglo XIX</a:t>
+            </a:r>
+            <a:endParaRPr lang="es-AR" b="1" i="1" dirty="0">
+              <a:latin typeface="Segoe UI" panose="020B0502040204020203" pitchFamily="34" charset="0"/>
+              <a:cs typeface="Segoe UI" panose="020B0502040204020203" pitchFamily="34" charset="0"/>
+            </a:endParaRPr>
+          </a:p>
+        </p:txBody>
+      </p:sp>
+      <p:sp>
+        <p:nvSpPr>
+          <p:cNvPr id="3" name="Text Placeholder 2"/>
+          <p:cNvSpPr>
+            <a:spLocks noGrp="1"/>
+          </p:cNvSpPr>
+          <p:nvPr>
+            <p:ph type="body" idx="1"/>
+          </p:nvPr>
+        </p:nvSpPr>
+        <p:spPr/>
+        <p:txBody>
+          <a:bodyPr/>
+          <a:lstStyle/>
+          <a:p>
+            <a:r>
               <a:rPr lang="es-AR" dirty="0" smtClean="0">
                 <a:latin typeface="Segoe UI" panose="020B0502040204020203" pitchFamily="34" charset="0"/>
                 <a:cs typeface="Segoe UI" panose="020B0502040204020203" pitchFamily="34" charset="0"/>
               </a:rPr>
-              <a:t>Siglo XIX</a:t>
+              <a:t>La información entre mosquetes y bayonetas</a:t>
             </a:r>
             <a:endParaRPr lang="es-AR" dirty="0">
               <a:latin typeface="Segoe UI" panose="020B0502040204020203" pitchFamily="34" charset="0"/>
@@ -8212,39 +8276,10 @@
           </a:p>
         </p:txBody>
       </p:sp>
-      <p:sp>
-        <p:nvSpPr>
-          <p:cNvPr id="3" name="Text Placeholder 2"/>
-          <p:cNvSpPr>
-            <a:spLocks noGrp="1"/>
-          </p:cNvSpPr>
-          <p:nvPr>
-            <p:ph type="body" idx="1"/>
-          </p:nvPr>
-        </p:nvSpPr>
-        <p:spPr/>
-        <p:txBody>
-          <a:bodyPr/>
-          <a:lstStyle/>
-          <a:p>
-            <a:r>
-              <a:rPr lang="es-AR" dirty="0" smtClean="0">
-                <a:latin typeface="Segoe UI" panose="020B0502040204020203" pitchFamily="34" charset="0"/>
-                <a:cs typeface="Segoe UI" panose="020B0502040204020203" pitchFamily="34" charset="0"/>
-              </a:rPr>
-              <a:t>La información entre mosquetes y bayonetas</a:t>
-            </a:r>
-            <a:endParaRPr lang="es-AR" dirty="0">
-              <a:latin typeface="Segoe UI" panose="020B0502040204020203" pitchFamily="34" charset="0"/>
-              <a:cs typeface="Segoe UI" panose="020B0502040204020203" pitchFamily="34" charset="0"/>
-            </a:endParaRPr>
-          </a:p>
-        </p:txBody>
-      </p:sp>
     </p:spTree>
     <p:extLst>
       <p:ext uri="{BB962C8B-B14F-4D97-AF65-F5344CB8AC3E}">
-        <p14:creationId xmlns:p14="http://schemas.microsoft.com/office/powerpoint/2010/main" xmlns="" val="3772183175"/>
+        <p14:creationId xmlns="" xmlns:p14="http://schemas.microsoft.com/office/powerpoint/2010/main" val="3772183175"/>
       </p:ext>
     </p:extLst>
   </p:cSld>
@@ -8252,7 +8287,7 @@
     <a:masterClrMapping/>
   </p:clrMapOvr>
   <mc:AlternateContent xmlns:mc="http://schemas.openxmlformats.org/markup-compatibility/2006">
-    <mc:Choice xmlns:p14="http://schemas.microsoft.com/office/powerpoint/2010/main" xmlns="" Requires="p14">
+    <mc:Choice xmlns="" xmlns:p14="http://schemas.microsoft.com/office/powerpoint/2010/main" Requires="p14">
       <p:transition spd="med" p14:dur="700">
         <p:fade/>
       </p:transition>
@@ -8465,7 +8500,7 @@
     </p:spTree>
     <p:extLst>
       <p:ext uri="{BB962C8B-B14F-4D97-AF65-F5344CB8AC3E}">
-        <p14:creationId xmlns:p14="http://schemas.microsoft.com/office/powerpoint/2010/main" xmlns="" val="911844652"/>
+        <p14:creationId xmlns="" xmlns:p14="http://schemas.microsoft.com/office/powerpoint/2010/main" val="911844652"/>
       </p:ext>
     </p:extLst>
   </p:cSld>
@@ -8473,7 +8508,7 @@
     <a:masterClrMapping/>
   </p:clrMapOvr>
   <mc:AlternateContent xmlns:mc="http://schemas.openxmlformats.org/markup-compatibility/2006">
-    <mc:Choice xmlns:p14="http://schemas.microsoft.com/office/powerpoint/2010/main" xmlns="" Requires="p14">
+    <mc:Choice xmlns="" xmlns:p14="http://schemas.microsoft.com/office/powerpoint/2010/main" Requires="p14">
       <p:transition spd="med" p14:dur="700">
         <p:fade/>
       </p:transition>
@@ -8528,11 +8563,93 @@
           <a:p>
             <a:r>
               <a:rPr lang="es-AR" dirty="0" smtClean="0">
+                <a:solidFill>
+                  <a:schemeClr val="accent1"/>
+                </a:solidFill>
                 <a:latin typeface="Segoe UI" panose="020B0502040204020203" pitchFamily="34" charset="0"/>
                 <a:cs typeface="Segoe UI" panose="020B0502040204020203" pitchFamily="34" charset="0"/>
               </a:rPr>
               <a:t>Revolución Industrial</a:t>
             </a:r>
+            <a:endParaRPr lang="es-AR" dirty="0">
+              <a:solidFill>
+                <a:schemeClr val="accent1"/>
+              </a:solidFill>
+              <a:latin typeface="Segoe UI" panose="020B0502040204020203" pitchFamily="34" charset="0"/>
+              <a:cs typeface="Segoe UI" panose="020B0502040204020203" pitchFamily="34" charset="0"/>
+            </a:endParaRPr>
+          </a:p>
+        </p:txBody>
+      </p:sp>
+      <p:sp>
+        <p:nvSpPr>
+          <p:cNvPr id="3" name="Content Placeholder 2"/>
+          <p:cNvSpPr>
+            <a:spLocks noGrp="1"/>
+          </p:cNvSpPr>
+          <p:nvPr>
+            <p:ph idx="1"/>
+          </p:nvPr>
+        </p:nvSpPr>
+        <p:spPr/>
+        <p:txBody>
+          <a:bodyPr/>
+          <a:lstStyle/>
+          <a:p>
+            <a:r>
+              <a:rPr lang="es-AR" dirty="0" smtClean="0">
+                <a:latin typeface="Segoe UI" panose="020B0502040204020203" pitchFamily="34" charset="0"/>
+                <a:cs typeface="Segoe UI" panose="020B0502040204020203" pitchFamily="34" charset="0"/>
+              </a:rPr>
+              <a:t>Importancia de la técnica productiva</a:t>
+            </a:r>
+          </a:p>
+          <a:p>
+            <a:r>
+              <a:rPr lang="es-AR" dirty="0" smtClean="0">
+                <a:latin typeface="Segoe UI" panose="020B0502040204020203" pitchFamily="34" charset="0"/>
+                <a:cs typeface="Segoe UI" panose="020B0502040204020203" pitchFamily="34" charset="0"/>
+              </a:rPr>
+              <a:t>Centralización poblacional</a:t>
+            </a:r>
+          </a:p>
+          <a:p>
+            <a:r>
+              <a:rPr lang="es-AR" dirty="0" smtClean="0">
+                <a:latin typeface="Segoe UI" panose="020B0502040204020203" pitchFamily="34" charset="0"/>
+                <a:cs typeface="Segoe UI" panose="020B0502040204020203" pitchFamily="34" charset="0"/>
+              </a:rPr>
+              <a:t>Burguesía Industrial</a:t>
+            </a:r>
+          </a:p>
+          <a:p>
+            <a:r>
+              <a:rPr lang="es-AR" dirty="0" smtClean="0">
+                <a:latin typeface="Segoe UI" panose="020B0502040204020203" pitchFamily="34" charset="0"/>
+                <a:cs typeface="Segoe UI" panose="020B0502040204020203" pitchFamily="34" charset="0"/>
+              </a:rPr>
+              <a:t>Ordenamiento social</a:t>
+            </a:r>
+          </a:p>
+          <a:p>
+            <a:r>
+              <a:rPr lang="es-AR" dirty="0" smtClean="0">
+                <a:latin typeface="Segoe UI" panose="020B0502040204020203" pitchFamily="34" charset="0"/>
+                <a:cs typeface="Segoe UI" panose="020B0502040204020203" pitchFamily="34" charset="0"/>
+              </a:rPr>
+              <a:t>Liberalismo</a:t>
+            </a:r>
+          </a:p>
+          <a:p>
+            <a:r>
+              <a:rPr lang="es-AR" dirty="0" smtClean="0">
+                <a:latin typeface="Segoe UI" panose="020B0502040204020203" pitchFamily="34" charset="0"/>
+                <a:cs typeface="Segoe UI" panose="020B0502040204020203" pitchFamily="34" charset="0"/>
+              </a:rPr>
+              <a:t>Iluminismo y doctrinas gnósticas</a:t>
+            </a:r>
+          </a:p>
+          <a:p>
             <a:endParaRPr lang="es-AR" dirty="0">
               <a:latin typeface="Segoe UI" panose="020B0502040204020203" pitchFamily="34" charset="0"/>
               <a:cs typeface="Segoe UI" panose="020B0502040204020203" pitchFamily="34" charset="0"/>
@@ -8542,12 +8659,12 @@
       </p:sp>
       <p:sp>
         <p:nvSpPr>
-          <p:cNvPr id="3" name="Content Placeholder 2"/>
+          <p:cNvPr id="4" name="Text Placeholder 3"/>
           <p:cNvSpPr>
             <a:spLocks noGrp="1"/>
           </p:cNvSpPr>
           <p:nvPr>
-            <p:ph idx="1"/>
+            <p:ph type="body" sz="half" idx="2"/>
           </p:nvPr>
         </p:nvSpPr>
         <p:spPr/>
@@ -8560,55 +8677,8 @@
                 <a:latin typeface="Segoe UI" panose="020B0502040204020203" pitchFamily="34" charset="0"/>
                 <a:cs typeface="Segoe UI" panose="020B0502040204020203" pitchFamily="34" charset="0"/>
               </a:rPr>
-              <a:t>Importancia de la técnica productiva</a:t>
-            </a:r>
-          </a:p>
-          <a:p>
-            <a:r>
-              <a:rPr lang="es-AR" dirty="0" smtClean="0">
-                <a:latin typeface="Segoe UI" panose="020B0502040204020203" pitchFamily="34" charset="0"/>
-                <a:cs typeface="Segoe UI" panose="020B0502040204020203" pitchFamily="34" charset="0"/>
-              </a:rPr>
-              <a:t>Centralización poblacional</a:t>
-            </a:r>
-          </a:p>
-          <a:p>
-            <a:r>
-              <a:rPr lang="es-AR" dirty="0" smtClean="0">
-                <a:latin typeface="Segoe UI" panose="020B0502040204020203" pitchFamily="34" charset="0"/>
-                <a:cs typeface="Segoe UI" panose="020B0502040204020203" pitchFamily="34" charset="0"/>
-              </a:rPr>
-              <a:t>Burguesía Industrial</a:t>
-            </a:r>
-          </a:p>
-          <a:p>
-            <a:r>
-              <a:rPr lang="es-AR" dirty="0" smtClean="0">
-                <a:latin typeface="Segoe UI" panose="020B0502040204020203" pitchFamily="34" charset="0"/>
-                <a:cs typeface="Segoe UI" panose="020B0502040204020203" pitchFamily="34" charset="0"/>
-              </a:rPr>
-              <a:t>Ordenamiento social</a:t>
-            </a:r>
-          </a:p>
-          <a:p>
-            <a:r>
-              <a:rPr lang="es-AR" dirty="0" smtClean="0">
-                <a:latin typeface="Segoe UI" panose="020B0502040204020203" pitchFamily="34" charset="0"/>
-                <a:cs typeface="Segoe UI" panose="020B0502040204020203" pitchFamily="34" charset="0"/>
-              </a:rPr>
-              <a:t>Liberalismo</a:t>
-            </a:r>
-          </a:p>
-          <a:p>
-            <a:r>
-              <a:rPr lang="es-AR" dirty="0" smtClean="0">
-                <a:latin typeface="Segoe UI" panose="020B0502040204020203" pitchFamily="34" charset="0"/>
-                <a:cs typeface="Segoe UI" panose="020B0502040204020203" pitchFamily="34" charset="0"/>
-              </a:rPr>
-              <a:t>Iluminismo y doctrinas gnósticas</a:t>
-            </a:r>
-          </a:p>
-          <a:p>
+              <a:t>Iniciada a mediados del Siglo XVIII</a:t>
+            </a:r>
             <a:endParaRPr lang="es-AR" dirty="0">
               <a:latin typeface="Segoe UI" panose="020B0502040204020203" pitchFamily="34" charset="0"/>
               <a:cs typeface="Segoe UI" panose="020B0502040204020203" pitchFamily="34" charset="0"/>
@@ -8616,39 +8686,10 @@
           </a:p>
         </p:txBody>
       </p:sp>
-      <p:sp>
-        <p:nvSpPr>
-          <p:cNvPr id="4" name="Text Placeholder 3"/>
-          <p:cNvSpPr>
-            <a:spLocks noGrp="1"/>
-          </p:cNvSpPr>
-          <p:nvPr>
-            <p:ph type="body" sz="half" idx="2"/>
-          </p:nvPr>
-        </p:nvSpPr>
-        <p:spPr/>
-        <p:txBody>
-          <a:bodyPr/>
-          <a:lstStyle/>
-          <a:p>
-            <a:r>
-              <a:rPr lang="es-AR" dirty="0" smtClean="0">
-                <a:latin typeface="Segoe UI" panose="020B0502040204020203" pitchFamily="34" charset="0"/>
-                <a:cs typeface="Segoe UI" panose="020B0502040204020203" pitchFamily="34" charset="0"/>
-              </a:rPr>
-              <a:t>Iniciada a mediados del Siglo XVIII</a:t>
-            </a:r>
-            <a:endParaRPr lang="es-AR" dirty="0">
-              <a:latin typeface="Segoe UI" panose="020B0502040204020203" pitchFamily="34" charset="0"/>
-              <a:cs typeface="Segoe UI" panose="020B0502040204020203" pitchFamily="34" charset="0"/>
-            </a:endParaRPr>
-          </a:p>
-        </p:txBody>
-      </p:sp>
     </p:spTree>
     <p:extLst>
       <p:ext uri="{BB962C8B-B14F-4D97-AF65-F5344CB8AC3E}">
-        <p14:creationId xmlns:p14="http://schemas.microsoft.com/office/powerpoint/2010/main" xmlns="" val="3751154171"/>
+        <p14:creationId xmlns="" xmlns:p14="http://schemas.microsoft.com/office/powerpoint/2010/main" val="3751154171"/>
       </p:ext>
     </p:extLst>
   </p:cSld>
@@ -8656,7 +8697,7 @@
     <a:masterClrMapping/>
   </p:clrMapOvr>
   <mc:AlternateContent xmlns:mc="http://schemas.openxmlformats.org/markup-compatibility/2006">
-    <mc:Choice xmlns:p14="http://schemas.microsoft.com/office/powerpoint/2010/main" xmlns="" Requires="p14">
+    <mc:Choice xmlns="" xmlns:p14="http://schemas.microsoft.com/office/powerpoint/2010/main" Requires="p14">
       <p:transition spd="med" p14:dur="700">
         <p:fade/>
       </p:transition>
@@ -8711,6 +8752,9 @@
           <a:p>
             <a:r>
               <a:rPr lang="es-AR" dirty="0" smtClean="0">
+                <a:solidFill>
+                  <a:schemeClr val="accent1"/>
+                </a:solidFill>
                 <a:latin typeface="Segoe UI" panose="020B0502040204020203" pitchFamily="34" charset="0"/>
                 <a:cs typeface="Segoe UI" panose="020B0502040204020203" pitchFamily="34" charset="0"/>
               </a:rPr>
@@ -8718,16 +8762,90 @@
             </a:r>
             <a:br>
               <a:rPr lang="es-AR" dirty="0" smtClean="0">
+                <a:solidFill>
+                  <a:schemeClr val="accent1"/>
+                </a:solidFill>
                 <a:latin typeface="Segoe UI" panose="020B0502040204020203" pitchFamily="34" charset="0"/>
                 <a:cs typeface="Segoe UI" panose="020B0502040204020203" pitchFamily="34" charset="0"/>
               </a:rPr>
             </a:br>
             <a:r>
               <a:rPr lang="es-AR" dirty="0" smtClean="0">
+                <a:solidFill>
+                  <a:schemeClr val="accent1"/>
+                </a:solidFill>
                 <a:latin typeface="Segoe UI" panose="020B0502040204020203" pitchFamily="34" charset="0"/>
                 <a:cs typeface="Segoe UI" panose="020B0502040204020203" pitchFamily="34" charset="0"/>
               </a:rPr>
               <a:t>El Inventor</a:t>
+            </a:r>
+            <a:endParaRPr lang="es-AR" dirty="0">
+              <a:solidFill>
+                <a:schemeClr val="accent1"/>
+              </a:solidFill>
+              <a:latin typeface="Segoe UI" panose="020B0502040204020203" pitchFamily="34" charset="0"/>
+              <a:cs typeface="Segoe UI" panose="020B0502040204020203" pitchFamily="34" charset="0"/>
+            </a:endParaRPr>
+          </a:p>
+        </p:txBody>
+      </p:sp>
+      <p:sp>
+        <p:nvSpPr>
+          <p:cNvPr id="3" name="Content Placeholder 2"/>
+          <p:cNvSpPr>
+            <a:spLocks noGrp="1"/>
+          </p:cNvSpPr>
+          <p:nvPr>
+            <p:ph idx="1"/>
+          </p:nvPr>
+        </p:nvSpPr>
+        <p:spPr/>
+        <p:txBody>
+          <a:bodyPr/>
+          <a:lstStyle/>
+          <a:p>
+            <a:r>
+              <a:rPr lang="es-AR" dirty="0" smtClean="0">
+                <a:latin typeface="Segoe UI" panose="020B0502040204020203" pitchFamily="34" charset="0"/>
+                <a:cs typeface="Segoe UI" panose="020B0502040204020203" pitchFamily="34" charset="0"/>
+              </a:rPr>
+              <a:t>Búsqueda de mayor productividad en la producción de bienes industriales</a:t>
+            </a:r>
+          </a:p>
+          <a:p>
+            <a:r>
+              <a:rPr lang="es-AR" dirty="0" smtClean="0">
+                <a:latin typeface="Segoe UI" panose="020B0502040204020203" pitchFamily="34" charset="0"/>
+                <a:cs typeface="Segoe UI" panose="020B0502040204020203" pitchFamily="34" charset="0"/>
+              </a:rPr>
+              <a:t>Revalorización del conocimiento técnico</a:t>
+            </a:r>
+          </a:p>
+          <a:p>
+            <a:r>
+              <a:rPr lang="es-AR" dirty="0" smtClean="0">
+                <a:latin typeface="Segoe UI" panose="020B0502040204020203" pitchFamily="34" charset="0"/>
+                <a:cs typeface="Segoe UI" panose="020B0502040204020203" pitchFamily="34" charset="0"/>
+              </a:rPr>
+              <a:t>Creciente demanda por un mayor incentivo a la actividad de la invención</a:t>
+            </a:r>
+          </a:p>
+          <a:p>
+            <a:r>
+              <a:rPr lang="es-AR" dirty="0" smtClean="0">
+                <a:latin typeface="Segoe UI" panose="020B0502040204020203" pitchFamily="34" charset="0"/>
+                <a:cs typeface="Segoe UI" panose="020B0502040204020203" pitchFamily="34" charset="0"/>
+              </a:rPr>
+              <a:t>Sofisticación y formalización del conocimiento técnico</a:t>
+            </a:r>
+          </a:p>
+          <a:p>
+            <a:r>
+              <a:rPr lang="es-AR" dirty="0" smtClean="0">
+                <a:latin typeface="Segoe UI" panose="020B0502040204020203" pitchFamily="34" charset="0"/>
+                <a:cs typeface="Segoe UI" panose="020B0502040204020203" pitchFamily="34" charset="0"/>
+              </a:rPr>
+              <a:t>Rédito del inventor</a:t>
             </a:r>
             <a:endParaRPr lang="es-AR" dirty="0">
               <a:latin typeface="Segoe UI" panose="020B0502040204020203" pitchFamily="34" charset="0"/>
@@ -8738,12 +8856,12 @@
       </p:sp>
       <p:sp>
         <p:nvSpPr>
-          <p:cNvPr id="3" name="Content Placeholder 2"/>
+          <p:cNvPr id="4" name="Text Placeholder 3"/>
           <p:cNvSpPr>
             <a:spLocks noGrp="1"/>
           </p:cNvSpPr>
           <p:nvPr>
-            <p:ph idx="1"/>
+            <p:ph type="body" sz="half" idx="2"/>
           </p:nvPr>
         </p:nvSpPr>
         <p:spPr/>
@@ -8756,43 +8874,7 @@
                 <a:latin typeface="Segoe UI" panose="020B0502040204020203" pitchFamily="34" charset="0"/>
                 <a:cs typeface="Segoe UI" panose="020B0502040204020203" pitchFamily="34" charset="0"/>
               </a:rPr>
-              <a:t>Búsqueda de mayor productividad en la producción de bienes industriales</a:t>
-            </a:r>
-          </a:p>
-          <a:p>
-            <a:r>
-              <a:rPr lang="es-AR" dirty="0" smtClean="0">
-                <a:latin typeface="Segoe UI" panose="020B0502040204020203" pitchFamily="34" charset="0"/>
-                <a:cs typeface="Segoe UI" panose="020B0502040204020203" pitchFamily="34" charset="0"/>
-              </a:rPr>
-              <a:t>Revalorización del conocimiento técnico</a:t>
-            </a:r>
-          </a:p>
-          <a:p>
-            <a:r>
-              <a:rPr lang="es-AR" dirty="0" smtClean="0">
-                <a:latin typeface="Segoe UI" panose="020B0502040204020203" pitchFamily="34" charset="0"/>
-                <a:cs typeface="Segoe UI" panose="020B0502040204020203" pitchFamily="34" charset="0"/>
-              </a:rPr>
-              <a:t>Creciente demanda por un mayor incentivo a la actividad de la invención</a:t>
-            </a:r>
-          </a:p>
-          <a:p>
-            <a:r>
-              <a:rPr lang="es-AR" dirty="0" smtClean="0">
-                <a:latin typeface="Segoe UI" panose="020B0502040204020203" pitchFamily="34" charset="0"/>
-                <a:cs typeface="Segoe UI" panose="020B0502040204020203" pitchFamily="34" charset="0"/>
-              </a:rPr>
-              <a:t>Sofisticación y formalización del conocimiento técnico</a:t>
-            </a:r>
-          </a:p>
-          <a:p>
-            <a:r>
-              <a:rPr lang="es-AR" dirty="0" smtClean="0">
-                <a:latin typeface="Segoe UI" panose="020B0502040204020203" pitchFamily="34" charset="0"/>
-                <a:cs typeface="Segoe UI" panose="020B0502040204020203" pitchFamily="34" charset="0"/>
-              </a:rPr>
-              <a:t>Rédito del inventor</a:t>
+              <a:t>De la sabiduría a la invención</a:t>
             </a:r>
             <a:endParaRPr lang="es-AR" dirty="0">
               <a:latin typeface="Segoe UI" panose="020B0502040204020203" pitchFamily="34" charset="0"/>
@@ -8801,39 +8883,10 @@
           </a:p>
         </p:txBody>
       </p:sp>
-      <p:sp>
-        <p:nvSpPr>
-          <p:cNvPr id="4" name="Text Placeholder 3"/>
-          <p:cNvSpPr>
-            <a:spLocks noGrp="1"/>
-          </p:cNvSpPr>
-          <p:nvPr>
-            <p:ph type="body" sz="half" idx="2"/>
-          </p:nvPr>
-        </p:nvSpPr>
-        <p:spPr/>
-        <p:txBody>
-          <a:bodyPr/>
-          <a:lstStyle/>
-          <a:p>
-            <a:r>
-              <a:rPr lang="es-AR" dirty="0" smtClean="0">
-                <a:latin typeface="Segoe UI" panose="020B0502040204020203" pitchFamily="34" charset="0"/>
-                <a:cs typeface="Segoe UI" panose="020B0502040204020203" pitchFamily="34" charset="0"/>
-              </a:rPr>
-              <a:t>De la sabiduría a la invención</a:t>
-            </a:r>
-            <a:endParaRPr lang="es-AR" dirty="0">
-              <a:latin typeface="Segoe UI" panose="020B0502040204020203" pitchFamily="34" charset="0"/>
-              <a:cs typeface="Segoe UI" panose="020B0502040204020203" pitchFamily="34" charset="0"/>
-            </a:endParaRPr>
-          </a:p>
-        </p:txBody>
-      </p:sp>
     </p:spTree>
     <p:extLst>
       <p:ext uri="{BB962C8B-B14F-4D97-AF65-F5344CB8AC3E}">
-        <p14:creationId xmlns:p14="http://schemas.microsoft.com/office/powerpoint/2010/main" xmlns="" val="2714171304"/>
+        <p14:creationId xmlns="" xmlns:p14="http://schemas.microsoft.com/office/powerpoint/2010/main" val="2714171304"/>
       </p:ext>
     </p:extLst>
   </p:cSld>
@@ -8841,7 +8894,7 @@
     <a:masterClrMapping/>
   </p:clrMapOvr>
   <mc:AlternateContent xmlns:mc="http://schemas.openxmlformats.org/markup-compatibility/2006">
-    <mc:Choice xmlns:p14="http://schemas.microsoft.com/office/powerpoint/2010/main" xmlns="" Requires="p14">
+    <mc:Choice xmlns="" xmlns:p14="http://schemas.microsoft.com/office/powerpoint/2010/main" Requires="p14">
       <p:transition spd="med" p14:dur="700">
         <p:fade/>
       </p:transition>
@@ -8896,10 +8949,124 @@
           <a:p>
             <a:r>
               <a:rPr lang="es-AR" dirty="0" smtClean="0">
+                <a:solidFill>
+                  <a:schemeClr val="accent1"/>
+                </a:solidFill>
                 <a:latin typeface="Segoe UI" panose="020B0502040204020203" pitchFamily="34" charset="0"/>
                 <a:cs typeface="Segoe UI" panose="020B0502040204020203" pitchFamily="34" charset="0"/>
               </a:rPr>
               <a:t>Política</a:t>
+            </a:r>
+            <a:endParaRPr lang="es-AR" dirty="0">
+              <a:solidFill>
+                <a:schemeClr val="accent1"/>
+              </a:solidFill>
+              <a:latin typeface="Segoe UI" panose="020B0502040204020203" pitchFamily="34" charset="0"/>
+              <a:cs typeface="Segoe UI" panose="020B0502040204020203" pitchFamily="34" charset="0"/>
+            </a:endParaRPr>
+          </a:p>
+        </p:txBody>
+      </p:sp>
+      <p:sp>
+        <p:nvSpPr>
+          <p:cNvPr id="3" name="Content Placeholder 2"/>
+          <p:cNvSpPr>
+            <a:spLocks noGrp="1"/>
+          </p:cNvSpPr>
+          <p:nvPr>
+            <p:ph idx="1"/>
+          </p:nvPr>
+        </p:nvSpPr>
+        <p:spPr/>
+        <p:txBody>
+          <a:bodyPr/>
+          <a:lstStyle/>
+          <a:p>
+            <a:r>
+              <a:rPr lang="es-AR" dirty="0" smtClean="0">
+                <a:latin typeface="Segoe UI" panose="020B0502040204020203" pitchFamily="34" charset="0"/>
+                <a:cs typeface="Segoe UI" panose="020B0502040204020203" pitchFamily="34" charset="0"/>
+              </a:rPr>
+              <a:t>Propagación de estructuras e ideas de la Revolución Francesa</a:t>
+            </a:r>
+          </a:p>
+          <a:p>
+            <a:r>
+              <a:rPr lang="es-AR" dirty="0" smtClean="0">
+                <a:latin typeface="Segoe UI" panose="020B0502040204020203" pitchFamily="34" charset="0"/>
+                <a:cs typeface="Segoe UI" panose="020B0502040204020203" pitchFamily="34" charset="0"/>
+              </a:rPr>
+              <a:t>Instauraciones de Repúblicas como Estados Nacionales</a:t>
+            </a:r>
+          </a:p>
+          <a:p>
+            <a:r>
+              <a:rPr lang="es-AR" dirty="0" smtClean="0">
+                <a:latin typeface="Segoe UI" panose="020B0502040204020203" pitchFamily="34" charset="0"/>
+                <a:cs typeface="Segoe UI" panose="020B0502040204020203" pitchFamily="34" charset="0"/>
+              </a:rPr>
+              <a:t>Desintegración del Reino de Indias e independencia de regiones administrativas divididas en provincias</a:t>
+            </a:r>
+          </a:p>
+          <a:p>
+            <a:r>
+              <a:rPr lang="es-AR" dirty="0" smtClean="0">
+                <a:latin typeface="Segoe UI" panose="020B0502040204020203" pitchFamily="34" charset="0"/>
+                <a:cs typeface="Segoe UI" panose="020B0502040204020203" pitchFamily="34" charset="0"/>
+              </a:rPr>
+              <a:t>Colonización de África. Expediciones científicas europeas y repartición de territorios continentales (Conferencia de Berlín)</a:t>
+            </a:r>
+          </a:p>
+          <a:p>
+            <a:r>
+              <a:rPr lang="es-AR" dirty="0" smtClean="0">
+                <a:latin typeface="Segoe UI" panose="020B0502040204020203" pitchFamily="34" charset="0"/>
+                <a:cs typeface="Segoe UI" panose="020B0502040204020203" pitchFamily="34" charset="0"/>
+              </a:rPr>
+              <a:t>Doctrinas materialistas: liberalismo y socialismo</a:t>
+            </a:r>
+          </a:p>
+          <a:p>
+            <a:endParaRPr lang="es-AR" dirty="0" smtClean="0">
+              <a:latin typeface="Segoe UI" panose="020B0502040204020203" pitchFamily="34" charset="0"/>
+              <a:cs typeface="Segoe UI" panose="020B0502040204020203" pitchFamily="34" charset="0"/>
+            </a:endParaRPr>
+          </a:p>
+          <a:p>
+            <a:endParaRPr lang="es-AR" dirty="0" smtClean="0">
+              <a:latin typeface="Segoe UI" panose="020B0502040204020203" pitchFamily="34" charset="0"/>
+              <a:cs typeface="Segoe UI" panose="020B0502040204020203" pitchFamily="34" charset="0"/>
+            </a:endParaRPr>
+          </a:p>
+          <a:p>
+            <a:endParaRPr lang="es-AR" dirty="0" smtClean="0">
+              <a:latin typeface="Segoe UI" panose="020B0502040204020203" pitchFamily="34" charset="0"/>
+              <a:cs typeface="Segoe UI" panose="020B0502040204020203" pitchFamily="34" charset="0"/>
+            </a:endParaRPr>
+          </a:p>
+        </p:txBody>
+      </p:sp>
+      <p:sp>
+        <p:nvSpPr>
+          <p:cNvPr id="4" name="Text Placeholder 3"/>
+          <p:cNvSpPr>
+            <a:spLocks noGrp="1"/>
+          </p:cNvSpPr>
+          <p:nvPr>
+            <p:ph type="body" sz="half" idx="2"/>
+          </p:nvPr>
+        </p:nvSpPr>
+        <p:spPr/>
+        <p:txBody>
+          <a:bodyPr/>
+          <a:lstStyle/>
+          <a:p>
+            <a:r>
+              <a:rPr lang="es-AR" dirty="0" smtClean="0">
+                <a:latin typeface="Segoe UI" panose="020B0502040204020203" pitchFamily="34" charset="0"/>
+                <a:cs typeface="Segoe UI" panose="020B0502040204020203" pitchFamily="34" charset="0"/>
+              </a:rPr>
+              <a:t>“Lo relativo al ordenamiento de la ciudad”.</a:t>
             </a:r>
             <a:endParaRPr lang="es-AR" dirty="0">
               <a:latin typeface="Segoe UI" panose="020B0502040204020203" pitchFamily="34" charset="0"/>
@@ -8908,118 +9075,10 @@
           </a:p>
         </p:txBody>
       </p:sp>
-      <p:sp>
-        <p:nvSpPr>
-          <p:cNvPr id="3" name="Content Placeholder 2"/>
-          <p:cNvSpPr>
-            <a:spLocks noGrp="1"/>
-          </p:cNvSpPr>
-          <p:nvPr>
-            <p:ph idx="1"/>
-          </p:nvPr>
-        </p:nvSpPr>
-        <p:spPr/>
-        <p:txBody>
-          <a:bodyPr/>
-          <a:lstStyle/>
-          <a:p>
-            <a:r>
-              <a:rPr lang="es-AR" dirty="0" smtClean="0">
-                <a:latin typeface="Segoe UI" panose="020B0502040204020203" pitchFamily="34" charset="0"/>
-                <a:cs typeface="Segoe UI" panose="020B0502040204020203" pitchFamily="34" charset="0"/>
-              </a:rPr>
-              <a:t>Propagación de estructuras e ideas de la Revolución Francesa</a:t>
-            </a:r>
-          </a:p>
-          <a:p>
-            <a:r>
-              <a:rPr lang="es-AR" dirty="0" smtClean="0">
-                <a:latin typeface="Segoe UI" panose="020B0502040204020203" pitchFamily="34" charset="0"/>
-                <a:cs typeface="Segoe UI" panose="020B0502040204020203" pitchFamily="34" charset="0"/>
-              </a:rPr>
-              <a:t>Instauraciones de Repúblicas como Estados Nacionales</a:t>
-            </a:r>
-          </a:p>
-          <a:p>
-            <a:r>
-              <a:rPr lang="es-AR" dirty="0" smtClean="0">
-                <a:latin typeface="Segoe UI" panose="020B0502040204020203" pitchFamily="34" charset="0"/>
-                <a:cs typeface="Segoe UI" panose="020B0502040204020203" pitchFamily="34" charset="0"/>
-              </a:rPr>
-              <a:t>Desintegración del Reino de Indias e independencia de regiones administrativas divididas en provincias</a:t>
-            </a:r>
-          </a:p>
-          <a:p>
-            <a:r>
-              <a:rPr lang="es-AR" dirty="0" smtClean="0">
-                <a:latin typeface="Segoe UI" panose="020B0502040204020203" pitchFamily="34" charset="0"/>
-                <a:cs typeface="Segoe UI" panose="020B0502040204020203" pitchFamily="34" charset="0"/>
-              </a:rPr>
-              <a:t>Colonización de África. Expediciones científicas europeas y repartición de territorios continentales (Conferencia de Berlín)</a:t>
-            </a:r>
-          </a:p>
-          <a:p>
-            <a:r>
-              <a:rPr lang="es-AR" dirty="0" smtClean="0">
-                <a:latin typeface="Segoe UI" panose="020B0502040204020203" pitchFamily="34" charset="0"/>
-                <a:cs typeface="Segoe UI" panose="020B0502040204020203" pitchFamily="34" charset="0"/>
-              </a:rPr>
-              <a:t>Doctrinas materialistas: liberalismo y socialismo</a:t>
-            </a:r>
-          </a:p>
-          <a:p>
-            <a:endParaRPr lang="es-AR" dirty="0" smtClean="0">
-              <a:latin typeface="Segoe UI" panose="020B0502040204020203" pitchFamily="34" charset="0"/>
-              <a:cs typeface="Segoe UI" panose="020B0502040204020203" pitchFamily="34" charset="0"/>
-            </a:endParaRPr>
-          </a:p>
-          <a:p>
-            <a:endParaRPr lang="es-AR" dirty="0" smtClean="0">
-              <a:latin typeface="Segoe UI" panose="020B0502040204020203" pitchFamily="34" charset="0"/>
-              <a:cs typeface="Segoe UI" panose="020B0502040204020203" pitchFamily="34" charset="0"/>
-            </a:endParaRPr>
-          </a:p>
-          <a:p>
-            <a:endParaRPr lang="es-AR" dirty="0" smtClean="0">
-              <a:latin typeface="Segoe UI" panose="020B0502040204020203" pitchFamily="34" charset="0"/>
-              <a:cs typeface="Segoe UI" panose="020B0502040204020203" pitchFamily="34" charset="0"/>
-            </a:endParaRPr>
-          </a:p>
-        </p:txBody>
-      </p:sp>
-      <p:sp>
-        <p:nvSpPr>
-          <p:cNvPr id="4" name="Text Placeholder 3"/>
-          <p:cNvSpPr>
-            <a:spLocks noGrp="1"/>
-          </p:cNvSpPr>
-          <p:nvPr>
-            <p:ph type="body" sz="half" idx="2"/>
-          </p:nvPr>
-        </p:nvSpPr>
-        <p:spPr/>
-        <p:txBody>
-          <a:bodyPr/>
-          <a:lstStyle/>
-          <a:p>
-            <a:r>
-              <a:rPr lang="es-AR" dirty="0" smtClean="0">
-                <a:latin typeface="Segoe UI" panose="020B0502040204020203" pitchFamily="34" charset="0"/>
-                <a:cs typeface="Segoe UI" panose="020B0502040204020203" pitchFamily="34" charset="0"/>
-              </a:rPr>
-              <a:t>“Lo relativo al ordenamiento de la ciudad”.</a:t>
-            </a:r>
-            <a:endParaRPr lang="es-AR" dirty="0">
-              <a:latin typeface="Segoe UI" panose="020B0502040204020203" pitchFamily="34" charset="0"/>
-              <a:cs typeface="Segoe UI" panose="020B0502040204020203" pitchFamily="34" charset="0"/>
-            </a:endParaRPr>
-          </a:p>
-        </p:txBody>
-      </p:sp>
     </p:spTree>
     <p:extLst>
       <p:ext uri="{BB962C8B-B14F-4D97-AF65-F5344CB8AC3E}">
-        <p14:creationId xmlns:p14="http://schemas.microsoft.com/office/powerpoint/2010/main" xmlns="" val="2246987516"/>
+        <p14:creationId xmlns="" xmlns:p14="http://schemas.microsoft.com/office/powerpoint/2010/main" val="2246987516"/>
       </p:ext>
     </p:extLst>
   </p:cSld>
@@ -9027,7 +9086,7 @@
     <a:masterClrMapping/>
   </p:clrMapOvr>
   <mc:AlternateContent xmlns:mc="http://schemas.openxmlformats.org/markup-compatibility/2006">
-    <mc:Choice xmlns:p14="http://schemas.microsoft.com/office/powerpoint/2010/main" xmlns="" Requires="p14">
+    <mc:Choice xmlns="" xmlns:p14="http://schemas.microsoft.com/office/powerpoint/2010/main" Requires="p14">
       <p:transition spd="med" p14:dur="700">
         <p:fade/>
       </p:transition>
@@ -9081,12 +9140,116 @@
           <a:lstStyle/>
           <a:p>
             <a:r>
+              <a:rPr lang="en-US" dirty="0" err="1" smtClean="0">
+                <a:solidFill>
+                  <a:schemeClr val="accent1"/>
+                </a:solidFill>
+                <a:latin typeface="Segoe UI" panose="020B0502040204020203" pitchFamily="34" charset="0"/>
+                <a:cs typeface="Segoe UI" panose="020B0502040204020203" pitchFamily="34" charset="0"/>
+              </a:rPr>
+              <a:t>Administración</a:t>
+            </a:r>
+            <a:r>
+              <a:rPr lang="en-US" dirty="0" smtClean="0">
+                <a:solidFill>
+                  <a:schemeClr val="accent1"/>
+                </a:solidFill>
+                <a:latin typeface="Segoe UI" panose="020B0502040204020203" pitchFamily="34" charset="0"/>
+                <a:cs typeface="Segoe UI" panose="020B0502040204020203" pitchFamily="34" charset="0"/>
+              </a:rPr>
+              <a:t> de la </a:t>
+            </a:r>
+            <a:r>
+              <a:rPr lang="en-US" dirty="0" err="1" smtClean="0">
+                <a:solidFill>
+                  <a:schemeClr val="accent1"/>
+                </a:solidFill>
+                <a:latin typeface="Segoe UI" panose="020B0502040204020203" pitchFamily="34" charset="0"/>
+                <a:cs typeface="Segoe UI" panose="020B0502040204020203" pitchFamily="34" charset="0"/>
+              </a:rPr>
+              <a:t>Propiedad</a:t>
+            </a:r>
+            <a:r>
+              <a:rPr lang="en-US" dirty="0" smtClean="0">
+                <a:solidFill>
+                  <a:schemeClr val="accent1"/>
+                </a:solidFill>
+                <a:latin typeface="Segoe UI" panose="020B0502040204020203" pitchFamily="34" charset="0"/>
+                <a:cs typeface="Segoe UI" panose="020B0502040204020203" pitchFamily="34" charset="0"/>
+              </a:rPr>
+              <a:t> </a:t>
+            </a:r>
+            <a:r>
+              <a:rPr lang="en-US" dirty="0" err="1" smtClean="0">
+                <a:solidFill>
+                  <a:schemeClr val="accent1"/>
+                </a:solidFill>
+                <a:latin typeface="Segoe UI" panose="020B0502040204020203" pitchFamily="34" charset="0"/>
+                <a:cs typeface="Segoe UI" panose="020B0502040204020203" pitchFamily="34" charset="0"/>
+              </a:rPr>
+              <a:t>Intelectual</a:t>
+            </a:r>
+            <a:endParaRPr lang="en-US" dirty="0">
+              <a:solidFill>
+                <a:schemeClr val="accent1"/>
+              </a:solidFill>
+              <a:latin typeface="Segoe UI" panose="020B0502040204020203" pitchFamily="34" charset="0"/>
+              <a:cs typeface="Segoe UI" panose="020B0502040204020203" pitchFamily="34" charset="0"/>
+            </a:endParaRPr>
+          </a:p>
+        </p:txBody>
+      </p:sp>
+      <p:sp>
+        <p:nvSpPr>
+          <p:cNvPr id="3" name="Content Placeholder 2"/>
+          <p:cNvSpPr>
+            <a:spLocks noGrp="1"/>
+          </p:cNvSpPr>
+          <p:nvPr>
+            <p:ph idx="1"/>
+          </p:nvPr>
+        </p:nvSpPr>
+        <p:spPr/>
+        <p:txBody>
+          <a:bodyPr/>
+          <a:lstStyle/>
+          <a:p>
+            <a:r>
               <a:rPr lang="en-US" smtClean="0">
                 <a:latin typeface="Segoe UI" panose="020B0502040204020203" pitchFamily="34" charset="0"/>
                 <a:cs typeface="Segoe UI" panose="020B0502040204020203" pitchFamily="34" charset="0"/>
               </a:rPr>
-              <a:t>Administración de la Propiedad Intelectual</a:t>
-            </a:r>
+              <a:t>Cédulas Reales de Privilegio de Invención</a:t>
+            </a:r>
+          </a:p>
+          <a:p>
+            <a:r>
+              <a:rPr lang="en-US" smtClean="0">
+                <a:latin typeface="Segoe UI" panose="020B0502040204020203" pitchFamily="34" charset="0"/>
+                <a:cs typeface="Segoe UI" panose="020B0502040204020203" pitchFamily="34" charset="0"/>
+              </a:rPr>
+              <a:t>Patente de Invención (principios S. XIX)</a:t>
+            </a:r>
+          </a:p>
+          <a:p>
+            <a:r>
+              <a:rPr lang="en-US" smtClean="0">
+                <a:latin typeface="Segoe UI" panose="020B0502040204020203" pitchFamily="34" charset="0"/>
+                <a:cs typeface="Segoe UI" panose="020B0502040204020203" pitchFamily="34" charset="0"/>
+              </a:rPr>
+              <a:t>Convenio de París (1883). Protección internacional de la Propiedad Industrial.</a:t>
+            </a:r>
+          </a:p>
+          <a:p>
+            <a:r>
+              <a:rPr lang="en-US" smtClean="0">
+                <a:latin typeface="Segoe UI" panose="020B0502040204020203" pitchFamily="34" charset="0"/>
+                <a:cs typeface="Segoe UI" panose="020B0502040204020203" pitchFamily="34" charset="0"/>
+              </a:rPr>
+              <a:t>Convenio de Berna (1886). Protección de los Derechos de Autor de obras literarias y artísticas (Dumas).</a:t>
+            </a:r>
+          </a:p>
+          <a:p>
             <a:endParaRPr lang="en-US">
               <a:latin typeface="Segoe UI" panose="020B0502040204020203" pitchFamily="34" charset="0"/>
               <a:cs typeface="Segoe UI" panose="020B0502040204020203" pitchFamily="34" charset="0"/>
@@ -9096,12 +9259,12 @@
       </p:sp>
       <p:sp>
         <p:nvSpPr>
-          <p:cNvPr id="3" name="Content Placeholder 2"/>
+          <p:cNvPr id="4" name="Text Placeholder 3"/>
           <p:cNvSpPr>
             <a:spLocks noGrp="1"/>
           </p:cNvSpPr>
           <p:nvPr>
-            <p:ph idx="1"/>
+            <p:ph type="body" sz="half" idx="2"/>
           </p:nvPr>
         </p:nvSpPr>
         <p:spPr/>
@@ -9114,37 +9277,8 @@
                 <a:latin typeface="Segoe UI" panose="020B0502040204020203" pitchFamily="34" charset="0"/>
                 <a:cs typeface="Segoe UI" panose="020B0502040204020203" pitchFamily="34" charset="0"/>
               </a:rPr>
-              <a:t>Cédulas Reales de Privilegio de Invención</a:t>
-            </a:r>
-          </a:p>
-          <a:p>
-            <a:r>
-              <a:rPr lang="en-US" smtClean="0">
-                <a:latin typeface="Segoe UI" panose="020B0502040204020203" pitchFamily="34" charset="0"/>
-                <a:cs typeface="Segoe UI" panose="020B0502040204020203" pitchFamily="34" charset="0"/>
-              </a:rPr>
-              <a:t>Patente de Invención (principios S. XIX)</a:t>
-            </a:r>
-          </a:p>
-          <a:p>
-            <a:r>
-              <a:rPr lang="en-US" smtClean="0">
-                <a:latin typeface="Segoe UI" panose="020B0502040204020203" pitchFamily="34" charset="0"/>
-                <a:cs typeface="Segoe UI" panose="020B0502040204020203" pitchFamily="34" charset="0"/>
-              </a:rPr>
-              <a:t>Convenio de París (1883). Protección internacional de la Propiedad Industrial.</a:t>
-            </a:r>
-          </a:p>
-          <a:p>
-            <a:r>
-              <a:rPr lang="en-US" smtClean="0">
-                <a:latin typeface="Segoe UI" panose="020B0502040204020203" pitchFamily="34" charset="0"/>
-                <a:cs typeface="Segoe UI" panose="020B0502040204020203" pitchFamily="34" charset="0"/>
-              </a:rPr>
-              <a:t>Convenio de Berna (1886). Protección de los Derechos de Autor de obras literarias y artísticas (Dumas).</a:t>
-            </a:r>
-          </a:p>
-          <a:p>
+              <a:t>Entre la libertad y la privacidad</a:t>
+            </a:r>
             <a:endParaRPr lang="en-US">
               <a:latin typeface="Segoe UI" panose="020B0502040204020203" pitchFamily="34" charset="0"/>
               <a:cs typeface="Segoe UI" panose="020B0502040204020203" pitchFamily="34" charset="0"/>
@@ -9152,39 +9286,10 @@
           </a:p>
         </p:txBody>
       </p:sp>
-      <p:sp>
-        <p:nvSpPr>
-          <p:cNvPr id="4" name="Text Placeholder 3"/>
-          <p:cNvSpPr>
-            <a:spLocks noGrp="1"/>
-          </p:cNvSpPr>
-          <p:nvPr>
-            <p:ph type="body" sz="half" idx="2"/>
-          </p:nvPr>
-        </p:nvSpPr>
-        <p:spPr/>
-        <p:txBody>
-          <a:bodyPr/>
-          <a:lstStyle/>
-          <a:p>
-            <a:r>
-              <a:rPr lang="en-US" smtClean="0">
-                <a:latin typeface="Segoe UI" panose="020B0502040204020203" pitchFamily="34" charset="0"/>
-                <a:cs typeface="Segoe UI" panose="020B0502040204020203" pitchFamily="34" charset="0"/>
-              </a:rPr>
-              <a:t>Entre la libertad y la privacidad</a:t>
-            </a:r>
-            <a:endParaRPr lang="en-US">
-              <a:latin typeface="Segoe UI" panose="020B0502040204020203" pitchFamily="34" charset="0"/>
-              <a:cs typeface="Segoe UI" panose="020B0502040204020203" pitchFamily="34" charset="0"/>
-            </a:endParaRPr>
-          </a:p>
-        </p:txBody>
-      </p:sp>
     </p:spTree>
     <p:extLst>
       <p:ext uri="{BB962C8B-B14F-4D97-AF65-F5344CB8AC3E}">
-        <p14:creationId xmlns:p14="http://schemas.microsoft.com/office/powerpoint/2010/main" xmlns="" val="3025649002"/>
+        <p14:creationId xmlns="" xmlns:p14="http://schemas.microsoft.com/office/powerpoint/2010/main" val="3025649002"/>
       </p:ext>
     </p:extLst>
   </p:cSld>
@@ -9192,7 +9297,7 @@
     <a:masterClrMapping/>
   </p:clrMapOvr>
   <mc:AlternateContent xmlns:mc="http://schemas.openxmlformats.org/markup-compatibility/2006">
-    <mc:Choice xmlns:p14="http://schemas.microsoft.com/office/powerpoint/2010/main" xmlns="" Requires="p14">
+    <mc:Choice xmlns="" xmlns:p14="http://schemas.microsoft.com/office/powerpoint/2010/main" Requires="p14">
       <p:transition spd="med" p14:dur="700">
         <p:fade/>
       </p:transition>
@@ -9246,13 +9351,19 @@
           <a:lstStyle/>
           <a:p>
             <a:r>
-              <a:rPr lang="es-AR" smtClean="0">
+              <a:rPr lang="es-AR" dirty="0" smtClean="0">
+                <a:solidFill>
+                  <a:schemeClr val="accent1"/>
+                </a:solidFill>
                 <a:latin typeface="Segoe UI" panose="020B0502040204020203" pitchFamily="34" charset="0"/>
                 <a:cs typeface="Segoe UI" panose="020B0502040204020203" pitchFamily="34" charset="0"/>
               </a:rPr>
               <a:t>Mecanismos de Protección</a:t>
             </a:r>
-            <a:endParaRPr lang="es-AR">
+            <a:endParaRPr lang="es-AR" dirty="0">
+              <a:solidFill>
+                <a:schemeClr val="accent1"/>
+              </a:solidFill>
               <a:latin typeface="Segoe UI" panose="020B0502040204020203" pitchFamily="34" charset="0"/>
               <a:cs typeface="Segoe UI" panose="020B0502040204020203" pitchFamily="34" charset="0"/>
             </a:endParaRPr>
@@ -9328,7 +9439,7 @@
     </p:spTree>
     <p:extLst>
       <p:ext uri="{BB962C8B-B14F-4D97-AF65-F5344CB8AC3E}">
-        <p14:creationId xmlns:p14="http://schemas.microsoft.com/office/powerpoint/2010/main" xmlns="" val="3410413250"/>
+        <p14:creationId xmlns="" xmlns:p14="http://schemas.microsoft.com/office/powerpoint/2010/main" val="3410413250"/>
       </p:ext>
     </p:extLst>
   </p:cSld>
@@ -9336,7 +9447,7 @@
     <a:masterClrMapping/>
   </p:clrMapOvr>
   <mc:AlternateContent xmlns:mc="http://schemas.openxmlformats.org/markup-compatibility/2006">
-    <mc:Choice xmlns:p14="http://schemas.microsoft.com/office/powerpoint/2010/main" xmlns="" Requires="p14">
+    <mc:Choice xmlns="" xmlns:p14="http://schemas.microsoft.com/office/powerpoint/2010/main" Requires="p14">
       <p:transition spd="med" p14:dur="700">
         <p:fade/>
       </p:transition>
@@ -9541,7 +9652,7 @@
     </p:spTree>
     <p:extLst>
       <p:ext uri="{BB962C8B-B14F-4D97-AF65-F5344CB8AC3E}">
-        <p14:creationId xmlns:p14="http://schemas.microsoft.com/office/powerpoint/2010/main" xmlns="" val="23673588"/>
+        <p14:creationId xmlns="" xmlns:p14="http://schemas.microsoft.com/office/powerpoint/2010/main" val="23673588"/>
       </p:ext>
     </p:extLst>
   </p:cSld>
@@ -9549,7 +9660,7 @@
     <a:masterClrMapping/>
   </p:clrMapOvr>
   <mc:AlternateContent xmlns:mc="http://schemas.openxmlformats.org/markup-compatibility/2006">
-    <mc:Choice xmlns:p14="http://schemas.microsoft.com/office/powerpoint/2010/main" xmlns="" Requires="p14">
+    <mc:Choice xmlns="" xmlns:p14="http://schemas.microsoft.com/office/powerpoint/2010/main" Requires="p14">
       <p:transition spd="med" p14:dur="700">
         <p:fade/>
       </p:transition>
@@ -9813,7 +9924,7 @@
     </p:spTree>
     <p:extLst>
       <p:ext uri="{BB962C8B-B14F-4D97-AF65-F5344CB8AC3E}">
-        <p14:creationId xmlns:p14="http://schemas.microsoft.com/office/powerpoint/2010/main" xmlns="" val="3632379430"/>
+        <p14:creationId xmlns="" xmlns:p14="http://schemas.microsoft.com/office/powerpoint/2010/main" val="3632379430"/>
       </p:ext>
     </p:extLst>
   </p:cSld>
@@ -9821,7 +9932,7 @@
     <a:masterClrMapping/>
   </p:clrMapOvr>
   <mc:AlternateContent xmlns:mc="http://schemas.openxmlformats.org/markup-compatibility/2006">
-    <mc:Choice xmlns:p14="http://schemas.microsoft.com/office/powerpoint/2010/main" xmlns="" Requires="p14">
+    <mc:Choice xmlns="" xmlns:p14="http://schemas.microsoft.com/office/powerpoint/2010/main" Requires="p14">
       <p:transition spd="med" p14:dur="700">
         <p:fade/>
       </p:transition>
@@ -9869,13 +9980,39 @@
             <p:ph type="title"/>
           </p:nvPr>
         </p:nvSpPr>
-        <p:spPr/>
-        <p:txBody>
-          <a:bodyPr/>
+        <p:spPr>
+          <a:xfrm>
+            <a:off x="1557908" y="260648"/>
+            <a:ext cx="9144001" cy="1800200"/>
+          </a:xfrm>
+        </p:spPr>
+        <p:txBody>
+          <a:bodyPr>
+            <a:normAutofit/>
+          </a:bodyPr>
           <a:lstStyle/>
           <a:p>
             <a:r>
-              <a:rPr lang="en-US" spc="0" dirty="0" err="1" smtClean="0">
+              <a:rPr lang="es-AR" spc="0" dirty="0" smtClean="0">
+                <a:ln w="0"/>
+                <a:solidFill>
+                  <a:schemeClr val="accent1"/>
+                </a:solidFill>
+                <a:latin typeface="Segoe UI" panose="020B0502040204020203" pitchFamily="34" charset="0"/>
+                <a:cs typeface="Segoe UI" panose="020B0502040204020203" pitchFamily="34" charset="0"/>
+              </a:rPr>
+              <a:t>Grupo N°: </a:t>
+            </a:r>
+            <a:r>
+              <a:rPr lang="es-AR" spc="0" dirty="0" smtClean="0">
+                <a:ln w="0"/>
+                <a:latin typeface="Segoe UI" panose="020B0502040204020203" pitchFamily="34" charset="0"/>
+                <a:cs typeface="Segoe UI" panose="020B0502040204020203" pitchFamily="34" charset="0"/>
+              </a:rPr>
+              <a:t>2</a:t>
+            </a:r>
+            <a:r>
+              <a:rPr lang="es-AR" spc="0" dirty="0" smtClean="0">
                 <a:ln w="0"/>
                 <a:solidFill>
                   <a:schemeClr val="accent1"/>
@@ -9890,20 +10027,76 @@
                 <a:latin typeface="Segoe UI" panose="020B0502040204020203" pitchFamily="34" charset="0"/>
                 <a:cs typeface="Segoe UI" panose="020B0502040204020203" pitchFamily="34" charset="0"/>
               </a:rPr>
-              <a:t>Integrantes</a:t>
-            </a:r>
-            <a:endParaRPr lang="en-US" spc="0" dirty="0">
+              <a:t/>
+            </a:r>
+            <a:br>
+              <a:rPr lang="es-AR" spc="0" dirty="0" smtClean="0">
+                <a:ln w="0"/>
+                <a:solidFill>
+                  <a:schemeClr val="accent1"/>
+                </a:solidFill>
+                <a:effectLst>
+                  <a:outerShdw blurRad="38100" dist="25400" dir="5400000" algn="ctr" rotWithShape="0">
+                    <a:srgbClr val="6E747A">
+                      <a:alpha val="43000"/>
+                    </a:srgbClr>
+                  </a:outerShdw>
+                </a:effectLst>
+                <a:latin typeface="Segoe UI" panose="020B0502040204020203" pitchFamily="34" charset="0"/>
+                <a:cs typeface="Segoe UI" panose="020B0502040204020203" pitchFamily="34" charset="0"/>
+              </a:rPr>
+            </a:br>
+            <a:r>
+              <a:rPr lang="es-AR" spc="0" dirty="0" smtClean="0">
+                <a:ln w="0"/>
+                <a:solidFill>
+                  <a:schemeClr val="accent1"/>
+                </a:solidFill>
+                <a:effectLst>
+                  <a:outerShdw blurRad="38100" dist="25400" dir="5400000" algn="ctr" rotWithShape="0">
+                    <a:srgbClr val="6E747A">
+                      <a:alpha val="43000"/>
+                    </a:srgbClr>
+                  </a:outerShdw>
+                </a:effectLst>
+                <a:latin typeface="Segoe UI" panose="020B0502040204020203" pitchFamily="34" charset="0"/>
+                <a:cs typeface="Segoe UI" panose="020B0502040204020203" pitchFamily="34" charset="0"/>
+              </a:rPr>
+              <a:t/>
+            </a:r>
+            <a:br>
+              <a:rPr lang="es-AR" spc="0" dirty="0" smtClean="0">
+                <a:ln w="0"/>
+                <a:solidFill>
+                  <a:schemeClr val="accent1"/>
+                </a:solidFill>
+                <a:effectLst>
+                  <a:outerShdw blurRad="38100" dist="25400" dir="5400000" algn="ctr" rotWithShape="0">
+                    <a:srgbClr val="6E747A">
+                      <a:alpha val="43000"/>
+                    </a:srgbClr>
+                  </a:outerShdw>
+                </a:effectLst>
+                <a:latin typeface="Segoe UI" panose="020B0502040204020203" pitchFamily="34" charset="0"/>
+                <a:cs typeface="Segoe UI" panose="020B0502040204020203" pitchFamily="34" charset="0"/>
+              </a:rPr>
+            </a:br>
+            <a:r>
+              <a:rPr lang="es-AR" spc="0" dirty="0" smtClean="0">
+                <a:ln w="0"/>
+                <a:solidFill>
+                  <a:schemeClr val="accent1"/>
+                </a:solidFill>
+                <a:latin typeface="Segoe UI" panose="020B0502040204020203" pitchFamily="34" charset="0"/>
+                <a:cs typeface="Segoe UI" panose="020B0502040204020203" pitchFamily="34" charset="0"/>
+              </a:rPr>
+              <a:t>Integrantes:</a:t>
+            </a:r>
+            <a:endParaRPr lang="es-AR" spc="0" dirty="0">
               <a:ln w="0"/>
               <a:solidFill>
                 <a:schemeClr val="accent1"/>
               </a:solidFill>
-              <a:effectLst>
-                <a:outerShdw blurRad="38100" dist="25400" dir="5400000" algn="ctr" rotWithShape="0">
-                  <a:srgbClr val="6E747A">
-                    <a:alpha val="43000"/>
-                  </a:srgbClr>
-                </a:outerShdw>
-              </a:effectLst>
               <a:latin typeface="Segoe UI" panose="020B0502040204020203" pitchFamily="34" charset="0"/>
               <a:cs typeface="Segoe UI" panose="020B0502040204020203" pitchFamily="34" charset="0"/>
             </a:endParaRPr>
@@ -9920,31 +10113,54 @@
             <p:ph idx="1"/>
           </p:nvPr>
         </p:nvSpPr>
-        <p:spPr/>
+        <p:spPr>
+          <a:xfrm>
+            <a:off x="1557908" y="2204864"/>
+            <a:ext cx="9134391" cy="3310880"/>
+          </a:xfrm>
+        </p:spPr>
         <p:txBody>
           <a:bodyPr/>
           <a:lstStyle/>
           <a:p>
             <a:r>
-              <a:rPr lang="en-US" dirty="0" smtClean="0">
-                <a:latin typeface="Segoe UI" panose="020B0502040204020203" pitchFamily="34" charset="0"/>
-                <a:cs typeface="Segoe UI" panose="020B0502040204020203" pitchFamily="34" charset="0"/>
-              </a:rPr>
-              <a:t>Stephanie Zurita</a:t>
-            </a:r>
-          </a:p>
-          <a:p>
-            <a:r>
-              <a:rPr lang="en-US" dirty="0" smtClean="0">
-                <a:latin typeface="Segoe UI" panose="020B0502040204020203" pitchFamily="34" charset="0"/>
-                <a:cs typeface="Segoe UI" panose="020B0502040204020203" pitchFamily="34" charset="0"/>
-              </a:rPr>
-              <a:t>Santiago Maraggi</a:t>
-            </a:r>
-          </a:p>
-          <a:p>
-            <a:r>
-              <a:rPr lang="en-US" dirty="0" smtClean="0">
+              <a:rPr lang="es-AR" dirty="0" err="1" smtClean="0">
+                <a:latin typeface="Segoe UI" panose="020B0502040204020203" pitchFamily="34" charset="0"/>
+                <a:cs typeface="Segoe UI" panose="020B0502040204020203" pitchFamily="34" charset="0"/>
+              </a:rPr>
+              <a:t>Stephanie</a:t>
+            </a:r>
+            <a:r>
+              <a:rPr lang="es-AR" dirty="0" smtClean="0">
+                <a:latin typeface="Segoe UI" panose="020B0502040204020203" pitchFamily="34" charset="0"/>
+                <a:cs typeface="Segoe UI" panose="020B0502040204020203" pitchFamily="34" charset="0"/>
+              </a:rPr>
+              <a:t> Zurita</a:t>
+            </a:r>
+          </a:p>
+          <a:p>
+            <a:r>
+              <a:rPr lang="es-AR" dirty="0" smtClean="0">
+                <a:latin typeface="Segoe UI" panose="020B0502040204020203" pitchFamily="34" charset="0"/>
+                <a:cs typeface="Segoe UI" panose="020B0502040204020203" pitchFamily="34" charset="0"/>
+              </a:rPr>
+              <a:t>Santiago </a:t>
+            </a:r>
+            <a:r>
+              <a:rPr lang="es-AR" dirty="0" err="1" smtClean="0">
+                <a:latin typeface="Segoe UI" panose="020B0502040204020203" pitchFamily="34" charset="0"/>
+                <a:cs typeface="Segoe UI" panose="020B0502040204020203" pitchFamily="34" charset="0"/>
+              </a:rPr>
+              <a:t>Maraggi</a:t>
+            </a:r>
+            <a:endParaRPr lang="es-AR" dirty="0" smtClean="0">
+              <a:latin typeface="Segoe UI" panose="020B0502040204020203" pitchFamily="34" charset="0"/>
+              <a:cs typeface="Segoe UI" panose="020B0502040204020203" pitchFamily="34" charset="0"/>
+            </a:endParaRPr>
+          </a:p>
+          <a:p>
+            <a:r>
+              <a:rPr lang="es-AR" dirty="0" smtClean="0">
                 <a:latin typeface="Segoe UI" panose="020B0502040204020203" pitchFamily="34" charset="0"/>
                 <a:cs typeface="Segoe UI" panose="020B0502040204020203" pitchFamily="34" charset="0"/>
               </a:rPr>
@@ -9957,19 +10173,122 @@
                 <a:latin typeface="Segoe UI" panose="020B0502040204020203" pitchFamily="34" charset="0"/>
                 <a:cs typeface="Segoe UI" panose="020B0502040204020203" pitchFamily="34" charset="0"/>
               </a:rPr>
-              <a:t>Miguel Angel Schmidt</a:t>
-            </a:r>
-          </a:p>
-          <a:p>
+              <a:t>Miguel </a:t>
+            </a:r>
+            <a:r>
+              <a:rPr lang="es-AR" dirty="0" err="1" smtClean="0">
+                <a:latin typeface="Segoe UI" panose="020B0502040204020203" pitchFamily="34" charset="0"/>
+                <a:cs typeface="Segoe UI" panose="020B0502040204020203" pitchFamily="34" charset="0"/>
+              </a:rPr>
+              <a:t>Angel</a:t>
+            </a:r>
             <a:r>
               <a:rPr lang="es-AR" dirty="0" smtClean="0">
                 <a:latin typeface="Segoe UI" panose="020B0502040204020203" pitchFamily="34" charset="0"/>
                 <a:cs typeface="Segoe UI" panose="020B0502040204020203" pitchFamily="34" charset="0"/>
               </a:rPr>
-              <a:t>María Inés Parnisari</a:t>
-            </a:r>
-            <a:endParaRPr lang="en-US" dirty="0" smtClean="0">
+              <a:t> Schmidt</a:t>
+            </a:r>
+          </a:p>
+          <a:p>
+            <a:r>
+              <a:rPr lang="es-AR" dirty="0" smtClean="0">
+                <a:latin typeface="Segoe UI" panose="020B0502040204020203" pitchFamily="34" charset="0"/>
+                <a:cs typeface="Segoe UI" panose="020B0502040204020203" pitchFamily="34" charset="0"/>
+              </a:rPr>
+              <a:t>María Inés </a:t>
+            </a:r>
+            <a:r>
+              <a:rPr lang="es-AR" dirty="0" err="1" smtClean="0">
+                <a:latin typeface="Segoe UI" panose="020B0502040204020203" pitchFamily="34" charset="0"/>
+                <a:cs typeface="Segoe UI" panose="020B0502040204020203" pitchFamily="34" charset="0"/>
+              </a:rPr>
+              <a:t>Parnisari</a:t>
+            </a:r>
+            <a:endParaRPr lang="es-AR" dirty="0" smtClean="0">
               <a:latin typeface="Segoe UI" panose="020B0502040204020203" pitchFamily="34" charset="0"/>
+              <a:cs typeface="Segoe UI" panose="020B0502040204020203" pitchFamily="34" charset="0"/>
+            </a:endParaRPr>
+          </a:p>
+        </p:txBody>
+      </p:sp>
+      <p:sp>
+        <p:nvSpPr>
+          <p:cNvPr id="4" name="Title 12"/>
+          <p:cNvSpPr txBox="1">
+            <a:spLocks/>
+          </p:cNvSpPr>
+          <p:nvPr/>
+        </p:nvSpPr>
+        <p:spPr>
+          <a:xfrm>
+            <a:off x="1557908" y="4941168"/>
+            <a:ext cx="9144001" cy="999728"/>
+          </a:xfrm>
+          <a:prstGeom prst="rect">
+            <a:avLst/>
+          </a:prstGeom>
+        </p:spPr>
+        <p:txBody>
+          <a:bodyPr vert="horz" lIns="91440" tIns="45720" rIns="91440" bIns="45720" rtlCol="0" anchor="b">
+            <a:normAutofit/>
+          </a:bodyPr>
+          <a:lstStyle/>
+          <a:p>
+            <a:pPr marL="0" marR="0" lvl="0" indent="0" algn="l" defTabSz="914400" rtl="0" eaLnBrk="1" fontAlgn="auto" latinLnBrk="0" hangingPunct="1">
+              <a:lnSpc>
+                <a:spcPct val="90000"/>
+              </a:lnSpc>
+              <a:spcBef>
+                <a:spcPct val="0"/>
+              </a:spcBef>
+              <a:spcAft>
+                <a:spcPts val="0"/>
+              </a:spcAft>
+              <a:buClrTx/>
+              <a:buSzTx/>
+              <a:buFontTx/>
+              <a:buNone/>
+              <a:tabLst/>
+              <a:defRPr/>
+            </a:pPr>
+            <a:r>
+              <a:rPr kumimoji="0" lang="es-AR" sz="3600" b="0" i="0" u="none" strike="noStrike" kern="1200" cap="none" spc="0" normalizeH="0" baseline="0" noProof="0" dirty="0" smtClean="0">
+                <a:ln w="0"/>
+                <a:solidFill>
+                  <a:schemeClr val="accent1"/>
+                </a:solidFill>
+                <a:uLnTx/>
+                <a:uFillTx/>
+                <a:latin typeface="Segoe UI" panose="020B0502040204020203" pitchFamily="34" charset="0"/>
+                <a:ea typeface="+mj-ea"/>
+                <a:cs typeface="Segoe UI" panose="020B0502040204020203" pitchFamily="34" charset="0"/>
+              </a:rPr>
+              <a:t>Año y cuatrimestre: </a:t>
+            </a:r>
+            <a:r>
+              <a:rPr kumimoji="0" lang="es-AR" sz="3600" b="0" i="0" u="none" strike="noStrike" kern="1200" cap="none" spc="0" normalizeH="0" baseline="0" noProof="0" dirty="0" smtClean="0">
+                <a:ln w="0"/>
+                <a:solidFill>
+                  <a:schemeClr val="tx1"/>
+                </a:solidFill>
+                <a:uLnTx/>
+                <a:uFillTx/>
+                <a:latin typeface="Segoe UI" panose="020B0502040204020203" pitchFamily="34" charset="0"/>
+                <a:ea typeface="+mj-ea"/>
+                <a:cs typeface="Segoe UI" panose="020B0502040204020203" pitchFamily="34" charset="0"/>
+              </a:rPr>
+              <a:t>2014  2°C</a:t>
+            </a:r>
+            <a:endParaRPr kumimoji="0" lang="es-AR" sz="3600" b="0" i="0" u="none" strike="noStrike" kern="1200" cap="none" spc="0" normalizeH="0" baseline="0" noProof="0" dirty="0">
+              <a:ln w="0"/>
+              <a:solidFill>
+                <a:schemeClr val="accent1"/>
+              </a:solidFill>
+              <a:uLnTx/>
+              <a:uFillTx/>
+              <a:latin typeface="Segoe UI" panose="020B0502040204020203" pitchFamily="34" charset="0"/>
+              <a:ea typeface="+mj-ea"/>
               <a:cs typeface="Segoe UI" panose="020B0502040204020203" pitchFamily="34" charset="0"/>
             </a:endParaRPr>
           </a:p>
@@ -10219,7 +10538,7 @@
     </p:spTree>
     <p:extLst>
       <p:ext uri="{BB962C8B-B14F-4D97-AF65-F5344CB8AC3E}">
-        <p14:creationId xmlns:p14="http://schemas.microsoft.com/office/powerpoint/2010/main" xmlns="" val="3204325395"/>
+        <p14:creationId xmlns="" xmlns:p14="http://schemas.microsoft.com/office/powerpoint/2010/main" val="3204325395"/>
       </p:ext>
     </p:extLst>
   </p:cSld>
@@ -10227,7 +10546,7 @@
     <a:masterClrMapping/>
   </p:clrMapOvr>
   <mc:AlternateContent xmlns:mc="http://schemas.openxmlformats.org/markup-compatibility/2006">
-    <mc:Choice xmlns:p14="http://schemas.microsoft.com/office/powerpoint/2010/main" xmlns="" Requires="p14">
+    <mc:Choice xmlns="" xmlns:p14="http://schemas.microsoft.com/office/powerpoint/2010/main" Requires="p14">
       <p:transition spd="med" p14:dur="700">
         <p:fade/>
       </p:transition>
@@ -10418,7 +10737,7 @@
     </p:spTree>
     <p:extLst>
       <p:ext uri="{BB962C8B-B14F-4D97-AF65-F5344CB8AC3E}">
-        <p14:creationId xmlns:p14="http://schemas.microsoft.com/office/powerpoint/2010/main" xmlns="" val="1496383053"/>
+        <p14:creationId xmlns="" xmlns:p14="http://schemas.microsoft.com/office/powerpoint/2010/main" val="1496383053"/>
       </p:ext>
     </p:extLst>
   </p:cSld>
@@ -10426,7 +10745,7 @@
     <a:masterClrMapping/>
   </p:clrMapOvr>
   <mc:AlternateContent xmlns:mc="http://schemas.openxmlformats.org/markup-compatibility/2006">
-    <mc:Choice xmlns:p14="http://schemas.microsoft.com/office/powerpoint/2010/main" xmlns="" Requires="p14">
+    <mc:Choice xmlns="" xmlns:p14="http://schemas.microsoft.com/office/powerpoint/2010/main" Requires="p14">
       <p:transition spd="med" p14:dur="700">
         <p:fade/>
       </p:transition>
@@ -10641,7 +10960,7 @@
     </p:spTree>
     <p:extLst>
       <p:ext uri="{BB962C8B-B14F-4D97-AF65-F5344CB8AC3E}">
-        <p14:creationId xmlns:p14="http://schemas.microsoft.com/office/powerpoint/2010/main" xmlns="" val="1679218424"/>
+        <p14:creationId xmlns="" xmlns:p14="http://schemas.microsoft.com/office/powerpoint/2010/main" val="1679218424"/>
       </p:ext>
     </p:extLst>
   </p:cSld>
@@ -10649,7 +10968,7 @@
     <a:masterClrMapping/>
   </p:clrMapOvr>
   <mc:AlternateContent xmlns:mc="http://schemas.openxmlformats.org/markup-compatibility/2006">
-    <mc:Choice xmlns:p14="http://schemas.microsoft.com/office/powerpoint/2010/main" xmlns="" Requires="p14">
+    <mc:Choice xmlns="" xmlns:p14="http://schemas.microsoft.com/office/powerpoint/2010/main" Requires="p14">
       <p:transition spd="med" p14:dur="700">
         <p:fade/>
       </p:transition>
@@ -10893,7 +11212,7 @@
     <a:masterClrMapping/>
   </p:clrMapOvr>
   <mc:AlternateContent xmlns:mc="http://schemas.openxmlformats.org/markup-compatibility/2006">
-    <mc:Choice xmlns:p14="http://schemas.microsoft.com/office/powerpoint/2010/main" xmlns="" Requires="p14">
+    <mc:Choice xmlns="" xmlns:p14="http://schemas.microsoft.com/office/powerpoint/2010/main" Requires="p14">
       <p:transition spd="med" p14:dur="700">
         <p:fade/>
       </p:transition>
@@ -11123,7 +11442,7 @@
     <a:masterClrMapping/>
   </p:clrMapOvr>
   <mc:AlternateContent xmlns:mc="http://schemas.openxmlformats.org/markup-compatibility/2006">
-    <mc:Choice xmlns:p14="http://schemas.microsoft.com/office/powerpoint/2010/main" xmlns="" Requires="p14">
+    <mc:Choice xmlns="" xmlns:p14="http://schemas.microsoft.com/office/powerpoint/2010/main" Requires="p14">
       <p:transition spd="med" p14:dur="700">
         <p:fade/>
       </p:transition>
@@ -11177,11 +11496,40 @@
           <a:lstStyle/>
           <a:p>
             <a:r>
+              <a:rPr lang="es-AR" b="1" i="1" dirty="0" smtClean="0">
+                <a:latin typeface="Segoe UI" panose="020B0502040204020203" pitchFamily="34" charset="0"/>
+                <a:cs typeface="Segoe UI" panose="020B0502040204020203" pitchFamily="34" charset="0"/>
+              </a:rPr>
+              <a:t>Siglo XXI</a:t>
+            </a:r>
+            <a:endParaRPr lang="es-AR" b="1" i="1" dirty="0">
+              <a:latin typeface="Segoe UI" panose="020B0502040204020203" pitchFamily="34" charset="0"/>
+              <a:cs typeface="Segoe UI" panose="020B0502040204020203" pitchFamily="34" charset="0"/>
+            </a:endParaRPr>
+          </a:p>
+        </p:txBody>
+      </p:sp>
+      <p:sp>
+        <p:nvSpPr>
+          <p:cNvPr id="3" name="Text Placeholder 2"/>
+          <p:cNvSpPr>
+            <a:spLocks noGrp="1"/>
+          </p:cNvSpPr>
+          <p:nvPr>
+            <p:ph type="body" idx="1"/>
+          </p:nvPr>
+        </p:nvSpPr>
+        <p:spPr/>
+        <p:txBody>
+          <a:bodyPr/>
+          <a:lstStyle/>
+          <a:p>
+            <a:r>
               <a:rPr lang="es-AR" dirty="0" smtClean="0">
                 <a:latin typeface="Segoe UI" panose="020B0502040204020203" pitchFamily="34" charset="0"/>
                 <a:cs typeface="Segoe UI" panose="020B0502040204020203" pitchFamily="34" charset="0"/>
               </a:rPr>
-              <a:t>Siglo XXI</a:t>
+              <a:t>La información como activo primordial</a:t>
             </a:r>
             <a:endParaRPr lang="es-AR" dirty="0">
               <a:latin typeface="Segoe UI" panose="020B0502040204020203" pitchFamily="34" charset="0"/>
@@ -11190,39 +11538,10 @@
           </a:p>
         </p:txBody>
       </p:sp>
-      <p:sp>
-        <p:nvSpPr>
-          <p:cNvPr id="3" name="Text Placeholder 2"/>
-          <p:cNvSpPr>
-            <a:spLocks noGrp="1"/>
-          </p:cNvSpPr>
-          <p:nvPr>
-            <p:ph type="body" idx="1"/>
-          </p:nvPr>
-        </p:nvSpPr>
-        <p:spPr/>
-        <p:txBody>
-          <a:bodyPr/>
-          <a:lstStyle/>
-          <a:p>
-            <a:r>
-              <a:rPr lang="es-AR" dirty="0" smtClean="0">
-                <a:latin typeface="Segoe UI" panose="020B0502040204020203" pitchFamily="34" charset="0"/>
-                <a:cs typeface="Segoe UI" panose="020B0502040204020203" pitchFamily="34" charset="0"/>
-              </a:rPr>
-              <a:t>La información como activo primordial</a:t>
-            </a:r>
-            <a:endParaRPr lang="es-AR" dirty="0">
-              <a:latin typeface="Segoe UI" panose="020B0502040204020203" pitchFamily="34" charset="0"/>
-              <a:cs typeface="Segoe UI" panose="020B0502040204020203" pitchFamily="34" charset="0"/>
-            </a:endParaRPr>
-          </a:p>
-        </p:txBody>
-      </p:sp>
     </p:spTree>
     <p:extLst>
       <p:ext uri="{BB962C8B-B14F-4D97-AF65-F5344CB8AC3E}">
-        <p14:creationId xmlns:p14="http://schemas.microsoft.com/office/powerpoint/2010/main" xmlns="" val="3439397754"/>
+        <p14:creationId xmlns="" xmlns:p14="http://schemas.microsoft.com/office/powerpoint/2010/main" val="3439397754"/>
       </p:ext>
     </p:extLst>
   </p:cSld>
@@ -11230,7 +11549,7 @@
     <a:masterClrMapping/>
   </p:clrMapOvr>
   <mc:AlternateContent xmlns:mc="http://schemas.openxmlformats.org/markup-compatibility/2006">
-    <mc:Choice xmlns:p14="http://schemas.microsoft.com/office/powerpoint/2010/main" xmlns="" Requires="p14">
+    <mc:Choice xmlns="" xmlns:p14="http://schemas.microsoft.com/office/powerpoint/2010/main" Requires="p14">
       <p:transition spd="med" p14:dur="700">
         <p:fade/>
       </p:transition>
@@ -11404,7 +11723,7 @@
     </p:spTree>
     <p:extLst>
       <p:ext uri="{BB962C8B-B14F-4D97-AF65-F5344CB8AC3E}">
-        <p14:creationId xmlns:p14="http://schemas.microsoft.com/office/powerpoint/2010/main" xmlns="" val="2675216716"/>
+        <p14:creationId xmlns="" xmlns:p14="http://schemas.microsoft.com/office/powerpoint/2010/main" val="2675216716"/>
       </p:ext>
     </p:extLst>
   </p:cSld>
@@ -11412,7 +11731,7 @@
     <a:masterClrMapping/>
   </p:clrMapOvr>
   <mc:AlternateContent xmlns:mc="http://schemas.openxmlformats.org/markup-compatibility/2006">
-    <mc:Choice xmlns:p14="http://schemas.microsoft.com/office/powerpoint/2010/main" xmlns="" Requires="p14">
+    <mc:Choice xmlns="" xmlns:p14="http://schemas.microsoft.com/office/powerpoint/2010/main" Requires="p14">
       <p:transition spd="med" p14:dur="700">
         <p:fade/>
       </p:transition>
@@ -11879,7 +12198,7 @@
           <a:blip r:embed="rId3" cstate="print">
             <a:extLst>
               <a:ext uri="{28A0092B-C50C-407E-A947-70E740481C1C}">
-                <a14:useLocalDpi xmlns:a14="http://schemas.microsoft.com/office/drawing/2010/main" xmlns="" val="0"/>
+                <a14:useLocalDpi xmlns="" xmlns:a14="http://schemas.microsoft.com/office/drawing/2010/main" val="0"/>
               </a:ext>
             </a:extLst>
           </a:blip>
@@ -11899,7 +12218,7 @@
           <a:noFill/>
           <a:extLst>
             <a:ext uri="{909E8E84-426E-40DD-AFC4-6F175D3DCCD1}">
-              <a14:hiddenFill xmlns:a14="http://schemas.microsoft.com/office/drawing/2010/main" xmlns="">
+              <a14:hiddenFill xmlns="" xmlns:a14="http://schemas.microsoft.com/office/drawing/2010/main">
                 <a:solidFill>
                   <a:srgbClr val="FFFFFF"/>
                 </a:solidFill>
@@ -11920,7 +12239,7 @@
           <a:blip r:embed="rId4" cstate="print">
             <a:extLst>
               <a:ext uri="{28A0092B-C50C-407E-A947-70E740481C1C}">
-                <a14:useLocalDpi xmlns:a14="http://schemas.microsoft.com/office/drawing/2010/main" xmlns="" val="0"/>
+                <a14:useLocalDpi xmlns="" xmlns:a14="http://schemas.microsoft.com/office/drawing/2010/main" val="0"/>
               </a:ext>
             </a:extLst>
           </a:blip>
@@ -11940,7 +12259,7 @@
           <a:noFill/>
           <a:extLst>
             <a:ext uri="{909E8E84-426E-40DD-AFC4-6F175D3DCCD1}">
-              <a14:hiddenFill xmlns:a14="http://schemas.microsoft.com/office/drawing/2010/main" xmlns="">
+              <a14:hiddenFill xmlns="" xmlns:a14="http://schemas.microsoft.com/office/drawing/2010/main">
                 <a:solidFill>
                   <a:srgbClr val="FFFFFF"/>
                 </a:solidFill>
@@ -11961,7 +12280,7 @@
           <a:blip r:embed="rId5" cstate="print">
             <a:extLst>
               <a:ext uri="{28A0092B-C50C-407E-A947-70E740481C1C}">
-                <a14:useLocalDpi xmlns:a14="http://schemas.microsoft.com/office/drawing/2010/main" xmlns="" val="0"/>
+                <a14:useLocalDpi xmlns="" xmlns:a14="http://schemas.microsoft.com/office/drawing/2010/main" val="0"/>
               </a:ext>
             </a:extLst>
           </a:blip>
@@ -11981,7 +12300,7 @@
           <a:noFill/>
           <a:extLst>
             <a:ext uri="{909E8E84-426E-40DD-AFC4-6F175D3DCCD1}">
-              <a14:hiddenFill xmlns:a14="http://schemas.microsoft.com/office/drawing/2010/main" xmlns="">
+              <a14:hiddenFill xmlns="" xmlns:a14="http://schemas.microsoft.com/office/drawing/2010/main">
                 <a:solidFill>
                   <a:srgbClr val="FFFFFF"/>
                 </a:solidFill>
@@ -12002,7 +12321,7 @@
           <a:blip r:embed="rId6" cstate="print">
             <a:extLst>
               <a:ext uri="{28A0092B-C50C-407E-A947-70E740481C1C}">
-                <a14:useLocalDpi xmlns:a14="http://schemas.microsoft.com/office/drawing/2010/main" xmlns="" val="0"/>
+                <a14:useLocalDpi xmlns="" xmlns:a14="http://schemas.microsoft.com/office/drawing/2010/main" val="0"/>
               </a:ext>
             </a:extLst>
           </a:blip>
@@ -12022,7 +12341,7 @@
           <a:noFill/>
           <a:extLst>
             <a:ext uri="{909E8E84-426E-40DD-AFC4-6F175D3DCCD1}">
-              <a14:hiddenFill xmlns:a14="http://schemas.microsoft.com/office/drawing/2010/main" xmlns="">
+              <a14:hiddenFill xmlns="" xmlns:a14="http://schemas.microsoft.com/office/drawing/2010/main">
                 <a:solidFill>
                   <a:srgbClr val="FFFFFF"/>
                 </a:solidFill>
@@ -12043,7 +12362,7 @@
           <a:blip r:embed="rId7" cstate="print">
             <a:extLst>
               <a:ext uri="{28A0092B-C50C-407E-A947-70E740481C1C}">
-                <a14:useLocalDpi xmlns:a14="http://schemas.microsoft.com/office/drawing/2010/main" xmlns="" val="0"/>
+                <a14:useLocalDpi xmlns="" xmlns:a14="http://schemas.microsoft.com/office/drawing/2010/main" val="0"/>
               </a:ext>
             </a:extLst>
           </a:blip>
@@ -12063,7 +12382,7 @@
           <a:noFill/>
           <a:extLst>
             <a:ext uri="{909E8E84-426E-40DD-AFC4-6F175D3DCCD1}">
-              <a14:hiddenFill xmlns:a14="http://schemas.microsoft.com/office/drawing/2010/main" xmlns="">
+              <a14:hiddenFill xmlns="" xmlns:a14="http://schemas.microsoft.com/office/drawing/2010/main">
                 <a:solidFill>
                   <a:srgbClr val="FFFFFF"/>
                 </a:solidFill>
@@ -12075,7 +12394,7 @@
     </p:spTree>
     <p:extLst>
       <p:ext uri="{BB962C8B-B14F-4D97-AF65-F5344CB8AC3E}">
-        <p14:creationId xmlns:p14="http://schemas.microsoft.com/office/powerpoint/2010/main" xmlns="" val="2564182459"/>
+        <p14:creationId xmlns="" xmlns:p14="http://schemas.microsoft.com/office/powerpoint/2010/main" val="2564182459"/>
       </p:ext>
     </p:extLst>
   </p:cSld>
@@ -12083,7 +12402,7 @@
     <a:masterClrMapping/>
   </p:clrMapOvr>
   <mc:AlternateContent xmlns:mc="http://schemas.openxmlformats.org/markup-compatibility/2006">
-    <mc:Choice xmlns:p14="http://schemas.microsoft.com/office/powerpoint/2010/main" xmlns="" Requires="p14">
+    <mc:Choice xmlns="" xmlns:p14="http://schemas.microsoft.com/office/powerpoint/2010/main" Requires="p14">
       <p:transition spd="med" p14:dur="700">
         <p:fade/>
       </p:transition>
@@ -12247,7 +12566,7 @@
     </p:spTree>
     <p:extLst>
       <p:ext uri="{BB962C8B-B14F-4D97-AF65-F5344CB8AC3E}">
-        <p14:creationId xmlns:p14="http://schemas.microsoft.com/office/powerpoint/2010/main" xmlns="" val="965594786"/>
+        <p14:creationId xmlns="" xmlns:p14="http://schemas.microsoft.com/office/powerpoint/2010/main" val="965594786"/>
       </p:ext>
     </p:extLst>
   </p:cSld>
@@ -12255,7 +12574,7 @@
     <a:masterClrMapping/>
   </p:clrMapOvr>
   <mc:AlternateContent xmlns:mc="http://schemas.openxmlformats.org/markup-compatibility/2006">
-    <mc:Choice xmlns:p14="http://schemas.microsoft.com/office/powerpoint/2010/main" xmlns="" Requires="p14">
+    <mc:Choice xmlns="" xmlns:p14="http://schemas.microsoft.com/office/powerpoint/2010/main" Requires="p14">
       <p:transition spd="med" p14:dur="700">
         <p:fade/>
       </p:transition>
@@ -12518,7 +12837,7 @@
           <a:blip r:embed="rId3" cstate="print">
             <a:extLst>
               <a:ext uri="{28A0092B-C50C-407E-A947-70E740481C1C}">
-                <a14:useLocalDpi xmlns:a14="http://schemas.microsoft.com/office/drawing/2010/main" xmlns="" val="0"/>
+                <a14:useLocalDpi xmlns="" xmlns:a14="http://schemas.microsoft.com/office/drawing/2010/main" val="0"/>
               </a:ext>
             </a:extLst>
           </a:blip>
@@ -12538,7 +12857,7 @@
           <a:noFill/>
           <a:extLst>
             <a:ext uri="{909E8E84-426E-40DD-AFC4-6F175D3DCCD1}">
-              <a14:hiddenFill xmlns:a14="http://schemas.microsoft.com/office/drawing/2010/main" xmlns="">
+              <a14:hiddenFill xmlns="" xmlns:a14="http://schemas.microsoft.com/office/drawing/2010/main">
                 <a:solidFill>
                   <a:srgbClr val="FFFFFF"/>
                 </a:solidFill>
@@ -12550,7 +12869,7 @@
     </p:spTree>
     <p:extLst>
       <p:ext uri="{BB962C8B-B14F-4D97-AF65-F5344CB8AC3E}">
-        <p14:creationId xmlns:p14="http://schemas.microsoft.com/office/powerpoint/2010/main" xmlns="" val="3356351472"/>
+        <p14:creationId xmlns="" xmlns:p14="http://schemas.microsoft.com/office/powerpoint/2010/main" val="3356351472"/>
       </p:ext>
     </p:extLst>
   </p:cSld>
@@ -12558,7 +12877,7 @@
     <a:masterClrMapping/>
   </p:clrMapOvr>
   <mc:AlternateContent xmlns:mc="http://schemas.openxmlformats.org/markup-compatibility/2006">
-    <mc:Choice xmlns:p14="http://schemas.microsoft.com/office/powerpoint/2010/main" xmlns="" Requires="p14">
+    <mc:Choice xmlns="" xmlns:p14="http://schemas.microsoft.com/office/powerpoint/2010/main" Requires="p14">
       <p:transition spd="med" p14:dur="700">
         <p:fade/>
       </p:transition>
@@ -12612,7 +12931,7 @@
           <a:lstStyle/>
           <a:p>
             <a:r>
-              <a:rPr lang="en-US" spc="0" dirty="0" err="1" smtClean="0">
+              <a:rPr lang="es-AR" spc="0" smtClean="0">
                 <a:ln w="0"/>
                 <a:solidFill>
                   <a:schemeClr val="accent1"/>
@@ -12629,7 +12948,7 @@
               </a:rPr>
               <a:t>Introducción</a:t>
             </a:r>
-            <a:endParaRPr lang="en-US" spc="0" dirty="0">
+            <a:endParaRPr lang="es-AR" spc="0">
               <a:ln w="0"/>
               <a:solidFill>
                 <a:schemeClr val="accent1"/>
@@ -12663,7 +12982,7 @@
           <a:lstStyle/>
           <a:p>
             <a:r>
-              <a:rPr lang="es-AR" dirty="0" smtClean="0">
+              <a:rPr lang="es-AR" smtClean="0">
                 <a:latin typeface="Segoe UI" panose="020B0502040204020203" pitchFamily="34" charset="0"/>
                 <a:cs typeface="Segoe UI" panose="020B0502040204020203" pitchFamily="34" charset="0"/>
               </a:rPr>
@@ -12672,7 +12991,7 @@
           </a:p>
           <a:p>
             <a:r>
-              <a:rPr lang="es-AR" dirty="0" smtClean="0">
+              <a:rPr lang="es-AR" smtClean="0">
                 <a:latin typeface="Segoe UI" panose="020B0502040204020203" pitchFamily="34" charset="0"/>
                 <a:cs typeface="Segoe UI" panose="020B0502040204020203" pitchFamily="34" charset="0"/>
               </a:rPr>
@@ -12681,7 +13000,7 @@
           </a:p>
           <a:p>
             <a:r>
-              <a:rPr lang="es-AR" dirty="0">
+              <a:rPr lang="es-AR">
                 <a:latin typeface="Segoe UI" panose="020B0502040204020203" pitchFamily="34" charset="0"/>
                 <a:cs typeface="Segoe UI" panose="020B0502040204020203" pitchFamily="34" charset="0"/>
               </a:rPr>
@@ -12690,7 +13009,7 @@
           </a:p>
           <a:p>
             <a:r>
-              <a:rPr lang="es-AR" dirty="0" smtClean="0">
+              <a:rPr lang="es-AR" smtClean="0">
                 <a:latin typeface="Segoe UI" panose="020B0502040204020203" pitchFamily="34" charset="0"/>
                 <a:cs typeface="Segoe UI" panose="020B0502040204020203" pitchFamily="34" charset="0"/>
               </a:rPr>
@@ -12699,13 +13018,27 @@
           </a:p>
           <a:p>
             <a:r>
-              <a:rPr lang="es-AR" dirty="0" smtClean="0">
-                <a:latin typeface="Segoe UI" panose="020B0502040204020203" pitchFamily="34" charset="0"/>
-                <a:cs typeface="Segoe UI" panose="020B0502040204020203" pitchFamily="34" charset="0"/>
-              </a:rPr>
-              <a:t>Tipos de controles</a:t>
-            </a:r>
-            <a:endParaRPr lang="en-US" dirty="0">
+              <a:rPr lang="es-AR" smtClean="0">
+                <a:latin typeface="Segoe UI" panose="020B0502040204020203" pitchFamily="34" charset="0"/>
+                <a:cs typeface="Segoe UI" panose="020B0502040204020203" pitchFamily="34" charset="0"/>
+              </a:rPr>
+              <a:t>Tipos </a:t>
+            </a:r>
+            <a:r>
+              <a:rPr lang="es-AR" smtClean="0">
+                <a:latin typeface="Segoe UI" panose="020B0502040204020203" pitchFamily="34" charset="0"/>
+                <a:cs typeface="Segoe UI" panose="020B0502040204020203" pitchFamily="34" charset="0"/>
+              </a:rPr>
+              <a:t>de </a:t>
+            </a:r>
+            <a:r>
+              <a:rPr lang="es-AR" smtClean="0">
+                <a:latin typeface="Segoe UI" panose="020B0502040204020203" pitchFamily="34" charset="0"/>
+                <a:cs typeface="Segoe UI" panose="020B0502040204020203" pitchFamily="34" charset="0"/>
+              </a:rPr>
+              <a:t>controles</a:t>
+            </a:r>
+            <a:endParaRPr lang="es-AR">
               <a:latin typeface="Segoe UI" panose="020B0502040204020203" pitchFamily="34" charset="0"/>
               <a:cs typeface="Segoe UI" panose="020B0502040204020203" pitchFamily="34" charset="0"/>
             </a:endParaRPr>
@@ -12715,7 +13048,7 @@
     </p:spTree>
     <p:extLst>
       <p:ext uri="{BB962C8B-B14F-4D97-AF65-F5344CB8AC3E}">
-        <p14:creationId xmlns:p14="http://schemas.microsoft.com/office/powerpoint/2010/main" xmlns="" val="3106206852"/>
+        <p14:creationId xmlns="" xmlns:p14="http://schemas.microsoft.com/office/powerpoint/2010/main" val="3106206852"/>
       </p:ext>
     </p:extLst>
   </p:cSld>
@@ -12723,7 +13056,7 @@
     <a:masterClrMapping/>
   </p:clrMapOvr>
   <mc:AlternateContent xmlns:mc="http://schemas.openxmlformats.org/markup-compatibility/2006">
-    <mc:Choice xmlns:p14="http://schemas.microsoft.com/office/powerpoint/2010/main" xmlns="" Requires="p14">
+    <mc:Choice xmlns="" xmlns:p14="http://schemas.microsoft.com/office/powerpoint/2010/main" Requires="p14">
       <p:transition spd="med" p14:dur="700">
         <p:fade/>
       </p:transition>
@@ -12956,7 +13289,7 @@
           <a:blip r:embed="rId3" cstate="print">
             <a:extLst>
               <a:ext uri="{28A0092B-C50C-407E-A947-70E740481C1C}">
-                <a14:useLocalDpi xmlns:a14="http://schemas.microsoft.com/office/drawing/2010/main" xmlns="" val="0"/>
+                <a14:useLocalDpi xmlns="" xmlns:a14="http://schemas.microsoft.com/office/drawing/2010/main" val="0"/>
               </a:ext>
             </a:extLst>
           </a:blip>
@@ -12976,7 +13309,7 @@
           <a:noFill/>
           <a:extLst>
             <a:ext uri="{909E8E84-426E-40DD-AFC4-6F175D3DCCD1}">
-              <a14:hiddenFill xmlns:a14="http://schemas.microsoft.com/office/drawing/2010/main" xmlns="">
+              <a14:hiddenFill xmlns="" xmlns:a14="http://schemas.microsoft.com/office/drawing/2010/main">
                 <a:solidFill>
                   <a:srgbClr val="FFFFFF"/>
                 </a:solidFill>
@@ -12988,7 +13321,7 @@
     </p:spTree>
     <p:extLst>
       <p:ext uri="{BB962C8B-B14F-4D97-AF65-F5344CB8AC3E}">
-        <p14:creationId xmlns:p14="http://schemas.microsoft.com/office/powerpoint/2010/main" xmlns="" val="3374507202"/>
+        <p14:creationId xmlns="" xmlns:p14="http://schemas.microsoft.com/office/powerpoint/2010/main" val="3374507202"/>
       </p:ext>
     </p:extLst>
   </p:cSld>
@@ -12996,7 +13329,7 @@
     <a:masterClrMapping/>
   </p:clrMapOvr>
   <mc:AlternateContent xmlns:mc="http://schemas.openxmlformats.org/markup-compatibility/2006">
-    <mc:Choice xmlns:p14="http://schemas.microsoft.com/office/powerpoint/2010/main" xmlns="" Requires="p14">
+    <mc:Choice xmlns="" xmlns:p14="http://schemas.microsoft.com/office/powerpoint/2010/main" Requires="p14">
       <p:transition spd="med" p14:dur="700">
         <p:fade/>
       </p:transition>
@@ -13181,7 +13514,7 @@
     </p:spTree>
     <p:extLst>
       <p:ext uri="{BB962C8B-B14F-4D97-AF65-F5344CB8AC3E}">
-        <p14:creationId xmlns:p14="http://schemas.microsoft.com/office/powerpoint/2010/main" xmlns="" val="2238024562"/>
+        <p14:creationId xmlns="" xmlns:p14="http://schemas.microsoft.com/office/powerpoint/2010/main" val="2238024562"/>
       </p:ext>
     </p:extLst>
   </p:cSld>
@@ -13189,7 +13522,7 @@
     <a:masterClrMapping/>
   </p:clrMapOvr>
   <mc:AlternateContent xmlns:mc="http://schemas.openxmlformats.org/markup-compatibility/2006">
-    <mc:Choice xmlns:p14="http://schemas.microsoft.com/office/powerpoint/2010/main" xmlns="" Requires="p14">
+    <mc:Choice xmlns="" xmlns:p14="http://schemas.microsoft.com/office/powerpoint/2010/main" Requires="p14">
       <p:transition spd="med" p14:dur="700">
         <p:fade/>
       </p:transition>
@@ -13378,7 +13711,7 @@
     </p:spTree>
     <p:extLst>
       <p:ext uri="{BB962C8B-B14F-4D97-AF65-F5344CB8AC3E}">
-        <p14:creationId xmlns:p14="http://schemas.microsoft.com/office/powerpoint/2010/main" xmlns="" val="3874537101"/>
+        <p14:creationId xmlns="" xmlns:p14="http://schemas.microsoft.com/office/powerpoint/2010/main" val="3874537101"/>
       </p:ext>
     </p:extLst>
   </p:cSld>
@@ -13386,7 +13719,7 @@
     <a:masterClrMapping/>
   </p:clrMapOvr>
   <mc:AlternateContent xmlns:mc="http://schemas.openxmlformats.org/markup-compatibility/2006">
-    <mc:Choice xmlns:p14="http://schemas.microsoft.com/office/powerpoint/2010/main" xmlns="" Requires="p14">
+    <mc:Choice xmlns="" xmlns:p14="http://schemas.microsoft.com/office/powerpoint/2010/main" Requires="p14">
       <p:transition spd="med" p14:dur="700">
         <p:fade/>
       </p:transition>
@@ -13525,7 +13858,7 @@
     </p:spTree>
     <p:extLst>
       <p:ext uri="{BB962C8B-B14F-4D97-AF65-F5344CB8AC3E}">
-        <p14:creationId xmlns:p14="http://schemas.microsoft.com/office/powerpoint/2010/main" xmlns="" val="1202384585"/>
+        <p14:creationId xmlns="" xmlns:p14="http://schemas.microsoft.com/office/powerpoint/2010/main" val="1202384585"/>
       </p:ext>
     </p:extLst>
   </p:cSld>
@@ -13533,7 +13866,7 @@
     <a:masterClrMapping/>
   </p:clrMapOvr>
   <mc:AlternateContent xmlns:mc="http://schemas.openxmlformats.org/markup-compatibility/2006">
-    <mc:Choice xmlns:p14="http://schemas.microsoft.com/office/powerpoint/2010/main" xmlns="" Requires="p14">
+    <mc:Choice xmlns="" xmlns:p14="http://schemas.microsoft.com/office/powerpoint/2010/main" Requires="p14">
       <p:transition spd="med" p14:dur="700">
         <p:fade/>
       </p:transition>
@@ -13770,7 +14103,7 @@
     </p:spTree>
     <p:extLst>
       <p:ext uri="{BB962C8B-B14F-4D97-AF65-F5344CB8AC3E}">
-        <p14:creationId xmlns:p14="http://schemas.microsoft.com/office/powerpoint/2010/main" xmlns="" val="701687324"/>
+        <p14:creationId xmlns="" xmlns:p14="http://schemas.microsoft.com/office/powerpoint/2010/main" val="701687324"/>
       </p:ext>
     </p:extLst>
   </p:cSld>
@@ -13778,7 +14111,7 @@
     <a:masterClrMapping/>
   </p:clrMapOvr>
   <mc:AlternateContent xmlns:mc="http://schemas.openxmlformats.org/markup-compatibility/2006">
-    <mc:Choice xmlns:p14="http://schemas.microsoft.com/office/powerpoint/2010/main" xmlns="" Requires="p14">
+    <mc:Choice xmlns="" xmlns:p14="http://schemas.microsoft.com/office/powerpoint/2010/main" Requires="p14">
       <p:transition spd="med" p14:dur="700">
         <p:fade/>
       </p:transition>
@@ -13937,7 +14270,7 @@
     </p:spTree>
     <p:extLst>
       <p:ext uri="{BB962C8B-B14F-4D97-AF65-F5344CB8AC3E}">
-        <p14:creationId xmlns:p14="http://schemas.microsoft.com/office/powerpoint/2010/main" xmlns="" val="1445017764"/>
+        <p14:creationId xmlns="" xmlns:p14="http://schemas.microsoft.com/office/powerpoint/2010/main" val="1445017764"/>
       </p:ext>
     </p:extLst>
   </p:cSld>
@@ -13945,7 +14278,7 @@
     <a:masterClrMapping/>
   </p:clrMapOvr>
   <mc:AlternateContent xmlns:mc="http://schemas.openxmlformats.org/markup-compatibility/2006">
-    <mc:Choice xmlns:p14="http://schemas.microsoft.com/office/powerpoint/2010/main" xmlns="" Requires="p14">
+    <mc:Choice xmlns="" xmlns:p14="http://schemas.microsoft.com/office/powerpoint/2010/main" Requires="p14">
       <p:transition spd="med" p14:dur="700">
         <p:fade/>
       </p:transition>
@@ -14131,7 +14464,7 @@
     </p:spTree>
     <p:extLst>
       <p:ext uri="{BB962C8B-B14F-4D97-AF65-F5344CB8AC3E}">
-        <p14:creationId xmlns:p14="http://schemas.microsoft.com/office/powerpoint/2010/main" xmlns="" val="3810472897"/>
+        <p14:creationId xmlns="" xmlns:p14="http://schemas.microsoft.com/office/powerpoint/2010/main" val="3810472897"/>
       </p:ext>
     </p:extLst>
   </p:cSld>
@@ -14139,7 +14472,7 @@
     <a:masterClrMapping/>
   </p:clrMapOvr>
   <mc:AlternateContent xmlns:mc="http://schemas.openxmlformats.org/markup-compatibility/2006">
-    <mc:Choice xmlns:p14="http://schemas.microsoft.com/office/powerpoint/2010/main" xmlns="" Requires="p14">
+    <mc:Choice xmlns="" xmlns:p14="http://schemas.microsoft.com/office/powerpoint/2010/main" Requires="p14">
       <p:transition spd="med" p14:dur="700">
         <p:fade/>
       </p:transition>
@@ -14209,7 +14542,7 @@
     </p:spTree>
     <p:extLst>
       <p:ext uri="{BB962C8B-B14F-4D97-AF65-F5344CB8AC3E}">
-        <p14:creationId xmlns:p14="http://schemas.microsoft.com/office/powerpoint/2010/main" xmlns="" val="1539601608"/>
+        <p14:creationId xmlns="" xmlns:p14="http://schemas.microsoft.com/office/powerpoint/2010/main" val="1539601608"/>
       </p:ext>
     </p:extLst>
   </p:cSld>
@@ -14217,7 +14550,7 @@
     <a:masterClrMapping/>
   </p:clrMapOvr>
   <mc:AlternateContent xmlns:mc="http://schemas.openxmlformats.org/markup-compatibility/2006">
-    <mc:Choice xmlns:p14="http://schemas.microsoft.com/office/powerpoint/2010/main" xmlns="" Requires="p14">
+    <mc:Choice xmlns="" xmlns:p14="http://schemas.microsoft.com/office/powerpoint/2010/main" Requires="p14">
       <p:transition spd="med" p14:dur="700">
         <p:fade/>
       </p:transition>
@@ -14368,7 +14701,7 @@
     </p:spTree>
     <p:extLst>
       <p:ext uri="{BB962C8B-B14F-4D97-AF65-F5344CB8AC3E}">
-        <p14:creationId xmlns:p14="http://schemas.microsoft.com/office/powerpoint/2010/main" xmlns="" val="3280227416"/>
+        <p14:creationId xmlns="" xmlns:p14="http://schemas.microsoft.com/office/powerpoint/2010/main" val="3280227416"/>
       </p:ext>
     </p:extLst>
   </p:cSld>
@@ -14376,7 +14709,7 @@
     <a:masterClrMapping/>
   </p:clrMapOvr>
   <mc:AlternateContent xmlns:mc="http://schemas.openxmlformats.org/markup-compatibility/2006">
-    <mc:Choice xmlns:p14="http://schemas.microsoft.com/office/powerpoint/2010/main" xmlns="" Requires="p14">
+    <mc:Choice xmlns="" xmlns:p14="http://schemas.microsoft.com/office/powerpoint/2010/main" Requires="p14">
       <p:transition spd="med" p14:dur="700">
         <p:fade/>
       </p:transition>
@@ -14601,7 +14934,7 @@
     </p:spTree>
     <p:extLst>
       <p:ext uri="{BB962C8B-B14F-4D97-AF65-F5344CB8AC3E}">
-        <p14:creationId xmlns:p14="http://schemas.microsoft.com/office/powerpoint/2010/main" xmlns="" val="3816537714"/>
+        <p14:creationId xmlns="" xmlns:p14="http://schemas.microsoft.com/office/powerpoint/2010/main" val="3816537714"/>
       </p:ext>
     </p:extLst>
   </p:cSld>
@@ -14609,7 +14942,7 @@
     <a:masterClrMapping/>
   </p:clrMapOvr>
   <mc:AlternateContent xmlns:mc="http://schemas.openxmlformats.org/markup-compatibility/2006">
-    <mc:Choice xmlns:p14="http://schemas.microsoft.com/office/powerpoint/2010/main" xmlns="" Requires="p14">
+    <mc:Choice xmlns="" xmlns:p14="http://schemas.microsoft.com/office/powerpoint/2010/main" Requires="p14">
       <p:transition spd="med" p14:dur="700">
         <p:fade/>
       </p:transition>
@@ -14659,38 +14992,41 @@
         </p:nvSpPr>
         <p:spPr>
           <a:xfrm>
-            <a:off x="1522413" y="381000"/>
-            <a:ext cx="9972599" cy="1371600"/>
+            <a:off x="1485900" y="260648"/>
+            <a:ext cx="10404647" cy="1371600"/>
           </a:xfrm>
         </p:spPr>
         <p:txBody>
           <a:bodyPr>
-            <a:normAutofit fontScale="90000"/>
+            <a:normAutofit/>
           </a:bodyPr>
           <a:lstStyle/>
           <a:p>
             <a:pPr algn="ctr"/>
             <a:r>
               <a:rPr lang="es-AR" sz="4000" dirty="0">
-                <a:latin typeface="Segoe UI" panose="020B0502040204020203" pitchFamily="34" charset="0"/>
-                <a:cs typeface="Segoe UI" panose="020B0502040204020203" pitchFamily="34" charset="0"/>
-              </a:rPr>
-              <a:t>El activo más valioso de las organizaciones</a:t>
-            </a:r>
-            <a:r>
-              <a:rPr lang="es-AR" dirty="0">
-                <a:latin typeface="Segoe UI" panose="020B0502040204020203" pitchFamily="34" charset="0"/>
-                <a:cs typeface="Segoe UI" panose="020B0502040204020203" pitchFamily="34" charset="0"/>
-              </a:rPr>
-              <a:t/>
-            </a:r>
-            <a:br>
-              <a:rPr lang="es-AR" dirty="0">
-                <a:latin typeface="Segoe UI" panose="020B0502040204020203" pitchFamily="34" charset="0"/>
-                <a:cs typeface="Segoe UI" panose="020B0502040204020203" pitchFamily="34" charset="0"/>
-              </a:rPr>
-            </a:br>
+                <a:solidFill>
+                  <a:schemeClr val="accent1"/>
+                </a:solidFill>
+                <a:latin typeface="Segoe UI" panose="020B0502040204020203" pitchFamily="34" charset="0"/>
+                <a:cs typeface="Segoe UI" panose="020B0502040204020203" pitchFamily="34" charset="0"/>
+              </a:rPr>
+              <a:t>El activo más valioso de las </a:t>
+            </a:r>
+            <a:r>
+              <a:rPr lang="es-AR" sz="4000" dirty="0" smtClean="0">
+                <a:solidFill>
+                  <a:schemeClr val="accent1"/>
+                </a:solidFill>
+                <a:latin typeface="Segoe UI" panose="020B0502040204020203" pitchFamily="34" charset="0"/>
+                <a:cs typeface="Segoe UI" panose="020B0502040204020203" pitchFamily="34" charset="0"/>
+              </a:rPr>
+              <a:t>organizaciones</a:t>
+            </a:r>
             <a:endParaRPr lang="es-AR" dirty="0">
+              <a:solidFill>
+                <a:schemeClr val="accent1"/>
+              </a:solidFill>
               <a:latin typeface="Segoe UI" panose="020B0502040204020203" pitchFamily="34" charset="0"/>
               <a:cs typeface="Segoe UI" panose="020B0502040204020203" pitchFamily="34" charset="0"/>
             </a:endParaRPr>
@@ -14891,7 +15227,7 @@
     </p:spTree>
     <p:extLst>
       <p:ext uri="{BB962C8B-B14F-4D97-AF65-F5344CB8AC3E}">
-        <p14:creationId xmlns:p14="http://schemas.microsoft.com/office/powerpoint/2010/main" xmlns="" val="3323359930"/>
+        <p14:creationId xmlns="" xmlns:p14="http://schemas.microsoft.com/office/powerpoint/2010/main" val="3323359930"/>
       </p:ext>
     </p:extLst>
   </p:cSld>
@@ -14899,7 +15235,7 @@
     <a:masterClrMapping/>
   </p:clrMapOvr>
   <mc:AlternateContent xmlns:mc="http://schemas.openxmlformats.org/markup-compatibility/2006">
-    <mc:Choice xmlns:p14="http://schemas.microsoft.com/office/powerpoint/2010/main" xmlns="" Requires="p14">
+    <mc:Choice xmlns="" xmlns:p14="http://schemas.microsoft.com/office/powerpoint/2010/main" Requires="p14">
       <p:transition spd="med" p14:dur="700">
         <p:fade/>
       </p:transition>
@@ -15082,7 +15418,7 @@
     </p:spTree>
     <p:extLst>
       <p:ext uri="{BB962C8B-B14F-4D97-AF65-F5344CB8AC3E}">
-        <p14:creationId xmlns:p14="http://schemas.microsoft.com/office/powerpoint/2010/main" xmlns="" val="2896967631"/>
+        <p14:creationId xmlns="" xmlns:p14="http://schemas.microsoft.com/office/powerpoint/2010/main" val="2896967631"/>
       </p:ext>
     </p:extLst>
   </p:cSld>
@@ -15090,7 +15426,7 @@
     <a:masterClrMapping/>
   </p:clrMapOvr>
   <mc:AlternateContent xmlns:mc="http://schemas.openxmlformats.org/markup-compatibility/2006">
-    <mc:Choice xmlns:p14="http://schemas.microsoft.com/office/powerpoint/2010/main" xmlns="" Requires="p14">
+    <mc:Choice xmlns="" xmlns:p14="http://schemas.microsoft.com/office/powerpoint/2010/main" Requires="p14">
       <p:transition spd="med" p14:dur="700">
         <p:fade/>
       </p:transition>
@@ -15361,7 +15697,7 @@
     </p:spTree>
     <p:extLst>
       <p:ext uri="{BB962C8B-B14F-4D97-AF65-F5344CB8AC3E}">
-        <p14:creationId xmlns:p14="http://schemas.microsoft.com/office/powerpoint/2010/main" xmlns="" val="1108506989"/>
+        <p14:creationId xmlns="" xmlns:p14="http://schemas.microsoft.com/office/powerpoint/2010/main" val="1108506989"/>
       </p:ext>
     </p:extLst>
   </p:cSld>
@@ -15369,7 +15705,7 @@
     <a:masterClrMapping/>
   </p:clrMapOvr>
   <mc:AlternateContent xmlns:mc="http://schemas.openxmlformats.org/markup-compatibility/2006">
-    <mc:Choice xmlns:p14="http://schemas.microsoft.com/office/powerpoint/2010/main" xmlns="" Requires="p14">
+    <mc:Choice xmlns="" xmlns:p14="http://schemas.microsoft.com/office/powerpoint/2010/main" Requires="p14">
       <p:transition spd="med" p14:dur="700">
         <p:fade/>
       </p:transition>
@@ -15473,7 +15809,7 @@
     </p:spTree>
     <p:extLst>
       <p:ext uri="{BB962C8B-B14F-4D97-AF65-F5344CB8AC3E}">
-        <p14:creationId xmlns:p14="http://schemas.microsoft.com/office/powerpoint/2010/main" xmlns="" val="1108506989"/>
+        <p14:creationId xmlns="" xmlns:p14="http://schemas.microsoft.com/office/powerpoint/2010/main" val="1108506989"/>
       </p:ext>
     </p:extLst>
   </p:cSld>
@@ -15481,7 +15817,7 @@
     <a:masterClrMapping/>
   </p:clrMapOvr>
   <mc:AlternateContent xmlns:mc="http://schemas.openxmlformats.org/markup-compatibility/2006">
-    <mc:Choice xmlns:p14="http://schemas.microsoft.com/office/powerpoint/2010/main" xmlns="" Requires="p14">
+    <mc:Choice xmlns="" xmlns:p14="http://schemas.microsoft.com/office/powerpoint/2010/main" Requires="p14">
       <p:transition spd="med" p14:dur="700">
         <p:fade/>
       </p:transition>
@@ -15544,6 +15880,9 @@
             <a:pPr algn="ctr"/>
             <a:r>
               <a:rPr lang="es-AR" dirty="0" smtClean="0">
+                <a:solidFill>
+                  <a:schemeClr val="accent1"/>
+                </a:solidFill>
                 <a:latin typeface="Segoe UI" panose="020B0502040204020203" pitchFamily="34" charset="0"/>
                 <a:cs typeface="Segoe UI" panose="020B0502040204020203" pitchFamily="34" charset="0"/>
               </a:rPr>
@@ -15551,6 +15890,9 @@
             </a:r>
             <a:r>
               <a:rPr lang="es-AR" dirty="0">
+                <a:solidFill>
+                  <a:schemeClr val="accent1"/>
+                </a:solidFill>
                 <a:latin typeface="Segoe UI" panose="020B0502040204020203" pitchFamily="34" charset="0"/>
                 <a:cs typeface="Segoe UI" panose="020B0502040204020203" pitchFamily="34" charset="0"/>
               </a:rPr>
@@ -15558,12 +15900,18 @@
             </a:r>
             <a:r>
               <a:rPr lang="es-AR" dirty="0" smtClean="0">
-                <a:latin typeface="Segoe UI" panose="020B0502040204020203" pitchFamily="34" charset="0"/>
-                <a:cs typeface="Segoe UI" panose="020B0502040204020203" pitchFamily="34" charset="0"/>
-              </a:rPr>
-              <a:t>información I</a:t>
+                <a:solidFill>
+                  <a:schemeClr val="accent1"/>
+                </a:solidFill>
+                <a:latin typeface="Segoe UI" panose="020B0502040204020203" pitchFamily="34" charset="0"/>
+                <a:cs typeface="Segoe UI" panose="020B0502040204020203" pitchFamily="34" charset="0"/>
+              </a:rPr>
+              <a:t>información  (I)</a:t>
             </a:r>
             <a:endParaRPr lang="es-AR" dirty="0">
+              <a:solidFill>
+                <a:schemeClr val="accent1"/>
+              </a:solidFill>
               <a:latin typeface="Segoe UI" panose="020B0502040204020203" pitchFamily="34" charset="0"/>
               <a:cs typeface="Segoe UI" panose="020B0502040204020203" pitchFamily="34" charset="0"/>
             </a:endParaRPr>
@@ -15740,7 +16088,7 @@
           <a:blip r:embed="rId2" cstate="print">
             <a:extLst>
               <a:ext uri="{28A0092B-C50C-407E-A947-70E740481C1C}">
-                <a14:useLocalDpi xmlns:a14="http://schemas.microsoft.com/office/drawing/2010/main" xmlns="" val="0"/>
+                <a14:useLocalDpi xmlns="" xmlns:a14="http://schemas.microsoft.com/office/drawing/2010/main" val="0"/>
               </a:ext>
             </a:extLst>
           </a:blip>
@@ -15760,7 +16108,7 @@
           <a:noFill/>
           <a:extLst>
             <a:ext uri="{909E8E84-426E-40DD-AFC4-6F175D3DCCD1}">
-              <a14:hiddenFill xmlns:a14="http://schemas.microsoft.com/office/drawing/2010/main" xmlns="">
+              <a14:hiddenFill xmlns="" xmlns:a14="http://schemas.microsoft.com/office/drawing/2010/main">
                 <a:solidFill>
                   <a:srgbClr val="FFFFFF"/>
                 </a:solidFill>
@@ -15772,7 +16120,7 @@
     </p:spTree>
     <p:extLst>
       <p:ext uri="{BB962C8B-B14F-4D97-AF65-F5344CB8AC3E}">
-        <p14:creationId xmlns:p14="http://schemas.microsoft.com/office/powerpoint/2010/main" xmlns="" val="1350001534"/>
+        <p14:creationId xmlns="" xmlns:p14="http://schemas.microsoft.com/office/powerpoint/2010/main" val="1350001534"/>
       </p:ext>
     </p:extLst>
   </p:cSld>
@@ -15780,7 +16128,7 @@
     <a:masterClrMapping/>
   </p:clrMapOvr>
   <mc:AlternateContent xmlns:mc="http://schemas.openxmlformats.org/markup-compatibility/2006">
-    <mc:Choice xmlns:p14="http://schemas.microsoft.com/office/powerpoint/2010/main" xmlns="" Requires="p14">
+    <mc:Choice xmlns="" xmlns:p14="http://schemas.microsoft.com/office/powerpoint/2010/main" Requires="p14">
       <p:transition spd="med" p14:dur="700">
         <p:fade/>
       </p:transition>
@@ -15843,6 +16191,9 @@
             <a:pPr algn="ctr"/>
             <a:r>
               <a:rPr lang="es-AR" dirty="0" smtClean="0">
+                <a:solidFill>
+                  <a:schemeClr val="accent1"/>
+                </a:solidFill>
                 <a:latin typeface="Segoe UI" panose="020B0502040204020203" pitchFamily="34" charset="0"/>
                 <a:cs typeface="Segoe UI" panose="020B0502040204020203" pitchFamily="34" charset="0"/>
               </a:rPr>
@@ -15850,6 +16201,9 @@
             </a:r>
             <a:r>
               <a:rPr lang="es-AR" dirty="0">
+                <a:solidFill>
+                  <a:schemeClr val="accent1"/>
+                </a:solidFill>
                 <a:latin typeface="Segoe UI" panose="020B0502040204020203" pitchFamily="34" charset="0"/>
                 <a:cs typeface="Segoe UI" panose="020B0502040204020203" pitchFamily="34" charset="0"/>
               </a:rPr>
@@ -15857,12 +16211,28 @@
             </a:r>
             <a:r>
               <a:rPr lang="es-AR" dirty="0" smtClean="0">
-                <a:latin typeface="Segoe UI" panose="020B0502040204020203" pitchFamily="34" charset="0"/>
-                <a:cs typeface="Segoe UI" panose="020B0502040204020203" pitchFamily="34" charset="0"/>
-              </a:rPr>
-              <a:t>información II</a:t>
+                <a:solidFill>
+                  <a:schemeClr val="accent1"/>
+                </a:solidFill>
+                <a:latin typeface="Segoe UI" panose="020B0502040204020203" pitchFamily="34" charset="0"/>
+                <a:cs typeface="Segoe UI" panose="020B0502040204020203" pitchFamily="34" charset="0"/>
+              </a:rPr>
+              <a:t>información </a:t>
+            </a:r>
+            <a:r>
+              <a:rPr lang="es-AR" dirty="0" smtClean="0">
+                <a:solidFill>
+                  <a:schemeClr val="accent1"/>
+                </a:solidFill>
+                <a:latin typeface="Segoe UI" panose="020B0502040204020203" pitchFamily="34" charset="0"/>
+                <a:cs typeface="Segoe UI" panose="020B0502040204020203" pitchFamily="34" charset="0"/>
+              </a:rPr>
+              <a:t> (II)</a:t>
             </a:r>
             <a:endParaRPr lang="es-AR" dirty="0">
+              <a:solidFill>
+                <a:schemeClr val="accent1"/>
+              </a:solidFill>
               <a:latin typeface="Segoe UI" panose="020B0502040204020203" pitchFamily="34" charset="0"/>
               <a:cs typeface="Segoe UI" panose="020B0502040204020203" pitchFamily="34" charset="0"/>
             </a:endParaRPr>
@@ -16153,7 +16523,7 @@
     </p:spTree>
     <p:extLst>
       <p:ext uri="{BB962C8B-B14F-4D97-AF65-F5344CB8AC3E}">
-        <p14:creationId xmlns:p14="http://schemas.microsoft.com/office/powerpoint/2010/main" xmlns="" val="3438441757"/>
+        <p14:creationId xmlns="" xmlns:p14="http://schemas.microsoft.com/office/powerpoint/2010/main" val="3438441757"/>
       </p:ext>
     </p:extLst>
   </p:cSld>
@@ -16161,7 +16531,7 @@
     <a:masterClrMapping/>
   </p:clrMapOvr>
   <mc:AlternateContent xmlns:mc="http://schemas.openxmlformats.org/markup-compatibility/2006">
-    <mc:Choice xmlns:p14="http://schemas.microsoft.com/office/powerpoint/2010/main" xmlns="" Requires="p14">
+    <mc:Choice xmlns="" xmlns:p14="http://schemas.microsoft.com/office/powerpoint/2010/main" Requires="p14">
       <p:transition spd="med" p14:dur="700">
         <p:fade/>
       </p:transition>
@@ -16212,7 +16582,7 @@
         <p:spPr>
           <a:xfrm>
             <a:off x="1125860" y="332656"/>
-            <a:ext cx="10188623" cy="743744"/>
+            <a:ext cx="11062965" cy="743744"/>
           </a:xfrm>
         </p:spPr>
         <p:txBody>
@@ -16223,6 +16593,9 @@
           <a:p>
             <a:r>
               <a:rPr lang="es-AR" dirty="0">
+                <a:solidFill>
+                  <a:schemeClr val="accent1"/>
+                </a:solidFill>
                 <a:latin typeface="Segoe UI" panose="020B0502040204020203" pitchFamily="34" charset="0"/>
                 <a:cs typeface="Segoe UI" panose="020B0502040204020203" pitchFamily="34" charset="0"/>
               </a:rPr>
@@ -16230,12 +16603,19 @@
             </a:r>
             <a:r>
               <a:rPr lang="es-AR" dirty="0" smtClean="0">
-                <a:latin typeface="Segoe UI" panose="020B0502040204020203" pitchFamily="34" charset="0"/>
-                <a:cs typeface="Segoe UI" panose="020B0502040204020203" pitchFamily="34" charset="0"/>
-              </a:rPr>
-              <a:t>I</a:t>
-            </a:r>
-            <a:endParaRPr lang="es-AR" b="1" dirty="0"/>
+                <a:solidFill>
+                  <a:schemeClr val="accent1"/>
+                </a:solidFill>
+                <a:latin typeface="Segoe UI" panose="020B0502040204020203" pitchFamily="34" charset="0"/>
+                <a:cs typeface="Segoe UI" panose="020B0502040204020203" pitchFamily="34" charset="0"/>
+              </a:rPr>
+              <a:t> (I)</a:t>
+            </a:r>
+            <a:endParaRPr lang="es-AR" b="1" dirty="0">
+              <a:solidFill>
+                <a:schemeClr val="accent1"/>
+              </a:solidFill>
+            </a:endParaRPr>
           </a:p>
         </p:txBody>
       </p:sp>
@@ -16413,7 +16793,7 @@
     </p:spTree>
     <p:extLst>
       <p:ext uri="{BB962C8B-B14F-4D97-AF65-F5344CB8AC3E}">
-        <p14:creationId xmlns:p14="http://schemas.microsoft.com/office/powerpoint/2010/main" xmlns="" val="3833366108"/>
+        <p14:creationId xmlns="" xmlns:p14="http://schemas.microsoft.com/office/powerpoint/2010/main" val="3833366108"/>
       </p:ext>
     </p:extLst>
   </p:cSld>
@@ -16421,7 +16801,7 @@
     <a:masterClrMapping/>
   </p:clrMapOvr>
   <mc:AlternateContent xmlns:mc="http://schemas.openxmlformats.org/markup-compatibility/2006">
-    <mc:Choice xmlns:p14="http://schemas.microsoft.com/office/powerpoint/2010/main" xmlns="" Requires="p14">
+    <mc:Choice xmlns="" xmlns:p14="http://schemas.microsoft.com/office/powerpoint/2010/main" Requires="p14">
       <p:transition spd="med" p14:dur="700">
         <p:fade/>
       </p:transition>
@@ -16472,7 +16852,7 @@
         <p:spPr>
           <a:xfrm>
             <a:off x="981844" y="116632"/>
-            <a:ext cx="10260631" cy="743744"/>
+            <a:ext cx="11206981" cy="743744"/>
           </a:xfrm>
         </p:spPr>
         <p:txBody>
@@ -16483,6 +16863,9 @@
           <a:p>
             <a:r>
               <a:rPr lang="es-AR" dirty="0">
+                <a:solidFill>
+                  <a:schemeClr val="accent1"/>
+                </a:solidFill>
                 <a:latin typeface="Segoe UI" panose="020B0502040204020203" pitchFamily="34" charset="0"/>
                 <a:cs typeface="Segoe UI" panose="020B0502040204020203" pitchFamily="34" charset="0"/>
               </a:rPr>
@@ -16490,12 +16873,29 @@
             </a:r>
             <a:r>
               <a:rPr lang="es-AR" dirty="0" smtClean="0">
-                <a:latin typeface="Segoe UI" panose="020B0502040204020203" pitchFamily="34" charset="0"/>
-                <a:cs typeface="Segoe UI" panose="020B0502040204020203" pitchFamily="34" charset="0"/>
-              </a:rPr>
-              <a:t>información II </a:t>
-            </a:r>
-            <a:endParaRPr lang="es-AR" b="1" dirty="0"/>
+                <a:solidFill>
+                  <a:schemeClr val="accent1"/>
+                </a:solidFill>
+                <a:latin typeface="Segoe UI" panose="020B0502040204020203" pitchFamily="34" charset="0"/>
+                <a:cs typeface="Segoe UI" panose="020B0502040204020203" pitchFamily="34" charset="0"/>
+              </a:rPr>
+              <a:t>información </a:t>
+            </a:r>
+            <a:r>
+              <a:rPr lang="es-AR" dirty="0" smtClean="0">
+                <a:solidFill>
+                  <a:schemeClr val="accent1"/>
+                </a:solidFill>
+                <a:latin typeface="Segoe UI" panose="020B0502040204020203" pitchFamily="34" charset="0"/>
+                <a:cs typeface="Segoe UI" panose="020B0502040204020203" pitchFamily="34" charset="0"/>
+              </a:rPr>
+              <a:t> (II) </a:t>
+            </a:r>
+            <a:endParaRPr lang="es-AR" b="1" dirty="0">
+              <a:solidFill>
+                <a:schemeClr val="accent1"/>
+              </a:solidFill>
+            </a:endParaRPr>
           </a:p>
         </p:txBody>
       </p:sp>
@@ -16511,7 +16911,7 @@
           <a:blip r:embed="rId2" cstate="print">
             <a:extLst>
               <a:ext uri="{28A0092B-C50C-407E-A947-70E740481C1C}">
-                <a14:useLocalDpi xmlns:a14="http://schemas.microsoft.com/office/drawing/2010/main" xmlns="" val="0"/>
+                <a14:useLocalDpi xmlns="" xmlns:a14="http://schemas.microsoft.com/office/drawing/2010/main" val="0"/>
               </a:ext>
             </a:extLst>
           </a:blip>
@@ -16534,14 +16934,14 @@
           </a:ln>
           <a:extLst>
             <a:ext uri="{909E8E84-426E-40DD-AFC4-6F175D3DCCD1}">
-              <a14:hiddenFill xmlns:a14="http://schemas.microsoft.com/office/drawing/2010/main" xmlns="">
+              <a14:hiddenFill xmlns="" xmlns:a14="http://schemas.microsoft.com/office/drawing/2010/main">
                 <a:solidFill>
                   <a:schemeClr val="accent1"/>
                 </a:solidFill>
               </a14:hiddenFill>
             </a:ext>
             <a:ext uri="{91240B29-F687-4F45-9708-019B960494DF}">
-              <a14:hiddenLine xmlns:a14="http://schemas.microsoft.com/office/drawing/2010/main" xmlns="" w="9525">
+              <a14:hiddenLine xmlns="" xmlns:a14="http://schemas.microsoft.com/office/drawing/2010/main" w="9525">
                 <a:solidFill>
                   <a:schemeClr val="tx1"/>
                 </a:solidFill>
@@ -16556,7 +16956,7 @@
     </p:spTree>
     <p:extLst>
       <p:ext uri="{BB962C8B-B14F-4D97-AF65-F5344CB8AC3E}">
-        <p14:creationId xmlns:p14="http://schemas.microsoft.com/office/powerpoint/2010/main" xmlns="" val="2112418618"/>
+        <p14:creationId xmlns="" xmlns:p14="http://schemas.microsoft.com/office/powerpoint/2010/main" val="2112418618"/>
       </p:ext>
     </p:extLst>
   </p:cSld>
@@ -16564,7 +16964,7 @@
     <a:masterClrMapping/>
   </p:clrMapOvr>
   <mc:AlternateContent xmlns:mc="http://schemas.openxmlformats.org/markup-compatibility/2006">
-    <mc:Choice xmlns:p14="http://schemas.microsoft.com/office/powerpoint/2010/main" xmlns="" Requires="p14">
+    <mc:Choice xmlns="" xmlns:p14="http://schemas.microsoft.com/office/powerpoint/2010/main" Requires="p14">
       <p:transition spd="med" p14:dur="700">
         <p:fade/>
       </p:transition>
@@ -16627,6 +17027,9 @@
             <a:pPr algn="ctr"/>
             <a:r>
               <a:rPr lang="es-AR" dirty="0">
+                <a:solidFill>
+                  <a:schemeClr val="accent1"/>
+                </a:solidFill>
                 <a:latin typeface="Segoe UI" panose="020B0502040204020203" pitchFamily="34" charset="0"/>
                 <a:cs typeface="Segoe UI" panose="020B0502040204020203" pitchFamily="34" charset="0"/>
               </a:rPr>
@@ -16634,12 +17037,19 @@
             </a:r>
             <a:r>
               <a:rPr lang="es-AR" dirty="0" smtClean="0">
+                <a:solidFill>
+                  <a:schemeClr val="accent1"/>
+                </a:solidFill>
                 <a:latin typeface="Segoe UI" panose="020B0502040204020203" pitchFamily="34" charset="0"/>
                 <a:cs typeface="Segoe UI" panose="020B0502040204020203" pitchFamily="34" charset="0"/>
               </a:rPr>
               <a:t>existentes</a:t>
             </a:r>
-            <a:endParaRPr lang="es-AR" b="1" dirty="0"/>
+            <a:endParaRPr lang="es-AR" b="1" dirty="0">
+              <a:solidFill>
+                <a:schemeClr val="accent1"/>
+              </a:solidFill>
+            </a:endParaRPr>
           </a:p>
         </p:txBody>
       </p:sp>
@@ -16845,7 +17255,7 @@
           <a:blip r:embed="rId2" cstate="print">
             <a:extLst>
               <a:ext uri="{28A0092B-C50C-407E-A947-70E740481C1C}">
-                <a14:useLocalDpi xmlns:a14="http://schemas.microsoft.com/office/drawing/2010/main" xmlns="" val="0"/>
+                <a14:useLocalDpi xmlns="" xmlns:a14="http://schemas.microsoft.com/office/drawing/2010/main" val="0"/>
               </a:ext>
             </a:extLst>
           </a:blip>
@@ -16868,14 +17278,14 @@
           </a:ln>
           <a:extLst>
             <a:ext uri="{909E8E84-426E-40DD-AFC4-6F175D3DCCD1}">
-              <a14:hiddenFill xmlns:a14="http://schemas.microsoft.com/office/drawing/2010/main" xmlns="">
+              <a14:hiddenFill xmlns="" xmlns:a14="http://schemas.microsoft.com/office/drawing/2010/main">
                 <a:solidFill>
                   <a:schemeClr val="accent1"/>
                 </a:solidFill>
               </a14:hiddenFill>
             </a:ext>
             <a:ext uri="{91240B29-F687-4F45-9708-019B960494DF}">
-              <a14:hiddenLine xmlns:a14="http://schemas.microsoft.com/office/drawing/2010/main" xmlns="" w="9525">
+              <a14:hiddenLine xmlns="" xmlns:a14="http://schemas.microsoft.com/office/drawing/2010/main" w="9525">
                 <a:solidFill>
                   <a:schemeClr val="tx1"/>
                 </a:solidFill>
@@ -16890,7 +17300,7 @@
     </p:spTree>
     <p:extLst>
       <p:ext uri="{BB962C8B-B14F-4D97-AF65-F5344CB8AC3E}">
-        <p14:creationId xmlns:p14="http://schemas.microsoft.com/office/powerpoint/2010/main" xmlns="" val="1393713661"/>
+        <p14:creationId xmlns="" xmlns:p14="http://schemas.microsoft.com/office/powerpoint/2010/main" val="1393713661"/>
       </p:ext>
     </p:extLst>
   </p:cSld>
@@ -16898,7 +17308,7 @@
     <a:masterClrMapping/>
   </p:clrMapOvr>
   <mc:AlternateContent xmlns:mc="http://schemas.openxmlformats.org/markup-compatibility/2006">
-    <mc:Choice xmlns:p14="http://schemas.microsoft.com/office/powerpoint/2010/main" xmlns="" Requires="p14">
+    <mc:Choice xmlns="" xmlns:p14="http://schemas.microsoft.com/office/powerpoint/2010/main" Requires="p14">
       <p:transition spd="med" p14:dur="700">
         <p:fade/>
       </p:transition>

--- a/Presentacion/Fuga de Información.pptx
+++ b/Presentacion/Fuga de Información.pptx
@@ -156,7 +156,7 @@
   </p:defaultTextStyle>
   <p:extLst>
     <p:ext uri="{EFAFB233-063F-42B5-8137-9DF3F51BA10A}">
-      <p15:sldGuideLst xmlns="" xmlns:p15="http://schemas.microsoft.com/office/powerpoint/2012/main">
+      <p15:sldGuideLst xmlns:p15="http://schemas.microsoft.com/office/powerpoint/2012/main">
         <p15:guide id="1" pos="3839" userDrawn="1">
           <p15:clr>
             <a:srgbClr val="A4A3A4"/>
@@ -170,7 +170,7 @@
       </p15:sldGuideLst>
     </p:ext>
     <p:ext uri="{2D200454-40CA-4A62-9FC3-DE9A4176ACB9}">
-      <p15:notesGuideLst xmlns="" xmlns:p15="http://schemas.microsoft.com/office/powerpoint/2012/main"/>
+      <p15:notesGuideLst xmlns:p15="http://schemas.microsoft.com/office/powerpoint/2012/main"/>
     </p:ext>
   </p:extLst>
 </p:presentation>
@@ -335,7 +335,7 @@
     </p:spTree>
     <p:extLst>
       <p:ext uri="{BB962C8B-B14F-4D97-AF65-F5344CB8AC3E}">
-        <p14:creationId xmlns="" xmlns:p14="http://schemas.microsoft.com/office/powerpoint/2010/main" val="3932065745"/>
+        <p14:creationId xmlns:p14="http://schemas.microsoft.com/office/powerpoint/2010/main" val="3932065745"/>
       </p:ext>
     </p:extLst>
   </p:cSld>
@@ -594,7 +594,7 @@
     </p:spTree>
     <p:extLst>
       <p:ext uri="{BB962C8B-B14F-4D97-AF65-F5344CB8AC3E}">
-        <p14:creationId xmlns="" xmlns:p14="http://schemas.microsoft.com/office/powerpoint/2010/main" val="4276579820"/>
+        <p14:creationId xmlns:p14="http://schemas.microsoft.com/office/powerpoint/2010/main" val="4276579820"/>
       </p:ext>
     </p:extLst>
   </p:cSld>
@@ -1089,7 +1089,7 @@
     </p:spTree>
     <p:extLst>
       <p:ext uri="{BB962C8B-B14F-4D97-AF65-F5344CB8AC3E}">
-        <p14:creationId xmlns:p14="http://schemas.microsoft.com/office/powerpoint/2010/main" xmlns="" val="246766428"/>
+        <p14:creationId xmlns:p14="http://schemas.microsoft.com/office/powerpoint/2010/main" val="246766428"/>
       </p:ext>
     </p:extLst>
   </p:cSld>
@@ -1174,7 +1174,7 @@
     </p:spTree>
     <p:extLst>
       <p:ext uri="{BB962C8B-B14F-4D97-AF65-F5344CB8AC3E}">
-        <p14:creationId xmlns="" xmlns:p14="http://schemas.microsoft.com/office/powerpoint/2010/main" val="2425724269"/>
+        <p14:creationId xmlns:p14="http://schemas.microsoft.com/office/powerpoint/2010/main" val="2425724269"/>
       </p:ext>
     </p:extLst>
   </p:cSld>
@@ -1259,7 +1259,7 @@
     </p:spTree>
     <p:extLst>
       <p:ext uri="{BB962C8B-B14F-4D97-AF65-F5344CB8AC3E}">
-        <p14:creationId xmlns="" xmlns:p14="http://schemas.microsoft.com/office/powerpoint/2010/main" val="913013488"/>
+        <p14:creationId xmlns:p14="http://schemas.microsoft.com/office/powerpoint/2010/main" val="913013488"/>
       </p:ext>
     </p:extLst>
   </p:cSld>
@@ -1344,7 +1344,7 @@
     </p:spTree>
     <p:extLst>
       <p:ext uri="{BB962C8B-B14F-4D97-AF65-F5344CB8AC3E}">
-        <p14:creationId xmlns="" xmlns:p14="http://schemas.microsoft.com/office/powerpoint/2010/main" val="3326557915"/>
+        <p14:creationId xmlns:p14="http://schemas.microsoft.com/office/powerpoint/2010/main" val="3326557915"/>
       </p:ext>
     </p:extLst>
   </p:cSld>
@@ -1429,7 +1429,7 @@
     </p:spTree>
     <p:extLst>
       <p:ext uri="{BB962C8B-B14F-4D97-AF65-F5344CB8AC3E}">
-        <p14:creationId xmlns="" xmlns:p14="http://schemas.microsoft.com/office/powerpoint/2010/main" val="3460376957"/>
+        <p14:creationId xmlns:p14="http://schemas.microsoft.com/office/powerpoint/2010/main" val="3460376957"/>
       </p:ext>
     </p:extLst>
   </p:cSld>
@@ -1514,7 +1514,7 @@
     </p:spTree>
     <p:extLst>
       <p:ext uri="{BB962C8B-B14F-4D97-AF65-F5344CB8AC3E}">
-        <p14:creationId xmlns="" xmlns:p14="http://schemas.microsoft.com/office/powerpoint/2010/main" val="4202137938"/>
+        <p14:creationId xmlns:p14="http://schemas.microsoft.com/office/powerpoint/2010/main" val="4202137938"/>
       </p:ext>
     </p:extLst>
   </p:cSld>
@@ -1599,7 +1599,7 @@
     </p:spTree>
     <p:extLst>
       <p:ext uri="{BB962C8B-B14F-4D97-AF65-F5344CB8AC3E}">
-        <p14:creationId xmlns="" xmlns:p14="http://schemas.microsoft.com/office/powerpoint/2010/main" val="2586394931"/>
+        <p14:creationId xmlns:p14="http://schemas.microsoft.com/office/powerpoint/2010/main" val="2586394931"/>
       </p:ext>
     </p:extLst>
   </p:cSld>
@@ -1684,7 +1684,7 @@
     </p:spTree>
     <p:extLst>
       <p:ext uri="{BB962C8B-B14F-4D97-AF65-F5344CB8AC3E}">
-        <p14:creationId xmlns="" xmlns:p14="http://schemas.microsoft.com/office/powerpoint/2010/main" val="1362585539"/>
+        <p14:creationId xmlns:p14="http://schemas.microsoft.com/office/powerpoint/2010/main" val="1362585539"/>
       </p:ext>
     </p:extLst>
   </p:cSld>
@@ -1738,7 +1738,7 @@
           <a:bodyPr/>
           <a:lstStyle/>
           <a:p>
-            <a:pPr marL="0" marR="0" indent="0" algn="l" defTabSz="914400" rtl="0" eaLnBrk="1" fontAlgn="auto" latinLnBrk="0" hangingPunct="1">
+            <a:pPr marL="171450" marR="0" indent="-171450" algn="l" defTabSz="914400" rtl="0" eaLnBrk="1" fontAlgn="auto" latinLnBrk="0" hangingPunct="1">
               <a:lnSpc>
                 <a:spcPct val="100000"/>
               </a:lnSpc>
@@ -1750,8 +1750,8 @@
               </a:spcAft>
               <a:buClrTx/>
               <a:buSzTx/>
-              <a:buFontTx/>
-              <a:buNone/>
+              <a:buFont typeface="Arial" panose="020B0604020202020204" pitchFamily="34" charset="0"/>
+              <a:buChar char="•"/>
               <a:tabLst/>
               <a:defRPr/>
             </a:pPr>
@@ -1765,10 +1765,10 @@
                 <a:ea typeface="+mn-ea"/>
                 <a:cs typeface="+mn-cs"/>
               </a:rPr>
-              <a:t>El siglo XXI se caracteriza por un cambio de la economía tradicional traída en la revolución industrial hacia una </a:t>
-            </a:r>
-            <a:r>
-              <a:rPr lang="es-AR" sz="1200" b="1" kern="1200" dirty="0" smtClean="0">
+              <a:t>Cambio </a:t>
+            </a:r>
+            <a:r>
+              <a:rPr lang="es-AR" sz="1200" kern="1200" dirty="0" smtClean="0">
                 <a:solidFill>
                   <a:schemeClr val="tx1"/>
                 </a:solidFill>
@@ -1777,10 +1777,10 @@
                 <a:ea typeface="+mn-ea"/>
                 <a:cs typeface="+mn-cs"/>
               </a:rPr>
-              <a:t>economía basada en la información.</a:t>
-            </a:r>
-            <a:r>
-              <a:rPr lang="es-AR" sz="1200" kern="1200" dirty="0" smtClean="0">
+              <a:t>de la economía tradicional traída en la revolución industrial hacia una </a:t>
+            </a:r>
+            <a:r>
+              <a:rPr lang="es-AR" sz="1200" b="1" kern="1200" dirty="0" smtClean="0">
                 <a:solidFill>
                   <a:schemeClr val="tx1"/>
                 </a:solidFill>
@@ -1789,10 +1789,8 @@
                 <a:ea typeface="+mn-ea"/>
                 <a:cs typeface="+mn-cs"/>
               </a:rPr>
-              <a:t> Durante esta era, la industria es capaz de explorar las necesidades personales de los consumidores, lo cual trae aparejado una reducción de costos tanto para los consumidores como para las empresas.</a:t>
-            </a:r>
-          </a:p>
-          <a:p>
+              <a:t>economía basada en la información.</a:t>
+            </a:r>
             <a:r>
               <a:rPr lang="es-AR" sz="1200" kern="1200" dirty="0" smtClean="0">
                 <a:solidFill>
@@ -1803,10 +1801,38 @@
                 <a:ea typeface="+mn-ea"/>
                 <a:cs typeface="+mn-cs"/>
               </a:rPr>
-              <a:t>El </a:t>
-            </a:r>
-            <a:r>
-              <a:rPr lang="es-AR" sz="1200" b="1" kern="1200" dirty="0" smtClean="0">
+              <a:t> </a:t>
+            </a:r>
+            <a:endParaRPr lang="es-AR" sz="1200" kern="1200" dirty="0" smtClean="0">
+              <a:solidFill>
+                <a:schemeClr val="tx1"/>
+              </a:solidFill>
+              <a:effectLst/>
+              <a:latin typeface="+mn-lt"/>
+              <a:ea typeface="+mn-ea"/>
+              <a:cs typeface="+mn-cs"/>
+            </a:endParaRPr>
+          </a:p>
+          <a:p>
+            <a:pPr marL="171450" marR="0" indent="-171450" algn="l" defTabSz="914400" rtl="0" eaLnBrk="1" fontAlgn="auto" latinLnBrk="0" hangingPunct="1">
+              <a:lnSpc>
+                <a:spcPct val="100000"/>
+              </a:lnSpc>
+              <a:spcBef>
+                <a:spcPts val="0"/>
+              </a:spcBef>
+              <a:spcAft>
+                <a:spcPts val="0"/>
+              </a:spcAft>
+              <a:buClrTx/>
+              <a:buSzTx/>
+              <a:buFont typeface="Arial" panose="020B0604020202020204" pitchFamily="34" charset="0"/>
+              <a:buChar char="•"/>
+              <a:tabLst/>
+              <a:defRPr/>
+            </a:pPr>
+            <a:r>
+              <a:rPr lang="es-AR" sz="1200" kern="1200" dirty="0" smtClean="0">
                 <a:solidFill>
                   <a:schemeClr val="tx1"/>
                 </a:solidFill>
@@ -1815,7 +1841,7 @@
                 <a:ea typeface="+mn-ea"/>
                 <a:cs typeface="+mn-cs"/>
               </a:rPr>
-              <a:t>principal capital de las empresas tecnológicas</a:t>
+              <a:t>La industria </a:t>
             </a:r>
             <a:r>
               <a:rPr lang="es-AR" sz="1200" kern="1200" dirty="0" smtClean="0">
@@ -1827,7 +1853,251 @@
                 <a:ea typeface="+mn-ea"/>
                 <a:cs typeface="+mn-cs"/>
               </a:rPr>
-              <a:t> lo conforman los bienes o activos intangibles: información, conocimientos, algoritmos, fórmulas, invenciones, procesos, estrategia comercial y bases de datos, entre otros. Las organizaciones del siglo XXI deben estar preparadas para los siguientes desafíos: </a:t>
+              <a:t>es capaz de explorar las necesidades personales de los consumidores, </a:t>
+            </a:r>
+            <a:endParaRPr lang="es-AR" sz="1200" kern="1200" dirty="0" smtClean="0">
+              <a:solidFill>
+                <a:schemeClr val="tx1"/>
+              </a:solidFill>
+              <a:effectLst/>
+              <a:latin typeface="+mn-lt"/>
+              <a:ea typeface="+mn-ea"/>
+              <a:cs typeface="+mn-cs"/>
+            </a:endParaRPr>
+          </a:p>
+          <a:p>
+            <a:pPr marL="171450" marR="0" indent="-171450" algn="l" defTabSz="914400" rtl="0" eaLnBrk="1" fontAlgn="auto" latinLnBrk="0" hangingPunct="1">
+              <a:lnSpc>
+                <a:spcPct val="100000"/>
+              </a:lnSpc>
+              <a:spcBef>
+                <a:spcPts val="0"/>
+              </a:spcBef>
+              <a:spcAft>
+                <a:spcPts val="0"/>
+              </a:spcAft>
+              <a:buClrTx/>
+              <a:buSzTx/>
+              <a:buFont typeface="Arial" panose="020B0604020202020204" pitchFamily="34" charset="0"/>
+              <a:buChar char="•"/>
+              <a:tabLst/>
+              <a:defRPr/>
+            </a:pPr>
+            <a:r>
+              <a:rPr lang="es-AR" sz="1200" kern="1200" dirty="0" smtClean="0">
+                <a:solidFill>
+                  <a:schemeClr val="tx1"/>
+                </a:solidFill>
+                <a:effectLst/>
+                <a:latin typeface="+mn-lt"/>
+                <a:ea typeface="+mn-ea"/>
+                <a:cs typeface="+mn-cs"/>
+              </a:rPr>
+              <a:t>reducción </a:t>
+            </a:r>
+            <a:r>
+              <a:rPr lang="es-AR" sz="1200" kern="1200" dirty="0" smtClean="0">
+                <a:solidFill>
+                  <a:schemeClr val="tx1"/>
+                </a:solidFill>
+                <a:effectLst/>
+                <a:latin typeface="+mn-lt"/>
+                <a:ea typeface="+mn-ea"/>
+                <a:cs typeface="+mn-cs"/>
+              </a:rPr>
+              <a:t>de costos tanto para los consumidores como para las empresas.</a:t>
+            </a:r>
+          </a:p>
+          <a:p>
+            <a:pPr marL="171450" indent="-171450">
+              <a:buFont typeface="Arial" panose="020B0604020202020204" pitchFamily="34" charset="0"/>
+              <a:buChar char="•"/>
+            </a:pPr>
+            <a:r>
+              <a:rPr lang="es-AR" sz="1200" kern="1200" dirty="0" smtClean="0">
+                <a:solidFill>
+                  <a:schemeClr val="tx1"/>
+                </a:solidFill>
+                <a:effectLst/>
+                <a:latin typeface="+mn-lt"/>
+                <a:ea typeface="+mn-ea"/>
+                <a:cs typeface="+mn-cs"/>
+              </a:rPr>
+              <a:t>El </a:t>
+            </a:r>
+            <a:r>
+              <a:rPr lang="es-AR" sz="1200" b="0" kern="1200" dirty="0" smtClean="0">
+                <a:solidFill>
+                  <a:schemeClr val="tx1"/>
+                </a:solidFill>
+                <a:effectLst/>
+                <a:latin typeface="+mn-lt"/>
+                <a:ea typeface="+mn-ea"/>
+                <a:cs typeface="+mn-cs"/>
+              </a:rPr>
+              <a:t>principal capital de las empresas tecnológicas lo </a:t>
+            </a:r>
+            <a:r>
+              <a:rPr lang="es-AR" sz="1200" kern="1200" dirty="0" smtClean="0">
+                <a:solidFill>
+                  <a:schemeClr val="tx1"/>
+                </a:solidFill>
+                <a:effectLst/>
+                <a:latin typeface="+mn-lt"/>
+                <a:ea typeface="+mn-ea"/>
+                <a:cs typeface="+mn-cs"/>
+              </a:rPr>
+              <a:t>conforman los bienes o activos intangibles: </a:t>
+            </a:r>
+            <a:r>
+              <a:rPr lang="es-AR" sz="1200" b="1" kern="1200" dirty="0" smtClean="0">
+                <a:solidFill>
+                  <a:schemeClr val="tx1"/>
+                </a:solidFill>
+                <a:effectLst/>
+                <a:latin typeface="+mn-lt"/>
+                <a:ea typeface="+mn-ea"/>
+                <a:cs typeface="+mn-cs"/>
+              </a:rPr>
+              <a:t>información</a:t>
+            </a:r>
+            <a:r>
+              <a:rPr lang="es-AR" sz="1200" b="1" kern="1200" dirty="0" smtClean="0">
+                <a:solidFill>
+                  <a:schemeClr val="tx1"/>
+                </a:solidFill>
+                <a:effectLst/>
+                <a:latin typeface="+mn-lt"/>
+                <a:ea typeface="+mn-ea"/>
+                <a:cs typeface="+mn-cs"/>
+              </a:rPr>
+              <a:t>, </a:t>
+            </a:r>
+            <a:r>
+              <a:rPr lang="es-AR" sz="1200" b="1" kern="1200" dirty="0" smtClean="0">
+                <a:solidFill>
+                  <a:schemeClr val="tx1"/>
+                </a:solidFill>
+                <a:effectLst/>
+                <a:latin typeface="+mn-lt"/>
+                <a:ea typeface="+mn-ea"/>
+                <a:cs typeface="+mn-cs"/>
+              </a:rPr>
+              <a:t>algoritmos, fórmulas, invenciones, procesos</a:t>
+            </a:r>
+            <a:r>
+              <a:rPr lang="es-AR" sz="1200" kern="1200" dirty="0" smtClean="0">
+                <a:solidFill>
+                  <a:schemeClr val="tx1"/>
+                </a:solidFill>
+                <a:effectLst/>
+                <a:latin typeface="+mn-lt"/>
+                <a:ea typeface="+mn-ea"/>
+                <a:cs typeface="+mn-cs"/>
+              </a:rPr>
+              <a:t>, estrategia comercial y </a:t>
+            </a:r>
+            <a:r>
+              <a:rPr lang="es-AR" sz="1200" b="1" kern="1200" dirty="0" smtClean="0">
+                <a:solidFill>
+                  <a:schemeClr val="tx1"/>
+                </a:solidFill>
+                <a:effectLst/>
+                <a:latin typeface="+mn-lt"/>
+                <a:ea typeface="+mn-ea"/>
+                <a:cs typeface="+mn-cs"/>
+              </a:rPr>
+              <a:t>bases de </a:t>
+            </a:r>
+            <a:r>
+              <a:rPr lang="es-AR" sz="1200" b="1" kern="1200" dirty="0" smtClean="0">
+                <a:solidFill>
+                  <a:schemeClr val="tx1"/>
+                </a:solidFill>
+                <a:effectLst/>
+                <a:latin typeface="+mn-lt"/>
+                <a:ea typeface="+mn-ea"/>
+                <a:cs typeface="+mn-cs"/>
+              </a:rPr>
+              <a:t>datos</a:t>
+            </a:r>
+            <a:endParaRPr lang="es-AR" sz="1200" b="0" kern="1200" dirty="0" smtClean="0">
+              <a:solidFill>
+                <a:schemeClr val="tx1"/>
+              </a:solidFill>
+              <a:effectLst/>
+              <a:latin typeface="+mn-lt"/>
+              <a:ea typeface="+mn-ea"/>
+              <a:cs typeface="+mn-cs"/>
+            </a:endParaRPr>
+          </a:p>
+          <a:p>
+            <a:pPr marL="171450" indent="-171450">
+              <a:buFont typeface="Arial" panose="020B0604020202020204" pitchFamily="34" charset="0"/>
+              <a:buChar char="•"/>
+            </a:pPr>
+            <a:endParaRPr lang="es-AR" sz="1200" kern="1200" dirty="0" smtClean="0">
+              <a:solidFill>
+                <a:schemeClr val="tx1"/>
+              </a:solidFill>
+              <a:effectLst/>
+              <a:latin typeface="+mn-lt"/>
+              <a:ea typeface="+mn-ea"/>
+              <a:cs typeface="+mn-cs"/>
+            </a:endParaRPr>
+          </a:p>
+          <a:p>
+            <a:pPr marL="171450" indent="-171450">
+              <a:buFont typeface="Arial" panose="020B0604020202020204" pitchFamily="34" charset="0"/>
+              <a:buChar char="•"/>
+            </a:pPr>
+            <a:r>
+              <a:rPr lang="es-AR" sz="1200" kern="1200" dirty="0" smtClean="0">
+                <a:solidFill>
+                  <a:schemeClr val="tx1"/>
+                </a:solidFill>
+                <a:effectLst/>
+                <a:latin typeface="+mn-lt"/>
+                <a:ea typeface="+mn-ea"/>
+                <a:cs typeface="+mn-cs"/>
+              </a:rPr>
+              <a:t>Las </a:t>
+            </a:r>
+            <a:r>
+              <a:rPr lang="es-AR" sz="1200" kern="1200" dirty="0" smtClean="0">
+                <a:solidFill>
+                  <a:schemeClr val="tx1"/>
+                </a:solidFill>
+                <a:effectLst/>
+                <a:latin typeface="+mn-lt"/>
+                <a:ea typeface="+mn-ea"/>
+                <a:cs typeface="+mn-cs"/>
+              </a:rPr>
+              <a:t>organizaciones del siglo XXI deben estar preparadas para los siguientes </a:t>
+            </a:r>
+            <a:r>
+              <a:rPr lang="es-AR" sz="1200" b="1" kern="1200" dirty="0" smtClean="0">
+                <a:solidFill>
+                  <a:schemeClr val="tx1"/>
+                </a:solidFill>
+                <a:effectLst/>
+                <a:latin typeface="+mn-lt"/>
+                <a:ea typeface="+mn-ea"/>
+                <a:cs typeface="+mn-cs"/>
+              </a:rPr>
+              <a:t>desafíos</a:t>
+            </a:r>
+            <a:r>
+              <a:rPr lang="es-AR" sz="1200" kern="1200" dirty="0" smtClean="0">
+                <a:solidFill>
+                  <a:schemeClr val="tx1"/>
+                </a:solidFill>
+                <a:effectLst/>
+                <a:latin typeface="+mn-lt"/>
+                <a:ea typeface="+mn-ea"/>
+                <a:cs typeface="+mn-cs"/>
+              </a:rPr>
+              <a:t>: </a:t>
             </a:r>
             <a:endParaRPr lang="en-US" sz="1200" kern="1200" dirty="0" smtClean="0">
               <a:solidFill>
@@ -1840,7 +2110,10 @@
             </a:endParaRPr>
           </a:p>
           <a:p>
-            <a:pPr lvl="0"/>
+            <a:pPr marL="628650" lvl="1" indent="-171450">
+              <a:buFont typeface="Arial" panose="020B0604020202020204" pitchFamily="34" charset="0"/>
+              <a:buChar char="•"/>
+            </a:pPr>
             <a:r>
               <a:rPr lang="es-AR" sz="1200" u="none" strike="noStrike" kern="1200" dirty="0" smtClean="0">
                 <a:solidFill>
@@ -1864,7 +2137,10 @@
             </a:endParaRPr>
           </a:p>
           <a:p>
-            <a:pPr lvl="0"/>
+            <a:pPr marL="628650" lvl="1" indent="-171450">
+              <a:buFont typeface="Arial" panose="020B0604020202020204" pitchFamily="34" charset="0"/>
+              <a:buChar char="•"/>
+            </a:pPr>
             <a:r>
               <a:rPr lang="es-AR" sz="1200" u="none" strike="noStrike" kern="1200" dirty="0" smtClean="0">
                 <a:solidFill>
@@ -1888,7 +2164,10 @@
             </a:endParaRPr>
           </a:p>
           <a:p>
-            <a:pPr lvl="0"/>
+            <a:pPr marL="628650" lvl="1" indent="-171450">
+              <a:buFont typeface="Arial" panose="020B0604020202020204" pitchFamily="34" charset="0"/>
+              <a:buChar char="•"/>
+            </a:pPr>
             <a:r>
               <a:rPr lang="es-AR" sz="1200" u="none" strike="noStrike" kern="1200" dirty="0" smtClean="0">
                 <a:solidFill>
@@ -1912,7 +2191,10 @@
             </a:endParaRPr>
           </a:p>
           <a:p>
-            <a:pPr lvl="0"/>
+            <a:pPr marL="628650" lvl="1" indent="-171450">
+              <a:buFont typeface="Arial" panose="020B0604020202020204" pitchFamily="34" charset="0"/>
+              <a:buChar char="•"/>
+            </a:pPr>
             <a:r>
               <a:rPr lang="es-AR" sz="1200" u="none" strike="noStrike" kern="1200" dirty="0" smtClean="0">
                 <a:solidFill>
@@ -1936,8 +2218,27 @@
             </a:endParaRPr>
           </a:p>
           <a:p>
-            <a:r>
-              <a:rPr lang="es-AR" sz="1200" kern="1200" dirty="0" smtClean="0">
+            <a:pPr marL="171450" indent="-171450">
+              <a:buFont typeface="Arial" panose="020B0604020202020204" pitchFamily="34" charset="0"/>
+              <a:buChar char="•"/>
+            </a:pPr>
+            <a:endParaRPr lang="es-AR" sz="1200" b="1" kern="1200" dirty="0" smtClean="0">
+              <a:solidFill>
+                <a:schemeClr val="tx1"/>
+              </a:solidFill>
+              <a:effectLst/>
+              <a:latin typeface="+mn-lt"/>
+              <a:ea typeface="+mn-ea"/>
+              <a:cs typeface="+mn-cs"/>
+            </a:endParaRPr>
+          </a:p>
+          <a:p>
+            <a:pPr marL="171450" indent="-171450">
+              <a:buFont typeface="Arial" panose="020B0604020202020204" pitchFamily="34" charset="0"/>
+              <a:buChar char="•"/>
+            </a:pPr>
+            <a:r>
+              <a:rPr lang="es-AR" sz="1200" b="1" kern="1200" dirty="0" smtClean="0">
                 <a:solidFill>
                   <a:schemeClr val="tx1"/>
                 </a:solidFill>
@@ -1946,7 +2247,7 @@
                 <a:ea typeface="+mn-ea"/>
                 <a:cs typeface="+mn-cs"/>
               </a:rPr>
-              <a:t>Durante este período, caracterizado por la miniaturización de las computadoras y la </a:t>
+              <a:t>proliferación </a:t>
             </a:r>
             <a:r>
               <a:rPr lang="es-AR" sz="1200" b="1" kern="1200" dirty="0" smtClean="0">
@@ -1958,7 +2259,7 @@
                 <a:ea typeface="+mn-ea"/>
                 <a:cs typeface="+mn-cs"/>
               </a:rPr>
-              <a:t>proliferación de internet </a:t>
+              <a:t>de internet </a:t>
             </a:r>
             <a:r>
               <a:rPr lang="es-AR" sz="1200" kern="1200" dirty="0" smtClean="0">
@@ -1970,7 +2271,169 @@
                 <a:ea typeface="+mn-ea"/>
                 <a:cs typeface="+mn-cs"/>
               </a:rPr>
-              <a:t>desde el año 1990, la fuga de información se ve incrementada gracias a la rápida expansión de los medios de comunicación. Dado que existen más formas de comunicación que se utilizan dentro de las organizaciones, han emergido nuevas formas de fuga de información, como ser la mensajería instantánea, los correos electrónicos, la ingeniería social, etc.</a:t>
+              <a:t>desde el año 1990</a:t>
+            </a:r>
+            <a:r>
+              <a:rPr lang="es-AR" sz="1200" kern="1200" dirty="0" smtClean="0">
+                <a:solidFill>
+                  <a:schemeClr val="tx1"/>
+                </a:solidFill>
+                <a:effectLst/>
+                <a:latin typeface="+mn-lt"/>
+                <a:ea typeface="+mn-ea"/>
+                <a:cs typeface="+mn-cs"/>
+              </a:rPr>
+              <a:t>,</a:t>
+            </a:r>
+          </a:p>
+          <a:p>
+            <a:pPr marL="171450" indent="-171450">
+              <a:buFont typeface="Arial" panose="020B0604020202020204" pitchFamily="34" charset="0"/>
+              <a:buChar char="•"/>
+            </a:pPr>
+            <a:r>
+              <a:rPr lang="es-AR" sz="1200" kern="1200" dirty="0" smtClean="0">
+                <a:solidFill>
+                  <a:schemeClr val="tx1"/>
+                </a:solidFill>
+                <a:effectLst/>
+                <a:latin typeface="+mn-lt"/>
+                <a:ea typeface="+mn-ea"/>
+                <a:cs typeface="+mn-cs"/>
+              </a:rPr>
+              <a:t>la </a:t>
+            </a:r>
+            <a:r>
+              <a:rPr lang="es-AR" sz="1200" kern="1200" dirty="0" smtClean="0">
+                <a:solidFill>
+                  <a:schemeClr val="tx1"/>
+                </a:solidFill>
+                <a:effectLst/>
+                <a:latin typeface="+mn-lt"/>
+                <a:ea typeface="+mn-ea"/>
+                <a:cs typeface="+mn-cs"/>
+              </a:rPr>
+              <a:t>fuga de información se ve incrementada gracias a la rápida expansión de los medios de comunicación. </a:t>
+            </a:r>
+            <a:endParaRPr lang="es-AR" sz="1200" kern="1200" dirty="0" smtClean="0">
+              <a:solidFill>
+                <a:schemeClr val="tx1"/>
+              </a:solidFill>
+              <a:effectLst/>
+              <a:latin typeface="+mn-lt"/>
+              <a:ea typeface="+mn-ea"/>
+              <a:cs typeface="+mn-cs"/>
+            </a:endParaRPr>
+          </a:p>
+          <a:p>
+            <a:pPr marL="171450" indent="-171450">
+              <a:buFont typeface="Arial" panose="020B0604020202020204" pitchFamily="34" charset="0"/>
+              <a:buChar char="•"/>
+            </a:pPr>
+            <a:r>
+              <a:rPr lang="es-AR" sz="1200" kern="1200" dirty="0" smtClean="0">
+                <a:solidFill>
+                  <a:schemeClr val="tx1"/>
+                </a:solidFill>
+                <a:effectLst/>
+                <a:latin typeface="+mn-lt"/>
+                <a:ea typeface="+mn-ea"/>
+                <a:cs typeface="+mn-cs"/>
+              </a:rPr>
+              <a:t>han </a:t>
+            </a:r>
+            <a:r>
+              <a:rPr lang="es-AR" sz="1200" kern="1200" dirty="0" smtClean="0">
+                <a:solidFill>
+                  <a:schemeClr val="tx1"/>
+                </a:solidFill>
+                <a:effectLst/>
+                <a:latin typeface="+mn-lt"/>
+                <a:ea typeface="+mn-ea"/>
+                <a:cs typeface="+mn-cs"/>
+              </a:rPr>
+              <a:t>emergido nuevas formas de fuga de </a:t>
+            </a:r>
+            <a:r>
+              <a:rPr lang="es-AR" sz="1200" kern="1200" dirty="0" smtClean="0">
+                <a:solidFill>
+                  <a:schemeClr val="tx1"/>
+                </a:solidFill>
+                <a:effectLst/>
+                <a:latin typeface="+mn-lt"/>
+                <a:ea typeface="+mn-ea"/>
+                <a:cs typeface="+mn-cs"/>
+              </a:rPr>
+              <a:t>información</a:t>
+            </a:r>
+          </a:p>
+          <a:p>
+            <a:pPr marL="171450" indent="-171450">
+              <a:buFont typeface="Arial" panose="020B0604020202020204" pitchFamily="34" charset="0"/>
+              <a:buChar char="•"/>
+            </a:pPr>
+            <a:endParaRPr lang="es-AR" sz="1200" kern="1200" dirty="0" smtClean="0">
+              <a:solidFill>
+                <a:schemeClr val="tx1"/>
+              </a:solidFill>
+              <a:effectLst/>
+              <a:latin typeface="+mn-lt"/>
+              <a:ea typeface="+mn-ea"/>
+              <a:cs typeface="+mn-cs"/>
+            </a:endParaRPr>
+          </a:p>
+          <a:p>
+            <a:pPr marL="171450" indent="-171450">
+              <a:buFont typeface="Arial" panose="020B0604020202020204" pitchFamily="34" charset="0"/>
+              <a:buChar char="•"/>
+            </a:pPr>
+            <a:r>
+              <a:rPr lang="es-AR" sz="1200" kern="1200" dirty="0" smtClean="0">
+                <a:solidFill>
+                  <a:schemeClr val="tx1"/>
+                </a:solidFill>
+                <a:effectLst/>
+                <a:latin typeface="+mn-lt"/>
+                <a:ea typeface="+mn-ea"/>
+                <a:cs typeface="+mn-cs"/>
+              </a:rPr>
+              <a:t>En </a:t>
+            </a:r>
+            <a:r>
+              <a:rPr lang="es-AR" sz="1200" kern="1200" dirty="0" smtClean="0">
+                <a:solidFill>
+                  <a:schemeClr val="tx1"/>
+                </a:solidFill>
+                <a:effectLst/>
+                <a:latin typeface="+mn-lt"/>
+                <a:ea typeface="+mn-ea"/>
+                <a:cs typeface="+mn-cs"/>
+              </a:rPr>
+              <a:t>el campo de la </a:t>
+            </a:r>
+            <a:r>
+              <a:rPr lang="es-AR" sz="1200" b="1" kern="1200" dirty="0" smtClean="0">
+                <a:solidFill>
+                  <a:schemeClr val="tx1"/>
+                </a:solidFill>
+                <a:effectLst/>
+                <a:latin typeface="+mn-lt"/>
+                <a:ea typeface="+mn-ea"/>
+                <a:cs typeface="+mn-cs"/>
+              </a:rPr>
+              <a:t>medicina</a:t>
+            </a:r>
+            <a:r>
+              <a:rPr lang="es-AR" sz="1200" kern="1200" dirty="0" smtClean="0">
+                <a:solidFill>
+                  <a:schemeClr val="tx1"/>
+                </a:solidFill>
+                <a:effectLst/>
+                <a:latin typeface="+mn-lt"/>
+                <a:ea typeface="+mn-ea"/>
+                <a:cs typeface="+mn-cs"/>
+              </a:rPr>
+              <a:t>, la situación es crítica. La información clínica de los pacientes es almacenada electrónicamente, y esto permite que las autoridades envíen registros de enfermedades a investigadores; en muchas ocasiones esto incluye los nombres y direcciones de los pacientes, sin su consentimiento explícito.</a:t>
             </a:r>
             <a:endParaRPr lang="en-US" sz="1200" kern="1200" dirty="0" smtClean="0">
               <a:solidFill>
@@ -1983,53 +2446,6 @@
             </a:endParaRPr>
           </a:p>
           <a:p>
-            <a:r>
-              <a:rPr lang="es-AR" sz="1200" kern="1200" dirty="0" smtClean="0">
-                <a:solidFill>
-                  <a:schemeClr val="tx1"/>
-                </a:solidFill>
-                <a:effectLst/>
-                <a:latin typeface="+mn-lt"/>
-                <a:ea typeface="+mn-ea"/>
-                <a:cs typeface="+mn-cs"/>
-              </a:rPr>
-              <a:t>En el campo de la </a:t>
-            </a:r>
-            <a:r>
-              <a:rPr lang="es-AR" sz="1200" b="1" kern="1200" dirty="0" smtClean="0">
-                <a:solidFill>
-                  <a:schemeClr val="tx1"/>
-                </a:solidFill>
-                <a:effectLst/>
-                <a:latin typeface="+mn-lt"/>
-                <a:ea typeface="+mn-ea"/>
-                <a:cs typeface="+mn-cs"/>
-              </a:rPr>
-              <a:t>medicina</a:t>
-            </a:r>
-            <a:r>
-              <a:rPr lang="es-AR" sz="1200" kern="1200" dirty="0" smtClean="0">
-                <a:solidFill>
-                  <a:schemeClr val="tx1"/>
-                </a:solidFill>
-                <a:effectLst/>
-                <a:latin typeface="+mn-lt"/>
-                <a:ea typeface="+mn-ea"/>
-                <a:cs typeface="+mn-cs"/>
-              </a:rPr>
-              <a:t>, la situación es crítica. La información clínica de los pacientes es almacenada electrónicamente, y esto permite que las autoridades envíen registros de enfermedades a investigadores; en muchas ocasiones esto incluye los nombres y direcciones de los pacientes, sin su consentimiento explícito.</a:t>
-            </a:r>
-            <a:endParaRPr lang="en-US" sz="1200" kern="1200" dirty="0" smtClean="0">
-              <a:solidFill>
-                <a:schemeClr val="tx1"/>
-              </a:solidFill>
-              <a:effectLst/>
-              <a:latin typeface="+mn-lt"/>
-              <a:ea typeface="+mn-ea"/>
-              <a:cs typeface="+mn-cs"/>
-            </a:endParaRPr>
-          </a:p>
-          <a:p>
             <a:endParaRPr lang="en-US" dirty="0"/>
           </a:p>
         </p:txBody>
@@ -2061,7 +2477,7 @@
     </p:spTree>
     <p:extLst>
       <p:ext uri="{BB962C8B-B14F-4D97-AF65-F5344CB8AC3E}">
-        <p14:creationId xmlns="" xmlns:p14="http://schemas.microsoft.com/office/powerpoint/2010/main" val="3805029774"/>
+        <p14:creationId xmlns:p14="http://schemas.microsoft.com/office/powerpoint/2010/main" val="3805029774"/>
       </p:ext>
     </p:extLst>
   </p:cSld>
@@ -2115,696 +2531,183 @@
           <a:bodyPr/>
           <a:lstStyle/>
           <a:p>
-            <a:r>
-              <a:rPr lang="es-AR" dirty="0" err="1" smtClean="0"/>
-              <a:t>Wikileaks</a:t>
-            </a:r>
-            <a:endParaRPr lang="es-AR" dirty="0" smtClean="0"/>
-          </a:p>
-          <a:p>
-            <a:r>
-              <a:rPr lang="en-US" sz="1200" b="0" i="0" kern="1200" dirty="0" smtClean="0">
-                <a:solidFill>
-                  <a:schemeClr val="tx1"/>
-                </a:solidFill>
-                <a:effectLst/>
-                <a:latin typeface="+mn-lt"/>
-                <a:ea typeface="+mn-ea"/>
-                <a:cs typeface="+mn-cs"/>
-              </a:rPr>
-              <a:t> the site exists to "ensure the legally and technically protected retrieval of information from anonymous sources and to make available this information for the general public." It provides a secure online submission system for whistleblowers to upload documents, which WikiLeaks then makes available globally over the Web. </a:t>
-            </a:r>
-          </a:p>
-          <a:p>
-            <a:r>
-              <a:rPr lang="en-US" sz="1200" b="0" i="0" kern="1200" dirty="0" smtClean="0">
-                <a:solidFill>
-                  <a:schemeClr val="tx1"/>
-                </a:solidFill>
-                <a:effectLst/>
-                <a:latin typeface="+mn-lt"/>
-                <a:ea typeface="+mn-ea"/>
-                <a:cs typeface="+mn-cs"/>
-              </a:rPr>
-              <a:t>In June 2013, the first of Snowden's documents were published simultaneously </a:t>
-            </a:r>
-            <a:r>
-              <a:rPr lang="en-US" sz="1200" b="0" i="0" kern="1200" dirty="0" err="1" smtClean="0">
-                <a:solidFill>
-                  <a:schemeClr val="tx1"/>
-                </a:solidFill>
-                <a:effectLst/>
-                <a:latin typeface="+mn-lt"/>
-                <a:ea typeface="+mn-ea"/>
-                <a:cs typeface="+mn-cs"/>
-              </a:rPr>
-              <a:t>by</a:t>
-            </a:r>
-            <a:r>
-              <a:rPr lang="en-US" sz="1200" b="0" i="1" u="none" strike="noStrike" kern="1200" dirty="0" err="1" smtClean="0">
-                <a:solidFill>
-                  <a:schemeClr val="tx1"/>
-                </a:solidFill>
-                <a:effectLst/>
-                <a:latin typeface="+mn-lt"/>
-                <a:ea typeface="+mn-ea"/>
-                <a:cs typeface="+mn-cs"/>
-                <a:hlinkClick r:id="rId3" tooltip="The Washington Post"/>
-              </a:rPr>
-              <a:t>The</a:t>
-            </a:r>
-            <a:r>
-              <a:rPr lang="en-US" sz="1200" b="0" i="1" u="none" strike="noStrike" kern="1200" dirty="0" smtClean="0">
-                <a:solidFill>
-                  <a:schemeClr val="tx1"/>
-                </a:solidFill>
-                <a:effectLst/>
-                <a:latin typeface="+mn-lt"/>
-                <a:ea typeface="+mn-ea"/>
-                <a:cs typeface="+mn-cs"/>
-                <a:hlinkClick r:id="rId3" tooltip="The Washington Post"/>
-              </a:rPr>
-              <a:t> Washington Post</a:t>
-            </a:r>
-            <a:r>
-              <a:rPr lang="en-US" sz="1200" b="0" i="0" kern="1200" dirty="0" smtClean="0">
-                <a:solidFill>
-                  <a:schemeClr val="tx1"/>
-                </a:solidFill>
-                <a:effectLst/>
-                <a:latin typeface="+mn-lt"/>
-                <a:ea typeface="+mn-ea"/>
-                <a:cs typeface="+mn-cs"/>
-              </a:rPr>
-              <a:t> and </a:t>
-            </a:r>
-            <a:r>
-              <a:rPr lang="en-US" sz="1200" b="0" i="1" u="none" strike="noStrike" kern="1200" dirty="0" smtClean="0">
-                <a:solidFill>
-                  <a:schemeClr val="tx1"/>
-                </a:solidFill>
-                <a:effectLst/>
-                <a:latin typeface="+mn-lt"/>
-                <a:ea typeface="+mn-ea"/>
-                <a:cs typeface="+mn-cs"/>
-                <a:hlinkClick r:id="rId4" tooltip="The Guardian"/>
-              </a:rPr>
-              <a:t>The Guardian</a:t>
-            </a:r>
-            <a:r>
-              <a:rPr lang="en-US" sz="1200" b="0" i="0" kern="1200" dirty="0" smtClean="0">
-                <a:solidFill>
-                  <a:schemeClr val="tx1"/>
-                </a:solidFill>
-                <a:effectLst/>
-                <a:latin typeface="+mn-lt"/>
-                <a:ea typeface="+mn-ea"/>
-                <a:cs typeface="+mn-cs"/>
-              </a:rPr>
-              <a:t>, attracting considerable public attention.</a:t>
-            </a:r>
-            <a:r>
-              <a:rPr lang="en-US" sz="1200" b="0" i="0" u="none" strike="noStrike" kern="1200" baseline="30000" dirty="0" smtClean="0">
-                <a:solidFill>
-                  <a:schemeClr val="tx1"/>
-                </a:solidFill>
-                <a:effectLst/>
-                <a:latin typeface="+mn-lt"/>
-                <a:ea typeface="+mn-ea"/>
-                <a:cs typeface="+mn-cs"/>
-                <a:hlinkClick r:id="rId5"/>
-              </a:rPr>
-              <a:t>[3]</a:t>
-            </a:r>
-            <a:r>
-              <a:rPr lang="en-US" sz="1200" b="0" i="0" kern="1200" dirty="0" smtClean="0">
-                <a:solidFill>
-                  <a:schemeClr val="tx1"/>
-                </a:solidFill>
-                <a:effectLst/>
-                <a:latin typeface="+mn-lt"/>
-                <a:ea typeface="+mn-ea"/>
-                <a:cs typeface="+mn-cs"/>
-              </a:rPr>
-              <a:t> The disclosure continued throughout the entire year of 2013, and a significant portion of the full cache of the estimated 1.7 million documents</a:t>
-            </a:r>
-            <a:r>
-              <a:rPr lang="en-US" sz="1200" b="0" i="0" u="none" strike="noStrike" kern="1200" baseline="30000" dirty="0" smtClean="0">
-                <a:solidFill>
-                  <a:schemeClr val="tx1"/>
-                </a:solidFill>
-                <a:effectLst/>
-                <a:latin typeface="+mn-lt"/>
-                <a:ea typeface="+mn-ea"/>
-                <a:cs typeface="+mn-cs"/>
-                <a:hlinkClick r:id="rId5"/>
-              </a:rPr>
-              <a:t>[4]</a:t>
-            </a:r>
-            <a:r>
-              <a:rPr lang="en-US" sz="1200" b="0" i="0" kern="1200" dirty="0" smtClean="0">
-                <a:solidFill>
-                  <a:schemeClr val="tx1"/>
-                </a:solidFill>
-                <a:effectLst/>
-                <a:latin typeface="+mn-lt"/>
-                <a:ea typeface="+mn-ea"/>
-                <a:cs typeface="+mn-cs"/>
-              </a:rPr>
-              <a:t> was later obtained and published by many other media outlets worldwide,</a:t>
-            </a:r>
-          </a:p>
-          <a:p>
-            <a:r>
-              <a:rPr lang="en-US" sz="1200" b="0" i="0" kern="1200" dirty="0" smtClean="0">
-                <a:solidFill>
-                  <a:schemeClr val="tx1"/>
-                </a:solidFill>
-                <a:effectLst/>
-                <a:latin typeface="+mn-lt"/>
-                <a:ea typeface="+mn-ea"/>
-                <a:cs typeface="+mn-cs"/>
-              </a:rPr>
-              <a:t>On June 14, 2013, United States </a:t>
-            </a:r>
-            <a:r>
-              <a:rPr lang="en-US" sz="1200" b="0" i="0" u="none" strike="noStrike" kern="1200" dirty="0" smtClean="0">
-                <a:solidFill>
-                  <a:schemeClr val="tx1"/>
-                </a:solidFill>
-                <a:effectLst/>
-                <a:latin typeface="+mn-lt"/>
-                <a:ea typeface="+mn-ea"/>
-                <a:cs typeface="+mn-cs"/>
-                <a:hlinkClick r:id="rId6" tooltip="Prosecutor"/>
-              </a:rPr>
-              <a:t>prosecutors</a:t>
-            </a:r>
-            <a:r>
-              <a:rPr lang="en-US" sz="1200" b="0" i="0" kern="1200" dirty="0" smtClean="0">
-                <a:solidFill>
-                  <a:schemeClr val="tx1"/>
-                </a:solidFill>
-                <a:effectLst/>
-                <a:latin typeface="+mn-lt"/>
-                <a:ea typeface="+mn-ea"/>
-                <a:cs typeface="+mn-cs"/>
-              </a:rPr>
-              <a:t> </a:t>
-            </a:r>
-            <a:r>
-              <a:rPr lang="en-US" sz="1200" b="0" i="0" u="none" strike="noStrike" kern="1200" dirty="0" smtClean="0">
-                <a:solidFill>
-                  <a:schemeClr val="tx1"/>
-                </a:solidFill>
-                <a:effectLst/>
-                <a:latin typeface="+mn-lt"/>
-                <a:ea typeface="+mn-ea"/>
-                <a:cs typeface="+mn-cs"/>
-                <a:hlinkClick r:id="rId7" tooltip="Criminal charge"/>
-              </a:rPr>
-              <a:t>charged</a:t>
-            </a:r>
-            <a:r>
-              <a:rPr lang="en-US" sz="1200" b="0" i="0" kern="1200" dirty="0" smtClean="0">
-                <a:solidFill>
-                  <a:schemeClr val="tx1"/>
-                </a:solidFill>
-                <a:effectLst/>
-                <a:latin typeface="+mn-lt"/>
-                <a:ea typeface="+mn-ea"/>
-                <a:cs typeface="+mn-cs"/>
-              </a:rPr>
-              <a:t> Edward Snowden with </a:t>
-            </a:r>
-            <a:r>
-              <a:rPr lang="en-US" sz="1200" b="0" i="0" u="none" strike="noStrike" kern="1200" dirty="0" smtClean="0">
-                <a:solidFill>
-                  <a:schemeClr val="tx1"/>
-                </a:solidFill>
-                <a:effectLst/>
-                <a:latin typeface="+mn-lt"/>
-                <a:ea typeface="+mn-ea"/>
-                <a:cs typeface="+mn-cs"/>
-                <a:hlinkClick r:id="rId8" tooltip="Espionage Act of 1917"/>
-              </a:rPr>
-              <a:t>espionage</a:t>
-            </a:r>
-            <a:r>
-              <a:rPr lang="en-US" sz="1200" b="0" i="0" kern="1200" dirty="0" smtClean="0">
-                <a:solidFill>
-                  <a:schemeClr val="tx1"/>
-                </a:solidFill>
-                <a:effectLst/>
-                <a:latin typeface="+mn-lt"/>
-                <a:ea typeface="+mn-ea"/>
-                <a:cs typeface="+mn-cs"/>
-              </a:rPr>
-              <a:t> and </a:t>
-            </a:r>
-            <a:r>
-              <a:rPr lang="en-US" sz="1200" b="0" i="0" u="none" strike="noStrike" kern="1200" dirty="0" smtClean="0">
-                <a:solidFill>
-                  <a:schemeClr val="tx1"/>
-                </a:solidFill>
-                <a:effectLst/>
-                <a:latin typeface="+mn-lt"/>
-                <a:ea typeface="+mn-ea"/>
-                <a:cs typeface="+mn-cs"/>
-                <a:hlinkClick r:id="rId9" tooltip="Theft of property"/>
-              </a:rPr>
-              <a:t>theft of government property</a:t>
-            </a:r>
-            <a:r>
-              <a:rPr lang="en-US" sz="1200" b="0" i="0" kern="1200" dirty="0" smtClean="0">
-                <a:solidFill>
-                  <a:schemeClr val="tx1"/>
-                </a:solidFill>
-                <a:effectLst/>
-                <a:latin typeface="+mn-lt"/>
-                <a:ea typeface="+mn-ea"/>
-                <a:cs typeface="+mn-cs"/>
-              </a:rPr>
-              <a:t>.</a:t>
-            </a:r>
-            <a:r>
-              <a:rPr lang="en-US" sz="1200" b="0" i="0" u="none" strike="noStrike" kern="1200" baseline="30000" dirty="0" smtClean="0">
-                <a:solidFill>
-                  <a:schemeClr val="tx1"/>
-                </a:solidFill>
-                <a:effectLst/>
-                <a:latin typeface="+mn-lt"/>
-                <a:ea typeface="+mn-ea"/>
-                <a:cs typeface="+mn-cs"/>
-                <a:hlinkClick r:id="rId5"/>
-              </a:rPr>
-              <a:t>[16]</a:t>
-            </a:r>
-            <a:r>
-              <a:rPr lang="en-US" sz="1200" b="0" i="0" kern="1200" dirty="0" smtClean="0">
-                <a:solidFill>
-                  <a:schemeClr val="tx1"/>
-                </a:solidFill>
-                <a:effectLst/>
-                <a:latin typeface="+mn-lt"/>
-                <a:ea typeface="+mn-ea"/>
-                <a:cs typeface="+mn-cs"/>
-              </a:rPr>
-              <a:t> In late July 2013, he was granted a one year temporary </a:t>
-            </a:r>
-            <a:r>
-              <a:rPr lang="en-US" sz="1200" b="0" i="0" u="none" strike="noStrike" kern="1200" dirty="0" smtClean="0">
-                <a:solidFill>
-                  <a:schemeClr val="tx1"/>
-                </a:solidFill>
-                <a:effectLst/>
-                <a:latin typeface="+mn-lt"/>
-                <a:ea typeface="+mn-ea"/>
-                <a:cs typeface="+mn-cs"/>
-                <a:hlinkClick r:id="rId10" tooltip="Right of asylum"/>
-              </a:rPr>
-              <a:t>asylum</a:t>
-            </a:r>
-            <a:r>
-              <a:rPr lang="en-US" sz="1200" b="0" i="0" kern="1200" dirty="0" smtClean="0">
-                <a:solidFill>
-                  <a:schemeClr val="tx1"/>
-                </a:solidFill>
-                <a:effectLst/>
-                <a:latin typeface="+mn-lt"/>
-                <a:ea typeface="+mn-ea"/>
-                <a:cs typeface="+mn-cs"/>
-              </a:rPr>
-              <a:t> by the Russian government,</a:t>
-            </a:r>
-            <a:r>
-              <a:rPr lang="en-US" sz="1200" b="0" i="0" u="none" strike="noStrike" kern="1200" baseline="30000" dirty="0" smtClean="0">
-                <a:solidFill>
-                  <a:schemeClr val="tx1"/>
-                </a:solidFill>
-                <a:effectLst/>
-                <a:latin typeface="+mn-lt"/>
-                <a:ea typeface="+mn-ea"/>
-                <a:cs typeface="+mn-cs"/>
-                <a:hlinkClick r:id="rId5"/>
-              </a:rPr>
-              <a:t>[17]</a:t>
-            </a:r>
-            <a:r>
-              <a:rPr lang="en-US" sz="1200" b="0" i="0" kern="1200" dirty="0" smtClean="0">
-                <a:solidFill>
-                  <a:schemeClr val="tx1"/>
-                </a:solidFill>
-                <a:effectLst/>
-                <a:latin typeface="+mn-lt"/>
-                <a:ea typeface="+mn-ea"/>
-                <a:cs typeface="+mn-cs"/>
-              </a:rPr>
-              <a:t> contributing to a deterioration of </a:t>
-            </a:r>
-            <a:r>
-              <a:rPr lang="en-US" sz="1200" b="0" i="0" u="none" strike="noStrike" kern="1200" dirty="0" smtClean="0">
-                <a:solidFill>
-                  <a:schemeClr val="tx1"/>
-                </a:solidFill>
-                <a:effectLst/>
-                <a:latin typeface="+mn-lt"/>
-                <a:ea typeface="+mn-ea"/>
-                <a:cs typeface="+mn-cs"/>
-                <a:hlinkClick r:id="rId11" tooltip="Russia–United States relations"/>
-              </a:rPr>
-              <a:t>Russia–United States relations</a:t>
-            </a:r>
-            <a:r>
-              <a:rPr lang="en-US" sz="1200" b="0" i="0" kern="1200" dirty="0" smtClean="0">
-                <a:solidFill>
-                  <a:schemeClr val="tx1"/>
-                </a:solidFill>
-                <a:effectLst/>
-                <a:latin typeface="+mn-lt"/>
-                <a:ea typeface="+mn-ea"/>
-                <a:cs typeface="+mn-cs"/>
-              </a:rPr>
-              <a:t>.</a:t>
-            </a:r>
-            <a:r>
-              <a:rPr lang="es-ES" sz="1200" b="1" i="0" kern="1200" dirty="0" smtClean="0">
-                <a:solidFill>
-                  <a:schemeClr val="tx1"/>
-                </a:solidFill>
-                <a:effectLst/>
-                <a:latin typeface="+mn-lt"/>
-                <a:ea typeface="+mn-ea"/>
-                <a:cs typeface="+mn-cs"/>
-              </a:rPr>
-              <a:t> </a:t>
-            </a:r>
-          </a:p>
-          <a:p>
-            <a:endParaRPr lang="es-ES" sz="1200" b="1" i="0" kern="1200" dirty="0" smtClean="0">
-              <a:solidFill>
-                <a:schemeClr val="tx1"/>
-              </a:solidFill>
-              <a:effectLst/>
-              <a:latin typeface="+mn-lt"/>
-              <a:ea typeface="+mn-ea"/>
-              <a:cs typeface="+mn-cs"/>
+            <a:pPr marL="171450" indent="-171450">
+              <a:buFont typeface="Arial" panose="020B0604020202020204" pitchFamily="34" charset="0"/>
+              <a:buChar char="•"/>
+            </a:pPr>
+            <a:r>
+              <a:rPr lang="es-AR" b="1" dirty="0" smtClean="0"/>
+              <a:t>WikiLeaks</a:t>
+            </a:r>
+            <a:r>
+              <a:rPr lang="es-AR" dirty="0" smtClean="0"/>
+              <a:t> provee acceso publico a documentos</a:t>
+            </a:r>
+            <a:r>
+              <a:rPr lang="es-AR" baseline="0" dirty="0" smtClean="0"/>
+              <a:t> confidenciales, protegiendo a quienes los envían</a:t>
+            </a:r>
+          </a:p>
+          <a:p>
+            <a:pPr marL="171450" indent="-171450">
+              <a:buFont typeface="Arial" panose="020B0604020202020204" pitchFamily="34" charset="0"/>
+              <a:buChar char="•"/>
+            </a:pPr>
+            <a:r>
+              <a:rPr lang="es-AR" baseline="0" dirty="0" smtClean="0"/>
+              <a:t>2013 se publican 1,7 millones de documentos</a:t>
+            </a:r>
+          </a:p>
+          <a:p>
+            <a:pPr marL="171450" indent="-171450">
+              <a:buFont typeface="Arial" panose="020B0604020202020204" pitchFamily="34" charset="0"/>
+              <a:buChar char="•"/>
+            </a:pPr>
+            <a:r>
+              <a:rPr lang="es-AR" baseline="0" dirty="0" smtClean="0"/>
+              <a:t>Estados Unidos acusa a </a:t>
+            </a:r>
+            <a:r>
+              <a:rPr lang="es-AR" baseline="0" dirty="0" err="1" smtClean="0"/>
+              <a:t>Snowden</a:t>
+            </a:r>
+            <a:r>
+              <a:rPr lang="es-AR" baseline="0" dirty="0" smtClean="0"/>
+              <a:t> de espionaje y robo de propiedad del gobierno</a:t>
+            </a:r>
+          </a:p>
+          <a:p>
+            <a:pPr marL="171450" indent="-171450">
+              <a:buFont typeface="Arial" panose="020B0604020202020204" pitchFamily="34" charset="0"/>
+              <a:buChar char="•"/>
+            </a:pPr>
+            <a:r>
+              <a:rPr lang="es-AR" baseline="0" dirty="0" err="1" smtClean="0"/>
+              <a:t>Snowden</a:t>
+            </a:r>
+            <a:r>
+              <a:rPr lang="es-AR" baseline="0" dirty="0" smtClean="0"/>
+              <a:t> recibe asilo temporal en Rusia </a:t>
+            </a:r>
+            <a:r>
+              <a:rPr lang="es-AR" baseline="0" dirty="0" smtClean="0">
+                <a:sym typeface="Wingdings" panose="05000000000000000000" pitchFamily="2" charset="2"/>
+              </a:rPr>
+              <a:t> complica relaciones internacionales</a:t>
+            </a:r>
+          </a:p>
+          <a:p>
+            <a:pPr marL="171450" indent="-171450">
+              <a:buFont typeface="Arial" panose="020B0604020202020204" pitchFamily="34" charset="0"/>
+              <a:buChar char="•"/>
+            </a:pPr>
+            <a:endParaRPr lang="es-AR" baseline="0" dirty="0" smtClean="0">
+              <a:sym typeface="Wingdings" panose="05000000000000000000" pitchFamily="2" charset="2"/>
             </a:endParaRPr>
           </a:p>
           <a:p>
-            <a:r>
-              <a:rPr lang="en-US" sz="1200" b="0" i="0" kern="1200" dirty="0" smtClean="0">
-                <a:solidFill>
-                  <a:schemeClr val="tx1"/>
-                </a:solidFill>
-                <a:effectLst/>
-                <a:latin typeface="+mn-lt"/>
-                <a:ea typeface="+mn-ea"/>
-                <a:cs typeface="+mn-cs"/>
-              </a:rPr>
-              <a:t>Apple later reported that the victims' iCloud account information was obtained using "a very targeted attack on user names, passwords and security questions", such as </a:t>
-            </a:r>
-            <a:r>
-              <a:rPr lang="en-US" sz="1200" b="0" i="0" u="none" strike="noStrike" kern="1200" dirty="0" smtClean="0">
-                <a:solidFill>
-                  <a:schemeClr val="tx1"/>
-                </a:solidFill>
-                <a:effectLst/>
-                <a:latin typeface="+mn-lt"/>
-                <a:ea typeface="+mn-ea"/>
-                <a:cs typeface="+mn-cs"/>
-                <a:hlinkClick r:id="rId12" tooltip="Phishing"/>
-              </a:rPr>
-              <a:t>phishing</a:t>
-            </a:r>
-            <a:r>
-              <a:rPr lang="en-US" sz="1200" b="0" i="0" kern="1200" dirty="0" smtClean="0">
-                <a:solidFill>
-                  <a:schemeClr val="tx1"/>
-                </a:solidFill>
-                <a:effectLst/>
-                <a:latin typeface="+mn-lt"/>
-                <a:ea typeface="+mn-ea"/>
-                <a:cs typeface="+mn-cs"/>
-              </a:rPr>
-              <a:t> and </a:t>
-            </a:r>
-            <a:r>
-              <a:rPr lang="en-US" sz="1200" b="0" i="0" u="none" strike="noStrike" kern="1200" dirty="0" smtClean="0">
-                <a:solidFill>
-                  <a:schemeClr val="tx1"/>
-                </a:solidFill>
-                <a:effectLst/>
-                <a:latin typeface="+mn-lt"/>
-                <a:ea typeface="+mn-ea"/>
-                <a:cs typeface="+mn-cs"/>
-                <a:hlinkClick r:id="rId13" tooltip="Brute force method"/>
-              </a:rPr>
-              <a:t>brute-force</a:t>
-            </a:r>
-            <a:r>
-              <a:rPr lang="en-US" sz="1200" b="0" i="0" kern="1200" dirty="0" smtClean="0">
-                <a:solidFill>
-                  <a:schemeClr val="tx1"/>
-                </a:solidFill>
-                <a:effectLst/>
-                <a:latin typeface="+mn-lt"/>
-                <a:ea typeface="+mn-ea"/>
-                <a:cs typeface="+mn-cs"/>
-              </a:rPr>
-              <a:t> guessing, rather than any specific vulnerability in the iCloud service itself.</a:t>
-            </a:r>
-            <a:r>
-              <a:rPr lang="en-US" sz="1200" b="0" i="0" u="none" strike="noStrike" kern="1200" baseline="30000" dirty="0" smtClean="0">
-                <a:solidFill>
-                  <a:schemeClr val="tx1"/>
-                </a:solidFill>
-                <a:effectLst/>
-                <a:latin typeface="+mn-lt"/>
-                <a:ea typeface="+mn-ea"/>
-                <a:cs typeface="+mn-cs"/>
-                <a:hlinkClick r:id="rId14"/>
-              </a:rPr>
-              <a:t>[</a:t>
-            </a:r>
-            <a:endParaRPr lang="es-ES" sz="1200" b="1" i="0" kern="1200" dirty="0" smtClean="0">
-              <a:solidFill>
-                <a:schemeClr val="tx1"/>
-              </a:solidFill>
-              <a:effectLst/>
-              <a:latin typeface="+mn-lt"/>
-              <a:ea typeface="+mn-ea"/>
-              <a:cs typeface="+mn-cs"/>
+            <a:pPr marL="171450" indent="-171450">
+              <a:buFont typeface="Arial" panose="020B0604020202020204" pitchFamily="34" charset="0"/>
+              <a:buChar char="•"/>
+            </a:pPr>
+            <a:r>
+              <a:rPr lang="es-AR" b="1" baseline="0" dirty="0" smtClean="0">
+                <a:sym typeface="Wingdings" panose="05000000000000000000" pitchFamily="2" charset="2"/>
+              </a:rPr>
+              <a:t>Robo de iCloud: </a:t>
+            </a:r>
+            <a:r>
+              <a:rPr lang="es-AR" baseline="0" dirty="0" smtClean="0">
+                <a:sym typeface="Wingdings" panose="05000000000000000000" pitchFamily="2" charset="2"/>
+              </a:rPr>
+              <a:t>no fue por vulnerabilidades, sino por ataques por fuerza bruta a las contraseñas</a:t>
+            </a:r>
+          </a:p>
+          <a:p>
+            <a:pPr marL="171450" indent="-171450">
+              <a:buFont typeface="Arial" panose="020B0604020202020204" pitchFamily="34" charset="0"/>
+              <a:buChar char="•"/>
+            </a:pPr>
+            <a:endParaRPr lang="es-AR" baseline="0" dirty="0" smtClean="0">
+              <a:sym typeface="Wingdings" panose="05000000000000000000" pitchFamily="2" charset="2"/>
             </a:endParaRPr>
           </a:p>
           <a:p>
-            <a:endParaRPr lang="es-ES" sz="1200" b="1" i="0" kern="1200" dirty="0" smtClean="0">
-              <a:solidFill>
-                <a:schemeClr val="tx1"/>
-              </a:solidFill>
-              <a:effectLst/>
-              <a:latin typeface="+mn-lt"/>
-              <a:ea typeface="+mn-ea"/>
-              <a:cs typeface="+mn-cs"/>
-            </a:endParaRPr>
-          </a:p>
-          <a:p>
-            <a:r>
-              <a:rPr lang="es-ES" sz="1200" b="1" i="0" kern="1200" dirty="0" err="1" smtClean="0">
-                <a:solidFill>
-                  <a:schemeClr val="tx1"/>
-                </a:solidFill>
-                <a:effectLst/>
-                <a:latin typeface="+mn-lt"/>
-                <a:ea typeface="+mn-ea"/>
-                <a:cs typeface="+mn-cs"/>
+            <a:pPr marL="171450" indent="-171450">
+              <a:buFont typeface="Arial" panose="020B0604020202020204" pitchFamily="34" charset="0"/>
+              <a:buChar char="•"/>
+            </a:pPr>
+            <a:r>
+              <a:rPr lang="es-AR" b="1" baseline="0" dirty="0" err="1" smtClean="0">
+                <a:sym typeface="Wingdings" panose="05000000000000000000" pitchFamily="2" charset="2"/>
               </a:rPr>
               <a:t>Heartbleed</a:t>
             </a:r>
             <a:r>
-              <a:rPr lang="es-ES" sz="1200" b="0" i="0" kern="1200" dirty="0" smtClean="0">
-                <a:solidFill>
-                  <a:schemeClr val="tx1"/>
-                </a:solidFill>
-                <a:effectLst/>
-                <a:latin typeface="+mn-lt"/>
-                <a:ea typeface="+mn-ea"/>
-                <a:cs typeface="+mn-cs"/>
-              </a:rPr>
-              <a:t> un </a:t>
-            </a:r>
-            <a:r>
-              <a:rPr lang="es-ES" sz="1200" b="0" i="0" u="none" strike="noStrike" kern="1200" dirty="0" smtClean="0">
-                <a:solidFill>
-                  <a:schemeClr val="tx1"/>
-                </a:solidFill>
-                <a:effectLst/>
-                <a:latin typeface="+mn-lt"/>
-                <a:ea typeface="+mn-ea"/>
-                <a:cs typeface="+mn-cs"/>
-                <a:hlinkClick r:id="rId15" tooltip="Agujero de seguridad"/>
-              </a:rPr>
-              <a:t>agujero de seguridad</a:t>
-            </a:r>
-            <a:r>
-              <a:rPr lang="es-ES" sz="1200" b="0" i="0" kern="1200" dirty="0" smtClean="0">
-                <a:solidFill>
-                  <a:schemeClr val="tx1"/>
-                </a:solidFill>
-                <a:effectLst/>
-                <a:latin typeface="+mn-lt"/>
-                <a:ea typeface="+mn-ea"/>
-                <a:cs typeface="+mn-cs"/>
-              </a:rPr>
-              <a:t> (</a:t>
-            </a:r>
-            <a:r>
-              <a:rPr lang="es-ES" sz="1200" b="0" i="1" kern="1200" dirty="0" smtClean="0">
-                <a:solidFill>
-                  <a:schemeClr val="tx1"/>
-                </a:solidFill>
-                <a:effectLst/>
-                <a:latin typeface="+mn-lt"/>
-                <a:ea typeface="+mn-ea"/>
-                <a:cs typeface="+mn-cs"/>
-              </a:rPr>
-              <a:t>bug</a:t>
-            </a:r>
-            <a:r>
-              <a:rPr lang="es-ES" sz="1200" b="0" i="0" kern="1200" dirty="0" smtClean="0">
-                <a:solidFill>
-                  <a:schemeClr val="tx1"/>
-                </a:solidFill>
-                <a:effectLst/>
-                <a:latin typeface="+mn-lt"/>
-                <a:ea typeface="+mn-ea"/>
-                <a:cs typeface="+mn-cs"/>
-              </a:rPr>
-              <a:t>) de software en la </a:t>
-            </a:r>
-            <a:r>
-              <a:rPr lang="es-ES" sz="1200" b="0" i="0" u="none" strike="noStrike" kern="1200" dirty="0" smtClean="0">
-                <a:solidFill>
-                  <a:schemeClr val="tx1"/>
-                </a:solidFill>
-                <a:effectLst/>
-                <a:latin typeface="+mn-lt"/>
-                <a:ea typeface="+mn-ea"/>
-                <a:cs typeface="+mn-cs"/>
-                <a:hlinkClick r:id="rId16" tooltip="Biblioteca (programación)"/>
-              </a:rPr>
-              <a:t>biblioteca</a:t>
-            </a:r>
-            <a:r>
-              <a:rPr lang="es-ES" sz="1200" b="0" i="0" kern="1200" dirty="0" smtClean="0">
-                <a:solidFill>
-                  <a:schemeClr val="tx1"/>
-                </a:solidFill>
-                <a:effectLst/>
-                <a:latin typeface="+mn-lt"/>
-                <a:ea typeface="+mn-ea"/>
-                <a:cs typeface="+mn-cs"/>
-              </a:rPr>
-              <a:t> de código abierto </a:t>
-            </a:r>
-            <a:r>
-              <a:rPr lang="es-ES" sz="1200" b="0" i="0" u="none" strike="noStrike" kern="1200" dirty="0" err="1" smtClean="0">
-                <a:solidFill>
-                  <a:schemeClr val="tx1"/>
-                </a:solidFill>
-                <a:effectLst/>
-                <a:latin typeface="+mn-lt"/>
-                <a:ea typeface="+mn-ea"/>
-                <a:cs typeface="+mn-cs"/>
-                <a:hlinkClick r:id="rId17" tooltip="OpenSSL"/>
+              <a:rPr lang="es-AR" baseline="0" dirty="0" smtClean="0">
+                <a:sym typeface="Wingdings" panose="05000000000000000000" pitchFamily="2" charset="2"/>
+              </a:rPr>
+              <a:t>: bug de la librería </a:t>
+            </a:r>
+            <a:r>
+              <a:rPr lang="es-AR" baseline="0" dirty="0" err="1" smtClean="0">
+                <a:sym typeface="Wingdings" panose="05000000000000000000" pitchFamily="2" charset="2"/>
               </a:rPr>
               <a:t>OpenSSL</a:t>
             </a:r>
             <a:r>
-              <a:rPr lang="es-ES" sz="1200" b="0" i="0" kern="1200" dirty="0" smtClean="0">
-                <a:solidFill>
-                  <a:schemeClr val="tx1"/>
-                </a:solidFill>
-                <a:effectLst/>
-                <a:latin typeface="+mn-lt"/>
-                <a:ea typeface="+mn-ea"/>
-                <a:cs typeface="+mn-cs"/>
-              </a:rPr>
-              <a:t>, solo vulnerable en su versión 1.0.1f, que permite a un atacante leer la </a:t>
-            </a:r>
-            <a:r>
-              <a:rPr lang="es-ES" sz="1200" b="0" i="0" u="none" strike="noStrike" kern="1200" dirty="0" smtClean="0">
-                <a:solidFill>
-                  <a:schemeClr val="tx1"/>
-                </a:solidFill>
-                <a:effectLst/>
-                <a:latin typeface="+mn-lt"/>
-                <a:ea typeface="+mn-ea"/>
-                <a:cs typeface="+mn-cs"/>
-                <a:hlinkClick r:id="rId18" tooltip="Memoria (informática)"/>
-              </a:rPr>
-              <a:t>memoria</a:t>
-            </a:r>
-            <a:r>
-              <a:rPr lang="es-ES" sz="1200" b="0" i="0" kern="1200" dirty="0" smtClean="0">
-                <a:solidFill>
-                  <a:schemeClr val="tx1"/>
-                </a:solidFill>
-                <a:effectLst/>
-                <a:latin typeface="+mn-lt"/>
-                <a:ea typeface="+mn-ea"/>
-                <a:cs typeface="+mn-cs"/>
-              </a:rPr>
-              <a:t> de un servidor o un cliente, permitiéndole por ejemplo, conseguir las </a:t>
-            </a:r>
-            <a:r>
-              <a:rPr lang="es-ES" sz="1200" b="0" i="0" u="none" strike="noStrike" kern="1200" dirty="0" smtClean="0">
-                <a:solidFill>
-                  <a:schemeClr val="tx1"/>
-                </a:solidFill>
-                <a:effectLst/>
-                <a:latin typeface="+mn-lt"/>
-                <a:ea typeface="+mn-ea"/>
-                <a:cs typeface="+mn-cs"/>
-                <a:hlinkClick r:id="rId19" tooltip="Criptografía asimétrica"/>
-              </a:rPr>
-              <a:t>claves privadas</a:t>
-            </a:r>
-            <a:r>
-              <a:rPr lang="es-ES" sz="1200" b="0" i="0" kern="1200" dirty="0" smtClean="0">
-                <a:solidFill>
-                  <a:schemeClr val="tx1"/>
-                </a:solidFill>
-                <a:effectLst/>
-                <a:latin typeface="+mn-lt"/>
-                <a:ea typeface="+mn-ea"/>
-                <a:cs typeface="+mn-cs"/>
-              </a:rPr>
-              <a:t> SSL de un servidor.</a:t>
-            </a:r>
-            <a:r>
-              <a:rPr lang="es-ES" sz="1200" b="0" i="0" u="none" strike="noStrike" kern="1200" baseline="30000" dirty="0" smtClean="0">
-                <a:solidFill>
-                  <a:schemeClr val="tx1"/>
-                </a:solidFill>
-                <a:effectLst/>
-                <a:latin typeface="+mn-lt"/>
-                <a:ea typeface="+mn-ea"/>
-                <a:cs typeface="+mn-cs"/>
-              </a:rPr>
-              <a:t> </a:t>
-            </a:r>
-            <a:r>
-              <a:rPr lang="es-ES" sz="1200" b="0" i="0" kern="1200" dirty="0" smtClean="0">
-                <a:solidFill>
-                  <a:schemeClr val="tx1"/>
-                </a:solidFill>
-                <a:effectLst/>
-                <a:latin typeface="+mn-lt"/>
-                <a:ea typeface="+mn-ea"/>
-                <a:cs typeface="+mn-cs"/>
-              </a:rPr>
-              <a:t>Investigaciones de auditorías muestran que, al parecer, algunos atacantes han explotado este error desde hace al menos cinco meses antes de que fuera descubierto y publicado.</a:t>
+              <a:rPr lang="es-AR" baseline="0" dirty="0" smtClean="0">
+                <a:sym typeface="Wingdings" panose="05000000000000000000" pitchFamily="2" charset="2"/>
+              </a:rPr>
+              <a:t> de código abierto</a:t>
+            </a:r>
+          </a:p>
+          <a:p>
+            <a:pPr marL="171450" indent="-171450">
+              <a:buFont typeface="Arial" panose="020B0604020202020204" pitchFamily="34" charset="0"/>
+              <a:buChar char="•"/>
+            </a:pPr>
+            <a:r>
+              <a:rPr lang="es-AR" baseline="0" dirty="0" smtClean="0">
+                <a:sym typeface="Wingdings" panose="05000000000000000000" pitchFamily="2" charset="2"/>
+              </a:rPr>
+              <a:t>Permite a los atacantes leer la memoria de un servidor o un cliente, extrayendo </a:t>
+            </a:r>
+            <a:r>
+              <a:rPr lang="es-AR" baseline="0" dirty="0" err="1" smtClean="0">
+                <a:sym typeface="Wingdings" panose="05000000000000000000" pitchFamily="2" charset="2"/>
+              </a:rPr>
+              <a:t>asi</a:t>
+            </a:r>
+            <a:r>
+              <a:rPr lang="es-AR" baseline="0" dirty="0" smtClean="0">
+                <a:sym typeface="Wingdings" panose="05000000000000000000" pitchFamily="2" charset="2"/>
+              </a:rPr>
+              <a:t> claves privadas</a:t>
+            </a:r>
+          </a:p>
+          <a:p>
+            <a:pPr marL="171450" indent="-171450">
+              <a:buFont typeface="Arial" panose="020B0604020202020204" pitchFamily="34" charset="0"/>
+              <a:buChar char="•"/>
+            </a:pPr>
+            <a:r>
+              <a:rPr lang="es-AR" baseline="0" dirty="0" smtClean="0">
+                <a:sym typeface="Wingdings" panose="05000000000000000000" pitchFamily="2" charset="2"/>
+              </a:rPr>
+              <a:t>El atacante no deja rastros</a:t>
+            </a:r>
+          </a:p>
+          <a:p>
+            <a:pPr marL="171450" indent="-171450">
+              <a:buFont typeface="Arial" panose="020B0604020202020204" pitchFamily="34" charset="0"/>
+              <a:buChar char="•"/>
+            </a:pPr>
+            <a:r>
+              <a:rPr lang="es-AR" baseline="0" dirty="0" smtClean="0">
+                <a:sym typeface="Wingdings" panose="05000000000000000000" pitchFamily="2" charset="2"/>
+              </a:rPr>
+              <a:t>Oportunidad para que las empresas actualicen su software</a:t>
             </a:r>
             <a:endParaRPr lang="en-US" dirty="0"/>
           </a:p>
@@ -2837,7 +2740,7 @@
     </p:spTree>
     <p:extLst>
       <p:ext uri="{BB962C8B-B14F-4D97-AF65-F5344CB8AC3E}">
-        <p14:creationId xmlns="" xmlns:p14="http://schemas.microsoft.com/office/powerpoint/2010/main" val="655676726"/>
+        <p14:creationId xmlns:p14="http://schemas.microsoft.com/office/powerpoint/2010/main" val="655676726"/>
       </p:ext>
     </p:extLst>
   </p:cSld>
@@ -2891,6 +2794,10 @@
           <a:bodyPr/>
           <a:lstStyle/>
           <a:p>
+            <a:pPr marL="171450" indent="-171450">
+              <a:buFont typeface="Arial" panose="020B0604020202020204" pitchFamily="34" charset="0"/>
+              <a:buChar char="•"/>
+            </a:pPr>
             <a:r>
               <a:rPr lang="es-AR" sz="1200" kern="1200" dirty="0" smtClean="0">
                 <a:solidFill>
@@ -2901,7 +2808,19 @@
                 <a:ea typeface="+mn-ea"/>
                 <a:cs typeface="+mn-cs"/>
               </a:rPr>
-              <a:t>Los riesgos que intenta mitigar la seguridad informática pueden ser tanto de origen interno como externo.</a:t>
+              <a:t>Origen </a:t>
+            </a:r>
+            <a:r>
+              <a:rPr lang="es-AR" sz="1200" kern="1200" dirty="0" smtClean="0">
+                <a:solidFill>
+                  <a:schemeClr val="tx1"/>
+                </a:solidFill>
+                <a:effectLst/>
+                <a:latin typeface="+mn-lt"/>
+                <a:ea typeface="+mn-ea"/>
+                <a:cs typeface="+mn-cs"/>
+              </a:rPr>
+              <a:t>interno como externo.</a:t>
             </a:r>
             <a:endParaRPr lang="en-US" sz="1200" kern="1200" dirty="0" smtClean="0">
               <a:solidFill>
@@ -2914,69 +2833,11 @@
             </a:endParaRPr>
           </a:p>
           <a:p>
-            <a:pPr marL="0" marR="0" indent="0" algn="l" defTabSz="914400" rtl="0" eaLnBrk="1" fontAlgn="auto" latinLnBrk="0" hangingPunct="1">
-              <a:lnSpc>
-                <a:spcPct val="100000"/>
-              </a:lnSpc>
-              <a:spcBef>
-                <a:spcPts val="0"/>
-              </a:spcBef>
-              <a:spcAft>
-                <a:spcPts val="0"/>
-              </a:spcAft>
-              <a:buClrTx/>
-              <a:buSzTx/>
-              <a:buFontTx/>
-              <a:buNone/>
-              <a:tabLst/>
-              <a:defRPr/>
-            </a:pPr>
-            <a:r>
-              <a:rPr lang="es-AR" sz="1200" kern="1200" dirty="0" smtClean="0">
-                <a:solidFill>
-                  <a:schemeClr val="tx1"/>
-                </a:solidFill>
-                <a:effectLst/>
-                <a:latin typeface="+mn-lt"/>
-                <a:ea typeface="+mn-ea"/>
-                <a:cs typeface="+mn-cs"/>
-              </a:rPr>
-              <a:t>Las amenazas principales que la seguridad informática trata de cubrir son:</a:t>
-            </a:r>
-            <a:endParaRPr lang="en-US" sz="1200" kern="1200" dirty="0" smtClean="0">
-              <a:solidFill>
-                <a:schemeClr val="tx1"/>
-              </a:solidFill>
-              <a:effectLst/>
-              <a:latin typeface="+mn-lt"/>
-              <a:ea typeface="+mn-ea"/>
-              <a:cs typeface="+mn-cs"/>
-            </a:endParaRPr>
-          </a:p>
-          <a:p>
             <a:pPr marL="171450" lvl="0" indent="-171450">
               <a:buFont typeface="Arial" panose="020B0604020202020204" pitchFamily="34" charset="0"/>
               <a:buChar char="•"/>
             </a:pPr>
-            <a:r>
-              <a:rPr lang="es-AR" u="none" strike="noStrike" dirty="0" smtClean="0">
-                <a:effectLst/>
-              </a:rPr>
-              <a:t>Usuarios: los usuarios pueden ser intencional o </a:t>
-            </a:r>
-            <a:r>
-              <a:rPr lang="es-AR" u="none" strike="noStrike" dirty="0" err="1" smtClean="0">
-                <a:effectLst/>
-              </a:rPr>
-              <a:t>inintencionalmente</a:t>
-            </a:r>
-            <a:r>
-              <a:rPr lang="es-AR" u="none" strike="noStrike" dirty="0" smtClean="0">
-                <a:effectLst/>
-              </a:rPr>
-              <a:t> responsables de fugas de información. Esto puede ser por ejemplo porque no se definieron bien sus perfiles de acceso.</a:t>
-            </a:r>
-            <a:endParaRPr lang="en-US" u="none" strike="noStrike" dirty="0" smtClean="0">
+            <a:endParaRPr lang="es-AR" u="none" strike="noStrike" dirty="0" smtClean="0">
               <a:effectLst/>
             </a:endParaRPr>
           </a:p>
@@ -2989,9 +2850,27 @@
               <a:rPr lang="es-AR" u="none" strike="noStrike" dirty="0" smtClean="0">
                 <a:effectLst/>
               </a:rPr>
-              <a:t>Programas maliciosos: son instalados intencionalmente o por error. Pueden dañar los datos existentes, abrir la puerta a intrusos, impedir accesos a programas, enviar información a un tercero, etc.</a:t>
-            </a:r>
-            <a:endParaRPr lang="en-US" u="none" strike="noStrike" dirty="0" smtClean="0">
+              <a:t>Usuarios</a:t>
+            </a:r>
+            <a:r>
+              <a:rPr lang="es-AR" u="none" strike="noStrike" dirty="0" smtClean="0">
+                <a:effectLst/>
+              </a:rPr>
+              <a:t>: los usuarios pueden ser intencional o </a:t>
+            </a:r>
+            <a:r>
+              <a:rPr lang="es-AR" u="none" strike="noStrike" dirty="0" err="1" smtClean="0">
+                <a:effectLst/>
+              </a:rPr>
+              <a:t>inintencionalmente</a:t>
+            </a:r>
+            <a:r>
+              <a:rPr lang="es-AR" u="none" strike="noStrike" dirty="0" smtClean="0">
+                <a:effectLst/>
+              </a:rPr>
+              <a:t> responsables de fugas de información. </a:t>
+            </a:r>
+            <a:endParaRPr lang="es-AR" u="none" strike="noStrike" dirty="0" smtClean="0">
               <a:effectLst/>
             </a:endParaRPr>
           </a:p>
@@ -3004,19 +2883,13 @@
               <a:rPr lang="es-AR" u="none" strike="noStrike" dirty="0" smtClean="0">
                 <a:effectLst/>
               </a:rPr>
-              <a:t>Errores de programación: errores o fallas en programación que pueden dar libre acceso a crackers. Un ejemplo es la reciente vulnerabilidad encontrada en </a:t>
-            </a:r>
-            <a:r>
-              <a:rPr lang="es-AR" u="none" strike="noStrike" dirty="0" err="1" smtClean="0">
-                <a:effectLst/>
-              </a:rPr>
-              <a:t>OpenSSL</a:t>
+              <a:t>No </a:t>
             </a:r>
             <a:r>
               <a:rPr lang="es-AR" u="none" strike="noStrike" dirty="0" smtClean="0">
                 <a:effectLst/>
               </a:rPr>
-              <a:t> o el problema en los cajeros automáticos que permitía sacar dinero libremente.</a:t>
+              <a:t>se definieron bien sus perfiles de acceso.</a:t>
             </a:r>
             <a:endParaRPr lang="en-US" u="none" strike="noStrike" dirty="0" smtClean="0">
               <a:effectLst/>
@@ -3031,7 +2904,7 @@
               <a:rPr lang="es-AR" u="none" strike="noStrike" dirty="0" smtClean="0">
                 <a:effectLst/>
               </a:rPr>
-              <a:t>Accesos no autorizados/intrusos: un tercero no autorizado que accede a la información dentro de una computadora. Comúnmente se los conoce como hackers.</a:t>
+              <a:t>Programas maliciosos: son instalados intencionalmente o por error. Pueden dañar los datos existentes, abrir la puerta a intrusos, impedir accesos a programas, enviar información a un tercero, etc.</a:t>
             </a:r>
             <a:endParaRPr lang="en-US" u="none" strike="noStrike" dirty="0" smtClean="0">
               <a:effectLst/>
@@ -3046,9 +2919,9 @@
               <a:rPr lang="es-AR" u="none" strike="noStrike" dirty="0" smtClean="0">
                 <a:effectLst/>
               </a:rPr>
-              <a:t>Robos de componentes de hardware (discos o memoria) que contienen información</a:t>
-            </a:r>
-            <a:endParaRPr lang="en-US" u="none" strike="noStrike" dirty="0" smtClean="0">
+              <a:t>Errores de programación: errores o fallas en programación que pueden dar libre acceso a crackers. </a:t>
+            </a:r>
+            <a:endParaRPr lang="es-AR" u="none" strike="noStrike" dirty="0" smtClean="0">
               <a:effectLst/>
             </a:endParaRPr>
           </a:p>
@@ -3061,21 +2934,15 @@
               <a:rPr lang="es-AR" u="none" strike="noStrike" dirty="0" smtClean="0">
                 <a:effectLst/>
               </a:rPr>
-              <a:t>Desastres no previstos como inundaciones, incendios, relámpagos, </a:t>
-            </a:r>
-            <a:r>
-              <a:rPr lang="es-AR" u="none" strike="noStrike" dirty="0" err="1" smtClean="0">
-                <a:effectLst/>
-              </a:rPr>
-              <a:t>etc</a:t>
+              <a:t>Accesos </a:t>
             </a:r>
             <a:r>
               <a:rPr lang="es-AR" u="none" strike="noStrike" dirty="0" smtClean="0">
                 <a:effectLst/>
               </a:rPr>
-              <a:t>, que produzcan pérdida de información irrecuperable.</a:t>
-            </a:r>
-            <a:endParaRPr lang="en-US" u="none" strike="noStrike" dirty="0" smtClean="0">
+              <a:t>no autorizados/intrusos: un tercero no autorizado que accede a la información dentro de una computadora. </a:t>
+            </a:r>
+            <a:endParaRPr lang="es-AR" u="none" strike="noStrike" dirty="0" smtClean="0">
               <a:effectLst/>
             </a:endParaRPr>
           </a:p>
@@ -3088,7 +2955,13 @@
               <a:rPr lang="es-AR" u="none" strike="noStrike" dirty="0" smtClean="0">
                 <a:effectLst/>
               </a:rPr>
-              <a:t>Personal interno de la empresa que, por extorsión, enfado hacia la empresa o fin de obtener dinero, roben información para venderla a la competencia.</a:t>
+              <a:t>Robos </a:t>
+            </a:r>
+            <a:r>
+              <a:rPr lang="es-AR" u="none" strike="noStrike" dirty="0" smtClean="0">
+                <a:effectLst/>
+              </a:rPr>
+              <a:t>de componentes de hardware (discos o memoria) que contienen información</a:t>
             </a:r>
             <a:endParaRPr lang="en-US" u="none" strike="noStrike" dirty="0" smtClean="0">
               <a:effectLst/>
@@ -3103,7 +2976,44 @@
               <a:rPr lang="es-AR" u="none" strike="noStrike" dirty="0" smtClean="0">
                 <a:effectLst/>
               </a:rPr>
-              <a:t>Fallos de hardware	</a:t>
+              <a:t>Desastres no </a:t>
+            </a:r>
+            <a:r>
+              <a:rPr lang="es-AR" u="none" strike="noStrike" dirty="0" smtClean="0">
+                <a:effectLst/>
+              </a:rPr>
+              <a:t>previstos &amp;</a:t>
+            </a:r>
+            <a:r>
+              <a:rPr lang="es-AR" u="none" strike="noStrike" baseline="0" dirty="0" smtClean="0">
+                <a:effectLst/>
+              </a:rPr>
+              <a:t> fallos de hardware</a:t>
+            </a:r>
+            <a:r>
+              <a:rPr lang="es-AR" u="none" strike="noStrike" dirty="0" smtClean="0">
+                <a:effectLst/>
+              </a:rPr>
+              <a:t> </a:t>
+            </a:r>
+            <a:r>
+              <a:rPr lang="es-AR" u="none" strike="noStrike" dirty="0" smtClean="0">
+                <a:effectLst/>
+                <a:sym typeface="Wingdings" panose="05000000000000000000" pitchFamily="2" charset="2"/>
+              </a:rPr>
+              <a:t> </a:t>
+            </a:r>
+            <a:r>
+              <a:rPr lang="es-AR" u="none" strike="noStrike" dirty="0" smtClean="0">
+                <a:effectLst/>
+              </a:rPr>
+              <a:t>pérdida </a:t>
+            </a:r>
+            <a:r>
+              <a:rPr lang="es-AR" u="none" strike="noStrike" dirty="0" smtClean="0">
+                <a:effectLst/>
+              </a:rPr>
+              <a:t>de información irrecuperable.</a:t>
             </a:r>
             <a:endParaRPr lang="en-US" u="none" strike="noStrike" dirty="0" smtClean="0">
               <a:effectLst/>
@@ -3118,22 +3028,19 @@
               <a:rPr lang="es-AR" u="none" strike="noStrike" dirty="0" smtClean="0">
                 <a:effectLst/>
               </a:rPr>
-              <a:t>Catástrofes naturales</a:t>
-            </a:r>
-            <a:endParaRPr lang="en-US" u="none" strike="noStrike" dirty="0" smtClean="0">
-              <a:effectLst/>
-            </a:endParaRPr>
-          </a:p>
-          <a:p>
-            <a:pPr marL="171450" lvl="0" indent="-171450">
-              <a:buFont typeface="Arial" panose="020B0604020202020204" pitchFamily="34" charset="0"/>
-              <a:buChar char="•"/>
-            </a:pPr>
-            <a:r>
-              <a:rPr lang="es-AR" u="none" strike="noStrike" dirty="0" err="1" smtClean="0">
+              <a:t>Personal interno de la </a:t>
+            </a:r>
+            <a:r>
+              <a:rPr lang="es-AR" u="none" strike="noStrike" dirty="0" smtClean="0">
                 <a:effectLst/>
               </a:rPr>
-              <a:t>Phishing</a:t>
+              <a:t>roba </a:t>
+            </a:r>
+            <a:r>
+              <a:rPr lang="es-AR" u="none" strike="noStrike" dirty="0" smtClean="0">
+                <a:effectLst/>
+              </a:rPr>
+              <a:t>información para venderla a la competencia.</a:t>
             </a:r>
             <a:endParaRPr lang="en-US" u="none" strike="noStrike" dirty="0" smtClean="0">
               <a:effectLst/>
@@ -3171,7 +3078,7 @@
     </p:spTree>
     <p:extLst>
       <p:ext uri="{BB962C8B-B14F-4D97-AF65-F5344CB8AC3E}">
-        <p14:creationId xmlns="" xmlns:p14="http://schemas.microsoft.com/office/powerpoint/2010/main" val="1629614161"/>
+        <p14:creationId xmlns:p14="http://schemas.microsoft.com/office/powerpoint/2010/main" val="1629614161"/>
       </p:ext>
     </p:extLst>
   </p:cSld>
@@ -3225,6 +3132,10 @@
           <a:bodyPr/>
           <a:lstStyle/>
           <a:p>
+            <a:pPr marL="171450" indent="-171450">
+              <a:buFont typeface="Arial" panose="020B0604020202020204" pitchFamily="34" charset="0"/>
+              <a:buChar char="•"/>
+            </a:pPr>
             <a:r>
               <a:rPr lang="es-AR" sz="1200" kern="1200" dirty="0" smtClean="0">
                 <a:solidFill>
@@ -3259,7 +3170,142 @@
                 <a:ea typeface="+mn-ea"/>
                 <a:cs typeface="+mn-cs"/>
               </a:rPr>
-              <a:t> es un conjunto de derechos que se le otorgan a un inventor por un período limitado de tiempo (20 años), a cambio de la divulgación de los detalles del mismo. Las patentes son una forma de propiedad intelectual, y le proporcionan dueño la garantía de que otras empresas no podrán producir, utilizar o vender el producto patentado sin permiso.</a:t>
+              <a:t> es un conjunto de derechos que se le otorgan a un inventor por un período limitado de tiempo (20 años</a:t>
+            </a:r>
+            <a:r>
+              <a:rPr lang="es-AR" sz="1200" kern="1200" dirty="0" smtClean="0">
+                <a:solidFill>
+                  <a:schemeClr val="tx1"/>
+                </a:solidFill>
+                <a:effectLst/>
+                <a:latin typeface="+mn-lt"/>
+                <a:ea typeface="+mn-ea"/>
+                <a:cs typeface="+mn-cs"/>
+              </a:rPr>
+              <a:t>),</a:t>
+            </a:r>
+          </a:p>
+          <a:p>
+            <a:pPr marL="171450" indent="-171450">
+              <a:buFont typeface="Arial" panose="020B0604020202020204" pitchFamily="34" charset="0"/>
+              <a:buChar char="•"/>
+            </a:pPr>
+            <a:r>
+              <a:rPr lang="es-AR" sz="1200" kern="1200" dirty="0" smtClean="0">
+                <a:solidFill>
+                  <a:schemeClr val="tx1"/>
+                </a:solidFill>
+                <a:effectLst/>
+                <a:latin typeface="+mn-lt"/>
+                <a:ea typeface="+mn-ea"/>
+                <a:cs typeface="+mn-cs"/>
+              </a:rPr>
+              <a:t>a </a:t>
+            </a:r>
+            <a:r>
+              <a:rPr lang="es-AR" sz="1200" kern="1200" dirty="0" smtClean="0">
+                <a:solidFill>
+                  <a:schemeClr val="tx1"/>
+                </a:solidFill>
+                <a:effectLst/>
+                <a:latin typeface="+mn-lt"/>
+                <a:ea typeface="+mn-ea"/>
+                <a:cs typeface="+mn-cs"/>
+              </a:rPr>
+              <a:t>cambio de la divulgación de los detalles del mismo. </a:t>
+            </a:r>
+            <a:endParaRPr lang="es-AR" sz="1200" kern="1200" dirty="0" smtClean="0">
+              <a:solidFill>
+                <a:schemeClr val="tx1"/>
+              </a:solidFill>
+              <a:effectLst/>
+              <a:latin typeface="+mn-lt"/>
+              <a:ea typeface="+mn-ea"/>
+              <a:cs typeface="+mn-cs"/>
+            </a:endParaRPr>
+          </a:p>
+          <a:p>
+            <a:pPr marL="171450" indent="-171450">
+              <a:buFont typeface="Arial" panose="020B0604020202020204" pitchFamily="34" charset="0"/>
+              <a:buChar char="•"/>
+            </a:pPr>
+            <a:r>
+              <a:rPr lang="es-AR" sz="1200" kern="1200" dirty="0" smtClean="0">
+                <a:solidFill>
+                  <a:schemeClr val="tx1"/>
+                </a:solidFill>
+                <a:effectLst/>
+                <a:latin typeface="+mn-lt"/>
+                <a:ea typeface="+mn-ea"/>
+                <a:cs typeface="+mn-cs"/>
+              </a:rPr>
+              <a:t>son </a:t>
+            </a:r>
+            <a:r>
+              <a:rPr lang="es-AR" sz="1200" kern="1200" dirty="0" smtClean="0">
+                <a:solidFill>
+                  <a:schemeClr val="tx1"/>
+                </a:solidFill>
+                <a:effectLst/>
+                <a:latin typeface="+mn-lt"/>
+                <a:ea typeface="+mn-ea"/>
+                <a:cs typeface="+mn-cs"/>
+              </a:rPr>
+              <a:t>una forma de </a:t>
+            </a:r>
+            <a:r>
+              <a:rPr lang="es-AR" sz="1200" b="1" kern="1200" dirty="0" smtClean="0">
+                <a:solidFill>
+                  <a:schemeClr val="tx1"/>
+                </a:solidFill>
+                <a:effectLst/>
+                <a:latin typeface="+mn-lt"/>
+                <a:ea typeface="+mn-ea"/>
+                <a:cs typeface="+mn-cs"/>
+              </a:rPr>
+              <a:t>propiedad intelectual</a:t>
+            </a:r>
+            <a:r>
+              <a:rPr lang="es-AR" sz="1200" kern="1200" dirty="0" smtClean="0">
+                <a:solidFill>
+                  <a:schemeClr val="tx1"/>
+                </a:solidFill>
+                <a:effectLst/>
+                <a:latin typeface="+mn-lt"/>
+                <a:ea typeface="+mn-ea"/>
+                <a:cs typeface="+mn-cs"/>
+              </a:rPr>
+              <a:t>,</a:t>
+            </a:r>
+          </a:p>
+          <a:p>
+            <a:pPr marL="171450" indent="-171450">
+              <a:buFont typeface="Arial" panose="020B0604020202020204" pitchFamily="34" charset="0"/>
+              <a:buChar char="•"/>
+            </a:pPr>
+            <a:r>
+              <a:rPr lang="es-AR" sz="1200" kern="1200" dirty="0" smtClean="0">
+                <a:solidFill>
+                  <a:schemeClr val="tx1"/>
+                </a:solidFill>
+                <a:effectLst/>
+                <a:latin typeface="+mn-lt"/>
+                <a:ea typeface="+mn-ea"/>
+                <a:cs typeface="+mn-cs"/>
+              </a:rPr>
+              <a:t>le </a:t>
+            </a:r>
+            <a:r>
+              <a:rPr lang="es-AR" sz="1200" kern="1200" dirty="0" smtClean="0">
+                <a:solidFill>
+                  <a:schemeClr val="tx1"/>
+                </a:solidFill>
+                <a:effectLst/>
+                <a:latin typeface="+mn-lt"/>
+                <a:ea typeface="+mn-ea"/>
+                <a:cs typeface="+mn-cs"/>
+              </a:rPr>
+              <a:t>proporcionan dueño la garantía de que otras empresas no podrán producir, utilizar o vender el producto patentado sin permiso.</a:t>
             </a:r>
             <a:endParaRPr lang="en-US" sz="1200" kern="1200" dirty="0" smtClean="0">
               <a:solidFill>
@@ -3272,7 +3318,7 @@
             </a:endParaRPr>
           </a:p>
           <a:p>
-            <a:pPr marL="0" marR="0" indent="0" algn="l" defTabSz="914400" rtl="0" eaLnBrk="1" fontAlgn="auto" latinLnBrk="0" hangingPunct="1">
+            <a:pPr marL="171450" marR="0" indent="-171450" algn="l" defTabSz="914400" rtl="0" eaLnBrk="1" fontAlgn="auto" latinLnBrk="0" hangingPunct="1">
               <a:lnSpc>
                 <a:spcPct val="100000"/>
               </a:lnSpc>
@@ -3284,8 +3330,8 @@
               </a:spcAft>
               <a:buClrTx/>
               <a:buSzTx/>
-              <a:buFontTx/>
-              <a:buNone/>
+              <a:buFont typeface="Arial" panose="020B0604020202020204" pitchFamily="34" charset="0"/>
+              <a:buChar char="•"/>
               <a:tabLst/>
               <a:defRPr/>
             </a:pPr>
@@ -3299,10 +3345,10 @@
                 <a:ea typeface="+mn-ea"/>
                 <a:cs typeface="+mn-cs"/>
               </a:rPr>
-              <a:t>El sistema de </a:t>
-            </a:r>
-            <a:r>
-              <a:rPr lang="es-AR" sz="1200" kern="1200" dirty="0" err="1" smtClean="0">
+              <a:t>El sistema de patentamiento fue creado en </a:t>
+            </a:r>
+            <a:r>
+              <a:rPr lang="es-AR" sz="1200" b="1" kern="1200" dirty="0" smtClean="0">
                 <a:solidFill>
                   <a:schemeClr val="tx1"/>
                 </a:solidFill>
@@ -3311,7 +3357,7 @@
                 <a:ea typeface="+mn-ea"/>
                 <a:cs typeface="+mn-cs"/>
               </a:rPr>
-              <a:t>patentamiento</a:t>
+              <a:t>1450</a:t>
             </a:r>
             <a:r>
               <a:rPr lang="es-AR" sz="1200" kern="1200" dirty="0" smtClean="0">
@@ -3323,8 +3369,81 @@
                 <a:ea typeface="+mn-ea"/>
                 <a:cs typeface="+mn-cs"/>
               </a:rPr>
-              <a:t> fue creado en 1450, pero fue durante la revolución francesa que se creó el sistema moderno. En general, las patentes sólo pueden materializarse durante litigios, y puede ser dueños de ellas tanto empresas como personas, aunque en ciertos casos los empleadores pueden exigirles a sus empleados que las patentes le sean adjudicadas a ellos. Entre las críticas a este sistema, se encuentran los altos costos asociados al mantenimiento de patentes (por ejemplo, en Estados Unidos el mismo puede alcanzar los 30 mil dólares por patente), y el hecho de que no promueven la innovación, al limitar el uso de las nuevas tecnologías. </a:t>
-            </a:r>
+              <a:t>, pero fue durante la revolución francesa que se creó el sistema moderno. </a:t>
+            </a:r>
+            <a:endParaRPr lang="es-AR" sz="1200" kern="1200" dirty="0" smtClean="0">
+              <a:solidFill>
+                <a:schemeClr val="tx1"/>
+              </a:solidFill>
+              <a:effectLst/>
+              <a:latin typeface="+mn-lt"/>
+              <a:ea typeface="+mn-ea"/>
+              <a:cs typeface="+mn-cs"/>
+            </a:endParaRPr>
+          </a:p>
+          <a:p>
+            <a:pPr marL="171450" marR="0" indent="-171450" algn="l" defTabSz="914400" rtl="0" eaLnBrk="1" fontAlgn="auto" latinLnBrk="0" hangingPunct="1">
+              <a:lnSpc>
+                <a:spcPct val="100000"/>
+              </a:lnSpc>
+              <a:spcBef>
+                <a:spcPts val="0"/>
+              </a:spcBef>
+              <a:spcAft>
+                <a:spcPts val="0"/>
+              </a:spcAft>
+              <a:buClrTx/>
+              <a:buSzTx/>
+              <a:buFont typeface="Arial" panose="020B0604020202020204" pitchFamily="34" charset="0"/>
+              <a:buChar char="•"/>
+              <a:tabLst/>
+              <a:defRPr/>
+            </a:pPr>
+            <a:r>
+              <a:rPr lang="es-AR" sz="1200" b="1" kern="1200" dirty="0" smtClean="0">
+                <a:solidFill>
+                  <a:schemeClr val="tx1"/>
+                </a:solidFill>
+                <a:effectLst/>
+                <a:latin typeface="+mn-lt"/>
+                <a:ea typeface="+mn-ea"/>
+                <a:cs typeface="+mn-cs"/>
+              </a:rPr>
+              <a:t>altos </a:t>
+            </a:r>
+            <a:r>
+              <a:rPr lang="es-AR" sz="1200" b="1" kern="1200" dirty="0" smtClean="0">
+                <a:solidFill>
+                  <a:schemeClr val="tx1"/>
+                </a:solidFill>
+                <a:effectLst/>
+                <a:latin typeface="+mn-lt"/>
+                <a:ea typeface="+mn-ea"/>
+                <a:cs typeface="+mn-cs"/>
+              </a:rPr>
+              <a:t>costos </a:t>
+            </a:r>
+            <a:r>
+              <a:rPr lang="es-AR" sz="1200" kern="1200" dirty="0" smtClean="0">
+                <a:solidFill>
+                  <a:schemeClr val="tx1"/>
+                </a:solidFill>
+                <a:effectLst/>
+                <a:latin typeface="+mn-lt"/>
+                <a:ea typeface="+mn-ea"/>
+                <a:cs typeface="+mn-cs"/>
+              </a:rPr>
+              <a:t>asociados al mantenimiento de patentes (por ejemplo, en Estados Unidos el mismo puede alcanzar los 30 mil dólares por patente), </a:t>
+            </a:r>
+            <a:endParaRPr lang="es-AR" sz="1200" kern="1200" dirty="0" smtClean="0">
+              <a:solidFill>
+                <a:schemeClr val="tx1"/>
+              </a:solidFill>
+              <a:effectLst/>
+              <a:latin typeface="+mn-lt"/>
+              <a:ea typeface="+mn-ea"/>
+              <a:cs typeface="+mn-cs"/>
+            </a:endParaRPr>
           </a:p>
           <a:p>
             <a:pPr marL="0" marR="0" indent="0" algn="l" defTabSz="914400" rtl="0" eaLnBrk="1" fontAlgn="auto" latinLnBrk="0" hangingPunct="1">
@@ -3389,7 +3508,57 @@
                 <a:ea typeface="+mn-ea"/>
                 <a:cs typeface="+mn-cs"/>
               </a:rPr>
-              <a:t>, donde uno sólo de ellos no es suficiente para garantizar el éxito, ya que es necesario complementarlos para obtener un buen resultado. Entre ellos se destacan:</a:t>
+              <a:t>, </a:t>
+            </a:r>
+            <a:r>
+              <a:rPr lang="es-AR" sz="1200" kern="1200" dirty="0" smtClean="0">
+                <a:solidFill>
+                  <a:schemeClr val="tx1"/>
+                </a:solidFill>
+                <a:effectLst/>
+                <a:latin typeface="+mn-lt"/>
+                <a:ea typeface="+mn-ea"/>
+                <a:cs typeface="+mn-cs"/>
+              </a:rPr>
+              <a:t>donde</a:t>
+            </a:r>
+          </a:p>
+          <a:p>
+            <a:r>
+              <a:rPr lang="es-AR" sz="1200" kern="1200" dirty="0" smtClean="0">
+                <a:solidFill>
+                  <a:schemeClr val="tx1"/>
+                </a:solidFill>
+                <a:effectLst/>
+                <a:latin typeface="+mn-lt"/>
+                <a:ea typeface="+mn-ea"/>
+                <a:cs typeface="+mn-cs"/>
+              </a:rPr>
+              <a:t>uno </a:t>
+            </a:r>
+            <a:r>
+              <a:rPr lang="es-AR" sz="1200" kern="1200" dirty="0" smtClean="0">
+                <a:solidFill>
+                  <a:schemeClr val="tx1"/>
+                </a:solidFill>
+                <a:effectLst/>
+                <a:latin typeface="+mn-lt"/>
+                <a:ea typeface="+mn-ea"/>
+                <a:cs typeface="+mn-cs"/>
+              </a:rPr>
+              <a:t>sólo de ellos no es suficiente para garantizar el éxito, ya que es necesario </a:t>
+            </a:r>
+            <a:r>
+              <a:rPr lang="es-AR" sz="1200" kern="1200" dirty="0" smtClean="0">
+                <a:solidFill>
+                  <a:schemeClr val="tx1"/>
+                </a:solidFill>
+                <a:effectLst/>
+                <a:latin typeface="+mn-lt"/>
+                <a:ea typeface="+mn-ea"/>
+                <a:cs typeface="+mn-cs"/>
+              </a:rPr>
+              <a:t>complementarlos</a:t>
             </a:r>
             <a:endParaRPr lang="en-US" sz="1200" kern="1200" dirty="0" smtClean="0">
               <a:solidFill>
@@ -3523,7 +3692,19 @@
                 <a:ea typeface="+mn-ea"/>
                 <a:cs typeface="+mn-cs"/>
               </a:rPr>
-              <a:t>Copias de seguridad de la información</a:t>
+              <a:t>Encriptado </a:t>
+            </a:r>
+            <a:r>
+              <a:rPr lang="es-AR" sz="1200" u="none" strike="noStrike" kern="1200" dirty="0" smtClean="0">
+                <a:solidFill>
+                  <a:schemeClr val="tx1"/>
+                </a:solidFill>
+                <a:effectLst/>
+                <a:latin typeface="+mn-lt"/>
+                <a:ea typeface="+mn-ea"/>
+                <a:cs typeface="+mn-cs"/>
+              </a:rPr>
+              <a:t>de las copias de seguridad</a:t>
             </a:r>
             <a:endParaRPr lang="en-US" u="none" strike="noStrike" dirty="0" smtClean="0">
               <a:effectLst/>
@@ -3544,7 +3725,7 @@
                 <a:ea typeface="+mn-ea"/>
                 <a:cs typeface="+mn-cs"/>
               </a:rPr>
-              <a:t>Encriptado de las copias de seguridad</a:t>
+              <a:t>Distinción de niveles de acceso según autorización formal en perfiles de usuarios</a:t>
             </a:r>
             <a:endParaRPr lang="en-US" u="none" strike="noStrike" dirty="0" smtClean="0">
               <a:effectLst/>
@@ -3565,7 +3746,19 @@
                 <a:ea typeface="+mn-ea"/>
                 <a:cs typeface="+mn-cs"/>
               </a:rPr>
-              <a:t>Distinción de niveles de acceso según autorización formal en perfiles de usuarios</a:t>
+              <a:t>Localización </a:t>
+            </a:r>
+            <a:r>
+              <a:rPr lang="es-AR" sz="1200" u="none" strike="noStrike" kern="1200" dirty="0" smtClean="0">
+                <a:solidFill>
+                  <a:schemeClr val="tx1"/>
+                </a:solidFill>
+                <a:effectLst/>
+                <a:latin typeface="+mn-lt"/>
+                <a:ea typeface="+mn-ea"/>
+                <a:cs typeface="+mn-cs"/>
+              </a:rPr>
+              <a:t>múltiple y distante de estructuras de datos redundantes</a:t>
             </a:r>
             <a:endParaRPr lang="en-US" u="none" strike="noStrike" dirty="0" smtClean="0">
               <a:effectLst/>
@@ -3586,17 +3779,8 @@
                 <a:ea typeface="+mn-ea"/>
                 <a:cs typeface="+mn-cs"/>
               </a:rPr>
-              <a:t>Registro de operaciones en bitácoras automatizadas</a:t>
-            </a:r>
-            <a:endParaRPr lang="en-US" u="none" strike="noStrike" dirty="0" smtClean="0">
-              <a:effectLst/>
-            </a:endParaRPr>
-          </a:p>
-          <a:p>
-            <a:pPr marL="171450" lvl="0" indent="-171450">
-              <a:buFont typeface="Arial" panose="020B0604020202020204" pitchFamily="34" charset="0"/>
-              <a:buChar char="•"/>
-            </a:pPr>
+              <a:t>Políticas de recuperación ante </a:t>
+            </a:r>
             <a:r>
               <a:rPr lang="es-AR" sz="1200" u="none" strike="noStrike" kern="1200" dirty="0" smtClean="0">
                 <a:solidFill>
@@ -3607,70 +3791,7 @@
                 <a:ea typeface="+mn-ea"/>
                 <a:cs typeface="+mn-cs"/>
               </a:rPr>
-              <a:t>Registro de accesos en bitácoras automatizadas</a:t>
-            </a:r>
-            <a:endParaRPr lang="en-US" u="none" strike="noStrike" dirty="0" smtClean="0">
-              <a:effectLst/>
-            </a:endParaRPr>
-          </a:p>
-          <a:p>
-            <a:pPr marL="171450" lvl="0" indent="-171450">
-              <a:buFont typeface="Arial" panose="020B0604020202020204" pitchFamily="34" charset="0"/>
-              <a:buChar char="•"/>
-            </a:pPr>
-            <a:r>
-              <a:rPr lang="es-AR" sz="1200" u="none" strike="noStrike" kern="1200" dirty="0" smtClean="0">
-                <a:solidFill>
-                  <a:schemeClr val="tx1"/>
-                </a:solidFill>
-                <a:effectLst/>
-                <a:latin typeface="+mn-lt"/>
-                <a:ea typeface="+mn-ea"/>
-                <a:cs typeface="+mn-cs"/>
-              </a:rPr>
-              <a:t>Redundancia de datos</a:t>
-            </a:r>
-            <a:endParaRPr lang="en-US" u="none" strike="noStrike" dirty="0" smtClean="0">
-              <a:effectLst/>
-            </a:endParaRPr>
-          </a:p>
-          <a:p>
-            <a:pPr marL="171450" lvl="0" indent="-171450">
-              <a:buFont typeface="Arial" panose="020B0604020202020204" pitchFamily="34" charset="0"/>
-              <a:buChar char="•"/>
-            </a:pPr>
-            <a:r>
-              <a:rPr lang="es-AR" sz="1200" u="none" strike="noStrike" kern="1200" dirty="0" smtClean="0">
-                <a:solidFill>
-                  <a:schemeClr val="tx1"/>
-                </a:solidFill>
-                <a:effectLst/>
-                <a:latin typeface="+mn-lt"/>
-                <a:ea typeface="+mn-ea"/>
-                <a:cs typeface="+mn-cs"/>
-              </a:rPr>
-              <a:t>Localización múltiple y distante de estructuras de datos redundantes</a:t>
-            </a:r>
-            <a:endParaRPr lang="en-US" u="none" strike="noStrike" dirty="0" smtClean="0">
-              <a:effectLst/>
-            </a:endParaRPr>
-          </a:p>
-          <a:p>
-            <a:pPr marL="171450" lvl="0" indent="-171450">
-              <a:buFont typeface="Arial" panose="020B0604020202020204" pitchFamily="34" charset="0"/>
-              <a:buChar char="•"/>
-            </a:pPr>
-            <a:r>
-              <a:rPr lang="es-AR" sz="1200" u="none" strike="noStrike" kern="1200" dirty="0" smtClean="0">
-                <a:solidFill>
-                  <a:schemeClr val="tx1"/>
-                </a:solidFill>
-                <a:effectLst/>
-                <a:latin typeface="+mn-lt"/>
-                <a:ea typeface="+mn-ea"/>
-                <a:cs typeface="+mn-cs"/>
-              </a:rPr>
-              <a:t>Políticas de recuperación ante catástrofes</a:t>
+              <a:t>catástrofes</a:t>
             </a:r>
             <a:endParaRPr lang="en-US" u="none" strike="noStrike" dirty="0" smtClean="0">
               <a:effectLst/>
@@ -3705,7 +3826,7 @@
     </p:spTree>
     <p:extLst>
       <p:ext uri="{BB962C8B-B14F-4D97-AF65-F5344CB8AC3E}">
-        <p14:creationId xmlns="" xmlns:p14="http://schemas.microsoft.com/office/powerpoint/2010/main" val="2488318766"/>
+        <p14:creationId xmlns:p14="http://schemas.microsoft.com/office/powerpoint/2010/main" val="2488318766"/>
       </p:ext>
     </p:extLst>
   </p:cSld>
@@ -3805,6 +3926,10 @@
             </a:endParaRPr>
           </a:p>
           <a:p>
+            <a:pPr marL="171450" indent="-171450">
+              <a:buFont typeface="Arial" panose="020B0604020202020204" pitchFamily="34" charset="0"/>
+              <a:buChar char="•"/>
+            </a:pPr>
             <a:r>
               <a:rPr lang="es-AR" sz="1200" kern="1200" dirty="0" smtClean="0">
                 <a:solidFill>
@@ -3815,10 +3940,10 @@
                 <a:ea typeface="+mn-ea"/>
                 <a:cs typeface="+mn-cs"/>
               </a:rPr>
-              <a:t>En las empresas, para facilitar la trazabilidad de las acciones de los usuarios, se suelen incluir procedimientos mediante los que se garantiza que el uso de los activos de información es efectivamente auditado y que es posible generar </a:t>
-            </a:r>
-            <a:r>
-              <a:rPr lang="es-AR" sz="1200" b="1" kern="1200" dirty="0" smtClean="0">
+              <a:t>facilitar </a:t>
+            </a:r>
+            <a:r>
+              <a:rPr lang="es-AR" sz="1200" kern="1200" dirty="0" smtClean="0">
                 <a:solidFill>
                   <a:schemeClr val="tx1"/>
                 </a:solidFill>
@@ -3827,10 +3952,10 @@
                 <a:ea typeface="+mn-ea"/>
                 <a:cs typeface="+mn-cs"/>
               </a:rPr>
-              <a:t>registros (</a:t>
-            </a:r>
-            <a:r>
-              <a:rPr lang="es-AR" sz="1200" b="1" i="1" kern="1200" dirty="0" err="1" smtClean="0">
+              <a:t>la trazabilidad de las acciones de los </a:t>
+            </a:r>
+            <a:r>
+              <a:rPr lang="es-AR" sz="1200" kern="1200" dirty="0" smtClean="0">
                 <a:solidFill>
                   <a:schemeClr val="tx1"/>
                 </a:solidFill>
@@ -3839,10 +3964,16 @@
                 <a:ea typeface="+mn-ea"/>
                 <a:cs typeface="+mn-cs"/>
               </a:rPr>
-              <a:t>logs</a:t>
-            </a:r>
-            <a:r>
-              <a:rPr lang="es-AR" sz="1200" b="1" kern="1200" dirty="0" smtClean="0">
+              <a:t>usuarios</a:t>
+            </a:r>
+          </a:p>
+          <a:p>
+            <a:pPr marL="171450" indent="-171450">
+              <a:buFont typeface="Arial" panose="020B0604020202020204" pitchFamily="34" charset="0"/>
+              <a:buChar char="•"/>
+            </a:pPr>
+            <a:r>
+              <a:rPr lang="es-AR" sz="1200" kern="1200" dirty="0" smtClean="0">
                 <a:solidFill>
                   <a:schemeClr val="tx1"/>
                 </a:solidFill>
@@ -3851,10 +3982,10 @@
                 <a:ea typeface="+mn-ea"/>
                 <a:cs typeface="+mn-cs"/>
               </a:rPr>
-              <a:t>) de las acciones importantes</a:t>
-            </a:r>
-            <a:r>
-              <a:rPr lang="es-AR" sz="1200" kern="1200" dirty="0" smtClean="0">
+              <a:t>generar </a:t>
+            </a:r>
+            <a:r>
+              <a:rPr lang="es-AR" sz="1200" b="1" kern="1200" dirty="0" smtClean="0">
                 <a:solidFill>
                   <a:schemeClr val="tx1"/>
                 </a:solidFill>
@@ -3863,10 +3994,164 @@
                 <a:ea typeface="+mn-ea"/>
                 <a:cs typeface="+mn-cs"/>
               </a:rPr>
-              <a:t> que se hayan definido, que si bien es un proceso técnico, implica un conocimiento de los individuos respecto a su grado de responsabilidad en lo que realizan dentro de una empresa. El conocimiento de la vinculación entre las personas y sus accesos puede evitar en gran medida la fuga de información, ya que en caso de filtrarse hacia el exterior, se podría señalar de manera directa a todos aquellos que tuvieron acceso y se podría analizar su uso previo al incidente, obteniendo posibles conclusiones y responsables. De cualquier manera, dada la imposibilidad de monitorear a las personas más allá de la esfera laboral, es estrictamente necesario que exista un alto grado de concientización y que las políticas de seguridad estén correctamente aplicadas para garantizar que quienes manejen información confidencial tengan asumidos los riesgos relacionados con su filtración.</a:t>
-            </a:r>
-          </a:p>
-          <a:p>
+              <a:t>registros (</a:t>
+            </a:r>
+            <a:r>
+              <a:rPr lang="es-AR" sz="1200" b="1" i="1" kern="1200" dirty="0" err="1" smtClean="0">
+                <a:solidFill>
+                  <a:schemeClr val="tx1"/>
+                </a:solidFill>
+                <a:effectLst/>
+                <a:latin typeface="+mn-lt"/>
+                <a:ea typeface="+mn-ea"/>
+                <a:cs typeface="+mn-cs"/>
+              </a:rPr>
+              <a:t>logs</a:t>
+            </a:r>
+            <a:r>
+              <a:rPr lang="es-AR" sz="1200" b="1" kern="1200" dirty="0" smtClean="0">
+                <a:solidFill>
+                  <a:schemeClr val="tx1"/>
+                </a:solidFill>
+                <a:effectLst/>
+                <a:latin typeface="+mn-lt"/>
+                <a:ea typeface="+mn-ea"/>
+                <a:cs typeface="+mn-cs"/>
+              </a:rPr>
+              <a:t>) de las acciones importantes</a:t>
+            </a:r>
+            <a:r>
+              <a:rPr lang="es-AR" sz="1200" kern="1200" dirty="0" smtClean="0">
+                <a:solidFill>
+                  <a:schemeClr val="tx1"/>
+                </a:solidFill>
+                <a:effectLst/>
+                <a:latin typeface="+mn-lt"/>
+                <a:ea typeface="+mn-ea"/>
+                <a:cs typeface="+mn-cs"/>
+              </a:rPr>
+              <a:t> que se hayan definido, </a:t>
+            </a:r>
+            <a:endParaRPr lang="es-AR" sz="1200" kern="1200" dirty="0" smtClean="0">
+              <a:solidFill>
+                <a:schemeClr val="tx1"/>
+              </a:solidFill>
+              <a:effectLst/>
+              <a:latin typeface="+mn-lt"/>
+              <a:ea typeface="+mn-ea"/>
+              <a:cs typeface="+mn-cs"/>
+            </a:endParaRPr>
+          </a:p>
+          <a:p>
+            <a:pPr marL="171450" indent="-171450">
+              <a:buFont typeface="Arial" panose="020B0604020202020204" pitchFamily="34" charset="0"/>
+              <a:buChar char="•"/>
+            </a:pPr>
+            <a:r>
+              <a:rPr lang="es-AR" sz="1200" kern="1200" dirty="0" smtClean="0">
+                <a:solidFill>
+                  <a:schemeClr val="tx1"/>
+                </a:solidFill>
+                <a:effectLst/>
+                <a:latin typeface="+mn-lt"/>
+                <a:ea typeface="+mn-ea"/>
+                <a:cs typeface="+mn-cs"/>
+              </a:rPr>
+              <a:t>vinculación </a:t>
+            </a:r>
+            <a:r>
+              <a:rPr lang="es-AR" sz="1200" kern="1200" dirty="0" smtClean="0">
+                <a:solidFill>
+                  <a:schemeClr val="tx1"/>
+                </a:solidFill>
+                <a:effectLst/>
+                <a:latin typeface="+mn-lt"/>
+                <a:ea typeface="+mn-ea"/>
+                <a:cs typeface="+mn-cs"/>
+              </a:rPr>
+              <a:t>entre las personas y sus accesos </a:t>
+            </a:r>
+            <a:endParaRPr lang="es-AR" sz="1200" kern="1200" dirty="0" smtClean="0">
+              <a:solidFill>
+                <a:schemeClr val="tx1"/>
+              </a:solidFill>
+              <a:effectLst/>
+              <a:latin typeface="+mn-lt"/>
+              <a:ea typeface="+mn-ea"/>
+              <a:cs typeface="+mn-cs"/>
+            </a:endParaRPr>
+          </a:p>
+          <a:p>
+            <a:pPr marL="171450" indent="-171450">
+              <a:buFont typeface="Arial" panose="020B0604020202020204" pitchFamily="34" charset="0"/>
+              <a:buChar char="•"/>
+            </a:pPr>
+            <a:r>
+              <a:rPr lang="es-AR" sz="1200" kern="1200" dirty="0" smtClean="0">
+                <a:solidFill>
+                  <a:schemeClr val="tx1"/>
+                </a:solidFill>
+                <a:effectLst/>
+                <a:latin typeface="+mn-lt"/>
+                <a:ea typeface="+mn-ea"/>
+                <a:cs typeface="+mn-cs"/>
+              </a:rPr>
+              <a:t>puede </a:t>
+            </a:r>
+            <a:r>
+              <a:rPr lang="es-AR" sz="1200" kern="1200" dirty="0" smtClean="0">
+                <a:solidFill>
+                  <a:schemeClr val="tx1"/>
+                </a:solidFill>
+                <a:effectLst/>
+                <a:latin typeface="+mn-lt"/>
+                <a:ea typeface="+mn-ea"/>
+                <a:cs typeface="+mn-cs"/>
+              </a:rPr>
+              <a:t>evitar </a:t>
+            </a:r>
+            <a:r>
+              <a:rPr lang="es-AR" sz="1200" kern="1200" dirty="0" smtClean="0">
+                <a:solidFill>
+                  <a:schemeClr val="tx1"/>
+                </a:solidFill>
+                <a:effectLst/>
+                <a:latin typeface="+mn-lt"/>
+                <a:ea typeface="+mn-ea"/>
+                <a:cs typeface="+mn-cs"/>
+              </a:rPr>
+              <a:t>la fuga de información, ya que en caso de filtrarse hacia el exterior, se podría señalar de manera directa a todos aquellos que tuvieron acceso y se podría analizar su </a:t>
+            </a:r>
+            <a:r>
+              <a:rPr lang="es-AR" sz="1200" kern="1200" dirty="0" smtClean="0">
+                <a:solidFill>
+                  <a:schemeClr val="tx1"/>
+                </a:solidFill>
+                <a:effectLst/>
+                <a:latin typeface="+mn-lt"/>
+                <a:ea typeface="+mn-ea"/>
+                <a:cs typeface="+mn-cs"/>
+              </a:rPr>
+              <a:t>uso previo al incidente, obteniendo posibles conclusiones y </a:t>
+            </a:r>
+            <a:r>
+              <a:rPr lang="es-AR" sz="1200" kern="1200" dirty="0" smtClean="0">
+                <a:solidFill>
+                  <a:schemeClr val="tx1"/>
+                </a:solidFill>
+                <a:effectLst/>
+                <a:latin typeface="+mn-lt"/>
+                <a:ea typeface="+mn-ea"/>
+                <a:cs typeface="+mn-cs"/>
+              </a:rPr>
+              <a:t>responsables</a:t>
+            </a:r>
+          </a:p>
+          <a:p>
+            <a:pPr marL="171450" indent="-171450">
+              <a:buFont typeface="Arial" panose="020B0604020202020204" pitchFamily="34" charset="0"/>
+              <a:buChar char="•"/>
+            </a:pPr>
             <a:endParaRPr lang="es-AR" sz="1200" b="1" kern="1200" dirty="0" smtClean="0">
               <a:solidFill>
                 <a:schemeClr val="tx1"/>
@@ -3901,6 +4186,10 @@
             </a:endParaRPr>
           </a:p>
           <a:p>
+            <a:pPr marL="171450" indent="-171450">
+              <a:buFont typeface="Arial" panose="020B0604020202020204" pitchFamily="34" charset="0"/>
+              <a:buChar char="•"/>
+            </a:pPr>
             <a:r>
               <a:rPr lang="es-AR" sz="1200" kern="1200" dirty="0" smtClean="0">
                 <a:solidFill>
@@ -3911,7 +4200,277 @@
                 <a:ea typeface="+mn-ea"/>
                 <a:cs typeface="+mn-cs"/>
               </a:rPr>
-              <a:t> </a:t>
+              <a:t>de </a:t>
+            </a:r>
+            <a:r>
+              <a:rPr lang="es-AR" sz="1200" kern="1200" dirty="0" smtClean="0">
+                <a:solidFill>
+                  <a:schemeClr val="tx1"/>
+                </a:solidFill>
+                <a:effectLst/>
+                <a:latin typeface="+mn-lt"/>
+                <a:ea typeface="+mn-ea"/>
+                <a:cs typeface="+mn-cs"/>
+              </a:rPr>
+              <a:t>alcance internacional, y normativas vinculadas a lo que se quiera organizar. </a:t>
+            </a:r>
+            <a:endParaRPr lang="es-AR" sz="1200" kern="1200" dirty="0" smtClean="0">
+              <a:solidFill>
+                <a:schemeClr val="tx1"/>
+              </a:solidFill>
+              <a:effectLst/>
+              <a:latin typeface="+mn-lt"/>
+              <a:ea typeface="+mn-ea"/>
+              <a:cs typeface="+mn-cs"/>
+            </a:endParaRPr>
+          </a:p>
+          <a:p>
+            <a:pPr marL="171450" indent="-171450">
+              <a:buFont typeface="Arial" panose="020B0604020202020204" pitchFamily="34" charset="0"/>
+              <a:buChar char="•"/>
+            </a:pPr>
+            <a:r>
+              <a:rPr lang="es-AR" sz="1200" kern="1200" dirty="0" smtClean="0">
+                <a:solidFill>
+                  <a:schemeClr val="tx1"/>
+                </a:solidFill>
+                <a:effectLst/>
+                <a:latin typeface="+mn-lt"/>
+                <a:ea typeface="+mn-ea"/>
+                <a:cs typeface="+mn-cs"/>
+              </a:rPr>
+              <a:t>La </a:t>
+            </a:r>
+            <a:r>
+              <a:rPr lang="es-AR" sz="1200" kern="1200" dirty="0" smtClean="0">
+                <a:solidFill>
+                  <a:schemeClr val="tx1"/>
+                </a:solidFill>
+                <a:effectLst/>
+                <a:latin typeface="+mn-lt"/>
+                <a:ea typeface="+mn-ea"/>
+                <a:cs typeface="+mn-cs"/>
+              </a:rPr>
+              <a:t>fuga de información está contemplada dentro de la gestión de la seguridad, y como tal se describen contramedidas y técnicas en distintos estándares. </a:t>
+            </a:r>
+            <a:endParaRPr lang="es-AR" sz="1200" kern="1200" dirty="0" smtClean="0">
+              <a:solidFill>
+                <a:schemeClr val="tx1"/>
+              </a:solidFill>
+              <a:effectLst/>
+              <a:latin typeface="+mn-lt"/>
+              <a:ea typeface="+mn-ea"/>
+              <a:cs typeface="+mn-cs"/>
+            </a:endParaRPr>
+          </a:p>
+          <a:p>
+            <a:pPr marL="171450" indent="-171450">
+              <a:buFont typeface="Arial" panose="020B0604020202020204" pitchFamily="34" charset="0"/>
+              <a:buChar char="•"/>
+            </a:pPr>
+            <a:r>
+              <a:rPr lang="es-AR" sz="1200" kern="1200" dirty="0" smtClean="0">
+                <a:solidFill>
+                  <a:schemeClr val="tx1"/>
+                </a:solidFill>
+                <a:effectLst/>
+                <a:latin typeface="+mn-lt"/>
+                <a:ea typeface="+mn-ea"/>
+                <a:cs typeface="+mn-cs"/>
+              </a:rPr>
+              <a:t>normas </a:t>
+            </a:r>
+            <a:r>
+              <a:rPr lang="es-AR" sz="1200" kern="1200" dirty="0" smtClean="0">
+                <a:solidFill>
+                  <a:schemeClr val="tx1"/>
+                </a:solidFill>
+                <a:effectLst/>
+                <a:latin typeface="+mn-lt"/>
+                <a:ea typeface="+mn-ea"/>
+                <a:cs typeface="+mn-cs"/>
+              </a:rPr>
+              <a:t>ISO 27000, que está especialmente dedicada a seguridad de la </a:t>
+            </a:r>
+            <a:r>
+              <a:rPr lang="es-AR" sz="1200" kern="1200" dirty="0" smtClean="0">
+                <a:solidFill>
+                  <a:schemeClr val="tx1"/>
+                </a:solidFill>
+                <a:effectLst/>
+                <a:latin typeface="+mn-lt"/>
+                <a:ea typeface="+mn-ea"/>
+                <a:cs typeface="+mn-cs"/>
+              </a:rPr>
+              <a:t>información</a:t>
+            </a:r>
+          </a:p>
+          <a:p>
+            <a:pPr marL="628650" lvl="1" indent="-171450">
+              <a:buFont typeface="Arial" panose="020B0604020202020204" pitchFamily="34" charset="0"/>
+              <a:buChar char="•"/>
+            </a:pPr>
+            <a:r>
+              <a:rPr lang="es-AR" sz="1200" kern="1200" dirty="0" smtClean="0">
+                <a:solidFill>
+                  <a:schemeClr val="tx1"/>
+                </a:solidFill>
+                <a:effectLst/>
+                <a:latin typeface="+mn-lt"/>
+                <a:ea typeface="+mn-ea"/>
+                <a:cs typeface="+mn-cs"/>
+              </a:rPr>
+              <a:t>27001</a:t>
+            </a:r>
+            <a:r>
+              <a:rPr lang="es-AR" sz="1200" kern="1200" dirty="0" smtClean="0">
+                <a:solidFill>
+                  <a:schemeClr val="tx1"/>
+                </a:solidFill>
+                <a:effectLst/>
+                <a:latin typeface="+mn-lt"/>
+                <a:ea typeface="+mn-ea"/>
+                <a:cs typeface="+mn-cs"/>
+              </a:rPr>
+              <a:t>, </a:t>
+            </a:r>
+            <a:r>
+              <a:rPr lang="es-AR" sz="1200" kern="1200" dirty="0" smtClean="0">
+                <a:solidFill>
+                  <a:schemeClr val="tx1"/>
+                </a:solidFill>
+                <a:effectLst/>
+                <a:latin typeface="+mn-lt"/>
+                <a:ea typeface="+mn-ea"/>
+                <a:cs typeface="+mn-cs"/>
+              </a:rPr>
+              <a:t>requisitos </a:t>
+            </a:r>
+            <a:r>
+              <a:rPr lang="es-AR" sz="1200" kern="1200" dirty="0" smtClean="0">
+                <a:solidFill>
+                  <a:schemeClr val="tx1"/>
+                </a:solidFill>
+                <a:effectLst/>
+                <a:latin typeface="+mn-lt"/>
+                <a:ea typeface="+mn-ea"/>
+                <a:cs typeface="+mn-cs"/>
+              </a:rPr>
+              <a:t>para implementar un sistema de gestión de seguridad</a:t>
+            </a:r>
+            <a:r>
+              <a:rPr lang="es-AR" sz="1200" kern="1200" dirty="0" smtClean="0">
+                <a:solidFill>
+                  <a:schemeClr val="tx1"/>
+                </a:solidFill>
+                <a:effectLst/>
+                <a:latin typeface="+mn-lt"/>
+                <a:ea typeface="+mn-ea"/>
+                <a:cs typeface="+mn-cs"/>
+              </a:rPr>
+              <a:t>,</a:t>
+            </a:r>
+          </a:p>
+          <a:p>
+            <a:pPr marL="628650" lvl="1" indent="-171450">
+              <a:buFont typeface="Arial" panose="020B0604020202020204" pitchFamily="34" charset="0"/>
+              <a:buChar char="•"/>
+            </a:pPr>
+            <a:r>
+              <a:rPr lang="es-AR" sz="1200" kern="1200" dirty="0" smtClean="0">
+                <a:solidFill>
+                  <a:schemeClr val="tx1"/>
+                </a:solidFill>
+                <a:effectLst/>
+                <a:latin typeface="+mn-lt"/>
+                <a:ea typeface="+mn-ea"/>
+                <a:cs typeface="+mn-cs"/>
+              </a:rPr>
+              <a:t>27002 define </a:t>
+            </a:r>
+            <a:r>
+              <a:rPr lang="es-AR" sz="1200" kern="1200" dirty="0" smtClean="0">
+                <a:solidFill>
+                  <a:schemeClr val="tx1"/>
+                </a:solidFill>
+                <a:effectLst/>
+                <a:latin typeface="+mn-lt"/>
+                <a:ea typeface="+mn-ea"/>
+                <a:cs typeface="+mn-cs"/>
+              </a:rPr>
+              <a:t>las mejores </a:t>
+            </a:r>
+            <a:r>
+              <a:rPr lang="es-AR" sz="1200" kern="1200" dirty="0" smtClean="0">
+                <a:solidFill>
+                  <a:schemeClr val="tx1"/>
+                </a:solidFill>
+                <a:effectLst/>
+                <a:latin typeface="+mn-lt"/>
+                <a:ea typeface="+mn-ea"/>
+                <a:cs typeface="+mn-cs"/>
+              </a:rPr>
+              <a:t>prácticas</a:t>
+            </a:r>
+          </a:p>
+          <a:p>
+            <a:pPr marL="628650" lvl="1" indent="-171450">
+              <a:buFont typeface="Arial" panose="020B0604020202020204" pitchFamily="34" charset="0"/>
+              <a:buChar char="•"/>
+            </a:pPr>
+            <a:r>
+              <a:rPr lang="es-AR" sz="1200" kern="1200" dirty="0" smtClean="0">
+                <a:solidFill>
+                  <a:schemeClr val="tx1"/>
+                </a:solidFill>
+                <a:effectLst/>
+                <a:latin typeface="+mn-lt"/>
+                <a:ea typeface="+mn-ea"/>
+                <a:cs typeface="+mn-cs"/>
+              </a:rPr>
+              <a:t>27004 métricas</a:t>
+            </a:r>
+          </a:p>
+          <a:p>
+            <a:pPr marL="628650" lvl="1" indent="-171450">
+              <a:buFont typeface="Arial" panose="020B0604020202020204" pitchFamily="34" charset="0"/>
+              <a:buChar char="•"/>
+            </a:pPr>
+            <a:r>
+              <a:rPr lang="es-AR" sz="1200" kern="1200" dirty="0" smtClean="0">
+                <a:solidFill>
+                  <a:schemeClr val="tx1"/>
+                </a:solidFill>
+                <a:effectLst/>
+                <a:latin typeface="+mn-lt"/>
+                <a:ea typeface="+mn-ea"/>
+                <a:cs typeface="+mn-cs"/>
+              </a:rPr>
+              <a:t>27005 gestión </a:t>
+            </a:r>
+            <a:r>
+              <a:rPr lang="es-AR" sz="1200" kern="1200" dirty="0" smtClean="0">
+                <a:solidFill>
+                  <a:schemeClr val="tx1"/>
+                </a:solidFill>
+                <a:effectLst/>
+                <a:latin typeface="+mn-lt"/>
+                <a:ea typeface="+mn-ea"/>
+                <a:cs typeface="+mn-cs"/>
+              </a:rPr>
+              <a:t>de riesgos, entre </a:t>
+            </a:r>
+            <a:r>
+              <a:rPr lang="es-AR" sz="1200" kern="1200" dirty="0" smtClean="0">
+                <a:solidFill>
+                  <a:schemeClr val="tx1"/>
+                </a:solidFill>
+                <a:effectLst/>
+                <a:latin typeface="+mn-lt"/>
+                <a:ea typeface="+mn-ea"/>
+                <a:cs typeface="+mn-cs"/>
+              </a:rPr>
+              <a:t>otras</a:t>
             </a:r>
             <a:endParaRPr lang="en-US" sz="1200" kern="1200" dirty="0" smtClean="0">
               <a:solidFill>
@@ -3934,7 +4493,7 @@
                 <a:ea typeface="+mn-ea"/>
                 <a:cs typeface="+mn-cs"/>
               </a:rPr>
-              <a:t>Para la mayoría de las actividades es necesario basarse en estándares, normalmente de alcance internacional, y normativas vinculadas a lo que se quiera organizar. La fuga de información está contemplada dentro de la gestión de la seguridad, y como tal se describen contramedidas y técnicas en distintos estándares. Así pues, se apela con frecuencia a la serie de normas ISO 27000, que está especialmente dedicada a seguridad de la información. Dentro de esta familia se encuentran específicamente algunas normas como lo son la 27001, referida a los requisitos para implementar un sistema de gestión de seguridad, la 27002 que define las mejores prácticas, la 27004 que habla sobre las métricas, la 27005 que trata sobre la gestión de riesgos, entre otras.</a:t>
+              <a:t> </a:t>
             </a:r>
             <a:endParaRPr lang="en-US" sz="1200" kern="1200" dirty="0" smtClean="0">
               <a:solidFill>
@@ -3948,6 +4507,89 @@
           </a:p>
           <a:p>
             <a:r>
+              <a:rPr lang="es-AR" sz="1200" b="1" kern="1200" dirty="0" smtClean="0">
+                <a:solidFill>
+                  <a:schemeClr val="tx1"/>
+                </a:solidFill>
+                <a:effectLst/>
+                <a:latin typeface="+mn-lt"/>
+                <a:ea typeface="+mn-ea"/>
+                <a:cs typeface="+mn-cs"/>
+              </a:rPr>
+              <a:t>Uso de </a:t>
+            </a:r>
+            <a:r>
+              <a:rPr lang="es-AR" sz="1200" b="1" i="1" kern="1200" dirty="0" err="1" smtClean="0">
+                <a:solidFill>
+                  <a:schemeClr val="tx1"/>
+                </a:solidFill>
+                <a:effectLst/>
+                <a:latin typeface="+mn-lt"/>
+                <a:ea typeface="+mn-ea"/>
+                <a:cs typeface="+mn-cs"/>
+              </a:rPr>
+              <a:t>code</a:t>
+            </a:r>
+            <a:r>
+              <a:rPr lang="es-AR" sz="1200" b="1" i="1" kern="1200" dirty="0" smtClean="0">
+                <a:solidFill>
+                  <a:schemeClr val="tx1"/>
+                </a:solidFill>
+                <a:effectLst/>
+                <a:latin typeface="+mn-lt"/>
+                <a:ea typeface="+mn-ea"/>
+                <a:cs typeface="+mn-cs"/>
+              </a:rPr>
+              <a:t> </a:t>
+            </a:r>
+            <a:r>
+              <a:rPr lang="es-AR" sz="1200" b="1" i="1" kern="1200" dirty="0" err="1" smtClean="0">
+                <a:solidFill>
+                  <a:schemeClr val="tx1"/>
+                </a:solidFill>
+                <a:effectLst/>
+                <a:latin typeface="+mn-lt"/>
+                <a:ea typeface="+mn-ea"/>
+                <a:cs typeface="+mn-cs"/>
+              </a:rPr>
+              <a:t>names</a:t>
+            </a:r>
+            <a:r>
+              <a:rPr lang="es-AR" sz="1200" b="1" i="1" kern="1200" dirty="0" smtClean="0">
+                <a:solidFill>
+                  <a:schemeClr val="tx1"/>
+                </a:solidFill>
+                <a:effectLst/>
+                <a:latin typeface="+mn-lt"/>
+                <a:ea typeface="+mn-ea"/>
+                <a:cs typeface="+mn-cs"/>
+              </a:rPr>
+              <a:t> </a:t>
+            </a:r>
+            <a:r>
+              <a:rPr lang="es-AR" sz="1200" b="1" kern="1200" dirty="0" smtClean="0">
+                <a:solidFill>
+                  <a:schemeClr val="tx1"/>
+                </a:solidFill>
+                <a:effectLst/>
+                <a:latin typeface="+mn-lt"/>
+                <a:ea typeface="+mn-ea"/>
+                <a:cs typeface="+mn-cs"/>
+              </a:rPr>
+              <a:t>para los proyectos</a:t>
+            </a:r>
+            <a:endParaRPr lang="en-US" sz="1200" b="1" kern="1200" dirty="0" smtClean="0">
+              <a:solidFill>
+                <a:schemeClr val="tx1"/>
+              </a:solidFill>
+              <a:effectLst/>
+              <a:latin typeface="+mn-lt"/>
+              <a:ea typeface="+mn-ea"/>
+              <a:cs typeface="+mn-cs"/>
+            </a:endParaRPr>
+          </a:p>
+          <a:p>
+            <a:r>
               <a:rPr lang="es-AR" sz="1200" kern="1200" dirty="0" smtClean="0">
                 <a:solidFill>
                   <a:schemeClr val="tx1"/>
@@ -3970,8 +4612,12 @@
             </a:endParaRPr>
           </a:p>
           <a:p>
-            <a:r>
-              <a:rPr lang="es-AR" sz="1200" b="1" kern="1200" dirty="0" smtClean="0">
+            <a:pPr marL="171450" indent="-171450">
+              <a:buFont typeface="Arial" panose="020B0604020202020204" pitchFamily="34" charset="0"/>
+              <a:buChar char="•"/>
+            </a:pPr>
+            <a:r>
+              <a:rPr lang="es-AR" sz="1200" kern="1200" dirty="0" smtClean="0">
                 <a:solidFill>
                   <a:schemeClr val="tx1"/>
                 </a:solidFill>
@@ -3980,10 +4626,10 @@
                 <a:ea typeface="+mn-ea"/>
                 <a:cs typeface="+mn-cs"/>
               </a:rPr>
-              <a:t>Uso de </a:t>
-            </a:r>
-            <a:r>
-              <a:rPr lang="es-AR" sz="1200" b="1" i="1" kern="1200" dirty="0" err="1" smtClean="0">
+              <a:t>se </a:t>
+            </a:r>
+            <a:r>
+              <a:rPr lang="es-AR" sz="1200" kern="1200" dirty="0" smtClean="0">
                 <a:solidFill>
                   <a:schemeClr val="tx1"/>
                 </a:solidFill>
@@ -3992,57 +4638,9 @@
                 <a:ea typeface="+mn-ea"/>
                 <a:cs typeface="+mn-cs"/>
               </a:rPr>
-              <a:t>code</a:t>
-            </a:r>
-            <a:r>
-              <a:rPr lang="es-AR" sz="1200" b="1" i="1" kern="1200" dirty="0" smtClean="0">
-                <a:solidFill>
-                  <a:schemeClr val="tx1"/>
-                </a:solidFill>
-                <a:effectLst/>
-                <a:latin typeface="+mn-lt"/>
-                <a:ea typeface="+mn-ea"/>
-                <a:cs typeface="+mn-cs"/>
-              </a:rPr>
-              <a:t> </a:t>
-            </a:r>
-            <a:r>
-              <a:rPr lang="es-AR" sz="1200" b="1" i="1" kern="1200" dirty="0" err="1" smtClean="0">
-                <a:solidFill>
-                  <a:schemeClr val="tx1"/>
-                </a:solidFill>
-                <a:effectLst/>
-                <a:latin typeface="+mn-lt"/>
-                <a:ea typeface="+mn-ea"/>
-                <a:cs typeface="+mn-cs"/>
-              </a:rPr>
-              <a:t>names</a:t>
-            </a:r>
-            <a:r>
-              <a:rPr lang="es-AR" sz="1200" b="1" i="1" kern="1200" dirty="0" smtClean="0">
-                <a:solidFill>
-                  <a:schemeClr val="tx1"/>
-                </a:solidFill>
-                <a:effectLst/>
-                <a:latin typeface="+mn-lt"/>
-                <a:ea typeface="+mn-ea"/>
-                <a:cs typeface="+mn-cs"/>
-              </a:rPr>
-              <a:t> </a:t>
-            </a:r>
-            <a:r>
-              <a:rPr lang="es-AR" sz="1200" b="1" kern="1200" dirty="0" smtClean="0">
-                <a:solidFill>
-                  <a:schemeClr val="tx1"/>
-                </a:solidFill>
-                <a:effectLst/>
-                <a:latin typeface="+mn-lt"/>
-                <a:ea typeface="+mn-ea"/>
-                <a:cs typeface="+mn-cs"/>
-              </a:rPr>
-              <a:t>para los proyectos</a:t>
-            </a:r>
-            <a:endParaRPr lang="en-US" sz="1200" b="1" kern="1200" dirty="0" smtClean="0">
+              <a:t>aplica a empresas comerciales, particularmente tecnológicas. </a:t>
+            </a:r>
+            <a:endParaRPr lang="es-AR" sz="1200" kern="1200" dirty="0" smtClean="0">
               <a:solidFill>
                 <a:schemeClr val="tx1"/>
               </a:solidFill>
@@ -4053,6 +4651,10 @@
             </a:endParaRPr>
           </a:p>
           <a:p>
+            <a:pPr marL="171450" indent="-171450">
+              <a:buFont typeface="Arial" panose="020B0604020202020204" pitchFamily="34" charset="0"/>
+              <a:buChar char="•"/>
+            </a:pPr>
             <a:r>
               <a:rPr lang="es-AR" sz="1200" kern="1200" dirty="0" smtClean="0">
                 <a:solidFill>
@@ -4063,7 +4665,19 @@
                 <a:ea typeface="+mn-ea"/>
                 <a:cs typeface="+mn-cs"/>
               </a:rPr>
-              <a:t> </a:t>
+              <a:t>nombres </a:t>
+            </a:r>
+            <a:r>
+              <a:rPr lang="es-AR" sz="1200" kern="1200" dirty="0" smtClean="0">
+                <a:solidFill>
+                  <a:schemeClr val="tx1"/>
+                </a:solidFill>
+                <a:effectLst/>
+                <a:latin typeface="+mn-lt"/>
+                <a:ea typeface="+mn-ea"/>
+                <a:cs typeface="+mn-cs"/>
+              </a:rPr>
+              <a:t>clave para los productos que están en fase de desarrollo y aún no se han lanzado al mercado. </a:t>
             </a:r>
             <a:endParaRPr lang="en-US" sz="1200" kern="1200" dirty="0" smtClean="0">
               <a:solidFill>
@@ -4076,8 +4690,12 @@
             </a:endParaRPr>
           </a:p>
           <a:p>
-            <a:r>
-              <a:rPr lang="es-AR" sz="1200" kern="1200" dirty="0" smtClean="0">
+            <a:pPr marL="171450" indent="-171450">
+              <a:buFont typeface="Arial" panose="020B0604020202020204" pitchFamily="34" charset="0"/>
+              <a:buChar char="•"/>
+            </a:pPr>
+            <a:r>
+              <a:rPr lang="es-AR" sz="1200" u="none" strike="noStrike" kern="1200" dirty="0" smtClean="0">
                 <a:solidFill>
                   <a:schemeClr val="tx1"/>
                 </a:solidFill>
@@ -4086,10 +4704,10 @@
                 <a:ea typeface="+mn-ea"/>
                 <a:cs typeface="+mn-cs"/>
               </a:rPr>
-              <a:t>Este mecanismo de defensa solo se aplica a empresas comerciales, particularmente tecnológicas. Gigantes como Microsoft y Apple suelen utilizar nombres clave para los productos que están en fase de desarrollo y aún no se han lanzado al mercado. Como ejemplos podemos mencionar al proyecto </a:t>
-            </a:r>
-            <a:r>
-              <a:rPr lang="es-AR" sz="1200" kern="1200" dirty="0" err="1" smtClean="0">
+              <a:t>Permiten </a:t>
+            </a:r>
+            <a:r>
+              <a:rPr lang="es-AR" sz="1200" u="none" strike="noStrike" kern="1200" dirty="0" smtClean="0">
                 <a:solidFill>
                   <a:schemeClr val="tx1"/>
                 </a:solidFill>
@@ -4098,21 +4716,9 @@
                 <a:ea typeface="+mn-ea"/>
                 <a:cs typeface="+mn-cs"/>
               </a:rPr>
-              <a:t>Blackcomb</a:t>
-            </a:r>
-            <a:r>
-              <a:rPr lang="es-AR" sz="1200" kern="1200" dirty="0" smtClean="0">
-                <a:solidFill>
-                  <a:schemeClr val="tx1"/>
-                </a:solidFill>
-                <a:effectLst/>
-                <a:latin typeface="+mn-lt"/>
-                <a:ea typeface="+mn-ea"/>
-                <a:cs typeface="+mn-cs"/>
-              </a:rPr>
-              <a:t> (Windows 7).</a:t>
-            </a:r>
-            <a:endParaRPr lang="en-US" sz="1200" kern="1200" dirty="0" smtClean="0">
+              <a:t>a los trabajadores de dichos productos hablar sobre los mismos sin revelar de qué se trata a terceros. </a:t>
+            </a:r>
+            <a:endParaRPr lang="es-AR" sz="1200" u="none" strike="noStrike" kern="1200" dirty="0" smtClean="0">
               <a:solidFill>
                 <a:schemeClr val="tx1"/>
               </a:solidFill>
@@ -4123,8 +4729,12 @@
             </a:endParaRPr>
           </a:p>
           <a:p>
-            <a:r>
-              <a:rPr lang="es-AR" sz="1200" kern="1200" dirty="0" smtClean="0">
+            <a:pPr marL="171450" indent="-171450">
+              <a:buFont typeface="Arial" panose="020B0604020202020204" pitchFamily="34" charset="0"/>
+              <a:buChar char="•"/>
+            </a:pPr>
+            <a:r>
+              <a:rPr lang="es-AR" sz="1200" u="none" strike="noStrike" kern="1200" dirty="0" smtClean="0">
                 <a:solidFill>
                   <a:schemeClr val="tx1"/>
                 </a:solidFill>
@@ -4133,21 +4743,10 @@
                 <a:ea typeface="+mn-ea"/>
                 <a:cs typeface="+mn-cs"/>
               </a:rPr>
-              <a:t> </a:t>
-            </a:r>
-            <a:endParaRPr lang="en-US" sz="1200" kern="1200" dirty="0" smtClean="0">
-              <a:solidFill>
-                <a:schemeClr val="tx1"/>
-              </a:solidFill>
-              <a:effectLst/>
-              <a:latin typeface="+mn-lt"/>
-              <a:ea typeface="+mn-ea"/>
-              <a:cs typeface="+mn-cs"/>
-            </a:endParaRPr>
-          </a:p>
-          <a:p>
-            <a:r>
-              <a:rPr lang="es-AR" sz="1200" kern="1200" dirty="0" smtClean="0">
+              <a:t>se </a:t>
+            </a:r>
+            <a:r>
+              <a:rPr lang="es-AR" sz="1200" u="none" strike="noStrike" kern="1200" dirty="0" smtClean="0">
                 <a:solidFill>
                   <a:schemeClr val="tx1"/>
                 </a:solidFill>
@@ -4156,38 +4755,17 @@
                 <a:ea typeface="+mn-ea"/>
                 <a:cs typeface="+mn-cs"/>
               </a:rPr>
-              <a:t>Las razones para su uso son varias:</a:t>
-            </a:r>
-            <a:endParaRPr lang="en-US" sz="1200" kern="1200" dirty="0" smtClean="0">
-              <a:solidFill>
-                <a:schemeClr val="tx1"/>
-              </a:solidFill>
-              <a:effectLst/>
-              <a:latin typeface="+mn-lt"/>
-              <a:ea typeface="+mn-ea"/>
-              <a:cs typeface="+mn-cs"/>
-            </a:endParaRPr>
-          </a:p>
-          <a:p>
-            <a:pPr lvl="0"/>
-            <a:r>
-              <a:rPr lang="es-AR" sz="1200" u="none" strike="noStrike" kern="1200" dirty="0" smtClean="0">
-                <a:solidFill>
-                  <a:schemeClr val="tx1"/>
-                </a:solidFill>
-                <a:effectLst/>
-                <a:latin typeface="+mn-lt"/>
-                <a:ea typeface="+mn-ea"/>
-                <a:cs typeface="+mn-cs"/>
-              </a:rPr>
-              <a:t>Permiten a los trabajadores de dichos productos hablar sobre los mismos sin revelar de qué se trata a terceros. Al utilizar nombres neutrales, se obliga a enfocarse en el producto y prevenir la generación de asociaciones basándose en el nombre.</a:t>
+              <a:t>obliga a enfocarse en el producto y prevenir la generación de asociaciones basándose en el nombre.</a:t>
             </a:r>
             <a:endParaRPr lang="en-US" u="none" strike="noStrike" dirty="0" smtClean="0">
               <a:effectLst/>
             </a:endParaRPr>
           </a:p>
           <a:p>
-            <a:pPr lvl="0"/>
+            <a:pPr marL="171450" lvl="0" indent="-171450">
+              <a:buFont typeface="Arial" panose="020B0604020202020204" pitchFamily="34" charset="0"/>
+              <a:buChar char="•"/>
+            </a:pPr>
             <a:r>
               <a:rPr lang="es-AR" sz="1200" u="none" strike="noStrike" kern="1200" dirty="0" smtClean="0">
                 <a:solidFill>
@@ -4251,7 +4829,7 @@
     </p:spTree>
     <p:extLst>
       <p:ext uri="{BB962C8B-B14F-4D97-AF65-F5344CB8AC3E}">
-        <p14:creationId xmlns="" xmlns:p14="http://schemas.microsoft.com/office/powerpoint/2010/main" val="707643668"/>
+        <p14:creationId xmlns:p14="http://schemas.microsoft.com/office/powerpoint/2010/main" val="707643668"/>
       </p:ext>
     </p:extLst>
   </p:cSld>
@@ -4336,7 +4914,7 @@
     </p:spTree>
     <p:extLst>
       <p:ext uri="{BB962C8B-B14F-4D97-AF65-F5344CB8AC3E}">
-        <p14:creationId xmlns="" xmlns:p14="http://schemas.microsoft.com/office/powerpoint/2010/main" val="1554195"/>
+        <p14:creationId xmlns:p14="http://schemas.microsoft.com/office/powerpoint/2010/main" val="1554195"/>
       </p:ext>
     </p:extLst>
   </p:cSld>
@@ -4543,20 +5121,20 @@
     </p:spTree>
     <p:extLst>
       <p:ext uri="{BB962C8B-B14F-4D97-AF65-F5344CB8AC3E}">
-        <p14:creationId xmlns="" xmlns:p14="http://schemas.microsoft.com/office/powerpoint/2010/main" val="94999051"/>
+        <p14:creationId xmlns:p14="http://schemas.microsoft.com/office/powerpoint/2010/main" val="94999051"/>
       </p:ext>
     </p:extLst>
   </p:cSld>
   <p:clrMapOvr>
     <a:masterClrMapping/>
   </p:clrMapOvr>
-  <mc:AlternateContent xmlns:mc="http://schemas.openxmlformats.org/markup-compatibility/2006">
-    <mc:Choice xmlns="" xmlns:p14="http://schemas.microsoft.com/office/powerpoint/2010/main" Requires="p14">
+  <mc:AlternateContent xmlns:mc="http://schemas.openxmlformats.org/markup-compatibility/2006" xmlns:p14="http://schemas.microsoft.com/office/powerpoint/2010/main">
+    <mc:Choice Requires="p14">
       <p:transition spd="med" p14:dur="700">
         <p:fade/>
       </p:transition>
     </mc:Choice>
-    <mc:Fallback>
+    <mc:Fallback xmlns="">
       <p:transition spd="med">
         <p:fade/>
       </p:transition>
@@ -4734,20 +5312,20 @@
     </p:spTree>
     <p:extLst>
       <p:ext uri="{BB962C8B-B14F-4D97-AF65-F5344CB8AC3E}">
-        <p14:creationId xmlns="" xmlns:p14="http://schemas.microsoft.com/office/powerpoint/2010/main" val="460095310"/>
+        <p14:creationId xmlns:p14="http://schemas.microsoft.com/office/powerpoint/2010/main" val="460095310"/>
       </p:ext>
     </p:extLst>
   </p:cSld>
   <p:clrMapOvr>
     <a:masterClrMapping/>
   </p:clrMapOvr>
-  <mc:AlternateContent xmlns:mc="http://schemas.openxmlformats.org/markup-compatibility/2006">
-    <mc:Choice xmlns="" xmlns:p14="http://schemas.microsoft.com/office/powerpoint/2010/main" Requires="p14">
+  <mc:AlternateContent xmlns:mc="http://schemas.openxmlformats.org/markup-compatibility/2006" xmlns:p14="http://schemas.microsoft.com/office/powerpoint/2010/main">
+    <mc:Choice Requires="p14">
       <p:transition spd="med" p14:dur="700">
         <p:fade/>
       </p:transition>
     </mc:Choice>
-    <mc:Fallback>
+    <mc:Fallback xmlns="">
       <p:transition spd="med">
         <p:fade/>
       </p:transition>
@@ -4935,20 +5513,20 @@
     </p:spTree>
     <p:extLst>
       <p:ext uri="{BB962C8B-B14F-4D97-AF65-F5344CB8AC3E}">
-        <p14:creationId xmlns="" xmlns:p14="http://schemas.microsoft.com/office/powerpoint/2010/main" val="4079035419"/>
+        <p14:creationId xmlns:p14="http://schemas.microsoft.com/office/powerpoint/2010/main" val="4079035419"/>
       </p:ext>
     </p:extLst>
   </p:cSld>
   <p:clrMapOvr>
     <a:masterClrMapping/>
   </p:clrMapOvr>
-  <mc:AlternateContent xmlns:mc="http://schemas.openxmlformats.org/markup-compatibility/2006">
-    <mc:Choice xmlns="" xmlns:p14="http://schemas.microsoft.com/office/powerpoint/2010/main" Requires="p14">
+  <mc:AlternateContent xmlns:mc="http://schemas.openxmlformats.org/markup-compatibility/2006" xmlns:p14="http://schemas.microsoft.com/office/powerpoint/2010/main">
+    <mc:Choice Requires="p14">
       <p:transition spd="med" p14:dur="700">
         <p:fade/>
       </p:transition>
     </mc:Choice>
-    <mc:Fallback>
+    <mc:Fallback xmlns="">
       <p:transition spd="med">
         <p:fade/>
       </p:transition>
@@ -5133,20 +5711,20 @@
     </p:spTree>
     <p:extLst>
       <p:ext uri="{BB962C8B-B14F-4D97-AF65-F5344CB8AC3E}">
-        <p14:creationId xmlns="" xmlns:p14="http://schemas.microsoft.com/office/powerpoint/2010/main" val="2738254095"/>
+        <p14:creationId xmlns:p14="http://schemas.microsoft.com/office/powerpoint/2010/main" val="2738254095"/>
       </p:ext>
     </p:extLst>
   </p:cSld>
   <p:clrMapOvr>
     <a:masterClrMapping/>
   </p:clrMapOvr>
-  <mc:AlternateContent xmlns:mc="http://schemas.openxmlformats.org/markup-compatibility/2006">
-    <mc:Choice xmlns="" xmlns:p14="http://schemas.microsoft.com/office/powerpoint/2010/main" Requires="p14">
+  <mc:AlternateContent xmlns:mc="http://schemas.openxmlformats.org/markup-compatibility/2006" xmlns:p14="http://schemas.microsoft.com/office/powerpoint/2010/main">
+    <mc:Choice Requires="p14">
       <p:transition spd="med" p14:dur="700">
         <p:fade/>
       </p:transition>
     </mc:Choice>
-    <mc:Fallback>
+    <mc:Fallback xmlns="">
       <p:transition spd="med">
         <p:fade/>
       </p:transition>
@@ -5422,20 +6000,20 @@
     </p:spTree>
     <p:extLst>
       <p:ext uri="{BB962C8B-B14F-4D97-AF65-F5344CB8AC3E}">
-        <p14:creationId xmlns="" xmlns:p14="http://schemas.microsoft.com/office/powerpoint/2010/main" val="1761813311"/>
+        <p14:creationId xmlns:p14="http://schemas.microsoft.com/office/powerpoint/2010/main" val="1761813311"/>
       </p:ext>
     </p:extLst>
   </p:cSld>
   <p:clrMapOvr>
     <a:masterClrMapping/>
   </p:clrMapOvr>
-  <mc:AlternateContent xmlns:mc="http://schemas.openxmlformats.org/markup-compatibility/2006">
-    <mc:Choice xmlns="" xmlns:p14="http://schemas.microsoft.com/office/powerpoint/2010/main" Requires="p14">
+  <mc:AlternateContent xmlns:mc="http://schemas.openxmlformats.org/markup-compatibility/2006" xmlns:p14="http://schemas.microsoft.com/office/powerpoint/2010/main">
+    <mc:Choice Requires="p14">
       <p:transition spd="med" p14:dur="700">
         <p:fade/>
       </p:transition>
     </mc:Choice>
-    <mc:Fallback>
+    <mc:Fallback xmlns="">
       <p:transition spd="med">
         <p:fade/>
       </p:transition>
@@ -5735,20 +6313,20 @@
     </p:spTree>
     <p:extLst>
       <p:ext uri="{BB962C8B-B14F-4D97-AF65-F5344CB8AC3E}">
-        <p14:creationId xmlns="" xmlns:p14="http://schemas.microsoft.com/office/powerpoint/2010/main" val="2825340762"/>
+        <p14:creationId xmlns:p14="http://schemas.microsoft.com/office/powerpoint/2010/main" val="2825340762"/>
       </p:ext>
     </p:extLst>
   </p:cSld>
   <p:clrMapOvr>
     <a:masterClrMapping/>
   </p:clrMapOvr>
-  <mc:AlternateContent xmlns:mc="http://schemas.openxmlformats.org/markup-compatibility/2006">
-    <mc:Choice xmlns="" xmlns:p14="http://schemas.microsoft.com/office/powerpoint/2010/main" Requires="p14">
+  <mc:AlternateContent xmlns:mc="http://schemas.openxmlformats.org/markup-compatibility/2006" xmlns:p14="http://schemas.microsoft.com/office/powerpoint/2010/main">
+    <mc:Choice Requires="p14">
       <p:transition spd="med" p14:dur="700">
         <p:fade/>
       </p:transition>
     </mc:Choice>
-    <mc:Fallback>
+    <mc:Fallback xmlns="">
       <p:transition spd="med">
         <p:fade/>
       </p:transition>
@@ -6200,20 +6778,20 @@
     </p:spTree>
     <p:extLst>
       <p:ext uri="{BB962C8B-B14F-4D97-AF65-F5344CB8AC3E}">
-        <p14:creationId xmlns="" xmlns:p14="http://schemas.microsoft.com/office/powerpoint/2010/main" val="4208419506"/>
+        <p14:creationId xmlns:p14="http://schemas.microsoft.com/office/powerpoint/2010/main" val="4208419506"/>
       </p:ext>
     </p:extLst>
   </p:cSld>
   <p:clrMapOvr>
     <a:masterClrMapping/>
   </p:clrMapOvr>
-  <mc:AlternateContent xmlns:mc="http://schemas.openxmlformats.org/markup-compatibility/2006">
-    <mc:Choice xmlns="" xmlns:p14="http://schemas.microsoft.com/office/powerpoint/2010/main" Requires="p14">
+  <mc:AlternateContent xmlns:mc="http://schemas.openxmlformats.org/markup-compatibility/2006" xmlns:p14="http://schemas.microsoft.com/office/powerpoint/2010/main">
+    <mc:Choice Requires="p14">
       <p:transition spd="med" p14:dur="700">
         <p:fade/>
       </p:transition>
     </mc:Choice>
-    <mc:Fallback>
+    <mc:Fallback xmlns="">
       <p:transition spd="med">
         <p:fade/>
       </p:transition>
@@ -6339,20 +6917,20 @@
     </p:spTree>
     <p:extLst>
       <p:ext uri="{BB962C8B-B14F-4D97-AF65-F5344CB8AC3E}">
-        <p14:creationId xmlns="" xmlns:p14="http://schemas.microsoft.com/office/powerpoint/2010/main" val="1626631400"/>
+        <p14:creationId xmlns:p14="http://schemas.microsoft.com/office/powerpoint/2010/main" val="1626631400"/>
       </p:ext>
     </p:extLst>
   </p:cSld>
   <p:clrMapOvr>
     <a:masterClrMapping/>
   </p:clrMapOvr>
-  <mc:AlternateContent xmlns:mc="http://schemas.openxmlformats.org/markup-compatibility/2006">
-    <mc:Choice xmlns="" xmlns:p14="http://schemas.microsoft.com/office/powerpoint/2010/main" Requires="p14">
+  <mc:AlternateContent xmlns:mc="http://schemas.openxmlformats.org/markup-compatibility/2006" xmlns:p14="http://schemas.microsoft.com/office/powerpoint/2010/main">
+    <mc:Choice Requires="p14">
       <p:transition spd="med" p14:dur="700">
         <p:fade/>
       </p:transition>
     </mc:Choice>
-    <mc:Fallback>
+    <mc:Fallback xmlns="">
       <p:transition spd="med">
         <p:fade/>
       </p:transition>
@@ -6463,20 +7041,20 @@
     </p:spTree>
     <p:extLst>
       <p:ext uri="{BB962C8B-B14F-4D97-AF65-F5344CB8AC3E}">
-        <p14:creationId xmlns="" xmlns:p14="http://schemas.microsoft.com/office/powerpoint/2010/main" val="3607540120"/>
+        <p14:creationId xmlns:p14="http://schemas.microsoft.com/office/powerpoint/2010/main" val="3607540120"/>
       </p:ext>
     </p:extLst>
   </p:cSld>
   <p:clrMapOvr>
     <a:masterClrMapping/>
   </p:clrMapOvr>
-  <mc:AlternateContent xmlns:mc="http://schemas.openxmlformats.org/markup-compatibility/2006">
-    <mc:Choice xmlns="" xmlns:p14="http://schemas.microsoft.com/office/powerpoint/2010/main" Requires="p14">
+  <mc:AlternateContent xmlns:mc="http://schemas.openxmlformats.org/markup-compatibility/2006" xmlns:p14="http://schemas.microsoft.com/office/powerpoint/2010/main">
+    <mc:Choice Requires="p14">
       <p:transition spd="med" p14:dur="700">
         <p:fade/>
       </p:transition>
     </mc:Choice>
-    <mc:Fallback>
+    <mc:Fallback xmlns="">
       <p:transition spd="med">
         <p:fade/>
       </p:transition>
@@ -6794,20 +7372,20 @@
     </p:spTree>
     <p:extLst>
       <p:ext uri="{BB962C8B-B14F-4D97-AF65-F5344CB8AC3E}">
-        <p14:creationId xmlns="" xmlns:p14="http://schemas.microsoft.com/office/powerpoint/2010/main" val="2544981540"/>
+        <p14:creationId xmlns:p14="http://schemas.microsoft.com/office/powerpoint/2010/main" val="2544981540"/>
       </p:ext>
     </p:extLst>
   </p:cSld>
   <p:clrMapOvr>
     <a:masterClrMapping/>
   </p:clrMapOvr>
-  <mc:AlternateContent xmlns:mc="http://schemas.openxmlformats.org/markup-compatibility/2006">
-    <mc:Choice xmlns="" xmlns:p14="http://schemas.microsoft.com/office/powerpoint/2010/main" Requires="p14">
+  <mc:AlternateContent xmlns:mc="http://schemas.openxmlformats.org/markup-compatibility/2006" xmlns:p14="http://schemas.microsoft.com/office/powerpoint/2010/main">
+    <mc:Choice Requires="p14">
       <p:transition spd="med" p14:dur="700">
         <p:fade/>
       </p:transition>
     </mc:Choice>
-    <mc:Fallback>
+    <mc:Fallback xmlns="">
       <p:transition spd="med">
         <p:fade/>
       </p:transition>
@@ -7114,20 +7692,20 @@
     </p:spTree>
     <p:extLst>
       <p:ext uri="{BB962C8B-B14F-4D97-AF65-F5344CB8AC3E}">
-        <p14:creationId xmlns="" xmlns:p14="http://schemas.microsoft.com/office/powerpoint/2010/main" val="2249172152"/>
+        <p14:creationId xmlns:p14="http://schemas.microsoft.com/office/powerpoint/2010/main" val="2249172152"/>
       </p:ext>
     </p:extLst>
   </p:cSld>
   <p:clrMapOvr>
     <a:masterClrMapping/>
   </p:clrMapOvr>
-  <mc:AlternateContent xmlns:mc="http://schemas.openxmlformats.org/markup-compatibility/2006">
-    <mc:Choice xmlns="" xmlns:p14="http://schemas.microsoft.com/office/powerpoint/2010/main" Requires="p14">
+  <mc:AlternateContent xmlns:mc="http://schemas.openxmlformats.org/markup-compatibility/2006" xmlns:p14="http://schemas.microsoft.com/office/powerpoint/2010/main">
+    <mc:Choice Requires="p14">
       <p:transition spd="med" p14:dur="700">
         <p:fade/>
       </p:transition>
     </mc:Choice>
-    <mc:Fallback>
+    <mc:Fallback xmlns="">
       <p:transition spd="med">
         <p:fade/>
       </p:transition>
@@ -7393,7 +7971,7 @@
     </p:spTree>
     <p:extLst>
       <p:ext uri="{BB962C8B-B14F-4D97-AF65-F5344CB8AC3E}">
-        <p14:creationId xmlns="" xmlns:p14="http://schemas.microsoft.com/office/powerpoint/2010/main" val="1403059996"/>
+        <p14:creationId xmlns:p14="http://schemas.microsoft.com/office/powerpoint/2010/main" val="1403059996"/>
       </p:ext>
     </p:extLst>
   </p:cSld>
@@ -7411,13 +7989,13 @@
     <p:sldLayoutId id="2147483658" r:id="rId10"/>
     <p:sldLayoutId id="2147483659" r:id="rId11"/>
   </p:sldLayoutIdLst>
-  <mc:AlternateContent xmlns:mc="http://schemas.openxmlformats.org/markup-compatibility/2006">
-    <mc:Choice xmlns="" xmlns:p14="http://schemas.microsoft.com/office/powerpoint/2010/main" Requires="p14">
+  <mc:AlternateContent xmlns:mc="http://schemas.openxmlformats.org/markup-compatibility/2006" xmlns:p14="http://schemas.microsoft.com/office/powerpoint/2010/main">
+    <mc:Choice Requires="p14">
       <p:transition spd="med" p14:dur="700">
         <p:fade/>
       </p:transition>
     </mc:Choice>
-    <mc:Fallback>
+    <mc:Fallback xmlns="">
       <p:transition spd="med">
         <p:fade/>
       </p:transition>
@@ -7732,7 +8310,7 @@
   </p:txStyles>
   <p:extLst mod="1">
     <p:ext uri="{27BBF7A9-308A-43DC-89C8-2F10F3537804}">
-      <p15:sldGuideLst xmlns="" xmlns:p15="http://schemas.microsoft.com/office/powerpoint/2012/main">
+      <p15:sldGuideLst xmlns:p15="http://schemas.microsoft.com/office/powerpoint/2012/main">
         <p15:guide id="1" pos="3839" userDrawn="1">
           <p15:clr>
             <a:srgbClr val="F26B43"/>
@@ -7879,7 +8457,7 @@
           <a:blip r:embed="rId2" cstate="print">
             <a:extLst>
               <a:ext uri="{28A0092B-C50C-407E-A947-70E740481C1C}">
-                <a14:useLocalDpi xmlns:a14="http://schemas.microsoft.com/office/drawing/2010/main" xmlns="" val="0"/>
+                <a14:useLocalDpi xmlns:a14="http://schemas.microsoft.com/office/drawing/2010/main" val="0"/>
               </a:ext>
             </a:extLst>
           </a:blip>
@@ -7899,7 +8477,7 @@
           <a:noFill/>
           <a:extLst>
             <a:ext uri="{909E8E84-426E-40DD-AFC4-6F175D3DCCD1}">
-              <a14:hiddenFill xmlns:a14="http://schemas.microsoft.com/office/drawing/2010/main" xmlns="">
+              <a14:hiddenFill xmlns:a14="http://schemas.microsoft.com/office/drawing/2010/main">
                 <a:solidFill>
                   <a:srgbClr val="FFFFFF"/>
                 </a:solidFill>
@@ -7911,20 +8489,20 @@
     </p:spTree>
     <p:extLst>
       <p:ext uri="{BB962C8B-B14F-4D97-AF65-F5344CB8AC3E}">
-        <p14:creationId xmlns:p14="http://schemas.microsoft.com/office/powerpoint/2010/main" xmlns="" val="2808920126"/>
+        <p14:creationId xmlns:p14="http://schemas.microsoft.com/office/powerpoint/2010/main" val="2808920126"/>
       </p:ext>
     </p:extLst>
   </p:cSld>
   <p:clrMapOvr>
     <a:masterClrMapping/>
   </p:clrMapOvr>
-  <mc:AlternateContent xmlns:mc="http://schemas.openxmlformats.org/markup-compatibility/2006">
-    <mc:Choice xmlns:p14="http://schemas.microsoft.com/office/powerpoint/2010/main" xmlns="" Requires="p14">
+  <mc:AlternateContent xmlns:mc="http://schemas.openxmlformats.org/markup-compatibility/2006" xmlns:p14="http://schemas.microsoft.com/office/powerpoint/2010/main">
+    <mc:Choice Requires="p14">
       <p:transition spd="med" p14:dur="700">
         <p:fade/>
       </p:transition>
     </mc:Choice>
-    <mc:Fallback>
+    <mc:Fallback xmlns="">
       <p:transition spd="med">
         <p:fade/>
       </p:transition>
@@ -8172,20 +8750,20 @@
     </p:spTree>
     <p:extLst>
       <p:ext uri="{BB962C8B-B14F-4D97-AF65-F5344CB8AC3E}">
-        <p14:creationId xmlns="" xmlns:p14="http://schemas.microsoft.com/office/powerpoint/2010/main" val="4207303638"/>
+        <p14:creationId xmlns:p14="http://schemas.microsoft.com/office/powerpoint/2010/main" val="4207303638"/>
       </p:ext>
     </p:extLst>
   </p:cSld>
   <p:clrMapOvr>
     <a:masterClrMapping/>
   </p:clrMapOvr>
-  <mc:AlternateContent xmlns:mc="http://schemas.openxmlformats.org/markup-compatibility/2006">
-    <mc:Choice xmlns="" xmlns:p14="http://schemas.microsoft.com/office/powerpoint/2010/main" Requires="p14">
+  <mc:AlternateContent xmlns:mc="http://schemas.openxmlformats.org/markup-compatibility/2006" xmlns:p14="http://schemas.microsoft.com/office/powerpoint/2010/main">
+    <mc:Choice Requires="p14">
       <p:transition spd="med" p14:dur="700">
         <p:fade/>
       </p:transition>
     </mc:Choice>
-    <mc:Fallback>
+    <mc:Fallback xmlns="">
       <p:transition spd="med">
         <p:fade/>
       </p:transition>
@@ -8279,20 +8857,20 @@
     </p:spTree>
     <p:extLst>
       <p:ext uri="{BB962C8B-B14F-4D97-AF65-F5344CB8AC3E}">
-        <p14:creationId xmlns="" xmlns:p14="http://schemas.microsoft.com/office/powerpoint/2010/main" val="3772183175"/>
+        <p14:creationId xmlns:p14="http://schemas.microsoft.com/office/powerpoint/2010/main" val="3772183175"/>
       </p:ext>
     </p:extLst>
   </p:cSld>
   <p:clrMapOvr>
     <a:masterClrMapping/>
   </p:clrMapOvr>
-  <mc:AlternateContent xmlns:mc="http://schemas.openxmlformats.org/markup-compatibility/2006">
-    <mc:Choice xmlns="" xmlns:p14="http://schemas.microsoft.com/office/powerpoint/2010/main" Requires="p14">
+  <mc:AlternateContent xmlns:mc="http://schemas.openxmlformats.org/markup-compatibility/2006" xmlns:p14="http://schemas.microsoft.com/office/powerpoint/2010/main">
+    <mc:Choice Requires="p14">
       <p:transition spd="med" p14:dur="700">
         <p:fade/>
       </p:transition>
     </mc:Choice>
-    <mc:Fallback>
+    <mc:Fallback xmlns="">
       <p:transition spd="med">
         <p:fade/>
       </p:transition>
@@ -8500,20 +9078,20 @@
     </p:spTree>
     <p:extLst>
       <p:ext uri="{BB962C8B-B14F-4D97-AF65-F5344CB8AC3E}">
-        <p14:creationId xmlns="" xmlns:p14="http://schemas.microsoft.com/office/powerpoint/2010/main" val="911844652"/>
+        <p14:creationId xmlns:p14="http://schemas.microsoft.com/office/powerpoint/2010/main" val="911844652"/>
       </p:ext>
     </p:extLst>
   </p:cSld>
   <p:clrMapOvr>
     <a:masterClrMapping/>
   </p:clrMapOvr>
-  <mc:AlternateContent xmlns:mc="http://schemas.openxmlformats.org/markup-compatibility/2006">
-    <mc:Choice xmlns="" xmlns:p14="http://schemas.microsoft.com/office/powerpoint/2010/main" Requires="p14">
+  <mc:AlternateContent xmlns:mc="http://schemas.openxmlformats.org/markup-compatibility/2006" xmlns:p14="http://schemas.microsoft.com/office/powerpoint/2010/main">
+    <mc:Choice Requires="p14">
       <p:transition spd="med" p14:dur="700">
         <p:fade/>
       </p:transition>
     </mc:Choice>
-    <mc:Fallback>
+    <mc:Fallback xmlns="">
       <p:transition spd="med">
         <p:fade/>
       </p:transition>
@@ -8689,20 +9267,20 @@
     </p:spTree>
     <p:extLst>
       <p:ext uri="{BB962C8B-B14F-4D97-AF65-F5344CB8AC3E}">
-        <p14:creationId xmlns="" xmlns:p14="http://schemas.microsoft.com/office/powerpoint/2010/main" val="3751154171"/>
+        <p14:creationId xmlns:p14="http://schemas.microsoft.com/office/powerpoint/2010/main" val="3751154171"/>
       </p:ext>
     </p:extLst>
   </p:cSld>
   <p:clrMapOvr>
     <a:masterClrMapping/>
   </p:clrMapOvr>
-  <mc:AlternateContent xmlns:mc="http://schemas.openxmlformats.org/markup-compatibility/2006">
-    <mc:Choice xmlns="" xmlns:p14="http://schemas.microsoft.com/office/powerpoint/2010/main" Requires="p14">
+  <mc:AlternateContent xmlns:mc="http://schemas.openxmlformats.org/markup-compatibility/2006" xmlns:p14="http://schemas.microsoft.com/office/powerpoint/2010/main">
+    <mc:Choice Requires="p14">
       <p:transition spd="med" p14:dur="700">
         <p:fade/>
       </p:transition>
     </mc:Choice>
-    <mc:Fallback>
+    <mc:Fallback xmlns="">
       <p:transition spd="med">
         <p:fade/>
       </p:transition>
@@ -8886,20 +9464,20 @@
     </p:spTree>
     <p:extLst>
       <p:ext uri="{BB962C8B-B14F-4D97-AF65-F5344CB8AC3E}">
-        <p14:creationId xmlns="" xmlns:p14="http://schemas.microsoft.com/office/powerpoint/2010/main" val="2714171304"/>
+        <p14:creationId xmlns:p14="http://schemas.microsoft.com/office/powerpoint/2010/main" val="2714171304"/>
       </p:ext>
     </p:extLst>
   </p:cSld>
   <p:clrMapOvr>
     <a:masterClrMapping/>
   </p:clrMapOvr>
-  <mc:AlternateContent xmlns:mc="http://schemas.openxmlformats.org/markup-compatibility/2006">
-    <mc:Choice xmlns="" xmlns:p14="http://schemas.microsoft.com/office/powerpoint/2010/main" Requires="p14">
+  <mc:AlternateContent xmlns:mc="http://schemas.openxmlformats.org/markup-compatibility/2006" xmlns:p14="http://schemas.microsoft.com/office/powerpoint/2010/main">
+    <mc:Choice Requires="p14">
       <p:transition spd="med" p14:dur="700">
         <p:fade/>
       </p:transition>
     </mc:Choice>
-    <mc:Fallback>
+    <mc:Fallback xmlns="">
       <p:transition spd="med">
         <p:fade/>
       </p:transition>
@@ -9078,20 +9656,20 @@
     </p:spTree>
     <p:extLst>
       <p:ext uri="{BB962C8B-B14F-4D97-AF65-F5344CB8AC3E}">
-        <p14:creationId xmlns="" xmlns:p14="http://schemas.microsoft.com/office/powerpoint/2010/main" val="2246987516"/>
+        <p14:creationId xmlns:p14="http://schemas.microsoft.com/office/powerpoint/2010/main" val="2246987516"/>
       </p:ext>
     </p:extLst>
   </p:cSld>
   <p:clrMapOvr>
     <a:masterClrMapping/>
   </p:clrMapOvr>
-  <mc:AlternateContent xmlns:mc="http://schemas.openxmlformats.org/markup-compatibility/2006">
-    <mc:Choice xmlns="" xmlns:p14="http://schemas.microsoft.com/office/powerpoint/2010/main" Requires="p14">
+  <mc:AlternateContent xmlns:mc="http://schemas.openxmlformats.org/markup-compatibility/2006" xmlns:p14="http://schemas.microsoft.com/office/powerpoint/2010/main">
+    <mc:Choice Requires="p14">
       <p:transition spd="med" p14:dur="700">
         <p:fade/>
       </p:transition>
     </mc:Choice>
-    <mc:Fallback>
+    <mc:Fallback xmlns="">
       <p:transition spd="med">
         <p:fade/>
       </p:transition>
@@ -9289,20 +9867,20 @@
     </p:spTree>
     <p:extLst>
       <p:ext uri="{BB962C8B-B14F-4D97-AF65-F5344CB8AC3E}">
-        <p14:creationId xmlns="" xmlns:p14="http://schemas.microsoft.com/office/powerpoint/2010/main" val="3025649002"/>
+        <p14:creationId xmlns:p14="http://schemas.microsoft.com/office/powerpoint/2010/main" val="3025649002"/>
       </p:ext>
     </p:extLst>
   </p:cSld>
   <p:clrMapOvr>
     <a:masterClrMapping/>
   </p:clrMapOvr>
-  <mc:AlternateContent xmlns:mc="http://schemas.openxmlformats.org/markup-compatibility/2006">
-    <mc:Choice xmlns="" xmlns:p14="http://schemas.microsoft.com/office/powerpoint/2010/main" Requires="p14">
+  <mc:AlternateContent xmlns:mc="http://schemas.openxmlformats.org/markup-compatibility/2006" xmlns:p14="http://schemas.microsoft.com/office/powerpoint/2010/main">
+    <mc:Choice Requires="p14">
       <p:transition spd="med" p14:dur="700">
         <p:fade/>
       </p:transition>
     </mc:Choice>
-    <mc:Fallback>
+    <mc:Fallback xmlns="">
       <p:transition spd="med">
         <p:fade/>
       </p:transition>
@@ -9439,20 +10017,20 @@
     </p:spTree>
     <p:extLst>
       <p:ext uri="{BB962C8B-B14F-4D97-AF65-F5344CB8AC3E}">
-        <p14:creationId xmlns="" xmlns:p14="http://schemas.microsoft.com/office/powerpoint/2010/main" val="3410413250"/>
+        <p14:creationId xmlns:p14="http://schemas.microsoft.com/office/powerpoint/2010/main" val="3410413250"/>
       </p:ext>
     </p:extLst>
   </p:cSld>
   <p:clrMapOvr>
     <a:masterClrMapping/>
   </p:clrMapOvr>
-  <mc:AlternateContent xmlns:mc="http://schemas.openxmlformats.org/markup-compatibility/2006">
-    <mc:Choice xmlns="" xmlns:p14="http://schemas.microsoft.com/office/powerpoint/2010/main" Requires="p14">
+  <mc:AlternateContent xmlns:mc="http://schemas.openxmlformats.org/markup-compatibility/2006" xmlns:p14="http://schemas.microsoft.com/office/powerpoint/2010/main">
+    <mc:Choice Requires="p14">
       <p:transition spd="med" p14:dur="700">
         <p:fade/>
       </p:transition>
     </mc:Choice>
-    <mc:Fallback>
+    <mc:Fallback xmlns="">
       <p:transition spd="med">
         <p:fade/>
       </p:transition>
@@ -9652,20 +10230,20 @@
     </p:spTree>
     <p:extLst>
       <p:ext uri="{BB962C8B-B14F-4D97-AF65-F5344CB8AC3E}">
-        <p14:creationId xmlns="" xmlns:p14="http://schemas.microsoft.com/office/powerpoint/2010/main" val="23673588"/>
+        <p14:creationId xmlns:p14="http://schemas.microsoft.com/office/powerpoint/2010/main" val="23673588"/>
       </p:ext>
     </p:extLst>
   </p:cSld>
   <p:clrMapOvr>
     <a:masterClrMapping/>
   </p:clrMapOvr>
-  <mc:AlternateContent xmlns:mc="http://schemas.openxmlformats.org/markup-compatibility/2006">
-    <mc:Choice xmlns="" xmlns:p14="http://schemas.microsoft.com/office/powerpoint/2010/main" Requires="p14">
+  <mc:AlternateContent xmlns:mc="http://schemas.openxmlformats.org/markup-compatibility/2006" xmlns:p14="http://schemas.microsoft.com/office/powerpoint/2010/main">
+    <mc:Choice Requires="p14">
       <p:transition spd="med" p14:dur="700">
         <p:fade/>
       </p:transition>
     </mc:Choice>
-    <mc:Fallback>
+    <mc:Fallback xmlns="">
       <p:transition spd="med">
         <p:fade/>
       </p:transition>
@@ -9924,20 +10502,20 @@
     </p:spTree>
     <p:extLst>
       <p:ext uri="{BB962C8B-B14F-4D97-AF65-F5344CB8AC3E}">
-        <p14:creationId xmlns="" xmlns:p14="http://schemas.microsoft.com/office/powerpoint/2010/main" val="3632379430"/>
+        <p14:creationId xmlns:p14="http://schemas.microsoft.com/office/powerpoint/2010/main" val="3632379430"/>
       </p:ext>
     </p:extLst>
   </p:cSld>
   <p:clrMapOvr>
     <a:masterClrMapping/>
   </p:clrMapOvr>
-  <mc:AlternateContent xmlns:mc="http://schemas.openxmlformats.org/markup-compatibility/2006">
-    <mc:Choice xmlns="" xmlns:p14="http://schemas.microsoft.com/office/powerpoint/2010/main" Requires="p14">
+  <mc:AlternateContent xmlns:mc="http://schemas.openxmlformats.org/markup-compatibility/2006" xmlns:p14="http://schemas.microsoft.com/office/powerpoint/2010/main">
+    <mc:Choice Requires="p14">
       <p:transition spd="med" p14:dur="700">
         <p:fade/>
       </p:transition>
     </mc:Choice>
-    <mc:Fallback>
+    <mc:Fallback xmlns="">
       <p:transition spd="med">
         <p:fade/>
       </p:transition>
@@ -10297,20 +10875,20 @@
     </p:spTree>
     <p:extLst>
       <p:ext uri="{BB962C8B-B14F-4D97-AF65-F5344CB8AC3E}">
-        <p14:creationId xmlns:p14="http://schemas.microsoft.com/office/powerpoint/2010/main" xmlns="" val="2139132589"/>
+        <p14:creationId xmlns:p14="http://schemas.microsoft.com/office/powerpoint/2010/main" val="2139132589"/>
       </p:ext>
     </p:extLst>
   </p:cSld>
   <p:clrMapOvr>
     <a:masterClrMapping/>
   </p:clrMapOvr>
-  <mc:AlternateContent xmlns:mc="http://schemas.openxmlformats.org/markup-compatibility/2006">
-    <mc:Choice xmlns:p14="http://schemas.microsoft.com/office/powerpoint/2010/main" xmlns="" Requires="p14">
+  <mc:AlternateContent xmlns:mc="http://schemas.openxmlformats.org/markup-compatibility/2006" xmlns:p14="http://schemas.microsoft.com/office/powerpoint/2010/main">
+    <mc:Choice Requires="p14">
       <p:transition spd="med" p14:dur="700">
         <p:fade/>
       </p:transition>
     </mc:Choice>
-    <mc:Fallback>
+    <mc:Fallback xmlns="">
       <p:transition spd="med">
         <p:fade/>
       </p:transition>
@@ -10538,20 +11116,20 @@
     </p:spTree>
     <p:extLst>
       <p:ext uri="{BB962C8B-B14F-4D97-AF65-F5344CB8AC3E}">
-        <p14:creationId xmlns="" xmlns:p14="http://schemas.microsoft.com/office/powerpoint/2010/main" val="3204325395"/>
+        <p14:creationId xmlns:p14="http://schemas.microsoft.com/office/powerpoint/2010/main" val="3204325395"/>
       </p:ext>
     </p:extLst>
   </p:cSld>
   <p:clrMapOvr>
     <a:masterClrMapping/>
   </p:clrMapOvr>
-  <mc:AlternateContent xmlns:mc="http://schemas.openxmlformats.org/markup-compatibility/2006">
-    <mc:Choice xmlns="" xmlns:p14="http://schemas.microsoft.com/office/powerpoint/2010/main" Requires="p14">
+  <mc:AlternateContent xmlns:mc="http://schemas.openxmlformats.org/markup-compatibility/2006" xmlns:p14="http://schemas.microsoft.com/office/powerpoint/2010/main">
+    <mc:Choice Requires="p14">
       <p:transition spd="med" p14:dur="700">
         <p:fade/>
       </p:transition>
     </mc:Choice>
-    <mc:Fallback>
+    <mc:Fallback xmlns="">
       <p:transition spd="med">
         <p:fade/>
       </p:transition>
@@ -10737,20 +11315,20 @@
     </p:spTree>
     <p:extLst>
       <p:ext uri="{BB962C8B-B14F-4D97-AF65-F5344CB8AC3E}">
-        <p14:creationId xmlns="" xmlns:p14="http://schemas.microsoft.com/office/powerpoint/2010/main" val="1496383053"/>
+        <p14:creationId xmlns:p14="http://schemas.microsoft.com/office/powerpoint/2010/main" val="1496383053"/>
       </p:ext>
     </p:extLst>
   </p:cSld>
   <p:clrMapOvr>
     <a:masterClrMapping/>
   </p:clrMapOvr>
-  <mc:AlternateContent xmlns:mc="http://schemas.openxmlformats.org/markup-compatibility/2006">
-    <mc:Choice xmlns="" xmlns:p14="http://schemas.microsoft.com/office/powerpoint/2010/main" Requires="p14">
+  <mc:AlternateContent xmlns:mc="http://schemas.openxmlformats.org/markup-compatibility/2006" xmlns:p14="http://schemas.microsoft.com/office/powerpoint/2010/main">
+    <mc:Choice Requires="p14">
       <p:transition spd="med" p14:dur="700">
         <p:fade/>
       </p:transition>
     </mc:Choice>
-    <mc:Fallback>
+    <mc:Fallback xmlns="">
       <p:transition spd="med">
         <p:fade/>
       </p:transition>
@@ -10960,20 +11538,20 @@
     </p:spTree>
     <p:extLst>
       <p:ext uri="{BB962C8B-B14F-4D97-AF65-F5344CB8AC3E}">
-        <p14:creationId xmlns="" xmlns:p14="http://schemas.microsoft.com/office/powerpoint/2010/main" val="1679218424"/>
+        <p14:creationId xmlns:p14="http://schemas.microsoft.com/office/powerpoint/2010/main" val="1679218424"/>
       </p:ext>
     </p:extLst>
   </p:cSld>
   <p:clrMapOvr>
     <a:masterClrMapping/>
   </p:clrMapOvr>
-  <mc:AlternateContent xmlns:mc="http://schemas.openxmlformats.org/markup-compatibility/2006">
-    <mc:Choice xmlns="" xmlns:p14="http://schemas.microsoft.com/office/powerpoint/2010/main" Requires="p14">
+  <mc:AlternateContent xmlns:mc="http://schemas.openxmlformats.org/markup-compatibility/2006" xmlns:p14="http://schemas.microsoft.com/office/powerpoint/2010/main">
+    <mc:Choice Requires="p14">
       <p:transition spd="med" p14:dur="700">
         <p:fade/>
       </p:transition>
     </mc:Choice>
-    <mc:Fallback>
+    <mc:Fallback xmlns="">
       <p:transition spd="med">
         <p:fade/>
       </p:transition>
@@ -11211,13 +11789,13 @@
   <p:clrMapOvr>
     <a:masterClrMapping/>
   </p:clrMapOvr>
-  <mc:AlternateContent xmlns:mc="http://schemas.openxmlformats.org/markup-compatibility/2006">
-    <mc:Choice xmlns="" xmlns:p14="http://schemas.microsoft.com/office/powerpoint/2010/main" Requires="p14">
+  <mc:AlternateContent xmlns:mc="http://schemas.openxmlformats.org/markup-compatibility/2006" xmlns:p14="http://schemas.microsoft.com/office/powerpoint/2010/main">
+    <mc:Choice Requires="p14">
       <p:transition spd="med" p14:dur="700">
         <p:fade/>
       </p:transition>
     </mc:Choice>
-    <mc:Fallback>
+    <mc:Fallback xmlns="">
       <p:transition spd="med">
         <p:fade/>
       </p:transition>
@@ -11441,13 +12019,13 @@
   <p:clrMapOvr>
     <a:masterClrMapping/>
   </p:clrMapOvr>
-  <mc:AlternateContent xmlns:mc="http://schemas.openxmlformats.org/markup-compatibility/2006">
-    <mc:Choice xmlns="" xmlns:p14="http://schemas.microsoft.com/office/powerpoint/2010/main" Requires="p14">
+  <mc:AlternateContent xmlns:mc="http://schemas.openxmlformats.org/markup-compatibility/2006" xmlns:p14="http://schemas.microsoft.com/office/powerpoint/2010/main">
+    <mc:Choice Requires="p14">
       <p:transition spd="med" p14:dur="700">
         <p:fade/>
       </p:transition>
     </mc:Choice>
-    <mc:Fallback>
+    <mc:Fallback xmlns="">
       <p:transition spd="med">
         <p:fade/>
       </p:transition>
@@ -11541,20 +12119,20 @@
     </p:spTree>
     <p:extLst>
       <p:ext uri="{BB962C8B-B14F-4D97-AF65-F5344CB8AC3E}">
-        <p14:creationId xmlns="" xmlns:p14="http://schemas.microsoft.com/office/powerpoint/2010/main" val="3439397754"/>
+        <p14:creationId xmlns:p14="http://schemas.microsoft.com/office/powerpoint/2010/main" val="3439397754"/>
       </p:ext>
     </p:extLst>
   </p:cSld>
   <p:clrMapOvr>
     <a:masterClrMapping/>
   </p:clrMapOvr>
-  <mc:AlternateContent xmlns:mc="http://schemas.openxmlformats.org/markup-compatibility/2006">
-    <mc:Choice xmlns="" xmlns:p14="http://schemas.microsoft.com/office/powerpoint/2010/main" Requires="p14">
+  <mc:AlternateContent xmlns:mc="http://schemas.openxmlformats.org/markup-compatibility/2006" xmlns:p14="http://schemas.microsoft.com/office/powerpoint/2010/main">
+    <mc:Choice Requires="p14">
       <p:transition spd="med" p14:dur="700">
         <p:fade/>
       </p:transition>
     </mc:Choice>
-    <mc:Fallback>
+    <mc:Fallback xmlns="">
       <p:transition spd="med">
         <p:fade/>
       </p:transition>
@@ -11723,20 +12301,20 @@
     </p:spTree>
     <p:extLst>
       <p:ext uri="{BB962C8B-B14F-4D97-AF65-F5344CB8AC3E}">
-        <p14:creationId xmlns="" xmlns:p14="http://schemas.microsoft.com/office/powerpoint/2010/main" val="2675216716"/>
+        <p14:creationId xmlns:p14="http://schemas.microsoft.com/office/powerpoint/2010/main" val="2675216716"/>
       </p:ext>
     </p:extLst>
   </p:cSld>
   <p:clrMapOvr>
     <a:masterClrMapping/>
   </p:clrMapOvr>
-  <mc:AlternateContent xmlns:mc="http://schemas.openxmlformats.org/markup-compatibility/2006">
-    <mc:Choice xmlns="" xmlns:p14="http://schemas.microsoft.com/office/powerpoint/2010/main" Requires="p14">
+  <mc:AlternateContent xmlns:mc="http://schemas.openxmlformats.org/markup-compatibility/2006" xmlns:p14="http://schemas.microsoft.com/office/powerpoint/2010/main">
+    <mc:Choice Requires="p14">
       <p:transition spd="med" p14:dur="700">
         <p:fade/>
       </p:transition>
     </mc:Choice>
-    <mc:Fallback>
+    <mc:Fallback xmlns="">
       <p:transition spd="med">
         <p:fade/>
       </p:transition>
@@ -12198,7 +12776,7 @@
           <a:blip r:embed="rId3" cstate="print">
             <a:extLst>
               <a:ext uri="{28A0092B-C50C-407E-A947-70E740481C1C}">
-                <a14:useLocalDpi xmlns="" xmlns:a14="http://schemas.microsoft.com/office/drawing/2010/main" val="0"/>
+                <a14:useLocalDpi xmlns:a14="http://schemas.microsoft.com/office/drawing/2010/main" val="0"/>
               </a:ext>
             </a:extLst>
           </a:blip>
@@ -12218,7 +12796,7 @@
           <a:noFill/>
           <a:extLst>
             <a:ext uri="{909E8E84-426E-40DD-AFC4-6F175D3DCCD1}">
-              <a14:hiddenFill xmlns="" xmlns:a14="http://schemas.microsoft.com/office/drawing/2010/main">
+              <a14:hiddenFill xmlns:a14="http://schemas.microsoft.com/office/drawing/2010/main">
                 <a:solidFill>
                   <a:srgbClr val="FFFFFF"/>
                 </a:solidFill>
@@ -12239,7 +12817,7 @@
           <a:blip r:embed="rId4" cstate="print">
             <a:extLst>
               <a:ext uri="{28A0092B-C50C-407E-A947-70E740481C1C}">
-                <a14:useLocalDpi xmlns="" xmlns:a14="http://schemas.microsoft.com/office/drawing/2010/main" val="0"/>
+                <a14:useLocalDpi xmlns:a14="http://schemas.microsoft.com/office/drawing/2010/main" val="0"/>
               </a:ext>
             </a:extLst>
           </a:blip>
@@ -12259,7 +12837,7 @@
           <a:noFill/>
           <a:extLst>
             <a:ext uri="{909E8E84-426E-40DD-AFC4-6F175D3DCCD1}">
-              <a14:hiddenFill xmlns="" xmlns:a14="http://schemas.microsoft.com/office/drawing/2010/main">
+              <a14:hiddenFill xmlns:a14="http://schemas.microsoft.com/office/drawing/2010/main">
                 <a:solidFill>
                   <a:srgbClr val="FFFFFF"/>
                 </a:solidFill>
@@ -12280,7 +12858,7 @@
           <a:blip r:embed="rId5" cstate="print">
             <a:extLst>
               <a:ext uri="{28A0092B-C50C-407E-A947-70E740481C1C}">
-                <a14:useLocalDpi xmlns="" xmlns:a14="http://schemas.microsoft.com/office/drawing/2010/main" val="0"/>
+                <a14:useLocalDpi xmlns:a14="http://schemas.microsoft.com/office/drawing/2010/main" val="0"/>
               </a:ext>
             </a:extLst>
           </a:blip>
@@ -12300,7 +12878,7 @@
           <a:noFill/>
           <a:extLst>
             <a:ext uri="{909E8E84-426E-40DD-AFC4-6F175D3DCCD1}">
-              <a14:hiddenFill xmlns="" xmlns:a14="http://schemas.microsoft.com/office/drawing/2010/main">
+              <a14:hiddenFill xmlns:a14="http://schemas.microsoft.com/office/drawing/2010/main">
                 <a:solidFill>
                   <a:srgbClr val="FFFFFF"/>
                 </a:solidFill>
@@ -12321,7 +12899,7 @@
           <a:blip r:embed="rId6" cstate="print">
             <a:extLst>
               <a:ext uri="{28A0092B-C50C-407E-A947-70E740481C1C}">
-                <a14:useLocalDpi xmlns="" xmlns:a14="http://schemas.microsoft.com/office/drawing/2010/main" val="0"/>
+                <a14:useLocalDpi xmlns:a14="http://schemas.microsoft.com/office/drawing/2010/main" val="0"/>
               </a:ext>
             </a:extLst>
           </a:blip>
@@ -12341,7 +12919,7 @@
           <a:noFill/>
           <a:extLst>
             <a:ext uri="{909E8E84-426E-40DD-AFC4-6F175D3DCCD1}">
-              <a14:hiddenFill xmlns="" xmlns:a14="http://schemas.microsoft.com/office/drawing/2010/main">
+              <a14:hiddenFill xmlns:a14="http://schemas.microsoft.com/office/drawing/2010/main">
                 <a:solidFill>
                   <a:srgbClr val="FFFFFF"/>
                 </a:solidFill>
@@ -12362,7 +12940,7 @@
           <a:blip r:embed="rId7" cstate="print">
             <a:extLst>
               <a:ext uri="{28A0092B-C50C-407E-A947-70E740481C1C}">
-                <a14:useLocalDpi xmlns="" xmlns:a14="http://schemas.microsoft.com/office/drawing/2010/main" val="0"/>
+                <a14:useLocalDpi xmlns:a14="http://schemas.microsoft.com/office/drawing/2010/main" val="0"/>
               </a:ext>
             </a:extLst>
           </a:blip>
@@ -12382,7 +12960,7 @@
           <a:noFill/>
           <a:extLst>
             <a:ext uri="{909E8E84-426E-40DD-AFC4-6F175D3DCCD1}">
-              <a14:hiddenFill xmlns="" xmlns:a14="http://schemas.microsoft.com/office/drawing/2010/main">
+              <a14:hiddenFill xmlns:a14="http://schemas.microsoft.com/office/drawing/2010/main">
                 <a:solidFill>
                   <a:srgbClr val="FFFFFF"/>
                 </a:solidFill>
@@ -12394,20 +12972,20 @@
     </p:spTree>
     <p:extLst>
       <p:ext uri="{BB962C8B-B14F-4D97-AF65-F5344CB8AC3E}">
-        <p14:creationId xmlns="" xmlns:p14="http://schemas.microsoft.com/office/powerpoint/2010/main" val="2564182459"/>
+        <p14:creationId xmlns:p14="http://schemas.microsoft.com/office/powerpoint/2010/main" val="2564182459"/>
       </p:ext>
     </p:extLst>
   </p:cSld>
   <p:clrMapOvr>
     <a:masterClrMapping/>
   </p:clrMapOvr>
-  <mc:AlternateContent xmlns:mc="http://schemas.openxmlformats.org/markup-compatibility/2006">
-    <mc:Choice xmlns="" xmlns:p14="http://schemas.microsoft.com/office/powerpoint/2010/main" Requires="p14">
+  <mc:AlternateContent xmlns:mc="http://schemas.openxmlformats.org/markup-compatibility/2006" xmlns:p14="http://schemas.microsoft.com/office/powerpoint/2010/main">
+    <mc:Choice Requires="p14">
       <p:transition spd="med" p14:dur="700">
         <p:fade/>
       </p:transition>
     </mc:Choice>
-    <mc:Fallback>
+    <mc:Fallback xmlns="">
       <p:transition spd="med">
         <p:fade/>
       </p:transition>
@@ -12566,20 +13144,20 @@
     </p:spTree>
     <p:extLst>
       <p:ext uri="{BB962C8B-B14F-4D97-AF65-F5344CB8AC3E}">
-        <p14:creationId xmlns="" xmlns:p14="http://schemas.microsoft.com/office/powerpoint/2010/main" val="965594786"/>
+        <p14:creationId xmlns:p14="http://schemas.microsoft.com/office/powerpoint/2010/main" val="965594786"/>
       </p:ext>
     </p:extLst>
   </p:cSld>
   <p:clrMapOvr>
     <a:masterClrMapping/>
   </p:clrMapOvr>
-  <mc:AlternateContent xmlns:mc="http://schemas.openxmlformats.org/markup-compatibility/2006">
-    <mc:Choice xmlns="" xmlns:p14="http://schemas.microsoft.com/office/powerpoint/2010/main" Requires="p14">
+  <mc:AlternateContent xmlns:mc="http://schemas.openxmlformats.org/markup-compatibility/2006" xmlns:p14="http://schemas.microsoft.com/office/powerpoint/2010/main">
+    <mc:Choice Requires="p14">
       <p:transition spd="med" p14:dur="700">
         <p:fade/>
       </p:transition>
     </mc:Choice>
-    <mc:Fallback>
+    <mc:Fallback xmlns="">
       <p:transition spd="med">
         <p:fade/>
       </p:transition>
@@ -12837,7 +13415,7 @@
           <a:blip r:embed="rId3" cstate="print">
             <a:extLst>
               <a:ext uri="{28A0092B-C50C-407E-A947-70E740481C1C}">
-                <a14:useLocalDpi xmlns="" xmlns:a14="http://schemas.microsoft.com/office/drawing/2010/main" val="0"/>
+                <a14:useLocalDpi xmlns:a14="http://schemas.microsoft.com/office/drawing/2010/main" val="0"/>
               </a:ext>
             </a:extLst>
           </a:blip>
@@ -12857,7 +13435,7 @@
           <a:noFill/>
           <a:extLst>
             <a:ext uri="{909E8E84-426E-40DD-AFC4-6F175D3DCCD1}">
-              <a14:hiddenFill xmlns="" xmlns:a14="http://schemas.microsoft.com/office/drawing/2010/main">
+              <a14:hiddenFill xmlns:a14="http://schemas.microsoft.com/office/drawing/2010/main">
                 <a:solidFill>
                   <a:srgbClr val="FFFFFF"/>
                 </a:solidFill>
@@ -12869,20 +13447,20 @@
     </p:spTree>
     <p:extLst>
       <p:ext uri="{BB962C8B-B14F-4D97-AF65-F5344CB8AC3E}">
-        <p14:creationId xmlns="" xmlns:p14="http://schemas.microsoft.com/office/powerpoint/2010/main" val="3356351472"/>
+        <p14:creationId xmlns:p14="http://schemas.microsoft.com/office/powerpoint/2010/main" val="3356351472"/>
       </p:ext>
     </p:extLst>
   </p:cSld>
   <p:clrMapOvr>
     <a:masterClrMapping/>
   </p:clrMapOvr>
-  <mc:AlternateContent xmlns:mc="http://schemas.openxmlformats.org/markup-compatibility/2006">
-    <mc:Choice xmlns="" xmlns:p14="http://schemas.microsoft.com/office/powerpoint/2010/main" Requires="p14">
+  <mc:AlternateContent xmlns:mc="http://schemas.openxmlformats.org/markup-compatibility/2006" xmlns:p14="http://schemas.microsoft.com/office/powerpoint/2010/main">
+    <mc:Choice Requires="p14">
       <p:transition spd="med" p14:dur="700">
         <p:fade/>
       </p:transition>
     </mc:Choice>
-    <mc:Fallback>
+    <mc:Fallback xmlns="">
       <p:transition spd="med">
         <p:fade/>
       </p:transition>
@@ -13022,21 +13600,7 @@
                 <a:latin typeface="Segoe UI" panose="020B0502040204020203" pitchFamily="34" charset="0"/>
                 <a:cs typeface="Segoe UI" panose="020B0502040204020203" pitchFamily="34" charset="0"/>
               </a:rPr>
-              <a:t>Tipos </a:t>
-            </a:r>
-            <a:r>
-              <a:rPr lang="es-AR" smtClean="0">
-                <a:latin typeface="Segoe UI" panose="020B0502040204020203" pitchFamily="34" charset="0"/>
-                <a:cs typeface="Segoe UI" panose="020B0502040204020203" pitchFamily="34" charset="0"/>
-              </a:rPr>
-              <a:t>de </a:t>
-            </a:r>
-            <a:r>
-              <a:rPr lang="es-AR" smtClean="0">
-                <a:latin typeface="Segoe UI" panose="020B0502040204020203" pitchFamily="34" charset="0"/>
-                <a:cs typeface="Segoe UI" panose="020B0502040204020203" pitchFamily="34" charset="0"/>
-              </a:rPr>
-              <a:t>controles</a:t>
+              <a:t>Tipos de controles</a:t>
             </a:r>
             <a:endParaRPr lang="es-AR">
               <a:latin typeface="Segoe UI" panose="020B0502040204020203" pitchFamily="34" charset="0"/>
@@ -13048,20 +13612,20 @@
     </p:spTree>
     <p:extLst>
       <p:ext uri="{BB962C8B-B14F-4D97-AF65-F5344CB8AC3E}">
-        <p14:creationId xmlns="" xmlns:p14="http://schemas.microsoft.com/office/powerpoint/2010/main" val="3106206852"/>
+        <p14:creationId xmlns:p14="http://schemas.microsoft.com/office/powerpoint/2010/main" val="3106206852"/>
       </p:ext>
     </p:extLst>
   </p:cSld>
   <p:clrMapOvr>
     <a:masterClrMapping/>
   </p:clrMapOvr>
-  <mc:AlternateContent xmlns:mc="http://schemas.openxmlformats.org/markup-compatibility/2006">
-    <mc:Choice xmlns="" xmlns:p14="http://schemas.microsoft.com/office/powerpoint/2010/main" Requires="p14">
+  <mc:AlternateContent xmlns:mc="http://schemas.openxmlformats.org/markup-compatibility/2006" xmlns:p14="http://schemas.microsoft.com/office/powerpoint/2010/main">
+    <mc:Choice Requires="p14">
       <p:transition spd="med" p14:dur="700">
         <p:fade/>
       </p:transition>
     </mc:Choice>
-    <mc:Fallback>
+    <mc:Fallback xmlns="">
       <p:transition spd="med">
         <p:fade/>
       </p:transition>
@@ -13249,7 +13813,21 @@
                 <a:latin typeface="Segoe UI" panose="020B0502040204020203" pitchFamily="34" charset="0"/>
                 <a:cs typeface="Segoe UI" panose="020B0502040204020203" pitchFamily="34" charset="0"/>
               </a:rPr>
-              <a:t>Normas ISO 2700, especialmente </a:t>
+              <a:t>Normas ISO </a:t>
+            </a:r>
+            <a:r>
+              <a:rPr lang="es-AR" sz="1800" dirty="0" smtClean="0">
+                <a:latin typeface="Segoe UI" panose="020B0502040204020203" pitchFamily="34" charset="0"/>
+                <a:cs typeface="Segoe UI" panose="020B0502040204020203" pitchFamily="34" charset="0"/>
+              </a:rPr>
+              <a:t>27000</a:t>
+            </a:r>
+            <a:r>
+              <a:rPr lang="es-AR" sz="1800" dirty="0" smtClean="0">
+                <a:latin typeface="Segoe UI" panose="020B0502040204020203" pitchFamily="34" charset="0"/>
+                <a:cs typeface="Segoe UI" panose="020B0502040204020203" pitchFamily="34" charset="0"/>
+              </a:rPr>
+              <a:t>, especialmente </a:t>
             </a:r>
             <a:r>
               <a:rPr lang="es-AR" sz="1800" dirty="0">
@@ -13289,7 +13867,7 @@
           <a:blip r:embed="rId3" cstate="print">
             <a:extLst>
               <a:ext uri="{28A0092B-C50C-407E-A947-70E740481C1C}">
-                <a14:useLocalDpi xmlns="" xmlns:a14="http://schemas.microsoft.com/office/drawing/2010/main" val="0"/>
+                <a14:useLocalDpi xmlns:a14="http://schemas.microsoft.com/office/drawing/2010/main" val="0"/>
               </a:ext>
             </a:extLst>
           </a:blip>
@@ -13309,7 +13887,7 @@
           <a:noFill/>
           <a:extLst>
             <a:ext uri="{909E8E84-426E-40DD-AFC4-6F175D3DCCD1}">
-              <a14:hiddenFill xmlns="" xmlns:a14="http://schemas.microsoft.com/office/drawing/2010/main">
+              <a14:hiddenFill xmlns:a14="http://schemas.microsoft.com/office/drawing/2010/main">
                 <a:solidFill>
                   <a:srgbClr val="FFFFFF"/>
                 </a:solidFill>
@@ -13321,20 +13899,20 @@
     </p:spTree>
     <p:extLst>
       <p:ext uri="{BB962C8B-B14F-4D97-AF65-F5344CB8AC3E}">
-        <p14:creationId xmlns="" xmlns:p14="http://schemas.microsoft.com/office/powerpoint/2010/main" val="3374507202"/>
+        <p14:creationId xmlns:p14="http://schemas.microsoft.com/office/powerpoint/2010/main" val="3374507202"/>
       </p:ext>
     </p:extLst>
   </p:cSld>
   <p:clrMapOvr>
     <a:masterClrMapping/>
   </p:clrMapOvr>
-  <mc:AlternateContent xmlns:mc="http://schemas.openxmlformats.org/markup-compatibility/2006">
-    <mc:Choice xmlns="" xmlns:p14="http://schemas.microsoft.com/office/powerpoint/2010/main" Requires="p14">
+  <mc:AlternateContent xmlns:mc="http://schemas.openxmlformats.org/markup-compatibility/2006" xmlns:p14="http://schemas.microsoft.com/office/powerpoint/2010/main">
+    <mc:Choice Requires="p14">
       <p:transition spd="med" p14:dur="700">
         <p:fade/>
       </p:transition>
     </mc:Choice>
-    <mc:Fallback>
+    <mc:Fallback xmlns="">
       <p:transition spd="med">
         <p:fade/>
       </p:transition>
@@ -13514,20 +14092,20 @@
     </p:spTree>
     <p:extLst>
       <p:ext uri="{BB962C8B-B14F-4D97-AF65-F5344CB8AC3E}">
-        <p14:creationId xmlns="" xmlns:p14="http://schemas.microsoft.com/office/powerpoint/2010/main" val="2238024562"/>
+        <p14:creationId xmlns:p14="http://schemas.microsoft.com/office/powerpoint/2010/main" val="2238024562"/>
       </p:ext>
     </p:extLst>
   </p:cSld>
   <p:clrMapOvr>
     <a:masterClrMapping/>
   </p:clrMapOvr>
-  <mc:AlternateContent xmlns:mc="http://schemas.openxmlformats.org/markup-compatibility/2006">
-    <mc:Choice xmlns="" xmlns:p14="http://schemas.microsoft.com/office/powerpoint/2010/main" Requires="p14">
+  <mc:AlternateContent xmlns:mc="http://schemas.openxmlformats.org/markup-compatibility/2006" xmlns:p14="http://schemas.microsoft.com/office/powerpoint/2010/main">
+    <mc:Choice Requires="p14">
       <p:transition spd="med" p14:dur="700">
         <p:fade/>
       </p:transition>
     </mc:Choice>
-    <mc:Fallback>
+    <mc:Fallback xmlns="">
       <p:transition spd="med">
         <p:fade/>
       </p:transition>
@@ -13711,20 +14289,20 @@
     </p:spTree>
     <p:extLst>
       <p:ext uri="{BB962C8B-B14F-4D97-AF65-F5344CB8AC3E}">
-        <p14:creationId xmlns="" xmlns:p14="http://schemas.microsoft.com/office/powerpoint/2010/main" val="3874537101"/>
+        <p14:creationId xmlns:p14="http://schemas.microsoft.com/office/powerpoint/2010/main" val="3874537101"/>
       </p:ext>
     </p:extLst>
   </p:cSld>
   <p:clrMapOvr>
     <a:masterClrMapping/>
   </p:clrMapOvr>
-  <mc:AlternateContent xmlns:mc="http://schemas.openxmlformats.org/markup-compatibility/2006">
-    <mc:Choice xmlns="" xmlns:p14="http://schemas.microsoft.com/office/powerpoint/2010/main" Requires="p14">
+  <mc:AlternateContent xmlns:mc="http://schemas.openxmlformats.org/markup-compatibility/2006" xmlns:p14="http://schemas.microsoft.com/office/powerpoint/2010/main">
+    <mc:Choice Requires="p14">
       <p:transition spd="med" p14:dur="700">
         <p:fade/>
       </p:transition>
     </mc:Choice>
-    <mc:Fallback>
+    <mc:Fallback xmlns="">
       <p:transition spd="med">
         <p:fade/>
       </p:transition>
@@ -13858,20 +14436,20 @@
     </p:spTree>
     <p:extLst>
       <p:ext uri="{BB962C8B-B14F-4D97-AF65-F5344CB8AC3E}">
-        <p14:creationId xmlns="" xmlns:p14="http://schemas.microsoft.com/office/powerpoint/2010/main" val="1202384585"/>
+        <p14:creationId xmlns:p14="http://schemas.microsoft.com/office/powerpoint/2010/main" val="1202384585"/>
       </p:ext>
     </p:extLst>
   </p:cSld>
   <p:clrMapOvr>
     <a:masterClrMapping/>
   </p:clrMapOvr>
-  <mc:AlternateContent xmlns:mc="http://schemas.openxmlformats.org/markup-compatibility/2006">
-    <mc:Choice xmlns="" xmlns:p14="http://schemas.microsoft.com/office/powerpoint/2010/main" Requires="p14">
+  <mc:AlternateContent xmlns:mc="http://schemas.openxmlformats.org/markup-compatibility/2006" xmlns:p14="http://schemas.microsoft.com/office/powerpoint/2010/main">
+    <mc:Choice Requires="p14">
       <p:transition spd="med" p14:dur="700">
         <p:fade/>
       </p:transition>
     </mc:Choice>
-    <mc:Fallback>
+    <mc:Fallback xmlns="">
       <p:transition spd="med">
         <p:fade/>
       </p:transition>
@@ -14103,20 +14681,20 @@
     </p:spTree>
     <p:extLst>
       <p:ext uri="{BB962C8B-B14F-4D97-AF65-F5344CB8AC3E}">
-        <p14:creationId xmlns="" xmlns:p14="http://schemas.microsoft.com/office/powerpoint/2010/main" val="701687324"/>
+        <p14:creationId xmlns:p14="http://schemas.microsoft.com/office/powerpoint/2010/main" val="701687324"/>
       </p:ext>
     </p:extLst>
   </p:cSld>
   <p:clrMapOvr>
     <a:masterClrMapping/>
   </p:clrMapOvr>
-  <mc:AlternateContent xmlns:mc="http://schemas.openxmlformats.org/markup-compatibility/2006">
-    <mc:Choice xmlns="" xmlns:p14="http://schemas.microsoft.com/office/powerpoint/2010/main" Requires="p14">
+  <mc:AlternateContent xmlns:mc="http://schemas.openxmlformats.org/markup-compatibility/2006" xmlns:p14="http://schemas.microsoft.com/office/powerpoint/2010/main">
+    <mc:Choice Requires="p14">
       <p:transition spd="med" p14:dur="700">
         <p:fade/>
       </p:transition>
     </mc:Choice>
-    <mc:Fallback>
+    <mc:Fallback xmlns="">
       <p:transition spd="med">
         <p:fade/>
       </p:transition>
@@ -14270,20 +14848,20 @@
     </p:spTree>
     <p:extLst>
       <p:ext uri="{BB962C8B-B14F-4D97-AF65-F5344CB8AC3E}">
-        <p14:creationId xmlns="" xmlns:p14="http://schemas.microsoft.com/office/powerpoint/2010/main" val="1445017764"/>
+        <p14:creationId xmlns:p14="http://schemas.microsoft.com/office/powerpoint/2010/main" val="1445017764"/>
       </p:ext>
     </p:extLst>
   </p:cSld>
   <p:clrMapOvr>
     <a:masterClrMapping/>
   </p:clrMapOvr>
-  <mc:AlternateContent xmlns:mc="http://schemas.openxmlformats.org/markup-compatibility/2006">
-    <mc:Choice xmlns="" xmlns:p14="http://schemas.microsoft.com/office/powerpoint/2010/main" Requires="p14">
+  <mc:AlternateContent xmlns:mc="http://schemas.openxmlformats.org/markup-compatibility/2006" xmlns:p14="http://schemas.microsoft.com/office/powerpoint/2010/main">
+    <mc:Choice Requires="p14">
       <p:transition spd="med" p14:dur="700">
         <p:fade/>
       </p:transition>
     </mc:Choice>
-    <mc:Fallback>
+    <mc:Fallback xmlns="">
       <p:transition spd="med">
         <p:fade/>
       </p:transition>
@@ -14464,20 +15042,20 @@
     </p:spTree>
     <p:extLst>
       <p:ext uri="{BB962C8B-B14F-4D97-AF65-F5344CB8AC3E}">
-        <p14:creationId xmlns="" xmlns:p14="http://schemas.microsoft.com/office/powerpoint/2010/main" val="3810472897"/>
+        <p14:creationId xmlns:p14="http://schemas.microsoft.com/office/powerpoint/2010/main" val="3810472897"/>
       </p:ext>
     </p:extLst>
   </p:cSld>
   <p:clrMapOvr>
     <a:masterClrMapping/>
   </p:clrMapOvr>
-  <mc:AlternateContent xmlns:mc="http://schemas.openxmlformats.org/markup-compatibility/2006">
-    <mc:Choice xmlns="" xmlns:p14="http://schemas.microsoft.com/office/powerpoint/2010/main" Requires="p14">
+  <mc:AlternateContent xmlns:mc="http://schemas.openxmlformats.org/markup-compatibility/2006" xmlns:p14="http://schemas.microsoft.com/office/powerpoint/2010/main">
+    <mc:Choice Requires="p14">
       <p:transition spd="med" p14:dur="700">
         <p:fade/>
       </p:transition>
     </mc:Choice>
-    <mc:Fallback>
+    <mc:Fallback xmlns="">
       <p:transition spd="med">
         <p:fade/>
       </p:transition>
@@ -14542,20 +15120,20 @@
     </p:spTree>
     <p:extLst>
       <p:ext uri="{BB962C8B-B14F-4D97-AF65-F5344CB8AC3E}">
-        <p14:creationId xmlns="" xmlns:p14="http://schemas.microsoft.com/office/powerpoint/2010/main" val="1539601608"/>
+        <p14:creationId xmlns:p14="http://schemas.microsoft.com/office/powerpoint/2010/main" val="1539601608"/>
       </p:ext>
     </p:extLst>
   </p:cSld>
   <p:clrMapOvr>
     <a:masterClrMapping/>
   </p:clrMapOvr>
-  <mc:AlternateContent xmlns:mc="http://schemas.openxmlformats.org/markup-compatibility/2006">
-    <mc:Choice xmlns="" xmlns:p14="http://schemas.microsoft.com/office/powerpoint/2010/main" Requires="p14">
+  <mc:AlternateContent xmlns:mc="http://schemas.openxmlformats.org/markup-compatibility/2006" xmlns:p14="http://schemas.microsoft.com/office/powerpoint/2010/main">
+    <mc:Choice Requires="p14">
       <p:transition spd="med" p14:dur="700">
         <p:fade/>
       </p:transition>
     </mc:Choice>
-    <mc:Fallback>
+    <mc:Fallback xmlns="">
       <p:transition spd="med">
         <p:fade/>
       </p:transition>
@@ -14701,20 +15279,20 @@
     </p:spTree>
     <p:extLst>
       <p:ext uri="{BB962C8B-B14F-4D97-AF65-F5344CB8AC3E}">
-        <p14:creationId xmlns="" xmlns:p14="http://schemas.microsoft.com/office/powerpoint/2010/main" val="3280227416"/>
+        <p14:creationId xmlns:p14="http://schemas.microsoft.com/office/powerpoint/2010/main" val="3280227416"/>
       </p:ext>
     </p:extLst>
   </p:cSld>
   <p:clrMapOvr>
     <a:masterClrMapping/>
   </p:clrMapOvr>
-  <mc:AlternateContent xmlns:mc="http://schemas.openxmlformats.org/markup-compatibility/2006">
-    <mc:Choice xmlns="" xmlns:p14="http://schemas.microsoft.com/office/powerpoint/2010/main" Requires="p14">
+  <mc:AlternateContent xmlns:mc="http://schemas.openxmlformats.org/markup-compatibility/2006" xmlns:p14="http://schemas.microsoft.com/office/powerpoint/2010/main">
+    <mc:Choice Requires="p14">
       <p:transition spd="med" p14:dur="700">
         <p:fade/>
       </p:transition>
     </mc:Choice>
-    <mc:Fallback>
+    <mc:Fallback xmlns="">
       <p:transition spd="med">
         <p:fade/>
       </p:transition>
@@ -14934,20 +15512,20 @@
     </p:spTree>
     <p:extLst>
       <p:ext uri="{BB962C8B-B14F-4D97-AF65-F5344CB8AC3E}">
-        <p14:creationId xmlns="" xmlns:p14="http://schemas.microsoft.com/office/powerpoint/2010/main" val="3816537714"/>
+        <p14:creationId xmlns:p14="http://schemas.microsoft.com/office/powerpoint/2010/main" val="3816537714"/>
       </p:ext>
     </p:extLst>
   </p:cSld>
   <p:clrMapOvr>
     <a:masterClrMapping/>
   </p:clrMapOvr>
-  <mc:AlternateContent xmlns:mc="http://schemas.openxmlformats.org/markup-compatibility/2006">
-    <mc:Choice xmlns="" xmlns:p14="http://schemas.microsoft.com/office/powerpoint/2010/main" Requires="p14">
+  <mc:AlternateContent xmlns:mc="http://schemas.openxmlformats.org/markup-compatibility/2006" xmlns:p14="http://schemas.microsoft.com/office/powerpoint/2010/main">
+    <mc:Choice Requires="p14">
       <p:transition spd="med" p14:dur="700">
         <p:fade/>
       </p:transition>
     </mc:Choice>
-    <mc:Fallback>
+    <mc:Fallback xmlns="">
       <p:transition spd="med">
         <p:fade/>
       </p:transition>
@@ -15227,20 +15805,20 @@
     </p:spTree>
     <p:extLst>
       <p:ext uri="{BB962C8B-B14F-4D97-AF65-F5344CB8AC3E}">
-        <p14:creationId xmlns="" xmlns:p14="http://schemas.microsoft.com/office/powerpoint/2010/main" val="3323359930"/>
+        <p14:creationId xmlns:p14="http://schemas.microsoft.com/office/powerpoint/2010/main" val="3323359930"/>
       </p:ext>
     </p:extLst>
   </p:cSld>
   <p:clrMapOvr>
     <a:masterClrMapping/>
   </p:clrMapOvr>
-  <mc:AlternateContent xmlns:mc="http://schemas.openxmlformats.org/markup-compatibility/2006">
-    <mc:Choice xmlns="" xmlns:p14="http://schemas.microsoft.com/office/powerpoint/2010/main" Requires="p14">
+  <mc:AlternateContent xmlns:mc="http://schemas.openxmlformats.org/markup-compatibility/2006" xmlns:p14="http://schemas.microsoft.com/office/powerpoint/2010/main">
+    <mc:Choice Requires="p14">
       <p:transition spd="med" p14:dur="700">
         <p:fade/>
       </p:transition>
     </mc:Choice>
-    <mc:Fallback>
+    <mc:Fallback xmlns="">
       <p:transition spd="med">
         <p:fade/>
       </p:transition>
@@ -15418,20 +15996,20 @@
     </p:spTree>
     <p:extLst>
       <p:ext uri="{BB962C8B-B14F-4D97-AF65-F5344CB8AC3E}">
-        <p14:creationId xmlns="" xmlns:p14="http://schemas.microsoft.com/office/powerpoint/2010/main" val="2896967631"/>
+        <p14:creationId xmlns:p14="http://schemas.microsoft.com/office/powerpoint/2010/main" val="2896967631"/>
       </p:ext>
     </p:extLst>
   </p:cSld>
   <p:clrMapOvr>
     <a:masterClrMapping/>
   </p:clrMapOvr>
-  <mc:AlternateContent xmlns:mc="http://schemas.openxmlformats.org/markup-compatibility/2006">
-    <mc:Choice xmlns="" xmlns:p14="http://schemas.microsoft.com/office/powerpoint/2010/main" Requires="p14">
+  <mc:AlternateContent xmlns:mc="http://schemas.openxmlformats.org/markup-compatibility/2006" xmlns:p14="http://schemas.microsoft.com/office/powerpoint/2010/main">
+    <mc:Choice Requires="p14">
       <p:transition spd="med" p14:dur="700">
         <p:fade/>
       </p:transition>
     </mc:Choice>
-    <mc:Fallback>
+    <mc:Fallback xmlns="">
       <p:transition spd="med">
         <p:fade/>
       </p:transition>
@@ -15697,20 +16275,20 @@
     </p:spTree>
     <p:extLst>
       <p:ext uri="{BB962C8B-B14F-4D97-AF65-F5344CB8AC3E}">
-        <p14:creationId xmlns="" xmlns:p14="http://schemas.microsoft.com/office/powerpoint/2010/main" val="1108506989"/>
+        <p14:creationId xmlns:p14="http://schemas.microsoft.com/office/powerpoint/2010/main" val="1108506989"/>
       </p:ext>
     </p:extLst>
   </p:cSld>
   <p:clrMapOvr>
     <a:masterClrMapping/>
   </p:clrMapOvr>
-  <mc:AlternateContent xmlns:mc="http://schemas.openxmlformats.org/markup-compatibility/2006">
-    <mc:Choice xmlns="" xmlns:p14="http://schemas.microsoft.com/office/powerpoint/2010/main" Requires="p14">
+  <mc:AlternateContent xmlns:mc="http://schemas.openxmlformats.org/markup-compatibility/2006" xmlns:p14="http://schemas.microsoft.com/office/powerpoint/2010/main">
+    <mc:Choice Requires="p14">
       <p:transition spd="med" p14:dur="700">
         <p:fade/>
       </p:transition>
     </mc:Choice>
-    <mc:Fallback>
+    <mc:Fallback xmlns="">
       <p:transition spd="med">
         <p:fade/>
       </p:transition>
@@ -15809,20 +16387,20 @@
     </p:spTree>
     <p:extLst>
       <p:ext uri="{BB962C8B-B14F-4D97-AF65-F5344CB8AC3E}">
-        <p14:creationId xmlns="" xmlns:p14="http://schemas.microsoft.com/office/powerpoint/2010/main" val="1108506989"/>
+        <p14:creationId xmlns:p14="http://schemas.microsoft.com/office/powerpoint/2010/main" val="1108506989"/>
       </p:ext>
     </p:extLst>
   </p:cSld>
   <p:clrMapOvr>
     <a:masterClrMapping/>
   </p:clrMapOvr>
-  <mc:AlternateContent xmlns:mc="http://schemas.openxmlformats.org/markup-compatibility/2006">
-    <mc:Choice xmlns="" xmlns:p14="http://schemas.microsoft.com/office/powerpoint/2010/main" Requires="p14">
+  <mc:AlternateContent xmlns:mc="http://schemas.openxmlformats.org/markup-compatibility/2006" xmlns:p14="http://schemas.microsoft.com/office/powerpoint/2010/main">
+    <mc:Choice Requires="p14">
       <p:transition spd="med" p14:dur="700">
         <p:fade/>
       </p:transition>
     </mc:Choice>
-    <mc:Fallback>
+    <mc:Fallback xmlns="">
       <p:transition spd="med">
         <p:fade/>
       </p:transition>
@@ -16088,7 +16666,7 @@
           <a:blip r:embed="rId2" cstate="print">
             <a:extLst>
               <a:ext uri="{28A0092B-C50C-407E-A947-70E740481C1C}">
-                <a14:useLocalDpi xmlns="" xmlns:a14="http://schemas.microsoft.com/office/drawing/2010/main" val="0"/>
+                <a14:useLocalDpi xmlns:a14="http://schemas.microsoft.com/office/drawing/2010/main" val="0"/>
               </a:ext>
             </a:extLst>
           </a:blip>
@@ -16108,7 +16686,7 @@
           <a:noFill/>
           <a:extLst>
             <a:ext uri="{909E8E84-426E-40DD-AFC4-6F175D3DCCD1}">
-              <a14:hiddenFill xmlns="" xmlns:a14="http://schemas.microsoft.com/office/drawing/2010/main">
+              <a14:hiddenFill xmlns:a14="http://schemas.microsoft.com/office/drawing/2010/main">
                 <a:solidFill>
                   <a:srgbClr val="FFFFFF"/>
                 </a:solidFill>
@@ -16120,20 +16698,20 @@
     </p:spTree>
     <p:extLst>
       <p:ext uri="{BB962C8B-B14F-4D97-AF65-F5344CB8AC3E}">
-        <p14:creationId xmlns="" xmlns:p14="http://schemas.microsoft.com/office/powerpoint/2010/main" val="1350001534"/>
+        <p14:creationId xmlns:p14="http://schemas.microsoft.com/office/powerpoint/2010/main" val="1350001534"/>
       </p:ext>
     </p:extLst>
   </p:cSld>
   <p:clrMapOvr>
     <a:masterClrMapping/>
   </p:clrMapOvr>
-  <mc:AlternateContent xmlns:mc="http://schemas.openxmlformats.org/markup-compatibility/2006">
-    <mc:Choice xmlns="" xmlns:p14="http://schemas.microsoft.com/office/powerpoint/2010/main" Requires="p14">
+  <mc:AlternateContent xmlns:mc="http://schemas.openxmlformats.org/markup-compatibility/2006" xmlns:p14="http://schemas.microsoft.com/office/powerpoint/2010/main">
+    <mc:Choice Requires="p14">
       <p:transition spd="med" p14:dur="700">
         <p:fade/>
       </p:transition>
     </mc:Choice>
-    <mc:Fallback>
+    <mc:Fallback xmlns="">
       <p:transition spd="med">
         <p:fade/>
       </p:transition>
@@ -16217,17 +16795,7 @@
                 <a:latin typeface="Segoe UI" panose="020B0502040204020203" pitchFamily="34" charset="0"/>
                 <a:cs typeface="Segoe UI" panose="020B0502040204020203" pitchFamily="34" charset="0"/>
               </a:rPr>
-              <a:t>información </a:t>
-            </a:r>
-            <a:r>
-              <a:rPr lang="es-AR" dirty="0" smtClean="0">
-                <a:solidFill>
-                  <a:schemeClr val="accent1"/>
-                </a:solidFill>
-                <a:latin typeface="Segoe UI" panose="020B0502040204020203" pitchFamily="34" charset="0"/>
-                <a:cs typeface="Segoe UI" panose="020B0502040204020203" pitchFamily="34" charset="0"/>
-              </a:rPr>
-              <a:t> (II)</a:t>
+              <a:t>información  (II)</a:t>
             </a:r>
             <a:endParaRPr lang="es-AR" dirty="0">
               <a:solidFill>
@@ -16523,20 +17091,20 @@
     </p:spTree>
     <p:extLst>
       <p:ext uri="{BB962C8B-B14F-4D97-AF65-F5344CB8AC3E}">
-        <p14:creationId xmlns="" xmlns:p14="http://schemas.microsoft.com/office/powerpoint/2010/main" val="3438441757"/>
+        <p14:creationId xmlns:p14="http://schemas.microsoft.com/office/powerpoint/2010/main" val="3438441757"/>
       </p:ext>
     </p:extLst>
   </p:cSld>
   <p:clrMapOvr>
     <a:masterClrMapping/>
   </p:clrMapOvr>
-  <mc:AlternateContent xmlns:mc="http://schemas.openxmlformats.org/markup-compatibility/2006">
-    <mc:Choice xmlns="" xmlns:p14="http://schemas.microsoft.com/office/powerpoint/2010/main" Requires="p14">
+  <mc:AlternateContent xmlns:mc="http://schemas.openxmlformats.org/markup-compatibility/2006" xmlns:p14="http://schemas.microsoft.com/office/powerpoint/2010/main">
+    <mc:Choice Requires="p14">
       <p:transition spd="med" p14:dur="700">
         <p:fade/>
       </p:transition>
     </mc:Choice>
-    <mc:Fallback>
+    <mc:Fallback xmlns="">
       <p:transition spd="med">
         <p:fade/>
       </p:transition>
@@ -16793,20 +17361,20 @@
     </p:spTree>
     <p:extLst>
       <p:ext uri="{BB962C8B-B14F-4D97-AF65-F5344CB8AC3E}">
-        <p14:creationId xmlns="" xmlns:p14="http://schemas.microsoft.com/office/powerpoint/2010/main" val="3833366108"/>
+        <p14:creationId xmlns:p14="http://schemas.microsoft.com/office/powerpoint/2010/main" val="3833366108"/>
       </p:ext>
     </p:extLst>
   </p:cSld>
   <p:clrMapOvr>
     <a:masterClrMapping/>
   </p:clrMapOvr>
-  <mc:AlternateContent xmlns:mc="http://schemas.openxmlformats.org/markup-compatibility/2006">
-    <mc:Choice xmlns="" xmlns:p14="http://schemas.microsoft.com/office/powerpoint/2010/main" Requires="p14">
+  <mc:AlternateContent xmlns:mc="http://schemas.openxmlformats.org/markup-compatibility/2006" xmlns:p14="http://schemas.microsoft.com/office/powerpoint/2010/main">
+    <mc:Choice Requires="p14">
       <p:transition spd="med" p14:dur="700">
         <p:fade/>
       </p:transition>
     </mc:Choice>
-    <mc:Fallback>
+    <mc:Fallback xmlns="">
       <p:transition spd="med">
         <p:fade/>
       </p:transition>
@@ -16879,17 +17447,7 @@
                 <a:latin typeface="Segoe UI" panose="020B0502040204020203" pitchFamily="34" charset="0"/>
                 <a:cs typeface="Segoe UI" panose="020B0502040204020203" pitchFamily="34" charset="0"/>
               </a:rPr>
-              <a:t>información </a:t>
-            </a:r>
-            <a:r>
-              <a:rPr lang="es-AR" dirty="0" smtClean="0">
-                <a:solidFill>
-                  <a:schemeClr val="accent1"/>
-                </a:solidFill>
-                <a:latin typeface="Segoe UI" panose="020B0502040204020203" pitchFamily="34" charset="0"/>
-                <a:cs typeface="Segoe UI" panose="020B0502040204020203" pitchFamily="34" charset="0"/>
-              </a:rPr>
-              <a:t> (II) </a:t>
+              <a:t>información  (II) </a:t>
             </a:r>
             <a:endParaRPr lang="es-AR" b="1" dirty="0">
               <a:solidFill>
@@ -16911,7 +17469,7 @@
           <a:blip r:embed="rId2" cstate="print">
             <a:extLst>
               <a:ext uri="{28A0092B-C50C-407E-A947-70E740481C1C}">
-                <a14:useLocalDpi xmlns="" xmlns:a14="http://schemas.microsoft.com/office/drawing/2010/main" val="0"/>
+                <a14:useLocalDpi xmlns:a14="http://schemas.microsoft.com/office/drawing/2010/main" val="0"/>
               </a:ext>
             </a:extLst>
           </a:blip>
@@ -16934,14 +17492,14 @@
           </a:ln>
           <a:extLst>
             <a:ext uri="{909E8E84-426E-40DD-AFC4-6F175D3DCCD1}">
-              <a14:hiddenFill xmlns="" xmlns:a14="http://schemas.microsoft.com/office/drawing/2010/main">
+              <a14:hiddenFill xmlns:a14="http://schemas.microsoft.com/office/drawing/2010/main">
                 <a:solidFill>
                   <a:schemeClr val="accent1"/>
                 </a:solidFill>
               </a14:hiddenFill>
             </a:ext>
             <a:ext uri="{91240B29-F687-4F45-9708-019B960494DF}">
-              <a14:hiddenLine xmlns="" xmlns:a14="http://schemas.microsoft.com/office/drawing/2010/main" w="9525">
+              <a14:hiddenLine xmlns:a14="http://schemas.microsoft.com/office/drawing/2010/main" w="9525">
                 <a:solidFill>
                   <a:schemeClr val="tx1"/>
                 </a:solidFill>
@@ -16956,20 +17514,20 @@
     </p:spTree>
     <p:extLst>
       <p:ext uri="{BB962C8B-B14F-4D97-AF65-F5344CB8AC3E}">
-        <p14:creationId xmlns="" xmlns:p14="http://schemas.microsoft.com/office/powerpoint/2010/main" val="2112418618"/>
+        <p14:creationId xmlns:p14="http://schemas.microsoft.com/office/powerpoint/2010/main" val="2112418618"/>
       </p:ext>
     </p:extLst>
   </p:cSld>
   <p:clrMapOvr>
     <a:masterClrMapping/>
   </p:clrMapOvr>
-  <mc:AlternateContent xmlns:mc="http://schemas.openxmlformats.org/markup-compatibility/2006">
-    <mc:Choice xmlns="" xmlns:p14="http://schemas.microsoft.com/office/powerpoint/2010/main" Requires="p14">
+  <mc:AlternateContent xmlns:mc="http://schemas.openxmlformats.org/markup-compatibility/2006" xmlns:p14="http://schemas.microsoft.com/office/powerpoint/2010/main">
+    <mc:Choice Requires="p14">
       <p:transition spd="med" p14:dur="700">
         <p:fade/>
       </p:transition>
     </mc:Choice>
-    <mc:Fallback>
+    <mc:Fallback xmlns="">
       <p:transition spd="med">
         <p:fade/>
       </p:transition>
@@ -17255,7 +17813,7 @@
           <a:blip r:embed="rId2" cstate="print">
             <a:extLst>
               <a:ext uri="{28A0092B-C50C-407E-A947-70E740481C1C}">
-                <a14:useLocalDpi xmlns="" xmlns:a14="http://schemas.microsoft.com/office/drawing/2010/main" val="0"/>
+                <a14:useLocalDpi xmlns:a14="http://schemas.microsoft.com/office/drawing/2010/main" val="0"/>
               </a:ext>
             </a:extLst>
           </a:blip>
@@ -17278,14 +17836,14 @@
           </a:ln>
           <a:extLst>
             <a:ext uri="{909E8E84-426E-40DD-AFC4-6F175D3DCCD1}">
-              <a14:hiddenFill xmlns="" xmlns:a14="http://schemas.microsoft.com/office/drawing/2010/main">
+              <a14:hiddenFill xmlns:a14="http://schemas.microsoft.com/office/drawing/2010/main">
                 <a:solidFill>
                   <a:schemeClr val="accent1"/>
                 </a:solidFill>
               </a14:hiddenFill>
             </a:ext>
             <a:ext uri="{91240B29-F687-4F45-9708-019B960494DF}">
-              <a14:hiddenLine xmlns="" xmlns:a14="http://schemas.microsoft.com/office/drawing/2010/main" w="9525">
+              <a14:hiddenLine xmlns:a14="http://schemas.microsoft.com/office/drawing/2010/main" w="9525">
                 <a:solidFill>
                   <a:schemeClr val="tx1"/>
                 </a:solidFill>
@@ -17300,20 +17858,20 @@
     </p:spTree>
     <p:extLst>
       <p:ext uri="{BB962C8B-B14F-4D97-AF65-F5344CB8AC3E}">
-        <p14:creationId xmlns="" xmlns:p14="http://schemas.microsoft.com/office/powerpoint/2010/main" val="1393713661"/>
+        <p14:creationId xmlns:p14="http://schemas.microsoft.com/office/powerpoint/2010/main" val="1393713661"/>
       </p:ext>
     </p:extLst>
   </p:cSld>
   <p:clrMapOvr>
     <a:masterClrMapping/>
   </p:clrMapOvr>
-  <mc:AlternateContent xmlns:mc="http://schemas.openxmlformats.org/markup-compatibility/2006">
-    <mc:Choice xmlns="" xmlns:p14="http://schemas.microsoft.com/office/powerpoint/2010/main" Requires="p14">
+  <mc:AlternateContent xmlns:mc="http://schemas.openxmlformats.org/markup-compatibility/2006" xmlns:p14="http://schemas.microsoft.com/office/powerpoint/2010/main">
+    <mc:Choice Requires="p14">
       <p:transition spd="med" p14:dur="700">
         <p:fade/>
       </p:transition>
     </mc:Choice>
-    <mc:Fallback>
+    <mc:Fallback xmlns="">
       <p:transition spd="med">
         <p:fade/>
       </p:transition>

--- a/Presentacion/Fuga de Información.pptx
+++ b/Presentacion/Fuga de Información.pptx
@@ -1765,10 +1765,10 @@
                 <a:ea typeface="+mn-ea"/>
                 <a:cs typeface="+mn-cs"/>
               </a:rPr>
-              <a:t>Cambio </a:t>
-            </a:r>
-            <a:r>
-              <a:rPr lang="es-AR" sz="1200" kern="1200" dirty="0" smtClean="0">
+              <a:t>Cambio de la economía tradicional traída en la revolución industrial hacia una </a:t>
+            </a:r>
+            <a:r>
+              <a:rPr lang="es-AR" sz="1200" b="1" kern="1200" dirty="0" smtClean="0">
                 <a:solidFill>
                   <a:schemeClr val="tx1"/>
                 </a:solidFill>
@@ -1777,10 +1777,10 @@
                 <a:ea typeface="+mn-ea"/>
                 <a:cs typeface="+mn-cs"/>
               </a:rPr>
-              <a:t>de la economía tradicional traída en la revolución industrial hacia una </a:t>
-            </a:r>
-            <a:r>
-              <a:rPr lang="es-AR" sz="1200" b="1" kern="1200" dirty="0" smtClean="0">
+              <a:t>economía basada en la información.</a:t>
+            </a:r>
+            <a:r>
+              <a:rPr lang="es-AR" sz="1200" kern="1200" dirty="0" smtClean="0">
                 <a:solidFill>
                   <a:schemeClr val="tx1"/>
                 </a:solidFill>
@@ -1789,29 +1789,8 @@
                 <a:ea typeface="+mn-ea"/>
                 <a:cs typeface="+mn-cs"/>
               </a:rPr>
-              <a:t>economía basada en la información.</a:t>
-            </a:r>
-            <a:r>
-              <a:rPr lang="es-AR" sz="1200" kern="1200" dirty="0" smtClean="0">
-                <a:solidFill>
-                  <a:schemeClr val="tx1"/>
-                </a:solidFill>
-                <a:effectLst/>
-                <a:latin typeface="+mn-lt"/>
-                <a:ea typeface="+mn-ea"/>
-                <a:cs typeface="+mn-cs"/>
-              </a:rPr>
               <a:t> </a:t>
             </a:r>
-            <a:endParaRPr lang="es-AR" sz="1200" kern="1200" dirty="0" smtClean="0">
-              <a:solidFill>
-                <a:schemeClr val="tx1"/>
-              </a:solidFill>
-              <a:effectLst/>
-              <a:latin typeface="+mn-lt"/>
-              <a:ea typeface="+mn-ea"/>
-              <a:cs typeface="+mn-cs"/>
-            </a:endParaRPr>
           </a:p>
           <a:p>
             <a:pPr marL="171450" marR="0" indent="-171450" algn="l" defTabSz="914400" rtl="0" eaLnBrk="1" fontAlgn="auto" latinLnBrk="0" hangingPunct="1">
@@ -1841,29 +1820,8 @@
                 <a:ea typeface="+mn-ea"/>
                 <a:cs typeface="+mn-cs"/>
               </a:rPr>
-              <a:t>La industria </a:t>
-            </a:r>
-            <a:r>
-              <a:rPr lang="es-AR" sz="1200" kern="1200" dirty="0" smtClean="0">
-                <a:solidFill>
-                  <a:schemeClr val="tx1"/>
-                </a:solidFill>
-                <a:effectLst/>
-                <a:latin typeface="+mn-lt"/>
-                <a:ea typeface="+mn-ea"/>
-                <a:cs typeface="+mn-cs"/>
-              </a:rPr>
-              <a:t>es capaz de explorar las necesidades personales de los consumidores, </a:t>
-            </a:r>
-            <a:endParaRPr lang="es-AR" sz="1200" kern="1200" dirty="0" smtClean="0">
-              <a:solidFill>
-                <a:schemeClr val="tx1"/>
-              </a:solidFill>
-              <a:effectLst/>
-              <a:latin typeface="+mn-lt"/>
-              <a:ea typeface="+mn-ea"/>
-              <a:cs typeface="+mn-cs"/>
-            </a:endParaRPr>
+              <a:t>La industria es capaz de explorar las necesidades personales de los consumidores, </a:t>
+            </a:r>
           </a:p>
           <a:p>
             <a:pPr marL="171450" marR="0" indent="-171450" algn="l" defTabSz="914400" rtl="0" eaLnBrk="1" fontAlgn="auto" latinLnBrk="0" hangingPunct="1">
@@ -1893,8 +1851,14 @@
                 <a:ea typeface="+mn-ea"/>
                 <a:cs typeface="+mn-cs"/>
               </a:rPr>
-              <a:t>reducción </a:t>
-            </a:r>
+              <a:t>reducción de costos tanto para los consumidores como para las empresas.</a:t>
+            </a:r>
+          </a:p>
+          <a:p>
+            <a:pPr marL="171450" indent="-171450">
+              <a:buFont typeface="Arial" panose="020B0604020202020204" pitchFamily="34" charset="0"/>
+              <a:buChar char="•"/>
+            </a:pPr>
             <a:r>
               <a:rPr lang="es-AR" sz="1200" kern="1200" dirty="0" smtClean="0">
                 <a:solidFill>
@@ -1905,16 +1869,10 @@
                 <a:ea typeface="+mn-ea"/>
                 <a:cs typeface="+mn-cs"/>
               </a:rPr>
-              <a:t>de costos tanto para los consumidores como para las empresas.</a:t>
-            </a:r>
-          </a:p>
-          <a:p>
-            <a:pPr marL="171450" indent="-171450">
-              <a:buFont typeface="Arial" panose="020B0604020202020204" pitchFamily="34" charset="0"/>
-              <a:buChar char="•"/>
-            </a:pPr>
-            <a:r>
-              <a:rPr lang="es-AR" sz="1200" kern="1200" dirty="0" smtClean="0">
+              <a:t>El </a:t>
+            </a:r>
+            <a:r>
+              <a:rPr lang="es-AR" sz="1200" b="0" kern="1200" dirty="0" smtClean="0">
                 <a:solidFill>
                   <a:schemeClr val="tx1"/>
                 </a:solidFill>
@@ -1923,10 +1881,10 @@
                 <a:ea typeface="+mn-ea"/>
                 <a:cs typeface="+mn-cs"/>
               </a:rPr>
-              <a:t>El </a:t>
-            </a:r>
-            <a:r>
-              <a:rPr lang="es-AR" sz="1200" b="0" kern="1200" dirty="0" smtClean="0">
+              <a:t>principal capital de las empresas tecnológicas lo </a:t>
+            </a:r>
+            <a:r>
+              <a:rPr lang="es-AR" sz="1200" kern="1200" dirty="0" smtClean="0">
                 <a:solidFill>
                   <a:schemeClr val="tx1"/>
                 </a:solidFill>
@@ -1935,10 +1893,10 @@
                 <a:ea typeface="+mn-ea"/>
                 <a:cs typeface="+mn-cs"/>
               </a:rPr>
-              <a:t>principal capital de las empresas tecnológicas lo </a:t>
-            </a:r>
-            <a:r>
-              <a:rPr lang="es-AR" sz="1200" kern="1200" dirty="0" smtClean="0">
+              <a:t>conforman los bienes o activos intangibles: </a:t>
+            </a:r>
+            <a:r>
+              <a:rPr lang="es-AR" sz="1200" b="1" kern="1200" dirty="0" smtClean="0">
                 <a:solidFill>
                   <a:schemeClr val="tx1"/>
                 </a:solidFill>
@@ -1947,10 +1905,10 @@
                 <a:ea typeface="+mn-ea"/>
                 <a:cs typeface="+mn-cs"/>
               </a:rPr>
-              <a:t>conforman los bienes o activos intangibles: </a:t>
-            </a:r>
-            <a:r>
-              <a:rPr lang="es-AR" sz="1200" b="1" kern="1200" dirty="0" smtClean="0">
+              <a:t>información, algoritmos, fórmulas, invenciones, procesos</a:t>
+            </a:r>
+            <a:r>
+              <a:rPr lang="es-AR" sz="1200" kern="1200" dirty="0" smtClean="0">
                 <a:solidFill>
                   <a:schemeClr val="tx1"/>
                 </a:solidFill>
@@ -1959,7 +1917,7 @@
                 <a:ea typeface="+mn-ea"/>
                 <a:cs typeface="+mn-cs"/>
               </a:rPr>
-              <a:t>información</a:t>
+              <a:t>, estrategia comercial y </a:t>
             </a:r>
             <a:r>
               <a:rPr lang="es-AR" sz="1200" b="1" kern="1200" dirty="0" smtClean="0">
@@ -1971,55 +1929,7 @@
                 <a:ea typeface="+mn-ea"/>
                 <a:cs typeface="+mn-cs"/>
               </a:rPr>
-              <a:t>, </a:t>
-            </a:r>
-            <a:r>
-              <a:rPr lang="es-AR" sz="1200" b="1" kern="1200" dirty="0" smtClean="0">
-                <a:solidFill>
-                  <a:schemeClr val="tx1"/>
-                </a:solidFill>
-                <a:effectLst/>
-                <a:latin typeface="+mn-lt"/>
-                <a:ea typeface="+mn-ea"/>
-                <a:cs typeface="+mn-cs"/>
-              </a:rPr>
-              <a:t>algoritmos, fórmulas, invenciones, procesos</a:t>
-            </a:r>
-            <a:r>
-              <a:rPr lang="es-AR" sz="1200" kern="1200" dirty="0" smtClean="0">
-                <a:solidFill>
-                  <a:schemeClr val="tx1"/>
-                </a:solidFill>
-                <a:effectLst/>
-                <a:latin typeface="+mn-lt"/>
-                <a:ea typeface="+mn-ea"/>
-                <a:cs typeface="+mn-cs"/>
-              </a:rPr>
-              <a:t>, estrategia comercial y </a:t>
-            </a:r>
-            <a:r>
-              <a:rPr lang="es-AR" sz="1200" b="1" kern="1200" dirty="0" smtClean="0">
-                <a:solidFill>
-                  <a:schemeClr val="tx1"/>
-                </a:solidFill>
-                <a:effectLst/>
-                <a:latin typeface="+mn-lt"/>
-                <a:ea typeface="+mn-ea"/>
-                <a:cs typeface="+mn-cs"/>
-              </a:rPr>
-              <a:t>bases de </a:t>
-            </a:r>
-            <a:r>
-              <a:rPr lang="es-AR" sz="1200" b="1" kern="1200" dirty="0" smtClean="0">
-                <a:solidFill>
-                  <a:schemeClr val="tx1"/>
-                </a:solidFill>
-                <a:effectLst/>
-                <a:latin typeface="+mn-lt"/>
-                <a:ea typeface="+mn-ea"/>
-                <a:cs typeface="+mn-cs"/>
-              </a:rPr>
-              <a:t>datos</a:t>
+              <a:t>bases de datos</a:t>
             </a:r>
             <a:endParaRPr lang="es-AR" sz="1200" b="0" kern="1200" dirty="0" smtClean="0">
               <a:solidFill>
@@ -2061,19 +1971,7 @@
                 <a:ea typeface="+mn-ea"/>
                 <a:cs typeface="+mn-cs"/>
               </a:rPr>
-              <a:t>Las </a:t>
-            </a:r>
-            <a:r>
-              <a:rPr lang="es-AR" sz="1200" kern="1200" dirty="0" smtClean="0">
-                <a:solidFill>
-                  <a:schemeClr val="tx1"/>
-                </a:solidFill>
-                <a:effectLst/>
-                <a:latin typeface="+mn-lt"/>
-                <a:ea typeface="+mn-ea"/>
-                <a:cs typeface="+mn-cs"/>
-              </a:rPr>
-              <a:t>organizaciones del siglo XXI deben estar preparadas para los siguientes </a:t>
+              <a:t>Las organizaciones del siglo XXI deben estar preparadas para los siguientes </a:t>
             </a:r>
             <a:r>
               <a:rPr lang="es-AR" sz="1200" b="1" kern="1200" dirty="0" smtClean="0">
@@ -2247,10 +2145,10 @@
                 <a:ea typeface="+mn-ea"/>
                 <a:cs typeface="+mn-cs"/>
               </a:rPr>
-              <a:t>proliferación </a:t>
-            </a:r>
-            <a:r>
-              <a:rPr lang="es-AR" sz="1200" b="1" kern="1200" dirty="0" smtClean="0">
+              <a:t>proliferación de internet </a:t>
+            </a:r>
+            <a:r>
+              <a:rPr lang="es-AR" sz="1200" kern="1200" dirty="0" smtClean="0">
                 <a:solidFill>
                   <a:schemeClr val="tx1"/>
                 </a:solidFill>
@@ -2259,8 +2157,14 @@
                 <a:ea typeface="+mn-ea"/>
                 <a:cs typeface="+mn-cs"/>
               </a:rPr>
-              <a:t>de internet </a:t>
-            </a:r>
+              <a:t>desde el año 1990,</a:t>
+            </a:r>
+          </a:p>
+          <a:p>
+            <a:pPr marL="171450" indent="-171450">
+              <a:buFont typeface="Arial" panose="020B0604020202020204" pitchFamily="34" charset="0"/>
+              <a:buChar char="•"/>
+            </a:pPr>
             <a:r>
               <a:rPr lang="es-AR" sz="1200" kern="1200" dirty="0" smtClean="0">
                 <a:solidFill>
@@ -2271,8 +2175,14 @@
                 <a:ea typeface="+mn-ea"/>
                 <a:cs typeface="+mn-cs"/>
               </a:rPr>
-              <a:t>desde el año 1990</a:t>
-            </a:r>
+              <a:t>la fuga de información se ve incrementada gracias a la rápida expansión de los medios de comunicación. </a:t>
+            </a:r>
+          </a:p>
+          <a:p>
+            <a:pPr marL="171450" indent="-171450">
+              <a:buFont typeface="Arial" panose="020B0604020202020204" pitchFamily="34" charset="0"/>
+              <a:buChar char="•"/>
+            </a:pPr>
             <a:r>
               <a:rPr lang="es-AR" sz="1200" kern="1200" dirty="0" smtClean="0">
                 <a:solidFill>
@@ -2283,88 +2193,7 @@
                 <a:ea typeface="+mn-ea"/>
                 <a:cs typeface="+mn-cs"/>
               </a:rPr>
-              <a:t>,</a:t>
-            </a:r>
-          </a:p>
-          <a:p>
-            <a:pPr marL="171450" indent="-171450">
-              <a:buFont typeface="Arial" panose="020B0604020202020204" pitchFamily="34" charset="0"/>
-              <a:buChar char="•"/>
-            </a:pPr>
-            <a:r>
-              <a:rPr lang="es-AR" sz="1200" kern="1200" dirty="0" smtClean="0">
-                <a:solidFill>
-                  <a:schemeClr val="tx1"/>
-                </a:solidFill>
-                <a:effectLst/>
-                <a:latin typeface="+mn-lt"/>
-                <a:ea typeface="+mn-ea"/>
-                <a:cs typeface="+mn-cs"/>
-              </a:rPr>
-              <a:t>la </a:t>
-            </a:r>
-            <a:r>
-              <a:rPr lang="es-AR" sz="1200" kern="1200" dirty="0" smtClean="0">
-                <a:solidFill>
-                  <a:schemeClr val="tx1"/>
-                </a:solidFill>
-                <a:effectLst/>
-                <a:latin typeface="+mn-lt"/>
-                <a:ea typeface="+mn-ea"/>
-                <a:cs typeface="+mn-cs"/>
-              </a:rPr>
-              <a:t>fuga de información se ve incrementada gracias a la rápida expansión de los medios de comunicación. </a:t>
-            </a:r>
-            <a:endParaRPr lang="es-AR" sz="1200" kern="1200" dirty="0" smtClean="0">
-              <a:solidFill>
-                <a:schemeClr val="tx1"/>
-              </a:solidFill>
-              <a:effectLst/>
-              <a:latin typeface="+mn-lt"/>
-              <a:ea typeface="+mn-ea"/>
-              <a:cs typeface="+mn-cs"/>
-            </a:endParaRPr>
-          </a:p>
-          <a:p>
-            <a:pPr marL="171450" indent="-171450">
-              <a:buFont typeface="Arial" panose="020B0604020202020204" pitchFamily="34" charset="0"/>
-              <a:buChar char="•"/>
-            </a:pPr>
-            <a:r>
-              <a:rPr lang="es-AR" sz="1200" kern="1200" dirty="0" smtClean="0">
-                <a:solidFill>
-                  <a:schemeClr val="tx1"/>
-                </a:solidFill>
-                <a:effectLst/>
-                <a:latin typeface="+mn-lt"/>
-                <a:ea typeface="+mn-ea"/>
-                <a:cs typeface="+mn-cs"/>
-              </a:rPr>
-              <a:t>han </a:t>
-            </a:r>
-            <a:r>
-              <a:rPr lang="es-AR" sz="1200" kern="1200" dirty="0" smtClean="0">
-                <a:solidFill>
-                  <a:schemeClr val="tx1"/>
-                </a:solidFill>
-                <a:effectLst/>
-                <a:latin typeface="+mn-lt"/>
-                <a:ea typeface="+mn-ea"/>
-                <a:cs typeface="+mn-cs"/>
-              </a:rPr>
-              <a:t>emergido nuevas formas de fuga de </a:t>
-            </a:r>
-            <a:r>
-              <a:rPr lang="es-AR" sz="1200" kern="1200" dirty="0" smtClean="0">
-                <a:solidFill>
-                  <a:schemeClr val="tx1"/>
-                </a:solidFill>
-                <a:effectLst/>
-                <a:latin typeface="+mn-lt"/>
-                <a:ea typeface="+mn-ea"/>
-                <a:cs typeface="+mn-cs"/>
-              </a:rPr>
-              <a:t>información</a:t>
+              <a:t>han emergido nuevas formas de fuga de información</a:t>
             </a:r>
           </a:p>
           <a:p>
@@ -2397,19 +2226,7 @@
                 <a:ea typeface="+mn-ea"/>
                 <a:cs typeface="+mn-cs"/>
               </a:rPr>
-              <a:t>En </a:t>
-            </a:r>
-            <a:r>
-              <a:rPr lang="es-AR" sz="1200" kern="1200" dirty="0" smtClean="0">
-                <a:solidFill>
-                  <a:schemeClr val="tx1"/>
-                </a:solidFill>
-                <a:effectLst/>
-                <a:latin typeface="+mn-lt"/>
-                <a:ea typeface="+mn-ea"/>
-                <a:cs typeface="+mn-cs"/>
-              </a:rPr>
-              <a:t>el campo de la </a:t>
+              <a:t>En el campo de la </a:t>
             </a:r>
             <a:r>
               <a:rPr lang="es-AR" sz="1200" b="1" kern="1200" dirty="0" smtClean="0">
@@ -2808,19 +2625,7 @@
                 <a:ea typeface="+mn-ea"/>
                 <a:cs typeface="+mn-cs"/>
               </a:rPr>
-              <a:t>Origen </a:t>
-            </a:r>
-            <a:r>
-              <a:rPr lang="es-AR" sz="1200" kern="1200" dirty="0" smtClean="0">
-                <a:solidFill>
-                  <a:schemeClr val="tx1"/>
-                </a:solidFill>
-                <a:effectLst/>
-                <a:latin typeface="+mn-lt"/>
-                <a:ea typeface="+mn-ea"/>
-                <a:cs typeface="+mn-cs"/>
-              </a:rPr>
-              <a:t>interno como externo.</a:t>
+              <a:t>Origen interno como externo.</a:t>
             </a:r>
             <a:endParaRPr lang="en-US" sz="1200" kern="1200" dirty="0" smtClean="0">
               <a:solidFill>
@@ -2850,29 +2655,20 @@
               <a:rPr lang="es-AR" u="none" strike="noStrike" dirty="0" smtClean="0">
                 <a:effectLst/>
               </a:rPr>
-              <a:t>Usuarios</a:t>
+              <a:t>Usuarios: los usuarios pueden ser intencional o </a:t>
+            </a:r>
+            <a:r>
+              <a:rPr lang="es-AR" u="none" strike="noStrike" dirty="0" err="1" smtClean="0">
+                <a:effectLst/>
+              </a:rPr>
+              <a:t>inintencionalmente</a:t>
             </a:r>
             <a:r>
               <a:rPr lang="es-AR" u="none" strike="noStrike" dirty="0" smtClean="0">
                 <a:effectLst/>
               </a:rPr>
-              <a:t>: los usuarios pueden ser intencional o </a:t>
-            </a:r>
-            <a:r>
-              <a:rPr lang="es-AR" u="none" strike="noStrike" dirty="0" err="1" smtClean="0">
-                <a:effectLst/>
-              </a:rPr>
-              <a:t>inintencionalmente</a:t>
-            </a:r>
-            <a:r>
-              <a:rPr lang="es-AR" u="none" strike="noStrike" dirty="0" smtClean="0">
-                <a:effectLst/>
-              </a:rPr>
               <a:t> responsables de fugas de información. </a:t>
             </a:r>
-            <a:endParaRPr lang="es-AR" u="none" strike="noStrike" dirty="0" smtClean="0">
-              <a:effectLst/>
-            </a:endParaRPr>
           </a:p>
           <a:p>
             <a:pPr marL="171450" lvl="0" indent="-171450">
@@ -2883,13 +2679,7 @@
               <a:rPr lang="es-AR" u="none" strike="noStrike" dirty="0" smtClean="0">
                 <a:effectLst/>
               </a:rPr>
-              <a:t>No </a:t>
-            </a:r>
-            <a:r>
-              <a:rPr lang="es-AR" u="none" strike="noStrike" dirty="0" smtClean="0">
-                <a:effectLst/>
-              </a:rPr>
-              <a:t>se definieron bien sus perfiles de acceso.</a:t>
+              <a:t>No se definieron bien sus perfiles de acceso.</a:t>
             </a:r>
             <a:endParaRPr lang="en-US" u="none" strike="noStrike" dirty="0" smtClean="0">
               <a:effectLst/>
@@ -2921,9 +2711,6 @@
               </a:rPr>
               <a:t>Errores de programación: errores o fallas en programación que pueden dar libre acceso a crackers. </a:t>
             </a:r>
-            <a:endParaRPr lang="es-AR" u="none" strike="noStrike" dirty="0" smtClean="0">
-              <a:effectLst/>
-            </a:endParaRPr>
           </a:p>
           <a:p>
             <a:pPr marL="171450" lvl="0" indent="-171450">
@@ -2934,17 +2721,8 @@
               <a:rPr lang="es-AR" u="none" strike="noStrike" dirty="0" smtClean="0">
                 <a:effectLst/>
               </a:rPr>
-              <a:t>Accesos </a:t>
-            </a:r>
-            <a:r>
-              <a:rPr lang="es-AR" u="none" strike="noStrike" dirty="0" smtClean="0">
-                <a:effectLst/>
-              </a:rPr>
-              <a:t>no autorizados/intrusos: un tercero no autorizado que accede a la información dentro de una computadora. </a:t>
-            </a:r>
-            <a:endParaRPr lang="es-AR" u="none" strike="noStrike" dirty="0" smtClean="0">
-              <a:effectLst/>
-            </a:endParaRPr>
+              <a:t>Accesos no autorizados/intrusos: un tercero no autorizado que accede a la información dentro de una computadora. </a:t>
+            </a:r>
           </a:p>
           <a:p>
             <a:pPr marL="171450" lvl="0" indent="-171450">
@@ -2955,13 +2733,7 @@
               <a:rPr lang="es-AR" u="none" strike="noStrike" dirty="0" smtClean="0">
                 <a:effectLst/>
               </a:rPr>
-              <a:t>Robos </a:t>
-            </a:r>
-            <a:r>
-              <a:rPr lang="es-AR" u="none" strike="noStrike" dirty="0" smtClean="0">
-                <a:effectLst/>
-              </a:rPr>
-              <a:t>de componentes de hardware (discos o memoria) que contienen información</a:t>
+              <a:t>Robos de componentes de hardware (discos o memoria) que contienen información</a:t>
             </a:r>
             <a:endParaRPr lang="en-US" u="none" strike="noStrike" dirty="0" smtClean="0">
               <a:effectLst/>
@@ -2976,13 +2748,7 @@
               <a:rPr lang="es-AR" u="none" strike="noStrike" dirty="0" smtClean="0">
                 <a:effectLst/>
               </a:rPr>
-              <a:t>Desastres no </a:t>
-            </a:r>
-            <a:r>
-              <a:rPr lang="es-AR" u="none" strike="noStrike" dirty="0" smtClean="0">
-                <a:effectLst/>
-              </a:rPr>
-              <a:t>previstos &amp;</a:t>
+              <a:t>Desastres no previstos &amp;</a:t>
             </a:r>
             <a:r>
               <a:rPr lang="es-AR" u="none" strike="noStrike" baseline="0" dirty="0" smtClean="0">
@@ -3007,13 +2773,7 @@
               <a:rPr lang="es-AR" u="none" strike="noStrike" dirty="0" smtClean="0">
                 <a:effectLst/>
               </a:rPr>
-              <a:t>pérdida </a:t>
-            </a:r>
-            <a:r>
-              <a:rPr lang="es-AR" u="none" strike="noStrike" dirty="0" smtClean="0">
-                <a:effectLst/>
-              </a:rPr>
-              <a:t>de información irrecuperable.</a:t>
+              <a:t>pérdida de información irrecuperable.</a:t>
             </a:r>
             <a:endParaRPr lang="en-US" u="none" strike="noStrike" dirty="0" smtClean="0">
               <a:effectLst/>
@@ -3028,19 +2788,7 @@
               <a:rPr lang="es-AR" u="none" strike="noStrike" dirty="0" smtClean="0">
                 <a:effectLst/>
               </a:rPr>
-              <a:t>Personal interno de la </a:t>
-            </a:r>
-            <a:r>
-              <a:rPr lang="es-AR" u="none" strike="noStrike" dirty="0" smtClean="0">
-                <a:effectLst/>
-              </a:rPr>
-              <a:t>roba </a:t>
-            </a:r>
-            <a:r>
-              <a:rPr lang="es-AR" u="none" strike="noStrike" dirty="0" smtClean="0">
-                <a:effectLst/>
-              </a:rPr>
-              <a:t>información para venderla a la competencia.</a:t>
+              <a:t>Personal interno de la roba información para venderla a la competencia.</a:t>
             </a:r>
             <a:endParaRPr lang="en-US" u="none" strike="noStrike" dirty="0" smtClean="0">
               <a:effectLst/>
@@ -3170,8 +2918,14 @@
                 <a:ea typeface="+mn-ea"/>
                 <a:cs typeface="+mn-cs"/>
               </a:rPr>
-              <a:t> es un conjunto de derechos que se le otorgan a un inventor por un período limitado de tiempo (20 años</a:t>
-            </a:r>
+              <a:t> es un conjunto de derechos que se le otorgan a un inventor por un período limitado de tiempo (20 años),</a:t>
+            </a:r>
+          </a:p>
+          <a:p>
+            <a:pPr marL="171450" indent="-171450">
+              <a:buFont typeface="Arial" panose="020B0604020202020204" pitchFamily="34" charset="0"/>
+              <a:buChar char="•"/>
+            </a:pPr>
             <a:r>
               <a:rPr lang="es-AR" sz="1200" kern="1200" dirty="0" smtClean="0">
                 <a:solidFill>
@@ -3182,7 +2936,7 @@
                 <a:ea typeface="+mn-ea"/>
                 <a:cs typeface="+mn-cs"/>
               </a:rPr>
-              <a:t>),</a:t>
+              <a:t>a cambio de la divulgación de los detalles del mismo. </a:t>
             </a:r>
           </a:p>
           <a:p>
@@ -3200,10 +2954,10 @@
                 <a:ea typeface="+mn-ea"/>
                 <a:cs typeface="+mn-cs"/>
               </a:rPr>
-              <a:t>a </a:t>
-            </a:r>
-            <a:r>
-              <a:rPr lang="es-AR" sz="1200" kern="1200" dirty="0" smtClean="0">
+              <a:t>son una forma de </a:t>
+            </a:r>
+            <a:r>
+              <a:rPr lang="es-AR" sz="1200" b="1" kern="1200" dirty="0" smtClean="0">
                 <a:solidFill>
                   <a:schemeClr val="tx1"/>
                 </a:solidFill>
@@ -3212,17 +2966,20 @@
                 <a:ea typeface="+mn-ea"/>
                 <a:cs typeface="+mn-cs"/>
               </a:rPr>
-              <a:t>cambio de la divulgación de los detalles del mismo. </a:t>
-            </a:r>
-            <a:endParaRPr lang="es-AR" sz="1200" kern="1200" dirty="0" smtClean="0">
-              <a:solidFill>
-                <a:schemeClr val="tx1"/>
-              </a:solidFill>
-              <a:effectLst/>
-              <a:latin typeface="+mn-lt"/>
-              <a:ea typeface="+mn-ea"/>
-              <a:cs typeface="+mn-cs"/>
-            </a:endParaRPr>
+              <a:t>propiedad intelectual</a:t>
+            </a:r>
+            <a:r>
+              <a:rPr lang="es-AR" sz="1200" kern="1200" dirty="0" smtClean="0">
+                <a:solidFill>
+                  <a:schemeClr val="tx1"/>
+                </a:solidFill>
+                <a:effectLst/>
+                <a:latin typeface="+mn-lt"/>
+                <a:ea typeface="+mn-ea"/>
+                <a:cs typeface="+mn-cs"/>
+              </a:rPr>
+              <a:t>,</a:t>
+            </a:r>
           </a:p>
           <a:p>
             <a:pPr marL="171450" indent="-171450">
@@ -3239,73 +2996,7 @@
                 <a:ea typeface="+mn-ea"/>
                 <a:cs typeface="+mn-cs"/>
               </a:rPr>
-              <a:t>son </a:t>
-            </a:r>
-            <a:r>
-              <a:rPr lang="es-AR" sz="1200" kern="1200" dirty="0" smtClean="0">
-                <a:solidFill>
-                  <a:schemeClr val="tx1"/>
-                </a:solidFill>
-                <a:effectLst/>
-                <a:latin typeface="+mn-lt"/>
-                <a:ea typeface="+mn-ea"/>
-                <a:cs typeface="+mn-cs"/>
-              </a:rPr>
-              <a:t>una forma de </a:t>
-            </a:r>
-            <a:r>
-              <a:rPr lang="es-AR" sz="1200" b="1" kern="1200" dirty="0" smtClean="0">
-                <a:solidFill>
-                  <a:schemeClr val="tx1"/>
-                </a:solidFill>
-                <a:effectLst/>
-                <a:latin typeface="+mn-lt"/>
-                <a:ea typeface="+mn-ea"/>
-                <a:cs typeface="+mn-cs"/>
-              </a:rPr>
-              <a:t>propiedad intelectual</a:t>
-            </a:r>
-            <a:r>
-              <a:rPr lang="es-AR" sz="1200" kern="1200" dirty="0" smtClean="0">
-                <a:solidFill>
-                  <a:schemeClr val="tx1"/>
-                </a:solidFill>
-                <a:effectLst/>
-                <a:latin typeface="+mn-lt"/>
-                <a:ea typeface="+mn-ea"/>
-                <a:cs typeface="+mn-cs"/>
-              </a:rPr>
-              <a:t>,</a:t>
-            </a:r>
-          </a:p>
-          <a:p>
-            <a:pPr marL="171450" indent="-171450">
-              <a:buFont typeface="Arial" panose="020B0604020202020204" pitchFamily="34" charset="0"/>
-              <a:buChar char="•"/>
-            </a:pPr>
-            <a:r>
-              <a:rPr lang="es-AR" sz="1200" kern="1200" dirty="0" smtClean="0">
-                <a:solidFill>
-                  <a:schemeClr val="tx1"/>
-                </a:solidFill>
-                <a:effectLst/>
-                <a:latin typeface="+mn-lt"/>
-                <a:ea typeface="+mn-ea"/>
-                <a:cs typeface="+mn-cs"/>
-              </a:rPr>
-              <a:t>le </a:t>
-            </a:r>
-            <a:r>
-              <a:rPr lang="es-AR" sz="1200" kern="1200" dirty="0" smtClean="0">
-                <a:solidFill>
-                  <a:schemeClr val="tx1"/>
-                </a:solidFill>
-                <a:effectLst/>
-                <a:latin typeface="+mn-lt"/>
-                <a:ea typeface="+mn-ea"/>
-                <a:cs typeface="+mn-cs"/>
-              </a:rPr>
-              <a:t>proporcionan dueño la garantía de que otras empresas no podrán producir, utilizar o vender el producto patentado sin permiso.</a:t>
+              <a:t>le proporcionan dueño la garantía de que otras empresas no podrán producir, utilizar o vender el producto patentado sin permiso.</a:t>
             </a:r>
             <a:endParaRPr lang="en-US" sz="1200" kern="1200" dirty="0" smtClean="0">
               <a:solidFill>
@@ -3371,15 +3062,6 @@
               </a:rPr>
               <a:t>, pero fue durante la revolución francesa que se creó el sistema moderno. </a:t>
             </a:r>
-            <a:endParaRPr lang="es-AR" sz="1200" kern="1200" dirty="0" smtClean="0">
-              <a:solidFill>
-                <a:schemeClr val="tx1"/>
-              </a:solidFill>
-              <a:effectLst/>
-              <a:latin typeface="+mn-lt"/>
-              <a:ea typeface="+mn-ea"/>
-              <a:cs typeface="+mn-cs"/>
-            </a:endParaRPr>
           </a:p>
           <a:p>
             <a:pPr marL="171450" marR="0" indent="-171450" algn="l" defTabSz="914400" rtl="0" eaLnBrk="1" fontAlgn="auto" latinLnBrk="0" hangingPunct="1">
@@ -3409,10 +3091,10 @@
                 <a:ea typeface="+mn-ea"/>
                 <a:cs typeface="+mn-cs"/>
               </a:rPr>
-              <a:t>altos </a:t>
-            </a:r>
-            <a:r>
-              <a:rPr lang="es-AR" sz="1200" b="1" kern="1200" dirty="0" smtClean="0">
+              <a:t>altos costos </a:t>
+            </a:r>
+            <a:r>
+              <a:rPr lang="es-AR" sz="1200" kern="1200" dirty="0" smtClean="0">
                 <a:solidFill>
                   <a:schemeClr val="tx1"/>
                 </a:solidFill>
@@ -3421,29 +3103,8 @@
                 <a:ea typeface="+mn-ea"/>
                 <a:cs typeface="+mn-cs"/>
               </a:rPr>
-              <a:t>costos </a:t>
-            </a:r>
-            <a:r>
-              <a:rPr lang="es-AR" sz="1200" kern="1200" dirty="0" smtClean="0">
-                <a:solidFill>
-                  <a:schemeClr val="tx1"/>
-                </a:solidFill>
-                <a:effectLst/>
-                <a:latin typeface="+mn-lt"/>
-                <a:ea typeface="+mn-ea"/>
-                <a:cs typeface="+mn-cs"/>
-              </a:rPr>
               <a:t>asociados al mantenimiento de patentes (por ejemplo, en Estados Unidos el mismo puede alcanzar los 30 mil dólares por patente), </a:t>
             </a:r>
-            <a:endParaRPr lang="es-AR" sz="1200" kern="1200" dirty="0" smtClean="0">
-              <a:solidFill>
-                <a:schemeClr val="tx1"/>
-              </a:solidFill>
-              <a:effectLst/>
-              <a:latin typeface="+mn-lt"/>
-              <a:ea typeface="+mn-ea"/>
-              <a:cs typeface="+mn-cs"/>
-            </a:endParaRPr>
           </a:p>
           <a:p>
             <a:pPr marL="0" marR="0" indent="0" algn="l" defTabSz="914400" rtl="0" eaLnBrk="1" fontAlgn="auto" latinLnBrk="0" hangingPunct="1">
@@ -3508,8 +3169,10 @@
                 <a:ea typeface="+mn-ea"/>
                 <a:cs typeface="+mn-cs"/>
               </a:rPr>
-              <a:t>, </a:t>
-            </a:r>
+              <a:t>, donde</a:t>
+            </a:r>
+          </a:p>
+          <a:p>
             <a:r>
               <a:rPr lang="es-AR" sz="1200" kern="1200" dirty="0" smtClean="0">
                 <a:solidFill>
@@ -3520,45 +3183,7 @@
                 <a:ea typeface="+mn-ea"/>
                 <a:cs typeface="+mn-cs"/>
               </a:rPr>
-              <a:t>donde</a:t>
-            </a:r>
-          </a:p>
-          <a:p>
-            <a:r>
-              <a:rPr lang="es-AR" sz="1200" kern="1200" dirty="0" smtClean="0">
-                <a:solidFill>
-                  <a:schemeClr val="tx1"/>
-                </a:solidFill>
-                <a:effectLst/>
-                <a:latin typeface="+mn-lt"/>
-                <a:ea typeface="+mn-ea"/>
-                <a:cs typeface="+mn-cs"/>
-              </a:rPr>
-              <a:t>uno </a:t>
-            </a:r>
-            <a:r>
-              <a:rPr lang="es-AR" sz="1200" kern="1200" dirty="0" smtClean="0">
-                <a:solidFill>
-                  <a:schemeClr val="tx1"/>
-                </a:solidFill>
-                <a:effectLst/>
-                <a:latin typeface="+mn-lt"/>
-                <a:ea typeface="+mn-ea"/>
-                <a:cs typeface="+mn-cs"/>
-              </a:rPr>
-              <a:t>sólo de ellos no es suficiente para garantizar el éxito, ya que es necesario </a:t>
-            </a:r>
-            <a:r>
-              <a:rPr lang="es-AR" sz="1200" kern="1200" dirty="0" smtClean="0">
-                <a:solidFill>
-                  <a:schemeClr val="tx1"/>
-                </a:solidFill>
-                <a:effectLst/>
-                <a:latin typeface="+mn-lt"/>
-                <a:ea typeface="+mn-ea"/>
-                <a:cs typeface="+mn-cs"/>
-              </a:rPr>
-              <a:t>complementarlos</a:t>
+              <a:t>uno sólo de ellos no es suficiente para garantizar el éxito, ya que es necesario complementarlos</a:t>
             </a:r>
             <a:endParaRPr lang="en-US" sz="1200" kern="1200" dirty="0" smtClean="0">
               <a:solidFill>
@@ -3692,8 +3317,17 @@
                 <a:ea typeface="+mn-ea"/>
                 <a:cs typeface="+mn-cs"/>
               </a:rPr>
-              <a:t>Encriptado </a:t>
-            </a:r>
+              <a:t>Encriptado de las copias de seguridad</a:t>
+            </a:r>
+            <a:endParaRPr lang="en-US" u="none" strike="noStrike" dirty="0" smtClean="0">
+              <a:effectLst/>
+            </a:endParaRPr>
+          </a:p>
+          <a:p>
+            <a:pPr marL="171450" lvl="0" indent="-171450">
+              <a:buFont typeface="Arial" panose="020B0604020202020204" pitchFamily="34" charset="0"/>
+              <a:buChar char="•"/>
+            </a:pPr>
             <a:r>
               <a:rPr lang="es-AR" sz="1200" u="none" strike="noStrike" kern="1200" dirty="0" smtClean="0">
                 <a:solidFill>
@@ -3704,7 +3338,7 @@
                 <a:ea typeface="+mn-ea"/>
                 <a:cs typeface="+mn-cs"/>
               </a:rPr>
-              <a:t>de las copias de seguridad</a:t>
+              <a:t>Distinción de niveles de acceso según autorización formal en perfiles de usuarios</a:t>
             </a:r>
             <a:endParaRPr lang="en-US" u="none" strike="noStrike" dirty="0" smtClean="0">
               <a:effectLst/>
@@ -3725,7 +3359,7 @@
                 <a:ea typeface="+mn-ea"/>
                 <a:cs typeface="+mn-cs"/>
               </a:rPr>
-              <a:t>Distinción de niveles de acceso según autorización formal en perfiles de usuarios</a:t>
+              <a:t>Localización múltiple y distante de estructuras de datos redundantes</a:t>
             </a:r>
             <a:endParaRPr lang="en-US" u="none" strike="noStrike" dirty="0" smtClean="0">
               <a:effectLst/>
@@ -3746,52 +3380,7 @@
                 <a:ea typeface="+mn-ea"/>
                 <a:cs typeface="+mn-cs"/>
               </a:rPr>
-              <a:t>Localización </a:t>
-            </a:r>
-            <a:r>
-              <a:rPr lang="es-AR" sz="1200" u="none" strike="noStrike" kern="1200" dirty="0" smtClean="0">
-                <a:solidFill>
-                  <a:schemeClr val="tx1"/>
-                </a:solidFill>
-                <a:effectLst/>
-                <a:latin typeface="+mn-lt"/>
-                <a:ea typeface="+mn-ea"/>
-                <a:cs typeface="+mn-cs"/>
-              </a:rPr>
-              <a:t>múltiple y distante de estructuras de datos redundantes</a:t>
-            </a:r>
-            <a:endParaRPr lang="en-US" u="none" strike="noStrike" dirty="0" smtClean="0">
-              <a:effectLst/>
-            </a:endParaRPr>
-          </a:p>
-          <a:p>
-            <a:pPr marL="171450" lvl="0" indent="-171450">
-              <a:buFont typeface="Arial" panose="020B0604020202020204" pitchFamily="34" charset="0"/>
-              <a:buChar char="•"/>
-            </a:pPr>
-            <a:r>
-              <a:rPr lang="es-AR" sz="1200" u="none" strike="noStrike" kern="1200" dirty="0" smtClean="0">
-                <a:solidFill>
-                  <a:schemeClr val="tx1"/>
-                </a:solidFill>
-                <a:effectLst/>
-                <a:latin typeface="+mn-lt"/>
-                <a:ea typeface="+mn-ea"/>
-                <a:cs typeface="+mn-cs"/>
-              </a:rPr>
-              <a:t>Políticas de recuperación ante </a:t>
-            </a:r>
-            <a:r>
-              <a:rPr lang="es-AR" sz="1200" u="none" strike="noStrike" kern="1200" dirty="0" smtClean="0">
-                <a:solidFill>
-                  <a:schemeClr val="tx1"/>
-                </a:solidFill>
-                <a:effectLst/>
-                <a:latin typeface="+mn-lt"/>
-                <a:ea typeface="+mn-ea"/>
-                <a:cs typeface="+mn-cs"/>
-              </a:rPr>
-              <a:t>catástrofes</a:t>
+              <a:t>Políticas de recuperación ante catástrofes</a:t>
             </a:r>
             <a:endParaRPr lang="en-US" u="none" strike="noStrike" dirty="0" smtClean="0">
               <a:effectLst/>
@@ -3940,8 +3529,14 @@
                 <a:ea typeface="+mn-ea"/>
                 <a:cs typeface="+mn-cs"/>
               </a:rPr>
-              <a:t>facilitar </a:t>
-            </a:r>
+              <a:t>facilitar la trazabilidad de las acciones de los usuarios</a:t>
+            </a:r>
+          </a:p>
+          <a:p>
+            <a:pPr marL="171450" indent="-171450">
+              <a:buFont typeface="Arial" panose="020B0604020202020204" pitchFamily="34" charset="0"/>
+              <a:buChar char="•"/>
+            </a:pPr>
             <a:r>
               <a:rPr lang="es-AR" sz="1200" kern="1200" dirty="0" smtClean="0">
                 <a:solidFill>
@@ -3952,10 +3547,10 @@
                 <a:ea typeface="+mn-ea"/>
                 <a:cs typeface="+mn-cs"/>
               </a:rPr>
-              <a:t>la trazabilidad de las acciones de los </a:t>
-            </a:r>
-            <a:r>
-              <a:rPr lang="es-AR" sz="1200" kern="1200" dirty="0" smtClean="0">
+              <a:t>generar </a:t>
+            </a:r>
+            <a:r>
+              <a:rPr lang="es-AR" sz="1200" b="1" kern="1200" dirty="0" smtClean="0">
                 <a:solidFill>
                   <a:schemeClr val="tx1"/>
                 </a:solidFill>
@@ -3964,7 +3559,43 @@
                 <a:ea typeface="+mn-ea"/>
                 <a:cs typeface="+mn-cs"/>
               </a:rPr>
-              <a:t>usuarios</a:t>
+              <a:t>registros (</a:t>
+            </a:r>
+            <a:r>
+              <a:rPr lang="es-AR" sz="1200" b="1" i="1" kern="1200" dirty="0" err="1" smtClean="0">
+                <a:solidFill>
+                  <a:schemeClr val="tx1"/>
+                </a:solidFill>
+                <a:effectLst/>
+                <a:latin typeface="+mn-lt"/>
+                <a:ea typeface="+mn-ea"/>
+                <a:cs typeface="+mn-cs"/>
+              </a:rPr>
+              <a:t>logs</a:t>
+            </a:r>
+            <a:r>
+              <a:rPr lang="es-AR" sz="1200" b="1" kern="1200" dirty="0" smtClean="0">
+                <a:solidFill>
+                  <a:schemeClr val="tx1"/>
+                </a:solidFill>
+                <a:effectLst/>
+                <a:latin typeface="+mn-lt"/>
+                <a:ea typeface="+mn-ea"/>
+                <a:cs typeface="+mn-cs"/>
+              </a:rPr>
+              <a:t>) de las acciones importantes</a:t>
+            </a:r>
+            <a:r>
+              <a:rPr lang="es-AR" sz="1200" kern="1200" dirty="0" smtClean="0">
+                <a:solidFill>
+                  <a:schemeClr val="tx1"/>
+                </a:solidFill>
+                <a:effectLst/>
+                <a:latin typeface="+mn-lt"/>
+                <a:ea typeface="+mn-ea"/>
+                <a:cs typeface="+mn-cs"/>
+              </a:rPr>
+              <a:t> que se hayan definido, </a:t>
             </a:r>
           </a:p>
           <a:p>
@@ -3982,10 +3613,16 @@
                 <a:ea typeface="+mn-ea"/>
                 <a:cs typeface="+mn-cs"/>
               </a:rPr>
-              <a:t>generar </a:t>
-            </a:r>
-            <a:r>
-              <a:rPr lang="es-AR" sz="1200" b="1" kern="1200" dirty="0" smtClean="0">
+              <a:t>vinculación entre las personas y sus accesos </a:t>
+            </a:r>
+          </a:p>
+          <a:p>
+            <a:pPr marL="171450" indent="-171450">
+              <a:buFont typeface="Arial" panose="020B0604020202020204" pitchFamily="34" charset="0"/>
+              <a:buChar char="•"/>
+            </a:pPr>
+            <a:r>
+              <a:rPr lang="es-AR" sz="1200" kern="1200" dirty="0" smtClean="0">
                 <a:solidFill>
                   <a:schemeClr val="tx1"/>
                 </a:solidFill>
@@ -3994,157 +3631,7 @@
                 <a:ea typeface="+mn-ea"/>
                 <a:cs typeface="+mn-cs"/>
               </a:rPr>
-              <a:t>registros (</a:t>
-            </a:r>
-            <a:r>
-              <a:rPr lang="es-AR" sz="1200" b="1" i="1" kern="1200" dirty="0" err="1" smtClean="0">
-                <a:solidFill>
-                  <a:schemeClr val="tx1"/>
-                </a:solidFill>
-                <a:effectLst/>
-                <a:latin typeface="+mn-lt"/>
-                <a:ea typeface="+mn-ea"/>
-                <a:cs typeface="+mn-cs"/>
-              </a:rPr>
-              <a:t>logs</a:t>
-            </a:r>
-            <a:r>
-              <a:rPr lang="es-AR" sz="1200" b="1" kern="1200" dirty="0" smtClean="0">
-                <a:solidFill>
-                  <a:schemeClr val="tx1"/>
-                </a:solidFill>
-                <a:effectLst/>
-                <a:latin typeface="+mn-lt"/>
-                <a:ea typeface="+mn-ea"/>
-                <a:cs typeface="+mn-cs"/>
-              </a:rPr>
-              <a:t>) de las acciones importantes</a:t>
-            </a:r>
-            <a:r>
-              <a:rPr lang="es-AR" sz="1200" kern="1200" dirty="0" smtClean="0">
-                <a:solidFill>
-                  <a:schemeClr val="tx1"/>
-                </a:solidFill>
-                <a:effectLst/>
-                <a:latin typeface="+mn-lt"/>
-                <a:ea typeface="+mn-ea"/>
-                <a:cs typeface="+mn-cs"/>
-              </a:rPr>
-              <a:t> que se hayan definido, </a:t>
-            </a:r>
-            <a:endParaRPr lang="es-AR" sz="1200" kern="1200" dirty="0" smtClean="0">
-              <a:solidFill>
-                <a:schemeClr val="tx1"/>
-              </a:solidFill>
-              <a:effectLst/>
-              <a:latin typeface="+mn-lt"/>
-              <a:ea typeface="+mn-ea"/>
-              <a:cs typeface="+mn-cs"/>
-            </a:endParaRPr>
-          </a:p>
-          <a:p>
-            <a:pPr marL="171450" indent="-171450">
-              <a:buFont typeface="Arial" panose="020B0604020202020204" pitchFamily="34" charset="0"/>
-              <a:buChar char="•"/>
-            </a:pPr>
-            <a:r>
-              <a:rPr lang="es-AR" sz="1200" kern="1200" dirty="0" smtClean="0">
-                <a:solidFill>
-                  <a:schemeClr val="tx1"/>
-                </a:solidFill>
-                <a:effectLst/>
-                <a:latin typeface="+mn-lt"/>
-                <a:ea typeface="+mn-ea"/>
-                <a:cs typeface="+mn-cs"/>
-              </a:rPr>
-              <a:t>vinculación </a:t>
-            </a:r>
-            <a:r>
-              <a:rPr lang="es-AR" sz="1200" kern="1200" dirty="0" smtClean="0">
-                <a:solidFill>
-                  <a:schemeClr val="tx1"/>
-                </a:solidFill>
-                <a:effectLst/>
-                <a:latin typeface="+mn-lt"/>
-                <a:ea typeface="+mn-ea"/>
-                <a:cs typeface="+mn-cs"/>
-              </a:rPr>
-              <a:t>entre las personas y sus accesos </a:t>
-            </a:r>
-            <a:endParaRPr lang="es-AR" sz="1200" kern="1200" dirty="0" smtClean="0">
-              <a:solidFill>
-                <a:schemeClr val="tx1"/>
-              </a:solidFill>
-              <a:effectLst/>
-              <a:latin typeface="+mn-lt"/>
-              <a:ea typeface="+mn-ea"/>
-              <a:cs typeface="+mn-cs"/>
-            </a:endParaRPr>
-          </a:p>
-          <a:p>
-            <a:pPr marL="171450" indent="-171450">
-              <a:buFont typeface="Arial" panose="020B0604020202020204" pitchFamily="34" charset="0"/>
-              <a:buChar char="•"/>
-            </a:pPr>
-            <a:r>
-              <a:rPr lang="es-AR" sz="1200" kern="1200" dirty="0" smtClean="0">
-                <a:solidFill>
-                  <a:schemeClr val="tx1"/>
-                </a:solidFill>
-                <a:effectLst/>
-                <a:latin typeface="+mn-lt"/>
-                <a:ea typeface="+mn-ea"/>
-                <a:cs typeface="+mn-cs"/>
-              </a:rPr>
-              <a:t>puede </a:t>
-            </a:r>
-            <a:r>
-              <a:rPr lang="es-AR" sz="1200" kern="1200" dirty="0" smtClean="0">
-                <a:solidFill>
-                  <a:schemeClr val="tx1"/>
-                </a:solidFill>
-                <a:effectLst/>
-                <a:latin typeface="+mn-lt"/>
-                <a:ea typeface="+mn-ea"/>
-                <a:cs typeface="+mn-cs"/>
-              </a:rPr>
-              <a:t>evitar </a:t>
-            </a:r>
-            <a:r>
-              <a:rPr lang="es-AR" sz="1200" kern="1200" dirty="0" smtClean="0">
-                <a:solidFill>
-                  <a:schemeClr val="tx1"/>
-                </a:solidFill>
-                <a:effectLst/>
-                <a:latin typeface="+mn-lt"/>
-                <a:ea typeface="+mn-ea"/>
-                <a:cs typeface="+mn-cs"/>
-              </a:rPr>
-              <a:t>la fuga de información, ya que en caso de filtrarse hacia el exterior, se podría señalar de manera directa a todos aquellos que tuvieron acceso y se podría analizar su </a:t>
-            </a:r>
-            <a:r>
-              <a:rPr lang="es-AR" sz="1200" kern="1200" dirty="0" smtClean="0">
-                <a:solidFill>
-                  <a:schemeClr val="tx1"/>
-                </a:solidFill>
-                <a:effectLst/>
-                <a:latin typeface="+mn-lt"/>
-                <a:ea typeface="+mn-ea"/>
-                <a:cs typeface="+mn-cs"/>
-              </a:rPr>
-              <a:t>uso previo al incidente, obteniendo posibles conclusiones y </a:t>
-            </a:r>
-            <a:r>
-              <a:rPr lang="es-AR" sz="1200" kern="1200" dirty="0" smtClean="0">
-                <a:solidFill>
-                  <a:schemeClr val="tx1"/>
-                </a:solidFill>
-                <a:effectLst/>
-                <a:latin typeface="+mn-lt"/>
-                <a:ea typeface="+mn-ea"/>
-                <a:cs typeface="+mn-cs"/>
-              </a:rPr>
-              <a:t>responsables</a:t>
+              <a:t>puede evitar la fuga de información, ya que en caso de filtrarse hacia el exterior, se podría señalar de manera directa a todos aquellos que tuvieron acceso y se podría analizar su uso previo al incidente, obteniendo posibles conclusiones y responsables</a:t>
             </a:r>
           </a:p>
           <a:p>
@@ -4200,8 +3687,14 @@
                 <a:ea typeface="+mn-ea"/>
                 <a:cs typeface="+mn-cs"/>
               </a:rPr>
-              <a:t>de </a:t>
-            </a:r>
+              <a:t>de alcance internacional, y normativas vinculadas a lo que se quiera organizar. </a:t>
+            </a:r>
+          </a:p>
+          <a:p>
+            <a:pPr marL="171450" indent="-171450">
+              <a:buFont typeface="Arial" panose="020B0604020202020204" pitchFamily="34" charset="0"/>
+              <a:buChar char="•"/>
+            </a:pPr>
             <a:r>
               <a:rPr lang="es-AR" sz="1200" kern="1200" dirty="0" smtClean="0">
                 <a:solidFill>
@@ -4212,17 +3705,8 @@
                 <a:ea typeface="+mn-ea"/>
                 <a:cs typeface="+mn-cs"/>
               </a:rPr>
-              <a:t>alcance internacional, y normativas vinculadas a lo que se quiera organizar. </a:t>
-            </a:r>
-            <a:endParaRPr lang="es-AR" sz="1200" kern="1200" dirty="0" smtClean="0">
-              <a:solidFill>
-                <a:schemeClr val="tx1"/>
-              </a:solidFill>
-              <a:effectLst/>
-              <a:latin typeface="+mn-lt"/>
-              <a:ea typeface="+mn-ea"/>
-              <a:cs typeface="+mn-cs"/>
-            </a:endParaRPr>
+              <a:t>La fuga de información está contemplada dentro de la gestión de la seguridad, y como tal se describen contramedidas y técnicas en distintos estándares. </a:t>
+            </a:r>
           </a:p>
           <a:p>
             <a:pPr marL="171450" indent="-171450">
@@ -4239,8 +3723,14 @@
                 <a:ea typeface="+mn-ea"/>
                 <a:cs typeface="+mn-cs"/>
               </a:rPr>
-              <a:t>La </a:t>
-            </a:r>
+              <a:t>normas ISO 27000, que está especialmente dedicada a seguridad de la información</a:t>
+            </a:r>
+          </a:p>
+          <a:p>
+            <a:pPr marL="628650" lvl="1" indent="-171450">
+              <a:buFont typeface="Arial" panose="020B0604020202020204" pitchFamily="34" charset="0"/>
+              <a:buChar char="•"/>
+            </a:pPr>
             <a:r>
               <a:rPr lang="es-AR" sz="1200" kern="1200" dirty="0" smtClean="0">
                 <a:solidFill>
@@ -4251,20 +3741,11 @@
                 <a:ea typeface="+mn-ea"/>
                 <a:cs typeface="+mn-cs"/>
               </a:rPr>
-              <a:t>fuga de información está contemplada dentro de la gestión de la seguridad, y como tal se describen contramedidas y técnicas en distintos estándares. </a:t>
-            </a:r>
-            <a:endParaRPr lang="es-AR" sz="1200" kern="1200" dirty="0" smtClean="0">
-              <a:solidFill>
-                <a:schemeClr val="tx1"/>
-              </a:solidFill>
-              <a:effectLst/>
-              <a:latin typeface="+mn-lt"/>
-              <a:ea typeface="+mn-ea"/>
-              <a:cs typeface="+mn-cs"/>
-            </a:endParaRPr>
-          </a:p>
-          <a:p>
-            <a:pPr marL="171450" indent="-171450">
+              <a:t>27001, requisitos para implementar un sistema de gestión de seguridad,</a:t>
+            </a:r>
+          </a:p>
+          <a:p>
+            <a:pPr marL="628650" lvl="1" indent="-171450">
               <a:buFont typeface="Arial" panose="020B0604020202020204" pitchFamily="34" charset="0"/>
               <a:buChar char="•"/>
             </a:pPr>
@@ -4278,8 +3759,14 @@
                 <a:ea typeface="+mn-ea"/>
                 <a:cs typeface="+mn-cs"/>
               </a:rPr>
-              <a:t>normas </a:t>
-            </a:r>
+              <a:t>27002 define las mejores prácticas</a:t>
+            </a:r>
+          </a:p>
+          <a:p>
+            <a:pPr marL="628650" lvl="1" indent="-171450">
+              <a:buFont typeface="Arial" panose="020B0604020202020204" pitchFamily="34" charset="0"/>
+              <a:buChar char="•"/>
+            </a:pPr>
             <a:r>
               <a:rPr lang="es-AR" sz="1200" kern="1200" dirty="0" smtClean="0">
                 <a:solidFill>
@@ -4290,8 +3777,14 @@
                 <a:ea typeface="+mn-ea"/>
                 <a:cs typeface="+mn-cs"/>
               </a:rPr>
-              <a:t>ISO 27000, que está especialmente dedicada a seguridad de la </a:t>
-            </a:r>
+              <a:t>27004 métricas</a:t>
+            </a:r>
+          </a:p>
+          <a:p>
+            <a:pPr marL="628650" lvl="1" indent="-171450">
+              <a:buFont typeface="Arial" panose="020B0604020202020204" pitchFamily="34" charset="0"/>
+              <a:buChar char="•"/>
+            </a:pPr>
             <a:r>
               <a:rPr lang="es-AR" sz="1200" kern="1200" dirty="0" smtClean="0">
                 <a:solidFill>
@@ -4302,175 +3795,7 @@
                 <a:ea typeface="+mn-ea"/>
                 <a:cs typeface="+mn-cs"/>
               </a:rPr>
-              <a:t>información</a:t>
-            </a:r>
-          </a:p>
-          <a:p>
-            <a:pPr marL="628650" lvl="1" indent="-171450">
-              <a:buFont typeface="Arial" panose="020B0604020202020204" pitchFamily="34" charset="0"/>
-              <a:buChar char="•"/>
-            </a:pPr>
-            <a:r>
-              <a:rPr lang="es-AR" sz="1200" kern="1200" dirty="0" smtClean="0">
-                <a:solidFill>
-                  <a:schemeClr val="tx1"/>
-                </a:solidFill>
-                <a:effectLst/>
-                <a:latin typeface="+mn-lt"/>
-                <a:ea typeface="+mn-ea"/>
-                <a:cs typeface="+mn-cs"/>
-              </a:rPr>
-              <a:t>27001</a:t>
-            </a:r>
-            <a:r>
-              <a:rPr lang="es-AR" sz="1200" kern="1200" dirty="0" smtClean="0">
-                <a:solidFill>
-                  <a:schemeClr val="tx1"/>
-                </a:solidFill>
-                <a:effectLst/>
-                <a:latin typeface="+mn-lt"/>
-                <a:ea typeface="+mn-ea"/>
-                <a:cs typeface="+mn-cs"/>
-              </a:rPr>
-              <a:t>, </a:t>
-            </a:r>
-            <a:r>
-              <a:rPr lang="es-AR" sz="1200" kern="1200" dirty="0" smtClean="0">
-                <a:solidFill>
-                  <a:schemeClr val="tx1"/>
-                </a:solidFill>
-                <a:effectLst/>
-                <a:latin typeface="+mn-lt"/>
-                <a:ea typeface="+mn-ea"/>
-                <a:cs typeface="+mn-cs"/>
-              </a:rPr>
-              <a:t>requisitos </a:t>
-            </a:r>
-            <a:r>
-              <a:rPr lang="es-AR" sz="1200" kern="1200" dirty="0" smtClean="0">
-                <a:solidFill>
-                  <a:schemeClr val="tx1"/>
-                </a:solidFill>
-                <a:effectLst/>
-                <a:latin typeface="+mn-lt"/>
-                <a:ea typeface="+mn-ea"/>
-                <a:cs typeface="+mn-cs"/>
-              </a:rPr>
-              <a:t>para implementar un sistema de gestión de seguridad</a:t>
-            </a:r>
-            <a:r>
-              <a:rPr lang="es-AR" sz="1200" kern="1200" dirty="0" smtClean="0">
-                <a:solidFill>
-                  <a:schemeClr val="tx1"/>
-                </a:solidFill>
-                <a:effectLst/>
-                <a:latin typeface="+mn-lt"/>
-                <a:ea typeface="+mn-ea"/>
-                <a:cs typeface="+mn-cs"/>
-              </a:rPr>
-              <a:t>,</a:t>
-            </a:r>
-          </a:p>
-          <a:p>
-            <a:pPr marL="628650" lvl="1" indent="-171450">
-              <a:buFont typeface="Arial" panose="020B0604020202020204" pitchFamily="34" charset="0"/>
-              <a:buChar char="•"/>
-            </a:pPr>
-            <a:r>
-              <a:rPr lang="es-AR" sz="1200" kern="1200" dirty="0" smtClean="0">
-                <a:solidFill>
-                  <a:schemeClr val="tx1"/>
-                </a:solidFill>
-                <a:effectLst/>
-                <a:latin typeface="+mn-lt"/>
-                <a:ea typeface="+mn-ea"/>
-                <a:cs typeface="+mn-cs"/>
-              </a:rPr>
-              <a:t>27002 define </a:t>
-            </a:r>
-            <a:r>
-              <a:rPr lang="es-AR" sz="1200" kern="1200" dirty="0" smtClean="0">
-                <a:solidFill>
-                  <a:schemeClr val="tx1"/>
-                </a:solidFill>
-                <a:effectLst/>
-                <a:latin typeface="+mn-lt"/>
-                <a:ea typeface="+mn-ea"/>
-                <a:cs typeface="+mn-cs"/>
-              </a:rPr>
-              <a:t>las mejores </a:t>
-            </a:r>
-            <a:r>
-              <a:rPr lang="es-AR" sz="1200" kern="1200" dirty="0" smtClean="0">
-                <a:solidFill>
-                  <a:schemeClr val="tx1"/>
-                </a:solidFill>
-                <a:effectLst/>
-                <a:latin typeface="+mn-lt"/>
-                <a:ea typeface="+mn-ea"/>
-                <a:cs typeface="+mn-cs"/>
-              </a:rPr>
-              <a:t>prácticas</a:t>
-            </a:r>
-          </a:p>
-          <a:p>
-            <a:pPr marL="628650" lvl="1" indent="-171450">
-              <a:buFont typeface="Arial" panose="020B0604020202020204" pitchFamily="34" charset="0"/>
-              <a:buChar char="•"/>
-            </a:pPr>
-            <a:r>
-              <a:rPr lang="es-AR" sz="1200" kern="1200" dirty="0" smtClean="0">
-                <a:solidFill>
-                  <a:schemeClr val="tx1"/>
-                </a:solidFill>
-                <a:effectLst/>
-                <a:latin typeface="+mn-lt"/>
-                <a:ea typeface="+mn-ea"/>
-                <a:cs typeface="+mn-cs"/>
-              </a:rPr>
-              <a:t>27004 métricas</a:t>
-            </a:r>
-          </a:p>
-          <a:p>
-            <a:pPr marL="628650" lvl="1" indent="-171450">
-              <a:buFont typeface="Arial" panose="020B0604020202020204" pitchFamily="34" charset="0"/>
-              <a:buChar char="•"/>
-            </a:pPr>
-            <a:r>
-              <a:rPr lang="es-AR" sz="1200" kern="1200" dirty="0" smtClean="0">
-                <a:solidFill>
-                  <a:schemeClr val="tx1"/>
-                </a:solidFill>
-                <a:effectLst/>
-                <a:latin typeface="+mn-lt"/>
-                <a:ea typeface="+mn-ea"/>
-                <a:cs typeface="+mn-cs"/>
-              </a:rPr>
-              <a:t>27005 gestión </a:t>
-            </a:r>
-            <a:r>
-              <a:rPr lang="es-AR" sz="1200" kern="1200" dirty="0" smtClean="0">
-                <a:solidFill>
-                  <a:schemeClr val="tx1"/>
-                </a:solidFill>
-                <a:effectLst/>
-                <a:latin typeface="+mn-lt"/>
-                <a:ea typeface="+mn-ea"/>
-                <a:cs typeface="+mn-cs"/>
-              </a:rPr>
-              <a:t>de riesgos, entre </a:t>
-            </a:r>
-            <a:r>
-              <a:rPr lang="es-AR" sz="1200" kern="1200" dirty="0" smtClean="0">
-                <a:solidFill>
-                  <a:schemeClr val="tx1"/>
-                </a:solidFill>
-                <a:effectLst/>
-                <a:latin typeface="+mn-lt"/>
-                <a:ea typeface="+mn-ea"/>
-                <a:cs typeface="+mn-cs"/>
-              </a:rPr>
-              <a:t>otras</a:t>
+              <a:t>27005 gestión de riesgos, entre otras</a:t>
             </a:r>
             <a:endParaRPr lang="en-US" sz="1200" kern="1200" dirty="0" smtClean="0">
               <a:solidFill>
@@ -4626,8 +3951,14 @@
                 <a:ea typeface="+mn-ea"/>
                 <a:cs typeface="+mn-cs"/>
               </a:rPr>
-              <a:t>se </a:t>
-            </a:r>
+              <a:t>se aplica a empresas comerciales, particularmente tecnológicas. </a:t>
+            </a:r>
+          </a:p>
+          <a:p>
+            <a:pPr marL="171450" indent="-171450">
+              <a:buFont typeface="Arial" panose="020B0604020202020204" pitchFamily="34" charset="0"/>
+              <a:buChar char="•"/>
+            </a:pPr>
             <a:r>
               <a:rPr lang="es-AR" sz="1200" kern="1200" dirty="0" smtClean="0">
                 <a:solidFill>
@@ -4638,46 +3969,7 @@
                 <a:ea typeface="+mn-ea"/>
                 <a:cs typeface="+mn-cs"/>
               </a:rPr>
-              <a:t>aplica a empresas comerciales, particularmente tecnológicas. </a:t>
-            </a:r>
-            <a:endParaRPr lang="es-AR" sz="1200" kern="1200" dirty="0" smtClean="0">
-              <a:solidFill>
-                <a:schemeClr val="tx1"/>
-              </a:solidFill>
-              <a:effectLst/>
-              <a:latin typeface="+mn-lt"/>
-              <a:ea typeface="+mn-ea"/>
-              <a:cs typeface="+mn-cs"/>
-            </a:endParaRPr>
-          </a:p>
-          <a:p>
-            <a:pPr marL="171450" indent="-171450">
-              <a:buFont typeface="Arial" panose="020B0604020202020204" pitchFamily="34" charset="0"/>
-              <a:buChar char="•"/>
-            </a:pPr>
-            <a:r>
-              <a:rPr lang="es-AR" sz="1200" kern="1200" dirty="0" smtClean="0">
-                <a:solidFill>
-                  <a:schemeClr val="tx1"/>
-                </a:solidFill>
-                <a:effectLst/>
-                <a:latin typeface="+mn-lt"/>
-                <a:ea typeface="+mn-ea"/>
-                <a:cs typeface="+mn-cs"/>
-              </a:rPr>
-              <a:t>nombres </a:t>
-            </a:r>
-            <a:r>
-              <a:rPr lang="es-AR" sz="1200" kern="1200" dirty="0" smtClean="0">
-                <a:solidFill>
-                  <a:schemeClr val="tx1"/>
-                </a:solidFill>
-                <a:effectLst/>
-                <a:latin typeface="+mn-lt"/>
-                <a:ea typeface="+mn-ea"/>
-                <a:cs typeface="+mn-cs"/>
-              </a:rPr>
-              <a:t>clave para los productos que están en fase de desarrollo y aún no se han lanzado al mercado. </a:t>
+              <a:t>nombres clave para los productos que están en fase de desarrollo y aún no se han lanzado al mercado. </a:t>
             </a:r>
             <a:endParaRPr lang="en-US" sz="1200" kern="1200" dirty="0" smtClean="0">
               <a:solidFill>
@@ -4704,8 +3996,14 @@
                 <a:ea typeface="+mn-ea"/>
                 <a:cs typeface="+mn-cs"/>
               </a:rPr>
-              <a:t>Permiten </a:t>
-            </a:r>
+              <a:t>Permiten a los trabajadores de dichos productos hablar sobre los mismos sin revelar de qué se trata a terceros. </a:t>
+            </a:r>
+          </a:p>
+          <a:p>
+            <a:pPr marL="171450" indent="-171450">
+              <a:buFont typeface="Arial" panose="020B0604020202020204" pitchFamily="34" charset="0"/>
+              <a:buChar char="•"/>
+            </a:pPr>
             <a:r>
               <a:rPr lang="es-AR" sz="1200" u="none" strike="noStrike" kern="1200" dirty="0" smtClean="0">
                 <a:solidFill>
@@ -4716,46 +4014,7 @@
                 <a:ea typeface="+mn-ea"/>
                 <a:cs typeface="+mn-cs"/>
               </a:rPr>
-              <a:t>a los trabajadores de dichos productos hablar sobre los mismos sin revelar de qué se trata a terceros. </a:t>
-            </a:r>
-            <a:endParaRPr lang="es-AR" sz="1200" u="none" strike="noStrike" kern="1200" dirty="0" smtClean="0">
-              <a:solidFill>
-                <a:schemeClr val="tx1"/>
-              </a:solidFill>
-              <a:effectLst/>
-              <a:latin typeface="+mn-lt"/>
-              <a:ea typeface="+mn-ea"/>
-              <a:cs typeface="+mn-cs"/>
-            </a:endParaRPr>
-          </a:p>
-          <a:p>
-            <a:pPr marL="171450" indent="-171450">
-              <a:buFont typeface="Arial" panose="020B0604020202020204" pitchFamily="34" charset="0"/>
-              <a:buChar char="•"/>
-            </a:pPr>
-            <a:r>
-              <a:rPr lang="es-AR" sz="1200" u="none" strike="noStrike" kern="1200" dirty="0" smtClean="0">
-                <a:solidFill>
-                  <a:schemeClr val="tx1"/>
-                </a:solidFill>
-                <a:effectLst/>
-                <a:latin typeface="+mn-lt"/>
-                <a:ea typeface="+mn-ea"/>
-                <a:cs typeface="+mn-cs"/>
-              </a:rPr>
-              <a:t>se </a:t>
-            </a:r>
-            <a:r>
-              <a:rPr lang="es-AR" sz="1200" u="none" strike="noStrike" kern="1200" dirty="0" smtClean="0">
-                <a:solidFill>
-                  <a:schemeClr val="tx1"/>
-                </a:solidFill>
-                <a:effectLst/>
-                <a:latin typeface="+mn-lt"/>
-                <a:ea typeface="+mn-ea"/>
-                <a:cs typeface="+mn-cs"/>
-              </a:rPr>
-              <a:t>obliga a enfocarse en el producto y prevenir la generación de asociaciones basándose en el nombre.</a:t>
+              <a:t>se obliga a enfocarse en el producto y prevenir la generación de asociaciones basándose en el nombre.</a:t>
             </a:r>
             <a:endParaRPr lang="en-US" u="none" strike="noStrike" dirty="0" smtClean="0">
               <a:effectLst/>
@@ -9220,14 +8479,12 @@
           </a:p>
           <a:p>
             <a:r>
-              <a:rPr lang="es-AR" dirty="0" smtClean="0">
-                <a:latin typeface="Segoe UI" panose="020B0502040204020203" pitchFamily="34" charset="0"/>
-                <a:cs typeface="Segoe UI" panose="020B0502040204020203" pitchFamily="34" charset="0"/>
-              </a:rPr>
-              <a:t>Iluminismo y doctrinas gnósticas</a:t>
-            </a:r>
-          </a:p>
-          <a:p>
+              <a:rPr lang="es-AR" smtClean="0">
+                <a:latin typeface="Segoe UI" panose="020B0502040204020203" pitchFamily="34" charset="0"/>
+                <a:cs typeface="Segoe UI" panose="020B0502040204020203" pitchFamily="34" charset="0"/>
+              </a:rPr>
+              <a:t>Iluminismo</a:t>
+            </a:r>
             <a:endParaRPr lang="es-AR" dirty="0">
               <a:latin typeface="Segoe UI" panose="020B0502040204020203" pitchFamily="34" charset="0"/>
               <a:cs typeface="Segoe UI" panose="020B0502040204020203" pitchFamily="34" charset="0"/>
@@ -13813,21 +13070,7 @@
                 <a:latin typeface="Segoe UI" panose="020B0502040204020203" pitchFamily="34" charset="0"/>
                 <a:cs typeface="Segoe UI" panose="020B0502040204020203" pitchFamily="34" charset="0"/>
               </a:rPr>
-              <a:t>Normas ISO </a:t>
-            </a:r>
-            <a:r>
-              <a:rPr lang="es-AR" sz="1800" dirty="0" smtClean="0">
-                <a:latin typeface="Segoe UI" panose="020B0502040204020203" pitchFamily="34" charset="0"/>
-                <a:cs typeface="Segoe UI" panose="020B0502040204020203" pitchFamily="34" charset="0"/>
-              </a:rPr>
-              <a:t>27000</a:t>
-            </a:r>
-            <a:r>
-              <a:rPr lang="es-AR" sz="1800" dirty="0" smtClean="0">
-                <a:latin typeface="Segoe UI" panose="020B0502040204020203" pitchFamily="34" charset="0"/>
-                <a:cs typeface="Segoe UI" panose="020B0502040204020203" pitchFamily="34" charset="0"/>
-              </a:rPr>
-              <a:t>, especialmente </a:t>
+              <a:t>Normas ISO 27000, especialmente </a:t>
             </a:r>
             <a:r>
               <a:rPr lang="es-AR" sz="1800" dirty="0">

--- a/Presentacion/Fuga de Información.pptx
+++ b/Presentacion/Fuga de Información.pptx
@@ -5,10 +5,10 @@
     <p:sldMasterId id="2147483648" r:id="rId2"/>
   </p:sldMasterIdLst>
   <p:notesMasterIdLst>
-    <p:notesMasterId r:id="rId45"/>
+    <p:notesMasterId r:id="rId47"/>
   </p:notesMasterIdLst>
   <p:handoutMasterIdLst>
-    <p:handoutMasterId r:id="rId46"/>
+    <p:handoutMasterId r:id="rId48"/>
   </p:handoutMasterIdLst>
   <p:sldIdLst>
     <p:sldId id="372" r:id="rId3"/>
@@ -33,31 +33,33 @@
     <p:sldId id="345" r:id="rId22"/>
     <p:sldId id="346" r:id="rId23"/>
     <p:sldId id="330" r:id="rId24"/>
-    <p:sldId id="334" r:id="rId25"/>
-    <p:sldId id="335" r:id="rId26"/>
-    <p:sldId id="347" r:id="rId27"/>
-    <p:sldId id="321" r:id="rId28"/>
-    <p:sldId id="325" r:id="rId29"/>
-    <p:sldId id="369" r:id="rId30"/>
-    <p:sldId id="326" r:id="rId31"/>
-    <p:sldId id="327" r:id="rId32"/>
-    <p:sldId id="363" r:id="rId33"/>
-    <p:sldId id="364" r:id="rId34"/>
-    <p:sldId id="365" r:id="rId35"/>
-    <p:sldId id="366" r:id="rId36"/>
-    <p:sldId id="367" r:id="rId37"/>
-    <p:sldId id="368" r:id="rId38"/>
-    <p:sldId id="362" r:id="rId39"/>
-    <p:sldId id="351" r:id="rId40"/>
-    <p:sldId id="352" r:id="rId41"/>
-    <p:sldId id="353" r:id="rId42"/>
-    <p:sldId id="370" r:id="rId43"/>
-    <p:sldId id="371" r:id="rId44"/>
+    <p:sldId id="374" r:id="rId25"/>
+    <p:sldId id="334" r:id="rId26"/>
+    <p:sldId id="335" r:id="rId27"/>
+    <p:sldId id="375" r:id="rId28"/>
+    <p:sldId id="347" r:id="rId29"/>
+    <p:sldId id="321" r:id="rId30"/>
+    <p:sldId id="325" r:id="rId31"/>
+    <p:sldId id="369" r:id="rId32"/>
+    <p:sldId id="326" r:id="rId33"/>
+    <p:sldId id="327" r:id="rId34"/>
+    <p:sldId id="363" r:id="rId35"/>
+    <p:sldId id="364" r:id="rId36"/>
+    <p:sldId id="365" r:id="rId37"/>
+    <p:sldId id="366" r:id="rId38"/>
+    <p:sldId id="367" r:id="rId39"/>
+    <p:sldId id="368" r:id="rId40"/>
+    <p:sldId id="362" r:id="rId41"/>
+    <p:sldId id="351" r:id="rId42"/>
+    <p:sldId id="352" r:id="rId43"/>
+    <p:sldId id="353" r:id="rId44"/>
+    <p:sldId id="370" r:id="rId45"/>
+    <p:sldId id="371" r:id="rId46"/>
   </p:sldIdLst>
   <p:sldSz cx="12188825" cy="6858000"/>
   <p:notesSz cx="6858000" cy="9144000"/>
   <p:custDataLst>
-    <p:tags r:id="rId47"/>
+    <p:tags r:id="rId49"/>
   </p:custDataLst>
   <p:defaultTextStyle>
     <a:defPPr>
@@ -156,7 +158,7 @@
   </p:defaultTextStyle>
   <p:extLst>
     <p:ext uri="{EFAFB233-063F-42B5-8137-9DF3F51BA10A}">
-      <p15:sldGuideLst xmlns:p15="http://schemas.microsoft.com/office/powerpoint/2012/main">
+      <p15:sldGuideLst xmlns:p15="http://schemas.microsoft.com/office/powerpoint/2012/main" xmlns="">
         <p15:guide id="1" pos="3839" userDrawn="1">
           <p15:clr>
             <a:srgbClr val="A4A3A4"/>
@@ -170,7 +172,7 @@
       </p15:sldGuideLst>
     </p:ext>
     <p:ext uri="{2D200454-40CA-4A62-9FC3-DE9A4176ACB9}">
-      <p15:notesGuideLst xmlns:p15="http://schemas.microsoft.com/office/powerpoint/2012/main"/>
+      <p15:notesGuideLst xmlns:p15="http://schemas.microsoft.com/office/powerpoint/2012/main" xmlns=""/>
     </p:ext>
   </p:extLst>
 </p:presentation>
@@ -326,7 +328,7 @@
             <a:fld id="{D9F912AB-2776-42F2-A957-313FC7EFEDB9}" type="slidenum">
               <a:rPr/>
               <a:pPr/>
-              <a:t>‹#›</a:t>
+              <a:t>‹Nº›</a:t>
             </a:fld>
             <a:endParaRPr/>
           </a:p>
@@ -335,7 +337,7 @@
     </p:spTree>
     <p:extLst>
       <p:ext uri="{BB962C8B-B14F-4D97-AF65-F5344CB8AC3E}">
-        <p14:creationId xmlns:p14="http://schemas.microsoft.com/office/powerpoint/2010/main" val="3932065745"/>
+        <p14:creationId xmlns:p14="http://schemas.microsoft.com/office/powerpoint/2010/main" xmlns="" val="3932065745"/>
       </p:ext>
     </p:extLst>
   </p:cSld>
@@ -585,7 +587,7 @@
             <a:fld id="{F93199CD-3E1B-4AE6-990F-76F925F5EA9F}" type="slidenum">
               <a:rPr/>
               <a:pPr/>
-              <a:t>‹#›</a:t>
+              <a:t>‹Nº›</a:t>
             </a:fld>
             <a:endParaRPr/>
           </a:p>
@@ -594,7 +596,7 @@
     </p:spTree>
     <p:extLst>
       <p:ext uri="{BB962C8B-B14F-4D97-AF65-F5344CB8AC3E}">
-        <p14:creationId xmlns:p14="http://schemas.microsoft.com/office/powerpoint/2010/main" val="4276579820"/>
+        <p14:creationId xmlns:p14="http://schemas.microsoft.com/office/powerpoint/2010/main" xmlns="" val="4276579820"/>
       </p:ext>
     </p:extLst>
   </p:cSld>
@@ -1089,7 +1091,7 @@
     </p:spTree>
     <p:extLst>
       <p:ext uri="{BB962C8B-B14F-4D97-AF65-F5344CB8AC3E}">
-        <p14:creationId xmlns:p14="http://schemas.microsoft.com/office/powerpoint/2010/main" val="246766428"/>
+        <p14:creationId xmlns:p14="http://schemas.microsoft.com/office/powerpoint/2010/main" xmlns="" val="246766428"/>
       </p:ext>
     </p:extLst>
   </p:cSld>
@@ -1165,7 +1167,7 @@
             <a:fld id="{F93199CD-3E1B-4AE6-990F-76F925F5EA9F}" type="slidenum">
               <a:rPr lang="en-US" smtClean="0"/>
               <a:pPr/>
-              <a:t>32</a:t>
+              <a:t>33</a:t>
             </a:fld>
             <a:endParaRPr lang="en-US"/>
           </a:p>
@@ -1174,7 +1176,7 @@
     </p:spTree>
     <p:extLst>
       <p:ext uri="{BB962C8B-B14F-4D97-AF65-F5344CB8AC3E}">
-        <p14:creationId xmlns:p14="http://schemas.microsoft.com/office/powerpoint/2010/main" val="2425724269"/>
+        <p14:creationId xmlns:p14="http://schemas.microsoft.com/office/powerpoint/2010/main" xmlns="" val="1554195"/>
       </p:ext>
     </p:extLst>
   </p:cSld>
@@ -1250,7 +1252,7 @@
             <a:fld id="{F93199CD-3E1B-4AE6-990F-76F925F5EA9F}" type="slidenum">
               <a:rPr lang="en-US" smtClean="0"/>
               <a:pPr/>
-              <a:t>33</a:t>
+              <a:t>34</a:t>
             </a:fld>
             <a:endParaRPr lang="en-US"/>
           </a:p>
@@ -1259,7 +1261,7 @@
     </p:spTree>
     <p:extLst>
       <p:ext uri="{BB962C8B-B14F-4D97-AF65-F5344CB8AC3E}">
-        <p14:creationId xmlns:p14="http://schemas.microsoft.com/office/powerpoint/2010/main" val="913013488"/>
+        <p14:creationId xmlns:p14="http://schemas.microsoft.com/office/powerpoint/2010/main" xmlns="" val="2425724269"/>
       </p:ext>
     </p:extLst>
   </p:cSld>
@@ -1335,7 +1337,7 @@
             <a:fld id="{F93199CD-3E1B-4AE6-990F-76F925F5EA9F}" type="slidenum">
               <a:rPr lang="en-US" smtClean="0"/>
               <a:pPr/>
-              <a:t>34</a:t>
+              <a:t>35</a:t>
             </a:fld>
             <a:endParaRPr lang="en-US"/>
           </a:p>
@@ -1344,7 +1346,7 @@
     </p:spTree>
     <p:extLst>
       <p:ext uri="{BB962C8B-B14F-4D97-AF65-F5344CB8AC3E}">
-        <p14:creationId xmlns:p14="http://schemas.microsoft.com/office/powerpoint/2010/main" val="3326557915"/>
+        <p14:creationId xmlns:p14="http://schemas.microsoft.com/office/powerpoint/2010/main" xmlns="" val="913013488"/>
       </p:ext>
     </p:extLst>
   </p:cSld>
@@ -1420,7 +1422,7 @@
             <a:fld id="{F93199CD-3E1B-4AE6-990F-76F925F5EA9F}" type="slidenum">
               <a:rPr lang="en-US" smtClean="0"/>
               <a:pPr/>
-              <a:t>35</a:t>
+              <a:t>36</a:t>
             </a:fld>
             <a:endParaRPr lang="en-US"/>
           </a:p>
@@ -1429,7 +1431,7 @@
     </p:spTree>
     <p:extLst>
       <p:ext uri="{BB962C8B-B14F-4D97-AF65-F5344CB8AC3E}">
-        <p14:creationId xmlns:p14="http://schemas.microsoft.com/office/powerpoint/2010/main" val="3460376957"/>
+        <p14:creationId xmlns:p14="http://schemas.microsoft.com/office/powerpoint/2010/main" xmlns="" val="3326557915"/>
       </p:ext>
     </p:extLst>
   </p:cSld>
@@ -1505,7 +1507,7 @@
             <a:fld id="{F93199CD-3E1B-4AE6-990F-76F925F5EA9F}" type="slidenum">
               <a:rPr lang="en-US" smtClean="0"/>
               <a:pPr/>
-              <a:t>36</a:t>
+              <a:t>37</a:t>
             </a:fld>
             <a:endParaRPr lang="en-US"/>
           </a:p>
@@ -1514,7 +1516,92 @@
     </p:spTree>
     <p:extLst>
       <p:ext uri="{BB962C8B-B14F-4D97-AF65-F5344CB8AC3E}">
-        <p14:creationId xmlns:p14="http://schemas.microsoft.com/office/powerpoint/2010/main" val="4202137938"/>
+        <p14:creationId xmlns:p14="http://schemas.microsoft.com/office/powerpoint/2010/main" xmlns="" val="3460376957"/>
+      </p:ext>
+    </p:extLst>
+  </p:cSld>
+  <p:clrMapOvr>
+    <a:masterClrMapping/>
+  </p:clrMapOvr>
+</p:notes>
+</file>
+
+<file path=ppt/notesSlides/notesSlide15.xml><?xml version="1.0" encoding="utf-8"?>
+<p:notes xmlns:a="http://schemas.openxmlformats.org/drawingml/2006/main" xmlns:r="http://schemas.openxmlformats.org/officeDocument/2006/relationships" xmlns:p="http://schemas.openxmlformats.org/presentationml/2006/main">
+  <p:cSld>
+    <p:spTree>
+      <p:nvGrpSpPr>
+        <p:cNvPr id="1" name=""/>
+        <p:cNvGrpSpPr/>
+        <p:nvPr/>
+      </p:nvGrpSpPr>
+      <p:grpSpPr>
+        <a:xfrm>
+          <a:off x="0" y="0"/>
+          <a:ext cx="0" cy="0"/>
+          <a:chOff x="0" y="0"/>
+          <a:chExt cx="0" cy="0"/>
+        </a:xfrm>
+      </p:grpSpPr>
+      <p:sp>
+        <p:nvSpPr>
+          <p:cNvPr id="2" name="Slide Image Placeholder 1"/>
+          <p:cNvSpPr>
+            <a:spLocks noGrp="1" noRot="1" noChangeAspect="1"/>
+          </p:cNvSpPr>
+          <p:nvPr>
+            <p:ph type="sldImg"/>
+          </p:nvPr>
+        </p:nvSpPr>
+        <p:spPr/>
+      </p:sp>
+      <p:sp>
+        <p:nvSpPr>
+          <p:cNvPr id="3" name="Notes Placeholder 2"/>
+          <p:cNvSpPr>
+            <a:spLocks noGrp="1"/>
+          </p:cNvSpPr>
+          <p:nvPr>
+            <p:ph type="body" idx="1"/>
+          </p:nvPr>
+        </p:nvSpPr>
+        <p:spPr/>
+        <p:txBody>
+          <a:bodyPr/>
+          <a:lstStyle/>
+          <a:p>
+            <a:endParaRPr lang="en-US"/>
+          </a:p>
+        </p:txBody>
+      </p:sp>
+      <p:sp>
+        <p:nvSpPr>
+          <p:cNvPr id="4" name="Slide Number Placeholder 3"/>
+          <p:cNvSpPr>
+            <a:spLocks noGrp="1"/>
+          </p:cNvSpPr>
+          <p:nvPr>
+            <p:ph type="sldNum" sz="quarter" idx="10"/>
+          </p:nvPr>
+        </p:nvSpPr>
+        <p:spPr/>
+        <p:txBody>
+          <a:bodyPr/>
+          <a:lstStyle/>
+          <a:p>
+            <a:fld id="{F93199CD-3E1B-4AE6-990F-76F925F5EA9F}" type="slidenum">
+              <a:rPr lang="en-US" smtClean="0"/>
+              <a:pPr/>
+              <a:t>38</a:t>
+            </a:fld>
+            <a:endParaRPr lang="en-US"/>
+          </a:p>
+        </p:txBody>
+      </p:sp>
+    </p:spTree>
+    <p:extLst>
+      <p:ext uri="{BB962C8B-B14F-4D97-AF65-F5344CB8AC3E}">
+        <p14:creationId xmlns:p14="http://schemas.microsoft.com/office/powerpoint/2010/main" xmlns="" val="4202137938"/>
       </p:ext>
     </p:extLst>
   </p:cSld>
@@ -1599,7 +1686,7 @@
     </p:spTree>
     <p:extLst>
       <p:ext uri="{BB962C8B-B14F-4D97-AF65-F5344CB8AC3E}">
-        <p14:creationId xmlns:p14="http://schemas.microsoft.com/office/powerpoint/2010/main" val="2586394931"/>
+        <p14:creationId xmlns:p14="http://schemas.microsoft.com/office/powerpoint/2010/main" xmlns="" val="2586394931"/>
       </p:ext>
     </p:extLst>
   </p:cSld>
@@ -1684,7 +1771,7 @@
     </p:spTree>
     <p:extLst>
       <p:ext uri="{BB962C8B-B14F-4D97-AF65-F5344CB8AC3E}">
-        <p14:creationId xmlns:p14="http://schemas.microsoft.com/office/powerpoint/2010/main" val="1362585539"/>
+        <p14:creationId xmlns:p14="http://schemas.microsoft.com/office/powerpoint/2010/main" xmlns="" val="1362585539"/>
       </p:ext>
     </p:extLst>
   </p:cSld>
@@ -1738,532 +1825,7 @@
           <a:bodyPr/>
           <a:lstStyle/>
           <a:p>
-            <a:pPr marL="171450" marR="0" indent="-171450" algn="l" defTabSz="914400" rtl="0" eaLnBrk="1" fontAlgn="auto" latinLnBrk="0" hangingPunct="1">
-              <a:lnSpc>
-                <a:spcPct val="100000"/>
-              </a:lnSpc>
-              <a:spcBef>
-                <a:spcPts val="0"/>
-              </a:spcBef>
-              <a:spcAft>
-                <a:spcPts val="0"/>
-              </a:spcAft>
-              <a:buClrTx/>
-              <a:buSzTx/>
-              <a:buFont typeface="Arial" panose="020B0604020202020204" pitchFamily="34" charset="0"/>
-              <a:buChar char="•"/>
-              <a:tabLst/>
-              <a:defRPr/>
-            </a:pPr>
-            <a:r>
-              <a:rPr lang="es-AR" sz="1200" kern="1200" dirty="0" smtClean="0">
-                <a:solidFill>
-                  <a:schemeClr val="tx1"/>
-                </a:solidFill>
-                <a:effectLst/>
-                <a:latin typeface="+mn-lt"/>
-                <a:ea typeface="+mn-ea"/>
-                <a:cs typeface="+mn-cs"/>
-              </a:rPr>
-              <a:t>Cambio de la economía tradicional traída en la revolución industrial hacia una </a:t>
-            </a:r>
-            <a:r>
-              <a:rPr lang="es-AR" sz="1200" b="1" kern="1200" dirty="0" smtClean="0">
-                <a:solidFill>
-                  <a:schemeClr val="tx1"/>
-                </a:solidFill>
-                <a:effectLst/>
-                <a:latin typeface="+mn-lt"/>
-                <a:ea typeface="+mn-ea"/>
-                <a:cs typeface="+mn-cs"/>
-              </a:rPr>
-              <a:t>economía basada en la información.</a:t>
-            </a:r>
-            <a:r>
-              <a:rPr lang="es-AR" sz="1200" kern="1200" dirty="0" smtClean="0">
-                <a:solidFill>
-                  <a:schemeClr val="tx1"/>
-                </a:solidFill>
-                <a:effectLst/>
-                <a:latin typeface="+mn-lt"/>
-                <a:ea typeface="+mn-ea"/>
-                <a:cs typeface="+mn-cs"/>
-              </a:rPr>
-              <a:t> </a:t>
-            </a:r>
-          </a:p>
-          <a:p>
-            <a:pPr marL="171450" marR="0" indent="-171450" algn="l" defTabSz="914400" rtl="0" eaLnBrk="1" fontAlgn="auto" latinLnBrk="0" hangingPunct="1">
-              <a:lnSpc>
-                <a:spcPct val="100000"/>
-              </a:lnSpc>
-              <a:spcBef>
-                <a:spcPts val="0"/>
-              </a:spcBef>
-              <a:spcAft>
-                <a:spcPts val="0"/>
-              </a:spcAft>
-              <a:buClrTx/>
-              <a:buSzTx/>
-              <a:buFont typeface="Arial" panose="020B0604020202020204" pitchFamily="34" charset="0"/>
-              <a:buChar char="•"/>
-              <a:tabLst/>
-              <a:defRPr/>
-            </a:pPr>
-            <a:r>
-              <a:rPr lang="es-AR" sz="1200" kern="1200" dirty="0" smtClean="0">
-                <a:solidFill>
-                  <a:schemeClr val="tx1"/>
-                </a:solidFill>
-                <a:effectLst/>
-                <a:latin typeface="+mn-lt"/>
-                <a:ea typeface="+mn-ea"/>
-                <a:cs typeface="+mn-cs"/>
-              </a:rPr>
-              <a:t>La industria es capaz de explorar las necesidades personales de los consumidores, </a:t>
-            </a:r>
-          </a:p>
-          <a:p>
-            <a:pPr marL="171450" marR="0" indent="-171450" algn="l" defTabSz="914400" rtl="0" eaLnBrk="1" fontAlgn="auto" latinLnBrk="0" hangingPunct="1">
-              <a:lnSpc>
-                <a:spcPct val="100000"/>
-              </a:lnSpc>
-              <a:spcBef>
-                <a:spcPts val="0"/>
-              </a:spcBef>
-              <a:spcAft>
-                <a:spcPts val="0"/>
-              </a:spcAft>
-              <a:buClrTx/>
-              <a:buSzTx/>
-              <a:buFont typeface="Arial" panose="020B0604020202020204" pitchFamily="34" charset="0"/>
-              <a:buChar char="•"/>
-              <a:tabLst/>
-              <a:defRPr/>
-            </a:pPr>
-            <a:r>
-              <a:rPr lang="es-AR" sz="1200" kern="1200" dirty="0" smtClean="0">
-                <a:solidFill>
-                  <a:schemeClr val="tx1"/>
-                </a:solidFill>
-                <a:effectLst/>
-                <a:latin typeface="+mn-lt"/>
-                <a:ea typeface="+mn-ea"/>
-                <a:cs typeface="+mn-cs"/>
-              </a:rPr>
-              <a:t>reducción de costos tanto para los consumidores como para las empresas.</a:t>
-            </a:r>
-          </a:p>
-          <a:p>
-            <a:pPr marL="171450" indent="-171450">
-              <a:buFont typeface="Arial" panose="020B0604020202020204" pitchFamily="34" charset="0"/>
-              <a:buChar char="•"/>
-            </a:pPr>
-            <a:r>
-              <a:rPr lang="es-AR" sz="1200" kern="1200" dirty="0" smtClean="0">
-                <a:solidFill>
-                  <a:schemeClr val="tx1"/>
-                </a:solidFill>
-                <a:effectLst/>
-                <a:latin typeface="+mn-lt"/>
-                <a:ea typeface="+mn-ea"/>
-                <a:cs typeface="+mn-cs"/>
-              </a:rPr>
-              <a:t>El </a:t>
-            </a:r>
-            <a:r>
-              <a:rPr lang="es-AR" sz="1200" b="0" kern="1200" dirty="0" smtClean="0">
-                <a:solidFill>
-                  <a:schemeClr val="tx1"/>
-                </a:solidFill>
-                <a:effectLst/>
-                <a:latin typeface="+mn-lt"/>
-                <a:ea typeface="+mn-ea"/>
-                <a:cs typeface="+mn-cs"/>
-              </a:rPr>
-              <a:t>principal capital de las empresas tecnológicas lo </a:t>
-            </a:r>
-            <a:r>
-              <a:rPr lang="es-AR" sz="1200" kern="1200" dirty="0" smtClean="0">
-                <a:solidFill>
-                  <a:schemeClr val="tx1"/>
-                </a:solidFill>
-                <a:effectLst/>
-                <a:latin typeface="+mn-lt"/>
-                <a:ea typeface="+mn-ea"/>
-                <a:cs typeface="+mn-cs"/>
-              </a:rPr>
-              <a:t>conforman los bienes o activos intangibles: </a:t>
-            </a:r>
-            <a:r>
-              <a:rPr lang="es-AR" sz="1200" b="1" kern="1200" dirty="0" smtClean="0">
-                <a:solidFill>
-                  <a:schemeClr val="tx1"/>
-                </a:solidFill>
-                <a:effectLst/>
-                <a:latin typeface="+mn-lt"/>
-                <a:ea typeface="+mn-ea"/>
-                <a:cs typeface="+mn-cs"/>
-              </a:rPr>
-              <a:t>información, algoritmos, fórmulas, invenciones, procesos</a:t>
-            </a:r>
-            <a:r>
-              <a:rPr lang="es-AR" sz="1200" kern="1200" dirty="0" smtClean="0">
-                <a:solidFill>
-                  <a:schemeClr val="tx1"/>
-                </a:solidFill>
-                <a:effectLst/>
-                <a:latin typeface="+mn-lt"/>
-                <a:ea typeface="+mn-ea"/>
-                <a:cs typeface="+mn-cs"/>
-              </a:rPr>
-              <a:t>, estrategia comercial y </a:t>
-            </a:r>
-            <a:r>
-              <a:rPr lang="es-AR" sz="1200" b="1" kern="1200" dirty="0" smtClean="0">
-                <a:solidFill>
-                  <a:schemeClr val="tx1"/>
-                </a:solidFill>
-                <a:effectLst/>
-                <a:latin typeface="+mn-lt"/>
-                <a:ea typeface="+mn-ea"/>
-                <a:cs typeface="+mn-cs"/>
-              </a:rPr>
-              <a:t>bases de datos</a:t>
-            </a:r>
-            <a:endParaRPr lang="es-AR" sz="1200" b="0" kern="1200" dirty="0" smtClean="0">
-              <a:solidFill>
-                <a:schemeClr val="tx1"/>
-              </a:solidFill>
-              <a:effectLst/>
-              <a:latin typeface="+mn-lt"/>
-              <a:ea typeface="+mn-ea"/>
-              <a:cs typeface="+mn-cs"/>
-            </a:endParaRPr>
-          </a:p>
-          <a:p>
-            <a:pPr marL="171450" indent="-171450">
-              <a:buFont typeface="Arial" panose="020B0604020202020204" pitchFamily="34" charset="0"/>
-              <a:buChar char="•"/>
-            </a:pPr>
-            <a:endParaRPr lang="es-AR" sz="1200" kern="1200" dirty="0" smtClean="0">
-              <a:solidFill>
-                <a:schemeClr val="tx1"/>
-              </a:solidFill>
-              <a:effectLst/>
-              <a:latin typeface="+mn-lt"/>
-              <a:ea typeface="+mn-ea"/>
-              <a:cs typeface="+mn-cs"/>
-            </a:endParaRPr>
-          </a:p>
-          <a:p>
-            <a:pPr marL="171450" indent="-171450">
-              <a:buFont typeface="Arial" panose="020B0604020202020204" pitchFamily="34" charset="0"/>
-              <a:buChar char="•"/>
-            </a:pPr>
-            <a:r>
-              <a:rPr lang="es-AR" sz="1200" kern="1200" dirty="0" smtClean="0">
-                <a:solidFill>
-                  <a:schemeClr val="tx1"/>
-                </a:solidFill>
-                <a:effectLst/>
-                <a:latin typeface="+mn-lt"/>
-                <a:ea typeface="+mn-ea"/>
-                <a:cs typeface="+mn-cs"/>
-              </a:rPr>
-              <a:t>Las organizaciones del siglo XXI deben estar preparadas para los siguientes </a:t>
-            </a:r>
-            <a:r>
-              <a:rPr lang="es-AR" sz="1200" b="1" kern="1200" dirty="0" smtClean="0">
-                <a:solidFill>
-                  <a:schemeClr val="tx1"/>
-                </a:solidFill>
-                <a:effectLst/>
-                <a:latin typeface="+mn-lt"/>
-                <a:ea typeface="+mn-ea"/>
-                <a:cs typeface="+mn-cs"/>
-              </a:rPr>
-              <a:t>desafíos</a:t>
-            </a:r>
-            <a:r>
-              <a:rPr lang="es-AR" sz="1200" kern="1200" dirty="0" smtClean="0">
-                <a:solidFill>
-                  <a:schemeClr val="tx1"/>
-                </a:solidFill>
-                <a:effectLst/>
-                <a:latin typeface="+mn-lt"/>
-                <a:ea typeface="+mn-ea"/>
-                <a:cs typeface="+mn-cs"/>
-              </a:rPr>
-              <a:t>: </a:t>
-            </a:r>
-            <a:endParaRPr lang="en-US" sz="1200" kern="1200" dirty="0" smtClean="0">
-              <a:solidFill>
-                <a:schemeClr val="tx1"/>
-              </a:solidFill>
-              <a:effectLst/>
-              <a:latin typeface="+mn-lt"/>
-              <a:ea typeface="+mn-ea"/>
-              <a:cs typeface="+mn-cs"/>
-            </a:endParaRPr>
-          </a:p>
-          <a:p>
-            <a:pPr marL="628650" lvl="1" indent="-171450">
-              <a:buFont typeface="Arial" panose="020B0604020202020204" pitchFamily="34" charset="0"/>
-              <a:buChar char="•"/>
-            </a:pPr>
-            <a:r>
-              <a:rPr lang="es-AR" sz="1200" u="none" strike="noStrike" kern="1200" dirty="0" smtClean="0">
-                <a:solidFill>
-                  <a:schemeClr val="tx1"/>
-                </a:solidFill>
-                <a:effectLst/>
-                <a:latin typeface="+mn-lt"/>
-                <a:ea typeface="+mn-ea"/>
-                <a:cs typeface="+mn-cs"/>
-              </a:rPr>
-              <a:t>Manejar y procesar grandes volúmenes de información diversa a alta velocidad. </a:t>
-            </a:r>
-            <a:endParaRPr lang="en-US" sz="1200" u="none" strike="noStrike" kern="1200" dirty="0" smtClean="0">
-              <a:solidFill>
-                <a:schemeClr val="tx1"/>
-              </a:solidFill>
-              <a:effectLst/>
-              <a:latin typeface="+mn-lt"/>
-              <a:ea typeface="+mn-ea"/>
-              <a:cs typeface="+mn-cs"/>
-            </a:endParaRPr>
-          </a:p>
-          <a:p>
-            <a:pPr marL="628650" lvl="1" indent="-171450">
-              <a:buFont typeface="Arial" panose="020B0604020202020204" pitchFamily="34" charset="0"/>
-              <a:buChar char="•"/>
-            </a:pPr>
-            <a:r>
-              <a:rPr lang="es-AR" sz="1200" u="none" strike="noStrike" kern="1200" dirty="0" smtClean="0">
-                <a:solidFill>
-                  <a:schemeClr val="tx1"/>
-                </a:solidFill>
-                <a:effectLst/>
-                <a:latin typeface="+mn-lt"/>
-                <a:ea typeface="+mn-ea"/>
-                <a:cs typeface="+mn-cs"/>
-              </a:rPr>
-              <a:t>Analizar datos estructurados y no estructurados, tanto dentro como fuera de sus redes.</a:t>
-            </a:r>
-            <a:endParaRPr lang="en-US" sz="1200" u="none" strike="noStrike" kern="1200" dirty="0" smtClean="0">
-              <a:solidFill>
-                <a:schemeClr val="tx1"/>
-              </a:solidFill>
-              <a:effectLst/>
-              <a:latin typeface="+mn-lt"/>
-              <a:ea typeface="+mn-ea"/>
-              <a:cs typeface="+mn-cs"/>
-            </a:endParaRPr>
-          </a:p>
-          <a:p>
-            <a:pPr marL="628650" lvl="1" indent="-171450">
-              <a:buFont typeface="Arial" panose="020B0604020202020204" pitchFamily="34" charset="0"/>
-              <a:buChar char="•"/>
-            </a:pPr>
-            <a:r>
-              <a:rPr lang="es-AR" sz="1200" u="none" strike="noStrike" kern="1200" dirty="0" smtClean="0">
-                <a:solidFill>
-                  <a:schemeClr val="tx1"/>
-                </a:solidFill>
-                <a:effectLst/>
-                <a:latin typeface="+mn-lt"/>
-                <a:ea typeface="+mn-ea"/>
-                <a:cs typeface="+mn-cs"/>
-              </a:rPr>
-              <a:t>Monitorear eventos en entornos de nube, móviles y virtuales.</a:t>
-            </a:r>
-            <a:endParaRPr lang="en-US" sz="1200" u="none" strike="noStrike" kern="1200" dirty="0" smtClean="0">
-              <a:solidFill>
-                <a:schemeClr val="tx1"/>
-              </a:solidFill>
-              <a:effectLst/>
-              <a:latin typeface="+mn-lt"/>
-              <a:ea typeface="+mn-ea"/>
-              <a:cs typeface="+mn-cs"/>
-            </a:endParaRPr>
-          </a:p>
-          <a:p>
-            <a:pPr marL="628650" lvl="1" indent="-171450">
-              <a:buFont typeface="Arial" panose="020B0604020202020204" pitchFamily="34" charset="0"/>
-              <a:buChar char="•"/>
-            </a:pPr>
-            <a:r>
-              <a:rPr lang="es-AR" sz="1200" u="none" strike="noStrike" kern="1200" dirty="0" smtClean="0">
-                <a:solidFill>
-                  <a:schemeClr val="tx1"/>
-                </a:solidFill>
-                <a:effectLst/>
-                <a:latin typeface="+mn-lt"/>
-                <a:ea typeface="+mn-ea"/>
-                <a:cs typeface="+mn-cs"/>
-              </a:rPr>
-              <a:t>Adoptar acciones automáticamente cuando se detecta una amenaza.</a:t>
-            </a:r>
-            <a:endParaRPr lang="en-US" sz="1200" u="none" strike="noStrike" kern="1200" dirty="0" smtClean="0">
-              <a:solidFill>
-                <a:schemeClr val="tx1"/>
-              </a:solidFill>
-              <a:effectLst/>
-              <a:latin typeface="+mn-lt"/>
-              <a:ea typeface="+mn-ea"/>
-              <a:cs typeface="+mn-cs"/>
-            </a:endParaRPr>
-          </a:p>
-          <a:p>
-            <a:pPr marL="171450" indent="-171450">
-              <a:buFont typeface="Arial" panose="020B0604020202020204" pitchFamily="34" charset="0"/>
-              <a:buChar char="•"/>
-            </a:pPr>
-            <a:endParaRPr lang="es-AR" sz="1200" b="1" kern="1200" dirty="0" smtClean="0">
-              <a:solidFill>
-                <a:schemeClr val="tx1"/>
-              </a:solidFill>
-              <a:effectLst/>
-              <a:latin typeface="+mn-lt"/>
-              <a:ea typeface="+mn-ea"/>
-              <a:cs typeface="+mn-cs"/>
-            </a:endParaRPr>
-          </a:p>
-          <a:p>
-            <a:pPr marL="171450" indent="-171450">
-              <a:buFont typeface="Arial" panose="020B0604020202020204" pitchFamily="34" charset="0"/>
-              <a:buChar char="•"/>
-            </a:pPr>
-            <a:r>
-              <a:rPr lang="es-AR" sz="1200" b="1" kern="1200" dirty="0" smtClean="0">
-                <a:solidFill>
-                  <a:schemeClr val="tx1"/>
-                </a:solidFill>
-                <a:effectLst/>
-                <a:latin typeface="+mn-lt"/>
-                <a:ea typeface="+mn-ea"/>
-                <a:cs typeface="+mn-cs"/>
-              </a:rPr>
-              <a:t>proliferación de internet </a:t>
-            </a:r>
-            <a:r>
-              <a:rPr lang="es-AR" sz="1200" kern="1200" dirty="0" smtClean="0">
-                <a:solidFill>
-                  <a:schemeClr val="tx1"/>
-                </a:solidFill>
-                <a:effectLst/>
-                <a:latin typeface="+mn-lt"/>
-                <a:ea typeface="+mn-ea"/>
-                <a:cs typeface="+mn-cs"/>
-              </a:rPr>
-              <a:t>desde el año 1990,</a:t>
-            </a:r>
-          </a:p>
-          <a:p>
-            <a:pPr marL="171450" indent="-171450">
-              <a:buFont typeface="Arial" panose="020B0604020202020204" pitchFamily="34" charset="0"/>
-              <a:buChar char="•"/>
-            </a:pPr>
-            <a:r>
-              <a:rPr lang="es-AR" sz="1200" kern="1200" dirty="0" smtClean="0">
-                <a:solidFill>
-                  <a:schemeClr val="tx1"/>
-                </a:solidFill>
-                <a:effectLst/>
-                <a:latin typeface="+mn-lt"/>
-                <a:ea typeface="+mn-ea"/>
-                <a:cs typeface="+mn-cs"/>
-              </a:rPr>
-              <a:t>la fuga de información se ve incrementada gracias a la rápida expansión de los medios de comunicación. </a:t>
-            </a:r>
-          </a:p>
-          <a:p>
-            <a:pPr marL="171450" indent="-171450">
-              <a:buFont typeface="Arial" panose="020B0604020202020204" pitchFamily="34" charset="0"/>
-              <a:buChar char="•"/>
-            </a:pPr>
-            <a:r>
-              <a:rPr lang="es-AR" sz="1200" kern="1200" dirty="0" smtClean="0">
-                <a:solidFill>
-                  <a:schemeClr val="tx1"/>
-                </a:solidFill>
-                <a:effectLst/>
-                <a:latin typeface="+mn-lt"/>
-                <a:ea typeface="+mn-ea"/>
-                <a:cs typeface="+mn-cs"/>
-              </a:rPr>
-              <a:t>han emergido nuevas formas de fuga de información</a:t>
-            </a:r>
-          </a:p>
-          <a:p>
-            <a:pPr marL="171450" indent="-171450">
-              <a:buFont typeface="Arial" panose="020B0604020202020204" pitchFamily="34" charset="0"/>
-              <a:buChar char="•"/>
-            </a:pPr>
-            <a:endParaRPr lang="es-AR" sz="1200" kern="1200" dirty="0" smtClean="0">
-              <a:solidFill>
-                <a:schemeClr val="tx1"/>
-              </a:solidFill>
-              <a:effectLst/>
-              <a:latin typeface="+mn-lt"/>
-              <a:ea typeface="+mn-ea"/>
-              <a:cs typeface="+mn-cs"/>
-            </a:endParaRPr>
-          </a:p>
-          <a:p>
-            <a:pPr marL="171450" indent="-171450">
-              <a:buFont typeface="Arial" panose="020B0604020202020204" pitchFamily="34" charset="0"/>
-              <a:buChar char="•"/>
-            </a:pPr>
-            <a:r>
-              <a:rPr lang="es-AR" sz="1200" kern="1200" dirty="0" smtClean="0">
-                <a:solidFill>
-                  <a:schemeClr val="tx1"/>
-                </a:solidFill>
-                <a:effectLst/>
-                <a:latin typeface="+mn-lt"/>
-                <a:ea typeface="+mn-ea"/>
-                <a:cs typeface="+mn-cs"/>
-              </a:rPr>
-              <a:t>En el campo de la </a:t>
-            </a:r>
-            <a:r>
-              <a:rPr lang="es-AR" sz="1200" b="1" kern="1200" dirty="0" smtClean="0">
-                <a:solidFill>
-                  <a:schemeClr val="tx1"/>
-                </a:solidFill>
-                <a:effectLst/>
-                <a:latin typeface="+mn-lt"/>
-                <a:ea typeface="+mn-ea"/>
-                <a:cs typeface="+mn-cs"/>
-              </a:rPr>
-              <a:t>medicina</a:t>
-            </a:r>
-            <a:r>
-              <a:rPr lang="es-AR" sz="1200" kern="1200" dirty="0" smtClean="0">
-                <a:solidFill>
-                  <a:schemeClr val="tx1"/>
-                </a:solidFill>
-                <a:effectLst/>
-                <a:latin typeface="+mn-lt"/>
-                <a:ea typeface="+mn-ea"/>
-                <a:cs typeface="+mn-cs"/>
-              </a:rPr>
-              <a:t>, la situación es crítica. La información clínica de los pacientes es almacenada electrónicamente, y esto permite que las autoridades envíen registros de enfermedades a investigadores; en muchas ocasiones esto incluye los nombres y direcciones de los pacientes, sin su consentimiento explícito.</a:t>
-            </a:r>
-            <a:endParaRPr lang="en-US" sz="1200" kern="1200" dirty="0" smtClean="0">
-              <a:solidFill>
-                <a:schemeClr val="tx1"/>
-              </a:solidFill>
-              <a:effectLst/>
-              <a:latin typeface="+mn-lt"/>
-              <a:ea typeface="+mn-ea"/>
-              <a:cs typeface="+mn-cs"/>
-            </a:endParaRPr>
-          </a:p>
-          <a:p>
-            <a:endParaRPr lang="en-US" dirty="0"/>
+            <a:endParaRPr lang="en-US"/>
           </a:p>
         </p:txBody>
       </p:sp>
@@ -2285,7 +1847,7 @@
             <a:fld id="{F93199CD-3E1B-4AE6-990F-76F925F5EA9F}" type="slidenum">
               <a:rPr lang="en-US" smtClean="0"/>
               <a:pPr/>
-              <a:t>26</a:t>
+              <a:t>23</a:t>
             </a:fld>
             <a:endParaRPr lang="en-US"/>
           </a:p>
@@ -2294,7 +1856,7 @@
     </p:spTree>
     <p:extLst>
       <p:ext uri="{BB962C8B-B14F-4D97-AF65-F5344CB8AC3E}">
-        <p14:creationId xmlns:p14="http://schemas.microsoft.com/office/powerpoint/2010/main" val="3805029774"/>
+        <p14:creationId xmlns:p14="http://schemas.microsoft.com/office/powerpoint/2010/main" xmlns="" val="1362585539"/>
       </p:ext>
     </p:extLst>
   </p:cSld>
@@ -2348,32 +1910,223 @@
           <a:bodyPr/>
           <a:lstStyle/>
           <a:p>
+            <a:pPr marL="171450" marR="0" indent="-171450" algn="l" defTabSz="914400" rtl="0" eaLnBrk="1" fontAlgn="auto" latinLnBrk="0" hangingPunct="1">
+              <a:lnSpc>
+                <a:spcPct val="100000"/>
+              </a:lnSpc>
+              <a:spcBef>
+                <a:spcPts val="0"/>
+              </a:spcBef>
+              <a:spcAft>
+                <a:spcPts val="0"/>
+              </a:spcAft>
+              <a:buClrTx/>
+              <a:buSzTx/>
+              <a:buFont typeface="Arial" panose="020B0604020202020204" pitchFamily="34" charset="0"/>
+              <a:buChar char="•"/>
+              <a:tabLst/>
+              <a:defRPr/>
+            </a:pPr>
+            <a:r>
+              <a:rPr lang="es-AR" sz="1200" kern="1200" dirty="0" smtClean="0">
+                <a:solidFill>
+                  <a:schemeClr val="tx1"/>
+                </a:solidFill>
+                <a:effectLst/>
+                <a:latin typeface="+mn-lt"/>
+                <a:ea typeface="+mn-ea"/>
+                <a:cs typeface="+mn-cs"/>
+              </a:rPr>
+              <a:t>Cambio de la economía tradicional traída en la revolución industrial hacia una </a:t>
+            </a:r>
+            <a:r>
+              <a:rPr lang="es-AR" sz="1200" b="1" kern="1200" dirty="0" smtClean="0">
+                <a:solidFill>
+                  <a:schemeClr val="tx1"/>
+                </a:solidFill>
+                <a:effectLst/>
+                <a:latin typeface="+mn-lt"/>
+                <a:ea typeface="+mn-ea"/>
+                <a:cs typeface="+mn-cs"/>
+              </a:rPr>
+              <a:t>economía basada en la información.</a:t>
+            </a:r>
+            <a:r>
+              <a:rPr lang="es-AR" sz="1200" kern="1200" dirty="0" smtClean="0">
+                <a:solidFill>
+                  <a:schemeClr val="tx1"/>
+                </a:solidFill>
+                <a:effectLst/>
+                <a:latin typeface="+mn-lt"/>
+                <a:ea typeface="+mn-ea"/>
+                <a:cs typeface="+mn-cs"/>
+              </a:rPr>
+              <a:t> </a:t>
+            </a:r>
+          </a:p>
+          <a:p>
+            <a:pPr marL="171450" marR="0" indent="-171450" algn="l" defTabSz="914400" rtl="0" eaLnBrk="1" fontAlgn="auto" latinLnBrk="0" hangingPunct="1">
+              <a:lnSpc>
+                <a:spcPct val="100000"/>
+              </a:lnSpc>
+              <a:spcBef>
+                <a:spcPts val="0"/>
+              </a:spcBef>
+              <a:spcAft>
+                <a:spcPts val="0"/>
+              </a:spcAft>
+              <a:buClrTx/>
+              <a:buSzTx/>
+              <a:buFont typeface="Arial" panose="020B0604020202020204" pitchFamily="34" charset="0"/>
+              <a:buChar char="•"/>
+              <a:tabLst/>
+              <a:defRPr/>
+            </a:pPr>
+            <a:r>
+              <a:rPr lang="es-AR" sz="1200" kern="1200" dirty="0" smtClean="0">
+                <a:solidFill>
+                  <a:schemeClr val="tx1"/>
+                </a:solidFill>
+                <a:effectLst/>
+                <a:latin typeface="+mn-lt"/>
+                <a:ea typeface="+mn-ea"/>
+                <a:cs typeface="+mn-cs"/>
+              </a:rPr>
+              <a:t>La industria es capaz de explorar las necesidades personales de los consumidores, </a:t>
+            </a:r>
+          </a:p>
+          <a:p>
+            <a:pPr marL="171450" marR="0" indent="-171450" algn="l" defTabSz="914400" rtl="0" eaLnBrk="1" fontAlgn="auto" latinLnBrk="0" hangingPunct="1">
+              <a:lnSpc>
+                <a:spcPct val="100000"/>
+              </a:lnSpc>
+              <a:spcBef>
+                <a:spcPts val="0"/>
+              </a:spcBef>
+              <a:spcAft>
+                <a:spcPts val="0"/>
+              </a:spcAft>
+              <a:buClrTx/>
+              <a:buSzTx/>
+              <a:buFont typeface="Arial" panose="020B0604020202020204" pitchFamily="34" charset="0"/>
+              <a:buChar char="•"/>
+              <a:tabLst/>
+              <a:defRPr/>
+            </a:pPr>
+            <a:r>
+              <a:rPr lang="es-AR" sz="1200" kern="1200" dirty="0" smtClean="0">
+                <a:solidFill>
+                  <a:schemeClr val="tx1"/>
+                </a:solidFill>
+                <a:effectLst/>
+                <a:latin typeface="+mn-lt"/>
+                <a:ea typeface="+mn-ea"/>
+                <a:cs typeface="+mn-cs"/>
+              </a:rPr>
+              <a:t>reducción de costos tanto para los consumidores como para las empresas.</a:t>
+            </a:r>
+          </a:p>
+          <a:p>
             <a:pPr marL="171450" indent="-171450">
               <a:buFont typeface="Arial" panose="020B0604020202020204" pitchFamily="34" charset="0"/>
               <a:buChar char="•"/>
             </a:pPr>
             <a:r>
-              <a:rPr lang="es-AR" b="1" dirty="0" smtClean="0"/>
-              <a:t>WikiLeaks</a:t>
-            </a:r>
-            <a:r>
-              <a:rPr lang="es-AR" dirty="0" smtClean="0"/>
-              <a:t> provee acceso publico a documentos</a:t>
-            </a:r>
-            <a:r>
-              <a:rPr lang="es-AR" baseline="0" dirty="0" smtClean="0"/>
-              <a:t> confidenciales, protegiendo a quienes los envían</a:t>
-            </a:r>
+              <a:rPr lang="es-AR" sz="1200" kern="1200" dirty="0" smtClean="0">
+                <a:solidFill>
+                  <a:schemeClr val="tx1"/>
+                </a:solidFill>
+                <a:effectLst/>
+                <a:latin typeface="+mn-lt"/>
+                <a:ea typeface="+mn-ea"/>
+                <a:cs typeface="+mn-cs"/>
+              </a:rPr>
+              <a:t>El </a:t>
+            </a:r>
+            <a:r>
+              <a:rPr lang="es-AR" sz="1200" b="0" kern="1200" dirty="0" smtClean="0">
+                <a:solidFill>
+                  <a:schemeClr val="tx1"/>
+                </a:solidFill>
+                <a:effectLst/>
+                <a:latin typeface="+mn-lt"/>
+                <a:ea typeface="+mn-ea"/>
+                <a:cs typeface="+mn-cs"/>
+              </a:rPr>
+              <a:t>principal capital de las empresas tecnológicas lo </a:t>
+            </a:r>
+            <a:r>
+              <a:rPr lang="es-AR" sz="1200" kern="1200" dirty="0" smtClean="0">
+                <a:solidFill>
+                  <a:schemeClr val="tx1"/>
+                </a:solidFill>
+                <a:effectLst/>
+                <a:latin typeface="+mn-lt"/>
+                <a:ea typeface="+mn-ea"/>
+                <a:cs typeface="+mn-cs"/>
+              </a:rPr>
+              <a:t>conforman los bienes o activos intangibles: </a:t>
+            </a:r>
+            <a:r>
+              <a:rPr lang="es-AR" sz="1200" b="1" kern="1200" dirty="0" smtClean="0">
+                <a:solidFill>
+                  <a:schemeClr val="tx1"/>
+                </a:solidFill>
+                <a:effectLst/>
+                <a:latin typeface="+mn-lt"/>
+                <a:ea typeface="+mn-ea"/>
+                <a:cs typeface="+mn-cs"/>
+              </a:rPr>
+              <a:t>información, algoritmos, fórmulas, invenciones, procesos</a:t>
+            </a:r>
+            <a:r>
+              <a:rPr lang="es-AR" sz="1200" kern="1200" dirty="0" smtClean="0">
+                <a:solidFill>
+                  <a:schemeClr val="tx1"/>
+                </a:solidFill>
+                <a:effectLst/>
+                <a:latin typeface="+mn-lt"/>
+                <a:ea typeface="+mn-ea"/>
+                <a:cs typeface="+mn-cs"/>
+              </a:rPr>
+              <a:t>, estrategia comercial y </a:t>
+            </a:r>
+            <a:r>
+              <a:rPr lang="es-AR" sz="1200" b="1" kern="1200" dirty="0" smtClean="0">
+                <a:solidFill>
+                  <a:schemeClr val="tx1"/>
+                </a:solidFill>
+                <a:effectLst/>
+                <a:latin typeface="+mn-lt"/>
+                <a:ea typeface="+mn-ea"/>
+                <a:cs typeface="+mn-cs"/>
+              </a:rPr>
+              <a:t>bases de datos</a:t>
+            </a:r>
+            <a:endParaRPr lang="es-AR" sz="1200" b="0" kern="1200" dirty="0" smtClean="0">
+              <a:solidFill>
+                <a:schemeClr val="tx1"/>
+              </a:solidFill>
+              <a:effectLst/>
+              <a:latin typeface="+mn-lt"/>
+              <a:ea typeface="+mn-ea"/>
+              <a:cs typeface="+mn-cs"/>
+            </a:endParaRPr>
           </a:p>
           <a:p>
             <a:pPr marL="171450" indent="-171450">
               <a:buFont typeface="Arial" panose="020B0604020202020204" pitchFamily="34" charset="0"/>
               <a:buChar char="•"/>
             </a:pPr>
-            <a:r>
-              <a:rPr lang="es-AR" baseline="0" dirty="0" smtClean="0"/>
-              <a:t>2013 se publican 1,7 millones de documentos</a:t>
-            </a:r>
+            <a:endParaRPr lang="es-AR" sz="1200" kern="1200" dirty="0" smtClean="0">
+              <a:solidFill>
+                <a:schemeClr val="tx1"/>
+              </a:solidFill>
+              <a:effectLst/>
+              <a:latin typeface="+mn-lt"/>
+              <a:ea typeface="+mn-ea"/>
+              <a:cs typeface="+mn-cs"/>
+            </a:endParaRPr>
           </a:p>
           <a:p>
             <a:pPr marL="171450" indent="-171450">
@@ -2381,46 +2134,203 @@
               <a:buChar char="•"/>
             </a:pPr>
             <a:r>
-              <a:rPr lang="es-AR" baseline="0" dirty="0" smtClean="0"/>
-              <a:t>Estados Unidos acusa a </a:t>
-            </a:r>
-            <a:r>
-              <a:rPr lang="es-AR" baseline="0" dirty="0" err="1" smtClean="0"/>
-              <a:t>Snowden</a:t>
-            </a:r>
-            <a:r>
-              <a:rPr lang="es-AR" baseline="0" dirty="0" smtClean="0"/>
-              <a:t> de espionaje y robo de propiedad del gobierno</a:t>
-            </a:r>
+              <a:rPr lang="es-AR" sz="1200" kern="1200" dirty="0" smtClean="0">
+                <a:solidFill>
+                  <a:schemeClr val="tx1"/>
+                </a:solidFill>
+                <a:effectLst/>
+                <a:latin typeface="+mn-lt"/>
+                <a:ea typeface="+mn-ea"/>
+                <a:cs typeface="+mn-cs"/>
+              </a:rPr>
+              <a:t>Las organizaciones del siglo XXI deben estar preparadas para los siguientes </a:t>
+            </a:r>
+            <a:r>
+              <a:rPr lang="es-AR" sz="1200" b="1" kern="1200" dirty="0" smtClean="0">
+                <a:solidFill>
+                  <a:schemeClr val="tx1"/>
+                </a:solidFill>
+                <a:effectLst/>
+                <a:latin typeface="+mn-lt"/>
+                <a:ea typeface="+mn-ea"/>
+                <a:cs typeface="+mn-cs"/>
+              </a:rPr>
+              <a:t>desafíos</a:t>
+            </a:r>
+            <a:r>
+              <a:rPr lang="es-AR" sz="1200" kern="1200" dirty="0" smtClean="0">
+                <a:solidFill>
+                  <a:schemeClr val="tx1"/>
+                </a:solidFill>
+                <a:effectLst/>
+                <a:latin typeface="+mn-lt"/>
+                <a:ea typeface="+mn-ea"/>
+                <a:cs typeface="+mn-cs"/>
+              </a:rPr>
+              <a:t>: </a:t>
+            </a:r>
+            <a:endParaRPr lang="en-US" sz="1200" kern="1200" dirty="0" smtClean="0">
+              <a:solidFill>
+                <a:schemeClr val="tx1"/>
+              </a:solidFill>
+              <a:effectLst/>
+              <a:latin typeface="+mn-lt"/>
+              <a:ea typeface="+mn-ea"/>
+              <a:cs typeface="+mn-cs"/>
+            </a:endParaRPr>
+          </a:p>
+          <a:p>
+            <a:pPr marL="628650" lvl="1" indent="-171450">
+              <a:buFont typeface="Arial" panose="020B0604020202020204" pitchFamily="34" charset="0"/>
+              <a:buChar char="•"/>
+            </a:pPr>
+            <a:r>
+              <a:rPr lang="es-AR" sz="1200" u="none" strike="noStrike" kern="1200" dirty="0" smtClean="0">
+                <a:solidFill>
+                  <a:schemeClr val="tx1"/>
+                </a:solidFill>
+                <a:effectLst/>
+                <a:latin typeface="+mn-lt"/>
+                <a:ea typeface="+mn-ea"/>
+                <a:cs typeface="+mn-cs"/>
+              </a:rPr>
+              <a:t>Manejar y procesar grandes volúmenes de información diversa a alta velocidad. </a:t>
+            </a:r>
+            <a:endParaRPr lang="en-US" sz="1200" u="none" strike="noStrike" kern="1200" dirty="0" smtClean="0">
+              <a:solidFill>
+                <a:schemeClr val="tx1"/>
+              </a:solidFill>
+              <a:effectLst/>
+              <a:latin typeface="+mn-lt"/>
+              <a:ea typeface="+mn-ea"/>
+              <a:cs typeface="+mn-cs"/>
+            </a:endParaRPr>
+          </a:p>
+          <a:p>
+            <a:pPr marL="628650" lvl="1" indent="-171450">
+              <a:buFont typeface="Arial" panose="020B0604020202020204" pitchFamily="34" charset="0"/>
+              <a:buChar char="•"/>
+            </a:pPr>
+            <a:r>
+              <a:rPr lang="es-AR" sz="1200" u="none" strike="noStrike" kern="1200" dirty="0" smtClean="0">
+                <a:solidFill>
+                  <a:schemeClr val="tx1"/>
+                </a:solidFill>
+                <a:effectLst/>
+                <a:latin typeface="+mn-lt"/>
+                <a:ea typeface="+mn-ea"/>
+                <a:cs typeface="+mn-cs"/>
+              </a:rPr>
+              <a:t>Analizar datos estructurados y no estructurados, tanto dentro como fuera de sus redes.</a:t>
+            </a:r>
+            <a:endParaRPr lang="en-US" sz="1200" u="none" strike="noStrike" kern="1200" dirty="0" smtClean="0">
+              <a:solidFill>
+                <a:schemeClr val="tx1"/>
+              </a:solidFill>
+              <a:effectLst/>
+              <a:latin typeface="+mn-lt"/>
+              <a:ea typeface="+mn-ea"/>
+              <a:cs typeface="+mn-cs"/>
+            </a:endParaRPr>
+          </a:p>
+          <a:p>
+            <a:pPr marL="628650" lvl="1" indent="-171450">
+              <a:buFont typeface="Arial" panose="020B0604020202020204" pitchFamily="34" charset="0"/>
+              <a:buChar char="•"/>
+            </a:pPr>
+            <a:r>
+              <a:rPr lang="es-AR" sz="1200" u="none" strike="noStrike" kern="1200" dirty="0" smtClean="0">
+                <a:solidFill>
+                  <a:schemeClr val="tx1"/>
+                </a:solidFill>
+                <a:effectLst/>
+                <a:latin typeface="+mn-lt"/>
+                <a:ea typeface="+mn-ea"/>
+                <a:cs typeface="+mn-cs"/>
+              </a:rPr>
+              <a:t>Monitorear eventos en entornos de nube, móviles y virtuales.</a:t>
+            </a:r>
+            <a:endParaRPr lang="en-US" sz="1200" u="none" strike="noStrike" kern="1200" dirty="0" smtClean="0">
+              <a:solidFill>
+                <a:schemeClr val="tx1"/>
+              </a:solidFill>
+              <a:effectLst/>
+              <a:latin typeface="+mn-lt"/>
+              <a:ea typeface="+mn-ea"/>
+              <a:cs typeface="+mn-cs"/>
+            </a:endParaRPr>
+          </a:p>
+          <a:p>
+            <a:pPr marL="628650" lvl="1" indent="-171450">
+              <a:buFont typeface="Arial" panose="020B0604020202020204" pitchFamily="34" charset="0"/>
+              <a:buChar char="•"/>
+            </a:pPr>
+            <a:r>
+              <a:rPr lang="es-AR" sz="1200" u="none" strike="noStrike" kern="1200" dirty="0" smtClean="0">
+                <a:solidFill>
+                  <a:schemeClr val="tx1"/>
+                </a:solidFill>
+                <a:effectLst/>
+                <a:latin typeface="+mn-lt"/>
+                <a:ea typeface="+mn-ea"/>
+                <a:cs typeface="+mn-cs"/>
+              </a:rPr>
+              <a:t>Adoptar acciones automáticamente cuando se detecta una amenaza.</a:t>
+            </a:r>
+            <a:endParaRPr lang="en-US" sz="1200" u="none" strike="noStrike" kern="1200" dirty="0" smtClean="0">
+              <a:solidFill>
+                <a:schemeClr val="tx1"/>
+              </a:solidFill>
+              <a:effectLst/>
+              <a:latin typeface="+mn-lt"/>
+              <a:ea typeface="+mn-ea"/>
+              <a:cs typeface="+mn-cs"/>
+            </a:endParaRPr>
           </a:p>
           <a:p>
             <a:pPr marL="171450" indent="-171450">
               <a:buFont typeface="Arial" panose="020B0604020202020204" pitchFamily="34" charset="0"/>
               <a:buChar char="•"/>
             </a:pPr>
-            <a:r>
-              <a:rPr lang="es-AR" baseline="0" dirty="0" err="1" smtClean="0"/>
-              <a:t>Snowden</a:t>
-            </a:r>
-            <a:r>
-              <a:rPr lang="es-AR" baseline="0" dirty="0" smtClean="0"/>
-              <a:t> recibe asilo temporal en Rusia </a:t>
-            </a:r>
-            <a:r>
-              <a:rPr lang="es-AR" baseline="0" dirty="0" smtClean="0">
-                <a:sym typeface="Wingdings" panose="05000000000000000000" pitchFamily="2" charset="2"/>
-              </a:rPr>
-              <a:t> complica relaciones internacionales</a:t>
-            </a:r>
+            <a:endParaRPr lang="es-AR" sz="1200" b="1" kern="1200" dirty="0" smtClean="0">
+              <a:solidFill>
+                <a:schemeClr val="tx1"/>
+              </a:solidFill>
+              <a:effectLst/>
+              <a:latin typeface="+mn-lt"/>
+              <a:ea typeface="+mn-ea"/>
+              <a:cs typeface="+mn-cs"/>
+            </a:endParaRPr>
           </a:p>
           <a:p>
             <a:pPr marL="171450" indent="-171450">
               <a:buFont typeface="Arial" panose="020B0604020202020204" pitchFamily="34" charset="0"/>
               <a:buChar char="•"/>
             </a:pPr>
-            <a:endParaRPr lang="es-AR" baseline="0" dirty="0" smtClean="0">
-              <a:sym typeface="Wingdings" panose="05000000000000000000" pitchFamily="2" charset="2"/>
-            </a:endParaRPr>
+            <a:r>
+              <a:rPr lang="es-AR" sz="1200" b="1" kern="1200" dirty="0" smtClean="0">
+                <a:solidFill>
+                  <a:schemeClr val="tx1"/>
+                </a:solidFill>
+                <a:effectLst/>
+                <a:latin typeface="+mn-lt"/>
+                <a:ea typeface="+mn-ea"/>
+                <a:cs typeface="+mn-cs"/>
+              </a:rPr>
+              <a:t>proliferación de internet </a:t>
+            </a:r>
+            <a:r>
+              <a:rPr lang="es-AR" sz="1200" kern="1200" dirty="0" smtClean="0">
+                <a:solidFill>
+                  <a:schemeClr val="tx1"/>
+                </a:solidFill>
+                <a:effectLst/>
+                <a:latin typeface="+mn-lt"/>
+                <a:ea typeface="+mn-ea"/>
+                <a:cs typeface="+mn-cs"/>
+              </a:rPr>
+              <a:t>desde el año 1990,</a:t>
+            </a:r>
           </a:p>
           <a:p>
             <a:pPr marL="171450" indent="-171450">
@@ -2428,16 +2338,16 @@
               <a:buChar char="•"/>
             </a:pPr>
             <a:r>
-              <a:rPr lang="es-AR" b="1" baseline="0" dirty="0" smtClean="0">
-                <a:sym typeface="Wingdings" panose="05000000000000000000" pitchFamily="2" charset="2"/>
-              </a:rPr>
-              <a:t>Robo de iCloud: </a:t>
-            </a:r>
-            <a:r>
-              <a:rPr lang="es-AR" baseline="0" dirty="0" smtClean="0">
-                <a:sym typeface="Wingdings" panose="05000000000000000000" pitchFamily="2" charset="2"/>
-              </a:rPr>
-              <a:t>no fue por vulnerabilidades, sino por ataques por fuerza bruta a las contraseñas</a:t>
+              <a:rPr lang="es-AR" sz="1200" kern="1200" dirty="0" smtClean="0">
+                <a:solidFill>
+                  <a:schemeClr val="tx1"/>
+                </a:solidFill>
+                <a:effectLst/>
+                <a:latin typeface="+mn-lt"/>
+                <a:ea typeface="+mn-ea"/>
+                <a:cs typeface="+mn-cs"/>
+              </a:rPr>
+              <a:t>la fuga de información se ve incrementada gracias a la rápida expansión de los medios de comunicación. </a:t>
             </a:r>
           </a:p>
           <a:p>
@@ -2445,39 +2355,33 @@
               <a:buFont typeface="Arial" panose="020B0604020202020204" pitchFamily="34" charset="0"/>
               <a:buChar char="•"/>
             </a:pPr>
-            <a:endParaRPr lang="es-AR" baseline="0" dirty="0" smtClean="0">
-              <a:sym typeface="Wingdings" panose="05000000000000000000" pitchFamily="2" charset="2"/>
-            </a:endParaRPr>
+            <a:r>
+              <a:rPr lang="es-AR" sz="1200" kern="1200" dirty="0" smtClean="0">
+                <a:solidFill>
+                  <a:schemeClr val="tx1"/>
+                </a:solidFill>
+                <a:effectLst/>
+                <a:latin typeface="+mn-lt"/>
+                <a:ea typeface="+mn-ea"/>
+                <a:cs typeface="+mn-cs"/>
+              </a:rPr>
+              <a:t>han emergido nuevas formas de fuga de información</a:t>
+            </a:r>
           </a:p>
           <a:p>
             <a:pPr marL="171450" indent="-171450">
               <a:buFont typeface="Arial" panose="020B0604020202020204" pitchFamily="34" charset="0"/>
               <a:buChar char="•"/>
             </a:pPr>
-            <a:r>
-              <a:rPr lang="es-AR" b="1" baseline="0" dirty="0" err="1" smtClean="0">
-                <a:sym typeface="Wingdings" panose="05000000000000000000" pitchFamily="2" charset="2"/>
-              </a:rPr>
-              <a:t>Heartbleed</a:t>
-            </a:r>
-            <a:r>
-              <a:rPr lang="es-AR" baseline="0" dirty="0" smtClean="0">
-                <a:sym typeface="Wingdings" panose="05000000000000000000" pitchFamily="2" charset="2"/>
-              </a:rPr>
-              <a:t>: bug de la librería </a:t>
-            </a:r>
-            <a:r>
-              <a:rPr lang="es-AR" baseline="0" dirty="0" err="1" smtClean="0">
-                <a:sym typeface="Wingdings" panose="05000000000000000000" pitchFamily="2" charset="2"/>
-              </a:rPr>
-              <a:t>OpenSSL</a:t>
-            </a:r>
-            <a:r>
-              <a:rPr lang="es-AR" baseline="0" dirty="0" smtClean="0">
-                <a:sym typeface="Wingdings" panose="05000000000000000000" pitchFamily="2" charset="2"/>
-              </a:rPr>
-              <a:t> de código abierto</a:t>
-            </a:r>
+            <a:endParaRPr lang="es-AR" sz="1200" kern="1200" dirty="0" smtClean="0">
+              <a:solidFill>
+                <a:schemeClr val="tx1"/>
+              </a:solidFill>
+              <a:effectLst/>
+              <a:latin typeface="+mn-lt"/>
+              <a:ea typeface="+mn-ea"/>
+              <a:cs typeface="+mn-cs"/>
+            </a:endParaRPr>
           </a:p>
           <a:p>
             <a:pPr marL="171450" indent="-171450">
@@ -2485,47 +2389,52 @@
               <a:buChar char="•"/>
             </a:pPr>
             <a:r>
-              <a:rPr lang="es-AR" baseline="0" dirty="0" smtClean="0">
-                <a:sym typeface="Wingdings" panose="05000000000000000000" pitchFamily="2" charset="2"/>
-              </a:rPr>
-              <a:t>Permite a los atacantes leer la memoria de un servidor o un cliente, extrayendo </a:t>
-            </a:r>
-            <a:r>
-              <a:rPr lang="es-AR" baseline="0" dirty="0" err="1" smtClean="0">
-                <a:sym typeface="Wingdings" panose="05000000000000000000" pitchFamily="2" charset="2"/>
-              </a:rPr>
-              <a:t>asi</a:t>
-            </a:r>
-            <a:r>
-              <a:rPr lang="es-AR" baseline="0" dirty="0" smtClean="0">
-                <a:sym typeface="Wingdings" panose="05000000000000000000" pitchFamily="2" charset="2"/>
-              </a:rPr>
-              <a:t> claves privadas</a:t>
-            </a:r>
-          </a:p>
-          <a:p>
-            <a:pPr marL="171450" indent="-171450">
-              <a:buFont typeface="Arial" panose="020B0604020202020204" pitchFamily="34" charset="0"/>
-              <a:buChar char="•"/>
-            </a:pPr>
-            <a:r>
-              <a:rPr lang="es-AR" baseline="0" dirty="0" smtClean="0">
-                <a:sym typeface="Wingdings" panose="05000000000000000000" pitchFamily="2" charset="2"/>
-              </a:rPr>
-              <a:t>El atacante no deja rastros</a:t>
-            </a:r>
-          </a:p>
-          <a:p>
-            <a:pPr marL="171450" indent="-171450">
-              <a:buFont typeface="Arial" panose="020B0604020202020204" pitchFamily="34" charset="0"/>
-              <a:buChar char="•"/>
-            </a:pPr>
-            <a:r>
-              <a:rPr lang="es-AR" baseline="0" dirty="0" smtClean="0">
-                <a:sym typeface="Wingdings" panose="05000000000000000000" pitchFamily="2" charset="2"/>
-              </a:rPr>
-              <a:t>Oportunidad para que las empresas actualicen su software</a:t>
-            </a:r>
+              <a:rPr lang="es-AR" sz="1200" kern="1200" dirty="0" smtClean="0">
+                <a:solidFill>
+                  <a:schemeClr val="tx1"/>
+                </a:solidFill>
+                <a:effectLst/>
+                <a:latin typeface="+mn-lt"/>
+                <a:ea typeface="+mn-ea"/>
+                <a:cs typeface="+mn-cs"/>
+              </a:rPr>
+              <a:t>En el campo de la </a:t>
+            </a:r>
+            <a:r>
+              <a:rPr lang="es-AR" sz="1200" b="1" kern="1200" dirty="0" smtClean="0">
+                <a:solidFill>
+                  <a:schemeClr val="tx1"/>
+                </a:solidFill>
+                <a:effectLst/>
+                <a:latin typeface="+mn-lt"/>
+                <a:ea typeface="+mn-ea"/>
+                <a:cs typeface="+mn-cs"/>
+              </a:rPr>
+              <a:t>medicina</a:t>
+            </a:r>
+            <a:r>
+              <a:rPr lang="es-AR" sz="1200" kern="1200" dirty="0" smtClean="0">
+                <a:solidFill>
+                  <a:schemeClr val="tx1"/>
+                </a:solidFill>
+                <a:effectLst/>
+                <a:latin typeface="+mn-lt"/>
+                <a:ea typeface="+mn-ea"/>
+                <a:cs typeface="+mn-cs"/>
+              </a:rPr>
+              <a:t>, la situación es crítica. La información clínica de los pacientes es almacenada electrónicamente, y esto permite que las autoridades envíen registros de enfermedades a investigadores; en muchas ocasiones esto incluye los nombres y direcciones de los pacientes, sin su consentimiento explícito.</a:t>
+            </a:r>
+            <a:endParaRPr lang="en-US" sz="1200" kern="1200" dirty="0" smtClean="0">
+              <a:solidFill>
+                <a:schemeClr val="tx1"/>
+              </a:solidFill>
+              <a:effectLst/>
+              <a:latin typeface="+mn-lt"/>
+              <a:ea typeface="+mn-ea"/>
+              <a:cs typeface="+mn-cs"/>
+            </a:endParaRPr>
+          </a:p>
+          <a:p>
             <a:endParaRPr lang="en-US" dirty="0"/>
           </a:p>
         </p:txBody>
@@ -2548,7 +2457,7 @@
             <a:fld id="{F93199CD-3E1B-4AE6-990F-76F925F5EA9F}" type="slidenum">
               <a:rPr lang="en-US" smtClean="0"/>
               <a:pPr/>
-              <a:t>27</a:t>
+              <a:t>28</a:t>
             </a:fld>
             <a:endParaRPr lang="en-US"/>
           </a:p>
@@ -2557,7 +2466,7 @@
     </p:spTree>
     <p:extLst>
       <p:ext uri="{BB962C8B-B14F-4D97-AF65-F5344CB8AC3E}">
-        <p14:creationId xmlns:p14="http://schemas.microsoft.com/office/powerpoint/2010/main" val="655676726"/>
+        <p14:creationId xmlns:p14="http://schemas.microsoft.com/office/powerpoint/2010/main" xmlns="" val="3805029774"/>
       </p:ext>
     </p:extLst>
   </p:cSld>
@@ -2616,185 +2525,179 @@
               <a:buChar char="•"/>
             </a:pPr>
             <a:r>
-              <a:rPr lang="es-AR" sz="1200" kern="1200" dirty="0" smtClean="0">
-                <a:solidFill>
-                  <a:schemeClr val="tx1"/>
-                </a:solidFill>
-                <a:effectLst/>
-                <a:latin typeface="+mn-lt"/>
-                <a:ea typeface="+mn-ea"/>
-                <a:cs typeface="+mn-cs"/>
-              </a:rPr>
-              <a:t>Origen interno como externo.</a:t>
-            </a:r>
-            <a:endParaRPr lang="en-US" sz="1200" kern="1200" dirty="0" smtClean="0">
-              <a:solidFill>
-                <a:schemeClr val="tx1"/>
-              </a:solidFill>
-              <a:effectLst/>
-              <a:latin typeface="+mn-lt"/>
-              <a:ea typeface="+mn-ea"/>
-              <a:cs typeface="+mn-cs"/>
-            </a:endParaRPr>
-          </a:p>
-          <a:p>
-            <a:pPr marL="171450" lvl="0" indent="-171450">
+              <a:rPr lang="es-AR" b="1" dirty="0" smtClean="0"/>
+              <a:t>WikiLeaks</a:t>
+            </a:r>
+            <a:r>
+              <a:rPr lang="es-AR" dirty="0" smtClean="0"/>
+              <a:t> provee acceso publico a documentos</a:t>
+            </a:r>
+            <a:r>
+              <a:rPr lang="es-AR" baseline="0" dirty="0" smtClean="0"/>
+              <a:t> confidenciales, protegiendo a quienes los envían</a:t>
+            </a:r>
+          </a:p>
+          <a:p>
+            <a:pPr marL="171450" indent="-171450">
               <a:buFont typeface="Arial" panose="020B0604020202020204" pitchFamily="34" charset="0"/>
               <a:buChar char="•"/>
             </a:pPr>
-            <a:endParaRPr lang="es-AR" u="none" strike="noStrike" dirty="0" smtClean="0">
-              <a:effectLst/>
-            </a:endParaRPr>
-          </a:p>
-          <a:p>
-            <a:pPr marL="171450" lvl="0" indent="-171450">
+            <a:r>
+              <a:rPr lang="es-AR" baseline="0" dirty="0" smtClean="0"/>
+              <a:t>2013 se publican 1,7 millones de documentos</a:t>
+            </a:r>
+          </a:p>
+          <a:p>
+            <a:pPr marL="171450" indent="-171450">
               <a:buFont typeface="Arial" panose="020B0604020202020204" pitchFamily="34" charset="0"/>
               <a:buChar char="•"/>
             </a:pPr>
             <a:r>
-              <a:rPr lang="es-AR" u="none" strike="noStrike" dirty="0" smtClean="0">
-                <a:effectLst/>
-              </a:rPr>
-              <a:t>Usuarios: los usuarios pueden ser intencional o </a:t>
-            </a:r>
-            <a:r>
-              <a:rPr lang="es-AR" u="none" strike="noStrike" dirty="0" err="1" smtClean="0">
-                <a:effectLst/>
-              </a:rPr>
-              <a:t>inintencionalmente</a:t>
-            </a:r>
-            <a:r>
-              <a:rPr lang="es-AR" u="none" strike="noStrike" dirty="0" smtClean="0">
-                <a:effectLst/>
-              </a:rPr>
-              <a:t> responsables de fugas de información. </a:t>
-            </a:r>
-          </a:p>
-          <a:p>
-            <a:pPr marL="171450" lvl="0" indent="-171450">
+              <a:rPr lang="es-AR" baseline="0" dirty="0" smtClean="0"/>
+              <a:t>Estados Unidos acusa a </a:t>
+            </a:r>
+            <a:r>
+              <a:rPr lang="es-AR" baseline="0" dirty="0" err="1" smtClean="0"/>
+              <a:t>Snowden</a:t>
+            </a:r>
+            <a:r>
+              <a:rPr lang="es-AR" baseline="0" dirty="0" smtClean="0"/>
+              <a:t> de espionaje y robo de propiedad del gobierno</a:t>
+            </a:r>
+          </a:p>
+          <a:p>
+            <a:pPr marL="171450" indent="-171450">
               <a:buFont typeface="Arial" panose="020B0604020202020204" pitchFamily="34" charset="0"/>
               <a:buChar char="•"/>
             </a:pPr>
             <a:r>
-              <a:rPr lang="es-AR" u="none" strike="noStrike" dirty="0" smtClean="0">
-                <a:effectLst/>
-              </a:rPr>
-              <a:t>No se definieron bien sus perfiles de acceso.</a:t>
-            </a:r>
-            <a:endParaRPr lang="en-US" u="none" strike="noStrike" dirty="0" smtClean="0">
-              <a:effectLst/>
-            </a:endParaRPr>
-          </a:p>
-          <a:p>
-            <a:pPr marL="171450" lvl="0" indent="-171450">
+              <a:rPr lang="es-AR" baseline="0" dirty="0" err="1" smtClean="0"/>
+              <a:t>Snowden</a:t>
+            </a:r>
+            <a:r>
+              <a:rPr lang="es-AR" baseline="0" dirty="0" smtClean="0"/>
+              <a:t> recibe asilo temporal en Rusia </a:t>
+            </a:r>
+            <a:r>
+              <a:rPr lang="es-AR" baseline="0" dirty="0" smtClean="0">
+                <a:sym typeface="Wingdings" panose="05000000000000000000" pitchFamily="2" charset="2"/>
+              </a:rPr>
+              <a:t> complica relaciones internacionales</a:t>
+            </a:r>
+          </a:p>
+          <a:p>
+            <a:pPr marL="171450" indent="-171450">
               <a:buFont typeface="Arial" panose="020B0604020202020204" pitchFamily="34" charset="0"/>
               <a:buChar char="•"/>
             </a:pPr>
-            <a:r>
-              <a:rPr lang="es-AR" u="none" strike="noStrike" dirty="0" smtClean="0">
-                <a:effectLst/>
-              </a:rPr>
-              <a:t>Programas maliciosos: son instalados intencionalmente o por error. Pueden dañar los datos existentes, abrir la puerta a intrusos, impedir accesos a programas, enviar información a un tercero, etc.</a:t>
-            </a:r>
-            <a:endParaRPr lang="en-US" u="none" strike="noStrike" dirty="0" smtClean="0">
-              <a:effectLst/>
+            <a:endParaRPr lang="es-AR" baseline="0" dirty="0" smtClean="0">
+              <a:sym typeface="Wingdings" panose="05000000000000000000" pitchFamily="2" charset="2"/>
             </a:endParaRPr>
           </a:p>
           <a:p>
-            <a:pPr marL="171450" lvl="0" indent="-171450">
+            <a:pPr marL="171450" indent="-171450">
               <a:buFont typeface="Arial" panose="020B0604020202020204" pitchFamily="34" charset="0"/>
               <a:buChar char="•"/>
             </a:pPr>
             <a:r>
-              <a:rPr lang="es-AR" u="none" strike="noStrike" dirty="0" smtClean="0">
-                <a:effectLst/>
-              </a:rPr>
-              <a:t>Errores de programación: errores o fallas en programación que pueden dar libre acceso a crackers. </a:t>
-            </a:r>
-          </a:p>
-          <a:p>
-            <a:pPr marL="171450" lvl="0" indent="-171450">
+              <a:rPr lang="es-AR" b="1" baseline="0" dirty="0" smtClean="0">
+                <a:sym typeface="Wingdings" panose="05000000000000000000" pitchFamily="2" charset="2"/>
+              </a:rPr>
+              <a:t>Robo de iCloud: </a:t>
+            </a:r>
+            <a:r>
+              <a:rPr lang="es-AR" baseline="0" dirty="0" smtClean="0">
+                <a:sym typeface="Wingdings" panose="05000000000000000000" pitchFamily="2" charset="2"/>
+              </a:rPr>
+              <a:t>no fue por vulnerabilidades, sino por ataques por fuerza bruta a las contraseñas</a:t>
+            </a:r>
+          </a:p>
+          <a:p>
+            <a:pPr marL="171450" indent="-171450">
               <a:buFont typeface="Arial" panose="020B0604020202020204" pitchFamily="34" charset="0"/>
               <a:buChar char="•"/>
             </a:pPr>
-            <a:r>
-              <a:rPr lang="es-AR" u="none" strike="noStrike" dirty="0" smtClean="0">
-                <a:effectLst/>
-              </a:rPr>
-              <a:t>Accesos no autorizados/intrusos: un tercero no autorizado que accede a la información dentro de una computadora. </a:t>
-            </a:r>
-          </a:p>
-          <a:p>
-            <a:pPr marL="171450" lvl="0" indent="-171450">
+            <a:endParaRPr lang="es-AR" baseline="0" dirty="0" smtClean="0">
+              <a:sym typeface="Wingdings" panose="05000000000000000000" pitchFamily="2" charset="2"/>
+            </a:endParaRPr>
+          </a:p>
+          <a:p>
+            <a:pPr marL="171450" indent="-171450">
               <a:buFont typeface="Arial" panose="020B0604020202020204" pitchFamily="34" charset="0"/>
               <a:buChar char="•"/>
             </a:pPr>
             <a:r>
-              <a:rPr lang="es-AR" u="none" strike="noStrike" dirty="0" smtClean="0">
-                <a:effectLst/>
-              </a:rPr>
-              <a:t>Robos de componentes de hardware (discos o memoria) que contienen información</a:t>
-            </a:r>
-            <a:endParaRPr lang="en-US" u="none" strike="noStrike" dirty="0" smtClean="0">
-              <a:effectLst/>
-            </a:endParaRPr>
-          </a:p>
-          <a:p>
-            <a:pPr marL="171450" lvl="0" indent="-171450">
+              <a:rPr lang="es-AR" b="1" baseline="0" dirty="0" err="1" smtClean="0">
+                <a:sym typeface="Wingdings" panose="05000000000000000000" pitchFamily="2" charset="2"/>
+              </a:rPr>
+              <a:t>Heartbleed</a:t>
+            </a:r>
+            <a:r>
+              <a:rPr lang="es-AR" baseline="0" dirty="0" smtClean="0">
+                <a:sym typeface="Wingdings" panose="05000000000000000000" pitchFamily="2" charset="2"/>
+              </a:rPr>
+              <a:t>: bug de la librería </a:t>
+            </a:r>
+            <a:r>
+              <a:rPr lang="es-AR" baseline="0" dirty="0" err="1" smtClean="0">
+                <a:sym typeface="Wingdings" panose="05000000000000000000" pitchFamily="2" charset="2"/>
+              </a:rPr>
+              <a:t>OpenSSL</a:t>
+            </a:r>
+            <a:r>
+              <a:rPr lang="es-AR" baseline="0" dirty="0" smtClean="0">
+                <a:sym typeface="Wingdings" panose="05000000000000000000" pitchFamily="2" charset="2"/>
+              </a:rPr>
+              <a:t> de código abierto</a:t>
+            </a:r>
+          </a:p>
+          <a:p>
+            <a:pPr marL="171450" indent="-171450">
               <a:buFont typeface="Arial" panose="020B0604020202020204" pitchFamily="34" charset="0"/>
               <a:buChar char="•"/>
             </a:pPr>
             <a:r>
-              <a:rPr lang="es-AR" u="none" strike="noStrike" dirty="0" smtClean="0">
-                <a:effectLst/>
-              </a:rPr>
-              <a:t>Desastres no previstos &amp;</a:t>
-            </a:r>
-            <a:r>
-              <a:rPr lang="es-AR" u="none" strike="noStrike" baseline="0" dirty="0" smtClean="0">
-                <a:effectLst/>
-              </a:rPr>
-              <a:t> fallos de hardware</a:t>
-            </a:r>
-            <a:r>
-              <a:rPr lang="es-AR" u="none" strike="noStrike" dirty="0" smtClean="0">
-                <a:effectLst/>
-              </a:rPr>
-              <a:t> </a:t>
-            </a:r>
-            <a:r>
-              <a:rPr lang="es-AR" u="none" strike="noStrike" dirty="0" smtClean="0">
-                <a:effectLst/>
+              <a:rPr lang="es-AR" baseline="0" dirty="0" smtClean="0">
                 <a:sym typeface="Wingdings" panose="05000000000000000000" pitchFamily="2" charset="2"/>
               </a:rPr>
-              <a:t> </a:t>
-            </a:r>
-            <a:r>
-              <a:rPr lang="es-AR" u="none" strike="noStrike" dirty="0" smtClean="0">
-                <a:effectLst/>
-              </a:rPr>
-              <a:t>pérdida de información irrecuperable.</a:t>
-            </a:r>
-            <a:endParaRPr lang="en-US" u="none" strike="noStrike" dirty="0" smtClean="0">
-              <a:effectLst/>
-            </a:endParaRPr>
-          </a:p>
-          <a:p>
-            <a:pPr marL="171450" lvl="0" indent="-171450">
+              <a:t>Permite a los atacantes leer la memoria de un servidor o un cliente, extrayendo </a:t>
+            </a:r>
+            <a:r>
+              <a:rPr lang="es-AR" baseline="0" dirty="0" err="1" smtClean="0">
+                <a:sym typeface="Wingdings" panose="05000000000000000000" pitchFamily="2" charset="2"/>
+              </a:rPr>
+              <a:t>asi</a:t>
+            </a:r>
+            <a:r>
+              <a:rPr lang="es-AR" baseline="0" dirty="0" smtClean="0">
+                <a:sym typeface="Wingdings" panose="05000000000000000000" pitchFamily="2" charset="2"/>
+              </a:rPr>
+              <a:t> claves privadas</a:t>
+            </a:r>
+          </a:p>
+          <a:p>
+            <a:pPr marL="171450" indent="-171450">
               <a:buFont typeface="Arial" panose="020B0604020202020204" pitchFamily="34" charset="0"/>
               <a:buChar char="•"/>
             </a:pPr>
             <a:r>
-              <a:rPr lang="es-AR" u="none" strike="noStrike" dirty="0" smtClean="0">
-                <a:effectLst/>
-              </a:rPr>
-              <a:t>Personal interno de la roba información para venderla a la competencia.</a:t>
-            </a:r>
-            <a:endParaRPr lang="en-US" u="none" strike="noStrike" dirty="0" smtClean="0">
-              <a:effectLst/>
-            </a:endParaRPr>
-          </a:p>
-          <a:p>
+              <a:rPr lang="es-AR" baseline="0" dirty="0" smtClean="0">
+                <a:sym typeface="Wingdings" panose="05000000000000000000" pitchFamily="2" charset="2"/>
+              </a:rPr>
+              <a:t>El atacante no deja rastros</a:t>
+            </a:r>
+          </a:p>
+          <a:p>
+            <a:pPr marL="171450" indent="-171450">
+              <a:buFont typeface="Arial" panose="020B0604020202020204" pitchFamily="34" charset="0"/>
+              <a:buChar char="•"/>
+            </a:pPr>
+            <a:r>
+              <a:rPr lang="es-AR" baseline="0" dirty="0" smtClean="0">
+                <a:sym typeface="Wingdings" panose="05000000000000000000" pitchFamily="2" charset="2"/>
+              </a:rPr>
+              <a:t>Oportunidad para que las empresas actualicen su software</a:t>
+            </a:r>
             <a:endParaRPr lang="en-US" dirty="0"/>
           </a:p>
         </p:txBody>
@@ -2817,7 +2720,7 @@
             <a:fld id="{F93199CD-3E1B-4AE6-990F-76F925F5EA9F}" type="slidenum">
               <a:rPr lang="en-US" smtClean="0"/>
               <a:pPr/>
-              <a:t>28</a:t>
+              <a:t>29</a:t>
             </a:fld>
             <a:endParaRPr lang="en-US"/>
           </a:p>
@@ -2826,7 +2729,7 @@
     </p:spTree>
     <p:extLst>
       <p:ext uri="{BB962C8B-B14F-4D97-AF65-F5344CB8AC3E}">
-        <p14:creationId xmlns:p14="http://schemas.microsoft.com/office/powerpoint/2010/main" val="1629614161"/>
+        <p14:creationId xmlns:p14="http://schemas.microsoft.com/office/powerpoint/2010/main" xmlns="" val="655676726"/>
       </p:ext>
     </p:extLst>
   </p:cSld>
@@ -2894,6 +2797,275 @@
                 <a:ea typeface="+mn-ea"/>
                 <a:cs typeface="+mn-cs"/>
               </a:rPr>
+              <a:t>Origen interno como externo.</a:t>
+            </a:r>
+            <a:endParaRPr lang="en-US" sz="1200" kern="1200" dirty="0" smtClean="0">
+              <a:solidFill>
+                <a:schemeClr val="tx1"/>
+              </a:solidFill>
+              <a:effectLst/>
+              <a:latin typeface="+mn-lt"/>
+              <a:ea typeface="+mn-ea"/>
+              <a:cs typeface="+mn-cs"/>
+            </a:endParaRPr>
+          </a:p>
+          <a:p>
+            <a:pPr marL="171450" lvl="0" indent="-171450">
+              <a:buFont typeface="Arial" panose="020B0604020202020204" pitchFamily="34" charset="0"/>
+              <a:buChar char="•"/>
+            </a:pPr>
+            <a:endParaRPr lang="es-AR" u="none" strike="noStrike" dirty="0" smtClean="0">
+              <a:effectLst/>
+            </a:endParaRPr>
+          </a:p>
+          <a:p>
+            <a:pPr marL="171450" lvl="0" indent="-171450">
+              <a:buFont typeface="Arial" panose="020B0604020202020204" pitchFamily="34" charset="0"/>
+              <a:buChar char="•"/>
+            </a:pPr>
+            <a:r>
+              <a:rPr lang="es-AR" u="none" strike="noStrike" dirty="0" smtClean="0">
+                <a:effectLst/>
+              </a:rPr>
+              <a:t>Usuarios: los usuarios pueden ser intencional o </a:t>
+            </a:r>
+            <a:r>
+              <a:rPr lang="es-AR" u="none" strike="noStrike" dirty="0" err="1" smtClean="0">
+                <a:effectLst/>
+              </a:rPr>
+              <a:t>inintencionalmente</a:t>
+            </a:r>
+            <a:r>
+              <a:rPr lang="es-AR" u="none" strike="noStrike" dirty="0" smtClean="0">
+                <a:effectLst/>
+              </a:rPr>
+              <a:t> responsables de fugas de información. </a:t>
+            </a:r>
+          </a:p>
+          <a:p>
+            <a:pPr marL="171450" lvl="0" indent="-171450">
+              <a:buFont typeface="Arial" panose="020B0604020202020204" pitchFamily="34" charset="0"/>
+              <a:buChar char="•"/>
+            </a:pPr>
+            <a:r>
+              <a:rPr lang="es-AR" u="none" strike="noStrike" dirty="0" smtClean="0">
+                <a:effectLst/>
+              </a:rPr>
+              <a:t>No se definieron bien sus perfiles de acceso.</a:t>
+            </a:r>
+            <a:endParaRPr lang="en-US" u="none" strike="noStrike" dirty="0" smtClean="0">
+              <a:effectLst/>
+            </a:endParaRPr>
+          </a:p>
+          <a:p>
+            <a:pPr marL="171450" lvl="0" indent="-171450">
+              <a:buFont typeface="Arial" panose="020B0604020202020204" pitchFamily="34" charset="0"/>
+              <a:buChar char="•"/>
+            </a:pPr>
+            <a:r>
+              <a:rPr lang="es-AR" u="none" strike="noStrike" dirty="0" smtClean="0">
+                <a:effectLst/>
+              </a:rPr>
+              <a:t>Programas maliciosos: son instalados intencionalmente o por error. Pueden dañar los datos existentes, abrir la puerta a intrusos, impedir accesos a programas, enviar información a un tercero, etc.</a:t>
+            </a:r>
+            <a:endParaRPr lang="en-US" u="none" strike="noStrike" dirty="0" smtClean="0">
+              <a:effectLst/>
+            </a:endParaRPr>
+          </a:p>
+          <a:p>
+            <a:pPr marL="171450" lvl="0" indent="-171450">
+              <a:buFont typeface="Arial" panose="020B0604020202020204" pitchFamily="34" charset="0"/>
+              <a:buChar char="•"/>
+            </a:pPr>
+            <a:r>
+              <a:rPr lang="es-AR" u="none" strike="noStrike" dirty="0" smtClean="0">
+                <a:effectLst/>
+              </a:rPr>
+              <a:t>Errores de programación: errores o fallas en programación que pueden dar libre acceso a crackers. </a:t>
+            </a:r>
+          </a:p>
+          <a:p>
+            <a:pPr marL="171450" lvl="0" indent="-171450">
+              <a:buFont typeface="Arial" panose="020B0604020202020204" pitchFamily="34" charset="0"/>
+              <a:buChar char="•"/>
+            </a:pPr>
+            <a:r>
+              <a:rPr lang="es-AR" u="none" strike="noStrike" dirty="0" smtClean="0">
+                <a:effectLst/>
+              </a:rPr>
+              <a:t>Accesos no autorizados/intrusos: un tercero no autorizado que accede a la información dentro de una computadora. </a:t>
+            </a:r>
+          </a:p>
+          <a:p>
+            <a:pPr marL="171450" lvl="0" indent="-171450">
+              <a:buFont typeface="Arial" panose="020B0604020202020204" pitchFamily="34" charset="0"/>
+              <a:buChar char="•"/>
+            </a:pPr>
+            <a:r>
+              <a:rPr lang="es-AR" u="none" strike="noStrike" dirty="0" smtClean="0">
+                <a:effectLst/>
+              </a:rPr>
+              <a:t>Robos de componentes de hardware (discos o memoria) que contienen información</a:t>
+            </a:r>
+            <a:endParaRPr lang="en-US" u="none" strike="noStrike" dirty="0" smtClean="0">
+              <a:effectLst/>
+            </a:endParaRPr>
+          </a:p>
+          <a:p>
+            <a:pPr marL="171450" lvl="0" indent="-171450">
+              <a:buFont typeface="Arial" panose="020B0604020202020204" pitchFamily="34" charset="0"/>
+              <a:buChar char="•"/>
+            </a:pPr>
+            <a:r>
+              <a:rPr lang="es-AR" u="none" strike="noStrike" dirty="0" smtClean="0">
+                <a:effectLst/>
+              </a:rPr>
+              <a:t>Desastres no previstos &amp;</a:t>
+            </a:r>
+            <a:r>
+              <a:rPr lang="es-AR" u="none" strike="noStrike" baseline="0" dirty="0" smtClean="0">
+                <a:effectLst/>
+              </a:rPr>
+              <a:t> fallos de hardware</a:t>
+            </a:r>
+            <a:r>
+              <a:rPr lang="es-AR" u="none" strike="noStrike" dirty="0" smtClean="0">
+                <a:effectLst/>
+              </a:rPr>
+              <a:t> </a:t>
+            </a:r>
+            <a:r>
+              <a:rPr lang="es-AR" u="none" strike="noStrike" dirty="0" smtClean="0">
+                <a:effectLst/>
+                <a:sym typeface="Wingdings" panose="05000000000000000000" pitchFamily="2" charset="2"/>
+              </a:rPr>
+              <a:t> </a:t>
+            </a:r>
+            <a:r>
+              <a:rPr lang="es-AR" u="none" strike="noStrike" dirty="0" smtClean="0">
+                <a:effectLst/>
+              </a:rPr>
+              <a:t>pérdida de información irrecuperable.</a:t>
+            </a:r>
+            <a:endParaRPr lang="en-US" u="none" strike="noStrike" dirty="0" smtClean="0">
+              <a:effectLst/>
+            </a:endParaRPr>
+          </a:p>
+          <a:p>
+            <a:pPr marL="171450" lvl="0" indent="-171450">
+              <a:buFont typeface="Arial" panose="020B0604020202020204" pitchFamily="34" charset="0"/>
+              <a:buChar char="•"/>
+            </a:pPr>
+            <a:r>
+              <a:rPr lang="es-AR" u="none" strike="noStrike" dirty="0" smtClean="0">
+                <a:effectLst/>
+              </a:rPr>
+              <a:t>Personal interno de la roba información para venderla a la competencia.</a:t>
+            </a:r>
+            <a:endParaRPr lang="en-US" u="none" strike="noStrike" dirty="0" smtClean="0">
+              <a:effectLst/>
+            </a:endParaRPr>
+          </a:p>
+          <a:p>
+            <a:endParaRPr lang="en-US" dirty="0"/>
+          </a:p>
+        </p:txBody>
+      </p:sp>
+      <p:sp>
+        <p:nvSpPr>
+          <p:cNvPr id="4" name="Slide Number Placeholder 3"/>
+          <p:cNvSpPr>
+            <a:spLocks noGrp="1"/>
+          </p:cNvSpPr>
+          <p:nvPr>
+            <p:ph type="sldNum" sz="quarter" idx="10"/>
+          </p:nvPr>
+        </p:nvSpPr>
+        <p:spPr/>
+        <p:txBody>
+          <a:bodyPr/>
+          <a:lstStyle/>
+          <a:p>
+            <a:fld id="{F93199CD-3E1B-4AE6-990F-76F925F5EA9F}" type="slidenum">
+              <a:rPr lang="en-US" smtClean="0"/>
+              <a:pPr/>
+              <a:t>30</a:t>
+            </a:fld>
+            <a:endParaRPr lang="en-US"/>
+          </a:p>
+        </p:txBody>
+      </p:sp>
+    </p:spTree>
+    <p:extLst>
+      <p:ext uri="{BB962C8B-B14F-4D97-AF65-F5344CB8AC3E}">
+        <p14:creationId xmlns:p14="http://schemas.microsoft.com/office/powerpoint/2010/main" xmlns="" val="1629614161"/>
+      </p:ext>
+    </p:extLst>
+  </p:cSld>
+  <p:clrMapOvr>
+    <a:masterClrMapping/>
+  </p:clrMapOvr>
+</p:notes>
+</file>
+
+<file path=ppt/notesSlides/notesSlide8.xml><?xml version="1.0" encoding="utf-8"?>
+<p:notes xmlns:a="http://schemas.openxmlformats.org/drawingml/2006/main" xmlns:r="http://schemas.openxmlformats.org/officeDocument/2006/relationships" xmlns:p="http://schemas.openxmlformats.org/presentationml/2006/main">
+  <p:cSld>
+    <p:spTree>
+      <p:nvGrpSpPr>
+        <p:cNvPr id="1" name=""/>
+        <p:cNvGrpSpPr/>
+        <p:nvPr/>
+      </p:nvGrpSpPr>
+      <p:grpSpPr>
+        <a:xfrm>
+          <a:off x="0" y="0"/>
+          <a:ext cx="0" cy="0"/>
+          <a:chOff x="0" y="0"/>
+          <a:chExt cx="0" cy="0"/>
+        </a:xfrm>
+      </p:grpSpPr>
+      <p:sp>
+        <p:nvSpPr>
+          <p:cNvPr id="2" name="Slide Image Placeholder 1"/>
+          <p:cNvSpPr>
+            <a:spLocks noGrp="1" noRot="1" noChangeAspect="1"/>
+          </p:cNvSpPr>
+          <p:nvPr>
+            <p:ph type="sldImg"/>
+          </p:nvPr>
+        </p:nvSpPr>
+        <p:spPr/>
+      </p:sp>
+      <p:sp>
+        <p:nvSpPr>
+          <p:cNvPr id="3" name="Notes Placeholder 2"/>
+          <p:cNvSpPr>
+            <a:spLocks noGrp="1"/>
+          </p:cNvSpPr>
+          <p:nvPr>
+            <p:ph type="body" idx="1"/>
+          </p:nvPr>
+        </p:nvSpPr>
+        <p:spPr/>
+        <p:txBody>
+          <a:bodyPr/>
+          <a:lstStyle/>
+          <a:p>
+            <a:pPr marL="171450" indent="-171450">
+              <a:buFont typeface="Arial" panose="020B0604020202020204" pitchFamily="34" charset="0"/>
+              <a:buChar char="•"/>
+            </a:pPr>
+            <a:r>
+              <a:rPr lang="es-AR" sz="1200" kern="1200" dirty="0" smtClean="0">
+                <a:solidFill>
+                  <a:schemeClr val="tx1"/>
+                </a:solidFill>
+                <a:effectLst/>
+                <a:latin typeface="+mn-lt"/>
+                <a:ea typeface="+mn-ea"/>
+                <a:cs typeface="+mn-cs"/>
+              </a:rPr>
               <a:t>Una </a:t>
             </a:r>
             <a:r>
@@ -3406,7 +3578,7 @@
             <a:fld id="{F93199CD-3E1B-4AE6-990F-76F925F5EA9F}" type="slidenum">
               <a:rPr lang="en-US" smtClean="0"/>
               <a:pPr/>
-              <a:t>29</a:t>
+              <a:t>31</a:t>
             </a:fld>
             <a:endParaRPr lang="en-US"/>
           </a:p>
@@ -3415,680 +3587,7 @@
     </p:spTree>
     <p:extLst>
       <p:ext uri="{BB962C8B-B14F-4D97-AF65-F5344CB8AC3E}">
-        <p14:creationId xmlns:p14="http://schemas.microsoft.com/office/powerpoint/2010/main" val="2488318766"/>
-      </p:ext>
-    </p:extLst>
-  </p:cSld>
-  <p:clrMapOvr>
-    <a:masterClrMapping/>
-  </p:clrMapOvr>
-</p:notes>
-</file>
-
-<file path=ppt/notesSlides/notesSlide8.xml><?xml version="1.0" encoding="utf-8"?>
-<p:notes xmlns:a="http://schemas.openxmlformats.org/drawingml/2006/main" xmlns:r="http://schemas.openxmlformats.org/officeDocument/2006/relationships" xmlns:p="http://schemas.openxmlformats.org/presentationml/2006/main">
-  <p:cSld>
-    <p:spTree>
-      <p:nvGrpSpPr>
-        <p:cNvPr id="1" name=""/>
-        <p:cNvGrpSpPr/>
-        <p:nvPr/>
-      </p:nvGrpSpPr>
-      <p:grpSpPr>
-        <a:xfrm>
-          <a:off x="0" y="0"/>
-          <a:ext cx="0" cy="0"/>
-          <a:chOff x="0" y="0"/>
-          <a:chExt cx="0" cy="0"/>
-        </a:xfrm>
-      </p:grpSpPr>
-      <p:sp>
-        <p:nvSpPr>
-          <p:cNvPr id="2" name="Slide Image Placeholder 1"/>
-          <p:cNvSpPr>
-            <a:spLocks noGrp="1" noRot="1" noChangeAspect="1"/>
-          </p:cNvSpPr>
-          <p:nvPr>
-            <p:ph type="sldImg"/>
-          </p:nvPr>
-        </p:nvSpPr>
-        <p:spPr/>
-      </p:sp>
-      <p:sp>
-        <p:nvSpPr>
-          <p:cNvPr id="3" name="Notes Placeholder 2"/>
-          <p:cNvSpPr>
-            <a:spLocks noGrp="1"/>
-          </p:cNvSpPr>
-          <p:nvPr>
-            <p:ph type="body" idx="1"/>
-          </p:nvPr>
-        </p:nvSpPr>
-        <p:spPr/>
-        <p:txBody>
-          <a:bodyPr/>
-          <a:lstStyle/>
-          <a:p>
-            <a:r>
-              <a:rPr lang="es-AR" sz="1200" b="1" kern="1200" dirty="0" smtClean="0">
-                <a:solidFill>
-                  <a:schemeClr val="tx1"/>
-                </a:solidFill>
-                <a:effectLst/>
-                <a:latin typeface="+mn-lt"/>
-                <a:ea typeface="+mn-ea"/>
-                <a:cs typeface="+mn-cs"/>
-              </a:rPr>
-              <a:t>Auditorías</a:t>
-            </a:r>
-            <a:endParaRPr lang="en-US" sz="1200" b="1" kern="1200" dirty="0" smtClean="0">
-              <a:solidFill>
-                <a:schemeClr val="tx1"/>
-              </a:solidFill>
-              <a:effectLst/>
-              <a:latin typeface="+mn-lt"/>
-              <a:ea typeface="+mn-ea"/>
-              <a:cs typeface="+mn-cs"/>
-            </a:endParaRPr>
-          </a:p>
-          <a:p>
-            <a:r>
-              <a:rPr lang="es-AR" sz="1200" kern="1200" dirty="0" smtClean="0">
-                <a:solidFill>
-                  <a:schemeClr val="tx1"/>
-                </a:solidFill>
-                <a:effectLst/>
-                <a:latin typeface="+mn-lt"/>
-                <a:ea typeface="+mn-ea"/>
-                <a:cs typeface="+mn-cs"/>
-              </a:rPr>
-              <a:t> </a:t>
-            </a:r>
-            <a:endParaRPr lang="en-US" sz="1200" kern="1200" dirty="0" smtClean="0">
-              <a:solidFill>
-                <a:schemeClr val="tx1"/>
-              </a:solidFill>
-              <a:effectLst/>
-              <a:latin typeface="+mn-lt"/>
-              <a:ea typeface="+mn-ea"/>
-              <a:cs typeface="+mn-cs"/>
-            </a:endParaRPr>
-          </a:p>
-          <a:p>
-            <a:pPr marL="171450" indent="-171450">
-              <a:buFont typeface="Arial" panose="020B0604020202020204" pitchFamily="34" charset="0"/>
-              <a:buChar char="•"/>
-            </a:pPr>
-            <a:r>
-              <a:rPr lang="es-AR" sz="1200" kern="1200" dirty="0" smtClean="0">
-                <a:solidFill>
-                  <a:schemeClr val="tx1"/>
-                </a:solidFill>
-                <a:effectLst/>
-                <a:latin typeface="+mn-lt"/>
-                <a:ea typeface="+mn-ea"/>
-                <a:cs typeface="+mn-cs"/>
-              </a:rPr>
-              <a:t>facilitar la trazabilidad de las acciones de los usuarios</a:t>
-            </a:r>
-          </a:p>
-          <a:p>
-            <a:pPr marL="171450" indent="-171450">
-              <a:buFont typeface="Arial" panose="020B0604020202020204" pitchFamily="34" charset="0"/>
-              <a:buChar char="•"/>
-            </a:pPr>
-            <a:r>
-              <a:rPr lang="es-AR" sz="1200" kern="1200" dirty="0" smtClean="0">
-                <a:solidFill>
-                  <a:schemeClr val="tx1"/>
-                </a:solidFill>
-                <a:effectLst/>
-                <a:latin typeface="+mn-lt"/>
-                <a:ea typeface="+mn-ea"/>
-                <a:cs typeface="+mn-cs"/>
-              </a:rPr>
-              <a:t>generar </a:t>
-            </a:r>
-            <a:r>
-              <a:rPr lang="es-AR" sz="1200" b="1" kern="1200" dirty="0" smtClean="0">
-                <a:solidFill>
-                  <a:schemeClr val="tx1"/>
-                </a:solidFill>
-                <a:effectLst/>
-                <a:latin typeface="+mn-lt"/>
-                <a:ea typeface="+mn-ea"/>
-                <a:cs typeface="+mn-cs"/>
-              </a:rPr>
-              <a:t>registros (</a:t>
-            </a:r>
-            <a:r>
-              <a:rPr lang="es-AR" sz="1200" b="1" i="1" kern="1200" dirty="0" err="1" smtClean="0">
-                <a:solidFill>
-                  <a:schemeClr val="tx1"/>
-                </a:solidFill>
-                <a:effectLst/>
-                <a:latin typeface="+mn-lt"/>
-                <a:ea typeface="+mn-ea"/>
-                <a:cs typeface="+mn-cs"/>
-              </a:rPr>
-              <a:t>logs</a:t>
-            </a:r>
-            <a:r>
-              <a:rPr lang="es-AR" sz="1200" b="1" kern="1200" dirty="0" smtClean="0">
-                <a:solidFill>
-                  <a:schemeClr val="tx1"/>
-                </a:solidFill>
-                <a:effectLst/>
-                <a:latin typeface="+mn-lt"/>
-                <a:ea typeface="+mn-ea"/>
-                <a:cs typeface="+mn-cs"/>
-              </a:rPr>
-              <a:t>) de las acciones importantes</a:t>
-            </a:r>
-            <a:r>
-              <a:rPr lang="es-AR" sz="1200" kern="1200" dirty="0" smtClean="0">
-                <a:solidFill>
-                  <a:schemeClr val="tx1"/>
-                </a:solidFill>
-                <a:effectLst/>
-                <a:latin typeface="+mn-lt"/>
-                <a:ea typeface="+mn-ea"/>
-                <a:cs typeface="+mn-cs"/>
-              </a:rPr>
-              <a:t> que se hayan definido, </a:t>
-            </a:r>
-          </a:p>
-          <a:p>
-            <a:pPr marL="171450" indent="-171450">
-              <a:buFont typeface="Arial" panose="020B0604020202020204" pitchFamily="34" charset="0"/>
-              <a:buChar char="•"/>
-            </a:pPr>
-            <a:r>
-              <a:rPr lang="es-AR" sz="1200" kern="1200" dirty="0" smtClean="0">
-                <a:solidFill>
-                  <a:schemeClr val="tx1"/>
-                </a:solidFill>
-                <a:effectLst/>
-                <a:latin typeface="+mn-lt"/>
-                <a:ea typeface="+mn-ea"/>
-                <a:cs typeface="+mn-cs"/>
-              </a:rPr>
-              <a:t>vinculación entre las personas y sus accesos </a:t>
-            </a:r>
-          </a:p>
-          <a:p>
-            <a:pPr marL="171450" indent="-171450">
-              <a:buFont typeface="Arial" panose="020B0604020202020204" pitchFamily="34" charset="0"/>
-              <a:buChar char="•"/>
-            </a:pPr>
-            <a:r>
-              <a:rPr lang="es-AR" sz="1200" kern="1200" dirty="0" smtClean="0">
-                <a:solidFill>
-                  <a:schemeClr val="tx1"/>
-                </a:solidFill>
-                <a:effectLst/>
-                <a:latin typeface="+mn-lt"/>
-                <a:ea typeface="+mn-ea"/>
-                <a:cs typeface="+mn-cs"/>
-              </a:rPr>
-              <a:t>puede evitar la fuga de información, ya que en caso de filtrarse hacia el exterior, se podría señalar de manera directa a todos aquellos que tuvieron acceso y se podría analizar su uso previo al incidente, obteniendo posibles conclusiones y responsables</a:t>
-            </a:r>
-          </a:p>
-          <a:p>
-            <a:pPr marL="171450" indent="-171450">
-              <a:buFont typeface="Arial" panose="020B0604020202020204" pitchFamily="34" charset="0"/>
-              <a:buChar char="•"/>
-            </a:pPr>
-            <a:endParaRPr lang="es-AR" sz="1200" b="1" kern="1200" dirty="0" smtClean="0">
-              <a:solidFill>
-                <a:schemeClr val="tx1"/>
-              </a:solidFill>
-              <a:effectLst/>
-              <a:latin typeface="+mn-lt"/>
-              <a:ea typeface="+mn-ea"/>
-              <a:cs typeface="+mn-cs"/>
-            </a:endParaRPr>
-          </a:p>
-          <a:p>
-            <a:r>
-              <a:rPr lang="es-AR" sz="1200" b="1" kern="1200" dirty="0" smtClean="0">
-                <a:solidFill>
-                  <a:schemeClr val="tx1"/>
-                </a:solidFill>
-                <a:effectLst/>
-                <a:latin typeface="+mn-lt"/>
-                <a:ea typeface="+mn-ea"/>
-                <a:cs typeface="+mn-cs"/>
-              </a:rPr>
-              <a:t>Utilización de estándares internacionales</a:t>
-            </a:r>
-            <a:endParaRPr lang="en-US" sz="1200" b="1" kern="1200" dirty="0" smtClean="0">
-              <a:solidFill>
-                <a:schemeClr val="tx1"/>
-              </a:solidFill>
-              <a:effectLst/>
-              <a:latin typeface="+mn-lt"/>
-              <a:ea typeface="+mn-ea"/>
-              <a:cs typeface="+mn-cs"/>
-            </a:endParaRPr>
-          </a:p>
-          <a:p>
-            <a:pPr marL="171450" indent="-171450">
-              <a:buFont typeface="Arial" panose="020B0604020202020204" pitchFamily="34" charset="0"/>
-              <a:buChar char="•"/>
-            </a:pPr>
-            <a:r>
-              <a:rPr lang="es-AR" sz="1200" kern="1200" dirty="0" smtClean="0">
-                <a:solidFill>
-                  <a:schemeClr val="tx1"/>
-                </a:solidFill>
-                <a:effectLst/>
-                <a:latin typeface="+mn-lt"/>
-                <a:ea typeface="+mn-ea"/>
-                <a:cs typeface="+mn-cs"/>
-              </a:rPr>
-              <a:t>de alcance internacional, y normativas vinculadas a lo que se quiera organizar. </a:t>
-            </a:r>
-          </a:p>
-          <a:p>
-            <a:pPr marL="171450" indent="-171450">
-              <a:buFont typeface="Arial" panose="020B0604020202020204" pitchFamily="34" charset="0"/>
-              <a:buChar char="•"/>
-            </a:pPr>
-            <a:r>
-              <a:rPr lang="es-AR" sz="1200" kern="1200" dirty="0" smtClean="0">
-                <a:solidFill>
-                  <a:schemeClr val="tx1"/>
-                </a:solidFill>
-                <a:effectLst/>
-                <a:latin typeface="+mn-lt"/>
-                <a:ea typeface="+mn-ea"/>
-                <a:cs typeface="+mn-cs"/>
-              </a:rPr>
-              <a:t>La fuga de información está contemplada dentro de la gestión de la seguridad, y como tal se describen contramedidas y técnicas en distintos estándares. </a:t>
-            </a:r>
-          </a:p>
-          <a:p>
-            <a:pPr marL="171450" indent="-171450">
-              <a:buFont typeface="Arial" panose="020B0604020202020204" pitchFamily="34" charset="0"/>
-              <a:buChar char="•"/>
-            </a:pPr>
-            <a:r>
-              <a:rPr lang="es-AR" sz="1200" kern="1200" dirty="0" smtClean="0">
-                <a:solidFill>
-                  <a:schemeClr val="tx1"/>
-                </a:solidFill>
-                <a:effectLst/>
-                <a:latin typeface="+mn-lt"/>
-                <a:ea typeface="+mn-ea"/>
-                <a:cs typeface="+mn-cs"/>
-              </a:rPr>
-              <a:t>normas ISO 27000, que está especialmente dedicada a seguridad de la información</a:t>
-            </a:r>
-          </a:p>
-          <a:p>
-            <a:pPr marL="628650" lvl="1" indent="-171450">
-              <a:buFont typeface="Arial" panose="020B0604020202020204" pitchFamily="34" charset="0"/>
-              <a:buChar char="•"/>
-            </a:pPr>
-            <a:r>
-              <a:rPr lang="es-AR" sz="1200" kern="1200" dirty="0" smtClean="0">
-                <a:solidFill>
-                  <a:schemeClr val="tx1"/>
-                </a:solidFill>
-                <a:effectLst/>
-                <a:latin typeface="+mn-lt"/>
-                <a:ea typeface="+mn-ea"/>
-                <a:cs typeface="+mn-cs"/>
-              </a:rPr>
-              <a:t>27001, requisitos para implementar un sistema de gestión de seguridad,</a:t>
-            </a:r>
-          </a:p>
-          <a:p>
-            <a:pPr marL="628650" lvl="1" indent="-171450">
-              <a:buFont typeface="Arial" panose="020B0604020202020204" pitchFamily="34" charset="0"/>
-              <a:buChar char="•"/>
-            </a:pPr>
-            <a:r>
-              <a:rPr lang="es-AR" sz="1200" kern="1200" dirty="0" smtClean="0">
-                <a:solidFill>
-                  <a:schemeClr val="tx1"/>
-                </a:solidFill>
-                <a:effectLst/>
-                <a:latin typeface="+mn-lt"/>
-                <a:ea typeface="+mn-ea"/>
-                <a:cs typeface="+mn-cs"/>
-              </a:rPr>
-              <a:t>27002 define las mejores prácticas</a:t>
-            </a:r>
-          </a:p>
-          <a:p>
-            <a:pPr marL="628650" lvl="1" indent="-171450">
-              <a:buFont typeface="Arial" panose="020B0604020202020204" pitchFamily="34" charset="0"/>
-              <a:buChar char="•"/>
-            </a:pPr>
-            <a:r>
-              <a:rPr lang="es-AR" sz="1200" kern="1200" dirty="0" smtClean="0">
-                <a:solidFill>
-                  <a:schemeClr val="tx1"/>
-                </a:solidFill>
-                <a:effectLst/>
-                <a:latin typeface="+mn-lt"/>
-                <a:ea typeface="+mn-ea"/>
-                <a:cs typeface="+mn-cs"/>
-              </a:rPr>
-              <a:t>27004 métricas</a:t>
-            </a:r>
-          </a:p>
-          <a:p>
-            <a:pPr marL="628650" lvl="1" indent="-171450">
-              <a:buFont typeface="Arial" panose="020B0604020202020204" pitchFamily="34" charset="0"/>
-              <a:buChar char="•"/>
-            </a:pPr>
-            <a:r>
-              <a:rPr lang="es-AR" sz="1200" kern="1200" dirty="0" smtClean="0">
-                <a:solidFill>
-                  <a:schemeClr val="tx1"/>
-                </a:solidFill>
-                <a:effectLst/>
-                <a:latin typeface="+mn-lt"/>
-                <a:ea typeface="+mn-ea"/>
-                <a:cs typeface="+mn-cs"/>
-              </a:rPr>
-              <a:t>27005 gestión de riesgos, entre otras</a:t>
-            </a:r>
-            <a:endParaRPr lang="en-US" sz="1200" kern="1200" dirty="0" smtClean="0">
-              <a:solidFill>
-                <a:schemeClr val="tx1"/>
-              </a:solidFill>
-              <a:effectLst/>
-              <a:latin typeface="+mn-lt"/>
-              <a:ea typeface="+mn-ea"/>
-              <a:cs typeface="+mn-cs"/>
-            </a:endParaRPr>
-          </a:p>
-          <a:p>
-            <a:r>
-              <a:rPr lang="es-AR" sz="1200" kern="1200" dirty="0" smtClean="0">
-                <a:solidFill>
-                  <a:schemeClr val="tx1"/>
-                </a:solidFill>
-                <a:effectLst/>
-                <a:latin typeface="+mn-lt"/>
-                <a:ea typeface="+mn-ea"/>
-                <a:cs typeface="+mn-cs"/>
-              </a:rPr>
-              <a:t> </a:t>
-            </a:r>
-            <a:endParaRPr lang="en-US" sz="1200" kern="1200" dirty="0" smtClean="0">
-              <a:solidFill>
-                <a:schemeClr val="tx1"/>
-              </a:solidFill>
-              <a:effectLst/>
-              <a:latin typeface="+mn-lt"/>
-              <a:ea typeface="+mn-ea"/>
-              <a:cs typeface="+mn-cs"/>
-            </a:endParaRPr>
-          </a:p>
-          <a:p>
-            <a:r>
-              <a:rPr lang="es-AR" sz="1200" b="1" kern="1200" dirty="0" smtClean="0">
-                <a:solidFill>
-                  <a:schemeClr val="tx1"/>
-                </a:solidFill>
-                <a:effectLst/>
-                <a:latin typeface="+mn-lt"/>
-                <a:ea typeface="+mn-ea"/>
-                <a:cs typeface="+mn-cs"/>
-              </a:rPr>
-              <a:t>Uso de </a:t>
-            </a:r>
-            <a:r>
-              <a:rPr lang="es-AR" sz="1200" b="1" i="1" kern="1200" dirty="0" err="1" smtClean="0">
-                <a:solidFill>
-                  <a:schemeClr val="tx1"/>
-                </a:solidFill>
-                <a:effectLst/>
-                <a:latin typeface="+mn-lt"/>
-                <a:ea typeface="+mn-ea"/>
-                <a:cs typeface="+mn-cs"/>
-              </a:rPr>
-              <a:t>code</a:t>
-            </a:r>
-            <a:r>
-              <a:rPr lang="es-AR" sz="1200" b="1" i="1" kern="1200" dirty="0" smtClean="0">
-                <a:solidFill>
-                  <a:schemeClr val="tx1"/>
-                </a:solidFill>
-                <a:effectLst/>
-                <a:latin typeface="+mn-lt"/>
-                <a:ea typeface="+mn-ea"/>
-                <a:cs typeface="+mn-cs"/>
-              </a:rPr>
-              <a:t> </a:t>
-            </a:r>
-            <a:r>
-              <a:rPr lang="es-AR" sz="1200" b="1" i="1" kern="1200" dirty="0" err="1" smtClean="0">
-                <a:solidFill>
-                  <a:schemeClr val="tx1"/>
-                </a:solidFill>
-                <a:effectLst/>
-                <a:latin typeface="+mn-lt"/>
-                <a:ea typeface="+mn-ea"/>
-                <a:cs typeface="+mn-cs"/>
-              </a:rPr>
-              <a:t>names</a:t>
-            </a:r>
-            <a:r>
-              <a:rPr lang="es-AR" sz="1200" b="1" i="1" kern="1200" dirty="0" smtClean="0">
-                <a:solidFill>
-                  <a:schemeClr val="tx1"/>
-                </a:solidFill>
-                <a:effectLst/>
-                <a:latin typeface="+mn-lt"/>
-                <a:ea typeface="+mn-ea"/>
-                <a:cs typeface="+mn-cs"/>
-              </a:rPr>
-              <a:t> </a:t>
-            </a:r>
-            <a:r>
-              <a:rPr lang="es-AR" sz="1200" b="1" kern="1200" dirty="0" smtClean="0">
-                <a:solidFill>
-                  <a:schemeClr val="tx1"/>
-                </a:solidFill>
-                <a:effectLst/>
-                <a:latin typeface="+mn-lt"/>
-                <a:ea typeface="+mn-ea"/>
-                <a:cs typeface="+mn-cs"/>
-              </a:rPr>
-              <a:t>para los proyectos</a:t>
-            </a:r>
-            <a:endParaRPr lang="en-US" sz="1200" b="1" kern="1200" dirty="0" smtClean="0">
-              <a:solidFill>
-                <a:schemeClr val="tx1"/>
-              </a:solidFill>
-              <a:effectLst/>
-              <a:latin typeface="+mn-lt"/>
-              <a:ea typeface="+mn-ea"/>
-              <a:cs typeface="+mn-cs"/>
-            </a:endParaRPr>
-          </a:p>
-          <a:p>
-            <a:r>
-              <a:rPr lang="es-AR" sz="1200" kern="1200" dirty="0" smtClean="0">
-                <a:solidFill>
-                  <a:schemeClr val="tx1"/>
-                </a:solidFill>
-                <a:effectLst/>
-                <a:latin typeface="+mn-lt"/>
-                <a:ea typeface="+mn-ea"/>
-                <a:cs typeface="+mn-cs"/>
-              </a:rPr>
-              <a:t> </a:t>
-            </a:r>
-            <a:endParaRPr lang="en-US" sz="1200" kern="1200" dirty="0" smtClean="0">
-              <a:solidFill>
-                <a:schemeClr val="tx1"/>
-              </a:solidFill>
-              <a:effectLst/>
-              <a:latin typeface="+mn-lt"/>
-              <a:ea typeface="+mn-ea"/>
-              <a:cs typeface="+mn-cs"/>
-            </a:endParaRPr>
-          </a:p>
-          <a:p>
-            <a:pPr marL="171450" indent="-171450">
-              <a:buFont typeface="Arial" panose="020B0604020202020204" pitchFamily="34" charset="0"/>
-              <a:buChar char="•"/>
-            </a:pPr>
-            <a:r>
-              <a:rPr lang="es-AR" sz="1200" kern="1200" dirty="0" smtClean="0">
-                <a:solidFill>
-                  <a:schemeClr val="tx1"/>
-                </a:solidFill>
-                <a:effectLst/>
-                <a:latin typeface="+mn-lt"/>
-                <a:ea typeface="+mn-ea"/>
-                <a:cs typeface="+mn-cs"/>
-              </a:rPr>
-              <a:t>se aplica a empresas comerciales, particularmente tecnológicas. </a:t>
-            </a:r>
-          </a:p>
-          <a:p>
-            <a:pPr marL="171450" indent="-171450">
-              <a:buFont typeface="Arial" panose="020B0604020202020204" pitchFamily="34" charset="0"/>
-              <a:buChar char="•"/>
-            </a:pPr>
-            <a:r>
-              <a:rPr lang="es-AR" sz="1200" kern="1200" dirty="0" smtClean="0">
-                <a:solidFill>
-                  <a:schemeClr val="tx1"/>
-                </a:solidFill>
-                <a:effectLst/>
-                <a:latin typeface="+mn-lt"/>
-                <a:ea typeface="+mn-ea"/>
-                <a:cs typeface="+mn-cs"/>
-              </a:rPr>
-              <a:t>nombres clave para los productos que están en fase de desarrollo y aún no se han lanzado al mercado. </a:t>
-            </a:r>
-            <a:endParaRPr lang="en-US" sz="1200" kern="1200" dirty="0" smtClean="0">
-              <a:solidFill>
-                <a:schemeClr val="tx1"/>
-              </a:solidFill>
-              <a:effectLst/>
-              <a:latin typeface="+mn-lt"/>
-              <a:ea typeface="+mn-ea"/>
-              <a:cs typeface="+mn-cs"/>
-            </a:endParaRPr>
-          </a:p>
-          <a:p>
-            <a:pPr marL="171450" indent="-171450">
-              <a:buFont typeface="Arial" panose="020B0604020202020204" pitchFamily="34" charset="0"/>
-              <a:buChar char="•"/>
-            </a:pPr>
-            <a:r>
-              <a:rPr lang="es-AR" sz="1200" u="none" strike="noStrike" kern="1200" dirty="0" smtClean="0">
-                <a:solidFill>
-                  <a:schemeClr val="tx1"/>
-                </a:solidFill>
-                <a:effectLst/>
-                <a:latin typeface="+mn-lt"/>
-                <a:ea typeface="+mn-ea"/>
-                <a:cs typeface="+mn-cs"/>
-              </a:rPr>
-              <a:t>Permiten a los trabajadores de dichos productos hablar sobre los mismos sin revelar de qué se trata a terceros. </a:t>
-            </a:r>
-          </a:p>
-          <a:p>
-            <a:pPr marL="171450" indent="-171450">
-              <a:buFont typeface="Arial" panose="020B0604020202020204" pitchFamily="34" charset="0"/>
-              <a:buChar char="•"/>
-            </a:pPr>
-            <a:r>
-              <a:rPr lang="es-AR" sz="1200" u="none" strike="noStrike" kern="1200" dirty="0" smtClean="0">
-                <a:solidFill>
-                  <a:schemeClr val="tx1"/>
-                </a:solidFill>
-                <a:effectLst/>
-                <a:latin typeface="+mn-lt"/>
-                <a:ea typeface="+mn-ea"/>
-                <a:cs typeface="+mn-cs"/>
-              </a:rPr>
-              <a:t>se obliga a enfocarse en el producto y prevenir la generación de asociaciones basándose en el nombre.</a:t>
-            </a:r>
-            <a:endParaRPr lang="en-US" u="none" strike="noStrike" dirty="0" smtClean="0">
-              <a:effectLst/>
-            </a:endParaRPr>
-          </a:p>
-          <a:p>
-            <a:pPr marL="171450" lvl="0" indent="-171450">
-              <a:buFont typeface="Arial" panose="020B0604020202020204" pitchFamily="34" charset="0"/>
-              <a:buChar char="•"/>
-            </a:pPr>
-            <a:r>
-              <a:rPr lang="es-AR" sz="1200" u="none" strike="noStrike" kern="1200" dirty="0" smtClean="0">
-                <a:solidFill>
-                  <a:schemeClr val="tx1"/>
-                </a:solidFill>
-                <a:effectLst/>
-                <a:latin typeface="+mn-lt"/>
-                <a:ea typeface="+mn-ea"/>
-                <a:cs typeface="+mn-cs"/>
-              </a:rPr>
-              <a:t>Permiten crear un impacto positivo en los potenciales consumidores, al utilizar nombres que atraen al mercado.</a:t>
-            </a:r>
-            <a:r>
-              <a:rPr lang="es-AR" sz="1200" i="1" u="sng" strike="noStrike" kern="1200" dirty="0" smtClean="0">
-                <a:solidFill>
-                  <a:schemeClr val="tx1"/>
-                </a:solidFill>
-                <a:effectLst/>
-                <a:latin typeface="+mn-lt"/>
-                <a:ea typeface="+mn-ea"/>
-                <a:cs typeface="+mn-cs"/>
-              </a:rPr>
-              <a:t> </a:t>
-            </a:r>
-            <a:endParaRPr lang="en-US" sz="1200" kern="1200" dirty="0">
-              <a:solidFill>
-                <a:schemeClr val="tx1"/>
-              </a:solidFill>
-              <a:effectLst/>
-              <a:latin typeface="+mn-lt"/>
-              <a:ea typeface="+mn-ea"/>
-              <a:cs typeface="+mn-cs"/>
-            </a:endParaRPr>
-          </a:p>
-        </p:txBody>
-      </p:sp>
-      <p:sp>
-        <p:nvSpPr>
-          <p:cNvPr id="4" name="Slide Number Placeholder 3"/>
-          <p:cNvSpPr>
-            <a:spLocks noGrp="1"/>
-          </p:cNvSpPr>
-          <p:nvPr>
-            <p:ph type="sldNum" sz="quarter" idx="10"/>
-          </p:nvPr>
-        </p:nvSpPr>
-        <p:spPr/>
-        <p:txBody>
-          <a:bodyPr/>
-          <a:lstStyle/>
-          <a:p>
-            <a:fld id="{F93199CD-3E1B-4AE6-990F-76F925F5EA9F}" type="slidenum">
-              <a:rPr lang="en-US" smtClean="0"/>
-              <a:pPr/>
-              <a:t>30</a:t>
-            </a:fld>
-            <a:endParaRPr lang="en-US"/>
-          </a:p>
-        </p:txBody>
-      </p:sp>
-    </p:spTree>
-    <p:extLst>
-      <p:ext uri="{BB962C8B-B14F-4D97-AF65-F5344CB8AC3E}">
-        <p14:creationId xmlns:p14="http://schemas.microsoft.com/office/powerpoint/2010/main" val="707643668"/>
+        <p14:creationId xmlns:p14="http://schemas.microsoft.com/office/powerpoint/2010/main" xmlns="" val="2488318766"/>
       </p:ext>
     </p:extLst>
   </p:cSld>
@@ -4142,7 +3641,595 @@
           <a:bodyPr/>
           <a:lstStyle/>
           <a:p>
-            <a:endParaRPr lang="en-US"/>
+            <a:r>
+              <a:rPr lang="es-AR" sz="1200" b="1" kern="1200" dirty="0" smtClean="0">
+                <a:solidFill>
+                  <a:schemeClr val="tx1"/>
+                </a:solidFill>
+                <a:effectLst/>
+                <a:latin typeface="+mn-lt"/>
+                <a:ea typeface="+mn-ea"/>
+                <a:cs typeface="+mn-cs"/>
+              </a:rPr>
+              <a:t>Auditorías</a:t>
+            </a:r>
+            <a:endParaRPr lang="en-US" sz="1200" b="1" kern="1200" dirty="0" smtClean="0">
+              <a:solidFill>
+                <a:schemeClr val="tx1"/>
+              </a:solidFill>
+              <a:effectLst/>
+              <a:latin typeface="+mn-lt"/>
+              <a:ea typeface="+mn-ea"/>
+              <a:cs typeface="+mn-cs"/>
+            </a:endParaRPr>
+          </a:p>
+          <a:p>
+            <a:r>
+              <a:rPr lang="es-AR" sz="1200" kern="1200" dirty="0" smtClean="0">
+                <a:solidFill>
+                  <a:schemeClr val="tx1"/>
+                </a:solidFill>
+                <a:effectLst/>
+                <a:latin typeface="+mn-lt"/>
+                <a:ea typeface="+mn-ea"/>
+                <a:cs typeface="+mn-cs"/>
+              </a:rPr>
+              <a:t> </a:t>
+            </a:r>
+            <a:endParaRPr lang="en-US" sz="1200" kern="1200" dirty="0" smtClean="0">
+              <a:solidFill>
+                <a:schemeClr val="tx1"/>
+              </a:solidFill>
+              <a:effectLst/>
+              <a:latin typeface="+mn-lt"/>
+              <a:ea typeface="+mn-ea"/>
+              <a:cs typeface="+mn-cs"/>
+            </a:endParaRPr>
+          </a:p>
+          <a:p>
+            <a:pPr marL="171450" indent="-171450">
+              <a:buFont typeface="Arial" panose="020B0604020202020204" pitchFamily="34" charset="0"/>
+              <a:buChar char="•"/>
+            </a:pPr>
+            <a:r>
+              <a:rPr lang="es-AR" sz="1200" kern="1200" dirty="0" smtClean="0">
+                <a:solidFill>
+                  <a:schemeClr val="tx1"/>
+                </a:solidFill>
+                <a:effectLst/>
+                <a:latin typeface="+mn-lt"/>
+                <a:ea typeface="+mn-ea"/>
+                <a:cs typeface="+mn-cs"/>
+              </a:rPr>
+              <a:t>facilitar la trazabilidad de las acciones de los usuarios</a:t>
+            </a:r>
+          </a:p>
+          <a:p>
+            <a:pPr marL="171450" indent="-171450">
+              <a:buFont typeface="Arial" panose="020B0604020202020204" pitchFamily="34" charset="0"/>
+              <a:buChar char="•"/>
+            </a:pPr>
+            <a:r>
+              <a:rPr lang="es-AR" sz="1200" kern="1200" dirty="0" smtClean="0">
+                <a:solidFill>
+                  <a:schemeClr val="tx1"/>
+                </a:solidFill>
+                <a:effectLst/>
+                <a:latin typeface="+mn-lt"/>
+                <a:ea typeface="+mn-ea"/>
+                <a:cs typeface="+mn-cs"/>
+              </a:rPr>
+              <a:t>generar </a:t>
+            </a:r>
+            <a:r>
+              <a:rPr lang="es-AR" sz="1200" b="1" kern="1200" dirty="0" smtClean="0">
+                <a:solidFill>
+                  <a:schemeClr val="tx1"/>
+                </a:solidFill>
+                <a:effectLst/>
+                <a:latin typeface="+mn-lt"/>
+                <a:ea typeface="+mn-ea"/>
+                <a:cs typeface="+mn-cs"/>
+              </a:rPr>
+              <a:t>registros (</a:t>
+            </a:r>
+            <a:r>
+              <a:rPr lang="es-AR" sz="1200" b="1" i="1" kern="1200" dirty="0" err="1" smtClean="0">
+                <a:solidFill>
+                  <a:schemeClr val="tx1"/>
+                </a:solidFill>
+                <a:effectLst/>
+                <a:latin typeface="+mn-lt"/>
+                <a:ea typeface="+mn-ea"/>
+                <a:cs typeface="+mn-cs"/>
+              </a:rPr>
+              <a:t>logs</a:t>
+            </a:r>
+            <a:r>
+              <a:rPr lang="es-AR" sz="1200" b="1" kern="1200" dirty="0" smtClean="0">
+                <a:solidFill>
+                  <a:schemeClr val="tx1"/>
+                </a:solidFill>
+                <a:effectLst/>
+                <a:latin typeface="+mn-lt"/>
+                <a:ea typeface="+mn-ea"/>
+                <a:cs typeface="+mn-cs"/>
+              </a:rPr>
+              <a:t>) de las acciones importantes</a:t>
+            </a:r>
+            <a:r>
+              <a:rPr lang="es-AR" sz="1200" kern="1200" dirty="0" smtClean="0">
+                <a:solidFill>
+                  <a:schemeClr val="tx1"/>
+                </a:solidFill>
+                <a:effectLst/>
+                <a:latin typeface="+mn-lt"/>
+                <a:ea typeface="+mn-ea"/>
+                <a:cs typeface="+mn-cs"/>
+              </a:rPr>
+              <a:t> que se hayan definido, </a:t>
+            </a:r>
+          </a:p>
+          <a:p>
+            <a:pPr marL="171450" indent="-171450">
+              <a:buFont typeface="Arial" panose="020B0604020202020204" pitchFamily="34" charset="0"/>
+              <a:buChar char="•"/>
+            </a:pPr>
+            <a:r>
+              <a:rPr lang="es-AR" sz="1200" kern="1200" dirty="0" smtClean="0">
+                <a:solidFill>
+                  <a:schemeClr val="tx1"/>
+                </a:solidFill>
+                <a:effectLst/>
+                <a:latin typeface="+mn-lt"/>
+                <a:ea typeface="+mn-ea"/>
+                <a:cs typeface="+mn-cs"/>
+              </a:rPr>
+              <a:t>vinculación entre las personas y sus accesos </a:t>
+            </a:r>
+          </a:p>
+          <a:p>
+            <a:pPr marL="171450" indent="-171450">
+              <a:buFont typeface="Arial" panose="020B0604020202020204" pitchFamily="34" charset="0"/>
+              <a:buChar char="•"/>
+            </a:pPr>
+            <a:r>
+              <a:rPr lang="es-AR" sz="1200" kern="1200" dirty="0" smtClean="0">
+                <a:solidFill>
+                  <a:schemeClr val="tx1"/>
+                </a:solidFill>
+                <a:effectLst/>
+                <a:latin typeface="+mn-lt"/>
+                <a:ea typeface="+mn-ea"/>
+                <a:cs typeface="+mn-cs"/>
+              </a:rPr>
+              <a:t>puede evitar la fuga de información, ya que en caso de filtrarse hacia el exterior, se podría señalar de manera directa a todos aquellos que tuvieron acceso y se podría analizar su uso previo al incidente, obteniendo posibles conclusiones y responsables</a:t>
+            </a:r>
+          </a:p>
+          <a:p>
+            <a:pPr marL="171450" indent="-171450">
+              <a:buFont typeface="Arial" panose="020B0604020202020204" pitchFamily="34" charset="0"/>
+              <a:buChar char="•"/>
+            </a:pPr>
+            <a:endParaRPr lang="es-AR" sz="1200" b="1" kern="1200" dirty="0" smtClean="0">
+              <a:solidFill>
+                <a:schemeClr val="tx1"/>
+              </a:solidFill>
+              <a:effectLst/>
+              <a:latin typeface="+mn-lt"/>
+              <a:ea typeface="+mn-ea"/>
+              <a:cs typeface="+mn-cs"/>
+            </a:endParaRPr>
+          </a:p>
+          <a:p>
+            <a:r>
+              <a:rPr lang="es-AR" sz="1200" b="1" kern="1200" dirty="0" smtClean="0">
+                <a:solidFill>
+                  <a:schemeClr val="tx1"/>
+                </a:solidFill>
+                <a:effectLst/>
+                <a:latin typeface="+mn-lt"/>
+                <a:ea typeface="+mn-ea"/>
+                <a:cs typeface="+mn-cs"/>
+              </a:rPr>
+              <a:t>Utilización de estándares internacionales</a:t>
+            </a:r>
+            <a:endParaRPr lang="en-US" sz="1200" b="1" kern="1200" dirty="0" smtClean="0">
+              <a:solidFill>
+                <a:schemeClr val="tx1"/>
+              </a:solidFill>
+              <a:effectLst/>
+              <a:latin typeface="+mn-lt"/>
+              <a:ea typeface="+mn-ea"/>
+              <a:cs typeface="+mn-cs"/>
+            </a:endParaRPr>
+          </a:p>
+          <a:p>
+            <a:pPr marL="171450" indent="-171450">
+              <a:buFont typeface="Arial" panose="020B0604020202020204" pitchFamily="34" charset="0"/>
+              <a:buChar char="•"/>
+            </a:pPr>
+            <a:r>
+              <a:rPr lang="es-AR" sz="1200" kern="1200" dirty="0" smtClean="0">
+                <a:solidFill>
+                  <a:schemeClr val="tx1"/>
+                </a:solidFill>
+                <a:effectLst/>
+                <a:latin typeface="+mn-lt"/>
+                <a:ea typeface="+mn-ea"/>
+                <a:cs typeface="+mn-cs"/>
+              </a:rPr>
+              <a:t>de alcance internacional, y normativas vinculadas a lo que se quiera organizar. </a:t>
+            </a:r>
+          </a:p>
+          <a:p>
+            <a:pPr marL="171450" indent="-171450">
+              <a:buFont typeface="Arial" panose="020B0604020202020204" pitchFamily="34" charset="0"/>
+              <a:buChar char="•"/>
+            </a:pPr>
+            <a:r>
+              <a:rPr lang="es-AR" sz="1200" kern="1200" dirty="0" smtClean="0">
+                <a:solidFill>
+                  <a:schemeClr val="tx1"/>
+                </a:solidFill>
+                <a:effectLst/>
+                <a:latin typeface="+mn-lt"/>
+                <a:ea typeface="+mn-ea"/>
+                <a:cs typeface="+mn-cs"/>
+              </a:rPr>
+              <a:t>La fuga de información está contemplada dentro de la gestión de la seguridad, y como tal se describen contramedidas y técnicas en distintos estándares. </a:t>
+            </a:r>
+          </a:p>
+          <a:p>
+            <a:pPr marL="171450" indent="-171450">
+              <a:buFont typeface="Arial" panose="020B0604020202020204" pitchFamily="34" charset="0"/>
+              <a:buChar char="•"/>
+            </a:pPr>
+            <a:r>
+              <a:rPr lang="es-AR" sz="1200" kern="1200" dirty="0" smtClean="0">
+                <a:solidFill>
+                  <a:schemeClr val="tx1"/>
+                </a:solidFill>
+                <a:effectLst/>
+                <a:latin typeface="+mn-lt"/>
+                <a:ea typeface="+mn-ea"/>
+                <a:cs typeface="+mn-cs"/>
+              </a:rPr>
+              <a:t>normas ISO 27000, que está especialmente dedicada a seguridad de la información</a:t>
+            </a:r>
+          </a:p>
+          <a:p>
+            <a:pPr marL="628650" lvl="1" indent="-171450">
+              <a:buFont typeface="Arial" panose="020B0604020202020204" pitchFamily="34" charset="0"/>
+              <a:buChar char="•"/>
+            </a:pPr>
+            <a:r>
+              <a:rPr lang="es-AR" sz="1200" kern="1200" dirty="0" smtClean="0">
+                <a:solidFill>
+                  <a:schemeClr val="tx1"/>
+                </a:solidFill>
+                <a:effectLst/>
+                <a:latin typeface="+mn-lt"/>
+                <a:ea typeface="+mn-ea"/>
+                <a:cs typeface="+mn-cs"/>
+              </a:rPr>
+              <a:t>27001, requisitos para implementar un sistema de gestión de seguridad,</a:t>
+            </a:r>
+          </a:p>
+          <a:p>
+            <a:pPr marL="628650" lvl="1" indent="-171450">
+              <a:buFont typeface="Arial" panose="020B0604020202020204" pitchFamily="34" charset="0"/>
+              <a:buChar char="•"/>
+            </a:pPr>
+            <a:r>
+              <a:rPr lang="es-AR" sz="1200" kern="1200" dirty="0" smtClean="0">
+                <a:solidFill>
+                  <a:schemeClr val="tx1"/>
+                </a:solidFill>
+                <a:effectLst/>
+                <a:latin typeface="+mn-lt"/>
+                <a:ea typeface="+mn-ea"/>
+                <a:cs typeface="+mn-cs"/>
+              </a:rPr>
+              <a:t>27002 define las mejores prácticas</a:t>
+            </a:r>
+          </a:p>
+          <a:p>
+            <a:pPr marL="628650" lvl="1" indent="-171450">
+              <a:buFont typeface="Arial" panose="020B0604020202020204" pitchFamily="34" charset="0"/>
+              <a:buChar char="•"/>
+            </a:pPr>
+            <a:r>
+              <a:rPr lang="es-AR" sz="1200" kern="1200" dirty="0" smtClean="0">
+                <a:solidFill>
+                  <a:schemeClr val="tx1"/>
+                </a:solidFill>
+                <a:effectLst/>
+                <a:latin typeface="+mn-lt"/>
+                <a:ea typeface="+mn-ea"/>
+                <a:cs typeface="+mn-cs"/>
+              </a:rPr>
+              <a:t>27004 métricas</a:t>
+            </a:r>
+          </a:p>
+          <a:p>
+            <a:pPr marL="628650" lvl="1" indent="-171450">
+              <a:buFont typeface="Arial" panose="020B0604020202020204" pitchFamily="34" charset="0"/>
+              <a:buChar char="•"/>
+            </a:pPr>
+            <a:r>
+              <a:rPr lang="es-AR" sz="1200" kern="1200" dirty="0" smtClean="0">
+                <a:solidFill>
+                  <a:schemeClr val="tx1"/>
+                </a:solidFill>
+                <a:effectLst/>
+                <a:latin typeface="+mn-lt"/>
+                <a:ea typeface="+mn-ea"/>
+                <a:cs typeface="+mn-cs"/>
+              </a:rPr>
+              <a:t>27005 gestión de riesgos, entre otras</a:t>
+            </a:r>
+            <a:endParaRPr lang="en-US" sz="1200" kern="1200" dirty="0" smtClean="0">
+              <a:solidFill>
+                <a:schemeClr val="tx1"/>
+              </a:solidFill>
+              <a:effectLst/>
+              <a:latin typeface="+mn-lt"/>
+              <a:ea typeface="+mn-ea"/>
+              <a:cs typeface="+mn-cs"/>
+            </a:endParaRPr>
+          </a:p>
+          <a:p>
+            <a:r>
+              <a:rPr lang="es-AR" sz="1200" kern="1200" dirty="0" smtClean="0">
+                <a:solidFill>
+                  <a:schemeClr val="tx1"/>
+                </a:solidFill>
+                <a:effectLst/>
+                <a:latin typeface="+mn-lt"/>
+                <a:ea typeface="+mn-ea"/>
+                <a:cs typeface="+mn-cs"/>
+              </a:rPr>
+              <a:t> </a:t>
+            </a:r>
+            <a:endParaRPr lang="en-US" sz="1200" kern="1200" dirty="0" smtClean="0">
+              <a:solidFill>
+                <a:schemeClr val="tx1"/>
+              </a:solidFill>
+              <a:effectLst/>
+              <a:latin typeface="+mn-lt"/>
+              <a:ea typeface="+mn-ea"/>
+              <a:cs typeface="+mn-cs"/>
+            </a:endParaRPr>
+          </a:p>
+          <a:p>
+            <a:r>
+              <a:rPr lang="es-AR" sz="1200" b="1" kern="1200" dirty="0" smtClean="0">
+                <a:solidFill>
+                  <a:schemeClr val="tx1"/>
+                </a:solidFill>
+                <a:effectLst/>
+                <a:latin typeface="+mn-lt"/>
+                <a:ea typeface="+mn-ea"/>
+                <a:cs typeface="+mn-cs"/>
+              </a:rPr>
+              <a:t>Uso de </a:t>
+            </a:r>
+            <a:r>
+              <a:rPr lang="es-AR" sz="1200" b="1" i="1" kern="1200" dirty="0" err="1" smtClean="0">
+                <a:solidFill>
+                  <a:schemeClr val="tx1"/>
+                </a:solidFill>
+                <a:effectLst/>
+                <a:latin typeface="+mn-lt"/>
+                <a:ea typeface="+mn-ea"/>
+                <a:cs typeface="+mn-cs"/>
+              </a:rPr>
+              <a:t>code</a:t>
+            </a:r>
+            <a:r>
+              <a:rPr lang="es-AR" sz="1200" b="1" i="1" kern="1200" dirty="0" smtClean="0">
+                <a:solidFill>
+                  <a:schemeClr val="tx1"/>
+                </a:solidFill>
+                <a:effectLst/>
+                <a:latin typeface="+mn-lt"/>
+                <a:ea typeface="+mn-ea"/>
+                <a:cs typeface="+mn-cs"/>
+              </a:rPr>
+              <a:t> </a:t>
+            </a:r>
+            <a:r>
+              <a:rPr lang="es-AR" sz="1200" b="1" i="1" kern="1200" dirty="0" err="1" smtClean="0">
+                <a:solidFill>
+                  <a:schemeClr val="tx1"/>
+                </a:solidFill>
+                <a:effectLst/>
+                <a:latin typeface="+mn-lt"/>
+                <a:ea typeface="+mn-ea"/>
+                <a:cs typeface="+mn-cs"/>
+              </a:rPr>
+              <a:t>names</a:t>
+            </a:r>
+            <a:r>
+              <a:rPr lang="es-AR" sz="1200" b="1" i="1" kern="1200" dirty="0" smtClean="0">
+                <a:solidFill>
+                  <a:schemeClr val="tx1"/>
+                </a:solidFill>
+                <a:effectLst/>
+                <a:latin typeface="+mn-lt"/>
+                <a:ea typeface="+mn-ea"/>
+                <a:cs typeface="+mn-cs"/>
+              </a:rPr>
+              <a:t> </a:t>
+            </a:r>
+            <a:r>
+              <a:rPr lang="es-AR" sz="1200" b="1" kern="1200" dirty="0" smtClean="0">
+                <a:solidFill>
+                  <a:schemeClr val="tx1"/>
+                </a:solidFill>
+                <a:effectLst/>
+                <a:latin typeface="+mn-lt"/>
+                <a:ea typeface="+mn-ea"/>
+                <a:cs typeface="+mn-cs"/>
+              </a:rPr>
+              <a:t>para los proyectos</a:t>
+            </a:r>
+            <a:endParaRPr lang="en-US" sz="1200" b="1" kern="1200" dirty="0" smtClean="0">
+              <a:solidFill>
+                <a:schemeClr val="tx1"/>
+              </a:solidFill>
+              <a:effectLst/>
+              <a:latin typeface="+mn-lt"/>
+              <a:ea typeface="+mn-ea"/>
+              <a:cs typeface="+mn-cs"/>
+            </a:endParaRPr>
+          </a:p>
+          <a:p>
+            <a:r>
+              <a:rPr lang="es-AR" sz="1200" kern="1200" dirty="0" smtClean="0">
+                <a:solidFill>
+                  <a:schemeClr val="tx1"/>
+                </a:solidFill>
+                <a:effectLst/>
+                <a:latin typeface="+mn-lt"/>
+                <a:ea typeface="+mn-ea"/>
+                <a:cs typeface="+mn-cs"/>
+              </a:rPr>
+              <a:t> </a:t>
+            </a:r>
+            <a:endParaRPr lang="en-US" sz="1200" kern="1200" dirty="0" smtClean="0">
+              <a:solidFill>
+                <a:schemeClr val="tx1"/>
+              </a:solidFill>
+              <a:effectLst/>
+              <a:latin typeface="+mn-lt"/>
+              <a:ea typeface="+mn-ea"/>
+              <a:cs typeface="+mn-cs"/>
+            </a:endParaRPr>
+          </a:p>
+          <a:p>
+            <a:pPr marL="171450" indent="-171450">
+              <a:buFont typeface="Arial" panose="020B0604020202020204" pitchFamily="34" charset="0"/>
+              <a:buChar char="•"/>
+            </a:pPr>
+            <a:r>
+              <a:rPr lang="es-AR" sz="1200" kern="1200" dirty="0" smtClean="0">
+                <a:solidFill>
+                  <a:schemeClr val="tx1"/>
+                </a:solidFill>
+                <a:effectLst/>
+                <a:latin typeface="+mn-lt"/>
+                <a:ea typeface="+mn-ea"/>
+                <a:cs typeface="+mn-cs"/>
+              </a:rPr>
+              <a:t>se aplica a empresas comerciales, particularmente tecnológicas. </a:t>
+            </a:r>
+          </a:p>
+          <a:p>
+            <a:pPr marL="171450" indent="-171450">
+              <a:buFont typeface="Arial" panose="020B0604020202020204" pitchFamily="34" charset="0"/>
+              <a:buChar char="•"/>
+            </a:pPr>
+            <a:r>
+              <a:rPr lang="es-AR" sz="1200" kern="1200" dirty="0" smtClean="0">
+                <a:solidFill>
+                  <a:schemeClr val="tx1"/>
+                </a:solidFill>
+                <a:effectLst/>
+                <a:latin typeface="+mn-lt"/>
+                <a:ea typeface="+mn-ea"/>
+                <a:cs typeface="+mn-cs"/>
+              </a:rPr>
+              <a:t>nombres clave para los productos que están en fase de desarrollo y aún no se han lanzado al mercado. </a:t>
+            </a:r>
+            <a:endParaRPr lang="en-US" sz="1200" kern="1200" dirty="0" smtClean="0">
+              <a:solidFill>
+                <a:schemeClr val="tx1"/>
+              </a:solidFill>
+              <a:effectLst/>
+              <a:latin typeface="+mn-lt"/>
+              <a:ea typeface="+mn-ea"/>
+              <a:cs typeface="+mn-cs"/>
+            </a:endParaRPr>
+          </a:p>
+          <a:p>
+            <a:pPr marL="171450" indent="-171450">
+              <a:buFont typeface="Arial" panose="020B0604020202020204" pitchFamily="34" charset="0"/>
+              <a:buChar char="•"/>
+            </a:pPr>
+            <a:r>
+              <a:rPr lang="es-AR" sz="1200" u="none" strike="noStrike" kern="1200" dirty="0" smtClean="0">
+                <a:solidFill>
+                  <a:schemeClr val="tx1"/>
+                </a:solidFill>
+                <a:effectLst/>
+                <a:latin typeface="+mn-lt"/>
+                <a:ea typeface="+mn-ea"/>
+                <a:cs typeface="+mn-cs"/>
+              </a:rPr>
+              <a:t>Permiten a los trabajadores de dichos productos hablar sobre los mismos sin revelar de qué se trata a terceros. </a:t>
+            </a:r>
+          </a:p>
+          <a:p>
+            <a:pPr marL="171450" indent="-171450">
+              <a:buFont typeface="Arial" panose="020B0604020202020204" pitchFamily="34" charset="0"/>
+              <a:buChar char="•"/>
+            </a:pPr>
+            <a:r>
+              <a:rPr lang="es-AR" sz="1200" u="none" strike="noStrike" kern="1200" dirty="0" smtClean="0">
+                <a:solidFill>
+                  <a:schemeClr val="tx1"/>
+                </a:solidFill>
+                <a:effectLst/>
+                <a:latin typeface="+mn-lt"/>
+                <a:ea typeface="+mn-ea"/>
+                <a:cs typeface="+mn-cs"/>
+              </a:rPr>
+              <a:t>se obliga a enfocarse en el producto y prevenir la generación de asociaciones basándose en el nombre.</a:t>
+            </a:r>
+            <a:endParaRPr lang="en-US" u="none" strike="noStrike" dirty="0" smtClean="0">
+              <a:effectLst/>
+            </a:endParaRPr>
+          </a:p>
+          <a:p>
+            <a:pPr marL="171450" lvl="0" indent="-171450">
+              <a:buFont typeface="Arial" panose="020B0604020202020204" pitchFamily="34" charset="0"/>
+              <a:buChar char="•"/>
+            </a:pPr>
+            <a:r>
+              <a:rPr lang="es-AR" sz="1200" u="none" strike="noStrike" kern="1200" dirty="0" smtClean="0">
+                <a:solidFill>
+                  <a:schemeClr val="tx1"/>
+                </a:solidFill>
+                <a:effectLst/>
+                <a:latin typeface="+mn-lt"/>
+                <a:ea typeface="+mn-ea"/>
+                <a:cs typeface="+mn-cs"/>
+              </a:rPr>
+              <a:t>Permiten crear un impacto positivo en los potenciales consumidores, al utilizar nombres que atraen al mercado.</a:t>
+            </a:r>
+            <a:r>
+              <a:rPr lang="es-AR" sz="1200" i="1" u="sng" strike="noStrike" kern="1200" dirty="0" smtClean="0">
+                <a:solidFill>
+                  <a:schemeClr val="tx1"/>
+                </a:solidFill>
+                <a:effectLst/>
+                <a:latin typeface="+mn-lt"/>
+                <a:ea typeface="+mn-ea"/>
+                <a:cs typeface="+mn-cs"/>
+              </a:rPr>
+              <a:t> </a:t>
+            </a:r>
+            <a:endParaRPr lang="en-US" sz="1200" kern="1200" dirty="0">
+              <a:solidFill>
+                <a:schemeClr val="tx1"/>
+              </a:solidFill>
+              <a:effectLst/>
+              <a:latin typeface="+mn-lt"/>
+              <a:ea typeface="+mn-ea"/>
+              <a:cs typeface="+mn-cs"/>
+            </a:endParaRPr>
           </a:p>
         </p:txBody>
       </p:sp>
@@ -4164,7 +4251,7 @@
             <a:fld id="{F93199CD-3E1B-4AE6-990F-76F925F5EA9F}" type="slidenum">
               <a:rPr lang="en-US" smtClean="0"/>
               <a:pPr/>
-              <a:t>31</a:t>
+              <a:t>32</a:t>
             </a:fld>
             <a:endParaRPr lang="en-US"/>
           </a:p>
@@ -4173,7 +4260,7 @@
     </p:spTree>
     <p:extLst>
       <p:ext uri="{BB962C8B-B14F-4D97-AF65-F5344CB8AC3E}">
-        <p14:creationId xmlns:p14="http://schemas.microsoft.com/office/powerpoint/2010/main" val="1554195"/>
+        <p14:creationId xmlns:p14="http://schemas.microsoft.com/office/powerpoint/2010/main" xmlns="" val="707643668"/>
       </p:ext>
     </p:extLst>
   </p:cSld>
@@ -4380,20 +4467,20 @@
     </p:spTree>
     <p:extLst>
       <p:ext uri="{BB962C8B-B14F-4D97-AF65-F5344CB8AC3E}">
-        <p14:creationId xmlns:p14="http://schemas.microsoft.com/office/powerpoint/2010/main" val="94999051"/>
+        <p14:creationId xmlns:p14="http://schemas.microsoft.com/office/powerpoint/2010/main" xmlns="" val="94999051"/>
       </p:ext>
     </p:extLst>
   </p:cSld>
   <p:clrMapOvr>
     <a:masterClrMapping/>
   </p:clrMapOvr>
-  <mc:AlternateContent xmlns:mc="http://schemas.openxmlformats.org/markup-compatibility/2006" xmlns:p14="http://schemas.microsoft.com/office/powerpoint/2010/main">
-    <mc:Choice Requires="p14">
+  <mc:AlternateContent xmlns:mc="http://schemas.openxmlformats.org/markup-compatibility/2006">
+    <mc:Choice xmlns:p14="http://schemas.microsoft.com/office/powerpoint/2010/main" xmlns="" Requires="p14">
       <p:transition spd="med" p14:dur="700">
         <p:fade/>
       </p:transition>
     </mc:Choice>
-    <mc:Fallback xmlns="">
+    <mc:Fallback>
       <p:transition spd="med">
         <p:fade/>
       </p:transition>
@@ -4562,7 +4649,7 @@
             <a:fld id="{2A013F82-EE5E-44EE-A61D-E31C6657F26F}" type="slidenum">
               <a:rPr/>
               <a:pPr/>
-              <a:t>‹#›</a:t>
+              <a:t>‹Nº›</a:t>
             </a:fld>
             <a:endParaRPr/>
           </a:p>
@@ -4571,20 +4658,20 @@
     </p:spTree>
     <p:extLst>
       <p:ext uri="{BB962C8B-B14F-4D97-AF65-F5344CB8AC3E}">
-        <p14:creationId xmlns:p14="http://schemas.microsoft.com/office/powerpoint/2010/main" val="460095310"/>
+        <p14:creationId xmlns:p14="http://schemas.microsoft.com/office/powerpoint/2010/main" xmlns="" val="460095310"/>
       </p:ext>
     </p:extLst>
   </p:cSld>
   <p:clrMapOvr>
     <a:masterClrMapping/>
   </p:clrMapOvr>
-  <mc:AlternateContent xmlns:mc="http://schemas.openxmlformats.org/markup-compatibility/2006" xmlns:p14="http://schemas.microsoft.com/office/powerpoint/2010/main">
-    <mc:Choice Requires="p14">
+  <mc:AlternateContent xmlns:mc="http://schemas.openxmlformats.org/markup-compatibility/2006">
+    <mc:Choice xmlns:p14="http://schemas.microsoft.com/office/powerpoint/2010/main" xmlns="" Requires="p14">
       <p:transition spd="med" p14:dur="700">
         <p:fade/>
       </p:transition>
     </mc:Choice>
-    <mc:Fallback xmlns="">
+    <mc:Fallback>
       <p:transition spd="med">
         <p:fade/>
       </p:transition>
@@ -4763,7 +4850,7 @@
             <a:fld id="{2A013F82-EE5E-44EE-A61D-E31C6657F26F}" type="slidenum">
               <a:rPr/>
               <a:pPr/>
-              <a:t>‹#›</a:t>
+              <a:t>‹Nº›</a:t>
             </a:fld>
             <a:endParaRPr/>
           </a:p>
@@ -4772,20 +4859,20 @@
     </p:spTree>
     <p:extLst>
       <p:ext uri="{BB962C8B-B14F-4D97-AF65-F5344CB8AC3E}">
-        <p14:creationId xmlns:p14="http://schemas.microsoft.com/office/powerpoint/2010/main" val="4079035419"/>
+        <p14:creationId xmlns:p14="http://schemas.microsoft.com/office/powerpoint/2010/main" xmlns="" val="4079035419"/>
       </p:ext>
     </p:extLst>
   </p:cSld>
   <p:clrMapOvr>
     <a:masterClrMapping/>
   </p:clrMapOvr>
-  <mc:AlternateContent xmlns:mc="http://schemas.openxmlformats.org/markup-compatibility/2006" xmlns:p14="http://schemas.microsoft.com/office/powerpoint/2010/main">
-    <mc:Choice Requires="p14">
+  <mc:AlternateContent xmlns:mc="http://schemas.openxmlformats.org/markup-compatibility/2006">
+    <mc:Choice xmlns:p14="http://schemas.microsoft.com/office/powerpoint/2010/main" xmlns="" Requires="p14">
       <p:transition spd="med" p14:dur="700">
         <p:fade/>
       </p:transition>
     </mc:Choice>
-    <mc:Fallback xmlns="">
+    <mc:Fallback>
       <p:transition spd="med">
         <p:fade/>
       </p:transition>
@@ -4961,7 +5048,7 @@
             <a:fld id="{2A013F82-EE5E-44EE-A61D-E31C6657F26F}" type="slidenum">
               <a:rPr/>
               <a:pPr/>
-              <a:t>‹#›</a:t>
+              <a:t>‹Nº›</a:t>
             </a:fld>
             <a:endParaRPr/>
           </a:p>
@@ -4970,20 +5057,20 @@
     </p:spTree>
     <p:extLst>
       <p:ext uri="{BB962C8B-B14F-4D97-AF65-F5344CB8AC3E}">
-        <p14:creationId xmlns:p14="http://schemas.microsoft.com/office/powerpoint/2010/main" val="2738254095"/>
+        <p14:creationId xmlns:p14="http://schemas.microsoft.com/office/powerpoint/2010/main" xmlns="" val="2738254095"/>
       </p:ext>
     </p:extLst>
   </p:cSld>
   <p:clrMapOvr>
     <a:masterClrMapping/>
   </p:clrMapOvr>
-  <mc:AlternateContent xmlns:mc="http://schemas.openxmlformats.org/markup-compatibility/2006" xmlns:p14="http://schemas.microsoft.com/office/powerpoint/2010/main">
-    <mc:Choice Requires="p14">
+  <mc:AlternateContent xmlns:mc="http://schemas.openxmlformats.org/markup-compatibility/2006">
+    <mc:Choice xmlns:p14="http://schemas.microsoft.com/office/powerpoint/2010/main" xmlns="" Requires="p14">
       <p:transition spd="med" p14:dur="700">
         <p:fade/>
       </p:transition>
     </mc:Choice>
-    <mc:Fallback xmlns="">
+    <mc:Fallback>
       <p:transition spd="med">
         <p:fade/>
       </p:transition>
@@ -5250,7 +5337,7 @@
             <a:fld id="{2A013F82-EE5E-44EE-A61D-E31C6657F26F}" type="slidenum">
               <a:rPr/>
               <a:pPr/>
-              <a:t>‹#›</a:t>
+              <a:t>‹Nº›</a:t>
             </a:fld>
             <a:endParaRPr/>
           </a:p>
@@ -5259,20 +5346,20 @@
     </p:spTree>
     <p:extLst>
       <p:ext uri="{BB962C8B-B14F-4D97-AF65-F5344CB8AC3E}">
-        <p14:creationId xmlns:p14="http://schemas.microsoft.com/office/powerpoint/2010/main" val="1761813311"/>
+        <p14:creationId xmlns:p14="http://schemas.microsoft.com/office/powerpoint/2010/main" xmlns="" val="1761813311"/>
       </p:ext>
     </p:extLst>
   </p:cSld>
   <p:clrMapOvr>
     <a:masterClrMapping/>
   </p:clrMapOvr>
-  <mc:AlternateContent xmlns:mc="http://schemas.openxmlformats.org/markup-compatibility/2006" xmlns:p14="http://schemas.microsoft.com/office/powerpoint/2010/main">
-    <mc:Choice Requires="p14">
+  <mc:AlternateContent xmlns:mc="http://schemas.openxmlformats.org/markup-compatibility/2006">
+    <mc:Choice xmlns:p14="http://schemas.microsoft.com/office/powerpoint/2010/main" xmlns="" Requires="p14">
       <p:transition spd="med" p14:dur="700">
         <p:fade/>
       </p:transition>
     </mc:Choice>
-    <mc:Fallback xmlns="">
+    <mc:Fallback>
       <p:transition spd="med">
         <p:fade/>
       </p:transition>
@@ -5563,7 +5650,7 @@
             <a:fld id="{2A013F82-EE5E-44EE-A61D-E31C6657F26F}" type="slidenum">
               <a:rPr/>
               <a:pPr/>
-              <a:t>‹#›</a:t>
+              <a:t>‹Nº›</a:t>
             </a:fld>
             <a:endParaRPr/>
           </a:p>
@@ -5572,20 +5659,20 @@
     </p:spTree>
     <p:extLst>
       <p:ext uri="{BB962C8B-B14F-4D97-AF65-F5344CB8AC3E}">
-        <p14:creationId xmlns:p14="http://schemas.microsoft.com/office/powerpoint/2010/main" val="2825340762"/>
+        <p14:creationId xmlns:p14="http://schemas.microsoft.com/office/powerpoint/2010/main" xmlns="" val="2825340762"/>
       </p:ext>
     </p:extLst>
   </p:cSld>
   <p:clrMapOvr>
     <a:masterClrMapping/>
   </p:clrMapOvr>
-  <mc:AlternateContent xmlns:mc="http://schemas.openxmlformats.org/markup-compatibility/2006" xmlns:p14="http://schemas.microsoft.com/office/powerpoint/2010/main">
-    <mc:Choice Requires="p14">
+  <mc:AlternateContent xmlns:mc="http://schemas.openxmlformats.org/markup-compatibility/2006">
+    <mc:Choice xmlns:p14="http://schemas.microsoft.com/office/powerpoint/2010/main" xmlns="" Requires="p14">
       <p:transition spd="med" p14:dur="700">
         <p:fade/>
       </p:transition>
     </mc:Choice>
-    <mc:Fallback xmlns="">
+    <mc:Fallback>
       <p:transition spd="med">
         <p:fade/>
       </p:transition>
@@ -6028,7 +6115,7 @@
             <a:fld id="{2A013F82-EE5E-44EE-A61D-E31C6657F26F}" type="slidenum">
               <a:rPr/>
               <a:pPr/>
-              <a:t>‹#›</a:t>
+              <a:t>‹Nº›</a:t>
             </a:fld>
             <a:endParaRPr/>
           </a:p>
@@ -6037,20 +6124,20 @@
     </p:spTree>
     <p:extLst>
       <p:ext uri="{BB962C8B-B14F-4D97-AF65-F5344CB8AC3E}">
-        <p14:creationId xmlns:p14="http://schemas.microsoft.com/office/powerpoint/2010/main" val="4208419506"/>
+        <p14:creationId xmlns:p14="http://schemas.microsoft.com/office/powerpoint/2010/main" xmlns="" val="4208419506"/>
       </p:ext>
     </p:extLst>
   </p:cSld>
   <p:clrMapOvr>
     <a:masterClrMapping/>
   </p:clrMapOvr>
-  <mc:AlternateContent xmlns:mc="http://schemas.openxmlformats.org/markup-compatibility/2006" xmlns:p14="http://schemas.microsoft.com/office/powerpoint/2010/main">
-    <mc:Choice Requires="p14">
+  <mc:AlternateContent xmlns:mc="http://schemas.openxmlformats.org/markup-compatibility/2006">
+    <mc:Choice xmlns:p14="http://schemas.microsoft.com/office/powerpoint/2010/main" xmlns="" Requires="p14">
       <p:transition spd="med" p14:dur="700">
         <p:fade/>
       </p:transition>
     </mc:Choice>
-    <mc:Fallback xmlns="">
+    <mc:Fallback>
       <p:transition spd="med">
         <p:fade/>
       </p:transition>
@@ -6167,7 +6254,7 @@
             <a:fld id="{2A013F82-EE5E-44EE-A61D-E31C6657F26F}" type="slidenum">
               <a:rPr/>
               <a:pPr/>
-              <a:t>‹#›</a:t>
+              <a:t>‹Nº›</a:t>
             </a:fld>
             <a:endParaRPr/>
           </a:p>
@@ -6176,20 +6263,20 @@
     </p:spTree>
     <p:extLst>
       <p:ext uri="{BB962C8B-B14F-4D97-AF65-F5344CB8AC3E}">
-        <p14:creationId xmlns:p14="http://schemas.microsoft.com/office/powerpoint/2010/main" val="1626631400"/>
+        <p14:creationId xmlns:p14="http://schemas.microsoft.com/office/powerpoint/2010/main" xmlns="" val="1626631400"/>
       </p:ext>
     </p:extLst>
   </p:cSld>
   <p:clrMapOvr>
     <a:masterClrMapping/>
   </p:clrMapOvr>
-  <mc:AlternateContent xmlns:mc="http://schemas.openxmlformats.org/markup-compatibility/2006" xmlns:p14="http://schemas.microsoft.com/office/powerpoint/2010/main">
-    <mc:Choice Requires="p14">
+  <mc:AlternateContent xmlns:mc="http://schemas.openxmlformats.org/markup-compatibility/2006">
+    <mc:Choice xmlns:p14="http://schemas.microsoft.com/office/powerpoint/2010/main" xmlns="" Requires="p14">
       <p:transition spd="med" p14:dur="700">
         <p:fade/>
       </p:transition>
     </mc:Choice>
-    <mc:Fallback xmlns="">
+    <mc:Fallback>
       <p:transition spd="med">
         <p:fade/>
       </p:transition>
@@ -6291,7 +6378,7 @@
             <a:fld id="{2A013F82-EE5E-44EE-A61D-E31C6657F26F}" type="slidenum">
               <a:rPr/>
               <a:pPr/>
-              <a:t>‹#›</a:t>
+              <a:t>‹Nº›</a:t>
             </a:fld>
             <a:endParaRPr/>
           </a:p>
@@ -6300,20 +6387,20 @@
     </p:spTree>
     <p:extLst>
       <p:ext uri="{BB962C8B-B14F-4D97-AF65-F5344CB8AC3E}">
-        <p14:creationId xmlns:p14="http://schemas.microsoft.com/office/powerpoint/2010/main" val="3607540120"/>
+        <p14:creationId xmlns:p14="http://schemas.microsoft.com/office/powerpoint/2010/main" xmlns="" val="3607540120"/>
       </p:ext>
     </p:extLst>
   </p:cSld>
   <p:clrMapOvr>
     <a:masterClrMapping/>
   </p:clrMapOvr>
-  <mc:AlternateContent xmlns:mc="http://schemas.openxmlformats.org/markup-compatibility/2006" xmlns:p14="http://schemas.microsoft.com/office/powerpoint/2010/main">
-    <mc:Choice Requires="p14">
+  <mc:AlternateContent xmlns:mc="http://schemas.openxmlformats.org/markup-compatibility/2006">
+    <mc:Choice xmlns:p14="http://schemas.microsoft.com/office/powerpoint/2010/main" xmlns="" Requires="p14">
       <p:transition spd="med" p14:dur="700">
         <p:fade/>
       </p:transition>
     </mc:Choice>
-    <mc:Fallback xmlns="">
+    <mc:Fallback>
       <p:transition spd="med">
         <p:fade/>
       </p:transition>
@@ -6622,7 +6709,7 @@
             <a:fld id="{2A013F82-EE5E-44EE-A61D-E31C6657F26F}" type="slidenum">
               <a:rPr/>
               <a:pPr/>
-              <a:t>‹#›</a:t>
+              <a:t>‹Nº›</a:t>
             </a:fld>
             <a:endParaRPr/>
           </a:p>
@@ -6631,20 +6718,20 @@
     </p:spTree>
     <p:extLst>
       <p:ext uri="{BB962C8B-B14F-4D97-AF65-F5344CB8AC3E}">
-        <p14:creationId xmlns:p14="http://schemas.microsoft.com/office/powerpoint/2010/main" val="2544981540"/>
+        <p14:creationId xmlns:p14="http://schemas.microsoft.com/office/powerpoint/2010/main" xmlns="" val="2544981540"/>
       </p:ext>
     </p:extLst>
   </p:cSld>
   <p:clrMapOvr>
     <a:masterClrMapping/>
   </p:clrMapOvr>
-  <mc:AlternateContent xmlns:mc="http://schemas.openxmlformats.org/markup-compatibility/2006" xmlns:p14="http://schemas.microsoft.com/office/powerpoint/2010/main">
-    <mc:Choice Requires="p14">
+  <mc:AlternateContent xmlns:mc="http://schemas.openxmlformats.org/markup-compatibility/2006">
+    <mc:Choice xmlns:p14="http://schemas.microsoft.com/office/powerpoint/2010/main" xmlns="" Requires="p14">
       <p:transition spd="med" p14:dur="700">
         <p:fade/>
       </p:transition>
     </mc:Choice>
-    <mc:Fallback xmlns="">
+    <mc:Fallback>
       <p:transition spd="med">
         <p:fade/>
       </p:transition>
@@ -6942,7 +7029,7 @@
             <a:fld id="{2A013F82-EE5E-44EE-A61D-E31C6657F26F}" type="slidenum">
               <a:rPr/>
               <a:pPr/>
-              <a:t>‹#›</a:t>
+              <a:t>‹Nº›</a:t>
             </a:fld>
             <a:endParaRPr/>
           </a:p>
@@ -6951,20 +7038,20 @@
     </p:spTree>
     <p:extLst>
       <p:ext uri="{BB962C8B-B14F-4D97-AF65-F5344CB8AC3E}">
-        <p14:creationId xmlns:p14="http://schemas.microsoft.com/office/powerpoint/2010/main" val="2249172152"/>
+        <p14:creationId xmlns:p14="http://schemas.microsoft.com/office/powerpoint/2010/main" xmlns="" val="2249172152"/>
       </p:ext>
     </p:extLst>
   </p:cSld>
   <p:clrMapOvr>
     <a:masterClrMapping/>
   </p:clrMapOvr>
-  <mc:AlternateContent xmlns:mc="http://schemas.openxmlformats.org/markup-compatibility/2006" xmlns:p14="http://schemas.microsoft.com/office/powerpoint/2010/main">
-    <mc:Choice Requires="p14">
+  <mc:AlternateContent xmlns:mc="http://schemas.openxmlformats.org/markup-compatibility/2006">
+    <mc:Choice xmlns:p14="http://schemas.microsoft.com/office/powerpoint/2010/main" xmlns="" Requires="p14">
       <p:transition spd="med" p14:dur="700">
         <p:fade/>
       </p:transition>
     </mc:Choice>
-    <mc:Fallback xmlns="">
+    <mc:Fallback>
       <p:transition spd="med">
         <p:fade/>
       </p:transition>
@@ -7221,7 +7308,7 @@
             <a:fld id="{2A013F82-EE5E-44EE-A61D-E31C6657F26F}" type="slidenum">
               <a:rPr/>
               <a:pPr/>
-              <a:t>‹#›</a:t>
+              <a:t>‹Nº›</a:t>
             </a:fld>
             <a:endParaRPr/>
           </a:p>
@@ -7230,7 +7317,7 @@
     </p:spTree>
     <p:extLst>
       <p:ext uri="{BB962C8B-B14F-4D97-AF65-F5344CB8AC3E}">
-        <p14:creationId xmlns:p14="http://schemas.microsoft.com/office/powerpoint/2010/main" val="1403059996"/>
+        <p14:creationId xmlns:p14="http://schemas.microsoft.com/office/powerpoint/2010/main" xmlns="" val="1403059996"/>
       </p:ext>
     </p:extLst>
   </p:cSld>
@@ -7248,13 +7335,13 @@
     <p:sldLayoutId id="2147483658" r:id="rId10"/>
     <p:sldLayoutId id="2147483659" r:id="rId11"/>
   </p:sldLayoutIdLst>
-  <mc:AlternateContent xmlns:mc="http://schemas.openxmlformats.org/markup-compatibility/2006" xmlns:p14="http://schemas.microsoft.com/office/powerpoint/2010/main">
-    <mc:Choice Requires="p14">
+  <mc:AlternateContent xmlns:mc="http://schemas.openxmlformats.org/markup-compatibility/2006">
+    <mc:Choice xmlns:p14="http://schemas.microsoft.com/office/powerpoint/2010/main" xmlns="" Requires="p14">
       <p:transition spd="med" p14:dur="700">
         <p:fade/>
       </p:transition>
     </mc:Choice>
-    <mc:Fallback xmlns="">
+    <mc:Fallback>
       <p:transition spd="med">
         <p:fade/>
       </p:transition>
@@ -7569,7 +7656,7 @@
   </p:txStyles>
   <p:extLst mod="1">
     <p:ext uri="{27BBF7A9-308A-43DC-89C8-2F10F3537804}">
-      <p15:sldGuideLst xmlns:p15="http://schemas.microsoft.com/office/powerpoint/2012/main">
+      <p15:sldGuideLst xmlns:p15="http://schemas.microsoft.com/office/powerpoint/2012/main" xmlns="">
         <p15:guide id="1" pos="3839" userDrawn="1">
           <p15:clr>
             <a:srgbClr val="F26B43"/>
@@ -7716,7 +7803,7 @@
           <a:blip r:embed="rId2" cstate="print">
             <a:extLst>
               <a:ext uri="{28A0092B-C50C-407E-A947-70E740481C1C}">
-                <a14:useLocalDpi xmlns:a14="http://schemas.microsoft.com/office/drawing/2010/main" val="0"/>
+                <a14:useLocalDpi xmlns:a14="http://schemas.microsoft.com/office/drawing/2010/main" xmlns="" val="0"/>
               </a:ext>
             </a:extLst>
           </a:blip>
@@ -7736,7 +7823,7 @@
           <a:noFill/>
           <a:extLst>
             <a:ext uri="{909E8E84-426E-40DD-AFC4-6F175D3DCCD1}">
-              <a14:hiddenFill xmlns:a14="http://schemas.microsoft.com/office/drawing/2010/main">
+              <a14:hiddenFill xmlns:a14="http://schemas.microsoft.com/office/drawing/2010/main" xmlns="">
                 <a:solidFill>
                   <a:srgbClr val="FFFFFF"/>
                 </a:solidFill>
@@ -7748,20 +7835,20 @@
     </p:spTree>
     <p:extLst>
       <p:ext uri="{BB962C8B-B14F-4D97-AF65-F5344CB8AC3E}">
-        <p14:creationId xmlns:p14="http://schemas.microsoft.com/office/powerpoint/2010/main" val="2808920126"/>
+        <p14:creationId xmlns:p14="http://schemas.microsoft.com/office/powerpoint/2010/main" xmlns="" val="2808920126"/>
       </p:ext>
     </p:extLst>
   </p:cSld>
   <p:clrMapOvr>
     <a:masterClrMapping/>
   </p:clrMapOvr>
-  <mc:AlternateContent xmlns:mc="http://schemas.openxmlformats.org/markup-compatibility/2006" xmlns:p14="http://schemas.microsoft.com/office/powerpoint/2010/main">
-    <mc:Choice Requires="p14">
+  <mc:AlternateContent xmlns:mc="http://schemas.openxmlformats.org/markup-compatibility/2006">
+    <mc:Choice xmlns:p14="http://schemas.microsoft.com/office/powerpoint/2010/main" xmlns="" Requires="p14">
       <p:transition spd="med" p14:dur="700">
         <p:fade/>
       </p:transition>
     </mc:Choice>
-    <mc:Fallback xmlns="">
+    <mc:Fallback>
       <p:transition spd="med">
         <p:fade/>
       </p:transition>
@@ -8009,20 +8096,20 @@
     </p:spTree>
     <p:extLst>
       <p:ext uri="{BB962C8B-B14F-4D97-AF65-F5344CB8AC3E}">
-        <p14:creationId xmlns:p14="http://schemas.microsoft.com/office/powerpoint/2010/main" val="4207303638"/>
+        <p14:creationId xmlns:p14="http://schemas.microsoft.com/office/powerpoint/2010/main" xmlns="" val="4207303638"/>
       </p:ext>
     </p:extLst>
   </p:cSld>
   <p:clrMapOvr>
     <a:masterClrMapping/>
   </p:clrMapOvr>
-  <mc:AlternateContent xmlns:mc="http://schemas.openxmlformats.org/markup-compatibility/2006" xmlns:p14="http://schemas.microsoft.com/office/powerpoint/2010/main">
-    <mc:Choice Requires="p14">
+  <mc:AlternateContent xmlns:mc="http://schemas.openxmlformats.org/markup-compatibility/2006">
+    <mc:Choice xmlns:p14="http://schemas.microsoft.com/office/powerpoint/2010/main" xmlns="" Requires="p14">
       <p:transition spd="med" p14:dur="700">
         <p:fade/>
       </p:transition>
     </mc:Choice>
-    <mc:Fallback xmlns="">
+    <mc:Fallback>
       <p:transition spd="med">
         <p:fade/>
       </p:transition>
@@ -8116,20 +8203,20 @@
     </p:spTree>
     <p:extLst>
       <p:ext uri="{BB962C8B-B14F-4D97-AF65-F5344CB8AC3E}">
-        <p14:creationId xmlns:p14="http://schemas.microsoft.com/office/powerpoint/2010/main" val="3772183175"/>
+        <p14:creationId xmlns:p14="http://schemas.microsoft.com/office/powerpoint/2010/main" xmlns="" val="3772183175"/>
       </p:ext>
     </p:extLst>
   </p:cSld>
   <p:clrMapOvr>
     <a:masterClrMapping/>
   </p:clrMapOvr>
-  <mc:AlternateContent xmlns:mc="http://schemas.openxmlformats.org/markup-compatibility/2006" xmlns:p14="http://schemas.microsoft.com/office/powerpoint/2010/main">
-    <mc:Choice Requires="p14">
+  <mc:AlternateContent xmlns:mc="http://schemas.openxmlformats.org/markup-compatibility/2006">
+    <mc:Choice xmlns:p14="http://schemas.microsoft.com/office/powerpoint/2010/main" xmlns="" Requires="p14">
       <p:transition spd="med" p14:dur="700">
         <p:fade/>
       </p:transition>
     </mc:Choice>
-    <mc:Fallback xmlns="">
+    <mc:Fallback>
       <p:transition spd="med">
         <p:fade/>
       </p:transition>
@@ -8337,20 +8424,20 @@
     </p:spTree>
     <p:extLst>
       <p:ext uri="{BB962C8B-B14F-4D97-AF65-F5344CB8AC3E}">
-        <p14:creationId xmlns:p14="http://schemas.microsoft.com/office/powerpoint/2010/main" val="911844652"/>
+        <p14:creationId xmlns:p14="http://schemas.microsoft.com/office/powerpoint/2010/main" xmlns="" val="911844652"/>
       </p:ext>
     </p:extLst>
   </p:cSld>
   <p:clrMapOvr>
     <a:masterClrMapping/>
   </p:clrMapOvr>
-  <mc:AlternateContent xmlns:mc="http://schemas.openxmlformats.org/markup-compatibility/2006" xmlns:p14="http://schemas.microsoft.com/office/powerpoint/2010/main">
-    <mc:Choice Requires="p14">
+  <mc:AlternateContent xmlns:mc="http://schemas.openxmlformats.org/markup-compatibility/2006">
+    <mc:Choice xmlns:p14="http://schemas.microsoft.com/office/powerpoint/2010/main" xmlns="" Requires="p14">
       <p:transition spd="med" p14:dur="700">
         <p:fade/>
       </p:transition>
     </mc:Choice>
-    <mc:Fallback xmlns="">
+    <mc:Fallback>
       <p:transition spd="med">
         <p:fade/>
       </p:transition>
@@ -8524,20 +8611,20 @@
     </p:spTree>
     <p:extLst>
       <p:ext uri="{BB962C8B-B14F-4D97-AF65-F5344CB8AC3E}">
-        <p14:creationId xmlns:p14="http://schemas.microsoft.com/office/powerpoint/2010/main" val="3751154171"/>
+        <p14:creationId xmlns:p14="http://schemas.microsoft.com/office/powerpoint/2010/main" xmlns="" val="3751154171"/>
       </p:ext>
     </p:extLst>
   </p:cSld>
   <p:clrMapOvr>
     <a:masterClrMapping/>
   </p:clrMapOvr>
-  <mc:AlternateContent xmlns:mc="http://schemas.openxmlformats.org/markup-compatibility/2006" xmlns:p14="http://schemas.microsoft.com/office/powerpoint/2010/main">
-    <mc:Choice Requires="p14">
+  <mc:AlternateContent xmlns:mc="http://schemas.openxmlformats.org/markup-compatibility/2006">
+    <mc:Choice xmlns:p14="http://schemas.microsoft.com/office/powerpoint/2010/main" xmlns="" Requires="p14">
       <p:transition spd="med" p14:dur="700">
         <p:fade/>
       </p:transition>
     </mc:Choice>
-    <mc:Fallback xmlns="">
+    <mc:Fallback>
       <p:transition spd="med">
         <p:fade/>
       </p:transition>
@@ -8721,20 +8808,20 @@
     </p:spTree>
     <p:extLst>
       <p:ext uri="{BB962C8B-B14F-4D97-AF65-F5344CB8AC3E}">
-        <p14:creationId xmlns:p14="http://schemas.microsoft.com/office/powerpoint/2010/main" val="2714171304"/>
+        <p14:creationId xmlns:p14="http://schemas.microsoft.com/office/powerpoint/2010/main" xmlns="" val="2714171304"/>
       </p:ext>
     </p:extLst>
   </p:cSld>
   <p:clrMapOvr>
     <a:masterClrMapping/>
   </p:clrMapOvr>
-  <mc:AlternateContent xmlns:mc="http://schemas.openxmlformats.org/markup-compatibility/2006" xmlns:p14="http://schemas.microsoft.com/office/powerpoint/2010/main">
-    <mc:Choice Requires="p14">
+  <mc:AlternateContent xmlns:mc="http://schemas.openxmlformats.org/markup-compatibility/2006">
+    <mc:Choice xmlns:p14="http://schemas.microsoft.com/office/powerpoint/2010/main" xmlns="" Requires="p14">
       <p:transition spd="med" p14:dur="700">
         <p:fade/>
       </p:transition>
     </mc:Choice>
-    <mc:Fallback xmlns="">
+    <mc:Fallback>
       <p:transition spd="med">
         <p:fade/>
       </p:transition>
@@ -8913,20 +9000,20 @@
     </p:spTree>
     <p:extLst>
       <p:ext uri="{BB962C8B-B14F-4D97-AF65-F5344CB8AC3E}">
-        <p14:creationId xmlns:p14="http://schemas.microsoft.com/office/powerpoint/2010/main" val="2246987516"/>
+        <p14:creationId xmlns:p14="http://schemas.microsoft.com/office/powerpoint/2010/main" xmlns="" val="2246987516"/>
       </p:ext>
     </p:extLst>
   </p:cSld>
   <p:clrMapOvr>
     <a:masterClrMapping/>
   </p:clrMapOvr>
-  <mc:AlternateContent xmlns:mc="http://schemas.openxmlformats.org/markup-compatibility/2006" xmlns:p14="http://schemas.microsoft.com/office/powerpoint/2010/main">
-    <mc:Choice Requires="p14">
+  <mc:AlternateContent xmlns:mc="http://schemas.openxmlformats.org/markup-compatibility/2006">
+    <mc:Choice xmlns:p14="http://schemas.microsoft.com/office/powerpoint/2010/main" xmlns="" Requires="p14">
       <p:transition spd="med" p14:dur="700">
         <p:fade/>
       </p:transition>
     </mc:Choice>
-    <mc:Fallback xmlns="">
+    <mc:Fallback>
       <p:transition spd="med">
         <p:fade/>
       </p:transition>
@@ -9124,20 +9211,20 @@
     </p:spTree>
     <p:extLst>
       <p:ext uri="{BB962C8B-B14F-4D97-AF65-F5344CB8AC3E}">
-        <p14:creationId xmlns:p14="http://schemas.microsoft.com/office/powerpoint/2010/main" val="3025649002"/>
+        <p14:creationId xmlns:p14="http://schemas.microsoft.com/office/powerpoint/2010/main" xmlns="" val="3025649002"/>
       </p:ext>
     </p:extLst>
   </p:cSld>
   <p:clrMapOvr>
     <a:masterClrMapping/>
   </p:clrMapOvr>
-  <mc:AlternateContent xmlns:mc="http://schemas.openxmlformats.org/markup-compatibility/2006" xmlns:p14="http://schemas.microsoft.com/office/powerpoint/2010/main">
-    <mc:Choice Requires="p14">
+  <mc:AlternateContent xmlns:mc="http://schemas.openxmlformats.org/markup-compatibility/2006">
+    <mc:Choice xmlns:p14="http://schemas.microsoft.com/office/powerpoint/2010/main" xmlns="" Requires="p14">
       <p:transition spd="med" p14:dur="700">
         <p:fade/>
       </p:transition>
     </mc:Choice>
-    <mc:Fallback xmlns="">
+    <mc:Fallback>
       <p:transition spd="med">
         <p:fade/>
       </p:transition>
@@ -9274,20 +9361,20 @@
     </p:spTree>
     <p:extLst>
       <p:ext uri="{BB962C8B-B14F-4D97-AF65-F5344CB8AC3E}">
-        <p14:creationId xmlns:p14="http://schemas.microsoft.com/office/powerpoint/2010/main" val="3410413250"/>
+        <p14:creationId xmlns:p14="http://schemas.microsoft.com/office/powerpoint/2010/main" xmlns="" val="3410413250"/>
       </p:ext>
     </p:extLst>
   </p:cSld>
   <p:clrMapOvr>
     <a:masterClrMapping/>
   </p:clrMapOvr>
-  <mc:AlternateContent xmlns:mc="http://schemas.openxmlformats.org/markup-compatibility/2006" xmlns:p14="http://schemas.microsoft.com/office/powerpoint/2010/main">
-    <mc:Choice Requires="p14">
+  <mc:AlternateContent xmlns:mc="http://schemas.openxmlformats.org/markup-compatibility/2006">
+    <mc:Choice xmlns:p14="http://schemas.microsoft.com/office/powerpoint/2010/main" xmlns="" Requires="p14">
       <p:transition spd="med" p14:dur="700">
         <p:fade/>
       </p:transition>
     </mc:Choice>
-    <mc:Fallback xmlns="">
+    <mc:Fallback>
       <p:transition spd="med">
         <p:fade/>
       </p:transition>
@@ -9487,20 +9574,20 @@
     </p:spTree>
     <p:extLst>
       <p:ext uri="{BB962C8B-B14F-4D97-AF65-F5344CB8AC3E}">
-        <p14:creationId xmlns:p14="http://schemas.microsoft.com/office/powerpoint/2010/main" val="23673588"/>
+        <p14:creationId xmlns:p14="http://schemas.microsoft.com/office/powerpoint/2010/main" xmlns="" val="23673588"/>
       </p:ext>
     </p:extLst>
   </p:cSld>
   <p:clrMapOvr>
     <a:masterClrMapping/>
   </p:clrMapOvr>
-  <mc:AlternateContent xmlns:mc="http://schemas.openxmlformats.org/markup-compatibility/2006" xmlns:p14="http://schemas.microsoft.com/office/powerpoint/2010/main">
-    <mc:Choice Requires="p14">
+  <mc:AlternateContent xmlns:mc="http://schemas.openxmlformats.org/markup-compatibility/2006">
+    <mc:Choice xmlns:p14="http://schemas.microsoft.com/office/powerpoint/2010/main" xmlns="" Requires="p14">
       <p:transition spd="med" p14:dur="700">
         <p:fade/>
       </p:transition>
     </mc:Choice>
-    <mc:Fallback xmlns="">
+    <mc:Fallback>
       <p:transition spd="med">
         <p:fade/>
       </p:transition>
@@ -9759,20 +9846,20 @@
     </p:spTree>
     <p:extLst>
       <p:ext uri="{BB962C8B-B14F-4D97-AF65-F5344CB8AC3E}">
-        <p14:creationId xmlns:p14="http://schemas.microsoft.com/office/powerpoint/2010/main" val="3632379430"/>
+        <p14:creationId xmlns:p14="http://schemas.microsoft.com/office/powerpoint/2010/main" xmlns="" val="3632379430"/>
       </p:ext>
     </p:extLst>
   </p:cSld>
   <p:clrMapOvr>
     <a:masterClrMapping/>
   </p:clrMapOvr>
-  <mc:AlternateContent xmlns:mc="http://schemas.openxmlformats.org/markup-compatibility/2006" xmlns:p14="http://schemas.microsoft.com/office/powerpoint/2010/main">
-    <mc:Choice Requires="p14">
+  <mc:AlternateContent xmlns:mc="http://schemas.openxmlformats.org/markup-compatibility/2006">
+    <mc:Choice xmlns:p14="http://schemas.microsoft.com/office/powerpoint/2010/main" xmlns="" Requires="p14">
       <p:transition spd="med" p14:dur="700">
         <p:fade/>
       </p:transition>
     </mc:Choice>
-    <mc:Fallback xmlns="">
+    <mc:Fallback>
       <p:transition spd="med">
         <p:fade/>
       </p:transition>
@@ -10132,20 +10219,20 @@
     </p:spTree>
     <p:extLst>
       <p:ext uri="{BB962C8B-B14F-4D97-AF65-F5344CB8AC3E}">
-        <p14:creationId xmlns:p14="http://schemas.microsoft.com/office/powerpoint/2010/main" val="2139132589"/>
+        <p14:creationId xmlns:p14="http://schemas.microsoft.com/office/powerpoint/2010/main" xmlns="" val="2139132589"/>
       </p:ext>
     </p:extLst>
   </p:cSld>
   <p:clrMapOvr>
     <a:masterClrMapping/>
   </p:clrMapOvr>
-  <mc:AlternateContent xmlns:mc="http://schemas.openxmlformats.org/markup-compatibility/2006" xmlns:p14="http://schemas.microsoft.com/office/powerpoint/2010/main">
-    <mc:Choice Requires="p14">
+  <mc:AlternateContent xmlns:mc="http://schemas.openxmlformats.org/markup-compatibility/2006">
+    <mc:Choice xmlns:p14="http://schemas.microsoft.com/office/powerpoint/2010/main" xmlns="" Requires="p14">
       <p:transition spd="med" p14:dur="700">
         <p:fade/>
       </p:transition>
     </mc:Choice>
-    <mc:Fallback xmlns="">
+    <mc:Fallback>
       <p:transition spd="med">
         <p:fade/>
       </p:transition>
@@ -10373,20 +10460,20 @@
     </p:spTree>
     <p:extLst>
       <p:ext uri="{BB962C8B-B14F-4D97-AF65-F5344CB8AC3E}">
-        <p14:creationId xmlns:p14="http://schemas.microsoft.com/office/powerpoint/2010/main" val="3204325395"/>
+        <p14:creationId xmlns:p14="http://schemas.microsoft.com/office/powerpoint/2010/main" xmlns="" val="3204325395"/>
       </p:ext>
     </p:extLst>
   </p:cSld>
   <p:clrMapOvr>
     <a:masterClrMapping/>
   </p:clrMapOvr>
-  <mc:AlternateContent xmlns:mc="http://schemas.openxmlformats.org/markup-compatibility/2006" xmlns:p14="http://schemas.microsoft.com/office/powerpoint/2010/main">
-    <mc:Choice Requires="p14">
+  <mc:AlternateContent xmlns:mc="http://schemas.openxmlformats.org/markup-compatibility/2006">
+    <mc:Choice xmlns:p14="http://schemas.microsoft.com/office/powerpoint/2010/main" xmlns="" Requires="p14">
       <p:transition spd="med" p14:dur="700">
         <p:fade/>
       </p:transition>
     </mc:Choice>
-    <mc:Fallback xmlns="">
+    <mc:Fallback>
       <p:transition spd="med">
         <p:fade/>
       </p:transition>
@@ -10572,20 +10659,20 @@
     </p:spTree>
     <p:extLst>
       <p:ext uri="{BB962C8B-B14F-4D97-AF65-F5344CB8AC3E}">
-        <p14:creationId xmlns:p14="http://schemas.microsoft.com/office/powerpoint/2010/main" val="1496383053"/>
+        <p14:creationId xmlns:p14="http://schemas.microsoft.com/office/powerpoint/2010/main" xmlns="" val="1496383053"/>
       </p:ext>
     </p:extLst>
   </p:cSld>
   <p:clrMapOvr>
     <a:masterClrMapping/>
   </p:clrMapOvr>
-  <mc:AlternateContent xmlns:mc="http://schemas.openxmlformats.org/markup-compatibility/2006" xmlns:p14="http://schemas.microsoft.com/office/powerpoint/2010/main">
-    <mc:Choice Requires="p14">
+  <mc:AlternateContent xmlns:mc="http://schemas.openxmlformats.org/markup-compatibility/2006">
+    <mc:Choice xmlns:p14="http://schemas.microsoft.com/office/powerpoint/2010/main" xmlns="" Requires="p14">
       <p:transition spd="med" p14:dur="700">
         <p:fade/>
       </p:transition>
     </mc:Choice>
-    <mc:Fallback xmlns="">
+    <mc:Fallback>
       <p:transition spd="med">
         <p:fade/>
       </p:transition>
@@ -10687,6 +10774,24 @@
               </a:rPr>
               <a:t>Riesgos</a:t>
             </a:r>
+            <a:r>
+              <a:rPr lang="en-US" spc="0" dirty="0" smtClean="0">
+                <a:ln w="0"/>
+                <a:solidFill>
+                  <a:schemeClr val="accent1"/>
+                </a:solidFill>
+                <a:effectLst>
+                  <a:outerShdw blurRad="38100" dist="25400" dir="5400000" algn="ctr" rotWithShape="0">
+                    <a:srgbClr val="6E747A">
+                      <a:alpha val="43000"/>
+                    </a:srgbClr>
+                  </a:outerShdw>
+                </a:effectLst>
+                <a:latin typeface="Segoe UI" panose="020B0502040204020203" pitchFamily="34" charset="0"/>
+                <a:cs typeface="Segoe UI" panose="020B0502040204020203" pitchFamily="34" charset="0"/>
+              </a:rPr>
+              <a:t> (I)</a:t>
+            </a:r>
             <a:endParaRPr lang="en-US" spc="0" dirty="0">
               <a:ln w="0"/>
               <a:solidFill>
@@ -10717,9 +10822,16 @@
         </p:nvSpPr>
         <p:spPr/>
         <p:txBody>
-          <a:bodyPr/>
+          <a:bodyPr>
+            <a:normAutofit/>
+          </a:bodyPr>
           <a:lstStyle/>
           <a:p>
+            <a:pPr>
+              <a:lnSpc>
+                <a:spcPct val="170000"/>
+              </a:lnSpc>
+            </a:pPr>
             <a:r>
               <a:rPr lang="es-AR" dirty="0" smtClean="0">
                 <a:latin typeface="Segoe UI" pitchFamily="34" charset="0"/>
@@ -10730,6 +10842,11 @@
             </a:r>
           </a:p>
           <a:p>
+            <a:pPr>
+              <a:lnSpc>
+                <a:spcPct val="170000"/>
+              </a:lnSpc>
+            </a:pPr>
             <a:r>
               <a:rPr lang="es-AR" dirty="0" smtClean="0">
                 <a:latin typeface="Segoe UI" pitchFamily="34" charset="0"/>
@@ -10740,6 +10857,11 @@
             </a:r>
           </a:p>
           <a:p>
+            <a:pPr>
+              <a:lnSpc>
+                <a:spcPct val="170000"/>
+              </a:lnSpc>
+            </a:pPr>
             <a:r>
               <a:rPr lang="es-AR" dirty="0" smtClean="0">
                 <a:latin typeface="Segoe UI" pitchFamily="34" charset="0"/>
@@ -10750,65 +10872,52 @@
             </a:r>
           </a:p>
           <a:p>
+            <a:pPr>
+              <a:lnSpc>
+                <a:spcPct val="170000"/>
+              </a:lnSpc>
+            </a:pPr>
             <a:r>
               <a:rPr lang="es-AR" dirty="0" smtClean="0">
                 <a:latin typeface="Segoe UI" pitchFamily="34" charset="0"/>
                 <a:ea typeface="Segoe UI" pitchFamily="34" charset="0"/>
                 <a:cs typeface="Segoe UI" pitchFamily="34" charset="0"/>
               </a:rPr>
-              <a:t>Robo de documentación</a:t>
-            </a:r>
-          </a:p>
-          <a:p>
+              <a:t>Robo de </a:t>
+            </a:r>
             <a:r>
               <a:rPr lang="es-AR" dirty="0" smtClean="0">
                 <a:latin typeface="Segoe UI" pitchFamily="34" charset="0"/>
                 <a:ea typeface="Segoe UI" pitchFamily="34" charset="0"/>
                 <a:cs typeface="Segoe UI" pitchFamily="34" charset="0"/>
               </a:rPr>
-              <a:t>Información clave en manos del enemigo</a:t>
-            </a:r>
-          </a:p>
-          <a:p>
-            <a:r>
-              <a:rPr lang="es-AR" dirty="0" smtClean="0">
-                <a:latin typeface="Segoe UI" pitchFamily="34" charset="0"/>
-                <a:ea typeface="Segoe UI" pitchFamily="34" charset="0"/>
-                <a:cs typeface="Segoe UI" pitchFamily="34" charset="0"/>
-              </a:rPr>
-              <a:t>Pérdida de información</a:t>
-            </a:r>
-          </a:p>
-          <a:p>
-            <a:pPr lvl="1"/>
-            <a:r>
-              <a:rPr lang="es-AR" dirty="0" smtClean="0">
-                <a:latin typeface="Segoe UI" pitchFamily="34" charset="0"/>
-                <a:ea typeface="Segoe UI" pitchFamily="34" charset="0"/>
-                <a:cs typeface="Segoe UI" pitchFamily="34" charset="0"/>
-              </a:rPr>
-              <a:t>Siniestros</a:t>
-            </a:r>
+              <a:t>documentación</a:t>
+            </a:r>
+            <a:endParaRPr lang="es-AR" dirty="0" smtClean="0">
+              <a:latin typeface="Segoe UI" pitchFamily="34" charset="0"/>
+              <a:ea typeface="Segoe UI" pitchFamily="34" charset="0"/>
+              <a:cs typeface="Segoe UI" pitchFamily="34" charset="0"/>
+            </a:endParaRPr>
           </a:p>
         </p:txBody>
       </p:sp>
     </p:spTree>
     <p:extLst>
       <p:ext uri="{BB962C8B-B14F-4D97-AF65-F5344CB8AC3E}">
-        <p14:creationId xmlns:p14="http://schemas.microsoft.com/office/powerpoint/2010/main" val="1679218424"/>
+        <p14:creationId xmlns:p14="http://schemas.microsoft.com/office/powerpoint/2010/main" xmlns="" val="1679218424"/>
       </p:ext>
     </p:extLst>
   </p:cSld>
   <p:clrMapOvr>
     <a:masterClrMapping/>
   </p:clrMapOvr>
-  <mc:AlternateContent xmlns:mc="http://schemas.openxmlformats.org/markup-compatibility/2006" xmlns:p14="http://schemas.microsoft.com/office/powerpoint/2010/main">
-    <mc:Choice Requires="p14">
+  <mc:AlternateContent xmlns:mc="http://schemas.openxmlformats.org/markup-compatibility/2006">
+    <mc:Choice xmlns:p14="http://schemas.microsoft.com/office/powerpoint/2010/main" xmlns="" Requires="p14">
       <p:transition spd="med" p14:dur="700">
         <p:fade/>
       </p:transition>
     </mc:Choice>
-    <mc:Fallback xmlns="">
+    <mc:Fallback>
       <p:transition spd="med">
         <p:fade/>
       </p:transition>
@@ -10843,7 +10952,7 @@
       </p:grpSpPr>
       <p:sp>
         <p:nvSpPr>
-          <p:cNvPr id="2" name="1 Título"/>
+          <p:cNvPr id="13" name="Title 12"/>
           <p:cNvSpPr>
             <a:spLocks noGrp="1"/>
           </p:cNvSpPr>
@@ -10857,7 +10966,7 @@
           <a:lstStyle/>
           <a:p>
             <a:r>
-              <a:rPr lang="en-US" spc="0" dirty="0" err="1" smtClean="0">
+              <a:rPr lang="en-US" spc="0" dirty="0" err="1">
                 <a:ln w="0"/>
                 <a:solidFill>
                   <a:schemeClr val="accent1"/>
@@ -10875,7 +10984,7 @@
               <a:t>Siglo</a:t>
             </a:r>
             <a:r>
-              <a:rPr lang="en-US" spc="0" dirty="0" smtClean="0">
+              <a:rPr lang="en-US" spc="0" dirty="0">
                 <a:ln w="0"/>
                 <a:solidFill>
                   <a:schemeClr val="accent1"/>
@@ -10908,7 +11017,7 @@
                 <a:latin typeface="Segoe UI" panose="020B0502040204020203" pitchFamily="34" charset="0"/>
                 <a:cs typeface="Segoe UI" panose="020B0502040204020203" pitchFamily="34" charset="0"/>
               </a:rPr>
-              <a:t>Casos</a:t>
+              <a:t>Riesgos</a:t>
             </a:r>
             <a:r>
               <a:rPr lang="en-US" spc="0" dirty="0" smtClean="0">
@@ -10926,33 +11035,29 @@
                 <a:latin typeface="Segoe UI" panose="020B0502040204020203" pitchFamily="34" charset="0"/>
                 <a:cs typeface="Segoe UI" panose="020B0502040204020203" pitchFamily="34" charset="0"/>
               </a:rPr>
-              <a:t> </a:t>
-            </a:r>
-            <a:r>
-              <a:rPr lang="en-US" spc="0" dirty="0" err="1" smtClean="0">
-                <a:ln w="0"/>
-                <a:solidFill>
-                  <a:schemeClr val="accent1"/>
-                </a:solidFill>
-                <a:effectLst>
-                  <a:outerShdw blurRad="38100" dist="25400" dir="5400000" algn="ctr" rotWithShape="0">
-                    <a:srgbClr val="6E747A">
-                      <a:alpha val="43000"/>
-                    </a:srgbClr>
-                  </a:outerShdw>
-                </a:effectLst>
-                <a:latin typeface="Segoe UI" panose="020B0502040204020203" pitchFamily="34" charset="0"/>
-                <a:cs typeface="Segoe UI" panose="020B0502040204020203" pitchFamily="34" charset="0"/>
-              </a:rPr>
-              <a:t>reales</a:t>
-            </a:r>
-            <a:endParaRPr lang="es-AR" dirty="0"/>
-          </a:p>
-        </p:txBody>
-      </p:sp>
-      <p:sp>
-        <p:nvSpPr>
-          <p:cNvPr id="3" name="2 Marcador de contenido"/>
+              <a:t> (II)</a:t>
+            </a:r>
+            <a:endParaRPr lang="en-US" spc="0" dirty="0">
+              <a:ln w="0"/>
+              <a:solidFill>
+                <a:schemeClr val="accent1"/>
+              </a:solidFill>
+              <a:effectLst>
+                <a:outerShdw blurRad="38100" dist="25400" dir="5400000" algn="ctr" rotWithShape="0">
+                  <a:srgbClr val="6E747A">
+                    <a:alpha val="43000"/>
+                  </a:srgbClr>
+                </a:outerShdw>
+              </a:effectLst>
+              <a:latin typeface="Segoe UI" panose="020B0502040204020203" pitchFamily="34" charset="0"/>
+              <a:cs typeface="Segoe UI" panose="020B0502040204020203" pitchFamily="34" charset="0"/>
+            </a:endParaRPr>
+          </a:p>
+        </p:txBody>
+      </p:sp>
+      <p:sp>
+        <p:nvSpPr>
+          <p:cNvPr id="2" name="Content Placeholder 1"/>
           <p:cNvSpPr>
             <a:spLocks noGrp="1"/>
           </p:cNvSpPr>
@@ -10962,97 +11067,74 @@
         </p:nvSpPr>
         <p:spPr/>
         <p:txBody>
-          <a:bodyPr/>
+          <a:bodyPr>
+            <a:normAutofit/>
+          </a:bodyPr>
           <a:lstStyle/>
           <a:p>
+            <a:pPr>
+              <a:lnSpc>
+                <a:spcPct val="170000"/>
+              </a:lnSpc>
+            </a:pPr>
             <a:r>
               <a:rPr lang="es-AR" dirty="0" smtClean="0">
                 <a:latin typeface="Segoe UI" pitchFamily="34" charset="0"/>
                 <a:ea typeface="Segoe UI" pitchFamily="34" charset="0"/>
                 <a:cs typeface="Segoe UI" pitchFamily="34" charset="0"/>
               </a:rPr>
-              <a:t>Guerra Civil Americana</a:t>
-            </a:r>
-          </a:p>
-          <a:p>
-            <a:pPr lvl="1"/>
+              <a:t>Información clave en manos del enemigo</a:t>
+            </a:r>
+          </a:p>
+          <a:p>
+            <a:pPr>
+              <a:lnSpc>
+                <a:spcPct val="170000"/>
+              </a:lnSpc>
+            </a:pPr>
             <a:r>
               <a:rPr lang="es-AR" dirty="0" smtClean="0">
                 <a:latin typeface="Segoe UI" pitchFamily="34" charset="0"/>
                 <a:ea typeface="Segoe UI" pitchFamily="34" charset="0"/>
                 <a:cs typeface="Segoe UI" pitchFamily="34" charset="0"/>
               </a:rPr>
-              <a:t>Unión – Sustitución + Transposición</a:t>
-            </a:r>
-          </a:p>
-          <a:p>
-            <a:pPr lvl="1"/>
+              <a:t>Pérdida de información</a:t>
+            </a:r>
+          </a:p>
+          <a:p>
+            <a:pPr lvl="1">
+              <a:lnSpc>
+                <a:spcPct val="170000"/>
+              </a:lnSpc>
+            </a:pPr>
             <a:r>
               <a:rPr lang="es-AR" dirty="0" smtClean="0">
                 <a:latin typeface="Segoe UI" pitchFamily="34" charset="0"/>
                 <a:ea typeface="Segoe UI" pitchFamily="34" charset="0"/>
                 <a:cs typeface="Segoe UI" pitchFamily="34" charset="0"/>
               </a:rPr>
-              <a:t>Confederados - Vigenère </a:t>
-            </a:r>
-          </a:p>
-          <a:p>
-            <a:r>
-              <a:rPr lang="es-AR" dirty="0" smtClean="0">
-                <a:latin typeface="Segoe UI" pitchFamily="34" charset="0"/>
-                <a:ea typeface="Segoe UI" pitchFamily="34" charset="0"/>
-                <a:cs typeface="Segoe UI" pitchFamily="34" charset="0"/>
-              </a:rPr>
-              <a:t>Telegrama Zimmermann</a:t>
-            </a:r>
-          </a:p>
-          <a:p>
-            <a:r>
-              <a:rPr lang="es-AR" dirty="0" smtClean="0">
-                <a:latin typeface="Segoe UI" pitchFamily="34" charset="0"/>
-                <a:ea typeface="Segoe UI" pitchFamily="34" charset="0"/>
-                <a:cs typeface="Segoe UI" pitchFamily="34" charset="0"/>
-              </a:rPr>
-              <a:t>Máquina de Colossus</a:t>
-            </a:r>
-          </a:p>
-          <a:p>
-            <a:r>
-              <a:rPr lang="es-AR" dirty="0" smtClean="0">
-                <a:latin typeface="Segoe UI" pitchFamily="34" charset="0"/>
-                <a:ea typeface="Segoe UI" pitchFamily="34" charset="0"/>
-                <a:cs typeface="Segoe UI" pitchFamily="34" charset="0"/>
-              </a:rPr>
-              <a:t>Coca Cola - 1886</a:t>
-            </a:r>
-          </a:p>
-          <a:p>
-            <a:r>
-              <a:rPr lang="es-AR" dirty="0" smtClean="0">
-                <a:latin typeface="Segoe UI" pitchFamily="34" charset="0"/>
-                <a:ea typeface="Segoe UI" pitchFamily="34" charset="0"/>
-                <a:cs typeface="Segoe UI" pitchFamily="34" charset="0"/>
-              </a:rPr>
-              <a:t>Automóvil</a:t>
-            </a:r>
-          </a:p>
-          <a:p>
-            <a:endParaRPr lang="es-AR" dirty="0"/>
+              <a:t>Siniestros</a:t>
+            </a:r>
           </a:p>
         </p:txBody>
       </p:sp>
     </p:spTree>
+    <p:extLst>
+      <p:ext uri="{BB962C8B-B14F-4D97-AF65-F5344CB8AC3E}">
+        <p14:creationId xmlns:p14="http://schemas.microsoft.com/office/powerpoint/2010/main" xmlns="" val="1679218424"/>
+      </p:ext>
+    </p:extLst>
   </p:cSld>
   <p:clrMapOvr>
     <a:masterClrMapping/>
   </p:clrMapOvr>
-  <mc:AlternateContent xmlns:mc="http://schemas.openxmlformats.org/markup-compatibility/2006" xmlns:p14="http://schemas.microsoft.com/office/powerpoint/2010/main">
-    <mc:Choice Requires="p14">
+  <mc:AlternateContent xmlns:mc="http://schemas.openxmlformats.org/markup-compatibility/2006">
+    <mc:Choice xmlns:p14="http://schemas.microsoft.com/office/powerpoint/2010/main" xmlns="" Requires="p14">
       <p:transition spd="med" p14:dur="700">
         <p:fade/>
       </p:transition>
     </mc:Choice>
-    <mc:Fallback xmlns="">
+    <mc:Fallback>
       <p:transition spd="med">
         <p:fade/>
       </p:transition>
@@ -11206,7 +11288,7 @@
                 <a:latin typeface="Segoe UI" panose="020B0502040204020203" pitchFamily="34" charset="0"/>
                 <a:cs typeface="Segoe UI" panose="020B0502040204020203" pitchFamily="34" charset="0"/>
               </a:rPr>
-              <a:t> (cont.)</a:t>
+              <a:t> (I)</a:t>
             </a:r>
             <a:endParaRPr lang="es-AR" dirty="0"/>
           </a:p>
@@ -11224,47 +11306,121 @@
         </p:nvSpPr>
         <p:spPr/>
         <p:txBody>
-          <a:bodyPr/>
+          <a:bodyPr>
+            <a:normAutofit/>
+          </a:bodyPr>
           <a:lstStyle/>
           <a:p>
+            <a:pPr>
+              <a:lnSpc>
+                <a:spcPct val="150000"/>
+              </a:lnSpc>
+            </a:pPr>
             <a:r>
               <a:rPr lang="es-AR" dirty="0" smtClean="0">
                 <a:latin typeface="Segoe UI" pitchFamily="34" charset="0"/>
                 <a:ea typeface="Segoe UI" pitchFamily="34" charset="0"/>
                 <a:cs typeface="Segoe UI" pitchFamily="34" charset="0"/>
               </a:rPr>
-              <a:t>Radiografía</a:t>
-            </a:r>
-          </a:p>
-          <a:p>
+              <a:t>Guerra Civil </a:t>
+            </a:r>
             <a:r>
               <a:rPr lang="es-AR" dirty="0" smtClean="0">
                 <a:latin typeface="Segoe UI" pitchFamily="34" charset="0"/>
                 <a:ea typeface="Segoe UI" pitchFamily="34" charset="0"/>
                 <a:cs typeface="Segoe UI" pitchFamily="34" charset="0"/>
               </a:rPr>
-              <a:t>Filmaciones o Imágenes en Movimiento</a:t>
-            </a:r>
-          </a:p>
-          <a:p>
+              <a:t>Americana</a:t>
+            </a:r>
+          </a:p>
+          <a:p>
+            <a:pPr lvl="1">
+              <a:lnSpc>
+                <a:spcPct val="150000"/>
+              </a:lnSpc>
+            </a:pPr>
             <a:r>
               <a:rPr lang="es-AR" dirty="0" smtClean="0">
                 <a:latin typeface="Segoe UI" pitchFamily="34" charset="0"/>
                 <a:ea typeface="Segoe UI" pitchFamily="34" charset="0"/>
                 <a:cs typeface="Segoe UI" pitchFamily="34" charset="0"/>
               </a:rPr>
-              <a:t>Teléfono</a:t>
-            </a:r>
-          </a:p>
-          <a:p>
+              <a:t>Unión – Sustitución + Transposición</a:t>
+            </a:r>
+          </a:p>
+          <a:p>
+            <a:pPr lvl="1">
+              <a:lnSpc>
+                <a:spcPct val="150000"/>
+              </a:lnSpc>
+            </a:pPr>
+            <a:r>
+              <a:rPr lang="es-AR" sz="2200" dirty="0" smtClean="0">
+                <a:latin typeface="Segoe UI" pitchFamily="34" charset="0"/>
+                <a:ea typeface="Segoe UI" pitchFamily="34" charset="0"/>
+                <a:cs typeface="Segoe UI" pitchFamily="34" charset="0"/>
+              </a:rPr>
+              <a:t>Confederados </a:t>
+            </a:r>
+            <a:r>
+              <a:rPr lang="es-AR" sz="2200" dirty="0" smtClean="0">
+                <a:latin typeface="Segoe UI" pitchFamily="34" charset="0"/>
+                <a:ea typeface="Segoe UI" pitchFamily="34" charset="0"/>
+                <a:cs typeface="Segoe UI" pitchFamily="34" charset="0"/>
+              </a:rPr>
+              <a:t>- Vigenère </a:t>
+            </a:r>
+          </a:p>
+          <a:p>
+            <a:pPr>
+              <a:lnSpc>
+                <a:spcPct val="150000"/>
+              </a:lnSpc>
+            </a:pPr>
             <a:r>
               <a:rPr lang="es-AR" dirty="0" smtClean="0">
                 <a:latin typeface="Segoe UI" pitchFamily="34" charset="0"/>
                 <a:ea typeface="Segoe UI" pitchFamily="34" charset="0"/>
                 <a:cs typeface="Segoe UI" pitchFamily="34" charset="0"/>
               </a:rPr>
-              <a:t>Bombilla Eléctrica</a:t>
-            </a:r>
+              <a:t>Cola-Cola – 1886</a:t>
+            </a:r>
+          </a:p>
+          <a:p>
+            <a:pPr lvl="1">
+              <a:lnSpc>
+                <a:spcPct val="150000"/>
+              </a:lnSpc>
+            </a:pPr>
+            <a:r>
+              <a:rPr lang="es-AR" sz="2000" dirty="0" smtClean="0">
+                <a:latin typeface="Segoe UI" pitchFamily="34" charset="0"/>
+                <a:ea typeface="Segoe UI" pitchFamily="34" charset="0"/>
+                <a:cs typeface="Segoe UI" pitchFamily="34" charset="0"/>
+              </a:rPr>
+              <a:t>2 únicos directivos tienen acceso a la </a:t>
+            </a:r>
+            <a:r>
+              <a:rPr lang="es-AR" sz="2000" dirty="0" smtClean="0">
+                <a:latin typeface="Segoe UI" pitchFamily="34" charset="0"/>
+                <a:ea typeface="Segoe UI" pitchFamily="34" charset="0"/>
+                <a:cs typeface="Segoe UI" pitchFamily="34" charset="0"/>
+              </a:rPr>
+              <a:t>f</a:t>
+            </a:r>
+            <a:r>
+              <a:rPr lang="es-AR" sz="2000" dirty="0" smtClean="0">
+                <a:latin typeface="Segoe UI" pitchFamily="34" charset="0"/>
+                <a:ea typeface="Segoe UI" pitchFamily="34" charset="0"/>
+                <a:cs typeface="Segoe UI" pitchFamily="34" charset="0"/>
+              </a:rPr>
+              <a:t>órmula </a:t>
+            </a:r>
+            <a:endParaRPr lang="es-AR" sz="2000" dirty="0" smtClean="0">
+              <a:latin typeface="Segoe UI" pitchFamily="34" charset="0"/>
+              <a:ea typeface="Segoe UI" pitchFamily="34" charset="0"/>
+              <a:cs typeface="Segoe UI" pitchFamily="34" charset="0"/>
+            </a:endParaRPr>
           </a:p>
           <a:p>
             <a:endParaRPr lang="es-AR" dirty="0"/>
@@ -11276,13 +11432,13 @@
   <p:clrMapOvr>
     <a:masterClrMapping/>
   </p:clrMapOvr>
-  <mc:AlternateContent xmlns:mc="http://schemas.openxmlformats.org/markup-compatibility/2006" xmlns:p14="http://schemas.microsoft.com/office/powerpoint/2010/main">
-    <mc:Choice Requires="p14">
+  <mc:AlternateContent xmlns:mc="http://schemas.openxmlformats.org/markup-compatibility/2006">
+    <mc:Choice xmlns:p14="http://schemas.microsoft.com/office/powerpoint/2010/main" xmlns="" Requires="p14">
       <p:transition spd="med" p14:dur="700">
         <p:fade/>
       </p:transition>
     </mc:Choice>
-    <mc:Fallback xmlns="">
+    <mc:Fallback>
       <p:transition spd="med">
         <p:fade/>
       </p:transition>
@@ -11317,7 +11473,7 @@
       </p:grpSpPr>
       <p:sp>
         <p:nvSpPr>
-          <p:cNvPr id="2" name="Title 1"/>
+          <p:cNvPr id="2" name="1 Título"/>
           <p:cNvSpPr>
             <a:spLocks noGrp="1"/>
           </p:cNvSpPr>
@@ -11331,65 +11487,283 @@
           <a:lstStyle/>
           <a:p>
             <a:r>
-              <a:rPr lang="es-AR" b="1" i="1" dirty="0" smtClean="0">
-                <a:latin typeface="Segoe UI" panose="020B0502040204020203" pitchFamily="34" charset="0"/>
-                <a:cs typeface="Segoe UI" panose="020B0502040204020203" pitchFamily="34" charset="0"/>
-              </a:rPr>
-              <a:t>Siglo XXI</a:t>
-            </a:r>
-            <a:endParaRPr lang="es-AR" b="1" i="1" dirty="0">
-              <a:latin typeface="Segoe UI" panose="020B0502040204020203" pitchFamily="34" charset="0"/>
-              <a:cs typeface="Segoe UI" panose="020B0502040204020203" pitchFamily="34" charset="0"/>
+              <a:rPr lang="en-US" spc="0" dirty="0" err="1" smtClean="0">
+                <a:ln w="0"/>
+                <a:solidFill>
+                  <a:schemeClr val="accent1"/>
+                </a:solidFill>
+                <a:effectLst>
+                  <a:outerShdw blurRad="38100" dist="25400" dir="5400000" algn="ctr" rotWithShape="0">
+                    <a:srgbClr val="6E747A">
+                      <a:alpha val="43000"/>
+                    </a:srgbClr>
+                  </a:outerShdw>
+                </a:effectLst>
+                <a:latin typeface="Segoe UI" panose="020B0502040204020203" pitchFamily="34" charset="0"/>
+                <a:cs typeface="Segoe UI" panose="020B0502040204020203" pitchFamily="34" charset="0"/>
+              </a:rPr>
+              <a:t>Siglo</a:t>
+            </a:r>
+            <a:r>
+              <a:rPr lang="en-US" spc="0" dirty="0" smtClean="0">
+                <a:ln w="0"/>
+                <a:solidFill>
+                  <a:schemeClr val="accent1"/>
+                </a:solidFill>
+                <a:effectLst>
+                  <a:outerShdw blurRad="38100" dist="25400" dir="5400000" algn="ctr" rotWithShape="0">
+                    <a:srgbClr val="6E747A">
+                      <a:alpha val="43000"/>
+                    </a:srgbClr>
+                  </a:outerShdw>
+                </a:effectLst>
+                <a:latin typeface="Segoe UI" panose="020B0502040204020203" pitchFamily="34" charset="0"/>
+                <a:cs typeface="Segoe UI" panose="020B0502040204020203" pitchFamily="34" charset="0"/>
+              </a:rPr>
+              <a:t> XIX – </a:t>
+            </a:r>
+            <a:r>
+              <a:rPr lang="en-US" spc="0" dirty="0" err="1" smtClean="0">
+                <a:ln w="0"/>
+                <a:solidFill>
+                  <a:schemeClr val="accent1"/>
+                </a:solidFill>
+                <a:effectLst>
+                  <a:outerShdw blurRad="38100" dist="25400" dir="5400000" algn="ctr" rotWithShape="0">
+                    <a:srgbClr val="6E747A">
+                      <a:alpha val="43000"/>
+                    </a:srgbClr>
+                  </a:outerShdw>
+                </a:effectLst>
+                <a:latin typeface="Segoe UI" panose="020B0502040204020203" pitchFamily="34" charset="0"/>
+                <a:cs typeface="Segoe UI" panose="020B0502040204020203" pitchFamily="34" charset="0"/>
+              </a:rPr>
+              <a:t>Casos</a:t>
+            </a:r>
+            <a:r>
+              <a:rPr lang="en-US" spc="0" dirty="0" smtClean="0">
+                <a:ln w="0"/>
+                <a:solidFill>
+                  <a:schemeClr val="accent1"/>
+                </a:solidFill>
+                <a:effectLst>
+                  <a:outerShdw blurRad="38100" dist="25400" dir="5400000" algn="ctr" rotWithShape="0">
+                    <a:srgbClr val="6E747A">
+                      <a:alpha val="43000"/>
+                    </a:srgbClr>
+                  </a:outerShdw>
+                </a:effectLst>
+                <a:latin typeface="Segoe UI" panose="020B0502040204020203" pitchFamily="34" charset="0"/>
+                <a:cs typeface="Segoe UI" panose="020B0502040204020203" pitchFamily="34" charset="0"/>
+              </a:rPr>
+              <a:t> </a:t>
+            </a:r>
+            <a:r>
+              <a:rPr lang="en-US" spc="0" dirty="0" err="1" smtClean="0">
+                <a:ln w="0"/>
+                <a:solidFill>
+                  <a:schemeClr val="accent1"/>
+                </a:solidFill>
+                <a:effectLst>
+                  <a:outerShdw blurRad="38100" dist="25400" dir="5400000" algn="ctr" rotWithShape="0">
+                    <a:srgbClr val="6E747A">
+                      <a:alpha val="43000"/>
+                    </a:srgbClr>
+                  </a:outerShdw>
+                </a:effectLst>
+                <a:latin typeface="Segoe UI" panose="020B0502040204020203" pitchFamily="34" charset="0"/>
+                <a:cs typeface="Segoe UI" panose="020B0502040204020203" pitchFamily="34" charset="0"/>
+              </a:rPr>
+              <a:t>reales</a:t>
+            </a:r>
+            <a:r>
+              <a:rPr lang="en-US" spc="0" dirty="0" smtClean="0">
+                <a:ln w="0"/>
+                <a:solidFill>
+                  <a:schemeClr val="accent1"/>
+                </a:solidFill>
+                <a:effectLst>
+                  <a:outerShdw blurRad="38100" dist="25400" dir="5400000" algn="ctr" rotWithShape="0">
+                    <a:srgbClr val="6E747A">
+                      <a:alpha val="43000"/>
+                    </a:srgbClr>
+                  </a:outerShdw>
+                </a:effectLst>
+                <a:latin typeface="Segoe UI" panose="020B0502040204020203" pitchFamily="34" charset="0"/>
+                <a:cs typeface="Segoe UI" panose="020B0502040204020203" pitchFamily="34" charset="0"/>
+              </a:rPr>
+              <a:t> </a:t>
+            </a:r>
+            <a:r>
+              <a:rPr lang="en-US" spc="0" dirty="0" smtClean="0">
+                <a:ln w="0"/>
+                <a:solidFill>
+                  <a:schemeClr val="accent1"/>
+                </a:solidFill>
+                <a:effectLst>
+                  <a:outerShdw blurRad="38100" dist="25400" dir="5400000" algn="ctr" rotWithShape="0">
+                    <a:srgbClr val="6E747A">
+                      <a:alpha val="43000"/>
+                    </a:srgbClr>
+                  </a:outerShdw>
+                </a:effectLst>
+                <a:latin typeface="Segoe UI" panose="020B0502040204020203" pitchFamily="34" charset="0"/>
+                <a:cs typeface="Segoe UI" panose="020B0502040204020203" pitchFamily="34" charset="0"/>
+              </a:rPr>
+              <a:t>(II)</a:t>
+            </a:r>
+            <a:endParaRPr lang="es-AR" dirty="0"/>
+          </a:p>
+        </p:txBody>
+      </p:sp>
+      <p:sp>
+        <p:nvSpPr>
+          <p:cNvPr id="3" name="2 Marcador de contenido"/>
+          <p:cNvSpPr>
+            <a:spLocks noGrp="1"/>
+          </p:cNvSpPr>
+          <p:nvPr>
+            <p:ph idx="1"/>
+          </p:nvPr>
+        </p:nvSpPr>
+        <p:spPr/>
+        <p:txBody>
+          <a:bodyPr>
+            <a:normAutofit/>
+          </a:bodyPr>
+          <a:lstStyle/>
+          <a:p>
+            <a:pPr>
+              <a:lnSpc>
+                <a:spcPct val="150000"/>
+              </a:lnSpc>
+            </a:pPr>
+            <a:r>
+              <a:rPr lang="es-AR" dirty="0" smtClean="0">
+                <a:latin typeface="Segoe UI" pitchFamily="34" charset="0"/>
+                <a:ea typeface="Segoe UI" pitchFamily="34" charset="0"/>
+                <a:cs typeface="Segoe UI" pitchFamily="34" charset="0"/>
+              </a:rPr>
+              <a:t>Automóvil</a:t>
+            </a:r>
+          </a:p>
+          <a:p>
+            <a:pPr lvl="1">
+              <a:lnSpc>
+                <a:spcPct val="150000"/>
+              </a:lnSpc>
+            </a:pPr>
+            <a:r>
+              <a:rPr lang="es-AR" sz="2000" dirty="0" smtClean="0">
+                <a:latin typeface="Segoe UI" pitchFamily="34" charset="0"/>
+                <a:ea typeface="Segoe UI" pitchFamily="34" charset="0"/>
+                <a:cs typeface="Segoe UI" pitchFamily="34" charset="0"/>
+              </a:rPr>
+              <a:t>Auto moderno – 1885 – Henry Ford o Karl Benz?</a:t>
+            </a:r>
+            <a:endParaRPr lang="es-AR" sz="2000" dirty="0" smtClean="0">
+              <a:latin typeface="Segoe UI" pitchFamily="34" charset="0"/>
+              <a:ea typeface="Segoe UI" pitchFamily="34" charset="0"/>
+              <a:cs typeface="Segoe UI" pitchFamily="34" charset="0"/>
             </a:endParaRPr>
           </a:p>
-        </p:txBody>
-      </p:sp>
-      <p:sp>
-        <p:nvSpPr>
-          <p:cNvPr id="3" name="Text Placeholder 2"/>
-          <p:cNvSpPr>
-            <a:spLocks noGrp="1"/>
-          </p:cNvSpPr>
-          <p:nvPr>
-            <p:ph type="body" idx="1"/>
-          </p:nvPr>
-        </p:nvSpPr>
-        <p:spPr/>
-        <p:txBody>
-          <a:bodyPr/>
-          <a:lstStyle/>
-          <a:p>
+          <a:p>
+            <a:pPr>
+              <a:lnSpc>
+                <a:spcPct val="150000"/>
+              </a:lnSpc>
+            </a:pPr>
             <a:r>
               <a:rPr lang="es-AR" dirty="0" smtClean="0">
-                <a:latin typeface="Segoe UI" panose="020B0502040204020203" pitchFamily="34" charset="0"/>
-                <a:cs typeface="Segoe UI" panose="020B0502040204020203" pitchFamily="34" charset="0"/>
-              </a:rPr>
-              <a:t>La información como activo primordial</a:t>
-            </a:r>
-            <a:endParaRPr lang="es-AR" dirty="0">
-              <a:latin typeface="Segoe UI" panose="020B0502040204020203" pitchFamily="34" charset="0"/>
-              <a:cs typeface="Segoe UI" panose="020B0502040204020203" pitchFamily="34" charset="0"/>
+                <a:latin typeface="Segoe UI" pitchFamily="34" charset="0"/>
+                <a:ea typeface="Segoe UI" pitchFamily="34" charset="0"/>
+                <a:cs typeface="Segoe UI" pitchFamily="34" charset="0"/>
+              </a:rPr>
+              <a:t>Radiografía</a:t>
+            </a:r>
+            <a:endParaRPr lang="es-AR" dirty="0" smtClean="0">
+              <a:latin typeface="Segoe UI" pitchFamily="34" charset="0"/>
+              <a:ea typeface="Segoe UI" pitchFamily="34" charset="0"/>
+              <a:cs typeface="Segoe UI" pitchFamily="34" charset="0"/>
             </a:endParaRPr>
           </a:p>
+          <a:p>
+            <a:pPr>
+              <a:lnSpc>
+                <a:spcPct val="150000"/>
+              </a:lnSpc>
+            </a:pPr>
+            <a:r>
+              <a:rPr lang="es-AR" dirty="0" smtClean="0">
+                <a:latin typeface="Segoe UI" pitchFamily="34" charset="0"/>
+                <a:ea typeface="Segoe UI" pitchFamily="34" charset="0"/>
+                <a:cs typeface="Segoe UI" pitchFamily="34" charset="0"/>
+              </a:rPr>
+              <a:t>Filmaciones o Imágenes en </a:t>
+            </a:r>
+            <a:r>
+              <a:rPr lang="es-AR" dirty="0" smtClean="0">
+                <a:latin typeface="Segoe UI" pitchFamily="34" charset="0"/>
+                <a:ea typeface="Segoe UI" pitchFamily="34" charset="0"/>
+                <a:cs typeface="Segoe UI" pitchFamily="34" charset="0"/>
+              </a:rPr>
+              <a:t>Movimiento</a:t>
+            </a:r>
+          </a:p>
+          <a:p>
+            <a:pPr>
+              <a:lnSpc>
+                <a:spcPct val="150000"/>
+              </a:lnSpc>
+            </a:pPr>
+            <a:r>
+              <a:rPr lang="es-AR" dirty="0" smtClean="0">
+                <a:latin typeface="Segoe UI" pitchFamily="34" charset="0"/>
+                <a:ea typeface="Segoe UI" pitchFamily="34" charset="0"/>
+                <a:cs typeface="Segoe UI" pitchFamily="34" charset="0"/>
+              </a:rPr>
+              <a:t>Teléfono</a:t>
+            </a:r>
+          </a:p>
+          <a:p>
+            <a:pPr>
+              <a:lnSpc>
+                <a:spcPct val="150000"/>
+              </a:lnSpc>
+              <a:buNone/>
+            </a:pPr>
+            <a:endParaRPr lang="es-AR" dirty="0" smtClean="0">
+              <a:latin typeface="Segoe UI" pitchFamily="34" charset="0"/>
+              <a:ea typeface="Segoe UI" pitchFamily="34" charset="0"/>
+              <a:cs typeface="Segoe UI" pitchFamily="34" charset="0"/>
+            </a:endParaRPr>
+          </a:p>
+          <a:p>
+            <a:pPr>
+              <a:lnSpc>
+                <a:spcPct val="150000"/>
+              </a:lnSpc>
+            </a:pPr>
+            <a:endParaRPr lang="es-AR" dirty="0" smtClean="0">
+              <a:latin typeface="Segoe UI" pitchFamily="34" charset="0"/>
+              <a:ea typeface="Segoe UI" pitchFamily="34" charset="0"/>
+              <a:cs typeface="Segoe UI" pitchFamily="34" charset="0"/>
+            </a:endParaRPr>
+          </a:p>
         </p:txBody>
       </p:sp>
     </p:spTree>
-    <p:extLst>
-      <p:ext uri="{BB962C8B-B14F-4D97-AF65-F5344CB8AC3E}">
-        <p14:creationId xmlns:p14="http://schemas.microsoft.com/office/powerpoint/2010/main" val="3439397754"/>
-      </p:ext>
-    </p:extLst>
   </p:cSld>
   <p:clrMapOvr>
     <a:masterClrMapping/>
   </p:clrMapOvr>
-  <mc:AlternateContent xmlns:mc="http://schemas.openxmlformats.org/markup-compatibility/2006" xmlns:p14="http://schemas.microsoft.com/office/powerpoint/2010/main">
-    <mc:Choice Requires="p14">
+  <mc:AlternateContent xmlns:mc="http://schemas.openxmlformats.org/markup-compatibility/2006">
+    <mc:Choice xmlns:p14="http://schemas.microsoft.com/office/powerpoint/2010/main" xmlns="" Requires="p14">
       <p:transition spd="med" p14:dur="700">
         <p:fade/>
       </p:transition>
     </mc:Choice>
-    <mc:Fallback xmlns="">
+    <mc:Fallback>
       <p:transition spd="med">
         <p:fade/>
       </p:transition>
@@ -11424,7 +11798,7 @@
       </p:grpSpPr>
       <p:sp>
         <p:nvSpPr>
-          <p:cNvPr id="13" name="Title 12"/>
+          <p:cNvPr id="2" name="1 Título"/>
           <p:cNvSpPr>
             <a:spLocks noGrp="1"/>
           </p:cNvSpPr>
@@ -11453,29 +11827,159 @@
                 <a:latin typeface="Segoe UI" panose="020B0502040204020203" pitchFamily="34" charset="0"/>
                 <a:cs typeface="Segoe UI" panose="020B0502040204020203" pitchFamily="34" charset="0"/>
               </a:rPr>
-              <a:t>Introducción</a:t>
-            </a:r>
-            <a:endParaRPr lang="en-US" spc="0" dirty="0">
-              <a:ln w="0"/>
-              <a:solidFill>
-                <a:schemeClr val="accent1"/>
-              </a:solidFill>
-              <a:effectLst>
-                <a:outerShdw blurRad="38100" dist="25400" dir="5400000" algn="ctr" rotWithShape="0">
-                  <a:srgbClr val="6E747A">
-                    <a:alpha val="43000"/>
-                  </a:srgbClr>
-                </a:outerShdw>
-              </a:effectLst>
-              <a:latin typeface="Segoe UI" panose="020B0502040204020203" pitchFamily="34" charset="0"/>
-              <a:cs typeface="Segoe UI" panose="020B0502040204020203" pitchFamily="34" charset="0"/>
-            </a:endParaRPr>
-          </a:p>
-        </p:txBody>
-      </p:sp>
-      <p:sp>
-        <p:nvSpPr>
-          <p:cNvPr id="2" name="Content Placeholder 1"/>
+              <a:t>Siglo</a:t>
+            </a:r>
+            <a:r>
+              <a:rPr lang="en-US" spc="0" dirty="0" smtClean="0">
+                <a:ln w="0"/>
+                <a:solidFill>
+                  <a:schemeClr val="accent1"/>
+                </a:solidFill>
+                <a:effectLst>
+                  <a:outerShdw blurRad="38100" dist="25400" dir="5400000" algn="ctr" rotWithShape="0">
+                    <a:srgbClr val="6E747A">
+                      <a:alpha val="43000"/>
+                    </a:srgbClr>
+                  </a:outerShdw>
+                </a:effectLst>
+                <a:latin typeface="Segoe UI" panose="020B0502040204020203" pitchFamily="34" charset="0"/>
+                <a:cs typeface="Segoe UI" panose="020B0502040204020203" pitchFamily="34" charset="0"/>
+              </a:rPr>
+              <a:t> XIX – </a:t>
+            </a:r>
+            <a:r>
+              <a:rPr lang="en-US" spc="0" dirty="0" err="1" smtClean="0">
+                <a:ln w="0"/>
+                <a:solidFill>
+                  <a:schemeClr val="accent1"/>
+                </a:solidFill>
+                <a:effectLst>
+                  <a:outerShdw blurRad="38100" dist="25400" dir="5400000" algn="ctr" rotWithShape="0">
+                    <a:srgbClr val="6E747A">
+                      <a:alpha val="43000"/>
+                    </a:srgbClr>
+                  </a:outerShdw>
+                </a:effectLst>
+                <a:latin typeface="Segoe UI" panose="020B0502040204020203" pitchFamily="34" charset="0"/>
+                <a:cs typeface="Segoe UI" panose="020B0502040204020203" pitchFamily="34" charset="0"/>
+              </a:rPr>
+              <a:t>Casos</a:t>
+            </a:r>
+            <a:r>
+              <a:rPr lang="en-US" spc="0" dirty="0" smtClean="0">
+                <a:ln w="0"/>
+                <a:solidFill>
+                  <a:schemeClr val="accent1"/>
+                </a:solidFill>
+                <a:effectLst>
+                  <a:outerShdw blurRad="38100" dist="25400" dir="5400000" algn="ctr" rotWithShape="0">
+                    <a:srgbClr val="6E747A">
+                      <a:alpha val="43000"/>
+                    </a:srgbClr>
+                  </a:outerShdw>
+                </a:effectLst>
+                <a:latin typeface="Segoe UI" panose="020B0502040204020203" pitchFamily="34" charset="0"/>
+                <a:cs typeface="Segoe UI" panose="020B0502040204020203" pitchFamily="34" charset="0"/>
+              </a:rPr>
+              <a:t> </a:t>
+            </a:r>
+            <a:r>
+              <a:rPr lang="en-US" spc="0" dirty="0" err="1" smtClean="0">
+                <a:ln w="0"/>
+                <a:solidFill>
+                  <a:schemeClr val="accent1"/>
+                </a:solidFill>
+                <a:effectLst>
+                  <a:outerShdw blurRad="38100" dist="25400" dir="5400000" algn="ctr" rotWithShape="0">
+                    <a:srgbClr val="6E747A">
+                      <a:alpha val="43000"/>
+                    </a:srgbClr>
+                  </a:outerShdw>
+                </a:effectLst>
+                <a:latin typeface="Segoe UI" panose="020B0502040204020203" pitchFamily="34" charset="0"/>
+                <a:cs typeface="Segoe UI" panose="020B0502040204020203" pitchFamily="34" charset="0"/>
+              </a:rPr>
+              <a:t>reales</a:t>
+            </a:r>
+            <a:r>
+              <a:rPr lang="en-US" spc="0" dirty="0" smtClean="0">
+                <a:ln w="0"/>
+                <a:solidFill>
+                  <a:schemeClr val="accent1"/>
+                </a:solidFill>
+                <a:effectLst>
+                  <a:outerShdw blurRad="38100" dist="25400" dir="5400000" algn="ctr" rotWithShape="0">
+                    <a:srgbClr val="6E747A">
+                      <a:alpha val="43000"/>
+                    </a:srgbClr>
+                  </a:outerShdw>
+                </a:effectLst>
+                <a:latin typeface="Segoe UI" panose="020B0502040204020203" pitchFamily="34" charset="0"/>
+                <a:cs typeface="Segoe UI" panose="020B0502040204020203" pitchFamily="34" charset="0"/>
+              </a:rPr>
+              <a:t> </a:t>
+            </a:r>
+            <a:r>
+              <a:rPr lang="en-US" spc="0" dirty="0" smtClean="0">
+                <a:ln w="0"/>
+                <a:solidFill>
+                  <a:schemeClr val="accent1"/>
+                </a:solidFill>
+                <a:effectLst>
+                  <a:outerShdw blurRad="38100" dist="25400" dir="5400000" algn="ctr" rotWithShape="0">
+                    <a:srgbClr val="6E747A">
+                      <a:alpha val="43000"/>
+                    </a:srgbClr>
+                  </a:outerShdw>
+                </a:effectLst>
+                <a:latin typeface="Segoe UI" panose="020B0502040204020203" pitchFamily="34" charset="0"/>
+                <a:cs typeface="Segoe UI" panose="020B0502040204020203" pitchFamily="34" charset="0"/>
+              </a:rPr>
+              <a:t>(</a:t>
+            </a:r>
+            <a:r>
+              <a:rPr lang="en-US" spc="0" dirty="0" smtClean="0">
+                <a:ln w="0"/>
+                <a:solidFill>
+                  <a:schemeClr val="accent1"/>
+                </a:solidFill>
+                <a:effectLst>
+                  <a:outerShdw blurRad="38100" dist="25400" dir="5400000" algn="ctr" rotWithShape="0">
+                    <a:srgbClr val="6E747A">
+                      <a:alpha val="43000"/>
+                    </a:srgbClr>
+                  </a:outerShdw>
+                </a:effectLst>
+                <a:latin typeface="Segoe UI" panose="020B0502040204020203" pitchFamily="34" charset="0"/>
+                <a:cs typeface="Segoe UI" panose="020B0502040204020203" pitchFamily="34" charset="0"/>
+              </a:rPr>
+              <a:t>III</a:t>
+            </a:r>
+            <a:r>
+              <a:rPr lang="en-US" spc="0" dirty="0" smtClean="0">
+                <a:ln w="0"/>
+                <a:solidFill>
+                  <a:schemeClr val="accent1"/>
+                </a:solidFill>
+                <a:effectLst>
+                  <a:outerShdw blurRad="38100" dist="25400" dir="5400000" algn="ctr" rotWithShape="0">
+                    <a:srgbClr val="6E747A">
+                      <a:alpha val="43000"/>
+                    </a:srgbClr>
+                  </a:outerShdw>
+                </a:effectLst>
+                <a:latin typeface="Segoe UI" panose="020B0502040204020203" pitchFamily="34" charset="0"/>
+                <a:cs typeface="Segoe UI" panose="020B0502040204020203" pitchFamily="34" charset="0"/>
+              </a:rPr>
+              <a:t>)</a:t>
+            </a:r>
+            <a:endParaRPr lang="es-AR" dirty="0"/>
+          </a:p>
+        </p:txBody>
+      </p:sp>
+      <p:sp>
+        <p:nvSpPr>
+          <p:cNvPr id="3" name="2 Marcador de contenido"/>
           <p:cNvSpPr>
             <a:spLocks noGrp="1"/>
           </p:cNvSpPr>
@@ -11486,92 +11990,68 @@
         <p:spPr/>
         <p:txBody>
           <a:bodyPr>
-            <a:noAutofit/>
+            <a:normAutofit/>
           </a:bodyPr>
           <a:lstStyle/>
           <a:p>
-            <a:pPr lvl="0"/>
+            <a:pPr>
+              <a:lnSpc>
+                <a:spcPct val="150000"/>
+              </a:lnSpc>
+            </a:pPr>
             <a:r>
               <a:rPr lang="es-AR" dirty="0" smtClean="0">
-                <a:latin typeface="Segoe UI" panose="020B0502040204020203" pitchFamily="34" charset="0"/>
-                <a:cs typeface="Segoe UI" panose="020B0502040204020203" pitchFamily="34" charset="0"/>
-              </a:rPr>
-              <a:t>Economía basada en la información</a:t>
-            </a:r>
-          </a:p>
-          <a:p>
-            <a:pPr lvl="1"/>
+                <a:latin typeface="Segoe UI" pitchFamily="34" charset="0"/>
+                <a:ea typeface="Segoe UI" pitchFamily="34" charset="0"/>
+                <a:cs typeface="Segoe UI" pitchFamily="34" charset="0"/>
+              </a:rPr>
+              <a:t>Bombilla Eléctrica</a:t>
+            </a:r>
+          </a:p>
+          <a:p>
+            <a:pPr>
+              <a:lnSpc>
+                <a:spcPct val="150000"/>
+              </a:lnSpc>
+            </a:pPr>
             <a:r>
               <a:rPr lang="es-AR" dirty="0" smtClean="0">
-                <a:latin typeface="Segoe UI" panose="020B0502040204020203" pitchFamily="34" charset="0"/>
-                <a:cs typeface="Segoe UI" panose="020B0502040204020203" pitchFamily="34" charset="0"/>
-              </a:rPr>
-              <a:t>Nuevos desafíos: </a:t>
-            </a:r>
-            <a:r>
-              <a:rPr lang="es-AR" dirty="0">
-                <a:latin typeface="Segoe UI" panose="020B0502040204020203" pitchFamily="34" charset="0"/>
-                <a:cs typeface="Segoe UI" panose="020B0502040204020203" pitchFamily="34" charset="0"/>
-              </a:rPr>
-              <a:t>m</a:t>
-            </a:r>
-            <a:r>
-              <a:rPr lang="es-AR" dirty="0" smtClean="0">
-                <a:latin typeface="Segoe UI" panose="020B0502040204020203" pitchFamily="34" charset="0"/>
-                <a:cs typeface="Segoe UI" panose="020B0502040204020203" pitchFamily="34" charset="0"/>
-              </a:rPr>
-              <a:t>anejar y procesar información de diversa índole, en grandes cantidades, a alta velocidad</a:t>
-            </a:r>
-          </a:p>
-          <a:p>
-            <a:pPr lvl="0"/>
-            <a:r>
-              <a:rPr lang="es-AR" dirty="0" smtClean="0">
-                <a:latin typeface="Segoe UI" panose="020B0502040204020203" pitchFamily="34" charset="0"/>
-                <a:cs typeface="Segoe UI" panose="020B0502040204020203" pitchFamily="34" charset="0"/>
-              </a:rPr>
-              <a:t>Información disponible de forma electrónica </a:t>
-            </a:r>
-          </a:p>
-          <a:p>
-            <a:pPr lvl="1"/>
-            <a:r>
-              <a:rPr lang="es-AR" dirty="0" smtClean="0">
-                <a:latin typeface="Segoe UI" panose="020B0502040204020203" pitchFamily="34" charset="0"/>
-                <a:cs typeface="Segoe UI" panose="020B0502040204020203" pitchFamily="34" charset="0"/>
-              </a:rPr>
-              <a:t>Información personal, datos médicos, datos financieros</a:t>
-            </a:r>
-          </a:p>
-          <a:p>
-            <a:pPr lvl="1"/>
-            <a:r>
-              <a:rPr lang="es-AR" dirty="0" smtClean="0">
-                <a:latin typeface="Segoe UI" panose="020B0502040204020203" pitchFamily="34" charset="0"/>
-                <a:cs typeface="Segoe UI" panose="020B0502040204020203" pitchFamily="34" charset="0"/>
-              </a:rPr>
-              <a:t>Espionaje informático</a:t>
+                <a:latin typeface="Segoe UI" pitchFamily="34" charset="0"/>
+                <a:ea typeface="Segoe UI" pitchFamily="34" charset="0"/>
+                <a:cs typeface="Segoe UI" pitchFamily="34" charset="0"/>
+              </a:rPr>
+              <a:t>Telegrama Zimmermann</a:t>
+            </a:r>
+          </a:p>
+          <a:p>
+            <a:pPr lvl="1">
+              <a:lnSpc>
+                <a:spcPct val="150000"/>
+              </a:lnSpc>
+            </a:pPr>
+            <a:r>
+              <a:rPr lang="es-AR" sz="2000" dirty="0" smtClean="0">
+                <a:latin typeface="Segoe UI" pitchFamily="34" charset="0"/>
+                <a:ea typeface="Segoe UI" pitchFamily="34" charset="0"/>
+                <a:cs typeface="Segoe UI" pitchFamily="34" charset="0"/>
+              </a:rPr>
+              <a:t>Interceptado y descifrado por criptógrafos</a:t>
             </a:r>
           </a:p>
         </p:txBody>
       </p:sp>
     </p:spTree>
-    <p:extLst>
-      <p:ext uri="{BB962C8B-B14F-4D97-AF65-F5344CB8AC3E}">
-        <p14:creationId xmlns:p14="http://schemas.microsoft.com/office/powerpoint/2010/main" val="2675216716"/>
-      </p:ext>
-    </p:extLst>
   </p:cSld>
   <p:clrMapOvr>
     <a:masterClrMapping/>
   </p:clrMapOvr>
-  <mc:AlternateContent xmlns:mc="http://schemas.openxmlformats.org/markup-compatibility/2006" xmlns:p14="http://schemas.microsoft.com/office/powerpoint/2010/main">
-    <mc:Choice Requires="p14">
+  <mc:AlternateContent xmlns:mc="http://schemas.openxmlformats.org/markup-compatibility/2006">
+    <mc:Choice xmlns:p14="http://schemas.microsoft.com/office/powerpoint/2010/main" xmlns="" Requires="p14">
       <p:transition spd="med" p14:dur="700">
         <p:fade/>
       </p:transition>
     </mc:Choice>
-    <mc:Fallback xmlns="">
+    <mc:Fallback>
       <p:transition spd="med">
         <p:fade/>
       </p:transition>
@@ -11588,6 +12068,295 @@
 </file>
 
 <file path=ppt/slides/slide27.xml><?xml version="1.0" encoding="utf-8"?>
+<p:sld xmlns:a="http://schemas.openxmlformats.org/drawingml/2006/main" xmlns:r="http://schemas.openxmlformats.org/officeDocument/2006/relationships" xmlns:p="http://schemas.openxmlformats.org/presentationml/2006/main">
+  <p:cSld>
+    <p:spTree>
+      <p:nvGrpSpPr>
+        <p:cNvPr id="1" name=""/>
+        <p:cNvGrpSpPr/>
+        <p:nvPr/>
+      </p:nvGrpSpPr>
+      <p:grpSpPr>
+        <a:xfrm>
+          <a:off x="0" y="0"/>
+          <a:ext cx="0" cy="0"/>
+          <a:chOff x="0" y="0"/>
+          <a:chExt cx="0" cy="0"/>
+        </a:xfrm>
+      </p:grpSpPr>
+      <p:sp>
+        <p:nvSpPr>
+          <p:cNvPr id="2" name="Title 1"/>
+          <p:cNvSpPr>
+            <a:spLocks noGrp="1"/>
+          </p:cNvSpPr>
+          <p:nvPr>
+            <p:ph type="title"/>
+          </p:nvPr>
+        </p:nvSpPr>
+        <p:spPr/>
+        <p:txBody>
+          <a:bodyPr/>
+          <a:lstStyle/>
+          <a:p>
+            <a:r>
+              <a:rPr lang="es-AR" b="1" i="1" dirty="0" smtClean="0">
+                <a:latin typeface="Segoe UI" panose="020B0502040204020203" pitchFamily="34" charset="0"/>
+                <a:cs typeface="Segoe UI" panose="020B0502040204020203" pitchFamily="34" charset="0"/>
+              </a:rPr>
+              <a:t>Siglo XXI</a:t>
+            </a:r>
+            <a:endParaRPr lang="es-AR" b="1" i="1" dirty="0">
+              <a:latin typeface="Segoe UI" panose="020B0502040204020203" pitchFamily="34" charset="0"/>
+              <a:cs typeface="Segoe UI" panose="020B0502040204020203" pitchFamily="34" charset="0"/>
+            </a:endParaRPr>
+          </a:p>
+        </p:txBody>
+      </p:sp>
+      <p:sp>
+        <p:nvSpPr>
+          <p:cNvPr id="3" name="Text Placeholder 2"/>
+          <p:cNvSpPr>
+            <a:spLocks noGrp="1"/>
+          </p:cNvSpPr>
+          <p:nvPr>
+            <p:ph type="body" idx="1"/>
+          </p:nvPr>
+        </p:nvSpPr>
+        <p:spPr/>
+        <p:txBody>
+          <a:bodyPr/>
+          <a:lstStyle/>
+          <a:p>
+            <a:r>
+              <a:rPr lang="es-AR" dirty="0" smtClean="0">
+                <a:latin typeface="Segoe UI" panose="020B0502040204020203" pitchFamily="34" charset="0"/>
+                <a:cs typeface="Segoe UI" panose="020B0502040204020203" pitchFamily="34" charset="0"/>
+              </a:rPr>
+              <a:t>La información como activo primordial</a:t>
+            </a:r>
+            <a:endParaRPr lang="es-AR" dirty="0">
+              <a:latin typeface="Segoe UI" panose="020B0502040204020203" pitchFamily="34" charset="0"/>
+              <a:cs typeface="Segoe UI" panose="020B0502040204020203" pitchFamily="34" charset="0"/>
+            </a:endParaRPr>
+          </a:p>
+        </p:txBody>
+      </p:sp>
+    </p:spTree>
+    <p:extLst>
+      <p:ext uri="{BB962C8B-B14F-4D97-AF65-F5344CB8AC3E}">
+        <p14:creationId xmlns:p14="http://schemas.microsoft.com/office/powerpoint/2010/main" xmlns="" val="3439397754"/>
+      </p:ext>
+    </p:extLst>
+  </p:cSld>
+  <p:clrMapOvr>
+    <a:masterClrMapping/>
+  </p:clrMapOvr>
+  <mc:AlternateContent xmlns:mc="http://schemas.openxmlformats.org/markup-compatibility/2006">
+    <mc:Choice xmlns:p14="http://schemas.microsoft.com/office/powerpoint/2010/main" xmlns="" Requires="p14">
+      <p:transition spd="med" p14:dur="700">
+        <p:fade/>
+      </p:transition>
+    </mc:Choice>
+    <mc:Fallback>
+      <p:transition spd="med">
+        <p:fade/>
+      </p:transition>
+    </mc:Fallback>
+  </mc:AlternateContent>
+  <p:timing>
+    <p:tnLst>
+      <p:par>
+        <p:cTn id="1" dur="indefinite" restart="never" nodeType="tmRoot"/>
+      </p:par>
+    </p:tnLst>
+  </p:timing>
+</p:sld>
+</file>
+
+<file path=ppt/slides/slide28.xml><?xml version="1.0" encoding="utf-8"?>
+<p:sld xmlns:a="http://schemas.openxmlformats.org/drawingml/2006/main" xmlns:r="http://schemas.openxmlformats.org/officeDocument/2006/relationships" xmlns:p="http://schemas.openxmlformats.org/presentationml/2006/main">
+  <p:cSld>
+    <p:spTree>
+      <p:nvGrpSpPr>
+        <p:cNvPr id="1" name=""/>
+        <p:cNvGrpSpPr/>
+        <p:nvPr/>
+      </p:nvGrpSpPr>
+      <p:grpSpPr>
+        <a:xfrm>
+          <a:off x="0" y="0"/>
+          <a:ext cx="0" cy="0"/>
+          <a:chOff x="0" y="0"/>
+          <a:chExt cx="0" cy="0"/>
+        </a:xfrm>
+      </p:grpSpPr>
+      <p:sp>
+        <p:nvSpPr>
+          <p:cNvPr id="13" name="Title 12"/>
+          <p:cNvSpPr>
+            <a:spLocks noGrp="1"/>
+          </p:cNvSpPr>
+          <p:nvPr>
+            <p:ph type="title"/>
+          </p:nvPr>
+        </p:nvSpPr>
+        <p:spPr/>
+        <p:txBody>
+          <a:bodyPr/>
+          <a:lstStyle/>
+          <a:p>
+            <a:r>
+              <a:rPr lang="en-US" spc="0" dirty="0" err="1" smtClean="0">
+                <a:ln w="0"/>
+                <a:solidFill>
+                  <a:schemeClr val="accent1"/>
+                </a:solidFill>
+                <a:effectLst>
+                  <a:outerShdw blurRad="38100" dist="25400" dir="5400000" algn="ctr" rotWithShape="0">
+                    <a:srgbClr val="6E747A">
+                      <a:alpha val="43000"/>
+                    </a:srgbClr>
+                  </a:outerShdw>
+                </a:effectLst>
+                <a:latin typeface="Segoe UI" panose="020B0502040204020203" pitchFamily="34" charset="0"/>
+                <a:cs typeface="Segoe UI" panose="020B0502040204020203" pitchFamily="34" charset="0"/>
+              </a:rPr>
+              <a:t>Introducción</a:t>
+            </a:r>
+            <a:endParaRPr lang="en-US" spc="0" dirty="0">
+              <a:ln w="0"/>
+              <a:solidFill>
+                <a:schemeClr val="accent1"/>
+              </a:solidFill>
+              <a:effectLst>
+                <a:outerShdw blurRad="38100" dist="25400" dir="5400000" algn="ctr" rotWithShape="0">
+                  <a:srgbClr val="6E747A">
+                    <a:alpha val="43000"/>
+                  </a:srgbClr>
+                </a:outerShdw>
+              </a:effectLst>
+              <a:latin typeface="Segoe UI" panose="020B0502040204020203" pitchFamily="34" charset="0"/>
+              <a:cs typeface="Segoe UI" panose="020B0502040204020203" pitchFamily="34" charset="0"/>
+            </a:endParaRPr>
+          </a:p>
+        </p:txBody>
+      </p:sp>
+      <p:sp>
+        <p:nvSpPr>
+          <p:cNvPr id="2" name="Content Placeholder 1"/>
+          <p:cNvSpPr>
+            <a:spLocks noGrp="1"/>
+          </p:cNvSpPr>
+          <p:nvPr>
+            <p:ph idx="1"/>
+          </p:nvPr>
+        </p:nvSpPr>
+        <p:spPr/>
+        <p:txBody>
+          <a:bodyPr>
+            <a:noAutofit/>
+          </a:bodyPr>
+          <a:lstStyle/>
+          <a:p>
+            <a:pPr lvl="0"/>
+            <a:r>
+              <a:rPr lang="es-AR" dirty="0" smtClean="0">
+                <a:latin typeface="Segoe UI" panose="020B0502040204020203" pitchFamily="34" charset="0"/>
+                <a:cs typeface="Segoe UI" panose="020B0502040204020203" pitchFamily="34" charset="0"/>
+              </a:rPr>
+              <a:t>Economía basada en la información</a:t>
+            </a:r>
+          </a:p>
+          <a:p>
+            <a:pPr lvl="1"/>
+            <a:r>
+              <a:rPr lang="es-AR" dirty="0" smtClean="0">
+                <a:latin typeface="Segoe UI" panose="020B0502040204020203" pitchFamily="34" charset="0"/>
+                <a:cs typeface="Segoe UI" panose="020B0502040204020203" pitchFamily="34" charset="0"/>
+              </a:rPr>
+              <a:t>Nuevos desafíos: </a:t>
+            </a:r>
+            <a:r>
+              <a:rPr lang="es-AR" dirty="0">
+                <a:latin typeface="Segoe UI" panose="020B0502040204020203" pitchFamily="34" charset="0"/>
+                <a:cs typeface="Segoe UI" panose="020B0502040204020203" pitchFamily="34" charset="0"/>
+              </a:rPr>
+              <a:t>m</a:t>
+            </a:r>
+            <a:r>
+              <a:rPr lang="es-AR" dirty="0" smtClean="0">
+                <a:latin typeface="Segoe UI" panose="020B0502040204020203" pitchFamily="34" charset="0"/>
+                <a:cs typeface="Segoe UI" panose="020B0502040204020203" pitchFamily="34" charset="0"/>
+              </a:rPr>
+              <a:t>anejar y procesar información de diversa índole, en grandes cantidades, a alta velocidad</a:t>
+            </a:r>
+          </a:p>
+          <a:p>
+            <a:pPr lvl="0"/>
+            <a:r>
+              <a:rPr lang="es-AR" dirty="0" smtClean="0">
+                <a:latin typeface="Segoe UI" panose="020B0502040204020203" pitchFamily="34" charset="0"/>
+                <a:cs typeface="Segoe UI" panose="020B0502040204020203" pitchFamily="34" charset="0"/>
+              </a:rPr>
+              <a:t>Información disponible de forma electrónica </a:t>
+            </a:r>
+          </a:p>
+          <a:p>
+            <a:pPr lvl="1"/>
+            <a:r>
+              <a:rPr lang="es-AR" dirty="0" smtClean="0">
+                <a:latin typeface="Segoe UI" panose="020B0502040204020203" pitchFamily="34" charset="0"/>
+                <a:cs typeface="Segoe UI" panose="020B0502040204020203" pitchFamily="34" charset="0"/>
+              </a:rPr>
+              <a:t>Información personal, datos médicos, datos financieros</a:t>
+            </a:r>
+          </a:p>
+          <a:p>
+            <a:pPr lvl="1"/>
+            <a:r>
+              <a:rPr lang="es-AR" dirty="0" smtClean="0">
+                <a:latin typeface="Segoe UI" panose="020B0502040204020203" pitchFamily="34" charset="0"/>
+                <a:cs typeface="Segoe UI" panose="020B0502040204020203" pitchFamily="34" charset="0"/>
+              </a:rPr>
+              <a:t>Espionaje informático</a:t>
+            </a:r>
+          </a:p>
+        </p:txBody>
+      </p:sp>
+    </p:spTree>
+    <p:extLst>
+      <p:ext uri="{BB962C8B-B14F-4D97-AF65-F5344CB8AC3E}">
+        <p14:creationId xmlns:p14="http://schemas.microsoft.com/office/powerpoint/2010/main" xmlns="" val="2675216716"/>
+      </p:ext>
+    </p:extLst>
+  </p:cSld>
+  <p:clrMapOvr>
+    <a:masterClrMapping/>
+  </p:clrMapOvr>
+  <mc:AlternateContent xmlns:mc="http://schemas.openxmlformats.org/markup-compatibility/2006">
+    <mc:Choice xmlns:p14="http://schemas.microsoft.com/office/powerpoint/2010/main" xmlns="" Requires="p14">
+      <p:transition spd="med" p14:dur="700">
+        <p:fade/>
+      </p:transition>
+    </mc:Choice>
+    <mc:Fallback>
+      <p:transition spd="med">
+        <p:fade/>
+      </p:transition>
+    </mc:Fallback>
+  </mc:AlternateContent>
+  <p:timing>
+    <p:tnLst>
+      <p:par>
+        <p:cTn id="1" dur="indefinite" restart="never" nodeType="tmRoot"/>
+      </p:par>
+    </p:tnLst>
+  </p:timing>
+</p:sld>
+</file>
+
+<file path=ppt/slides/slide29.xml><?xml version="1.0" encoding="utf-8"?>
 <p:sld xmlns:a="http://schemas.openxmlformats.org/drawingml/2006/main" xmlns:r="http://schemas.openxmlformats.org/officeDocument/2006/relationships" xmlns:p="http://schemas.openxmlformats.org/presentationml/2006/main">
   <p:cSld>
     <p:spTree>
@@ -12033,7 +12802,7 @@
           <a:blip r:embed="rId3" cstate="print">
             <a:extLst>
               <a:ext uri="{28A0092B-C50C-407E-A947-70E740481C1C}">
-                <a14:useLocalDpi xmlns:a14="http://schemas.microsoft.com/office/drawing/2010/main" val="0"/>
+                <a14:useLocalDpi xmlns:a14="http://schemas.microsoft.com/office/drawing/2010/main" xmlns="" val="0"/>
               </a:ext>
             </a:extLst>
           </a:blip>
@@ -12053,7 +12822,7 @@
           <a:noFill/>
           <a:extLst>
             <a:ext uri="{909E8E84-426E-40DD-AFC4-6F175D3DCCD1}">
-              <a14:hiddenFill xmlns:a14="http://schemas.microsoft.com/office/drawing/2010/main">
+              <a14:hiddenFill xmlns:a14="http://schemas.microsoft.com/office/drawing/2010/main" xmlns="">
                 <a:solidFill>
                   <a:srgbClr val="FFFFFF"/>
                 </a:solidFill>
@@ -12074,7 +12843,7 @@
           <a:blip r:embed="rId4" cstate="print">
             <a:extLst>
               <a:ext uri="{28A0092B-C50C-407E-A947-70E740481C1C}">
-                <a14:useLocalDpi xmlns:a14="http://schemas.microsoft.com/office/drawing/2010/main" val="0"/>
+                <a14:useLocalDpi xmlns:a14="http://schemas.microsoft.com/office/drawing/2010/main" xmlns="" val="0"/>
               </a:ext>
             </a:extLst>
           </a:blip>
@@ -12094,7 +12863,7 @@
           <a:noFill/>
           <a:extLst>
             <a:ext uri="{909E8E84-426E-40DD-AFC4-6F175D3DCCD1}">
-              <a14:hiddenFill xmlns:a14="http://schemas.microsoft.com/office/drawing/2010/main">
+              <a14:hiddenFill xmlns:a14="http://schemas.microsoft.com/office/drawing/2010/main" xmlns="">
                 <a:solidFill>
                   <a:srgbClr val="FFFFFF"/>
                 </a:solidFill>
@@ -12115,7 +12884,7 @@
           <a:blip r:embed="rId5" cstate="print">
             <a:extLst>
               <a:ext uri="{28A0092B-C50C-407E-A947-70E740481C1C}">
-                <a14:useLocalDpi xmlns:a14="http://schemas.microsoft.com/office/drawing/2010/main" val="0"/>
+                <a14:useLocalDpi xmlns:a14="http://schemas.microsoft.com/office/drawing/2010/main" xmlns="" val="0"/>
               </a:ext>
             </a:extLst>
           </a:blip>
@@ -12135,7 +12904,7 @@
           <a:noFill/>
           <a:extLst>
             <a:ext uri="{909E8E84-426E-40DD-AFC4-6F175D3DCCD1}">
-              <a14:hiddenFill xmlns:a14="http://schemas.microsoft.com/office/drawing/2010/main">
+              <a14:hiddenFill xmlns:a14="http://schemas.microsoft.com/office/drawing/2010/main" xmlns="">
                 <a:solidFill>
                   <a:srgbClr val="FFFFFF"/>
                 </a:solidFill>
@@ -12156,7 +12925,7 @@
           <a:blip r:embed="rId6" cstate="print">
             <a:extLst>
               <a:ext uri="{28A0092B-C50C-407E-A947-70E740481C1C}">
-                <a14:useLocalDpi xmlns:a14="http://schemas.microsoft.com/office/drawing/2010/main" val="0"/>
+                <a14:useLocalDpi xmlns:a14="http://schemas.microsoft.com/office/drawing/2010/main" xmlns="" val="0"/>
               </a:ext>
             </a:extLst>
           </a:blip>
@@ -12176,7 +12945,7 @@
           <a:noFill/>
           <a:extLst>
             <a:ext uri="{909E8E84-426E-40DD-AFC4-6F175D3DCCD1}">
-              <a14:hiddenFill xmlns:a14="http://schemas.microsoft.com/office/drawing/2010/main">
+              <a14:hiddenFill xmlns:a14="http://schemas.microsoft.com/office/drawing/2010/main" xmlns="">
                 <a:solidFill>
                   <a:srgbClr val="FFFFFF"/>
                 </a:solidFill>
@@ -12197,7 +12966,7 @@
           <a:blip r:embed="rId7" cstate="print">
             <a:extLst>
               <a:ext uri="{28A0092B-C50C-407E-A947-70E740481C1C}">
-                <a14:useLocalDpi xmlns:a14="http://schemas.microsoft.com/office/drawing/2010/main" val="0"/>
+                <a14:useLocalDpi xmlns:a14="http://schemas.microsoft.com/office/drawing/2010/main" xmlns="" val="0"/>
               </a:ext>
             </a:extLst>
           </a:blip>
@@ -12217,7 +12986,7 @@
           <a:noFill/>
           <a:extLst>
             <a:ext uri="{909E8E84-426E-40DD-AFC4-6F175D3DCCD1}">
-              <a14:hiddenFill xmlns:a14="http://schemas.microsoft.com/office/drawing/2010/main">
+              <a14:hiddenFill xmlns:a14="http://schemas.microsoft.com/office/drawing/2010/main" xmlns="">
                 <a:solidFill>
                   <a:srgbClr val="FFFFFF"/>
                 </a:solidFill>
@@ -12229,495 +12998,20 @@
     </p:spTree>
     <p:extLst>
       <p:ext uri="{BB962C8B-B14F-4D97-AF65-F5344CB8AC3E}">
-        <p14:creationId xmlns:p14="http://schemas.microsoft.com/office/powerpoint/2010/main" val="2564182459"/>
+        <p14:creationId xmlns:p14="http://schemas.microsoft.com/office/powerpoint/2010/main" xmlns="" val="2564182459"/>
       </p:ext>
     </p:extLst>
   </p:cSld>
   <p:clrMapOvr>
     <a:masterClrMapping/>
   </p:clrMapOvr>
-  <mc:AlternateContent xmlns:mc="http://schemas.openxmlformats.org/markup-compatibility/2006" xmlns:p14="http://schemas.microsoft.com/office/powerpoint/2010/main">
-    <mc:Choice Requires="p14">
+  <mc:AlternateContent xmlns:mc="http://schemas.openxmlformats.org/markup-compatibility/2006">
+    <mc:Choice xmlns:p14="http://schemas.microsoft.com/office/powerpoint/2010/main" xmlns="" Requires="p14">
       <p:transition spd="med" p14:dur="700">
         <p:fade/>
       </p:transition>
     </mc:Choice>
-    <mc:Fallback xmlns="">
-      <p:transition spd="med">
-        <p:fade/>
-      </p:transition>
-    </mc:Fallback>
-  </mc:AlternateContent>
-  <p:timing>
-    <p:tnLst>
-      <p:par>
-        <p:cTn id="1" dur="indefinite" restart="never" nodeType="tmRoot"/>
-      </p:par>
-    </p:tnLst>
-  </p:timing>
-</p:sld>
-</file>
-
-<file path=ppt/slides/slide28.xml><?xml version="1.0" encoding="utf-8"?>
-<p:sld xmlns:a="http://schemas.openxmlformats.org/drawingml/2006/main" xmlns:r="http://schemas.openxmlformats.org/officeDocument/2006/relationships" xmlns:p="http://schemas.openxmlformats.org/presentationml/2006/main">
-  <p:cSld>
-    <p:spTree>
-      <p:nvGrpSpPr>
-        <p:cNvPr id="1" name=""/>
-        <p:cNvGrpSpPr/>
-        <p:nvPr/>
-      </p:nvGrpSpPr>
-      <p:grpSpPr>
-        <a:xfrm>
-          <a:off x="0" y="0"/>
-          <a:ext cx="0" cy="0"/>
-          <a:chOff x="0" y="0"/>
-          <a:chExt cx="0" cy="0"/>
-        </a:xfrm>
-      </p:grpSpPr>
-      <p:sp>
-        <p:nvSpPr>
-          <p:cNvPr id="13" name="Title 12"/>
-          <p:cNvSpPr>
-            <a:spLocks noGrp="1"/>
-          </p:cNvSpPr>
-          <p:nvPr>
-            <p:ph type="title"/>
-          </p:nvPr>
-        </p:nvSpPr>
-        <p:spPr/>
-        <p:txBody>
-          <a:bodyPr/>
-          <a:lstStyle/>
-          <a:p>
-            <a:r>
-              <a:rPr lang="en-US" spc="0" dirty="0" err="1" smtClean="0">
-                <a:ln w="0"/>
-                <a:solidFill>
-                  <a:schemeClr val="accent1"/>
-                </a:solidFill>
-                <a:effectLst>
-                  <a:outerShdw blurRad="38100" dist="25400" dir="5400000" algn="ctr" rotWithShape="0">
-                    <a:srgbClr val="6E747A">
-                      <a:alpha val="43000"/>
-                    </a:srgbClr>
-                  </a:outerShdw>
-                </a:effectLst>
-                <a:latin typeface="Segoe UI" panose="020B0502040204020203" pitchFamily="34" charset="0"/>
-                <a:cs typeface="Segoe UI" panose="020B0502040204020203" pitchFamily="34" charset="0"/>
-              </a:rPr>
-              <a:t>Amenazas</a:t>
-            </a:r>
-            <a:endParaRPr lang="en-US" spc="0" dirty="0">
-              <a:ln w="0"/>
-              <a:solidFill>
-                <a:schemeClr val="accent1"/>
-              </a:solidFill>
-              <a:effectLst>
-                <a:outerShdw blurRad="38100" dist="25400" dir="5400000" algn="ctr" rotWithShape="0">
-                  <a:srgbClr val="6E747A">
-                    <a:alpha val="43000"/>
-                  </a:srgbClr>
-                </a:outerShdw>
-              </a:effectLst>
-              <a:latin typeface="Segoe UI" panose="020B0502040204020203" pitchFamily="34" charset="0"/>
-              <a:cs typeface="Segoe UI" panose="020B0502040204020203" pitchFamily="34" charset="0"/>
-            </a:endParaRPr>
-          </a:p>
-        </p:txBody>
-      </p:sp>
-      <p:sp>
-        <p:nvSpPr>
-          <p:cNvPr id="2" name="Content Placeholder 1"/>
-          <p:cNvSpPr>
-            <a:spLocks noGrp="1"/>
-          </p:cNvSpPr>
-          <p:nvPr>
-            <p:ph idx="1"/>
-          </p:nvPr>
-        </p:nvSpPr>
-        <p:spPr/>
-        <p:txBody>
-          <a:bodyPr>
-            <a:noAutofit/>
-          </a:bodyPr>
-          <a:lstStyle/>
-          <a:p>
-            <a:pPr lvl="0"/>
-            <a:r>
-              <a:rPr lang="es-AR" dirty="0" smtClean="0">
-                <a:latin typeface="Segoe UI" panose="020B0502040204020203" pitchFamily="34" charset="0"/>
-                <a:cs typeface="Segoe UI" panose="020B0502040204020203" pitchFamily="34" charset="0"/>
-              </a:rPr>
-              <a:t>Usuarios y accesos no autorizados</a:t>
-            </a:r>
-            <a:endParaRPr lang="es-AR" dirty="0">
-              <a:latin typeface="Segoe UI" panose="020B0502040204020203" pitchFamily="34" charset="0"/>
-              <a:cs typeface="Segoe UI" panose="020B0502040204020203" pitchFamily="34" charset="0"/>
-            </a:endParaRPr>
-          </a:p>
-          <a:p>
-            <a:pPr lvl="0"/>
-            <a:r>
-              <a:rPr lang="es-AR" dirty="0" smtClean="0">
-                <a:latin typeface="Segoe UI" panose="020B0502040204020203" pitchFamily="34" charset="0"/>
-                <a:cs typeface="Segoe UI" panose="020B0502040204020203" pitchFamily="34" charset="0"/>
-              </a:rPr>
-              <a:t>Programas maliciosos que roban información</a:t>
-            </a:r>
-          </a:p>
-          <a:p>
-            <a:pPr lvl="0"/>
-            <a:r>
-              <a:rPr lang="es-AR" dirty="0" smtClean="0">
-                <a:latin typeface="Segoe UI" panose="020B0502040204020203" pitchFamily="34" charset="0"/>
-                <a:cs typeface="Segoe UI" panose="020B0502040204020203" pitchFamily="34" charset="0"/>
-              </a:rPr>
-              <a:t>Errores de programación</a:t>
-            </a:r>
-          </a:p>
-          <a:p>
-            <a:pPr lvl="0"/>
-            <a:r>
-              <a:rPr lang="es-AR" dirty="0" smtClean="0">
-                <a:latin typeface="Segoe UI" panose="020B0502040204020203" pitchFamily="34" charset="0"/>
-                <a:cs typeface="Segoe UI" panose="020B0502040204020203" pitchFamily="34" charset="0"/>
-              </a:rPr>
-              <a:t>Desastres no previstos, catástrofes naturales, fallos de hardware</a:t>
-            </a:r>
-          </a:p>
-          <a:p>
-            <a:pPr lvl="0"/>
-            <a:r>
-              <a:rPr lang="es-AR" dirty="0" smtClean="0">
-                <a:latin typeface="Segoe UI" panose="020B0502040204020203" pitchFamily="34" charset="0"/>
-                <a:cs typeface="Segoe UI" panose="020B0502040204020203" pitchFamily="34" charset="0"/>
-              </a:rPr>
-              <a:t>Robo de información</a:t>
-            </a:r>
-          </a:p>
-        </p:txBody>
-      </p:sp>
-    </p:spTree>
-    <p:extLst>
-      <p:ext uri="{BB962C8B-B14F-4D97-AF65-F5344CB8AC3E}">
-        <p14:creationId xmlns:p14="http://schemas.microsoft.com/office/powerpoint/2010/main" val="965594786"/>
-      </p:ext>
-    </p:extLst>
-  </p:cSld>
-  <p:clrMapOvr>
-    <a:masterClrMapping/>
-  </p:clrMapOvr>
-  <mc:AlternateContent xmlns:mc="http://schemas.openxmlformats.org/markup-compatibility/2006" xmlns:p14="http://schemas.microsoft.com/office/powerpoint/2010/main">
-    <mc:Choice Requires="p14">
-      <p:transition spd="med" p14:dur="700">
-        <p:fade/>
-      </p:transition>
-    </mc:Choice>
-    <mc:Fallback xmlns="">
-      <p:transition spd="med">
-        <p:fade/>
-      </p:transition>
-    </mc:Fallback>
-  </mc:AlternateContent>
-  <p:timing>
-    <p:tnLst>
-      <p:par>
-        <p:cTn id="1" dur="indefinite" restart="never" nodeType="tmRoot"/>
-      </p:par>
-    </p:tnLst>
-  </p:timing>
-</p:sld>
-</file>
-
-<file path=ppt/slides/slide29.xml><?xml version="1.0" encoding="utf-8"?>
-<p:sld xmlns:a="http://schemas.openxmlformats.org/drawingml/2006/main" xmlns:r="http://schemas.openxmlformats.org/officeDocument/2006/relationships" xmlns:p="http://schemas.openxmlformats.org/presentationml/2006/main">
-  <p:cSld>
-    <p:spTree>
-      <p:nvGrpSpPr>
-        <p:cNvPr id="1" name=""/>
-        <p:cNvGrpSpPr/>
-        <p:nvPr/>
-      </p:nvGrpSpPr>
-      <p:grpSpPr>
-        <a:xfrm>
-          <a:off x="0" y="0"/>
-          <a:ext cx="0" cy="0"/>
-          <a:chOff x="0" y="0"/>
-          <a:chExt cx="0" cy="0"/>
-        </a:xfrm>
-      </p:grpSpPr>
-      <p:sp>
-        <p:nvSpPr>
-          <p:cNvPr id="13" name="Title 12"/>
-          <p:cNvSpPr>
-            <a:spLocks noGrp="1"/>
-          </p:cNvSpPr>
-          <p:nvPr>
-            <p:ph type="title"/>
-          </p:nvPr>
-        </p:nvSpPr>
-        <p:spPr/>
-        <p:txBody>
-          <a:bodyPr/>
-          <a:lstStyle/>
-          <a:p>
-            <a:r>
-              <a:rPr lang="en-US" spc="0" dirty="0" err="1" smtClean="0">
-                <a:ln w="0"/>
-                <a:solidFill>
-                  <a:schemeClr val="accent1"/>
-                </a:solidFill>
-                <a:effectLst>
-                  <a:outerShdw blurRad="38100" dist="25400" dir="5400000" algn="ctr" rotWithShape="0">
-                    <a:srgbClr val="6E747A">
-                      <a:alpha val="43000"/>
-                    </a:srgbClr>
-                  </a:outerShdw>
-                </a:effectLst>
-                <a:latin typeface="Segoe UI" panose="020B0502040204020203" pitchFamily="34" charset="0"/>
-                <a:cs typeface="Segoe UI" panose="020B0502040204020203" pitchFamily="34" charset="0"/>
-              </a:rPr>
-              <a:t>Mecanismos</a:t>
-            </a:r>
-            <a:r>
-              <a:rPr lang="en-US" spc="0" dirty="0" smtClean="0">
-                <a:ln w="0"/>
-                <a:solidFill>
-                  <a:schemeClr val="accent1"/>
-                </a:solidFill>
-                <a:effectLst>
-                  <a:outerShdw blurRad="38100" dist="25400" dir="5400000" algn="ctr" rotWithShape="0">
-                    <a:srgbClr val="6E747A">
-                      <a:alpha val="43000"/>
-                    </a:srgbClr>
-                  </a:outerShdw>
-                </a:effectLst>
-                <a:latin typeface="Segoe UI" panose="020B0502040204020203" pitchFamily="34" charset="0"/>
-                <a:cs typeface="Segoe UI" panose="020B0502040204020203" pitchFamily="34" charset="0"/>
-              </a:rPr>
-              <a:t> de </a:t>
-            </a:r>
-            <a:r>
-              <a:rPr lang="en-US" spc="0" dirty="0" err="1" smtClean="0">
-                <a:ln w="0"/>
-                <a:solidFill>
-                  <a:schemeClr val="accent1"/>
-                </a:solidFill>
-                <a:effectLst>
-                  <a:outerShdw blurRad="38100" dist="25400" dir="5400000" algn="ctr" rotWithShape="0">
-                    <a:srgbClr val="6E747A">
-                      <a:alpha val="43000"/>
-                    </a:srgbClr>
-                  </a:outerShdw>
-                </a:effectLst>
-                <a:latin typeface="Segoe UI" panose="020B0502040204020203" pitchFamily="34" charset="0"/>
-                <a:cs typeface="Segoe UI" panose="020B0502040204020203" pitchFamily="34" charset="0"/>
-              </a:rPr>
-              <a:t>defensa</a:t>
-            </a:r>
-            <a:endParaRPr lang="en-US" spc="0" dirty="0">
-              <a:ln w="0"/>
-              <a:solidFill>
-                <a:schemeClr val="accent1"/>
-              </a:solidFill>
-              <a:effectLst>
-                <a:outerShdw blurRad="38100" dist="25400" dir="5400000" algn="ctr" rotWithShape="0">
-                  <a:srgbClr val="6E747A">
-                    <a:alpha val="43000"/>
-                  </a:srgbClr>
-                </a:outerShdw>
-              </a:effectLst>
-              <a:latin typeface="Segoe UI" panose="020B0502040204020203" pitchFamily="34" charset="0"/>
-              <a:cs typeface="Segoe UI" panose="020B0502040204020203" pitchFamily="34" charset="0"/>
-            </a:endParaRPr>
-          </a:p>
-        </p:txBody>
-      </p:sp>
-      <p:sp>
-        <p:nvSpPr>
-          <p:cNvPr id="2" name="Content Placeholder 1"/>
-          <p:cNvSpPr>
-            <a:spLocks noGrp="1"/>
-          </p:cNvSpPr>
-          <p:nvPr>
-            <p:ph idx="1"/>
-          </p:nvPr>
-        </p:nvSpPr>
-        <p:spPr/>
-        <p:txBody>
-          <a:bodyPr>
-            <a:noAutofit/>
-          </a:bodyPr>
-          <a:lstStyle/>
-          <a:p>
-            <a:r>
-              <a:rPr lang="es-AR" dirty="0" smtClean="0">
-                <a:latin typeface="Segoe UI" panose="020B0502040204020203" pitchFamily="34" charset="0"/>
-                <a:cs typeface="Segoe UI" panose="020B0502040204020203" pitchFamily="34" charset="0"/>
-              </a:rPr>
-              <a:t>Registro de patentes</a:t>
-            </a:r>
-          </a:p>
-          <a:p>
-            <a:endParaRPr lang="es-AR" dirty="0" smtClean="0">
-              <a:latin typeface="Segoe UI" panose="020B0502040204020203" pitchFamily="34" charset="0"/>
-              <a:cs typeface="Segoe UI" panose="020B0502040204020203" pitchFamily="34" charset="0"/>
-            </a:endParaRPr>
-          </a:p>
-          <a:p>
-            <a:endParaRPr lang="es-AR" dirty="0" smtClean="0">
-              <a:latin typeface="Segoe UI" panose="020B0502040204020203" pitchFamily="34" charset="0"/>
-              <a:cs typeface="Segoe UI" panose="020B0502040204020203" pitchFamily="34" charset="0"/>
-            </a:endParaRPr>
-          </a:p>
-          <a:p>
-            <a:r>
-              <a:rPr lang="es-AR" dirty="0" smtClean="0">
-                <a:latin typeface="Segoe UI" panose="020B0502040204020203" pitchFamily="34" charset="0"/>
-                <a:cs typeface="Segoe UI" panose="020B0502040204020203" pitchFamily="34" charset="0"/>
-              </a:rPr>
-              <a:t>Controles informáticos</a:t>
-            </a:r>
-          </a:p>
-          <a:p>
-            <a:pPr lvl="1"/>
-            <a:r>
-              <a:rPr lang="es-AR" sz="1800" dirty="0" smtClean="0">
-                <a:latin typeface="Segoe UI" panose="020B0502040204020203" pitchFamily="34" charset="0"/>
-                <a:cs typeface="Segoe UI" panose="020B0502040204020203" pitchFamily="34" charset="0"/>
-              </a:rPr>
-              <a:t>Software desarrollado siguiendo estándares de seguridad (criptografía)</a:t>
-            </a:r>
-          </a:p>
-          <a:p>
-            <a:pPr lvl="1"/>
-            <a:r>
-              <a:rPr lang="es-AR" sz="1800" dirty="0" smtClean="0">
-                <a:latin typeface="Segoe UI" panose="020B0502040204020203" pitchFamily="34" charset="0"/>
-                <a:cs typeface="Segoe UI" panose="020B0502040204020203" pitchFamily="34" charset="0"/>
-              </a:rPr>
-              <a:t>Controles físicos sobre el hardware</a:t>
-            </a:r>
-          </a:p>
-          <a:p>
-            <a:pPr lvl="1"/>
-            <a:r>
-              <a:rPr lang="es-AR" sz="1800" dirty="0" smtClean="0">
-                <a:latin typeface="Segoe UI" panose="020B0502040204020203" pitchFamily="34" charset="0"/>
-                <a:cs typeface="Segoe UI" panose="020B0502040204020203" pitchFamily="34" charset="0"/>
-              </a:rPr>
-              <a:t>Políticas de contraseñas y perfiles de usuario</a:t>
-            </a:r>
-          </a:p>
-          <a:p>
-            <a:pPr lvl="1"/>
-            <a:r>
-              <a:rPr lang="es-AR" sz="1800" dirty="0" smtClean="0">
-                <a:latin typeface="Segoe UI" panose="020B0502040204020203" pitchFamily="34" charset="0"/>
-                <a:cs typeface="Segoe UI" panose="020B0502040204020203" pitchFamily="34" charset="0"/>
-              </a:rPr>
-              <a:t>Monitoreo de tráfico en las redes</a:t>
-            </a:r>
-          </a:p>
-          <a:p>
-            <a:pPr lvl="1"/>
-            <a:r>
-              <a:rPr lang="es-AR" sz="1800" dirty="0" smtClean="0">
-                <a:latin typeface="Segoe UI" panose="020B0502040204020203" pitchFamily="34" charset="0"/>
-                <a:cs typeface="Segoe UI" panose="020B0502040204020203" pitchFamily="34" charset="0"/>
-              </a:rPr>
-              <a:t>Uso de software de protección</a:t>
-            </a:r>
-          </a:p>
-          <a:p>
-            <a:pPr lvl="1"/>
-            <a:r>
-              <a:rPr lang="es-AR" sz="1800" dirty="0" smtClean="0">
-                <a:latin typeface="Segoe UI" panose="020B0502040204020203" pitchFamily="34" charset="0"/>
-                <a:cs typeface="Segoe UI" panose="020B0502040204020203" pitchFamily="34" charset="0"/>
-              </a:rPr>
-              <a:t>Creación de </a:t>
-            </a:r>
-            <a:r>
-              <a:rPr lang="es-AR" sz="1800" i="1" dirty="0" err="1" smtClean="0">
-                <a:latin typeface="Segoe UI" panose="020B0502040204020203" pitchFamily="34" charset="0"/>
-                <a:cs typeface="Segoe UI" panose="020B0502040204020203" pitchFamily="34" charset="0"/>
-              </a:rPr>
-              <a:t>backups</a:t>
-            </a:r>
-            <a:r>
-              <a:rPr lang="es-AR" sz="1800" dirty="0" smtClean="0">
-                <a:latin typeface="Segoe UI" panose="020B0502040204020203" pitchFamily="34" charset="0"/>
-                <a:cs typeface="Segoe UI" panose="020B0502040204020203" pitchFamily="34" charset="0"/>
-              </a:rPr>
-              <a:t> periódicos</a:t>
-            </a:r>
-            <a:endParaRPr lang="en-US" sz="1800" dirty="0">
-              <a:latin typeface="Segoe UI" panose="020B0502040204020203" pitchFamily="34" charset="0"/>
-              <a:cs typeface="Segoe UI" panose="020B0502040204020203" pitchFamily="34" charset="0"/>
-            </a:endParaRPr>
-          </a:p>
-        </p:txBody>
-      </p:sp>
-      <p:pic>
-        <p:nvPicPr>
-          <p:cNvPr id="4" name="Picture 2" descr="C:\Users\MIPARN~1\AppData\Local\Temp\SNAGHTML5cb90bb7.PNG"/>
-          <p:cNvPicPr>
-            <a:picLocks noChangeAspect="1" noChangeArrowheads="1"/>
-          </p:cNvPicPr>
-          <p:nvPr/>
-        </p:nvPicPr>
-        <p:blipFill>
-          <a:blip r:embed="rId3" cstate="print">
-            <a:extLst>
-              <a:ext uri="{28A0092B-C50C-407E-A947-70E740481C1C}">
-                <a14:useLocalDpi xmlns:a14="http://schemas.microsoft.com/office/drawing/2010/main" val="0"/>
-              </a:ext>
-            </a:extLst>
-          </a:blip>
-          <a:srcRect/>
-          <a:stretch>
-            <a:fillRect/>
-          </a:stretch>
-        </p:blipFill>
-        <p:spPr bwMode="auto">
-          <a:xfrm>
-            <a:off x="5014292" y="1988840"/>
-            <a:ext cx="2376264" cy="1477007"/>
-          </a:xfrm>
-          <a:prstGeom prst="rect">
-            <a:avLst/>
-          </a:prstGeom>
-          <a:noFill/>
-          <a:extLst>
-            <a:ext uri="{909E8E84-426E-40DD-AFC4-6F175D3DCCD1}">
-              <a14:hiddenFill xmlns:a14="http://schemas.microsoft.com/office/drawing/2010/main">
-                <a:solidFill>
-                  <a:srgbClr val="FFFFFF"/>
-                </a:solidFill>
-              </a14:hiddenFill>
-            </a:ext>
-          </a:extLst>
-        </p:spPr>
-      </p:pic>
-    </p:spTree>
-    <p:extLst>
-      <p:ext uri="{BB962C8B-B14F-4D97-AF65-F5344CB8AC3E}">
-        <p14:creationId xmlns:p14="http://schemas.microsoft.com/office/powerpoint/2010/main" val="3356351472"/>
-      </p:ext>
-    </p:extLst>
-  </p:cSld>
-  <p:clrMapOvr>
-    <a:masterClrMapping/>
-  </p:clrMapOvr>
-  <mc:AlternateContent xmlns:mc="http://schemas.openxmlformats.org/markup-compatibility/2006" xmlns:p14="http://schemas.microsoft.com/office/powerpoint/2010/main">
-    <mc:Choice Requires="p14">
-      <p:transition spd="med" p14:dur="700">
-        <p:fade/>
-      </p:transition>
-    </mc:Choice>
-    <mc:Fallback xmlns="">
+    <mc:Fallback>
       <p:transition spd="med">
         <p:fade/>
       </p:transition>
@@ -12869,20 +13163,20 @@
     </p:spTree>
     <p:extLst>
       <p:ext uri="{BB962C8B-B14F-4D97-AF65-F5344CB8AC3E}">
-        <p14:creationId xmlns:p14="http://schemas.microsoft.com/office/powerpoint/2010/main" val="3106206852"/>
+        <p14:creationId xmlns:p14="http://schemas.microsoft.com/office/powerpoint/2010/main" xmlns="" val="3106206852"/>
       </p:ext>
     </p:extLst>
   </p:cSld>
   <p:clrMapOvr>
     <a:masterClrMapping/>
   </p:clrMapOvr>
-  <mc:AlternateContent xmlns:mc="http://schemas.openxmlformats.org/markup-compatibility/2006" xmlns:p14="http://schemas.microsoft.com/office/powerpoint/2010/main">
-    <mc:Choice Requires="p14">
+  <mc:AlternateContent xmlns:mc="http://schemas.openxmlformats.org/markup-compatibility/2006">
+    <mc:Choice xmlns:p14="http://schemas.microsoft.com/office/powerpoint/2010/main" xmlns="" Requires="p14">
       <p:transition spd="med" p14:dur="700">
         <p:fade/>
       </p:transition>
     </mc:Choice>
-    <mc:Fallback xmlns="">
+    <mc:Fallback>
       <p:transition spd="med">
         <p:fade/>
       </p:transition>
@@ -12927,9 +13221,7 @@
         </p:nvSpPr>
         <p:spPr/>
         <p:txBody>
-          <a:bodyPr>
-            <a:normAutofit/>
-          </a:bodyPr>
+          <a:bodyPr/>
           <a:lstStyle/>
           <a:p>
             <a:r>
@@ -12948,61 +13240,7 @@
                 <a:latin typeface="Segoe UI" panose="020B0502040204020203" pitchFamily="34" charset="0"/>
                 <a:cs typeface="Segoe UI" panose="020B0502040204020203" pitchFamily="34" charset="0"/>
               </a:rPr>
-              <a:t>Mecanismos</a:t>
-            </a:r>
-            <a:r>
-              <a:rPr lang="en-US" spc="0" dirty="0" smtClean="0">
-                <a:ln w="0"/>
-                <a:solidFill>
-                  <a:schemeClr val="accent1"/>
-                </a:solidFill>
-                <a:effectLst>
-                  <a:outerShdw blurRad="38100" dist="25400" dir="5400000" algn="ctr" rotWithShape="0">
-                    <a:srgbClr val="6E747A">
-                      <a:alpha val="43000"/>
-                    </a:srgbClr>
-                  </a:outerShdw>
-                </a:effectLst>
-                <a:latin typeface="Segoe UI" panose="020B0502040204020203" pitchFamily="34" charset="0"/>
-                <a:cs typeface="Segoe UI" panose="020B0502040204020203" pitchFamily="34" charset="0"/>
-              </a:rPr>
-              <a:t> de </a:t>
-            </a:r>
-            <a:r>
-              <a:rPr lang="en-US" spc="0" dirty="0" err="1" smtClean="0">
-                <a:ln w="0"/>
-                <a:solidFill>
-                  <a:schemeClr val="accent1"/>
-                </a:solidFill>
-                <a:effectLst>
-                  <a:outerShdw blurRad="38100" dist="25400" dir="5400000" algn="ctr" rotWithShape="0">
-                    <a:srgbClr val="6E747A">
-                      <a:alpha val="43000"/>
-                    </a:srgbClr>
-                  </a:outerShdw>
-                </a:effectLst>
-                <a:latin typeface="Segoe UI" panose="020B0502040204020203" pitchFamily="34" charset="0"/>
-                <a:cs typeface="Segoe UI" panose="020B0502040204020203" pitchFamily="34" charset="0"/>
-              </a:rPr>
-              <a:t>defensa</a:t>
-            </a:r>
-            <a:r>
-              <a:rPr lang="en-US" spc="0" dirty="0" smtClean="0">
-                <a:ln w="0"/>
-                <a:solidFill>
-                  <a:schemeClr val="accent1"/>
-                </a:solidFill>
-                <a:effectLst>
-                  <a:outerShdw blurRad="38100" dist="25400" dir="5400000" algn="ctr" rotWithShape="0">
-                    <a:srgbClr val="6E747A">
-                      <a:alpha val="43000"/>
-                    </a:srgbClr>
-                  </a:outerShdw>
-                </a:effectLst>
-                <a:latin typeface="Segoe UI" panose="020B0502040204020203" pitchFamily="34" charset="0"/>
-                <a:cs typeface="Segoe UI" panose="020B0502040204020203" pitchFamily="34" charset="0"/>
-              </a:rPr>
-              <a:t> (cont.)</a:t>
+              <a:t>Amenazas</a:t>
             </a:r>
             <a:endParaRPr lang="en-US" spc="0" dirty="0">
               <a:ln w="0"/>
@@ -13039,123 +13277,78 @@
           </a:bodyPr>
           <a:lstStyle/>
           <a:p>
-            <a:r>
-              <a:rPr lang="es-AR" dirty="0">
-                <a:latin typeface="Segoe UI" panose="020B0502040204020203" pitchFamily="34" charset="0"/>
-                <a:cs typeface="Segoe UI" panose="020B0502040204020203" pitchFamily="34" charset="0"/>
-              </a:rPr>
-              <a:t>Auditoría de </a:t>
-            </a:r>
+            <a:pPr lvl="0"/>
             <a:r>
               <a:rPr lang="es-AR" dirty="0" smtClean="0">
                 <a:latin typeface="Segoe UI" panose="020B0502040204020203" pitchFamily="34" charset="0"/>
                 <a:cs typeface="Segoe UI" panose="020B0502040204020203" pitchFamily="34" charset="0"/>
               </a:rPr>
-              <a:t>operaciones</a:t>
-            </a:r>
-          </a:p>
-          <a:p>
+              <a:t>Usuarios y accesos no autorizados</a:t>
+            </a:r>
+            <a:endParaRPr lang="es-AR" dirty="0">
+              <a:latin typeface="Segoe UI" panose="020B0502040204020203" pitchFamily="34" charset="0"/>
+              <a:cs typeface="Segoe UI" panose="020B0502040204020203" pitchFamily="34" charset="0"/>
+            </a:endParaRPr>
+          </a:p>
+          <a:p>
+            <a:pPr lvl="0"/>
             <a:r>
               <a:rPr lang="es-AR" dirty="0" smtClean="0">
                 <a:latin typeface="Segoe UI" panose="020B0502040204020203" pitchFamily="34" charset="0"/>
                 <a:cs typeface="Segoe UI" panose="020B0502040204020203" pitchFamily="34" charset="0"/>
               </a:rPr>
-              <a:t>Normas de control</a:t>
-            </a:r>
-          </a:p>
-          <a:p>
-            <a:pPr lvl="1"/>
-            <a:r>
-              <a:rPr lang="es-AR" sz="1800" dirty="0" smtClean="0">
-                <a:latin typeface="Segoe UI" panose="020B0502040204020203" pitchFamily="34" charset="0"/>
-                <a:cs typeface="Segoe UI" panose="020B0502040204020203" pitchFamily="34" charset="0"/>
-              </a:rPr>
-              <a:t>Normas ISO 27000, especialmente </a:t>
-            </a:r>
-            <a:r>
-              <a:rPr lang="es-AR" sz="1800" dirty="0">
-                <a:latin typeface="Segoe UI" panose="020B0502040204020203" pitchFamily="34" charset="0"/>
-                <a:cs typeface="Segoe UI" panose="020B0502040204020203" pitchFamily="34" charset="0"/>
-              </a:rPr>
-              <a:t>dedicada a seguridad de la </a:t>
-            </a:r>
-            <a:r>
-              <a:rPr lang="es-AR" sz="1800" dirty="0" smtClean="0">
-                <a:latin typeface="Segoe UI" panose="020B0502040204020203" pitchFamily="34" charset="0"/>
-                <a:cs typeface="Segoe UI" panose="020B0502040204020203" pitchFamily="34" charset="0"/>
-              </a:rPr>
-              <a:t>información</a:t>
-            </a:r>
-          </a:p>
-          <a:p>
-            <a:r>
-              <a:rPr lang="es-AR" sz="2200" dirty="0" smtClean="0">
-                <a:latin typeface="Segoe UI" panose="020B0502040204020203" pitchFamily="34" charset="0"/>
-                <a:cs typeface="Segoe UI" panose="020B0502040204020203" pitchFamily="34" charset="0"/>
-              </a:rPr>
-              <a:t>Uso de nombres en clave para los proyectos</a:t>
-            </a:r>
-          </a:p>
-        </p:txBody>
-      </p:sp>
-      <p:pic>
-        <p:nvPicPr>
-          <p:cNvPr id="3074" name="Picture 2" descr="http://www.whoa.com/wp-content/uploads/2014/05/ISO27001.png"/>
-          <p:cNvPicPr>
-            <a:picLocks noChangeAspect="1" noChangeArrowheads="1"/>
-          </p:cNvPicPr>
-          <p:nvPr/>
-        </p:nvPicPr>
-        <p:blipFill>
-          <a:blip r:embed="rId3" cstate="print">
-            <a:extLst>
-              <a:ext uri="{28A0092B-C50C-407E-A947-70E740481C1C}">
-                <a14:useLocalDpi xmlns:a14="http://schemas.microsoft.com/office/drawing/2010/main" val="0"/>
-              </a:ext>
-            </a:extLst>
-          </a:blip>
-          <a:srcRect/>
-          <a:stretch>
-            <a:fillRect/>
-          </a:stretch>
-        </p:blipFill>
-        <p:spPr bwMode="auto">
-          <a:xfrm>
-            <a:off x="2422004" y="3983194"/>
-            <a:ext cx="2204196" cy="2204196"/>
-          </a:xfrm>
-          <a:prstGeom prst="rect">
-            <a:avLst/>
-          </a:prstGeom>
-          <a:noFill/>
-          <a:extLst>
-            <a:ext uri="{909E8E84-426E-40DD-AFC4-6F175D3DCCD1}">
-              <a14:hiddenFill xmlns:a14="http://schemas.microsoft.com/office/drawing/2010/main">
-                <a:solidFill>
-                  <a:srgbClr val="FFFFFF"/>
-                </a:solidFill>
-              </a14:hiddenFill>
-            </a:ext>
-          </a:extLst>
-        </p:spPr>
-      </p:pic>
+              <a:t>Programas maliciosos que roban información</a:t>
+            </a:r>
+          </a:p>
+          <a:p>
+            <a:pPr lvl="0"/>
+            <a:r>
+              <a:rPr lang="es-AR" dirty="0" smtClean="0">
+                <a:latin typeface="Segoe UI" panose="020B0502040204020203" pitchFamily="34" charset="0"/>
+                <a:cs typeface="Segoe UI" panose="020B0502040204020203" pitchFamily="34" charset="0"/>
+              </a:rPr>
+              <a:t>Errores de programación</a:t>
+            </a:r>
+          </a:p>
+          <a:p>
+            <a:pPr lvl="0"/>
+            <a:r>
+              <a:rPr lang="es-AR" dirty="0" smtClean="0">
+                <a:latin typeface="Segoe UI" panose="020B0502040204020203" pitchFamily="34" charset="0"/>
+                <a:cs typeface="Segoe UI" panose="020B0502040204020203" pitchFamily="34" charset="0"/>
+              </a:rPr>
+              <a:t>Desastres no previstos, catástrofes naturales, fallos de hardware</a:t>
+            </a:r>
+          </a:p>
+          <a:p>
+            <a:pPr lvl="0"/>
+            <a:r>
+              <a:rPr lang="es-AR" dirty="0" smtClean="0">
+                <a:latin typeface="Segoe UI" panose="020B0502040204020203" pitchFamily="34" charset="0"/>
+                <a:cs typeface="Segoe UI" panose="020B0502040204020203" pitchFamily="34" charset="0"/>
+              </a:rPr>
+              <a:t>Robo de información</a:t>
+            </a:r>
+          </a:p>
+        </p:txBody>
+      </p:sp>
     </p:spTree>
     <p:extLst>
       <p:ext uri="{BB962C8B-B14F-4D97-AF65-F5344CB8AC3E}">
-        <p14:creationId xmlns:p14="http://schemas.microsoft.com/office/powerpoint/2010/main" val="3374507202"/>
+        <p14:creationId xmlns:p14="http://schemas.microsoft.com/office/powerpoint/2010/main" xmlns="" val="965594786"/>
       </p:ext>
     </p:extLst>
   </p:cSld>
   <p:clrMapOvr>
     <a:masterClrMapping/>
   </p:clrMapOvr>
-  <mc:AlternateContent xmlns:mc="http://schemas.openxmlformats.org/markup-compatibility/2006" xmlns:p14="http://schemas.microsoft.com/office/powerpoint/2010/main">
-    <mc:Choice Requires="p14">
+  <mc:AlternateContent xmlns:mc="http://schemas.openxmlformats.org/markup-compatibility/2006">
+    <mc:Choice xmlns:p14="http://schemas.microsoft.com/office/powerpoint/2010/main" xmlns="" Requires="p14">
       <p:transition spd="med" p14:dur="700">
         <p:fade/>
       </p:transition>
     </mc:Choice>
-    <mc:Fallback xmlns="">
+    <mc:Fallback>
       <p:transition spd="med">
         <p:fade/>
       </p:transition>
@@ -13204,7 +13397,7 @@
           <a:lstStyle/>
           <a:p>
             <a:r>
-              <a:rPr lang="es-AR" spc="0" dirty="0" smtClean="0">
+              <a:rPr lang="en-US" spc="0" dirty="0" err="1" smtClean="0">
                 <a:ln w="0"/>
                 <a:solidFill>
                   <a:schemeClr val="accent1"/>
@@ -13219,9 +13412,45 @@
                 <a:latin typeface="Segoe UI" panose="020B0502040204020203" pitchFamily="34" charset="0"/>
                 <a:cs typeface="Segoe UI" panose="020B0502040204020203" pitchFamily="34" charset="0"/>
               </a:rPr>
-              <a:t>Siglo XXI – Riesgos  (I)</a:t>
-            </a:r>
-            <a:endParaRPr lang="es-AR" spc="0" dirty="0">
+              <a:t>Mecanismos</a:t>
+            </a:r>
+            <a:r>
+              <a:rPr lang="en-US" spc="0" dirty="0" smtClean="0">
+                <a:ln w="0"/>
+                <a:solidFill>
+                  <a:schemeClr val="accent1"/>
+                </a:solidFill>
+                <a:effectLst>
+                  <a:outerShdw blurRad="38100" dist="25400" dir="5400000" algn="ctr" rotWithShape="0">
+                    <a:srgbClr val="6E747A">
+                      <a:alpha val="43000"/>
+                    </a:srgbClr>
+                  </a:outerShdw>
+                </a:effectLst>
+                <a:latin typeface="Segoe UI" panose="020B0502040204020203" pitchFamily="34" charset="0"/>
+                <a:cs typeface="Segoe UI" panose="020B0502040204020203" pitchFamily="34" charset="0"/>
+              </a:rPr>
+              <a:t> de </a:t>
+            </a:r>
+            <a:r>
+              <a:rPr lang="en-US" spc="0" dirty="0" err="1" smtClean="0">
+                <a:ln w="0"/>
+                <a:solidFill>
+                  <a:schemeClr val="accent1"/>
+                </a:solidFill>
+                <a:effectLst>
+                  <a:outerShdw blurRad="38100" dist="25400" dir="5400000" algn="ctr" rotWithShape="0">
+                    <a:srgbClr val="6E747A">
+                      <a:alpha val="43000"/>
+                    </a:srgbClr>
+                  </a:outerShdw>
+                </a:effectLst>
+                <a:latin typeface="Segoe UI" panose="020B0502040204020203" pitchFamily="34" charset="0"/>
+                <a:cs typeface="Segoe UI" panose="020B0502040204020203" pitchFamily="34" charset="0"/>
+              </a:rPr>
+              <a:t>defensa</a:t>
+            </a:r>
+            <a:endParaRPr lang="en-US" spc="0" dirty="0">
               <a:ln w="0"/>
               <a:solidFill>
                 <a:schemeClr val="accent1"/>
@@ -13249,106 +13478,180 @@
             <p:ph idx="1"/>
           </p:nvPr>
         </p:nvSpPr>
-        <p:spPr>
-          <a:xfrm>
-            <a:off x="1522413" y="2276872"/>
-            <a:ext cx="9756575" cy="3742928"/>
-          </a:xfrm>
-        </p:spPr>
+        <p:spPr/>
         <p:txBody>
           <a:bodyPr>
-            <a:normAutofit lnSpcReduction="10000"/>
+            <a:noAutofit/>
           </a:bodyPr>
           <a:lstStyle/>
           <a:p>
-            <a:pPr>
-              <a:lnSpc>
-                <a:spcPct val="150000"/>
-              </a:lnSpc>
-            </a:pPr>
             <a:r>
               <a:rPr lang="es-AR" dirty="0" smtClean="0">
                 <a:latin typeface="Segoe UI" panose="020B0502040204020203" pitchFamily="34" charset="0"/>
                 <a:cs typeface="Segoe UI" panose="020B0502040204020203" pitchFamily="34" charset="0"/>
               </a:rPr>
-              <a:t>Personal deshonesto</a:t>
-            </a:r>
-          </a:p>
-          <a:p>
-            <a:pPr>
-              <a:lnSpc>
-                <a:spcPct val="150000"/>
-              </a:lnSpc>
-            </a:pPr>
+              <a:t>Registro de patentes</a:t>
+            </a:r>
+          </a:p>
+          <a:p>
+            <a:endParaRPr lang="es-AR" dirty="0" smtClean="0">
+              <a:latin typeface="Segoe UI" panose="020B0502040204020203" pitchFamily="34" charset="0"/>
+              <a:cs typeface="Segoe UI" panose="020B0502040204020203" pitchFamily="34" charset="0"/>
+            </a:endParaRPr>
+          </a:p>
+          <a:p>
+            <a:endParaRPr lang="es-AR" dirty="0" smtClean="0">
+              <a:latin typeface="Segoe UI" panose="020B0502040204020203" pitchFamily="34" charset="0"/>
+              <a:cs typeface="Segoe UI" panose="020B0502040204020203" pitchFamily="34" charset="0"/>
+            </a:endParaRPr>
+          </a:p>
+          <a:p>
             <a:r>
               <a:rPr lang="es-AR" dirty="0" smtClean="0">
                 <a:latin typeface="Segoe UI" panose="020B0502040204020203" pitchFamily="34" charset="0"/>
                 <a:cs typeface="Segoe UI" panose="020B0502040204020203" pitchFamily="34" charset="0"/>
               </a:rPr>
-              <a:t>Robo, alteración y/o pérdida de información (políticas inapropiadas)</a:t>
-            </a:r>
-          </a:p>
-          <a:p>
-            <a:pPr>
-              <a:lnSpc>
-                <a:spcPct val="150000"/>
-              </a:lnSpc>
-            </a:pPr>
-            <a:r>
-              <a:rPr lang="es-AR" dirty="0" smtClean="0">
-                <a:latin typeface="Segoe UI" panose="020B0502040204020203" pitchFamily="34" charset="0"/>
-                <a:cs typeface="Segoe UI" panose="020B0502040204020203" pitchFamily="34" charset="0"/>
-              </a:rPr>
-              <a:t>Espionaje industrial</a:t>
-            </a:r>
-          </a:p>
-          <a:p>
-            <a:pPr>
-              <a:lnSpc>
-                <a:spcPct val="150000"/>
-              </a:lnSpc>
-            </a:pPr>
-            <a:r>
-              <a:rPr lang="es-AR" dirty="0" smtClean="0">
-                <a:latin typeface="Segoe UI" panose="020B0502040204020203" pitchFamily="34" charset="0"/>
-                <a:cs typeface="Segoe UI" panose="020B0502040204020203" pitchFamily="34" charset="0"/>
-              </a:rPr>
-              <a:t>Dependencia de los sistemas informáticos</a:t>
-            </a:r>
-          </a:p>
-          <a:p>
-            <a:pPr>
-              <a:lnSpc>
-                <a:spcPct val="150000"/>
-              </a:lnSpc>
-            </a:pPr>
-            <a:r>
-              <a:rPr lang="es-AR" dirty="0" smtClean="0">
-                <a:latin typeface="Segoe UI" panose="020B0502040204020203" pitchFamily="34" charset="0"/>
-                <a:cs typeface="Segoe UI" panose="020B0502040204020203" pitchFamily="34" charset="0"/>
-              </a:rPr>
-              <a:t>Necesidad de capacitación de operarios</a:t>
-            </a:r>
-          </a:p>
-        </p:txBody>
-      </p:sp>
+              <a:t>Controles informáticos</a:t>
+            </a:r>
+          </a:p>
+          <a:p>
+            <a:pPr lvl="1"/>
+            <a:r>
+              <a:rPr lang="es-AR" sz="1800" dirty="0" smtClean="0">
+                <a:latin typeface="Segoe UI" panose="020B0502040204020203" pitchFamily="34" charset="0"/>
+                <a:cs typeface="Segoe UI" panose="020B0502040204020203" pitchFamily="34" charset="0"/>
+              </a:rPr>
+              <a:t>Software desarrollado siguiendo estándares de seguridad (criptografía)</a:t>
+            </a:r>
+          </a:p>
+          <a:p>
+            <a:pPr lvl="1"/>
+            <a:r>
+              <a:rPr lang="es-AR" sz="1800" dirty="0" smtClean="0">
+                <a:latin typeface="Segoe UI" panose="020B0502040204020203" pitchFamily="34" charset="0"/>
+                <a:cs typeface="Segoe UI" panose="020B0502040204020203" pitchFamily="34" charset="0"/>
+              </a:rPr>
+              <a:t>Controles físicos sobre el hardware</a:t>
+            </a:r>
+          </a:p>
+          <a:p>
+            <a:pPr lvl="1"/>
+            <a:r>
+              <a:rPr lang="es-AR" sz="1800" dirty="0" smtClean="0">
+                <a:latin typeface="Segoe UI" panose="020B0502040204020203" pitchFamily="34" charset="0"/>
+                <a:cs typeface="Segoe UI" panose="020B0502040204020203" pitchFamily="34" charset="0"/>
+              </a:rPr>
+              <a:t>Políticas de contraseñas y perfiles de usuario</a:t>
+            </a:r>
+          </a:p>
+          <a:p>
+            <a:pPr lvl="1"/>
+            <a:r>
+              <a:rPr lang="es-AR" sz="1800" dirty="0" smtClean="0">
+                <a:latin typeface="Segoe UI" panose="020B0502040204020203" pitchFamily="34" charset="0"/>
+                <a:cs typeface="Segoe UI" panose="020B0502040204020203" pitchFamily="34" charset="0"/>
+              </a:rPr>
+              <a:t>Monitoreo de tráfico en las redes</a:t>
+            </a:r>
+          </a:p>
+          <a:p>
+            <a:pPr lvl="1"/>
+            <a:r>
+              <a:rPr lang="es-AR" sz="1800" dirty="0" smtClean="0">
+                <a:latin typeface="Segoe UI" panose="020B0502040204020203" pitchFamily="34" charset="0"/>
+                <a:cs typeface="Segoe UI" panose="020B0502040204020203" pitchFamily="34" charset="0"/>
+              </a:rPr>
+              <a:t>Uso de software de protección</a:t>
+            </a:r>
+          </a:p>
+          <a:p>
+            <a:pPr lvl="1"/>
+            <a:r>
+              <a:rPr lang="es-AR" sz="1800" dirty="0" smtClean="0">
+                <a:latin typeface="Segoe UI" panose="020B0502040204020203" pitchFamily="34" charset="0"/>
+                <a:cs typeface="Segoe UI" panose="020B0502040204020203" pitchFamily="34" charset="0"/>
+              </a:rPr>
+              <a:t>Creación de </a:t>
+            </a:r>
+            <a:r>
+              <a:rPr lang="es-AR" sz="1800" i="1" dirty="0" err="1" smtClean="0">
+                <a:latin typeface="Segoe UI" panose="020B0502040204020203" pitchFamily="34" charset="0"/>
+                <a:cs typeface="Segoe UI" panose="020B0502040204020203" pitchFamily="34" charset="0"/>
+              </a:rPr>
+              <a:t>backups</a:t>
+            </a:r>
+            <a:r>
+              <a:rPr lang="es-AR" sz="1800" dirty="0" smtClean="0">
+                <a:latin typeface="Segoe UI" panose="020B0502040204020203" pitchFamily="34" charset="0"/>
+                <a:cs typeface="Segoe UI" panose="020B0502040204020203" pitchFamily="34" charset="0"/>
+              </a:rPr>
+              <a:t> periódicos</a:t>
+            </a:r>
+            <a:endParaRPr lang="en-US" sz="1800" dirty="0">
+              <a:latin typeface="Segoe UI" panose="020B0502040204020203" pitchFamily="34" charset="0"/>
+              <a:cs typeface="Segoe UI" panose="020B0502040204020203" pitchFamily="34" charset="0"/>
+            </a:endParaRPr>
+          </a:p>
+        </p:txBody>
+      </p:sp>
+      <p:pic>
+        <p:nvPicPr>
+          <p:cNvPr id="4" name="Picture 2" descr="C:\Users\MIPARN~1\AppData\Local\Temp\SNAGHTML5cb90bb7.PNG"/>
+          <p:cNvPicPr>
+            <a:picLocks noChangeAspect="1" noChangeArrowheads="1"/>
+          </p:cNvPicPr>
+          <p:nvPr/>
+        </p:nvPicPr>
+        <p:blipFill>
+          <a:blip r:embed="rId3" cstate="print">
+            <a:extLst>
+              <a:ext uri="{28A0092B-C50C-407E-A947-70E740481C1C}">
+                <a14:useLocalDpi xmlns:a14="http://schemas.microsoft.com/office/drawing/2010/main" xmlns="" val="0"/>
+              </a:ext>
+            </a:extLst>
+          </a:blip>
+          <a:srcRect/>
+          <a:stretch>
+            <a:fillRect/>
+          </a:stretch>
+        </p:blipFill>
+        <p:spPr bwMode="auto">
+          <a:xfrm>
+            <a:off x="5014292" y="1988840"/>
+            <a:ext cx="2376264" cy="1477007"/>
+          </a:xfrm>
+          <a:prstGeom prst="rect">
+            <a:avLst/>
+          </a:prstGeom>
+          <a:noFill/>
+          <a:extLst>
+            <a:ext uri="{909E8E84-426E-40DD-AFC4-6F175D3DCCD1}">
+              <a14:hiddenFill xmlns:a14="http://schemas.microsoft.com/office/drawing/2010/main" xmlns="">
+                <a:solidFill>
+                  <a:srgbClr val="FFFFFF"/>
+                </a:solidFill>
+              </a14:hiddenFill>
+            </a:ext>
+          </a:extLst>
+        </p:spPr>
+      </p:pic>
     </p:spTree>
     <p:extLst>
       <p:ext uri="{BB962C8B-B14F-4D97-AF65-F5344CB8AC3E}">
-        <p14:creationId xmlns:p14="http://schemas.microsoft.com/office/powerpoint/2010/main" val="2238024562"/>
+        <p14:creationId xmlns:p14="http://schemas.microsoft.com/office/powerpoint/2010/main" xmlns="" val="3356351472"/>
       </p:ext>
     </p:extLst>
   </p:cSld>
   <p:clrMapOvr>
     <a:masterClrMapping/>
   </p:clrMapOvr>
-  <mc:AlternateContent xmlns:mc="http://schemas.openxmlformats.org/markup-compatibility/2006" xmlns:p14="http://schemas.microsoft.com/office/powerpoint/2010/main">
-    <mc:Choice Requires="p14">
+  <mc:AlternateContent xmlns:mc="http://schemas.openxmlformats.org/markup-compatibility/2006">
+    <mc:Choice xmlns:p14="http://schemas.microsoft.com/office/powerpoint/2010/main" xmlns="" Requires="p14">
       <p:transition spd="med" p14:dur="700">
         <p:fade/>
       </p:transition>
     </mc:Choice>
-    <mc:Fallback xmlns="">
+    <mc:Fallback>
       <p:transition spd="med">
         <p:fade/>
       </p:transition>
@@ -13393,11 +13696,13 @@
         </p:nvSpPr>
         <p:spPr/>
         <p:txBody>
-          <a:bodyPr/>
+          <a:bodyPr>
+            <a:normAutofit/>
+          </a:bodyPr>
           <a:lstStyle/>
           <a:p>
             <a:r>
-              <a:rPr lang="es-AR" spc="0" dirty="0" smtClean="0">
+              <a:rPr lang="en-US" spc="0" dirty="0" err="1" smtClean="0">
                 <a:ln w="0"/>
                 <a:solidFill>
                   <a:schemeClr val="accent1"/>
@@ -13412,9 +13717,63 @@
                 <a:latin typeface="Segoe UI" panose="020B0502040204020203" pitchFamily="34" charset="0"/>
                 <a:cs typeface="Segoe UI" panose="020B0502040204020203" pitchFamily="34" charset="0"/>
               </a:rPr>
-              <a:t>Siglo XXI – Riesgos  (II)</a:t>
-            </a:r>
-            <a:endParaRPr lang="es-AR" spc="0" dirty="0">
+              <a:t>Mecanismos</a:t>
+            </a:r>
+            <a:r>
+              <a:rPr lang="en-US" spc="0" dirty="0" smtClean="0">
+                <a:ln w="0"/>
+                <a:solidFill>
+                  <a:schemeClr val="accent1"/>
+                </a:solidFill>
+                <a:effectLst>
+                  <a:outerShdw blurRad="38100" dist="25400" dir="5400000" algn="ctr" rotWithShape="0">
+                    <a:srgbClr val="6E747A">
+                      <a:alpha val="43000"/>
+                    </a:srgbClr>
+                  </a:outerShdw>
+                </a:effectLst>
+                <a:latin typeface="Segoe UI" panose="020B0502040204020203" pitchFamily="34" charset="0"/>
+                <a:cs typeface="Segoe UI" panose="020B0502040204020203" pitchFamily="34" charset="0"/>
+              </a:rPr>
+              <a:t> de </a:t>
+            </a:r>
+            <a:r>
+              <a:rPr lang="en-US" spc="0" dirty="0" err="1" smtClean="0">
+                <a:ln w="0"/>
+                <a:solidFill>
+                  <a:schemeClr val="accent1"/>
+                </a:solidFill>
+                <a:effectLst>
+                  <a:outerShdw blurRad="38100" dist="25400" dir="5400000" algn="ctr" rotWithShape="0">
+                    <a:srgbClr val="6E747A">
+                      <a:alpha val="43000"/>
+                    </a:srgbClr>
+                  </a:outerShdw>
+                </a:effectLst>
+                <a:latin typeface="Segoe UI" panose="020B0502040204020203" pitchFamily="34" charset="0"/>
+                <a:cs typeface="Segoe UI" panose="020B0502040204020203" pitchFamily="34" charset="0"/>
+              </a:rPr>
+              <a:t>defensa</a:t>
+            </a:r>
+            <a:r>
+              <a:rPr lang="en-US" spc="0" dirty="0" smtClean="0">
+                <a:ln w="0"/>
+                <a:solidFill>
+                  <a:schemeClr val="accent1"/>
+                </a:solidFill>
+                <a:effectLst>
+                  <a:outerShdw blurRad="38100" dist="25400" dir="5400000" algn="ctr" rotWithShape="0">
+                    <a:srgbClr val="6E747A">
+                      <a:alpha val="43000"/>
+                    </a:srgbClr>
+                  </a:outerShdw>
+                </a:effectLst>
+                <a:latin typeface="Segoe UI" panose="020B0502040204020203" pitchFamily="34" charset="0"/>
+                <a:cs typeface="Segoe UI" panose="020B0502040204020203" pitchFamily="34" charset="0"/>
+              </a:rPr>
+              <a:t> (cont.)</a:t>
+            </a:r>
+            <a:endParaRPr lang="en-US" spc="0" dirty="0">
               <a:ln w="0"/>
               <a:solidFill>
                 <a:schemeClr val="accent1"/>
@@ -13442,110 +13801,130 @@
             <p:ph idx="1"/>
           </p:nvPr>
         </p:nvSpPr>
-        <p:spPr>
-          <a:xfrm>
-            <a:off x="1522413" y="2204864"/>
-            <a:ext cx="9134391" cy="3814936"/>
-          </a:xfrm>
-        </p:spPr>
+        <p:spPr/>
         <p:txBody>
           <a:bodyPr>
-            <a:normAutofit/>
+            <a:noAutofit/>
           </a:bodyPr>
           <a:lstStyle/>
           <a:p>
-            <a:pPr>
-              <a:lnSpc>
-                <a:spcPct val="150000"/>
-              </a:lnSpc>
-            </a:pPr>
+            <a:r>
+              <a:rPr lang="es-AR" dirty="0">
+                <a:latin typeface="Segoe UI" panose="020B0502040204020203" pitchFamily="34" charset="0"/>
+                <a:cs typeface="Segoe UI" panose="020B0502040204020203" pitchFamily="34" charset="0"/>
+              </a:rPr>
+              <a:t>Auditoría de </a:t>
+            </a:r>
             <a:r>
               <a:rPr lang="es-AR" dirty="0" smtClean="0">
                 <a:latin typeface="Segoe UI" panose="020B0502040204020203" pitchFamily="34" charset="0"/>
                 <a:cs typeface="Segoe UI" panose="020B0502040204020203" pitchFamily="34" charset="0"/>
               </a:rPr>
-              <a:t>Mal administración de perfiles de usuarios y/o contraseñas</a:t>
-            </a:r>
-          </a:p>
-          <a:p>
-            <a:pPr>
-              <a:lnSpc>
-                <a:spcPct val="150000"/>
-              </a:lnSpc>
-            </a:pPr>
+              <a:t>operaciones</a:t>
+            </a:r>
+          </a:p>
+          <a:p>
             <a:r>
               <a:rPr lang="es-AR" dirty="0" smtClean="0">
                 <a:latin typeface="Segoe UI" panose="020B0502040204020203" pitchFamily="34" charset="0"/>
                 <a:cs typeface="Segoe UI" panose="020B0502040204020203" pitchFamily="34" charset="0"/>
               </a:rPr>
-              <a:t>Dependencia de empleados claves</a:t>
-            </a:r>
-          </a:p>
-          <a:p>
-            <a:pPr>
-              <a:lnSpc>
-                <a:spcPct val="150000"/>
-              </a:lnSpc>
-            </a:pPr>
-            <a:r>
-              <a:rPr lang="es-AR" dirty="0" smtClean="0">
-                <a:latin typeface="Segoe UI" panose="020B0502040204020203" pitchFamily="34" charset="0"/>
-                <a:cs typeface="Segoe UI" panose="020B0502040204020203" pitchFamily="34" charset="0"/>
-              </a:rPr>
-              <a:t>Comodidad y confianza excesiva de sistemas</a:t>
-            </a:r>
-          </a:p>
-          <a:p>
-            <a:pPr>
-              <a:lnSpc>
-                <a:spcPct val="150000"/>
-              </a:lnSpc>
-            </a:pPr>
-            <a:r>
-              <a:rPr lang="es-AR" dirty="0" smtClean="0">
-                <a:latin typeface="Segoe UI" panose="020B0502040204020203" pitchFamily="34" charset="0"/>
-                <a:cs typeface="Segoe UI" panose="020B0502040204020203" pitchFamily="34" charset="0"/>
-              </a:rPr>
-              <a:t>Generación de información residual</a:t>
-            </a:r>
-          </a:p>
-          <a:p>
-            <a:pPr>
-              <a:lnSpc>
-                <a:spcPct val="150000"/>
-              </a:lnSpc>
-            </a:pPr>
-            <a:r>
-              <a:rPr lang="es-AR" dirty="0" smtClean="0">
-                <a:latin typeface="Segoe UI" panose="020B0502040204020203" pitchFamily="34" charset="0"/>
-                <a:cs typeface="Segoe UI" panose="020B0502040204020203" pitchFamily="34" charset="0"/>
-              </a:rPr>
-              <a:t>Siniestro del soporte físico de la información</a:t>
-            </a:r>
-            <a:endParaRPr lang="es-AR" dirty="0">
-              <a:latin typeface="Segoe UI" panose="020B0502040204020203" pitchFamily="34" charset="0"/>
-              <a:cs typeface="Segoe UI" panose="020B0502040204020203" pitchFamily="34" charset="0"/>
-            </a:endParaRPr>
-          </a:p>
-        </p:txBody>
-      </p:sp>
+              <a:t>Normas de control</a:t>
+            </a:r>
+          </a:p>
+          <a:p>
+            <a:pPr lvl="1"/>
+            <a:r>
+              <a:rPr lang="es-AR" sz="1800" dirty="0" smtClean="0">
+                <a:latin typeface="Segoe UI" panose="020B0502040204020203" pitchFamily="34" charset="0"/>
+                <a:cs typeface="Segoe UI" panose="020B0502040204020203" pitchFamily="34" charset="0"/>
+              </a:rPr>
+              <a:t>Normas ISO 27000, especialmente </a:t>
+            </a:r>
+            <a:r>
+              <a:rPr lang="es-AR" sz="1800" dirty="0">
+                <a:latin typeface="Segoe UI" panose="020B0502040204020203" pitchFamily="34" charset="0"/>
+                <a:cs typeface="Segoe UI" panose="020B0502040204020203" pitchFamily="34" charset="0"/>
+              </a:rPr>
+              <a:t>dedicada a seguridad de la </a:t>
+            </a:r>
+            <a:r>
+              <a:rPr lang="es-AR" sz="1800" dirty="0" smtClean="0">
+                <a:latin typeface="Segoe UI" panose="020B0502040204020203" pitchFamily="34" charset="0"/>
+                <a:cs typeface="Segoe UI" panose="020B0502040204020203" pitchFamily="34" charset="0"/>
+              </a:rPr>
+              <a:t>información</a:t>
+            </a:r>
+          </a:p>
+          <a:p>
+            <a:r>
+              <a:rPr lang="es-AR" sz="2200" dirty="0" smtClean="0">
+                <a:latin typeface="Segoe UI" panose="020B0502040204020203" pitchFamily="34" charset="0"/>
+                <a:cs typeface="Segoe UI" panose="020B0502040204020203" pitchFamily="34" charset="0"/>
+              </a:rPr>
+              <a:t>Uso de nombres en clave para los proyectos</a:t>
+            </a:r>
+          </a:p>
+        </p:txBody>
+      </p:sp>
+      <p:pic>
+        <p:nvPicPr>
+          <p:cNvPr id="3074" name="Picture 2" descr="http://www.whoa.com/wp-content/uploads/2014/05/ISO27001.png"/>
+          <p:cNvPicPr>
+            <a:picLocks noChangeAspect="1" noChangeArrowheads="1"/>
+          </p:cNvPicPr>
+          <p:nvPr/>
+        </p:nvPicPr>
+        <p:blipFill>
+          <a:blip r:embed="rId3" cstate="print">
+            <a:extLst>
+              <a:ext uri="{28A0092B-C50C-407E-A947-70E740481C1C}">
+                <a14:useLocalDpi xmlns:a14="http://schemas.microsoft.com/office/drawing/2010/main" xmlns="" val="0"/>
+              </a:ext>
+            </a:extLst>
+          </a:blip>
+          <a:srcRect/>
+          <a:stretch>
+            <a:fillRect/>
+          </a:stretch>
+        </p:blipFill>
+        <p:spPr bwMode="auto">
+          <a:xfrm>
+            <a:off x="2422004" y="3983194"/>
+            <a:ext cx="2204196" cy="2204196"/>
+          </a:xfrm>
+          <a:prstGeom prst="rect">
+            <a:avLst/>
+          </a:prstGeom>
+          <a:noFill/>
+          <a:extLst>
+            <a:ext uri="{909E8E84-426E-40DD-AFC4-6F175D3DCCD1}">
+              <a14:hiddenFill xmlns:a14="http://schemas.microsoft.com/office/drawing/2010/main" xmlns="">
+                <a:solidFill>
+                  <a:srgbClr val="FFFFFF"/>
+                </a:solidFill>
+              </a14:hiddenFill>
+            </a:ext>
+          </a:extLst>
+        </p:spPr>
+      </p:pic>
     </p:spTree>
     <p:extLst>
       <p:ext uri="{BB962C8B-B14F-4D97-AF65-F5344CB8AC3E}">
-        <p14:creationId xmlns:p14="http://schemas.microsoft.com/office/powerpoint/2010/main" val="3874537101"/>
+        <p14:creationId xmlns:p14="http://schemas.microsoft.com/office/powerpoint/2010/main" xmlns="" val="3374507202"/>
       </p:ext>
     </p:extLst>
   </p:cSld>
   <p:clrMapOvr>
     <a:masterClrMapping/>
   </p:clrMapOvr>
-  <mc:AlternateContent xmlns:mc="http://schemas.openxmlformats.org/markup-compatibility/2006" xmlns:p14="http://schemas.microsoft.com/office/powerpoint/2010/main">
-    <mc:Choice Requires="p14">
+  <mc:AlternateContent xmlns:mc="http://schemas.openxmlformats.org/markup-compatibility/2006">
+    <mc:Choice xmlns:p14="http://schemas.microsoft.com/office/powerpoint/2010/main" xmlns="" Requires="p14">
       <p:transition spd="med" p14:dur="700">
         <p:fade/>
       </p:transition>
     </mc:Choice>
-    <mc:Fallback xmlns="">
+    <mc:Fallback>
       <p:transition spd="med">
         <p:fade/>
       </p:transition>
@@ -13609,7 +13988,7 @@
                 <a:latin typeface="Segoe UI" panose="020B0502040204020203" pitchFamily="34" charset="0"/>
                 <a:cs typeface="Segoe UI" panose="020B0502040204020203" pitchFamily="34" charset="0"/>
               </a:rPr>
-              <a:t>Siglo XXI – Casos reales  (I)</a:t>
+              <a:t>Siglo XXI – Riesgos  (I)</a:t>
             </a:r>
             <a:endParaRPr lang="es-AR" spc="0" dirty="0">
               <a:ln w="0"/>
@@ -13642,36 +14021,82 @@
         <p:spPr>
           <a:xfrm>
             <a:off x="1522413" y="2276872"/>
-            <a:ext cx="9134391" cy="3742928"/>
+            <a:ext cx="9756575" cy="3742928"/>
           </a:xfrm>
         </p:spPr>
         <p:txBody>
           <a:bodyPr>
-            <a:noAutofit/>
+            <a:normAutofit lnSpcReduction="10000"/>
           </a:bodyPr>
           <a:lstStyle/>
           <a:p>
-            <a:r>
-              <a:rPr lang="es-ES" dirty="0" smtClean="0">
-                <a:latin typeface="Segoe UI" panose="020B0502040204020203" pitchFamily="34" charset="0"/>
-                <a:cs typeface="Segoe UI" panose="020B0502040204020203" pitchFamily="34" charset="0"/>
-              </a:rPr>
-              <a:t>2001: espionaje industrial de la década: implicó a dos empresas rivales en bienes de consumo, “Unilever” y “Procter &amp; Gamble”.</a:t>
-            </a:r>
-          </a:p>
-          <a:p>
-            <a:endParaRPr lang="es-ES" dirty="0" smtClean="0">
-              <a:latin typeface="Segoe UI" panose="020B0502040204020203" pitchFamily="34" charset="0"/>
-              <a:cs typeface="Segoe UI" panose="020B0502040204020203" pitchFamily="34" charset="0"/>
-            </a:endParaRPr>
-          </a:p>
-          <a:p>
+            <a:pPr>
+              <a:lnSpc>
+                <a:spcPct val="150000"/>
+              </a:lnSpc>
+            </a:pPr>
             <a:r>
               <a:rPr lang="es-AR" dirty="0" smtClean="0">
                 <a:latin typeface="Segoe UI" panose="020B0502040204020203" pitchFamily="34" charset="0"/>
                 <a:cs typeface="Segoe UI" panose="020B0502040204020203" pitchFamily="34" charset="0"/>
               </a:rPr>
-              <a:t>2002: Este caso muestra como el espionaje industrial puede convertirse en un problema de seguridad nacional. La compañía sueca Ericsson se vio envuelta por sorpresa en un incidente diplomático.</a:t>
+              <a:t>Personal deshonesto</a:t>
+            </a:r>
+          </a:p>
+          <a:p>
+            <a:pPr>
+              <a:lnSpc>
+                <a:spcPct val="150000"/>
+              </a:lnSpc>
+            </a:pPr>
+            <a:r>
+              <a:rPr lang="es-AR" dirty="0" smtClean="0">
+                <a:latin typeface="Segoe UI" panose="020B0502040204020203" pitchFamily="34" charset="0"/>
+                <a:cs typeface="Segoe UI" panose="020B0502040204020203" pitchFamily="34" charset="0"/>
+              </a:rPr>
+              <a:t>Robo, alteración y/o pérdida de información (políticas inapropiadas)</a:t>
+            </a:r>
+          </a:p>
+          <a:p>
+            <a:pPr>
+              <a:lnSpc>
+                <a:spcPct val="150000"/>
+              </a:lnSpc>
+            </a:pPr>
+            <a:r>
+              <a:rPr lang="es-AR" dirty="0" smtClean="0">
+                <a:latin typeface="Segoe UI" panose="020B0502040204020203" pitchFamily="34" charset="0"/>
+                <a:cs typeface="Segoe UI" panose="020B0502040204020203" pitchFamily="34" charset="0"/>
+              </a:rPr>
+              <a:t>Espionaje industrial</a:t>
+            </a:r>
+          </a:p>
+          <a:p>
+            <a:pPr>
+              <a:lnSpc>
+                <a:spcPct val="150000"/>
+              </a:lnSpc>
+            </a:pPr>
+            <a:r>
+              <a:rPr lang="es-AR" dirty="0" smtClean="0">
+                <a:latin typeface="Segoe UI" panose="020B0502040204020203" pitchFamily="34" charset="0"/>
+                <a:cs typeface="Segoe UI" panose="020B0502040204020203" pitchFamily="34" charset="0"/>
+              </a:rPr>
+              <a:t>Dependencia de los sistemas informáticos</a:t>
+            </a:r>
+          </a:p>
+          <a:p>
+            <a:pPr>
+              <a:lnSpc>
+                <a:spcPct val="150000"/>
+              </a:lnSpc>
+            </a:pPr>
+            <a:r>
+              <a:rPr lang="es-AR" dirty="0" smtClean="0">
+                <a:latin typeface="Segoe UI" panose="020B0502040204020203" pitchFamily="34" charset="0"/>
+                <a:cs typeface="Segoe UI" panose="020B0502040204020203" pitchFamily="34" charset="0"/>
+              </a:rPr>
+              <a:t>Necesidad de capacitación de operarios</a:t>
             </a:r>
           </a:p>
         </p:txBody>
@@ -13679,20 +14104,20 @@
     </p:spTree>
     <p:extLst>
       <p:ext uri="{BB962C8B-B14F-4D97-AF65-F5344CB8AC3E}">
-        <p14:creationId xmlns:p14="http://schemas.microsoft.com/office/powerpoint/2010/main" val="1202384585"/>
+        <p14:creationId xmlns:p14="http://schemas.microsoft.com/office/powerpoint/2010/main" xmlns="" val="2238024562"/>
       </p:ext>
     </p:extLst>
   </p:cSld>
   <p:clrMapOvr>
     <a:masterClrMapping/>
   </p:clrMapOvr>
-  <mc:AlternateContent xmlns:mc="http://schemas.openxmlformats.org/markup-compatibility/2006" xmlns:p14="http://schemas.microsoft.com/office/powerpoint/2010/main">
-    <mc:Choice Requires="p14">
+  <mc:AlternateContent xmlns:mc="http://schemas.openxmlformats.org/markup-compatibility/2006">
+    <mc:Choice xmlns:p14="http://schemas.microsoft.com/office/powerpoint/2010/main" xmlns="" Requires="p14">
       <p:transition spd="med" p14:dur="700">
         <p:fade/>
       </p:transition>
     </mc:Choice>
-    <mc:Fallback xmlns="">
+    <mc:Fallback>
       <p:transition spd="med">
         <p:fade/>
       </p:transition>
@@ -13756,7 +14181,7 @@
                 <a:latin typeface="Segoe UI" panose="020B0502040204020203" pitchFamily="34" charset="0"/>
                 <a:cs typeface="Segoe UI" panose="020B0502040204020203" pitchFamily="34" charset="0"/>
               </a:rPr>
-              <a:t>Siglo XXI – Casos reales  (II)</a:t>
+              <a:t>Siglo XXI – Riesgos  (II)</a:t>
             </a:r>
             <a:endParaRPr lang="es-AR" spc="0" dirty="0">
               <a:ln w="0"/>
@@ -13788,156 +14213,108 @@
         </p:nvSpPr>
         <p:spPr>
           <a:xfrm>
-            <a:off x="1522413" y="2276872"/>
-            <a:ext cx="9134391" cy="3742928"/>
+            <a:off x="1522413" y="2204864"/>
+            <a:ext cx="9134391" cy="3814936"/>
           </a:xfrm>
         </p:spPr>
         <p:txBody>
           <a:bodyPr>
-            <a:noAutofit/>
+            <a:normAutofit/>
           </a:bodyPr>
           <a:lstStyle/>
           <a:p>
+            <a:pPr>
+              <a:lnSpc>
+                <a:spcPct val="150000"/>
+              </a:lnSpc>
+            </a:pPr>
             <a:r>
               <a:rPr lang="es-AR" dirty="0" smtClean="0">
                 <a:latin typeface="Segoe UI" panose="020B0502040204020203" pitchFamily="34" charset="0"/>
                 <a:cs typeface="Segoe UI" panose="020B0502040204020203" pitchFamily="34" charset="0"/>
               </a:rPr>
-              <a:t>2004: se descubrió el primer caso de violación a la ley HIPAA (</a:t>
-            </a:r>
-            <a:r>
-              <a:rPr lang="es-AR" dirty="0" err="1" smtClean="0">
-                <a:latin typeface="Segoe UI" panose="020B0502040204020203" pitchFamily="34" charset="0"/>
-                <a:cs typeface="Segoe UI" panose="020B0502040204020203" pitchFamily="34" charset="0"/>
-              </a:rPr>
-              <a:t>Health</a:t>
-            </a:r>
+              <a:t>Mal administración de perfiles de usuarios y/o contraseñas</a:t>
+            </a:r>
+          </a:p>
+          <a:p>
+            <a:pPr>
+              <a:lnSpc>
+                <a:spcPct val="150000"/>
+              </a:lnSpc>
+            </a:pPr>
             <a:r>
               <a:rPr lang="es-AR" dirty="0" smtClean="0">
                 <a:latin typeface="Segoe UI" panose="020B0502040204020203" pitchFamily="34" charset="0"/>
                 <a:cs typeface="Segoe UI" panose="020B0502040204020203" pitchFamily="34" charset="0"/>
               </a:rPr>
-              <a:t> </a:t>
-            </a:r>
-            <a:r>
-              <a:rPr lang="es-AR" dirty="0" err="1" smtClean="0">
-                <a:latin typeface="Segoe UI" panose="020B0502040204020203" pitchFamily="34" charset="0"/>
-                <a:cs typeface="Segoe UI" panose="020B0502040204020203" pitchFamily="34" charset="0"/>
-              </a:rPr>
-              <a:t>Insurance</a:t>
-            </a:r>
+              <a:t>Dependencia de empleados claves</a:t>
+            </a:r>
+          </a:p>
+          <a:p>
+            <a:pPr>
+              <a:lnSpc>
+                <a:spcPct val="150000"/>
+              </a:lnSpc>
+            </a:pPr>
             <a:r>
               <a:rPr lang="es-AR" dirty="0" smtClean="0">
                 <a:latin typeface="Segoe UI" panose="020B0502040204020203" pitchFamily="34" charset="0"/>
                 <a:cs typeface="Segoe UI" panose="020B0502040204020203" pitchFamily="34" charset="0"/>
               </a:rPr>
-              <a:t> </a:t>
-            </a:r>
-            <a:r>
-              <a:rPr lang="es-AR" dirty="0" err="1" smtClean="0">
-                <a:latin typeface="Segoe UI" panose="020B0502040204020203" pitchFamily="34" charset="0"/>
-                <a:cs typeface="Segoe UI" panose="020B0502040204020203" pitchFamily="34" charset="0"/>
-              </a:rPr>
-              <a:t>Portability</a:t>
-            </a:r>
+              <a:t>Comodidad y confianza excesiva de sistemas</a:t>
+            </a:r>
+          </a:p>
+          <a:p>
+            <a:pPr>
+              <a:lnSpc>
+                <a:spcPct val="150000"/>
+              </a:lnSpc>
+            </a:pPr>
             <a:r>
               <a:rPr lang="es-AR" dirty="0" smtClean="0">
                 <a:latin typeface="Segoe UI" panose="020B0502040204020203" pitchFamily="34" charset="0"/>
                 <a:cs typeface="Segoe UI" panose="020B0502040204020203" pitchFamily="34" charset="0"/>
               </a:rPr>
-              <a:t> and </a:t>
-            </a:r>
-            <a:r>
-              <a:rPr lang="es-AR" dirty="0" err="1" smtClean="0">
-                <a:latin typeface="Segoe UI" panose="020B0502040204020203" pitchFamily="34" charset="0"/>
-                <a:cs typeface="Segoe UI" panose="020B0502040204020203" pitchFamily="34" charset="0"/>
-              </a:rPr>
-              <a:t>Accountability</a:t>
-            </a:r>
+              <a:t>Generación de información residual</a:t>
+            </a:r>
+          </a:p>
+          <a:p>
+            <a:pPr>
+              <a:lnSpc>
+                <a:spcPct val="150000"/>
+              </a:lnSpc>
+            </a:pPr>
             <a:r>
               <a:rPr lang="es-AR" dirty="0" smtClean="0">
                 <a:latin typeface="Segoe UI" panose="020B0502040204020203" pitchFamily="34" charset="0"/>
                 <a:cs typeface="Segoe UI" panose="020B0502040204020203" pitchFamily="34" charset="0"/>
               </a:rPr>
-              <a:t> </a:t>
-            </a:r>
-            <a:r>
-              <a:rPr lang="es-AR" dirty="0" err="1" smtClean="0">
-                <a:latin typeface="Segoe UI" panose="020B0502040204020203" pitchFamily="34" charset="0"/>
-                <a:cs typeface="Segoe UI" panose="020B0502040204020203" pitchFamily="34" charset="0"/>
-              </a:rPr>
-              <a:t>Act</a:t>
-            </a:r>
-            <a:r>
-              <a:rPr lang="es-AR" dirty="0" smtClean="0">
-                <a:latin typeface="Segoe UI" panose="020B0502040204020203" pitchFamily="34" charset="0"/>
-                <a:cs typeface="Segoe UI" panose="020B0502040204020203" pitchFamily="34" charset="0"/>
-              </a:rPr>
-              <a:t>), cuando un empleado de una asociación de enfermos de cáncer utilizó información de pacientes para obtener tarjetas de crédito.</a:t>
-            </a:r>
-          </a:p>
-          <a:p>
-            <a:endParaRPr lang="es-AR" dirty="0" smtClean="0">
+              <a:t>Siniestro del soporte físico de la información</a:t>
+            </a:r>
+            <a:endParaRPr lang="es-AR" dirty="0">
               <a:latin typeface="Segoe UI" panose="020B0502040204020203" pitchFamily="34" charset="0"/>
               <a:cs typeface="Segoe UI" panose="020B0502040204020203" pitchFamily="34" charset="0"/>
             </a:endParaRPr>
           </a:p>
-          <a:p>
-            <a:r>
-              <a:rPr lang="es-AR" dirty="0" smtClean="0">
-                <a:latin typeface="Segoe UI" panose="020B0502040204020203" pitchFamily="34" charset="0"/>
-                <a:cs typeface="Segoe UI" panose="020B0502040204020203" pitchFamily="34" charset="0"/>
-              </a:rPr>
-              <a:t>2005: empleados de un hospital fueron descubiertos mientras obtenían información de la internación por maternidad de la cantante pop </a:t>
-            </a:r>
-            <a:r>
-              <a:rPr lang="es-AR" dirty="0" err="1" smtClean="0">
-                <a:latin typeface="Segoe UI" panose="020B0502040204020203" pitchFamily="34" charset="0"/>
-                <a:cs typeface="Segoe UI" panose="020B0502040204020203" pitchFamily="34" charset="0"/>
-              </a:rPr>
-              <a:t>Britney</a:t>
-            </a:r>
-            <a:r>
-              <a:rPr lang="es-AR" dirty="0" smtClean="0">
-                <a:latin typeface="Segoe UI" panose="020B0502040204020203" pitchFamily="34" charset="0"/>
-                <a:cs typeface="Segoe UI" panose="020B0502040204020203" pitchFamily="34" charset="0"/>
-              </a:rPr>
-              <a:t> </a:t>
-            </a:r>
-            <a:r>
-              <a:rPr lang="es-AR" dirty="0" err="1" smtClean="0">
-                <a:latin typeface="Segoe UI" panose="020B0502040204020203" pitchFamily="34" charset="0"/>
-                <a:cs typeface="Segoe UI" panose="020B0502040204020203" pitchFamily="34" charset="0"/>
-              </a:rPr>
-              <a:t>Spears</a:t>
-            </a:r>
-            <a:r>
-              <a:rPr lang="es-AR" dirty="0" smtClean="0">
-                <a:latin typeface="Segoe UI" panose="020B0502040204020203" pitchFamily="34" charset="0"/>
-                <a:cs typeface="Segoe UI" panose="020B0502040204020203" pitchFamily="34" charset="0"/>
-              </a:rPr>
-              <a:t>.</a:t>
-            </a:r>
-          </a:p>
         </p:txBody>
       </p:sp>
     </p:spTree>
     <p:extLst>
       <p:ext uri="{BB962C8B-B14F-4D97-AF65-F5344CB8AC3E}">
-        <p14:creationId xmlns:p14="http://schemas.microsoft.com/office/powerpoint/2010/main" val="701687324"/>
+        <p14:creationId xmlns:p14="http://schemas.microsoft.com/office/powerpoint/2010/main" xmlns="" val="3874537101"/>
       </p:ext>
     </p:extLst>
   </p:cSld>
   <p:clrMapOvr>
     <a:masterClrMapping/>
   </p:clrMapOvr>
-  <mc:AlternateContent xmlns:mc="http://schemas.openxmlformats.org/markup-compatibility/2006" xmlns:p14="http://schemas.microsoft.com/office/powerpoint/2010/main">
-    <mc:Choice Requires="p14">
+  <mc:AlternateContent xmlns:mc="http://schemas.openxmlformats.org/markup-compatibility/2006">
+    <mc:Choice xmlns:p14="http://schemas.microsoft.com/office/powerpoint/2010/main" xmlns="" Requires="p14">
       <p:transition spd="med" p14:dur="700">
         <p:fade/>
       </p:transition>
     </mc:Choice>
-    <mc:Fallback xmlns="">
+    <mc:Fallback>
       <p:transition spd="med">
         <p:fade/>
       </p:transition>
@@ -14001,7 +14378,7 @@
                 <a:latin typeface="Segoe UI" panose="020B0502040204020203" pitchFamily="34" charset="0"/>
                 <a:cs typeface="Segoe UI" panose="020B0502040204020203" pitchFamily="34" charset="0"/>
               </a:rPr>
-              <a:t>Siglo XXI – Casos reales  (III)</a:t>
+              <a:t>Siglo XXI – Casos reales  (I)</a:t>
             </a:r>
             <a:endParaRPr lang="es-AR" spc="0" dirty="0">
               <a:ln w="0"/>
@@ -14048,36 +14425,7 @@
                 <a:latin typeface="Segoe UI" panose="020B0502040204020203" pitchFamily="34" charset="0"/>
                 <a:cs typeface="Segoe UI" panose="020B0502040204020203" pitchFamily="34" charset="0"/>
               </a:rPr>
-              <a:t>2005: se produjo la fuga de información confidencial sobre centrales nucleares en Japón, a través de Internet desde un ordenador infectado por un virus.</a:t>
-            </a:r>
-          </a:p>
-          <a:p>
-            <a:endParaRPr lang="es-AR" dirty="0" smtClean="0">
-              <a:latin typeface="Segoe UI" panose="020B0502040204020203" pitchFamily="34" charset="0"/>
-              <a:cs typeface="Segoe UI" panose="020B0502040204020203" pitchFamily="34" charset="0"/>
-            </a:endParaRPr>
-          </a:p>
-          <a:p>
-            <a:r>
-              <a:rPr lang="es-AR" dirty="0" smtClean="0">
-                <a:latin typeface="Segoe UI" panose="020B0502040204020203" pitchFamily="34" charset="0"/>
-                <a:cs typeface="Segoe UI" panose="020B0502040204020203" pitchFamily="34" charset="0"/>
-              </a:rPr>
-              <a:t>2007: el sitio global de búsquedas laborales </a:t>
-            </a:r>
-            <a:r>
-              <a:rPr lang="es-AR" dirty="0" err="1" smtClean="0">
-                <a:latin typeface="Segoe UI" panose="020B0502040204020203" pitchFamily="34" charset="0"/>
-                <a:cs typeface="Segoe UI" panose="020B0502040204020203" pitchFamily="34" charset="0"/>
-              </a:rPr>
-              <a:t>Monster</a:t>
-            </a:r>
-            <a:r>
-              <a:rPr lang="es-AR" dirty="0" smtClean="0">
-                <a:latin typeface="Segoe UI" panose="020B0502040204020203" pitchFamily="34" charset="0"/>
-                <a:cs typeface="Segoe UI" panose="020B0502040204020203" pitchFamily="34" charset="0"/>
-              </a:rPr>
-              <a:t> sufrió el robo de 1,6 millones de datos con información personal de los usuarios registrados. Los atacantes ingresaron a las bases de datos con contraseñas que habían sido obtenidas previamente mediante un troyano.</a:t>
+              <a:t>2001: espionaje industrial de la década: implicó a dos empresas rivales en bienes de consumo, “Unilever” y “Procter &amp; Gamble”.</a:t>
             </a:r>
           </a:p>
           <a:p>
@@ -14086,25 +14434,34 @@
               <a:cs typeface="Segoe UI" panose="020B0502040204020203" pitchFamily="34" charset="0"/>
             </a:endParaRPr>
           </a:p>
+          <a:p>
+            <a:r>
+              <a:rPr lang="es-AR" dirty="0" smtClean="0">
+                <a:latin typeface="Segoe UI" panose="020B0502040204020203" pitchFamily="34" charset="0"/>
+                <a:cs typeface="Segoe UI" panose="020B0502040204020203" pitchFamily="34" charset="0"/>
+              </a:rPr>
+              <a:t>2002: Este caso muestra como el espionaje industrial puede convertirse en un problema de seguridad nacional. La compañía sueca Ericsson se vio envuelta por sorpresa en un incidente diplomático.</a:t>
+            </a:r>
+          </a:p>
         </p:txBody>
       </p:sp>
     </p:spTree>
     <p:extLst>
       <p:ext uri="{BB962C8B-B14F-4D97-AF65-F5344CB8AC3E}">
-        <p14:creationId xmlns:p14="http://schemas.microsoft.com/office/powerpoint/2010/main" val="1445017764"/>
+        <p14:creationId xmlns:p14="http://schemas.microsoft.com/office/powerpoint/2010/main" xmlns="" val="1202384585"/>
       </p:ext>
     </p:extLst>
   </p:cSld>
   <p:clrMapOvr>
     <a:masterClrMapping/>
   </p:clrMapOvr>
-  <mc:AlternateContent xmlns:mc="http://schemas.openxmlformats.org/markup-compatibility/2006" xmlns:p14="http://schemas.microsoft.com/office/powerpoint/2010/main">
-    <mc:Choice Requires="p14">
+  <mc:AlternateContent xmlns:mc="http://schemas.openxmlformats.org/markup-compatibility/2006">
+    <mc:Choice xmlns:p14="http://schemas.microsoft.com/office/powerpoint/2010/main" xmlns="" Requires="p14">
       <p:transition spd="med" p14:dur="700">
         <p:fade/>
       </p:transition>
     </mc:Choice>
-    <mc:Fallback xmlns="">
+    <mc:Fallback>
       <p:transition spd="med">
         <p:fade/>
       </p:transition>
@@ -14168,7 +14525,7 @@
                 <a:latin typeface="Segoe UI" panose="020B0502040204020203" pitchFamily="34" charset="0"/>
                 <a:cs typeface="Segoe UI" panose="020B0502040204020203" pitchFamily="34" charset="0"/>
               </a:rPr>
-              <a:t>Siglo XXI – Casos reales  (IV)</a:t>
+              <a:t>Siglo XXI – Casos reales  (II)</a:t>
             </a:r>
             <a:endParaRPr lang="es-AR" spc="0" dirty="0">
               <a:ln w="0"/>
@@ -14215,21 +14572,77 @@
                 <a:latin typeface="Segoe UI" panose="020B0502040204020203" pitchFamily="34" charset="0"/>
                 <a:cs typeface="Segoe UI" panose="020B0502040204020203" pitchFamily="34" charset="0"/>
               </a:rPr>
-              <a:t>2009: la red social </a:t>
+              <a:t>2004: se descubrió el primer caso de violación a la ley HIPAA (</a:t>
             </a:r>
             <a:r>
               <a:rPr lang="es-AR" dirty="0" err="1" smtClean="0">
                 <a:latin typeface="Segoe UI" panose="020B0502040204020203" pitchFamily="34" charset="0"/>
                 <a:cs typeface="Segoe UI" panose="020B0502040204020203" pitchFamily="34" charset="0"/>
               </a:rPr>
-              <a:t>Tuenti</a:t>
+              <a:t>Health</a:t>
             </a:r>
             <a:r>
               <a:rPr lang="es-AR" dirty="0" smtClean="0">
                 <a:latin typeface="Segoe UI" panose="020B0502040204020203" pitchFamily="34" charset="0"/>
                 <a:cs typeface="Segoe UI" panose="020B0502040204020203" pitchFamily="34" charset="0"/>
               </a:rPr>
-              <a:t> fue afectada por el robo de 4.000 cuentas de usuario y sus contraseñas, por parte de un atacante enojado con la empresa.</a:t>
+              <a:t> </a:t>
+            </a:r>
+            <a:r>
+              <a:rPr lang="es-AR" dirty="0" err="1" smtClean="0">
+                <a:latin typeface="Segoe UI" panose="020B0502040204020203" pitchFamily="34" charset="0"/>
+                <a:cs typeface="Segoe UI" panose="020B0502040204020203" pitchFamily="34" charset="0"/>
+              </a:rPr>
+              <a:t>Insurance</a:t>
+            </a:r>
+            <a:r>
+              <a:rPr lang="es-AR" dirty="0" smtClean="0">
+                <a:latin typeface="Segoe UI" panose="020B0502040204020203" pitchFamily="34" charset="0"/>
+                <a:cs typeface="Segoe UI" panose="020B0502040204020203" pitchFamily="34" charset="0"/>
+              </a:rPr>
+              <a:t> </a:t>
+            </a:r>
+            <a:r>
+              <a:rPr lang="es-AR" dirty="0" err="1" smtClean="0">
+                <a:latin typeface="Segoe UI" panose="020B0502040204020203" pitchFamily="34" charset="0"/>
+                <a:cs typeface="Segoe UI" panose="020B0502040204020203" pitchFamily="34" charset="0"/>
+              </a:rPr>
+              <a:t>Portability</a:t>
+            </a:r>
+            <a:r>
+              <a:rPr lang="es-AR" dirty="0" smtClean="0">
+                <a:latin typeface="Segoe UI" panose="020B0502040204020203" pitchFamily="34" charset="0"/>
+                <a:cs typeface="Segoe UI" panose="020B0502040204020203" pitchFamily="34" charset="0"/>
+              </a:rPr>
+              <a:t> and </a:t>
+            </a:r>
+            <a:r>
+              <a:rPr lang="es-AR" dirty="0" err="1" smtClean="0">
+                <a:latin typeface="Segoe UI" panose="020B0502040204020203" pitchFamily="34" charset="0"/>
+                <a:cs typeface="Segoe UI" panose="020B0502040204020203" pitchFamily="34" charset="0"/>
+              </a:rPr>
+              <a:t>Accountability</a:t>
+            </a:r>
+            <a:r>
+              <a:rPr lang="es-AR" dirty="0" smtClean="0">
+                <a:latin typeface="Segoe UI" panose="020B0502040204020203" pitchFamily="34" charset="0"/>
+                <a:cs typeface="Segoe UI" panose="020B0502040204020203" pitchFamily="34" charset="0"/>
+              </a:rPr>
+              <a:t> </a:t>
+            </a:r>
+            <a:r>
+              <a:rPr lang="es-AR" dirty="0" err="1" smtClean="0">
+                <a:latin typeface="Segoe UI" panose="020B0502040204020203" pitchFamily="34" charset="0"/>
+                <a:cs typeface="Segoe UI" panose="020B0502040204020203" pitchFamily="34" charset="0"/>
+              </a:rPr>
+              <a:t>Act</a:t>
+            </a:r>
+            <a:r>
+              <a:rPr lang="es-AR" dirty="0" smtClean="0">
+                <a:latin typeface="Segoe UI" panose="020B0502040204020203" pitchFamily="34" charset="0"/>
+                <a:cs typeface="Segoe UI" panose="020B0502040204020203" pitchFamily="34" charset="0"/>
+              </a:rPr>
+              <a:t>), cuando un empleado de una asociación de enfermos de cáncer utilizó información de pacientes para obtener tarjetas de crédito.</a:t>
             </a:r>
           </a:p>
           <a:p>
@@ -14244,61 +14657,56 @@
                 <a:latin typeface="Segoe UI" panose="020B0502040204020203" pitchFamily="34" charset="0"/>
                 <a:cs typeface="Segoe UI" panose="020B0502040204020203" pitchFamily="34" charset="0"/>
               </a:rPr>
-              <a:t>2010:  Google detectó que había sido víctima de un ataque desde China, que robó información de su propiedad intelectual.</a:t>
-            </a:r>
-          </a:p>
-          <a:p>
-            <a:endParaRPr lang="es-AR" dirty="0" smtClean="0">
-              <a:latin typeface="Segoe UI" panose="020B0502040204020203" pitchFamily="34" charset="0"/>
-              <a:cs typeface="Segoe UI" panose="020B0502040204020203" pitchFamily="34" charset="0"/>
-            </a:endParaRPr>
-          </a:p>
-          <a:p>
+              <a:t>2005: empleados de un hospital fueron descubiertos mientras obtenían información de la internación por maternidad de la cantante pop </a:t>
+            </a:r>
+            <a:r>
+              <a:rPr lang="es-AR" dirty="0" err="1" smtClean="0">
+                <a:latin typeface="Segoe UI" panose="020B0502040204020203" pitchFamily="34" charset="0"/>
+                <a:cs typeface="Segoe UI" panose="020B0502040204020203" pitchFamily="34" charset="0"/>
+              </a:rPr>
+              <a:t>Britney</a:t>
+            </a:r>
             <a:r>
               <a:rPr lang="es-AR" dirty="0" smtClean="0">
                 <a:latin typeface="Segoe UI" panose="020B0502040204020203" pitchFamily="34" charset="0"/>
                 <a:cs typeface="Segoe UI" panose="020B0502040204020203" pitchFamily="34" charset="0"/>
               </a:rPr>
-              <a:t>2014: Edward </a:t>
+              <a:t> </a:t>
             </a:r>
             <a:r>
               <a:rPr lang="es-AR" dirty="0" err="1" smtClean="0">
                 <a:latin typeface="Segoe UI" panose="020B0502040204020203" pitchFamily="34" charset="0"/>
                 <a:cs typeface="Segoe UI" panose="020B0502040204020203" pitchFamily="34" charset="0"/>
               </a:rPr>
-              <a:t>Snowden</a:t>
+              <a:t>Spears</a:t>
             </a:r>
             <a:r>
               <a:rPr lang="es-AR" dirty="0" smtClean="0">
                 <a:latin typeface="Segoe UI" panose="020B0502040204020203" pitchFamily="34" charset="0"/>
                 <a:cs typeface="Segoe UI" panose="020B0502040204020203" pitchFamily="34" charset="0"/>
               </a:rPr>
-              <a:t> revela cómo la Casa Blanca y sus organismos espían las comunicaciones en Internet.</a:t>
-            </a:r>
-            <a:endParaRPr lang="es-AR" dirty="0">
-              <a:latin typeface="Segoe UI" panose="020B0502040204020203" pitchFamily="34" charset="0"/>
-              <a:cs typeface="Segoe UI" panose="020B0502040204020203" pitchFamily="34" charset="0"/>
-            </a:endParaRPr>
+              <a:t>.</a:t>
+            </a:r>
           </a:p>
         </p:txBody>
       </p:sp>
     </p:spTree>
     <p:extLst>
       <p:ext uri="{BB962C8B-B14F-4D97-AF65-F5344CB8AC3E}">
-        <p14:creationId xmlns:p14="http://schemas.microsoft.com/office/powerpoint/2010/main" val="3810472897"/>
+        <p14:creationId xmlns:p14="http://schemas.microsoft.com/office/powerpoint/2010/main" xmlns="" val="701687324"/>
       </p:ext>
     </p:extLst>
   </p:cSld>
   <p:clrMapOvr>
     <a:masterClrMapping/>
   </p:clrMapOvr>
-  <mc:AlternateContent xmlns:mc="http://schemas.openxmlformats.org/markup-compatibility/2006" xmlns:p14="http://schemas.microsoft.com/office/powerpoint/2010/main">
-    <mc:Choice Requires="p14">
+  <mc:AlternateContent xmlns:mc="http://schemas.openxmlformats.org/markup-compatibility/2006">
+    <mc:Choice xmlns:p14="http://schemas.microsoft.com/office/powerpoint/2010/main" xmlns="" Requires="p14">
       <p:transition spd="med" p14:dur="700">
         <p:fade/>
       </p:transition>
     </mc:Choice>
-    <mc:Fallback xmlns="">
+    <mc:Fallback>
       <p:transition spd="med">
         <p:fade/>
       </p:transition>
@@ -14333,7 +14741,7 @@
       </p:grpSpPr>
       <p:sp>
         <p:nvSpPr>
-          <p:cNvPr id="2" name="Title 1"/>
+          <p:cNvPr id="13" name="Title 12"/>
           <p:cNvSpPr>
             <a:spLocks noGrp="1"/>
           </p:cNvSpPr>
@@ -14347,36 +14755,125 @@
           <a:lstStyle/>
           <a:p>
             <a:r>
-              <a:rPr lang="es-AR" dirty="0" smtClean="0">
-                <a:latin typeface="Segoe UI" panose="020B0502040204020203" pitchFamily="34" charset="0"/>
-                <a:cs typeface="Segoe UI" panose="020B0502040204020203" pitchFamily="34" charset="0"/>
-              </a:rPr>
-              <a:t>Conclusiones</a:t>
-            </a:r>
-            <a:endParaRPr lang="es-AR" dirty="0">
+              <a:rPr lang="es-AR" spc="0" dirty="0" smtClean="0">
+                <a:ln w="0"/>
+                <a:solidFill>
+                  <a:schemeClr val="accent1"/>
+                </a:solidFill>
+                <a:effectLst>
+                  <a:outerShdw blurRad="38100" dist="25400" dir="5400000" algn="ctr" rotWithShape="0">
+                    <a:srgbClr val="6E747A">
+                      <a:alpha val="43000"/>
+                    </a:srgbClr>
+                  </a:outerShdw>
+                </a:effectLst>
+                <a:latin typeface="Segoe UI" panose="020B0502040204020203" pitchFamily="34" charset="0"/>
+                <a:cs typeface="Segoe UI" panose="020B0502040204020203" pitchFamily="34" charset="0"/>
+              </a:rPr>
+              <a:t>Siglo XXI – Casos reales  (III)</a:t>
+            </a:r>
+            <a:endParaRPr lang="es-AR" spc="0" dirty="0">
+              <a:ln w="0"/>
+              <a:solidFill>
+                <a:schemeClr val="accent1"/>
+              </a:solidFill>
+              <a:effectLst>
+                <a:outerShdw blurRad="38100" dist="25400" dir="5400000" algn="ctr" rotWithShape="0">
+                  <a:srgbClr val="6E747A">
+                    <a:alpha val="43000"/>
+                  </a:srgbClr>
+                </a:outerShdw>
+              </a:effectLst>
               <a:latin typeface="Segoe UI" panose="020B0502040204020203" pitchFamily="34" charset="0"/>
               <a:cs typeface="Segoe UI" panose="020B0502040204020203" pitchFamily="34" charset="0"/>
             </a:endParaRPr>
           </a:p>
         </p:txBody>
       </p:sp>
+      <p:sp>
+        <p:nvSpPr>
+          <p:cNvPr id="2" name="Content Placeholder 1"/>
+          <p:cNvSpPr>
+            <a:spLocks noGrp="1"/>
+          </p:cNvSpPr>
+          <p:nvPr>
+            <p:ph idx="1"/>
+          </p:nvPr>
+        </p:nvSpPr>
+        <p:spPr>
+          <a:xfrm>
+            <a:off x="1522413" y="2276872"/>
+            <a:ext cx="9134391" cy="3742928"/>
+          </a:xfrm>
+        </p:spPr>
+        <p:txBody>
+          <a:bodyPr>
+            <a:noAutofit/>
+          </a:bodyPr>
+          <a:lstStyle/>
+          <a:p>
+            <a:r>
+              <a:rPr lang="es-ES" dirty="0" smtClean="0">
+                <a:latin typeface="Segoe UI" panose="020B0502040204020203" pitchFamily="34" charset="0"/>
+                <a:cs typeface="Segoe UI" panose="020B0502040204020203" pitchFamily="34" charset="0"/>
+              </a:rPr>
+              <a:t>2005: se produjo la fuga de información confidencial sobre centrales nucleares en Japón, a través de Internet desde un ordenador infectado por un virus.</a:t>
+            </a:r>
+          </a:p>
+          <a:p>
+            <a:endParaRPr lang="es-AR" dirty="0" smtClean="0">
+              <a:latin typeface="Segoe UI" panose="020B0502040204020203" pitchFamily="34" charset="0"/>
+              <a:cs typeface="Segoe UI" panose="020B0502040204020203" pitchFamily="34" charset="0"/>
+            </a:endParaRPr>
+          </a:p>
+          <a:p>
+            <a:r>
+              <a:rPr lang="es-AR" dirty="0" smtClean="0">
+                <a:latin typeface="Segoe UI" panose="020B0502040204020203" pitchFamily="34" charset="0"/>
+                <a:cs typeface="Segoe UI" panose="020B0502040204020203" pitchFamily="34" charset="0"/>
+              </a:rPr>
+              <a:t>2007: el sitio global de búsquedas laborales </a:t>
+            </a:r>
+            <a:r>
+              <a:rPr lang="es-AR" dirty="0" err="1" smtClean="0">
+                <a:latin typeface="Segoe UI" panose="020B0502040204020203" pitchFamily="34" charset="0"/>
+                <a:cs typeface="Segoe UI" panose="020B0502040204020203" pitchFamily="34" charset="0"/>
+              </a:rPr>
+              <a:t>Monster</a:t>
+            </a:r>
+            <a:r>
+              <a:rPr lang="es-AR" dirty="0" smtClean="0">
+                <a:latin typeface="Segoe UI" panose="020B0502040204020203" pitchFamily="34" charset="0"/>
+                <a:cs typeface="Segoe UI" panose="020B0502040204020203" pitchFamily="34" charset="0"/>
+              </a:rPr>
+              <a:t> sufrió el robo de 1,6 millones de datos con información personal de los usuarios registrados. Los atacantes ingresaron a las bases de datos con contraseñas que habían sido obtenidas previamente mediante un troyano.</a:t>
+            </a:r>
+          </a:p>
+          <a:p>
+            <a:endParaRPr lang="es-ES" dirty="0" smtClean="0">
+              <a:latin typeface="Segoe UI" panose="020B0502040204020203" pitchFamily="34" charset="0"/>
+              <a:cs typeface="Segoe UI" panose="020B0502040204020203" pitchFamily="34" charset="0"/>
+            </a:endParaRPr>
+          </a:p>
+        </p:txBody>
+      </p:sp>
     </p:spTree>
     <p:extLst>
       <p:ext uri="{BB962C8B-B14F-4D97-AF65-F5344CB8AC3E}">
-        <p14:creationId xmlns:p14="http://schemas.microsoft.com/office/powerpoint/2010/main" val="1539601608"/>
+        <p14:creationId xmlns:p14="http://schemas.microsoft.com/office/powerpoint/2010/main" xmlns="" val="1445017764"/>
       </p:ext>
     </p:extLst>
   </p:cSld>
   <p:clrMapOvr>
     <a:masterClrMapping/>
   </p:clrMapOvr>
-  <mc:AlternateContent xmlns:mc="http://schemas.openxmlformats.org/markup-compatibility/2006" xmlns:p14="http://schemas.microsoft.com/office/powerpoint/2010/main">
-    <mc:Choice Requires="p14">
+  <mc:AlternateContent xmlns:mc="http://schemas.openxmlformats.org/markup-compatibility/2006">
+    <mc:Choice xmlns:p14="http://schemas.microsoft.com/office/powerpoint/2010/main" xmlns="" Requires="p14">
       <p:transition spd="med" p14:dur="700">
         <p:fade/>
       </p:transition>
     </mc:Choice>
-    <mc:Fallback xmlns="">
+    <mc:Fallback>
       <p:transition spd="med">
         <p:fade/>
       </p:transition>
@@ -14411,7 +14908,7 @@
       </p:grpSpPr>
       <p:sp>
         <p:nvSpPr>
-          <p:cNvPr id="2" name="Title 1"/>
+          <p:cNvPr id="13" name="Title 12"/>
           <p:cNvSpPr>
             <a:spLocks noGrp="1"/>
           </p:cNvSpPr>
@@ -14425,31 +14922,35 @@
           <a:lstStyle/>
           <a:p>
             <a:r>
-              <a:rPr lang="es-AR" b="1" spc="0" dirty="0" smtClean="0">
-                <a:ln w="9525">
-                  <a:solidFill>
-                    <a:schemeClr val="bg1"/>
-                  </a:solidFill>
-                  <a:prstDash val="solid"/>
-                </a:ln>
+              <a:rPr lang="es-AR" spc="0" dirty="0" smtClean="0">
+                <a:ln w="0"/>
                 <a:solidFill>
                   <a:schemeClr val="accent1"/>
                 </a:solidFill>
-                <a:latin typeface="Segoe UI" panose="020B0502040204020203" pitchFamily="34" charset="0"/>
-                <a:cs typeface="Segoe UI" panose="020B0502040204020203" pitchFamily="34" charset="0"/>
-              </a:rPr>
-              <a:t>Conclusiones</a:t>
-            </a:r>
-            <a:endParaRPr lang="es-AR" b="1" spc="0" dirty="0">
-              <a:ln w="9525">
-                <a:solidFill>
-                  <a:schemeClr val="bg1"/>
-                </a:solidFill>
-                <a:prstDash val="solid"/>
-              </a:ln>
+                <a:effectLst>
+                  <a:outerShdw blurRad="38100" dist="25400" dir="5400000" algn="ctr" rotWithShape="0">
+                    <a:srgbClr val="6E747A">
+                      <a:alpha val="43000"/>
+                    </a:srgbClr>
+                  </a:outerShdw>
+                </a:effectLst>
+                <a:latin typeface="Segoe UI" panose="020B0502040204020203" pitchFamily="34" charset="0"/>
+                <a:cs typeface="Segoe UI" panose="020B0502040204020203" pitchFamily="34" charset="0"/>
+              </a:rPr>
+              <a:t>Siglo XXI – Casos reales  (IV)</a:t>
+            </a:r>
+            <a:endParaRPr lang="es-AR" spc="0" dirty="0">
+              <a:ln w="0"/>
               <a:solidFill>
                 <a:schemeClr val="accent1"/>
               </a:solidFill>
+              <a:effectLst>
+                <a:outerShdw blurRad="38100" dist="25400" dir="5400000" algn="ctr" rotWithShape="0">
+                  <a:srgbClr val="6E747A">
+                    <a:alpha val="43000"/>
+                  </a:srgbClr>
+                </a:outerShdw>
+              </a:effectLst>
               <a:latin typeface="Segoe UI" panose="020B0502040204020203" pitchFamily="34" charset="0"/>
               <a:cs typeface="Segoe UI" panose="020B0502040204020203" pitchFamily="34" charset="0"/>
             </a:endParaRPr>
@@ -14458,7 +14959,7 @@
       </p:sp>
       <p:sp>
         <p:nvSpPr>
-          <p:cNvPr id="3" name="Content Placeholder 2"/>
+          <p:cNvPr id="2" name="Content Placeholder 1"/>
           <p:cNvSpPr>
             <a:spLocks noGrp="1"/>
           </p:cNvSpPr>
@@ -14466,52 +14967,83 @@
             <p:ph idx="1"/>
           </p:nvPr>
         </p:nvSpPr>
-        <p:spPr/>
+        <p:spPr>
+          <a:xfrm>
+            <a:off x="1522413" y="2276872"/>
+            <a:ext cx="9134391" cy="3742928"/>
+          </a:xfrm>
+        </p:spPr>
         <p:txBody>
           <a:bodyPr>
-            <a:normAutofit lnSpcReduction="10000"/>
+            <a:noAutofit/>
           </a:bodyPr>
           <a:lstStyle/>
           <a:p>
-            <a:pPr marL="342900" indent="-342900">
-              <a:lnSpc>
-                <a:spcPct val="150000"/>
-              </a:lnSpc>
-            </a:pPr>
             <a:r>
               <a:rPr lang="es-AR" dirty="0" smtClean="0">
                 <a:latin typeface="Segoe UI" panose="020B0502040204020203" pitchFamily="34" charset="0"/>
                 <a:cs typeface="Segoe UI" panose="020B0502040204020203" pitchFamily="34" charset="0"/>
               </a:rPr>
-              <a:t>La amenaza más grande para las organizaciones probablemente no sean los ataques de terceros, ni los empleados maliciosos, sino los empleados descuidados que de forma inintencionada divulgan información sensible</a:t>
-            </a:r>
-          </a:p>
-          <a:p>
-            <a:pPr marL="342900" indent="-342900">
-              <a:lnSpc>
-                <a:spcPct val="150000"/>
-              </a:lnSpc>
-            </a:pPr>
+              <a:t>2009: la red social </a:t>
+            </a:r>
+            <a:r>
+              <a:rPr lang="es-AR" dirty="0" err="1" smtClean="0">
+                <a:latin typeface="Segoe UI" panose="020B0502040204020203" pitchFamily="34" charset="0"/>
+                <a:cs typeface="Segoe UI" panose="020B0502040204020203" pitchFamily="34" charset="0"/>
+              </a:rPr>
+              <a:t>Tuenti</a:t>
+            </a:r>
             <a:r>
               <a:rPr lang="es-AR" dirty="0" smtClean="0">
                 <a:latin typeface="Segoe UI" panose="020B0502040204020203" pitchFamily="34" charset="0"/>
                 <a:cs typeface="Segoe UI" panose="020B0502040204020203" pitchFamily="34" charset="0"/>
               </a:rPr>
-              <a:t>Una combinación de protección tecnológica, políticas y procedimientos actualizados, y educación de los usuarios deberían contribuir a paliar los efectos que causan estas fugas</a:t>
-            </a:r>
-          </a:p>
-          <a:p>
-            <a:pPr>
-              <a:lnSpc>
-                <a:spcPct val="150000"/>
-              </a:lnSpc>
-            </a:pPr>
+              <a:t> fue afectada por el robo de 4.000 cuentas de usuario y sus contraseñas, por parte de un atacante enojado con la empresa.</a:t>
+            </a:r>
+          </a:p>
+          <a:p>
             <a:endParaRPr lang="es-AR" dirty="0" smtClean="0">
               <a:latin typeface="Segoe UI" panose="020B0502040204020203" pitchFamily="34" charset="0"/>
               <a:cs typeface="Segoe UI" panose="020B0502040204020203" pitchFamily="34" charset="0"/>
             </a:endParaRPr>
           </a:p>
           <a:p>
+            <a:r>
+              <a:rPr lang="es-AR" dirty="0" smtClean="0">
+                <a:latin typeface="Segoe UI" panose="020B0502040204020203" pitchFamily="34" charset="0"/>
+                <a:cs typeface="Segoe UI" panose="020B0502040204020203" pitchFamily="34" charset="0"/>
+              </a:rPr>
+              <a:t>2010:  Google detectó que había sido víctima de un ataque desde China, que robó información de su propiedad intelectual.</a:t>
+            </a:r>
+          </a:p>
+          <a:p>
+            <a:endParaRPr lang="es-AR" dirty="0" smtClean="0">
+              <a:latin typeface="Segoe UI" panose="020B0502040204020203" pitchFamily="34" charset="0"/>
+              <a:cs typeface="Segoe UI" panose="020B0502040204020203" pitchFamily="34" charset="0"/>
+            </a:endParaRPr>
+          </a:p>
+          <a:p>
+            <a:r>
+              <a:rPr lang="es-AR" dirty="0" smtClean="0">
+                <a:latin typeface="Segoe UI" panose="020B0502040204020203" pitchFamily="34" charset="0"/>
+                <a:cs typeface="Segoe UI" panose="020B0502040204020203" pitchFamily="34" charset="0"/>
+              </a:rPr>
+              <a:t>2014: Edward </a:t>
+            </a:r>
+            <a:r>
+              <a:rPr lang="es-AR" dirty="0" err="1" smtClean="0">
+                <a:latin typeface="Segoe UI" panose="020B0502040204020203" pitchFamily="34" charset="0"/>
+                <a:cs typeface="Segoe UI" panose="020B0502040204020203" pitchFamily="34" charset="0"/>
+              </a:rPr>
+              <a:t>Snowden</a:t>
+            </a:r>
+            <a:r>
+              <a:rPr lang="es-AR" dirty="0" smtClean="0">
+                <a:latin typeface="Segoe UI" panose="020B0502040204020203" pitchFamily="34" charset="0"/>
+                <a:cs typeface="Segoe UI" panose="020B0502040204020203" pitchFamily="34" charset="0"/>
+              </a:rPr>
+              <a:t> revela cómo la Casa Blanca y sus organismos espían las comunicaciones en Internet.</a:t>
+            </a:r>
             <a:endParaRPr lang="es-AR" dirty="0">
               <a:latin typeface="Segoe UI" panose="020B0502040204020203" pitchFamily="34" charset="0"/>
               <a:cs typeface="Segoe UI" panose="020B0502040204020203" pitchFamily="34" charset="0"/>
@@ -14522,20 +15054,20 @@
     </p:spTree>
     <p:extLst>
       <p:ext uri="{BB962C8B-B14F-4D97-AF65-F5344CB8AC3E}">
-        <p14:creationId xmlns:p14="http://schemas.microsoft.com/office/powerpoint/2010/main" val="3280227416"/>
+        <p14:creationId xmlns:p14="http://schemas.microsoft.com/office/powerpoint/2010/main" xmlns="" val="3810472897"/>
       </p:ext>
     </p:extLst>
   </p:cSld>
   <p:clrMapOvr>
     <a:masterClrMapping/>
   </p:clrMapOvr>
-  <mc:AlternateContent xmlns:mc="http://schemas.openxmlformats.org/markup-compatibility/2006" xmlns:p14="http://schemas.microsoft.com/office/powerpoint/2010/main">
-    <mc:Choice Requires="p14">
+  <mc:AlternateContent xmlns:mc="http://schemas.openxmlformats.org/markup-compatibility/2006">
+    <mc:Choice xmlns:p14="http://schemas.microsoft.com/office/powerpoint/2010/main" xmlns="" Requires="p14">
       <p:transition spd="med" p14:dur="700">
         <p:fade/>
       </p:transition>
     </mc:Choice>
-    <mc:Fallback xmlns="">
+    <mc:Fallback>
       <p:transition spd="med">
         <p:fade/>
       </p:transition>
@@ -14584,166 +15116,11 @@
           <a:lstStyle/>
           <a:p>
             <a:r>
-              <a:rPr lang="es-AR" b="1" spc="0" dirty="0" smtClean="0">
-                <a:ln w="9525">
-                  <a:solidFill>
-                    <a:schemeClr val="bg1"/>
-                  </a:solidFill>
-                  <a:prstDash val="solid"/>
-                </a:ln>
-                <a:solidFill>
-                  <a:schemeClr val="accent1"/>
-                </a:solidFill>
-                <a:latin typeface="Segoe UI" panose="020B0502040204020203" pitchFamily="34" charset="0"/>
-                <a:cs typeface="Segoe UI" panose="020B0502040204020203" pitchFamily="34" charset="0"/>
-              </a:rPr>
-              <a:t>Conclusiones (cont.)</a:t>
-            </a:r>
-            <a:endParaRPr lang="es-AR" b="1" spc="0" dirty="0">
-              <a:ln w="9525">
-                <a:solidFill>
-                  <a:schemeClr val="bg1"/>
-                </a:solidFill>
-                <a:prstDash val="solid"/>
-              </a:ln>
-              <a:solidFill>
-                <a:schemeClr val="accent1"/>
-              </a:solidFill>
-              <a:latin typeface="Segoe UI" panose="020B0502040204020203" pitchFamily="34" charset="0"/>
-              <a:cs typeface="Segoe UI" panose="020B0502040204020203" pitchFamily="34" charset="0"/>
-            </a:endParaRPr>
-          </a:p>
-        </p:txBody>
-      </p:sp>
-      <p:sp>
-        <p:nvSpPr>
-          <p:cNvPr id="3" name="Content Placeholder 2"/>
-          <p:cNvSpPr>
-            <a:spLocks noGrp="1"/>
-          </p:cNvSpPr>
-          <p:nvPr>
-            <p:ph idx="1"/>
-          </p:nvPr>
-        </p:nvSpPr>
-        <p:spPr/>
-        <p:txBody>
-          <a:bodyPr>
-            <a:normAutofit fontScale="77500" lnSpcReduction="20000"/>
-          </a:bodyPr>
-          <a:lstStyle/>
-          <a:p>
-            <a:pPr marL="342900" indent="-342900">
-              <a:lnSpc>
-                <a:spcPct val="150000"/>
-              </a:lnSpc>
-            </a:pPr>
-            <a:r>
-              <a:rPr lang="es-AR" dirty="0">
-                <a:latin typeface="Segoe UI" panose="020B0502040204020203" pitchFamily="34" charset="0"/>
-                <a:cs typeface="Segoe UI" panose="020B0502040204020203" pitchFamily="34" charset="0"/>
-              </a:rPr>
-              <a:t>Procedimiento básico para desarrollar una estrategia de protección: </a:t>
-            </a:r>
-          </a:p>
-          <a:p>
-            <a:pPr marL="800100" lvl="1" indent="-342900">
-              <a:lnSpc>
-                <a:spcPct val="150000"/>
-              </a:lnSpc>
-              <a:buFont typeface="Wingdings" panose="05000000000000000000" pitchFamily="2" charset="2"/>
-              <a:buChar char="ü"/>
-            </a:pPr>
-            <a:r>
-              <a:rPr lang="es-AR" sz="2400" dirty="0">
-                <a:latin typeface="Segoe UI" panose="020B0502040204020203" pitchFamily="34" charset="0"/>
-                <a:cs typeface="Segoe UI" panose="020B0502040204020203" pitchFamily="34" charset="0"/>
-              </a:rPr>
-              <a:t>Clasificar la información a proteger</a:t>
-            </a:r>
-          </a:p>
-          <a:p>
-            <a:pPr marL="800100" lvl="1" indent="-342900">
-              <a:lnSpc>
-                <a:spcPct val="150000"/>
-              </a:lnSpc>
-              <a:buFont typeface="Wingdings" panose="05000000000000000000" pitchFamily="2" charset="2"/>
-              <a:buChar char="ü"/>
-            </a:pPr>
-            <a:r>
-              <a:rPr lang="es-AR" sz="2400" dirty="0">
-                <a:latin typeface="Segoe UI" panose="020B0502040204020203" pitchFamily="34" charset="0"/>
-                <a:cs typeface="Segoe UI" panose="020B0502040204020203" pitchFamily="34" charset="0"/>
-              </a:rPr>
-              <a:t>Entender los datos que se manejan </a:t>
-            </a:r>
-          </a:p>
-          <a:p>
-            <a:pPr marL="800100" lvl="1" indent="-342900">
-              <a:lnSpc>
-                <a:spcPct val="150000"/>
-              </a:lnSpc>
-              <a:buFont typeface="Wingdings" panose="05000000000000000000" pitchFamily="2" charset="2"/>
-              <a:buChar char="ü"/>
-            </a:pPr>
-            <a:r>
-              <a:rPr lang="es-AR" sz="2400" dirty="0">
-                <a:latin typeface="Segoe UI" panose="020B0502040204020203" pitchFamily="34" charset="0"/>
-                <a:cs typeface="Segoe UI" panose="020B0502040204020203" pitchFamily="34" charset="0"/>
-              </a:rPr>
-              <a:t>Establecer políticas sobre el manejo de la información</a:t>
-            </a:r>
-          </a:p>
-          <a:p>
-            <a:pPr marL="800100" lvl="1" indent="-342900">
-              <a:lnSpc>
-                <a:spcPct val="150000"/>
-              </a:lnSpc>
-              <a:buFont typeface="Wingdings" panose="05000000000000000000" pitchFamily="2" charset="2"/>
-              <a:buChar char="ü"/>
-            </a:pPr>
-            <a:r>
-              <a:rPr lang="es-AR" sz="2400" dirty="0">
-                <a:latin typeface="Segoe UI" panose="020B0502040204020203" pitchFamily="34" charset="0"/>
-                <a:cs typeface="Segoe UI" panose="020B0502040204020203" pitchFamily="34" charset="0"/>
-              </a:rPr>
-              <a:t>Capacitar al personal en las herramientas </a:t>
-            </a:r>
-          </a:p>
-          <a:p>
-            <a:pPr marL="800100" lvl="1" indent="-342900">
-              <a:lnSpc>
-                <a:spcPct val="150000"/>
-              </a:lnSpc>
-              <a:buFont typeface="Wingdings" panose="05000000000000000000" pitchFamily="2" charset="2"/>
-              <a:buChar char="ü"/>
-            </a:pPr>
-            <a:r>
-              <a:rPr lang="es-AR" sz="2400" dirty="0">
-                <a:latin typeface="Segoe UI" panose="020B0502040204020203" pitchFamily="34" charset="0"/>
-                <a:cs typeface="Segoe UI" panose="020B0502040204020203" pitchFamily="34" charset="0"/>
-              </a:rPr>
-              <a:t>Implementar seguridad a nivel físico</a:t>
-            </a:r>
-          </a:p>
-          <a:p>
-            <a:pPr marL="342900" indent="-342900">
-              <a:lnSpc>
-                <a:spcPct val="150000"/>
-              </a:lnSpc>
-            </a:pPr>
-            <a:r>
-              <a:rPr lang="es-AR" dirty="0">
-                <a:latin typeface="Segoe UI" panose="020B0502040204020203" pitchFamily="34" charset="0"/>
-                <a:cs typeface="Segoe UI" panose="020B0502040204020203" pitchFamily="34" charset="0"/>
-              </a:rPr>
-              <a:t>No debe olvidarse de ejecutar revisiones periódicas, para mantener las políticas actualizadas y en conformidad con los requisitos y las tendencias </a:t>
-            </a:r>
-            <a:r>
               <a:rPr lang="es-AR" dirty="0" smtClean="0">
                 <a:latin typeface="Segoe UI" panose="020B0502040204020203" pitchFamily="34" charset="0"/>
                 <a:cs typeface="Segoe UI" panose="020B0502040204020203" pitchFamily="34" charset="0"/>
               </a:rPr>
-              <a:t>tecnológicas </a:t>
+              <a:t>Conclusiones</a:t>
             </a:r>
             <a:endParaRPr lang="es-AR" dirty="0">
               <a:latin typeface="Segoe UI" panose="020B0502040204020203" pitchFamily="34" charset="0"/>
@@ -14755,20 +15132,20 @@
     </p:spTree>
     <p:extLst>
       <p:ext uri="{BB962C8B-B14F-4D97-AF65-F5344CB8AC3E}">
-        <p14:creationId xmlns:p14="http://schemas.microsoft.com/office/powerpoint/2010/main" val="3816537714"/>
+        <p14:creationId xmlns:p14="http://schemas.microsoft.com/office/powerpoint/2010/main" xmlns="" val="1539601608"/>
       </p:ext>
     </p:extLst>
   </p:cSld>
   <p:clrMapOvr>
     <a:masterClrMapping/>
   </p:clrMapOvr>
-  <mc:AlternateContent xmlns:mc="http://schemas.openxmlformats.org/markup-compatibility/2006" xmlns:p14="http://schemas.microsoft.com/office/powerpoint/2010/main">
-    <mc:Choice Requires="p14">
+  <mc:AlternateContent xmlns:mc="http://schemas.openxmlformats.org/markup-compatibility/2006">
+    <mc:Choice xmlns:p14="http://schemas.microsoft.com/office/powerpoint/2010/main" xmlns="" Requires="p14">
       <p:transition spd="med" p14:dur="700">
         <p:fade/>
       </p:transition>
     </mc:Choice>
-    <mc:Fallback xmlns="">
+    <mc:Fallback>
       <p:transition spd="med">
         <p:fade/>
       </p:transition>
@@ -15048,20 +15425,20 @@
     </p:spTree>
     <p:extLst>
       <p:ext uri="{BB962C8B-B14F-4D97-AF65-F5344CB8AC3E}">
-        <p14:creationId xmlns:p14="http://schemas.microsoft.com/office/powerpoint/2010/main" val="3323359930"/>
+        <p14:creationId xmlns:p14="http://schemas.microsoft.com/office/powerpoint/2010/main" xmlns="" val="3323359930"/>
       </p:ext>
     </p:extLst>
   </p:cSld>
   <p:clrMapOvr>
     <a:masterClrMapping/>
   </p:clrMapOvr>
-  <mc:AlternateContent xmlns:mc="http://schemas.openxmlformats.org/markup-compatibility/2006" xmlns:p14="http://schemas.microsoft.com/office/powerpoint/2010/main">
-    <mc:Choice Requires="p14">
+  <mc:AlternateContent xmlns:mc="http://schemas.openxmlformats.org/markup-compatibility/2006">
+    <mc:Choice xmlns:p14="http://schemas.microsoft.com/office/powerpoint/2010/main" xmlns="" Requires="p14">
       <p:transition spd="med" p14:dur="700">
         <p:fade/>
       </p:transition>
     </mc:Choice>
-    <mc:Fallback xmlns="">
+    <mc:Fallback>
       <p:transition spd="med">
         <p:fade/>
       </p:transition>
@@ -15123,7 +15500,7 @@
                 <a:latin typeface="Segoe UI" panose="020B0502040204020203" pitchFamily="34" charset="0"/>
                 <a:cs typeface="Segoe UI" panose="020B0502040204020203" pitchFamily="34" charset="0"/>
               </a:rPr>
-              <a:t>Conclusiones (cont.)</a:t>
+              <a:t>Conclusiones</a:t>
             </a:r>
             <a:endParaRPr lang="es-AR" b="1" spc="0" dirty="0">
               <a:ln w="9525">
@@ -15154,105 +15531,73 @@
         <p:spPr/>
         <p:txBody>
           <a:bodyPr>
-            <a:normAutofit/>
+            <a:normAutofit lnSpcReduction="10000"/>
           </a:bodyPr>
           <a:lstStyle/>
           <a:p>
-            <a:pPr marL="342900" indent="-342900"/>
-            <a:r>
-              <a:rPr lang="es-AR" dirty="0">
-                <a:latin typeface="Segoe UI" panose="020B0502040204020203" pitchFamily="34" charset="0"/>
-                <a:cs typeface="Segoe UI" panose="020B0502040204020203" pitchFamily="34" charset="0"/>
-              </a:rPr>
-              <a:t>A pesar de que los ataques maliciosos son una minoría, no deberían ser </a:t>
-            </a:r>
+            <a:pPr marL="342900" indent="-342900">
+              <a:lnSpc>
+                <a:spcPct val="150000"/>
+              </a:lnSpc>
+            </a:pPr>
             <a:r>
               <a:rPr lang="es-AR" dirty="0" smtClean="0">
                 <a:latin typeface="Segoe UI" panose="020B0502040204020203" pitchFamily="34" charset="0"/>
                 <a:cs typeface="Segoe UI" panose="020B0502040204020203" pitchFamily="34" charset="0"/>
               </a:rPr>
-              <a:t>ignorados</a:t>
-            </a:r>
+              <a:t>La amenaza más grande para las organizaciones probablemente no sean los ataques de terceros, ni los empleados maliciosos, sino los empleados descuidados que de forma inintencionada divulgan información sensible</a:t>
+            </a:r>
+          </a:p>
+          <a:p>
+            <a:pPr marL="342900" indent="-342900">
+              <a:lnSpc>
+                <a:spcPct val="150000"/>
+              </a:lnSpc>
+            </a:pPr>
+            <a:r>
+              <a:rPr lang="es-AR" dirty="0" smtClean="0">
+                <a:latin typeface="Segoe UI" panose="020B0502040204020203" pitchFamily="34" charset="0"/>
+                <a:cs typeface="Segoe UI" panose="020B0502040204020203" pitchFamily="34" charset="0"/>
+              </a:rPr>
+              <a:t>Una combinación de protección tecnológica, políticas y procedimientos actualizados, y educación de los usuarios deberían contribuir a paliar los efectos que causan estas fugas</a:t>
+            </a:r>
+          </a:p>
+          <a:p>
+            <a:pPr>
+              <a:lnSpc>
+                <a:spcPct val="150000"/>
+              </a:lnSpc>
+            </a:pPr>
+            <a:endParaRPr lang="es-AR" dirty="0" smtClean="0">
+              <a:latin typeface="Segoe UI" panose="020B0502040204020203" pitchFamily="34" charset="0"/>
+              <a:cs typeface="Segoe UI" panose="020B0502040204020203" pitchFamily="34" charset="0"/>
+            </a:endParaRPr>
+          </a:p>
+          <a:p>
             <a:endParaRPr lang="es-AR" dirty="0">
               <a:latin typeface="Segoe UI" panose="020B0502040204020203" pitchFamily="34" charset="0"/>
               <a:cs typeface="Segoe UI" panose="020B0502040204020203" pitchFamily="34" charset="0"/>
             </a:endParaRPr>
           </a:p>
-          <a:p>
-            <a:pPr marL="342900" indent="-342900"/>
-            <a:r>
-              <a:rPr lang="es-AR" dirty="0" smtClean="0">
-                <a:latin typeface="Segoe UI" panose="020B0502040204020203" pitchFamily="34" charset="0"/>
-                <a:cs typeface="Segoe UI" panose="020B0502040204020203" pitchFamily="34" charset="0"/>
-              </a:rPr>
-              <a:t>Existen </a:t>
-            </a:r>
-            <a:r>
-              <a:rPr lang="es-AR" dirty="0">
-                <a:latin typeface="Segoe UI" panose="020B0502040204020203" pitchFamily="34" charset="0"/>
-                <a:cs typeface="Segoe UI" panose="020B0502040204020203" pitchFamily="34" charset="0"/>
-              </a:rPr>
-              <a:t>múltiples vías de escape de información que deben ser </a:t>
-            </a:r>
-            <a:r>
-              <a:rPr lang="es-AR" dirty="0" smtClean="0">
-                <a:latin typeface="Segoe UI" panose="020B0502040204020203" pitchFamily="34" charset="0"/>
-                <a:cs typeface="Segoe UI" panose="020B0502040204020203" pitchFamily="34" charset="0"/>
-              </a:rPr>
-              <a:t>monitoreadas</a:t>
-            </a:r>
-            <a:endParaRPr lang="es-AR" dirty="0">
-              <a:latin typeface="Segoe UI" panose="020B0502040204020203" pitchFamily="34" charset="0"/>
-              <a:cs typeface="Segoe UI" panose="020B0502040204020203" pitchFamily="34" charset="0"/>
-            </a:endParaRPr>
-          </a:p>
-          <a:p>
-            <a:pPr marL="342900" indent="-342900"/>
-            <a:r>
-              <a:rPr lang="es-AR" dirty="0" smtClean="0">
-                <a:latin typeface="Segoe UI" panose="020B0502040204020203" pitchFamily="34" charset="0"/>
-                <a:cs typeface="Segoe UI" panose="020B0502040204020203" pitchFamily="34" charset="0"/>
-              </a:rPr>
-              <a:t>No </a:t>
-            </a:r>
-            <a:r>
-              <a:rPr lang="es-AR" dirty="0">
-                <a:latin typeface="Segoe UI" panose="020B0502040204020203" pitchFamily="34" charset="0"/>
-                <a:cs typeface="Segoe UI" panose="020B0502040204020203" pitchFamily="34" charset="0"/>
-              </a:rPr>
-              <a:t>existen soluciones que protejan los activos intangibles de forma 100% segura, se puede minimizar la probabilidad de que ocurran pérdidas mediante la aplicación de varios métodos </a:t>
-            </a:r>
-            <a:r>
-              <a:rPr lang="es-AR" dirty="0" smtClean="0">
-                <a:latin typeface="Segoe UI" panose="020B0502040204020203" pitchFamily="34" charset="0"/>
-                <a:cs typeface="Segoe UI" panose="020B0502040204020203" pitchFamily="34" charset="0"/>
-              </a:rPr>
-              <a:t>complementarios</a:t>
-            </a:r>
-            <a:endParaRPr lang="es-AR" dirty="0">
-              <a:latin typeface="Segoe UI" panose="020B0502040204020203" pitchFamily="34" charset="0"/>
-              <a:cs typeface="Segoe UI" panose="020B0502040204020203" pitchFamily="34" charset="0"/>
-            </a:endParaRPr>
-          </a:p>
         </p:txBody>
       </p:sp>
     </p:spTree>
     <p:extLst>
       <p:ext uri="{BB962C8B-B14F-4D97-AF65-F5344CB8AC3E}">
-        <p14:creationId xmlns:p14="http://schemas.microsoft.com/office/powerpoint/2010/main" val="2896967631"/>
+        <p14:creationId xmlns:p14="http://schemas.microsoft.com/office/powerpoint/2010/main" xmlns="" val="3280227416"/>
       </p:ext>
     </p:extLst>
   </p:cSld>
   <p:clrMapOvr>
     <a:masterClrMapping/>
   </p:clrMapOvr>
-  <mc:AlternateContent xmlns:mc="http://schemas.openxmlformats.org/markup-compatibility/2006" xmlns:p14="http://schemas.microsoft.com/office/powerpoint/2010/main">
-    <mc:Choice Requires="p14">
+  <mc:AlternateContent xmlns:mc="http://schemas.openxmlformats.org/markup-compatibility/2006">
+    <mc:Choice xmlns:p14="http://schemas.microsoft.com/office/powerpoint/2010/main" xmlns="" Requires="p14">
       <p:transition spd="med" p14:dur="700">
         <p:fade/>
       </p:transition>
     </mc:Choice>
-    <mc:Fallback xmlns="">
+    <mc:Fallback>
       <p:transition spd="med">
         <p:fade/>
       </p:transition>
@@ -15287,7 +15632,7 @@
       </p:grpSpPr>
       <p:sp>
         <p:nvSpPr>
-          <p:cNvPr id="3" name="Title 2"/>
+          <p:cNvPr id="2" name="Title 1"/>
           <p:cNvSpPr>
             <a:spLocks noGrp="1"/>
           </p:cNvSpPr>
@@ -15295,29 +15640,34 @@
             <p:ph type="title"/>
           </p:nvPr>
         </p:nvSpPr>
-        <p:spPr>
-          <a:xfrm>
-            <a:off x="5302324" y="548680"/>
-            <a:ext cx="1582424" cy="1143000"/>
-          </a:xfrm>
-        </p:spPr>
-        <p:txBody>
-          <a:bodyPr>
-            <a:normAutofit/>
-          </a:bodyPr>
+        <p:spPr/>
+        <p:txBody>
+          <a:bodyPr/>
           <a:lstStyle/>
           <a:p>
             <a:r>
-              <a:rPr lang="es-AR" sz="6600" dirty="0" smtClean="0">
+              <a:rPr lang="es-AR" b="1" spc="0" dirty="0" smtClean="0">
+                <a:ln w="9525">
+                  <a:solidFill>
+                    <a:schemeClr val="bg1"/>
+                  </a:solidFill>
+                  <a:prstDash val="solid"/>
+                </a:ln>
                 <a:solidFill>
                   <a:schemeClr val="accent1"/>
                 </a:solidFill>
                 <a:latin typeface="Segoe UI" panose="020B0502040204020203" pitchFamily="34" charset="0"/>
                 <a:cs typeface="Segoe UI" panose="020B0502040204020203" pitchFamily="34" charset="0"/>
               </a:rPr>
-              <a:t>Fin</a:t>
-            </a:r>
-            <a:endParaRPr lang="en-US" sz="6600" dirty="0">
+              <a:t>Conclusiones (cont.)</a:t>
+            </a:r>
+            <a:endParaRPr lang="es-AR" b="1" spc="0" dirty="0">
+              <a:ln w="9525">
+                <a:solidFill>
+                  <a:schemeClr val="bg1"/>
+                </a:solidFill>
+                <a:prstDash val="solid"/>
+              </a:ln>
               <a:solidFill>
                 <a:schemeClr val="accent1"/>
               </a:solidFill>
@@ -15329,209 +15679,158 @@
       </p:sp>
       <p:sp>
         <p:nvSpPr>
-          <p:cNvPr id="4" name="Text Placeholder 3"/>
+          <p:cNvPr id="3" name="Content Placeholder 2"/>
           <p:cNvSpPr>
             <a:spLocks noGrp="1"/>
           </p:cNvSpPr>
           <p:nvPr>
-            <p:ph type="body" sz="half" idx="2"/>
-          </p:nvPr>
-        </p:nvSpPr>
-        <p:spPr>
-          <a:xfrm>
-            <a:off x="2494012" y="2132856"/>
-            <a:ext cx="3581399" cy="1371600"/>
-          </a:xfrm>
-        </p:spPr>
+            <p:ph idx="1"/>
+          </p:nvPr>
+        </p:nvSpPr>
+        <p:spPr/>
         <p:txBody>
           <a:bodyPr>
-            <a:normAutofit/>
+            <a:normAutofit fontScale="77500" lnSpcReduction="20000"/>
           </a:bodyPr>
           <a:lstStyle/>
           <a:p>
-            <a:r>
-              <a:rPr lang="es-AR" sz="3600" dirty="0" smtClean="0">
-                <a:latin typeface="Segoe UI" panose="020B0502040204020203" pitchFamily="34" charset="0"/>
-                <a:cs typeface="Segoe UI" panose="020B0502040204020203" pitchFamily="34" charset="0"/>
-              </a:rPr>
-              <a:t>¿Preguntas?</a:t>
-            </a:r>
-            <a:endParaRPr lang="en-US" sz="3600" dirty="0">
+            <a:pPr marL="342900" indent="-342900">
+              <a:lnSpc>
+                <a:spcPct val="150000"/>
+              </a:lnSpc>
+            </a:pPr>
+            <a:r>
+              <a:rPr lang="es-AR" dirty="0">
+                <a:latin typeface="Segoe UI" panose="020B0502040204020203" pitchFamily="34" charset="0"/>
+                <a:cs typeface="Segoe UI" panose="020B0502040204020203" pitchFamily="34" charset="0"/>
+              </a:rPr>
+              <a:t>Procedimiento básico para desarrollar una estrategia de protección: </a:t>
+            </a:r>
+          </a:p>
+          <a:p>
+            <a:pPr marL="800100" lvl="1" indent="-342900">
+              <a:lnSpc>
+                <a:spcPct val="150000"/>
+              </a:lnSpc>
+              <a:buFont typeface="Wingdings" panose="05000000000000000000" pitchFamily="2" charset="2"/>
+              <a:buChar char="ü"/>
+            </a:pPr>
+            <a:r>
+              <a:rPr lang="es-AR" sz="2400" dirty="0">
+                <a:latin typeface="Segoe UI" panose="020B0502040204020203" pitchFamily="34" charset="0"/>
+                <a:cs typeface="Segoe UI" panose="020B0502040204020203" pitchFamily="34" charset="0"/>
+              </a:rPr>
+              <a:t>Clasificar la información a proteger</a:t>
+            </a:r>
+          </a:p>
+          <a:p>
+            <a:pPr marL="800100" lvl="1" indent="-342900">
+              <a:lnSpc>
+                <a:spcPct val="150000"/>
+              </a:lnSpc>
+              <a:buFont typeface="Wingdings" panose="05000000000000000000" pitchFamily="2" charset="2"/>
+              <a:buChar char="ü"/>
+            </a:pPr>
+            <a:r>
+              <a:rPr lang="es-AR" sz="2400" dirty="0">
+                <a:latin typeface="Segoe UI" panose="020B0502040204020203" pitchFamily="34" charset="0"/>
+                <a:cs typeface="Segoe UI" panose="020B0502040204020203" pitchFamily="34" charset="0"/>
+              </a:rPr>
+              <a:t>Entender los datos que se manejan </a:t>
+            </a:r>
+          </a:p>
+          <a:p>
+            <a:pPr marL="800100" lvl="1" indent="-342900">
+              <a:lnSpc>
+                <a:spcPct val="150000"/>
+              </a:lnSpc>
+              <a:buFont typeface="Wingdings" panose="05000000000000000000" pitchFamily="2" charset="2"/>
+              <a:buChar char="ü"/>
+            </a:pPr>
+            <a:r>
+              <a:rPr lang="es-AR" sz="2400" dirty="0">
+                <a:latin typeface="Segoe UI" panose="020B0502040204020203" pitchFamily="34" charset="0"/>
+                <a:cs typeface="Segoe UI" panose="020B0502040204020203" pitchFamily="34" charset="0"/>
+              </a:rPr>
+              <a:t>Establecer políticas sobre el manejo de la información</a:t>
+            </a:r>
+          </a:p>
+          <a:p>
+            <a:pPr marL="800100" lvl="1" indent="-342900">
+              <a:lnSpc>
+                <a:spcPct val="150000"/>
+              </a:lnSpc>
+              <a:buFont typeface="Wingdings" panose="05000000000000000000" pitchFamily="2" charset="2"/>
+              <a:buChar char="ü"/>
+            </a:pPr>
+            <a:r>
+              <a:rPr lang="es-AR" sz="2400" dirty="0">
+                <a:latin typeface="Segoe UI" panose="020B0502040204020203" pitchFamily="34" charset="0"/>
+                <a:cs typeface="Segoe UI" panose="020B0502040204020203" pitchFamily="34" charset="0"/>
+              </a:rPr>
+              <a:t>Capacitar al personal en las herramientas </a:t>
+            </a:r>
+          </a:p>
+          <a:p>
+            <a:pPr marL="800100" lvl="1" indent="-342900">
+              <a:lnSpc>
+                <a:spcPct val="150000"/>
+              </a:lnSpc>
+              <a:buFont typeface="Wingdings" panose="05000000000000000000" pitchFamily="2" charset="2"/>
+              <a:buChar char="ü"/>
+            </a:pPr>
+            <a:r>
+              <a:rPr lang="es-AR" sz="2400" dirty="0">
+                <a:latin typeface="Segoe UI" panose="020B0502040204020203" pitchFamily="34" charset="0"/>
+                <a:cs typeface="Segoe UI" panose="020B0502040204020203" pitchFamily="34" charset="0"/>
+              </a:rPr>
+              <a:t>Implementar seguridad a nivel físico</a:t>
+            </a:r>
+          </a:p>
+          <a:p>
+            <a:pPr marL="342900" indent="-342900">
+              <a:lnSpc>
+                <a:spcPct val="150000"/>
+              </a:lnSpc>
+            </a:pPr>
+            <a:r>
+              <a:rPr lang="es-AR" dirty="0">
+                <a:latin typeface="Segoe UI" panose="020B0502040204020203" pitchFamily="34" charset="0"/>
+                <a:cs typeface="Segoe UI" panose="020B0502040204020203" pitchFamily="34" charset="0"/>
+              </a:rPr>
+              <a:t>No debe olvidarse de ejecutar revisiones periódicas, para mantener las políticas actualizadas y en conformidad con los requisitos y las tendencias </a:t>
+            </a:r>
+            <a:r>
+              <a:rPr lang="es-AR" dirty="0" smtClean="0">
+                <a:latin typeface="Segoe UI" panose="020B0502040204020203" pitchFamily="34" charset="0"/>
+                <a:cs typeface="Segoe UI" panose="020B0502040204020203" pitchFamily="34" charset="0"/>
+              </a:rPr>
+              <a:t>tecnológicas </a:t>
+            </a:r>
+            <a:endParaRPr lang="es-AR" dirty="0">
               <a:latin typeface="Segoe UI" panose="020B0502040204020203" pitchFamily="34" charset="0"/>
               <a:cs typeface="Segoe UI" panose="020B0502040204020203" pitchFamily="34" charset="0"/>
             </a:endParaRPr>
           </a:p>
         </p:txBody>
       </p:sp>
-      <p:sp>
-        <p:nvSpPr>
-          <p:cNvPr id="5" name="Text Placeholder 3"/>
-          <p:cNvSpPr txBox="1">
-            <a:spLocks/>
-          </p:cNvSpPr>
-          <p:nvPr/>
-        </p:nvSpPr>
-        <p:spPr>
-          <a:xfrm>
-            <a:off x="7030516" y="3284984"/>
-            <a:ext cx="3581399" cy="1371600"/>
-          </a:xfrm>
-          <a:prstGeom prst="rect">
-            <a:avLst/>
-          </a:prstGeom>
-        </p:spPr>
-        <p:txBody>
-          <a:bodyPr vert="horz" lIns="91440" tIns="45720" rIns="91440" bIns="45720" rtlCol="0">
-            <a:normAutofit/>
-          </a:bodyPr>
-          <a:lstStyle/>
-          <a:p>
-            <a:pPr marL="0" marR="0" lvl="0" indent="0" algn="l" defTabSz="914400" rtl="0" eaLnBrk="1" fontAlgn="auto" latinLnBrk="0" hangingPunct="1">
-              <a:lnSpc>
-                <a:spcPct val="90000"/>
-              </a:lnSpc>
-              <a:spcBef>
-                <a:spcPts val="1200"/>
-              </a:spcBef>
-              <a:spcAft>
-                <a:spcPts val="0"/>
-              </a:spcAft>
-              <a:buClr>
-                <a:schemeClr val="accent1"/>
-              </a:buClr>
-              <a:buSzPct val="100000"/>
-              <a:buFont typeface="Arial" pitchFamily="34" charset="0"/>
-              <a:buNone/>
-              <a:tabLst/>
-              <a:defRPr/>
-            </a:pPr>
-            <a:r>
-              <a:rPr kumimoji="0" lang="es-AR" sz="3600" b="0" i="0" u="none" strike="noStrike" kern="1200" cap="none" spc="0" normalizeH="0" baseline="0" noProof="0" dirty="0" smtClean="0">
-                <a:ln>
-                  <a:noFill/>
-                </a:ln>
-                <a:solidFill>
-                  <a:schemeClr val="tx1"/>
-                </a:solidFill>
-                <a:effectLst/>
-                <a:uLnTx/>
-                <a:uFillTx/>
-                <a:latin typeface="Segoe UI" panose="020B0502040204020203" pitchFamily="34" charset="0"/>
-                <a:ea typeface="+mn-ea"/>
-                <a:cs typeface="Segoe UI" panose="020B0502040204020203" pitchFamily="34" charset="0"/>
-              </a:rPr>
-              <a:t>¿Consultas?</a:t>
-            </a:r>
-            <a:endParaRPr kumimoji="0" lang="en-US" sz="3600" b="0" i="0" u="none" strike="noStrike" kern="1200" cap="none" spc="0" normalizeH="0" baseline="0" noProof="0" dirty="0">
-              <a:ln>
-                <a:noFill/>
-              </a:ln>
-              <a:solidFill>
-                <a:schemeClr val="tx1"/>
-              </a:solidFill>
-              <a:effectLst/>
-              <a:uLnTx/>
-              <a:uFillTx/>
-              <a:latin typeface="Segoe UI" panose="020B0502040204020203" pitchFamily="34" charset="0"/>
-              <a:ea typeface="+mn-ea"/>
-              <a:cs typeface="Segoe UI" panose="020B0502040204020203" pitchFamily="34" charset="0"/>
-            </a:endParaRPr>
-          </a:p>
-        </p:txBody>
-      </p:sp>
-      <p:sp>
-        <p:nvSpPr>
-          <p:cNvPr id="6" name="Text Placeholder 3"/>
-          <p:cNvSpPr txBox="1">
-            <a:spLocks/>
-          </p:cNvSpPr>
-          <p:nvPr/>
-        </p:nvSpPr>
-        <p:spPr>
-          <a:xfrm>
-            <a:off x="2566020" y="4581128"/>
-            <a:ext cx="3581399" cy="1371600"/>
-          </a:xfrm>
-          <a:prstGeom prst="rect">
-            <a:avLst/>
-          </a:prstGeom>
-        </p:spPr>
-        <p:txBody>
-          <a:bodyPr vert="horz" lIns="91440" tIns="45720" rIns="91440" bIns="45720" rtlCol="0">
-            <a:normAutofit/>
-          </a:bodyPr>
-          <a:lstStyle/>
-          <a:p>
-            <a:pPr marL="0" marR="0" lvl="0" indent="0" algn="l" defTabSz="914400" rtl="0" eaLnBrk="1" fontAlgn="auto" latinLnBrk="0" hangingPunct="1">
-              <a:lnSpc>
-                <a:spcPct val="90000"/>
-              </a:lnSpc>
-              <a:spcBef>
-                <a:spcPts val="1200"/>
-              </a:spcBef>
-              <a:spcAft>
-                <a:spcPts val="0"/>
-              </a:spcAft>
-              <a:buClr>
-                <a:schemeClr val="accent1"/>
-              </a:buClr>
-              <a:buSzPct val="100000"/>
-              <a:buFont typeface="Arial" pitchFamily="34" charset="0"/>
-              <a:buNone/>
-              <a:tabLst/>
-              <a:defRPr/>
-            </a:pPr>
-            <a:r>
-              <a:rPr kumimoji="0" lang="es-AR" sz="3600" b="0" i="0" u="none" strike="noStrike" kern="1200" cap="none" spc="0" normalizeH="0" baseline="0" noProof="0" dirty="0" smtClean="0">
-                <a:ln>
-                  <a:noFill/>
-                </a:ln>
-                <a:solidFill>
-                  <a:schemeClr val="tx1"/>
-                </a:solidFill>
-                <a:effectLst/>
-                <a:uLnTx/>
-                <a:uFillTx/>
-                <a:latin typeface="Segoe UI" panose="020B0502040204020203" pitchFamily="34" charset="0"/>
-                <a:ea typeface="+mn-ea"/>
-                <a:cs typeface="Segoe UI" panose="020B0502040204020203" pitchFamily="34" charset="0"/>
-              </a:rPr>
-              <a:t>¿Dudas?</a:t>
-            </a:r>
-            <a:endParaRPr kumimoji="0" lang="en-US" sz="3600" b="0" i="0" u="none" strike="noStrike" kern="1200" cap="none" spc="0" normalizeH="0" baseline="0" noProof="0" dirty="0">
-              <a:ln>
-                <a:noFill/>
-              </a:ln>
-              <a:solidFill>
-                <a:schemeClr val="tx1"/>
-              </a:solidFill>
-              <a:effectLst/>
-              <a:uLnTx/>
-              <a:uFillTx/>
-              <a:latin typeface="Segoe UI" panose="020B0502040204020203" pitchFamily="34" charset="0"/>
-              <a:ea typeface="+mn-ea"/>
-              <a:cs typeface="Segoe UI" panose="020B0502040204020203" pitchFamily="34" charset="0"/>
-            </a:endParaRPr>
-          </a:p>
-        </p:txBody>
-      </p:sp>
     </p:spTree>
     <p:extLst>
       <p:ext uri="{BB962C8B-B14F-4D97-AF65-F5344CB8AC3E}">
-        <p14:creationId xmlns:p14="http://schemas.microsoft.com/office/powerpoint/2010/main" val="1108506989"/>
+        <p14:creationId xmlns:p14="http://schemas.microsoft.com/office/powerpoint/2010/main" xmlns="" val="3816537714"/>
       </p:ext>
     </p:extLst>
   </p:cSld>
   <p:clrMapOvr>
     <a:masterClrMapping/>
   </p:clrMapOvr>
-  <mc:AlternateContent xmlns:mc="http://schemas.openxmlformats.org/markup-compatibility/2006" xmlns:p14="http://schemas.microsoft.com/office/powerpoint/2010/main">
-    <mc:Choice Requires="p14">
+  <mc:AlternateContent xmlns:mc="http://schemas.openxmlformats.org/markup-compatibility/2006">
+    <mc:Choice xmlns:p14="http://schemas.microsoft.com/office/powerpoint/2010/main" xmlns="" Requires="p14">
       <p:transition spd="med" p14:dur="700">
         <p:fade/>
       </p:transition>
     </mc:Choice>
-    <mc:Fallback xmlns="">
+    <mc:Fallback>
       <p:transition spd="med">
         <p:fade/>
       </p:transition>
@@ -15566,6 +15865,476 @@
       </p:grpSpPr>
       <p:sp>
         <p:nvSpPr>
+          <p:cNvPr id="2" name="Title 1"/>
+          <p:cNvSpPr>
+            <a:spLocks noGrp="1"/>
+          </p:cNvSpPr>
+          <p:nvPr>
+            <p:ph type="title"/>
+          </p:nvPr>
+        </p:nvSpPr>
+        <p:spPr/>
+        <p:txBody>
+          <a:bodyPr/>
+          <a:lstStyle/>
+          <a:p>
+            <a:r>
+              <a:rPr lang="es-AR" b="1" spc="0" dirty="0" smtClean="0">
+                <a:ln w="9525">
+                  <a:solidFill>
+                    <a:schemeClr val="bg1"/>
+                  </a:solidFill>
+                  <a:prstDash val="solid"/>
+                </a:ln>
+                <a:solidFill>
+                  <a:schemeClr val="accent1"/>
+                </a:solidFill>
+                <a:latin typeface="Segoe UI" panose="020B0502040204020203" pitchFamily="34" charset="0"/>
+                <a:cs typeface="Segoe UI" panose="020B0502040204020203" pitchFamily="34" charset="0"/>
+              </a:rPr>
+              <a:t>Conclusiones (cont.)</a:t>
+            </a:r>
+            <a:endParaRPr lang="es-AR" b="1" spc="0" dirty="0">
+              <a:ln w="9525">
+                <a:solidFill>
+                  <a:schemeClr val="bg1"/>
+                </a:solidFill>
+                <a:prstDash val="solid"/>
+              </a:ln>
+              <a:solidFill>
+                <a:schemeClr val="accent1"/>
+              </a:solidFill>
+              <a:latin typeface="Segoe UI" panose="020B0502040204020203" pitchFamily="34" charset="0"/>
+              <a:cs typeface="Segoe UI" panose="020B0502040204020203" pitchFamily="34" charset="0"/>
+            </a:endParaRPr>
+          </a:p>
+        </p:txBody>
+      </p:sp>
+      <p:sp>
+        <p:nvSpPr>
+          <p:cNvPr id="3" name="Content Placeholder 2"/>
+          <p:cNvSpPr>
+            <a:spLocks noGrp="1"/>
+          </p:cNvSpPr>
+          <p:nvPr>
+            <p:ph idx="1"/>
+          </p:nvPr>
+        </p:nvSpPr>
+        <p:spPr/>
+        <p:txBody>
+          <a:bodyPr>
+            <a:normAutofit/>
+          </a:bodyPr>
+          <a:lstStyle/>
+          <a:p>
+            <a:pPr marL="342900" indent="-342900"/>
+            <a:r>
+              <a:rPr lang="es-AR" dirty="0">
+                <a:latin typeface="Segoe UI" panose="020B0502040204020203" pitchFamily="34" charset="0"/>
+                <a:cs typeface="Segoe UI" panose="020B0502040204020203" pitchFamily="34" charset="0"/>
+              </a:rPr>
+              <a:t>A pesar de que los ataques maliciosos son una minoría, no deberían ser </a:t>
+            </a:r>
+            <a:r>
+              <a:rPr lang="es-AR" dirty="0" smtClean="0">
+                <a:latin typeface="Segoe UI" panose="020B0502040204020203" pitchFamily="34" charset="0"/>
+                <a:cs typeface="Segoe UI" panose="020B0502040204020203" pitchFamily="34" charset="0"/>
+              </a:rPr>
+              <a:t>ignorados</a:t>
+            </a:r>
+            <a:endParaRPr lang="es-AR" dirty="0">
+              <a:latin typeface="Segoe UI" panose="020B0502040204020203" pitchFamily="34" charset="0"/>
+              <a:cs typeface="Segoe UI" panose="020B0502040204020203" pitchFamily="34" charset="0"/>
+            </a:endParaRPr>
+          </a:p>
+          <a:p>
+            <a:pPr marL="342900" indent="-342900"/>
+            <a:r>
+              <a:rPr lang="es-AR" dirty="0" smtClean="0">
+                <a:latin typeface="Segoe UI" panose="020B0502040204020203" pitchFamily="34" charset="0"/>
+                <a:cs typeface="Segoe UI" panose="020B0502040204020203" pitchFamily="34" charset="0"/>
+              </a:rPr>
+              <a:t>Existen </a:t>
+            </a:r>
+            <a:r>
+              <a:rPr lang="es-AR" dirty="0">
+                <a:latin typeface="Segoe UI" panose="020B0502040204020203" pitchFamily="34" charset="0"/>
+                <a:cs typeface="Segoe UI" panose="020B0502040204020203" pitchFamily="34" charset="0"/>
+              </a:rPr>
+              <a:t>múltiples vías de escape de información que deben ser </a:t>
+            </a:r>
+            <a:r>
+              <a:rPr lang="es-AR" dirty="0" smtClean="0">
+                <a:latin typeface="Segoe UI" panose="020B0502040204020203" pitchFamily="34" charset="0"/>
+                <a:cs typeface="Segoe UI" panose="020B0502040204020203" pitchFamily="34" charset="0"/>
+              </a:rPr>
+              <a:t>monitoreadas</a:t>
+            </a:r>
+            <a:endParaRPr lang="es-AR" dirty="0">
+              <a:latin typeface="Segoe UI" panose="020B0502040204020203" pitchFamily="34" charset="0"/>
+              <a:cs typeface="Segoe UI" panose="020B0502040204020203" pitchFamily="34" charset="0"/>
+            </a:endParaRPr>
+          </a:p>
+          <a:p>
+            <a:pPr marL="342900" indent="-342900"/>
+            <a:r>
+              <a:rPr lang="es-AR" dirty="0" smtClean="0">
+                <a:latin typeface="Segoe UI" panose="020B0502040204020203" pitchFamily="34" charset="0"/>
+                <a:cs typeface="Segoe UI" panose="020B0502040204020203" pitchFamily="34" charset="0"/>
+              </a:rPr>
+              <a:t>No </a:t>
+            </a:r>
+            <a:r>
+              <a:rPr lang="es-AR" dirty="0">
+                <a:latin typeface="Segoe UI" panose="020B0502040204020203" pitchFamily="34" charset="0"/>
+                <a:cs typeface="Segoe UI" panose="020B0502040204020203" pitchFamily="34" charset="0"/>
+              </a:rPr>
+              <a:t>existen soluciones que protejan los activos intangibles de forma 100% segura, se puede minimizar la probabilidad de que ocurran pérdidas mediante la aplicación de varios métodos </a:t>
+            </a:r>
+            <a:r>
+              <a:rPr lang="es-AR" dirty="0" smtClean="0">
+                <a:latin typeface="Segoe UI" panose="020B0502040204020203" pitchFamily="34" charset="0"/>
+                <a:cs typeface="Segoe UI" panose="020B0502040204020203" pitchFamily="34" charset="0"/>
+              </a:rPr>
+              <a:t>complementarios</a:t>
+            </a:r>
+            <a:endParaRPr lang="es-AR" dirty="0">
+              <a:latin typeface="Segoe UI" panose="020B0502040204020203" pitchFamily="34" charset="0"/>
+              <a:cs typeface="Segoe UI" panose="020B0502040204020203" pitchFamily="34" charset="0"/>
+            </a:endParaRPr>
+          </a:p>
+        </p:txBody>
+      </p:sp>
+    </p:spTree>
+    <p:extLst>
+      <p:ext uri="{BB962C8B-B14F-4D97-AF65-F5344CB8AC3E}">
+        <p14:creationId xmlns:p14="http://schemas.microsoft.com/office/powerpoint/2010/main" xmlns="" val="2896967631"/>
+      </p:ext>
+    </p:extLst>
+  </p:cSld>
+  <p:clrMapOvr>
+    <a:masterClrMapping/>
+  </p:clrMapOvr>
+  <mc:AlternateContent xmlns:mc="http://schemas.openxmlformats.org/markup-compatibility/2006">
+    <mc:Choice xmlns:p14="http://schemas.microsoft.com/office/powerpoint/2010/main" xmlns="" Requires="p14">
+      <p:transition spd="med" p14:dur="700">
+        <p:fade/>
+      </p:transition>
+    </mc:Choice>
+    <mc:Fallback>
+      <p:transition spd="med">
+        <p:fade/>
+      </p:transition>
+    </mc:Fallback>
+  </mc:AlternateContent>
+  <p:timing>
+    <p:tnLst>
+      <p:par>
+        <p:cTn id="1" dur="indefinite" restart="never" nodeType="tmRoot"/>
+      </p:par>
+    </p:tnLst>
+  </p:timing>
+</p:sld>
+</file>
+
+<file path=ppt/slides/slide43.xml><?xml version="1.0" encoding="utf-8"?>
+<p:sld xmlns:a="http://schemas.openxmlformats.org/drawingml/2006/main" xmlns:r="http://schemas.openxmlformats.org/officeDocument/2006/relationships" xmlns:p="http://schemas.openxmlformats.org/presentationml/2006/main">
+  <p:cSld>
+    <p:spTree>
+      <p:nvGrpSpPr>
+        <p:cNvPr id="1" name=""/>
+        <p:cNvGrpSpPr/>
+        <p:nvPr/>
+      </p:nvGrpSpPr>
+      <p:grpSpPr>
+        <a:xfrm>
+          <a:off x="0" y="0"/>
+          <a:ext cx="0" cy="0"/>
+          <a:chOff x="0" y="0"/>
+          <a:chExt cx="0" cy="0"/>
+        </a:xfrm>
+      </p:grpSpPr>
+      <p:sp>
+        <p:nvSpPr>
+          <p:cNvPr id="3" name="Title 2"/>
+          <p:cNvSpPr>
+            <a:spLocks noGrp="1"/>
+          </p:cNvSpPr>
+          <p:nvPr>
+            <p:ph type="title"/>
+          </p:nvPr>
+        </p:nvSpPr>
+        <p:spPr>
+          <a:xfrm>
+            <a:off x="5302324" y="548680"/>
+            <a:ext cx="1582424" cy="1143000"/>
+          </a:xfrm>
+        </p:spPr>
+        <p:txBody>
+          <a:bodyPr>
+            <a:normAutofit/>
+          </a:bodyPr>
+          <a:lstStyle/>
+          <a:p>
+            <a:r>
+              <a:rPr lang="es-AR" sz="6600" dirty="0" smtClean="0">
+                <a:solidFill>
+                  <a:schemeClr val="accent1"/>
+                </a:solidFill>
+                <a:latin typeface="Segoe UI" panose="020B0502040204020203" pitchFamily="34" charset="0"/>
+                <a:cs typeface="Segoe UI" panose="020B0502040204020203" pitchFamily="34" charset="0"/>
+              </a:rPr>
+              <a:t>Fin</a:t>
+            </a:r>
+            <a:endParaRPr lang="en-US" sz="6600" dirty="0">
+              <a:solidFill>
+                <a:schemeClr val="accent1"/>
+              </a:solidFill>
+              <a:latin typeface="Segoe UI" panose="020B0502040204020203" pitchFamily="34" charset="0"/>
+              <a:cs typeface="Segoe UI" panose="020B0502040204020203" pitchFamily="34" charset="0"/>
+            </a:endParaRPr>
+          </a:p>
+        </p:txBody>
+      </p:sp>
+      <p:sp>
+        <p:nvSpPr>
+          <p:cNvPr id="4" name="Text Placeholder 3"/>
+          <p:cNvSpPr>
+            <a:spLocks noGrp="1"/>
+          </p:cNvSpPr>
+          <p:nvPr>
+            <p:ph type="body" sz="half" idx="2"/>
+          </p:nvPr>
+        </p:nvSpPr>
+        <p:spPr>
+          <a:xfrm>
+            <a:off x="2494012" y="2132856"/>
+            <a:ext cx="3581399" cy="1371600"/>
+          </a:xfrm>
+        </p:spPr>
+        <p:txBody>
+          <a:bodyPr>
+            <a:normAutofit/>
+          </a:bodyPr>
+          <a:lstStyle/>
+          <a:p>
+            <a:r>
+              <a:rPr lang="es-AR" sz="3600" dirty="0" smtClean="0">
+                <a:latin typeface="Segoe UI" panose="020B0502040204020203" pitchFamily="34" charset="0"/>
+                <a:cs typeface="Segoe UI" panose="020B0502040204020203" pitchFamily="34" charset="0"/>
+              </a:rPr>
+              <a:t>¿Preguntas?</a:t>
+            </a:r>
+            <a:endParaRPr lang="en-US" sz="3600" dirty="0">
+              <a:latin typeface="Segoe UI" panose="020B0502040204020203" pitchFamily="34" charset="0"/>
+              <a:cs typeface="Segoe UI" panose="020B0502040204020203" pitchFamily="34" charset="0"/>
+            </a:endParaRPr>
+          </a:p>
+        </p:txBody>
+      </p:sp>
+      <p:sp>
+        <p:nvSpPr>
+          <p:cNvPr id="5" name="Text Placeholder 3"/>
+          <p:cNvSpPr txBox="1">
+            <a:spLocks/>
+          </p:cNvSpPr>
+          <p:nvPr/>
+        </p:nvSpPr>
+        <p:spPr>
+          <a:xfrm>
+            <a:off x="7030516" y="3284984"/>
+            <a:ext cx="3581399" cy="1371600"/>
+          </a:xfrm>
+          <a:prstGeom prst="rect">
+            <a:avLst/>
+          </a:prstGeom>
+        </p:spPr>
+        <p:txBody>
+          <a:bodyPr vert="horz" lIns="91440" tIns="45720" rIns="91440" bIns="45720" rtlCol="0">
+            <a:normAutofit/>
+          </a:bodyPr>
+          <a:lstStyle/>
+          <a:p>
+            <a:pPr marL="0" marR="0" lvl="0" indent="0" algn="l" defTabSz="914400" rtl="0" eaLnBrk="1" fontAlgn="auto" latinLnBrk="0" hangingPunct="1">
+              <a:lnSpc>
+                <a:spcPct val="90000"/>
+              </a:lnSpc>
+              <a:spcBef>
+                <a:spcPts val="1200"/>
+              </a:spcBef>
+              <a:spcAft>
+                <a:spcPts val="0"/>
+              </a:spcAft>
+              <a:buClr>
+                <a:schemeClr val="accent1"/>
+              </a:buClr>
+              <a:buSzPct val="100000"/>
+              <a:buFont typeface="Arial" pitchFamily="34" charset="0"/>
+              <a:buNone/>
+              <a:tabLst/>
+              <a:defRPr/>
+            </a:pPr>
+            <a:r>
+              <a:rPr kumimoji="0" lang="es-AR" sz="3600" b="0" i="0" u="none" strike="noStrike" kern="1200" cap="none" spc="0" normalizeH="0" baseline="0" noProof="0" dirty="0" smtClean="0">
+                <a:ln>
+                  <a:noFill/>
+                </a:ln>
+                <a:solidFill>
+                  <a:schemeClr val="tx1"/>
+                </a:solidFill>
+                <a:effectLst/>
+                <a:uLnTx/>
+                <a:uFillTx/>
+                <a:latin typeface="Segoe UI" panose="020B0502040204020203" pitchFamily="34" charset="0"/>
+                <a:ea typeface="+mn-ea"/>
+                <a:cs typeface="Segoe UI" panose="020B0502040204020203" pitchFamily="34" charset="0"/>
+              </a:rPr>
+              <a:t>¿Consultas?</a:t>
+            </a:r>
+            <a:endParaRPr kumimoji="0" lang="en-US" sz="3600" b="0" i="0" u="none" strike="noStrike" kern="1200" cap="none" spc="0" normalizeH="0" baseline="0" noProof="0" dirty="0">
+              <a:ln>
+                <a:noFill/>
+              </a:ln>
+              <a:solidFill>
+                <a:schemeClr val="tx1"/>
+              </a:solidFill>
+              <a:effectLst/>
+              <a:uLnTx/>
+              <a:uFillTx/>
+              <a:latin typeface="Segoe UI" panose="020B0502040204020203" pitchFamily="34" charset="0"/>
+              <a:ea typeface="+mn-ea"/>
+              <a:cs typeface="Segoe UI" panose="020B0502040204020203" pitchFamily="34" charset="0"/>
+            </a:endParaRPr>
+          </a:p>
+        </p:txBody>
+      </p:sp>
+      <p:sp>
+        <p:nvSpPr>
+          <p:cNvPr id="6" name="Text Placeholder 3"/>
+          <p:cNvSpPr txBox="1">
+            <a:spLocks/>
+          </p:cNvSpPr>
+          <p:nvPr/>
+        </p:nvSpPr>
+        <p:spPr>
+          <a:xfrm>
+            <a:off x="2566020" y="4581128"/>
+            <a:ext cx="3581399" cy="1371600"/>
+          </a:xfrm>
+          <a:prstGeom prst="rect">
+            <a:avLst/>
+          </a:prstGeom>
+        </p:spPr>
+        <p:txBody>
+          <a:bodyPr vert="horz" lIns="91440" tIns="45720" rIns="91440" bIns="45720" rtlCol="0">
+            <a:normAutofit/>
+          </a:bodyPr>
+          <a:lstStyle/>
+          <a:p>
+            <a:pPr marL="0" marR="0" lvl="0" indent="0" algn="l" defTabSz="914400" rtl="0" eaLnBrk="1" fontAlgn="auto" latinLnBrk="0" hangingPunct="1">
+              <a:lnSpc>
+                <a:spcPct val="90000"/>
+              </a:lnSpc>
+              <a:spcBef>
+                <a:spcPts val="1200"/>
+              </a:spcBef>
+              <a:spcAft>
+                <a:spcPts val="0"/>
+              </a:spcAft>
+              <a:buClr>
+                <a:schemeClr val="accent1"/>
+              </a:buClr>
+              <a:buSzPct val="100000"/>
+              <a:buFont typeface="Arial" pitchFamily="34" charset="0"/>
+              <a:buNone/>
+              <a:tabLst/>
+              <a:defRPr/>
+            </a:pPr>
+            <a:r>
+              <a:rPr kumimoji="0" lang="es-AR" sz="3600" b="0" i="0" u="none" strike="noStrike" kern="1200" cap="none" spc="0" normalizeH="0" baseline="0" noProof="0" dirty="0" smtClean="0">
+                <a:ln>
+                  <a:noFill/>
+                </a:ln>
+                <a:solidFill>
+                  <a:schemeClr val="tx1"/>
+                </a:solidFill>
+                <a:effectLst/>
+                <a:uLnTx/>
+                <a:uFillTx/>
+                <a:latin typeface="Segoe UI" panose="020B0502040204020203" pitchFamily="34" charset="0"/>
+                <a:ea typeface="+mn-ea"/>
+                <a:cs typeface="Segoe UI" panose="020B0502040204020203" pitchFamily="34" charset="0"/>
+              </a:rPr>
+              <a:t>¿Dudas?</a:t>
+            </a:r>
+            <a:endParaRPr kumimoji="0" lang="en-US" sz="3600" b="0" i="0" u="none" strike="noStrike" kern="1200" cap="none" spc="0" normalizeH="0" baseline="0" noProof="0" dirty="0">
+              <a:ln>
+                <a:noFill/>
+              </a:ln>
+              <a:solidFill>
+                <a:schemeClr val="tx1"/>
+              </a:solidFill>
+              <a:effectLst/>
+              <a:uLnTx/>
+              <a:uFillTx/>
+              <a:latin typeface="Segoe UI" panose="020B0502040204020203" pitchFamily="34" charset="0"/>
+              <a:ea typeface="+mn-ea"/>
+              <a:cs typeface="Segoe UI" panose="020B0502040204020203" pitchFamily="34" charset="0"/>
+            </a:endParaRPr>
+          </a:p>
+        </p:txBody>
+      </p:sp>
+    </p:spTree>
+    <p:extLst>
+      <p:ext uri="{BB962C8B-B14F-4D97-AF65-F5344CB8AC3E}">
+        <p14:creationId xmlns:p14="http://schemas.microsoft.com/office/powerpoint/2010/main" xmlns="" val="1108506989"/>
+      </p:ext>
+    </p:extLst>
+  </p:cSld>
+  <p:clrMapOvr>
+    <a:masterClrMapping/>
+  </p:clrMapOvr>
+  <mc:AlternateContent xmlns:mc="http://schemas.openxmlformats.org/markup-compatibility/2006">
+    <mc:Choice xmlns:p14="http://schemas.microsoft.com/office/powerpoint/2010/main" xmlns="" Requires="p14">
+      <p:transition spd="med" p14:dur="700">
+        <p:fade/>
+      </p:transition>
+    </mc:Choice>
+    <mc:Fallback>
+      <p:transition spd="med">
+        <p:fade/>
+      </p:transition>
+    </mc:Fallback>
+  </mc:AlternateContent>
+  <p:timing>
+    <p:tnLst>
+      <p:par>
+        <p:cTn id="1" dur="indefinite" restart="never" nodeType="tmRoot"/>
+      </p:par>
+    </p:tnLst>
+  </p:timing>
+</p:sld>
+</file>
+
+<file path=ppt/slides/slide44.xml><?xml version="1.0" encoding="utf-8"?>
+<p:sld xmlns:a="http://schemas.openxmlformats.org/drawingml/2006/main" xmlns:r="http://schemas.openxmlformats.org/officeDocument/2006/relationships" xmlns:p="http://schemas.openxmlformats.org/presentationml/2006/main">
+  <p:cSld>
+    <p:spTree>
+      <p:nvGrpSpPr>
+        <p:cNvPr id="1" name=""/>
+        <p:cNvGrpSpPr/>
+        <p:nvPr/>
+      </p:nvGrpSpPr>
+      <p:grpSpPr>
+        <a:xfrm>
+          <a:off x="0" y="0"/>
+          <a:ext cx="0" cy="0"/>
+          <a:chOff x="0" y="0"/>
+          <a:chExt cx="0" cy="0"/>
+        </a:xfrm>
+      </p:grpSpPr>
+      <p:sp>
+        <p:nvSpPr>
           <p:cNvPr id="3" name="Title 2"/>
           <p:cNvSpPr>
             <a:spLocks noGrp="1"/>
@@ -15630,20 +16399,20 @@
     </p:spTree>
     <p:extLst>
       <p:ext uri="{BB962C8B-B14F-4D97-AF65-F5344CB8AC3E}">
-        <p14:creationId xmlns:p14="http://schemas.microsoft.com/office/powerpoint/2010/main" val="1108506989"/>
+        <p14:creationId xmlns:p14="http://schemas.microsoft.com/office/powerpoint/2010/main" xmlns="" val="1108506989"/>
       </p:ext>
     </p:extLst>
   </p:cSld>
   <p:clrMapOvr>
     <a:masterClrMapping/>
   </p:clrMapOvr>
-  <mc:AlternateContent xmlns:mc="http://schemas.openxmlformats.org/markup-compatibility/2006" xmlns:p14="http://schemas.microsoft.com/office/powerpoint/2010/main">
-    <mc:Choice Requires="p14">
+  <mc:AlternateContent xmlns:mc="http://schemas.openxmlformats.org/markup-compatibility/2006">
+    <mc:Choice xmlns:p14="http://schemas.microsoft.com/office/powerpoint/2010/main" xmlns="" Requires="p14">
       <p:transition spd="med" p14:dur="700">
         <p:fade/>
       </p:transition>
     </mc:Choice>
-    <mc:Fallback xmlns="">
+    <mc:Fallback>
       <p:transition spd="med">
         <p:fade/>
       </p:transition>
@@ -15909,7 +16678,7 @@
           <a:blip r:embed="rId2" cstate="print">
             <a:extLst>
               <a:ext uri="{28A0092B-C50C-407E-A947-70E740481C1C}">
-                <a14:useLocalDpi xmlns:a14="http://schemas.microsoft.com/office/drawing/2010/main" val="0"/>
+                <a14:useLocalDpi xmlns:a14="http://schemas.microsoft.com/office/drawing/2010/main" xmlns="" val="0"/>
               </a:ext>
             </a:extLst>
           </a:blip>
@@ -15929,7 +16698,7 @@
           <a:noFill/>
           <a:extLst>
             <a:ext uri="{909E8E84-426E-40DD-AFC4-6F175D3DCCD1}">
-              <a14:hiddenFill xmlns:a14="http://schemas.microsoft.com/office/drawing/2010/main">
+              <a14:hiddenFill xmlns:a14="http://schemas.microsoft.com/office/drawing/2010/main" xmlns="">
                 <a:solidFill>
                   <a:srgbClr val="FFFFFF"/>
                 </a:solidFill>
@@ -15941,20 +16710,20 @@
     </p:spTree>
     <p:extLst>
       <p:ext uri="{BB962C8B-B14F-4D97-AF65-F5344CB8AC3E}">
-        <p14:creationId xmlns:p14="http://schemas.microsoft.com/office/powerpoint/2010/main" val="1350001534"/>
+        <p14:creationId xmlns:p14="http://schemas.microsoft.com/office/powerpoint/2010/main" xmlns="" val="1350001534"/>
       </p:ext>
     </p:extLst>
   </p:cSld>
   <p:clrMapOvr>
     <a:masterClrMapping/>
   </p:clrMapOvr>
-  <mc:AlternateContent xmlns:mc="http://schemas.openxmlformats.org/markup-compatibility/2006" xmlns:p14="http://schemas.microsoft.com/office/powerpoint/2010/main">
-    <mc:Choice Requires="p14">
+  <mc:AlternateContent xmlns:mc="http://schemas.openxmlformats.org/markup-compatibility/2006">
+    <mc:Choice xmlns:p14="http://schemas.microsoft.com/office/powerpoint/2010/main" xmlns="" Requires="p14">
       <p:transition spd="med" p14:dur="700">
         <p:fade/>
       </p:transition>
     </mc:Choice>
-    <mc:Fallback xmlns="">
+    <mc:Fallback>
       <p:transition spd="med">
         <p:fade/>
       </p:transition>
@@ -16334,20 +17103,20 @@
     </p:spTree>
     <p:extLst>
       <p:ext uri="{BB962C8B-B14F-4D97-AF65-F5344CB8AC3E}">
-        <p14:creationId xmlns:p14="http://schemas.microsoft.com/office/powerpoint/2010/main" val="3438441757"/>
+        <p14:creationId xmlns:p14="http://schemas.microsoft.com/office/powerpoint/2010/main" xmlns="" val="3438441757"/>
       </p:ext>
     </p:extLst>
   </p:cSld>
   <p:clrMapOvr>
     <a:masterClrMapping/>
   </p:clrMapOvr>
-  <mc:AlternateContent xmlns:mc="http://schemas.openxmlformats.org/markup-compatibility/2006" xmlns:p14="http://schemas.microsoft.com/office/powerpoint/2010/main">
-    <mc:Choice Requires="p14">
+  <mc:AlternateContent xmlns:mc="http://schemas.openxmlformats.org/markup-compatibility/2006">
+    <mc:Choice xmlns:p14="http://schemas.microsoft.com/office/powerpoint/2010/main" xmlns="" Requires="p14">
       <p:transition spd="med" p14:dur="700">
         <p:fade/>
       </p:transition>
     </mc:Choice>
-    <mc:Fallback xmlns="">
+    <mc:Fallback>
       <p:transition spd="med">
         <p:fade/>
       </p:transition>
@@ -16604,20 +17373,20 @@
     </p:spTree>
     <p:extLst>
       <p:ext uri="{BB962C8B-B14F-4D97-AF65-F5344CB8AC3E}">
-        <p14:creationId xmlns:p14="http://schemas.microsoft.com/office/powerpoint/2010/main" val="3833366108"/>
+        <p14:creationId xmlns:p14="http://schemas.microsoft.com/office/powerpoint/2010/main" xmlns="" val="3833366108"/>
       </p:ext>
     </p:extLst>
   </p:cSld>
   <p:clrMapOvr>
     <a:masterClrMapping/>
   </p:clrMapOvr>
-  <mc:AlternateContent xmlns:mc="http://schemas.openxmlformats.org/markup-compatibility/2006" xmlns:p14="http://schemas.microsoft.com/office/powerpoint/2010/main">
-    <mc:Choice Requires="p14">
+  <mc:AlternateContent xmlns:mc="http://schemas.openxmlformats.org/markup-compatibility/2006">
+    <mc:Choice xmlns:p14="http://schemas.microsoft.com/office/powerpoint/2010/main" xmlns="" Requires="p14">
       <p:transition spd="med" p14:dur="700">
         <p:fade/>
       </p:transition>
     </mc:Choice>
-    <mc:Fallback xmlns="">
+    <mc:Fallback>
       <p:transition spd="med">
         <p:fade/>
       </p:transition>
@@ -16712,7 +17481,7 @@
           <a:blip r:embed="rId2" cstate="print">
             <a:extLst>
               <a:ext uri="{28A0092B-C50C-407E-A947-70E740481C1C}">
-                <a14:useLocalDpi xmlns:a14="http://schemas.microsoft.com/office/drawing/2010/main" val="0"/>
+                <a14:useLocalDpi xmlns:a14="http://schemas.microsoft.com/office/drawing/2010/main" xmlns="" val="0"/>
               </a:ext>
             </a:extLst>
           </a:blip>
@@ -16735,14 +17504,14 @@
           </a:ln>
           <a:extLst>
             <a:ext uri="{909E8E84-426E-40DD-AFC4-6F175D3DCCD1}">
-              <a14:hiddenFill xmlns:a14="http://schemas.microsoft.com/office/drawing/2010/main">
+              <a14:hiddenFill xmlns:a14="http://schemas.microsoft.com/office/drawing/2010/main" xmlns="">
                 <a:solidFill>
                   <a:schemeClr val="accent1"/>
                 </a:solidFill>
               </a14:hiddenFill>
             </a:ext>
             <a:ext uri="{91240B29-F687-4F45-9708-019B960494DF}">
-              <a14:hiddenLine xmlns:a14="http://schemas.microsoft.com/office/drawing/2010/main" w="9525">
+              <a14:hiddenLine xmlns:a14="http://schemas.microsoft.com/office/drawing/2010/main" xmlns="" w="9525">
                 <a:solidFill>
                   <a:schemeClr val="tx1"/>
                 </a:solidFill>
@@ -16757,20 +17526,20 @@
     </p:spTree>
     <p:extLst>
       <p:ext uri="{BB962C8B-B14F-4D97-AF65-F5344CB8AC3E}">
-        <p14:creationId xmlns:p14="http://schemas.microsoft.com/office/powerpoint/2010/main" val="2112418618"/>
+        <p14:creationId xmlns:p14="http://schemas.microsoft.com/office/powerpoint/2010/main" xmlns="" val="2112418618"/>
       </p:ext>
     </p:extLst>
   </p:cSld>
   <p:clrMapOvr>
     <a:masterClrMapping/>
   </p:clrMapOvr>
-  <mc:AlternateContent xmlns:mc="http://schemas.openxmlformats.org/markup-compatibility/2006" xmlns:p14="http://schemas.microsoft.com/office/powerpoint/2010/main">
-    <mc:Choice Requires="p14">
+  <mc:AlternateContent xmlns:mc="http://schemas.openxmlformats.org/markup-compatibility/2006">
+    <mc:Choice xmlns:p14="http://schemas.microsoft.com/office/powerpoint/2010/main" xmlns="" Requires="p14">
       <p:transition spd="med" p14:dur="700">
         <p:fade/>
       </p:transition>
     </mc:Choice>
-    <mc:Fallback xmlns="">
+    <mc:Fallback>
       <p:transition spd="med">
         <p:fade/>
       </p:transition>
@@ -17056,7 +17825,7 @@
           <a:blip r:embed="rId2" cstate="print">
             <a:extLst>
               <a:ext uri="{28A0092B-C50C-407E-A947-70E740481C1C}">
-                <a14:useLocalDpi xmlns:a14="http://schemas.microsoft.com/office/drawing/2010/main" val="0"/>
+                <a14:useLocalDpi xmlns:a14="http://schemas.microsoft.com/office/drawing/2010/main" xmlns="" val="0"/>
               </a:ext>
             </a:extLst>
           </a:blip>
@@ -17079,14 +17848,14 @@
           </a:ln>
           <a:extLst>
             <a:ext uri="{909E8E84-426E-40DD-AFC4-6F175D3DCCD1}">
-              <a14:hiddenFill xmlns:a14="http://schemas.microsoft.com/office/drawing/2010/main">
+              <a14:hiddenFill xmlns:a14="http://schemas.microsoft.com/office/drawing/2010/main" xmlns="">
                 <a:solidFill>
                   <a:schemeClr val="accent1"/>
                 </a:solidFill>
               </a14:hiddenFill>
             </a:ext>
             <a:ext uri="{91240B29-F687-4F45-9708-019B960494DF}">
-              <a14:hiddenLine xmlns:a14="http://schemas.microsoft.com/office/drawing/2010/main" w="9525">
+              <a14:hiddenLine xmlns:a14="http://schemas.microsoft.com/office/drawing/2010/main" xmlns="" w="9525">
                 <a:solidFill>
                   <a:schemeClr val="tx1"/>
                 </a:solidFill>
@@ -17101,20 +17870,20 @@
     </p:spTree>
     <p:extLst>
       <p:ext uri="{BB962C8B-B14F-4D97-AF65-F5344CB8AC3E}">
-        <p14:creationId xmlns:p14="http://schemas.microsoft.com/office/powerpoint/2010/main" val="1393713661"/>
+        <p14:creationId xmlns:p14="http://schemas.microsoft.com/office/powerpoint/2010/main" xmlns="" val="1393713661"/>
       </p:ext>
     </p:extLst>
   </p:cSld>
   <p:clrMapOvr>
     <a:masterClrMapping/>
   </p:clrMapOvr>
-  <mc:AlternateContent xmlns:mc="http://schemas.openxmlformats.org/markup-compatibility/2006" xmlns:p14="http://schemas.microsoft.com/office/powerpoint/2010/main">
-    <mc:Choice Requires="p14">
+  <mc:AlternateContent xmlns:mc="http://schemas.openxmlformats.org/markup-compatibility/2006">
+    <mc:Choice xmlns:p14="http://schemas.microsoft.com/office/powerpoint/2010/main" xmlns="" Requires="p14">
       <p:transition spd="med" p14:dur="700">
         <p:fade/>
       </p:transition>
     </mc:Choice>
-    <mc:Fallback xmlns="">
+    <mc:Fallback>
       <p:transition spd="med">
         <p:fade/>
       </p:transition>

--- a/Presentacion/Fuga de Información.pptx
+++ b/Presentacion/Fuga de Información.pptx
@@ -158,7 +158,7 @@
   </p:defaultTextStyle>
   <p:extLst>
     <p:ext uri="{EFAFB233-063F-42B5-8137-9DF3F51BA10A}">
-      <p15:sldGuideLst xmlns:p15="http://schemas.microsoft.com/office/powerpoint/2012/main" xmlns="">
+      <p15:sldGuideLst xmlns:p15="http://schemas.microsoft.com/office/powerpoint/2012/main">
         <p15:guide id="1" pos="3839" userDrawn="1">
           <p15:clr>
             <a:srgbClr val="A4A3A4"/>
@@ -172,7 +172,7 @@
       </p15:sldGuideLst>
     </p:ext>
     <p:ext uri="{2D200454-40CA-4A62-9FC3-DE9A4176ACB9}">
-      <p15:notesGuideLst xmlns:p15="http://schemas.microsoft.com/office/powerpoint/2012/main" xmlns=""/>
+      <p15:notesGuideLst xmlns:p15="http://schemas.microsoft.com/office/powerpoint/2012/main"/>
     </p:ext>
   </p:extLst>
 </p:presentation>
@@ -261,7 +261,7 @@
             <a:fld id="{59088EAF-6ECA-4616-85EF-35AA19C641F3}" type="datetimeFigureOut">
               <a:rPr lang="en-US"/>
               <a:pPr/>
-              <a:t>11/10/2014</a:t>
+              <a:t>11/16/2014</a:t>
             </a:fld>
             <a:endParaRPr/>
           </a:p>
@@ -328,7 +328,7 @@
             <a:fld id="{D9F912AB-2776-42F2-A957-313FC7EFEDB9}" type="slidenum">
               <a:rPr/>
               <a:pPr/>
-              <a:t>‹Nº›</a:t>
+              <a:t>‹#›</a:t>
             </a:fld>
             <a:endParaRPr/>
           </a:p>
@@ -337,7 +337,7 @@
     </p:spTree>
     <p:extLst>
       <p:ext uri="{BB962C8B-B14F-4D97-AF65-F5344CB8AC3E}">
-        <p14:creationId xmlns:p14="http://schemas.microsoft.com/office/powerpoint/2010/main" xmlns="" val="3932065745"/>
+        <p14:creationId xmlns:p14="http://schemas.microsoft.com/office/powerpoint/2010/main" val="3932065745"/>
       </p:ext>
     </p:extLst>
   </p:cSld>
@@ -428,7 +428,7 @@
             <a:fld id="{3ABD2D7A-D230-4F91-BD59-0A39C2703BA8}" type="datetimeFigureOut">
               <a:rPr lang="en-US"/>
               <a:pPr/>
-              <a:t>11/10/2014</a:t>
+              <a:t>11/16/2014</a:t>
             </a:fld>
             <a:endParaRPr/>
           </a:p>
@@ -587,7 +587,7 @@
             <a:fld id="{F93199CD-3E1B-4AE6-990F-76F925F5EA9F}" type="slidenum">
               <a:rPr/>
               <a:pPr/>
-              <a:t>‹Nº›</a:t>
+              <a:t>‹#›</a:t>
             </a:fld>
             <a:endParaRPr/>
           </a:p>
@@ -596,7 +596,7 @@
     </p:spTree>
     <p:extLst>
       <p:ext uri="{BB962C8B-B14F-4D97-AF65-F5344CB8AC3E}">
-        <p14:creationId xmlns:p14="http://schemas.microsoft.com/office/powerpoint/2010/main" xmlns="" val="4276579820"/>
+        <p14:creationId xmlns:p14="http://schemas.microsoft.com/office/powerpoint/2010/main" val="4276579820"/>
       </p:ext>
     </p:extLst>
   </p:cSld>
@@ -1091,7 +1091,7 @@
     </p:spTree>
     <p:extLst>
       <p:ext uri="{BB962C8B-B14F-4D97-AF65-F5344CB8AC3E}">
-        <p14:creationId xmlns:p14="http://schemas.microsoft.com/office/powerpoint/2010/main" xmlns="" val="246766428"/>
+        <p14:creationId xmlns:p14="http://schemas.microsoft.com/office/powerpoint/2010/main" val="246766428"/>
       </p:ext>
     </p:extLst>
   </p:cSld>
@@ -1176,7 +1176,7 @@
     </p:spTree>
     <p:extLst>
       <p:ext uri="{BB962C8B-B14F-4D97-AF65-F5344CB8AC3E}">
-        <p14:creationId xmlns:p14="http://schemas.microsoft.com/office/powerpoint/2010/main" xmlns="" val="1554195"/>
+        <p14:creationId xmlns:p14="http://schemas.microsoft.com/office/powerpoint/2010/main" val="1554195"/>
       </p:ext>
     </p:extLst>
   </p:cSld>
@@ -1261,7 +1261,7 @@
     </p:spTree>
     <p:extLst>
       <p:ext uri="{BB962C8B-B14F-4D97-AF65-F5344CB8AC3E}">
-        <p14:creationId xmlns:p14="http://schemas.microsoft.com/office/powerpoint/2010/main" xmlns="" val="2425724269"/>
+        <p14:creationId xmlns:p14="http://schemas.microsoft.com/office/powerpoint/2010/main" val="2425724269"/>
       </p:ext>
     </p:extLst>
   </p:cSld>
@@ -1346,7 +1346,7 @@
     </p:spTree>
     <p:extLst>
       <p:ext uri="{BB962C8B-B14F-4D97-AF65-F5344CB8AC3E}">
-        <p14:creationId xmlns:p14="http://schemas.microsoft.com/office/powerpoint/2010/main" xmlns="" val="913013488"/>
+        <p14:creationId xmlns:p14="http://schemas.microsoft.com/office/powerpoint/2010/main" val="913013488"/>
       </p:ext>
     </p:extLst>
   </p:cSld>
@@ -1431,7 +1431,7 @@
     </p:spTree>
     <p:extLst>
       <p:ext uri="{BB962C8B-B14F-4D97-AF65-F5344CB8AC3E}">
-        <p14:creationId xmlns:p14="http://schemas.microsoft.com/office/powerpoint/2010/main" xmlns="" val="3326557915"/>
+        <p14:creationId xmlns:p14="http://schemas.microsoft.com/office/powerpoint/2010/main" val="3326557915"/>
       </p:ext>
     </p:extLst>
   </p:cSld>
@@ -1516,7 +1516,7 @@
     </p:spTree>
     <p:extLst>
       <p:ext uri="{BB962C8B-B14F-4D97-AF65-F5344CB8AC3E}">
-        <p14:creationId xmlns:p14="http://schemas.microsoft.com/office/powerpoint/2010/main" xmlns="" val="3460376957"/>
+        <p14:creationId xmlns:p14="http://schemas.microsoft.com/office/powerpoint/2010/main" val="3460376957"/>
       </p:ext>
     </p:extLst>
   </p:cSld>
@@ -1601,7 +1601,7 @@
     </p:spTree>
     <p:extLst>
       <p:ext uri="{BB962C8B-B14F-4D97-AF65-F5344CB8AC3E}">
-        <p14:creationId xmlns:p14="http://schemas.microsoft.com/office/powerpoint/2010/main" xmlns="" val="4202137938"/>
+        <p14:creationId xmlns:p14="http://schemas.microsoft.com/office/powerpoint/2010/main" val="4202137938"/>
       </p:ext>
     </p:extLst>
   </p:cSld>
@@ -1686,7 +1686,7 @@
     </p:spTree>
     <p:extLst>
       <p:ext uri="{BB962C8B-B14F-4D97-AF65-F5344CB8AC3E}">
-        <p14:creationId xmlns:p14="http://schemas.microsoft.com/office/powerpoint/2010/main" xmlns="" val="2586394931"/>
+        <p14:creationId xmlns:p14="http://schemas.microsoft.com/office/powerpoint/2010/main" val="2586394931"/>
       </p:ext>
     </p:extLst>
   </p:cSld>
@@ -1771,7 +1771,7 @@
     </p:spTree>
     <p:extLst>
       <p:ext uri="{BB962C8B-B14F-4D97-AF65-F5344CB8AC3E}">
-        <p14:creationId xmlns:p14="http://schemas.microsoft.com/office/powerpoint/2010/main" xmlns="" val="1362585539"/>
+        <p14:creationId xmlns:p14="http://schemas.microsoft.com/office/powerpoint/2010/main" val="1362585539"/>
       </p:ext>
     </p:extLst>
   </p:cSld>
@@ -1856,7 +1856,7 @@
     </p:spTree>
     <p:extLst>
       <p:ext uri="{BB962C8B-B14F-4D97-AF65-F5344CB8AC3E}">
-        <p14:creationId xmlns:p14="http://schemas.microsoft.com/office/powerpoint/2010/main" xmlns="" val="1362585539"/>
+        <p14:creationId xmlns:p14="http://schemas.microsoft.com/office/powerpoint/2010/main" val="1362585539"/>
       </p:ext>
     </p:extLst>
   </p:cSld>
@@ -2466,7 +2466,7 @@
     </p:spTree>
     <p:extLst>
       <p:ext uri="{BB962C8B-B14F-4D97-AF65-F5344CB8AC3E}">
-        <p14:creationId xmlns:p14="http://schemas.microsoft.com/office/powerpoint/2010/main" xmlns="" val="3805029774"/>
+        <p14:creationId xmlns:p14="http://schemas.microsoft.com/office/powerpoint/2010/main" val="3805029774"/>
       </p:ext>
     </p:extLst>
   </p:cSld>
@@ -2729,7 +2729,7 @@
     </p:spTree>
     <p:extLst>
       <p:ext uri="{BB962C8B-B14F-4D97-AF65-F5344CB8AC3E}">
-        <p14:creationId xmlns:p14="http://schemas.microsoft.com/office/powerpoint/2010/main" xmlns="" val="655676726"/>
+        <p14:creationId xmlns:p14="http://schemas.microsoft.com/office/powerpoint/2010/main" val="655676726"/>
       </p:ext>
     </p:extLst>
   </p:cSld>
@@ -2998,7 +2998,7 @@
     </p:spTree>
     <p:extLst>
       <p:ext uri="{BB962C8B-B14F-4D97-AF65-F5344CB8AC3E}">
-        <p14:creationId xmlns:p14="http://schemas.microsoft.com/office/powerpoint/2010/main" xmlns="" val="1629614161"/>
+        <p14:creationId xmlns:p14="http://schemas.microsoft.com/office/powerpoint/2010/main" val="1629614161"/>
       </p:ext>
     </p:extLst>
   </p:cSld>
@@ -3587,7 +3587,7 @@
     </p:spTree>
     <p:extLst>
       <p:ext uri="{BB962C8B-B14F-4D97-AF65-F5344CB8AC3E}">
-        <p14:creationId xmlns:p14="http://schemas.microsoft.com/office/powerpoint/2010/main" xmlns="" val="2488318766"/>
+        <p14:creationId xmlns:p14="http://schemas.microsoft.com/office/powerpoint/2010/main" val="2488318766"/>
       </p:ext>
     </p:extLst>
   </p:cSld>
@@ -4260,7 +4260,7 @@
     </p:spTree>
     <p:extLst>
       <p:ext uri="{BB962C8B-B14F-4D97-AF65-F5344CB8AC3E}">
-        <p14:creationId xmlns:p14="http://schemas.microsoft.com/office/powerpoint/2010/main" xmlns="" val="707643668"/>
+        <p14:creationId xmlns:p14="http://schemas.microsoft.com/office/powerpoint/2010/main" val="707643668"/>
       </p:ext>
     </p:extLst>
   </p:cSld>
@@ -4467,20 +4467,20 @@
     </p:spTree>
     <p:extLst>
       <p:ext uri="{BB962C8B-B14F-4D97-AF65-F5344CB8AC3E}">
-        <p14:creationId xmlns:p14="http://schemas.microsoft.com/office/powerpoint/2010/main" xmlns="" val="94999051"/>
+        <p14:creationId xmlns:p14="http://schemas.microsoft.com/office/powerpoint/2010/main" val="94999051"/>
       </p:ext>
     </p:extLst>
   </p:cSld>
   <p:clrMapOvr>
     <a:masterClrMapping/>
   </p:clrMapOvr>
-  <mc:AlternateContent xmlns:mc="http://schemas.openxmlformats.org/markup-compatibility/2006">
-    <mc:Choice xmlns:p14="http://schemas.microsoft.com/office/powerpoint/2010/main" xmlns="" Requires="p14">
+  <mc:AlternateContent xmlns:mc="http://schemas.openxmlformats.org/markup-compatibility/2006" xmlns:p14="http://schemas.microsoft.com/office/powerpoint/2010/main">
+    <mc:Choice Requires="p14">
       <p:transition spd="med" p14:dur="700">
         <p:fade/>
       </p:transition>
     </mc:Choice>
-    <mc:Fallback>
+    <mc:Fallback xmlns="">
       <p:transition spd="med">
         <p:fade/>
       </p:transition>
@@ -4606,7 +4606,7 @@
             <a:fld id="{03F41C87-7AD9-4845-A077-840E4A0F3F06}" type="datetimeFigureOut">
               <a:rPr lang="en-US"/>
               <a:pPr/>
-              <a:t>11/10/2014</a:t>
+              <a:t>11/16/2014</a:t>
             </a:fld>
             <a:endParaRPr/>
           </a:p>
@@ -4649,7 +4649,7 @@
             <a:fld id="{2A013F82-EE5E-44EE-A61D-E31C6657F26F}" type="slidenum">
               <a:rPr/>
               <a:pPr/>
-              <a:t>‹Nº›</a:t>
+              <a:t>‹#›</a:t>
             </a:fld>
             <a:endParaRPr/>
           </a:p>
@@ -4658,20 +4658,20 @@
     </p:spTree>
     <p:extLst>
       <p:ext uri="{BB962C8B-B14F-4D97-AF65-F5344CB8AC3E}">
-        <p14:creationId xmlns:p14="http://schemas.microsoft.com/office/powerpoint/2010/main" xmlns="" val="460095310"/>
+        <p14:creationId xmlns:p14="http://schemas.microsoft.com/office/powerpoint/2010/main" val="460095310"/>
       </p:ext>
     </p:extLst>
   </p:cSld>
   <p:clrMapOvr>
     <a:masterClrMapping/>
   </p:clrMapOvr>
-  <mc:AlternateContent xmlns:mc="http://schemas.openxmlformats.org/markup-compatibility/2006">
-    <mc:Choice xmlns:p14="http://schemas.microsoft.com/office/powerpoint/2010/main" xmlns="" Requires="p14">
+  <mc:AlternateContent xmlns:mc="http://schemas.openxmlformats.org/markup-compatibility/2006" xmlns:p14="http://schemas.microsoft.com/office/powerpoint/2010/main">
+    <mc:Choice Requires="p14">
       <p:transition spd="med" p14:dur="700">
         <p:fade/>
       </p:transition>
     </mc:Choice>
-    <mc:Fallback>
+    <mc:Fallback xmlns="">
       <p:transition spd="med">
         <p:fade/>
       </p:transition>
@@ -4807,7 +4807,7 @@
             <a:fld id="{03F41C87-7AD9-4845-A077-840E4A0F3F06}" type="datetimeFigureOut">
               <a:rPr lang="en-US"/>
               <a:pPr/>
-              <a:t>11/10/2014</a:t>
+              <a:t>11/16/2014</a:t>
             </a:fld>
             <a:endParaRPr/>
           </a:p>
@@ -4850,7 +4850,7 @@
             <a:fld id="{2A013F82-EE5E-44EE-A61D-E31C6657F26F}" type="slidenum">
               <a:rPr/>
               <a:pPr/>
-              <a:t>‹Nº›</a:t>
+              <a:t>‹#›</a:t>
             </a:fld>
             <a:endParaRPr/>
           </a:p>
@@ -4859,20 +4859,20 @@
     </p:spTree>
     <p:extLst>
       <p:ext uri="{BB962C8B-B14F-4D97-AF65-F5344CB8AC3E}">
-        <p14:creationId xmlns:p14="http://schemas.microsoft.com/office/powerpoint/2010/main" xmlns="" val="4079035419"/>
+        <p14:creationId xmlns:p14="http://schemas.microsoft.com/office/powerpoint/2010/main" val="4079035419"/>
       </p:ext>
     </p:extLst>
   </p:cSld>
   <p:clrMapOvr>
     <a:masterClrMapping/>
   </p:clrMapOvr>
-  <mc:AlternateContent xmlns:mc="http://schemas.openxmlformats.org/markup-compatibility/2006">
-    <mc:Choice xmlns:p14="http://schemas.microsoft.com/office/powerpoint/2010/main" xmlns="" Requires="p14">
+  <mc:AlternateContent xmlns:mc="http://schemas.openxmlformats.org/markup-compatibility/2006" xmlns:p14="http://schemas.microsoft.com/office/powerpoint/2010/main">
+    <mc:Choice Requires="p14">
       <p:transition spd="med" p14:dur="700">
         <p:fade/>
       </p:transition>
     </mc:Choice>
-    <mc:Fallback>
+    <mc:Fallback xmlns="">
       <p:transition spd="med">
         <p:fade/>
       </p:transition>
@@ -5005,7 +5005,7 @@
             <a:fld id="{03F41C87-7AD9-4845-A077-840E4A0F3F06}" type="datetimeFigureOut">
               <a:rPr lang="en-US"/>
               <a:pPr/>
-              <a:t>11/10/2014</a:t>
+              <a:t>11/16/2014</a:t>
             </a:fld>
             <a:endParaRPr/>
           </a:p>
@@ -5048,7 +5048,7 @@
             <a:fld id="{2A013F82-EE5E-44EE-A61D-E31C6657F26F}" type="slidenum">
               <a:rPr/>
               <a:pPr/>
-              <a:t>‹Nº›</a:t>
+              <a:t>‹#›</a:t>
             </a:fld>
             <a:endParaRPr/>
           </a:p>
@@ -5057,20 +5057,20 @@
     </p:spTree>
     <p:extLst>
       <p:ext uri="{BB962C8B-B14F-4D97-AF65-F5344CB8AC3E}">
-        <p14:creationId xmlns:p14="http://schemas.microsoft.com/office/powerpoint/2010/main" xmlns="" val="2738254095"/>
+        <p14:creationId xmlns:p14="http://schemas.microsoft.com/office/powerpoint/2010/main" val="2738254095"/>
       </p:ext>
     </p:extLst>
   </p:cSld>
   <p:clrMapOvr>
     <a:masterClrMapping/>
   </p:clrMapOvr>
-  <mc:AlternateContent xmlns:mc="http://schemas.openxmlformats.org/markup-compatibility/2006">
-    <mc:Choice xmlns:p14="http://schemas.microsoft.com/office/powerpoint/2010/main" xmlns="" Requires="p14">
+  <mc:AlternateContent xmlns:mc="http://schemas.openxmlformats.org/markup-compatibility/2006" xmlns:p14="http://schemas.microsoft.com/office/powerpoint/2010/main">
+    <mc:Choice Requires="p14">
       <p:transition spd="med" p14:dur="700">
         <p:fade/>
       </p:transition>
     </mc:Choice>
-    <mc:Fallback>
+    <mc:Fallback xmlns="">
       <p:transition spd="med">
         <p:fade/>
       </p:transition>
@@ -5294,7 +5294,7 @@
             <a:fld id="{03F41C87-7AD9-4845-A077-840E4A0F3F06}" type="datetimeFigureOut">
               <a:rPr lang="en-US"/>
               <a:pPr/>
-              <a:t>11/10/2014</a:t>
+              <a:t>11/16/2014</a:t>
             </a:fld>
             <a:endParaRPr/>
           </a:p>
@@ -5337,7 +5337,7 @@
             <a:fld id="{2A013F82-EE5E-44EE-A61D-E31C6657F26F}" type="slidenum">
               <a:rPr/>
               <a:pPr/>
-              <a:t>‹Nº›</a:t>
+              <a:t>‹#›</a:t>
             </a:fld>
             <a:endParaRPr/>
           </a:p>
@@ -5346,20 +5346,20 @@
     </p:spTree>
     <p:extLst>
       <p:ext uri="{BB962C8B-B14F-4D97-AF65-F5344CB8AC3E}">
-        <p14:creationId xmlns:p14="http://schemas.microsoft.com/office/powerpoint/2010/main" xmlns="" val="1761813311"/>
+        <p14:creationId xmlns:p14="http://schemas.microsoft.com/office/powerpoint/2010/main" val="1761813311"/>
       </p:ext>
     </p:extLst>
   </p:cSld>
   <p:clrMapOvr>
     <a:masterClrMapping/>
   </p:clrMapOvr>
-  <mc:AlternateContent xmlns:mc="http://schemas.openxmlformats.org/markup-compatibility/2006">
-    <mc:Choice xmlns:p14="http://schemas.microsoft.com/office/powerpoint/2010/main" xmlns="" Requires="p14">
+  <mc:AlternateContent xmlns:mc="http://schemas.openxmlformats.org/markup-compatibility/2006" xmlns:p14="http://schemas.microsoft.com/office/powerpoint/2010/main">
+    <mc:Choice Requires="p14">
       <p:transition spd="med" p14:dur="700">
         <p:fade/>
       </p:transition>
     </mc:Choice>
-    <mc:Fallback>
+    <mc:Fallback xmlns="">
       <p:transition spd="med">
         <p:fade/>
       </p:transition>
@@ -5607,7 +5607,7 @@
             <a:fld id="{03F41C87-7AD9-4845-A077-840E4A0F3F06}" type="datetimeFigureOut">
               <a:rPr lang="en-US"/>
               <a:pPr/>
-              <a:t>11/10/2014</a:t>
+              <a:t>11/16/2014</a:t>
             </a:fld>
             <a:endParaRPr/>
           </a:p>
@@ -5650,7 +5650,7 @@
             <a:fld id="{2A013F82-EE5E-44EE-A61D-E31C6657F26F}" type="slidenum">
               <a:rPr/>
               <a:pPr/>
-              <a:t>‹Nº›</a:t>
+              <a:t>‹#›</a:t>
             </a:fld>
             <a:endParaRPr/>
           </a:p>
@@ -5659,20 +5659,20 @@
     </p:spTree>
     <p:extLst>
       <p:ext uri="{BB962C8B-B14F-4D97-AF65-F5344CB8AC3E}">
-        <p14:creationId xmlns:p14="http://schemas.microsoft.com/office/powerpoint/2010/main" xmlns="" val="2825340762"/>
+        <p14:creationId xmlns:p14="http://schemas.microsoft.com/office/powerpoint/2010/main" val="2825340762"/>
       </p:ext>
     </p:extLst>
   </p:cSld>
   <p:clrMapOvr>
     <a:masterClrMapping/>
   </p:clrMapOvr>
-  <mc:AlternateContent xmlns:mc="http://schemas.openxmlformats.org/markup-compatibility/2006">
-    <mc:Choice xmlns:p14="http://schemas.microsoft.com/office/powerpoint/2010/main" xmlns="" Requires="p14">
+  <mc:AlternateContent xmlns:mc="http://schemas.openxmlformats.org/markup-compatibility/2006" xmlns:p14="http://schemas.microsoft.com/office/powerpoint/2010/main">
+    <mc:Choice Requires="p14">
       <p:transition spd="med" p14:dur="700">
         <p:fade/>
       </p:transition>
     </mc:Choice>
-    <mc:Fallback>
+    <mc:Fallback xmlns="">
       <p:transition spd="med">
         <p:fade/>
       </p:transition>
@@ -6072,7 +6072,7 @@
             <a:fld id="{03F41C87-7AD9-4845-A077-840E4A0F3F06}" type="datetimeFigureOut">
               <a:rPr lang="en-US"/>
               <a:pPr/>
-              <a:t>11/10/2014</a:t>
+              <a:t>11/16/2014</a:t>
             </a:fld>
             <a:endParaRPr/>
           </a:p>
@@ -6115,7 +6115,7 @@
             <a:fld id="{2A013F82-EE5E-44EE-A61D-E31C6657F26F}" type="slidenum">
               <a:rPr/>
               <a:pPr/>
-              <a:t>‹Nº›</a:t>
+              <a:t>‹#›</a:t>
             </a:fld>
             <a:endParaRPr/>
           </a:p>
@@ -6124,20 +6124,20 @@
     </p:spTree>
     <p:extLst>
       <p:ext uri="{BB962C8B-B14F-4D97-AF65-F5344CB8AC3E}">
-        <p14:creationId xmlns:p14="http://schemas.microsoft.com/office/powerpoint/2010/main" xmlns="" val="4208419506"/>
+        <p14:creationId xmlns:p14="http://schemas.microsoft.com/office/powerpoint/2010/main" val="4208419506"/>
       </p:ext>
     </p:extLst>
   </p:cSld>
   <p:clrMapOvr>
     <a:masterClrMapping/>
   </p:clrMapOvr>
-  <mc:AlternateContent xmlns:mc="http://schemas.openxmlformats.org/markup-compatibility/2006">
-    <mc:Choice xmlns:p14="http://schemas.microsoft.com/office/powerpoint/2010/main" xmlns="" Requires="p14">
+  <mc:AlternateContent xmlns:mc="http://schemas.openxmlformats.org/markup-compatibility/2006" xmlns:p14="http://schemas.microsoft.com/office/powerpoint/2010/main">
+    <mc:Choice Requires="p14">
       <p:transition spd="med" p14:dur="700">
         <p:fade/>
       </p:transition>
     </mc:Choice>
-    <mc:Fallback>
+    <mc:Fallback xmlns="">
       <p:transition spd="med">
         <p:fade/>
       </p:transition>
@@ -6211,7 +6211,7 @@
             <a:fld id="{03F41C87-7AD9-4845-A077-840E4A0F3F06}" type="datetimeFigureOut">
               <a:rPr lang="en-US"/>
               <a:pPr/>
-              <a:t>11/10/2014</a:t>
+              <a:t>11/16/2014</a:t>
             </a:fld>
             <a:endParaRPr/>
           </a:p>
@@ -6254,7 +6254,7 @@
             <a:fld id="{2A013F82-EE5E-44EE-A61D-E31C6657F26F}" type="slidenum">
               <a:rPr/>
               <a:pPr/>
-              <a:t>‹Nº›</a:t>
+              <a:t>‹#›</a:t>
             </a:fld>
             <a:endParaRPr/>
           </a:p>
@@ -6263,20 +6263,20 @@
     </p:spTree>
     <p:extLst>
       <p:ext uri="{BB962C8B-B14F-4D97-AF65-F5344CB8AC3E}">
-        <p14:creationId xmlns:p14="http://schemas.microsoft.com/office/powerpoint/2010/main" xmlns="" val="1626631400"/>
+        <p14:creationId xmlns:p14="http://schemas.microsoft.com/office/powerpoint/2010/main" val="1626631400"/>
       </p:ext>
     </p:extLst>
   </p:cSld>
   <p:clrMapOvr>
     <a:masterClrMapping/>
   </p:clrMapOvr>
-  <mc:AlternateContent xmlns:mc="http://schemas.openxmlformats.org/markup-compatibility/2006">
-    <mc:Choice xmlns:p14="http://schemas.microsoft.com/office/powerpoint/2010/main" xmlns="" Requires="p14">
+  <mc:AlternateContent xmlns:mc="http://schemas.openxmlformats.org/markup-compatibility/2006" xmlns:p14="http://schemas.microsoft.com/office/powerpoint/2010/main">
+    <mc:Choice Requires="p14">
       <p:transition spd="med" p14:dur="700">
         <p:fade/>
       </p:transition>
     </mc:Choice>
-    <mc:Fallback>
+    <mc:Fallback xmlns="">
       <p:transition spd="med">
         <p:fade/>
       </p:transition>
@@ -6335,7 +6335,7 @@
             <a:fld id="{03F41C87-7AD9-4845-A077-840E4A0F3F06}" type="datetimeFigureOut">
               <a:rPr lang="en-US"/>
               <a:pPr/>
-              <a:t>11/10/2014</a:t>
+              <a:t>11/16/2014</a:t>
             </a:fld>
             <a:endParaRPr/>
           </a:p>
@@ -6378,7 +6378,7 @@
             <a:fld id="{2A013F82-EE5E-44EE-A61D-E31C6657F26F}" type="slidenum">
               <a:rPr/>
               <a:pPr/>
-              <a:t>‹Nº›</a:t>
+              <a:t>‹#›</a:t>
             </a:fld>
             <a:endParaRPr/>
           </a:p>
@@ -6387,20 +6387,20 @@
     </p:spTree>
     <p:extLst>
       <p:ext uri="{BB962C8B-B14F-4D97-AF65-F5344CB8AC3E}">
-        <p14:creationId xmlns:p14="http://schemas.microsoft.com/office/powerpoint/2010/main" xmlns="" val="3607540120"/>
+        <p14:creationId xmlns:p14="http://schemas.microsoft.com/office/powerpoint/2010/main" val="3607540120"/>
       </p:ext>
     </p:extLst>
   </p:cSld>
   <p:clrMapOvr>
     <a:masterClrMapping/>
   </p:clrMapOvr>
-  <mc:AlternateContent xmlns:mc="http://schemas.openxmlformats.org/markup-compatibility/2006">
-    <mc:Choice xmlns:p14="http://schemas.microsoft.com/office/powerpoint/2010/main" xmlns="" Requires="p14">
+  <mc:AlternateContent xmlns:mc="http://schemas.openxmlformats.org/markup-compatibility/2006" xmlns:p14="http://schemas.microsoft.com/office/powerpoint/2010/main">
+    <mc:Choice Requires="p14">
       <p:transition spd="med" p14:dur="700">
         <p:fade/>
       </p:transition>
     </mc:Choice>
-    <mc:Fallback>
+    <mc:Fallback xmlns="">
       <p:transition spd="med">
         <p:fade/>
       </p:transition>
@@ -6666,7 +6666,7 @@
             <a:fld id="{03F41C87-7AD9-4845-A077-840E4A0F3F06}" type="datetimeFigureOut">
               <a:rPr lang="en-US"/>
               <a:pPr/>
-              <a:t>11/10/2014</a:t>
+              <a:t>11/16/2014</a:t>
             </a:fld>
             <a:endParaRPr/>
           </a:p>
@@ -6709,7 +6709,7 @@
             <a:fld id="{2A013F82-EE5E-44EE-A61D-E31C6657F26F}" type="slidenum">
               <a:rPr/>
               <a:pPr/>
-              <a:t>‹Nº›</a:t>
+              <a:t>‹#›</a:t>
             </a:fld>
             <a:endParaRPr/>
           </a:p>
@@ -6718,20 +6718,20 @@
     </p:spTree>
     <p:extLst>
       <p:ext uri="{BB962C8B-B14F-4D97-AF65-F5344CB8AC3E}">
-        <p14:creationId xmlns:p14="http://schemas.microsoft.com/office/powerpoint/2010/main" xmlns="" val="2544981540"/>
+        <p14:creationId xmlns:p14="http://schemas.microsoft.com/office/powerpoint/2010/main" val="2544981540"/>
       </p:ext>
     </p:extLst>
   </p:cSld>
   <p:clrMapOvr>
     <a:masterClrMapping/>
   </p:clrMapOvr>
-  <mc:AlternateContent xmlns:mc="http://schemas.openxmlformats.org/markup-compatibility/2006">
-    <mc:Choice xmlns:p14="http://schemas.microsoft.com/office/powerpoint/2010/main" xmlns="" Requires="p14">
+  <mc:AlternateContent xmlns:mc="http://schemas.openxmlformats.org/markup-compatibility/2006" xmlns:p14="http://schemas.microsoft.com/office/powerpoint/2010/main">
+    <mc:Choice Requires="p14">
       <p:transition spd="med" p14:dur="700">
         <p:fade/>
       </p:transition>
     </mc:Choice>
-    <mc:Fallback>
+    <mc:Fallback xmlns="">
       <p:transition spd="med">
         <p:fade/>
       </p:transition>
@@ -6986,7 +6986,7 @@
             <a:fld id="{03F41C87-7AD9-4845-A077-840E4A0F3F06}" type="datetimeFigureOut">
               <a:rPr lang="en-US"/>
               <a:pPr/>
-              <a:t>11/10/2014</a:t>
+              <a:t>11/16/2014</a:t>
             </a:fld>
             <a:endParaRPr/>
           </a:p>
@@ -7029,7 +7029,7 @@
             <a:fld id="{2A013F82-EE5E-44EE-A61D-E31C6657F26F}" type="slidenum">
               <a:rPr/>
               <a:pPr/>
-              <a:t>‹Nº›</a:t>
+              <a:t>‹#›</a:t>
             </a:fld>
             <a:endParaRPr/>
           </a:p>
@@ -7038,20 +7038,20 @@
     </p:spTree>
     <p:extLst>
       <p:ext uri="{BB962C8B-B14F-4D97-AF65-F5344CB8AC3E}">
-        <p14:creationId xmlns:p14="http://schemas.microsoft.com/office/powerpoint/2010/main" xmlns="" val="2249172152"/>
+        <p14:creationId xmlns:p14="http://schemas.microsoft.com/office/powerpoint/2010/main" val="2249172152"/>
       </p:ext>
     </p:extLst>
   </p:cSld>
   <p:clrMapOvr>
     <a:masterClrMapping/>
   </p:clrMapOvr>
-  <mc:AlternateContent xmlns:mc="http://schemas.openxmlformats.org/markup-compatibility/2006">
-    <mc:Choice xmlns:p14="http://schemas.microsoft.com/office/powerpoint/2010/main" xmlns="" Requires="p14">
+  <mc:AlternateContent xmlns:mc="http://schemas.openxmlformats.org/markup-compatibility/2006" xmlns:p14="http://schemas.microsoft.com/office/powerpoint/2010/main">
+    <mc:Choice Requires="p14">
       <p:transition spd="med" p14:dur="700">
         <p:fade/>
       </p:transition>
     </mc:Choice>
-    <mc:Fallback>
+    <mc:Fallback xmlns="">
       <p:transition spd="med">
         <p:fade/>
       </p:transition>
@@ -7229,7 +7229,7 @@
             <a:fld id="{03F41C87-7AD9-4845-A077-840E4A0F3F06}" type="datetimeFigureOut">
               <a:rPr lang="en-US"/>
               <a:pPr/>
-              <a:t>11/10/2014</a:t>
+              <a:t>11/16/2014</a:t>
             </a:fld>
             <a:endParaRPr/>
           </a:p>
@@ -7308,7 +7308,7 @@
             <a:fld id="{2A013F82-EE5E-44EE-A61D-E31C6657F26F}" type="slidenum">
               <a:rPr/>
               <a:pPr/>
-              <a:t>‹Nº›</a:t>
+              <a:t>‹#›</a:t>
             </a:fld>
             <a:endParaRPr/>
           </a:p>
@@ -7317,7 +7317,7 @@
     </p:spTree>
     <p:extLst>
       <p:ext uri="{BB962C8B-B14F-4D97-AF65-F5344CB8AC3E}">
-        <p14:creationId xmlns:p14="http://schemas.microsoft.com/office/powerpoint/2010/main" xmlns="" val="1403059996"/>
+        <p14:creationId xmlns:p14="http://schemas.microsoft.com/office/powerpoint/2010/main" val="1403059996"/>
       </p:ext>
     </p:extLst>
   </p:cSld>
@@ -7335,13 +7335,13 @@
     <p:sldLayoutId id="2147483658" r:id="rId10"/>
     <p:sldLayoutId id="2147483659" r:id="rId11"/>
   </p:sldLayoutIdLst>
-  <mc:AlternateContent xmlns:mc="http://schemas.openxmlformats.org/markup-compatibility/2006">
-    <mc:Choice xmlns:p14="http://schemas.microsoft.com/office/powerpoint/2010/main" xmlns="" Requires="p14">
+  <mc:AlternateContent xmlns:mc="http://schemas.openxmlformats.org/markup-compatibility/2006" xmlns:p14="http://schemas.microsoft.com/office/powerpoint/2010/main">
+    <mc:Choice Requires="p14">
       <p:transition spd="med" p14:dur="700">
         <p:fade/>
       </p:transition>
     </mc:Choice>
-    <mc:Fallback>
+    <mc:Fallback xmlns="">
       <p:transition spd="med">
         <p:fade/>
       </p:transition>
@@ -7656,7 +7656,7 @@
   </p:txStyles>
   <p:extLst mod="1">
     <p:ext uri="{27BBF7A9-308A-43DC-89C8-2F10F3537804}">
-      <p15:sldGuideLst xmlns:p15="http://schemas.microsoft.com/office/powerpoint/2012/main" xmlns="">
+      <p15:sldGuideLst xmlns:p15="http://schemas.microsoft.com/office/powerpoint/2012/main">
         <p15:guide id="1" pos="3839" userDrawn="1">
           <p15:clr>
             <a:srgbClr val="F26B43"/>
@@ -7803,7 +7803,7 @@
           <a:blip r:embed="rId2" cstate="print">
             <a:extLst>
               <a:ext uri="{28A0092B-C50C-407E-A947-70E740481C1C}">
-                <a14:useLocalDpi xmlns:a14="http://schemas.microsoft.com/office/drawing/2010/main" xmlns="" val="0"/>
+                <a14:useLocalDpi xmlns:a14="http://schemas.microsoft.com/office/drawing/2010/main" val="0"/>
               </a:ext>
             </a:extLst>
           </a:blip>
@@ -7823,7 +7823,7 @@
           <a:noFill/>
           <a:extLst>
             <a:ext uri="{909E8E84-426E-40DD-AFC4-6F175D3DCCD1}">
-              <a14:hiddenFill xmlns:a14="http://schemas.microsoft.com/office/drawing/2010/main" xmlns="">
+              <a14:hiddenFill xmlns:a14="http://schemas.microsoft.com/office/drawing/2010/main">
                 <a:solidFill>
                   <a:srgbClr val="FFFFFF"/>
                 </a:solidFill>
@@ -7835,20 +7835,20 @@
     </p:spTree>
     <p:extLst>
       <p:ext uri="{BB962C8B-B14F-4D97-AF65-F5344CB8AC3E}">
-        <p14:creationId xmlns:p14="http://schemas.microsoft.com/office/powerpoint/2010/main" xmlns="" val="2808920126"/>
+        <p14:creationId xmlns:p14="http://schemas.microsoft.com/office/powerpoint/2010/main" val="2808920126"/>
       </p:ext>
     </p:extLst>
   </p:cSld>
   <p:clrMapOvr>
     <a:masterClrMapping/>
   </p:clrMapOvr>
-  <mc:AlternateContent xmlns:mc="http://schemas.openxmlformats.org/markup-compatibility/2006">
-    <mc:Choice xmlns:p14="http://schemas.microsoft.com/office/powerpoint/2010/main" xmlns="" Requires="p14">
+  <mc:AlternateContent xmlns:mc="http://schemas.openxmlformats.org/markup-compatibility/2006" xmlns:p14="http://schemas.microsoft.com/office/powerpoint/2010/main">
+    <mc:Choice Requires="p14">
       <p:transition spd="med" p14:dur="700">
         <p:fade/>
       </p:transition>
     </mc:Choice>
-    <mc:Fallback>
+    <mc:Fallback xmlns="">
       <p:transition spd="med">
         <p:fade/>
       </p:transition>
@@ -8096,20 +8096,20 @@
     </p:spTree>
     <p:extLst>
       <p:ext uri="{BB962C8B-B14F-4D97-AF65-F5344CB8AC3E}">
-        <p14:creationId xmlns:p14="http://schemas.microsoft.com/office/powerpoint/2010/main" xmlns="" val="4207303638"/>
+        <p14:creationId xmlns:p14="http://schemas.microsoft.com/office/powerpoint/2010/main" val="4207303638"/>
       </p:ext>
     </p:extLst>
   </p:cSld>
   <p:clrMapOvr>
     <a:masterClrMapping/>
   </p:clrMapOvr>
-  <mc:AlternateContent xmlns:mc="http://schemas.openxmlformats.org/markup-compatibility/2006">
-    <mc:Choice xmlns:p14="http://schemas.microsoft.com/office/powerpoint/2010/main" xmlns="" Requires="p14">
+  <mc:AlternateContent xmlns:mc="http://schemas.openxmlformats.org/markup-compatibility/2006" xmlns:p14="http://schemas.microsoft.com/office/powerpoint/2010/main">
+    <mc:Choice Requires="p14">
       <p:transition spd="med" p14:dur="700">
         <p:fade/>
       </p:transition>
     </mc:Choice>
-    <mc:Fallback>
+    <mc:Fallback xmlns="">
       <p:transition spd="med">
         <p:fade/>
       </p:transition>
@@ -8203,20 +8203,20 @@
     </p:spTree>
     <p:extLst>
       <p:ext uri="{BB962C8B-B14F-4D97-AF65-F5344CB8AC3E}">
-        <p14:creationId xmlns:p14="http://schemas.microsoft.com/office/powerpoint/2010/main" xmlns="" val="3772183175"/>
+        <p14:creationId xmlns:p14="http://schemas.microsoft.com/office/powerpoint/2010/main" val="3772183175"/>
       </p:ext>
     </p:extLst>
   </p:cSld>
   <p:clrMapOvr>
     <a:masterClrMapping/>
   </p:clrMapOvr>
-  <mc:AlternateContent xmlns:mc="http://schemas.openxmlformats.org/markup-compatibility/2006">
-    <mc:Choice xmlns:p14="http://schemas.microsoft.com/office/powerpoint/2010/main" xmlns="" Requires="p14">
+  <mc:AlternateContent xmlns:mc="http://schemas.openxmlformats.org/markup-compatibility/2006" xmlns:p14="http://schemas.microsoft.com/office/powerpoint/2010/main">
+    <mc:Choice Requires="p14">
       <p:transition spd="med" p14:dur="700">
         <p:fade/>
       </p:transition>
     </mc:Choice>
-    <mc:Fallback>
+    <mc:Fallback xmlns="">
       <p:transition spd="med">
         <p:fade/>
       </p:transition>
@@ -8424,20 +8424,20 @@
     </p:spTree>
     <p:extLst>
       <p:ext uri="{BB962C8B-B14F-4D97-AF65-F5344CB8AC3E}">
-        <p14:creationId xmlns:p14="http://schemas.microsoft.com/office/powerpoint/2010/main" xmlns="" val="911844652"/>
+        <p14:creationId xmlns:p14="http://schemas.microsoft.com/office/powerpoint/2010/main" val="911844652"/>
       </p:ext>
     </p:extLst>
   </p:cSld>
   <p:clrMapOvr>
     <a:masterClrMapping/>
   </p:clrMapOvr>
-  <mc:AlternateContent xmlns:mc="http://schemas.openxmlformats.org/markup-compatibility/2006">
-    <mc:Choice xmlns:p14="http://schemas.microsoft.com/office/powerpoint/2010/main" xmlns="" Requires="p14">
+  <mc:AlternateContent xmlns:mc="http://schemas.openxmlformats.org/markup-compatibility/2006" xmlns:p14="http://schemas.microsoft.com/office/powerpoint/2010/main">
+    <mc:Choice Requires="p14">
       <p:transition spd="med" p14:dur="700">
         <p:fade/>
       </p:transition>
     </mc:Choice>
-    <mc:Fallback>
+    <mc:Fallback xmlns="">
       <p:transition spd="med">
         <p:fade/>
       </p:transition>
@@ -8611,20 +8611,20 @@
     </p:spTree>
     <p:extLst>
       <p:ext uri="{BB962C8B-B14F-4D97-AF65-F5344CB8AC3E}">
-        <p14:creationId xmlns:p14="http://schemas.microsoft.com/office/powerpoint/2010/main" xmlns="" val="3751154171"/>
+        <p14:creationId xmlns:p14="http://schemas.microsoft.com/office/powerpoint/2010/main" val="3751154171"/>
       </p:ext>
     </p:extLst>
   </p:cSld>
   <p:clrMapOvr>
     <a:masterClrMapping/>
   </p:clrMapOvr>
-  <mc:AlternateContent xmlns:mc="http://schemas.openxmlformats.org/markup-compatibility/2006">
-    <mc:Choice xmlns:p14="http://schemas.microsoft.com/office/powerpoint/2010/main" xmlns="" Requires="p14">
+  <mc:AlternateContent xmlns:mc="http://schemas.openxmlformats.org/markup-compatibility/2006" xmlns:p14="http://schemas.microsoft.com/office/powerpoint/2010/main">
+    <mc:Choice Requires="p14">
       <p:transition spd="med" p14:dur="700">
         <p:fade/>
       </p:transition>
     </mc:Choice>
-    <mc:Fallback>
+    <mc:Fallback xmlns="">
       <p:transition spd="med">
         <p:fade/>
       </p:transition>
@@ -8808,20 +8808,20 @@
     </p:spTree>
     <p:extLst>
       <p:ext uri="{BB962C8B-B14F-4D97-AF65-F5344CB8AC3E}">
-        <p14:creationId xmlns:p14="http://schemas.microsoft.com/office/powerpoint/2010/main" xmlns="" val="2714171304"/>
+        <p14:creationId xmlns:p14="http://schemas.microsoft.com/office/powerpoint/2010/main" val="2714171304"/>
       </p:ext>
     </p:extLst>
   </p:cSld>
   <p:clrMapOvr>
     <a:masterClrMapping/>
   </p:clrMapOvr>
-  <mc:AlternateContent xmlns:mc="http://schemas.openxmlformats.org/markup-compatibility/2006">
-    <mc:Choice xmlns:p14="http://schemas.microsoft.com/office/powerpoint/2010/main" xmlns="" Requires="p14">
+  <mc:AlternateContent xmlns:mc="http://schemas.openxmlformats.org/markup-compatibility/2006" xmlns:p14="http://schemas.microsoft.com/office/powerpoint/2010/main">
+    <mc:Choice Requires="p14">
       <p:transition spd="med" p14:dur="700">
         <p:fade/>
       </p:transition>
     </mc:Choice>
-    <mc:Fallback>
+    <mc:Fallback xmlns="">
       <p:transition spd="med">
         <p:fade/>
       </p:transition>
@@ -9000,20 +9000,20 @@
     </p:spTree>
     <p:extLst>
       <p:ext uri="{BB962C8B-B14F-4D97-AF65-F5344CB8AC3E}">
-        <p14:creationId xmlns:p14="http://schemas.microsoft.com/office/powerpoint/2010/main" xmlns="" val="2246987516"/>
+        <p14:creationId xmlns:p14="http://schemas.microsoft.com/office/powerpoint/2010/main" val="2246987516"/>
       </p:ext>
     </p:extLst>
   </p:cSld>
   <p:clrMapOvr>
     <a:masterClrMapping/>
   </p:clrMapOvr>
-  <mc:AlternateContent xmlns:mc="http://schemas.openxmlformats.org/markup-compatibility/2006">
-    <mc:Choice xmlns:p14="http://schemas.microsoft.com/office/powerpoint/2010/main" xmlns="" Requires="p14">
+  <mc:AlternateContent xmlns:mc="http://schemas.openxmlformats.org/markup-compatibility/2006" xmlns:p14="http://schemas.microsoft.com/office/powerpoint/2010/main">
+    <mc:Choice Requires="p14">
       <p:transition spd="med" p14:dur="700">
         <p:fade/>
       </p:transition>
     </mc:Choice>
-    <mc:Fallback>
+    <mc:Fallback xmlns="">
       <p:transition spd="med">
         <p:fade/>
       </p:transition>
@@ -9211,20 +9211,20 @@
     </p:spTree>
     <p:extLst>
       <p:ext uri="{BB962C8B-B14F-4D97-AF65-F5344CB8AC3E}">
-        <p14:creationId xmlns:p14="http://schemas.microsoft.com/office/powerpoint/2010/main" xmlns="" val="3025649002"/>
+        <p14:creationId xmlns:p14="http://schemas.microsoft.com/office/powerpoint/2010/main" val="3025649002"/>
       </p:ext>
     </p:extLst>
   </p:cSld>
   <p:clrMapOvr>
     <a:masterClrMapping/>
   </p:clrMapOvr>
-  <mc:AlternateContent xmlns:mc="http://schemas.openxmlformats.org/markup-compatibility/2006">
-    <mc:Choice xmlns:p14="http://schemas.microsoft.com/office/powerpoint/2010/main" xmlns="" Requires="p14">
+  <mc:AlternateContent xmlns:mc="http://schemas.openxmlformats.org/markup-compatibility/2006" xmlns:p14="http://schemas.microsoft.com/office/powerpoint/2010/main">
+    <mc:Choice Requires="p14">
       <p:transition spd="med" p14:dur="700">
         <p:fade/>
       </p:transition>
     </mc:Choice>
-    <mc:Fallback>
+    <mc:Fallback xmlns="">
       <p:transition spd="med">
         <p:fade/>
       </p:transition>
@@ -9361,20 +9361,20 @@
     </p:spTree>
     <p:extLst>
       <p:ext uri="{BB962C8B-B14F-4D97-AF65-F5344CB8AC3E}">
-        <p14:creationId xmlns:p14="http://schemas.microsoft.com/office/powerpoint/2010/main" xmlns="" val="3410413250"/>
+        <p14:creationId xmlns:p14="http://schemas.microsoft.com/office/powerpoint/2010/main" val="3410413250"/>
       </p:ext>
     </p:extLst>
   </p:cSld>
   <p:clrMapOvr>
     <a:masterClrMapping/>
   </p:clrMapOvr>
-  <mc:AlternateContent xmlns:mc="http://schemas.openxmlformats.org/markup-compatibility/2006">
-    <mc:Choice xmlns:p14="http://schemas.microsoft.com/office/powerpoint/2010/main" xmlns="" Requires="p14">
+  <mc:AlternateContent xmlns:mc="http://schemas.openxmlformats.org/markup-compatibility/2006" xmlns:p14="http://schemas.microsoft.com/office/powerpoint/2010/main">
+    <mc:Choice Requires="p14">
       <p:transition spd="med" p14:dur="700">
         <p:fade/>
       </p:transition>
     </mc:Choice>
-    <mc:Fallback>
+    <mc:Fallback xmlns="">
       <p:transition spd="med">
         <p:fade/>
       </p:transition>
@@ -9574,20 +9574,20 @@
     </p:spTree>
     <p:extLst>
       <p:ext uri="{BB962C8B-B14F-4D97-AF65-F5344CB8AC3E}">
-        <p14:creationId xmlns:p14="http://schemas.microsoft.com/office/powerpoint/2010/main" xmlns="" val="23673588"/>
+        <p14:creationId xmlns:p14="http://schemas.microsoft.com/office/powerpoint/2010/main" val="23673588"/>
       </p:ext>
     </p:extLst>
   </p:cSld>
   <p:clrMapOvr>
     <a:masterClrMapping/>
   </p:clrMapOvr>
-  <mc:AlternateContent xmlns:mc="http://schemas.openxmlformats.org/markup-compatibility/2006">
-    <mc:Choice xmlns:p14="http://schemas.microsoft.com/office/powerpoint/2010/main" xmlns="" Requires="p14">
+  <mc:AlternateContent xmlns:mc="http://schemas.openxmlformats.org/markup-compatibility/2006" xmlns:p14="http://schemas.microsoft.com/office/powerpoint/2010/main">
+    <mc:Choice Requires="p14">
       <p:transition spd="med" p14:dur="700">
         <p:fade/>
       </p:transition>
     </mc:Choice>
-    <mc:Fallback>
+    <mc:Fallback xmlns="">
       <p:transition spd="med">
         <p:fade/>
       </p:transition>
@@ -9846,20 +9846,20 @@
     </p:spTree>
     <p:extLst>
       <p:ext uri="{BB962C8B-B14F-4D97-AF65-F5344CB8AC3E}">
-        <p14:creationId xmlns:p14="http://schemas.microsoft.com/office/powerpoint/2010/main" xmlns="" val="3632379430"/>
+        <p14:creationId xmlns:p14="http://schemas.microsoft.com/office/powerpoint/2010/main" val="3632379430"/>
       </p:ext>
     </p:extLst>
   </p:cSld>
   <p:clrMapOvr>
     <a:masterClrMapping/>
   </p:clrMapOvr>
-  <mc:AlternateContent xmlns:mc="http://schemas.openxmlformats.org/markup-compatibility/2006">
-    <mc:Choice xmlns:p14="http://schemas.microsoft.com/office/powerpoint/2010/main" xmlns="" Requires="p14">
+  <mc:AlternateContent xmlns:mc="http://schemas.openxmlformats.org/markup-compatibility/2006" xmlns:p14="http://schemas.microsoft.com/office/powerpoint/2010/main">
+    <mc:Choice Requires="p14">
       <p:transition spd="med" p14:dur="700">
         <p:fade/>
       </p:transition>
     </mc:Choice>
-    <mc:Fallback>
+    <mc:Fallback xmlns="">
       <p:transition spd="med">
         <p:fade/>
       </p:transition>
@@ -10219,20 +10219,20 @@
     </p:spTree>
     <p:extLst>
       <p:ext uri="{BB962C8B-B14F-4D97-AF65-F5344CB8AC3E}">
-        <p14:creationId xmlns:p14="http://schemas.microsoft.com/office/powerpoint/2010/main" xmlns="" val="2139132589"/>
+        <p14:creationId xmlns:p14="http://schemas.microsoft.com/office/powerpoint/2010/main" val="2139132589"/>
       </p:ext>
     </p:extLst>
   </p:cSld>
   <p:clrMapOvr>
     <a:masterClrMapping/>
   </p:clrMapOvr>
-  <mc:AlternateContent xmlns:mc="http://schemas.openxmlformats.org/markup-compatibility/2006">
-    <mc:Choice xmlns:p14="http://schemas.microsoft.com/office/powerpoint/2010/main" xmlns="" Requires="p14">
+  <mc:AlternateContent xmlns:mc="http://schemas.openxmlformats.org/markup-compatibility/2006" xmlns:p14="http://schemas.microsoft.com/office/powerpoint/2010/main">
+    <mc:Choice Requires="p14">
       <p:transition spd="med" p14:dur="700">
         <p:fade/>
       </p:transition>
     </mc:Choice>
-    <mc:Fallback>
+    <mc:Fallback xmlns="">
       <p:transition spd="med">
         <p:fade/>
       </p:transition>
@@ -10460,20 +10460,20 @@
     </p:spTree>
     <p:extLst>
       <p:ext uri="{BB962C8B-B14F-4D97-AF65-F5344CB8AC3E}">
-        <p14:creationId xmlns:p14="http://schemas.microsoft.com/office/powerpoint/2010/main" xmlns="" val="3204325395"/>
+        <p14:creationId xmlns:p14="http://schemas.microsoft.com/office/powerpoint/2010/main" val="3204325395"/>
       </p:ext>
     </p:extLst>
   </p:cSld>
   <p:clrMapOvr>
     <a:masterClrMapping/>
   </p:clrMapOvr>
-  <mc:AlternateContent xmlns:mc="http://schemas.openxmlformats.org/markup-compatibility/2006">
-    <mc:Choice xmlns:p14="http://schemas.microsoft.com/office/powerpoint/2010/main" xmlns="" Requires="p14">
+  <mc:AlternateContent xmlns:mc="http://schemas.openxmlformats.org/markup-compatibility/2006" xmlns:p14="http://schemas.microsoft.com/office/powerpoint/2010/main">
+    <mc:Choice Requires="p14">
       <p:transition spd="med" p14:dur="700">
         <p:fade/>
       </p:transition>
     </mc:Choice>
-    <mc:Fallback>
+    <mc:Fallback xmlns="">
       <p:transition spd="med">
         <p:fade/>
       </p:transition>
@@ -10659,20 +10659,20 @@
     </p:spTree>
     <p:extLst>
       <p:ext uri="{BB962C8B-B14F-4D97-AF65-F5344CB8AC3E}">
-        <p14:creationId xmlns:p14="http://schemas.microsoft.com/office/powerpoint/2010/main" xmlns="" val="1496383053"/>
+        <p14:creationId xmlns:p14="http://schemas.microsoft.com/office/powerpoint/2010/main" val="1496383053"/>
       </p:ext>
     </p:extLst>
   </p:cSld>
   <p:clrMapOvr>
     <a:masterClrMapping/>
   </p:clrMapOvr>
-  <mc:AlternateContent xmlns:mc="http://schemas.openxmlformats.org/markup-compatibility/2006">
-    <mc:Choice xmlns:p14="http://schemas.microsoft.com/office/powerpoint/2010/main" xmlns="" Requires="p14">
+  <mc:AlternateContent xmlns:mc="http://schemas.openxmlformats.org/markup-compatibility/2006" xmlns:p14="http://schemas.microsoft.com/office/powerpoint/2010/main">
+    <mc:Choice Requires="p14">
       <p:transition spd="med" p14:dur="700">
         <p:fade/>
       </p:transition>
     </mc:Choice>
-    <mc:Fallback>
+    <mc:Fallback xmlns="">
       <p:transition spd="med">
         <p:fade/>
       </p:transition>
@@ -10883,41 +10883,28 @@
                 <a:ea typeface="Segoe UI" pitchFamily="34" charset="0"/>
                 <a:cs typeface="Segoe UI" pitchFamily="34" charset="0"/>
               </a:rPr>
-              <a:t>Robo de </a:t>
-            </a:r>
-            <a:r>
-              <a:rPr lang="es-AR" dirty="0" smtClean="0">
-                <a:latin typeface="Segoe UI" pitchFamily="34" charset="0"/>
-                <a:ea typeface="Segoe UI" pitchFamily="34" charset="0"/>
-                <a:cs typeface="Segoe UI" pitchFamily="34" charset="0"/>
-              </a:rPr>
-              <a:t>documentación</a:t>
-            </a:r>
-            <a:endParaRPr lang="es-AR" dirty="0" smtClean="0">
-              <a:latin typeface="Segoe UI" pitchFamily="34" charset="0"/>
-              <a:ea typeface="Segoe UI" pitchFamily="34" charset="0"/>
-              <a:cs typeface="Segoe UI" pitchFamily="34" charset="0"/>
-            </a:endParaRPr>
+              <a:t>Robo de documentación</a:t>
+            </a:r>
           </a:p>
         </p:txBody>
       </p:sp>
     </p:spTree>
     <p:extLst>
       <p:ext uri="{BB962C8B-B14F-4D97-AF65-F5344CB8AC3E}">
-        <p14:creationId xmlns:p14="http://schemas.microsoft.com/office/powerpoint/2010/main" xmlns="" val="1679218424"/>
+        <p14:creationId xmlns:p14="http://schemas.microsoft.com/office/powerpoint/2010/main" val="1679218424"/>
       </p:ext>
     </p:extLst>
   </p:cSld>
   <p:clrMapOvr>
     <a:masterClrMapping/>
   </p:clrMapOvr>
-  <mc:AlternateContent xmlns:mc="http://schemas.openxmlformats.org/markup-compatibility/2006">
-    <mc:Choice xmlns:p14="http://schemas.microsoft.com/office/powerpoint/2010/main" xmlns="" Requires="p14">
+  <mc:AlternateContent xmlns:mc="http://schemas.openxmlformats.org/markup-compatibility/2006" xmlns:p14="http://schemas.microsoft.com/office/powerpoint/2010/main">
+    <mc:Choice Requires="p14">
       <p:transition spd="med" p14:dur="700">
         <p:fade/>
       </p:transition>
     </mc:Choice>
-    <mc:Fallback>
+    <mc:Fallback xmlns="">
       <p:transition spd="med">
         <p:fade/>
       </p:transition>
@@ -11121,20 +11108,20 @@
     </p:spTree>
     <p:extLst>
       <p:ext uri="{BB962C8B-B14F-4D97-AF65-F5344CB8AC3E}">
-        <p14:creationId xmlns:p14="http://schemas.microsoft.com/office/powerpoint/2010/main" xmlns="" val="1679218424"/>
+        <p14:creationId xmlns:p14="http://schemas.microsoft.com/office/powerpoint/2010/main" val="1679218424"/>
       </p:ext>
     </p:extLst>
   </p:cSld>
   <p:clrMapOvr>
     <a:masterClrMapping/>
   </p:clrMapOvr>
-  <mc:AlternateContent xmlns:mc="http://schemas.openxmlformats.org/markup-compatibility/2006">
-    <mc:Choice xmlns:p14="http://schemas.microsoft.com/office/powerpoint/2010/main" xmlns="" Requires="p14">
+  <mc:AlternateContent xmlns:mc="http://schemas.openxmlformats.org/markup-compatibility/2006" xmlns:p14="http://schemas.microsoft.com/office/powerpoint/2010/main">
+    <mc:Choice Requires="p14">
       <p:transition spd="med" p14:dur="700">
         <p:fade/>
       </p:transition>
     </mc:Choice>
-    <mc:Fallback>
+    <mc:Fallback xmlns="">
       <p:transition spd="med">
         <p:fade/>
       </p:transition>
@@ -11322,15 +11309,7 @@
                 <a:ea typeface="Segoe UI" pitchFamily="34" charset="0"/>
                 <a:cs typeface="Segoe UI" pitchFamily="34" charset="0"/>
               </a:rPr>
-              <a:t>Guerra Civil </a:t>
-            </a:r>
-            <a:r>
-              <a:rPr lang="es-AR" dirty="0" smtClean="0">
-                <a:latin typeface="Segoe UI" pitchFamily="34" charset="0"/>
-                <a:ea typeface="Segoe UI" pitchFamily="34" charset="0"/>
-                <a:cs typeface="Segoe UI" pitchFamily="34" charset="0"/>
-              </a:rPr>
-              <a:t>Americana</a:t>
+              <a:t>Guerra Civil Americana</a:t>
             </a:r>
           </a:p>
           <a:p>
@@ -11360,15 +11339,7 @@
                 <a:ea typeface="Segoe UI" pitchFamily="34" charset="0"/>
                 <a:cs typeface="Segoe UI" pitchFamily="34" charset="0"/>
               </a:rPr>
-              <a:t>Confederados </a:t>
-            </a:r>
-            <a:r>
-              <a:rPr lang="es-AR" sz="2200" dirty="0" smtClean="0">
-                <a:latin typeface="Segoe UI" pitchFamily="34" charset="0"/>
-                <a:ea typeface="Segoe UI" pitchFamily="34" charset="0"/>
-                <a:cs typeface="Segoe UI" pitchFamily="34" charset="0"/>
-              </a:rPr>
-              <a:t>- Vigenère </a:t>
+              <a:t>Confederados - Vigenère </a:t>
             </a:r>
           </a:p>
           <a:p>
@@ -11398,29 +11369,8 @@
                 <a:ea typeface="Segoe UI" pitchFamily="34" charset="0"/>
                 <a:cs typeface="Segoe UI" pitchFamily="34" charset="0"/>
               </a:rPr>
-              <a:t>2 únicos directivos tienen acceso a la </a:t>
-            </a:r>
-            <a:r>
-              <a:rPr lang="es-AR" sz="2000" dirty="0" smtClean="0">
-                <a:latin typeface="Segoe UI" pitchFamily="34" charset="0"/>
-                <a:ea typeface="Segoe UI" pitchFamily="34" charset="0"/>
-                <a:cs typeface="Segoe UI" pitchFamily="34" charset="0"/>
-              </a:rPr>
-              <a:t>f</a:t>
-            </a:r>
-            <a:r>
-              <a:rPr lang="es-AR" sz="2000" dirty="0" smtClean="0">
-                <a:latin typeface="Segoe UI" pitchFamily="34" charset="0"/>
-                <a:ea typeface="Segoe UI" pitchFamily="34" charset="0"/>
-                <a:cs typeface="Segoe UI" pitchFamily="34" charset="0"/>
-              </a:rPr>
-              <a:t>órmula </a:t>
-            </a:r>
-            <a:endParaRPr lang="es-AR" sz="2000" dirty="0" smtClean="0">
-              <a:latin typeface="Segoe UI" pitchFamily="34" charset="0"/>
-              <a:ea typeface="Segoe UI" pitchFamily="34" charset="0"/>
-              <a:cs typeface="Segoe UI" pitchFamily="34" charset="0"/>
-            </a:endParaRPr>
+              <a:t>2 únicos directivos tienen acceso a la fórmula </a:t>
+            </a:r>
           </a:p>
           <a:p>
             <a:endParaRPr lang="es-AR" dirty="0"/>
@@ -11432,13 +11382,13 @@
   <p:clrMapOvr>
     <a:masterClrMapping/>
   </p:clrMapOvr>
-  <mc:AlternateContent xmlns:mc="http://schemas.openxmlformats.org/markup-compatibility/2006">
-    <mc:Choice xmlns:p14="http://schemas.microsoft.com/office/powerpoint/2010/main" xmlns="" Requires="p14">
+  <mc:AlternateContent xmlns:mc="http://schemas.openxmlformats.org/markup-compatibility/2006" xmlns:p14="http://schemas.microsoft.com/office/powerpoint/2010/main">
+    <mc:Choice Requires="p14">
       <p:transition spd="med" p14:dur="700">
         <p:fade/>
       </p:transition>
     </mc:Choice>
-    <mc:Fallback>
+    <mc:Fallback xmlns="">
       <p:transition spd="med">
         <p:fade/>
       </p:transition>
@@ -11592,25 +11542,7 @@
                 <a:latin typeface="Segoe UI" panose="020B0502040204020203" pitchFamily="34" charset="0"/>
                 <a:cs typeface="Segoe UI" panose="020B0502040204020203" pitchFamily="34" charset="0"/>
               </a:rPr>
-              <a:t> </a:t>
-            </a:r>
-            <a:r>
-              <a:rPr lang="en-US" spc="0" dirty="0" smtClean="0">
-                <a:ln w="0"/>
-                <a:solidFill>
-                  <a:schemeClr val="accent1"/>
-                </a:solidFill>
-                <a:effectLst>
-                  <a:outerShdw blurRad="38100" dist="25400" dir="5400000" algn="ctr" rotWithShape="0">
-                    <a:srgbClr val="6E747A">
-                      <a:alpha val="43000"/>
-                    </a:srgbClr>
-                  </a:outerShdw>
-                </a:effectLst>
-                <a:latin typeface="Segoe UI" panose="020B0502040204020203" pitchFamily="34" charset="0"/>
-                <a:cs typeface="Segoe UI" panose="020B0502040204020203" pitchFamily="34" charset="0"/>
-              </a:rPr>
-              <a:t>(II)</a:t>
+              <a:t> (II)</a:t>
             </a:r>
             <a:endParaRPr lang="es-AR" dirty="0"/>
           </a:p>
@@ -11661,11 +11593,6 @@
               </a:rPr>
               <a:t>Auto moderno – 1885 – Henry Ford o Karl Benz?</a:t>
             </a:r>
-            <a:endParaRPr lang="es-AR" sz="2000" dirty="0" smtClean="0">
-              <a:latin typeface="Segoe UI" pitchFamily="34" charset="0"/>
-              <a:ea typeface="Segoe UI" pitchFamily="34" charset="0"/>
-              <a:cs typeface="Segoe UI" pitchFamily="34" charset="0"/>
-            </a:endParaRPr>
           </a:p>
           <a:p>
             <a:pPr>
@@ -11681,11 +11608,6 @@
               </a:rPr>
               <a:t>Radiografía</a:t>
             </a:r>
-            <a:endParaRPr lang="es-AR" dirty="0" smtClean="0">
-              <a:latin typeface="Segoe UI" pitchFamily="34" charset="0"/>
-              <a:ea typeface="Segoe UI" pitchFamily="34" charset="0"/>
-              <a:cs typeface="Segoe UI" pitchFamily="34" charset="0"/>
-            </a:endParaRPr>
           </a:p>
           <a:p>
             <a:pPr>
@@ -11699,15 +11621,7 @@
                 <a:ea typeface="Segoe UI" pitchFamily="34" charset="0"/>
                 <a:cs typeface="Segoe UI" pitchFamily="34" charset="0"/>
               </a:rPr>
-              <a:t>Filmaciones o Imágenes en </a:t>
-            </a:r>
-            <a:r>
-              <a:rPr lang="es-AR" dirty="0" smtClean="0">
-                <a:latin typeface="Segoe UI" pitchFamily="34" charset="0"/>
-                <a:ea typeface="Segoe UI" pitchFamily="34" charset="0"/>
-                <a:cs typeface="Segoe UI" pitchFamily="34" charset="0"/>
-              </a:rPr>
-              <a:t>Movimiento</a:t>
+              <a:t>Filmaciones o Imágenes en Movimiento</a:t>
             </a:r>
           </a:p>
           <a:p>
@@ -11757,13 +11671,13 @@
   <p:clrMapOvr>
     <a:masterClrMapping/>
   </p:clrMapOvr>
-  <mc:AlternateContent xmlns:mc="http://schemas.openxmlformats.org/markup-compatibility/2006">
-    <mc:Choice xmlns:p14="http://schemas.microsoft.com/office/powerpoint/2010/main" xmlns="" Requires="p14">
+  <mc:AlternateContent xmlns:mc="http://schemas.openxmlformats.org/markup-compatibility/2006" xmlns:p14="http://schemas.microsoft.com/office/powerpoint/2010/main">
+    <mc:Choice Requires="p14">
       <p:transition spd="med" p14:dur="700">
         <p:fade/>
       </p:transition>
     </mc:Choice>
-    <mc:Fallback>
+    <mc:Fallback xmlns="">
       <p:transition spd="med">
         <p:fade/>
       </p:transition>
@@ -11917,61 +11831,7 @@
                 <a:latin typeface="Segoe UI" panose="020B0502040204020203" pitchFamily="34" charset="0"/>
                 <a:cs typeface="Segoe UI" panose="020B0502040204020203" pitchFamily="34" charset="0"/>
               </a:rPr>
-              <a:t> </a:t>
-            </a:r>
-            <a:r>
-              <a:rPr lang="en-US" spc="0" dirty="0" smtClean="0">
-                <a:ln w="0"/>
-                <a:solidFill>
-                  <a:schemeClr val="accent1"/>
-                </a:solidFill>
-                <a:effectLst>
-                  <a:outerShdw blurRad="38100" dist="25400" dir="5400000" algn="ctr" rotWithShape="0">
-                    <a:srgbClr val="6E747A">
-                      <a:alpha val="43000"/>
-                    </a:srgbClr>
-                  </a:outerShdw>
-                </a:effectLst>
-                <a:latin typeface="Segoe UI" panose="020B0502040204020203" pitchFamily="34" charset="0"/>
-                <a:cs typeface="Segoe UI" panose="020B0502040204020203" pitchFamily="34" charset="0"/>
-              </a:rPr>
-              <a:t>(</a:t>
-            </a:r>
-            <a:r>
-              <a:rPr lang="en-US" spc="0" dirty="0" smtClean="0">
-                <a:ln w="0"/>
-                <a:solidFill>
-                  <a:schemeClr val="accent1"/>
-                </a:solidFill>
-                <a:effectLst>
-                  <a:outerShdw blurRad="38100" dist="25400" dir="5400000" algn="ctr" rotWithShape="0">
-                    <a:srgbClr val="6E747A">
-                      <a:alpha val="43000"/>
-                    </a:srgbClr>
-                  </a:outerShdw>
-                </a:effectLst>
-                <a:latin typeface="Segoe UI" panose="020B0502040204020203" pitchFamily="34" charset="0"/>
-                <a:cs typeface="Segoe UI" panose="020B0502040204020203" pitchFamily="34" charset="0"/>
-              </a:rPr>
-              <a:t>III</a:t>
-            </a:r>
-            <a:r>
-              <a:rPr lang="en-US" spc="0" dirty="0" smtClean="0">
-                <a:ln w="0"/>
-                <a:solidFill>
-                  <a:schemeClr val="accent1"/>
-                </a:solidFill>
-                <a:effectLst>
-                  <a:outerShdw blurRad="38100" dist="25400" dir="5400000" algn="ctr" rotWithShape="0">
-                    <a:srgbClr val="6E747A">
-                      <a:alpha val="43000"/>
-                    </a:srgbClr>
-                  </a:outerShdw>
-                </a:effectLst>
-                <a:latin typeface="Segoe UI" panose="020B0502040204020203" pitchFamily="34" charset="0"/>
-                <a:cs typeface="Segoe UI" panose="020B0502040204020203" pitchFamily="34" charset="0"/>
-              </a:rPr>
-              <a:t>)</a:t>
+              <a:t> (III)</a:t>
             </a:r>
             <a:endParaRPr lang="es-AR" dirty="0"/>
           </a:p>
@@ -12045,13 +11905,13 @@
   <p:clrMapOvr>
     <a:masterClrMapping/>
   </p:clrMapOvr>
-  <mc:AlternateContent xmlns:mc="http://schemas.openxmlformats.org/markup-compatibility/2006">
-    <mc:Choice xmlns:p14="http://schemas.microsoft.com/office/powerpoint/2010/main" xmlns="" Requires="p14">
+  <mc:AlternateContent xmlns:mc="http://schemas.openxmlformats.org/markup-compatibility/2006" xmlns:p14="http://schemas.microsoft.com/office/powerpoint/2010/main">
+    <mc:Choice Requires="p14">
       <p:transition spd="med" p14:dur="700">
         <p:fade/>
       </p:transition>
     </mc:Choice>
-    <mc:Fallback>
+    <mc:Fallback xmlns="">
       <p:transition spd="med">
         <p:fade/>
       </p:transition>
@@ -12145,20 +12005,20 @@
     </p:spTree>
     <p:extLst>
       <p:ext uri="{BB962C8B-B14F-4D97-AF65-F5344CB8AC3E}">
-        <p14:creationId xmlns:p14="http://schemas.microsoft.com/office/powerpoint/2010/main" xmlns="" val="3439397754"/>
+        <p14:creationId xmlns:p14="http://schemas.microsoft.com/office/powerpoint/2010/main" val="3439397754"/>
       </p:ext>
     </p:extLst>
   </p:cSld>
   <p:clrMapOvr>
     <a:masterClrMapping/>
   </p:clrMapOvr>
-  <mc:AlternateContent xmlns:mc="http://schemas.openxmlformats.org/markup-compatibility/2006">
-    <mc:Choice xmlns:p14="http://schemas.microsoft.com/office/powerpoint/2010/main" xmlns="" Requires="p14">
+  <mc:AlternateContent xmlns:mc="http://schemas.openxmlformats.org/markup-compatibility/2006" xmlns:p14="http://schemas.microsoft.com/office/powerpoint/2010/main">
+    <mc:Choice Requires="p14">
       <p:transition spd="med" p14:dur="700">
         <p:fade/>
       </p:transition>
     </mc:Choice>
-    <mc:Fallback>
+    <mc:Fallback xmlns="">
       <p:transition spd="med">
         <p:fade/>
       </p:transition>
@@ -12327,20 +12187,20 @@
     </p:spTree>
     <p:extLst>
       <p:ext uri="{BB962C8B-B14F-4D97-AF65-F5344CB8AC3E}">
-        <p14:creationId xmlns:p14="http://schemas.microsoft.com/office/powerpoint/2010/main" xmlns="" val="2675216716"/>
+        <p14:creationId xmlns:p14="http://schemas.microsoft.com/office/powerpoint/2010/main" val="2675216716"/>
       </p:ext>
     </p:extLst>
   </p:cSld>
   <p:clrMapOvr>
     <a:masterClrMapping/>
   </p:clrMapOvr>
-  <mc:AlternateContent xmlns:mc="http://schemas.openxmlformats.org/markup-compatibility/2006">
-    <mc:Choice xmlns:p14="http://schemas.microsoft.com/office/powerpoint/2010/main" xmlns="" Requires="p14">
+  <mc:AlternateContent xmlns:mc="http://schemas.openxmlformats.org/markup-compatibility/2006" xmlns:p14="http://schemas.microsoft.com/office/powerpoint/2010/main">
+    <mc:Choice Requires="p14">
       <p:transition spd="med" p14:dur="700">
         <p:fade/>
       </p:transition>
     </mc:Choice>
-    <mc:Fallback>
+    <mc:Fallback xmlns="">
       <p:transition spd="med">
         <p:fade/>
       </p:transition>
@@ -12802,7 +12662,7 @@
           <a:blip r:embed="rId3" cstate="print">
             <a:extLst>
               <a:ext uri="{28A0092B-C50C-407E-A947-70E740481C1C}">
-                <a14:useLocalDpi xmlns:a14="http://schemas.microsoft.com/office/drawing/2010/main" xmlns="" val="0"/>
+                <a14:useLocalDpi xmlns:a14="http://schemas.microsoft.com/office/drawing/2010/main" val="0"/>
               </a:ext>
             </a:extLst>
           </a:blip>
@@ -12822,7 +12682,7 @@
           <a:noFill/>
           <a:extLst>
             <a:ext uri="{909E8E84-426E-40DD-AFC4-6F175D3DCCD1}">
-              <a14:hiddenFill xmlns:a14="http://schemas.microsoft.com/office/drawing/2010/main" xmlns="">
+              <a14:hiddenFill xmlns:a14="http://schemas.microsoft.com/office/drawing/2010/main">
                 <a:solidFill>
                   <a:srgbClr val="FFFFFF"/>
                 </a:solidFill>
@@ -12843,7 +12703,7 @@
           <a:blip r:embed="rId4" cstate="print">
             <a:extLst>
               <a:ext uri="{28A0092B-C50C-407E-A947-70E740481C1C}">
-                <a14:useLocalDpi xmlns:a14="http://schemas.microsoft.com/office/drawing/2010/main" xmlns="" val="0"/>
+                <a14:useLocalDpi xmlns:a14="http://schemas.microsoft.com/office/drawing/2010/main" val="0"/>
               </a:ext>
             </a:extLst>
           </a:blip>
@@ -12863,7 +12723,7 @@
           <a:noFill/>
           <a:extLst>
             <a:ext uri="{909E8E84-426E-40DD-AFC4-6F175D3DCCD1}">
-              <a14:hiddenFill xmlns:a14="http://schemas.microsoft.com/office/drawing/2010/main" xmlns="">
+              <a14:hiddenFill xmlns:a14="http://schemas.microsoft.com/office/drawing/2010/main">
                 <a:solidFill>
                   <a:srgbClr val="FFFFFF"/>
                 </a:solidFill>
@@ -12884,7 +12744,7 @@
           <a:blip r:embed="rId5" cstate="print">
             <a:extLst>
               <a:ext uri="{28A0092B-C50C-407E-A947-70E740481C1C}">
-                <a14:useLocalDpi xmlns:a14="http://schemas.microsoft.com/office/drawing/2010/main" xmlns="" val="0"/>
+                <a14:useLocalDpi xmlns:a14="http://schemas.microsoft.com/office/drawing/2010/main" val="0"/>
               </a:ext>
             </a:extLst>
           </a:blip>
@@ -12904,7 +12764,7 @@
           <a:noFill/>
           <a:extLst>
             <a:ext uri="{909E8E84-426E-40DD-AFC4-6F175D3DCCD1}">
-              <a14:hiddenFill xmlns:a14="http://schemas.microsoft.com/office/drawing/2010/main" xmlns="">
+              <a14:hiddenFill xmlns:a14="http://schemas.microsoft.com/office/drawing/2010/main">
                 <a:solidFill>
                   <a:srgbClr val="FFFFFF"/>
                 </a:solidFill>
@@ -12925,7 +12785,7 @@
           <a:blip r:embed="rId6" cstate="print">
             <a:extLst>
               <a:ext uri="{28A0092B-C50C-407E-A947-70E740481C1C}">
-                <a14:useLocalDpi xmlns:a14="http://schemas.microsoft.com/office/drawing/2010/main" xmlns="" val="0"/>
+                <a14:useLocalDpi xmlns:a14="http://schemas.microsoft.com/office/drawing/2010/main" val="0"/>
               </a:ext>
             </a:extLst>
           </a:blip>
@@ -12945,7 +12805,7 @@
           <a:noFill/>
           <a:extLst>
             <a:ext uri="{909E8E84-426E-40DD-AFC4-6F175D3DCCD1}">
-              <a14:hiddenFill xmlns:a14="http://schemas.microsoft.com/office/drawing/2010/main" xmlns="">
+              <a14:hiddenFill xmlns:a14="http://schemas.microsoft.com/office/drawing/2010/main">
                 <a:solidFill>
                   <a:srgbClr val="FFFFFF"/>
                 </a:solidFill>
@@ -12966,7 +12826,7 @@
           <a:blip r:embed="rId7" cstate="print">
             <a:extLst>
               <a:ext uri="{28A0092B-C50C-407E-A947-70E740481C1C}">
-                <a14:useLocalDpi xmlns:a14="http://schemas.microsoft.com/office/drawing/2010/main" xmlns="" val="0"/>
+                <a14:useLocalDpi xmlns:a14="http://schemas.microsoft.com/office/drawing/2010/main" val="0"/>
               </a:ext>
             </a:extLst>
           </a:blip>
@@ -12986,7 +12846,7 @@
           <a:noFill/>
           <a:extLst>
             <a:ext uri="{909E8E84-426E-40DD-AFC4-6F175D3DCCD1}">
-              <a14:hiddenFill xmlns:a14="http://schemas.microsoft.com/office/drawing/2010/main" xmlns="">
+              <a14:hiddenFill xmlns:a14="http://schemas.microsoft.com/office/drawing/2010/main">
                 <a:solidFill>
                   <a:srgbClr val="FFFFFF"/>
                 </a:solidFill>
@@ -12998,20 +12858,20 @@
     </p:spTree>
     <p:extLst>
       <p:ext uri="{BB962C8B-B14F-4D97-AF65-F5344CB8AC3E}">
-        <p14:creationId xmlns:p14="http://schemas.microsoft.com/office/powerpoint/2010/main" xmlns="" val="2564182459"/>
+        <p14:creationId xmlns:p14="http://schemas.microsoft.com/office/powerpoint/2010/main" val="2564182459"/>
       </p:ext>
     </p:extLst>
   </p:cSld>
   <p:clrMapOvr>
     <a:masterClrMapping/>
   </p:clrMapOvr>
-  <mc:AlternateContent xmlns:mc="http://schemas.openxmlformats.org/markup-compatibility/2006">
-    <mc:Choice xmlns:p14="http://schemas.microsoft.com/office/powerpoint/2010/main" xmlns="" Requires="p14">
+  <mc:AlternateContent xmlns:mc="http://schemas.openxmlformats.org/markup-compatibility/2006" xmlns:p14="http://schemas.microsoft.com/office/powerpoint/2010/main">
+    <mc:Choice Requires="p14">
       <p:transition spd="med" p14:dur="700">
         <p:fade/>
       </p:transition>
     </mc:Choice>
-    <mc:Fallback>
+    <mc:Fallback xmlns="">
       <p:transition spd="med">
         <p:fade/>
       </p:transition>
@@ -13163,20 +13023,20 @@
     </p:spTree>
     <p:extLst>
       <p:ext uri="{BB962C8B-B14F-4D97-AF65-F5344CB8AC3E}">
-        <p14:creationId xmlns:p14="http://schemas.microsoft.com/office/powerpoint/2010/main" xmlns="" val="3106206852"/>
+        <p14:creationId xmlns:p14="http://schemas.microsoft.com/office/powerpoint/2010/main" val="3106206852"/>
       </p:ext>
     </p:extLst>
   </p:cSld>
   <p:clrMapOvr>
     <a:masterClrMapping/>
   </p:clrMapOvr>
-  <mc:AlternateContent xmlns:mc="http://schemas.openxmlformats.org/markup-compatibility/2006">
-    <mc:Choice xmlns:p14="http://schemas.microsoft.com/office/powerpoint/2010/main" xmlns="" Requires="p14">
+  <mc:AlternateContent xmlns:mc="http://schemas.openxmlformats.org/markup-compatibility/2006" xmlns:p14="http://schemas.microsoft.com/office/powerpoint/2010/main">
+    <mc:Choice Requires="p14">
       <p:transition spd="med" p14:dur="700">
         <p:fade/>
       </p:transition>
     </mc:Choice>
-    <mc:Fallback>
+    <mc:Fallback xmlns="">
       <p:transition spd="med">
         <p:fade/>
       </p:transition>
@@ -13335,20 +13195,20 @@
     </p:spTree>
     <p:extLst>
       <p:ext uri="{BB962C8B-B14F-4D97-AF65-F5344CB8AC3E}">
-        <p14:creationId xmlns:p14="http://schemas.microsoft.com/office/powerpoint/2010/main" xmlns="" val="965594786"/>
+        <p14:creationId xmlns:p14="http://schemas.microsoft.com/office/powerpoint/2010/main" val="965594786"/>
       </p:ext>
     </p:extLst>
   </p:cSld>
   <p:clrMapOvr>
     <a:masterClrMapping/>
   </p:clrMapOvr>
-  <mc:AlternateContent xmlns:mc="http://schemas.openxmlformats.org/markup-compatibility/2006">
-    <mc:Choice xmlns:p14="http://schemas.microsoft.com/office/powerpoint/2010/main" xmlns="" Requires="p14">
+  <mc:AlternateContent xmlns:mc="http://schemas.openxmlformats.org/markup-compatibility/2006" xmlns:p14="http://schemas.microsoft.com/office/powerpoint/2010/main">
+    <mc:Choice Requires="p14">
       <p:transition spd="med" p14:dur="700">
         <p:fade/>
       </p:transition>
     </mc:Choice>
-    <mc:Fallback>
+    <mc:Fallback xmlns="">
       <p:transition spd="med">
         <p:fade/>
       </p:transition>
@@ -13606,7 +13466,7 @@
           <a:blip r:embed="rId3" cstate="print">
             <a:extLst>
               <a:ext uri="{28A0092B-C50C-407E-A947-70E740481C1C}">
-                <a14:useLocalDpi xmlns:a14="http://schemas.microsoft.com/office/drawing/2010/main" xmlns="" val="0"/>
+                <a14:useLocalDpi xmlns:a14="http://schemas.microsoft.com/office/drawing/2010/main" val="0"/>
               </a:ext>
             </a:extLst>
           </a:blip>
@@ -13626,7 +13486,7 @@
           <a:noFill/>
           <a:extLst>
             <a:ext uri="{909E8E84-426E-40DD-AFC4-6F175D3DCCD1}">
-              <a14:hiddenFill xmlns:a14="http://schemas.microsoft.com/office/drawing/2010/main" xmlns="">
+              <a14:hiddenFill xmlns:a14="http://schemas.microsoft.com/office/drawing/2010/main">
                 <a:solidFill>
                   <a:srgbClr val="FFFFFF"/>
                 </a:solidFill>
@@ -13638,20 +13498,20 @@
     </p:spTree>
     <p:extLst>
       <p:ext uri="{BB962C8B-B14F-4D97-AF65-F5344CB8AC3E}">
-        <p14:creationId xmlns:p14="http://schemas.microsoft.com/office/powerpoint/2010/main" xmlns="" val="3356351472"/>
+        <p14:creationId xmlns:p14="http://schemas.microsoft.com/office/powerpoint/2010/main" val="3356351472"/>
       </p:ext>
     </p:extLst>
   </p:cSld>
   <p:clrMapOvr>
     <a:masterClrMapping/>
   </p:clrMapOvr>
-  <mc:AlternateContent xmlns:mc="http://schemas.openxmlformats.org/markup-compatibility/2006">
-    <mc:Choice xmlns:p14="http://schemas.microsoft.com/office/powerpoint/2010/main" xmlns="" Requires="p14">
+  <mc:AlternateContent xmlns:mc="http://schemas.openxmlformats.org/markup-compatibility/2006" xmlns:p14="http://schemas.microsoft.com/office/powerpoint/2010/main">
+    <mc:Choice Requires="p14">
       <p:transition spd="med" p14:dur="700">
         <p:fade/>
       </p:transition>
     </mc:Choice>
-    <mc:Fallback>
+    <mc:Fallback xmlns="">
       <p:transition spd="med">
         <p:fade/>
       </p:transition>
@@ -13879,7 +13739,7 @@
           <a:blip r:embed="rId3" cstate="print">
             <a:extLst>
               <a:ext uri="{28A0092B-C50C-407E-A947-70E740481C1C}">
-                <a14:useLocalDpi xmlns:a14="http://schemas.microsoft.com/office/drawing/2010/main" xmlns="" val="0"/>
+                <a14:useLocalDpi xmlns:a14="http://schemas.microsoft.com/office/drawing/2010/main" val="0"/>
               </a:ext>
             </a:extLst>
           </a:blip>
@@ -13899,7 +13759,7 @@
           <a:noFill/>
           <a:extLst>
             <a:ext uri="{909E8E84-426E-40DD-AFC4-6F175D3DCCD1}">
-              <a14:hiddenFill xmlns:a14="http://schemas.microsoft.com/office/drawing/2010/main" xmlns="">
+              <a14:hiddenFill xmlns:a14="http://schemas.microsoft.com/office/drawing/2010/main">
                 <a:solidFill>
                   <a:srgbClr val="FFFFFF"/>
                 </a:solidFill>
@@ -13911,20 +13771,20 @@
     </p:spTree>
     <p:extLst>
       <p:ext uri="{BB962C8B-B14F-4D97-AF65-F5344CB8AC3E}">
-        <p14:creationId xmlns:p14="http://schemas.microsoft.com/office/powerpoint/2010/main" xmlns="" val="3374507202"/>
+        <p14:creationId xmlns:p14="http://schemas.microsoft.com/office/powerpoint/2010/main" val="3374507202"/>
       </p:ext>
     </p:extLst>
   </p:cSld>
   <p:clrMapOvr>
     <a:masterClrMapping/>
   </p:clrMapOvr>
-  <mc:AlternateContent xmlns:mc="http://schemas.openxmlformats.org/markup-compatibility/2006">
-    <mc:Choice xmlns:p14="http://schemas.microsoft.com/office/powerpoint/2010/main" xmlns="" Requires="p14">
+  <mc:AlternateContent xmlns:mc="http://schemas.openxmlformats.org/markup-compatibility/2006" xmlns:p14="http://schemas.microsoft.com/office/powerpoint/2010/main">
+    <mc:Choice Requires="p14">
       <p:transition spd="med" p14:dur="700">
         <p:fade/>
       </p:transition>
     </mc:Choice>
-    <mc:Fallback>
+    <mc:Fallback xmlns="">
       <p:transition spd="med">
         <p:fade/>
       </p:transition>
@@ -14026,7 +13886,7 @@
         </p:spPr>
         <p:txBody>
           <a:bodyPr>
-            <a:normAutofit lnSpcReduction="10000"/>
+            <a:normAutofit/>
           </a:bodyPr>
           <a:lstStyle/>
           <a:p>
@@ -14040,8 +13900,19 @@
                 <a:latin typeface="Segoe UI" panose="020B0502040204020203" pitchFamily="34" charset="0"/>
                 <a:cs typeface="Segoe UI" panose="020B0502040204020203" pitchFamily="34" charset="0"/>
               </a:rPr>
-              <a:t>Personal deshonesto</a:t>
-            </a:r>
+              <a:t>Personal </a:t>
+            </a:r>
+            <a:r>
+              <a:rPr lang="es-AR" dirty="0" smtClean="0">
+                <a:latin typeface="Segoe UI" panose="020B0502040204020203" pitchFamily="34" charset="0"/>
+                <a:cs typeface="Segoe UI" panose="020B0502040204020203" pitchFamily="34" charset="0"/>
+              </a:rPr>
+              <a:t>deshonesto con autorizaciones de acceso sensibles</a:t>
+            </a:r>
+            <a:endParaRPr lang="es-AR" dirty="0" smtClean="0">
+              <a:latin typeface="Segoe UI" panose="020B0502040204020203" pitchFamily="34" charset="0"/>
+              <a:cs typeface="Segoe UI" panose="020B0502040204020203" pitchFamily="34" charset="0"/>
+            </a:endParaRPr>
           </a:p>
           <a:p>
             <a:pPr>
@@ -14082,42 +13953,39 @@
                 <a:latin typeface="Segoe UI" panose="020B0502040204020203" pitchFamily="34" charset="0"/>
                 <a:cs typeface="Segoe UI" panose="020B0502040204020203" pitchFamily="34" charset="0"/>
               </a:rPr>
-              <a:t>Dependencia de los sistemas informáticos</a:t>
-            </a:r>
-          </a:p>
-          <a:p>
-            <a:pPr>
-              <a:lnSpc>
-                <a:spcPct val="150000"/>
-              </a:lnSpc>
-            </a:pPr>
+              <a:t>Dependencia de los sistemas </a:t>
+            </a:r>
             <a:r>
               <a:rPr lang="es-AR" dirty="0" smtClean="0">
                 <a:latin typeface="Segoe UI" panose="020B0502040204020203" pitchFamily="34" charset="0"/>
                 <a:cs typeface="Segoe UI" panose="020B0502040204020203" pitchFamily="34" charset="0"/>
               </a:rPr>
-              <a:t>Necesidad de capacitación de operarios</a:t>
-            </a:r>
+              <a:t>informáticos</a:t>
+            </a:r>
+            <a:endParaRPr lang="es-AR" dirty="0" smtClean="0">
+              <a:latin typeface="Segoe UI" panose="020B0502040204020203" pitchFamily="34" charset="0"/>
+              <a:cs typeface="Segoe UI" panose="020B0502040204020203" pitchFamily="34" charset="0"/>
+            </a:endParaRPr>
           </a:p>
         </p:txBody>
       </p:sp>
     </p:spTree>
     <p:extLst>
       <p:ext uri="{BB962C8B-B14F-4D97-AF65-F5344CB8AC3E}">
-        <p14:creationId xmlns:p14="http://schemas.microsoft.com/office/powerpoint/2010/main" xmlns="" val="2238024562"/>
+        <p14:creationId xmlns:p14="http://schemas.microsoft.com/office/powerpoint/2010/main" val="2238024562"/>
       </p:ext>
     </p:extLst>
   </p:cSld>
   <p:clrMapOvr>
     <a:masterClrMapping/>
   </p:clrMapOvr>
-  <mc:AlternateContent xmlns:mc="http://schemas.openxmlformats.org/markup-compatibility/2006">
-    <mc:Choice xmlns:p14="http://schemas.microsoft.com/office/powerpoint/2010/main" xmlns="" Requires="p14">
+  <mc:AlternateContent xmlns:mc="http://schemas.openxmlformats.org/markup-compatibility/2006" xmlns:p14="http://schemas.microsoft.com/office/powerpoint/2010/main">
+    <mc:Choice Requires="p14">
       <p:transition spd="med" p14:dur="700">
         <p:fade/>
       </p:transition>
     </mc:Choice>
-    <mc:Fallback>
+    <mc:Fallback xmlns="">
       <p:transition spd="med">
         <p:fade/>
       </p:transition>
@@ -14247,7 +14115,14 @@
                 <a:latin typeface="Segoe UI" panose="020B0502040204020203" pitchFamily="34" charset="0"/>
                 <a:cs typeface="Segoe UI" panose="020B0502040204020203" pitchFamily="34" charset="0"/>
               </a:rPr>
-              <a:t>Dependencia de empleados claves</a:t>
+              <a:t>Dependencia de empleados </a:t>
+            </a:r>
+            <a:r>
+              <a:rPr lang="es-AR" dirty="0" smtClean="0">
+                <a:latin typeface="Segoe UI" panose="020B0502040204020203" pitchFamily="34" charset="0"/>
+                <a:cs typeface="Segoe UI" panose="020B0502040204020203" pitchFamily="34" charset="0"/>
+              </a:rPr>
+              <a:t>claves</a:t>
             </a:r>
           </a:p>
           <a:p>
@@ -14261,7 +14136,14 @@
                 <a:latin typeface="Segoe UI" panose="020B0502040204020203" pitchFamily="34" charset="0"/>
                 <a:cs typeface="Segoe UI" panose="020B0502040204020203" pitchFamily="34" charset="0"/>
               </a:rPr>
-              <a:t>Comodidad y confianza excesiva de sistemas</a:t>
+              <a:t>Generación </a:t>
+            </a:r>
+            <a:r>
+              <a:rPr lang="es-AR" dirty="0" smtClean="0">
+                <a:latin typeface="Segoe UI" panose="020B0502040204020203" pitchFamily="34" charset="0"/>
+                <a:cs typeface="Segoe UI" panose="020B0502040204020203" pitchFamily="34" charset="0"/>
+              </a:rPr>
+              <a:t>de información residual</a:t>
             </a:r>
           </a:p>
           <a:p>
@@ -14275,20 +14157,6 @@
                 <a:latin typeface="Segoe UI" panose="020B0502040204020203" pitchFamily="34" charset="0"/>
                 <a:cs typeface="Segoe UI" panose="020B0502040204020203" pitchFamily="34" charset="0"/>
               </a:rPr>
-              <a:t>Generación de información residual</a:t>
-            </a:r>
-          </a:p>
-          <a:p>
-            <a:pPr>
-              <a:lnSpc>
-                <a:spcPct val="150000"/>
-              </a:lnSpc>
-            </a:pPr>
-            <a:r>
-              <a:rPr lang="es-AR" dirty="0" smtClean="0">
-                <a:latin typeface="Segoe UI" panose="020B0502040204020203" pitchFamily="34" charset="0"/>
-                <a:cs typeface="Segoe UI" panose="020B0502040204020203" pitchFamily="34" charset="0"/>
-              </a:rPr>
               <a:t>Siniestro del soporte físico de la información</a:t>
             </a:r>
             <a:endParaRPr lang="es-AR" dirty="0">
@@ -14301,20 +14169,20 @@
     </p:spTree>
     <p:extLst>
       <p:ext uri="{BB962C8B-B14F-4D97-AF65-F5344CB8AC3E}">
-        <p14:creationId xmlns:p14="http://schemas.microsoft.com/office/powerpoint/2010/main" xmlns="" val="3874537101"/>
+        <p14:creationId xmlns:p14="http://schemas.microsoft.com/office/powerpoint/2010/main" val="3874537101"/>
       </p:ext>
     </p:extLst>
   </p:cSld>
   <p:clrMapOvr>
     <a:masterClrMapping/>
   </p:clrMapOvr>
-  <mc:AlternateContent xmlns:mc="http://schemas.openxmlformats.org/markup-compatibility/2006">
-    <mc:Choice xmlns:p14="http://schemas.microsoft.com/office/powerpoint/2010/main" xmlns="" Requires="p14">
+  <mc:AlternateContent xmlns:mc="http://schemas.openxmlformats.org/markup-compatibility/2006" xmlns:p14="http://schemas.microsoft.com/office/powerpoint/2010/main">
+    <mc:Choice Requires="p14">
       <p:transition spd="med" p14:dur="700">
         <p:fade/>
       </p:transition>
     </mc:Choice>
-    <mc:Fallback>
+    <mc:Fallback xmlns="">
       <p:transition spd="med">
         <p:fade/>
       </p:transition>
@@ -14448,20 +14316,20 @@
     </p:spTree>
     <p:extLst>
       <p:ext uri="{BB962C8B-B14F-4D97-AF65-F5344CB8AC3E}">
-        <p14:creationId xmlns:p14="http://schemas.microsoft.com/office/powerpoint/2010/main" xmlns="" val="1202384585"/>
+        <p14:creationId xmlns:p14="http://schemas.microsoft.com/office/powerpoint/2010/main" val="1202384585"/>
       </p:ext>
     </p:extLst>
   </p:cSld>
   <p:clrMapOvr>
     <a:masterClrMapping/>
   </p:clrMapOvr>
-  <mc:AlternateContent xmlns:mc="http://schemas.openxmlformats.org/markup-compatibility/2006">
-    <mc:Choice xmlns:p14="http://schemas.microsoft.com/office/powerpoint/2010/main" xmlns="" Requires="p14">
+  <mc:AlternateContent xmlns:mc="http://schemas.openxmlformats.org/markup-compatibility/2006" xmlns:p14="http://schemas.microsoft.com/office/powerpoint/2010/main">
+    <mc:Choice Requires="p14">
       <p:transition spd="med" p14:dur="700">
         <p:fade/>
       </p:transition>
     </mc:Choice>
-    <mc:Fallback>
+    <mc:Fallback xmlns="">
       <p:transition spd="med">
         <p:fade/>
       </p:transition>
@@ -14693,20 +14561,20 @@
     </p:spTree>
     <p:extLst>
       <p:ext uri="{BB962C8B-B14F-4D97-AF65-F5344CB8AC3E}">
-        <p14:creationId xmlns:p14="http://schemas.microsoft.com/office/powerpoint/2010/main" xmlns="" val="701687324"/>
+        <p14:creationId xmlns:p14="http://schemas.microsoft.com/office/powerpoint/2010/main" val="701687324"/>
       </p:ext>
     </p:extLst>
   </p:cSld>
   <p:clrMapOvr>
     <a:masterClrMapping/>
   </p:clrMapOvr>
-  <mc:AlternateContent xmlns:mc="http://schemas.openxmlformats.org/markup-compatibility/2006">
-    <mc:Choice xmlns:p14="http://schemas.microsoft.com/office/powerpoint/2010/main" xmlns="" Requires="p14">
+  <mc:AlternateContent xmlns:mc="http://schemas.openxmlformats.org/markup-compatibility/2006" xmlns:p14="http://schemas.microsoft.com/office/powerpoint/2010/main">
+    <mc:Choice Requires="p14">
       <p:transition spd="med" p14:dur="700">
         <p:fade/>
       </p:transition>
     </mc:Choice>
-    <mc:Fallback>
+    <mc:Fallback xmlns="">
       <p:transition spd="med">
         <p:fade/>
       </p:transition>
@@ -14860,20 +14728,20 @@
     </p:spTree>
     <p:extLst>
       <p:ext uri="{BB962C8B-B14F-4D97-AF65-F5344CB8AC3E}">
-        <p14:creationId xmlns:p14="http://schemas.microsoft.com/office/powerpoint/2010/main" xmlns="" val="1445017764"/>
+        <p14:creationId xmlns:p14="http://schemas.microsoft.com/office/powerpoint/2010/main" val="1445017764"/>
       </p:ext>
     </p:extLst>
   </p:cSld>
   <p:clrMapOvr>
     <a:masterClrMapping/>
   </p:clrMapOvr>
-  <mc:AlternateContent xmlns:mc="http://schemas.openxmlformats.org/markup-compatibility/2006">
-    <mc:Choice xmlns:p14="http://schemas.microsoft.com/office/powerpoint/2010/main" xmlns="" Requires="p14">
+  <mc:AlternateContent xmlns:mc="http://schemas.openxmlformats.org/markup-compatibility/2006" xmlns:p14="http://schemas.microsoft.com/office/powerpoint/2010/main">
+    <mc:Choice Requires="p14">
       <p:transition spd="med" p14:dur="700">
         <p:fade/>
       </p:transition>
     </mc:Choice>
-    <mc:Fallback>
+    <mc:Fallback xmlns="">
       <p:transition spd="med">
         <p:fade/>
       </p:transition>
@@ -15054,20 +14922,20 @@
     </p:spTree>
     <p:extLst>
       <p:ext uri="{BB962C8B-B14F-4D97-AF65-F5344CB8AC3E}">
-        <p14:creationId xmlns:p14="http://schemas.microsoft.com/office/powerpoint/2010/main" xmlns="" val="3810472897"/>
+        <p14:creationId xmlns:p14="http://schemas.microsoft.com/office/powerpoint/2010/main" val="3810472897"/>
       </p:ext>
     </p:extLst>
   </p:cSld>
   <p:clrMapOvr>
     <a:masterClrMapping/>
   </p:clrMapOvr>
-  <mc:AlternateContent xmlns:mc="http://schemas.openxmlformats.org/markup-compatibility/2006">
-    <mc:Choice xmlns:p14="http://schemas.microsoft.com/office/powerpoint/2010/main" xmlns="" Requires="p14">
+  <mc:AlternateContent xmlns:mc="http://schemas.openxmlformats.org/markup-compatibility/2006" xmlns:p14="http://schemas.microsoft.com/office/powerpoint/2010/main">
+    <mc:Choice Requires="p14">
       <p:transition spd="med" p14:dur="700">
         <p:fade/>
       </p:transition>
     </mc:Choice>
-    <mc:Fallback>
+    <mc:Fallback xmlns="">
       <p:transition spd="med">
         <p:fade/>
       </p:transition>
@@ -15132,20 +15000,20 @@
     </p:spTree>
     <p:extLst>
       <p:ext uri="{BB962C8B-B14F-4D97-AF65-F5344CB8AC3E}">
-        <p14:creationId xmlns:p14="http://schemas.microsoft.com/office/powerpoint/2010/main" xmlns="" val="1539601608"/>
+        <p14:creationId xmlns:p14="http://schemas.microsoft.com/office/powerpoint/2010/main" val="1539601608"/>
       </p:ext>
     </p:extLst>
   </p:cSld>
   <p:clrMapOvr>
     <a:masterClrMapping/>
   </p:clrMapOvr>
-  <mc:AlternateContent xmlns:mc="http://schemas.openxmlformats.org/markup-compatibility/2006">
-    <mc:Choice xmlns:p14="http://schemas.microsoft.com/office/powerpoint/2010/main" xmlns="" Requires="p14">
+  <mc:AlternateContent xmlns:mc="http://schemas.openxmlformats.org/markup-compatibility/2006" xmlns:p14="http://schemas.microsoft.com/office/powerpoint/2010/main">
+    <mc:Choice Requires="p14">
       <p:transition spd="med" p14:dur="700">
         <p:fade/>
       </p:transition>
     </mc:Choice>
-    <mc:Fallback>
+    <mc:Fallback xmlns="">
       <p:transition spd="med">
         <p:fade/>
       </p:transition>
@@ -15425,20 +15293,20 @@
     </p:spTree>
     <p:extLst>
       <p:ext uri="{BB962C8B-B14F-4D97-AF65-F5344CB8AC3E}">
-        <p14:creationId xmlns:p14="http://schemas.microsoft.com/office/powerpoint/2010/main" xmlns="" val="3323359930"/>
+        <p14:creationId xmlns:p14="http://schemas.microsoft.com/office/powerpoint/2010/main" val="3323359930"/>
       </p:ext>
     </p:extLst>
   </p:cSld>
   <p:clrMapOvr>
     <a:masterClrMapping/>
   </p:clrMapOvr>
-  <mc:AlternateContent xmlns:mc="http://schemas.openxmlformats.org/markup-compatibility/2006">
-    <mc:Choice xmlns:p14="http://schemas.microsoft.com/office/powerpoint/2010/main" xmlns="" Requires="p14">
+  <mc:AlternateContent xmlns:mc="http://schemas.openxmlformats.org/markup-compatibility/2006" xmlns:p14="http://schemas.microsoft.com/office/powerpoint/2010/main">
+    <mc:Choice Requires="p14">
       <p:transition spd="med" p14:dur="700">
         <p:fade/>
       </p:transition>
     </mc:Choice>
-    <mc:Fallback>
+    <mc:Fallback xmlns="">
       <p:transition spd="med">
         <p:fade/>
       </p:transition>
@@ -15584,20 +15452,20 @@
     </p:spTree>
     <p:extLst>
       <p:ext uri="{BB962C8B-B14F-4D97-AF65-F5344CB8AC3E}">
-        <p14:creationId xmlns:p14="http://schemas.microsoft.com/office/powerpoint/2010/main" xmlns="" val="3280227416"/>
+        <p14:creationId xmlns:p14="http://schemas.microsoft.com/office/powerpoint/2010/main" val="3280227416"/>
       </p:ext>
     </p:extLst>
   </p:cSld>
   <p:clrMapOvr>
     <a:masterClrMapping/>
   </p:clrMapOvr>
-  <mc:AlternateContent xmlns:mc="http://schemas.openxmlformats.org/markup-compatibility/2006">
-    <mc:Choice xmlns:p14="http://schemas.microsoft.com/office/powerpoint/2010/main" xmlns="" Requires="p14">
+  <mc:AlternateContent xmlns:mc="http://schemas.openxmlformats.org/markup-compatibility/2006" xmlns:p14="http://schemas.microsoft.com/office/powerpoint/2010/main">
+    <mc:Choice Requires="p14">
       <p:transition spd="med" p14:dur="700">
         <p:fade/>
       </p:transition>
     </mc:Choice>
-    <mc:Fallback>
+    <mc:Fallback xmlns="">
       <p:transition spd="med">
         <p:fade/>
       </p:transition>
@@ -15817,20 +15685,20 @@
     </p:spTree>
     <p:extLst>
       <p:ext uri="{BB962C8B-B14F-4D97-AF65-F5344CB8AC3E}">
-        <p14:creationId xmlns:p14="http://schemas.microsoft.com/office/powerpoint/2010/main" xmlns="" val="3816537714"/>
+        <p14:creationId xmlns:p14="http://schemas.microsoft.com/office/powerpoint/2010/main" val="3816537714"/>
       </p:ext>
     </p:extLst>
   </p:cSld>
   <p:clrMapOvr>
     <a:masterClrMapping/>
   </p:clrMapOvr>
-  <mc:AlternateContent xmlns:mc="http://schemas.openxmlformats.org/markup-compatibility/2006">
-    <mc:Choice xmlns:p14="http://schemas.microsoft.com/office/powerpoint/2010/main" xmlns="" Requires="p14">
+  <mc:AlternateContent xmlns:mc="http://schemas.openxmlformats.org/markup-compatibility/2006" xmlns:p14="http://schemas.microsoft.com/office/powerpoint/2010/main">
+    <mc:Choice Requires="p14">
       <p:transition spd="med" p14:dur="700">
         <p:fade/>
       </p:transition>
     </mc:Choice>
-    <mc:Fallback>
+    <mc:Fallback xmlns="">
       <p:transition spd="med">
         <p:fade/>
       </p:transition>
@@ -16008,20 +15876,20 @@
     </p:spTree>
     <p:extLst>
       <p:ext uri="{BB962C8B-B14F-4D97-AF65-F5344CB8AC3E}">
-        <p14:creationId xmlns:p14="http://schemas.microsoft.com/office/powerpoint/2010/main" xmlns="" val="2896967631"/>
+        <p14:creationId xmlns:p14="http://schemas.microsoft.com/office/powerpoint/2010/main" val="2896967631"/>
       </p:ext>
     </p:extLst>
   </p:cSld>
   <p:clrMapOvr>
     <a:masterClrMapping/>
   </p:clrMapOvr>
-  <mc:AlternateContent xmlns:mc="http://schemas.openxmlformats.org/markup-compatibility/2006">
-    <mc:Choice xmlns:p14="http://schemas.microsoft.com/office/powerpoint/2010/main" xmlns="" Requires="p14">
+  <mc:AlternateContent xmlns:mc="http://schemas.openxmlformats.org/markup-compatibility/2006" xmlns:p14="http://schemas.microsoft.com/office/powerpoint/2010/main">
+    <mc:Choice Requires="p14">
       <p:transition spd="med" p14:dur="700">
         <p:fade/>
       </p:transition>
     </mc:Choice>
-    <mc:Fallback>
+    <mc:Fallback xmlns="">
       <p:transition spd="med">
         <p:fade/>
       </p:transition>
@@ -16287,20 +16155,20 @@
     </p:spTree>
     <p:extLst>
       <p:ext uri="{BB962C8B-B14F-4D97-AF65-F5344CB8AC3E}">
-        <p14:creationId xmlns:p14="http://schemas.microsoft.com/office/powerpoint/2010/main" xmlns="" val="1108506989"/>
+        <p14:creationId xmlns:p14="http://schemas.microsoft.com/office/powerpoint/2010/main" val="1108506989"/>
       </p:ext>
     </p:extLst>
   </p:cSld>
   <p:clrMapOvr>
     <a:masterClrMapping/>
   </p:clrMapOvr>
-  <mc:AlternateContent xmlns:mc="http://schemas.openxmlformats.org/markup-compatibility/2006">
-    <mc:Choice xmlns:p14="http://schemas.microsoft.com/office/powerpoint/2010/main" xmlns="" Requires="p14">
+  <mc:AlternateContent xmlns:mc="http://schemas.openxmlformats.org/markup-compatibility/2006" xmlns:p14="http://schemas.microsoft.com/office/powerpoint/2010/main">
+    <mc:Choice Requires="p14">
       <p:transition spd="med" p14:dur="700">
         <p:fade/>
       </p:transition>
     </mc:Choice>
-    <mc:Fallback>
+    <mc:Fallback xmlns="">
       <p:transition spd="med">
         <p:fade/>
       </p:transition>
@@ -16399,20 +16267,20 @@
     </p:spTree>
     <p:extLst>
       <p:ext uri="{BB962C8B-B14F-4D97-AF65-F5344CB8AC3E}">
-        <p14:creationId xmlns:p14="http://schemas.microsoft.com/office/powerpoint/2010/main" xmlns="" val="1108506989"/>
+        <p14:creationId xmlns:p14="http://schemas.microsoft.com/office/powerpoint/2010/main" val="1108506989"/>
       </p:ext>
     </p:extLst>
   </p:cSld>
   <p:clrMapOvr>
     <a:masterClrMapping/>
   </p:clrMapOvr>
-  <mc:AlternateContent xmlns:mc="http://schemas.openxmlformats.org/markup-compatibility/2006">
-    <mc:Choice xmlns:p14="http://schemas.microsoft.com/office/powerpoint/2010/main" xmlns="" Requires="p14">
+  <mc:AlternateContent xmlns:mc="http://schemas.openxmlformats.org/markup-compatibility/2006" xmlns:p14="http://schemas.microsoft.com/office/powerpoint/2010/main">
+    <mc:Choice Requires="p14">
       <p:transition spd="med" p14:dur="700">
         <p:fade/>
       </p:transition>
     </mc:Choice>
-    <mc:Fallback>
+    <mc:Fallback xmlns="">
       <p:transition spd="med">
         <p:fade/>
       </p:transition>
@@ -16678,7 +16546,7 @@
           <a:blip r:embed="rId2" cstate="print">
             <a:extLst>
               <a:ext uri="{28A0092B-C50C-407E-A947-70E740481C1C}">
-                <a14:useLocalDpi xmlns:a14="http://schemas.microsoft.com/office/drawing/2010/main" xmlns="" val="0"/>
+                <a14:useLocalDpi xmlns:a14="http://schemas.microsoft.com/office/drawing/2010/main" val="0"/>
               </a:ext>
             </a:extLst>
           </a:blip>
@@ -16698,7 +16566,7 @@
           <a:noFill/>
           <a:extLst>
             <a:ext uri="{909E8E84-426E-40DD-AFC4-6F175D3DCCD1}">
-              <a14:hiddenFill xmlns:a14="http://schemas.microsoft.com/office/drawing/2010/main" xmlns="">
+              <a14:hiddenFill xmlns:a14="http://schemas.microsoft.com/office/drawing/2010/main">
                 <a:solidFill>
                   <a:srgbClr val="FFFFFF"/>
                 </a:solidFill>
@@ -16710,20 +16578,20 @@
     </p:spTree>
     <p:extLst>
       <p:ext uri="{BB962C8B-B14F-4D97-AF65-F5344CB8AC3E}">
-        <p14:creationId xmlns:p14="http://schemas.microsoft.com/office/powerpoint/2010/main" xmlns="" val="1350001534"/>
+        <p14:creationId xmlns:p14="http://schemas.microsoft.com/office/powerpoint/2010/main" val="1350001534"/>
       </p:ext>
     </p:extLst>
   </p:cSld>
   <p:clrMapOvr>
     <a:masterClrMapping/>
   </p:clrMapOvr>
-  <mc:AlternateContent xmlns:mc="http://schemas.openxmlformats.org/markup-compatibility/2006">
-    <mc:Choice xmlns:p14="http://schemas.microsoft.com/office/powerpoint/2010/main" xmlns="" Requires="p14">
+  <mc:AlternateContent xmlns:mc="http://schemas.openxmlformats.org/markup-compatibility/2006" xmlns:p14="http://schemas.microsoft.com/office/powerpoint/2010/main">
+    <mc:Choice Requires="p14">
       <p:transition spd="med" p14:dur="700">
         <p:fade/>
       </p:transition>
     </mc:Choice>
-    <mc:Fallback>
+    <mc:Fallback xmlns="">
       <p:transition spd="med">
         <p:fade/>
       </p:transition>
@@ -17103,20 +16971,20 @@
     </p:spTree>
     <p:extLst>
       <p:ext uri="{BB962C8B-B14F-4D97-AF65-F5344CB8AC3E}">
-        <p14:creationId xmlns:p14="http://schemas.microsoft.com/office/powerpoint/2010/main" xmlns="" val="3438441757"/>
+        <p14:creationId xmlns:p14="http://schemas.microsoft.com/office/powerpoint/2010/main" val="3438441757"/>
       </p:ext>
     </p:extLst>
   </p:cSld>
   <p:clrMapOvr>
     <a:masterClrMapping/>
   </p:clrMapOvr>
-  <mc:AlternateContent xmlns:mc="http://schemas.openxmlformats.org/markup-compatibility/2006">
-    <mc:Choice xmlns:p14="http://schemas.microsoft.com/office/powerpoint/2010/main" xmlns="" Requires="p14">
+  <mc:AlternateContent xmlns:mc="http://schemas.openxmlformats.org/markup-compatibility/2006" xmlns:p14="http://schemas.microsoft.com/office/powerpoint/2010/main">
+    <mc:Choice Requires="p14">
       <p:transition spd="med" p14:dur="700">
         <p:fade/>
       </p:transition>
     </mc:Choice>
-    <mc:Fallback>
+    <mc:Fallback xmlns="">
       <p:transition spd="med">
         <p:fade/>
       </p:transition>
@@ -17373,20 +17241,20 @@
     </p:spTree>
     <p:extLst>
       <p:ext uri="{BB962C8B-B14F-4D97-AF65-F5344CB8AC3E}">
-        <p14:creationId xmlns:p14="http://schemas.microsoft.com/office/powerpoint/2010/main" xmlns="" val="3833366108"/>
+        <p14:creationId xmlns:p14="http://schemas.microsoft.com/office/powerpoint/2010/main" val="3833366108"/>
       </p:ext>
     </p:extLst>
   </p:cSld>
   <p:clrMapOvr>
     <a:masterClrMapping/>
   </p:clrMapOvr>
-  <mc:AlternateContent xmlns:mc="http://schemas.openxmlformats.org/markup-compatibility/2006">
-    <mc:Choice xmlns:p14="http://schemas.microsoft.com/office/powerpoint/2010/main" xmlns="" Requires="p14">
+  <mc:AlternateContent xmlns:mc="http://schemas.openxmlformats.org/markup-compatibility/2006" xmlns:p14="http://schemas.microsoft.com/office/powerpoint/2010/main">
+    <mc:Choice Requires="p14">
       <p:transition spd="med" p14:dur="700">
         <p:fade/>
       </p:transition>
     </mc:Choice>
-    <mc:Fallback>
+    <mc:Fallback xmlns="">
       <p:transition spd="med">
         <p:fade/>
       </p:transition>
@@ -17481,7 +17349,7 @@
           <a:blip r:embed="rId2" cstate="print">
             <a:extLst>
               <a:ext uri="{28A0092B-C50C-407E-A947-70E740481C1C}">
-                <a14:useLocalDpi xmlns:a14="http://schemas.microsoft.com/office/drawing/2010/main" xmlns="" val="0"/>
+                <a14:useLocalDpi xmlns:a14="http://schemas.microsoft.com/office/drawing/2010/main" val="0"/>
               </a:ext>
             </a:extLst>
           </a:blip>
@@ -17504,14 +17372,14 @@
           </a:ln>
           <a:extLst>
             <a:ext uri="{909E8E84-426E-40DD-AFC4-6F175D3DCCD1}">
-              <a14:hiddenFill xmlns:a14="http://schemas.microsoft.com/office/drawing/2010/main" xmlns="">
+              <a14:hiddenFill xmlns:a14="http://schemas.microsoft.com/office/drawing/2010/main">
                 <a:solidFill>
                   <a:schemeClr val="accent1"/>
                 </a:solidFill>
               </a14:hiddenFill>
             </a:ext>
             <a:ext uri="{91240B29-F687-4F45-9708-019B960494DF}">
-              <a14:hiddenLine xmlns:a14="http://schemas.microsoft.com/office/drawing/2010/main" xmlns="" w="9525">
+              <a14:hiddenLine xmlns:a14="http://schemas.microsoft.com/office/drawing/2010/main" w="9525">
                 <a:solidFill>
                   <a:schemeClr val="tx1"/>
                 </a:solidFill>
@@ -17526,20 +17394,20 @@
     </p:spTree>
     <p:extLst>
       <p:ext uri="{BB962C8B-B14F-4D97-AF65-F5344CB8AC3E}">
-        <p14:creationId xmlns:p14="http://schemas.microsoft.com/office/powerpoint/2010/main" xmlns="" val="2112418618"/>
+        <p14:creationId xmlns:p14="http://schemas.microsoft.com/office/powerpoint/2010/main" val="2112418618"/>
       </p:ext>
     </p:extLst>
   </p:cSld>
   <p:clrMapOvr>
     <a:masterClrMapping/>
   </p:clrMapOvr>
-  <mc:AlternateContent xmlns:mc="http://schemas.openxmlformats.org/markup-compatibility/2006">
-    <mc:Choice xmlns:p14="http://schemas.microsoft.com/office/powerpoint/2010/main" xmlns="" Requires="p14">
+  <mc:AlternateContent xmlns:mc="http://schemas.openxmlformats.org/markup-compatibility/2006" xmlns:p14="http://schemas.microsoft.com/office/powerpoint/2010/main">
+    <mc:Choice Requires="p14">
       <p:transition spd="med" p14:dur="700">
         <p:fade/>
       </p:transition>
     </mc:Choice>
-    <mc:Fallback>
+    <mc:Fallback xmlns="">
       <p:transition spd="med">
         <p:fade/>
       </p:transition>
@@ -17825,7 +17693,7 @@
           <a:blip r:embed="rId2" cstate="print">
             <a:extLst>
               <a:ext uri="{28A0092B-C50C-407E-A947-70E740481C1C}">
-                <a14:useLocalDpi xmlns:a14="http://schemas.microsoft.com/office/drawing/2010/main" xmlns="" val="0"/>
+                <a14:useLocalDpi xmlns:a14="http://schemas.microsoft.com/office/drawing/2010/main" val="0"/>
               </a:ext>
             </a:extLst>
           </a:blip>
@@ -17848,14 +17716,14 @@
           </a:ln>
           <a:extLst>
             <a:ext uri="{909E8E84-426E-40DD-AFC4-6F175D3DCCD1}">
-              <a14:hiddenFill xmlns:a14="http://schemas.microsoft.com/office/drawing/2010/main" xmlns="">
+              <a14:hiddenFill xmlns:a14="http://schemas.microsoft.com/office/drawing/2010/main">
                 <a:solidFill>
                   <a:schemeClr val="accent1"/>
                 </a:solidFill>
               </a14:hiddenFill>
             </a:ext>
             <a:ext uri="{91240B29-F687-4F45-9708-019B960494DF}">
-              <a14:hiddenLine xmlns:a14="http://schemas.microsoft.com/office/drawing/2010/main" xmlns="" w="9525">
+              <a14:hiddenLine xmlns:a14="http://schemas.microsoft.com/office/drawing/2010/main" w="9525">
                 <a:solidFill>
                   <a:schemeClr val="tx1"/>
                 </a:solidFill>
@@ -17870,20 +17738,20 @@
     </p:spTree>
     <p:extLst>
       <p:ext uri="{BB962C8B-B14F-4D97-AF65-F5344CB8AC3E}">
-        <p14:creationId xmlns:p14="http://schemas.microsoft.com/office/powerpoint/2010/main" xmlns="" val="1393713661"/>
+        <p14:creationId xmlns:p14="http://schemas.microsoft.com/office/powerpoint/2010/main" val="1393713661"/>
       </p:ext>
     </p:extLst>
   </p:cSld>
   <p:clrMapOvr>
     <a:masterClrMapping/>
   </p:clrMapOvr>
-  <mc:AlternateContent xmlns:mc="http://schemas.openxmlformats.org/markup-compatibility/2006">
-    <mc:Choice xmlns:p14="http://schemas.microsoft.com/office/powerpoint/2010/main" xmlns="" Requires="p14">
+  <mc:AlternateContent xmlns:mc="http://schemas.openxmlformats.org/markup-compatibility/2006" xmlns:p14="http://schemas.microsoft.com/office/powerpoint/2010/main">
+    <mc:Choice Requires="p14">
       <p:transition spd="med" p14:dur="700">
         <p:fade/>
       </p:transition>
     </mc:Choice>
-    <mc:Fallback>
+    <mc:Fallback xmlns="">
       <p:transition spd="med">
         <p:fade/>
       </p:transition>

--- a/Presentacion/Fuga de Información.pptx
+++ b/Presentacion/Fuga de Información.pptx
@@ -5,10 +5,10 @@
     <p:sldMasterId id="2147483648" r:id="rId2"/>
   </p:sldMasterIdLst>
   <p:notesMasterIdLst>
-    <p:notesMasterId r:id="rId47"/>
+    <p:notesMasterId r:id="rId48"/>
   </p:notesMasterIdLst>
   <p:handoutMasterIdLst>
-    <p:handoutMasterId r:id="rId48"/>
+    <p:handoutMasterId r:id="rId49"/>
   </p:handoutMasterIdLst>
   <p:sldIdLst>
     <p:sldId id="372" r:id="rId3"/>
@@ -17,49 +17,50 @@
     <p:sldId id="355" r:id="rId6"/>
     <p:sldId id="356" r:id="rId7"/>
     <p:sldId id="357" r:id="rId8"/>
-    <p:sldId id="358" r:id="rId9"/>
-    <p:sldId id="359" r:id="rId10"/>
-    <p:sldId id="360" r:id="rId11"/>
-    <p:sldId id="361" r:id="rId12"/>
-    <p:sldId id="336" r:id="rId13"/>
-    <p:sldId id="337" r:id="rId14"/>
-    <p:sldId id="338" r:id="rId15"/>
-    <p:sldId id="339" r:id="rId16"/>
-    <p:sldId id="340" r:id="rId17"/>
-    <p:sldId id="341" r:id="rId18"/>
-    <p:sldId id="342" r:id="rId19"/>
-    <p:sldId id="343" r:id="rId20"/>
-    <p:sldId id="344" r:id="rId21"/>
-    <p:sldId id="345" r:id="rId22"/>
-    <p:sldId id="346" r:id="rId23"/>
-    <p:sldId id="330" r:id="rId24"/>
-    <p:sldId id="374" r:id="rId25"/>
-    <p:sldId id="334" r:id="rId26"/>
-    <p:sldId id="335" r:id="rId27"/>
-    <p:sldId id="375" r:id="rId28"/>
-    <p:sldId id="347" r:id="rId29"/>
-    <p:sldId id="321" r:id="rId30"/>
-    <p:sldId id="325" r:id="rId31"/>
-    <p:sldId id="369" r:id="rId32"/>
-    <p:sldId id="326" r:id="rId33"/>
-    <p:sldId id="327" r:id="rId34"/>
-    <p:sldId id="363" r:id="rId35"/>
-    <p:sldId id="364" r:id="rId36"/>
-    <p:sldId id="365" r:id="rId37"/>
-    <p:sldId id="366" r:id="rId38"/>
-    <p:sldId id="367" r:id="rId39"/>
-    <p:sldId id="368" r:id="rId40"/>
-    <p:sldId id="362" r:id="rId41"/>
-    <p:sldId id="351" r:id="rId42"/>
-    <p:sldId id="352" r:id="rId43"/>
-    <p:sldId id="353" r:id="rId44"/>
-    <p:sldId id="370" r:id="rId45"/>
-    <p:sldId id="371" r:id="rId46"/>
+    <p:sldId id="376" r:id="rId9"/>
+    <p:sldId id="358" r:id="rId10"/>
+    <p:sldId id="359" r:id="rId11"/>
+    <p:sldId id="360" r:id="rId12"/>
+    <p:sldId id="361" r:id="rId13"/>
+    <p:sldId id="336" r:id="rId14"/>
+    <p:sldId id="337" r:id="rId15"/>
+    <p:sldId id="338" r:id="rId16"/>
+    <p:sldId id="339" r:id="rId17"/>
+    <p:sldId id="340" r:id="rId18"/>
+    <p:sldId id="341" r:id="rId19"/>
+    <p:sldId id="342" r:id="rId20"/>
+    <p:sldId id="343" r:id="rId21"/>
+    <p:sldId id="344" r:id="rId22"/>
+    <p:sldId id="345" r:id="rId23"/>
+    <p:sldId id="346" r:id="rId24"/>
+    <p:sldId id="330" r:id="rId25"/>
+    <p:sldId id="374" r:id="rId26"/>
+    <p:sldId id="334" r:id="rId27"/>
+    <p:sldId id="335" r:id="rId28"/>
+    <p:sldId id="375" r:id="rId29"/>
+    <p:sldId id="347" r:id="rId30"/>
+    <p:sldId id="321" r:id="rId31"/>
+    <p:sldId id="325" r:id="rId32"/>
+    <p:sldId id="369" r:id="rId33"/>
+    <p:sldId id="326" r:id="rId34"/>
+    <p:sldId id="327" r:id="rId35"/>
+    <p:sldId id="363" r:id="rId36"/>
+    <p:sldId id="364" r:id="rId37"/>
+    <p:sldId id="365" r:id="rId38"/>
+    <p:sldId id="366" r:id="rId39"/>
+    <p:sldId id="367" r:id="rId40"/>
+    <p:sldId id="368" r:id="rId41"/>
+    <p:sldId id="362" r:id="rId42"/>
+    <p:sldId id="351" r:id="rId43"/>
+    <p:sldId id="352" r:id="rId44"/>
+    <p:sldId id="353" r:id="rId45"/>
+    <p:sldId id="370" r:id="rId46"/>
+    <p:sldId id="371" r:id="rId47"/>
   </p:sldIdLst>
   <p:sldSz cx="12188825" cy="6858000"/>
   <p:notesSz cx="6858000" cy="9144000"/>
   <p:custDataLst>
-    <p:tags r:id="rId49"/>
+    <p:tags r:id="rId50"/>
   </p:custDataLst>
   <p:defaultTextStyle>
     <a:defPPr>
@@ -1167,7 +1168,7 @@
             <a:fld id="{F93199CD-3E1B-4AE6-990F-76F925F5EA9F}" type="slidenum">
               <a:rPr lang="en-US" smtClean="0"/>
               <a:pPr/>
-              <a:t>33</a:t>
+              <a:t>34</a:t>
             </a:fld>
             <a:endParaRPr lang="en-US"/>
           </a:p>
@@ -1252,7 +1253,7 @@
             <a:fld id="{F93199CD-3E1B-4AE6-990F-76F925F5EA9F}" type="slidenum">
               <a:rPr lang="en-US" smtClean="0"/>
               <a:pPr/>
-              <a:t>34</a:t>
+              <a:t>35</a:t>
             </a:fld>
             <a:endParaRPr lang="en-US"/>
           </a:p>
@@ -1337,7 +1338,7 @@
             <a:fld id="{F93199CD-3E1B-4AE6-990F-76F925F5EA9F}" type="slidenum">
               <a:rPr lang="en-US" smtClean="0"/>
               <a:pPr/>
-              <a:t>35</a:t>
+              <a:t>36</a:t>
             </a:fld>
             <a:endParaRPr lang="en-US"/>
           </a:p>
@@ -1422,7 +1423,7 @@
             <a:fld id="{F93199CD-3E1B-4AE6-990F-76F925F5EA9F}" type="slidenum">
               <a:rPr lang="en-US" smtClean="0"/>
               <a:pPr/>
-              <a:t>36</a:t>
+              <a:t>37</a:t>
             </a:fld>
             <a:endParaRPr lang="en-US"/>
           </a:p>
@@ -1507,7 +1508,7 @@
             <a:fld id="{F93199CD-3E1B-4AE6-990F-76F925F5EA9F}" type="slidenum">
               <a:rPr lang="en-US" smtClean="0"/>
               <a:pPr/>
-              <a:t>37</a:t>
+              <a:t>38</a:t>
             </a:fld>
             <a:endParaRPr lang="en-US"/>
           </a:p>
@@ -1592,7 +1593,7 @@
             <a:fld id="{F93199CD-3E1B-4AE6-990F-76F925F5EA9F}" type="slidenum">
               <a:rPr lang="en-US" smtClean="0"/>
               <a:pPr/>
-              <a:t>38</a:t>
+              <a:t>39</a:t>
             </a:fld>
             <a:endParaRPr lang="en-US"/>
           </a:p>
@@ -1762,7 +1763,7 @@
             <a:fld id="{F93199CD-3E1B-4AE6-990F-76F925F5EA9F}" type="slidenum">
               <a:rPr lang="en-US" smtClean="0"/>
               <a:pPr/>
-              <a:t>22</a:t>
+              <a:t>23</a:t>
             </a:fld>
             <a:endParaRPr lang="en-US"/>
           </a:p>
@@ -1847,7 +1848,7 @@
             <a:fld id="{F93199CD-3E1B-4AE6-990F-76F925F5EA9F}" type="slidenum">
               <a:rPr lang="en-US" smtClean="0"/>
               <a:pPr/>
-              <a:t>23</a:t>
+              <a:t>24</a:t>
             </a:fld>
             <a:endParaRPr lang="en-US"/>
           </a:p>
@@ -2457,7 +2458,7 @@
             <a:fld id="{F93199CD-3E1B-4AE6-990F-76F925F5EA9F}" type="slidenum">
               <a:rPr lang="en-US" smtClean="0"/>
               <a:pPr/>
-              <a:t>28</a:t>
+              <a:t>29</a:t>
             </a:fld>
             <a:endParaRPr lang="en-US"/>
           </a:p>
@@ -2720,7 +2721,7 @@
             <a:fld id="{F93199CD-3E1B-4AE6-990F-76F925F5EA9F}" type="slidenum">
               <a:rPr lang="en-US" smtClean="0"/>
               <a:pPr/>
-              <a:t>29</a:t>
+              <a:t>30</a:t>
             </a:fld>
             <a:endParaRPr lang="en-US"/>
           </a:p>
@@ -2989,7 +2990,7 @@
             <a:fld id="{F93199CD-3E1B-4AE6-990F-76F925F5EA9F}" type="slidenum">
               <a:rPr lang="en-US" smtClean="0"/>
               <a:pPr/>
-              <a:t>30</a:t>
+              <a:t>31</a:t>
             </a:fld>
             <a:endParaRPr lang="en-US"/>
           </a:p>
@@ -3578,7 +3579,7 @@
             <a:fld id="{F93199CD-3E1B-4AE6-990F-76F925F5EA9F}" type="slidenum">
               <a:rPr lang="en-US" smtClean="0"/>
               <a:pPr/>
-              <a:t>31</a:t>
+              <a:t>32</a:t>
             </a:fld>
             <a:endParaRPr lang="en-US"/>
           </a:p>
@@ -4251,7 +4252,7 @@
             <a:fld id="{F93199CD-3E1B-4AE6-990F-76F925F5EA9F}" type="slidenum">
               <a:rPr lang="en-US" smtClean="0"/>
               <a:pPr/>
-              <a:t>32</a:t>
+              <a:t>33</a:t>
             </a:fld>
             <a:endParaRPr lang="en-US"/>
           </a:p>
@@ -7912,7 +7913,7 @@
                 <a:latin typeface="Segoe UI" panose="020B0502040204020203" pitchFamily="34" charset="0"/>
                 <a:cs typeface="Segoe UI" panose="020B0502040204020203" pitchFamily="34" charset="0"/>
               </a:rPr>
-              <a:t>Tipos de controles para mitigar </a:t>
+              <a:t>Riesgos </a:t>
             </a:r>
             <a:r>
               <a:rPr lang="es-AR" dirty="0" smtClean="0">
@@ -7922,7 +7923,7 @@
                 <a:latin typeface="Segoe UI" panose="020B0502040204020203" pitchFamily="34" charset="0"/>
                 <a:cs typeface="Segoe UI" panose="020B0502040204020203" pitchFamily="34" charset="0"/>
               </a:rPr>
-              <a:t>riesgos</a:t>
+              <a:t>existentes</a:t>
             </a:r>
             <a:endParaRPr lang="es-AR" b="1" dirty="0">
               <a:solidFill>
@@ -7941,7 +7942,7 @@
         <p:spPr>
           <a:xfrm>
             <a:off x="909836" y="1318022"/>
-            <a:ext cx="10297144" cy="3416320"/>
+            <a:ext cx="7848872" cy="5262979"/>
           </a:xfrm>
           <a:prstGeom prst="rect">
             <a:avLst/>
@@ -7959,96 +7960,159 @@
                 <a:latin typeface="Segoe UI" panose="020B0502040204020203" pitchFamily="34" charset="0"/>
                 <a:cs typeface="Segoe UI" panose="020B0502040204020203" pitchFamily="34" charset="0"/>
               </a:rPr>
-              <a:t>Existen distintos tipos de controles, a saber:</a:t>
-            </a:r>
-          </a:p>
-          <a:p>
-            <a:r>
-              <a:rPr lang="es-AR" sz="2400" dirty="0">
-                <a:latin typeface="Segoe UI" panose="020B0502040204020203" pitchFamily="34" charset="0"/>
-                <a:cs typeface="Segoe UI" panose="020B0502040204020203" pitchFamily="34" charset="0"/>
-              </a:rPr>
-              <a:t> </a:t>
-            </a:r>
-          </a:p>
-          <a:p>
-            <a:pPr marL="342900" lvl="0" indent="-342900">
-              <a:buFont typeface="Arial" panose="020B0604020202020204" pitchFamily="34" charset="0"/>
-              <a:buChar char="•"/>
-            </a:pPr>
-            <a:r>
-              <a:rPr lang="es-AR" sz="2400" b="1" dirty="0">
-                <a:latin typeface="Segoe UI" panose="020B0502040204020203" pitchFamily="34" charset="0"/>
-                <a:cs typeface="Segoe UI" panose="020B0502040204020203" pitchFamily="34" charset="0"/>
-              </a:rPr>
-              <a:t>Preventivos</a:t>
-            </a:r>
-            <a:r>
-              <a:rPr lang="es-AR" sz="2400" dirty="0">
-                <a:latin typeface="Segoe UI" panose="020B0502040204020203" pitchFamily="34" charset="0"/>
-                <a:cs typeface="Segoe UI" panose="020B0502040204020203" pitchFamily="34" charset="0"/>
-              </a:rPr>
-              <a:t>: identifican el riesgo antes de que se produzca. </a:t>
-            </a:r>
-            <a:endParaRPr lang="es-AR" sz="2400" dirty="0" smtClean="0">
+              <a:t>Tiene su origen en el continuo incremento de herramientas y aplicaciones tecnológicas que no cuentan con una gestión adecuada de seguridad</a:t>
+            </a:r>
+          </a:p>
+          <a:p>
+            <a:endParaRPr lang="es-AR" sz="2400" dirty="0">
               <a:latin typeface="Segoe UI" panose="020B0502040204020203" pitchFamily="34" charset="0"/>
               <a:cs typeface="Segoe UI" panose="020B0502040204020203" pitchFamily="34" charset="0"/>
             </a:endParaRPr>
           </a:p>
           <a:p>
-            <a:pPr lvl="0"/>
-            <a:endParaRPr lang="es-AR" sz="2400" dirty="0" smtClean="0">
+            <a:r>
+              <a:rPr lang="es-AR" sz="2400" dirty="0" smtClean="0">
+                <a:latin typeface="Segoe UI" panose="020B0502040204020203" pitchFamily="34" charset="0"/>
+                <a:cs typeface="Segoe UI" panose="020B0502040204020203" pitchFamily="34" charset="0"/>
+              </a:rPr>
+              <a:t>El </a:t>
+            </a:r>
+            <a:r>
+              <a:rPr lang="es-AR" sz="2400" dirty="0">
+                <a:latin typeface="Segoe UI" panose="020B0502040204020203" pitchFamily="34" charset="0"/>
+                <a:cs typeface="Segoe UI" panose="020B0502040204020203" pitchFamily="34" charset="0"/>
+              </a:rPr>
+              <a:t>riesgo tecnológico puede verse desde tres aspectos:</a:t>
+            </a:r>
+          </a:p>
+          <a:p>
+            <a:r>
+              <a:rPr lang="es-AR" sz="2400" dirty="0">
+                <a:latin typeface="Segoe UI" panose="020B0502040204020203" pitchFamily="34" charset="0"/>
+                <a:cs typeface="Segoe UI" panose="020B0502040204020203" pitchFamily="34" charset="0"/>
+              </a:rPr>
+              <a:t> </a:t>
+            </a:r>
+          </a:p>
+          <a:p>
+            <a:pPr marL="457200" lvl="0" indent="-457200">
+              <a:buFont typeface="+mj-lt"/>
+              <a:buAutoNum type="arabicPeriod"/>
+            </a:pPr>
+            <a:r>
+              <a:rPr lang="es-AR" sz="2400" dirty="0">
+                <a:latin typeface="Segoe UI" panose="020B0502040204020203" pitchFamily="34" charset="0"/>
+                <a:cs typeface="Segoe UI" panose="020B0502040204020203" pitchFamily="34" charset="0"/>
+              </a:rPr>
+              <a:t>A nivel de la </a:t>
+            </a:r>
+            <a:r>
+              <a:rPr lang="es-AR" sz="2400" b="1" dirty="0">
+                <a:latin typeface="Segoe UI" panose="020B0502040204020203" pitchFamily="34" charset="0"/>
+                <a:cs typeface="Segoe UI" panose="020B0502040204020203" pitchFamily="34" charset="0"/>
+              </a:rPr>
+              <a:t>infraestructura tecnológica </a:t>
+            </a:r>
+            <a:r>
+              <a:rPr lang="es-AR" sz="2400" dirty="0">
+                <a:latin typeface="Segoe UI" panose="020B0502040204020203" pitchFamily="34" charset="0"/>
+                <a:cs typeface="Segoe UI" panose="020B0502040204020203" pitchFamily="34" charset="0"/>
+              </a:rPr>
+              <a:t>(hardware o nivel físico</a:t>
+            </a:r>
+            <a:r>
+              <a:rPr lang="es-AR" sz="2400" dirty="0" smtClean="0">
+                <a:latin typeface="Segoe UI" panose="020B0502040204020203" pitchFamily="34" charset="0"/>
+                <a:cs typeface="Segoe UI" panose="020B0502040204020203" pitchFamily="34" charset="0"/>
+              </a:rPr>
+              <a:t>)</a:t>
+            </a:r>
+            <a:endParaRPr lang="es-AR" sz="2400" dirty="0">
               <a:latin typeface="Segoe UI" panose="020B0502040204020203" pitchFamily="34" charset="0"/>
               <a:cs typeface="Segoe UI" panose="020B0502040204020203" pitchFamily="34" charset="0"/>
             </a:endParaRPr>
           </a:p>
           <a:p>
-            <a:pPr marL="342900" lvl="0" indent="-342900">
-              <a:buFont typeface="Arial" panose="020B0604020202020204" pitchFamily="34" charset="0"/>
-              <a:buChar char="•"/>
+            <a:pPr marL="457200" lvl="0" indent="-457200">
+              <a:buFont typeface="+mj-lt"/>
+              <a:buAutoNum type="arabicPeriod"/>
             </a:pPr>
             <a:r>
-              <a:rPr lang="es-AR" sz="2400" b="1" dirty="0" err="1" smtClean="0">
-                <a:latin typeface="Segoe UI" panose="020B0502040204020203" pitchFamily="34" charset="0"/>
-                <a:cs typeface="Segoe UI" panose="020B0502040204020203" pitchFamily="34" charset="0"/>
-              </a:rPr>
-              <a:t>Detectivos</a:t>
-            </a:r>
-            <a:r>
               <a:rPr lang="es-AR" sz="2400" dirty="0">
                 <a:latin typeface="Segoe UI" panose="020B0502040204020203" pitchFamily="34" charset="0"/>
                 <a:cs typeface="Segoe UI" panose="020B0502040204020203" pitchFamily="34" charset="0"/>
               </a:rPr>
-              <a:t>: se utilizan para detectar riesgos luego de que </a:t>
+              <a:t>A nivel </a:t>
+            </a:r>
+            <a:r>
+              <a:rPr lang="es-AR" sz="2400" b="1" dirty="0">
+                <a:latin typeface="Segoe UI" panose="020B0502040204020203" pitchFamily="34" charset="0"/>
+                <a:cs typeface="Segoe UI" panose="020B0502040204020203" pitchFamily="34" charset="0"/>
+              </a:rPr>
+              <a:t>lógico</a:t>
+            </a:r>
+            <a:r>
+              <a:rPr lang="es-AR" sz="2400" dirty="0">
+                <a:latin typeface="Segoe UI" panose="020B0502040204020203" pitchFamily="34" charset="0"/>
+                <a:cs typeface="Segoe UI" panose="020B0502040204020203" pitchFamily="34" charset="0"/>
+              </a:rPr>
+              <a:t> (riesgos asociados a software, sistemas de información e información) </a:t>
+            </a:r>
+          </a:p>
+          <a:p>
+            <a:pPr marL="457200" lvl="0" indent="-457200">
+              <a:buFont typeface="+mj-lt"/>
+              <a:buAutoNum type="arabicPeriod"/>
+            </a:pPr>
+            <a:r>
+              <a:rPr lang="es-AR" sz="2400" dirty="0">
+                <a:latin typeface="Segoe UI" panose="020B0502040204020203" pitchFamily="34" charset="0"/>
+                <a:cs typeface="Segoe UI" panose="020B0502040204020203" pitchFamily="34" charset="0"/>
+              </a:rPr>
+              <a:t>Riesgos derivados del </a:t>
+            </a:r>
+            <a:r>
+              <a:rPr lang="es-AR" sz="2400" b="1" dirty="0">
+                <a:latin typeface="Segoe UI" panose="020B0502040204020203" pitchFamily="34" charset="0"/>
+                <a:cs typeface="Segoe UI" panose="020B0502040204020203" pitchFamily="34" charset="0"/>
+              </a:rPr>
+              <a:t>mal uso </a:t>
+            </a:r>
+            <a:r>
+              <a:rPr lang="es-AR" sz="2400" dirty="0">
+                <a:latin typeface="Segoe UI" panose="020B0502040204020203" pitchFamily="34" charset="0"/>
+                <a:cs typeface="Segoe UI" panose="020B0502040204020203" pitchFamily="34" charset="0"/>
+              </a:rPr>
+              <a:t>de los anteriores </a:t>
             </a:r>
             <a:r>
               <a:rPr lang="es-AR" sz="2400" dirty="0" smtClean="0">
                 <a:latin typeface="Segoe UI" panose="020B0502040204020203" pitchFamily="34" charset="0"/>
                 <a:cs typeface="Segoe UI" panose="020B0502040204020203" pitchFamily="34" charset="0"/>
               </a:rPr>
-              <a:t>se</a:t>
-            </a:r>
-          </a:p>
-          <a:p>
-            <a:pPr lvl="0"/>
+              <a:t>factores</a:t>
+            </a:r>
+            <a:r>
+              <a:rPr lang="es-AR" sz="2400" dirty="0">
+                <a:latin typeface="Segoe UI" panose="020B0502040204020203" pitchFamily="34" charset="0"/>
+                <a:cs typeface="Segoe UI" panose="020B0502040204020203" pitchFamily="34" charset="0"/>
+              </a:rPr>
+              <a:t>, que corresponde al factor humano </a:t>
+            </a:r>
             <a:r>
               <a:rPr lang="es-AR" sz="2400" dirty="0" smtClean="0">
                 <a:latin typeface="Segoe UI" panose="020B0502040204020203" pitchFamily="34" charset="0"/>
                 <a:cs typeface="Segoe UI" panose="020B0502040204020203" pitchFamily="34" charset="0"/>
               </a:rPr>
-              <a:t> </a:t>
+              <a:t>como </a:t>
             </a:r>
             <a:r>
               <a:rPr lang="es-AR" sz="2400" dirty="0">
                 <a:latin typeface="Segoe UI" panose="020B0502040204020203" pitchFamily="34" charset="0"/>
                 <a:cs typeface="Segoe UI" panose="020B0502040204020203" pitchFamily="34" charset="0"/>
               </a:rPr>
-              <a:t>materializan. </a:t>
-            </a:r>
-            <a:endParaRPr lang="es-AR" sz="2400" dirty="0" smtClean="0">
-              <a:latin typeface="Segoe UI" panose="020B0502040204020203" pitchFamily="34" charset="0"/>
-              <a:cs typeface="Segoe UI" panose="020B0502040204020203" pitchFamily="34" charset="0"/>
-            </a:endParaRPr>
+              <a:t>un tercer nivel.</a:t>
+            </a:r>
           </a:p>
           <a:p>
             <a:pPr lvl="0"/>
@@ -8057,46 +8121,66 @@
               <a:cs typeface="Segoe UI" panose="020B0502040204020203" pitchFamily="34" charset="0"/>
             </a:endParaRPr>
           </a:p>
-          <a:p>
-            <a:pPr marL="342900" lvl="0" indent="-342900">
-              <a:buFont typeface="Arial" panose="020B0604020202020204" pitchFamily="34" charset="0"/>
-              <a:buChar char="•"/>
-            </a:pPr>
-            <a:r>
-              <a:rPr lang="es-AR" sz="2400" b="1" dirty="0">
-                <a:latin typeface="Segoe UI" panose="020B0502040204020203" pitchFamily="34" charset="0"/>
-                <a:cs typeface="Segoe UI" panose="020B0502040204020203" pitchFamily="34" charset="0"/>
-              </a:rPr>
-              <a:t>Correctivos</a:t>
-            </a:r>
-            <a:r>
-              <a:rPr lang="es-AR" sz="2400" dirty="0">
-                <a:latin typeface="Segoe UI" panose="020B0502040204020203" pitchFamily="34" charset="0"/>
-                <a:cs typeface="Segoe UI" panose="020B0502040204020203" pitchFamily="34" charset="0"/>
-              </a:rPr>
-              <a:t>: ayudan a </a:t>
-            </a:r>
-            <a:r>
-              <a:rPr lang="es-AR" sz="2400" dirty="0" smtClean="0">
-                <a:latin typeface="Segoe UI" panose="020B0502040204020203" pitchFamily="34" charset="0"/>
-                <a:cs typeface="Segoe UI" panose="020B0502040204020203" pitchFamily="34" charset="0"/>
-              </a:rPr>
-              <a:t>la investigación y </a:t>
-            </a:r>
-            <a:r>
-              <a:rPr lang="es-AR" sz="2400" dirty="0">
-                <a:latin typeface="Segoe UI" panose="020B0502040204020203" pitchFamily="34" charset="0"/>
-                <a:cs typeface="Segoe UI" panose="020B0502040204020203" pitchFamily="34" charset="0"/>
-              </a:rPr>
-              <a:t>corrección de las causas del riesgo. </a:t>
-            </a:r>
-          </a:p>
-        </p:txBody>
-      </p:sp>
+        </p:txBody>
+      </p:sp>
+      <p:pic>
+        <p:nvPicPr>
+          <p:cNvPr id="3074" name="Picture 2"/>
+          <p:cNvPicPr>
+            <a:picLocks noChangeAspect="1" noChangeArrowheads="1"/>
+          </p:cNvPicPr>
+          <p:nvPr/>
+        </p:nvPicPr>
+        <p:blipFill>
+          <a:blip r:embed="rId2" cstate="print">
+            <a:extLst>
+              <a:ext uri="{28A0092B-C50C-407E-A947-70E740481C1C}">
+                <a14:useLocalDpi xmlns:a14="http://schemas.microsoft.com/office/drawing/2010/main" val="0"/>
+              </a:ext>
+            </a:extLst>
+          </a:blip>
+          <a:srcRect/>
+          <a:stretch>
+            <a:fillRect/>
+          </a:stretch>
+        </p:blipFill>
+        <p:spPr bwMode="auto">
+          <a:xfrm>
+            <a:off x="8750463" y="4077072"/>
+            <a:ext cx="3117824" cy="2412395"/>
+          </a:xfrm>
+          <a:prstGeom prst="rect">
+            <a:avLst/>
+          </a:prstGeom>
+          <a:noFill/>
+          <a:ln>
+            <a:noFill/>
+          </a:ln>
+          <a:extLst>
+            <a:ext uri="{909E8E84-426E-40DD-AFC4-6F175D3DCCD1}">
+              <a14:hiddenFill xmlns:a14="http://schemas.microsoft.com/office/drawing/2010/main">
+                <a:solidFill>
+                  <a:schemeClr val="accent1"/>
+                </a:solidFill>
+              </a14:hiddenFill>
+            </a:ext>
+            <a:ext uri="{91240B29-F687-4F45-9708-019B960494DF}">
+              <a14:hiddenLine xmlns:a14="http://schemas.microsoft.com/office/drawing/2010/main" w="9525">
+                <a:solidFill>
+                  <a:schemeClr val="tx1"/>
+                </a:solidFill>
+                <a:miter lim="800000"/>
+                <a:headEnd/>
+                <a:tailEnd/>
+              </a14:hiddenLine>
+            </a:ext>
+          </a:extLst>
+        </p:spPr>
+      </p:pic>
     </p:spTree>
     <p:extLst>
       <p:ext uri="{BB962C8B-B14F-4D97-AF65-F5344CB8AC3E}">
-        <p14:creationId xmlns:p14="http://schemas.microsoft.com/office/powerpoint/2010/main" val="4207303638"/>
+        <p14:creationId xmlns:p14="http://schemas.microsoft.com/office/powerpoint/2010/main" val="1393713661"/>
       </p:ext>
     </p:extLst>
   </p:cSld>
@@ -8144,7 +8228,7 @@
       </p:grpSpPr>
       <p:sp>
         <p:nvSpPr>
-          <p:cNvPr id="2" name="Title 1"/>
+          <p:cNvPr id="2" name="1 Título"/>
           <p:cNvSpPr>
             <a:spLocks noGrp="1"/>
           </p:cNvSpPr>
@@ -8152,58 +8236,212 @@
             <p:ph type="title"/>
           </p:nvPr>
         </p:nvSpPr>
-        <p:spPr/>
-        <p:txBody>
-          <a:bodyPr/>
+        <p:spPr>
+          <a:xfrm>
+            <a:off x="1341884" y="332656"/>
+            <a:ext cx="9972599" cy="743744"/>
+          </a:xfrm>
+        </p:spPr>
+        <p:txBody>
+          <a:bodyPr>
+            <a:normAutofit/>
+          </a:bodyPr>
           <a:lstStyle/>
           <a:p>
-            <a:r>
-              <a:rPr lang="es-AR" b="1" i="1" dirty="0" smtClean="0">
-                <a:latin typeface="Segoe UI" panose="020B0502040204020203" pitchFamily="34" charset="0"/>
-                <a:cs typeface="Segoe UI" panose="020B0502040204020203" pitchFamily="34" charset="0"/>
-              </a:rPr>
-              <a:t>Siglo XIX</a:t>
-            </a:r>
-            <a:endParaRPr lang="es-AR" b="1" i="1" dirty="0">
+            <a:pPr algn="ctr"/>
+            <a:r>
+              <a:rPr lang="es-AR" dirty="0">
+                <a:solidFill>
+                  <a:schemeClr val="accent1"/>
+                </a:solidFill>
+                <a:latin typeface="Segoe UI" panose="020B0502040204020203" pitchFamily="34" charset="0"/>
+                <a:cs typeface="Segoe UI" panose="020B0502040204020203" pitchFamily="34" charset="0"/>
+              </a:rPr>
+              <a:t>Tipos de controles para mitigar </a:t>
+            </a:r>
+            <a:r>
+              <a:rPr lang="es-AR" dirty="0" smtClean="0">
+                <a:solidFill>
+                  <a:schemeClr val="accent1"/>
+                </a:solidFill>
+                <a:latin typeface="Segoe UI" panose="020B0502040204020203" pitchFamily="34" charset="0"/>
+                <a:cs typeface="Segoe UI" panose="020B0502040204020203" pitchFamily="34" charset="0"/>
+              </a:rPr>
+              <a:t>riesgos</a:t>
+            </a:r>
+            <a:endParaRPr lang="es-AR" b="1" dirty="0">
+              <a:solidFill>
+                <a:schemeClr val="accent1"/>
+              </a:solidFill>
+            </a:endParaRPr>
+          </a:p>
+        </p:txBody>
+      </p:sp>
+      <p:sp>
+        <p:nvSpPr>
+          <p:cNvPr id="4" name="3 CuadroTexto"/>
+          <p:cNvSpPr txBox="1"/>
+          <p:nvPr/>
+        </p:nvSpPr>
+        <p:spPr>
+          <a:xfrm>
+            <a:off x="909836" y="1318022"/>
+            <a:ext cx="10297144" cy="3416320"/>
+          </a:xfrm>
+          <a:prstGeom prst="rect">
+            <a:avLst/>
+          </a:prstGeom>
+          <a:noFill/>
+        </p:spPr>
+        <p:txBody>
+          <a:bodyPr wrap="square" rtlCol="0">
+            <a:spAutoFit/>
+          </a:bodyPr>
+          <a:lstStyle/>
+          <a:p>
+            <a:r>
+              <a:rPr lang="es-AR" sz="2400" dirty="0">
+                <a:latin typeface="Segoe UI" panose="020B0502040204020203" pitchFamily="34" charset="0"/>
+                <a:cs typeface="Segoe UI" panose="020B0502040204020203" pitchFamily="34" charset="0"/>
+              </a:rPr>
+              <a:t>Existen distintos tipos de controles, a saber:</a:t>
+            </a:r>
+          </a:p>
+          <a:p>
+            <a:r>
+              <a:rPr lang="es-AR" sz="2400" dirty="0">
+                <a:latin typeface="Segoe UI" panose="020B0502040204020203" pitchFamily="34" charset="0"/>
+                <a:cs typeface="Segoe UI" panose="020B0502040204020203" pitchFamily="34" charset="0"/>
+              </a:rPr>
+              <a:t> </a:t>
+            </a:r>
+          </a:p>
+          <a:p>
+            <a:pPr marL="342900" lvl="0" indent="-342900">
+              <a:buFont typeface="Arial" panose="020B0604020202020204" pitchFamily="34" charset="0"/>
+              <a:buChar char="•"/>
+            </a:pPr>
+            <a:r>
+              <a:rPr lang="es-AR" sz="2400" b="1" dirty="0">
+                <a:latin typeface="Segoe UI" panose="020B0502040204020203" pitchFamily="34" charset="0"/>
+                <a:cs typeface="Segoe UI" panose="020B0502040204020203" pitchFamily="34" charset="0"/>
+              </a:rPr>
+              <a:t>Preventivos</a:t>
+            </a:r>
+            <a:r>
+              <a:rPr lang="es-AR" sz="2400" dirty="0">
+                <a:latin typeface="Segoe UI" panose="020B0502040204020203" pitchFamily="34" charset="0"/>
+                <a:cs typeface="Segoe UI" panose="020B0502040204020203" pitchFamily="34" charset="0"/>
+              </a:rPr>
+              <a:t>: identifican el riesgo antes de que se produzca. </a:t>
+            </a:r>
+            <a:endParaRPr lang="es-AR" sz="2400" dirty="0" smtClean="0">
               <a:latin typeface="Segoe UI" panose="020B0502040204020203" pitchFamily="34" charset="0"/>
               <a:cs typeface="Segoe UI" panose="020B0502040204020203" pitchFamily="34" charset="0"/>
             </a:endParaRPr>
           </a:p>
-        </p:txBody>
-      </p:sp>
-      <p:sp>
-        <p:nvSpPr>
-          <p:cNvPr id="3" name="Text Placeholder 2"/>
-          <p:cNvSpPr>
-            <a:spLocks noGrp="1"/>
-          </p:cNvSpPr>
-          <p:nvPr>
-            <p:ph type="body" idx="1"/>
-          </p:nvPr>
-        </p:nvSpPr>
-        <p:spPr/>
-        <p:txBody>
-          <a:bodyPr/>
-          <a:lstStyle/>
-          <a:p>
-            <a:r>
-              <a:rPr lang="es-AR" dirty="0" smtClean="0">
-                <a:latin typeface="Segoe UI" panose="020B0502040204020203" pitchFamily="34" charset="0"/>
-                <a:cs typeface="Segoe UI" panose="020B0502040204020203" pitchFamily="34" charset="0"/>
-              </a:rPr>
-              <a:t>La información entre mosquetes y bayonetas</a:t>
-            </a:r>
-            <a:endParaRPr lang="es-AR" dirty="0">
+          <a:p>
+            <a:pPr lvl="0"/>
+            <a:endParaRPr lang="es-AR" sz="2400" dirty="0" smtClean="0">
               <a:latin typeface="Segoe UI" panose="020B0502040204020203" pitchFamily="34" charset="0"/>
               <a:cs typeface="Segoe UI" panose="020B0502040204020203" pitchFamily="34" charset="0"/>
             </a:endParaRPr>
           </a:p>
+          <a:p>
+            <a:pPr marL="342900" lvl="0" indent="-342900">
+              <a:buFont typeface="Arial" panose="020B0604020202020204" pitchFamily="34" charset="0"/>
+              <a:buChar char="•"/>
+            </a:pPr>
+            <a:r>
+              <a:rPr lang="es-AR" sz="2400" b="1" dirty="0" err="1" smtClean="0">
+                <a:latin typeface="Segoe UI" panose="020B0502040204020203" pitchFamily="34" charset="0"/>
+                <a:cs typeface="Segoe UI" panose="020B0502040204020203" pitchFamily="34" charset="0"/>
+              </a:rPr>
+              <a:t>Detectivos</a:t>
+            </a:r>
+            <a:r>
+              <a:rPr lang="es-AR" sz="2400" dirty="0">
+                <a:latin typeface="Segoe UI" panose="020B0502040204020203" pitchFamily="34" charset="0"/>
+                <a:cs typeface="Segoe UI" panose="020B0502040204020203" pitchFamily="34" charset="0"/>
+              </a:rPr>
+              <a:t>: se utilizan para detectar riesgos luego de que </a:t>
+            </a:r>
+            <a:r>
+              <a:rPr lang="es-AR" sz="2400" dirty="0" smtClean="0">
+                <a:latin typeface="Segoe UI" panose="020B0502040204020203" pitchFamily="34" charset="0"/>
+                <a:cs typeface="Segoe UI" panose="020B0502040204020203" pitchFamily="34" charset="0"/>
+              </a:rPr>
+              <a:t>se</a:t>
+            </a:r>
+          </a:p>
+          <a:p>
+            <a:pPr lvl="0"/>
+            <a:r>
+              <a:rPr lang="es-AR" sz="2400" dirty="0" smtClean="0">
+                <a:latin typeface="Segoe UI" panose="020B0502040204020203" pitchFamily="34" charset="0"/>
+                <a:cs typeface="Segoe UI" panose="020B0502040204020203" pitchFamily="34" charset="0"/>
+              </a:rPr>
+              <a:t> </a:t>
+            </a:r>
+            <a:r>
+              <a:rPr lang="es-AR" sz="2400" dirty="0">
+                <a:latin typeface="Segoe UI" panose="020B0502040204020203" pitchFamily="34" charset="0"/>
+                <a:cs typeface="Segoe UI" panose="020B0502040204020203" pitchFamily="34" charset="0"/>
+              </a:rPr>
+              <a:t>materializan. </a:t>
+            </a:r>
+            <a:endParaRPr lang="es-AR" sz="2400" dirty="0" smtClean="0">
+              <a:latin typeface="Segoe UI" panose="020B0502040204020203" pitchFamily="34" charset="0"/>
+              <a:cs typeface="Segoe UI" panose="020B0502040204020203" pitchFamily="34" charset="0"/>
+            </a:endParaRPr>
+          </a:p>
+          <a:p>
+            <a:pPr lvl="0"/>
+            <a:endParaRPr lang="es-AR" sz="2400" dirty="0">
+              <a:latin typeface="Segoe UI" panose="020B0502040204020203" pitchFamily="34" charset="0"/>
+              <a:cs typeface="Segoe UI" panose="020B0502040204020203" pitchFamily="34" charset="0"/>
+            </a:endParaRPr>
+          </a:p>
+          <a:p>
+            <a:pPr marL="342900" lvl="0" indent="-342900">
+              <a:buFont typeface="Arial" panose="020B0604020202020204" pitchFamily="34" charset="0"/>
+              <a:buChar char="•"/>
+            </a:pPr>
+            <a:r>
+              <a:rPr lang="es-AR" sz="2400" b="1" dirty="0">
+                <a:latin typeface="Segoe UI" panose="020B0502040204020203" pitchFamily="34" charset="0"/>
+                <a:cs typeface="Segoe UI" panose="020B0502040204020203" pitchFamily="34" charset="0"/>
+              </a:rPr>
+              <a:t>Correctivos</a:t>
+            </a:r>
+            <a:r>
+              <a:rPr lang="es-AR" sz="2400" dirty="0">
+                <a:latin typeface="Segoe UI" panose="020B0502040204020203" pitchFamily="34" charset="0"/>
+                <a:cs typeface="Segoe UI" panose="020B0502040204020203" pitchFamily="34" charset="0"/>
+              </a:rPr>
+              <a:t>: ayudan a </a:t>
+            </a:r>
+            <a:r>
+              <a:rPr lang="es-AR" sz="2400" dirty="0" smtClean="0">
+                <a:latin typeface="Segoe UI" panose="020B0502040204020203" pitchFamily="34" charset="0"/>
+                <a:cs typeface="Segoe UI" panose="020B0502040204020203" pitchFamily="34" charset="0"/>
+              </a:rPr>
+              <a:t>la investigación y </a:t>
+            </a:r>
+            <a:r>
+              <a:rPr lang="es-AR" sz="2400" dirty="0">
+                <a:latin typeface="Segoe UI" panose="020B0502040204020203" pitchFamily="34" charset="0"/>
+                <a:cs typeface="Segoe UI" panose="020B0502040204020203" pitchFamily="34" charset="0"/>
+              </a:rPr>
+              <a:t>corrección de las causas del riesgo. </a:t>
+            </a:r>
+          </a:p>
         </p:txBody>
       </p:sp>
     </p:spTree>
     <p:extLst>
       <p:ext uri="{BB962C8B-B14F-4D97-AF65-F5344CB8AC3E}">
-        <p14:creationId xmlns:p14="http://schemas.microsoft.com/office/powerpoint/2010/main" val="3772183175"/>
+        <p14:creationId xmlns:p14="http://schemas.microsoft.com/office/powerpoint/2010/main" val="4207303638"/>
       </p:ext>
     </p:extLst>
   </p:cSld>
@@ -8265,35 +8503,13 @@
           <a:lstStyle/>
           <a:p>
             <a:r>
-              <a:rPr lang="es-AR" spc="0" dirty="0" smtClean="0">
-                <a:ln w="0"/>
-                <a:solidFill>
-                  <a:schemeClr val="accent1"/>
-                </a:solidFill>
-                <a:effectLst>
-                  <a:outerShdw blurRad="38100" dist="25400" dir="5400000" algn="ctr" rotWithShape="0">
-                    <a:srgbClr val="6E747A">
-                      <a:alpha val="43000"/>
-                    </a:srgbClr>
-                  </a:outerShdw>
-                </a:effectLst>
-                <a:latin typeface="Segoe UI" panose="020B0502040204020203" pitchFamily="34" charset="0"/>
-                <a:cs typeface="Segoe UI" panose="020B0502040204020203" pitchFamily="34" charset="0"/>
-              </a:rPr>
-              <a:t>Introducción</a:t>
-            </a:r>
-            <a:endParaRPr lang="es-AR" spc="0" dirty="0">
-              <a:ln w="0"/>
-              <a:solidFill>
-                <a:schemeClr val="accent1"/>
-              </a:solidFill>
-              <a:effectLst>
-                <a:outerShdw blurRad="38100" dist="25400" dir="5400000" algn="ctr" rotWithShape="0">
-                  <a:srgbClr val="6E747A">
-                    <a:alpha val="43000"/>
-                  </a:srgbClr>
-                </a:outerShdw>
-              </a:effectLst>
+              <a:rPr lang="es-AR" b="1" i="1" dirty="0" smtClean="0">
+                <a:latin typeface="Segoe UI" panose="020B0502040204020203" pitchFamily="34" charset="0"/>
+                <a:cs typeface="Segoe UI" panose="020B0502040204020203" pitchFamily="34" charset="0"/>
+              </a:rPr>
+              <a:t>Siglo XIX</a:t>
+            </a:r>
+            <a:endParaRPr lang="es-AR" b="1" i="1" dirty="0">
               <a:latin typeface="Segoe UI" panose="020B0502040204020203" pitchFamily="34" charset="0"/>
               <a:cs typeface="Segoe UI" panose="020B0502040204020203" pitchFamily="34" charset="0"/>
             </a:endParaRPr>
@@ -8302,20 +8518,15 @@
       </p:sp>
       <p:sp>
         <p:nvSpPr>
-          <p:cNvPr id="3" name="Content Placeholder 2"/>
+          <p:cNvPr id="3" name="Text Placeholder 2"/>
           <p:cNvSpPr>
             <a:spLocks noGrp="1"/>
           </p:cNvSpPr>
           <p:nvPr>
-            <p:ph idx="1"/>
-          </p:nvPr>
-        </p:nvSpPr>
-        <p:spPr>
-          <a:xfrm>
-            <a:off x="1522413" y="1904999"/>
-            <a:ext cx="9134391" cy="4764361"/>
-          </a:xfrm>
-        </p:spPr>
+            <p:ph type="body" idx="1"/>
+          </p:nvPr>
+        </p:nvSpPr>
+        <p:spPr/>
         <p:txBody>
           <a:bodyPr/>
           <a:lstStyle/>
@@ -8325,94 +8536,7 @@
                 <a:latin typeface="Segoe UI" panose="020B0502040204020203" pitchFamily="34" charset="0"/>
                 <a:cs typeface="Segoe UI" panose="020B0502040204020203" pitchFamily="34" charset="0"/>
               </a:rPr>
-              <a:t>Revolución Industrial</a:t>
-            </a:r>
-          </a:p>
-          <a:p>
-            <a:r>
-              <a:rPr lang="es-AR" dirty="0" smtClean="0">
-                <a:latin typeface="Segoe UI" panose="020B0502040204020203" pitchFamily="34" charset="0"/>
-                <a:cs typeface="Segoe UI" panose="020B0502040204020203" pitchFamily="34" charset="0"/>
-              </a:rPr>
-              <a:t>Innovación productiva, relevancia del inventor</a:t>
-            </a:r>
-          </a:p>
-          <a:p>
-            <a:r>
-              <a:rPr lang="es-AR" dirty="0" smtClean="0">
-                <a:latin typeface="Segoe UI" panose="020B0502040204020203" pitchFamily="34" charset="0"/>
-                <a:cs typeface="Segoe UI" panose="020B0502040204020203" pitchFamily="34" charset="0"/>
-              </a:rPr>
-              <a:t>Política</a:t>
-            </a:r>
-          </a:p>
-          <a:p>
-            <a:pPr lvl="1"/>
-            <a:r>
-              <a:rPr lang="es-AR" dirty="0" smtClean="0">
-                <a:latin typeface="Segoe UI" panose="020B0502040204020203" pitchFamily="34" charset="0"/>
-                <a:cs typeface="Segoe UI" panose="020B0502040204020203" pitchFamily="34" charset="0"/>
-              </a:rPr>
-              <a:t>Europa</a:t>
-            </a:r>
-          </a:p>
-          <a:p>
-            <a:pPr lvl="1"/>
-            <a:r>
-              <a:rPr lang="es-AR" dirty="0" smtClean="0">
-                <a:latin typeface="Segoe UI" panose="020B0502040204020203" pitchFamily="34" charset="0"/>
-                <a:cs typeface="Segoe UI" panose="020B0502040204020203" pitchFamily="34" charset="0"/>
-              </a:rPr>
-              <a:t>América</a:t>
-            </a:r>
-          </a:p>
-          <a:p>
-            <a:pPr lvl="1"/>
-            <a:r>
-              <a:rPr lang="es-AR" dirty="0" smtClean="0">
-                <a:latin typeface="Segoe UI" panose="020B0502040204020203" pitchFamily="34" charset="0"/>
-                <a:cs typeface="Segoe UI" panose="020B0502040204020203" pitchFamily="34" charset="0"/>
-              </a:rPr>
-              <a:t>África</a:t>
-            </a:r>
-          </a:p>
-          <a:p>
-            <a:r>
-              <a:rPr lang="es-AR" dirty="0" smtClean="0">
-                <a:latin typeface="Segoe UI" panose="020B0502040204020203" pitchFamily="34" charset="0"/>
-                <a:cs typeface="Segoe UI" panose="020B0502040204020203" pitchFamily="34" charset="0"/>
-              </a:rPr>
-              <a:t>Administración de la propiedad intelectual</a:t>
-            </a:r>
-          </a:p>
-          <a:p>
-            <a:pPr lvl="1"/>
-            <a:r>
-              <a:rPr lang="es-AR" dirty="0" smtClean="0">
-                <a:latin typeface="Segoe UI" panose="020B0502040204020203" pitchFamily="34" charset="0"/>
-                <a:cs typeface="Segoe UI" panose="020B0502040204020203" pitchFamily="34" charset="0"/>
-              </a:rPr>
-              <a:t>Cédulas Reales de Privilegio de Invención</a:t>
-            </a:r>
-          </a:p>
-          <a:p>
-            <a:pPr lvl="1"/>
-            <a:r>
-              <a:rPr lang="es-AR" dirty="0" smtClean="0">
-                <a:latin typeface="Segoe UI" panose="020B0502040204020203" pitchFamily="34" charset="0"/>
-                <a:cs typeface="Segoe UI" panose="020B0502040204020203" pitchFamily="34" charset="0"/>
-              </a:rPr>
-              <a:t>Patentes de Invención</a:t>
-            </a:r>
-          </a:p>
-          <a:p>
-            <a:pPr lvl="1"/>
-            <a:r>
-              <a:rPr lang="es-AR" dirty="0" smtClean="0">
-                <a:latin typeface="Segoe UI" panose="020B0502040204020203" pitchFamily="34" charset="0"/>
-                <a:cs typeface="Segoe UI" panose="020B0502040204020203" pitchFamily="34" charset="0"/>
-              </a:rPr>
-              <a:t>Propiedad Industrial</a:t>
+              <a:t>La información entre mosquetes y bayonetas</a:t>
             </a:r>
             <a:endParaRPr lang="es-AR" dirty="0">
               <a:latin typeface="Segoe UI" panose="020B0502040204020203" pitchFamily="34" charset="0"/>
@@ -8424,7 +8548,7 @@
     </p:spTree>
     <p:extLst>
       <p:ext uri="{BB962C8B-B14F-4D97-AF65-F5344CB8AC3E}">
-        <p14:creationId xmlns:p14="http://schemas.microsoft.com/office/powerpoint/2010/main" val="911844652"/>
+        <p14:creationId xmlns:p14="http://schemas.microsoft.com/office/powerpoint/2010/main" val="3772183175"/>
       </p:ext>
     </p:extLst>
   </p:cSld>
@@ -8486,19 +8610,35 @@
           <a:lstStyle/>
           <a:p>
             <a:r>
-              <a:rPr lang="es-AR" dirty="0" smtClean="0">
+              <a:rPr lang="es-AR" spc="0" dirty="0" smtClean="0">
+                <a:ln w="0"/>
                 <a:solidFill>
                   <a:schemeClr val="accent1"/>
                 </a:solidFill>
-                <a:latin typeface="Segoe UI" panose="020B0502040204020203" pitchFamily="34" charset="0"/>
-                <a:cs typeface="Segoe UI" panose="020B0502040204020203" pitchFamily="34" charset="0"/>
-              </a:rPr>
-              <a:t>Revolución Industrial</a:t>
-            </a:r>
-            <a:endParaRPr lang="es-AR" dirty="0">
+                <a:effectLst>
+                  <a:outerShdw blurRad="38100" dist="25400" dir="5400000" algn="ctr" rotWithShape="0">
+                    <a:srgbClr val="6E747A">
+                      <a:alpha val="43000"/>
+                    </a:srgbClr>
+                  </a:outerShdw>
+                </a:effectLst>
+                <a:latin typeface="Segoe UI" panose="020B0502040204020203" pitchFamily="34" charset="0"/>
+                <a:cs typeface="Segoe UI" panose="020B0502040204020203" pitchFamily="34" charset="0"/>
+              </a:rPr>
+              <a:t>Introducción</a:t>
+            </a:r>
+            <a:endParaRPr lang="es-AR" spc="0" dirty="0">
+              <a:ln w="0"/>
               <a:solidFill>
                 <a:schemeClr val="accent1"/>
               </a:solidFill>
+              <a:effectLst>
+                <a:outerShdw blurRad="38100" dist="25400" dir="5400000" algn="ctr" rotWithShape="0">
+                  <a:srgbClr val="6E747A">
+                    <a:alpha val="43000"/>
+                  </a:srgbClr>
+                </a:outerShdw>
+              </a:effectLst>
               <a:latin typeface="Segoe UI" panose="020B0502040204020203" pitchFamily="34" charset="0"/>
               <a:cs typeface="Segoe UI" panose="020B0502040204020203" pitchFamily="34" charset="0"/>
             </a:endParaRPr>
@@ -8515,7 +8655,12 @@
             <p:ph idx="1"/>
           </p:nvPr>
         </p:nvSpPr>
-        <p:spPr/>
+        <p:spPr>
+          <a:xfrm>
+            <a:off x="1522413" y="1904999"/>
+            <a:ext cx="9134391" cy="4764361"/>
+          </a:xfrm>
+        </p:spPr>
         <p:txBody>
           <a:bodyPr/>
           <a:lstStyle/>
@@ -8525,7 +8670,7 @@
                 <a:latin typeface="Segoe UI" panose="020B0502040204020203" pitchFamily="34" charset="0"/>
                 <a:cs typeface="Segoe UI" panose="020B0502040204020203" pitchFamily="34" charset="0"/>
               </a:rPr>
-              <a:t>Importancia de la técnica productiva</a:t>
+              <a:t>Revolución Industrial</a:t>
             </a:r>
           </a:p>
           <a:p>
@@ -8534,7 +8679,7 @@
                 <a:latin typeface="Segoe UI" panose="020B0502040204020203" pitchFamily="34" charset="0"/>
                 <a:cs typeface="Segoe UI" panose="020B0502040204020203" pitchFamily="34" charset="0"/>
               </a:rPr>
-              <a:t>Centralización poblacional</a:t>
+              <a:t>Innovación productiva, relevancia del inventor</a:t>
             </a:r>
           </a:p>
           <a:p>
@@ -8543,34 +8688,76 @@
                 <a:latin typeface="Segoe UI" panose="020B0502040204020203" pitchFamily="34" charset="0"/>
                 <a:cs typeface="Segoe UI" panose="020B0502040204020203" pitchFamily="34" charset="0"/>
               </a:rPr>
-              <a:t>Burguesía Industrial</a:t>
-            </a:r>
-          </a:p>
-          <a:p>
+              <a:t>Política</a:t>
+            </a:r>
+          </a:p>
+          <a:p>
+            <a:pPr lvl="1"/>
             <a:r>
               <a:rPr lang="es-AR" dirty="0" smtClean="0">
                 <a:latin typeface="Segoe UI" panose="020B0502040204020203" pitchFamily="34" charset="0"/>
                 <a:cs typeface="Segoe UI" panose="020B0502040204020203" pitchFamily="34" charset="0"/>
               </a:rPr>
-              <a:t>Ordenamiento social</a:t>
-            </a:r>
-          </a:p>
-          <a:p>
+              <a:t>Europa</a:t>
+            </a:r>
+          </a:p>
+          <a:p>
+            <a:pPr lvl="1"/>
             <a:r>
               <a:rPr lang="es-AR" dirty="0" smtClean="0">
                 <a:latin typeface="Segoe UI" panose="020B0502040204020203" pitchFamily="34" charset="0"/>
                 <a:cs typeface="Segoe UI" panose="020B0502040204020203" pitchFamily="34" charset="0"/>
               </a:rPr>
-              <a:t>Liberalismo</a:t>
-            </a:r>
-          </a:p>
-          <a:p>
-            <a:r>
-              <a:rPr lang="es-AR" smtClean="0">
-                <a:latin typeface="Segoe UI" panose="020B0502040204020203" pitchFamily="34" charset="0"/>
-                <a:cs typeface="Segoe UI" panose="020B0502040204020203" pitchFamily="34" charset="0"/>
-              </a:rPr>
-              <a:t>Iluminismo</a:t>
+              <a:t>América</a:t>
+            </a:r>
+          </a:p>
+          <a:p>
+            <a:pPr lvl="1"/>
+            <a:r>
+              <a:rPr lang="es-AR" dirty="0" smtClean="0">
+                <a:latin typeface="Segoe UI" panose="020B0502040204020203" pitchFamily="34" charset="0"/>
+                <a:cs typeface="Segoe UI" panose="020B0502040204020203" pitchFamily="34" charset="0"/>
+              </a:rPr>
+              <a:t>África</a:t>
+            </a:r>
+          </a:p>
+          <a:p>
+            <a:r>
+              <a:rPr lang="es-AR" dirty="0" smtClean="0">
+                <a:latin typeface="Segoe UI" panose="020B0502040204020203" pitchFamily="34" charset="0"/>
+                <a:cs typeface="Segoe UI" panose="020B0502040204020203" pitchFamily="34" charset="0"/>
+              </a:rPr>
+              <a:t>Administración de la propiedad intelectual</a:t>
+            </a:r>
+          </a:p>
+          <a:p>
+            <a:pPr lvl="1"/>
+            <a:r>
+              <a:rPr lang="es-AR" dirty="0" smtClean="0">
+                <a:latin typeface="Segoe UI" panose="020B0502040204020203" pitchFamily="34" charset="0"/>
+                <a:cs typeface="Segoe UI" panose="020B0502040204020203" pitchFamily="34" charset="0"/>
+              </a:rPr>
+              <a:t>Cédulas Reales de Privilegio de Invención</a:t>
+            </a:r>
+          </a:p>
+          <a:p>
+            <a:pPr lvl="1"/>
+            <a:r>
+              <a:rPr lang="es-AR" dirty="0" smtClean="0">
+                <a:latin typeface="Segoe UI" panose="020B0502040204020203" pitchFamily="34" charset="0"/>
+                <a:cs typeface="Segoe UI" panose="020B0502040204020203" pitchFamily="34" charset="0"/>
+              </a:rPr>
+              <a:t>Patentes de Invención</a:t>
+            </a:r>
+          </a:p>
+          <a:p>
+            <a:pPr lvl="1"/>
+            <a:r>
+              <a:rPr lang="es-AR" dirty="0" smtClean="0">
+                <a:latin typeface="Segoe UI" panose="020B0502040204020203" pitchFamily="34" charset="0"/>
+                <a:cs typeface="Segoe UI" panose="020B0502040204020203" pitchFamily="34" charset="0"/>
+              </a:rPr>
+              <a:t>Propiedad Industrial</a:t>
             </a:r>
             <a:endParaRPr lang="es-AR" dirty="0">
               <a:latin typeface="Segoe UI" panose="020B0502040204020203" pitchFamily="34" charset="0"/>
@@ -8579,39 +8766,10 @@
           </a:p>
         </p:txBody>
       </p:sp>
-      <p:sp>
-        <p:nvSpPr>
-          <p:cNvPr id="4" name="Text Placeholder 3"/>
-          <p:cNvSpPr>
-            <a:spLocks noGrp="1"/>
-          </p:cNvSpPr>
-          <p:nvPr>
-            <p:ph type="body" sz="half" idx="2"/>
-          </p:nvPr>
-        </p:nvSpPr>
-        <p:spPr/>
-        <p:txBody>
-          <a:bodyPr/>
-          <a:lstStyle/>
-          <a:p>
-            <a:r>
-              <a:rPr lang="es-AR" dirty="0" smtClean="0">
-                <a:latin typeface="Segoe UI" panose="020B0502040204020203" pitchFamily="34" charset="0"/>
-                <a:cs typeface="Segoe UI" panose="020B0502040204020203" pitchFamily="34" charset="0"/>
-              </a:rPr>
-              <a:t>Iniciada a mediados del Siglo XVIII</a:t>
-            </a:r>
-            <a:endParaRPr lang="es-AR" dirty="0">
-              <a:latin typeface="Segoe UI" panose="020B0502040204020203" pitchFamily="34" charset="0"/>
-              <a:cs typeface="Segoe UI" panose="020B0502040204020203" pitchFamily="34" charset="0"/>
-            </a:endParaRPr>
-          </a:p>
-        </p:txBody>
-      </p:sp>
     </p:spTree>
     <p:extLst>
       <p:ext uri="{BB962C8B-B14F-4D97-AF65-F5344CB8AC3E}">
-        <p14:creationId xmlns:p14="http://schemas.microsoft.com/office/powerpoint/2010/main" val="3751154171"/>
+        <p14:creationId xmlns:p14="http://schemas.microsoft.com/office/powerpoint/2010/main" val="911844652"/>
       </p:ext>
     </p:extLst>
   </p:cSld>
@@ -8680,26 +8838,7 @@
                 <a:latin typeface="Segoe UI" panose="020B0502040204020203" pitchFamily="34" charset="0"/>
                 <a:cs typeface="Segoe UI" panose="020B0502040204020203" pitchFamily="34" charset="0"/>
               </a:rPr>
-              <a:t>Innovación productiva:</a:t>
-            </a:r>
-            <a:br>
-              <a:rPr lang="es-AR" dirty="0" smtClean="0">
-                <a:solidFill>
-                  <a:schemeClr val="accent1"/>
-                </a:solidFill>
-                <a:latin typeface="Segoe UI" panose="020B0502040204020203" pitchFamily="34" charset="0"/>
-                <a:cs typeface="Segoe UI" panose="020B0502040204020203" pitchFamily="34" charset="0"/>
-              </a:rPr>
-            </a:br>
-            <a:r>
-              <a:rPr lang="es-AR" dirty="0" smtClean="0">
-                <a:solidFill>
-                  <a:schemeClr val="accent1"/>
-                </a:solidFill>
-                <a:latin typeface="Segoe UI" panose="020B0502040204020203" pitchFamily="34" charset="0"/>
-                <a:cs typeface="Segoe UI" panose="020B0502040204020203" pitchFamily="34" charset="0"/>
-              </a:rPr>
-              <a:t>El Inventor</a:t>
+              <a:t>Revolución Industrial</a:t>
             </a:r>
             <a:endParaRPr lang="es-AR" dirty="0">
               <a:solidFill>
@@ -8731,7 +8870,7 @@
                 <a:latin typeface="Segoe UI" panose="020B0502040204020203" pitchFamily="34" charset="0"/>
                 <a:cs typeface="Segoe UI" panose="020B0502040204020203" pitchFamily="34" charset="0"/>
               </a:rPr>
-              <a:t>Búsqueda de mayor productividad en la producción de bienes industriales</a:t>
+              <a:t>Importancia de la técnica productiva</a:t>
             </a:r>
           </a:p>
           <a:p>
@@ -8740,7 +8879,7 @@
                 <a:latin typeface="Segoe UI" panose="020B0502040204020203" pitchFamily="34" charset="0"/>
                 <a:cs typeface="Segoe UI" panose="020B0502040204020203" pitchFamily="34" charset="0"/>
               </a:rPr>
-              <a:t>Revalorización del conocimiento técnico</a:t>
+              <a:t>Centralización poblacional</a:t>
             </a:r>
           </a:p>
           <a:p>
@@ -8749,7 +8888,7 @@
                 <a:latin typeface="Segoe UI" panose="020B0502040204020203" pitchFamily="34" charset="0"/>
                 <a:cs typeface="Segoe UI" panose="020B0502040204020203" pitchFamily="34" charset="0"/>
               </a:rPr>
-              <a:t>Creciente demanda por un mayor incentivo a la actividad de la invención</a:t>
+              <a:t>Burguesía Industrial</a:t>
             </a:r>
           </a:p>
           <a:p>
@@ -8758,7 +8897,7 @@
                 <a:latin typeface="Segoe UI" panose="020B0502040204020203" pitchFamily="34" charset="0"/>
                 <a:cs typeface="Segoe UI" panose="020B0502040204020203" pitchFamily="34" charset="0"/>
               </a:rPr>
-              <a:t>Sofisticación y formalización del conocimiento técnico</a:t>
+              <a:t>Ordenamiento social</a:t>
             </a:r>
           </a:p>
           <a:p>
@@ -8767,7 +8906,16 @@
                 <a:latin typeface="Segoe UI" panose="020B0502040204020203" pitchFamily="34" charset="0"/>
                 <a:cs typeface="Segoe UI" panose="020B0502040204020203" pitchFamily="34" charset="0"/>
               </a:rPr>
-              <a:t>Rédito del inventor</a:t>
+              <a:t>Liberalismo</a:t>
+            </a:r>
+          </a:p>
+          <a:p>
+            <a:r>
+              <a:rPr lang="es-AR" smtClean="0">
+                <a:latin typeface="Segoe UI" panose="020B0502040204020203" pitchFamily="34" charset="0"/>
+                <a:cs typeface="Segoe UI" panose="020B0502040204020203" pitchFamily="34" charset="0"/>
+              </a:rPr>
+              <a:t>Iluminismo</a:t>
             </a:r>
             <a:endParaRPr lang="es-AR" dirty="0">
               <a:latin typeface="Segoe UI" panose="020B0502040204020203" pitchFamily="34" charset="0"/>
@@ -8796,7 +8944,7 @@
                 <a:latin typeface="Segoe UI" panose="020B0502040204020203" pitchFamily="34" charset="0"/>
                 <a:cs typeface="Segoe UI" panose="020B0502040204020203" pitchFamily="34" charset="0"/>
               </a:rPr>
-              <a:t>De la sabiduría a la invención</a:t>
+              <a:t>Iniciada a mediados del Siglo XVIII</a:t>
             </a:r>
             <a:endParaRPr lang="es-AR" dirty="0">
               <a:latin typeface="Segoe UI" panose="020B0502040204020203" pitchFamily="34" charset="0"/>
@@ -8808,7 +8956,7 @@
     </p:spTree>
     <p:extLst>
       <p:ext uri="{BB962C8B-B14F-4D97-AF65-F5344CB8AC3E}">
-        <p14:creationId xmlns:p14="http://schemas.microsoft.com/office/powerpoint/2010/main" val="2714171304"/>
+        <p14:creationId xmlns:p14="http://schemas.microsoft.com/office/powerpoint/2010/main" val="3751154171"/>
       </p:ext>
     </p:extLst>
   </p:cSld>
@@ -8877,7 +9025,26 @@
                 <a:latin typeface="Segoe UI" panose="020B0502040204020203" pitchFamily="34" charset="0"/>
                 <a:cs typeface="Segoe UI" panose="020B0502040204020203" pitchFamily="34" charset="0"/>
               </a:rPr>
-              <a:t>Política</a:t>
+              <a:t>Innovación productiva:</a:t>
+            </a:r>
+            <a:br>
+              <a:rPr lang="es-AR" dirty="0" smtClean="0">
+                <a:solidFill>
+                  <a:schemeClr val="accent1"/>
+                </a:solidFill>
+                <a:latin typeface="Segoe UI" panose="020B0502040204020203" pitchFamily="34" charset="0"/>
+                <a:cs typeface="Segoe UI" panose="020B0502040204020203" pitchFamily="34" charset="0"/>
+              </a:rPr>
+            </a:br>
+            <a:r>
+              <a:rPr lang="es-AR" dirty="0" smtClean="0">
+                <a:solidFill>
+                  <a:schemeClr val="accent1"/>
+                </a:solidFill>
+                <a:latin typeface="Segoe UI" panose="020B0502040204020203" pitchFamily="34" charset="0"/>
+                <a:cs typeface="Segoe UI" panose="020B0502040204020203" pitchFamily="34" charset="0"/>
+              </a:rPr>
+              <a:t>El Inventor</a:t>
             </a:r>
             <a:endParaRPr lang="es-AR" dirty="0">
               <a:solidFill>
@@ -8909,7 +9076,7 @@
                 <a:latin typeface="Segoe UI" panose="020B0502040204020203" pitchFamily="34" charset="0"/>
                 <a:cs typeface="Segoe UI" panose="020B0502040204020203" pitchFamily="34" charset="0"/>
               </a:rPr>
-              <a:t>Propagación de estructuras e ideas de la Revolución Francesa</a:t>
+              <a:t>Búsqueda de mayor productividad en la producción de bienes industriales</a:t>
             </a:r>
           </a:p>
           <a:p>
@@ -8918,7 +9085,7 @@
                 <a:latin typeface="Segoe UI" panose="020B0502040204020203" pitchFamily="34" charset="0"/>
                 <a:cs typeface="Segoe UI" panose="020B0502040204020203" pitchFamily="34" charset="0"/>
               </a:rPr>
-              <a:t>Instauraciones de Repúblicas como Estados Nacionales</a:t>
+              <a:t>Revalorización del conocimiento técnico</a:t>
             </a:r>
           </a:p>
           <a:p>
@@ -8927,7 +9094,7 @@
                 <a:latin typeface="Segoe UI" panose="020B0502040204020203" pitchFamily="34" charset="0"/>
                 <a:cs typeface="Segoe UI" panose="020B0502040204020203" pitchFamily="34" charset="0"/>
               </a:rPr>
-              <a:t>Desintegración del Reino de Indias e independencia de regiones administrativas divididas en provincias</a:t>
+              <a:t>Creciente demanda por un mayor incentivo a la actividad de la invención</a:t>
             </a:r>
           </a:p>
           <a:p>
@@ -8936,7 +9103,7 @@
                 <a:latin typeface="Segoe UI" panose="020B0502040204020203" pitchFamily="34" charset="0"/>
                 <a:cs typeface="Segoe UI" panose="020B0502040204020203" pitchFamily="34" charset="0"/>
               </a:rPr>
-              <a:t>Colonización de África. Expediciones científicas europeas y repartición de territorios continentales (Conferencia de Berlín)</a:t>
+              <a:t>Sofisticación y formalización del conocimiento técnico</a:t>
             </a:r>
           </a:p>
           <a:p>
@@ -8945,50 +9112,7 @@
                 <a:latin typeface="Segoe UI" panose="020B0502040204020203" pitchFamily="34" charset="0"/>
                 <a:cs typeface="Segoe UI" panose="020B0502040204020203" pitchFamily="34" charset="0"/>
               </a:rPr>
-              <a:t>Doctrinas materialistas: liberalismo y socialismo</a:t>
-            </a:r>
-          </a:p>
-          <a:p>
-            <a:endParaRPr lang="es-AR" dirty="0" smtClean="0">
-              <a:latin typeface="Segoe UI" panose="020B0502040204020203" pitchFamily="34" charset="0"/>
-              <a:cs typeface="Segoe UI" panose="020B0502040204020203" pitchFamily="34" charset="0"/>
-            </a:endParaRPr>
-          </a:p>
-          <a:p>
-            <a:endParaRPr lang="es-AR" dirty="0" smtClean="0">
-              <a:latin typeface="Segoe UI" panose="020B0502040204020203" pitchFamily="34" charset="0"/>
-              <a:cs typeface="Segoe UI" panose="020B0502040204020203" pitchFamily="34" charset="0"/>
-            </a:endParaRPr>
-          </a:p>
-          <a:p>
-            <a:endParaRPr lang="es-AR" dirty="0" smtClean="0">
-              <a:latin typeface="Segoe UI" panose="020B0502040204020203" pitchFamily="34" charset="0"/>
-              <a:cs typeface="Segoe UI" panose="020B0502040204020203" pitchFamily="34" charset="0"/>
-            </a:endParaRPr>
-          </a:p>
-        </p:txBody>
-      </p:sp>
-      <p:sp>
-        <p:nvSpPr>
-          <p:cNvPr id="4" name="Text Placeholder 3"/>
-          <p:cNvSpPr>
-            <a:spLocks noGrp="1"/>
-          </p:cNvSpPr>
-          <p:nvPr>
-            <p:ph type="body" sz="half" idx="2"/>
-          </p:nvPr>
-        </p:nvSpPr>
-        <p:spPr/>
-        <p:txBody>
-          <a:bodyPr/>
-          <a:lstStyle/>
-          <a:p>
-            <a:r>
-              <a:rPr lang="es-AR" dirty="0" smtClean="0">
-                <a:latin typeface="Segoe UI" panose="020B0502040204020203" pitchFamily="34" charset="0"/>
-                <a:cs typeface="Segoe UI" panose="020B0502040204020203" pitchFamily="34" charset="0"/>
-              </a:rPr>
-              <a:t>“Lo relativo al ordenamiento de la ciudad”.</a:t>
+              <a:t>Rédito del inventor</a:t>
             </a:r>
             <a:endParaRPr lang="es-AR" dirty="0">
               <a:latin typeface="Segoe UI" panose="020B0502040204020203" pitchFamily="34" charset="0"/>
@@ -8997,10 +9121,39 @@
           </a:p>
         </p:txBody>
       </p:sp>
+      <p:sp>
+        <p:nvSpPr>
+          <p:cNvPr id="4" name="Text Placeholder 3"/>
+          <p:cNvSpPr>
+            <a:spLocks noGrp="1"/>
+          </p:cNvSpPr>
+          <p:nvPr>
+            <p:ph type="body" sz="half" idx="2"/>
+          </p:nvPr>
+        </p:nvSpPr>
+        <p:spPr/>
+        <p:txBody>
+          <a:bodyPr/>
+          <a:lstStyle/>
+          <a:p>
+            <a:r>
+              <a:rPr lang="es-AR" dirty="0" smtClean="0">
+                <a:latin typeface="Segoe UI" panose="020B0502040204020203" pitchFamily="34" charset="0"/>
+                <a:cs typeface="Segoe UI" panose="020B0502040204020203" pitchFamily="34" charset="0"/>
+              </a:rPr>
+              <a:t>De la sabiduría a la invención</a:t>
+            </a:r>
+            <a:endParaRPr lang="es-AR" dirty="0">
+              <a:latin typeface="Segoe UI" panose="020B0502040204020203" pitchFamily="34" charset="0"/>
+              <a:cs typeface="Segoe UI" panose="020B0502040204020203" pitchFamily="34" charset="0"/>
+            </a:endParaRPr>
+          </a:p>
+        </p:txBody>
+      </p:sp>
     </p:spTree>
     <p:extLst>
       <p:ext uri="{BB962C8B-B14F-4D97-AF65-F5344CB8AC3E}">
-        <p14:creationId xmlns:p14="http://schemas.microsoft.com/office/powerpoint/2010/main" val="2246987516"/>
+        <p14:creationId xmlns:p14="http://schemas.microsoft.com/office/powerpoint/2010/main" val="2714171304"/>
       </p:ext>
     </p:extLst>
   </p:cSld>
@@ -9062,56 +9215,16 @@
           <a:lstStyle/>
           <a:p>
             <a:r>
-              <a:rPr lang="en-US" dirty="0" err="1" smtClean="0">
+              <a:rPr lang="es-AR" dirty="0" smtClean="0">
                 <a:solidFill>
                   <a:schemeClr val="accent1"/>
                 </a:solidFill>
                 <a:latin typeface="Segoe UI" panose="020B0502040204020203" pitchFamily="34" charset="0"/>
                 <a:cs typeface="Segoe UI" panose="020B0502040204020203" pitchFamily="34" charset="0"/>
               </a:rPr>
-              <a:t>Administración</a:t>
-            </a:r>
-            <a:r>
-              <a:rPr lang="en-US" dirty="0" smtClean="0">
-                <a:solidFill>
-                  <a:schemeClr val="accent1"/>
-                </a:solidFill>
-                <a:latin typeface="Segoe UI" panose="020B0502040204020203" pitchFamily="34" charset="0"/>
-                <a:cs typeface="Segoe UI" panose="020B0502040204020203" pitchFamily="34" charset="0"/>
-              </a:rPr>
-              <a:t> de la </a:t>
-            </a:r>
-            <a:r>
-              <a:rPr lang="en-US" dirty="0" err="1" smtClean="0">
-                <a:solidFill>
-                  <a:schemeClr val="accent1"/>
-                </a:solidFill>
-                <a:latin typeface="Segoe UI" panose="020B0502040204020203" pitchFamily="34" charset="0"/>
-                <a:cs typeface="Segoe UI" panose="020B0502040204020203" pitchFamily="34" charset="0"/>
-              </a:rPr>
-              <a:t>Propiedad</a:t>
-            </a:r>
-            <a:r>
-              <a:rPr lang="en-US" dirty="0" smtClean="0">
-                <a:solidFill>
-                  <a:schemeClr val="accent1"/>
-                </a:solidFill>
-                <a:latin typeface="Segoe UI" panose="020B0502040204020203" pitchFamily="34" charset="0"/>
-                <a:cs typeface="Segoe UI" panose="020B0502040204020203" pitchFamily="34" charset="0"/>
-              </a:rPr>
-              <a:t> </a:t>
-            </a:r>
-            <a:r>
-              <a:rPr lang="en-US" dirty="0" err="1" smtClean="0">
-                <a:solidFill>
-                  <a:schemeClr val="accent1"/>
-                </a:solidFill>
-                <a:latin typeface="Segoe UI" panose="020B0502040204020203" pitchFamily="34" charset="0"/>
-                <a:cs typeface="Segoe UI" panose="020B0502040204020203" pitchFamily="34" charset="0"/>
-              </a:rPr>
-              <a:t>Intelectual</a:t>
-            </a:r>
-            <a:endParaRPr lang="en-US" dirty="0">
+              <a:t>Política</a:t>
+            </a:r>
+            <a:endParaRPr lang="es-AR" dirty="0">
               <a:solidFill>
                 <a:schemeClr val="accent1"/>
               </a:solidFill>
@@ -9137,81 +9250,102 @@
           <a:lstStyle/>
           <a:p>
             <a:r>
-              <a:rPr lang="en-US" smtClean="0">
-                <a:latin typeface="Segoe UI" panose="020B0502040204020203" pitchFamily="34" charset="0"/>
-                <a:cs typeface="Segoe UI" panose="020B0502040204020203" pitchFamily="34" charset="0"/>
-              </a:rPr>
-              <a:t>Cédulas Reales de Privilegio de Invención</a:t>
-            </a:r>
-          </a:p>
-          <a:p>
-            <a:r>
-              <a:rPr lang="en-US" smtClean="0">
-                <a:latin typeface="Segoe UI" panose="020B0502040204020203" pitchFamily="34" charset="0"/>
-                <a:cs typeface="Segoe UI" panose="020B0502040204020203" pitchFamily="34" charset="0"/>
-              </a:rPr>
-              <a:t>Patente de Invención (principios S. XIX)</a:t>
-            </a:r>
-          </a:p>
-          <a:p>
-            <a:r>
-              <a:rPr lang="en-US" smtClean="0">
-                <a:latin typeface="Segoe UI" panose="020B0502040204020203" pitchFamily="34" charset="0"/>
-                <a:cs typeface="Segoe UI" panose="020B0502040204020203" pitchFamily="34" charset="0"/>
-              </a:rPr>
-              <a:t>Convenio de París (1883). Protección internacional de la Propiedad Industrial.</a:t>
-            </a:r>
-          </a:p>
-          <a:p>
-            <a:r>
-              <a:rPr lang="en-US" smtClean="0">
-                <a:latin typeface="Segoe UI" panose="020B0502040204020203" pitchFamily="34" charset="0"/>
-                <a:cs typeface="Segoe UI" panose="020B0502040204020203" pitchFamily="34" charset="0"/>
-              </a:rPr>
-              <a:t>Convenio de Berna (1886). Protección de los Derechos de Autor de obras literarias y artísticas (Dumas).</a:t>
-            </a:r>
-          </a:p>
-          <a:p>
-            <a:endParaRPr lang="en-US">
+              <a:rPr lang="es-AR" dirty="0" smtClean="0">
+                <a:latin typeface="Segoe UI" panose="020B0502040204020203" pitchFamily="34" charset="0"/>
+                <a:cs typeface="Segoe UI" panose="020B0502040204020203" pitchFamily="34" charset="0"/>
+              </a:rPr>
+              <a:t>Propagación de estructuras e ideas de la Revolución Francesa</a:t>
+            </a:r>
+          </a:p>
+          <a:p>
+            <a:r>
+              <a:rPr lang="es-AR" dirty="0" smtClean="0">
+                <a:latin typeface="Segoe UI" panose="020B0502040204020203" pitchFamily="34" charset="0"/>
+                <a:cs typeface="Segoe UI" panose="020B0502040204020203" pitchFamily="34" charset="0"/>
+              </a:rPr>
+              <a:t>Instauraciones de Repúblicas como Estados Nacionales</a:t>
+            </a:r>
+          </a:p>
+          <a:p>
+            <a:r>
+              <a:rPr lang="es-AR" dirty="0" smtClean="0">
+                <a:latin typeface="Segoe UI" panose="020B0502040204020203" pitchFamily="34" charset="0"/>
+                <a:cs typeface="Segoe UI" panose="020B0502040204020203" pitchFamily="34" charset="0"/>
+              </a:rPr>
+              <a:t>Desintegración del Reino de Indias e independencia de regiones administrativas divididas en provincias</a:t>
+            </a:r>
+          </a:p>
+          <a:p>
+            <a:r>
+              <a:rPr lang="es-AR" dirty="0" smtClean="0">
+                <a:latin typeface="Segoe UI" panose="020B0502040204020203" pitchFamily="34" charset="0"/>
+                <a:cs typeface="Segoe UI" panose="020B0502040204020203" pitchFamily="34" charset="0"/>
+              </a:rPr>
+              <a:t>Colonización de África. Expediciones científicas europeas y repartición de territorios continentales (Conferencia de Berlín)</a:t>
+            </a:r>
+          </a:p>
+          <a:p>
+            <a:r>
+              <a:rPr lang="es-AR" dirty="0" smtClean="0">
+                <a:latin typeface="Segoe UI" panose="020B0502040204020203" pitchFamily="34" charset="0"/>
+                <a:cs typeface="Segoe UI" panose="020B0502040204020203" pitchFamily="34" charset="0"/>
+              </a:rPr>
+              <a:t>Doctrinas materialistas: liberalismo y socialismo</a:t>
+            </a:r>
+          </a:p>
+          <a:p>
+            <a:endParaRPr lang="es-AR" dirty="0" smtClean="0">
               <a:latin typeface="Segoe UI" panose="020B0502040204020203" pitchFamily="34" charset="0"/>
               <a:cs typeface="Segoe UI" panose="020B0502040204020203" pitchFamily="34" charset="0"/>
             </a:endParaRPr>
           </a:p>
-        </p:txBody>
-      </p:sp>
-      <p:sp>
-        <p:nvSpPr>
-          <p:cNvPr id="4" name="Text Placeholder 3"/>
-          <p:cNvSpPr>
-            <a:spLocks noGrp="1"/>
-          </p:cNvSpPr>
-          <p:nvPr>
-            <p:ph type="body" sz="half" idx="2"/>
-          </p:nvPr>
-        </p:nvSpPr>
-        <p:spPr/>
-        <p:txBody>
-          <a:bodyPr/>
-          <a:lstStyle/>
-          <a:p>
-            <a:r>
-              <a:rPr lang="en-US" smtClean="0">
-                <a:latin typeface="Segoe UI" panose="020B0502040204020203" pitchFamily="34" charset="0"/>
-                <a:cs typeface="Segoe UI" panose="020B0502040204020203" pitchFamily="34" charset="0"/>
-              </a:rPr>
-              <a:t>Entre la libertad y la privacidad</a:t>
-            </a:r>
-            <a:endParaRPr lang="en-US">
+          <a:p>
+            <a:endParaRPr lang="es-AR" dirty="0" smtClean="0">
               <a:latin typeface="Segoe UI" panose="020B0502040204020203" pitchFamily="34" charset="0"/>
               <a:cs typeface="Segoe UI" panose="020B0502040204020203" pitchFamily="34" charset="0"/>
             </a:endParaRPr>
           </a:p>
+          <a:p>
+            <a:endParaRPr lang="es-AR" dirty="0" smtClean="0">
+              <a:latin typeface="Segoe UI" panose="020B0502040204020203" pitchFamily="34" charset="0"/>
+              <a:cs typeface="Segoe UI" panose="020B0502040204020203" pitchFamily="34" charset="0"/>
+            </a:endParaRPr>
+          </a:p>
+        </p:txBody>
+      </p:sp>
+      <p:sp>
+        <p:nvSpPr>
+          <p:cNvPr id="4" name="Text Placeholder 3"/>
+          <p:cNvSpPr>
+            <a:spLocks noGrp="1"/>
+          </p:cNvSpPr>
+          <p:nvPr>
+            <p:ph type="body" sz="half" idx="2"/>
+          </p:nvPr>
+        </p:nvSpPr>
+        <p:spPr/>
+        <p:txBody>
+          <a:bodyPr/>
+          <a:lstStyle/>
+          <a:p>
+            <a:r>
+              <a:rPr lang="es-AR" dirty="0" smtClean="0">
+                <a:latin typeface="Segoe UI" panose="020B0502040204020203" pitchFamily="34" charset="0"/>
+                <a:cs typeface="Segoe UI" panose="020B0502040204020203" pitchFamily="34" charset="0"/>
+              </a:rPr>
+              <a:t>“Lo relativo al ordenamiento de la ciudad”.</a:t>
+            </a:r>
+            <a:endParaRPr lang="es-AR" dirty="0">
+              <a:latin typeface="Segoe UI" panose="020B0502040204020203" pitchFamily="34" charset="0"/>
+              <a:cs typeface="Segoe UI" panose="020B0502040204020203" pitchFamily="34" charset="0"/>
+            </a:endParaRPr>
+          </a:p>
         </p:txBody>
       </p:sp>
     </p:spTree>
     <p:extLst>
       <p:ext uri="{BB962C8B-B14F-4D97-AF65-F5344CB8AC3E}">
-        <p14:creationId xmlns:p14="http://schemas.microsoft.com/office/powerpoint/2010/main" val="3025649002"/>
+        <p14:creationId xmlns:p14="http://schemas.microsoft.com/office/powerpoint/2010/main" val="2246987516"/>
       </p:ext>
     </p:extLst>
   </p:cSld>
@@ -9273,16 +9407,56 @@
           <a:lstStyle/>
           <a:p>
             <a:r>
-              <a:rPr lang="es-AR" dirty="0" smtClean="0">
+              <a:rPr lang="en-US" dirty="0" err="1" smtClean="0">
                 <a:solidFill>
                   <a:schemeClr val="accent1"/>
                 </a:solidFill>
                 <a:latin typeface="Segoe UI" panose="020B0502040204020203" pitchFamily="34" charset="0"/>
                 <a:cs typeface="Segoe UI" panose="020B0502040204020203" pitchFamily="34" charset="0"/>
               </a:rPr>
-              <a:t>Mecanismos de Protección</a:t>
-            </a:r>
-            <a:endParaRPr lang="es-AR" dirty="0">
+              <a:t>Administración</a:t>
+            </a:r>
+            <a:r>
+              <a:rPr lang="en-US" dirty="0" smtClean="0">
+                <a:solidFill>
+                  <a:schemeClr val="accent1"/>
+                </a:solidFill>
+                <a:latin typeface="Segoe UI" panose="020B0502040204020203" pitchFamily="34" charset="0"/>
+                <a:cs typeface="Segoe UI" panose="020B0502040204020203" pitchFamily="34" charset="0"/>
+              </a:rPr>
+              <a:t> de la </a:t>
+            </a:r>
+            <a:r>
+              <a:rPr lang="en-US" dirty="0" err="1" smtClean="0">
+                <a:solidFill>
+                  <a:schemeClr val="accent1"/>
+                </a:solidFill>
+                <a:latin typeface="Segoe UI" panose="020B0502040204020203" pitchFamily="34" charset="0"/>
+                <a:cs typeface="Segoe UI" panose="020B0502040204020203" pitchFamily="34" charset="0"/>
+              </a:rPr>
+              <a:t>Propiedad</a:t>
+            </a:r>
+            <a:r>
+              <a:rPr lang="en-US" dirty="0" smtClean="0">
+                <a:solidFill>
+                  <a:schemeClr val="accent1"/>
+                </a:solidFill>
+                <a:latin typeface="Segoe UI" panose="020B0502040204020203" pitchFamily="34" charset="0"/>
+                <a:cs typeface="Segoe UI" panose="020B0502040204020203" pitchFamily="34" charset="0"/>
+              </a:rPr>
+              <a:t> </a:t>
+            </a:r>
+            <a:r>
+              <a:rPr lang="en-US" dirty="0" err="1" smtClean="0">
+                <a:solidFill>
+                  <a:schemeClr val="accent1"/>
+                </a:solidFill>
+                <a:latin typeface="Segoe UI" panose="020B0502040204020203" pitchFamily="34" charset="0"/>
+                <a:cs typeface="Segoe UI" panose="020B0502040204020203" pitchFamily="34" charset="0"/>
+              </a:rPr>
+              <a:t>Intelectual</a:t>
+            </a:r>
+            <a:endParaRPr lang="en-US" dirty="0">
               <a:solidFill>
                 <a:schemeClr val="accent1"/>
               </a:solidFill>
@@ -9302,66 +9476,87 @@
             <p:ph idx="1"/>
           </p:nvPr>
         </p:nvSpPr>
-        <p:spPr>
-          <a:xfrm>
-            <a:off x="1522413" y="1904999"/>
-            <a:ext cx="9134391" cy="2388097"/>
-          </a:xfrm>
-        </p:spPr>
+        <p:spPr/>
         <p:txBody>
           <a:bodyPr/>
           <a:lstStyle/>
           <a:p>
             <a:r>
-              <a:rPr lang="es-AR" dirty="0" smtClean="0">
-                <a:latin typeface="Segoe UI" panose="020B0502040204020203" pitchFamily="34" charset="0"/>
-                <a:cs typeface="Segoe UI" panose="020B0502040204020203" pitchFamily="34" charset="0"/>
-              </a:rPr>
-              <a:t>Esteganografía</a:t>
-            </a:r>
-          </a:p>
-          <a:p>
-            <a:r>
-              <a:rPr lang="es-AR" dirty="0" smtClean="0">
-                <a:latin typeface="Segoe UI" panose="020B0502040204020203" pitchFamily="34" charset="0"/>
-                <a:cs typeface="Segoe UI" panose="020B0502040204020203" pitchFamily="34" charset="0"/>
-              </a:rPr>
-              <a:t>Criptografía</a:t>
-            </a:r>
-          </a:p>
-          <a:p>
-            <a:r>
-              <a:rPr lang="es-AR" dirty="0" smtClean="0">
-                <a:latin typeface="Segoe UI" panose="020B0502040204020203" pitchFamily="34" charset="0"/>
-                <a:cs typeface="Segoe UI" panose="020B0502040204020203" pitchFamily="34" charset="0"/>
-              </a:rPr>
-              <a:t>Patentes de invención</a:t>
-            </a:r>
-          </a:p>
-          <a:p>
-            <a:r>
-              <a:rPr lang="es-AR" dirty="0" smtClean="0">
-                <a:latin typeface="Segoe UI" panose="020B0502040204020203" pitchFamily="34" charset="0"/>
-                <a:cs typeface="Segoe UI" panose="020B0502040204020203" pitchFamily="34" charset="0"/>
-              </a:rPr>
-              <a:t>Cajas de seguridad</a:t>
-            </a:r>
-          </a:p>
-          <a:p>
-            <a:pPr marL="0" indent="0">
-              <a:buNone/>
-            </a:pPr>
-            <a:endParaRPr lang="es-AR" dirty="0" smtClean="0">
+              <a:rPr lang="en-US" smtClean="0">
+                <a:latin typeface="Segoe UI" panose="020B0502040204020203" pitchFamily="34" charset="0"/>
+                <a:cs typeface="Segoe UI" panose="020B0502040204020203" pitchFamily="34" charset="0"/>
+              </a:rPr>
+              <a:t>Cédulas Reales de Privilegio de Invención</a:t>
+            </a:r>
+          </a:p>
+          <a:p>
+            <a:r>
+              <a:rPr lang="en-US" smtClean="0">
+                <a:latin typeface="Segoe UI" panose="020B0502040204020203" pitchFamily="34" charset="0"/>
+                <a:cs typeface="Segoe UI" panose="020B0502040204020203" pitchFamily="34" charset="0"/>
+              </a:rPr>
+              <a:t>Patente de Invención (principios S. XIX)</a:t>
+            </a:r>
+          </a:p>
+          <a:p>
+            <a:r>
+              <a:rPr lang="en-US" smtClean="0">
+                <a:latin typeface="Segoe UI" panose="020B0502040204020203" pitchFamily="34" charset="0"/>
+                <a:cs typeface="Segoe UI" panose="020B0502040204020203" pitchFamily="34" charset="0"/>
+              </a:rPr>
+              <a:t>Convenio de París (1883). Protección internacional de la Propiedad Industrial.</a:t>
+            </a:r>
+          </a:p>
+          <a:p>
+            <a:r>
+              <a:rPr lang="en-US" smtClean="0">
+                <a:latin typeface="Segoe UI" panose="020B0502040204020203" pitchFamily="34" charset="0"/>
+                <a:cs typeface="Segoe UI" panose="020B0502040204020203" pitchFamily="34" charset="0"/>
+              </a:rPr>
+              <a:t>Convenio de Berna (1886). Protección de los Derechos de Autor de obras literarias y artísticas (Dumas).</a:t>
+            </a:r>
+          </a:p>
+          <a:p>
+            <a:endParaRPr lang="en-US">
               <a:latin typeface="Segoe UI" panose="020B0502040204020203" pitchFamily="34" charset="0"/>
               <a:cs typeface="Segoe UI" panose="020B0502040204020203" pitchFamily="34" charset="0"/>
             </a:endParaRPr>
           </a:p>
         </p:txBody>
       </p:sp>
+      <p:sp>
+        <p:nvSpPr>
+          <p:cNvPr id="4" name="Text Placeholder 3"/>
+          <p:cNvSpPr>
+            <a:spLocks noGrp="1"/>
+          </p:cNvSpPr>
+          <p:nvPr>
+            <p:ph type="body" sz="half" idx="2"/>
+          </p:nvPr>
+        </p:nvSpPr>
+        <p:spPr/>
+        <p:txBody>
+          <a:bodyPr/>
+          <a:lstStyle/>
+          <a:p>
+            <a:r>
+              <a:rPr lang="en-US" smtClean="0">
+                <a:latin typeface="Segoe UI" panose="020B0502040204020203" pitchFamily="34" charset="0"/>
+                <a:cs typeface="Segoe UI" panose="020B0502040204020203" pitchFamily="34" charset="0"/>
+              